--- a/NanoparticleToxicity.pptx
+++ b/NanoparticleToxicity.pptx
@@ -6,15 +6,16 @@
     <p:sldMasterId id="2147483694" r:id="rId2"/>
   </p:sldMasterIdLst>
   <p:notesMasterIdLst>
-    <p:notesMasterId r:id="rId6"/>
+    <p:notesMasterId r:id="rId7"/>
   </p:notesMasterIdLst>
   <p:handoutMasterIdLst>
-    <p:handoutMasterId r:id="rId7"/>
+    <p:handoutMasterId r:id="rId8"/>
   </p:handoutMasterIdLst>
   <p:sldIdLst>
     <p:sldId id="270" r:id="rId3"/>
     <p:sldId id="271" r:id="rId4"/>
     <p:sldId id="264" r:id="rId5"/>
+    <p:sldId id="272" r:id="rId6"/>
   </p:sldIdLst>
   <p:sldSz cx="12192000" cy="6858000"/>
   <p:notesSz cx="6858000" cy="9144000"/>
@@ -6046,6 +6047,19 @@
             <a:endParaRPr lang="nl-BE" dirty="0"/>
           </a:p>
           <a:p>
+            <a:r>
+              <a:rPr lang="nl-BE" dirty="0" err="1"/>
+              <a:t>Possible</a:t>
+            </a:r>
+            <a:r>
+              <a:rPr lang="nl-BE" dirty="0"/>
+              <a:t> Solutions</a:t>
+            </a:r>
+          </a:p>
+          <a:p>
+            <a:endParaRPr lang="nl-BE" dirty="0"/>
+          </a:p>
+          <a:p>
             <a:endParaRPr lang="nl-BE" dirty="0"/>
           </a:p>
           <a:p>
@@ -6427,6 +6441,67 @@
                       </p:childTnLst>
                     </p:cTn>
                   </p:par>
+                  <p:par>
+                    <p:cTn id="23" fill="hold">
+                      <p:stCondLst>
+                        <p:cond delay="indefinite"/>
+                      </p:stCondLst>
+                      <p:childTnLst>
+                        <p:par>
+                          <p:cTn id="24" fill="hold">
+                            <p:stCondLst>
+                              <p:cond delay="0"/>
+                            </p:stCondLst>
+                            <p:childTnLst>
+                              <p:par>
+                                <p:cTn id="25" presetID="10" presetClass="entr" presetSubtype="0" fill="hold" nodeType="clickEffect">
+                                  <p:stCondLst>
+                                    <p:cond delay="0"/>
+                                  </p:stCondLst>
+                                  <p:childTnLst>
+                                    <p:set>
+                                      <p:cBhvr>
+                                        <p:cTn id="26" dur="1" fill="hold">
+                                          <p:stCondLst>
+                                            <p:cond delay="0"/>
+                                          </p:stCondLst>
+                                        </p:cTn>
+                                        <p:tgtEl>
+                                          <p:spTgt spid="6">
+                                            <p:txEl>
+                                              <p:pRg st="7" end="7"/>
+                                            </p:txEl>
+                                          </p:spTgt>
+                                        </p:tgtEl>
+                                        <p:attrNameLst>
+                                          <p:attrName>style.visibility</p:attrName>
+                                        </p:attrNameLst>
+                                      </p:cBhvr>
+                                      <p:to>
+                                        <p:strVal val="visible"/>
+                                      </p:to>
+                                    </p:set>
+                                    <p:animEffect transition="in" filter="fade">
+                                      <p:cBhvr>
+                                        <p:cTn id="27" dur="500"/>
+                                        <p:tgtEl>
+                                          <p:spTgt spid="6">
+                                            <p:txEl>
+                                              <p:pRg st="7" end="7"/>
+                                            </p:txEl>
+                                          </p:spTgt>
+                                        </p:tgtEl>
+                                      </p:cBhvr>
+                                    </p:animEffect>
+                                  </p:childTnLst>
+                                </p:cTn>
+                              </p:par>
+                            </p:childTnLst>
+                          </p:cTn>
+                        </p:par>
+                      </p:childTnLst>
+                    </p:cTn>
+                  </p:par>
                 </p:childTnLst>
               </p:cTn>
               <p:prevCondLst>
@@ -6919,6 +6994,182 @@
       <p:bldP spid="9" grpId="0"/>
     </p:bldLst>
   </p:timing>
+</p:sld>
+</file>
+
+<file path=ppt/slides/slide4.xml><?xml version="1.0" encoding="utf-8"?>
+<p:sld xmlns:a="http://schemas.openxmlformats.org/drawingml/2006/main" xmlns:r="http://schemas.openxmlformats.org/officeDocument/2006/relationships" xmlns:p="http://schemas.openxmlformats.org/presentationml/2006/main">
+  <p:cSld>
+    <p:spTree>
+      <p:nvGrpSpPr>
+        <p:cNvPr id="1" name=""/>
+        <p:cNvGrpSpPr/>
+        <p:nvPr/>
+      </p:nvGrpSpPr>
+      <p:grpSpPr>
+        <a:xfrm>
+          <a:off x="0" y="0"/>
+          <a:ext cx="0" cy="0"/>
+          <a:chOff x="0" y="0"/>
+          <a:chExt cx="0" cy="0"/>
+        </a:xfrm>
+      </p:grpSpPr>
+      <p:sp>
+        <p:nvSpPr>
+          <p:cNvPr id="2" name="Titel 1">
+            <a:extLst>
+              <a:ext uri="{FF2B5EF4-FFF2-40B4-BE49-F238E27FC236}">
+                <a16:creationId xmlns:a16="http://schemas.microsoft.com/office/drawing/2014/main" id="{2FB8E248-D862-4306-9196-7654C8A2E3B5}"/>
+              </a:ext>
+            </a:extLst>
+          </p:cNvPr>
+          <p:cNvSpPr>
+            <a:spLocks noGrp="1"/>
+          </p:cNvSpPr>
+          <p:nvPr>
+            <p:ph type="title"/>
+          </p:nvPr>
+        </p:nvSpPr>
+        <p:spPr/>
+        <p:txBody>
+          <a:bodyPr/>
+          <a:lstStyle/>
+          <a:p>
+            <a:r>
+              <a:rPr lang="en-US" dirty="0"/>
+              <a:t>Solutions</a:t>
+            </a:r>
+          </a:p>
+        </p:txBody>
+      </p:sp>
+      <p:sp>
+        <p:nvSpPr>
+          <p:cNvPr id="3" name="Tijdelijke aanduiding voor tekst 2">
+            <a:extLst>
+              <a:ext uri="{FF2B5EF4-FFF2-40B4-BE49-F238E27FC236}">
+                <a16:creationId xmlns:a16="http://schemas.microsoft.com/office/drawing/2014/main" id="{90FDF5C7-12E4-41EA-824F-16149833D90E}"/>
+              </a:ext>
+            </a:extLst>
+          </p:cNvPr>
+          <p:cNvSpPr>
+            <a:spLocks noGrp="1"/>
+          </p:cNvSpPr>
+          <p:nvPr>
+            <p:ph type="body" idx="1"/>
+          </p:nvPr>
+        </p:nvSpPr>
+        <p:spPr/>
+        <p:txBody>
+          <a:bodyPr/>
+          <a:lstStyle/>
+          <a:p>
+            <a:endParaRPr lang="en-US" dirty="0"/>
+          </a:p>
+        </p:txBody>
+      </p:sp>
+      <p:sp>
+        <p:nvSpPr>
+          <p:cNvPr id="4" name="Tijdelijke aanduiding voor voettekst 3">
+            <a:extLst>
+              <a:ext uri="{FF2B5EF4-FFF2-40B4-BE49-F238E27FC236}">
+                <a16:creationId xmlns:a16="http://schemas.microsoft.com/office/drawing/2014/main" id="{7A4D3E5E-398B-4CBB-BA69-AFD9C0E8F78D}"/>
+              </a:ext>
+            </a:extLst>
+          </p:cNvPr>
+          <p:cNvSpPr>
+            <a:spLocks noGrp="1"/>
+          </p:cNvSpPr>
+          <p:nvPr>
+            <p:ph type="ftr" sz="quarter" idx="11"/>
+          </p:nvPr>
+        </p:nvSpPr>
+        <p:spPr/>
+        <p:txBody>
+          <a:bodyPr/>
+          <a:lstStyle/>
+          <a:p>
+            <a:r>
+              <a:rPr lang="nl-NL"/>
+              <a:t>Faculteit, departement, dienst …</a:t>
+            </a:r>
+          </a:p>
+        </p:txBody>
+      </p:sp>
+      <p:sp>
+        <p:nvSpPr>
+          <p:cNvPr id="5" name="Tijdelijke aanduiding voor dianummer 4">
+            <a:extLst>
+              <a:ext uri="{FF2B5EF4-FFF2-40B4-BE49-F238E27FC236}">
+                <a16:creationId xmlns:a16="http://schemas.microsoft.com/office/drawing/2014/main" id="{FC6A8605-7866-464D-B69E-56EF39493187}"/>
+              </a:ext>
+            </a:extLst>
+          </p:cNvPr>
+          <p:cNvSpPr>
+            <a:spLocks noGrp="1"/>
+          </p:cNvSpPr>
+          <p:nvPr>
+            <p:ph type="sldNum" sz="quarter" idx="12"/>
+          </p:nvPr>
+        </p:nvSpPr>
+        <p:spPr/>
+        <p:txBody>
+          <a:bodyPr/>
+          <a:lstStyle/>
+          <a:p>
+            <a:fld id="{0A297500-7527-634B-90F4-69D0994C32B4}" type="slidenum">
+              <a:rPr lang="nl-NL" smtClean="0"/>
+              <a:t>4</a:t>
+            </a:fld>
+            <a:endParaRPr lang="nl-NL"/>
+          </a:p>
+        </p:txBody>
+      </p:sp>
+      <p:sp>
+        <p:nvSpPr>
+          <p:cNvPr id="6" name="Tijdelijke aanduiding voor afbeelding 5">
+            <a:extLst>
+              <a:ext uri="{FF2B5EF4-FFF2-40B4-BE49-F238E27FC236}">
+                <a16:creationId xmlns:a16="http://schemas.microsoft.com/office/drawing/2014/main" id="{84C7C381-47B3-4BE7-AC81-DF28B6F3268D}"/>
+              </a:ext>
+            </a:extLst>
+          </p:cNvPr>
+          <p:cNvSpPr>
+            <a:spLocks noGrp="1"/>
+          </p:cNvSpPr>
+          <p:nvPr>
+            <p:ph type="pic" sz="quarter" idx="13"/>
+          </p:nvPr>
+        </p:nvSpPr>
+        <p:spPr/>
+      </p:sp>
+      <p:sp>
+        <p:nvSpPr>
+          <p:cNvPr id="7" name="Tijdelijke aanduiding voor afbeelding 6">
+            <a:extLst>
+              <a:ext uri="{FF2B5EF4-FFF2-40B4-BE49-F238E27FC236}">
+                <a16:creationId xmlns:a16="http://schemas.microsoft.com/office/drawing/2014/main" id="{FF60925A-ACA0-4B14-A3C3-F1037A526707}"/>
+              </a:ext>
+            </a:extLst>
+          </p:cNvPr>
+          <p:cNvSpPr>
+            <a:spLocks noGrp="1"/>
+          </p:cNvSpPr>
+          <p:nvPr>
+            <p:ph type="pic" sz="quarter" idx="14"/>
+          </p:nvPr>
+        </p:nvSpPr>
+        <p:spPr/>
+      </p:sp>
+    </p:spTree>
+    <p:extLst>
+      <p:ext uri="{BB962C8B-B14F-4D97-AF65-F5344CB8AC3E}">
+        <p14:creationId xmlns:p14="http://schemas.microsoft.com/office/powerpoint/2010/main" val="4203350872"/>
+      </p:ext>
+    </p:extLst>
+  </p:cSld>
+  <p:clrMapOvr>
+    <a:masterClrMapping/>
+  </p:clrMapOvr>
 </p:sld>
 </file>
 

--- a/NanoparticleToxicity.pptx
+++ b/NanoparticleToxicity.pptx
@@ -6040,6 +6040,12 @@
               <a:rPr lang="nl-BE" dirty="0" err="1"/>
               <a:t>translocation</a:t>
             </a:r>
+            <a:endParaRPr lang="nl-BE" dirty="0"/>
+          </a:p>
+          <a:p>
+            <a:endParaRPr lang="nl-BE" dirty="0"/>
+          </a:p>
+          <a:p>
             <a:endParaRPr lang="nl-BE" dirty="0"/>
           </a:p>
           <a:p>

--- a/NanoparticleToxicity.pptx
+++ b/NanoparticleToxicity.pptx
@@ -6550,6 +6550,10 @@
           <a:bodyPr/>
           <a:lstStyle/>
           <a:p>
+            <a:r>
+              <a:rPr lang="nl-BE"/>
+              <a:t>TESSSSST</a:t>
+            </a:r>
             <a:endParaRPr lang="nl-BE" dirty="0"/>
           </a:p>
         </p:txBody>
@@ -6789,15 +6793,10 @@
                             </p:stCondLst>
                             <p:childTnLst>
                               <p:par>
-                                <p:cTn id="5" presetID="10" presetClass="entr" presetSubtype="0" fill="hold" grpId="0" nodeType="afterEffect" nodePh="1">
+                                <p:cTn id="5" presetID="10" presetClass="entr" presetSubtype="0" fill="hold" grpId="0" nodeType="afterEffect">
                                   <p:stCondLst>
                                     <p:cond delay="0"/>
                                   </p:stCondLst>
-                                  <p:endCondLst>
-                                    <p:cond evt="begin" delay="0">
-                                      <p:tn val="5"/>
-                                    </p:cond>
-                                  </p:endCondLst>
                                   <p:childTnLst>
                                     <p:set>
                                       <p:cBhvr>

--- a/NanoparticleToxicity.pptx
+++ b/NanoparticleToxicity.pptx
@@ -6,15 +6,20 @@
     <p:sldMasterId id="2147483694" r:id="rId2"/>
   </p:sldMasterIdLst>
   <p:notesMasterIdLst>
-    <p:notesMasterId r:id="rId6"/>
+    <p:notesMasterId r:id="rId11"/>
   </p:notesMasterIdLst>
   <p:handoutMasterIdLst>
-    <p:handoutMasterId r:id="rId7"/>
+    <p:handoutMasterId r:id="rId12"/>
   </p:handoutMasterIdLst>
   <p:sldIdLst>
     <p:sldId id="270" r:id="rId3"/>
     <p:sldId id="271" r:id="rId4"/>
     <p:sldId id="264" r:id="rId5"/>
+    <p:sldId id="272" r:id="rId6"/>
+    <p:sldId id="273" r:id="rId7"/>
+    <p:sldId id="274" r:id="rId8"/>
+    <p:sldId id="275" r:id="rId9"/>
+    <p:sldId id="276" r:id="rId10"/>
   </p:sldIdLst>
   <p:sldSz cx="12192000" cy="6858000"/>
   <p:notesSz cx="6858000" cy="9144000"/>
@@ -713,6 +718,432 @@
     <p:extLst>
       <p:ext uri="{BB962C8B-B14F-4D97-AF65-F5344CB8AC3E}">
         <p14:creationId xmlns:p14="http://schemas.microsoft.com/office/powerpoint/2010/main" val="1701070104"/>
+      </p:ext>
+    </p:extLst>
+  </p:cSld>
+  <p:clrMapOvr>
+    <a:masterClrMapping/>
+  </p:clrMapOvr>
+</p:notes>
+</file>
+
+<file path=ppt/notesSlides/notesSlide2.xml><?xml version="1.0" encoding="utf-8"?>
+<p:notes xmlns:a="http://schemas.openxmlformats.org/drawingml/2006/main" xmlns:r="http://schemas.openxmlformats.org/officeDocument/2006/relationships" xmlns:p="http://schemas.openxmlformats.org/presentationml/2006/main">
+  <p:cSld>
+    <p:spTree>
+      <p:nvGrpSpPr>
+        <p:cNvPr id="1" name=""/>
+        <p:cNvGrpSpPr/>
+        <p:nvPr/>
+      </p:nvGrpSpPr>
+      <p:grpSpPr>
+        <a:xfrm>
+          <a:off x="0" y="0"/>
+          <a:ext cx="0" cy="0"/>
+          <a:chOff x="0" y="0"/>
+          <a:chExt cx="0" cy="0"/>
+        </a:xfrm>
+      </p:grpSpPr>
+      <p:sp>
+        <p:nvSpPr>
+          <p:cNvPr id="2" name="Tijdelijke aanduiding voor dia-afbeelding 1"/>
+          <p:cNvSpPr>
+            <a:spLocks noGrp="1" noRot="1" noChangeAspect="1"/>
+          </p:cNvSpPr>
+          <p:nvPr>
+            <p:ph type="sldImg"/>
+          </p:nvPr>
+        </p:nvSpPr>
+        <p:spPr/>
+      </p:sp>
+      <p:sp>
+        <p:nvSpPr>
+          <p:cNvPr id="3" name="Tijdelijke aanduiding voor notities 2"/>
+          <p:cNvSpPr>
+            <a:spLocks noGrp="1"/>
+          </p:cNvSpPr>
+          <p:nvPr>
+            <p:ph type="body" idx="1"/>
+          </p:nvPr>
+        </p:nvSpPr>
+        <p:spPr/>
+        <p:txBody>
+          <a:bodyPr/>
+          <a:lstStyle/>
+          <a:p>
+            <a:endParaRPr lang="en-US" dirty="0"/>
+          </a:p>
+        </p:txBody>
+      </p:sp>
+      <p:sp>
+        <p:nvSpPr>
+          <p:cNvPr id="4" name="Tijdelijke aanduiding voor dianummer 3"/>
+          <p:cNvSpPr>
+            <a:spLocks noGrp="1"/>
+          </p:cNvSpPr>
+          <p:nvPr>
+            <p:ph type="sldNum" sz="quarter" idx="5"/>
+          </p:nvPr>
+        </p:nvSpPr>
+        <p:spPr/>
+        <p:txBody>
+          <a:bodyPr/>
+          <a:lstStyle/>
+          <a:p>
+            <a:fld id="{8954E32A-327F-AF4B-8E1F-209FBF93D26D}" type="slidenum">
+              <a:rPr lang="nl-NL" smtClean="0"/>
+              <a:t>4</a:t>
+            </a:fld>
+            <a:endParaRPr lang="nl-NL"/>
+          </a:p>
+        </p:txBody>
+      </p:sp>
+    </p:spTree>
+    <p:extLst>
+      <p:ext uri="{BB962C8B-B14F-4D97-AF65-F5344CB8AC3E}">
+        <p14:creationId xmlns:p14="http://schemas.microsoft.com/office/powerpoint/2010/main" val="2918910965"/>
+      </p:ext>
+    </p:extLst>
+  </p:cSld>
+  <p:clrMapOvr>
+    <a:masterClrMapping/>
+  </p:clrMapOvr>
+</p:notes>
+</file>
+
+<file path=ppt/notesSlides/notesSlide3.xml><?xml version="1.0" encoding="utf-8"?>
+<p:notes xmlns:a="http://schemas.openxmlformats.org/drawingml/2006/main" xmlns:r="http://schemas.openxmlformats.org/officeDocument/2006/relationships" xmlns:p="http://schemas.openxmlformats.org/presentationml/2006/main">
+  <p:cSld>
+    <p:spTree>
+      <p:nvGrpSpPr>
+        <p:cNvPr id="1" name=""/>
+        <p:cNvGrpSpPr/>
+        <p:nvPr/>
+      </p:nvGrpSpPr>
+      <p:grpSpPr>
+        <a:xfrm>
+          <a:off x="0" y="0"/>
+          <a:ext cx="0" cy="0"/>
+          <a:chOff x="0" y="0"/>
+          <a:chExt cx="0" cy="0"/>
+        </a:xfrm>
+      </p:grpSpPr>
+      <p:sp>
+        <p:nvSpPr>
+          <p:cNvPr id="2" name="Tijdelijke aanduiding voor dia-afbeelding 1"/>
+          <p:cNvSpPr>
+            <a:spLocks noGrp="1" noRot="1" noChangeAspect="1"/>
+          </p:cNvSpPr>
+          <p:nvPr>
+            <p:ph type="sldImg"/>
+          </p:nvPr>
+        </p:nvSpPr>
+        <p:spPr/>
+      </p:sp>
+      <p:sp>
+        <p:nvSpPr>
+          <p:cNvPr id="3" name="Tijdelijke aanduiding voor notities 2"/>
+          <p:cNvSpPr>
+            <a:spLocks noGrp="1"/>
+          </p:cNvSpPr>
+          <p:nvPr>
+            <p:ph type="body" idx="1"/>
+          </p:nvPr>
+        </p:nvSpPr>
+        <p:spPr/>
+        <p:txBody>
+          <a:bodyPr/>
+          <a:lstStyle/>
+          <a:p>
+            <a:endParaRPr lang="en-US" dirty="0"/>
+          </a:p>
+        </p:txBody>
+      </p:sp>
+      <p:sp>
+        <p:nvSpPr>
+          <p:cNvPr id="4" name="Tijdelijke aanduiding voor dianummer 3"/>
+          <p:cNvSpPr>
+            <a:spLocks noGrp="1"/>
+          </p:cNvSpPr>
+          <p:nvPr>
+            <p:ph type="sldNum" sz="quarter" idx="5"/>
+          </p:nvPr>
+        </p:nvSpPr>
+        <p:spPr/>
+        <p:txBody>
+          <a:bodyPr/>
+          <a:lstStyle/>
+          <a:p>
+            <a:fld id="{8954E32A-327F-AF4B-8E1F-209FBF93D26D}" type="slidenum">
+              <a:rPr lang="nl-NL" smtClean="0"/>
+              <a:t>5</a:t>
+            </a:fld>
+            <a:endParaRPr lang="nl-NL"/>
+          </a:p>
+        </p:txBody>
+      </p:sp>
+    </p:spTree>
+    <p:extLst>
+      <p:ext uri="{BB962C8B-B14F-4D97-AF65-F5344CB8AC3E}">
+        <p14:creationId xmlns:p14="http://schemas.microsoft.com/office/powerpoint/2010/main" val="343854529"/>
+      </p:ext>
+    </p:extLst>
+  </p:cSld>
+  <p:clrMapOvr>
+    <a:masterClrMapping/>
+  </p:clrMapOvr>
+</p:notes>
+</file>
+
+<file path=ppt/notesSlides/notesSlide4.xml><?xml version="1.0" encoding="utf-8"?>
+<p:notes xmlns:a="http://schemas.openxmlformats.org/drawingml/2006/main" xmlns:r="http://schemas.openxmlformats.org/officeDocument/2006/relationships" xmlns:p="http://schemas.openxmlformats.org/presentationml/2006/main">
+  <p:cSld>
+    <p:spTree>
+      <p:nvGrpSpPr>
+        <p:cNvPr id="1" name=""/>
+        <p:cNvGrpSpPr/>
+        <p:nvPr/>
+      </p:nvGrpSpPr>
+      <p:grpSpPr>
+        <a:xfrm>
+          <a:off x="0" y="0"/>
+          <a:ext cx="0" cy="0"/>
+          <a:chOff x="0" y="0"/>
+          <a:chExt cx="0" cy="0"/>
+        </a:xfrm>
+      </p:grpSpPr>
+      <p:sp>
+        <p:nvSpPr>
+          <p:cNvPr id="2" name="Tijdelijke aanduiding voor dia-afbeelding 1"/>
+          <p:cNvSpPr>
+            <a:spLocks noGrp="1" noRot="1" noChangeAspect="1"/>
+          </p:cNvSpPr>
+          <p:nvPr>
+            <p:ph type="sldImg"/>
+          </p:nvPr>
+        </p:nvSpPr>
+        <p:spPr/>
+      </p:sp>
+      <p:sp>
+        <p:nvSpPr>
+          <p:cNvPr id="3" name="Tijdelijke aanduiding voor notities 2"/>
+          <p:cNvSpPr>
+            <a:spLocks noGrp="1"/>
+          </p:cNvSpPr>
+          <p:nvPr>
+            <p:ph type="body" idx="1"/>
+          </p:nvPr>
+        </p:nvSpPr>
+        <p:spPr/>
+        <p:txBody>
+          <a:bodyPr/>
+          <a:lstStyle/>
+          <a:p>
+            <a:endParaRPr lang="en-US" dirty="0"/>
+          </a:p>
+        </p:txBody>
+      </p:sp>
+      <p:sp>
+        <p:nvSpPr>
+          <p:cNvPr id="4" name="Tijdelijke aanduiding voor dianummer 3"/>
+          <p:cNvSpPr>
+            <a:spLocks noGrp="1"/>
+          </p:cNvSpPr>
+          <p:nvPr>
+            <p:ph type="sldNum" sz="quarter" idx="5"/>
+          </p:nvPr>
+        </p:nvSpPr>
+        <p:spPr/>
+        <p:txBody>
+          <a:bodyPr/>
+          <a:lstStyle/>
+          <a:p>
+            <a:fld id="{8954E32A-327F-AF4B-8E1F-209FBF93D26D}" type="slidenum">
+              <a:rPr lang="nl-NL" smtClean="0"/>
+              <a:t>6</a:t>
+            </a:fld>
+            <a:endParaRPr lang="nl-NL"/>
+          </a:p>
+        </p:txBody>
+      </p:sp>
+    </p:spTree>
+    <p:extLst>
+      <p:ext uri="{BB962C8B-B14F-4D97-AF65-F5344CB8AC3E}">
+        <p14:creationId xmlns:p14="http://schemas.microsoft.com/office/powerpoint/2010/main" val="2975390113"/>
+      </p:ext>
+    </p:extLst>
+  </p:cSld>
+  <p:clrMapOvr>
+    <a:masterClrMapping/>
+  </p:clrMapOvr>
+</p:notes>
+</file>
+
+<file path=ppt/notesSlides/notesSlide5.xml><?xml version="1.0" encoding="utf-8"?>
+<p:notes xmlns:a="http://schemas.openxmlformats.org/drawingml/2006/main" xmlns:r="http://schemas.openxmlformats.org/officeDocument/2006/relationships" xmlns:p="http://schemas.openxmlformats.org/presentationml/2006/main">
+  <p:cSld>
+    <p:spTree>
+      <p:nvGrpSpPr>
+        <p:cNvPr id="1" name=""/>
+        <p:cNvGrpSpPr/>
+        <p:nvPr/>
+      </p:nvGrpSpPr>
+      <p:grpSpPr>
+        <a:xfrm>
+          <a:off x="0" y="0"/>
+          <a:ext cx="0" cy="0"/>
+          <a:chOff x="0" y="0"/>
+          <a:chExt cx="0" cy="0"/>
+        </a:xfrm>
+      </p:grpSpPr>
+      <p:sp>
+        <p:nvSpPr>
+          <p:cNvPr id="2" name="Tijdelijke aanduiding voor dia-afbeelding 1"/>
+          <p:cNvSpPr>
+            <a:spLocks noGrp="1" noRot="1" noChangeAspect="1"/>
+          </p:cNvSpPr>
+          <p:nvPr>
+            <p:ph type="sldImg"/>
+          </p:nvPr>
+        </p:nvSpPr>
+        <p:spPr/>
+      </p:sp>
+      <p:sp>
+        <p:nvSpPr>
+          <p:cNvPr id="3" name="Tijdelijke aanduiding voor notities 2"/>
+          <p:cNvSpPr>
+            <a:spLocks noGrp="1"/>
+          </p:cNvSpPr>
+          <p:nvPr>
+            <p:ph type="body" idx="1"/>
+          </p:nvPr>
+        </p:nvSpPr>
+        <p:spPr/>
+        <p:txBody>
+          <a:bodyPr/>
+          <a:lstStyle/>
+          <a:p>
+            <a:endParaRPr lang="en-US" dirty="0"/>
+          </a:p>
+        </p:txBody>
+      </p:sp>
+      <p:sp>
+        <p:nvSpPr>
+          <p:cNvPr id="4" name="Tijdelijke aanduiding voor dianummer 3"/>
+          <p:cNvSpPr>
+            <a:spLocks noGrp="1"/>
+          </p:cNvSpPr>
+          <p:nvPr>
+            <p:ph type="sldNum" sz="quarter" idx="5"/>
+          </p:nvPr>
+        </p:nvSpPr>
+        <p:spPr/>
+        <p:txBody>
+          <a:bodyPr/>
+          <a:lstStyle/>
+          <a:p>
+            <a:fld id="{8954E32A-327F-AF4B-8E1F-209FBF93D26D}" type="slidenum">
+              <a:rPr lang="nl-NL" smtClean="0"/>
+              <a:t>7</a:t>
+            </a:fld>
+            <a:endParaRPr lang="nl-NL"/>
+          </a:p>
+        </p:txBody>
+      </p:sp>
+    </p:spTree>
+    <p:extLst>
+      <p:ext uri="{BB962C8B-B14F-4D97-AF65-F5344CB8AC3E}">
+        <p14:creationId xmlns:p14="http://schemas.microsoft.com/office/powerpoint/2010/main" val="817098264"/>
+      </p:ext>
+    </p:extLst>
+  </p:cSld>
+  <p:clrMapOvr>
+    <a:masterClrMapping/>
+  </p:clrMapOvr>
+</p:notes>
+</file>
+
+<file path=ppt/notesSlides/notesSlide6.xml><?xml version="1.0" encoding="utf-8"?>
+<p:notes xmlns:a="http://schemas.openxmlformats.org/drawingml/2006/main" xmlns:r="http://schemas.openxmlformats.org/officeDocument/2006/relationships" xmlns:p="http://schemas.openxmlformats.org/presentationml/2006/main">
+  <p:cSld>
+    <p:spTree>
+      <p:nvGrpSpPr>
+        <p:cNvPr id="1" name=""/>
+        <p:cNvGrpSpPr/>
+        <p:nvPr/>
+      </p:nvGrpSpPr>
+      <p:grpSpPr>
+        <a:xfrm>
+          <a:off x="0" y="0"/>
+          <a:ext cx="0" cy="0"/>
+          <a:chOff x="0" y="0"/>
+          <a:chExt cx="0" cy="0"/>
+        </a:xfrm>
+      </p:grpSpPr>
+      <p:sp>
+        <p:nvSpPr>
+          <p:cNvPr id="2" name="Tijdelijke aanduiding voor dia-afbeelding 1"/>
+          <p:cNvSpPr>
+            <a:spLocks noGrp="1" noRot="1" noChangeAspect="1"/>
+          </p:cNvSpPr>
+          <p:nvPr>
+            <p:ph type="sldImg"/>
+          </p:nvPr>
+        </p:nvSpPr>
+        <p:spPr/>
+      </p:sp>
+      <p:sp>
+        <p:nvSpPr>
+          <p:cNvPr id="3" name="Tijdelijke aanduiding voor notities 2"/>
+          <p:cNvSpPr>
+            <a:spLocks noGrp="1"/>
+          </p:cNvSpPr>
+          <p:nvPr>
+            <p:ph type="body" idx="1"/>
+          </p:nvPr>
+        </p:nvSpPr>
+        <p:spPr/>
+        <p:txBody>
+          <a:bodyPr/>
+          <a:lstStyle/>
+          <a:p>
+            <a:r>
+              <a:rPr lang="en-US" dirty="0"/>
+              <a:t>In vivo – in vitro – ex vivo</a:t>
+            </a:r>
+          </a:p>
+          <a:p>
+            <a:endParaRPr lang="en-US" dirty="0"/>
+          </a:p>
+        </p:txBody>
+      </p:sp>
+      <p:sp>
+        <p:nvSpPr>
+          <p:cNvPr id="4" name="Tijdelijke aanduiding voor dianummer 3"/>
+          <p:cNvSpPr>
+            <a:spLocks noGrp="1"/>
+          </p:cNvSpPr>
+          <p:nvPr>
+            <p:ph type="sldNum" sz="quarter" idx="5"/>
+          </p:nvPr>
+        </p:nvSpPr>
+        <p:spPr/>
+        <p:txBody>
+          <a:bodyPr/>
+          <a:lstStyle/>
+          <a:p>
+            <a:fld id="{8954E32A-327F-AF4B-8E1F-209FBF93D26D}" type="slidenum">
+              <a:rPr lang="nl-NL" smtClean="0"/>
+              <a:t>8</a:t>
+            </a:fld>
+            <a:endParaRPr lang="nl-NL"/>
+          </a:p>
+        </p:txBody>
+      </p:sp>
+    </p:spTree>
+    <p:extLst>
+      <p:ext uri="{BB962C8B-B14F-4D97-AF65-F5344CB8AC3E}">
+        <p14:creationId xmlns:p14="http://schemas.microsoft.com/office/powerpoint/2010/main" val="325310299"/>
       </p:ext>
     </p:extLst>
   </p:cSld>
@@ -6551,10 +6982,21 @@
           <a:lstStyle/>
           <a:p>
             <a:r>
-              <a:rPr lang="nl-BE"/>
-              <a:t>TESSSSST</a:t>
-            </a:r>
-            <a:endParaRPr lang="nl-BE" dirty="0"/>
+              <a:rPr lang="nl-BE" dirty="0" err="1"/>
+              <a:t>What</a:t>
+            </a:r>
+            <a:r>
+              <a:rPr lang="nl-BE" dirty="0"/>
+              <a:t> is </a:t>
+            </a:r>
+            <a:r>
+              <a:rPr lang="nl-BE" dirty="0" err="1"/>
+              <a:t>nanotoxicity</a:t>
+            </a:r>
+            <a:r>
+              <a:rPr lang="nl-BE" dirty="0"/>
+              <a:t>?</a:t>
+            </a:r>
           </a:p>
         </p:txBody>
       </p:sp>
@@ -6589,6 +7031,220 @@
             <a:pPr marL="0" indent="0">
               <a:buNone/>
             </a:pPr>
+            <a:r>
+              <a:rPr lang="nl-BE" sz="2000" b="1" dirty="0"/>
+              <a:t>= </a:t>
+            </a:r>
+            <a:r>
+              <a:rPr lang="nl-BE" sz="2000" b="1" dirty="0" err="1"/>
+              <a:t>study</a:t>
+            </a:r>
+            <a:r>
+              <a:rPr lang="nl-BE" sz="2000" b="1" dirty="0"/>
+              <a:t> of </a:t>
+            </a:r>
+            <a:r>
+              <a:rPr lang="nl-BE" sz="2000" b="1" dirty="0" err="1"/>
+              <a:t>toxicity</a:t>
+            </a:r>
+            <a:r>
+              <a:rPr lang="nl-BE" sz="2000" b="1" dirty="0"/>
+              <a:t> of </a:t>
+            </a:r>
+            <a:r>
+              <a:rPr lang="nl-BE" sz="2000" b="1" dirty="0" err="1"/>
+              <a:t>nanomaterials</a:t>
+            </a:r>
+            <a:endParaRPr lang="nl-BE" sz="2000" b="1" dirty="0"/>
+          </a:p>
+          <a:p>
+            <a:pPr marL="0" indent="0">
+              <a:buNone/>
+            </a:pPr>
+            <a:endParaRPr lang="nl-BE" sz="2000" dirty="0"/>
+          </a:p>
+          <a:p>
+            <a:r>
+              <a:rPr lang="nl-BE" sz="2000" dirty="0"/>
+              <a:t>Inert </a:t>
+            </a:r>
+            <a:r>
+              <a:rPr lang="nl-BE" sz="2000" dirty="0" err="1"/>
+              <a:t>materials</a:t>
+            </a:r>
+            <a:r>
+              <a:rPr lang="nl-BE" sz="2000" dirty="0"/>
+              <a:t> </a:t>
+            </a:r>
+            <a:r>
+              <a:rPr lang="nl-BE" sz="2000" dirty="0" err="1"/>
+              <a:t>become</a:t>
+            </a:r>
+            <a:r>
+              <a:rPr lang="nl-BE" sz="2000" dirty="0"/>
+              <a:t> </a:t>
+            </a:r>
+            <a:r>
+              <a:rPr lang="nl-BE" sz="2000" b="1" dirty="0" err="1"/>
+              <a:t>highly</a:t>
+            </a:r>
+            <a:r>
+              <a:rPr lang="nl-BE" sz="2000" b="1" dirty="0"/>
+              <a:t> </a:t>
+            </a:r>
+            <a:r>
+              <a:rPr lang="nl-BE" sz="2000" b="1" dirty="0" err="1"/>
+              <a:t>active</a:t>
+            </a:r>
+            <a:r>
+              <a:rPr lang="nl-BE" sz="2000" b="1" dirty="0"/>
+              <a:t> </a:t>
+            </a:r>
+            <a:r>
+              <a:rPr lang="nl-BE" sz="2000" dirty="0"/>
+              <a:t>at </a:t>
+            </a:r>
+            <a:r>
+              <a:rPr lang="nl-BE" sz="2000" dirty="0" err="1"/>
+              <a:t>nanodimensions</a:t>
+            </a:r>
+            <a:endParaRPr lang="nl-BE" sz="2000" dirty="0"/>
+          </a:p>
+          <a:p>
+            <a:endParaRPr lang="nl-BE" sz="2000" dirty="0"/>
+          </a:p>
+          <a:p>
+            <a:r>
+              <a:rPr lang="nl-BE" sz="2000" dirty="0" err="1"/>
+              <a:t>Intended</a:t>
+            </a:r>
+            <a:r>
+              <a:rPr lang="nl-BE" sz="2000" dirty="0"/>
+              <a:t> </a:t>
+            </a:r>
+            <a:r>
+              <a:rPr lang="nl-BE" sz="2000" dirty="0" err="1"/>
+              <a:t>to</a:t>
+            </a:r>
+            <a:r>
+              <a:rPr lang="nl-BE" sz="2000" dirty="0"/>
+              <a:t> </a:t>
+            </a:r>
+            <a:r>
+              <a:rPr lang="nl-BE" sz="2000" dirty="0" err="1"/>
+              <a:t>determine</a:t>
+            </a:r>
+            <a:r>
+              <a:rPr lang="nl-BE" sz="2000" dirty="0"/>
+              <a:t> </a:t>
+            </a:r>
+            <a:r>
+              <a:rPr lang="nl-BE" sz="2000" dirty="0" err="1"/>
+              <a:t>whether</a:t>
+            </a:r>
+            <a:r>
+              <a:rPr lang="nl-BE" sz="2000" dirty="0"/>
+              <a:t> or </a:t>
+            </a:r>
+            <a:r>
+              <a:rPr lang="nl-BE" sz="2000" dirty="0" err="1"/>
+              <a:t>to</a:t>
+            </a:r>
+            <a:r>
+              <a:rPr lang="nl-BE" sz="2000" dirty="0"/>
+              <a:t> </a:t>
+            </a:r>
+            <a:r>
+              <a:rPr lang="nl-BE" sz="2000" dirty="0" err="1"/>
+              <a:t>what</a:t>
+            </a:r>
+            <a:r>
+              <a:rPr lang="nl-BE" sz="2000" dirty="0"/>
+              <a:t> these </a:t>
+            </a:r>
+            <a:r>
+              <a:rPr lang="nl-BE" sz="2000" dirty="0" err="1"/>
+              <a:t>properties</a:t>
+            </a:r>
+            <a:r>
+              <a:rPr lang="nl-BE" sz="2000" dirty="0"/>
+              <a:t> </a:t>
+            </a:r>
+            <a:r>
+              <a:rPr lang="nl-BE" sz="2000" b="1" dirty="0"/>
+              <a:t>pose a </a:t>
+            </a:r>
+            <a:r>
+              <a:rPr lang="nl-BE" sz="2000" b="1" dirty="0" err="1"/>
+              <a:t>threat</a:t>
+            </a:r>
+            <a:endParaRPr lang="nl-BE" sz="2000" b="1" dirty="0"/>
+          </a:p>
+          <a:p>
+            <a:endParaRPr lang="nl-BE" sz="2000" b="1" dirty="0"/>
+          </a:p>
+          <a:p>
+            <a:r>
+              <a:rPr lang="nl-BE" sz="2000" dirty="0" err="1"/>
+              <a:t>Their</a:t>
+            </a:r>
+            <a:r>
+              <a:rPr lang="nl-BE" sz="2000" dirty="0"/>
+              <a:t> most </a:t>
+            </a:r>
+            <a:r>
+              <a:rPr lang="nl-BE" sz="2000" b="1" dirty="0" err="1"/>
+              <a:t>attractive</a:t>
+            </a:r>
+            <a:r>
+              <a:rPr lang="nl-BE" sz="2000" b="1" dirty="0"/>
+              <a:t> </a:t>
+            </a:r>
+            <a:r>
+              <a:rPr lang="nl-BE" sz="2000" b="1" dirty="0" err="1"/>
+              <a:t>properties</a:t>
+            </a:r>
+            <a:r>
+              <a:rPr lang="nl-BE" sz="2000" dirty="0"/>
+              <a:t> make </a:t>
+            </a:r>
+            <a:r>
+              <a:rPr lang="nl-BE" sz="2000" dirty="0" err="1"/>
+              <a:t>them</a:t>
+            </a:r>
+            <a:r>
+              <a:rPr lang="nl-BE" sz="2000" dirty="0"/>
+              <a:t> </a:t>
+            </a:r>
+            <a:r>
+              <a:rPr lang="nl-BE" sz="2000" dirty="0" err="1"/>
+              <a:t>also</a:t>
+            </a:r>
+            <a:r>
+              <a:rPr lang="nl-BE" sz="2000" dirty="0"/>
+              <a:t> </a:t>
+            </a:r>
+            <a:r>
+              <a:rPr lang="nl-BE" sz="2000" dirty="0" err="1"/>
+              <a:t>potentially</a:t>
+            </a:r>
+            <a:r>
+              <a:rPr lang="nl-BE" sz="2000" dirty="0"/>
+              <a:t> </a:t>
+            </a:r>
+            <a:r>
+              <a:rPr lang="nl-BE" sz="2000" dirty="0" err="1"/>
+              <a:t>toxic</a:t>
+            </a:r>
+            <a:r>
+              <a:rPr lang="nl-BE" sz="2000" dirty="0"/>
+              <a:t>.</a:t>
+            </a:r>
+          </a:p>
+          <a:p>
+            <a:pPr marL="0" indent="0">
+              <a:buNone/>
+            </a:pPr>
             <a:endParaRPr lang="nl-BE" sz="2000" dirty="0"/>
           </a:p>
         </p:txBody>
@@ -6763,6 +7419,2399 @@
     <p:extLst>
       <p:ext uri="{BB962C8B-B14F-4D97-AF65-F5344CB8AC3E}">
         <p14:creationId xmlns:p14="http://schemas.microsoft.com/office/powerpoint/2010/main" val="862731979"/>
+      </p:ext>
+    </p:extLst>
+  </p:cSld>
+  <p:clrMapOvr>
+    <a:masterClrMapping/>
+  </p:clrMapOvr>
+  <p:timing>
+    <p:tnLst>
+      <p:par>
+        <p:cTn id="1" dur="indefinite" restart="never" nodeType="tmRoot">
+          <p:childTnLst>
+            <p:seq concurrent="1" nextAc="seek">
+              <p:cTn id="2" dur="indefinite" nodeType="mainSeq">
+                <p:childTnLst>
+                  <p:par>
+                    <p:cTn id="3" fill="hold">
+                      <p:stCondLst>
+                        <p:cond delay="indefinite"/>
+                        <p:cond evt="onBegin" delay="0">
+                          <p:tn val="2"/>
+                        </p:cond>
+                      </p:stCondLst>
+                      <p:childTnLst>
+                        <p:par>
+                          <p:cTn id="4" fill="hold">
+                            <p:stCondLst>
+                              <p:cond delay="0"/>
+                            </p:stCondLst>
+                            <p:childTnLst>
+                              <p:par>
+                                <p:cTn id="5" presetID="10" presetClass="entr" presetSubtype="0" fill="hold" grpId="0" nodeType="afterEffect">
+                                  <p:stCondLst>
+                                    <p:cond delay="0"/>
+                                  </p:stCondLst>
+                                  <p:childTnLst>
+                                    <p:set>
+                                      <p:cBhvr>
+                                        <p:cTn id="6" dur="1" fill="hold">
+                                          <p:stCondLst>
+                                            <p:cond delay="0"/>
+                                          </p:stCondLst>
+                                        </p:cTn>
+                                        <p:tgtEl>
+                                          <p:spTgt spid="9"/>
+                                        </p:tgtEl>
+                                        <p:attrNameLst>
+                                          <p:attrName>style.visibility</p:attrName>
+                                        </p:attrNameLst>
+                                      </p:cBhvr>
+                                      <p:to>
+                                        <p:strVal val="visible"/>
+                                      </p:to>
+                                    </p:set>
+                                    <p:animEffect transition="in" filter="fade">
+                                      <p:cBhvr>
+                                        <p:cTn id="7" dur="500"/>
+                                        <p:tgtEl>
+                                          <p:spTgt spid="9"/>
+                                        </p:tgtEl>
+                                      </p:cBhvr>
+                                    </p:animEffect>
+                                  </p:childTnLst>
+                                </p:cTn>
+                              </p:par>
+                            </p:childTnLst>
+                          </p:cTn>
+                        </p:par>
+                      </p:childTnLst>
+                    </p:cTn>
+                  </p:par>
+                  <p:par>
+                    <p:cTn id="8" fill="hold">
+                      <p:stCondLst>
+                        <p:cond delay="indefinite"/>
+                      </p:stCondLst>
+                      <p:childTnLst>
+                        <p:par>
+                          <p:cTn id="9" fill="hold">
+                            <p:stCondLst>
+                              <p:cond delay="0"/>
+                            </p:stCondLst>
+                            <p:childTnLst>
+                              <p:par>
+                                <p:cTn id="10" presetID="10" presetClass="entr" presetSubtype="0" fill="hold" nodeType="clickEffect">
+                                  <p:stCondLst>
+                                    <p:cond delay="0"/>
+                                  </p:stCondLst>
+                                  <p:childTnLst>
+                                    <p:set>
+                                      <p:cBhvr>
+                                        <p:cTn id="11" dur="1" fill="hold">
+                                          <p:stCondLst>
+                                            <p:cond delay="0"/>
+                                          </p:stCondLst>
+                                        </p:cTn>
+                                        <p:tgtEl>
+                                          <p:spTgt spid="8">
+                                            <p:txEl>
+                                              <p:pRg st="0" end="0"/>
+                                            </p:txEl>
+                                          </p:spTgt>
+                                        </p:tgtEl>
+                                        <p:attrNameLst>
+                                          <p:attrName>style.visibility</p:attrName>
+                                        </p:attrNameLst>
+                                      </p:cBhvr>
+                                      <p:to>
+                                        <p:strVal val="visible"/>
+                                      </p:to>
+                                    </p:set>
+                                    <p:animEffect transition="in" filter="fade">
+                                      <p:cBhvr>
+                                        <p:cTn id="12" dur="500"/>
+                                        <p:tgtEl>
+                                          <p:spTgt spid="8">
+                                            <p:txEl>
+                                              <p:pRg st="0" end="0"/>
+                                            </p:txEl>
+                                          </p:spTgt>
+                                        </p:tgtEl>
+                                      </p:cBhvr>
+                                    </p:animEffect>
+                                  </p:childTnLst>
+                                </p:cTn>
+                              </p:par>
+                            </p:childTnLst>
+                          </p:cTn>
+                        </p:par>
+                      </p:childTnLst>
+                    </p:cTn>
+                  </p:par>
+                  <p:par>
+                    <p:cTn id="13" fill="hold">
+                      <p:stCondLst>
+                        <p:cond delay="indefinite"/>
+                      </p:stCondLst>
+                      <p:childTnLst>
+                        <p:par>
+                          <p:cTn id="14" fill="hold">
+                            <p:stCondLst>
+                              <p:cond delay="0"/>
+                            </p:stCondLst>
+                            <p:childTnLst>
+                              <p:par>
+                                <p:cTn id="15" presetID="10" presetClass="entr" presetSubtype="0" fill="hold" nodeType="clickEffect">
+                                  <p:stCondLst>
+                                    <p:cond delay="0"/>
+                                  </p:stCondLst>
+                                  <p:childTnLst>
+                                    <p:set>
+                                      <p:cBhvr>
+                                        <p:cTn id="16" dur="1" fill="hold">
+                                          <p:stCondLst>
+                                            <p:cond delay="0"/>
+                                          </p:stCondLst>
+                                        </p:cTn>
+                                        <p:tgtEl>
+                                          <p:spTgt spid="8">
+                                            <p:txEl>
+                                              <p:pRg st="2" end="2"/>
+                                            </p:txEl>
+                                          </p:spTgt>
+                                        </p:tgtEl>
+                                        <p:attrNameLst>
+                                          <p:attrName>style.visibility</p:attrName>
+                                        </p:attrNameLst>
+                                      </p:cBhvr>
+                                      <p:to>
+                                        <p:strVal val="visible"/>
+                                      </p:to>
+                                    </p:set>
+                                    <p:animEffect transition="in" filter="fade">
+                                      <p:cBhvr>
+                                        <p:cTn id="17" dur="500"/>
+                                        <p:tgtEl>
+                                          <p:spTgt spid="8">
+                                            <p:txEl>
+                                              <p:pRg st="2" end="2"/>
+                                            </p:txEl>
+                                          </p:spTgt>
+                                        </p:tgtEl>
+                                      </p:cBhvr>
+                                    </p:animEffect>
+                                  </p:childTnLst>
+                                </p:cTn>
+                              </p:par>
+                            </p:childTnLst>
+                          </p:cTn>
+                        </p:par>
+                      </p:childTnLst>
+                    </p:cTn>
+                  </p:par>
+                  <p:par>
+                    <p:cTn id="18" fill="hold">
+                      <p:stCondLst>
+                        <p:cond delay="indefinite"/>
+                      </p:stCondLst>
+                      <p:childTnLst>
+                        <p:par>
+                          <p:cTn id="19" fill="hold">
+                            <p:stCondLst>
+                              <p:cond delay="0"/>
+                            </p:stCondLst>
+                            <p:childTnLst>
+                              <p:par>
+                                <p:cTn id="20" presetID="10" presetClass="entr" presetSubtype="0" fill="hold" nodeType="clickEffect">
+                                  <p:stCondLst>
+                                    <p:cond delay="0"/>
+                                  </p:stCondLst>
+                                  <p:childTnLst>
+                                    <p:set>
+                                      <p:cBhvr>
+                                        <p:cTn id="21" dur="1" fill="hold">
+                                          <p:stCondLst>
+                                            <p:cond delay="0"/>
+                                          </p:stCondLst>
+                                        </p:cTn>
+                                        <p:tgtEl>
+                                          <p:spTgt spid="8">
+                                            <p:txEl>
+                                              <p:pRg st="4" end="4"/>
+                                            </p:txEl>
+                                          </p:spTgt>
+                                        </p:tgtEl>
+                                        <p:attrNameLst>
+                                          <p:attrName>style.visibility</p:attrName>
+                                        </p:attrNameLst>
+                                      </p:cBhvr>
+                                      <p:to>
+                                        <p:strVal val="visible"/>
+                                      </p:to>
+                                    </p:set>
+                                    <p:animEffect transition="in" filter="fade">
+                                      <p:cBhvr>
+                                        <p:cTn id="22" dur="500"/>
+                                        <p:tgtEl>
+                                          <p:spTgt spid="8">
+                                            <p:txEl>
+                                              <p:pRg st="4" end="4"/>
+                                            </p:txEl>
+                                          </p:spTgt>
+                                        </p:tgtEl>
+                                      </p:cBhvr>
+                                    </p:animEffect>
+                                  </p:childTnLst>
+                                </p:cTn>
+                              </p:par>
+                            </p:childTnLst>
+                          </p:cTn>
+                        </p:par>
+                      </p:childTnLst>
+                    </p:cTn>
+                  </p:par>
+                  <p:par>
+                    <p:cTn id="23" fill="hold">
+                      <p:stCondLst>
+                        <p:cond delay="indefinite"/>
+                      </p:stCondLst>
+                      <p:childTnLst>
+                        <p:par>
+                          <p:cTn id="24" fill="hold">
+                            <p:stCondLst>
+                              <p:cond delay="0"/>
+                            </p:stCondLst>
+                            <p:childTnLst>
+                              <p:par>
+                                <p:cTn id="25" presetID="10" presetClass="entr" presetSubtype="0" fill="hold" nodeType="clickEffect">
+                                  <p:stCondLst>
+                                    <p:cond delay="0"/>
+                                  </p:stCondLst>
+                                  <p:childTnLst>
+                                    <p:set>
+                                      <p:cBhvr>
+                                        <p:cTn id="26" dur="1" fill="hold">
+                                          <p:stCondLst>
+                                            <p:cond delay="0"/>
+                                          </p:stCondLst>
+                                        </p:cTn>
+                                        <p:tgtEl>
+                                          <p:spTgt spid="8">
+                                            <p:txEl>
+                                              <p:pRg st="6" end="6"/>
+                                            </p:txEl>
+                                          </p:spTgt>
+                                        </p:tgtEl>
+                                        <p:attrNameLst>
+                                          <p:attrName>style.visibility</p:attrName>
+                                        </p:attrNameLst>
+                                      </p:cBhvr>
+                                      <p:to>
+                                        <p:strVal val="visible"/>
+                                      </p:to>
+                                    </p:set>
+                                    <p:animEffect transition="in" filter="fade">
+                                      <p:cBhvr>
+                                        <p:cTn id="27" dur="500"/>
+                                        <p:tgtEl>
+                                          <p:spTgt spid="8">
+                                            <p:txEl>
+                                              <p:pRg st="6" end="6"/>
+                                            </p:txEl>
+                                          </p:spTgt>
+                                        </p:tgtEl>
+                                      </p:cBhvr>
+                                    </p:animEffect>
+                                  </p:childTnLst>
+                                </p:cTn>
+                              </p:par>
+                            </p:childTnLst>
+                          </p:cTn>
+                        </p:par>
+                      </p:childTnLst>
+                    </p:cTn>
+                  </p:par>
+                </p:childTnLst>
+              </p:cTn>
+              <p:prevCondLst>
+                <p:cond evt="onPrev" delay="0">
+                  <p:tgtEl>
+                    <p:sldTgt/>
+                  </p:tgtEl>
+                </p:cond>
+              </p:prevCondLst>
+              <p:nextCondLst>
+                <p:cond evt="onNext" delay="0">
+                  <p:tgtEl>
+                    <p:sldTgt/>
+                  </p:tgtEl>
+                </p:cond>
+              </p:nextCondLst>
+            </p:seq>
+          </p:childTnLst>
+        </p:cTn>
+      </p:par>
+    </p:tnLst>
+    <p:bldLst>
+      <p:bldP spid="9" grpId="0"/>
+    </p:bldLst>
+  </p:timing>
+</p:sld>
+</file>
+
+<file path=ppt/slides/slide4.xml><?xml version="1.0" encoding="utf-8"?>
+<p:sld xmlns:a="http://schemas.openxmlformats.org/drawingml/2006/main" xmlns:r="http://schemas.openxmlformats.org/officeDocument/2006/relationships" xmlns:p="http://schemas.openxmlformats.org/presentationml/2006/main">
+  <p:cSld>
+    <p:spTree>
+      <p:nvGrpSpPr>
+        <p:cNvPr id="1" name=""/>
+        <p:cNvGrpSpPr/>
+        <p:nvPr/>
+      </p:nvGrpSpPr>
+      <p:grpSpPr>
+        <a:xfrm>
+          <a:off x="0" y="0"/>
+          <a:ext cx="0" cy="0"/>
+          <a:chOff x="0" y="0"/>
+          <a:chExt cx="0" cy="0"/>
+        </a:xfrm>
+      </p:grpSpPr>
+      <p:sp>
+        <p:nvSpPr>
+          <p:cNvPr id="7" name="Tijdelijke aanduiding voor dianummer 23">
+            <a:extLst>
+              <a:ext uri="{FF2B5EF4-FFF2-40B4-BE49-F238E27FC236}">
+                <a16:creationId xmlns:a16="http://schemas.microsoft.com/office/drawing/2014/main" id="{E7BA9955-551E-4B72-9196-84FDFE87439B}"/>
+              </a:ext>
+            </a:extLst>
+          </p:cNvPr>
+          <p:cNvSpPr>
+            <a:spLocks noGrp="1"/>
+          </p:cNvSpPr>
+          <p:nvPr>
+            <p:ph type="sldNum" sz="quarter" idx="12"/>
+          </p:nvPr>
+        </p:nvSpPr>
+        <p:spPr>
+          <a:xfrm>
+            <a:off x="11544000" y="-126730"/>
+            <a:ext cx="648000" cy="648000"/>
+          </a:xfrm>
+        </p:spPr>
+        <p:txBody>
+          <a:bodyPr/>
+          <a:lstStyle/>
+          <a:p>
+            <a:fld id="{CF179DAE-D0A6-40C3-B8BC-6A97C268D03A}" type="slidenum">
+              <a:rPr lang="nl-NL" sz="1200" smtClean="0">
+                <a:solidFill>
+                  <a:srgbClr val="1D8DB0"/>
+                </a:solidFill>
+              </a:rPr>
+              <a:pPr/>
+              <a:t>4</a:t>
+            </a:fld>
+            <a:r>
+              <a:rPr lang="nl-NL" sz="1200" dirty="0">
+                <a:solidFill>
+                  <a:srgbClr val="1D8DB0"/>
+                </a:solidFill>
+              </a:rPr>
+              <a:t>/31</a:t>
+            </a:r>
+          </a:p>
+        </p:txBody>
+      </p:sp>
+      <p:sp>
+        <p:nvSpPr>
+          <p:cNvPr id="9" name="Titel 4">
+            <a:extLst>
+              <a:ext uri="{FF2B5EF4-FFF2-40B4-BE49-F238E27FC236}">
+                <a16:creationId xmlns:a16="http://schemas.microsoft.com/office/drawing/2014/main" id="{32C054A8-9043-41C9-BA29-6C11E3B87A6D}"/>
+              </a:ext>
+            </a:extLst>
+          </p:cNvPr>
+          <p:cNvSpPr>
+            <a:spLocks noGrp="1"/>
+          </p:cNvSpPr>
+          <p:nvPr>
+            <p:ph type="title"/>
+          </p:nvPr>
+        </p:nvSpPr>
+        <p:spPr>
+          <a:xfrm>
+            <a:off x="576263" y="336550"/>
+            <a:ext cx="11041062" cy="1152525"/>
+          </a:xfrm>
+        </p:spPr>
+        <p:txBody>
+          <a:bodyPr/>
+          <a:lstStyle/>
+          <a:p>
+            <a:r>
+              <a:rPr lang="nl-BE" dirty="0" err="1"/>
+              <a:t>Nanoparticles</a:t>
+            </a:r>
+            <a:r>
+              <a:rPr lang="nl-BE" dirty="0"/>
+              <a:t> in real life</a:t>
+            </a:r>
+          </a:p>
+        </p:txBody>
+      </p:sp>
+      <p:sp>
+        <p:nvSpPr>
+          <p:cNvPr id="8" name="Tijdelijke aanduiding voor inhoud 1">
+            <a:extLst>
+              <a:ext uri="{FF2B5EF4-FFF2-40B4-BE49-F238E27FC236}">
+                <a16:creationId xmlns:a16="http://schemas.microsoft.com/office/drawing/2014/main" id="{FD48FE27-13D3-407C-9CF5-D7CAC1400D54}"/>
+              </a:ext>
+            </a:extLst>
+          </p:cNvPr>
+          <p:cNvSpPr>
+            <a:spLocks noGrp="1"/>
+          </p:cNvSpPr>
+          <p:nvPr>
+            <p:ph idx="1"/>
+          </p:nvPr>
+        </p:nvSpPr>
+        <p:spPr>
+          <a:xfrm>
+            <a:off x="576000" y="1656000"/>
+            <a:ext cx="11041200" cy="4043464"/>
+          </a:xfrm>
+        </p:spPr>
+        <p:txBody>
+          <a:bodyPr>
+            <a:normAutofit/>
+          </a:bodyPr>
+          <a:lstStyle/>
+          <a:p>
+            <a:pPr marL="0" indent="0">
+              <a:buNone/>
+            </a:pPr>
+            <a:r>
+              <a:rPr lang="nl-BE" sz="2000" dirty="0"/>
+              <a:t>Consumer </a:t>
+            </a:r>
+            <a:r>
+              <a:rPr lang="nl-BE" sz="2000" dirty="0" err="1"/>
+              <a:t>products</a:t>
+            </a:r>
+            <a:endParaRPr lang="nl-BE" sz="2000" dirty="0"/>
+          </a:p>
+        </p:txBody>
+      </p:sp>
+      <p:sp>
+        <p:nvSpPr>
+          <p:cNvPr id="10" name="Tekstvak 9">
+            <a:extLst>
+              <a:ext uri="{FF2B5EF4-FFF2-40B4-BE49-F238E27FC236}">
+                <a16:creationId xmlns:a16="http://schemas.microsoft.com/office/drawing/2014/main" id="{F9AF6A87-507F-4E2E-8A2A-840080D13776}"/>
+              </a:ext>
+            </a:extLst>
+          </p:cNvPr>
+          <p:cNvSpPr txBox="1"/>
+          <p:nvPr/>
+        </p:nvSpPr>
+        <p:spPr>
+          <a:xfrm>
+            <a:off x="159798" y="58771"/>
+            <a:ext cx="5832629" cy="276999"/>
+          </a:xfrm>
+          <a:prstGeom prst="rect">
+            <a:avLst/>
+          </a:prstGeom>
+          <a:noFill/>
+        </p:spPr>
+        <p:txBody>
+          <a:bodyPr wrap="square" rtlCol="0">
+            <a:spAutoFit/>
+          </a:bodyPr>
+          <a:lstStyle/>
+          <a:p>
+            <a:r>
+              <a:rPr lang="nl-BE" sz="1200" dirty="0">
+                <a:solidFill>
+                  <a:srgbClr val="1D8DB0"/>
+                </a:solidFill>
+              </a:rPr>
+              <a:t>J. </a:t>
+            </a:r>
+            <a:r>
+              <a:rPr lang="nl-BE" sz="1200" dirty="0" err="1">
+                <a:solidFill>
+                  <a:srgbClr val="1D8DB0"/>
+                </a:solidFill>
+              </a:rPr>
+              <a:t>Neirynck</a:t>
+            </a:r>
+            <a:r>
+              <a:rPr lang="nl-BE" sz="1200" dirty="0">
+                <a:solidFill>
+                  <a:srgbClr val="1D8DB0"/>
+                </a:solidFill>
+              </a:rPr>
+              <a:t>, F. Van </a:t>
+            </a:r>
+            <a:r>
+              <a:rPr lang="nl-BE" sz="1200" dirty="0" err="1">
+                <a:solidFill>
+                  <a:srgbClr val="1D8DB0"/>
+                </a:solidFill>
+              </a:rPr>
+              <a:t>Eecke</a:t>
+            </a:r>
+            <a:r>
+              <a:rPr lang="nl-BE" sz="1200" dirty="0">
+                <a:solidFill>
+                  <a:srgbClr val="1D8DB0"/>
+                </a:solidFill>
+              </a:rPr>
+              <a:t> &amp; R. Vrielynck</a:t>
+            </a:r>
+          </a:p>
+        </p:txBody>
+      </p:sp>
+      <p:sp>
+        <p:nvSpPr>
+          <p:cNvPr id="11" name="Tekstvak 10">
+            <a:extLst>
+              <a:ext uri="{FF2B5EF4-FFF2-40B4-BE49-F238E27FC236}">
+                <a16:creationId xmlns:a16="http://schemas.microsoft.com/office/drawing/2014/main" id="{02C83A39-3DA1-4516-B834-3C3D5F8552F0}"/>
+              </a:ext>
+            </a:extLst>
+          </p:cNvPr>
+          <p:cNvSpPr txBox="1"/>
+          <p:nvPr/>
+        </p:nvSpPr>
+        <p:spPr>
+          <a:xfrm>
+            <a:off x="576000" y="6356412"/>
+            <a:ext cx="10351364" cy="315471"/>
+          </a:xfrm>
+          <a:prstGeom prst="rect">
+            <a:avLst/>
+          </a:prstGeom>
+          <a:noFill/>
+        </p:spPr>
+        <p:txBody>
+          <a:bodyPr wrap="square" rtlCol="0">
+            <a:spAutoFit/>
+          </a:bodyPr>
+          <a:lstStyle/>
+          <a:p>
+            <a:r>
+              <a:rPr lang="nl-BE" sz="1450" dirty="0" err="1">
+                <a:solidFill>
+                  <a:schemeClr val="bg1"/>
+                </a:solidFill>
+              </a:rPr>
+              <a:t>Introduction</a:t>
+            </a:r>
+            <a:r>
+              <a:rPr lang="nl-BE" sz="1450" dirty="0">
+                <a:solidFill>
+                  <a:schemeClr val="bg1"/>
+                </a:solidFill>
+              </a:rPr>
+              <a:t>	</a:t>
+            </a:r>
+            <a:r>
+              <a:rPr lang="nl-BE" sz="1450" b="1" dirty="0">
+                <a:solidFill>
+                  <a:schemeClr val="bg1"/>
+                </a:solidFill>
+              </a:rPr>
+              <a:t>	Framework</a:t>
+            </a:r>
+            <a:r>
+              <a:rPr lang="nl-BE" sz="1450" dirty="0">
+                <a:solidFill>
+                  <a:schemeClr val="bg1"/>
+                </a:solidFill>
+              </a:rPr>
+              <a:t>		</a:t>
+            </a:r>
+            <a:r>
+              <a:rPr lang="nl-BE" sz="1450" dirty="0" err="1">
+                <a:solidFill>
+                  <a:schemeClr val="bg1"/>
+                </a:solidFill>
+              </a:rPr>
+              <a:t>Techniques</a:t>
+            </a:r>
+            <a:r>
+              <a:rPr lang="nl-BE" sz="1450" dirty="0">
+                <a:solidFill>
+                  <a:schemeClr val="bg1"/>
+                </a:solidFill>
+              </a:rPr>
+              <a:t> &amp; </a:t>
+            </a:r>
+            <a:r>
+              <a:rPr lang="nl-BE" sz="1450" dirty="0" err="1">
+                <a:solidFill>
+                  <a:schemeClr val="bg1"/>
+                </a:solidFill>
+              </a:rPr>
+              <a:t>Results</a:t>
+            </a:r>
+            <a:r>
+              <a:rPr lang="nl-BE" sz="1450" dirty="0">
+                <a:solidFill>
+                  <a:schemeClr val="bg1"/>
+                </a:solidFill>
+              </a:rPr>
+              <a:t>			Summary</a:t>
+            </a:r>
+          </a:p>
+        </p:txBody>
+      </p:sp>
+      <p:pic>
+        <p:nvPicPr>
+          <p:cNvPr id="1026" name="Picture 2" descr="Afbeeldingsresultaat voor l'oreal revitalift eyes nano">
+            <a:extLst>
+              <a:ext uri="{FF2B5EF4-FFF2-40B4-BE49-F238E27FC236}">
+                <a16:creationId xmlns:a16="http://schemas.microsoft.com/office/drawing/2014/main" id="{1671A521-61B8-4B6B-A1F8-3C049B75A419}"/>
+              </a:ext>
+            </a:extLst>
+          </p:cNvPr>
+          <p:cNvPicPr>
+            <a:picLocks noChangeAspect="1" noChangeArrowheads="1"/>
+          </p:cNvPicPr>
+          <p:nvPr/>
+        </p:nvPicPr>
+        <p:blipFill rotWithShape="1">
+          <a:blip r:embed="rId3">
+            <a:extLst>
+              <a:ext uri="{28A0092B-C50C-407E-A947-70E740481C1C}">
+                <a14:useLocalDpi xmlns:a14="http://schemas.microsoft.com/office/drawing/2010/main" val="0"/>
+              </a:ext>
+            </a:extLst>
+          </a:blip>
+          <a:srcRect l="12087" t="22192" r="15522" b="19947"/>
+          <a:stretch/>
+        </p:blipFill>
+        <p:spPr bwMode="auto">
+          <a:xfrm>
+            <a:off x="1529534" y="3059289"/>
+            <a:ext cx="3093156" cy="2472267"/>
+          </a:xfrm>
+          <a:prstGeom prst="rect">
+            <a:avLst/>
+          </a:prstGeom>
+          <a:noFill/>
+          <a:extLst>
+            <a:ext uri="{909E8E84-426E-40DD-AFC4-6F175D3DCCD1}">
+              <a14:hiddenFill xmlns:a14="http://schemas.microsoft.com/office/drawing/2010/main">
+                <a:solidFill>
+                  <a:srgbClr val="FFFFFF"/>
+                </a:solidFill>
+              </a14:hiddenFill>
+            </a:ext>
+          </a:extLst>
+        </p:spPr>
+      </p:pic>
+      <p:pic>
+        <p:nvPicPr>
+          <p:cNvPr id="1028" name="Picture 4" descr="Afbeeldingsresultaat voor hummer">
+            <a:extLst>
+              <a:ext uri="{FF2B5EF4-FFF2-40B4-BE49-F238E27FC236}">
+                <a16:creationId xmlns:a16="http://schemas.microsoft.com/office/drawing/2014/main" id="{73DA8E4A-C76E-45D6-9ED2-2814A9982B4B}"/>
+              </a:ext>
+            </a:extLst>
+          </p:cNvPr>
+          <p:cNvPicPr>
+            <a:picLocks noChangeAspect="1" noChangeArrowheads="1"/>
+          </p:cNvPicPr>
+          <p:nvPr/>
+        </p:nvPicPr>
+        <p:blipFill>
+          <a:blip r:embed="rId4">
+            <a:extLst>
+              <a:ext uri="{28A0092B-C50C-407E-A947-70E740481C1C}">
+                <a14:useLocalDpi xmlns:a14="http://schemas.microsoft.com/office/drawing/2010/main" val="0"/>
+              </a:ext>
+            </a:extLst>
+          </a:blip>
+          <a:srcRect/>
+          <a:stretch>
+            <a:fillRect/>
+          </a:stretch>
+        </p:blipFill>
+        <p:spPr bwMode="auto">
+          <a:xfrm>
+            <a:off x="7005802" y="2961922"/>
+            <a:ext cx="4510088" cy="2667000"/>
+          </a:xfrm>
+          <a:prstGeom prst="rect">
+            <a:avLst/>
+          </a:prstGeom>
+          <a:noFill/>
+          <a:extLst>
+            <a:ext uri="{909E8E84-426E-40DD-AFC4-6F175D3DCCD1}">
+              <a14:hiddenFill xmlns:a14="http://schemas.microsoft.com/office/drawing/2010/main">
+                <a:solidFill>
+                  <a:srgbClr val="FFFFFF"/>
+                </a:solidFill>
+              </a14:hiddenFill>
+            </a:ext>
+          </a:extLst>
+        </p:spPr>
+      </p:pic>
+      <p:sp>
+        <p:nvSpPr>
+          <p:cNvPr id="2" name="Tekstvak 1">
+            <a:extLst>
+              <a:ext uri="{FF2B5EF4-FFF2-40B4-BE49-F238E27FC236}">
+                <a16:creationId xmlns:a16="http://schemas.microsoft.com/office/drawing/2014/main" id="{140B8421-2CAF-4B25-AE94-ED9B3FE022C0}"/>
+              </a:ext>
+            </a:extLst>
+          </p:cNvPr>
+          <p:cNvSpPr txBox="1"/>
+          <p:nvPr/>
+        </p:nvSpPr>
+        <p:spPr>
+          <a:xfrm>
+            <a:off x="1247779" y="2522049"/>
+            <a:ext cx="3656665" cy="369332"/>
+          </a:xfrm>
+          <a:prstGeom prst="rect">
+            <a:avLst/>
+          </a:prstGeom>
+          <a:noFill/>
+        </p:spPr>
+        <p:txBody>
+          <a:bodyPr wrap="square" rtlCol="0">
+            <a:spAutoFit/>
+          </a:bodyPr>
+          <a:lstStyle/>
+          <a:p>
+            <a:pPr algn="ctr"/>
+            <a:r>
+              <a:rPr lang="nl-BE" dirty="0" err="1"/>
+              <a:t>Nanoparticle-baised</a:t>
+            </a:r>
+            <a:r>
+              <a:rPr lang="nl-BE" dirty="0"/>
+              <a:t> </a:t>
+            </a:r>
+            <a:r>
+              <a:rPr lang="nl-BE" dirty="0" err="1"/>
+              <a:t>cometics</a:t>
+            </a:r>
+            <a:endParaRPr lang="nl-BE" dirty="0"/>
+          </a:p>
+        </p:txBody>
+      </p:sp>
+      <p:sp>
+        <p:nvSpPr>
+          <p:cNvPr id="12" name="Tekstvak 11">
+            <a:extLst>
+              <a:ext uri="{FF2B5EF4-FFF2-40B4-BE49-F238E27FC236}">
+                <a16:creationId xmlns:a16="http://schemas.microsoft.com/office/drawing/2014/main" id="{B53D63C2-A5A4-4531-9575-0A80818C532B}"/>
+              </a:ext>
+            </a:extLst>
+          </p:cNvPr>
+          <p:cNvSpPr txBox="1"/>
+          <p:nvPr/>
+        </p:nvSpPr>
+        <p:spPr>
+          <a:xfrm>
+            <a:off x="7432513" y="2522049"/>
+            <a:ext cx="3656665" cy="369332"/>
+          </a:xfrm>
+          <a:prstGeom prst="rect">
+            <a:avLst/>
+          </a:prstGeom>
+          <a:noFill/>
+        </p:spPr>
+        <p:txBody>
+          <a:bodyPr wrap="square" rtlCol="0">
+            <a:spAutoFit/>
+          </a:bodyPr>
+          <a:lstStyle/>
+          <a:p>
+            <a:pPr algn="ctr"/>
+            <a:r>
+              <a:rPr lang="nl-BE" dirty="0" err="1"/>
+              <a:t>Nanocomposite</a:t>
+            </a:r>
+            <a:r>
+              <a:rPr lang="nl-BE" dirty="0"/>
+              <a:t> </a:t>
+            </a:r>
+            <a:r>
+              <a:rPr lang="nl-BE" dirty="0" err="1"/>
+              <a:t>parts</a:t>
+            </a:r>
+            <a:endParaRPr lang="nl-BE" dirty="0"/>
+          </a:p>
+        </p:txBody>
+      </p:sp>
+    </p:spTree>
+    <p:extLst>
+      <p:ext uri="{BB962C8B-B14F-4D97-AF65-F5344CB8AC3E}">
+        <p14:creationId xmlns:p14="http://schemas.microsoft.com/office/powerpoint/2010/main" val="3369439005"/>
+      </p:ext>
+    </p:extLst>
+  </p:cSld>
+  <p:clrMapOvr>
+    <a:masterClrMapping/>
+  </p:clrMapOvr>
+  <p:timing>
+    <p:tnLst>
+      <p:par>
+        <p:cTn id="1" dur="indefinite" restart="never" nodeType="tmRoot">
+          <p:childTnLst>
+            <p:seq concurrent="1" nextAc="seek">
+              <p:cTn id="2" dur="indefinite" nodeType="mainSeq">
+                <p:childTnLst>
+                  <p:par>
+                    <p:cTn id="3" fill="hold">
+                      <p:stCondLst>
+                        <p:cond delay="indefinite"/>
+                        <p:cond evt="onBegin" delay="0">
+                          <p:tn val="2"/>
+                        </p:cond>
+                      </p:stCondLst>
+                      <p:childTnLst>
+                        <p:par>
+                          <p:cTn id="4" fill="hold">
+                            <p:stCondLst>
+                              <p:cond delay="0"/>
+                            </p:stCondLst>
+                            <p:childTnLst>
+                              <p:par>
+                                <p:cTn id="5" presetID="10" presetClass="entr" presetSubtype="0" fill="hold" grpId="0" nodeType="afterEffect">
+                                  <p:stCondLst>
+                                    <p:cond delay="0"/>
+                                  </p:stCondLst>
+                                  <p:childTnLst>
+                                    <p:set>
+                                      <p:cBhvr>
+                                        <p:cTn id="6" dur="1" fill="hold">
+                                          <p:stCondLst>
+                                            <p:cond delay="0"/>
+                                          </p:stCondLst>
+                                        </p:cTn>
+                                        <p:tgtEl>
+                                          <p:spTgt spid="9"/>
+                                        </p:tgtEl>
+                                        <p:attrNameLst>
+                                          <p:attrName>style.visibility</p:attrName>
+                                        </p:attrNameLst>
+                                      </p:cBhvr>
+                                      <p:to>
+                                        <p:strVal val="visible"/>
+                                      </p:to>
+                                    </p:set>
+                                    <p:animEffect transition="in" filter="fade">
+                                      <p:cBhvr>
+                                        <p:cTn id="7" dur="500"/>
+                                        <p:tgtEl>
+                                          <p:spTgt spid="9"/>
+                                        </p:tgtEl>
+                                      </p:cBhvr>
+                                    </p:animEffect>
+                                  </p:childTnLst>
+                                </p:cTn>
+                              </p:par>
+                            </p:childTnLst>
+                          </p:cTn>
+                        </p:par>
+                      </p:childTnLst>
+                    </p:cTn>
+                  </p:par>
+                  <p:par>
+                    <p:cTn id="8" fill="hold">
+                      <p:stCondLst>
+                        <p:cond delay="indefinite"/>
+                      </p:stCondLst>
+                      <p:childTnLst>
+                        <p:par>
+                          <p:cTn id="9" fill="hold">
+                            <p:stCondLst>
+                              <p:cond delay="0"/>
+                            </p:stCondLst>
+                            <p:childTnLst>
+                              <p:par>
+                                <p:cTn id="10" presetID="10" presetClass="entr" presetSubtype="0" fill="hold" nodeType="clickEffect">
+                                  <p:stCondLst>
+                                    <p:cond delay="0"/>
+                                  </p:stCondLst>
+                                  <p:childTnLst>
+                                    <p:set>
+                                      <p:cBhvr>
+                                        <p:cTn id="11" dur="1" fill="hold">
+                                          <p:stCondLst>
+                                            <p:cond delay="0"/>
+                                          </p:stCondLst>
+                                        </p:cTn>
+                                        <p:tgtEl>
+                                          <p:spTgt spid="8">
+                                            <p:txEl>
+                                              <p:pRg st="0" end="0"/>
+                                            </p:txEl>
+                                          </p:spTgt>
+                                        </p:tgtEl>
+                                        <p:attrNameLst>
+                                          <p:attrName>style.visibility</p:attrName>
+                                        </p:attrNameLst>
+                                      </p:cBhvr>
+                                      <p:to>
+                                        <p:strVal val="visible"/>
+                                      </p:to>
+                                    </p:set>
+                                    <p:animEffect transition="in" filter="fade">
+                                      <p:cBhvr>
+                                        <p:cTn id="12" dur="500"/>
+                                        <p:tgtEl>
+                                          <p:spTgt spid="8">
+                                            <p:txEl>
+                                              <p:pRg st="0" end="0"/>
+                                            </p:txEl>
+                                          </p:spTgt>
+                                        </p:tgtEl>
+                                      </p:cBhvr>
+                                    </p:animEffect>
+                                  </p:childTnLst>
+                                </p:cTn>
+                              </p:par>
+                            </p:childTnLst>
+                          </p:cTn>
+                        </p:par>
+                      </p:childTnLst>
+                    </p:cTn>
+                  </p:par>
+                </p:childTnLst>
+              </p:cTn>
+              <p:prevCondLst>
+                <p:cond evt="onPrev" delay="0">
+                  <p:tgtEl>
+                    <p:sldTgt/>
+                  </p:tgtEl>
+                </p:cond>
+              </p:prevCondLst>
+              <p:nextCondLst>
+                <p:cond evt="onNext" delay="0">
+                  <p:tgtEl>
+                    <p:sldTgt/>
+                  </p:tgtEl>
+                </p:cond>
+              </p:nextCondLst>
+            </p:seq>
+          </p:childTnLst>
+        </p:cTn>
+      </p:par>
+    </p:tnLst>
+    <p:bldLst>
+      <p:bldP spid="9" grpId="0"/>
+    </p:bldLst>
+  </p:timing>
+</p:sld>
+</file>
+
+<file path=ppt/slides/slide5.xml><?xml version="1.0" encoding="utf-8"?>
+<p:sld xmlns:a="http://schemas.openxmlformats.org/drawingml/2006/main" xmlns:r="http://schemas.openxmlformats.org/officeDocument/2006/relationships" xmlns:p="http://schemas.openxmlformats.org/presentationml/2006/main">
+  <p:cSld>
+    <p:spTree>
+      <p:nvGrpSpPr>
+        <p:cNvPr id="1" name=""/>
+        <p:cNvGrpSpPr/>
+        <p:nvPr/>
+      </p:nvGrpSpPr>
+      <p:grpSpPr>
+        <a:xfrm>
+          <a:off x="0" y="0"/>
+          <a:ext cx="0" cy="0"/>
+          <a:chOff x="0" y="0"/>
+          <a:chExt cx="0" cy="0"/>
+        </a:xfrm>
+      </p:grpSpPr>
+      <p:sp>
+        <p:nvSpPr>
+          <p:cNvPr id="7" name="Tijdelijke aanduiding voor dianummer 23">
+            <a:extLst>
+              <a:ext uri="{FF2B5EF4-FFF2-40B4-BE49-F238E27FC236}">
+                <a16:creationId xmlns:a16="http://schemas.microsoft.com/office/drawing/2014/main" id="{E7BA9955-551E-4B72-9196-84FDFE87439B}"/>
+              </a:ext>
+            </a:extLst>
+          </p:cNvPr>
+          <p:cNvSpPr>
+            <a:spLocks noGrp="1"/>
+          </p:cNvSpPr>
+          <p:nvPr>
+            <p:ph type="sldNum" sz="quarter" idx="12"/>
+          </p:nvPr>
+        </p:nvSpPr>
+        <p:spPr>
+          <a:xfrm>
+            <a:off x="11544000" y="-126730"/>
+            <a:ext cx="648000" cy="648000"/>
+          </a:xfrm>
+        </p:spPr>
+        <p:txBody>
+          <a:bodyPr/>
+          <a:lstStyle/>
+          <a:p>
+            <a:fld id="{CF179DAE-D0A6-40C3-B8BC-6A97C268D03A}" type="slidenum">
+              <a:rPr lang="nl-NL" sz="1200" smtClean="0">
+                <a:solidFill>
+                  <a:srgbClr val="1D8DB0"/>
+                </a:solidFill>
+              </a:rPr>
+              <a:pPr/>
+              <a:t>5</a:t>
+            </a:fld>
+            <a:r>
+              <a:rPr lang="nl-NL" sz="1200" dirty="0">
+                <a:solidFill>
+                  <a:srgbClr val="1D8DB0"/>
+                </a:solidFill>
+              </a:rPr>
+              <a:t>/31</a:t>
+            </a:r>
+          </a:p>
+        </p:txBody>
+      </p:sp>
+      <p:sp>
+        <p:nvSpPr>
+          <p:cNvPr id="9" name="Titel 4">
+            <a:extLst>
+              <a:ext uri="{FF2B5EF4-FFF2-40B4-BE49-F238E27FC236}">
+                <a16:creationId xmlns:a16="http://schemas.microsoft.com/office/drawing/2014/main" id="{32C054A8-9043-41C9-BA29-6C11E3B87A6D}"/>
+              </a:ext>
+            </a:extLst>
+          </p:cNvPr>
+          <p:cNvSpPr>
+            <a:spLocks noGrp="1"/>
+          </p:cNvSpPr>
+          <p:nvPr>
+            <p:ph type="title"/>
+          </p:nvPr>
+        </p:nvSpPr>
+        <p:spPr>
+          <a:xfrm>
+            <a:off x="576263" y="336550"/>
+            <a:ext cx="11041062" cy="1152525"/>
+          </a:xfrm>
+        </p:spPr>
+        <p:txBody>
+          <a:bodyPr/>
+          <a:lstStyle/>
+          <a:p>
+            <a:r>
+              <a:rPr lang="nl-BE" dirty="0" err="1"/>
+              <a:t>Properties</a:t>
+            </a:r>
+            <a:r>
+              <a:rPr lang="nl-BE" dirty="0"/>
+              <a:t> of </a:t>
+            </a:r>
+            <a:r>
+              <a:rPr lang="nl-BE" dirty="0" err="1"/>
+              <a:t>nanoscale</a:t>
+            </a:r>
+            <a:r>
+              <a:rPr lang="nl-BE" dirty="0"/>
+              <a:t> </a:t>
+            </a:r>
+            <a:r>
+              <a:rPr lang="nl-BE" dirty="0" err="1"/>
+              <a:t>materials</a:t>
+            </a:r>
+            <a:endParaRPr lang="nl-BE" dirty="0"/>
+          </a:p>
+        </p:txBody>
+      </p:sp>
+      <p:sp>
+        <p:nvSpPr>
+          <p:cNvPr id="8" name="Tijdelijke aanduiding voor inhoud 1">
+            <a:extLst>
+              <a:ext uri="{FF2B5EF4-FFF2-40B4-BE49-F238E27FC236}">
+                <a16:creationId xmlns:a16="http://schemas.microsoft.com/office/drawing/2014/main" id="{FD48FE27-13D3-407C-9CF5-D7CAC1400D54}"/>
+              </a:ext>
+            </a:extLst>
+          </p:cNvPr>
+          <p:cNvSpPr>
+            <a:spLocks noGrp="1"/>
+          </p:cNvSpPr>
+          <p:nvPr>
+            <p:ph idx="1"/>
+          </p:nvPr>
+        </p:nvSpPr>
+        <p:spPr>
+          <a:xfrm>
+            <a:off x="576000" y="1656000"/>
+            <a:ext cx="11041200" cy="4043464"/>
+          </a:xfrm>
+        </p:spPr>
+        <p:txBody>
+          <a:bodyPr>
+            <a:normAutofit/>
+          </a:bodyPr>
+          <a:lstStyle/>
+          <a:p>
+            <a:pPr marL="0" indent="0">
+              <a:buNone/>
+            </a:pPr>
+            <a:r>
+              <a:rPr lang="nl-BE" sz="2000" dirty="0" err="1"/>
+              <a:t>Their</a:t>
+            </a:r>
+            <a:r>
+              <a:rPr lang="nl-BE" sz="2000" dirty="0"/>
+              <a:t> most </a:t>
+            </a:r>
+            <a:r>
+              <a:rPr lang="nl-BE" sz="2000" b="1" dirty="0" err="1"/>
+              <a:t>attractive</a:t>
+            </a:r>
+            <a:r>
+              <a:rPr lang="nl-BE" sz="2000" b="1" dirty="0"/>
+              <a:t> </a:t>
+            </a:r>
+            <a:r>
+              <a:rPr lang="nl-BE" sz="2000" b="1" dirty="0" err="1"/>
+              <a:t>properties</a:t>
+            </a:r>
+            <a:r>
+              <a:rPr lang="nl-BE" sz="2000" dirty="0"/>
+              <a:t> make </a:t>
+            </a:r>
+            <a:r>
+              <a:rPr lang="nl-BE" sz="2000" dirty="0" err="1"/>
+              <a:t>them</a:t>
+            </a:r>
+            <a:r>
+              <a:rPr lang="nl-BE" sz="2000" dirty="0"/>
+              <a:t> </a:t>
+            </a:r>
+            <a:r>
+              <a:rPr lang="nl-BE" sz="2000" dirty="0" err="1"/>
+              <a:t>also</a:t>
+            </a:r>
+            <a:r>
+              <a:rPr lang="nl-BE" sz="2000" dirty="0"/>
+              <a:t> </a:t>
+            </a:r>
+            <a:r>
+              <a:rPr lang="nl-BE" sz="2000" dirty="0" err="1"/>
+              <a:t>potentially</a:t>
+            </a:r>
+            <a:r>
+              <a:rPr lang="nl-BE" sz="2000" dirty="0"/>
+              <a:t> </a:t>
+            </a:r>
+            <a:r>
+              <a:rPr lang="nl-BE" sz="2000" dirty="0" err="1"/>
+              <a:t>toxic</a:t>
+            </a:r>
+            <a:r>
+              <a:rPr lang="nl-BE" sz="2000" dirty="0"/>
+              <a:t>.</a:t>
+            </a:r>
+          </a:p>
+          <a:p>
+            <a:pPr marL="0" indent="0">
+              <a:buNone/>
+            </a:pPr>
+            <a:endParaRPr lang="nl-BE" sz="2000" dirty="0"/>
+          </a:p>
+          <a:p>
+            <a:r>
+              <a:rPr lang="nl-BE" sz="2000" dirty="0" err="1"/>
+              <a:t>Higher</a:t>
+            </a:r>
+            <a:r>
+              <a:rPr lang="nl-BE" sz="2000" dirty="0"/>
+              <a:t> </a:t>
+            </a:r>
+            <a:r>
+              <a:rPr lang="nl-BE" sz="2000" dirty="0" err="1"/>
+              <a:t>reactivity</a:t>
+            </a:r>
+            <a:endParaRPr lang="nl-BE" sz="2000" dirty="0"/>
+          </a:p>
+          <a:p>
+            <a:r>
+              <a:rPr lang="nl-BE" sz="2000" dirty="0" err="1"/>
+              <a:t>Higher</a:t>
+            </a:r>
+            <a:r>
+              <a:rPr lang="nl-BE" sz="2000" dirty="0"/>
+              <a:t> </a:t>
+            </a:r>
+            <a:r>
+              <a:rPr lang="nl-BE" sz="2000" dirty="0" err="1"/>
+              <a:t>surface</a:t>
+            </a:r>
+            <a:r>
+              <a:rPr lang="nl-BE" sz="2000" dirty="0"/>
+              <a:t> </a:t>
+            </a:r>
+            <a:r>
+              <a:rPr lang="nl-BE" sz="2000" dirty="0" err="1"/>
+              <a:t>to</a:t>
+            </a:r>
+            <a:r>
+              <a:rPr lang="nl-BE" sz="2000" dirty="0"/>
+              <a:t> </a:t>
+            </a:r>
+            <a:r>
+              <a:rPr lang="nl-BE" sz="2000" dirty="0" err="1"/>
+              <a:t>mass</a:t>
+            </a:r>
+            <a:r>
+              <a:rPr lang="nl-BE" sz="2000" dirty="0"/>
+              <a:t> ratio</a:t>
+            </a:r>
+          </a:p>
+          <a:p>
+            <a:r>
+              <a:rPr lang="nl-BE" sz="2000" dirty="0" err="1"/>
+              <a:t>Higher</a:t>
+            </a:r>
+            <a:r>
+              <a:rPr lang="nl-BE" sz="2000" dirty="0"/>
+              <a:t> </a:t>
+            </a:r>
+            <a:r>
+              <a:rPr lang="nl-BE" sz="2000" dirty="0" err="1"/>
+              <a:t>permeation</a:t>
+            </a:r>
+            <a:endParaRPr lang="nl-BE" sz="2000" dirty="0"/>
+          </a:p>
+          <a:p>
+            <a:pPr marL="0" indent="0">
+              <a:buNone/>
+            </a:pPr>
+            <a:endParaRPr lang="nl-BE" sz="2000" dirty="0"/>
+          </a:p>
+        </p:txBody>
+      </p:sp>
+      <p:sp>
+        <p:nvSpPr>
+          <p:cNvPr id="10" name="Tekstvak 9">
+            <a:extLst>
+              <a:ext uri="{FF2B5EF4-FFF2-40B4-BE49-F238E27FC236}">
+                <a16:creationId xmlns:a16="http://schemas.microsoft.com/office/drawing/2014/main" id="{F9AF6A87-507F-4E2E-8A2A-840080D13776}"/>
+              </a:ext>
+            </a:extLst>
+          </p:cNvPr>
+          <p:cNvSpPr txBox="1"/>
+          <p:nvPr/>
+        </p:nvSpPr>
+        <p:spPr>
+          <a:xfrm>
+            <a:off x="159798" y="58771"/>
+            <a:ext cx="5832629" cy="276999"/>
+          </a:xfrm>
+          <a:prstGeom prst="rect">
+            <a:avLst/>
+          </a:prstGeom>
+          <a:noFill/>
+        </p:spPr>
+        <p:txBody>
+          <a:bodyPr wrap="square" rtlCol="0">
+            <a:spAutoFit/>
+          </a:bodyPr>
+          <a:lstStyle/>
+          <a:p>
+            <a:r>
+              <a:rPr lang="nl-BE" sz="1200" dirty="0">
+                <a:solidFill>
+                  <a:srgbClr val="1D8DB0"/>
+                </a:solidFill>
+              </a:rPr>
+              <a:t>J. </a:t>
+            </a:r>
+            <a:r>
+              <a:rPr lang="nl-BE" sz="1200" dirty="0" err="1">
+                <a:solidFill>
+                  <a:srgbClr val="1D8DB0"/>
+                </a:solidFill>
+              </a:rPr>
+              <a:t>Neirynck</a:t>
+            </a:r>
+            <a:r>
+              <a:rPr lang="nl-BE" sz="1200" dirty="0">
+                <a:solidFill>
+                  <a:srgbClr val="1D8DB0"/>
+                </a:solidFill>
+              </a:rPr>
+              <a:t>, F. Van </a:t>
+            </a:r>
+            <a:r>
+              <a:rPr lang="nl-BE" sz="1200" dirty="0" err="1">
+                <a:solidFill>
+                  <a:srgbClr val="1D8DB0"/>
+                </a:solidFill>
+              </a:rPr>
+              <a:t>Eecke</a:t>
+            </a:r>
+            <a:r>
+              <a:rPr lang="nl-BE" sz="1200" dirty="0">
+                <a:solidFill>
+                  <a:srgbClr val="1D8DB0"/>
+                </a:solidFill>
+              </a:rPr>
+              <a:t> &amp; R. Vrielynck</a:t>
+            </a:r>
+          </a:p>
+        </p:txBody>
+      </p:sp>
+      <p:sp>
+        <p:nvSpPr>
+          <p:cNvPr id="11" name="Tekstvak 10">
+            <a:extLst>
+              <a:ext uri="{FF2B5EF4-FFF2-40B4-BE49-F238E27FC236}">
+                <a16:creationId xmlns:a16="http://schemas.microsoft.com/office/drawing/2014/main" id="{02C83A39-3DA1-4516-B834-3C3D5F8552F0}"/>
+              </a:ext>
+            </a:extLst>
+          </p:cNvPr>
+          <p:cNvSpPr txBox="1"/>
+          <p:nvPr/>
+        </p:nvSpPr>
+        <p:spPr>
+          <a:xfrm>
+            <a:off x="576000" y="6356412"/>
+            <a:ext cx="10351364" cy="315471"/>
+          </a:xfrm>
+          <a:prstGeom prst="rect">
+            <a:avLst/>
+          </a:prstGeom>
+          <a:noFill/>
+        </p:spPr>
+        <p:txBody>
+          <a:bodyPr wrap="square" rtlCol="0">
+            <a:spAutoFit/>
+          </a:bodyPr>
+          <a:lstStyle/>
+          <a:p>
+            <a:r>
+              <a:rPr lang="nl-BE" sz="1450" dirty="0" err="1">
+                <a:solidFill>
+                  <a:schemeClr val="bg1"/>
+                </a:solidFill>
+              </a:rPr>
+              <a:t>Introduction</a:t>
+            </a:r>
+            <a:r>
+              <a:rPr lang="nl-BE" sz="1450" dirty="0">
+                <a:solidFill>
+                  <a:schemeClr val="bg1"/>
+                </a:solidFill>
+              </a:rPr>
+              <a:t>	</a:t>
+            </a:r>
+            <a:r>
+              <a:rPr lang="nl-BE" sz="1450" b="1" dirty="0">
+                <a:solidFill>
+                  <a:schemeClr val="bg1"/>
+                </a:solidFill>
+              </a:rPr>
+              <a:t>	Framework</a:t>
+            </a:r>
+            <a:r>
+              <a:rPr lang="nl-BE" sz="1450" dirty="0">
+                <a:solidFill>
+                  <a:schemeClr val="bg1"/>
+                </a:solidFill>
+              </a:rPr>
+              <a:t>		</a:t>
+            </a:r>
+            <a:r>
+              <a:rPr lang="nl-BE" sz="1450" dirty="0" err="1">
+                <a:solidFill>
+                  <a:schemeClr val="bg1"/>
+                </a:solidFill>
+              </a:rPr>
+              <a:t>Techniques</a:t>
+            </a:r>
+            <a:r>
+              <a:rPr lang="nl-BE" sz="1450" dirty="0">
+                <a:solidFill>
+                  <a:schemeClr val="bg1"/>
+                </a:solidFill>
+              </a:rPr>
+              <a:t> &amp; </a:t>
+            </a:r>
+            <a:r>
+              <a:rPr lang="nl-BE" sz="1450" dirty="0" err="1">
+                <a:solidFill>
+                  <a:schemeClr val="bg1"/>
+                </a:solidFill>
+              </a:rPr>
+              <a:t>Results</a:t>
+            </a:r>
+            <a:r>
+              <a:rPr lang="nl-BE" sz="1450" dirty="0">
+                <a:solidFill>
+                  <a:schemeClr val="bg1"/>
+                </a:solidFill>
+              </a:rPr>
+              <a:t>			Summary</a:t>
+            </a:r>
+          </a:p>
+        </p:txBody>
+      </p:sp>
+    </p:spTree>
+    <p:extLst>
+      <p:ext uri="{BB962C8B-B14F-4D97-AF65-F5344CB8AC3E}">
+        <p14:creationId xmlns:p14="http://schemas.microsoft.com/office/powerpoint/2010/main" val="1399662658"/>
+      </p:ext>
+    </p:extLst>
+  </p:cSld>
+  <p:clrMapOvr>
+    <a:masterClrMapping/>
+  </p:clrMapOvr>
+  <p:timing>
+    <p:tnLst>
+      <p:par>
+        <p:cTn id="1" dur="indefinite" restart="never" nodeType="tmRoot">
+          <p:childTnLst>
+            <p:seq concurrent="1" nextAc="seek">
+              <p:cTn id="2" dur="indefinite" nodeType="mainSeq">
+                <p:childTnLst>
+                  <p:par>
+                    <p:cTn id="3" fill="hold">
+                      <p:stCondLst>
+                        <p:cond delay="indefinite"/>
+                        <p:cond evt="onBegin" delay="0">
+                          <p:tn val="2"/>
+                        </p:cond>
+                      </p:stCondLst>
+                      <p:childTnLst>
+                        <p:par>
+                          <p:cTn id="4" fill="hold">
+                            <p:stCondLst>
+                              <p:cond delay="0"/>
+                            </p:stCondLst>
+                            <p:childTnLst>
+                              <p:par>
+                                <p:cTn id="5" presetID="10" presetClass="entr" presetSubtype="0" fill="hold" grpId="0" nodeType="afterEffect">
+                                  <p:stCondLst>
+                                    <p:cond delay="0"/>
+                                  </p:stCondLst>
+                                  <p:childTnLst>
+                                    <p:set>
+                                      <p:cBhvr>
+                                        <p:cTn id="6" dur="1" fill="hold">
+                                          <p:stCondLst>
+                                            <p:cond delay="0"/>
+                                          </p:stCondLst>
+                                        </p:cTn>
+                                        <p:tgtEl>
+                                          <p:spTgt spid="9"/>
+                                        </p:tgtEl>
+                                        <p:attrNameLst>
+                                          <p:attrName>style.visibility</p:attrName>
+                                        </p:attrNameLst>
+                                      </p:cBhvr>
+                                      <p:to>
+                                        <p:strVal val="visible"/>
+                                      </p:to>
+                                    </p:set>
+                                    <p:animEffect transition="in" filter="fade">
+                                      <p:cBhvr>
+                                        <p:cTn id="7" dur="500"/>
+                                        <p:tgtEl>
+                                          <p:spTgt spid="9"/>
+                                        </p:tgtEl>
+                                      </p:cBhvr>
+                                    </p:animEffect>
+                                  </p:childTnLst>
+                                </p:cTn>
+                              </p:par>
+                            </p:childTnLst>
+                          </p:cTn>
+                        </p:par>
+                      </p:childTnLst>
+                    </p:cTn>
+                  </p:par>
+                  <p:par>
+                    <p:cTn id="8" fill="hold">
+                      <p:stCondLst>
+                        <p:cond delay="indefinite"/>
+                      </p:stCondLst>
+                      <p:childTnLst>
+                        <p:par>
+                          <p:cTn id="9" fill="hold">
+                            <p:stCondLst>
+                              <p:cond delay="0"/>
+                            </p:stCondLst>
+                            <p:childTnLst>
+                              <p:par>
+                                <p:cTn id="10" presetID="10" presetClass="entr" presetSubtype="0" fill="hold" nodeType="clickEffect">
+                                  <p:stCondLst>
+                                    <p:cond delay="0"/>
+                                  </p:stCondLst>
+                                  <p:childTnLst>
+                                    <p:set>
+                                      <p:cBhvr>
+                                        <p:cTn id="11" dur="1" fill="hold">
+                                          <p:stCondLst>
+                                            <p:cond delay="0"/>
+                                          </p:stCondLst>
+                                        </p:cTn>
+                                        <p:tgtEl>
+                                          <p:spTgt spid="8">
+                                            <p:txEl>
+                                              <p:pRg st="0" end="0"/>
+                                            </p:txEl>
+                                          </p:spTgt>
+                                        </p:tgtEl>
+                                        <p:attrNameLst>
+                                          <p:attrName>style.visibility</p:attrName>
+                                        </p:attrNameLst>
+                                      </p:cBhvr>
+                                      <p:to>
+                                        <p:strVal val="visible"/>
+                                      </p:to>
+                                    </p:set>
+                                    <p:animEffect transition="in" filter="fade">
+                                      <p:cBhvr>
+                                        <p:cTn id="12" dur="500"/>
+                                        <p:tgtEl>
+                                          <p:spTgt spid="8">
+                                            <p:txEl>
+                                              <p:pRg st="0" end="0"/>
+                                            </p:txEl>
+                                          </p:spTgt>
+                                        </p:tgtEl>
+                                      </p:cBhvr>
+                                    </p:animEffect>
+                                  </p:childTnLst>
+                                </p:cTn>
+                              </p:par>
+                            </p:childTnLst>
+                          </p:cTn>
+                        </p:par>
+                      </p:childTnLst>
+                    </p:cTn>
+                  </p:par>
+                  <p:par>
+                    <p:cTn id="13" fill="hold">
+                      <p:stCondLst>
+                        <p:cond delay="indefinite"/>
+                      </p:stCondLst>
+                      <p:childTnLst>
+                        <p:par>
+                          <p:cTn id="14" fill="hold">
+                            <p:stCondLst>
+                              <p:cond delay="0"/>
+                            </p:stCondLst>
+                            <p:childTnLst>
+                              <p:par>
+                                <p:cTn id="15" presetID="10" presetClass="entr" presetSubtype="0" fill="hold" nodeType="clickEffect">
+                                  <p:stCondLst>
+                                    <p:cond delay="0"/>
+                                  </p:stCondLst>
+                                  <p:childTnLst>
+                                    <p:set>
+                                      <p:cBhvr>
+                                        <p:cTn id="16" dur="1" fill="hold">
+                                          <p:stCondLst>
+                                            <p:cond delay="0"/>
+                                          </p:stCondLst>
+                                        </p:cTn>
+                                        <p:tgtEl>
+                                          <p:spTgt spid="8">
+                                            <p:txEl>
+                                              <p:pRg st="2" end="2"/>
+                                            </p:txEl>
+                                          </p:spTgt>
+                                        </p:tgtEl>
+                                        <p:attrNameLst>
+                                          <p:attrName>style.visibility</p:attrName>
+                                        </p:attrNameLst>
+                                      </p:cBhvr>
+                                      <p:to>
+                                        <p:strVal val="visible"/>
+                                      </p:to>
+                                    </p:set>
+                                    <p:animEffect transition="in" filter="fade">
+                                      <p:cBhvr>
+                                        <p:cTn id="17" dur="500"/>
+                                        <p:tgtEl>
+                                          <p:spTgt spid="8">
+                                            <p:txEl>
+                                              <p:pRg st="2" end="2"/>
+                                            </p:txEl>
+                                          </p:spTgt>
+                                        </p:tgtEl>
+                                      </p:cBhvr>
+                                    </p:animEffect>
+                                  </p:childTnLst>
+                                </p:cTn>
+                              </p:par>
+                            </p:childTnLst>
+                          </p:cTn>
+                        </p:par>
+                      </p:childTnLst>
+                    </p:cTn>
+                  </p:par>
+                  <p:par>
+                    <p:cTn id="18" fill="hold">
+                      <p:stCondLst>
+                        <p:cond delay="indefinite"/>
+                      </p:stCondLst>
+                      <p:childTnLst>
+                        <p:par>
+                          <p:cTn id="19" fill="hold">
+                            <p:stCondLst>
+                              <p:cond delay="0"/>
+                            </p:stCondLst>
+                            <p:childTnLst>
+                              <p:par>
+                                <p:cTn id="20" presetID="10" presetClass="entr" presetSubtype="0" fill="hold" nodeType="clickEffect">
+                                  <p:stCondLst>
+                                    <p:cond delay="0"/>
+                                  </p:stCondLst>
+                                  <p:childTnLst>
+                                    <p:set>
+                                      <p:cBhvr>
+                                        <p:cTn id="21" dur="1" fill="hold">
+                                          <p:stCondLst>
+                                            <p:cond delay="0"/>
+                                          </p:stCondLst>
+                                        </p:cTn>
+                                        <p:tgtEl>
+                                          <p:spTgt spid="8">
+                                            <p:txEl>
+                                              <p:pRg st="3" end="3"/>
+                                            </p:txEl>
+                                          </p:spTgt>
+                                        </p:tgtEl>
+                                        <p:attrNameLst>
+                                          <p:attrName>style.visibility</p:attrName>
+                                        </p:attrNameLst>
+                                      </p:cBhvr>
+                                      <p:to>
+                                        <p:strVal val="visible"/>
+                                      </p:to>
+                                    </p:set>
+                                    <p:animEffect transition="in" filter="fade">
+                                      <p:cBhvr>
+                                        <p:cTn id="22" dur="500"/>
+                                        <p:tgtEl>
+                                          <p:spTgt spid="8">
+                                            <p:txEl>
+                                              <p:pRg st="3" end="3"/>
+                                            </p:txEl>
+                                          </p:spTgt>
+                                        </p:tgtEl>
+                                      </p:cBhvr>
+                                    </p:animEffect>
+                                  </p:childTnLst>
+                                </p:cTn>
+                              </p:par>
+                            </p:childTnLst>
+                          </p:cTn>
+                        </p:par>
+                      </p:childTnLst>
+                    </p:cTn>
+                  </p:par>
+                  <p:par>
+                    <p:cTn id="23" fill="hold">
+                      <p:stCondLst>
+                        <p:cond delay="indefinite"/>
+                      </p:stCondLst>
+                      <p:childTnLst>
+                        <p:par>
+                          <p:cTn id="24" fill="hold">
+                            <p:stCondLst>
+                              <p:cond delay="0"/>
+                            </p:stCondLst>
+                            <p:childTnLst>
+                              <p:par>
+                                <p:cTn id="25" presetID="10" presetClass="entr" presetSubtype="0" fill="hold" nodeType="clickEffect">
+                                  <p:stCondLst>
+                                    <p:cond delay="0"/>
+                                  </p:stCondLst>
+                                  <p:childTnLst>
+                                    <p:set>
+                                      <p:cBhvr>
+                                        <p:cTn id="26" dur="1" fill="hold">
+                                          <p:stCondLst>
+                                            <p:cond delay="0"/>
+                                          </p:stCondLst>
+                                        </p:cTn>
+                                        <p:tgtEl>
+                                          <p:spTgt spid="8">
+                                            <p:txEl>
+                                              <p:pRg st="4" end="4"/>
+                                            </p:txEl>
+                                          </p:spTgt>
+                                        </p:tgtEl>
+                                        <p:attrNameLst>
+                                          <p:attrName>style.visibility</p:attrName>
+                                        </p:attrNameLst>
+                                      </p:cBhvr>
+                                      <p:to>
+                                        <p:strVal val="visible"/>
+                                      </p:to>
+                                    </p:set>
+                                    <p:animEffect transition="in" filter="fade">
+                                      <p:cBhvr>
+                                        <p:cTn id="27" dur="500"/>
+                                        <p:tgtEl>
+                                          <p:spTgt spid="8">
+                                            <p:txEl>
+                                              <p:pRg st="4" end="4"/>
+                                            </p:txEl>
+                                          </p:spTgt>
+                                        </p:tgtEl>
+                                      </p:cBhvr>
+                                    </p:animEffect>
+                                  </p:childTnLst>
+                                </p:cTn>
+                              </p:par>
+                            </p:childTnLst>
+                          </p:cTn>
+                        </p:par>
+                      </p:childTnLst>
+                    </p:cTn>
+                  </p:par>
+                </p:childTnLst>
+              </p:cTn>
+              <p:prevCondLst>
+                <p:cond evt="onPrev" delay="0">
+                  <p:tgtEl>
+                    <p:sldTgt/>
+                  </p:tgtEl>
+                </p:cond>
+              </p:prevCondLst>
+              <p:nextCondLst>
+                <p:cond evt="onNext" delay="0">
+                  <p:tgtEl>
+                    <p:sldTgt/>
+                  </p:tgtEl>
+                </p:cond>
+              </p:nextCondLst>
+            </p:seq>
+          </p:childTnLst>
+        </p:cTn>
+      </p:par>
+    </p:tnLst>
+    <p:bldLst>
+      <p:bldP spid="9" grpId="0"/>
+    </p:bldLst>
+  </p:timing>
+</p:sld>
+</file>
+
+<file path=ppt/slides/slide6.xml><?xml version="1.0" encoding="utf-8"?>
+<p:sld xmlns:a="http://schemas.openxmlformats.org/drawingml/2006/main" xmlns:r="http://schemas.openxmlformats.org/officeDocument/2006/relationships" xmlns:p="http://schemas.openxmlformats.org/presentationml/2006/main">
+  <p:cSld>
+    <p:spTree>
+      <p:nvGrpSpPr>
+        <p:cNvPr id="1" name=""/>
+        <p:cNvGrpSpPr/>
+        <p:nvPr/>
+      </p:nvGrpSpPr>
+      <p:grpSpPr>
+        <a:xfrm>
+          <a:off x="0" y="0"/>
+          <a:ext cx="0" cy="0"/>
+          <a:chOff x="0" y="0"/>
+          <a:chExt cx="0" cy="0"/>
+        </a:xfrm>
+      </p:grpSpPr>
+      <p:sp>
+        <p:nvSpPr>
+          <p:cNvPr id="7" name="Tijdelijke aanduiding voor dianummer 23">
+            <a:extLst>
+              <a:ext uri="{FF2B5EF4-FFF2-40B4-BE49-F238E27FC236}">
+                <a16:creationId xmlns:a16="http://schemas.microsoft.com/office/drawing/2014/main" id="{E7BA9955-551E-4B72-9196-84FDFE87439B}"/>
+              </a:ext>
+            </a:extLst>
+          </p:cNvPr>
+          <p:cNvSpPr>
+            <a:spLocks noGrp="1"/>
+          </p:cNvSpPr>
+          <p:nvPr>
+            <p:ph type="sldNum" sz="quarter" idx="12"/>
+          </p:nvPr>
+        </p:nvSpPr>
+        <p:spPr>
+          <a:xfrm>
+            <a:off x="11544000" y="-126730"/>
+            <a:ext cx="648000" cy="648000"/>
+          </a:xfrm>
+        </p:spPr>
+        <p:txBody>
+          <a:bodyPr/>
+          <a:lstStyle/>
+          <a:p>
+            <a:fld id="{CF179DAE-D0A6-40C3-B8BC-6A97C268D03A}" type="slidenum">
+              <a:rPr lang="nl-NL" sz="1200" smtClean="0">
+                <a:solidFill>
+                  <a:srgbClr val="1D8DB0"/>
+                </a:solidFill>
+              </a:rPr>
+              <a:pPr/>
+              <a:t>6</a:t>
+            </a:fld>
+            <a:r>
+              <a:rPr lang="nl-NL" sz="1200" dirty="0">
+                <a:solidFill>
+                  <a:srgbClr val="1D8DB0"/>
+                </a:solidFill>
+              </a:rPr>
+              <a:t>/31</a:t>
+            </a:r>
+          </a:p>
+        </p:txBody>
+      </p:sp>
+      <p:sp>
+        <p:nvSpPr>
+          <p:cNvPr id="9" name="Titel 4">
+            <a:extLst>
+              <a:ext uri="{FF2B5EF4-FFF2-40B4-BE49-F238E27FC236}">
+                <a16:creationId xmlns:a16="http://schemas.microsoft.com/office/drawing/2014/main" id="{32C054A8-9043-41C9-BA29-6C11E3B87A6D}"/>
+              </a:ext>
+            </a:extLst>
+          </p:cNvPr>
+          <p:cNvSpPr>
+            <a:spLocks noGrp="1"/>
+          </p:cNvSpPr>
+          <p:nvPr>
+            <p:ph type="title"/>
+          </p:nvPr>
+        </p:nvSpPr>
+        <p:spPr>
+          <a:xfrm>
+            <a:off x="576263" y="336550"/>
+            <a:ext cx="11041062" cy="1152525"/>
+          </a:xfrm>
+        </p:spPr>
+        <p:txBody>
+          <a:bodyPr/>
+          <a:lstStyle/>
+          <a:p>
+            <a:r>
+              <a:rPr lang="nl-BE" dirty="0"/>
+              <a:t>Exposure </a:t>
+            </a:r>
+            <a:r>
+              <a:rPr lang="nl-BE" dirty="0" err="1"/>
+              <a:t>to</a:t>
+            </a:r>
+            <a:r>
+              <a:rPr lang="nl-BE" dirty="0"/>
+              <a:t> </a:t>
+            </a:r>
+            <a:r>
+              <a:rPr lang="nl-BE" dirty="0" err="1"/>
+              <a:t>nanoscale</a:t>
+            </a:r>
+            <a:r>
+              <a:rPr lang="nl-BE" dirty="0"/>
+              <a:t> </a:t>
+            </a:r>
+            <a:r>
+              <a:rPr lang="nl-BE" dirty="0" err="1"/>
+              <a:t>materials</a:t>
+            </a:r>
+            <a:endParaRPr lang="nl-BE" dirty="0"/>
+          </a:p>
+        </p:txBody>
+      </p:sp>
+      <p:sp>
+        <p:nvSpPr>
+          <p:cNvPr id="8" name="Tijdelijke aanduiding voor inhoud 1">
+            <a:extLst>
+              <a:ext uri="{FF2B5EF4-FFF2-40B4-BE49-F238E27FC236}">
+                <a16:creationId xmlns:a16="http://schemas.microsoft.com/office/drawing/2014/main" id="{FD48FE27-13D3-407C-9CF5-D7CAC1400D54}"/>
+              </a:ext>
+            </a:extLst>
+          </p:cNvPr>
+          <p:cNvSpPr>
+            <a:spLocks noGrp="1"/>
+          </p:cNvSpPr>
+          <p:nvPr>
+            <p:ph idx="1"/>
+          </p:nvPr>
+        </p:nvSpPr>
+        <p:spPr>
+          <a:xfrm>
+            <a:off x="576000" y="1656000"/>
+            <a:ext cx="11041200" cy="4043464"/>
+          </a:xfrm>
+        </p:spPr>
+        <p:txBody>
+          <a:bodyPr>
+            <a:normAutofit/>
+          </a:bodyPr>
+          <a:lstStyle/>
+          <a:p>
+            <a:pPr marL="0" indent="0">
+              <a:buNone/>
+            </a:pPr>
+            <a:endParaRPr lang="nl-BE" sz="2000" dirty="0"/>
+          </a:p>
+        </p:txBody>
+      </p:sp>
+      <p:sp>
+        <p:nvSpPr>
+          <p:cNvPr id="10" name="Tekstvak 9">
+            <a:extLst>
+              <a:ext uri="{FF2B5EF4-FFF2-40B4-BE49-F238E27FC236}">
+                <a16:creationId xmlns:a16="http://schemas.microsoft.com/office/drawing/2014/main" id="{F9AF6A87-507F-4E2E-8A2A-840080D13776}"/>
+              </a:ext>
+            </a:extLst>
+          </p:cNvPr>
+          <p:cNvSpPr txBox="1"/>
+          <p:nvPr/>
+        </p:nvSpPr>
+        <p:spPr>
+          <a:xfrm>
+            <a:off x="159798" y="58771"/>
+            <a:ext cx="5832629" cy="276999"/>
+          </a:xfrm>
+          <a:prstGeom prst="rect">
+            <a:avLst/>
+          </a:prstGeom>
+          <a:noFill/>
+        </p:spPr>
+        <p:txBody>
+          <a:bodyPr wrap="square" rtlCol="0">
+            <a:spAutoFit/>
+          </a:bodyPr>
+          <a:lstStyle/>
+          <a:p>
+            <a:r>
+              <a:rPr lang="nl-BE" sz="1200" dirty="0">
+                <a:solidFill>
+                  <a:srgbClr val="1D8DB0"/>
+                </a:solidFill>
+              </a:rPr>
+              <a:t>J. </a:t>
+            </a:r>
+            <a:r>
+              <a:rPr lang="nl-BE" sz="1200" dirty="0" err="1">
+                <a:solidFill>
+                  <a:srgbClr val="1D8DB0"/>
+                </a:solidFill>
+              </a:rPr>
+              <a:t>Neirynck</a:t>
+            </a:r>
+            <a:r>
+              <a:rPr lang="nl-BE" sz="1200" dirty="0">
+                <a:solidFill>
+                  <a:srgbClr val="1D8DB0"/>
+                </a:solidFill>
+              </a:rPr>
+              <a:t>, F. Van </a:t>
+            </a:r>
+            <a:r>
+              <a:rPr lang="nl-BE" sz="1200" dirty="0" err="1">
+                <a:solidFill>
+                  <a:srgbClr val="1D8DB0"/>
+                </a:solidFill>
+              </a:rPr>
+              <a:t>Eecke</a:t>
+            </a:r>
+            <a:r>
+              <a:rPr lang="nl-BE" sz="1200" dirty="0">
+                <a:solidFill>
+                  <a:srgbClr val="1D8DB0"/>
+                </a:solidFill>
+              </a:rPr>
+              <a:t> &amp; R. Vrielynck</a:t>
+            </a:r>
+          </a:p>
+        </p:txBody>
+      </p:sp>
+      <p:sp>
+        <p:nvSpPr>
+          <p:cNvPr id="11" name="Tekstvak 10">
+            <a:extLst>
+              <a:ext uri="{FF2B5EF4-FFF2-40B4-BE49-F238E27FC236}">
+                <a16:creationId xmlns:a16="http://schemas.microsoft.com/office/drawing/2014/main" id="{02C83A39-3DA1-4516-B834-3C3D5F8552F0}"/>
+              </a:ext>
+            </a:extLst>
+          </p:cNvPr>
+          <p:cNvSpPr txBox="1"/>
+          <p:nvPr/>
+        </p:nvSpPr>
+        <p:spPr>
+          <a:xfrm>
+            <a:off x="576000" y="6356412"/>
+            <a:ext cx="10351364" cy="315471"/>
+          </a:xfrm>
+          <a:prstGeom prst="rect">
+            <a:avLst/>
+          </a:prstGeom>
+          <a:noFill/>
+        </p:spPr>
+        <p:txBody>
+          <a:bodyPr wrap="square" rtlCol="0">
+            <a:spAutoFit/>
+          </a:bodyPr>
+          <a:lstStyle/>
+          <a:p>
+            <a:r>
+              <a:rPr lang="nl-BE" sz="1450" dirty="0" err="1">
+                <a:solidFill>
+                  <a:schemeClr val="bg1"/>
+                </a:solidFill>
+              </a:rPr>
+              <a:t>Introduction</a:t>
+            </a:r>
+            <a:r>
+              <a:rPr lang="nl-BE" sz="1450" dirty="0">
+                <a:solidFill>
+                  <a:schemeClr val="bg1"/>
+                </a:solidFill>
+              </a:rPr>
+              <a:t>	</a:t>
+            </a:r>
+            <a:r>
+              <a:rPr lang="nl-BE" sz="1450" b="1" dirty="0">
+                <a:solidFill>
+                  <a:schemeClr val="bg1"/>
+                </a:solidFill>
+              </a:rPr>
+              <a:t>	Framework</a:t>
+            </a:r>
+            <a:r>
+              <a:rPr lang="nl-BE" sz="1450" dirty="0">
+                <a:solidFill>
+                  <a:schemeClr val="bg1"/>
+                </a:solidFill>
+              </a:rPr>
+              <a:t>		</a:t>
+            </a:r>
+            <a:r>
+              <a:rPr lang="nl-BE" sz="1450" dirty="0" err="1">
+                <a:solidFill>
+                  <a:schemeClr val="bg1"/>
+                </a:solidFill>
+              </a:rPr>
+              <a:t>Techniques</a:t>
+            </a:r>
+            <a:r>
+              <a:rPr lang="nl-BE" sz="1450" dirty="0">
+                <a:solidFill>
+                  <a:schemeClr val="bg1"/>
+                </a:solidFill>
+              </a:rPr>
+              <a:t> &amp; </a:t>
+            </a:r>
+            <a:r>
+              <a:rPr lang="nl-BE" sz="1450" dirty="0" err="1">
+                <a:solidFill>
+                  <a:schemeClr val="bg1"/>
+                </a:solidFill>
+              </a:rPr>
+              <a:t>Results</a:t>
+            </a:r>
+            <a:r>
+              <a:rPr lang="nl-BE" sz="1450" dirty="0">
+                <a:solidFill>
+                  <a:schemeClr val="bg1"/>
+                </a:solidFill>
+              </a:rPr>
+              <a:t>			Summary</a:t>
+            </a:r>
+          </a:p>
+        </p:txBody>
+      </p:sp>
+      <p:sp>
+        <p:nvSpPr>
+          <p:cNvPr id="2" name="Rechthoek 1">
+            <a:extLst>
+              <a:ext uri="{FF2B5EF4-FFF2-40B4-BE49-F238E27FC236}">
+                <a16:creationId xmlns:a16="http://schemas.microsoft.com/office/drawing/2014/main" id="{F6652C73-BF51-4D91-98AD-EC4DC42C6201}"/>
+              </a:ext>
+            </a:extLst>
+          </p:cNvPr>
+          <p:cNvSpPr/>
+          <p:nvPr/>
+        </p:nvSpPr>
+        <p:spPr>
+          <a:xfrm>
+            <a:off x="699911" y="1772356"/>
+            <a:ext cx="5292516" cy="620888"/>
+          </a:xfrm>
+          <a:prstGeom prst="rect">
+            <a:avLst/>
+          </a:prstGeom>
+        </p:spPr>
+        <p:style>
+          <a:lnRef idx="2">
+            <a:schemeClr val="dk1">
+              <a:shade val="50000"/>
+            </a:schemeClr>
+          </a:lnRef>
+          <a:fillRef idx="1">
+            <a:schemeClr val="dk1"/>
+          </a:fillRef>
+          <a:effectRef idx="0">
+            <a:schemeClr val="dk1"/>
+          </a:effectRef>
+          <a:fontRef idx="minor">
+            <a:schemeClr val="lt1"/>
+          </a:fontRef>
+        </p:style>
+        <p:txBody>
+          <a:bodyPr rtlCol="0" anchor="ctr"/>
+          <a:lstStyle/>
+          <a:p>
+            <a:pPr algn="ctr"/>
+            <a:r>
+              <a:rPr lang="nl-BE" sz="2400" b="1" dirty="0"/>
+              <a:t>SHORT-TERM ROUTES</a:t>
+            </a:r>
+          </a:p>
+        </p:txBody>
+      </p:sp>
+      <p:sp>
+        <p:nvSpPr>
+          <p:cNvPr id="12" name="Rechthoek 11">
+            <a:extLst>
+              <a:ext uri="{FF2B5EF4-FFF2-40B4-BE49-F238E27FC236}">
+                <a16:creationId xmlns:a16="http://schemas.microsoft.com/office/drawing/2014/main" id="{EC0FAB35-27EA-428A-AC16-AF6E5498359F}"/>
+              </a:ext>
+            </a:extLst>
+          </p:cNvPr>
+          <p:cNvSpPr/>
+          <p:nvPr/>
+        </p:nvSpPr>
+        <p:spPr>
+          <a:xfrm>
+            <a:off x="6199575" y="1772356"/>
+            <a:ext cx="5292516" cy="620888"/>
+          </a:xfrm>
+          <a:prstGeom prst="rect">
+            <a:avLst/>
+          </a:prstGeom>
+        </p:spPr>
+        <p:style>
+          <a:lnRef idx="2">
+            <a:schemeClr val="dk1">
+              <a:shade val="50000"/>
+            </a:schemeClr>
+          </a:lnRef>
+          <a:fillRef idx="1">
+            <a:schemeClr val="dk1"/>
+          </a:fillRef>
+          <a:effectRef idx="0">
+            <a:schemeClr val="dk1"/>
+          </a:effectRef>
+          <a:fontRef idx="minor">
+            <a:schemeClr val="lt1"/>
+          </a:fontRef>
+        </p:style>
+        <p:txBody>
+          <a:bodyPr rtlCol="0" anchor="ctr"/>
+          <a:lstStyle/>
+          <a:p>
+            <a:pPr algn="ctr"/>
+            <a:r>
+              <a:rPr lang="nl-BE" sz="2400" b="1" dirty="0"/>
+              <a:t>LONG-TERM ROUTES</a:t>
+            </a:r>
+          </a:p>
+        </p:txBody>
+      </p:sp>
+      <p:sp>
+        <p:nvSpPr>
+          <p:cNvPr id="3" name="Rechthoek 2">
+            <a:extLst>
+              <a:ext uri="{FF2B5EF4-FFF2-40B4-BE49-F238E27FC236}">
+                <a16:creationId xmlns:a16="http://schemas.microsoft.com/office/drawing/2014/main" id="{5AEB4CE9-0427-4004-B868-5BA47FEDDC00}"/>
+              </a:ext>
+            </a:extLst>
+          </p:cNvPr>
+          <p:cNvSpPr/>
+          <p:nvPr/>
+        </p:nvSpPr>
+        <p:spPr>
+          <a:xfrm>
+            <a:off x="699911" y="2517422"/>
+            <a:ext cx="5292516" cy="2684578"/>
+          </a:xfrm>
+          <a:prstGeom prst="rect">
+            <a:avLst/>
+          </a:prstGeom>
+          <a:solidFill>
+            <a:schemeClr val="bg2"/>
+          </a:solidFill>
+          <a:ln>
+            <a:solidFill>
+              <a:schemeClr val="bg2"/>
+            </a:solidFill>
+          </a:ln>
+        </p:spPr>
+        <p:style>
+          <a:lnRef idx="2">
+            <a:schemeClr val="accent1">
+              <a:shade val="50000"/>
+            </a:schemeClr>
+          </a:lnRef>
+          <a:fillRef idx="1">
+            <a:schemeClr val="accent1"/>
+          </a:fillRef>
+          <a:effectRef idx="0">
+            <a:schemeClr val="accent1"/>
+          </a:effectRef>
+          <a:fontRef idx="minor">
+            <a:schemeClr val="lt1"/>
+          </a:fontRef>
+        </p:style>
+        <p:txBody>
+          <a:bodyPr rtlCol="0" anchor="ctr"/>
+          <a:lstStyle/>
+          <a:p>
+            <a:pPr algn="ctr"/>
+            <a:r>
+              <a:rPr lang="nl-BE" sz="2000" dirty="0" err="1">
+                <a:solidFill>
+                  <a:srgbClr val="2F4D5D"/>
+                </a:solidFill>
+              </a:rPr>
+              <a:t>Inhalation</a:t>
+            </a:r>
+            <a:endParaRPr lang="nl-BE" sz="2000" dirty="0">
+              <a:solidFill>
+                <a:srgbClr val="2F4D5D"/>
+              </a:solidFill>
+            </a:endParaRPr>
+          </a:p>
+          <a:p>
+            <a:pPr algn="ctr"/>
+            <a:endParaRPr lang="nl-BE" sz="2000" dirty="0">
+              <a:solidFill>
+                <a:srgbClr val="2F4D5D"/>
+              </a:solidFill>
+            </a:endParaRPr>
+          </a:p>
+          <a:p>
+            <a:pPr algn="ctr"/>
+            <a:r>
+              <a:rPr lang="nl-BE" sz="2000" dirty="0">
+                <a:solidFill>
+                  <a:srgbClr val="2F4D5D"/>
+                </a:solidFill>
+              </a:rPr>
+              <a:t>Skin contact</a:t>
+            </a:r>
+          </a:p>
+          <a:p>
+            <a:pPr algn="ctr"/>
+            <a:endParaRPr lang="nl-BE" sz="2000" dirty="0">
+              <a:solidFill>
+                <a:srgbClr val="2F4D5D"/>
+              </a:solidFill>
+            </a:endParaRPr>
+          </a:p>
+          <a:p>
+            <a:pPr algn="ctr"/>
+            <a:r>
+              <a:rPr lang="nl-BE" sz="2000" dirty="0">
+                <a:solidFill>
+                  <a:srgbClr val="2F4D5D"/>
+                </a:solidFill>
+              </a:rPr>
+              <a:t>Oral </a:t>
+            </a:r>
+            <a:r>
+              <a:rPr lang="nl-BE" sz="2000" dirty="0" err="1">
+                <a:solidFill>
+                  <a:srgbClr val="2F4D5D"/>
+                </a:solidFill>
+              </a:rPr>
+              <a:t>ingestion</a:t>
+            </a:r>
+            <a:endParaRPr lang="nl-BE" sz="2400" dirty="0">
+              <a:solidFill>
+                <a:srgbClr val="2F4D5D"/>
+              </a:solidFill>
+            </a:endParaRPr>
+          </a:p>
+        </p:txBody>
+      </p:sp>
+      <p:sp>
+        <p:nvSpPr>
+          <p:cNvPr id="13" name="Rechthoek 12">
+            <a:extLst>
+              <a:ext uri="{FF2B5EF4-FFF2-40B4-BE49-F238E27FC236}">
+                <a16:creationId xmlns:a16="http://schemas.microsoft.com/office/drawing/2014/main" id="{A7E5FAFD-813C-4E68-8239-075464870DF7}"/>
+              </a:ext>
+            </a:extLst>
+          </p:cNvPr>
+          <p:cNvSpPr/>
+          <p:nvPr/>
+        </p:nvSpPr>
+        <p:spPr>
+          <a:xfrm>
+            <a:off x="6199573" y="2517422"/>
+            <a:ext cx="5292516" cy="2684578"/>
+          </a:xfrm>
+          <a:prstGeom prst="rect">
+            <a:avLst/>
+          </a:prstGeom>
+          <a:solidFill>
+            <a:schemeClr val="bg2"/>
+          </a:solidFill>
+          <a:ln>
+            <a:solidFill>
+              <a:schemeClr val="bg2"/>
+            </a:solidFill>
+          </a:ln>
+        </p:spPr>
+        <p:style>
+          <a:lnRef idx="2">
+            <a:schemeClr val="accent1">
+              <a:shade val="50000"/>
+            </a:schemeClr>
+          </a:lnRef>
+          <a:fillRef idx="1">
+            <a:schemeClr val="accent1"/>
+          </a:fillRef>
+          <a:effectRef idx="0">
+            <a:schemeClr val="accent1"/>
+          </a:effectRef>
+          <a:fontRef idx="minor">
+            <a:schemeClr val="lt1"/>
+          </a:fontRef>
+        </p:style>
+        <p:txBody>
+          <a:bodyPr rtlCol="0" anchor="ctr"/>
+          <a:lstStyle/>
+          <a:p>
+            <a:pPr algn="ctr"/>
+            <a:r>
+              <a:rPr lang="nl-BE" sz="2000" dirty="0" err="1">
+                <a:solidFill>
+                  <a:srgbClr val="2F4D5D"/>
+                </a:solidFill>
+              </a:rPr>
+              <a:t>Biodegradation</a:t>
+            </a:r>
+            <a:r>
+              <a:rPr lang="nl-BE" sz="2000" dirty="0">
+                <a:solidFill>
+                  <a:srgbClr val="2F4D5D"/>
+                </a:solidFill>
+              </a:rPr>
+              <a:t> issues</a:t>
+            </a:r>
+          </a:p>
+        </p:txBody>
+      </p:sp>
+    </p:spTree>
+    <p:extLst>
+      <p:ext uri="{BB962C8B-B14F-4D97-AF65-F5344CB8AC3E}">
+        <p14:creationId xmlns:p14="http://schemas.microsoft.com/office/powerpoint/2010/main" val="2287604197"/>
       </p:ext>
     </p:extLst>
   </p:cSld>
@@ -6855,6 +9904,1558 @@
                                       <p:tn val="10"/>
                                     </p:cond>
                                   </p:endCondLst>
+                                  <p:childTnLst>
+                                    <p:set>
+                                      <p:cBhvr>
+                                        <p:cTn id="11" dur="1" fill="hold">
+                                          <p:stCondLst>
+                                            <p:cond delay="0"/>
+                                          </p:stCondLst>
+                                        </p:cTn>
+                                        <p:tgtEl>
+                                          <p:spTgt spid="8">
+                                            <p:txEl>
+                                              <p:pRg st="0" end="0"/>
+                                            </p:txEl>
+                                          </p:spTgt>
+                                        </p:tgtEl>
+                                        <p:attrNameLst>
+                                          <p:attrName>style.visibility</p:attrName>
+                                        </p:attrNameLst>
+                                      </p:cBhvr>
+                                      <p:to>
+                                        <p:strVal val="visible"/>
+                                      </p:to>
+                                    </p:set>
+                                    <p:animEffect transition="in" filter="fade">
+                                      <p:cBhvr>
+                                        <p:cTn id="12" dur="500"/>
+                                        <p:tgtEl>
+                                          <p:spTgt spid="8">
+                                            <p:txEl>
+                                              <p:pRg st="0" end="0"/>
+                                            </p:txEl>
+                                          </p:spTgt>
+                                        </p:tgtEl>
+                                      </p:cBhvr>
+                                    </p:animEffect>
+                                  </p:childTnLst>
+                                </p:cTn>
+                              </p:par>
+                            </p:childTnLst>
+                          </p:cTn>
+                        </p:par>
+                      </p:childTnLst>
+                    </p:cTn>
+                  </p:par>
+                </p:childTnLst>
+              </p:cTn>
+              <p:prevCondLst>
+                <p:cond evt="onPrev" delay="0">
+                  <p:tgtEl>
+                    <p:sldTgt/>
+                  </p:tgtEl>
+                </p:cond>
+              </p:prevCondLst>
+              <p:nextCondLst>
+                <p:cond evt="onNext" delay="0">
+                  <p:tgtEl>
+                    <p:sldTgt/>
+                  </p:tgtEl>
+                </p:cond>
+              </p:nextCondLst>
+            </p:seq>
+          </p:childTnLst>
+        </p:cTn>
+      </p:par>
+    </p:tnLst>
+    <p:bldLst>
+      <p:bldP spid="9" grpId="0"/>
+    </p:bldLst>
+  </p:timing>
+</p:sld>
+</file>
+
+<file path=ppt/slides/slide7.xml><?xml version="1.0" encoding="utf-8"?>
+<p:sld xmlns:a="http://schemas.openxmlformats.org/drawingml/2006/main" xmlns:r="http://schemas.openxmlformats.org/officeDocument/2006/relationships" xmlns:p="http://schemas.openxmlformats.org/presentationml/2006/main">
+  <p:cSld>
+    <p:spTree>
+      <p:nvGrpSpPr>
+        <p:cNvPr id="1" name=""/>
+        <p:cNvGrpSpPr/>
+        <p:nvPr/>
+      </p:nvGrpSpPr>
+      <p:grpSpPr>
+        <a:xfrm>
+          <a:off x="0" y="0"/>
+          <a:ext cx="0" cy="0"/>
+          <a:chOff x="0" y="0"/>
+          <a:chExt cx="0" cy="0"/>
+        </a:xfrm>
+      </p:grpSpPr>
+      <p:sp>
+        <p:nvSpPr>
+          <p:cNvPr id="7" name="Tijdelijke aanduiding voor dianummer 23">
+            <a:extLst>
+              <a:ext uri="{FF2B5EF4-FFF2-40B4-BE49-F238E27FC236}">
+                <a16:creationId xmlns:a16="http://schemas.microsoft.com/office/drawing/2014/main" id="{E7BA9955-551E-4B72-9196-84FDFE87439B}"/>
+              </a:ext>
+            </a:extLst>
+          </p:cNvPr>
+          <p:cNvSpPr>
+            <a:spLocks noGrp="1"/>
+          </p:cNvSpPr>
+          <p:nvPr>
+            <p:ph type="sldNum" sz="quarter" idx="12"/>
+          </p:nvPr>
+        </p:nvSpPr>
+        <p:spPr>
+          <a:xfrm>
+            <a:off x="11544000" y="-126730"/>
+            <a:ext cx="648000" cy="648000"/>
+          </a:xfrm>
+        </p:spPr>
+        <p:txBody>
+          <a:bodyPr/>
+          <a:lstStyle/>
+          <a:p>
+            <a:fld id="{CF179DAE-D0A6-40C3-B8BC-6A97C268D03A}" type="slidenum">
+              <a:rPr lang="nl-NL" sz="1200" smtClean="0">
+                <a:solidFill>
+                  <a:srgbClr val="1D8DB0"/>
+                </a:solidFill>
+              </a:rPr>
+              <a:pPr/>
+              <a:t>7</a:t>
+            </a:fld>
+            <a:r>
+              <a:rPr lang="nl-NL" sz="1200" dirty="0">
+                <a:solidFill>
+                  <a:srgbClr val="1D8DB0"/>
+                </a:solidFill>
+              </a:rPr>
+              <a:t>/31</a:t>
+            </a:r>
+          </a:p>
+        </p:txBody>
+      </p:sp>
+      <p:sp>
+        <p:nvSpPr>
+          <p:cNvPr id="9" name="Titel 4">
+            <a:extLst>
+              <a:ext uri="{FF2B5EF4-FFF2-40B4-BE49-F238E27FC236}">
+                <a16:creationId xmlns:a16="http://schemas.microsoft.com/office/drawing/2014/main" id="{32C054A8-9043-41C9-BA29-6C11E3B87A6D}"/>
+              </a:ext>
+            </a:extLst>
+          </p:cNvPr>
+          <p:cNvSpPr>
+            <a:spLocks noGrp="1"/>
+          </p:cNvSpPr>
+          <p:nvPr>
+            <p:ph type="title"/>
+          </p:nvPr>
+        </p:nvSpPr>
+        <p:spPr>
+          <a:xfrm>
+            <a:off x="576263" y="336550"/>
+            <a:ext cx="11041062" cy="1152525"/>
+          </a:xfrm>
+        </p:spPr>
+        <p:txBody>
+          <a:bodyPr/>
+          <a:lstStyle/>
+          <a:p>
+            <a:r>
+              <a:rPr lang="nl-BE" dirty="0"/>
+              <a:t>Tests </a:t>
+            </a:r>
+            <a:r>
+              <a:rPr lang="nl-BE" dirty="0" err="1"/>
+              <a:t>for</a:t>
+            </a:r>
+            <a:r>
+              <a:rPr lang="nl-BE" dirty="0"/>
+              <a:t> </a:t>
+            </a:r>
+            <a:r>
+              <a:rPr lang="nl-BE" dirty="0" err="1"/>
+              <a:t>toxicity</a:t>
+            </a:r>
+            <a:endParaRPr lang="nl-BE" dirty="0"/>
+          </a:p>
+        </p:txBody>
+      </p:sp>
+      <p:sp>
+        <p:nvSpPr>
+          <p:cNvPr id="8" name="Tijdelijke aanduiding voor inhoud 1">
+            <a:extLst>
+              <a:ext uri="{FF2B5EF4-FFF2-40B4-BE49-F238E27FC236}">
+                <a16:creationId xmlns:a16="http://schemas.microsoft.com/office/drawing/2014/main" id="{FD48FE27-13D3-407C-9CF5-D7CAC1400D54}"/>
+              </a:ext>
+            </a:extLst>
+          </p:cNvPr>
+          <p:cNvSpPr>
+            <a:spLocks noGrp="1"/>
+          </p:cNvSpPr>
+          <p:nvPr>
+            <p:ph idx="1"/>
+          </p:nvPr>
+        </p:nvSpPr>
+        <p:spPr>
+          <a:xfrm>
+            <a:off x="576000" y="1656000"/>
+            <a:ext cx="11041200" cy="4043464"/>
+          </a:xfrm>
+        </p:spPr>
+        <p:txBody>
+          <a:bodyPr>
+            <a:normAutofit/>
+          </a:bodyPr>
+          <a:lstStyle/>
+          <a:p>
+            <a:pPr marL="0" indent="0">
+              <a:buNone/>
+            </a:pPr>
+            <a:r>
+              <a:rPr lang="nl-BE" sz="2000" b="1" dirty="0" err="1"/>
+              <a:t>Measurement</a:t>
+            </a:r>
+            <a:r>
+              <a:rPr lang="nl-BE" sz="2000" b="1" dirty="0"/>
+              <a:t> parameters:</a:t>
+            </a:r>
+          </a:p>
+          <a:p>
+            <a:pPr marL="0" indent="0">
+              <a:buNone/>
+            </a:pPr>
+            <a:endParaRPr lang="nl-BE" sz="2000" dirty="0"/>
+          </a:p>
+        </p:txBody>
+      </p:sp>
+      <p:sp>
+        <p:nvSpPr>
+          <p:cNvPr id="10" name="Tekstvak 9">
+            <a:extLst>
+              <a:ext uri="{FF2B5EF4-FFF2-40B4-BE49-F238E27FC236}">
+                <a16:creationId xmlns:a16="http://schemas.microsoft.com/office/drawing/2014/main" id="{F9AF6A87-507F-4E2E-8A2A-840080D13776}"/>
+              </a:ext>
+            </a:extLst>
+          </p:cNvPr>
+          <p:cNvSpPr txBox="1"/>
+          <p:nvPr/>
+        </p:nvSpPr>
+        <p:spPr>
+          <a:xfrm>
+            <a:off x="159798" y="58771"/>
+            <a:ext cx="5832629" cy="276999"/>
+          </a:xfrm>
+          <a:prstGeom prst="rect">
+            <a:avLst/>
+          </a:prstGeom>
+          <a:noFill/>
+        </p:spPr>
+        <p:txBody>
+          <a:bodyPr wrap="square" rtlCol="0">
+            <a:spAutoFit/>
+          </a:bodyPr>
+          <a:lstStyle/>
+          <a:p>
+            <a:r>
+              <a:rPr lang="nl-BE" sz="1200" dirty="0">
+                <a:solidFill>
+                  <a:srgbClr val="1D8DB0"/>
+                </a:solidFill>
+              </a:rPr>
+              <a:t>J. </a:t>
+            </a:r>
+            <a:r>
+              <a:rPr lang="nl-BE" sz="1200" dirty="0" err="1">
+                <a:solidFill>
+                  <a:srgbClr val="1D8DB0"/>
+                </a:solidFill>
+              </a:rPr>
+              <a:t>Neirynck</a:t>
+            </a:r>
+            <a:r>
+              <a:rPr lang="nl-BE" sz="1200" dirty="0">
+                <a:solidFill>
+                  <a:srgbClr val="1D8DB0"/>
+                </a:solidFill>
+              </a:rPr>
+              <a:t>, F. Van </a:t>
+            </a:r>
+            <a:r>
+              <a:rPr lang="nl-BE" sz="1200" dirty="0" err="1">
+                <a:solidFill>
+                  <a:srgbClr val="1D8DB0"/>
+                </a:solidFill>
+              </a:rPr>
+              <a:t>Eecke</a:t>
+            </a:r>
+            <a:r>
+              <a:rPr lang="nl-BE" sz="1200" dirty="0">
+                <a:solidFill>
+                  <a:srgbClr val="1D8DB0"/>
+                </a:solidFill>
+              </a:rPr>
+              <a:t> &amp; R. Vrielynck</a:t>
+            </a:r>
+          </a:p>
+        </p:txBody>
+      </p:sp>
+      <p:sp>
+        <p:nvSpPr>
+          <p:cNvPr id="11" name="Tekstvak 10">
+            <a:extLst>
+              <a:ext uri="{FF2B5EF4-FFF2-40B4-BE49-F238E27FC236}">
+                <a16:creationId xmlns:a16="http://schemas.microsoft.com/office/drawing/2014/main" id="{02C83A39-3DA1-4516-B834-3C3D5F8552F0}"/>
+              </a:ext>
+            </a:extLst>
+          </p:cNvPr>
+          <p:cNvSpPr txBox="1"/>
+          <p:nvPr/>
+        </p:nvSpPr>
+        <p:spPr>
+          <a:xfrm>
+            <a:off x="576000" y="6356412"/>
+            <a:ext cx="10351364" cy="315471"/>
+          </a:xfrm>
+          <a:prstGeom prst="rect">
+            <a:avLst/>
+          </a:prstGeom>
+          <a:noFill/>
+        </p:spPr>
+        <p:txBody>
+          <a:bodyPr wrap="square" rtlCol="0">
+            <a:spAutoFit/>
+          </a:bodyPr>
+          <a:lstStyle/>
+          <a:p>
+            <a:r>
+              <a:rPr lang="nl-BE" sz="1450" dirty="0" err="1">
+                <a:solidFill>
+                  <a:schemeClr val="bg1"/>
+                </a:solidFill>
+              </a:rPr>
+              <a:t>Introduction</a:t>
+            </a:r>
+            <a:r>
+              <a:rPr lang="nl-BE" sz="1450" dirty="0">
+                <a:solidFill>
+                  <a:schemeClr val="bg1"/>
+                </a:solidFill>
+              </a:rPr>
+              <a:t>	</a:t>
+            </a:r>
+            <a:r>
+              <a:rPr lang="nl-BE" sz="1450" b="1" dirty="0">
+                <a:solidFill>
+                  <a:schemeClr val="bg1"/>
+                </a:solidFill>
+              </a:rPr>
+              <a:t>	Framework</a:t>
+            </a:r>
+            <a:r>
+              <a:rPr lang="nl-BE" sz="1450" dirty="0">
+                <a:solidFill>
+                  <a:schemeClr val="bg1"/>
+                </a:solidFill>
+              </a:rPr>
+              <a:t>		</a:t>
+            </a:r>
+            <a:r>
+              <a:rPr lang="nl-BE" sz="1450" dirty="0" err="1">
+                <a:solidFill>
+                  <a:schemeClr val="bg1"/>
+                </a:solidFill>
+              </a:rPr>
+              <a:t>Techniques</a:t>
+            </a:r>
+            <a:r>
+              <a:rPr lang="nl-BE" sz="1450" dirty="0">
+                <a:solidFill>
+                  <a:schemeClr val="bg1"/>
+                </a:solidFill>
+              </a:rPr>
+              <a:t> &amp; </a:t>
+            </a:r>
+            <a:r>
+              <a:rPr lang="nl-BE" sz="1450" dirty="0" err="1">
+                <a:solidFill>
+                  <a:schemeClr val="bg1"/>
+                </a:solidFill>
+              </a:rPr>
+              <a:t>Results</a:t>
+            </a:r>
+            <a:r>
+              <a:rPr lang="nl-BE" sz="1450" dirty="0">
+                <a:solidFill>
+                  <a:schemeClr val="bg1"/>
+                </a:solidFill>
+              </a:rPr>
+              <a:t>			Summary</a:t>
+            </a:r>
+          </a:p>
+        </p:txBody>
+      </p:sp>
+      <p:sp>
+        <p:nvSpPr>
+          <p:cNvPr id="2" name="Rechthoek: afgeronde hoeken 1">
+            <a:extLst>
+              <a:ext uri="{FF2B5EF4-FFF2-40B4-BE49-F238E27FC236}">
+                <a16:creationId xmlns:a16="http://schemas.microsoft.com/office/drawing/2014/main" id="{BE28EEE1-DA8B-4BAC-BFA8-2E6178196BDE}"/>
+              </a:ext>
+            </a:extLst>
+          </p:cNvPr>
+          <p:cNvSpPr/>
+          <p:nvPr/>
+        </p:nvSpPr>
+        <p:spPr>
+          <a:xfrm>
+            <a:off x="1004711" y="2246489"/>
+            <a:ext cx="4730045" cy="1478844"/>
+          </a:xfrm>
+          <a:prstGeom prst="roundRect">
+            <a:avLst/>
+          </a:prstGeom>
+          <a:solidFill>
+            <a:schemeClr val="bg2"/>
+          </a:solidFill>
+          <a:ln w="28575"/>
+        </p:spPr>
+        <p:style>
+          <a:lnRef idx="2">
+            <a:schemeClr val="accent1">
+              <a:shade val="50000"/>
+            </a:schemeClr>
+          </a:lnRef>
+          <a:fillRef idx="1">
+            <a:schemeClr val="accent1"/>
+          </a:fillRef>
+          <a:effectRef idx="0">
+            <a:schemeClr val="accent1"/>
+          </a:effectRef>
+          <a:fontRef idx="minor">
+            <a:schemeClr val="lt1"/>
+          </a:fontRef>
+        </p:style>
+        <p:txBody>
+          <a:bodyPr rtlCol="0" anchor="ctr"/>
+          <a:lstStyle/>
+          <a:p>
+            <a:pPr algn="ctr"/>
+            <a:r>
+              <a:rPr lang="nl-BE" sz="2000" b="1" dirty="0" err="1">
+                <a:solidFill>
+                  <a:srgbClr val="2F4D5D"/>
+                </a:solidFill>
+              </a:rPr>
+              <a:t>duration</a:t>
+            </a:r>
+            <a:r>
+              <a:rPr lang="nl-BE" sz="2000" b="1" dirty="0">
+                <a:solidFill>
+                  <a:srgbClr val="2F4D5D"/>
+                </a:solidFill>
+              </a:rPr>
+              <a:t> &amp; route</a:t>
+            </a:r>
+          </a:p>
+          <a:p>
+            <a:pPr algn="ctr"/>
+            <a:r>
+              <a:rPr lang="nl-BE" sz="2000" dirty="0">
+                <a:solidFill>
+                  <a:srgbClr val="2F4D5D"/>
+                </a:solidFill>
+              </a:rPr>
+              <a:t>of exposure</a:t>
+            </a:r>
+          </a:p>
+        </p:txBody>
+      </p:sp>
+      <p:sp>
+        <p:nvSpPr>
+          <p:cNvPr id="12" name="Rechthoek: afgeronde hoeken 11">
+            <a:extLst>
+              <a:ext uri="{FF2B5EF4-FFF2-40B4-BE49-F238E27FC236}">
+                <a16:creationId xmlns:a16="http://schemas.microsoft.com/office/drawing/2014/main" id="{31731E15-2006-410A-A829-55CCA84D8285}"/>
+              </a:ext>
+            </a:extLst>
+          </p:cNvPr>
+          <p:cNvSpPr/>
+          <p:nvPr/>
+        </p:nvSpPr>
+        <p:spPr>
+          <a:xfrm>
+            <a:off x="6457244" y="2246489"/>
+            <a:ext cx="4730045" cy="1478844"/>
+          </a:xfrm>
+          <a:prstGeom prst="roundRect">
+            <a:avLst/>
+          </a:prstGeom>
+          <a:solidFill>
+            <a:schemeClr val="bg2"/>
+          </a:solidFill>
+          <a:ln w="28575"/>
+        </p:spPr>
+        <p:style>
+          <a:lnRef idx="2">
+            <a:schemeClr val="accent1">
+              <a:shade val="50000"/>
+            </a:schemeClr>
+          </a:lnRef>
+          <a:fillRef idx="1">
+            <a:schemeClr val="accent1"/>
+          </a:fillRef>
+          <a:effectRef idx="0">
+            <a:schemeClr val="accent1"/>
+          </a:effectRef>
+          <a:fontRef idx="minor">
+            <a:schemeClr val="lt1"/>
+          </a:fontRef>
+        </p:style>
+        <p:txBody>
+          <a:bodyPr rtlCol="0" anchor="ctr"/>
+          <a:lstStyle/>
+          <a:p>
+            <a:pPr algn="ctr"/>
+            <a:r>
+              <a:rPr lang="nl-BE" sz="2000" b="1" dirty="0" err="1">
+                <a:solidFill>
+                  <a:srgbClr val="2F4D5D"/>
+                </a:solidFill>
+              </a:rPr>
+              <a:t>dosage</a:t>
+            </a:r>
+            <a:r>
+              <a:rPr lang="nl-BE" sz="2000" b="1" dirty="0">
+                <a:solidFill>
+                  <a:srgbClr val="2F4D5D"/>
+                </a:solidFill>
+              </a:rPr>
+              <a:t> &amp; </a:t>
+            </a:r>
+            <a:r>
+              <a:rPr lang="nl-BE" sz="2000" b="1" dirty="0" err="1">
+                <a:solidFill>
+                  <a:srgbClr val="2F4D5D"/>
+                </a:solidFill>
+              </a:rPr>
+              <a:t>composition</a:t>
+            </a:r>
+            <a:endParaRPr lang="nl-BE" sz="2000" b="1" dirty="0">
+              <a:solidFill>
+                <a:srgbClr val="2F4D5D"/>
+              </a:solidFill>
+            </a:endParaRPr>
+          </a:p>
+          <a:p>
+            <a:pPr algn="ctr"/>
+            <a:r>
+              <a:rPr lang="nl-BE" sz="2000" dirty="0">
+                <a:solidFill>
+                  <a:srgbClr val="2F4D5D"/>
+                </a:solidFill>
+              </a:rPr>
+              <a:t>of test </a:t>
+            </a:r>
+            <a:r>
+              <a:rPr lang="nl-BE" sz="2000" dirty="0" err="1">
+                <a:solidFill>
+                  <a:srgbClr val="2F4D5D"/>
+                </a:solidFill>
+              </a:rPr>
+              <a:t>material</a:t>
+            </a:r>
+            <a:endParaRPr lang="nl-BE" sz="2000" dirty="0">
+              <a:solidFill>
+                <a:srgbClr val="2F4D5D"/>
+              </a:solidFill>
+            </a:endParaRPr>
+          </a:p>
+        </p:txBody>
+      </p:sp>
+      <p:sp>
+        <p:nvSpPr>
+          <p:cNvPr id="13" name="Rechthoek: afgeronde hoeken 12">
+            <a:extLst>
+              <a:ext uri="{FF2B5EF4-FFF2-40B4-BE49-F238E27FC236}">
+                <a16:creationId xmlns:a16="http://schemas.microsoft.com/office/drawing/2014/main" id="{8D70946D-FAC8-48F3-B7F3-98B3A3E66912}"/>
+              </a:ext>
+            </a:extLst>
+          </p:cNvPr>
+          <p:cNvSpPr/>
+          <p:nvPr/>
+        </p:nvSpPr>
+        <p:spPr>
+          <a:xfrm>
+            <a:off x="1004710" y="3825505"/>
+            <a:ext cx="4730045" cy="1478844"/>
+          </a:xfrm>
+          <a:prstGeom prst="roundRect">
+            <a:avLst/>
+          </a:prstGeom>
+          <a:solidFill>
+            <a:schemeClr val="bg2"/>
+          </a:solidFill>
+          <a:ln w="28575"/>
+        </p:spPr>
+        <p:style>
+          <a:lnRef idx="2">
+            <a:schemeClr val="accent1">
+              <a:shade val="50000"/>
+            </a:schemeClr>
+          </a:lnRef>
+          <a:fillRef idx="1">
+            <a:schemeClr val="accent1"/>
+          </a:fillRef>
+          <a:effectRef idx="0">
+            <a:schemeClr val="accent1"/>
+          </a:effectRef>
+          <a:fontRef idx="minor">
+            <a:schemeClr val="lt1"/>
+          </a:fontRef>
+        </p:style>
+        <p:txBody>
+          <a:bodyPr rtlCol="0" anchor="ctr"/>
+          <a:lstStyle/>
+          <a:p>
+            <a:pPr algn="ctr"/>
+            <a:r>
+              <a:rPr lang="nl-BE" sz="2000" b="1" dirty="0" err="1">
+                <a:solidFill>
+                  <a:srgbClr val="2F4D5D"/>
+                </a:solidFill>
+              </a:rPr>
+              <a:t>reference</a:t>
+            </a:r>
+            <a:r>
+              <a:rPr lang="nl-BE" sz="2000" b="1" dirty="0">
+                <a:solidFill>
+                  <a:srgbClr val="2F4D5D"/>
+                </a:solidFill>
+              </a:rPr>
+              <a:t> </a:t>
+            </a:r>
+            <a:r>
+              <a:rPr lang="nl-BE" sz="2000" b="1" dirty="0" err="1">
+                <a:solidFill>
+                  <a:srgbClr val="2F4D5D"/>
+                </a:solidFill>
+              </a:rPr>
+              <a:t>material</a:t>
+            </a:r>
+            <a:r>
+              <a:rPr lang="nl-BE" sz="2000" b="1" dirty="0">
+                <a:solidFill>
+                  <a:srgbClr val="2F4D5D"/>
+                </a:solidFill>
+              </a:rPr>
+              <a:t> </a:t>
+            </a:r>
+            <a:r>
+              <a:rPr lang="nl-BE" sz="2000" dirty="0" err="1">
+                <a:solidFill>
+                  <a:srgbClr val="2F4D5D"/>
+                </a:solidFill>
+              </a:rPr>
+              <a:t>need</a:t>
+            </a:r>
+            <a:r>
+              <a:rPr lang="nl-BE" sz="2000" dirty="0">
+                <a:solidFill>
+                  <a:srgbClr val="2F4D5D"/>
+                </a:solidFill>
+              </a:rPr>
+              <a:t> </a:t>
+            </a:r>
+            <a:r>
+              <a:rPr lang="nl-BE" sz="2000" dirty="0" err="1">
+                <a:solidFill>
+                  <a:srgbClr val="2F4D5D"/>
+                </a:solidFill>
+              </a:rPr>
+              <a:t>to</a:t>
+            </a:r>
+            <a:r>
+              <a:rPr lang="nl-BE" sz="2000" dirty="0">
+                <a:solidFill>
+                  <a:srgbClr val="2F4D5D"/>
+                </a:solidFill>
+              </a:rPr>
+              <a:t> </a:t>
+            </a:r>
+            <a:r>
+              <a:rPr lang="nl-BE" sz="2000" dirty="0" err="1">
+                <a:solidFill>
+                  <a:srgbClr val="2F4D5D"/>
+                </a:solidFill>
+              </a:rPr>
+              <a:t>be</a:t>
+            </a:r>
+            <a:r>
+              <a:rPr lang="nl-BE" sz="2000" dirty="0">
+                <a:solidFill>
+                  <a:srgbClr val="2F4D5D"/>
+                </a:solidFill>
+              </a:rPr>
+              <a:t> </a:t>
+            </a:r>
+            <a:r>
+              <a:rPr lang="nl-BE" sz="2000" dirty="0" err="1">
+                <a:solidFill>
+                  <a:srgbClr val="2F4D5D"/>
+                </a:solidFill>
+              </a:rPr>
+              <a:t>provided</a:t>
+            </a:r>
+            <a:r>
+              <a:rPr lang="nl-BE" sz="2000" dirty="0">
+                <a:solidFill>
+                  <a:srgbClr val="2F4D5D"/>
+                </a:solidFill>
+              </a:rPr>
+              <a:t> </a:t>
+            </a:r>
+            <a:r>
+              <a:rPr lang="nl-BE" sz="2000" dirty="0" err="1">
+                <a:solidFill>
+                  <a:srgbClr val="2F4D5D"/>
+                </a:solidFill>
+              </a:rPr>
+              <a:t>to</a:t>
+            </a:r>
+            <a:r>
+              <a:rPr lang="nl-BE" sz="2000" dirty="0">
+                <a:solidFill>
+                  <a:srgbClr val="2F4D5D"/>
+                </a:solidFill>
+              </a:rPr>
+              <a:t> </a:t>
+            </a:r>
+            <a:r>
+              <a:rPr lang="nl-BE" sz="2000" dirty="0" err="1">
+                <a:solidFill>
+                  <a:srgbClr val="2F4D5D"/>
+                </a:solidFill>
+              </a:rPr>
+              <a:t>compare</a:t>
+            </a:r>
+            <a:endParaRPr lang="nl-BE" sz="2000" dirty="0">
+              <a:solidFill>
+                <a:srgbClr val="2F4D5D"/>
+              </a:solidFill>
+            </a:endParaRPr>
+          </a:p>
+        </p:txBody>
+      </p:sp>
+      <p:sp>
+        <p:nvSpPr>
+          <p:cNvPr id="14" name="Rechthoek: afgeronde hoeken 13">
+            <a:extLst>
+              <a:ext uri="{FF2B5EF4-FFF2-40B4-BE49-F238E27FC236}">
+                <a16:creationId xmlns:a16="http://schemas.microsoft.com/office/drawing/2014/main" id="{0C83F8E2-488F-4448-BF98-0713B990EEC8}"/>
+              </a:ext>
+            </a:extLst>
+          </p:cNvPr>
+          <p:cNvSpPr/>
+          <p:nvPr/>
+        </p:nvSpPr>
+        <p:spPr>
+          <a:xfrm>
+            <a:off x="6457243" y="3825505"/>
+            <a:ext cx="4730045" cy="1478844"/>
+          </a:xfrm>
+          <a:prstGeom prst="roundRect">
+            <a:avLst/>
+          </a:prstGeom>
+          <a:solidFill>
+            <a:schemeClr val="bg2"/>
+          </a:solidFill>
+          <a:ln w="28575"/>
+        </p:spPr>
+        <p:style>
+          <a:lnRef idx="2">
+            <a:schemeClr val="accent1">
+              <a:shade val="50000"/>
+            </a:schemeClr>
+          </a:lnRef>
+          <a:fillRef idx="1">
+            <a:schemeClr val="accent1"/>
+          </a:fillRef>
+          <a:effectRef idx="0">
+            <a:schemeClr val="accent1"/>
+          </a:effectRef>
+          <a:fontRef idx="minor">
+            <a:schemeClr val="lt1"/>
+          </a:fontRef>
+        </p:style>
+        <p:txBody>
+          <a:bodyPr rtlCol="0" anchor="ctr"/>
+          <a:lstStyle/>
+          <a:p>
+            <a:pPr algn="ctr"/>
+            <a:r>
+              <a:rPr lang="nl-BE" sz="2000" dirty="0" err="1">
+                <a:solidFill>
+                  <a:srgbClr val="2F4D5D"/>
+                </a:solidFill>
+              </a:rPr>
+              <a:t>what</a:t>
+            </a:r>
+            <a:r>
+              <a:rPr lang="nl-BE" sz="2000" dirty="0">
+                <a:solidFill>
+                  <a:srgbClr val="2F4D5D"/>
+                </a:solidFill>
+              </a:rPr>
+              <a:t> </a:t>
+            </a:r>
+            <a:r>
+              <a:rPr lang="nl-BE" sz="2000" b="1" dirty="0" err="1">
+                <a:solidFill>
+                  <a:srgbClr val="2F4D5D"/>
+                </a:solidFill>
+              </a:rPr>
+              <a:t>biological</a:t>
+            </a:r>
+            <a:r>
+              <a:rPr lang="nl-BE" sz="2000" b="1" dirty="0">
+                <a:solidFill>
+                  <a:srgbClr val="2F4D5D"/>
+                </a:solidFill>
+              </a:rPr>
+              <a:t> environment </a:t>
+            </a:r>
+            <a:r>
+              <a:rPr lang="nl-BE" sz="2000" dirty="0">
+                <a:solidFill>
+                  <a:srgbClr val="2F4D5D"/>
+                </a:solidFill>
+              </a:rPr>
+              <a:t>is </a:t>
+            </a:r>
+            <a:r>
+              <a:rPr lang="nl-BE" sz="2000" dirty="0" err="1">
+                <a:solidFill>
+                  <a:srgbClr val="2F4D5D"/>
+                </a:solidFill>
+              </a:rPr>
+              <a:t>used</a:t>
+            </a:r>
+            <a:r>
+              <a:rPr lang="nl-BE" sz="2000" dirty="0">
+                <a:solidFill>
+                  <a:srgbClr val="2F4D5D"/>
+                </a:solidFill>
+              </a:rPr>
+              <a:t>?</a:t>
+            </a:r>
+          </a:p>
+        </p:txBody>
+      </p:sp>
+      <p:sp>
+        <p:nvSpPr>
+          <p:cNvPr id="3" name="Tekstvak 2">
+            <a:extLst>
+              <a:ext uri="{FF2B5EF4-FFF2-40B4-BE49-F238E27FC236}">
+                <a16:creationId xmlns:a16="http://schemas.microsoft.com/office/drawing/2014/main" id="{51A0F02A-E4D8-4D27-8CB4-A35CC4FC93AF}"/>
+              </a:ext>
+            </a:extLst>
+          </p:cNvPr>
+          <p:cNvSpPr txBox="1"/>
+          <p:nvPr/>
+        </p:nvSpPr>
+        <p:spPr>
+          <a:xfrm>
+            <a:off x="1004710" y="5452533"/>
+            <a:ext cx="10182579" cy="400110"/>
+          </a:xfrm>
+          <a:prstGeom prst="rect">
+            <a:avLst/>
+          </a:prstGeom>
+          <a:noFill/>
+        </p:spPr>
+        <p:txBody>
+          <a:bodyPr wrap="square" rtlCol="0">
+            <a:spAutoFit/>
+          </a:bodyPr>
+          <a:lstStyle/>
+          <a:p>
+            <a:pPr algn="ctr"/>
+            <a:r>
+              <a:rPr lang="nl-BE" sz="2000" b="1" dirty="0"/>
+              <a:t>Response</a:t>
+            </a:r>
+            <a:r>
+              <a:rPr lang="nl-BE" sz="2000" dirty="0"/>
+              <a:t> of </a:t>
+            </a:r>
+            <a:r>
+              <a:rPr lang="nl-BE" sz="2000" dirty="0" err="1"/>
+              <a:t>biological</a:t>
+            </a:r>
+            <a:r>
+              <a:rPr lang="nl-BE" sz="2000" dirty="0"/>
+              <a:t> environment </a:t>
+            </a:r>
+            <a:r>
+              <a:rPr lang="nl-BE" sz="2000" dirty="0" err="1"/>
+              <a:t>to</a:t>
+            </a:r>
+            <a:r>
+              <a:rPr lang="nl-BE" sz="2000" dirty="0"/>
+              <a:t> </a:t>
+            </a:r>
+            <a:r>
+              <a:rPr lang="nl-BE" sz="2000" dirty="0" err="1"/>
+              <a:t>the</a:t>
+            </a:r>
+            <a:r>
+              <a:rPr lang="nl-BE" sz="2000" dirty="0"/>
+              <a:t> </a:t>
+            </a:r>
+            <a:r>
+              <a:rPr lang="nl-BE" sz="2000" dirty="0" err="1"/>
+              <a:t>nanoparticles</a:t>
+            </a:r>
+            <a:r>
+              <a:rPr lang="nl-BE" sz="2000" dirty="0"/>
+              <a:t> </a:t>
+            </a:r>
+            <a:r>
+              <a:rPr lang="nl-BE" sz="2000" dirty="0" err="1"/>
+              <a:t>can</a:t>
+            </a:r>
+            <a:r>
+              <a:rPr lang="nl-BE" sz="2000" dirty="0"/>
+              <a:t> </a:t>
+            </a:r>
+            <a:r>
+              <a:rPr lang="nl-BE" sz="2000" b="1" dirty="0" err="1"/>
+              <a:t>extremely</a:t>
+            </a:r>
+            <a:r>
+              <a:rPr lang="nl-BE" sz="2000" b="1" dirty="0"/>
+              <a:t> </a:t>
+            </a:r>
+            <a:r>
+              <a:rPr lang="nl-BE" sz="2000" b="1" dirty="0" err="1"/>
+              <a:t>vary</a:t>
+            </a:r>
+            <a:r>
+              <a:rPr lang="nl-BE" sz="2000" dirty="0"/>
+              <a:t>!</a:t>
+            </a:r>
+          </a:p>
+        </p:txBody>
+      </p:sp>
+    </p:spTree>
+    <p:extLst>
+      <p:ext uri="{BB962C8B-B14F-4D97-AF65-F5344CB8AC3E}">
+        <p14:creationId xmlns:p14="http://schemas.microsoft.com/office/powerpoint/2010/main" val="1604054730"/>
+      </p:ext>
+    </p:extLst>
+  </p:cSld>
+  <p:clrMapOvr>
+    <a:masterClrMapping/>
+  </p:clrMapOvr>
+  <p:timing>
+    <p:tnLst>
+      <p:par>
+        <p:cTn id="1" dur="indefinite" restart="never" nodeType="tmRoot">
+          <p:childTnLst>
+            <p:seq concurrent="1" nextAc="seek">
+              <p:cTn id="2" dur="indefinite" nodeType="mainSeq">
+                <p:childTnLst>
+                  <p:par>
+                    <p:cTn id="3" fill="hold">
+                      <p:stCondLst>
+                        <p:cond delay="indefinite"/>
+                        <p:cond evt="onBegin" delay="0">
+                          <p:tn val="2"/>
+                        </p:cond>
+                      </p:stCondLst>
+                      <p:childTnLst>
+                        <p:par>
+                          <p:cTn id="4" fill="hold">
+                            <p:stCondLst>
+                              <p:cond delay="0"/>
+                            </p:stCondLst>
+                            <p:childTnLst>
+                              <p:par>
+                                <p:cTn id="5" presetID="10" presetClass="entr" presetSubtype="0" fill="hold" grpId="0" nodeType="afterEffect">
+                                  <p:stCondLst>
+                                    <p:cond delay="0"/>
+                                  </p:stCondLst>
+                                  <p:childTnLst>
+                                    <p:set>
+                                      <p:cBhvr>
+                                        <p:cTn id="6" dur="1" fill="hold">
+                                          <p:stCondLst>
+                                            <p:cond delay="0"/>
+                                          </p:stCondLst>
+                                        </p:cTn>
+                                        <p:tgtEl>
+                                          <p:spTgt spid="9"/>
+                                        </p:tgtEl>
+                                        <p:attrNameLst>
+                                          <p:attrName>style.visibility</p:attrName>
+                                        </p:attrNameLst>
+                                      </p:cBhvr>
+                                      <p:to>
+                                        <p:strVal val="visible"/>
+                                      </p:to>
+                                    </p:set>
+                                    <p:animEffect transition="in" filter="fade">
+                                      <p:cBhvr>
+                                        <p:cTn id="7" dur="500"/>
+                                        <p:tgtEl>
+                                          <p:spTgt spid="9"/>
+                                        </p:tgtEl>
+                                      </p:cBhvr>
+                                    </p:animEffect>
+                                  </p:childTnLst>
+                                </p:cTn>
+                              </p:par>
+                            </p:childTnLst>
+                          </p:cTn>
+                        </p:par>
+                      </p:childTnLst>
+                    </p:cTn>
+                  </p:par>
+                  <p:par>
+                    <p:cTn id="8" fill="hold">
+                      <p:stCondLst>
+                        <p:cond delay="indefinite"/>
+                      </p:stCondLst>
+                      <p:childTnLst>
+                        <p:par>
+                          <p:cTn id="9" fill="hold">
+                            <p:stCondLst>
+                              <p:cond delay="0"/>
+                            </p:stCondLst>
+                            <p:childTnLst>
+                              <p:par>
+                                <p:cTn id="10" presetID="10" presetClass="entr" presetSubtype="0" fill="hold" nodeType="clickEffect">
+                                  <p:stCondLst>
+                                    <p:cond delay="0"/>
+                                  </p:stCondLst>
+                                  <p:childTnLst>
+                                    <p:set>
+                                      <p:cBhvr>
+                                        <p:cTn id="11" dur="1" fill="hold">
+                                          <p:stCondLst>
+                                            <p:cond delay="0"/>
+                                          </p:stCondLst>
+                                        </p:cTn>
+                                        <p:tgtEl>
+                                          <p:spTgt spid="8">
+                                            <p:txEl>
+                                              <p:pRg st="0" end="0"/>
+                                            </p:txEl>
+                                          </p:spTgt>
+                                        </p:tgtEl>
+                                        <p:attrNameLst>
+                                          <p:attrName>style.visibility</p:attrName>
+                                        </p:attrNameLst>
+                                      </p:cBhvr>
+                                      <p:to>
+                                        <p:strVal val="visible"/>
+                                      </p:to>
+                                    </p:set>
+                                    <p:animEffect transition="in" filter="fade">
+                                      <p:cBhvr>
+                                        <p:cTn id="12" dur="500"/>
+                                        <p:tgtEl>
+                                          <p:spTgt spid="8">
+                                            <p:txEl>
+                                              <p:pRg st="0" end="0"/>
+                                            </p:txEl>
+                                          </p:spTgt>
+                                        </p:tgtEl>
+                                      </p:cBhvr>
+                                    </p:animEffect>
+                                  </p:childTnLst>
+                                </p:cTn>
+                              </p:par>
+                            </p:childTnLst>
+                          </p:cTn>
+                        </p:par>
+                      </p:childTnLst>
+                    </p:cTn>
+                  </p:par>
+                </p:childTnLst>
+              </p:cTn>
+              <p:prevCondLst>
+                <p:cond evt="onPrev" delay="0">
+                  <p:tgtEl>
+                    <p:sldTgt/>
+                  </p:tgtEl>
+                </p:cond>
+              </p:prevCondLst>
+              <p:nextCondLst>
+                <p:cond evt="onNext" delay="0">
+                  <p:tgtEl>
+                    <p:sldTgt/>
+                  </p:tgtEl>
+                </p:cond>
+              </p:nextCondLst>
+            </p:seq>
+          </p:childTnLst>
+        </p:cTn>
+      </p:par>
+    </p:tnLst>
+    <p:bldLst>
+      <p:bldP spid="9" grpId="0"/>
+    </p:bldLst>
+  </p:timing>
+</p:sld>
+</file>
+
+<file path=ppt/slides/slide8.xml><?xml version="1.0" encoding="utf-8"?>
+<p:sld xmlns:a="http://schemas.openxmlformats.org/drawingml/2006/main" xmlns:r="http://schemas.openxmlformats.org/officeDocument/2006/relationships" xmlns:p="http://schemas.openxmlformats.org/presentationml/2006/main">
+  <p:cSld>
+    <p:spTree>
+      <p:nvGrpSpPr>
+        <p:cNvPr id="1" name=""/>
+        <p:cNvGrpSpPr/>
+        <p:nvPr/>
+      </p:nvGrpSpPr>
+      <p:grpSpPr>
+        <a:xfrm>
+          <a:off x="0" y="0"/>
+          <a:ext cx="0" cy="0"/>
+          <a:chOff x="0" y="0"/>
+          <a:chExt cx="0" cy="0"/>
+        </a:xfrm>
+      </p:grpSpPr>
+      <p:sp>
+        <p:nvSpPr>
+          <p:cNvPr id="7" name="Tijdelijke aanduiding voor dianummer 23">
+            <a:extLst>
+              <a:ext uri="{FF2B5EF4-FFF2-40B4-BE49-F238E27FC236}">
+                <a16:creationId xmlns:a16="http://schemas.microsoft.com/office/drawing/2014/main" id="{E7BA9955-551E-4B72-9196-84FDFE87439B}"/>
+              </a:ext>
+            </a:extLst>
+          </p:cNvPr>
+          <p:cNvSpPr>
+            <a:spLocks noGrp="1"/>
+          </p:cNvSpPr>
+          <p:nvPr>
+            <p:ph type="sldNum" sz="quarter" idx="12"/>
+          </p:nvPr>
+        </p:nvSpPr>
+        <p:spPr>
+          <a:xfrm>
+            <a:off x="11544000" y="-126730"/>
+            <a:ext cx="648000" cy="648000"/>
+          </a:xfrm>
+        </p:spPr>
+        <p:txBody>
+          <a:bodyPr/>
+          <a:lstStyle/>
+          <a:p>
+            <a:fld id="{CF179DAE-D0A6-40C3-B8BC-6A97C268D03A}" type="slidenum">
+              <a:rPr lang="nl-NL" sz="1200" smtClean="0">
+                <a:solidFill>
+                  <a:srgbClr val="1D8DB0"/>
+                </a:solidFill>
+              </a:rPr>
+              <a:pPr/>
+              <a:t>8</a:t>
+            </a:fld>
+            <a:r>
+              <a:rPr lang="nl-NL" sz="1200" dirty="0">
+                <a:solidFill>
+                  <a:srgbClr val="1D8DB0"/>
+                </a:solidFill>
+              </a:rPr>
+              <a:t>/31</a:t>
+            </a:r>
+          </a:p>
+        </p:txBody>
+      </p:sp>
+      <p:sp>
+        <p:nvSpPr>
+          <p:cNvPr id="9" name="Titel 4">
+            <a:extLst>
+              <a:ext uri="{FF2B5EF4-FFF2-40B4-BE49-F238E27FC236}">
+                <a16:creationId xmlns:a16="http://schemas.microsoft.com/office/drawing/2014/main" id="{32C054A8-9043-41C9-BA29-6C11E3B87A6D}"/>
+              </a:ext>
+            </a:extLst>
+          </p:cNvPr>
+          <p:cNvSpPr>
+            <a:spLocks noGrp="1"/>
+          </p:cNvSpPr>
+          <p:nvPr>
+            <p:ph type="title"/>
+          </p:nvPr>
+        </p:nvSpPr>
+        <p:spPr>
+          <a:xfrm>
+            <a:off x="576263" y="336550"/>
+            <a:ext cx="11041062" cy="1152525"/>
+          </a:xfrm>
+        </p:spPr>
+        <p:txBody>
+          <a:bodyPr/>
+          <a:lstStyle/>
+          <a:p>
+            <a:r>
+              <a:rPr lang="nl-BE" dirty="0" err="1"/>
+              <a:t>Genotoxicity</a:t>
+            </a:r>
+            <a:endParaRPr lang="nl-BE" dirty="0"/>
+          </a:p>
+        </p:txBody>
+      </p:sp>
+      <p:sp>
+        <p:nvSpPr>
+          <p:cNvPr id="8" name="Tijdelijke aanduiding voor inhoud 1">
+            <a:extLst>
+              <a:ext uri="{FF2B5EF4-FFF2-40B4-BE49-F238E27FC236}">
+                <a16:creationId xmlns:a16="http://schemas.microsoft.com/office/drawing/2014/main" id="{FD48FE27-13D3-407C-9CF5-D7CAC1400D54}"/>
+              </a:ext>
+            </a:extLst>
+          </p:cNvPr>
+          <p:cNvSpPr>
+            <a:spLocks noGrp="1"/>
+          </p:cNvSpPr>
+          <p:nvPr>
+            <p:ph idx="1"/>
+          </p:nvPr>
+        </p:nvSpPr>
+        <p:spPr>
+          <a:xfrm>
+            <a:off x="576000" y="1656000"/>
+            <a:ext cx="11041200" cy="4043464"/>
+          </a:xfrm>
+        </p:spPr>
+        <p:txBody>
+          <a:bodyPr>
+            <a:normAutofit/>
+          </a:bodyPr>
+          <a:lstStyle/>
+          <a:p>
+            <a:pPr marL="0" indent="0">
+              <a:buNone/>
+            </a:pPr>
+            <a:r>
+              <a:rPr lang="nl-BE" sz="2000" dirty="0" err="1"/>
+              <a:t>Describes</a:t>
+            </a:r>
+            <a:r>
+              <a:rPr lang="nl-BE" sz="2000" dirty="0"/>
+              <a:t> </a:t>
+            </a:r>
+            <a:r>
+              <a:rPr lang="nl-BE" sz="2000" dirty="0" err="1"/>
+              <a:t>the</a:t>
+            </a:r>
+            <a:r>
+              <a:rPr lang="nl-BE" sz="2000" dirty="0"/>
+              <a:t> </a:t>
+            </a:r>
+            <a:r>
+              <a:rPr lang="nl-BE" sz="2000" dirty="0" err="1"/>
+              <a:t>ability</a:t>
+            </a:r>
+            <a:r>
+              <a:rPr lang="nl-BE" sz="2000" dirty="0"/>
+              <a:t> of a </a:t>
+            </a:r>
+            <a:r>
+              <a:rPr lang="nl-BE" sz="2000" dirty="0" err="1"/>
+              <a:t>chemical</a:t>
+            </a:r>
+            <a:r>
+              <a:rPr lang="nl-BE" sz="2000" dirty="0"/>
+              <a:t> test agent </a:t>
+            </a:r>
+            <a:r>
+              <a:rPr lang="nl-BE" sz="2000" dirty="0" err="1"/>
+              <a:t>to</a:t>
+            </a:r>
+            <a:r>
+              <a:rPr lang="nl-BE" sz="2000" dirty="0"/>
+              <a:t> </a:t>
+            </a:r>
+            <a:r>
+              <a:rPr lang="nl-BE" sz="2000" dirty="0" err="1"/>
+              <a:t>induce</a:t>
+            </a:r>
+            <a:r>
+              <a:rPr lang="nl-BE" sz="2000" dirty="0"/>
+              <a:t> DNA </a:t>
+            </a:r>
+            <a:r>
+              <a:rPr lang="nl-BE" sz="2000" dirty="0" err="1"/>
+              <a:t>damage</a:t>
+            </a:r>
+            <a:endParaRPr lang="nl-BE" sz="2000" dirty="0"/>
+          </a:p>
+        </p:txBody>
+      </p:sp>
+      <p:sp>
+        <p:nvSpPr>
+          <p:cNvPr id="10" name="Tekstvak 9">
+            <a:extLst>
+              <a:ext uri="{FF2B5EF4-FFF2-40B4-BE49-F238E27FC236}">
+                <a16:creationId xmlns:a16="http://schemas.microsoft.com/office/drawing/2014/main" id="{F9AF6A87-507F-4E2E-8A2A-840080D13776}"/>
+              </a:ext>
+            </a:extLst>
+          </p:cNvPr>
+          <p:cNvSpPr txBox="1"/>
+          <p:nvPr/>
+        </p:nvSpPr>
+        <p:spPr>
+          <a:xfrm>
+            <a:off x="159798" y="58771"/>
+            <a:ext cx="5832629" cy="276999"/>
+          </a:xfrm>
+          <a:prstGeom prst="rect">
+            <a:avLst/>
+          </a:prstGeom>
+          <a:noFill/>
+        </p:spPr>
+        <p:txBody>
+          <a:bodyPr wrap="square" rtlCol="0">
+            <a:spAutoFit/>
+          </a:bodyPr>
+          <a:lstStyle/>
+          <a:p>
+            <a:r>
+              <a:rPr lang="nl-BE" sz="1200" dirty="0">
+                <a:solidFill>
+                  <a:srgbClr val="1D8DB0"/>
+                </a:solidFill>
+              </a:rPr>
+              <a:t>J. </a:t>
+            </a:r>
+            <a:r>
+              <a:rPr lang="nl-BE" sz="1200" dirty="0" err="1">
+                <a:solidFill>
+                  <a:srgbClr val="1D8DB0"/>
+                </a:solidFill>
+              </a:rPr>
+              <a:t>Neirynck</a:t>
+            </a:r>
+            <a:r>
+              <a:rPr lang="nl-BE" sz="1200" dirty="0">
+                <a:solidFill>
+                  <a:srgbClr val="1D8DB0"/>
+                </a:solidFill>
+              </a:rPr>
+              <a:t>, F. Van </a:t>
+            </a:r>
+            <a:r>
+              <a:rPr lang="nl-BE" sz="1200" dirty="0" err="1">
+                <a:solidFill>
+                  <a:srgbClr val="1D8DB0"/>
+                </a:solidFill>
+              </a:rPr>
+              <a:t>Eecke</a:t>
+            </a:r>
+            <a:r>
+              <a:rPr lang="nl-BE" sz="1200" dirty="0">
+                <a:solidFill>
+                  <a:srgbClr val="1D8DB0"/>
+                </a:solidFill>
+              </a:rPr>
+              <a:t> &amp; R. Vrielynck</a:t>
+            </a:r>
+          </a:p>
+        </p:txBody>
+      </p:sp>
+      <p:sp>
+        <p:nvSpPr>
+          <p:cNvPr id="11" name="Tekstvak 10">
+            <a:extLst>
+              <a:ext uri="{FF2B5EF4-FFF2-40B4-BE49-F238E27FC236}">
+                <a16:creationId xmlns:a16="http://schemas.microsoft.com/office/drawing/2014/main" id="{02C83A39-3DA1-4516-B834-3C3D5F8552F0}"/>
+              </a:ext>
+            </a:extLst>
+          </p:cNvPr>
+          <p:cNvSpPr txBox="1"/>
+          <p:nvPr/>
+        </p:nvSpPr>
+        <p:spPr>
+          <a:xfrm>
+            <a:off x="576000" y="6356412"/>
+            <a:ext cx="10351364" cy="315471"/>
+          </a:xfrm>
+          <a:prstGeom prst="rect">
+            <a:avLst/>
+          </a:prstGeom>
+          <a:noFill/>
+        </p:spPr>
+        <p:txBody>
+          <a:bodyPr wrap="square" rtlCol="0">
+            <a:spAutoFit/>
+          </a:bodyPr>
+          <a:lstStyle/>
+          <a:p>
+            <a:r>
+              <a:rPr lang="nl-BE" sz="1450" dirty="0" err="1">
+                <a:solidFill>
+                  <a:schemeClr val="bg1"/>
+                </a:solidFill>
+              </a:rPr>
+              <a:t>Introduction</a:t>
+            </a:r>
+            <a:r>
+              <a:rPr lang="nl-BE" sz="1450" dirty="0">
+                <a:solidFill>
+                  <a:schemeClr val="bg1"/>
+                </a:solidFill>
+              </a:rPr>
+              <a:t>	</a:t>
+            </a:r>
+            <a:r>
+              <a:rPr lang="nl-BE" sz="1450" b="1" dirty="0">
+                <a:solidFill>
+                  <a:schemeClr val="bg1"/>
+                </a:solidFill>
+              </a:rPr>
+              <a:t>	Framework</a:t>
+            </a:r>
+            <a:r>
+              <a:rPr lang="nl-BE" sz="1450" dirty="0">
+                <a:solidFill>
+                  <a:schemeClr val="bg1"/>
+                </a:solidFill>
+              </a:rPr>
+              <a:t>		</a:t>
+            </a:r>
+            <a:r>
+              <a:rPr lang="nl-BE" sz="1450" dirty="0" err="1">
+                <a:solidFill>
+                  <a:schemeClr val="bg1"/>
+                </a:solidFill>
+              </a:rPr>
+              <a:t>Techniques</a:t>
+            </a:r>
+            <a:r>
+              <a:rPr lang="nl-BE" sz="1450" dirty="0">
+                <a:solidFill>
+                  <a:schemeClr val="bg1"/>
+                </a:solidFill>
+              </a:rPr>
+              <a:t> &amp; </a:t>
+            </a:r>
+            <a:r>
+              <a:rPr lang="nl-BE" sz="1450" dirty="0" err="1">
+                <a:solidFill>
+                  <a:schemeClr val="bg1"/>
+                </a:solidFill>
+              </a:rPr>
+              <a:t>Results</a:t>
+            </a:r>
+            <a:r>
+              <a:rPr lang="nl-BE" sz="1450" dirty="0">
+                <a:solidFill>
+                  <a:schemeClr val="bg1"/>
+                </a:solidFill>
+              </a:rPr>
+              <a:t>			Summary</a:t>
+            </a:r>
+          </a:p>
+        </p:txBody>
+      </p:sp>
+    </p:spTree>
+    <p:extLst>
+      <p:ext uri="{BB962C8B-B14F-4D97-AF65-F5344CB8AC3E}">
+        <p14:creationId xmlns:p14="http://schemas.microsoft.com/office/powerpoint/2010/main" val="2708186672"/>
+      </p:ext>
+    </p:extLst>
+  </p:cSld>
+  <p:clrMapOvr>
+    <a:masterClrMapping/>
+  </p:clrMapOvr>
+  <p:timing>
+    <p:tnLst>
+      <p:par>
+        <p:cTn id="1" dur="indefinite" restart="never" nodeType="tmRoot">
+          <p:childTnLst>
+            <p:seq concurrent="1" nextAc="seek">
+              <p:cTn id="2" dur="indefinite" nodeType="mainSeq">
+                <p:childTnLst>
+                  <p:par>
+                    <p:cTn id="3" fill="hold">
+                      <p:stCondLst>
+                        <p:cond delay="indefinite"/>
+                        <p:cond evt="onBegin" delay="0">
+                          <p:tn val="2"/>
+                        </p:cond>
+                      </p:stCondLst>
+                      <p:childTnLst>
+                        <p:par>
+                          <p:cTn id="4" fill="hold">
+                            <p:stCondLst>
+                              <p:cond delay="0"/>
+                            </p:stCondLst>
+                            <p:childTnLst>
+                              <p:par>
+                                <p:cTn id="5" presetID="10" presetClass="entr" presetSubtype="0" fill="hold" grpId="0" nodeType="afterEffect">
+                                  <p:stCondLst>
+                                    <p:cond delay="0"/>
+                                  </p:stCondLst>
+                                  <p:childTnLst>
+                                    <p:set>
+                                      <p:cBhvr>
+                                        <p:cTn id="6" dur="1" fill="hold">
+                                          <p:stCondLst>
+                                            <p:cond delay="0"/>
+                                          </p:stCondLst>
+                                        </p:cTn>
+                                        <p:tgtEl>
+                                          <p:spTgt spid="9"/>
+                                        </p:tgtEl>
+                                        <p:attrNameLst>
+                                          <p:attrName>style.visibility</p:attrName>
+                                        </p:attrNameLst>
+                                      </p:cBhvr>
+                                      <p:to>
+                                        <p:strVal val="visible"/>
+                                      </p:to>
+                                    </p:set>
+                                    <p:animEffect transition="in" filter="fade">
+                                      <p:cBhvr>
+                                        <p:cTn id="7" dur="500"/>
+                                        <p:tgtEl>
+                                          <p:spTgt spid="9"/>
+                                        </p:tgtEl>
+                                      </p:cBhvr>
+                                    </p:animEffect>
+                                  </p:childTnLst>
+                                </p:cTn>
+                              </p:par>
+                            </p:childTnLst>
+                          </p:cTn>
+                        </p:par>
+                      </p:childTnLst>
+                    </p:cTn>
+                  </p:par>
+                  <p:par>
+                    <p:cTn id="8" fill="hold">
+                      <p:stCondLst>
+                        <p:cond delay="indefinite"/>
+                      </p:stCondLst>
+                      <p:childTnLst>
+                        <p:par>
+                          <p:cTn id="9" fill="hold">
+                            <p:stCondLst>
+                              <p:cond delay="0"/>
+                            </p:stCondLst>
+                            <p:childTnLst>
+                              <p:par>
+                                <p:cTn id="10" presetID="10" presetClass="entr" presetSubtype="0" fill="hold" nodeType="clickEffect">
+                                  <p:stCondLst>
+                                    <p:cond delay="0"/>
+                                  </p:stCondLst>
                                   <p:childTnLst>
                                     <p:set>
                                       <p:cBhvr>

--- a/NanoparticleToxicity.pptx
+++ b/NanoparticleToxicity.pptx
@@ -6,10 +6,10 @@
     <p:sldMasterId id="2147483694" r:id="rId2"/>
   </p:sldMasterIdLst>
   <p:notesMasterIdLst>
-    <p:notesMasterId r:id="rId11"/>
+    <p:notesMasterId r:id="rId18"/>
   </p:notesMasterIdLst>
   <p:handoutMasterIdLst>
-    <p:handoutMasterId r:id="rId12"/>
+    <p:handoutMasterId r:id="rId19"/>
   </p:handoutMasterIdLst>
   <p:sldIdLst>
     <p:sldId id="270" r:id="rId3"/>
@@ -20,6 +20,13 @@
     <p:sldId id="274" r:id="rId8"/>
     <p:sldId id="275" r:id="rId9"/>
     <p:sldId id="276" r:id="rId10"/>
+    <p:sldId id="277" r:id="rId11"/>
+    <p:sldId id="278" r:id="rId12"/>
+    <p:sldId id="279" r:id="rId13"/>
+    <p:sldId id="280" r:id="rId14"/>
+    <p:sldId id="281" r:id="rId15"/>
+    <p:sldId id="282" r:id="rId16"/>
+    <p:sldId id="283" r:id="rId17"/>
   </p:sldIdLst>
   <p:sldSz cx="12192000" cy="6858000"/>
   <p:notesSz cx="6858000" cy="9144000"/>
@@ -211,7 +218,7 @@
           <a:p>
             <a:fld id="{8F591CCF-F6FD-734B-854A-5BC033593B1E}" type="datetimeFigureOut">
               <a:rPr lang="nl-NL" smtClean="0"/>
-              <a:t>25-4-2019</a:t>
+              <a:t>26-4-2019</a:t>
             </a:fld>
             <a:endParaRPr lang="nl-NL"/>
           </a:p>
@@ -376,7 +383,7 @@
           <a:p>
             <a:fld id="{23C66214-DB21-4647-B5DA-0D17CA592867}" type="datetimeFigureOut">
               <a:rPr lang="nl-NL" smtClean="0"/>
-              <a:t>25-4-2019</a:t>
+              <a:t>26-4-2019</a:t>
             </a:fld>
             <a:endParaRPr lang="nl-NL"/>
           </a:p>
@@ -1153,6 +1160,90 @@
 </p:notes>
 </file>
 
+<file path=ppt/notesSlides/notesSlide7.xml><?xml version="1.0" encoding="utf-8"?>
+<p:notes xmlns:a="http://schemas.openxmlformats.org/drawingml/2006/main" xmlns:r="http://schemas.openxmlformats.org/officeDocument/2006/relationships" xmlns:p="http://schemas.openxmlformats.org/presentationml/2006/main">
+  <p:cSld>
+    <p:spTree>
+      <p:nvGrpSpPr>
+        <p:cNvPr id="1" name=""/>
+        <p:cNvGrpSpPr/>
+        <p:nvPr/>
+      </p:nvGrpSpPr>
+      <p:grpSpPr>
+        <a:xfrm>
+          <a:off x="0" y="0"/>
+          <a:ext cx="0" cy="0"/>
+          <a:chOff x="0" y="0"/>
+          <a:chExt cx="0" cy="0"/>
+        </a:xfrm>
+      </p:grpSpPr>
+      <p:sp>
+        <p:nvSpPr>
+          <p:cNvPr id="2" name="Tijdelijke aanduiding voor dia-afbeelding 1"/>
+          <p:cNvSpPr>
+            <a:spLocks noGrp="1" noRot="1" noChangeAspect="1"/>
+          </p:cNvSpPr>
+          <p:nvPr>
+            <p:ph type="sldImg"/>
+          </p:nvPr>
+        </p:nvSpPr>
+        <p:spPr/>
+      </p:sp>
+      <p:sp>
+        <p:nvSpPr>
+          <p:cNvPr id="3" name="Tijdelijke aanduiding voor notities 2"/>
+          <p:cNvSpPr>
+            <a:spLocks noGrp="1"/>
+          </p:cNvSpPr>
+          <p:nvPr>
+            <p:ph type="body" idx="1"/>
+          </p:nvPr>
+        </p:nvSpPr>
+        <p:spPr/>
+        <p:txBody>
+          <a:bodyPr/>
+          <a:lstStyle/>
+          <a:p>
+            <a:endParaRPr lang="en-US" dirty="0"/>
+          </a:p>
+        </p:txBody>
+      </p:sp>
+      <p:sp>
+        <p:nvSpPr>
+          <p:cNvPr id="4" name="Tijdelijke aanduiding voor dianummer 3"/>
+          <p:cNvSpPr>
+            <a:spLocks noGrp="1"/>
+          </p:cNvSpPr>
+          <p:nvPr>
+            <p:ph type="sldNum" sz="quarter" idx="5"/>
+          </p:nvPr>
+        </p:nvSpPr>
+        <p:spPr/>
+        <p:txBody>
+          <a:bodyPr/>
+          <a:lstStyle/>
+          <a:p>
+            <a:fld id="{8954E32A-327F-AF4B-8E1F-209FBF93D26D}" type="slidenum">
+              <a:rPr lang="nl-NL" smtClean="0"/>
+              <a:t>10</a:t>
+            </a:fld>
+            <a:endParaRPr lang="nl-NL"/>
+          </a:p>
+        </p:txBody>
+      </p:sp>
+    </p:spTree>
+    <p:extLst>
+      <p:ext uri="{BB962C8B-B14F-4D97-AF65-F5344CB8AC3E}">
+        <p14:creationId xmlns:p14="http://schemas.microsoft.com/office/powerpoint/2010/main" val="1701070104"/>
+      </p:ext>
+    </p:extLst>
+  </p:cSld>
+  <p:clrMapOvr>
+    <a:masterClrMapping/>
+  </p:clrMapOvr>
+</p:notes>
+</file>
+
 <file path=ppt/slideLayouts/slideLayout1.xml><?xml version="1.0" encoding="utf-8"?>
 <p:sldLayout xmlns:a="http://schemas.openxmlformats.org/drawingml/2006/main" xmlns:r="http://schemas.openxmlformats.org/officeDocument/2006/relationships" xmlns:p="http://schemas.openxmlformats.org/presentationml/2006/main" preserve="1" userDrawn="1">
   <p:cSld name="Titeldia">
@@ -1875,7 +1966,7 @@
           <a:p>
             <a:fld id="{01D02731-4577-4865-8098-D1E0465717A1}" type="datetime1">
               <a:rPr lang="en-GB" smtClean="0"/>
-              <a:t>25/04/2019</a:t>
+              <a:t>26/04/2019</a:t>
             </a:fld>
             <a:endParaRPr lang="nl-NL"/>
           </a:p>
@@ -2502,7 +2593,7 @@
           <a:p>
             <a:fld id="{EA3A7081-D270-4FBF-AE40-A52D674243CC}" type="datetime1">
               <a:rPr lang="nl-BE" smtClean="0"/>
-              <a:t>25/04/2019</a:t>
+              <a:t>26/04/2019</a:t>
             </a:fld>
             <a:endParaRPr lang="nl-NL"/>
           </a:p>
@@ -2785,7 +2876,7 @@
           <a:p>
             <a:fld id="{5C69415A-EEF6-439C-A913-189A8C067023}" type="datetime1">
               <a:rPr lang="nl-BE" smtClean="0"/>
-              <a:t>25/04/2019</a:t>
+              <a:t>26/04/2019</a:t>
             </a:fld>
             <a:endParaRPr lang="nl-NL"/>
           </a:p>
@@ -3115,7 +3206,7 @@
           <a:p>
             <a:fld id="{AA7DF125-8D2F-407C-A946-0B214A077F46}" type="datetime1">
               <a:rPr lang="nl-BE" smtClean="0"/>
-              <a:t>25/04/2019</a:t>
+              <a:t>26/04/2019</a:t>
             </a:fld>
             <a:endParaRPr lang="nl-NL"/>
           </a:p>
@@ -3434,7 +3525,7 @@
           <a:p>
             <a:fld id="{FE566779-A426-4C6E-B33F-12BA9B572EC4}" type="datetime1">
               <a:rPr lang="nl-BE" smtClean="0"/>
-              <a:t>25/04/2019</a:t>
+              <a:t>26/04/2019</a:t>
             </a:fld>
             <a:endParaRPr lang="nl-NL" dirty="0"/>
           </a:p>
@@ -3755,7 +3846,7 @@
           <a:p>
             <a:fld id="{E40DF61B-1080-4D20-8EAC-F5AC55182461}" type="datetime1">
               <a:rPr lang="nl-BE" smtClean="0"/>
-              <a:t>25/04/2019</a:t>
+              <a:t>26/04/2019</a:t>
             </a:fld>
             <a:endParaRPr lang="nl-NL" dirty="0"/>
           </a:p>
@@ -3897,7 +3988,7 @@
           <a:p>
             <a:fld id="{94A4F625-24B7-4F40-98BC-AFA043082CE9}" type="datetime1">
               <a:rPr lang="nl-BE" smtClean="0"/>
-              <a:t>25/04/2019</a:t>
+              <a:t>26/04/2019</a:t>
             </a:fld>
             <a:endParaRPr lang="nl-NL"/>
           </a:p>
@@ -4381,7 +4472,7 @@
           <a:p>
             <a:fld id="{292342B6-1303-46D4-9581-5E95FC0B22E4}" type="datetime1">
               <a:rPr lang="nl-BE" smtClean="0"/>
-              <a:t>25/04/2019</a:t>
+              <a:t>26/04/2019</a:t>
             </a:fld>
             <a:endParaRPr lang="nl-NL" dirty="0"/>
           </a:p>
@@ -4502,7 +4593,7 @@
           <a:p>
             <a:fld id="{A76F3976-FDFC-4D8C-ACD3-BCE6A597C36A}" type="datetime1">
               <a:rPr lang="nl-BE" smtClean="0"/>
-              <a:t>25/04/2019</a:t>
+              <a:t>26/04/2019</a:t>
             </a:fld>
             <a:endParaRPr lang="nl-NL"/>
           </a:p>
@@ -4623,7 +4714,7 @@
           <a:p>
             <a:fld id="{5ADFEA79-DE61-4EF0-8C65-B83CEE2687EB}" type="datetime1">
               <a:rPr lang="nl-BE" smtClean="0"/>
-              <a:t>25/04/2019</a:t>
+              <a:t>26/04/2019</a:t>
             </a:fld>
             <a:endParaRPr lang="nl-NL"/>
           </a:p>
@@ -4805,7 +4896,7 @@
           <a:p>
             <a:fld id="{FA2EC5B9-2DE2-43DC-AAE2-5679419BAC4A}" type="datetime1">
               <a:rPr lang="nl-BE" smtClean="0"/>
-              <a:t>25/04/2019</a:t>
+              <a:t>26/04/2019</a:t>
             </a:fld>
             <a:endParaRPr lang="nl-NL" dirty="0"/>
           </a:p>
@@ -5089,7 +5180,7 @@
           <a:p>
             <a:fld id="{BB46EC33-4D1A-4426-91DF-270C2E654CCE}" type="datetime1">
               <a:rPr lang="nl-BE" smtClean="0"/>
-              <a:t>25/04/2019</a:t>
+              <a:t>26/04/2019</a:t>
             </a:fld>
             <a:endParaRPr lang="nl-NL" dirty="0"/>
           </a:p>
@@ -5732,7 +5823,7 @@
           <a:p>
             <a:fld id="{48C250A7-EEA6-4BD5-AB95-D7BF57F3506B}" type="datetime1">
               <a:rPr lang="nl-BE" smtClean="0"/>
-              <a:t>25/04/2019</a:t>
+              <a:t>26/04/2019</a:t>
             </a:fld>
             <a:endParaRPr lang="nl-NL" dirty="0"/>
           </a:p>
@@ -6317,6 +6408,2550 @@
     <p:extLst>
       <p:ext uri="{BB962C8B-B14F-4D97-AF65-F5344CB8AC3E}">
         <p14:creationId xmlns:p14="http://schemas.microsoft.com/office/powerpoint/2010/main" val="1249642357"/>
+      </p:ext>
+    </p:extLst>
+  </p:cSld>
+  <p:clrMapOvr>
+    <a:masterClrMapping/>
+  </p:clrMapOvr>
+</p:sld>
+</file>
+
+<file path=ppt/slides/slide10.xml><?xml version="1.0" encoding="utf-8"?>
+<p:sld xmlns:a="http://schemas.openxmlformats.org/drawingml/2006/main" xmlns:r="http://schemas.openxmlformats.org/officeDocument/2006/relationships" xmlns:p="http://schemas.openxmlformats.org/presentationml/2006/main">
+  <p:cSld>
+    <p:spTree>
+      <p:nvGrpSpPr>
+        <p:cNvPr id="1" name=""/>
+        <p:cNvGrpSpPr/>
+        <p:nvPr/>
+      </p:nvGrpSpPr>
+      <p:grpSpPr>
+        <a:xfrm>
+          <a:off x="0" y="0"/>
+          <a:ext cx="0" cy="0"/>
+          <a:chOff x="0" y="0"/>
+          <a:chExt cx="0" cy="0"/>
+        </a:xfrm>
+      </p:grpSpPr>
+      <p:sp>
+        <p:nvSpPr>
+          <p:cNvPr id="7" name="Tijdelijke aanduiding voor dianummer 23">
+            <a:extLst>
+              <a:ext uri="{FF2B5EF4-FFF2-40B4-BE49-F238E27FC236}">
+                <a16:creationId xmlns:a16="http://schemas.microsoft.com/office/drawing/2014/main" id="{E7BA9955-551E-4B72-9196-84FDFE87439B}"/>
+              </a:ext>
+            </a:extLst>
+          </p:cNvPr>
+          <p:cNvSpPr>
+            <a:spLocks noGrp="1"/>
+          </p:cNvSpPr>
+          <p:nvPr>
+            <p:ph type="sldNum" sz="quarter" idx="12"/>
+          </p:nvPr>
+        </p:nvSpPr>
+        <p:spPr>
+          <a:xfrm>
+            <a:off x="11544000" y="-126730"/>
+            <a:ext cx="648000" cy="648000"/>
+          </a:xfrm>
+        </p:spPr>
+        <p:txBody>
+          <a:bodyPr/>
+          <a:lstStyle/>
+          <a:p>
+            <a:fld id="{CF179DAE-D0A6-40C3-B8BC-6A97C268D03A}" type="slidenum">
+              <a:rPr lang="nl-NL" sz="1200" smtClean="0">
+                <a:solidFill>
+                  <a:srgbClr val="1D8DB0"/>
+                </a:solidFill>
+              </a:rPr>
+              <a:pPr/>
+              <a:t>10</a:t>
+            </a:fld>
+            <a:r>
+              <a:rPr lang="nl-NL" sz="1200" dirty="0">
+                <a:solidFill>
+                  <a:srgbClr val="1D8DB0"/>
+                </a:solidFill>
+              </a:rPr>
+              <a:t>/31</a:t>
+            </a:r>
+          </a:p>
+        </p:txBody>
+      </p:sp>
+      <p:sp>
+        <p:nvSpPr>
+          <p:cNvPr id="9" name="Titel 4">
+            <a:extLst>
+              <a:ext uri="{FF2B5EF4-FFF2-40B4-BE49-F238E27FC236}">
+                <a16:creationId xmlns:a16="http://schemas.microsoft.com/office/drawing/2014/main" id="{32C054A8-9043-41C9-BA29-6C11E3B87A6D}"/>
+              </a:ext>
+            </a:extLst>
+          </p:cNvPr>
+          <p:cNvSpPr>
+            <a:spLocks noGrp="1"/>
+          </p:cNvSpPr>
+          <p:nvPr>
+            <p:ph type="title"/>
+          </p:nvPr>
+        </p:nvSpPr>
+        <p:spPr>
+          <a:xfrm>
+            <a:off x="576263" y="336550"/>
+            <a:ext cx="11041062" cy="1152525"/>
+          </a:xfrm>
+        </p:spPr>
+        <p:txBody>
+          <a:bodyPr/>
+          <a:lstStyle/>
+          <a:p>
+            <a:r>
+              <a:rPr lang="nl-BE" dirty="0" err="1">
+                <a:latin typeface="Arial"/>
+                <a:cs typeface="Arial"/>
+              </a:rPr>
+              <a:t>Dose</a:t>
+            </a:r>
+            <a:r>
+              <a:rPr lang="nl-BE" dirty="0">
+                <a:latin typeface="Arial"/>
+                <a:cs typeface="Arial"/>
+              </a:rPr>
+              <a:t> </a:t>
+            </a:r>
+            <a:r>
+              <a:rPr lang="nl-BE" dirty="0" err="1">
+                <a:latin typeface="Arial"/>
+                <a:cs typeface="Arial"/>
+              </a:rPr>
+              <a:t>dependence</a:t>
+            </a:r>
+            <a:endParaRPr lang="nl-BE" dirty="0" err="1">
+              <a:cs typeface="Arial"/>
+            </a:endParaRPr>
+          </a:p>
+        </p:txBody>
+      </p:sp>
+      <p:sp>
+        <p:nvSpPr>
+          <p:cNvPr id="8" name="Tijdelijke aanduiding voor inhoud 1">
+            <a:extLst>
+              <a:ext uri="{FF2B5EF4-FFF2-40B4-BE49-F238E27FC236}">
+                <a16:creationId xmlns:a16="http://schemas.microsoft.com/office/drawing/2014/main" id="{FD48FE27-13D3-407C-9CF5-D7CAC1400D54}"/>
+              </a:ext>
+            </a:extLst>
+          </p:cNvPr>
+          <p:cNvSpPr>
+            <a:spLocks noGrp="1"/>
+          </p:cNvSpPr>
+          <p:nvPr>
+            <p:ph idx="1"/>
+          </p:nvPr>
+        </p:nvSpPr>
+        <p:spPr>
+          <a:xfrm>
+            <a:off x="576000" y="1656000"/>
+            <a:ext cx="11041200" cy="4043464"/>
+          </a:xfrm>
+        </p:spPr>
+        <p:txBody>
+          <a:bodyPr vert="horz" lIns="91440" tIns="45720" rIns="91440" bIns="45720" rtlCol="0" anchor="t">
+            <a:normAutofit/>
+          </a:bodyPr>
+          <a:lstStyle/>
+          <a:p>
+            <a:r>
+              <a:rPr lang="nl-BE" sz="2000" dirty="0" err="1">
+                <a:latin typeface="Arial"/>
+                <a:cs typeface="Arial"/>
+              </a:rPr>
+              <a:t>Not</a:t>
+            </a:r>
+            <a:r>
+              <a:rPr lang="nl-BE" sz="2000" dirty="0">
+                <a:latin typeface="Arial"/>
+                <a:cs typeface="Arial"/>
+              </a:rPr>
+              <a:t> </a:t>
+            </a:r>
+            <a:r>
+              <a:rPr lang="nl-BE" sz="2000" dirty="0" err="1">
+                <a:latin typeface="Arial"/>
+                <a:cs typeface="Arial"/>
+              </a:rPr>
+              <a:t>dependent</a:t>
+            </a:r>
+            <a:r>
+              <a:rPr lang="nl-BE" sz="2000" dirty="0">
+                <a:latin typeface="Arial"/>
+                <a:cs typeface="Arial"/>
+              </a:rPr>
+              <a:t> on </a:t>
+            </a:r>
+            <a:r>
+              <a:rPr lang="nl-BE" sz="2000" dirty="0" err="1">
+                <a:latin typeface="Arial"/>
+                <a:cs typeface="Arial"/>
+              </a:rPr>
+              <a:t>mass</a:t>
+            </a:r>
+            <a:r>
+              <a:rPr lang="nl-BE" sz="2000" dirty="0">
+                <a:latin typeface="Arial"/>
+                <a:cs typeface="Arial"/>
+              </a:rPr>
+              <a:t> </a:t>
+            </a:r>
+            <a:r>
+              <a:rPr lang="nl-BE" sz="2000" dirty="0" err="1">
+                <a:latin typeface="Arial"/>
+                <a:cs typeface="Arial"/>
+              </a:rPr>
+              <a:t>dose</a:t>
+            </a:r>
+            <a:endParaRPr lang="nl-BE" sz="2000" dirty="0" err="1">
+              <a:cs typeface="Arial"/>
+            </a:endParaRPr>
+          </a:p>
+          <a:p>
+            <a:r>
+              <a:rPr lang="nl-BE" sz="2000" dirty="0">
+                <a:latin typeface="Arial"/>
+                <a:cs typeface="Arial"/>
+              </a:rPr>
+              <a:t>Surface is </a:t>
+            </a:r>
+            <a:r>
+              <a:rPr lang="nl-BE" sz="2000" dirty="0" err="1">
+                <a:latin typeface="Arial"/>
+                <a:cs typeface="Arial"/>
+              </a:rPr>
+              <a:t>reactive</a:t>
+            </a:r>
+            <a:r>
+              <a:rPr lang="nl-BE" sz="2000" dirty="0">
+                <a:latin typeface="Arial"/>
+                <a:cs typeface="Arial"/>
+              </a:rPr>
+              <a:t>, </a:t>
+            </a:r>
+            <a:r>
+              <a:rPr lang="nl-BE" sz="2000" dirty="0" err="1">
+                <a:latin typeface="Arial"/>
+                <a:cs typeface="Arial"/>
+              </a:rPr>
+              <a:t>so</a:t>
+            </a:r>
+            <a:r>
+              <a:rPr lang="nl-BE" sz="2000" dirty="0">
+                <a:latin typeface="Arial"/>
+                <a:cs typeface="Arial"/>
+              </a:rPr>
+              <a:t> small </a:t>
+            </a:r>
+            <a:r>
+              <a:rPr lang="nl-BE" sz="2000" dirty="0" err="1">
+                <a:latin typeface="Arial"/>
+                <a:cs typeface="Arial"/>
+              </a:rPr>
+              <a:t>particles</a:t>
+            </a:r>
+            <a:r>
+              <a:rPr lang="nl-BE" sz="2000" dirty="0">
+                <a:latin typeface="Arial"/>
+                <a:cs typeface="Arial"/>
+              </a:rPr>
+              <a:t> at a low </a:t>
+            </a:r>
+            <a:r>
+              <a:rPr lang="nl-BE" sz="2000" dirty="0" err="1">
+                <a:latin typeface="Arial"/>
+                <a:cs typeface="Arial"/>
+              </a:rPr>
+              <a:t>mass</a:t>
+            </a:r>
+            <a:r>
+              <a:rPr lang="nl-BE" sz="2000" dirty="0">
+                <a:latin typeface="Arial"/>
+                <a:cs typeface="Arial"/>
+              </a:rPr>
+              <a:t> </a:t>
+            </a:r>
+            <a:r>
+              <a:rPr lang="nl-BE" sz="2000" dirty="0" err="1">
+                <a:latin typeface="Arial"/>
+                <a:cs typeface="Arial"/>
+              </a:rPr>
+              <a:t>dose</a:t>
+            </a:r>
+            <a:r>
+              <a:rPr lang="nl-BE" sz="2000" dirty="0">
+                <a:latin typeface="Arial"/>
+                <a:cs typeface="Arial"/>
+              </a:rPr>
+              <a:t> </a:t>
+            </a:r>
+            <a:r>
+              <a:rPr lang="nl-BE" sz="2000" dirty="0" err="1">
+                <a:latin typeface="Arial"/>
+                <a:cs typeface="Arial"/>
+              </a:rPr>
+              <a:t>can</a:t>
+            </a:r>
+            <a:r>
+              <a:rPr lang="nl-BE" sz="2000" dirty="0">
+                <a:latin typeface="Arial"/>
+                <a:cs typeface="Arial"/>
+              </a:rPr>
+              <a:t> </a:t>
+            </a:r>
+            <a:r>
+              <a:rPr lang="nl-BE" sz="2000" dirty="0" err="1">
+                <a:latin typeface="Arial"/>
+                <a:cs typeface="Arial"/>
+              </a:rPr>
+              <a:t>be</a:t>
+            </a:r>
+            <a:r>
+              <a:rPr lang="nl-BE" sz="2000" dirty="0">
+                <a:latin typeface="Arial"/>
+                <a:cs typeface="Arial"/>
+              </a:rPr>
+              <a:t> as </a:t>
+            </a:r>
+            <a:r>
+              <a:rPr lang="nl-BE" sz="2000" dirty="0" err="1">
+                <a:latin typeface="Arial"/>
+                <a:cs typeface="Arial"/>
+              </a:rPr>
+              <a:t>toxic</a:t>
+            </a:r>
+            <a:r>
+              <a:rPr lang="nl-BE" sz="2000" dirty="0">
+                <a:latin typeface="Arial"/>
+                <a:cs typeface="Arial"/>
+              </a:rPr>
+              <a:t> al </a:t>
+            </a:r>
+            <a:r>
+              <a:rPr lang="nl-BE" sz="2000" dirty="0" err="1">
+                <a:latin typeface="Arial"/>
+                <a:cs typeface="Arial"/>
+              </a:rPr>
+              <a:t>larger</a:t>
+            </a:r>
+            <a:r>
+              <a:rPr lang="nl-BE" sz="2000" dirty="0">
+                <a:latin typeface="Arial"/>
+                <a:cs typeface="Arial"/>
+              </a:rPr>
+              <a:t> </a:t>
+            </a:r>
+            <a:r>
+              <a:rPr lang="nl-BE" sz="2000" dirty="0" err="1">
+                <a:latin typeface="Arial"/>
+                <a:cs typeface="Arial"/>
+              </a:rPr>
+              <a:t>particles</a:t>
+            </a:r>
+            <a:r>
+              <a:rPr lang="nl-BE" sz="2000" dirty="0">
+                <a:latin typeface="Arial"/>
+                <a:cs typeface="Arial"/>
+              </a:rPr>
+              <a:t> </a:t>
+            </a:r>
+            <a:r>
+              <a:rPr lang="nl-BE" sz="2000" dirty="0" err="1">
+                <a:latin typeface="Arial"/>
+                <a:cs typeface="Arial"/>
+              </a:rPr>
+              <a:t>with</a:t>
+            </a:r>
+            <a:r>
+              <a:rPr lang="nl-BE" sz="2000" dirty="0">
+                <a:latin typeface="Arial"/>
+                <a:cs typeface="Arial"/>
+              </a:rPr>
+              <a:t> a </a:t>
+            </a:r>
+            <a:r>
+              <a:rPr lang="nl-BE" sz="2000" dirty="0" err="1">
+                <a:latin typeface="Arial"/>
+                <a:cs typeface="Arial"/>
+              </a:rPr>
+              <a:t>higer</a:t>
+            </a:r>
+            <a:r>
+              <a:rPr lang="nl-BE" sz="2000" dirty="0">
+                <a:latin typeface="Arial"/>
+                <a:cs typeface="Arial"/>
+              </a:rPr>
+              <a:t> </a:t>
+            </a:r>
+            <a:r>
+              <a:rPr lang="nl-BE" sz="2000" dirty="0" err="1">
+                <a:latin typeface="Arial"/>
+                <a:cs typeface="Arial"/>
+              </a:rPr>
+              <a:t>mass</a:t>
+            </a:r>
+            <a:r>
+              <a:rPr lang="nl-BE" sz="2000" dirty="0">
+                <a:latin typeface="Arial"/>
+                <a:cs typeface="Arial"/>
+              </a:rPr>
+              <a:t> </a:t>
+            </a:r>
+            <a:r>
+              <a:rPr lang="nl-BE" sz="2000" dirty="0" err="1">
+                <a:latin typeface="Arial"/>
+                <a:cs typeface="Arial"/>
+              </a:rPr>
+              <a:t>dose</a:t>
+            </a:r>
+          </a:p>
+          <a:p>
+            <a:r>
+              <a:rPr lang="nl-BE" sz="2000" dirty="0">
+                <a:latin typeface="Arial"/>
+                <a:cs typeface="Arial"/>
+              </a:rPr>
+              <a:t>Surface </a:t>
+            </a:r>
+            <a:r>
+              <a:rPr lang="nl-BE" sz="2000" dirty="0" err="1">
+                <a:latin typeface="Arial"/>
+                <a:cs typeface="Arial"/>
+              </a:rPr>
+              <a:t>dose</a:t>
+            </a:r>
+            <a:r>
+              <a:rPr lang="nl-BE" sz="2000" dirty="0">
+                <a:latin typeface="Arial"/>
+                <a:cs typeface="Arial"/>
+              </a:rPr>
+              <a:t> is </a:t>
+            </a:r>
+            <a:r>
+              <a:rPr lang="nl-BE" sz="2000" dirty="0" err="1">
+                <a:latin typeface="Arial"/>
+                <a:cs typeface="Arial"/>
+              </a:rPr>
+              <a:t>what</a:t>
+            </a:r>
+            <a:r>
+              <a:rPr lang="nl-BE" sz="2000" dirty="0">
+                <a:latin typeface="Arial"/>
+                <a:cs typeface="Arial"/>
+              </a:rPr>
+              <a:t> </a:t>
+            </a:r>
+            <a:r>
+              <a:rPr lang="nl-BE" sz="2000" dirty="0" err="1">
+                <a:latin typeface="Arial"/>
+                <a:cs typeface="Arial"/>
+              </a:rPr>
+              <a:t>makes</a:t>
+            </a:r>
+            <a:r>
+              <a:rPr lang="nl-BE" sz="2000" dirty="0">
+                <a:latin typeface="Arial"/>
+                <a:cs typeface="Arial"/>
+              </a:rPr>
+              <a:t> </a:t>
+            </a:r>
+            <a:r>
+              <a:rPr lang="nl-BE" sz="2000" dirty="0" err="1">
+                <a:latin typeface="Arial"/>
+                <a:cs typeface="Arial"/>
+              </a:rPr>
+              <a:t>influences</a:t>
+            </a:r>
+            <a:r>
+              <a:rPr lang="nl-BE" sz="2000" dirty="0">
+                <a:latin typeface="Arial"/>
+                <a:cs typeface="Arial"/>
+              </a:rPr>
+              <a:t> </a:t>
+            </a:r>
+            <a:r>
+              <a:rPr lang="nl-BE" sz="2000" dirty="0" err="1">
+                <a:latin typeface="Arial"/>
+                <a:cs typeface="Arial"/>
+              </a:rPr>
+              <a:t>the</a:t>
+            </a:r>
+            <a:r>
+              <a:rPr lang="nl-BE" sz="2000" dirty="0">
+                <a:latin typeface="Arial"/>
+                <a:cs typeface="Arial"/>
+              </a:rPr>
+              <a:t> </a:t>
+            </a:r>
+            <a:r>
+              <a:rPr lang="nl-BE" sz="2000" dirty="0" err="1">
+                <a:latin typeface="Arial"/>
+                <a:cs typeface="Arial"/>
+              </a:rPr>
+              <a:t>toxicity</a:t>
+            </a:r>
+          </a:p>
+        </p:txBody>
+      </p:sp>
+      <p:sp>
+        <p:nvSpPr>
+          <p:cNvPr id="10" name="Tekstvak 9">
+            <a:extLst>
+              <a:ext uri="{FF2B5EF4-FFF2-40B4-BE49-F238E27FC236}">
+                <a16:creationId xmlns:a16="http://schemas.microsoft.com/office/drawing/2014/main" id="{F9AF6A87-507F-4E2E-8A2A-840080D13776}"/>
+              </a:ext>
+            </a:extLst>
+          </p:cNvPr>
+          <p:cNvSpPr txBox="1"/>
+          <p:nvPr/>
+        </p:nvSpPr>
+        <p:spPr>
+          <a:xfrm>
+            <a:off x="159798" y="58771"/>
+            <a:ext cx="5832629" cy="276999"/>
+          </a:xfrm>
+          <a:prstGeom prst="rect">
+            <a:avLst/>
+          </a:prstGeom>
+          <a:noFill/>
+        </p:spPr>
+        <p:txBody>
+          <a:bodyPr wrap="square" rtlCol="0">
+            <a:spAutoFit/>
+          </a:bodyPr>
+          <a:lstStyle/>
+          <a:p>
+            <a:r>
+              <a:rPr lang="nl-BE" sz="1200" dirty="0">
+                <a:solidFill>
+                  <a:srgbClr val="1D8DB0"/>
+                </a:solidFill>
+              </a:rPr>
+              <a:t>J. </a:t>
+            </a:r>
+            <a:r>
+              <a:rPr lang="nl-BE" sz="1200" dirty="0" err="1">
+                <a:solidFill>
+                  <a:srgbClr val="1D8DB0"/>
+                </a:solidFill>
+              </a:rPr>
+              <a:t>Neirynck</a:t>
+            </a:r>
+            <a:r>
+              <a:rPr lang="nl-BE" sz="1200" dirty="0">
+                <a:solidFill>
+                  <a:srgbClr val="1D8DB0"/>
+                </a:solidFill>
+              </a:rPr>
+              <a:t>, F. Van </a:t>
+            </a:r>
+            <a:r>
+              <a:rPr lang="nl-BE" sz="1200" dirty="0" err="1">
+                <a:solidFill>
+                  <a:srgbClr val="1D8DB0"/>
+                </a:solidFill>
+              </a:rPr>
+              <a:t>Eecke</a:t>
+            </a:r>
+            <a:r>
+              <a:rPr lang="nl-BE" sz="1200" dirty="0">
+                <a:solidFill>
+                  <a:srgbClr val="1D8DB0"/>
+                </a:solidFill>
+              </a:rPr>
+              <a:t> &amp; R. Vrielynck</a:t>
+            </a:r>
+          </a:p>
+        </p:txBody>
+      </p:sp>
+      <p:sp>
+        <p:nvSpPr>
+          <p:cNvPr id="11" name="Tekstvak 10">
+            <a:extLst>
+              <a:ext uri="{FF2B5EF4-FFF2-40B4-BE49-F238E27FC236}">
+                <a16:creationId xmlns:a16="http://schemas.microsoft.com/office/drawing/2014/main" id="{02C83A39-3DA1-4516-B834-3C3D5F8552F0}"/>
+              </a:ext>
+            </a:extLst>
+          </p:cNvPr>
+          <p:cNvSpPr txBox="1"/>
+          <p:nvPr/>
+        </p:nvSpPr>
+        <p:spPr>
+          <a:xfrm>
+            <a:off x="576000" y="6356412"/>
+            <a:ext cx="10351364" cy="315471"/>
+          </a:xfrm>
+          <a:prstGeom prst="rect">
+            <a:avLst/>
+          </a:prstGeom>
+          <a:noFill/>
+        </p:spPr>
+        <p:txBody>
+          <a:bodyPr wrap="square" rtlCol="0">
+            <a:spAutoFit/>
+          </a:bodyPr>
+          <a:lstStyle/>
+          <a:p>
+            <a:r>
+              <a:rPr lang="nl-BE" sz="1450" dirty="0" err="1">
+                <a:solidFill>
+                  <a:schemeClr val="bg1"/>
+                </a:solidFill>
+              </a:rPr>
+              <a:t>Introduction</a:t>
+            </a:r>
+            <a:r>
+              <a:rPr lang="nl-BE" sz="1450" dirty="0">
+                <a:solidFill>
+                  <a:schemeClr val="bg1"/>
+                </a:solidFill>
+              </a:rPr>
+              <a:t>	</a:t>
+            </a:r>
+            <a:r>
+              <a:rPr lang="nl-BE" sz="1450" b="1" dirty="0">
+                <a:solidFill>
+                  <a:schemeClr val="bg1"/>
+                </a:solidFill>
+              </a:rPr>
+              <a:t>	Framework</a:t>
+            </a:r>
+            <a:r>
+              <a:rPr lang="nl-BE" sz="1450" dirty="0">
+                <a:solidFill>
+                  <a:schemeClr val="bg1"/>
+                </a:solidFill>
+              </a:rPr>
+              <a:t>		</a:t>
+            </a:r>
+            <a:r>
+              <a:rPr lang="nl-BE" sz="1450" dirty="0" err="1">
+                <a:solidFill>
+                  <a:schemeClr val="bg1"/>
+                </a:solidFill>
+              </a:rPr>
+              <a:t>Techniques</a:t>
+            </a:r>
+            <a:r>
+              <a:rPr lang="nl-BE" sz="1450" dirty="0">
+                <a:solidFill>
+                  <a:schemeClr val="bg1"/>
+                </a:solidFill>
+              </a:rPr>
+              <a:t> &amp; </a:t>
+            </a:r>
+            <a:r>
+              <a:rPr lang="nl-BE" sz="1450" dirty="0" err="1">
+                <a:solidFill>
+                  <a:schemeClr val="bg1"/>
+                </a:solidFill>
+              </a:rPr>
+              <a:t>Results</a:t>
+            </a:r>
+            <a:r>
+              <a:rPr lang="nl-BE" sz="1450" dirty="0">
+                <a:solidFill>
+                  <a:schemeClr val="bg1"/>
+                </a:solidFill>
+              </a:rPr>
+              <a:t>			Summary</a:t>
+            </a:r>
+          </a:p>
+        </p:txBody>
+      </p:sp>
+    </p:spTree>
+    <p:extLst>
+      <p:ext uri="{BB962C8B-B14F-4D97-AF65-F5344CB8AC3E}">
+        <p14:creationId xmlns:p14="http://schemas.microsoft.com/office/powerpoint/2010/main" val="4204038074"/>
+      </p:ext>
+    </p:extLst>
+  </p:cSld>
+  <p:clrMapOvr>
+    <a:masterClrMapping/>
+  </p:clrMapOvr>
+  <p:timing>
+    <p:tnLst>
+      <p:par>
+        <p:cTn id="1" dur="indefinite" restart="never" nodeType="tmRoot">
+          <p:childTnLst>
+            <p:seq concurrent="1" nextAc="seek">
+              <p:cTn id="2" dur="indefinite" nodeType="mainSeq">
+                <p:childTnLst>
+                  <p:par>
+                    <p:cTn id="3" fill="hold">
+                      <p:stCondLst>
+                        <p:cond delay="indefinite"/>
+                        <p:cond evt="onBegin" delay="0">
+                          <p:tn val="2"/>
+                        </p:cond>
+                      </p:stCondLst>
+                      <p:childTnLst>
+                        <p:par>
+                          <p:cTn id="4" fill="hold">
+                            <p:stCondLst>
+                              <p:cond delay="0"/>
+                            </p:stCondLst>
+                            <p:childTnLst>
+                              <p:par>
+                                <p:cTn id="5" presetID="10" presetClass="entr" presetSubtype="0" fill="hold" grpId="0" nodeType="afterEffect">
+                                  <p:stCondLst>
+                                    <p:cond delay="0"/>
+                                  </p:stCondLst>
+                                  <p:childTnLst>
+                                    <p:set>
+                                      <p:cBhvr>
+                                        <p:cTn id="6" dur="1" fill="hold">
+                                          <p:stCondLst>
+                                            <p:cond delay="0"/>
+                                          </p:stCondLst>
+                                        </p:cTn>
+                                        <p:tgtEl>
+                                          <p:spTgt spid="9"/>
+                                        </p:tgtEl>
+                                        <p:attrNameLst>
+                                          <p:attrName>style.visibility</p:attrName>
+                                        </p:attrNameLst>
+                                      </p:cBhvr>
+                                      <p:to>
+                                        <p:strVal val="visible"/>
+                                      </p:to>
+                                    </p:set>
+                                    <p:animEffect transition="in" filter="fade">
+                                      <p:cBhvr>
+                                        <p:cTn id="7" dur="500"/>
+                                        <p:tgtEl>
+                                          <p:spTgt spid="9"/>
+                                        </p:tgtEl>
+                                      </p:cBhvr>
+                                    </p:animEffect>
+                                  </p:childTnLst>
+                                </p:cTn>
+                              </p:par>
+                            </p:childTnLst>
+                          </p:cTn>
+                        </p:par>
+                      </p:childTnLst>
+                    </p:cTn>
+                  </p:par>
+                  <p:par>
+                    <p:cTn id="8" fill="hold">
+                      <p:stCondLst>
+                        <p:cond delay="indefinite"/>
+                      </p:stCondLst>
+                      <p:childTnLst>
+                        <p:par>
+                          <p:cTn id="9" fill="hold">
+                            <p:stCondLst>
+                              <p:cond delay="0"/>
+                            </p:stCondLst>
+                            <p:childTnLst>
+                              <p:par>
+                                <p:cTn id="10" presetID="10" presetClass="entr" presetSubtype="0" fill="hold" nodeType="clickEffect">
+                                  <p:stCondLst>
+                                    <p:cond delay="0"/>
+                                  </p:stCondLst>
+                                  <p:childTnLst>
+                                    <p:set>
+                                      <p:cBhvr>
+                                        <p:cTn id="11" dur="1" fill="hold">
+                                          <p:stCondLst>
+                                            <p:cond delay="0"/>
+                                          </p:stCondLst>
+                                        </p:cTn>
+                                        <p:tgtEl>
+                                          <p:spTgt spid="8">
+                                            <p:txEl>
+                                              <p:pRg st="0" end="0"/>
+                                            </p:txEl>
+                                          </p:spTgt>
+                                        </p:tgtEl>
+                                        <p:attrNameLst>
+                                          <p:attrName>style.visibility</p:attrName>
+                                        </p:attrNameLst>
+                                      </p:cBhvr>
+                                      <p:to>
+                                        <p:strVal val="visible"/>
+                                      </p:to>
+                                    </p:set>
+                                    <p:animEffect transition="in" filter="fade">
+                                      <p:cBhvr>
+                                        <p:cTn id="12" dur="500"/>
+                                        <p:tgtEl>
+                                          <p:spTgt spid="8">
+                                            <p:txEl>
+                                              <p:pRg st="0" end="0"/>
+                                            </p:txEl>
+                                          </p:spTgt>
+                                        </p:tgtEl>
+                                      </p:cBhvr>
+                                    </p:animEffect>
+                                  </p:childTnLst>
+                                </p:cTn>
+                              </p:par>
+                            </p:childTnLst>
+                          </p:cTn>
+                        </p:par>
+                      </p:childTnLst>
+                    </p:cTn>
+                  </p:par>
+                  <p:par>
+                    <p:cTn id="13" fill="hold">
+                      <p:stCondLst>
+                        <p:cond delay="indefinite"/>
+                      </p:stCondLst>
+                      <p:childTnLst>
+                        <p:par>
+                          <p:cTn id="14" fill="hold">
+                            <p:stCondLst>
+                              <p:cond delay="0"/>
+                            </p:stCondLst>
+                            <p:childTnLst>
+                              <p:par>
+                                <p:cTn id="15" presetID="10" presetClass="entr" presetSubtype="0" fill="hold" nodeType="clickEffect">
+                                  <p:stCondLst>
+                                    <p:cond delay="0"/>
+                                  </p:stCondLst>
+                                  <p:childTnLst>
+                                    <p:set>
+                                      <p:cBhvr>
+                                        <p:cTn id="16" dur="1" fill="hold">
+                                          <p:stCondLst>
+                                            <p:cond delay="0"/>
+                                          </p:stCondLst>
+                                        </p:cTn>
+                                        <p:tgtEl>
+                                          <p:spTgt spid="8">
+                                            <p:txEl>
+                                              <p:pRg st="1" end="1"/>
+                                            </p:txEl>
+                                          </p:spTgt>
+                                        </p:tgtEl>
+                                        <p:attrNameLst>
+                                          <p:attrName>style.visibility</p:attrName>
+                                        </p:attrNameLst>
+                                      </p:cBhvr>
+                                      <p:to>
+                                        <p:strVal val="visible"/>
+                                      </p:to>
+                                    </p:set>
+                                    <p:animEffect transition="in" filter="fade">
+                                      <p:cBhvr>
+                                        <p:cTn id="17" dur="500"/>
+                                        <p:tgtEl>
+                                          <p:spTgt spid="8">
+                                            <p:txEl>
+                                              <p:pRg st="1" end="1"/>
+                                            </p:txEl>
+                                          </p:spTgt>
+                                        </p:tgtEl>
+                                      </p:cBhvr>
+                                    </p:animEffect>
+                                  </p:childTnLst>
+                                </p:cTn>
+                              </p:par>
+                            </p:childTnLst>
+                          </p:cTn>
+                        </p:par>
+                      </p:childTnLst>
+                    </p:cTn>
+                  </p:par>
+                  <p:par>
+                    <p:cTn id="18" fill="hold">
+                      <p:stCondLst>
+                        <p:cond delay="indefinite"/>
+                      </p:stCondLst>
+                      <p:childTnLst>
+                        <p:par>
+                          <p:cTn id="19" fill="hold">
+                            <p:stCondLst>
+                              <p:cond delay="0"/>
+                            </p:stCondLst>
+                            <p:childTnLst>
+                              <p:par>
+                                <p:cTn id="20" presetID="10" presetClass="entr" presetSubtype="0" fill="hold" nodeType="clickEffect">
+                                  <p:stCondLst>
+                                    <p:cond delay="0"/>
+                                  </p:stCondLst>
+                                  <p:childTnLst>
+                                    <p:set>
+                                      <p:cBhvr>
+                                        <p:cTn id="21" dur="1" fill="hold">
+                                          <p:stCondLst>
+                                            <p:cond delay="0"/>
+                                          </p:stCondLst>
+                                        </p:cTn>
+                                        <p:tgtEl>
+                                          <p:spTgt spid="8">
+                                            <p:txEl>
+                                              <p:pRg st="2" end="2"/>
+                                            </p:txEl>
+                                          </p:spTgt>
+                                        </p:tgtEl>
+                                        <p:attrNameLst>
+                                          <p:attrName>style.visibility</p:attrName>
+                                        </p:attrNameLst>
+                                      </p:cBhvr>
+                                      <p:to>
+                                        <p:strVal val="visible"/>
+                                      </p:to>
+                                    </p:set>
+                                    <p:animEffect transition="in" filter="fade">
+                                      <p:cBhvr>
+                                        <p:cTn id="22" dur="500"/>
+                                        <p:tgtEl>
+                                          <p:spTgt spid="8">
+                                            <p:txEl>
+                                              <p:pRg st="2" end="2"/>
+                                            </p:txEl>
+                                          </p:spTgt>
+                                        </p:tgtEl>
+                                      </p:cBhvr>
+                                    </p:animEffect>
+                                  </p:childTnLst>
+                                </p:cTn>
+                              </p:par>
+                            </p:childTnLst>
+                          </p:cTn>
+                        </p:par>
+                      </p:childTnLst>
+                    </p:cTn>
+                  </p:par>
+                </p:childTnLst>
+              </p:cTn>
+              <p:prevCondLst>
+                <p:cond evt="onPrev" delay="0">
+                  <p:tgtEl>
+                    <p:sldTgt/>
+                  </p:tgtEl>
+                </p:cond>
+              </p:prevCondLst>
+              <p:nextCondLst>
+                <p:cond evt="onNext" delay="0">
+                  <p:tgtEl>
+                    <p:sldTgt/>
+                  </p:tgtEl>
+                </p:cond>
+              </p:nextCondLst>
+            </p:seq>
+          </p:childTnLst>
+        </p:cTn>
+      </p:par>
+    </p:tnLst>
+    <p:bldLst>
+      <p:bldP spid="9" grpId="0"/>
+    </p:bldLst>
+  </p:timing>
+</p:sld>
+</file>
+
+<file path=ppt/slides/slide11.xml><?xml version="1.0" encoding="utf-8"?>
+<p:sld xmlns:a="http://schemas.openxmlformats.org/drawingml/2006/main" xmlns:r="http://schemas.openxmlformats.org/officeDocument/2006/relationships" xmlns:p="http://schemas.openxmlformats.org/presentationml/2006/main">
+  <p:cSld>
+    <p:spTree>
+      <p:nvGrpSpPr>
+        <p:cNvPr id="1" name=""/>
+        <p:cNvGrpSpPr/>
+        <p:nvPr/>
+      </p:nvGrpSpPr>
+      <p:grpSpPr>
+        <a:xfrm>
+          <a:off x="0" y="0"/>
+          <a:ext cx="0" cy="0"/>
+          <a:chOff x="0" y="0"/>
+          <a:chExt cx="0" cy="0"/>
+        </a:xfrm>
+      </p:grpSpPr>
+      <p:sp>
+        <p:nvSpPr>
+          <p:cNvPr id="2" name="Tijdelijke aanduiding voor inhoud 1">
+            <a:extLst>
+              <a:ext uri="{FF2B5EF4-FFF2-40B4-BE49-F238E27FC236}">
+                <a16:creationId xmlns:a16="http://schemas.microsoft.com/office/drawing/2014/main" id="{DA23FDA8-8B91-4851-BFB1-DD9B789576B1}"/>
+              </a:ext>
+            </a:extLst>
+          </p:cNvPr>
+          <p:cNvSpPr>
+            <a:spLocks noGrp="1"/>
+          </p:cNvSpPr>
+          <p:nvPr>
+            <p:ph idx="1"/>
+          </p:nvPr>
+        </p:nvSpPr>
+        <p:spPr/>
+        <p:txBody>
+          <a:bodyPr vert="horz" lIns="91440" tIns="45720" rIns="91440" bIns="45720" rtlCol="0" anchor="t">
+            <a:normAutofit/>
+          </a:bodyPr>
+          <a:lstStyle/>
+          <a:p>
+            <a:r>
+              <a:rPr lang="nl-NL" dirty="0">
+                <a:latin typeface="Arial"/>
+                <a:cs typeface="Arial"/>
+              </a:rPr>
+              <a:t>Large </a:t>
+            </a:r>
+            <a:r>
+              <a:rPr lang="nl-NL" dirty="0" err="1">
+                <a:latin typeface="Arial"/>
+                <a:cs typeface="Arial"/>
+              </a:rPr>
+              <a:t>concentration</a:t>
+            </a:r>
+            <a:r>
+              <a:rPr lang="nl-NL" dirty="0">
+                <a:latin typeface="Arial"/>
+                <a:cs typeface="Arial"/>
+              </a:rPr>
+              <a:t> --&gt; </a:t>
+            </a:r>
+            <a:r>
+              <a:rPr lang="nl-NL" dirty="0" err="1">
+                <a:latin typeface="Arial"/>
+                <a:cs typeface="Arial"/>
+              </a:rPr>
+              <a:t>aggregation</a:t>
+            </a:r>
+            <a:r>
+              <a:rPr lang="nl-NL" dirty="0">
+                <a:latin typeface="Arial"/>
+                <a:cs typeface="Arial"/>
+              </a:rPr>
+              <a:t> of </a:t>
+            </a:r>
+            <a:r>
+              <a:rPr lang="nl-NL" dirty="0" err="1">
+                <a:latin typeface="Arial"/>
+                <a:cs typeface="Arial"/>
+              </a:rPr>
+              <a:t>particles</a:t>
+            </a:r>
+          </a:p>
+          <a:p>
+            <a:r>
+              <a:rPr lang="nl-NL" dirty="0" err="1">
+                <a:latin typeface="Arial"/>
+                <a:cs typeface="Arial"/>
+              </a:rPr>
+              <a:t>Larger</a:t>
+            </a:r>
+            <a:r>
+              <a:rPr lang="nl-NL" dirty="0">
+                <a:latin typeface="Arial"/>
+                <a:cs typeface="Arial"/>
+              </a:rPr>
+              <a:t> </a:t>
+            </a:r>
+            <a:r>
+              <a:rPr lang="nl-NL" dirty="0" err="1">
+                <a:latin typeface="Arial"/>
+                <a:cs typeface="Arial"/>
+              </a:rPr>
+              <a:t>particles</a:t>
+            </a:r>
+            <a:r>
+              <a:rPr lang="nl-NL" dirty="0">
+                <a:latin typeface="Arial"/>
+                <a:cs typeface="Arial"/>
+              </a:rPr>
+              <a:t>, </a:t>
+            </a:r>
+            <a:r>
+              <a:rPr lang="nl-NL" dirty="0" err="1">
+                <a:latin typeface="Arial"/>
+                <a:cs typeface="Arial"/>
+              </a:rPr>
+              <a:t>less</a:t>
+            </a:r>
+            <a:r>
+              <a:rPr lang="nl-NL" dirty="0">
+                <a:latin typeface="Arial"/>
+                <a:cs typeface="Arial"/>
+              </a:rPr>
+              <a:t> </a:t>
+            </a:r>
+            <a:r>
+              <a:rPr lang="nl-NL" dirty="0" err="1">
+                <a:latin typeface="Arial"/>
+                <a:cs typeface="Arial"/>
+              </a:rPr>
+              <a:t>surface</a:t>
+            </a:r>
+            <a:r>
+              <a:rPr lang="nl-NL" dirty="0">
+                <a:latin typeface="Arial"/>
+                <a:cs typeface="Arial"/>
+              </a:rPr>
+              <a:t> AND </a:t>
+            </a:r>
+            <a:r>
+              <a:rPr lang="nl-NL" dirty="0" err="1">
+                <a:latin typeface="Arial"/>
+                <a:cs typeface="Arial"/>
+              </a:rPr>
+              <a:t>white</a:t>
+            </a:r>
+            <a:r>
+              <a:rPr lang="nl-NL" dirty="0">
+                <a:latin typeface="Arial"/>
+                <a:cs typeface="Arial"/>
+              </a:rPr>
+              <a:t> </a:t>
+            </a:r>
+            <a:r>
+              <a:rPr lang="nl-NL" dirty="0" err="1">
+                <a:latin typeface="Arial"/>
+                <a:cs typeface="Arial"/>
+              </a:rPr>
+              <a:t>bloodcells</a:t>
+            </a:r>
+            <a:r>
+              <a:rPr lang="nl-NL" dirty="0">
+                <a:latin typeface="Arial"/>
+                <a:cs typeface="Arial"/>
+              </a:rPr>
+              <a:t> </a:t>
+            </a:r>
+            <a:r>
+              <a:rPr lang="nl-NL" dirty="0" err="1">
+                <a:latin typeface="Arial"/>
+                <a:cs typeface="Arial"/>
+              </a:rPr>
+              <a:t>can</a:t>
+            </a:r>
+            <a:r>
+              <a:rPr lang="nl-NL" dirty="0">
+                <a:latin typeface="Arial"/>
+                <a:cs typeface="Arial"/>
+              </a:rPr>
+              <a:t> </a:t>
+            </a:r>
+            <a:r>
+              <a:rPr lang="nl-NL" dirty="0" err="1">
+                <a:latin typeface="Arial"/>
+                <a:cs typeface="Arial"/>
+              </a:rPr>
+              <a:t>macrophage</a:t>
+            </a:r>
+            <a:r>
+              <a:rPr lang="nl-NL" dirty="0">
+                <a:latin typeface="Arial"/>
+                <a:cs typeface="Arial"/>
+              </a:rPr>
+              <a:t> </a:t>
+            </a:r>
+            <a:r>
+              <a:rPr lang="nl-NL" dirty="0" err="1">
+                <a:latin typeface="Arial"/>
+                <a:cs typeface="Arial"/>
+              </a:rPr>
+              <a:t>the</a:t>
+            </a:r>
+            <a:r>
+              <a:rPr lang="nl-NL" dirty="0">
+                <a:latin typeface="Arial"/>
+                <a:cs typeface="Arial"/>
+              </a:rPr>
+              <a:t> </a:t>
+            </a:r>
+            <a:r>
+              <a:rPr lang="nl-NL" dirty="0" err="1">
+                <a:latin typeface="Arial"/>
+                <a:cs typeface="Arial"/>
+              </a:rPr>
+              <a:t>aggregates</a:t>
+            </a:r>
+            <a:endParaRPr lang="nl-NL" dirty="0" err="1">
+              <a:cs typeface="Arial"/>
+            </a:endParaRPr>
+          </a:p>
+          <a:p>
+            <a:r>
+              <a:rPr lang="nl-NL" dirty="0">
+                <a:latin typeface="Arial"/>
+                <a:cs typeface="Arial"/>
+              </a:rPr>
+              <a:t>Large </a:t>
+            </a:r>
+            <a:r>
+              <a:rPr lang="nl-NL" dirty="0" err="1">
+                <a:latin typeface="Arial"/>
+                <a:cs typeface="Arial"/>
+              </a:rPr>
+              <a:t>concentration</a:t>
+            </a:r>
+            <a:r>
+              <a:rPr lang="nl-NL" dirty="0">
+                <a:latin typeface="Arial"/>
+                <a:cs typeface="Arial"/>
+              </a:rPr>
+              <a:t> </a:t>
+            </a:r>
+            <a:r>
+              <a:rPr lang="nl-NL" dirty="0" err="1">
+                <a:latin typeface="Arial"/>
+                <a:cs typeface="Arial"/>
+              </a:rPr>
+              <a:t>results</a:t>
+            </a:r>
+            <a:r>
+              <a:rPr lang="nl-NL" dirty="0">
+                <a:latin typeface="Arial"/>
+                <a:cs typeface="Arial"/>
+              </a:rPr>
+              <a:t> in </a:t>
+            </a:r>
+            <a:r>
+              <a:rPr lang="nl-NL" dirty="0" err="1">
+                <a:latin typeface="Arial"/>
+                <a:cs typeface="Arial"/>
+              </a:rPr>
+              <a:t>less</a:t>
+            </a:r>
+            <a:r>
+              <a:rPr lang="nl-NL" dirty="0">
+                <a:latin typeface="Arial"/>
+                <a:cs typeface="Arial"/>
+              </a:rPr>
+              <a:t> </a:t>
+            </a:r>
+            <a:r>
+              <a:rPr lang="nl-NL" dirty="0" err="1">
+                <a:latin typeface="Arial"/>
+                <a:cs typeface="Arial"/>
+              </a:rPr>
+              <a:t>toxicity</a:t>
+            </a:r>
+            <a:endParaRPr lang="nl-NL" dirty="0" err="1">
+              <a:cs typeface="Arial"/>
+            </a:endParaRPr>
+          </a:p>
+          <a:p>
+            <a:endParaRPr lang="nl-NL" dirty="0">
+              <a:cs typeface="Arial"/>
+            </a:endParaRPr>
+          </a:p>
+        </p:txBody>
+      </p:sp>
+      <p:sp>
+        <p:nvSpPr>
+          <p:cNvPr id="3" name="Tijdelijke aanduiding voor voettekst 2">
+            <a:extLst>
+              <a:ext uri="{FF2B5EF4-FFF2-40B4-BE49-F238E27FC236}">
+                <a16:creationId xmlns:a16="http://schemas.microsoft.com/office/drawing/2014/main" id="{34BF4704-138D-49F1-B37A-017E77BC0845}"/>
+              </a:ext>
+            </a:extLst>
+          </p:cNvPr>
+          <p:cNvSpPr>
+            <a:spLocks noGrp="1"/>
+          </p:cNvSpPr>
+          <p:nvPr>
+            <p:ph type="ftr" sz="quarter" idx="11"/>
+          </p:nvPr>
+        </p:nvSpPr>
+        <p:spPr/>
+        <p:txBody>
+          <a:bodyPr/>
+          <a:lstStyle/>
+          <a:p>
+            <a:r>
+              <a:rPr lang="nl-NL"/>
+              <a:t>Faculteit, departement, dienst …</a:t>
+            </a:r>
+          </a:p>
+        </p:txBody>
+      </p:sp>
+      <p:sp>
+        <p:nvSpPr>
+          <p:cNvPr id="4" name="Tijdelijke aanduiding voor dianummer 3">
+            <a:extLst>
+              <a:ext uri="{FF2B5EF4-FFF2-40B4-BE49-F238E27FC236}">
+                <a16:creationId xmlns:a16="http://schemas.microsoft.com/office/drawing/2014/main" id="{6DC5F5CE-E772-438D-AE6A-86414E0B072A}"/>
+              </a:ext>
+            </a:extLst>
+          </p:cNvPr>
+          <p:cNvSpPr>
+            <a:spLocks noGrp="1"/>
+          </p:cNvSpPr>
+          <p:nvPr>
+            <p:ph type="sldNum" sz="quarter" idx="12"/>
+          </p:nvPr>
+        </p:nvSpPr>
+        <p:spPr/>
+        <p:txBody>
+          <a:bodyPr/>
+          <a:lstStyle/>
+          <a:p>
+            <a:fld id="{0A297500-7527-634B-90F4-69D0994C32B4}" type="slidenum">
+              <a:rPr lang="nl-NL" smtClean="0"/>
+              <a:t>11</a:t>
+            </a:fld>
+            <a:endParaRPr lang="nl-NL"/>
+          </a:p>
+        </p:txBody>
+      </p:sp>
+      <p:sp>
+        <p:nvSpPr>
+          <p:cNvPr id="5" name="Titel 4">
+            <a:extLst>
+              <a:ext uri="{FF2B5EF4-FFF2-40B4-BE49-F238E27FC236}">
+                <a16:creationId xmlns:a16="http://schemas.microsoft.com/office/drawing/2014/main" id="{ABD654FC-0EF3-41CA-AC73-0A81742D970C}"/>
+              </a:ext>
+            </a:extLst>
+          </p:cNvPr>
+          <p:cNvSpPr>
+            <a:spLocks noGrp="1"/>
+          </p:cNvSpPr>
+          <p:nvPr>
+            <p:ph type="title"/>
+          </p:nvPr>
+        </p:nvSpPr>
+        <p:spPr/>
+        <p:txBody>
+          <a:bodyPr/>
+          <a:lstStyle/>
+          <a:p>
+            <a:r>
+              <a:rPr lang="nl-NL" dirty="0" err="1">
+                <a:latin typeface="Arial"/>
+                <a:cs typeface="Arial"/>
+              </a:rPr>
+              <a:t>Concentration</a:t>
+            </a:r>
+            <a:r>
+              <a:rPr lang="nl-NL" dirty="0">
+                <a:latin typeface="Arial"/>
+                <a:cs typeface="Arial"/>
+              </a:rPr>
+              <a:t> </a:t>
+            </a:r>
+            <a:r>
+              <a:rPr lang="nl-NL" dirty="0" err="1">
+                <a:latin typeface="Arial"/>
+                <a:cs typeface="Arial"/>
+              </a:rPr>
+              <a:t>dependence</a:t>
+            </a:r>
+            <a:endParaRPr lang="nl-NL" dirty="0" err="1"/>
+          </a:p>
+        </p:txBody>
+      </p:sp>
+    </p:spTree>
+    <p:extLst>
+      <p:ext uri="{BB962C8B-B14F-4D97-AF65-F5344CB8AC3E}">
+        <p14:creationId xmlns:p14="http://schemas.microsoft.com/office/powerpoint/2010/main" val="623244575"/>
+      </p:ext>
+    </p:extLst>
+  </p:cSld>
+  <p:clrMapOvr>
+    <a:masterClrMapping/>
+  </p:clrMapOvr>
+</p:sld>
+</file>
+
+<file path=ppt/slides/slide12.xml><?xml version="1.0" encoding="utf-8"?>
+<p:sld xmlns:a="http://schemas.openxmlformats.org/drawingml/2006/main" xmlns:r="http://schemas.openxmlformats.org/officeDocument/2006/relationships" xmlns:p="http://schemas.openxmlformats.org/presentationml/2006/main">
+  <p:cSld>
+    <p:spTree>
+      <p:nvGrpSpPr>
+        <p:cNvPr id="1" name=""/>
+        <p:cNvGrpSpPr/>
+        <p:nvPr/>
+      </p:nvGrpSpPr>
+      <p:grpSpPr>
+        <a:xfrm>
+          <a:off x="0" y="0"/>
+          <a:ext cx="0" cy="0"/>
+          <a:chOff x="0" y="0"/>
+          <a:chExt cx="0" cy="0"/>
+        </a:xfrm>
+      </p:grpSpPr>
+      <p:sp>
+        <p:nvSpPr>
+          <p:cNvPr id="2" name="Tijdelijke aanduiding voor inhoud 1">
+            <a:extLst>
+              <a:ext uri="{FF2B5EF4-FFF2-40B4-BE49-F238E27FC236}">
+                <a16:creationId xmlns:a16="http://schemas.microsoft.com/office/drawing/2014/main" id="{BFCDAFE0-D654-42D9-8D30-FE908B3DD1D8}"/>
+              </a:ext>
+            </a:extLst>
+          </p:cNvPr>
+          <p:cNvSpPr>
+            <a:spLocks noGrp="1"/>
+          </p:cNvSpPr>
+          <p:nvPr>
+            <p:ph idx="1"/>
+          </p:nvPr>
+        </p:nvSpPr>
+        <p:spPr>
+          <a:xfrm>
+            <a:off x="576000" y="1656000"/>
+            <a:ext cx="7662521" cy="4464000"/>
+          </a:xfrm>
+        </p:spPr>
+        <p:txBody>
+          <a:bodyPr vert="horz" lIns="91440" tIns="45720" rIns="91440" bIns="45720" rtlCol="0" anchor="t">
+            <a:normAutofit/>
+          </a:bodyPr>
+          <a:lstStyle/>
+          <a:p>
+            <a:r>
+              <a:rPr lang="en-GB" dirty="0">
+                <a:latin typeface="Arial"/>
+                <a:cs typeface="Arial"/>
+              </a:rPr>
+              <a:t>Even for the same substance, a different </a:t>
+            </a:r>
+            <a:r>
+              <a:rPr lang="en-GB" dirty="0" err="1">
+                <a:latin typeface="Arial"/>
+                <a:cs typeface="Arial"/>
+              </a:rPr>
+              <a:t>crystaline</a:t>
+            </a:r>
+            <a:r>
+              <a:rPr lang="en-GB" dirty="0">
+                <a:latin typeface="Arial"/>
+                <a:cs typeface="Arial"/>
+              </a:rPr>
+              <a:t> structure may influence the toxicity</a:t>
+            </a:r>
+          </a:p>
+          <a:p>
+            <a:r>
+              <a:rPr lang="en-GB" dirty="0">
+                <a:latin typeface="Arial"/>
+                <a:cs typeface="Arial"/>
+              </a:rPr>
+              <a:t>TiO</a:t>
+            </a:r>
+            <a:r>
+              <a:rPr lang="en-GB" baseline="-25000" dirty="0">
+                <a:latin typeface="Arial"/>
+                <a:cs typeface="Arial"/>
+              </a:rPr>
+              <a:t>2  </a:t>
+            </a:r>
+            <a:r>
+              <a:rPr lang="en-GB" dirty="0">
+                <a:latin typeface="Arial"/>
+                <a:cs typeface="Arial"/>
+              </a:rPr>
+              <a:t>has for instance two different </a:t>
+            </a:r>
+            <a:r>
+              <a:rPr lang="en-GB" dirty="0" err="1">
+                <a:latin typeface="Arial"/>
+                <a:cs typeface="Arial"/>
+              </a:rPr>
+              <a:t>structrures</a:t>
+            </a:r>
+            <a:r>
+              <a:rPr lang="en-GB" dirty="0">
+                <a:latin typeface="Arial"/>
+                <a:cs typeface="Arial"/>
+              </a:rPr>
+              <a:t>, of which one is toxic, and the other one is nontoxic </a:t>
+            </a:r>
+            <a:endParaRPr lang="en-GB" baseline="-25000" dirty="0">
+              <a:latin typeface="Arial"/>
+              <a:cs typeface="Arial"/>
+            </a:endParaRPr>
+          </a:p>
+        </p:txBody>
+      </p:sp>
+      <p:sp>
+        <p:nvSpPr>
+          <p:cNvPr id="3" name="Tijdelijke aanduiding voor voettekst 2">
+            <a:extLst>
+              <a:ext uri="{FF2B5EF4-FFF2-40B4-BE49-F238E27FC236}">
+                <a16:creationId xmlns:a16="http://schemas.microsoft.com/office/drawing/2014/main" id="{F30C2FF5-522B-4C62-BF0E-BED70B5DC02A}"/>
+              </a:ext>
+            </a:extLst>
+          </p:cNvPr>
+          <p:cNvSpPr>
+            <a:spLocks noGrp="1"/>
+          </p:cNvSpPr>
+          <p:nvPr>
+            <p:ph type="ftr" sz="quarter" idx="11"/>
+          </p:nvPr>
+        </p:nvSpPr>
+        <p:spPr/>
+        <p:txBody>
+          <a:bodyPr/>
+          <a:lstStyle/>
+          <a:p>
+            <a:r>
+              <a:rPr lang="nl-NL"/>
+              <a:t>Faculteit, departement, dienst …</a:t>
+            </a:r>
+          </a:p>
+        </p:txBody>
+      </p:sp>
+      <p:sp>
+        <p:nvSpPr>
+          <p:cNvPr id="4" name="Tijdelijke aanduiding voor dianummer 3">
+            <a:extLst>
+              <a:ext uri="{FF2B5EF4-FFF2-40B4-BE49-F238E27FC236}">
+                <a16:creationId xmlns:a16="http://schemas.microsoft.com/office/drawing/2014/main" id="{818DBE12-C767-4370-B4A0-5321E403C84C}"/>
+              </a:ext>
+            </a:extLst>
+          </p:cNvPr>
+          <p:cNvSpPr>
+            <a:spLocks noGrp="1"/>
+          </p:cNvSpPr>
+          <p:nvPr>
+            <p:ph type="sldNum" sz="quarter" idx="12"/>
+          </p:nvPr>
+        </p:nvSpPr>
+        <p:spPr/>
+        <p:txBody>
+          <a:bodyPr/>
+          <a:lstStyle/>
+          <a:p>
+            <a:fld id="{0A297500-7527-634B-90F4-69D0994C32B4}" type="slidenum">
+              <a:rPr lang="nl-NL" smtClean="0"/>
+              <a:t>12</a:t>
+            </a:fld>
+            <a:endParaRPr lang="nl-NL"/>
+          </a:p>
+        </p:txBody>
+      </p:sp>
+      <p:sp>
+        <p:nvSpPr>
+          <p:cNvPr id="5" name="Titel 4">
+            <a:extLst>
+              <a:ext uri="{FF2B5EF4-FFF2-40B4-BE49-F238E27FC236}">
+                <a16:creationId xmlns:a16="http://schemas.microsoft.com/office/drawing/2014/main" id="{49F0AD50-ACD8-4424-8B5F-418F1E65D03B}"/>
+              </a:ext>
+            </a:extLst>
+          </p:cNvPr>
+          <p:cNvSpPr>
+            <a:spLocks noGrp="1"/>
+          </p:cNvSpPr>
+          <p:nvPr>
+            <p:ph type="title"/>
+          </p:nvPr>
+        </p:nvSpPr>
+        <p:spPr/>
+        <p:txBody>
+          <a:bodyPr/>
+          <a:lstStyle/>
+          <a:p>
+            <a:r>
+              <a:rPr lang="nl-NL" dirty="0" err="1">
+                <a:latin typeface="Arial"/>
+                <a:cs typeface="Arial"/>
+              </a:rPr>
+              <a:t>Crystaline</a:t>
+            </a:r>
+            <a:r>
+              <a:rPr lang="nl-NL" dirty="0">
+                <a:latin typeface="Arial"/>
+                <a:cs typeface="Arial"/>
+              </a:rPr>
+              <a:t> </a:t>
+            </a:r>
+            <a:r>
+              <a:rPr lang="nl-NL" dirty="0" err="1">
+                <a:latin typeface="Arial"/>
+                <a:cs typeface="Arial"/>
+              </a:rPr>
+              <a:t>structure</a:t>
+            </a:r>
+            <a:endParaRPr lang="nl-NL" dirty="0" err="1"/>
+          </a:p>
+        </p:txBody>
+      </p:sp>
+      <p:pic>
+        <p:nvPicPr>
+          <p:cNvPr id="6" name="Afbeelding 6" descr="Afbeelding met tekst&#10;&#10;Beschrijving is gegenereerd met zeer hoge betrouwbaarheid">
+            <a:extLst>
+              <a:ext uri="{FF2B5EF4-FFF2-40B4-BE49-F238E27FC236}">
+                <a16:creationId xmlns:a16="http://schemas.microsoft.com/office/drawing/2014/main" id="{FFC349A6-12CD-4CB8-9F3E-2E884186885A}"/>
+              </a:ext>
+            </a:extLst>
+          </p:cNvPr>
+          <p:cNvPicPr>
+            <a:picLocks noChangeAspect="1"/>
+          </p:cNvPicPr>
+          <p:nvPr/>
+        </p:nvPicPr>
+        <p:blipFill>
+          <a:blip r:embed="rId2"/>
+          <a:stretch>
+            <a:fillRect/>
+          </a:stretch>
+        </p:blipFill>
+        <p:spPr>
+          <a:xfrm>
+            <a:off x="8002438" y="2151715"/>
+            <a:ext cx="3749614" cy="3215926"/>
+          </a:xfrm>
+          <a:prstGeom prst="rect">
+            <a:avLst/>
+          </a:prstGeom>
+        </p:spPr>
+      </p:pic>
+    </p:spTree>
+    <p:extLst>
+      <p:ext uri="{BB962C8B-B14F-4D97-AF65-F5344CB8AC3E}">
+        <p14:creationId xmlns:p14="http://schemas.microsoft.com/office/powerpoint/2010/main" val="3623194267"/>
+      </p:ext>
+    </p:extLst>
+  </p:cSld>
+  <p:clrMapOvr>
+    <a:masterClrMapping/>
+  </p:clrMapOvr>
+</p:sld>
+</file>
+
+<file path=ppt/slides/slide13.xml><?xml version="1.0" encoding="utf-8"?>
+<p:sld xmlns:a="http://schemas.openxmlformats.org/drawingml/2006/main" xmlns:r="http://schemas.openxmlformats.org/officeDocument/2006/relationships" xmlns:p="http://schemas.openxmlformats.org/presentationml/2006/main">
+  <p:cSld>
+    <p:spTree>
+      <p:nvGrpSpPr>
+        <p:cNvPr id="1" name=""/>
+        <p:cNvGrpSpPr/>
+        <p:nvPr/>
+      </p:nvGrpSpPr>
+      <p:grpSpPr>
+        <a:xfrm>
+          <a:off x="0" y="0"/>
+          <a:ext cx="0" cy="0"/>
+          <a:chOff x="0" y="0"/>
+          <a:chExt cx="0" cy="0"/>
+        </a:xfrm>
+      </p:grpSpPr>
+      <p:sp>
+        <p:nvSpPr>
+          <p:cNvPr id="2" name="Tijdelijke aanduiding voor inhoud 1">
+            <a:extLst>
+              <a:ext uri="{FF2B5EF4-FFF2-40B4-BE49-F238E27FC236}">
+                <a16:creationId xmlns:a16="http://schemas.microsoft.com/office/drawing/2014/main" id="{ECD9C7FC-FC06-4374-A1C7-C9C35F1BE892}"/>
+              </a:ext>
+            </a:extLst>
+          </p:cNvPr>
+          <p:cNvSpPr>
+            <a:spLocks noGrp="1"/>
+          </p:cNvSpPr>
+          <p:nvPr>
+            <p:ph idx="1"/>
+          </p:nvPr>
+        </p:nvSpPr>
+        <p:spPr/>
+        <p:txBody>
+          <a:bodyPr vert="horz" lIns="91440" tIns="45720" rIns="91440" bIns="45720" rtlCol="0" anchor="t">
+            <a:normAutofit/>
+          </a:bodyPr>
+          <a:lstStyle/>
+          <a:p>
+            <a:r>
+              <a:rPr lang="nl-NL" dirty="0">
+                <a:latin typeface="Arial"/>
+                <a:cs typeface="Arial"/>
+              </a:rPr>
+              <a:t>Long fibers are more </a:t>
+            </a:r>
+            <a:r>
+              <a:rPr lang="nl-NL" dirty="0" err="1">
+                <a:latin typeface="Arial"/>
+                <a:cs typeface="Arial"/>
+              </a:rPr>
+              <a:t>toxic</a:t>
+            </a:r>
+            <a:r>
+              <a:rPr lang="nl-NL" dirty="0">
+                <a:latin typeface="Arial"/>
+                <a:cs typeface="Arial"/>
+              </a:rPr>
+              <a:t> </a:t>
+            </a:r>
+            <a:r>
+              <a:rPr lang="nl-NL" dirty="0" err="1">
+                <a:latin typeface="Arial"/>
+                <a:cs typeface="Arial"/>
+              </a:rPr>
+              <a:t>than</a:t>
+            </a:r>
+            <a:r>
+              <a:rPr lang="nl-NL" dirty="0">
+                <a:latin typeface="Arial"/>
+                <a:cs typeface="Arial"/>
+              </a:rPr>
+              <a:t> short </a:t>
+            </a:r>
+            <a:r>
+              <a:rPr lang="nl-NL" dirty="0" err="1">
+                <a:latin typeface="Arial"/>
+                <a:cs typeface="Arial"/>
+              </a:rPr>
+              <a:t>ones</a:t>
+            </a:r>
+            <a:endParaRPr lang="nl-NL" dirty="0" err="1">
+              <a:cs typeface="Arial" charset="0"/>
+            </a:endParaRPr>
+          </a:p>
+          <a:p>
+            <a:r>
+              <a:rPr lang="nl-NL" dirty="0" err="1">
+                <a:latin typeface="Arial"/>
+                <a:cs typeface="Arial"/>
+              </a:rPr>
+              <a:t>Stay</a:t>
+            </a:r>
+            <a:r>
+              <a:rPr lang="nl-NL" dirty="0">
+                <a:latin typeface="Arial"/>
+                <a:cs typeface="Arial"/>
+              </a:rPr>
+              <a:t> </a:t>
+            </a:r>
+            <a:r>
+              <a:rPr lang="nl-NL" dirty="0" err="1">
+                <a:latin typeface="Arial"/>
+                <a:cs typeface="Arial"/>
+              </a:rPr>
+              <a:t>longer</a:t>
+            </a:r>
+            <a:r>
+              <a:rPr lang="nl-NL" dirty="0">
+                <a:latin typeface="Arial"/>
+                <a:cs typeface="Arial"/>
+              </a:rPr>
+              <a:t> in </a:t>
+            </a:r>
+            <a:r>
+              <a:rPr lang="nl-NL" dirty="0" err="1">
+                <a:latin typeface="Arial"/>
+                <a:cs typeface="Arial"/>
+              </a:rPr>
+              <a:t>the</a:t>
+            </a:r>
+            <a:r>
+              <a:rPr lang="nl-NL" dirty="0">
+                <a:latin typeface="Arial"/>
+                <a:cs typeface="Arial"/>
+              </a:rPr>
+              <a:t> body (81% </a:t>
+            </a:r>
+            <a:r>
+              <a:rPr lang="nl-NL" dirty="0" err="1">
+                <a:latin typeface="Arial"/>
+                <a:cs typeface="Arial"/>
+              </a:rPr>
+              <a:t>after</a:t>
+            </a:r>
+            <a:r>
+              <a:rPr lang="nl-NL" dirty="0">
+                <a:latin typeface="Arial"/>
+                <a:cs typeface="Arial"/>
+              </a:rPr>
+              <a:t> 60 </a:t>
+            </a:r>
+            <a:r>
+              <a:rPr lang="nl-NL" dirty="0" err="1">
+                <a:latin typeface="Arial"/>
+                <a:cs typeface="Arial"/>
+              </a:rPr>
+              <a:t>days</a:t>
+            </a:r>
+            <a:r>
+              <a:rPr lang="nl-NL" dirty="0">
+                <a:latin typeface="Arial"/>
+                <a:cs typeface="Arial"/>
+              </a:rPr>
+              <a:t>)</a:t>
+            </a:r>
+          </a:p>
+          <a:p>
+            <a:r>
+              <a:rPr lang="nl-NL" dirty="0">
+                <a:latin typeface="Arial"/>
+                <a:cs typeface="Arial"/>
+              </a:rPr>
+              <a:t>Carbon nanotubes </a:t>
+            </a:r>
+            <a:r>
+              <a:rPr lang="nl-NL" dirty="0" err="1">
+                <a:latin typeface="Arial"/>
+                <a:cs typeface="Arial"/>
+              </a:rPr>
+              <a:t>can</a:t>
+            </a:r>
+            <a:r>
+              <a:rPr lang="nl-NL" dirty="0">
+                <a:latin typeface="Arial"/>
+                <a:cs typeface="Arial"/>
+              </a:rPr>
+              <a:t> </a:t>
+            </a:r>
+            <a:r>
+              <a:rPr lang="nl-NL" dirty="0" err="1">
+                <a:latin typeface="Arial"/>
+                <a:cs typeface="Arial"/>
+              </a:rPr>
+              <a:t>be</a:t>
+            </a:r>
+            <a:r>
+              <a:rPr lang="nl-NL" dirty="0">
+                <a:latin typeface="Arial"/>
+                <a:cs typeface="Arial"/>
+              </a:rPr>
+              <a:t> </a:t>
+            </a:r>
+            <a:r>
+              <a:rPr lang="nl-NL" dirty="0" err="1">
+                <a:latin typeface="Arial"/>
+                <a:cs typeface="Arial"/>
+              </a:rPr>
+              <a:t>very</a:t>
+            </a:r>
+            <a:r>
+              <a:rPr lang="nl-NL" dirty="0">
+                <a:latin typeface="Arial"/>
+                <a:cs typeface="Arial"/>
+              </a:rPr>
+              <a:t> </a:t>
+            </a:r>
+            <a:r>
+              <a:rPr lang="nl-NL" dirty="0" err="1">
+                <a:latin typeface="Arial"/>
+                <a:cs typeface="Arial"/>
+              </a:rPr>
+              <a:t>toxic</a:t>
+            </a:r>
+          </a:p>
+        </p:txBody>
+      </p:sp>
+      <p:sp>
+        <p:nvSpPr>
+          <p:cNvPr id="3" name="Tijdelijke aanduiding voor voettekst 2">
+            <a:extLst>
+              <a:ext uri="{FF2B5EF4-FFF2-40B4-BE49-F238E27FC236}">
+                <a16:creationId xmlns:a16="http://schemas.microsoft.com/office/drawing/2014/main" id="{3D0B3870-0B8D-4CA7-860A-9D56EB7AC438}"/>
+              </a:ext>
+            </a:extLst>
+          </p:cNvPr>
+          <p:cNvSpPr>
+            <a:spLocks noGrp="1"/>
+          </p:cNvSpPr>
+          <p:nvPr>
+            <p:ph type="ftr" sz="quarter" idx="11"/>
+          </p:nvPr>
+        </p:nvSpPr>
+        <p:spPr/>
+        <p:txBody>
+          <a:bodyPr/>
+          <a:lstStyle/>
+          <a:p>
+            <a:r>
+              <a:rPr lang="nl-NL"/>
+              <a:t>Faculteit, departement, dienst …</a:t>
+            </a:r>
+          </a:p>
+        </p:txBody>
+      </p:sp>
+      <p:sp>
+        <p:nvSpPr>
+          <p:cNvPr id="4" name="Tijdelijke aanduiding voor dianummer 3">
+            <a:extLst>
+              <a:ext uri="{FF2B5EF4-FFF2-40B4-BE49-F238E27FC236}">
+                <a16:creationId xmlns:a16="http://schemas.microsoft.com/office/drawing/2014/main" id="{4950DF76-99D2-40CB-A88F-ECF57CE1760C}"/>
+              </a:ext>
+            </a:extLst>
+          </p:cNvPr>
+          <p:cNvSpPr>
+            <a:spLocks noGrp="1"/>
+          </p:cNvSpPr>
+          <p:nvPr>
+            <p:ph type="sldNum" sz="quarter" idx="12"/>
+          </p:nvPr>
+        </p:nvSpPr>
+        <p:spPr/>
+        <p:txBody>
+          <a:bodyPr/>
+          <a:lstStyle/>
+          <a:p>
+            <a:fld id="{0A297500-7527-634B-90F4-69D0994C32B4}" type="slidenum">
+              <a:rPr lang="nl-NL" smtClean="0"/>
+              <a:t>13</a:t>
+            </a:fld>
+            <a:endParaRPr lang="nl-NL"/>
+          </a:p>
+        </p:txBody>
+      </p:sp>
+      <p:sp>
+        <p:nvSpPr>
+          <p:cNvPr id="5" name="Titel 4">
+            <a:extLst>
+              <a:ext uri="{FF2B5EF4-FFF2-40B4-BE49-F238E27FC236}">
+                <a16:creationId xmlns:a16="http://schemas.microsoft.com/office/drawing/2014/main" id="{89B92165-5C9D-4BF0-92C6-267065DC29DC}"/>
+              </a:ext>
+            </a:extLst>
+          </p:cNvPr>
+          <p:cNvSpPr>
+            <a:spLocks noGrp="1"/>
+          </p:cNvSpPr>
+          <p:nvPr>
+            <p:ph type="title"/>
+          </p:nvPr>
+        </p:nvSpPr>
+        <p:spPr/>
+        <p:txBody>
+          <a:bodyPr/>
+          <a:lstStyle/>
+          <a:p>
+            <a:r>
+              <a:rPr lang="nl-NL" dirty="0">
+                <a:latin typeface="Arial"/>
+                <a:cs typeface="Arial"/>
+              </a:rPr>
+              <a:t>Aspect ratio</a:t>
+            </a:r>
+            <a:endParaRPr lang="nl-NL" dirty="0"/>
+          </a:p>
+        </p:txBody>
+      </p:sp>
+    </p:spTree>
+    <p:extLst>
+      <p:ext uri="{BB962C8B-B14F-4D97-AF65-F5344CB8AC3E}">
+        <p14:creationId xmlns:p14="http://schemas.microsoft.com/office/powerpoint/2010/main" val="4263617995"/>
+      </p:ext>
+    </p:extLst>
+  </p:cSld>
+  <p:clrMapOvr>
+    <a:masterClrMapping/>
+  </p:clrMapOvr>
+</p:sld>
+</file>
+
+<file path=ppt/slides/slide14.xml><?xml version="1.0" encoding="utf-8"?>
+<p:sld xmlns:a="http://schemas.openxmlformats.org/drawingml/2006/main" xmlns:r="http://schemas.openxmlformats.org/officeDocument/2006/relationships" xmlns:p="http://schemas.openxmlformats.org/presentationml/2006/main">
+  <p:cSld>
+    <p:spTree>
+      <p:nvGrpSpPr>
+        <p:cNvPr id="1" name=""/>
+        <p:cNvGrpSpPr/>
+        <p:nvPr/>
+      </p:nvGrpSpPr>
+      <p:grpSpPr>
+        <a:xfrm>
+          <a:off x="0" y="0"/>
+          <a:ext cx="0" cy="0"/>
+          <a:chOff x="0" y="0"/>
+          <a:chExt cx="0" cy="0"/>
+        </a:xfrm>
+      </p:grpSpPr>
+      <p:sp>
+        <p:nvSpPr>
+          <p:cNvPr id="2" name="Tijdelijke aanduiding voor inhoud 1">
+            <a:extLst>
+              <a:ext uri="{FF2B5EF4-FFF2-40B4-BE49-F238E27FC236}">
+                <a16:creationId xmlns:a16="http://schemas.microsoft.com/office/drawing/2014/main" id="{1D154430-BEF3-4E06-8F0F-0103FC5AE3D5}"/>
+              </a:ext>
+            </a:extLst>
+          </p:cNvPr>
+          <p:cNvSpPr>
+            <a:spLocks noGrp="1"/>
+          </p:cNvSpPr>
+          <p:nvPr>
+            <p:ph idx="1"/>
+          </p:nvPr>
+        </p:nvSpPr>
+        <p:spPr/>
+        <p:txBody>
+          <a:bodyPr vert="horz" lIns="91440" tIns="45720" rIns="91440" bIns="45720" rtlCol="0" anchor="t">
+            <a:normAutofit/>
+          </a:bodyPr>
+          <a:lstStyle/>
+          <a:p>
+            <a:endParaRPr lang="nl-NL" dirty="0">
+              <a:cs typeface="Arial"/>
+            </a:endParaRPr>
+          </a:p>
+        </p:txBody>
+      </p:sp>
+      <p:sp>
+        <p:nvSpPr>
+          <p:cNvPr id="3" name="Tijdelijke aanduiding voor voettekst 2">
+            <a:extLst>
+              <a:ext uri="{FF2B5EF4-FFF2-40B4-BE49-F238E27FC236}">
+                <a16:creationId xmlns:a16="http://schemas.microsoft.com/office/drawing/2014/main" id="{D675B85F-3EDA-4A13-B39F-123D17144CAB}"/>
+              </a:ext>
+            </a:extLst>
+          </p:cNvPr>
+          <p:cNvSpPr>
+            <a:spLocks noGrp="1"/>
+          </p:cNvSpPr>
+          <p:nvPr>
+            <p:ph type="ftr" sz="quarter" idx="11"/>
+          </p:nvPr>
+        </p:nvSpPr>
+        <p:spPr/>
+        <p:txBody>
+          <a:bodyPr/>
+          <a:lstStyle/>
+          <a:p>
+            <a:r>
+              <a:rPr lang="nl-NL"/>
+              <a:t>Faculteit, departement, dienst …</a:t>
+            </a:r>
+          </a:p>
+        </p:txBody>
+      </p:sp>
+      <p:sp>
+        <p:nvSpPr>
+          <p:cNvPr id="4" name="Tijdelijke aanduiding voor dianummer 3">
+            <a:extLst>
+              <a:ext uri="{FF2B5EF4-FFF2-40B4-BE49-F238E27FC236}">
+                <a16:creationId xmlns:a16="http://schemas.microsoft.com/office/drawing/2014/main" id="{A36FD602-DA2B-4444-9055-A8FA61CA3158}"/>
+              </a:ext>
+            </a:extLst>
+          </p:cNvPr>
+          <p:cNvSpPr>
+            <a:spLocks noGrp="1"/>
+          </p:cNvSpPr>
+          <p:nvPr>
+            <p:ph type="sldNum" sz="quarter" idx="12"/>
+          </p:nvPr>
+        </p:nvSpPr>
+        <p:spPr/>
+        <p:txBody>
+          <a:bodyPr/>
+          <a:lstStyle/>
+          <a:p>
+            <a:fld id="{0A297500-7527-634B-90F4-69D0994C32B4}" type="slidenum">
+              <a:rPr lang="nl-NL" smtClean="0"/>
+              <a:t>14</a:t>
+            </a:fld>
+            <a:endParaRPr lang="nl-NL"/>
+          </a:p>
+        </p:txBody>
+      </p:sp>
+      <p:sp>
+        <p:nvSpPr>
+          <p:cNvPr id="5" name="Titel 4">
+            <a:extLst>
+              <a:ext uri="{FF2B5EF4-FFF2-40B4-BE49-F238E27FC236}">
+                <a16:creationId xmlns:a16="http://schemas.microsoft.com/office/drawing/2014/main" id="{5FC96F9B-0EAB-4D46-8ACB-5E9AB3D673FD}"/>
+              </a:ext>
+            </a:extLst>
+          </p:cNvPr>
+          <p:cNvSpPr>
+            <a:spLocks noGrp="1"/>
+          </p:cNvSpPr>
+          <p:nvPr>
+            <p:ph type="title"/>
+          </p:nvPr>
+        </p:nvSpPr>
+        <p:spPr/>
+        <p:txBody>
+          <a:bodyPr/>
+          <a:lstStyle/>
+          <a:p>
+            <a:r>
+              <a:rPr lang="nl-NL" dirty="0">
+                <a:latin typeface="Arial"/>
+                <a:cs typeface="Arial"/>
+              </a:rPr>
+              <a:t>Carbon nanotubes </a:t>
+            </a:r>
+            <a:r>
+              <a:rPr lang="nl-NL" dirty="0" err="1">
+                <a:latin typeface="Arial"/>
+                <a:cs typeface="Arial"/>
+              </a:rPr>
+              <a:t>toxicity</a:t>
+            </a:r>
+            <a:endParaRPr lang="nl-NL" dirty="0" err="1"/>
+          </a:p>
+        </p:txBody>
+      </p:sp>
+    </p:spTree>
+    <p:extLst>
+      <p:ext uri="{BB962C8B-B14F-4D97-AF65-F5344CB8AC3E}">
+        <p14:creationId xmlns:p14="http://schemas.microsoft.com/office/powerpoint/2010/main" val="2378055094"/>
+      </p:ext>
+    </p:extLst>
+  </p:cSld>
+  <p:clrMapOvr>
+    <a:masterClrMapping/>
+  </p:clrMapOvr>
+</p:sld>
+</file>
+
+<file path=ppt/slides/slide15.xml><?xml version="1.0" encoding="utf-8"?>
+<p:sld xmlns:a="http://schemas.openxmlformats.org/drawingml/2006/main" xmlns:r="http://schemas.openxmlformats.org/officeDocument/2006/relationships" xmlns:p="http://schemas.openxmlformats.org/presentationml/2006/main">
+  <p:cSld>
+    <p:spTree>
+      <p:nvGrpSpPr>
+        <p:cNvPr id="1" name=""/>
+        <p:cNvGrpSpPr/>
+        <p:nvPr/>
+      </p:nvGrpSpPr>
+      <p:grpSpPr>
+        <a:xfrm>
+          <a:off x="0" y="0"/>
+          <a:ext cx="0" cy="0"/>
+          <a:chOff x="0" y="0"/>
+          <a:chExt cx="0" cy="0"/>
+        </a:xfrm>
+      </p:grpSpPr>
+      <p:sp>
+        <p:nvSpPr>
+          <p:cNvPr id="2" name="Tijdelijke aanduiding voor inhoud 1">
+            <a:extLst>
+              <a:ext uri="{FF2B5EF4-FFF2-40B4-BE49-F238E27FC236}">
+                <a16:creationId xmlns:a16="http://schemas.microsoft.com/office/drawing/2014/main" id="{721A5729-C616-4F93-8B09-C92FF8EDF40A}"/>
+              </a:ext>
+            </a:extLst>
+          </p:cNvPr>
+          <p:cNvSpPr>
+            <a:spLocks noGrp="1"/>
+          </p:cNvSpPr>
+          <p:nvPr>
+            <p:ph idx="1"/>
+          </p:nvPr>
+        </p:nvSpPr>
+        <p:spPr/>
+        <p:txBody>
+          <a:bodyPr vert="horz" lIns="91440" tIns="45720" rIns="91440" bIns="45720" rtlCol="0" anchor="t">
+            <a:normAutofit/>
+          </a:bodyPr>
+          <a:lstStyle/>
+          <a:p>
+            <a:r>
+              <a:rPr lang="nl-NL" dirty="0" err="1">
+                <a:latin typeface="Arial"/>
+                <a:cs typeface="Arial"/>
+              </a:rPr>
+              <a:t>When</a:t>
+            </a:r>
+            <a:r>
+              <a:rPr lang="nl-NL" dirty="0">
+                <a:latin typeface="Arial"/>
+                <a:cs typeface="Arial"/>
+              </a:rPr>
+              <a:t> first </a:t>
+            </a:r>
+            <a:r>
+              <a:rPr lang="nl-NL" dirty="0" err="1">
+                <a:latin typeface="Arial"/>
+                <a:cs typeface="Arial"/>
+              </a:rPr>
+              <a:t>exposed</a:t>
+            </a:r>
+            <a:r>
+              <a:rPr lang="nl-NL" dirty="0">
+                <a:latin typeface="Arial"/>
+                <a:cs typeface="Arial"/>
+              </a:rPr>
+              <a:t> </a:t>
+            </a:r>
+            <a:r>
+              <a:rPr lang="nl-NL" dirty="0" err="1">
+                <a:latin typeface="Arial"/>
+                <a:cs typeface="Arial"/>
+              </a:rPr>
+              <a:t>to</a:t>
+            </a:r>
+            <a:r>
+              <a:rPr lang="nl-NL" dirty="0">
+                <a:latin typeface="Arial"/>
+                <a:cs typeface="Arial"/>
+              </a:rPr>
+              <a:t> low doses of </a:t>
+            </a:r>
+            <a:r>
+              <a:rPr lang="nl-NL" dirty="0" err="1">
+                <a:latin typeface="Arial"/>
+                <a:cs typeface="Arial"/>
+              </a:rPr>
+              <a:t>toxic</a:t>
+            </a:r>
+            <a:r>
+              <a:rPr lang="nl-NL" dirty="0">
+                <a:latin typeface="Arial"/>
+                <a:cs typeface="Arial"/>
+              </a:rPr>
+              <a:t> </a:t>
+            </a:r>
+            <a:r>
+              <a:rPr lang="nl-NL" dirty="0" err="1">
+                <a:latin typeface="Arial"/>
+                <a:cs typeface="Arial"/>
+              </a:rPr>
+              <a:t>nanoparticles</a:t>
+            </a:r>
+            <a:r>
+              <a:rPr lang="nl-NL" dirty="0">
+                <a:latin typeface="Arial"/>
+                <a:cs typeface="Arial"/>
+              </a:rPr>
+              <a:t> </a:t>
+            </a:r>
+            <a:r>
+              <a:rPr lang="nl-NL" dirty="0" err="1">
+                <a:latin typeface="Arial"/>
+                <a:cs typeface="Arial"/>
+              </a:rPr>
+              <a:t>for</a:t>
+            </a:r>
+            <a:r>
+              <a:rPr lang="nl-NL" dirty="0">
+                <a:latin typeface="Arial"/>
+                <a:cs typeface="Arial"/>
+              </a:rPr>
+              <a:t> a </a:t>
+            </a:r>
+            <a:r>
+              <a:rPr lang="nl-NL" dirty="0" err="1">
+                <a:latin typeface="Arial"/>
+                <a:cs typeface="Arial"/>
+              </a:rPr>
+              <a:t>period</a:t>
+            </a:r>
+            <a:r>
+              <a:rPr lang="nl-NL" dirty="0">
+                <a:latin typeface="Arial"/>
+                <a:cs typeface="Arial"/>
+              </a:rPr>
+              <a:t> of time, </a:t>
+            </a:r>
+            <a:r>
+              <a:rPr lang="nl-NL" dirty="0" err="1">
+                <a:latin typeface="Arial"/>
+                <a:cs typeface="Arial"/>
+              </a:rPr>
+              <a:t>there</a:t>
+            </a:r>
+            <a:r>
+              <a:rPr lang="nl-NL" dirty="0">
+                <a:latin typeface="Arial"/>
+                <a:cs typeface="Arial"/>
+              </a:rPr>
+              <a:t> is </a:t>
+            </a:r>
+            <a:r>
+              <a:rPr lang="nl-NL" dirty="0" err="1">
+                <a:latin typeface="Arial"/>
+                <a:cs typeface="Arial"/>
+              </a:rPr>
+              <a:t>not</a:t>
+            </a:r>
+            <a:r>
+              <a:rPr lang="nl-NL" dirty="0">
+                <a:latin typeface="Arial"/>
+                <a:cs typeface="Arial"/>
+              </a:rPr>
+              <a:t> </a:t>
+            </a:r>
+            <a:r>
+              <a:rPr lang="nl-NL" dirty="0" err="1">
+                <a:latin typeface="Arial"/>
+                <a:cs typeface="Arial"/>
+              </a:rPr>
+              <a:t>such</a:t>
+            </a:r>
+            <a:r>
+              <a:rPr lang="nl-NL" dirty="0">
+                <a:latin typeface="Arial"/>
+                <a:cs typeface="Arial"/>
+              </a:rPr>
+              <a:t> a heavy </a:t>
+            </a:r>
+            <a:r>
+              <a:rPr lang="nl-NL" dirty="0" err="1">
+                <a:latin typeface="Arial"/>
+                <a:cs typeface="Arial"/>
+              </a:rPr>
+              <a:t>reaction</a:t>
+            </a:r>
+            <a:r>
+              <a:rPr lang="nl-NL" dirty="0">
+                <a:latin typeface="Arial"/>
+                <a:cs typeface="Arial"/>
+              </a:rPr>
+              <a:t> </a:t>
+            </a:r>
+            <a:r>
+              <a:rPr lang="nl-NL" dirty="0" err="1">
+                <a:latin typeface="Arial"/>
+                <a:cs typeface="Arial"/>
+              </a:rPr>
+              <a:t>to</a:t>
+            </a:r>
+            <a:r>
+              <a:rPr lang="nl-NL" dirty="0">
+                <a:latin typeface="Arial"/>
+                <a:cs typeface="Arial"/>
+              </a:rPr>
+              <a:t> a high </a:t>
+            </a:r>
+            <a:r>
+              <a:rPr lang="nl-NL" dirty="0" err="1">
+                <a:latin typeface="Arial"/>
+                <a:cs typeface="Arial"/>
+              </a:rPr>
+              <a:t>dose</a:t>
+            </a:r>
+          </a:p>
+          <a:p>
+            <a:r>
+              <a:rPr lang="nl-NL" dirty="0" err="1">
+                <a:latin typeface="Arial"/>
+                <a:cs typeface="Arial"/>
+              </a:rPr>
+              <a:t>Habituation</a:t>
+            </a:r>
+            <a:r>
+              <a:rPr lang="nl-NL" dirty="0">
+                <a:latin typeface="Arial"/>
+                <a:cs typeface="Arial"/>
+              </a:rPr>
+              <a:t> </a:t>
+            </a:r>
+            <a:r>
+              <a:rPr lang="nl-NL" dirty="0" err="1">
+                <a:latin typeface="Arial"/>
+                <a:cs typeface="Arial"/>
+              </a:rPr>
+              <a:t>to</a:t>
+            </a:r>
+            <a:r>
+              <a:rPr lang="nl-NL" dirty="0">
+                <a:latin typeface="Arial"/>
+                <a:cs typeface="Arial"/>
+              </a:rPr>
+              <a:t> </a:t>
+            </a:r>
+            <a:r>
+              <a:rPr lang="nl-NL" dirty="0" err="1">
+                <a:latin typeface="Arial"/>
+                <a:cs typeface="Arial"/>
+              </a:rPr>
+              <a:t>the</a:t>
+            </a:r>
+            <a:r>
+              <a:rPr lang="nl-NL" dirty="0">
+                <a:latin typeface="Arial"/>
+                <a:cs typeface="Arial"/>
+              </a:rPr>
+              <a:t> </a:t>
+            </a:r>
+            <a:r>
+              <a:rPr lang="nl-NL" dirty="0" err="1">
+                <a:latin typeface="Arial"/>
+                <a:cs typeface="Arial"/>
+              </a:rPr>
+              <a:t>nanoparticles</a:t>
+            </a:r>
+          </a:p>
+          <a:p>
+            <a:r>
+              <a:rPr lang="nl-NL" dirty="0">
+                <a:latin typeface="Arial"/>
+                <a:cs typeface="Arial"/>
+              </a:rPr>
+              <a:t>White </a:t>
+            </a:r>
+            <a:r>
+              <a:rPr lang="nl-NL" dirty="0" err="1">
+                <a:latin typeface="Arial"/>
+                <a:cs typeface="Arial"/>
+              </a:rPr>
+              <a:t>bloodcells</a:t>
+            </a:r>
+            <a:r>
+              <a:rPr lang="nl-NL" dirty="0">
+                <a:latin typeface="Arial"/>
+                <a:cs typeface="Arial"/>
+              </a:rPr>
+              <a:t> </a:t>
+            </a:r>
+            <a:r>
+              <a:rPr lang="nl-NL" dirty="0" err="1">
+                <a:latin typeface="Arial"/>
+                <a:cs typeface="Arial"/>
+              </a:rPr>
+              <a:t>fight</a:t>
+            </a:r>
+            <a:r>
+              <a:rPr lang="nl-NL" dirty="0">
+                <a:latin typeface="Arial"/>
+                <a:cs typeface="Arial"/>
+              </a:rPr>
+              <a:t> more </a:t>
+            </a:r>
+            <a:r>
+              <a:rPr lang="nl-NL" dirty="0" err="1">
+                <a:latin typeface="Arial"/>
+                <a:cs typeface="Arial"/>
+              </a:rPr>
+              <a:t>effectively</a:t>
+            </a:r>
+            <a:r>
+              <a:rPr lang="nl-NL" dirty="0">
+                <a:latin typeface="Arial"/>
+                <a:cs typeface="Arial"/>
+              </a:rPr>
+              <a:t> </a:t>
+            </a:r>
+            <a:r>
+              <a:rPr lang="nl-NL" dirty="0" err="1">
+                <a:latin typeface="Arial"/>
+                <a:cs typeface="Arial"/>
+              </a:rPr>
+              <a:t>against</a:t>
+            </a:r>
+            <a:r>
+              <a:rPr lang="nl-NL" dirty="0">
+                <a:latin typeface="Arial"/>
+                <a:cs typeface="Arial"/>
+              </a:rPr>
+              <a:t> </a:t>
+            </a:r>
+            <a:r>
+              <a:rPr lang="nl-NL" dirty="0" err="1">
+                <a:latin typeface="Arial"/>
+                <a:cs typeface="Arial"/>
+              </a:rPr>
+              <a:t>the</a:t>
+            </a:r>
+            <a:r>
+              <a:rPr lang="nl-NL" dirty="0">
+                <a:latin typeface="Arial"/>
+                <a:cs typeface="Arial"/>
+              </a:rPr>
+              <a:t> </a:t>
+            </a:r>
+            <a:r>
+              <a:rPr lang="nl-NL" dirty="0" err="1">
+                <a:latin typeface="Arial"/>
+                <a:cs typeface="Arial"/>
+              </a:rPr>
+              <a:t>nanoparticles</a:t>
+            </a:r>
+          </a:p>
+        </p:txBody>
+      </p:sp>
+      <p:sp>
+        <p:nvSpPr>
+          <p:cNvPr id="3" name="Tijdelijke aanduiding voor voettekst 2">
+            <a:extLst>
+              <a:ext uri="{FF2B5EF4-FFF2-40B4-BE49-F238E27FC236}">
+                <a16:creationId xmlns:a16="http://schemas.microsoft.com/office/drawing/2014/main" id="{06916B37-3C8E-4EC9-8FE4-8DD4817638D8}"/>
+              </a:ext>
+            </a:extLst>
+          </p:cNvPr>
+          <p:cNvSpPr>
+            <a:spLocks noGrp="1"/>
+          </p:cNvSpPr>
+          <p:nvPr>
+            <p:ph type="ftr" sz="quarter" idx="11"/>
+          </p:nvPr>
+        </p:nvSpPr>
+        <p:spPr/>
+        <p:txBody>
+          <a:bodyPr/>
+          <a:lstStyle/>
+          <a:p>
+            <a:r>
+              <a:rPr lang="nl-NL"/>
+              <a:t>Faculteit, departement, dienst …</a:t>
+            </a:r>
+          </a:p>
+        </p:txBody>
+      </p:sp>
+      <p:sp>
+        <p:nvSpPr>
+          <p:cNvPr id="4" name="Tijdelijke aanduiding voor dianummer 3">
+            <a:extLst>
+              <a:ext uri="{FF2B5EF4-FFF2-40B4-BE49-F238E27FC236}">
+                <a16:creationId xmlns:a16="http://schemas.microsoft.com/office/drawing/2014/main" id="{13EA7261-D7F6-4212-BEDB-9D745C53E279}"/>
+              </a:ext>
+            </a:extLst>
+          </p:cNvPr>
+          <p:cNvSpPr>
+            <a:spLocks noGrp="1"/>
+          </p:cNvSpPr>
+          <p:nvPr>
+            <p:ph type="sldNum" sz="quarter" idx="12"/>
+          </p:nvPr>
+        </p:nvSpPr>
+        <p:spPr/>
+        <p:txBody>
+          <a:bodyPr/>
+          <a:lstStyle/>
+          <a:p>
+            <a:fld id="{0A297500-7527-634B-90F4-69D0994C32B4}" type="slidenum">
+              <a:rPr lang="nl-NL" smtClean="0"/>
+              <a:t>15</a:t>
+            </a:fld>
+            <a:endParaRPr lang="nl-NL"/>
+          </a:p>
+        </p:txBody>
+      </p:sp>
+      <p:sp>
+        <p:nvSpPr>
+          <p:cNvPr id="5" name="Titel 4">
+            <a:extLst>
+              <a:ext uri="{FF2B5EF4-FFF2-40B4-BE49-F238E27FC236}">
+                <a16:creationId xmlns:a16="http://schemas.microsoft.com/office/drawing/2014/main" id="{F658AC8F-95AF-4A4D-8B08-5879153C0505}"/>
+              </a:ext>
+            </a:extLst>
+          </p:cNvPr>
+          <p:cNvSpPr>
+            <a:spLocks noGrp="1"/>
+          </p:cNvSpPr>
+          <p:nvPr>
+            <p:ph type="title"/>
+          </p:nvPr>
+        </p:nvSpPr>
+        <p:spPr/>
+        <p:txBody>
+          <a:bodyPr/>
+          <a:lstStyle/>
+          <a:p>
+            <a:r>
+              <a:rPr lang="nl-NL" dirty="0">
+                <a:cs typeface="Arial"/>
+              </a:rPr>
+              <a:t>Adaptation </a:t>
+            </a:r>
+            <a:r>
+              <a:rPr lang="nl-NL" dirty="0" err="1">
+                <a:cs typeface="Arial"/>
+              </a:rPr>
+              <a:t>to</a:t>
+            </a:r>
+            <a:r>
+              <a:rPr lang="nl-NL" dirty="0">
+                <a:cs typeface="Arial"/>
+              </a:rPr>
+              <a:t> </a:t>
+            </a:r>
+            <a:r>
+              <a:rPr lang="nl-NL" dirty="0" err="1">
+                <a:cs typeface="Arial"/>
+              </a:rPr>
+              <a:t>nanoparticles</a:t>
+            </a:r>
+            <a:endParaRPr lang="nl-NL" dirty="0" err="1"/>
+          </a:p>
+        </p:txBody>
+      </p:sp>
+    </p:spTree>
+    <p:extLst>
+      <p:ext uri="{BB962C8B-B14F-4D97-AF65-F5344CB8AC3E}">
+        <p14:creationId xmlns:p14="http://schemas.microsoft.com/office/powerpoint/2010/main" val="2131421154"/>
       </p:ext>
     </p:extLst>
   </p:cSld>
@@ -11525,6 +14160,207 @@
       <p:bldP spid="9" grpId="0"/>
     </p:bldLst>
   </p:timing>
+</p:sld>
+</file>
+
+<file path=ppt/slides/slide9.xml><?xml version="1.0" encoding="utf-8"?>
+<p:sld xmlns:a="http://schemas.openxmlformats.org/drawingml/2006/main" xmlns:r="http://schemas.openxmlformats.org/officeDocument/2006/relationships" xmlns:p="http://schemas.openxmlformats.org/presentationml/2006/main">
+  <p:cSld>
+    <p:spTree>
+      <p:nvGrpSpPr>
+        <p:cNvPr id="1" name=""/>
+        <p:cNvGrpSpPr/>
+        <p:nvPr/>
+      </p:nvGrpSpPr>
+      <p:grpSpPr>
+        <a:xfrm>
+          <a:off x="0" y="0"/>
+          <a:ext cx="0" cy="0"/>
+          <a:chOff x="0" y="0"/>
+          <a:chExt cx="0" cy="0"/>
+        </a:xfrm>
+      </p:grpSpPr>
+      <p:sp>
+        <p:nvSpPr>
+          <p:cNvPr id="2" name="Titel 1">
+            <a:extLst>
+              <a:ext uri="{FF2B5EF4-FFF2-40B4-BE49-F238E27FC236}">
+                <a16:creationId xmlns:a16="http://schemas.microsoft.com/office/drawing/2014/main" id="{069A9DF7-0F9D-4549-B4E3-66F98F66FF7B}"/>
+              </a:ext>
+            </a:extLst>
+          </p:cNvPr>
+          <p:cNvSpPr>
+            <a:spLocks noGrp="1"/>
+          </p:cNvSpPr>
+          <p:nvPr>
+            <p:ph type="title"/>
+          </p:nvPr>
+        </p:nvSpPr>
+        <p:spPr/>
+        <p:txBody>
+          <a:bodyPr/>
+          <a:lstStyle/>
+          <a:p>
+            <a:r>
+              <a:rPr lang="nl-NL" dirty="0">
+                <a:latin typeface="Arial"/>
+                <a:cs typeface="Arial"/>
+              </a:rPr>
+              <a:t>Parameters </a:t>
+            </a:r>
+            <a:r>
+              <a:rPr lang="nl-NL" dirty="0" err="1">
+                <a:latin typeface="Arial"/>
+                <a:cs typeface="Arial"/>
+              </a:rPr>
+              <a:t>influcencing</a:t>
+            </a:r>
+            <a:r>
+              <a:rPr lang="nl-NL" dirty="0">
+                <a:latin typeface="Arial"/>
+                <a:cs typeface="Arial"/>
+              </a:rPr>
+              <a:t> </a:t>
+            </a:r>
+            <a:r>
+              <a:rPr lang="nl-NL" dirty="0" err="1">
+                <a:latin typeface="Arial"/>
+                <a:cs typeface="Arial"/>
+              </a:rPr>
+              <a:t>toxicity</a:t>
+            </a:r>
+            <a:endParaRPr lang="nl-NL" dirty="0" err="1"/>
+          </a:p>
+        </p:txBody>
+      </p:sp>
+      <p:sp>
+        <p:nvSpPr>
+          <p:cNvPr id="3" name="Tijdelijke aanduiding voor tekst 2">
+            <a:extLst>
+              <a:ext uri="{FF2B5EF4-FFF2-40B4-BE49-F238E27FC236}">
+                <a16:creationId xmlns:a16="http://schemas.microsoft.com/office/drawing/2014/main" id="{0765C0FE-D1DD-43F6-A1E8-FF2D7256F7B0}"/>
+              </a:ext>
+            </a:extLst>
+          </p:cNvPr>
+          <p:cNvSpPr>
+            <a:spLocks noGrp="1"/>
+          </p:cNvSpPr>
+          <p:nvPr>
+            <p:ph type="body" idx="1"/>
+          </p:nvPr>
+        </p:nvSpPr>
+        <p:spPr/>
+        <p:txBody>
+          <a:bodyPr/>
+          <a:lstStyle/>
+          <a:p>
+            <a:endParaRPr lang="nl-NL"/>
+          </a:p>
+        </p:txBody>
+      </p:sp>
+      <p:sp>
+        <p:nvSpPr>
+          <p:cNvPr id="4" name="Tijdelijke aanduiding voor voettekst 3">
+            <a:extLst>
+              <a:ext uri="{FF2B5EF4-FFF2-40B4-BE49-F238E27FC236}">
+                <a16:creationId xmlns:a16="http://schemas.microsoft.com/office/drawing/2014/main" id="{E63340FA-5B57-4924-A4D1-10B8E5D14A4C}"/>
+              </a:ext>
+            </a:extLst>
+          </p:cNvPr>
+          <p:cNvSpPr>
+            <a:spLocks noGrp="1"/>
+          </p:cNvSpPr>
+          <p:nvPr>
+            <p:ph type="ftr" sz="quarter" idx="11"/>
+          </p:nvPr>
+        </p:nvSpPr>
+        <p:spPr/>
+        <p:txBody>
+          <a:bodyPr/>
+          <a:lstStyle/>
+          <a:p>
+            <a:r>
+              <a:rPr lang="nl-NL"/>
+              <a:t>Faculteit, departement, dienst …</a:t>
+            </a:r>
+          </a:p>
+        </p:txBody>
+      </p:sp>
+      <p:sp>
+        <p:nvSpPr>
+          <p:cNvPr id="5" name="Tijdelijke aanduiding voor dianummer 4">
+            <a:extLst>
+              <a:ext uri="{FF2B5EF4-FFF2-40B4-BE49-F238E27FC236}">
+                <a16:creationId xmlns:a16="http://schemas.microsoft.com/office/drawing/2014/main" id="{74B25947-9FBD-4735-9AE1-ED393740821F}"/>
+              </a:ext>
+            </a:extLst>
+          </p:cNvPr>
+          <p:cNvSpPr>
+            <a:spLocks noGrp="1"/>
+          </p:cNvSpPr>
+          <p:nvPr>
+            <p:ph type="sldNum" sz="quarter" idx="12"/>
+          </p:nvPr>
+        </p:nvSpPr>
+        <p:spPr/>
+        <p:txBody>
+          <a:bodyPr/>
+          <a:lstStyle/>
+          <a:p>
+            <a:fld id="{0A297500-7527-634B-90F4-69D0994C32B4}" type="slidenum">
+              <a:rPr lang="nl-NL" smtClean="0"/>
+              <a:t>9</a:t>
+            </a:fld>
+            <a:endParaRPr lang="nl-NL"/>
+          </a:p>
+        </p:txBody>
+      </p:sp>
+      <p:sp>
+        <p:nvSpPr>
+          <p:cNvPr id="6" name="Tijdelijke aanduiding voor afbeelding 5">
+            <a:extLst>
+              <a:ext uri="{FF2B5EF4-FFF2-40B4-BE49-F238E27FC236}">
+                <a16:creationId xmlns:a16="http://schemas.microsoft.com/office/drawing/2014/main" id="{5275FCF6-597C-42C7-8DFD-B54FDE863E6B}"/>
+              </a:ext>
+            </a:extLst>
+          </p:cNvPr>
+          <p:cNvSpPr>
+            <a:spLocks noGrp="1"/>
+          </p:cNvSpPr>
+          <p:nvPr>
+            <p:ph type="pic" sz="quarter" idx="13"/>
+          </p:nvPr>
+        </p:nvSpPr>
+        <p:spPr/>
+      </p:sp>
+      <p:sp>
+        <p:nvSpPr>
+          <p:cNvPr id="7" name="Tijdelijke aanduiding voor afbeelding 6">
+            <a:extLst>
+              <a:ext uri="{FF2B5EF4-FFF2-40B4-BE49-F238E27FC236}">
+                <a16:creationId xmlns:a16="http://schemas.microsoft.com/office/drawing/2014/main" id="{8EE963F9-2796-4544-B389-0EF584315BE6}"/>
+              </a:ext>
+            </a:extLst>
+          </p:cNvPr>
+          <p:cNvSpPr>
+            <a:spLocks noGrp="1"/>
+          </p:cNvSpPr>
+          <p:nvPr>
+            <p:ph type="pic" sz="quarter" idx="14"/>
+          </p:nvPr>
+        </p:nvSpPr>
+        <p:spPr/>
+      </p:sp>
+    </p:spTree>
+    <p:extLst>
+      <p:ext uri="{BB962C8B-B14F-4D97-AF65-F5344CB8AC3E}">
+        <p14:creationId xmlns:p14="http://schemas.microsoft.com/office/powerpoint/2010/main" val="1103729882"/>
+      </p:ext>
+    </p:extLst>
+  </p:cSld>
+  <p:clrMapOvr>
+    <a:masterClrMapping/>
+  </p:clrMapOvr>
 </p:sld>
 </file>
 

--- a/NanoparticleToxicity.pptx
+++ b/NanoparticleToxicity.pptx
@@ -7076,278 +7076,6 @@
   <p:clrMapOvr>
     <a:masterClrMapping/>
   </p:clrMapOvr>
-  <p:timing>
-    <p:tnLst>
-      <p:par>
-        <p:cTn id="1" dur="indefinite" restart="never" nodeType="tmRoot">
-          <p:childTnLst>
-            <p:seq concurrent="1" nextAc="seek">
-              <p:cTn id="2" dur="indefinite" nodeType="mainSeq">
-                <p:childTnLst>
-                  <p:par>
-                    <p:cTn id="3" fill="hold">
-                      <p:stCondLst>
-                        <p:cond delay="indefinite"/>
-                        <p:cond evt="onBegin" delay="0">
-                          <p:tn val="2"/>
-                        </p:cond>
-                      </p:stCondLst>
-                      <p:childTnLst>
-                        <p:par>
-                          <p:cTn id="4" fill="hold">
-                            <p:stCondLst>
-                              <p:cond delay="0"/>
-                            </p:stCondLst>
-                            <p:childTnLst>
-                              <p:par>
-                                <p:cTn id="5" presetID="10" presetClass="entr" presetSubtype="0" fill="hold" grpId="0" nodeType="afterEffect">
-                                  <p:stCondLst>
-                                    <p:cond delay="0"/>
-                                  </p:stCondLst>
-                                  <p:childTnLst>
-                                    <p:set>
-                                      <p:cBhvr>
-                                        <p:cTn id="6" dur="1" fill="hold">
-                                          <p:stCondLst>
-                                            <p:cond delay="0"/>
-                                          </p:stCondLst>
-                                        </p:cTn>
-                                        <p:tgtEl>
-                                          <p:spTgt spid="9"/>
-                                        </p:tgtEl>
-                                        <p:attrNameLst>
-                                          <p:attrName>style.visibility</p:attrName>
-                                        </p:attrNameLst>
-                                      </p:cBhvr>
-                                      <p:to>
-                                        <p:strVal val="visible"/>
-                                      </p:to>
-                                    </p:set>
-                                    <p:animEffect transition="in" filter="fade">
-                                      <p:cBhvr>
-                                        <p:cTn id="7" dur="500"/>
-                                        <p:tgtEl>
-                                          <p:spTgt spid="9"/>
-                                        </p:tgtEl>
-                                      </p:cBhvr>
-                                    </p:animEffect>
-                                  </p:childTnLst>
-                                </p:cTn>
-                              </p:par>
-                            </p:childTnLst>
-                          </p:cTn>
-                        </p:par>
-                      </p:childTnLst>
-                    </p:cTn>
-                  </p:par>
-                  <p:par>
-                    <p:cTn id="8" fill="hold">
-                      <p:stCondLst>
-                        <p:cond delay="indefinite"/>
-                      </p:stCondLst>
-                      <p:childTnLst>
-                        <p:par>
-                          <p:cTn id="9" fill="hold">
-                            <p:stCondLst>
-                              <p:cond delay="0"/>
-                            </p:stCondLst>
-                            <p:childTnLst>
-                              <p:par>
-                                <p:cTn id="10" presetID="10" presetClass="entr" presetSubtype="0" fill="hold" nodeType="clickEffect">
-                                  <p:stCondLst>
-                                    <p:cond delay="0"/>
-                                  </p:stCondLst>
-                                  <p:childTnLst>
-                                    <p:set>
-                                      <p:cBhvr>
-                                        <p:cTn id="11" dur="1" fill="hold">
-                                          <p:stCondLst>
-                                            <p:cond delay="0"/>
-                                          </p:stCondLst>
-                                        </p:cTn>
-                                        <p:tgtEl>
-                                          <p:spTgt spid="8">
-                                            <p:txEl>
-                                              <p:pRg st="0" end="0"/>
-                                            </p:txEl>
-                                          </p:spTgt>
-                                        </p:tgtEl>
-                                        <p:attrNameLst>
-                                          <p:attrName>style.visibility</p:attrName>
-                                        </p:attrNameLst>
-                                      </p:cBhvr>
-                                      <p:to>
-                                        <p:strVal val="visible"/>
-                                      </p:to>
-                                    </p:set>
-                                    <p:animEffect transition="in" filter="fade">
-                                      <p:cBhvr>
-                                        <p:cTn id="12" dur="500"/>
-                                        <p:tgtEl>
-                                          <p:spTgt spid="8">
-                                            <p:txEl>
-                                              <p:pRg st="0" end="0"/>
-                                            </p:txEl>
-                                          </p:spTgt>
-                                        </p:tgtEl>
-                                      </p:cBhvr>
-                                    </p:animEffect>
-                                  </p:childTnLst>
-                                </p:cTn>
-                              </p:par>
-                            </p:childTnLst>
-                          </p:cTn>
-                        </p:par>
-                      </p:childTnLst>
-                    </p:cTn>
-                  </p:par>
-                  <p:par>
-                    <p:cTn id="13" fill="hold">
-                      <p:stCondLst>
-                        <p:cond delay="indefinite"/>
-                      </p:stCondLst>
-                      <p:childTnLst>
-                        <p:par>
-                          <p:cTn id="14" fill="hold">
-                            <p:stCondLst>
-                              <p:cond delay="0"/>
-                            </p:stCondLst>
-                            <p:childTnLst>
-                              <p:par>
-                                <p:cTn id="15" presetID="10" presetClass="entr" presetSubtype="0" fill="hold" nodeType="clickEffect">
-                                  <p:stCondLst>
-                                    <p:cond delay="0"/>
-                                  </p:stCondLst>
-                                  <p:childTnLst>
-                                    <p:set>
-                                      <p:cBhvr>
-                                        <p:cTn id="16" dur="1" fill="hold">
-                                          <p:stCondLst>
-                                            <p:cond delay="0"/>
-                                          </p:stCondLst>
-                                        </p:cTn>
-                                        <p:tgtEl>
-                                          <p:spTgt spid="8">
-                                            <p:txEl>
-                                              <p:pRg st="1" end="1"/>
-                                            </p:txEl>
-                                          </p:spTgt>
-                                        </p:tgtEl>
-                                        <p:attrNameLst>
-                                          <p:attrName>style.visibility</p:attrName>
-                                        </p:attrNameLst>
-                                      </p:cBhvr>
-                                      <p:to>
-                                        <p:strVal val="visible"/>
-                                      </p:to>
-                                    </p:set>
-                                    <p:animEffect transition="in" filter="fade">
-                                      <p:cBhvr>
-                                        <p:cTn id="17" dur="500"/>
-                                        <p:tgtEl>
-                                          <p:spTgt spid="8">
-                                            <p:txEl>
-                                              <p:pRg st="1" end="1"/>
-                                            </p:txEl>
-                                          </p:spTgt>
-                                        </p:tgtEl>
-                                      </p:cBhvr>
-                                    </p:animEffect>
-                                  </p:childTnLst>
-                                </p:cTn>
-                              </p:par>
-                            </p:childTnLst>
-                          </p:cTn>
-                        </p:par>
-                      </p:childTnLst>
-                    </p:cTn>
-                  </p:par>
-                  <p:par>
-                    <p:cTn id="18" fill="hold">
-                      <p:stCondLst>
-                        <p:cond delay="indefinite"/>
-                      </p:stCondLst>
-                      <p:childTnLst>
-                        <p:par>
-                          <p:cTn id="19" fill="hold">
-                            <p:stCondLst>
-                              <p:cond delay="0"/>
-                            </p:stCondLst>
-                            <p:childTnLst>
-                              <p:par>
-                                <p:cTn id="20" presetID="10" presetClass="entr" presetSubtype="0" fill="hold" nodeType="clickEffect">
-                                  <p:stCondLst>
-                                    <p:cond delay="0"/>
-                                  </p:stCondLst>
-                                  <p:childTnLst>
-                                    <p:set>
-                                      <p:cBhvr>
-                                        <p:cTn id="21" dur="1" fill="hold">
-                                          <p:stCondLst>
-                                            <p:cond delay="0"/>
-                                          </p:stCondLst>
-                                        </p:cTn>
-                                        <p:tgtEl>
-                                          <p:spTgt spid="8">
-                                            <p:txEl>
-                                              <p:pRg st="2" end="2"/>
-                                            </p:txEl>
-                                          </p:spTgt>
-                                        </p:tgtEl>
-                                        <p:attrNameLst>
-                                          <p:attrName>style.visibility</p:attrName>
-                                        </p:attrNameLst>
-                                      </p:cBhvr>
-                                      <p:to>
-                                        <p:strVal val="visible"/>
-                                      </p:to>
-                                    </p:set>
-                                    <p:animEffect transition="in" filter="fade">
-                                      <p:cBhvr>
-                                        <p:cTn id="22" dur="500"/>
-                                        <p:tgtEl>
-                                          <p:spTgt spid="8">
-                                            <p:txEl>
-                                              <p:pRg st="2" end="2"/>
-                                            </p:txEl>
-                                          </p:spTgt>
-                                        </p:tgtEl>
-                                      </p:cBhvr>
-                                    </p:animEffect>
-                                  </p:childTnLst>
-                                </p:cTn>
-                              </p:par>
-                            </p:childTnLst>
-                          </p:cTn>
-                        </p:par>
-                      </p:childTnLst>
-                    </p:cTn>
-                  </p:par>
-                </p:childTnLst>
-              </p:cTn>
-              <p:prevCondLst>
-                <p:cond evt="onPrev" delay="0">
-                  <p:tgtEl>
-                    <p:sldTgt/>
-                  </p:tgtEl>
-                </p:cond>
-              </p:prevCondLst>
-              <p:nextCondLst>
-                <p:cond evt="onNext" delay="0">
-                  <p:tgtEl>
-                    <p:sldTgt/>
-                  </p:tgtEl>
-                </p:cond>
-              </p:nextCondLst>
-            </p:seq>
-          </p:childTnLst>
-        </p:cTn>
-      </p:par>
-    </p:tnLst>
-    <p:bldLst>
-      <p:bldP spid="9" grpId="0"/>
-    </p:bldLst>
-  </p:timing>
 </p:sld>
 </file>
 
@@ -9252,278 +8980,6 @@
   <p:clrMapOvr>
     <a:masterClrMapping/>
   </p:clrMapOvr>
-  <p:timing>
-    <p:tnLst>
-      <p:par>
-        <p:cTn id="1" dur="indefinite" restart="never" nodeType="tmRoot">
-          <p:childTnLst>
-            <p:seq concurrent="1" nextAc="seek">
-              <p:cTn id="2" dur="indefinite" nodeType="mainSeq">
-                <p:childTnLst>
-                  <p:par>
-                    <p:cTn id="3" fill="hold">
-                      <p:stCondLst>
-                        <p:cond delay="indefinite"/>
-                        <p:cond evt="onBegin" delay="0">
-                          <p:tn val="2"/>
-                        </p:cond>
-                      </p:stCondLst>
-                      <p:childTnLst>
-                        <p:par>
-                          <p:cTn id="4" fill="hold">
-                            <p:stCondLst>
-                              <p:cond delay="0"/>
-                            </p:stCondLst>
-                            <p:childTnLst>
-                              <p:par>
-                                <p:cTn id="5" presetID="10" presetClass="entr" presetSubtype="0" fill="hold" grpId="0" nodeType="afterEffect">
-                                  <p:stCondLst>
-                                    <p:cond delay="0"/>
-                                  </p:stCondLst>
-                                  <p:childTnLst>
-                                    <p:set>
-                                      <p:cBhvr>
-                                        <p:cTn id="6" dur="1" fill="hold">
-                                          <p:stCondLst>
-                                            <p:cond delay="0"/>
-                                          </p:stCondLst>
-                                        </p:cTn>
-                                        <p:tgtEl>
-                                          <p:spTgt spid="5"/>
-                                        </p:tgtEl>
-                                        <p:attrNameLst>
-                                          <p:attrName>style.visibility</p:attrName>
-                                        </p:attrNameLst>
-                                      </p:cBhvr>
-                                      <p:to>
-                                        <p:strVal val="visible"/>
-                                      </p:to>
-                                    </p:set>
-                                    <p:animEffect transition="in" filter="fade">
-                                      <p:cBhvr>
-                                        <p:cTn id="7" dur="500"/>
-                                        <p:tgtEl>
-                                          <p:spTgt spid="5"/>
-                                        </p:tgtEl>
-                                      </p:cBhvr>
-                                    </p:animEffect>
-                                  </p:childTnLst>
-                                </p:cTn>
-                              </p:par>
-                            </p:childTnLst>
-                          </p:cTn>
-                        </p:par>
-                      </p:childTnLst>
-                    </p:cTn>
-                  </p:par>
-                  <p:par>
-                    <p:cTn id="8" fill="hold">
-                      <p:stCondLst>
-                        <p:cond delay="indefinite"/>
-                      </p:stCondLst>
-                      <p:childTnLst>
-                        <p:par>
-                          <p:cTn id="9" fill="hold">
-                            <p:stCondLst>
-                              <p:cond delay="0"/>
-                            </p:stCondLst>
-                            <p:childTnLst>
-                              <p:par>
-                                <p:cTn id="10" presetID="10" presetClass="entr" presetSubtype="0" fill="hold" nodeType="clickEffect">
-                                  <p:stCondLst>
-                                    <p:cond delay="0"/>
-                                  </p:stCondLst>
-                                  <p:childTnLst>
-                                    <p:set>
-                                      <p:cBhvr>
-                                        <p:cTn id="11" dur="1" fill="hold">
-                                          <p:stCondLst>
-                                            <p:cond delay="0"/>
-                                          </p:stCondLst>
-                                        </p:cTn>
-                                        <p:tgtEl>
-                                          <p:spTgt spid="6">
-                                            <p:txEl>
-                                              <p:pRg st="1" end="1"/>
-                                            </p:txEl>
-                                          </p:spTgt>
-                                        </p:tgtEl>
-                                        <p:attrNameLst>
-                                          <p:attrName>style.visibility</p:attrName>
-                                        </p:attrNameLst>
-                                      </p:cBhvr>
-                                      <p:to>
-                                        <p:strVal val="visible"/>
-                                      </p:to>
-                                    </p:set>
-                                    <p:animEffect transition="in" filter="fade">
-                                      <p:cBhvr>
-                                        <p:cTn id="12" dur="500"/>
-                                        <p:tgtEl>
-                                          <p:spTgt spid="6">
-                                            <p:txEl>
-                                              <p:pRg st="1" end="1"/>
-                                            </p:txEl>
-                                          </p:spTgt>
-                                        </p:tgtEl>
-                                      </p:cBhvr>
-                                    </p:animEffect>
-                                  </p:childTnLst>
-                                </p:cTn>
-                              </p:par>
-                            </p:childTnLst>
-                          </p:cTn>
-                        </p:par>
-                      </p:childTnLst>
-                    </p:cTn>
-                  </p:par>
-                  <p:par>
-                    <p:cTn id="13" fill="hold">
-                      <p:stCondLst>
-                        <p:cond delay="indefinite"/>
-                      </p:stCondLst>
-                      <p:childTnLst>
-                        <p:par>
-                          <p:cTn id="14" fill="hold">
-                            <p:stCondLst>
-                              <p:cond delay="0"/>
-                            </p:stCondLst>
-                            <p:childTnLst>
-                              <p:par>
-                                <p:cTn id="15" presetID="10" presetClass="entr" presetSubtype="0" fill="hold" nodeType="clickEffect">
-                                  <p:stCondLst>
-                                    <p:cond delay="0"/>
-                                  </p:stCondLst>
-                                  <p:childTnLst>
-                                    <p:set>
-                                      <p:cBhvr>
-                                        <p:cTn id="16" dur="1" fill="hold">
-                                          <p:stCondLst>
-                                            <p:cond delay="0"/>
-                                          </p:stCondLst>
-                                        </p:cTn>
-                                        <p:tgtEl>
-                                          <p:spTgt spid="6">
-                                            <p:txEl>
-                                              <p:pRg st="3" end="3"/>
-                                            </p:txEl>
-                                          </p:spTgt>
-                                        </p:tgtEl>
-                                        <p:attrNameLst>
-                                          <p:attrName>style.visibility</p:attrName>
-                                        </p:attrNameLst>
-                                      </p:cBhvr>
-                                      <p:to>
-                                        <p:strVal val="visible"/>
-                                      </p:to>
-                                    </p:set>
-                                    <p:animEffect transition="in" filter="fade">
-                                      <p:cBhvr>
-                                        <p:cTn id="17" dur="500"/>
-                                        <p:tgtEl>
-                                          <p:spTgt spid="6">
-                                            <p:txEl>
-                                              <p:pRg st="3" end="3"/>
-                                            </p:txEl>
-                                          </p:spTgt>
-                                        </p:tgtEl>
-                                      </p:cBhvr>
-                                    </p:animEffect>
-                                  </p:childTnLst>
-                                </p:cTn>
-                              </p:par>
-                            </p:childTnLst>
-                          </p:cTn>
-                        </p:par>
-                      </p:childTnLst>
-                    </p:cTn>
-                  </p:par>
-                  <p:par>
-                    <p:cTn id="18" fill="hold">
-                      <p:stCondLst>
-                        <p:cond delay="indefinite"/>
-                      </p:stCondLst>
-                      <p:childTnLst>
-                        <p:par>
-                          <p:cTn id="19" fill="hold">
-                            <p:stCondLst>
-                              <p:cond delay="0"/>
-                            </p:stCondLst>
-                            <p:childTnLst>
-                              <p:par>
-                                <p:cTn id="20" presetID="10" presetClass="entr" presetSubtype="0" fill="hold" nodeType="clickEffect">
-                                  <p:stCondLst>
-                                    <p:cond delay="0"/>
-                                  </p:stCondLst>
-                                  <p:childTnLst>
-                                    <p:set>
-                                      <p:cBhvr>
-                                        <p:cTn id="21" dur="1" fill="hold">
-                                          <p:stCondLst>
-                                            <p:cond delay="0"/>
-                                          </p:stCondLst>
-                                        </p:cTn>
-                                        <p:tgtEl>
-                                          <p:spTgt spid="6">
-                                            <p:txEl>
-                                              <p:pRg st="5" end="5"/>
-                                            </p:txEl>
-                                          </p:spTgt>
-                                        </p:tgtEl>
-                                        <p:attrNameLst>
-                                          <p:attrName>style.visibility</p:attrName>
-                                        </p:attrNameLst>
-                                      </p:cBhvr>
-                                      <p:to>
-                                        <p:strVal val="visible"/>
-                                      </p:to>
-                                    </p:set>
-                                    <p:animEffect transition="in" filter="fade">
-                                      <p:cBhvr>
-                                        <p:cTn id="22" dur="500"/>
-                                        <p:tgtEl>
-                                          <p:spTgt spid="6">
-                                            <p:txEl>
-                                              <p:pRg st="5" end="5"/>
-                                            </p:txEl>
-                                          </p:spTgt>
-                                        </p:tgtEl>
-                                      </p:cBhvr>
-                                    </p:animEffect>
-                                  </p:childTnLst>
-                                </p:cTn>
-                              </p:par>
-                            </p:childTnLst>
-                          </p:cTn>
-                        </p:par>
-                      </p:childTnLst>
-                    </p:cTn>
-                  </p:par>
-                </p:childTnLst>
-              </p:cTn>
-              <p:prevCondLst>
-                <p:cond evt="onPrev" delay="0">
-                  <p:tgtEl>
-                    <p:sldTgt/>
-                  </p:tgtEl>
-                </p:cond>
-              </p:prevCondLst>
-              <p:nextCondLst>
-                <p:cond evt="onNext" delay="0">
-                  <p:tgtEl>
-                    <p:sldTgt/>
-                  </p:tgtEl>
-                </p:cond>
-              </p:nextCondLst>
-            </p:seq>
-          </p:childTnLst>
-        </p:cTn>
-      </p:par>
-    </p:tnLst>
-    <p:bldLst>
-      <p:bldP spid="5" grpId="0"/>
-    </p:bldLst>
-  </p:timing>
 </p:sld>
 </file>
 
@@ -10060,339 +9516,6 @@
   <p:clrMapOvr>
     <a:masterClrMapping/>
   </p:clrMapOvr>
-  <p:timing>
-    <p:tnLst>
-      <p:par>
-        <p:cTn id="1" dur="indefinite" restart="never" nodeType="tmRoot">
-          <p:childTnLst>
-            <p:seq concurrent="1" nextAc="seek">
-              <p:cTn id="2" dur="indefinite" nodeType="mainSeq">
-                <p:childTnLst>
-                  <p:par>
-                    <p:cTn id="3" fill="hold">
-                      <p:stCondLst>
-                        <p:cond delay="indefinite"/>
-                        <p:cond evt="onBegin" delay="0">
-                          <p:tn val="2"/>
-                        </p:cond>
-                      </p:stCondLst>
-                      <p:childTnLst>
-                        <p:par>
-                          <p:cTn id="4" fill="hold">
-                            <p:stCondLst>
-                              <p:cond delay="0"/>
-                            </p:stCondLst>
-                            <p:childTnLst>
-                              <p:par>
-                                <p:cTn id="5" presetID="10" presetClass="entr" presetSubtype="0" fill="hold" grpId="0" nodeType="afterEffect">
-                                  <p:stCondLst>
-                                    <p:cond delay="0"/>
-                                  </p:stCondLst>
-                                  <p:childTnLst>
-                                    <p:set>
-                                      <p:cBhvr>
-                                        <p:cTn id="6" dur="1" fill="hold">
-                                          <p:stCondLst>
-                                            <p:cond delay="0"/>
-                                          </p:stCondLst>
-                                        </p:cTn>
-                                        <p:tgtEl>
-                                          <p:spTgt spid="9"/>
-                                        </p:tgtEl>
-                                        <p:attrNameLst>
-                                          <p:attrName>style.visibility</p:attrName>
-                                        </p:attrNameLst>
-                                      </p:cBhvr>
-                                      <p:to>
-                                        <p:strVal val="visible"/>
-                                      </p:to>
-                                    </p:set>
-                                    <p:animEffect transition="in" filter="fade">
-                                      <p:cBhvr>
-                                        <p:cTn id="7" dur="500"/>
-                                        <p:tgtEl>
-                                          <p:spTgt spid="9"/>
-                                        </p:tgtEl>
-                                      </p:cBhvr>
-                                    </p:animEffect>
-                                  </p:childTnLst>
-                                </p:cTn>
-                              </p:par>
-                            </p:childTnLst>
-                          </p:cTn>
-                        </p:par>
-                      </p:childTnLst>
-                    </p:cTn>
-                  </p:par>
-                  <p:par>
-                    <p:cTn id="8" fill="hold">
-                      <p:stCondLst>
-                        <p:cond delay="indefinite"/>
-                      </p:stCondLst>
-                      <p:childTnLst>
-                        <p:par>
-                          <p:cTn id="9" fill="hold">
-                            <p:stCondLst>
-                              <p:cond delay="0"/>
-                            </p:stCondLst>
-                            <p:childTnLst>
-                              <p:par>
-                                <p:cTn id="10" presetID="10" presetClass="entr" presetSubtype="0" fill="hold" nodeType="clickEffect">
-                                  <p:stCondLst>
-                                    <p:cond delay="0"/>
-                                  </p:stCondLst>
-                                  <p:childTnLst>
-                                    <p:set>
-                                      <p:cBhvr>
-                                        <p:cTn id="11" dur="1" fill="hold">
-                                          <p:stCondLst>
-                                            <p:cond delay="0"/>
-                                          </p:stCondLst>
-                                        </p:cTn>
-                                        <p:tgtEl>
-                                          <p:spTgt spid="8">
-                                            <p:txEl>
-                                              <p:pRg st="0" end="0"/>
-                                            </p:txEl>
-                                          </p:spTgt>
-                                        </p:tgtEl>
-                                        <p:attrNameLst>
-                                          <p:attrName>style.visibility</p:attrName>
-                                        </p:attrNameLst>
-                                      </p:cBhvr>
-                                      <p:to>
-                                        <p:strVal val="visible"/>
-                                      </p:to>
-                                    </p:set>
-                                    <p:animEffect transition="in" filter="fade">
-                                      <p:cBhvr>
-                                        <p:cTn id="12" dur="500"/>
-                                        <p:tgtEl>
-                                          <p:spTgt spid="8">
-                                            <p:txEl>
-                                              <p:pRg st="0" end="0"/>
-                                            </p:txEl>
-                                          </p:spTgt>
-                                        </p:tgtEl>
-                                      </p:cBhvr>
-                                    </p:animEffect>
-                                  </p:childTnLst>
-                                </p:cTn>
-                              </p:par>
-                            </p:childTnLst>
-                          </p:cTn>
-                        </p:par>
-                      </p:childTnLst>
-                    </p:cTn>
-                  </p:par>
-                  <p:par>
-                    <p:cTn id="13" fill="hold">
-                      <p:stCondLst>
-                        <p:cond delay="indefinite"/>
-                      </p:stCondLst>
-                      <p:childTnLst>
-                        <p:par>
-                          <p:cTn id="14" fill="hold">
-                            <p:stCondLst>
-                              <p:cond delay="0"/>
-                            </p:stCondLst>
-                            <p:childTnLst>
-                              <p:par>
-                                <p:cTn id="15" presetID="10" presetClass="entr" presetSubtype="0" fill="hold" nodeType="clickEffect">
-                                  <p:stCondLst>
-                                    <p:cond delay="0"/>
-                                  </p:stCondLst>
-                                  <p:childTnLst>
-                                    <p:set>
-                                      <p:cBhvr>
-                                        <p:cTn id="16" dur="1" fill="hold">
-                                          <p:stCondLst>
-                                            <p:cond delay="0"/>
-                                          </p:stCondLst>
-                                        </p:cTn>
-                                        <p:tgtEl>
-                                          <p:spTgt spid="8">
-                                            <p:txEl>
-                                              <p:pRg st="2" end="2"/>
-                                            </p:txEl>
-                                          </p:spTgt>
-                                        </p:tgtEl>
-                                        <p:attrNameLst>
-                                          <p:attrName>style.visibility</p:attrName>
-                                        </p:attrNameLst>
-                                      </p:cBhvr>
-                                      <p:to>
-                                        <p:strVal val="visible"/>
-                                      </p:to>
-                                    </p:set>
-                                    <p:animEffect transition="in" filter="fade">
-                                      <p:cBhvr>
-                                        <p:cTn id="17" dur="500"/>
-                                        <p:tgtEl>
-                                          <p:spTgt spid="8">
-                                            <p:txEl>
-                                              <p:pRg st="2" end="2"/>
-                                            </p:txEl>
-                                          </p:spTgt>
-                                        </p:tgtEl>
-                                      </p:cBhvr>
-                                    </p:animEffect>
-                                  </p:childTnLst>
-                                </p:cTn>
-                              </p:par>
-                            </p:childTnLst>
-                          </p:cTn>
-                        </p:par>
-                      </p:childTnLst>
-                    </p:cTn>
-                  </p:par>
-                  <p:par>
-                    <p:cTn id="18" fill="hold">
-                      <p:stCondLst>
-                        <p:cond delay="indefinite"/>
-                      </p:stCondLst>
-                      <p:childTnLst>
-                        <p:par>
-                          <p:cTn id="19" fill="hold">
-                            <p:stCondLst>
-                              <p:cond delay="0"/>
-                            </p:stCondLst>
-                            <p:childTnLst>
-                              <p:par>
-                                <p:cTn id="20" presetID="10" presetClass="entr" presetSubtype="0" fill="hold" nodeType="clickEffect">
-                                  <p:stCondLst>
-                                    <p:cond delay="0"/>
-                                  </p:stCondLst>
-                                  <p:childTnLst>
-                                    <p:set>
-                                      <p:cBhvr>
-                                        <p:cTn id="21" dur="1" fill="hold">
-                                          <p:stCondLst>
-                                            <p:cond delay="0"/>
-                                          </p:stCondLst>
-                                        </p:cTn>
-                                        <p:tgtEl>
-                                          <p:spTgt spid="8">
-                                            <p:txEl>
-                                              <p:pRg st="4" end="4"/>
-                                            </p:txEl>
-                                          </p:spTgt>
-                                        </p:tgtEl>
-                                        <p:attrNameLst>
-                                          <p:attrName>style.visibility</p:attrName>
-                                        </p:attrNameLst>
-                                      </p:cBhvr>
-                                      <p:to>
-                                        <p:strVal val="visible"/>
-                                      </p:to>
-                                    </p:set>
-                                    <p:animEffect transition="in" filter="fade">
-                                      <p:cBhvr>
-                                        <p:cTn id="22" dur="500"/>
-                                        <p:tgtEl>
-                                          <p:spTgt spid="8">
-                                            <p:txEl>
-                                              <p:pRg st="4" end="4"/>
-                                            </p:txEl>
-                                          </p:spTgt>
-                                        </p:tgtEl>
-                                      </p:cBhvr>
-                                    </p:animEffect>
-                                  </p:childTnLst>
-                                </p:cTn>
-                              </p:par>
-                            </p:childTnLst>
-                          </p:cTn>
-                        </p:par>
-                      </p:childTnLst>
-                    </p:cTn>
-                  </p:par>
-                  <p:par>
-                    <p:cTn id="23" fill="hold">
-                      <p:stCondLst>
-                        <p:cond delay="indefinite"/>
-                      </p:stCondLst>
-                      <p:childTnLst>
-                        <p:par>
-                          <p:cTn id="24" fill="hold">
-                            <p:stCondLst>
-                              <p:cond delay="0"/>
-                            </p:stCondLst>
-                            <p:childTnLst>
-                              <p:par>
-                                <p:cTn id="25" presetID="10" presetClass="entr" presetSubtype="0" fill="hold" nodeType="clickEffect">
-                                  <p:stCondLst>
-                                    <p:cond delay="0"/>
-                                  </p:stCondLst>
-                                  <p:childTnLst>
-                                    <p:set>
-                                      <p:cBhvr>
-                                        <p:cTn id="26" dur="1" fill="hold">
-                                          <p:stCondLst>
-                                            <p:cond delay="0"/>
-                                          </p:stCondLst>
-                                        </p:cTn>
-                                        <p:tgtEl>
-                                          <p:spTgt spid="8">
-                                            <p:txEl>
-                                              <p:pRg st="6" end="6"/>
-                                            </p:txEl>
-                                          </p:spTgt>
-                                        </p:tgtEl>
-                                        <p:attrNameLst>
-                                          <p:attrName>style.visibility</p:attrName>
-                                        </p:attrNameLst>
-                                      </p:cBhvr>
-                                      <p:to>
-                                        <p:strVal val="visible"/>
-                                      </p:to>
-                                    </p:set>
-                                    <p:animEffect transition="in" filter="fade">
-                                      <p:cBhvr>
-                                        <p:cTn id="27" dur="500"/>
-                                        <p:tgtEl>
-                                          <p:spTgt spid="8">
-                                            <p:txEl>
-                                              <p:pRg st="6" end="6"/>
-                                            </p:txEl>
-                                          </p:spTgt>
-                                        </p:tgtEl>
-                                      </p:cBhvr>
-                                    </p:animEffect>
-                                  </p:childTnLst>
-                                </p:cTn>
-                              </p:par>
-                            </p:childTnLst>
-                          </p:cTn>
-                        </p:par>
-                      </p:childTnLst>
-                    </p:cTn>
-                  </p:par>
-                </p:childTnLst>
-              </p:cTn>
-              <p:prevCondLst>
-                <p:cond evt="onPrev" delay="0">
-                  <p:tgtEl>
-                    <p:sldTgt/>
-                  </p:tgtEl>
-                </p:cond>
-              </p:prevCondLst>
-              <p:nextCondLst>
-                <p:cond evt="onNext" delay="0">
-                  <p:tgtEl>
-                    <p:sldTgt/>
-                  </p:tgtEl>
-                </p:cond>
-              </p:nextCondLst>
-            </p:seq>
-          </p:childTnLst>
-        </p:cTn>
-      </p:par>
-    </p:tnLst>
-    <p:bldLst>
-      <p:bldP spid="9" grpId="0"/>
-    </p:bldLst>
-  </p:timing>
 </p:sld>
 </file>
 
@@ -10897,156 +10020,6 @@
   <p:clrMapOvr>
     <a:masterClrMapping/>
   </p:clrMapOvr>
-  <p:timing>
-    <p:tnLst>
-      <p:par>
-        <p:cTn id="1" dur="indefinite" restart="never" nodeType="tmRoot">
-          <p:childTnLst>
-            <p:seq concurrent="1" nextAc="seek">
-              <p:cTn id="2" dur="indefinite" nodeType="mainSeq">
-                <p:childTnLst>
-                  <p:par>
-                    <p:cTn id="3" fill="hold">
-                      <p:stCondLst>
-                        <p:cond delay="indefinite"/>
-                        <p:cond evt="onBegin" delay="0">
-                          <p:tn val="2"/>
-                        </p:cond>
-                      </p:stCondLst>
-                      <p:childTnLst>
-                        <p:par>
-                          <p:cTn id="4" fill="hold">
-                            <p:stCondLst>
-                              <p:cond delay="0"/>
-                            </p:stCondLst>
-                            <p:childTnLst>
-                              <p:par>
-                                <p:cTn id="5" presetID="10" presetClass="entr" presetSubtype="0" fill="hold" grpId="0" nodeType="afterEffect">
-                                  <p:stCondLst>
-                                    <p:cond delay="0"/>
-                                  </p:stCondLst>
-                                  <p:childTnLst>
-                                    <p:set>
-                                      <p:cBhvr>
-                                        <p:cTn id="6" dur="1" fill="hold">
-                                          <p:stCondLst>
-                                            <p:cond delay="0"/>
-                                          </p:stCondLst>
-                                        </p:cTn>
-                                        <p:tgtEl>
-                                          <p:spTgt spid="9"/>
-                                        </p:tgtEl>
-                                        <p:attrNameLst>
-                                          <p:attrName>style.visibility</p:attrName>
-                                        </p:attrNameLst>
-                                      </p:cBhvr>
-                                      <p:to>
-                                        <p:strVal val="visible"/>
-                                      </p:to>
-                                    </p:set>
-                                    <p:animEffect transition="in" filter="fade">
-                                      <p:cBhvr>
-                                        <p:cTn id="7" dur="500"/>
-                                        <p:tgtEl>
-                                          <p:spTgt spid="9"/>
-                                        </p:tgtEl>
-                                      </p:cBhvr>
-                                    </p:animEffect>
-                                  </p:childTnLst>
-                                </p:cTn>
-                              </p:par>
-                            </p:childTnLst>
-                          </p:cTn>
-                        </p:par>
-                      </p:childTnLst>
-                    </p:cTn>
-                  </p:par>
-                  <p:par>
-                    <p:cTn id="8" fill="hold">
-                      <p:stCondLst>
-                        <p:cond delay="indefinite"/>
-                      </p:stCondLst>
-                      <p:childTnLst>
-                        <p:par>
-                          <p:cTn id="9" fill="hold">
-                            <p:stCondLst>
-                              <p:cond delay="0"/>
-                            </p:stCondLst>
-                            <p:childTnLst>
-                              <p:par>
-                                <p:cTn id="10" presetID="10" presetClass="entr" presetSubtype="0" fill="hold" nodeType="clickEffect">
-                                  <p:stCondLst>
-                                    <p:cond delay="0"/>
-                                  </p:stCondLst>
-                                  <p:childTnLst>
-                                    <p:set>
-                                      <p:cBhvr>
-                                        <p:cTn id="11" dur="1" fill="hold">
-                                          <p:stCondLst>
-                                            <p:cond delay="0"/>
-                                          </p:stCondLst>
-                                        </p:cTn>
-                                        <p:tgtEl>
-                                          <p:spTgt spid="8">
-                                            <p:txEl>
-                                              <p:pRg st="0" end="0"/>
-                                            </p:txEl>
-                                          </p:spTgt>
-                                        </p:tgtEl>
-                                        <p:attrNameLst>
-                                          <p:attrName>style.visibility</p:attrName>
-                                        </p:attrNameLst>
-                                      </p:cBhvr>
-                                      <p:to>
-                                        <p:strVal val="visible"/>
-                                      </p:to>
-                                    </p:set>
-                                    <p:animEffect transition="in" filter="fade">
-                                      <p:cBhvr>
-                                        <p:cTn id="12" dur="500"/>
-                                        <p:tgtEl>
-                                          <p:spTgt spid="8">
-                                            <p:txEl>
-                                              <p:pRg st="0" end="0"/>
-                                            </p:txEl>
-                                          </p:spTgt>
-                                        </p:tgtEl>
-                                      </p:cBhvr>
-                                    </p:animEffect>
-                                  </p:childTnLst>
-                                </p:cTn>
-                              </p:par>
-                            </p:childTnLst>
-                          </p:cTn>
-                        </p:par>
-                      </p:childTnLst>
-                    </p:cTn>
-                  </p:par>
-                </p:childTnLst>
-              </p:cTn>
-              <p:prevCondLst>
-                <p:cond evt="onPrev" delay="0">
-                  <p:tgtEl>
-                    <p:sldTgt/>
-                  </p:tgtEl>
-                </p:cond>
-              </p:prevCondLst>
-              <p:nextCondLst>
-                <p:cond evt="onNext" delay="0">
-                  <p:tgtEl>
-                    <p:sldTgt/>
-                  </p:tgtEl>
-                </p:cond>
-              </p:nextCondLst>
-            </p:seq>
-          </p:childTnLst>
-        </p:cTn>
-      </p:par>
-    </p:tnLst>
-    <p:bldLst>
-      <p:bldP spid="9" grpId="0"/>
-    </p:bldLst>
-  </p:timing>
 </p:sld>
 </file>
 
@@ -11505,339 +10478,6 @@
   <p:clrMapOvr>
     <a:masterClrMapping/>
   </p:clrMapOvr>
-  <p:timing>
-    <p:tnLst>
-      <p:par>
-        <p:cTn id="1" dur="indefinite" restart="never" nodeType="tmRoot">
-          <p:childTnLst>
-            <p:seq concurrent="1" nextAc="seek">
-              <p:cTn id="2" dur="indefinite" nodeType="mainSeq">
-                <p:childTnLst>
-                  <p:par>
-                    <p:cTn id="3" fill="hold">
-                      <p:stCondLst>
-                        <p:cond delay="indefinite"/>
-                        <p:cond evt="onBegin" delay="0">
-                          <p:tn val="2"/>
-                        </p:cond>
-                      </p:stCondLst>
-                      <p:childTnLst>
-                        <p:par>
-                          <p:cTn id="4" fill="hold">
-                            <p:stCondLst>
-                              <p:cond delay="0"/>
-                            </p:stCondLst>
-                            <p:childTnLst>
-                              <p:par>
-                                <p:cTn id="5" presetID="10" presetClass="entr" presetSubtype="0" fill="hold" grpId="0" nodeType="afterEffect">
-                                  <p:stCondLst>
-                                    <p:cond delay="0"/>
-                                  </p:stCondLst>
-                                  <p:childTnLst>
-                                    <p:set>
-                                      <p:cBhvr>
-                                        <p:cTn id="6" dur="1" fill="hold">
-                                          <p:stCondLst>
-                                            <p:cond delay="0"/>
-                                          </p:stCondLst>
-                                        </p:cTn>
-                                        <p:tgtEl>
-                                          <p:spTgt spid="9"/>
-                                        </p:tgtEl>
-                                        <p:attrNameLst>
-                                          <p:attrName>style.visibility</p:attrName>
-                                        </p:attrNameLst>
-                                      </p:cBhvr>
-                                      <p:to>
-                                        <p:strVal val="visible"/>
-                                      </p:to>
-                                    </p:set>
-                                    <p:animEffect transition="in" filter="fade">
-                                      <p:cBhvr>
-                                        <p:cTn id="7" dur="500"/>
-                                        <p:tgtEl>
-                                          <p:spTgt spid="9"/>
-                                        </p:tgtEl>
-                                      </p:cBhvr>
-                                    </p:animEffect>
-                                  </p:childTnLst>
-                                </p:cTn>
-                              </p:par>
-                            </p:childTnLst>
-                          </p:cTn>
-                        </p:par>
-                      </p:childTnLst>
-                    </p:cTn>
-                  </p:par>
-                  <p:par>
-                    <p:cTn id="8" fill="hold">
-                      <p:stCondLst>
-                        <p:cond delay="indefinite"/>
-                      </p:stCondLst>
-                      <p:childTnLst>
-                        <p:par>
-                          <p:cTn id="9" fill="hold">
-                            <p:stCondLst>
-                              <p:cond delay="0"/>
-                            </p:stCondLst>
-                            <p:childTnLst>
-                              <p:par>
-                                <p:cTn id="10" presetID="10" presetClass="entr" presetSubtype="0" fill="hold" nodeType="clickEffect">
-                                  <p:stCondLst>
-                                    <p:cond delay="0"/>
-                                  </p:stCondLst>
-                                  <p:childTnLst>
-                                    <p:set>
-                                      <p:cBhvr>
-                                        <p:cTn id="11" dur="1" fill="hold">
-                                          <p:stCondLst>
-                                            <p:cond delay="0"/>
-                                          </p:stCondLst>
-                                        </p:cTn>
-                                        <p:tgtEl>
-                                          <p:spTgt spid="8">
-                                            <p:txEl>
-                                              <p:pRg st="0" end="0"/>
-                                            </p:txEl>
-                                          </p:spTgt>
-                                        </p:tgtEl>
-                                        <p:attrNameLst>
-                                          <p:attrName>style.visibility</p:attrName>
-                                        </p:attrNameLst>
-                                      </p:cBhvr>
-                                      <p:to>
-                                        <p:strVal val="visible"/>
-                                      </p:to>
-                                    </p:set>
-                                    <p:animEffect transition="in" filter="fade">
-                                      <p:cBhvr>
-                                        <p:cTn id="12" dur="500"/>
-                                        <p:tgtEl>
-                                          <p:spTgt spid="8">
-                                            <p:txEl>
-                                              <p:pRg st="0" end="0"/>
-                                            </p:txEl>
-                                          </p:spTgt>
-                                        </p:tgtEl>
-                                      </p:cBhvr>
-                                    </p:animEffect>
-                                  </p:childTnLst>
-                                </p:cTn>
-                              </p:par>
-                            </p:childTnLst>
-                          </p:cTn>
-                        </p:par>
-                      </p:childTnLst>
-                    </p:cTn>
-                  </p:par>
-                  <p:par>
-                    <p:cTn id="13" fill="hold">
-                      <p:stCondLst>
-                        <p:cond delay="indefinite"/>
-                      </p:stCondLst>
-                      <p:childTnLst>
-                        <p:par>
-                          <p:cTn id="14" fill="hold">
-                            <p:stCondLst>
-                              <p:cond delay="0"/>
-                            </p:stCondLst>
-                            <p:childTnLst>
-                              <p:par>
-                                <p:cTn id="15" presetID="10" presetClass="entr" presetSubtype="0" fill="hold" nodeType="clickEffect">
-                                  <p:stCondLst>
-                                    <p:cond delay="0"/>
-                                  </p:stCondLst>
-                                  <p:childTnLst>
-                                    <p:set>
-                                      <p:cBhvr>
-                                        <p:cTn id="16" dur="1" fill="hold">
-                                          <p:stCondLst>
-                                            <p:cond delay="0"/>
-                                          </p:stCondLst>
-                                        </p:cTn>
-                                        <p:tgtEl>
-                                          <p:spTgt spid="8">
-                                            <p:txEl>
-                                              <p:pRg st="2" end="2"/>
-                                            </p:txEl>
-                                          </p:spTgt>
-                                        </p:tgtEl>
-                                        <p:attrNameLst>
-                                          <p:attrName>style.visibility</p:attrName>
-                                        </p:attrNameLst>
-                                      </p:cBhvr>
-                                      <p:to>
-                                        <p:strVal val="visible"/>
-                                      </p:to>
-                                    </p:set>
-                                    <p:animEffect transition="in" filter="fade">
-                                      <p:cBhvr>
-                                        <p:cTn id="17" dur="500"/>
-                                        <p:tgtEl>
-                                          <p:spTgt spid="8">
-                                            <p:txEl>
-                                              <p:pRg st="2" end="2"/>
-                                            </p:txEl>
-                                          </p:spTgt>
-                                        </p:tgtEl>
-                                      </p:cBhvr>
-                                    </p:animEffect>
-                                  </p:childTnLst>
-                                </p:cTn>
-                              </p:par>
-                            </p:childTnLst>
-                          </p:cTn>
-                        </p:par>
-                      </p:childTnLst>
-                    </p:cTn>
-                  </p:par>
-                  <p:par>
-                    <p:cTn id="18" fill="hold">
-                      <p:stCondLst>
-                        <p:cond delay="indefinite"/>
-                      </p:stCondLst>
-                      <p:childTnLst>
-                        <p:par>
-                          <p:cTn id="19" fill="hold">
-                            <p:stCondLst>
-                              <p:cond delay="0"/>
-                            </p:stCondLst>
-                            <p:childTnLst>
-                              <p:par>
-                                <p:cTn id="20" presetID="10" presetClass="entr" presetSubtype="0" fill="hold" nodeType="clickEffect">
-                                  <p:stCondLst>
-                                    <p:cond delay="0"/>
-                                  </p:stCondLst>
-                                  <p:childTnLst>
-                                    <p:set>
-                                      <p:cBhvr>
-                                        <p:cTn id="21" dur="1" fill="hold">
-                                          <p:stCondLst>
-                                            <p:cond delay="0"/>
-                                          </p:stCondLst>
-                                        </p:cTn>
-                                        <p:tgtEl>
-                                          <p:spTgt spid="8">
-                                            <p:txEl>
-                                              <p:pRg st="3" end="3"/>
-                                            </p:txEl>
-                                          </p:spTgt>
-                                        </p:tgtEl>
-                                        <p:attrNameLst>
-                                          <p:attrName>style.visibility</p:attrName>
-                                        </p:attrNameLst>
-                                      </p:cBhvr>
-                                      <p:to>
-                                        <p:strVal val="visible"/>
-                                      </p:to>
-                                    </p:set>
-                                    <p:animEffect transition="in" filter="fade">
-                                      <p:cBhvr>
-                                        <p:cTn id="22" dur="500"/>
-                                        <p:tgtEl>
-                                          <p:spTgt spid="8">
-                                            <p:txEl>
-                                              <p:pRg st="3" end="3"/>
-                                            </p:txEl>
-                                          </p:spTgt>
-                                        </p:tgtEl>
-                                      </p:cBhvr>
-                                    </p:animEffect>
-                                  </p:childTnLst>
-                                </p:cTn>
-                              </p:par>
-                            </p:childTnLst>
-                          </p:cTn>
-                        </p:par>
-                      </p:childTnLst>
-                    </p:cTn>
-                  </p:par>
-                  <p:par>
-                    <p:cTn id="23" fill="hold">
-                      <p:stCondLst>
-                        <p:cond delay="indefinite"/>
-                      </p:stCondLst>
-                      <p:childTnLst>
-                        <p:par>
-                          <p:cTn id="24" fill="hold">
-                            <p:stCondLst>
-                              <p:cond delay="0"/>
-                            </p:stCondLst>
-                            <p:childTnLst>
-                              <p:par>
-                                <p:cTn id="25" presetID="10" presetClass="entr" presetSubtype="0" fill="hold" nodeType="clickEffect">
-                                  <p:stCondLst>
-                                    <p:cond delay="0"/>
-                                  </p:stCondLst>
-                                  <p:childTnLst>
-                                    <p:set>
-                                      <p:cBhvr>
-                                        <p:cTn id="26" dur="1" fill="hold">
-                                          <p:stCondLst>
-                                            <p:cond delay="0"/>
-                                          </p:stCondLst>
-                                        </p:cTn>
-                                        <p:tgtEl>
-                                          <p:spTgt spid="8">
-                                            <p:txEl>
-                                              <p:pRg st="4" end="4"/>
-                                            </p:txEl>
-                                          </p:spTgt>
-                                        </p:tgtEl>
-                                        <p:attrNameLst>
-                                          <p:attrName>style.visibility</p:attrName>
-                                        </p:attrNameLst>
-                                      </p:cBhvr>
-                                      <p:to>
-                                        <p:strVal val="visible"/>
-                                      </p:to>
-                                    </p:set>
-                                    <p:animEffect transition="in" filter="fade">
-                                      <p:cBhvr>
-                                        <p:cTn id="27" dur="500"/>
-                                        <p:tgtEl>
-                                          <p:spTgt spid="8">
-                                            <p:txEl>
-                                              <p:pRg st="4" end="4"/>
-                                            </p:txEl>
-                                          </p:spTgt>
-                                        </p:tgtEl>
-                                      </p:cBhvr>
-                                    </p:animEffect>
-                                  </p:childTnLst>
-                                </p:cTn>
-                              </p:par>
-                            </p:childTnLst>
-                          </p:cTn>
-                        </p:par>
-                      </p:childTnLst>
-                    </p:cTn>
-                  </p:par>
-                </p:childTnLst>
-              </p:cTn>
-              <p:prevCondLst>
-                <p:cond evt="onPrev" delay="0">
-                  <p:tgtEl>
-                    <p:sldTgt/>
-                  </p:tgtEl>
-                </p:cond>
-              </p:prevCondLst>
-              <p:nextCondLst>
-                <p:cond evt="onNext" delay="0">
-                  <p:tgtEl>
-                    <p:sldTgt/>
-                  </p:tgtEl>
-                </p:cond>
-              </p:nextCondLst>
-            </p:seq>
-          </p:childTnLst>
-        </p:cTn>
-      </p:par>
-    </p:tnLst>
-    <p:bldLst>
-      <p:bldP spid="9" grpId="0"/>
-    </p:bldLst>
-  </p:timing>
 </p:sld>
 </file>
 
@@ -12453,161 +11093,6 @@
   <p:clrMapOvr>
     <a:masterClrMapping/>
   </p:clrMapOvr>
-  <p:timing>
-    <p:tnLst>
-      <p:par>
-        <p:cTn id="1" dur="indefinite" restart="never" nodeType="tmRoot">
-          <p:childTnLst>
-            <p:seq concurrent="1" nextAc="seek">
-              <p:cTn id="2" dur="indefinite" nodeType="mainSeq">
-                <p:childTnLst>
-                  <p:par>
-                    <p:cTn id="3" fill="hold">
-                      <p:stCondLst>
-                        <p:cond delay="indefinite"/>
-                        <p:cond evt="onBegin" delay="0">
-                          <p:tn val="2"/>
-                        </p:cond>
-                      </p:stCondLst>
-                      <p:childTnLst>
-                        <p:par>
-                          <p:cTn id="4" fill="hold">
-                            <p:stCondLst>
-                              <p:cond delay="0"/>
-                            </p:stCondLst>
-                            <p:childTnLst>
-                              <p:par>
-                                <p:cTn id="5" presetID="10" presetClass="entr" presetSubtype="0" fill="hold" grpId="0" nodeType="afterEffect">
-                                  <p:stCondLst>
-                                    <p:cond delay="0"/>
-                                  </p:stCondLst>
-                                  <p:childTnLst>
-                                    <p:set>
-                                      <p:cBhvr>
-                                        <p:cTn id="6" dur="1" fill="hold">
-                                          <p:stCondLst>
-                                            <p:cond delay="0"/>
-                                          </p:stCondLst>
-                                        </p:cTn>
-                                        <p:tgtEl>
-                                          <p:spTgt spid="9"/>
-                                        </p:tgtEl>
-                                        <p:attrNameLst>
-                                          <p:attrName>style.visibility</p:attrName>
-                                        </p:attrNameLst>
-                                      </p:cBhvr>
-                                      <p:to>
-                                        <p:strVal val="visible"/>
-                                      </p:to>
-                                    </p:set>
-                                    <p:animEffect transition="in" filter="fade">
-                                      <p:cBhvr>
-                                        <p:cTn id="7" dur="500"/>
-                                        <p:tgtEl>
-                                          <p:spTgt spid="9"/>
-                                        </p:tgtEl>
-                                      </p:cBhvr>
-                                    </p:animEffect>
-                                  </p:childTnLst>
-                                </p:cTn>
-                              </p:par>
-                            </p:childTnLst>
-                          </p:cTn>
-                        </p:par>
-                      </p:childTnLst>
-                    </p:cTn>
-                  </p:par>
-                  <p:par>
-                    <p:cTn id="8" fill="hold">
-                      <p:stCondLst>
-                        <p:cond delay="indefinite"/>
-                      </p:stCondLst>
-                      <p:childTnLst>
-                        <p:par>
-                          <p:cTn id="9" fill="hold">
-                            <p:stCondLst>
-                              <p:cond delay="0"/>
-                            </p:stCondLst>
-                            <p:childTnLst>
-                              <p:par>
-                                <p:cTn id="10" presetID="10" presetClass="entr" presetSubtype="0" fill="hold" nodeType="clickEffect" nodePh="1">
-                                  <p:stCondLst>
-                                    <p:cond delay="0"/>
-                                  </p:stCondLst>
-                                  <p:endCondLst>
-                                    <p:cond evt="begin" delay="0">
-                                      <p:tn val="10"/>
-                                    </p:cond>
-                                  </p:endCondLst>
-                                  <p:childTnLst>
-                                    <p:set>
-                                      <p:cBhvr>
-                                        <p:cTn id="11" dur="1" fill="hold">
-                                          <p:stCondLst>
-                                            <p:cond delay="0"/>
-                                          </p:stCondLst>
-                                        </p:cTn>
-                                        <p:tgtEl>
-                                          <p:spTgt spid="8">
-                                            <p:txEl>
-                                              <p:pRg st="0" end="0"/>
-                                            </p:txEl>
-                                          </p:spTgt>
-                                        </p:tgtEl>
-                                        <p:attrNameLst>
-                                          <p:attrName>style.visibility</p:attrName>
-                                        </p:attrNameLst>
-                                      </p:cBhvr>
-                                      <p:to>
-                                        <p:strVal val="visible"/>
-                                      </p:to>
-                                    </p:set>
-                                    <p:animEffect transition="in" filter="fade">
-                                      <p:cBhvr>
-                                        <p:cTn id="12" dur="500"/>
-                                        <p:tgtEl>
-                                          <p:spTgt spid="8">
-                                            <p:txEl>
-                                              <p:pRg st="0" end="0"/>
-                                            </p:txEl>
-                                          </p:spTgt>
-                                        </p:tgtEl>
-                                      </p:cBhvr>
-                                    </p:animEffect>
-                                  </p:childTnLst>
-                                </p:cTn>
-                              </p:par>
-                            </p:childTnLst>
-                          </p:cTn>
-                        </p:par>
-                      </p:childTnLst>
-                    </p:cTn>
-                  </p:par>
-                </p:childTnLst>
-              </p:cTn>
-              <p:prevCondLst>
-                <p:cond evt="onPrev" delay="0">
-                  <p:tgtEl>
-                    <p:sldTgt/>
-                  </p:tgtEl>
-                </p:cond>
-              </p:prevCondLst>
-              <p:nextCondLst>
-                <p:cond evt="onNext" delay="0">
-                  <p:tgtEl>
-                    <p:sldTgt/>
-                  </p:tgtEl>
-                </p:cond>
-              </p:nextCondLst>
-            </p:seq>
-          </p:childTnLst>
-        </p:cTn>
-      </p:par>
-    </p:tnLst>
-    <p:bldLst>
-      <p:bldP spid="9" grpId="0"/>
-    </p:bldLst>
-  </p:timing>
 </p:sld>
 </file>
 
@@ -13497,156 +11982,6 @@
   <p:clrMapOvr>
     <a:masterClrMapping/>
   </p:clrMapOvr>
-  <p:timing>
-    <p:tnLst>
-      <p:par>
-        <p:cTn id="1" dur="indefinite" restart="never" nodeType="tmRoot">
-          <p:childTnLst>
-            <p:seq concurrent="1" nextAc="seek">
-              <p:cTn id="2" dur="indefinite" nodeType="mainSeq">
-                <p:childTnLst>
-                  <p:par>
-                    <p:cTn id="3" fill="hold">
-                      <p:stCondLst>
-                        <p:cond delay="indefinite"/>
-                        <p:cond evt="onBegin" delay="0">
-                          <p:tn val="2"/>
-                        </p:cond>
-                      </p:stCondLst>
-                      <p:childTnLst>
-                        <p:par>
-                          <p:cTn id="4" fill="hold">
-                            <p:stCondLst>
-                              <p:cond delay="0"/>
-                            </p:stCondLst>
-                            <p:childTnLst>
-                              <p:par>
-                                <p:cTn id="5" presetID="10" presetClass="entr" presetSubtype="0" fill="hold" grpId="0" nodeType="afterEffect">
-                                  <p:stCondLst>
-                                    <p:cond delay="0"/>
-                                  </p:stCondLst>
-                                  <p:childTnLst>
-                                    <p:set>
-                                      <p:cBhvr>
-                                        <p:cTn id="6" dur="1" fill="hold">
-                                          <p:stCondLst>
-                                            <p:cond delay="0"/>
-                                          </p:stCondLst>
-                                        </p:cTn>
-                                        <p:tgtEl>
-                                          <p:spTgt spid="9"/>
-                                        </p:tgtEl>
-                                        <p:attrNameLst>
-                                          <p:attrName>style.visibility</p:attrName>
-                                        </p:attrNameLst>
-                                      </p:cBhvr>
-                                      <p:to>
-                                        <p:strVal val="visible"/>
-                                      </p:to>
-                                    </p:set>
-                                    <p:animEffect transition="in" filter="fade">
-                                      <p:cBhvr>
-                                        <p:cTn id="7" dur="500"/>
-                                        <p:tgtEl>
-                                          <p:spTgt spid="9"/>
-                                        </p:tgtEl>
-                                      </p:cBhvr>
-                                    </p:animEffect>
-                                  </p:childTnLst>
-                                </p:cTn>
-                              </p:par>
-                            </p:childTnLst>
-                          </p:cTn>
-                        </p:par>
-                      </p:childTnLst>
-                    </p:cTn>
-                  </p:par>
-                  <p:par>
-                    <p:cTn id="8" fill="hold">
-                      <p:stCondLst>
-                        <p:cond delay="indefinite"/>
-                      </p:stCondLst>
-                      <p:childTnLst>
-                        <p:par>
-                          <p:cTn id="9" fill="hold">
-                            <p:stCondLst>
-                              <p:cond delay="0"/>
-                            </p:stCondLst>
-                            <p:childTnLst>
-                              <p:par>
-                                <p:cTn id="10" presetID="10" presetClass="entr" presetSubtype="0" fill="hold" nodeType="clickEffect">
-                                  <p:stCondLst>
-                                    <p:cond delay="0"/>
-                                  </p:stCondLst>
-                                  <p:childTnLst>
-                                    <p:set>
-                                      <p:cBhvr>
-                                        <p:cTn id="11" dur="1" fill="hold">
-                                          <p:stCondLst>
-                                            <p:cond delay="0"/>
-                                          </p:stCondLst>
-                                        </p:cTn>
-                                        <p:tgtEl>
-                                          <p:spTgt spid="8">
-                                            <p:txEl>
-                                              <p:pRg st="0" end="0"/>
-                                            </p:txEl>
-                                          </p:spTgt>
-                                        </p:tgtEl>
-                                        <p:attrNameLst>
-                                          <p:attrName>style.visibility</p:attrName>
-                                        </p:attrNameLst>
-                                      </p:cBhvr>
-                                      <p:to>
-                                        <p:strVal val="visible"/>
-                                      </p:to>
-                                    </p:set>
-                                    <p:animEffect transition="in" filter="fade">
-                                      <p:cBhvr>
-                                        <p:cTn id="12" dur="500"/>
-                                        <p:tgtEl>
-                                          <p:spTgt spid="8">
-                                            <p:txEl>
-                                              <p:pRg st="0" end="0"/>
-                                            </p:txEl>
-                                          </p:spTgt>
-                                        </p:tgtEl>
-                                      </p:cBhvr>
-                                    </p:animEffect>
-                                  </p:childTnLst>
-                                </p:cTn>
-                              </p:par>
-                            </p:childTnLst>
-                          </p:cTn>
-                        </p:par>
-                      </p:childTnLst>
-                    </p:cTn>
-                  </p:par>
-                </p:childTnLst>
-              </p:cTn>
-              <p:prevCondLst>
-                <p:cond evt="onPrev" delay="0">
-                  <p:tgtEl>
-                    <p:sldTgt/>
-                  </p:tgtEl>
-                </p:cond>
-              </p:prevCondLst>
-              <p:nextCondLst>
-                <p:cond evt="onNext" delay="0">
-                  <p:tgtEl>
-                    <p:sldTgt/>
-                  </p:tgtEl>
-                </p:cond>
-              </p:nextCondLst>
-            </p:seq>
-          </p:childTnLst>
-        </p:cTn>
-      </p:par>
-    </p:tnLst>
-    <p:bldLst>
-      <p:bldP spid="9" grpId="0"/>
-    </p:bldLst>
-  </p:timing>
 </p:sld>
 </file>
 
@@ -14010,156 +12345,6 @@
   <p:clrMapOvr>
     <a:masterClrMapping/>
   </p:clrMapOvr>
-  <p:timing>
-    <p:tnLst>
-      <p:par>
-        <p:cTn id="1" dur="indefinite" restart="never" nodeType="tmRoot">
-          <p:childTnLst>
-            <p:seq concurrent="1" nextAc="seek">
-              <p:cTn id="2" dur="indefinite" nodeType="mainSeq">
-                <p:childTnLst>
-                  <p:par>
-                    <p:cTn id="3" fill="hold">
-                      <p:stCondLst>
-                        <p:cond delay="indefinite"/>
-                        <p:cond evt="onBegin" delay="0">
-                          <p:tn val="2"/>
-                        </p:cond>
-                      </p:stCondLst>
-                      <p:childTnLst>
-                        <p:par>
-                          <p:cTn id="4" fill="hold">
-                            <p:stCondLst>
-                              <p:cond delay="0"/>
-                            </p:stCondLst>
-                            <p:childTnLst>
-                              <p:par>
-                                <p:cTn id="5" presetID="10" presetClass="entr" presetSubtype="0" fill="hold" grpId="0" nodeType="afterEffect">
-                                  <p:stCondLst>
-                                    <p:cond delay="0"/>
-                                  </p:stCondLst>
-                                  <p:childTnLst>
-                                    <p:set>
-                                      <p:cBhvr>
-                                        <p:cTn id="6" dur="1" fill="hold">
-                                          <p:stCondLst>
-                                            <p:cond delay="0"/>
-                                          </p:stCondLst>
-                                        </p:cTn>
-                                        <p:tgtEl>
-                                          <p:spTgt spid="9"/>
-                                        </p:tgtEl>
-                                        <p:attrNameLst>
-                                          <p:attrName>style.visibility</p:attrName>
-                                        </p:attrNameLst>
-                                      </p:cBhvr>
-                                      <p:to>
-                                        <p:strVal val="visible"/>
-                                      </p:to>
-                                    </p:set>
-                                    <p:animEffect transition="in" filter="fade">
-                                      <p:cBhvr>
-                                        <p:cTn id="7" dur="500"/>
-                                        <p:tgtEl>
-                                          <p:spTgt spid="9"/>
-                                        </p:tgtEl>
-                                      </p:cBhvr>
-                                    </p:animEffect>
-                                  </p:childTnLst>
-                                </p:cTn>
-                              </p:par>
-                            </p:childTnLst>
-                          </p:cTn>
-                        </p:par>
-                      </p:childTnLst>
-                    </p:cTn>
-                  </p:par>
-                  <p:par>
-                    <p:cTn id="8" fill="hold">
-                      <p:stCondLst>
-                        <p:cond delay="indefinite"/>
-                      </p:stCondLst>
-                      <p:childTnLst>
-                        <p:par>
-                          <p:cTn id="9" fill="hold">
-                            <p:stCondLst>
-                              <p:cond delay="0"/>
-                            </p:stCondLst>
-                            <p:childTnLst>
-                              <p:par>
-                                <p:cTn id="10" presetID="10" presetClass="entr" presetSubtype="0" fill="hold" nodeType="clickEffect">
-                                  <p:stCondLst>
-                                    <p:cond delay="0"/>
-                                  </p:stCondLst>
-                                  <p:childTnLst>
-                                    <p:set>
-                                      <p:cBhvr>
-                                        <p:cTn id="11" dur="1" fill="hold">
-                                          <p:stCondLst>
-                                            <p:cond delay="0"/>
-                                          </p:stCondLst>
-                                        </p:cTn>
-                                        <p:tgtEl>
-                                          <p:spTgt spid="8">
-                                            <p:txEl>
-                                              <p:pRg st="0" end="0"/>
-                                            </p:txEl>
-                                          </p:spTgt>
-                                        </p:tgtEl>
-                                        <p:attrNameLst>
-                                          <p:attrName>style.visibility</p:attrName>
-                                        </p:attrNameLst>
-                                      </p:cBhvr>
-                                      <p:to>
-                                        <p:strVal val="visible"/>
-                                      </p:to>
-                                    </p:set>
-                                    <p:animEffect transition="in" filter="fade">
-                                      <p:cBhvr>
-                                        <p:cTn id="12" dur="500"/>
-                                        <p:tgtEl>
-                                          <p:spTgt spid="8">
-                                            <p:txEl>
-                                              <p:pRg st="0" end="0"/>
-                                            </p:txEl>
-                                          </p:spTgt>
-                                        </p:tgtEl>
-                                      </p:cBhvr>
-                                    </p:animEffect>
-                                  </p:childTnLst>
-                                </p:cTn>
-                              </p:par>
-                            </p:childTnLst>
-                          </p:cTn>
-                        </p:par>
-                      </p:childTnLst>
-                    </p:cTn>
-                  </p:par>
-                </p:childTnLst>
-              </p:cTn>
-              <p:prevCondLst>
-                <p:cond evt="onPrev" delay="0">
-                  <p:tgtEl>
-                    <p:sldTgt/>
-                  </p:tgtEl>
-                </p:cond>
-              </p:prevCondLst>
-              <p:nextCondLst>
-                <p:cond evt="onNext" delay="0">
-                  <p:tgtEl>
-                    <p:sldTgt/>
-                  </p:tgtEl>
-                </p:cond>
-              </p:nextCondLst>
-            </p:seq>
-          </p:childTnLst>
-        </p:cTn>
-      </p:par>
-    </p:tnLst>
-    <p:bldLst>
-      <p:bldP spid="9" grpId="0"/>
-    </p:bldLst>
-  </p:timing>
 </p:sld>
 </file>
 

--- a/NanoparticleToxicity.pptx
+++ b/NanoparticleToxicity.pptx
@@ -6,10 +6,10 @@
     <p:sldMasterId id="2147483694" r:id="rId2"/>
   </p:sldMasterIdLst>
   <p:notesMasterIdLst>
-    <p:notesMasterId r:id="rId18"/>
+    <p:notesMasterId r:id="rId21"/>
   </p:notesMasterIdLst>
   <p:handoutMasterIdLst>
-    <p:handoutMasterId r:id="rId19"/>
+    <p:handoutMasterId r:id="rId22"/>
   </p:handoutMasterIdLst>
   <p:sldIdLst>
     <p:sldId id="270" r:id="rId3"/>
@@ -19,14 +19,17 @@
     <p:sldId id="273" r:id="rId7"/>
     <p:sldId id="274" r:id="rId8"/>
     <p:sldId id="275" r:id="rId9"/>
-    <p:sldId id="276" r:id="rId10"/>
-    <p:sldId id="277" r:id="rId11"/>
-    <p:sldId id="278" r:id="rId12"/>
-    <p:sldId id="279" r:id="rId13"/>
-    <p:sldId id="280" r:id="rId14"/>
-    <p:sldId id="281" r:id="rId15"/>
-    <p:sldId id="282" r:id="rId16"/>
-    <p:sldId id="283" r:id="rId17"/>
+    <p:sldId id="286" r:id="rId10"/>
+    <p:sldId id="284" r:id="rId11"/>
+    <p:sldId id="285" r:id="rId12"/>
+    <p:sldId id="276" r:id="rId13"/>
+    <p:sldId id="277" r:id="rId14"/>
+    <p:sldId id="278" r:id="rId15"/>
+    <p:sldId id="279" r:id="rId16"/>
+    <p:sldId id="280" r:id="rId17"/>
+    <p:sldId id="281" r:id="rId18"/>
+    <p:sldId id="282" r:id="rId19"/>
+    <p:sldId id="283" r:id="rId20"/>
   </p:sldIdLst>
   <p:sldSz cx="12192000" cy="6858000"/>
   <p:notesSz cx="6858000" cy="9144000"/>
@@ -218,7 +221,7 @@
           <a:p>
             <a:fld id="{8F591CCF-F6FD-734B-854A-5BC033593B1E}" type="datetimeFigureOut">
               <a:rPr lang="nl-NL" smtClean="0"/>
-              <a:t>26-4-2019</a:t>
+              <a:t>1-5-2019</a:t>
             </a:fld>
             <a:endParaRPr lang="nl-NL"/>
           </a:p>
@@ -383,7 +386,7 @@
           <a:p>
             <a:fld id="{23C66214-DB21-4647-B5DA-0D17CA592867}" type="datetimeFigureOut">
               <a:rPr lang="nl-NL" smtClean="0"/>
-              <a:t>26-4-2019</a:t>
+              <a:t>1-5-2019</a:t>
             </a:fld>
             <a:endParaRPr lang="nl-NL"/>
           </a:p>
@@ -1116,11 +1119,36 @@
           <a:p>
             <a:r>
               <a:rPr lang="en-US" dirty="0"/>
-              <a:t>In vivo – in vitro – ex vivo</a:t>
-            </a:r>
-          </a:p>
-          <a:p>
-            <a:endParaRPr lang="en-US" dirty="0"/>
+              <a:t>FOR COMPOSITION AND CONCENTRATION: </a:t>
+            </a:r>
+            <a:r>
+              <a:rPr lang="en-US" dirty="0" err="1"/>
+              <a:t>dispersice</a:t>
+            </a:r>
+            <a:r>
+              <a:rPr lang="en-US" dirty="0"/>
+              <a:t> X-ray analysis (EDS), atomic absorption spectroscopy (AAS)</a:t>
+            </a:r>
+          </a:p>
+          <a:p>
+            <a:r>
+              <a:rPr lang="en-US" dirty="0"/>
+              <a:t>FOR SIZE AND SURFACE AREA: </a:t>
+            </a:r>
+          </a:p>
+          <a:p>
+            <a:r>
+              <a:rPr lang="en-US" dirty="0"/>
+              <a:t>SIZE AND </a:t>
+            </a:r>
+            <a:r>
+              <a:rPr lang="en-US" dirty="0" err="1"/>
+              <a:t>MORPHOLOGYl</a:t>
+            </a:r>
+            <a:r>
+              <a:rPr lang="en-US" dirty="0"/>
+              <a:t>:  AFM , SEM and TEM.</a:t>
+            </a:r>
           </a:p>
         </p:txBody>
       </p:sp>
@@ -1141,7 +1169,7 @@
           <a:p>
             <a:fld id="{8954E32A-327F-AF4B-8E1F-209FBF93D26D}" type="slidenum">
               <a:rPr lang="nl-NL" smtClean="0"/>
-              <a:t>8</a:t>
+              <a:t>9</a:t>
             </a:fld>
             <a:endParaRPr lang="nl-NL"/>
           </a:p>
@@ -1150,7 +1178,7 @@
     </p:spTree>
     <p:extLst>
       <p:ext uri="{BB962C8B-B14F-4D97-AF65-F5344CB8AC3E}">
-        <p14:creationId xmlns:p14="http://schemas.microsoft.com/office/powerpoint/2010/main" val="325310299"/>
+        <p14:creationId xmlns:p14="http://schemas.microsoft.com/office/powerpoint/2010/main" val="418003723"/>
       </p:ext>
     </p:extLst>
   </p:cSld>
@@ -1226,6 +1254,180 @@
             <a:fld id="{8954E32A-327F-AF4B-8E1F-209FBF93D26D}" type="slidenum">
               <a:rPr lang="nl-NL" smtClean="0"/>
               <a:t>10</a:t>
+            </a:fld>
+            <a:endParaRPr lang="nl-NL"/>
+          </a:p>
+        </p:txBody>
+      </p:sp>
+    </p:spTree>
+    <p:extLst>
+      <p:ext uri="{BB962C8B-B14F-4D97-AF65-F5344CB8AC3E}">
+        <p14:creationId xmlns:p14="http://schemas.microsoft.com/office/powerpoint/2010/main" val="1210985977"/>
+      </p:ext>
+    </p:extLst>
+  </p:cSld>
+  <p:clrMapOvr>
+    <a:masterClrMapping/>
+  </p:clrMapOvr>
+</p:notes>
+</file>
+
+<file path=ppt/notesSlides/notesSlide8.xml><?xml version="1.0" encoding="utf-8"?>
+<p:notes xmlns:a="http://schemas.openxmlformats.org/drawingml/2006/main" xmlns:r="http://schemas.openxmlformats.org/officeDocument/2006/relationships" xmlns:p="http://schemas.openxmlformats.org/presentationml/2006/main">
+  <p:cSld>
+    <p:spTree>
+      <p:nvGrpSpPr>
+        <p:cNvPr id="1" name=""/>
+        <p:cNvGrpSpPr/>
+        <p:nvPr/>
+      </p:nvGrpSpPr>
+      <p:grpSpPr>
+        <a:xfrm>
+          <a:off x="0" y="0"/>
+          <a:ext cx="0" cy="0"/>
+          <a:chOff x="0" y="0"/>
+          <a:chExt cx="0" cy="0"/>
+        </a:xfrm>
+      </p:grpSpPr>
+      <p:sp>
+        <p:nvSpPr>
+          <p:cNvPr id="2" name="Tijdelijke aanduiding voor dia-afbeelding 1"/>
+          <p:cNvSpPr>
+            <a:spLocks noGrp="1" noRot="1" noChangeAspect="1"/>
+          </p:cNvSpPr>
+          <p:nvPr>
+            <p:ph type="sldImg"/>
+          </p:nvPr>
+        </p:nvSpPr>
+        <p:spPr/>
+      </p:sp>
+      <p:sp>
+        <p:nvSpPr>
+          <p:cNvPr id="3" name="Tijdelijke aanduiding voor notities 2"/>
+          <p:cNvSpPr>
+            <a:spLocks noGrp="1"/>
+          </p:cNvSpPr>
+          <p:nvPr>
+            <p:ph type="body" idx="1"/>
+          </p:nvPr>
+        </p:nvSpPr>
+        <p:spPr/>
+        <p:txBody>
+          <a:bodyPr/>
+          <a:lstStyle/>
+          <a:p>
+            <a:r>
+              <a:rPr lang="en-US" dirty="0"/>
+              <a:t>In vivo – in vitro – ex vivo</a:t>
+            </a:r>
+          </a:p>
+          <a:p>
+            <a:endParaRPr lang="en-US" dirty="0"/>
+          </a:p>
+        </p:txBody>
+      </p:sp>
+      <p:sp>
+        <p:nvSpPr>
+          <p:cNvPr id="4" name="Tijdelijke aanduiding voor dianummer 3"/>
+          <p:cNvSpPr>
+            <a:spLocks noGrp="1"/>
+          </p:cNvSpPr>
+          <p:nvPr>
+            <p:ph type="sldNum" sz="quarter" idx="5"/>
+          </p:nvPr>
+        </p:nvSpPr>
+        <p:spPr/>
+        <p:txBody>
+          <a:bodyPr/>
+          <a:lstStyle/>
+          <a:p>
+            <a:fld id="{8954E32A-327F-AF4B-8E1F-209FBF93D26D}" type="slidenum">
+              <a:rPr lang="nl-NL" smtClean="0"/>
+              <a:t>11</a:t>
+            </a:fld>
+            <a:endParaRPr lang="nl-NL"/>
+          </a:p>
+        </p:txBody>
+      </p:sp>
+    </p:spTree>
+    <p:extLst>
+      <p:ext uri="{BB962C8B-B14F-4D97-AF65-F5344CB8AC3E}">
+        <p14:creationId xmlns:p14="http://schemas.microsoft.com/office/powerpoint/2010/main" val="325310299"/>
+      </p:ext>
+    </p:extLst>
+  </p:cSld>
+  <p:clrMapOvr>
+    <a:masterClrMapping/>
+  </p:clrMapOvr>
+</p:notes>
+</file>
+
+<file path=ppt/notesSlides/notesSlide9.xml><?xml version="1.0" encoding="utf-8"?>
+<p:notes xmlns:a="http://schemas.openxmlformats.org/drawingml/2006/main" xmlns:r="http://schemas.openxmlformats.org/officeDocument/2006/relationships" xmlns:p="http://schemas.openxmlformats.org/presentationml/2006/main">
+  <p:cSld>
+    <p:spTree>
+      <p:nvGrpSpPr>
+        <p:cNvPr id="1" name=""/>
+        <p:cNvGrpSpPr/>
+        <p:nvPr/>
+      </p:nvGrpSpPr>
+      <p:grpSpPr>
+        <a:xfrm>
+          <a:off x="0" y="0"/>
+          <a:ext cx="0" cy="0"/>
+          <a:chOff x="0" y="0"/>
+          <a:chExt cx="0" cy="0"/>
+        </a:xfrm>
+      </p:grpSpPr>
+      <p:sp>
+        <p:nvSpPr>
+          <p:cNvPr id="2" name="Tijdelijke aanduiding voor dia-afbeelding 1"/>
+          <p:cNvSpPr>
+            <a:spLocks noGrp="1" noRot="1" noChangeAspect="1"/>
+          </p:cNvSpPr>
+          <p:nvPr>
+            <p:ph type="sldImg"/>
+          </p:nvPr>
+        </p:nvSpPr>
+        <p:spPr/>
+      </p:sp>
+      <p:sp>
+        <p:nvSpPr>
+          <p:cNvPr id="3" name="Tijdelijke aanduiding voor notities 2"/>
+          <p:cNvSpPr>
+            <a:spLocks noGrp="1"/>
+          </p:cNvSpPr>
+          <p:nvPr>
+            <p:ph type="body" idx="1"/>
+          </p:nvPr>
+        </p:nvSpPr>
+        <p:spPr/>
+        <p:txBody>
+          <a:bodyPr/>
+          <a:lstStyle/>
+          <a:p>
+            <a:endParaRPr lang="en-US" dirty="0"/>
+          </a:p>
+        </p:txBody>
+      </p:sp>
+      <p:sp>
+        <p:nvSpPr>
+          <p:cNvPr id="4" name="Tijdelijke aanduiding voor dianummer 3"/>
+          <p:cNvSpPr>
+            <a:spLocks noGrp="1"/>
+          </p:cNvSpPr>
+          <p:nvPr>
+            <p:ph type="sldNum" sz="quarter" idx="5"/>
+          </p:nvPr>
+        </p:nvSpPr>
+        <p:spPr/>
+        <p:txBody>
+          <a:bodyPr/>
+          <a:lstStyle/>
+          <a:p>
+            <a:fld id="{8954E32A-327F-AF4B-8E1F-209FBF93D26D}" type="slidenum">
+              <a:rPr lang="nl-NL" smtClean="0"/>
+              <a:t>13</a:t>
             </a:fld>
             <a:endParaRPr lang="nl-NL"/>
           </a:p>
@@ -1966,7 +2168,7 @@
           <a:p>
             <a:fld id="{01D02731-4577-4865-8098-D1E0465717A1}" type="datetime1">
               <a:rPr lang="en-GB" smtClean="0"/>
-              <a:t>26/04/2019</a:t>
+              <a:t>01/05/2019</a:t>
             </a:fld>
             <a:endParaRPr lang="nl-NL"/>
           </a:p>
@@ -2593,7 +2795,7 @@
           <a:p>
             <a:fld id="{EA3A7081-D270-4FBF-AE40-A52D674243CC}" type="datetime1">
               <a:rPr lang="nl-BE" smtClean="0"/>
-              <a:t>26/04/2019</a:t>
+              <a:t>1/05/2019</a:t>
             </a:fld>
             <a:endParaRPr lang="nl-NL"/>
           </a:p>
@@ -2876,7 +3078,7 @@
           <a:p>
             <a:fld id="{5C69415A-EEF6-439C-A913-189A8C067023}" type="datetime1">
               <a:rPr lang="nl-BE" smtClean="0"/>
-              <a:t>26/04/2019</a:t>
+              <a:t>1/05/2019</a:t>
             </a:fld>
             <a:endParaRPr lang="nl-NL"/>
           </a:p>
@@ -3206,7 +3408,7 @@
           <a:p>
             <a:fld id="{AA7DF125-8D2F-407C-A946-0B214A077F46}" type="datetime1">
               <a:rPr lang="nl-BE" smtClean="0"/>
-              <a:t>26/04/2019</a:t>
+              <a:t>1/05/2019</a:t>
             </a:fld>
             <a:endParaRPr lang="nl-NL"/>
           </a:p>
@@ -3525,7 +3727,7 @@
           <a:p>
             <a:fld id="{FE566779-A426-4C6E-B33F-12BA9B572EC4}" type="datetime1">
               <a:rPr lang="nl-BE" smtClean="0"/>
-              <a:t>26/04/2019</a:t>
+              <a:t>1/05/2019</a:t>
             </a:fld>
             <a:endParaRPr lang="nl-NL" dirty="0"/>
           </a:p>
@@ -3846,7 +4048,7 @@
           <a:p>
             <a:fld id="{E40DF61B-1080-4D20-8EAC-F5AC55182461}" type="datetime1">
               <a:rPr lang="nl-BE" smtClean="0"/>
-              <a:t>26/04/2019</a:t>
+              <a:t>1/05/2019</a:t>
             </a:fld>
             <a:endParaRPr lang="nl-NL" dirty="0"/>
           </a:p>
@@ -3988,7 +4190,7 @@
           <a:p>
             <a:fld id="{94A4F625-24B7-4F40-98BC-AFA043082CE9}" type="datetime1">
               <a:rPr lang="nl-BE" smtClean="0"/>
-              <a:t>26/04/2019</a:t>
+              <a:t>1/05/2019</a:t>
             </a:fld>
             <a:endParaRPr lang="nl-NL"/>
           </a:p>
@@ -4472,7 +4674,7 @@
           <a:p>
             <a:fld id="{292342B6-1303-46D4-9581-5E95FC0B22E4}" type="datetime1">
               <a:rPr lang="nl-BE" smtClean="0"/>
-              <a:t>26/04/2019</a:t>
+              <a:t>1/05/2019</a:t>
             </a:fld>
             <a:endParaRPr lang="nl-NL" dirty="0"/>
           </a:p>
@@ -4593,7 +4795,7 @@
           <a:p>
             <a:fld id="{A76F3976-FDFC-4D8C-ACD3-BCE6A597C36A}" type="datetime1">
               <a:rPr lang="nl-BE" smtClean="0"/>
-              <a:t>26/04/2019</a:t>
+              <a:t>1/05/2019</a:t>
             </a:fld>
             <a:endParaRPr lang="nl-NL"/>
           </a:p>
@@ -4714,7 +4916,7 @@
           <a:p>
             <a:fld id="{5ADFEA79-DE61-4EF0-8C65-B83CEE2687EB}" type="datetime1">
               <a:rPr lang="nl-BE" smtClean="0"/>
-              <a:t>26/04/2019</a:t>
+              <a:t>1/05/2019</a:t>
             </a:fld>
             <a:endParaRPr lang="nl-NL"/>
           </a:p>
@@ -4896,7 +5098,7 @@
           <a:p>
             <a:fld id="{FA2EC5B9-2DE2-43DC-AAE2-5679419BAC4A}" type="datetime1">
               <a:rPr lang="nl-BE" smtClean="0"/>
-              <a:t>26/04/2019</a:t>
+              <a:t>1/05/2019</a:t>
             </a:fld>
             <a:endParaRPr lang="nl-NL" dirty="0"/>
           </a:p>
@@ -5180,7 +5382,7 @@
           <a:p>
             <a:fld id="{BB46EC33-4D1A-4426-91DF-270C2E654CCE}" type="datetime1">
               <a:rPr lang="nl-BE" smtClean="0"/>
-              <a:t>26/04/2019</a:t>
+              <a:t>1/05/2019</a:t>
             </a:fld>
             <a:endParaRPr lang="nl-NL" dirty="0"/>
           </a:p>
@@ -5823,7 +6025,7 @@
           <a:p>
             <a:fld id="{48C250A7-EEA6-4BD5-AB95-D7BF57F3506B}" type="datetime1">
               <a:rPr lang="nl-BE" smtClean="0"/>
-              <a:t>26/04/2019</a:t>
+              <a:t>1/05/2019</a:t>
             </a:fld>
             <a:endParaRPr lang="nl-NL" dirty="0"/>
           </a:p>
@@ -6436,10 +6638,10 @@
       </p:grpSpPr>
       <p:sp>
         <p:nvSpPr>
-          <p:cNvPr id="7" name="Tijdelijke aanduiding voor dianummer 23">
+          <p:cNvPr id="4" name="Titel 3">
             <a:extLst>
               <a:ext uri="{FF2B5EF4-FFF2-40B4-BE49-F238E27FC236}">
-                <a16:creationId xmlns:a16="http://schemas.microsoft.com/office/drawing/2014/main" id="{E7BA9955-551E-4B72-9196-84FDFE87439B}"/>
+                <a16:creationId xmlns:a16="http://schemas.microsoft.com/office/drawing/2014/main" id="{B5FBEFEE-FB6C-4481-9947-96EA662C6CC0}"/>
               </a:ext>
             </a:extLst>
           </p:cNvPr>
@@ -6447,629 +6649,768 @@
             <a:spLocks noGrp="1"/>
           </p:cNvSpPr>
           <p:nvPr>
-            <p:ph type="sldNum" sz="quarter" idx="12"/>
-          </p:nvPr>
-        </p:nvSpPr>
-        <p:spPr>
-          <a:xfrm>
-            <a:off x="11544000" y="-126730"/>
-            <a:ext cx="648000" cy="648000"/>
-          </a:xfrm>
-        </p:spPr>
+            <p:ph type="title"/>
+          </p:nvPr>
+        </p:nvSpPr>
+        <p:spPr/>
         <p:txBody>
           <a:bodyPr/>
           <a:lstStyle/>
           <a:p>
-            <a:fld id="{CF179DAE-D0A6-40C3-B8BC-6A97C268D03A}" type="slidenum">
-              <a:rPr lang="nl-NL" sz="1200" smtClean="0">
-                <a:solidFill>
-                  <a:srgbClr val="1D8DB0"/>
-                </a:solidFill>
-              </a:rPr>
-              <a:pPr/>
-              <a:t>10</a:t>
-            </a:fld>
-            <a:r>
-              <a:rPr lang="nl-NL" sz="1200" dirty="0">
-                <a:solidFill>
-                  <a:srgbClr val="1D8DB0"/>
-                </a:solidFill>
-              </a:rPr>
-              <a:t>/31</a:t>
-            </a:r>
-          </a:p>
-        </p:txBody>
-      </p:sp>
-      <p:sp>
-        <p:nvSpPr>
-          <p:cNvPr id="9" name="Titel 4">
+            <a:r>
+              <a:rPr lang="en-US" dirty="0"/>
+              <a:t>Areas studied for nanotoxicity </a:t>
+            </a:r>
+          </a:p>
+        </p:txBody>
+      </p:sp>
+      <p:sp>
+        <p:nvSpPr>
+          <p:cNvPr id="5" name="Rechthoek: afgeronde hoeken 4">
             <a:extLst>
               <a:ext uri="{FF2B5EF4-FFF2-40B4-BE49-F238E27FC236}">
-                <a16:creationId xmlns:a16="http://schemas.microsoft.com/office/drawing/2014/main" id="{32C054A8-9043-41C9-BA29-6C11E3B87A6D}"/>
+                <a16:creationId xmlns:a16="http://schemas.microsoft.com/office/drawing/2014/main" id="{1E7B1E3E-52F7-4627-83E0-96D12C5F6630}"/>
               </a:ext>
             </a:extLst>
           </p:cNvPr>
-          <p:cNvSpPr>
-            <a:spLocks noGrp="1"/>
-          </p:cNvSpPr>
-          <p:nvPr>
-            <p:ph type="title"/>
-          </p:nvPr>
+          <p:cNvSpPr/>
+          <p:nvPr/>
         </p:nvSpPr>
         <p:spPr>
           <a:xfrm>
-            <a:off x="576263" y="336550"/>
-            <a:ext cx="11041062" cy="1152525"/>
+            <a:off x="945932" y="1618593"/>
+            <a:ext cx="10047890" cy="4382814"/>
           </a:xfrm>
-        </p:spPr>
-        <p:txBody>
-          <a:bodyPr/>
-          <a:lstStyle/>
-          <a:p>
-            <a:r>
-              <a:rPr lang="nl-BE" dirty="0" err="1">
-                <a:latin typeface="Arial"/>
-                <a:cs typeface="Arial"/>
-              </a:rPr>
-              <a:t>Dose</a:t>
-            </a:r>
-            <a:r>
-              <a:rPr lang="nl-BE" dirty="0">
-                <a:latin typeface="Arial"/>
-                <a:cs typeface="Arial"/>
-              </a:rPr>
-              <a:t> </a:t>
-            </a:r>
-            <a:r>
-              <a:rPr lang="nl-BE" dirty="0" err="1">
-                <a:latin typeface="Arial"/>
-                <a:cs typeface="Arial"/>
-              </a:rPr>
-              <a:t>dependence</a:t>
-            </a:r>
-            <a:endParaRPr lang="nl-BE" dirty="0" err="1">
-              <a:cs typeface="Arial"/>
-            </a:endParaRPr>
-          </a:p>
-        </p:txBody>
-      </p:sp>
-      <p:sp>
-        <p:nvSpPr>
-          <p:cNvPr id="8" name="Tijdelijke aanduiding voor inhoud 1">
-            <a:extLst>
-              <a:ext uri="{FF2B5EF4-FFF2-40B4-BE49-F238E27FC236}">
-                <a16:creationId xmlns:a16="http://schemas.microsoft.com/office/drawing/2014/main" id="{FD48FE27-13D3-407C-9CF5-D7CAC1400D54}"/>
-              </a:ext>
-            </a:extLst>
-          </p:cNvPr>
-          <p:cNvSpPr>
-            <a:spLocks noGrp="1"/>
-          </p:cNvSpPr>
-          <p:nvPr>
-            <p:ph idx="1"/>
-          </p:nvPr>
-        </p:nvSpPr>
-        <p:spPr>
-          <a:xfrm>
-            <a:off x="576000" y="1656000"/>
-            <a:ext cx="11041200" cy="4043464"/>
-          </a:xfrm>
-        </p:spPr>
-        <p:txBody>
-          <a:bodyPr vert="horz" lIns="91440" tIns="45720" rIns="91440" bIns="45720" rtlCol="0" anchor="t">
-            <a:normAutofit/>
-          </a:bodyPr>
-          <a:lstStyle/>
-          <a:p>
-            <a:r>
-              <a:rPr lang="nl-BE" sz="2000" dirty="0" err="1">
-                <a:latin typeface="Arial"/>
-                <a:cs typeface="Arial"/>
-              </a:rPr>
-              <a:t>Not</a:t>
-            </a:r>
-            <a:r>
-              <a:rPr lang="nl-BE" sz="2000" dirty="0">
-                <a:latin typeface="Arial"/>
-                <a:cs typeface="Arial"/>
-              </a:rPr>
-              <a:t> </a:t>
-            </a:r>
-            <a:r>
-              <a:rPr lang="nl-BE" sz="2000" dirty="0" err="1">
-                <a:latin typeface="Arial"/>
-                <a:cs typeface="Arial"/>
-              </a:rPr>
-              <a:t>dependent</a:t>
-            </a:r>
-            <a:r>
-              <a:rPr lang="nl-BE" sz="2000" dirty="0">
-                <a:latin typeface="Arial"/>
-                <a:cs typeface="Arial"/>
-              </a:rPr>
-              <a:t> on </a:t>
-            </a:r>
-            <a:r>
-              <a:rPr lang="nl-BE" sz="2000" dirty="0" err="1">
-                <a:latin typeface="Arial"/>
-                <a:cs typeface="Arial"/>
-              </a:rPr>
-              <a:t>mass</a:t>
-            </a:r>
-            <a:r>
-              <a:rPr lang="nl-BE" sz="2000" dirty="0">
-                <a:latin typeface="Arial"/>
-                <a:cs typeface="Arial"/>
-              </a:rPr>
-              <a:t> </a:t>
-            </a:r>
-            <a:r>
-              <a:rPr lang="nl-BE" sz="2000" dirty="0" err="1">
-                <a:latin typeface="Arial"/>
-                <a:cs typeface="Arial"/>
-              </a:rPr>
-              <a:t>dose</a:t>
-            </a:r>
-            <a:endParaRPr lang="nl-BE" sz="2000" dirty="0" err="1">
-              <a:cs typeface="Arial"/>
-            </a:endParaRPr>
-          </a:p>
-          <a:p>
-            <a:r>
-              <a:rPr lang="nl-BE" sz="2000" dirty="0">
-                <a:latin typeface="Arial"/>
-                <a:cs typeface="Arial"/>
-              </a:rPr>
-              <a:t>Surface is </a:t>
-            </a:r>
-            <a:r>
-              <a:rPr lang="nl-BE" sz="2000" dirty="0" err="1">
-                <a:latin typeface="Arial"/>
-                <a:cs typeface="Arial"/>
-              </a:rPr>
-              <a:t>reactive</a:t>
-            </a:r>
-            <a:r>
-              <a:rPr lang="nl-BE" sz="2000" dirty="0">
-                <a:latin typeface="Arial"/>
-                <a:cs typeface="Arial"/>
-              </a:rPr>
-              <a:t>, </a:t>
-            </a:r>
-            <a:r>
-              <a:rPr lang="nl-BE" sz="2000" dirty="0" err="1">
-                <a:latin typeface="Arial"/>
-                <a:cs typeface="Arial"/>
-              </a:rPr>
-              <a:t>so</a:t>
-            </a:r>
-            <a:r>
-              <a:rPr lang="nl-BE" sz="2000" dirty="0">
-                <a:latin typeface="Arial"/>
-                <a:cs typeface="Arial"/>
-              </a:rPr>
-              <a:t> small </a:t>
-            </a:r>
-            <a:r>
-              <a:rPr lang="nl-BE" sz="2000" dirty="0" err="1">
-                <a:latin typeface="Arial"/>
-                <a:cs typeface="Arial"/>
-              </a:rPr>
-              <a:t>particles</a:t>
-            </a:r>
-            <a:r>
-              <a:rPr lang="nl-BE" sz="2000" dirty="0">
-                <a:latin typeface="Arial"/>
-                <a:cs typeface="Arial"/>
-              </a:rPr>
-              <a:t> at a low </a:t>
-            </a:r>
-            <a:r>
-              <a:rPr lang="nl-BE" sz="2000" dirty="0" err="1">
-                <a:latin typeface="Arial"/>
-                <a:cs typeface="Arial"/>
-              </a:rPr>
-              <a:t>mass</a:t>
-            </a:r>
-            <a:r>
-              <a:rPr lang="nl-BE" sz="2000" dirty="0">
-                <a:latin typeface="Arial"/>
-                <a:cs typeface="Arial"/>
-              </a:rPr>
-              <a:t> </a:t>
-            </a:r>
-            <a:r>
-              <a:rPr lang="nl-BE" sz="2000" dirty="0" err="1">
-                <a:latin typeface="Arial"/>
-                <a:cs typeface="Arial"/>
-              </a:rPr>
-              <a:t>dose</a:t>
-            </a:r>
-            <a:r>
-              <a:rPr lang="nl-BE" sz="2000" dirty="0">
-                <a:latin typeface="Arial"/>
-                <a:cs typeface="Arial"/>
-              </a:rPr>
-              <a:t> </a:t>
-            </a:r>
-            <a:r>
-              <a:rPr lang="nl-BE" sz="2000" dirty="0" err="1">
-                <a:latin typeface="Arial"/>
-                <a:cs typeface="Arial"/>
-              </a:rPr>
-              <a:t>can</a:t>
-            </a:r>
-            <a:r>
-              <a:rPr lang="nl-BE" sz="2000" dirty="0">
-                <a:latin typeface="Arial"/>
-                <a:cs typeface="Arial"/>
-              </a:rPr>
-              <a:t> </a:t>
-            </a:r>
-            <a:r>
-              <a:rPr lang="nl-BE" sz="2000" dirty="0" err="1">
-                <a:latin typeface="Arial"/>
-                <a:cs typeface="Arial"/>
-              </a:rPr>
-              <a:t>be</a:t>
-            </a:r>
-            <a:r>
-              <a:rPr lang="nl-BE" sz="2000" dirty="0">
-                <a:latin typeface="Arial"/>
-                <a:cs typeface="Arial"/>
-              </a:rPr>
-              <a:t> as </a:t>
-            </a:r>
-            <a:r>
-              <a:rPr lang="nl-BE" sz="2000" dirty="0" err="1">
-                <a:latin typeface="Arial"/>
-                <a:cs typeface="Arial"/>
-              </a:rPr>
-              <a:t>toxic</a:t>
-            </a:r>
-            <a:r>
-              <a:rPr lang="nl-BE" sz="2000" dirty="0">
-                <a:latin typeface="Arial"/>
-                <a:cs typeface="Arial"/>
-              </a:rPr>
-              <a:t> al </a:t>
-            </a:r>
-            <a:r>
-              <a:rPr lang="nl-BE" sz="2000" dirty="0" err="1">
-                <a:latin typeface="Arial"/>
-                <a:cs typeface="Arial"/>
-              </a:rPr>
-              <a:t>larger</a:t>
-            </a:r>
-            <a:r>
-              <a:rPr lang="nl-BE" sz="2000" dirty="0">
-                <a:latin typeface="Arial"/>
-                <a:cs typeface="Arial"/>
-              </a:rPr>
-              <a:t> </a:t>
-            </a:r>
-            <a:r>
-              <a:rPr lang="nl-BE" sz="2000" dirty="0" err="1">
-                <a:latin typeface="Arial"/>
-                <a:cs typeface="Arial"/>
-              </a:rPr>
-              <a:t>particles</a:t>
-            </a:r>
-            <a:r>
-              <a:rPr lang="nl-BE" sz="2000" dirty="0">
-                <a:latin typeface="Arial"/>
-                <a:cs typeface="Arial"/>
-              </a:rPr>
-              <a:t> </a:t>
-            </a:r>
-            <a:r>
-              <a:rPr lang="nl-BE" sz="2000" dirty="0" err="1">
-                <a:latin typeface="Arial"/>
-                <a:cs typeface="Arial"/>
-              </a:rPr>
-              <a:t>with</a:t>
-            </a:r>
-            <a:r>
-              <a:rPr lang="nl-BE" sz="2000" dirty="0">
-                <a:latin typeface="Arial"/>
-                <a:cs typeface="Arial"/>
-              </a:rPr>
-              <a:t> a </a:t>
-            </a:r>
-            <a:r>
-              <a:rPr lang="nl-BE" sz="2000" dirty="0" err="1">
-                <a:latin typeface="Arial"/>
-                <a:cs typeface="Arial"/>
-              </a:rPr>
-              <a:t>higer</a:t>
-            </a:r>
-            <a:r>
-              <a:rPr lang="nl-BE" sz="2000" dirty="0">
-                <a:latin typeface="Arial"/>
-                <a:cs typeface="Arial"/>
-              </a:rPr>
-              <a:t> </a:t>
-            </a:r>
-            <a:r>
-              <a:rPr lang="nl-BE" sz="2000" dirty="0" err="1">
-                <a:latin typeface="Arial"/>
-                <a:cs typeface="Arial"/>
-              </a:rPr>
-              <a:t>mass</a:t>
-            </a:r>
-            <a:r>
-              <a:rPr lang="nl-BE" sz="2000" dirty="0">
-                <a:latin typeface="Arial"/>
-                <a:cs typeface="Arial"/>
-              </a:rPr>
-              <a:t> </a:t>
-            </a:r>
-            <a:r>
-              <a:rPr lang="nl-BE" sz="2000" dirty="0" err="1">
-                <a:latin typeface="Arial"/>
-                <a:cs typeface="Arial"/>
-              </a:rPr>
-              <a:t>dose</a:t>
-            </a:r>
-          </a:p>
-          <a:p>
-            <a:r>
-              <a:rPr lang="nl-BE" sz="2000" dirty="0">
-                <a:latin typeface="Arial"/>
-                <a:cs typeface="Arial"/>
-              </a:rPr>
-              <a:t>Surface </a:t>
-            </a:r>
-            <a:r>
-              <a:rPr lang="nl-BE" sz="2000" dirty="0" err="1">
-                <a:latin typeface="Arial"/>
-                <a:cs typeface="Arial"/>
-              </a:rPr>
-              <a:t>dose</a:t>
-            </a:r>
-            <a:r>
-              <a:rPr lang="nl-BE" sz="2000" dirty="0">
-                <a:latin typeface="Arial"/>
-                <a:cs typeface="Arial"/>
-              </a:rPr>
-              <a:t> is </a:t>
-            </a:r>
-            <a:r>
-              <a:rPr lang="nl-BE" sz="2000" dirty="0" err="1">
-                <a:latin typeface="Arial"/>
-                <a:cs typeface="Arial"/>
-              </a:rPr>
-              <a:t>what</a:t>
-            </a:r>
-            <a:r>
-              <a:rPr lang="nl-BE" sz="2000" dirty="0">
-                <a:latin typeface="Arial"/>
-                <a:cs typeface="Arial"/>
-              </a:rPr>
-              <a:t> </a:t>
-            </a:r>
-            <a:r>
-              <a:rPr lang="nl-BE" sz="2000" dirty="0" err="1">
-                <a:latin typeface="Arial"/>
-                <a:cs typeface="Arial"/>
-              </a:rPr>
-              <a:t>makes</a:t>
-            </a:r>
-            <a:r>
-              <a:rPr lang="nl-BE" sz="2000" dirty="0">
-                <a:latin typeface="Arial"/>
-                <a:cs typeface="Arial"/>
-              </a:rPr>
-              <a:t> </a:t>
-            </a:r>
-            <a:r>
-              <a:rPr lang="nl-BE" sz="2000" dirty="0" err="1">
-                <a:latin typeface="Arial"/>
-                <a:cs typeface="Arial"/>
-              </a:rPr>
-              <a:t>influences</a:t>
-            </a:r>
-            <a:r>
-              <a:rPr lang="nl-BE" sz="2000" dirty="0">
-                <a:latin typeface="Arial"/>
-                <a:cs typeface="Arial"/>
-              </a:rPr>
-              <a:t> </a:t>
-            </a:r>
-            <a:r>
-              <a:rPr lang="nl-BE" sz="2000" dirty="0" err="1">
-                <a:latin typeface="Arial"/>
-                <a:cs typeface="Arial"/>
-              </a:rPr>
-              <a:t>the</a:t>
-            </a:r>
-            <a:r>
-              <a:rPr lang="nl-BE" sz="2000" dirty="0">
-                <a:latin typeface="Arial"/>
-                <a:cs typeface="Arial"/>
-              </a:rPr>
-              <a:t> </a:t>
-            </a:r>
-            <a:r>
-              <a:rPr lang="nl-BE" sz="2000" dirty="0" err="1">
-                <a:latin typeface="Arial"/>
-                <a:cs typeface="Arial"/>
-              </a:rPr>
-              <a:t>toxicity</a:t>
-            </a:r>
-          </a:p>
-        </p:txBody>
-      </p:sp>
-      <p:sp>
-        <p:nvSpPr>
-          <p:cNvPr id="10" name="Tekstvak 9">
-            <a:extLst>
-              <a:ext uri="{FF2B5EF4-FFF2-40B4-BE49-F238E27FC236}">
-                <a16:creationId xmlns:a16="http://schemas.microsoft.com/office/drawing/2014/main" id="{F9AF6A87-507F-4E2E-8A2A-840080D13776}"/>
-              </a:ext>
-            </a:extLst>
-          </p:cNvPr>
-          <p:cNvSpPr txBox="1"/>
-          <p:nvPr/>
-        </p:nvSpPr>
-        <p:spPr>
-          <a:xfrm>
-            <a:off x="159798" y="58771"/>
-            <a:ext cx="5832629" cy="276999"/>
-          </a:xfrm>
-          <a:prstGeom prst="rect">
+          <a:prstGeom prst="roundRect">
             <a:avLst/>
           </a:prstGeom>
-          <a:noFill/>
+          <a:solidFill>
+            <a:schemeClr val="bg2"/>
+          </a:solidFill>
+          <a:ln w="28575"/>
         </p:spPr>
-        <p:txBody>
-          <a:bodyPr wrap="square" rtlCol="0">
-            <a:spAutoFit/>
-          </a:bodyPr>
-          <a:lstStyle/>
-          <a:p>
-            <a:r>
-              <a:rPr lang="nl-BE" sz="1200" dirty="0">
-                <a:solidFill>
-                  <a:srgbClr val="1D8DB0"/>
-                </a:solidFill>
-              </a:rPr>
-              <a:t>J. </a:t>
-            </a:r>
-            <a:r>
-              <a:rPr lang="nl-BE" sz="1200" dirty="0" err="1">
-                <a:solidFill>
-                  <a:srgbClr val="1D8DB0"/>
-                </a:solidFill>
-              </a:rPr>
-              <a:t>Neirynck</a:t>
-            </a:r>
-            <a:r>
-              <a:rPr lang="nl-BE" sz="1200" dirty="0">
-                <a:solidFill>
-                  <a:srgbClr val="1D8DB0"/>
-                </a:solidFill>
-              </a:rPr>
-              <a:t>, F. Van </a:t>
-            </a:r>
-            <a:r>
-              <a:rPr lang="nl-BE" sz="1200" dirty="0" err="1">
-                <a:solidFill>
-                  <a:srgbClr val="1D8DB0"/>
-                </a:solidFill>
-              </a:rPr>
-              <a:t>Eecke</a:t>
-            </a:r>
-            <a:r>
-              <a:rPr lang="nl-BE" sz="1200" dirty="0">
-                <a:solidFill>
-                  <a:srgbClr val="1D8DB0"/>
-                </a:solidFill>
-              </a:rPr>
-              <a:t> &amp; R. Vrielynck</a:t>
-            </a:r>
-          </a:p>
-        </p:txBody>
-      </p:sp>
-      <p:sp>
-        <p:nvSpPr>
-          <p:cNvPr id="11" name="Tekstvak 10">
-            <a:extLst>
-              <a:ext uri="{FF2B5EF4-FFF2-40B4-BE49-F238E27FC236}">
-                <a16:creationId xmlns:a16="http://schemas.microsoft.com/office/drawing/2014/main" id="{02C83A39-3DA1-4516-B834-3C3D5F8552F0}"/>
-              </a:ext>
-            </a:extLst>
-          </p:cNvPr>
-          <p:cNvSpPr txBox="1"/>
-          <p:nvPr/>
-        </p:nvSpPr>
-        <p:spPr>
-          <a:xfrm>
-            <a:off x="576000" y="6356412"/>
-            <a:ext cx="10351364" cy="315471"/>
-          </a:xfrm>
-          <a:prstGeom prst="rect">
-            <a:avLst/>
-          </a:prstGeom>
-          <a:noFill/>
-        </p:spPr>
-        <p:txBody>
-          <a:bodyPr wrap="square" rtlCol="0">
-            <a:spAutoFit/>
-          </a:bodyPr>
-          <a:lstStyle/>
-          <a:p>
-            <a:r>
-              <a:rPr lang="nl-BE" sz="1450" dirty="0" err="1">
-                <a:solidFill>
-                  <a:schemeClr val="bg1"/>
-                </a:solidFill>
-              </a:rPr>
-              <a:t>Introduction</a:t>
-            </a:r>
-            <a:r>
-              <a:rPr lang="nl-BE" sz="1450" dirty="0">
-                <a:solidFill>
-                  <a:schemeClr val="bg1"/>
-                </a:solidFill>
-              </a:rPr>
-              <a:t>	</a:t>
-            </a:r>
-            <a:r>
-              <a:rPr lang="nl-BE" sz="1450" b="1" dirty="0">
-                <a:solidFill>
-                  <a:schemeClr val="bg1"/>
-                </a:solidFill>
-              </a:rPr>
-              <a:t>	Framework</a:t>
-            </a:r>
-            <a:r>
-              <a:rPr lang="nl-BE" sz="1450" dirty="0">
-                <a:solidFill>
-                  <a:schemeClr val="bg1"/>
-                </a:solidFill>
-              </a:rPr>
-              <a:t>		</a:t>
-            </a:r>
-            <a:r>
-              <a:rPr lang="nl-BE" sz="1450" dirty="0" err="1">
-                <a:solidFill>
-                  <a:schemeClr val="bg1"/>
-                </a:solidFill>
-              </a:rPr>
-              <a:t>Techniques</a:t>
-            </a:r>
-            <a:r>
-              <a:rPr lang="nl-BE" sz="1450" dirty="0">
-                <a:solidFill>
-                  <a:schemeClr val="bg1"/>
-                </a:solidFill>
-              </a:rPr>
-              <a:t> &amp; </a:t>
-            </a:r>
-            <a:r>
-              <a:rPr lang="nl-BE" sz="1450" dirty="0" err="1">
-                <a:solidFill>
-                  <a:schemeClr val="bg1"/>
-                </a:solidFill>
-              </a:rPr>
-              <a:t>Results</a:t>
-            </a:r>
-            <a:r>
-              <a:rPr lang="nl-BE" sz="1450" dirty="0">
-                <a:solidFill>
-                  <a:schemeClr val="bg1"/>
-                </a:solidFill>
-              </a:rPr>
-              <a:t>			Summary</a:t>
-            </a:r>
+        <p:style>
+          <a:lnRef idx="2">
+            <a:schemeClr val="accent1">
+              <a:shade val="50000"/>
+            </a:schemeClr>
+          </a:lnRef>
+          <a:fillRef idx="1">
+            <a:schemeClr val="accent1"/>
+          </a:fillRef>
+          <a:effectRef idx="0">
+            <a:schemeClr val="accent1"/>
+          </a:effectRef>
+          <a:fontRef idx="minor">
+            <a:schemeClr val="lt1"/>
+          </a:fontRef>
+        </p:style>
+        <p:txBody>
+          <a:bodyPr rtlCol="0" anchor="ctr"/>
+          <a:lstStyle/>
+          <a:p>
+            <a:endParaRPr lang="nl-BE" sz="2000" b="1" dirty="0">
+              <a:solidFill>
+                <a:srgbClr val="2F4D5D"/>
+              </a:solidFill>
+            </a:endParaRPr>
+          </a:p>
+          <a:p>
+            <a:endParaRPr lang="nl-BE" sz="2000" b="1" dirty="0">
+              <a:solidFill>
+                <a:srgbClr val="2F4D5D"/>
+              </a:solidFill>
+            </a:endParaRPr>
+          </a:p>
+          <a:p>
+            <a:endParaRPr lang="nl-BE" sz="2000" b="1" dirty="0">
+              <a:solidFill>
+                <a:srgbClr val="2F4D5D"/>
+              </a:solidFill>
+            </a:endParaRPr>
+          </a:p>
+          <a:p>
+            <a:endParaRPr lang="nl-BE" sz="2000" b="1" dirty="0">
+              <a:solidFill>
+                <a:srgbClr val="2F4D5D"/>
+              </a:solidFill>
+            </a:endParaRPr>
+          </a:p>
+          <a:p>
+            <a:endParaRPr lang="nl-BE" sz="2000" b="1" dirty="0">
+              <a:solidFill>
+                <a:srgbClr val="2F4D5D"/>
+              </a:solidFill>
+            </a:endParaRPr>
+          </a:p>
+          <a:p>
+            <a:endParaRPr lang="nl-BE" sz="2000" b="1" dirty="0">
+              <a:solidFill>
+                <a:srgbClr val="2F4D5D"/>
+              </a:solidFill>
+            </a:endParaRPr>
+          </a:p>
+          <a:p>
+            <a:r>
+              <a:rPr lang="nl-BE" sz="2000" b="1" dirty="0">
+                <a:solidFill>
+                  <a:srgbClr val="2F4D5D"/>
+                </a:solidFill>
+              </a:rPr>
+              <a:t>Area 2: In Vitro </a:t>
+            </a:r>
+            <a:r>
+              <a:rPr lang="nl-BE" sz="2000" b="1" dirty="0" err="1">
+                <a:solidFill>
+                  <a:srgbClr val="2F4D5D"/>
+                </a:solidFill>
+              </a:rPr>
+              <a:t>toxicity</a:t>
+            </a:r>
+            <a:endParaRPr lang="nl-BE" sz="2000" b="1" dirty="0">
+              <a:solidFill>
+                <a:srgbClr val="2F4D5D"/>
+              </a:solidFill>
+            </a:endParaRPr>
+          </a:p>
+          <a:p>
+            <a:r>
+              <a:rPr lang="nl-BE" sz="2000" dirty="0" err="1">
+                <a:solidFill>
+                  <a:srgbClr val="2F4D5D"/>
+                </a:solidFill>
+              </a:rPr>
+              <a:t>Study</a:t>
+            </a:r>
+            <a:r>
+              <a:rPr lang="nl-BE" sz="2000" dirty="0">
+                <a:solidFill>
+                  <a:srgbClr val="2F4D5D"/>
+                </a:solidFill>
+              </a:rPr>
+              <a:t> </a:t>
+            </a:r>
+            <a:r>
+              <a:rPr lang="nl-BE" sz="2000" dirty="0" err="1">
+                <a:solidFill>
+                  <a:srgbClr val="2F4D5D"/>
+                </a:solidFill>
+              </a:rPr>
+              <a:t>influence</a:t>
+            </a:r>
+            <a:r>
+              <a:rPr lang="nl-BE" sz="2000" dirty="0">
+                <a:solidFill>
+                  <a:srgbClr val="2F4D5D"/>
+                </a:solidFill>
+              </a:rPr>
+              <a:t> on </a:t>
+            </a:r>
+            <a:r>
+              <a:rPr lang="nl-BE" sz="2000" dirty="0" err="1">
+                <a:solidFill>
+                  <a:srgbClr val="2F4D5D"/>
+                </a:solidFill>
+              </a:rPr>
+              <a:t>subcellular</a:t>
+            </a:r>
+            <a:r>
+              <a:rPr lang="nl-BE" sz="2000" dirty="0">
+                <a:solidFill>
+                  <a:srgbClr val="2F4D5D"/>
+                </a:solidFill>
+              </a:rPr>
+              <a:t>, </a:t>
+            </a:r>
+            <a:r>
+              <a:rPr lang="nl-BE" sz="2000" dirty="0" err="1">
+                <a:solidFill>
+                  <a:srgbClr val="2F4D5D"/>
+                </a:solidFill>
+              </a:rPr>
+              <a:t>cellular</a:t>
+            </a:r>
+            <a:r>
+              <a:rPr lang="nl-BE" sz="2000" dirty="0">
+                <a:solidFill>
+                  <a:srgbClr val="2F4D5D"/>
+                </a:solidFill>
+              </a:rPr>
+              <a:t> </a:t>
+            </a:r>
+            <a:r>
+              <a:rPr lang="nl-BE" sz="2000" dirty="0" err="1">
+                <a:solidFill>
+                  <a:srgbClr val="2F4D5D"/>
+                </a:solidFill>
+              </a:rPr>
+              <a:t>and</a:t>
+            </a:r>
+            <a:r>
+              <a:rPr lang="nl-BE" sz="2000" dirty="0">
+                <a:solidFill>
+                  <a:srgbClr val="2F4D5D"/>
+                </a:solidFill>
+              </a:rPr>
+              <a:t> </a:t>
+            </a:r>
+            <a:r>
+              <a:rPr lang="nl-BE" sz="2000" dirty="0" err="1">
+                <a:solidFill>
+                  <a:srgbClr val="2F4D5D"/>
+                </a:solidFill>
+              </a:rPr>
+              <a:t>whole</a:t>
+            </a:r>
+            <a:r>
+              <a:rPr lang="nl-BE" sz="2000" dirty="0">
+                <a:solidFill>
+                  <a:srgbClr val="2F4D5D"/>
+                </a:solidFill>
+              </a:rPr>
+              <a:t> tissue. </a:t>
+            </a:r>
+          </a:p>
+          <a:p>
+            <a:r>
+              <a:rPr lang="nl-BE" sz="2000" dirty="0" err="1">
+                <a:solidFill>
+                  <a:srgbClr val="2F4D5D"/>
+                </a:solidFill>
+              </a:rPr>
+              <a:t>Determination</a:t>
+            </a:r>
+            <a:r>
+              <a:rPr lang="nl-BE" sz="2000" dirty="0">
+                <a:solidFill>
+                  <a:srgbClr val="2F4D5D"/>
+                </a:solidFill>
+              </a:rPr>
+              <a:t> of: </a:t>
+            </a:r>
+          </a:p>
+          <a:p>
+            <a:endParaRPr lang="nl-BE" sz="2000" dirty="0">
+              <a:solidFill>
+                <a:srgbClr val="2F4D5D"/>
+              </a:solidFill>
+            </a:endParaRPr>
+          </a:p>
+          <a:p>
+            <a:pPr marL="342900" indent="-342900">
+              <a:buFont typeface="Wingdings" panose="05000000000000000000" pitchFamily="2" charset="2"/>
+              <a:buChar char="Ø"/>
+            </a:pPr>
+            <a:r>
+              <a:rPr lang="nl-BE" sz="2000" dirty="0">
+                <a:solidFill>
+                  <a:srgbClr val="2F4D5D"/>
+                </a:solidFill>
+              </a:rPr>
+              <a:t>A </a:t>
+            </a:r>
+            <a:r>
+              <a:rPr lang="nl-BE" sz="2000" dirty="0" err="1">
+                <a:solidFill>
+                  <a:srgbClr val="2F4D5D"/>
+                </a:solidFill>
+              </a:rPr>
+              <a:t>relatively</a:t>
+            </a:r>
+            <a:r>
+              <a:rPr lang="nl-BE" sz="2000" dirty="0">
+                <a:solidFill>
+                  <a:srgbClr val="2F4D5D"/>
+                </a:solidFill>
+              </a:rPr>
+              <a:t> </a:t>
+            </a:r>
+            <a:r>
+              <a:rPr lang="nl-BE" sz="2000" b="1" dirty="0" err="1">
+                <a:solidFill>
+                  <a:srgbClr val="2F4D5D"/>
+                </a:solidFill>
+              </a:rPr>
+              <a:t>simple</a:t>
+            </a:r>
+            <a:r>
+              <a:rPr lang="nl-BE" sz="2000" b="1" dirty="0">
+                <a:solidFill>
+                  <a:srgbClr val="2F4D5D"/>
+                </a:solidFill>
+              </a:rPr>
+              <a:t> model </a:t>
+            </a:r>
+            <a:r>
+              <a:rPr lang="nl-BE" sz="2000" dirty="0" err="1">
+                <a:solidFill>
+                  <a:srgbClr val="2F4D5D"/>
+                </a:solidFill>
+              </a:rPr>
+              <a:t>that</a:t>
+            </a:r>
+            <a:r>
+              <a:rPr lang="nl-BE" sz="2000" dirty="0">
+                <a:solidFill>
+                  <a:srgbClr val="2F4D5D"/>
+                </a:solidFill>
+              </a:rPr>
+              <a:t> </a:t>
+            </a:r>
+            <a:r>
+              <a:rPr lang="nl-BE" sz="2000" dirty="0" err="1">
+                <a:solidFill>
+                  <a:srgbClr val="2F4D5D"/>
+                </a:solidFill>
+              </a:rPr>
+              <a:t>reveals</a:t>
+            </a:r>
+            <a:r>
+              <a:rPr lang="nl-BE" sz="2000" dirty="0">
+                <a:solidFill>
+                  <a:srgbClr val="2F4D5D"/>
+                </a:solidFill>
+              </a:rPr>
+              <a:t> a </a:t>
+            </a:r>
+            <a:r>
+              <a:rPr lang="nl-BE" sz="2000" dirty="0" err="1">
+                <a:solidFill>
+                  <a:srgbClr val="2F4D5D"/>
+                </a:solidFill>
+              </a:rPr>
+              <a:t>general</a:t>
+            </a:r>
+            <a:r>
+              <a:rPr lang="nl-BE" sz="2000" dirty="0">
+                <a:solidFill>
+                  <a:srgbClr val="2F4D5D"/>
+                </a:solidFill>
+              </a:rPr>
+              <a:t> </a:t>
+            </a:r>
+            <a:r>
+              <a:rPr lang="nl-BE" sz="2000" dirty="0" err="1">
+                <a:solidFill>
+                  <a:srgbClr val="2F4D5D"/>
+                </a:solidFill>
+              </a:rPr>
+              <a:t>mechanism</a:t>
+            </a:r>
+            <a:r>
+              <a:rPr lang="nl-BE" sz="2000" dirty="0">
+                <a:solidFill>
+                  <a:srgbClr val="2F4D5D"/>
+                </a:solidFill>
+              </a:rPr>
+              <a:t> of </a:t>
+            </a:r>
+            <a:r>
+              <a:rPr lang="nl-BE" sz="2000" dirty="0" err="1">
+                <a:solidFill>
+                  <a:srgbClr val="2F4D5D"/>
+                </a:solidFill>
+              </a:rPr>
+              <a:t>toxicity</a:t>
+            </a:r>
+            <a:r>
+              <a:rPr lang="nl-BE" sz="2000" dirty="0">
+                <a:solidFill>
+                  <a:srgbClr val="2F4D5D"/>
+                </a:solidFill>
+              </a:rPr>
+              <a:t> </a:t>
+            </a:r>
+            <a:r>
+              <a:rPr lang="nl-BE" sz="2000" dirty="0" err="1">
+                <a:solidFill>
+                  <a:srgbClr val="2F4D5D"/>
+                </a:solidFill>
+              </a:rPr>
+              <a:t>can</a:t>
+            </a:r>
+            <a:r>
+              <a:rPr lang="nl-BE" sz="2000" dirty="0">
+                <a:solidFill>
+                  <a:srgbClr val="2F4D5D"/>
+                </a:solidFill>
+              </a:rPr>
+              <a:t> </a:t>
+            </a:r>
+            <a:r>
+              <a:rPr lang="nl-BE" sz="2000" dirty="0" err="1">
+                <a:solidFill>
+                  <a:srgbClr val="2F4D5D"/>
+                </a:solidFill>
+              </a:rPr>
+              <a:t>be</a:t>
+            </a:r>
+            <a:r>
+              <a:rPr lang="nl-BE" sz="2000" dirty="0">
+                <a:solidFill>
+                  <a:srgbClr val="2F4D5D"/>
+                </a:solidFill>
+              </a:rPr>
+              <a:t> a basis </a:t>
+            </a:r>
+            <a:r>
+              <a:rPr lang="nl-BE" sz="2000" dirty="0" err="1">
+                <a:solidFill>
+                  <a:srgbClr val="2F4D5D"/>
+                </a:solidFill>
+              </a:rPr>
+              <a:t>for</a:t>
+            </a:r>
+            <a:r>
+              <a:rPr lang="nl-BE" sz="2000" dirty="0">
+                <a:solidFill>
+                  <a:srgbClr val="2F4D5D"/>
+                </a:solidFill>
+              </a:rPr>
+              <a:t> </a:t>
+            </a:r>
+            <a:r>
+              <a:rPr lang="nl-BE" sz="2000" dirty="0" err="1">
+                <a:solidFill>
+                  <a:srgbClr val="2F4D5D"/>
+                </a:solidFill>
+              </a:rPr>
+              <a:t>further</a:t>
+            </a:r>
+            <a:r>
+              <a:rPr lang="nl-BE" sz="2000" dirty="0">
+                <a:solidFill>
+                  <a:srgbClr val="2F4D5D"/>
+                </a:solidFill>
+              </a:rPr>
+              <a:t> assessment.</a:t>
+            </a:r>
+          </a:p>
+          <a:p>
+            <a:endParaRPr lang="nl-BE" sz="2000" dirty="0">
+              <a:solidFill>
+                <a:srgbClr val="2F4D5D"/>
+              </a:solidFill>
+            </a:endParaRPr>
+          </a:p>
+          <a:p>
+            <a:pPr marL="342900" indent="-342900">
+              <a:buFont typeface="Wingdings" panose="05000000000000000000" pitchFamily="2" charset="2"/>
+              <a:buChar char="Ø"/>
+            </a:pPr>
+            <a:r>
+              <a:rPr lang="nl-BE" sz="2000" dirty="0">
+                <a:solidFill>
+                  <a:srgbClr val="2F4D5D"/>
+                </a:solidFill>
+              </a:rPr>
+              <a:t>“</a:t>
+            </a:r>
+            <a:r>
+              <a:rPr lang="nl-BE" sz="2000" b="1" dirty="0" err="1">
+                <a:solidFill>
+                  <a:srgbClr val="2F4D5D"/>
+                </a:solidFill>
+              </a:rPr>
+              <a:t>elementary</a:t>
+            </a:r>
+            <a:r>
+              <a:rPr lang="nl-BE" sz="2000" b="1" dirty="0">
+                <a:solidFill>
+                  <a:srgbClr val="2F4D5D"/>
+                </a:solidFill>
+              </a:rPr>
+              <a:t> </a:t>
+            </a:r>
+            <a:r>
+              <a:rPr lang="nl-BE" sz="2000" b="1" dirty="0" err="1">
+                <a:solidFill>
+                  <a:srgbClr val="2F4D5D"/>
+                </a:solidFill>
+              </a:rPr>
+              <a:t>toxicity</a:t>
+            </a:r>
+            <a:r>
+              <a:rPr lang="nl-BE" sz="2000" dirty="0">
+                <a:solidFill>
+                  <a:srgbClr val="2F4D5D"/>
+                </a:solidFill>
+              </a:rPr>
+              <a:t>”: </a:t>
+            </a:r>
+            <a:r>
+              <a:rPr lang="nl-BE" sz="2000" dirty="0" err="1">
+                <a:solidFill>
+                  <a:srgbClr val="2F4D5D"/>
+                </a:solidFill>
+              </a:rPr>
+              <a:t>the</a:t>
+            </a:r>
+            <a:r>
+              <a:rPr lang="nl-BE" sz="2000" dirty="0">
+                <a:solidFill>
+                  <a:srgbClr val="2F4D5D"/>
+                </a:solidFill>
+              </a:rPr>
+              <a:t> </a:t>
+            </a:r>
+            <a:r>
+              <a:rPr lang="nl-BE" sz="2000" dirty="0" err="1">
+                <a:solidFill>
+                  <a:srgbClr val="2F4D5D"/>
+                </a:solidFill>
+              </a:rPr>
+              <a:t>ability</a:t>
+            </a:r>
+            <a:r>
+              <a:rPr lang="nl-BE" sz="2000" dirty="0">
+                <a:solidFill>
+                  <a:srgbClr val="2F4D5D"/>
+                </a:solidFill>
+              </a:rPr>
+              <a:t> of a compound </a:t>
+            </a:r>
+            <a:r>
+              <a:rPr lang="nl-BE" sz="2000" dirty="0" err="1">
+                <a:solidFill>
+                  <a:srgbClr val="2F4D5D"/>
+                </a:solidFill>
+              </a:rPr>
+              <a:t>to</a:t>
+            </a:r>
+            <a:r>
+              <a:rPr lang="nl-BE" sz="2000" dirty="0">
+                <a:solidFill>
+                  <a:srgbClr val="2F4D5D"/>
+                </a:solidFill>
+              </a:rPr>
+              <a:t> </a:t>
+            </a:r>
+            <a:r>
+              <a:rPr lang="nl-BE" sz="2000" dirty="0" err="1">
+                <a:solidFill>
+                  <a:srgbClr val="2F4D5D"/>
+                </a:solidFill>
+              </a:rPr>
+              <a:t>cause</a:t>
+            </a:r>
+            <a:r>
+              <a:rPr lang="nl-BE" sz="2000" dirty="0">
+                <a:solidFill>
+                  <a:srgbClr val="2F4D5D"/>
+                </a:solidFill>
+              </a:rPr>
+              <a:t> </a:t>
+            </a:r>
+            <a:r>
+              <a:rPr lang="nl-BE" sz="2000" dirty="0" err="1">
+                <a:solidFill>
+                  <a:srgbClr val="2F4D5D"/>
+                </a:solidFill>
+              </a:rPr>
+              <a:t>death</a:t>
+            </a:r>
+            <a:r>
+              <a:rPr lang="nl-BE" sz="2000" dirty="0">
+                <a:solidFill>
+                  <a:srgbClr val="2F4D5D"/>
+                </a:solidFill>
+              </a:rPr>
+              <a:t> as a </a:t>
+            </a:r>
+            <a:r>
+              <a:rPr lang="nl-BE" sz="2000" dirty="0" err="1">
+                <a:solidFill>
+                  <a:srgbClr val="2F4D5D"/>
+                </a:solidFill>
+              </a:rPr>
+              <a:t>consequence</a:t>
+            </a:r>
+            <a:r>
+              <a:rPr lang="nl-BE" sz="2000" dirty="0">
+                <a:solidFill>
+                  <a:srgbClr val="2F4D5D"/>
+                </a:solidFill>
+              </a:rPr>
+              <a:t> of </a:t>
+            </a:r>
+            <a:r>
+              <a:rPr lang="nl-BE" sz="2000" dirty="0" err="1">
+                <a:solidFill>
+                  <a:srgbClr val="2F4D5D"/>
+                </a:solidFill>
+              </a:rPr>
+              <a:t>damage</a:t>
+            </a:r>
+            <a:r>
+              <a:rPr lang="nl-BE" sz="2000" dirty="0">
+                <a:solidFill>
+                  <a:srgbClr val="2F4D5D"/>
+                </a:solidFill>
+              </a:rPr>
+              <a:t> </a:t>
+            </a:r>
+            <a:r>
+              <a:rPr lang="nl-BE" sz="2000" dirty="0" err="1">
+                <a:solidFill>
+                  <a:srgbClr val="2F4D5D"/>
+                </a:solidFill>
+              </a:rPr>
+              <a:t>to</a:t>
+            </a:r>
+            <a:r>
+              <a:rPr lang="nl-BE" sz="2000" dirty="0">
+                <a:solidFill>
+                  <a:srgbClr val="2F4D5D"/>
+                </a:solidFill>
+              </a:rPr>
+              <a:t> basic </a:t>
+            </a:r>
+            <a:r>
+              <a:rPr lang="nl-BE" sz="2000" dirty="0" err="1">
+                <a:solidFill>
+                  <a:srgbClr val="2F4D5D"/>
+                </a:solidFill>
+              </a:rPr>
+              <a:t>cellular</a:t>
+            </a:r>
+            <a:r>
+              <a:rPr lang="nl-BE" sz="2000" dirty="0">
+                <a:solidFill>
+                  <a:srgbClr val="2F4D5D"/>
+                </a:solidFill>
+              </a:rPr>
+              <a:t> </a:t>
+            </a:r>
+            <a:r>
+              <a:rPr lang="nl-BE" sz="2000" dirty="0" err="1">
+                <a:solidFill>
+                  <a:srgbClr val="2F4D5D"/>
+                </a:solidFill>
+              </a:rPr>
+              <a:t>functions</a:t>
+            </a:r>
+            <a:r>
+              <a:rPr lang="nl-BE" sz="2000" dirty="0">
+                <a:solidFill>
+                  <a:srgbClr val="2F4D5D"/>
+                </a:solidFill>
+              </a:rPr>
+              <a:t>. </a:t>
+            </a:r>
+          </a:p>
+          <a:p>
+            <a:endParaRPr lang="nl-BE" sz="2000" dirty="0">
+              <a:solidFill>
+                <a:srgbClr val="2F4D5D"/>
+              </a:solidFill>
+            </a:endParaRPr>
+          </a:p>
+          <a:p>
+            <a:pPr algn="ctr"/>
+            <a:r>
+              <a:rPr lang="nl-BE" sz="2000" b="1" dirty="0" err="1">
+                <a:solidFill>
+                  <a:srgbClr val="2F4D5D"/>
+                </a:solidFill>
+              </a:rPr>
+              <a:t>Experimental</a:t>
+            </a:r>
+            <a:r>
+              <a:rPr lang="nl-BE" sz="2000" b="1" dirty="0">
+                <a:solidFill>
+                  <a:srgbClr val="2F4D5D"/>
+                </a:solidFill>
+              </a:rPr>
+              <a:t> </a:t>
+            </a:r>
+            <a:r>
+              <a:rPr lang="nl-BE" sz="2000" b="1" dirty="0" err="1">
+                <a:solidFill>
+                  <a:srgbClr val="2F4D5D"/>
+                </a:solidFill>
+              </a:rPr>
+              <a:t>observation</a:t>
+            </a:r>
+            <a:r>
+              <a:rPr lang="nl-BE" sz="2000" b="1" dirty="0">
+                <a:solidFill>
+                  <a:srgbClr val="2F4D5D"/>
+                </a:solidFill>
+              </a:rPr>
+              <a:t>: </a:t>
+            </a:r>
+          </a:p>
+          <a:p>
+            <a:pPr algn="ctr"/>
+            <a:r>
+              <a:rPr lang="en-US" sz="2000" dirty="0">
+                <a:solidFill>
+                  <a:srgbClr val="2F4D5D"/>
+                </a:solidFill>
+              </a:rPr>
+              <a:t>“The data obtained from basal toxicity studies have been found to be in good correlation with acute toxicity in animals and humans”</a:t>
+            </a:r>
+            <a:endParaRPr lang="nl-BE" sz="2000" dirty="0">
+              <a:solidFill>
+                <a:srgbClr val="2F4D5D"/>
+              </a:solidFill>
+            </a:endParaRPr>
+          </a:p>
+          <a:p>
+            <a:pPr algn="ctr"/>
+            <a:endParaRPr lang="nl-BE" sz="2000" dirty="0">
+              <a:solidFill>
+                <a:srgbClr val="2F4D5D"/>
+              </a:solidFill>
+            </a:endParaRPr>
+          </a:p>
+          <a:p>
+            <a:pPr algn="ctr"/>
+            <a:endParaRPr lang="nl-BE" sz="2000" dirty="0">
+              <a:solidFill>
+                <a:srgbClr val="2F4D5D"/>
+              </a:solidFill>
+            </a:endParaRPr>
+          </a:p>
+          <a:p>
+            <a:pPr algn="ctr"/>
+            <a:endParaRPr lang="nl-BE" sz="2000" dirty="0">
+              <a:solidFill>
+                <a:srgbClr val="2F4D5D"/>
+              </a:solidFill>
+            </a:endParaRPr>
+          </a:p>
+          <a:p>
+            <a:pPr algn="ctr"/>
+            <a:endParaRPr lang="nl-BE" sz="2000" dirty="0">
+              <a:solidFill>
+                <a:srgbClr val="2F4D5D"/>
+              </a:solidFill>
+            </a:endParaRPr>
+          </a:p>
+          <a:p>
+            <a:pPr algn="ctr"/>
+            <a:endParaRPr lang="nl-BE" sz="2000" dirty="0">
+              <a:solidFill>
+                <a:srgbClr val="2F4D5D"/>
+              </a:solidFill>
+            </a:endParaRPr>
+          </a:p>
+          <a:p>
+            <a:pPr algn="ctr"/>
+            <a:endParaRPr lang="nl-BE" sz="2000" dirty="0">
+              <a:solidFill>
+                <a:srgbClr val="2F4D5D"/>
+              </a:solidFill>
+            </a:endParaRPr>
           </a:p>
         </p:txBody>
       </p:sp>
     </p:spTree>
     <p:extLst>
       <p:ext uri="{BB962C8B-B14F-4D97-AF65-F5344CB8AC3E}">
-        <p14:creationId xmlns:p14="http://schemas.microsoft.com/office/powerpoint/2010/main" val="4204038074"/>
+        <p14:creationId xmlns:p14="http://schemas.microsoft.com/office/powerpoint/2010/main" val="1019489789"/>
       </p:ext>
     </p:extLst>
   </p:cSld>
@@ -7098,10 +7439,10 @@
       </p:grpSpPr>
       <p:sp>
         <p:nvSpPr>
-          <p:cNvPr id="2" name="Tijdelijke aanduiding voor inhoud 1">
+          <p:cNvPr id="7" name="Tijdelijke aanduiding voor dianummer 23">
             <a:extLst>
               <a:ext uri="{FF2B5EF4-FFF2-40B4-BE49-F238E27FC236}">
-                <a16:creationId xmlns:a16="http://schemas.microsoft.com/office/drawing/2014/main" id="{DA23FDA8-8B91-4851-BFB1-DD9B789576B1}"/>
+                <a16:creationId xmlns:a16="http://schemas.microsoft.com/office/drawing/2014/main" id="{E7BA9955-551E-4B72-9196-84FDFE87439B}"/>
               </a:ext>
             </a:extLst>
           </p:cNvPr>
@@ -7109,271 +7450,45 @@
             <a:spLocks noGrp="1"/>
           </p:cNvSpPr>
           <p:nvPr>
-            <p:ph idx="1"/>
-          </p:nvPr>
-        </p:nvSpPr>
-        <p:spPr/>
-        <p:txBody>
-          <a:bodyPr vert="horz" lIns="91440" tIns="45720" rIns="91440" bIns="45720" rtlCol="0" anchor="t">
-            <a:normAutofit/>
-          </a:bodyPr>
-          <a:lstStyle/>
-          <a:p>
-            <a:r>
-              <a:rPr lang="nl-NL" dirty="0">
-                <a:latin typeface="Arial"/>
-                <a:cs typeface="Arial"/>
-              </a:rPr>
-              <a:t>Large </a:t>
-            </a:r>
-            <a:r>
-              <a:rPr lang="nl-NL" dirty="0" err="1">
-                <a:latin typeface="Arial"/>
-                <a:cs typeface="Arial"/>
-              </a:rPr>
-              <a:t>concentration</a:t>
-            </a:r>
-            <a:r>
-              <a:rPr lang="nl-NL" dirty="0">
-                <a:latin typeface="Arial"/>
-                <a:cs typeface="Arial"/>
-              </a:rPr>
-              <a:t> --&gt; </a:t>
-            </a:r>
-            <a:r>
-              <a:rPr lang="nl-NL" dirty="0" err="1">
-                <a:latin typeface="Arial"/>
-                <a:cs typeface="Arial"/>
-              </a:rPr>
-              <a:t>aggregation</a:t>
-            </a:r>
-            <a:r>
-              <a:rPr lang="nl-NL" dirty="0">
-                <a:latin typeface="Arial"/>
-                <a:cs typeface="Arial"/>
-              </a:rPr>
-              <a:t> of </a:t>
-            </a:r>
-            <a:r>
-              <a:rPr lang="nl-NL" dirty="0" err="1">
-                <a:latin typeface="Arial"/>
-                <a:cs typeface="Arial"/>
-              </a:rPr>
-              <a:t>particles</a:t>
-            </a:r>
-          </a:p>
-          <a:p>
-            <a:r>
-              <a:rPr lang="nl-NL" dirty="0" err="1">
-                <a:latin typeface="Arial"/>
-                <a:cs typeface="Arial"/>
-              </a:rPr>
-              <a:t>Larger</a:t>
-            </a:r>
-            <a:r>
-              <a:rPr lang="nl-NL" dirty="0">
-                <a:latin typeface="Arial"/>
-                <a:cs typeface="Arial"/>
-              </a:rPr>
-              <a:t> </a:t>
-            </a:r>
-            <a:r>
-              <a:rPr lang="nl-NL" dirty="0" err="1">
-                <a:latin typeface="Arial"/>
-                <a:cs typeface="Arial"/>
-              </a:rPr>
-              <a:t>particles</a:t>
-            </a:r>
-            <a:r>
-              <a:rPr lang="nl-NL" dirty="0">
-                <a:latin typeface="Arial"/>
-                <a:cs typeface="Arial"/>
-              </a:rPr>
-              <a:t>, </a:t>
-            </a:r>
-            <a:r>
-              <a:rPr lang="nl-NL" dirty="0" err="1">
-                <a:latin typeface="Arial"/>
-                <a:cs typeface="Arial"/>
-              </a:rPr>
-              <a:t>less</a:t>
-            </a:r>
-            <a:r>
-              <a:rPr lang="nl-NL" dirty="0">
-                <a:latin typeface="Arial"/>
-                <a:cs typeface="Arial"/>
-              </a:rPr>
-              <a:t> </a:t>
-            </a:r>
-            <a:r>
-              <a:rPr lang="nl-NL" dirty="0" err="1">
-                <a:latin typeface="Arial"/>
-                <a:cs typeface="Arial"/>
-              </a:rPr>
-              <a:t>surface</a:t>
-            </a:r>
-            <a:r>
-              <a:rPr lang="nl-NL" dirty="0">
-                <a:latin typeface="Arial"/>
-                <a:cs typeface="Arial"/>
-              </a:rPr>
-              <a:t> AND </a:t>
-            </a:r>
-            <a:r>
-              <a:rPr lang="nl-NL" dirty="0" err="1">
-                <a:latin typeface="Arial"/>
-                <a:cs typeface="Arial"/>
-              </a:rPr>
-              <a:t>white</a:t>
-            </a:r>
-            <a:r>
-              <a:rPr lang="nl-NL" dirty="0">
-                <a:latin typeface="Arial"/>
-                <a:cs typeface="Arial"/>
-              </a:rPr>
-              <a:t> </a:t>
-            </a:r>
-            <a:r>
-              <a:rPr lang="nl-NL" dirty="0" err="1">
-                <a:latin typeface="Arial"/>
-                <a:cs typeface="Arial"/>
-              </a:rPr>
-              <a:t>bloodcells</a:t>
-            </a:r>
-            <a:r>
-              <a:rPr lang="nl-NL" dirty="0">
-                <a:latin typeface="Arial"/>
-                <a:cs typeface="Arial"/>
-              </a:rPr>
-              <a:t> </a:t>
-            </a:r>
-            <a:r>
-              <a:rPr lang="nl-NL" dirty="0" err="1">
-                <a:latin typeface="Arial"/>
-                <a:cs typeface="Arial"/>
-              </a:rPr>
-              <a:t>can</a:t>
-            </a:r>
-            <a:r>
-              <a:rPr lang="nl-NL" dirty="0">
-                <a:latin typeface="Arial"/>
-                <a:cs typeface="Arial"/>
-              </a:rPr>
-              <a:t> </a:t>
-            </a:r>
-            <a:r>
-              <a:rPr lang="nl-NL" dirty="0" err="1">
-                <a:latin typeface="Arial"/>
-                <a:cs typeface="Arial"/>
-              </a:rPr>
-              <a:t>macrophage</a:t>
-            </a:r>
-            <a:r>
-              <a:rPr lang="nl-NL" dirty="0">
-                <a:latin typeface="Arial"/>
-                <a:cs typeface="Arial"/>
-              </a:rPr>
-              <a:t> </a:t>
-            </a:r>
-            <a:r>
-              <a:rPr lang="nl-NL" dirty="0" err="1">
-                <a:latin typeface="Arial"/>
-                <a:cs typeface="Arial"/>
-              </a:rPr>
-              <a:t>the</a:t>
-            </a:r>
-            <a:r>
-              <a:rPr lang="nl-NL" dirty="0">
-                <a:latin typeface="Arial"/>
-                <a:cs typeface="Arial"/>
-              </a:rPr>
-              <a:t> </a:t>
-            </a:r>
-            <a:r>
-              <a:rPr lang="nl-NL" dirty="0" err="1">
-                <a:latin typeface="Arial"/>
-                <a:cs typeface="Arial"/>
-              </a:rPr>
-              <a:t>aggregates</a:t>
-            </a:r>
-            <a:endParaRPr lang="nl-NL" dirty="0" err="1">
-              <a:cs typeface="Arial"/>
-            </a:endParaRPr>
-          </a:p>
-          <a:p>
-            <a:r>
-              <a:rPr lang="nl-NL" dirty="0">
-                <a:latin typeface="Arial"/>
-                <a:cs typeface="Arial"/>
-              </a:rPr>
-              <a:t>Large </a:t>
-            </a:r>
-            <a:r>
-              <a:rPr lang="nl-NL" dirty="0" err="1">
-                <a:latin typeface="Arial"/>
-                <a:cs typeface="Arial"/>
-              </a:rPr>
-              <a:t>concentration</a:t>
-            </a:r>
-            <a:r>
-              <a:rPr lang="nl-NL" dirty="0">
-                <a:latin typeface="Arial"/>
-                <a:cs typeface="Arial"/>
-              </a:rPr>
-              <a:t> </a:t>
-            </a:r>
-            <a:r>
-              <a:rPr lang="nl-NL" dirty="0" err="1">
-                <a:latin typeface="Arial"/>
-                <a:cs typeface="Arial"/>
-              </a:rPr>
-              <a:t>results</a:t>
-            </a:r>
-            <a:r>
-              <a:rPr lang="nl-NL" dirty="0">
-                <a:latin typeface="Arial"/>
-                <a:cs typeface="Arial"/>
-              </a:rPr>
-              <a:t> in </a:t>
-            </a:r>
-            <a:r>
-              <a:rPr lang="nl-NL" dirty="0" err="1">
-                <a:latin typeface="Arial"/>
-                <a:cs typeface="Arial"/>
-              </a:rPr>
-              <a:t>less</a:t>
-            </a:r>
-            <a:r>
-              <a:rPr lang="nl-NL" dirty="0">
-                <a:latin typeface="Arial"/>
-                <a:cs typeface="Arial"/>
-              </a:rPr>
-              <a:t> </a:t>
-            </a:r>
-            <a:r>
-              <a:rPr lang="nl-NL" dirty="0" err="1">
-                <a:latin typeface="Arial"/>
-                <a:cs typeface="Arial"/>
-              </a:rPr>
-              <a:t>toxicity</a:t>
-            </a:r>
-            <a:endParaRPr lang="nl-NL" dirty="0" err="1">
-              <a:cs typeface="Arial"/>
-            </a:endParaRPr>
-          </a:p>
-          <a:p>
-            <a:endParaRPr lang="nl-NL" dirty="0">
-              <a:cs typeface="Arial"/>
-            </a:endParaRPr>
-          </a:p>
-        </p:txBody>
-      </p:sp>
-      <p:sp>
-        <p:nvSpPr>
-          <p:cNvPr id="3" name="Tijdelijke aanduiding voor voettekst 2">
+            <p:ph type="sldNum" sz="quarter" idx="12"/>
+          </p:nvPr>
+        </p:nvSpPr>
+        <p:spPr>
+          <a:xfrm>
+            <a:off x="11544000" y="-126730"/>
+            <a:ext cx="648000" cy="648000"/>
+          </a:xfrm>
+        </p:spPr>
+        <p:txBody>
+          <a:bodyPr/>
+          <a:lstStyle/>
+          <a:p>
+            <a:fld id="{CF179DAE-D0A6-40C3-B8BC-6A97C268D03A}" type="slidenum">
+              <a:rPr lang="nl-NL" sz="1200" smtClean="0">
+                <a:solidFill>
+                  <a:srgbClr val="1D8DB0"/>
+                </a:solidFill>
+              </a:rPr>
+              <a:pPr/>
+              <a:t>11</a:t>
+            </a:fld>
+            <a:r>
+              <a:rPr lang="nl-NL" sz="1200" dirty="0">
+                <a:solidFill>
+                  <a:srgbClr val="1D8DB0"/>
+                </a:solidFill>
+              </a:rPr>
+              <a:t>/31</a:t>
+            </a:r>
+          </a:p>
+        </p:txBody>
+      </p:sp>
+      <p:sp>
+        <p:nvSpPr>
+          <p:cNvPr id="9" name="Titel 4">
             <a:extLst>
               <a:ext uri="{FF2B5EF4-FFF2-40B4-BE49-F238E27FC236}">
-                <a16:creationId xmlns:a16="http://schemas.microsoft.com/office/drawing/2014/main" id="{34BF4704-138D-49F1-B37A-017E77BC0845}"/>
+                <a16:creationId xmlns:a16="http://schemas.microsoft.com/office/drawing/2014/main" id="{32C054A8-9043-41C9-BA29-6C11E3B87A6D}"/>
               </a:ext>
             </a:extLst>
           </p:cNvPr>
@@ -7381,27 +7496,33 @@
             <a:spLocks noGrp="1"/>
           </p:cNvSpPr>
           <p:nvPr>
-            <p:ph type="ftr" sz="quarter" idx="11"/>
-          </p:nvPr>
-        </p:nvSpPr>
-        <p:spPr/>
+            <p:ph type="title"/>
+          </p:nvPr>
+        </p:nvSpPr>
+        <p:spPr>
+          <a:xfrm>
+            <a:off x="576263" y="336550"/>
+            <a:ext cx="11041062" cy="1152525"/>
+          </a:xfrm>
+        </p:spPr>
         <p:txBody>
           <a:bodyPr/>
           <a:lstStyle/>
           <a:p>
             <a:r>
-              <a:rPr lang="nl-NL"/>
-              <a:t>Faculteit, departement, dienst …</a:t>
-            </a:r>
-          </a:p>
-        </p:txBody>
-      </p:sp>
-      <p:sp>
-        <p:nvSpPr>
-          <p:cNvPr id="4" name="Tijdelijke aanduiding voor dianummer 3">
+              <a:rPr lang="nl-BE" dirty="0" err="1"/>
+              <a:t>Genotoxicity</a:t>
+            </a:r>
+            <a:endParaRPr lang="nl-BE" dirty="0"/>
+          </a:p>
+        </p:txBody>
+      </p:sp>
+      <p:sp>
+        <p:nvSpPr>
+          <p:cNvPr id="8" name="Tijdelijke aanduiding voor inhoud 1">
             <a:extLst>
               <a:ext uri="{FF2B5EF4-FFF2-40B4-BE49-F238E27FC236}">
-                <a16:creationId xmlns:a16="http://schemas.microsoft.com/office/drawing/2014/main" id="{6DC5F5CE-E772-438D-AE6A-86414E0B072A}"/>
+                <a16:creationId xmlns:a16="http://schemas.microsoft.com/office/drawing/2014/main" id="{FD48FE27-13D3-407C-9CF5-D7CAC1400D54}"/>
               </a:ext>
             </a:extLst>
           </p:cNvPr>
@@ -7409,72 +7530,250 @@
             <a:spLocks noGrp="1"/>
           </p:cNvSpPr>
           <p:nvPr>
-            <p:ph type="sldNum" sz="quarter" idx="12"/>
-          </p:nvPr>
-        </p:nvSpPr>
-        <p:spPr/>
-        <p:txBody>
-          <a:bodyPr/>
-          <a:lstStyle/>
-          <a:p>
-            <a:fld id="{0A297500-7527-634B-90F4-69D0994C32B4}" type="slidenum">
-              <a:rPr lang="nl-NL" smtClean="0"/>
-              <a:t>11</a:t>
-            </a:fld>
-            <a:endParaRPr lang="nl-NL"/>
-          </a:p>
-        </p:txBody>
-      </p:sp>
-      <p:sp>
-        <p:nvSpPr>
-          <p:cNvPr id="5" name="Titel 4">
+            <p:ph idx="1"/>
+          </p:nvPr>
+        </p:nvSpPr>
+        <p:spPr>
+          <a:xfrm>
+            <a:off x="576000" y="1656000"/>
+            <a:ext cx="11041200" cy="4043464"/>
+          </a:xfrm>
+        </p:spPr>
+        <p:txBody>
+          <a:bodyPr>
+            <a:normAutofit/>
+          </a:bodyPr>
+          <a:lstStyle/>
+          <a:p>
+            <a:pPr marL="0" indent="0">
+              <a:buNone/>
+            </a:pPr>
+            <a:r>
+              <a:rPr lang="nl-BE" sz="2000" dirty="0" err="1"/>
+              <a:t>Describes</a:t>
+            </a:r>
+            <a:r>
+              <a:rPr lang="nl-BE" sz="2000" dirty="0"/>
+              <a:t> </a:t>
+            </a:r>
+            <a:r>
+              <a:rPr lang="nl-BE" sz="2000" dirty="0" err="1"/>
+              <a:t>the</a:t>
+            </a:r>
+            <a:r>
+              <a:rPr lang="nl-BE" sz="2000" dirty="0"/>
+              <a:t> </a:t>
+            </a:r>
+            <a:r>
+              <a:rPr lang="nl-BE" sz="2000" dirty="0" err="1"/>
+              <a:t>ability</a:t>
+            </a:r>
+            <a:r>
+              <a:rPr lang="nl-BE" sz="2000" dirty="0"/>
+              <a:t> of a </a:t>
+            </a:r>
+            <a:r>
+              <a:rPr lang="nl-BE" sz="2000" dirty="0" err="1"/>
+              <a:t>chemical</a:t>
+            </a:r>
+            <a:r>
+              <a:rPr lang="nl-BE" sz="2000" dirty="0"/>
+              <a:t> test agent </a:t>
+            </a:r>
+            <a:r>
+              <a:rPr lang="nl-BE" sz="2000" dirty="0" err="1"/>
+              <a:t>to</a:t>
+            </a:r>
+            <a:r>
+              <a:rPr lang="nl-BE" sz="2000" dirty="0"/>
+              <a:t> </a:t>
+            </a:r>
+            <a:r>
+              <a:rPr lang="nl-BE" sz="2000" dirty="0" err="1"/>
+              <a:t>induce</a:t>
+            </a:r>
+            <a:r>
+              <a:rPr lang="nl-BE" sz="2000" dirty="0"/>
+              <a:t> DNA </a:t>
+            </a:r>
+            <a:r>
+              <a:rPr lang="nl-BE" sz="2000" dirty="0" err="1"/>
+              <a:t>damage</a:t>
+            </a:r>
+            <a:endParaRPr lang="nl-BE" sz="2000" dirty="0"/>
+          </a:p>
+        </p:txBody>
+      </p:sp>
+      <p:sp>
+        <p:nvSpPr>
+          <p:cNvPr id="10" name="Tekstvak 9">
             <a:extLst>
               <a:ext uri="{FF2B5EF4-FFF2-40B4-BE49-F238E27FC236}">
-                <a16:creationId xmlns:a16="http://schemas.microsoft.com/office/drawing/2014/main" id="{ABD654FC-0EF3-41CA-AC73-0A81742D970C}"/>
+                <a16:creationId xmlns:a16="http://schemas.microsoft.com/office/drawing/2014/main" id="{F9AF6A87-507F-4E2E-8A2A-840080D13776}"/>
               </a:ext>
             </a:extLst>
           </p:cNvPr>
-          <p:cNvSpPr>
-            <a:spLocks noGrp="1"/>
-          </p:cNvSpPr>
-          <p:nvPr>
-            <p:ph type="title"/>
-          </p:nvPr>
-        </p:nvSpPr>
-        <p:spPr/>
-        <p:txBody>
-          <a:bodyPr/>
-          <a:lstStyle/>
-          <a:p>
-            <a:r>
-              <a:rPr lang="nl-NL" dirty="0" err="1">
-                <a:latin typeface="Arial"/>
-                <a:cs typeface="Arial"/>
-              </a:rPr>
-              <a:t>Concentration</a:t>
-            </a:r>
-            <a:r>
-              <a:rPr lang="nl-NL" dirty="0">
-                <a:latin typeface="Arial"/>
-                <a:cs typeface="Arial"/>
-              </a:rPr>
-              <a:t> </a:t>
-            </a:r>
-            <a:r>
-              <a:rPr lang="nl-NL" dirty="0" err="1">
-                <a:latin typeface="Arial"/>
-                <a:cs typeface="Arial"/>
-              </a:rPr>
-              <a:t>dependence</a:t>
-            </a:r>
-            <a:endParaRPr lang="nl-NL" dirty="0" err="1"/>
+          <p:cNvSpPr txBox="1"/>
+          <p:nvPr/>
+        </p:nvSpPr>
+        <p:spPr>
+          <a:xfrm>
+            <a:off x="159798" y="58771"/>
+            <a:ext cx="5832629" cy="276999"/>
+          </a:xfrm>
+          <a:prstGeom prst="rect">
+            <a:avLst/>
+          </a:prstGeom>
+          <a:noFill/>
+        </p:spPr>
+        <p:txBody>
+          <a:bodyPr wrap="square" rtlCol="0">
+            <a:spAutoFit/>
+          </a:bodyPr>
+          <a:lstStyle/>
+          <a:p>
+            <a:r>
+              <a:rPr lang="nl-BE" sz="1200" dirty="0">
+                <a:solidFill>
+                  <a:srgbClr val="1D8DB0"/>
+                </a:solidFill>
+              </a:rPr>
+              <a:t>J. </a:t>
+            </a:r>
+            <a:r>
+              <a:rPr lang="nl-BE" sz="1200" dirty="0" err="1">
+                <a:solidFill>
+                  <a:srgbClr val="1D8DB0"/>
+                </a:solidFill>
+              </a:rPr>
+              <a:t>Neirynck</a:t>
+            </a:r>
+            <a:r>
+              <a:rPr lang="nl-BE" sz="1200" dirty="0">
+                <a:solidFill>
+                  <a:srgbClr val="1D8DB0"/>
+                </a:solidFill>
+              </a:rPr>
+              <a:t>, F. Van </a:t>
+            </a:r>
+            <a:r>
+              <a:rPr lang="nl-BE" sz="1200" dirty="0" err="1">
+                <a:solidFill>
+                  <a:srgbClr val="1D8DB0"/>
+                </a:solidFill>
+              </a:rPr>
+              <a:t>Eecke</a:t>
+            </a:r>
+            <a:r>
+              <a:rPr lang="nl-BE" sz="1200" dirty="0">
+                <a:solidFill>
+                  <a:srgbClr val="1D8DB0"/>
+                </a:solidFill>
+              </a:rPr>
+              <a:t> &amp; R. Vrielynck</a:t>
+            </a:r>
+          </a:p>
+        </p:txBody>
+      </p:sp>
+      <p:sp>
+        <p:nvSpPr>
+          <p:cNvPr id="11" name="Tekstvak 10">
+            <a:extLst>
+              <a:ext uri="{FF2B5EF4-FFF2-40B4-BE49-F238E27FC236}">
+                <a16:creationId xmlns:a16="http://schemas.microsoft.com/office/drawing/2014/main" id="{02C83A39-3DA1-4516-B834-3C3D5F8552F0}"/>
+              </a:ext>
+            </a:extLst>
+          </p:cNvPr>
+          <p:cNvSpPr txBox="1"/>
+          <p:nvPr/>
+        </p:nvSpPr>
+        <p:spPr>
+          <a:xfrm>
+            <a:off x="576000" y="6356412"/>
+            <a:ext cx="10351364" cy="315471"/>
+          </a:xfrm>
+          <a:prstGeom prst="rect">
+            <a:avLst/>
+          </a:prstGeom>
+          <a:noFill/>
+        </p:spPr>
+        <p:txBody>
+          <a:bodyPr wrap="square" rtlCol="0">
+            <a:spAutoFit/>
+          </a:bodyPr>
+          <a:lstStyle/>
+          <a:p>
+            <a:r>
+              <a:rPr lang="nl-BE" sz="1450" dirty="0" err="1">
+                <a:solidFill>
+                  <a:schemeClr val="bg1"/>
+                </a:solidFill>
+              </a:rPr>
+              <a:t>Introduction</a:t>
+            </a:r>
+            <a:r>
+              <a:rPr lang="nl-BE" sz="1450" dirty="0">
+                <a:solidFill>
+                  <a:schemeClr val="bg1"/>
+                </a:solidFill>
+              </a:rPr>
+              <a:t>	</a:t>
+            </a:r>
+            <a:r>
+              <a:rPr lang="nl-BE" sz="1450" b="1" dirty="0">
+                <a:solidFill>
+                  <a:schemeClr val="bg1"/>
+                </a:solidFill>
+              </a:rPr>
+              <a:t>	Framework</a:t>
+            </a:r>
+            <a:r>
+              <a:rPr lang="nl-BE" sz="1450" dirty="0">
+                <a:solidFill>
+                  <a:schemeClr val="bg1"/>
+                </a:solidFill>
+              </a:rPr>
+              <a:t>		</a:t>
+            </a:r>
+            <a:r>
+              <a:rPr lang="nl-BE" sz="1450" dirty="0" err="1">
+                <a:solidFill>
+                  <a:schemeClr val="bg1"/>
+                </a:solidFill>
+              </a:rPr>
+              <a:t>Techniques</a:t>
+            </a:r>
+            <a:r>
+              <a:rPr lang="nl-BE" sz="1450" dirty="0">
+                <a:solidFill>
+                  <a:schemeClr val="bg1"/>
+                </a:solidFill>
+              </a:rPr>
+              <a:t> &amp; </a:t>
+            </a:r>
+            <a:r>
+              <a:rPr lang="nl-BE" sz="1450" dirty="0" err="1">
+                <a:solidFill>
+                  <a:schemeClr val="bg1"/>
+                </a:solidFill>
+              </a:rPr>
+              <a:t>Results</a:t>
+            </a:r>
+            <a:r>
+              <a:rPr lang="nl-BE" sz="1450" dirty="0">
+                <a:solidFill>
+                  <a:schemeClr val="bg1"/>
+                </a:solidFill>
+              </a:rPr>
+              <a:t>			Summary</a:t>
+            </a:r>
           </a:p>
         </p:txBody>
       </p:sp>
     </p:spTree>
     <p:extLst>
       <p:ext uri="{BB962C8B-B14F-4D97-AF65-F5344CB8AC3E}">
-        <p14:creationId xmlns:p14="http://schemas.microsoft.com/office/powerpoint/2010/main" val="623244575"/>
+        <p14:creationId xmlns:p14="http://schemas.microsoft.com/office/powerpoint/2010/main" val="2708186672"/>
       </p:ext>
     </p:extLst>
   </p:cSld>
@@ -7503,6 +7802,1274 @@
       </p:grpSpPr>
       <p:sp>
         <p:nvSpPr>
+          <p:cNvPr id="2" name="Titel 1">
+            <a:extLst>
+              <a:ext uri="{FF2B5EF4-FFF2-40B4-BE49-F238E27FC236}">
+                <a16:creationId xmlns:a16="http://schemas.microsoft.com/office/drawing/2014/main" id="{069A9DF7-0F9D-4549-B4E3-66F98F66FF7B}"/>
+              </a:ext>
+            </a:extLst>
+          </p:cNvPr>
+          <p:cNvSpPr>
+            <a:spLocks noGrp="1"/>
+          </p:cNvSpPr>
+          <p:nvPr>
+            <p:ph type="title"/>
+          </p:nvPr>
+        </p:nvSpPr>
+        <p:spPr/>
+        <p:txBody>
+          <a:bodyPr/>
+          <a:lstStyle/>
+          <a:p>
+            <a:r>
+              <a:rPr lang="nl-NL" dirty="0">
+                <a:latin typeface="Arial"/>
+                <a:cs typeface="Arial"/>
+              </a:rPr>
+              <a:t>Parameters </a:t>
+            </a:r>
+            <a:r>
+              <a:rPr lang="nl-NL" dirty="0" err="1">
+                <a:latin typeface="Arial"/>
+                <a:cs typeface="Arial"/>
+              </a:rPr>
+              <a:t>influcencing</a:t>
+            </a:r>
+            <a:r>
+              <a:rPr lang="nl-NL" dirty="0">
+                <a:latin typeface="Arial"/>
+                <a:cs typeface="Arial"/>
+              </a:rPr>
+              <a:t> </a:t>
+            </a:r>
+            <a:r>
+              <a:rPr lang="nl-NL" dirty="0" err="1">
+                <a:latin typeface="Arial"/>
+                <a:cs typeface="Arial"/>
+              </a:rPr>
+              <a:t>toxicity</a:t>
+            </a:r>
+            <a:endParaRPr lang="nl-NL" dirty="0" err="1"/>
+          </a:p>
+        </p:txBody>
+      </p:sp>
+      <p:sp>
+        <p:nvSpPr>
+          <p:cNvPr id="3" name="Tijdelijke aanduiding voor tekst 2">
+            <a:extLst>
+              <a:ext uri="{FF2B5EF4-FFF2-40B4-BE49-F238E27FC236}">
+                <a16:creationId xmlns:a16="http://schemas.microsoft.com/office/drawing/2014/main" id="{0765C0FE-D1DD-43F6-A1E8-FF2D7256F7B0}"/>
+              </a:ext>
+            </a:extLst>
+          </p:cNvPr>
+          <p:cNvSpPr>
+            <a:spLocks noGrp="1"/>
+          </p:cNvSpPr>
+          <p:nvPr>
+            <p:ph type="body" idx="1"/>
+          </p:nvPr>
+        </p:nvSpPr>
+        <p:spPr/>
+        <p:txBody>
+          <a:bodyPr/>
+          <a:lstStyle/>
+          <a:p>
+            <a:endParaRPr lang="nl-NL"/>
+          </a:p>
+        </p:txBody>
+      </p:sp>
+      <p:sp>
+        <p:nvSpPr>
+          <p:cNvPr id="4" name="Tijdelijke aanduiding voor voettekst 3">
+            <a:extLst>
+              <a:ext uri="{FF2B5EF4-FFF2-40B4-BE49-F238E27FC236}">
+                <a16:creationId xmlns:a16="http://schemas.microsoft.com/office/drawing/2014/main" id="{E63340FA-5B57-4924-A4D1-10B8E5D14A4C}"/>
+              </a:ext>
+            </a:extLst>
+          </p:cNvPr>
+          <p:cNvSpPr>
+            <a:spLocks noGrp="1"/>
+          </p:cNvSpPr>
+          <p:nvPr>
+            <p:ph type="ftr" sz="quarter" idx="11"/>
+          </p:nvPr>
+        </p:nvSpPr>
+        <p:spPr/>
+        <p:txBody>
+          <a:bodyPr/>
+          <a:lstStyle/>
+          <a:p>
+            <a:r>
+              <a:rPr lang="nl-NL"/>
+              <a:t>Faculteit, departement, dienst …</a:t>
+            </a:r>
+          </a:p>
+        </p:txBody>
+      </p:sp>
+      <p:sp>
+        <p:nvSpPr>
+          <p:cNvPr id="5" name="Tijdelijke aanduiding voor dianummer 4">
+            <a:extLst>
+              <a:ext uri="{FF2B5EF4-FFF2-40B4-BE49-F238E27FC236}">
+                <a16:creationId xmlns:a16="http://schemas.microsoft.com/office/drawing/2014/main" id="{74B25947-9FBD-4735-9AE1-ED393740821F}"/>
+              </a:ext>
+            </a:extLst>
+          </p:cNvPr>
+          <p:cNvSpPr>
+            <a:spLocks noGrp="1"/>
+          </p:cNvSpPr>
+          <p:nvPr>
+            <p:ph type="sldNum" sz="quarter" idx="12"/>
+          </p:nvPr>
+        </p:nvSpPr>
+        <p:spPr/>
+        <p:txBody>
+          <a:bodyPr/>
+          <a:lstStyle/>
+          <a:p>
+            <a:fld id="{0A297500-7527-634B-90F4-69D0994C32B4}" type="slidenum">
+              <a:rPr lang="nl-NL" smtClean="0"/>
+              <a:t>12</a:t>
+            </a:fld>
+            <a:endParaRPr lang="nl-NL"/>
+          </a:p>
+        </p:txBody>
+      </p:sp>
+      <p:sp>
+        <p:nvSpPr>
+          <p:cNvPr id="6" name="Tijdelijke aanduiding voor afbeelding 5">
+            <a:extLst>
+              <a:ext uri="{FF2B5EF4-FFF2-40B4-BE49-F238E27FC236}">
+                <a16:creationId xmlns:a16="http://schemas.microsoft.com/office/drawing/2014/main" id="{5275FCF6-597C-42C7-8DFD-B54FDE863E6B}"/>
+              </a:ext>
+            </a:extLst>
+          </p:cNvPr>
+          <p:cNvSpPr>
+            <a:spLocks noGrp="1"/>
+          </p:cNvSpPr>
+          <p:nvPr>
+            <p:ph type="pic" sz="quarter" idx="13"/>
+          </p:nvPr>
+        </p:nvSpPr>
+        <p:spPr/>
+      </p:sp>
+      <p:sp>
+        <p:nvSpPr>
+          <p:cNvPr id="7" name="Tijdelijke aanduiding voor afbeelding 6">
+            <a:extLst>
+              <a:ext uri="{FF2B5EF4-FFF2-40B4-BE49-F238E27FC236}">
+                <a16:creationId xmlns:a16="http://schemas.microsoft.com/office/drawing/2014/main" id="{8EE963F9-2796-4544-B389-0EF584315BE6}"/>
+              </a:ext>
+            </a:extLst>
+          </p:cNvPr>
+          <p:cNvSpPr>
+            <a:spLocks noGrp="1"/>
+          </p:cNvSpPr>
+          <p:nvPr>
+            <p:ph type="pic" sz="quarter" idx="14"/>
+          </p:nvPr>
+        </p:nvSpPr>
+        <p:spPr/>
+      </p:sp>
+    </p:spTree>
+    <p:extLst>
+      <p:ext uri="{BB962C8B-B14F-4D97-AF65-F5344CB8AC3E}">
+        <p14:creationId xmlns:p14="http://schemas.microsoft.com/office/powerpoint/2010/main" val="1103729882"/>
+      </p:ext>
+    </p:extLst>
+  </p:cSld>
+  <p:clrMapOvr>
+    <a:masterClrMapping/>
+  </p:clrMapOvr>
+</p:sld>
+</file>
+
+<file path=ppt/slides/slide13.xml><?xml version="1.0" encoding="utf-8"?>
+<p:sld xmlns:a="http://schemas.openxmlformats.org/drawingml/2006/main" xmlns:r="http://schemas.openxmlformats.org/officeDocument/2006/relationships" xmlns:p="http://schemas.openxmlformats.org/presentationml/2006/main">
+  <p:cSld>
+    <p:spTree>
+      <p:nvGrpSpPr>
+        <p:cNvPr id="1" name=""/>
+        <p:cNvGrpSpPr/>
+        <p:nvPr/>
+      </p:nvGrpSpPr>
+      <p:grpSpPr>
+        <a:xfrm>
+          <a:off x="0" y="0"/>
+          <a:ext cx="0" cy="0"/>
+          <a:chOff x="0" y="0"/>
+          <a:chExt cx="0" cy="0"/>
+        </a:xfrm>
+      </p:grpSpPr>
+      <p:sp>
+        <p:nvSpPr>
+          <p:cNvPr id="7" name="Tijdelijke aanduiding voor dianummer 23">
+            <a:extLst>
+              <a:ext uri="{FF2B5EF4-FFF2-40B4-BE49-F238E27FC236}">
+                <a16:creationId xmlns:a16="http://schemas.microsoft.com/office/drawing/2014/main" id="{E7BA9955-551E-4B72-9196-84FDFE87439B}"/>
+              </a:ext>
+            </a:extLst>
+          </p:cNvPr>
+          <p:cNvSpPr>
+            <a:spLocks noGrp="1"/>
+          </p:cNvSpPr>
+          <p:nvPr>
+            <p:ph type="sldNum" sz="quarter" idx="12"/>
+          </p:nvPr>
+        </p:nvSpPr>
+        <p:spPr>
+          <a:xfrm>
+            <a:off x="11544000" y="-126730"/>
+            <a:ext cx="648000" cy="648000"/>
+          </a:xfrm>
+        </p:spPr>
+        <p:txBody>
+          <a:bodyPr/>
+          <a:lstStyle/>
+          <a:p>
+            <a:fld id="{CF179DAE-D0A6-40C3-B8BC-6A97C268D03A}" type="slidenum">
+              <a:rPr lang="nl-NL" sz="1200" smtClean="0">
+                <a:solidFill>
+                  <a:srgbClr val="1D8DB0"/>
+                </a:solidFill>
+              </a:rPr>
+              <a:pPr/>
+              <a:t>13</a:t>
+            </a:fld>
+            <a:r>
+              <a:rPr lang="nl-NL" sz="1200" dirty="0">
+                <a:solidFill>
+                  <a:srgbClr val="1D8DB0"/>
+                </a:solidFill>
+              </a:rPr>
+              <a:t>/31</a:t>
+            </a:r>
+          </a:p>
+        </p:txBody>
+      </p:sp>
+      <p:sp>
+        <p:nvSpPr>
+          <p:cNvPr id="9" name="Titel 4">
+            <a:extLst>
+              <a:ext uri="{FF2B5EF4-FFF2-40B4-BE49-F238E27FC236}">
+                <a16:creationId xmlns:a16="http://schemas.microsoft.com/office/drawing/2014/main" id="{32C054A8-9043-41C9-BA29-6C11E3B87A6D}"/>
+              </a:ext>
+            </a:extLst>
+          </p:cNvPr>
+          <p:cNvSpPr>
+            <a:spLocks noGrp="1"/>
+          </p:cNvSpPr>
+          <p:nvPr>
+            <p:ph type="title"/>
+          </p:nvPr>
+        </p:nvSpPr>
+        <p:spPr>
+          <a:xfrm>
+            <a:off x="576263" y="336550"/>
+            <a:ext cx="11041062" cy="1152525"/>
+          </a:xfrm>
+        </p:spPr>
+        <p:txBody>
+          <a:bodyPr/>
+          <a:lstStyle/>
+          <a:p>
+            <a:r>
+              <a:rPr lang="nl-BE" dirty="0" err="1">
+                <a:latin typeface="Arial"/>
+                <a:cs typeface="Arial"/>
+              </a:rPr>
+              <a:t>Dose</a:t>
+            </a:r>
+            <a:r>
+              <a:rPr lang="nl-BE" dirty="0">
+                <a:latin typeface="Arial"/>
+                <a:cs typeface="Arial"/>
+              </a:rPr>
+              <a:t> </a:t>
+            </a:r>
+            <a:r>
+              <a:rPr lang="nl-BE" dirty="0" err="1">
+                <a:latin typeface="Arial"/>
+                <a:cs typeface="Arial"/>
+              </a:rPr>
+              <a:t>dependence</a:t>
+            </a:r>
+            <a:endParaRPr lang="nl-BE" dirty="0" err="1">
+              <a:cs typeface="Arial"/>
+            </a:endParaRPr>
+          </a:p>
+        </p:txBody>
+      </p:sp>
+      <p:sp>
+        <p:nvSpPr>
+          <p:cNvPr id="8" name="Tijdelijke aanduiding voor inhoud 1">
+            <a:extLst>
+              <a:ext uri="{FF2B5EF4-FFF2-40B4-BE49-F238E27FC236}">
+                <a16:creationId xmlns:a16="http://schemas.microsoft.com/office/drawing/2014/main" id="{FD48FE27-13D3-407C-9CF5-D7CAC1400D54}"/>
+              </a:ext>
+            </a:extLst>
+          </p:cNvPr>
+          <p:cNvSpPr>
+            <a:spLocks noGrp="1"/>
+          </p:cNvSpPr>
+          <p:nvPr>
+            <p:ph idx="1"/>
+          </p:nvPr>
+        </p:nvSpPr>
+        <p:spPr>
+          <a:xfrm>
+            <a:off x="576000" y="1656000"/>
+            <a:ext cx="11041200" cy="4043464"/>
+          </a:xfrm>
+        </p:spPr>
+        <p:txBody>
+          <a:bodyPr vert="horz" lIns="91440" tIns="45720" rIns="91440" bIns="45720" rtlCol="0" anchor="t">
+            <a:normAutofit/>
+          </a:bodyPr>
+          <a:lstStyle/>
+          <a:p>
+            <a:r>
+              <a:rPr lang="nl-BE" sz="2000" dirty="0" err="1">
+                <a:latin typeface="Arial"/>
+                <a:cs typeface="Arial"/>
+              </a:rPr>
+              <a:t>Not</a:t>
+            </a:r>
+            <a:r>
+              <a:rPr lang="nl-BE" sz="2000" dirty="0">
+                <a:latin typeface="Arial"/>
+                <a:cs typeface="Arial"/>
+              </a:rPr>
+              <a:t> </a:t>
+            </a:r>
+            <a:r>
+              <a:rPr lang="nl-BE" sz="2000" dirty="0" err="1">
+                <a:latin typeface="Arial"/>
+                <a:cs typeface="Arial"/>
+              </a:rPr>
+              <a:t>dependent</a:t>
+            </a:r>
+            <a:r>
+              <a:rPr lang="nl-BE" sz="2000" dirty="0">
+                <a:latin typeface="Arial"/>
+                <a:cs typeface="Arial"/>
+              </a:rPr>
+              <a:t> on </a:t>
+            </a:r>
+            <a:r>
+              <a:rPr lang="nl-BE" sz="2000" dirty="0" err="1">
+                <a:latin typeface="Arial"/>
+                <a:cs typeface="Arial"/>
+              </a:rPr>
+              <a:t>mass</a:t>
+            </a:r>
+            <a:r>
+              <a:rPr lang="nl-BE" sz="2000" dirty="0">
+                <a:latin typeface="Arial"/>
+                <a:cs typeface="Arial"/>
+              </a:rPr>
+              <a:t> </a:t>
+            </a:r>
+            <a:r>
+              <a:rPr lang="nl-BE" sz="2000" dirty="0" err="1">
+                <a:latin typeface="Arial"/>
+                <a:cs typeface="Arial"/>
+              </a:rPr>
+              <a:t>dose</a:t>
+            </a:r>
+            <a:endParaRPr lang="nl-BE" sz="2000" dirty="0" err="1">
+              <a:cs typeface="Arial"/>
+            </a:endParaRPr>
+          </a:p>
+          <a:p>
+            <a:r>
+              <a:rPr lang="nl-BE" sz="2000" dirty="0">
+                <a:latin typeface="Arial"/>
+                <a:cs typeface="Arial"/>
+              </a:rPr>
+              <a:t>Surface is </a:t>
+            </a:r>
+            <a:r>
+              <a:rPr lang="nl-BE" sz="2000" dirty="0" err="1">
+                <a:latin typeface="Arial"/>
+                <a:cs typeface="Arial"/>
+              </a:rPr>
+              <a:t>reactive</a:t>
+            </a:r>
+            <a:r>
+              <a:rPr lang="nl-BE" sz="2000" dirty="0">
+                <a:latin typeface="Arial"/>
+                <a:cs typeface="Arial"/>
+              </a:rPr>
+              <a:t>, </a:t>
+            </a:r>
+            <a:r>
+              <a:rPr lang="nl-BE" sz="2000" dirty="0" err="1">
+                <a:latin typeface="Arial"/>
+                <a:cs typeface="Arial"/>
+              </a:rPr>
+              <a:t>so</a:t>
+            </a:r>
+            <a:r>
+              <a:rPr lang="nl-BE" sz="2000" dirty="0">
+                <a:latin typeface="Arial"/>
+                <a:cs typeface="Arial"/>
+              </a:rPr>
+              <a:t> small </a:t>
+            </a:r>
+            <a:r>
+              <a:rPr lang="nl-BE" sz="2000" dirty="0" err="1">
+                <a:latin typeface="Arial"/>
+                <a:cs typeface="Arial"/>
+              </a:rPr>
+              <a:t>particles</a:t>
+            </a:r>
+            <a:r>
+              <a:rPr lang="nl-BE" sz="2000" dirty="0">
+                <a:latin typeface="Arial"/>
+                <a:cs typeface="Arial"/>
+              </a:rPr>
+              <a:t> at a low </a:t>
+            </a:r>
+            <a:r>
+              <a:rPr lang="nl-BE" sz="2000" dirty="0" err="1">
+                <a:latin typeface="Arial"/>
+                <a:cs typeface="Arial"/>
+              </a:rPr>
+              <a:t>mass</a:t>
+            </a:r>
+            <a:r>
+              <a:rPr lang="nl-BE" sz="2000" dirty="0">
+                <a:latin typeface="Arial"/>
+                <a:cs typeface="Arial"/>
+              </a:rPr>
+              <a:t> </a:t>
+            </a:r>
+            <a:r>
+              <a:rPr lang="nl-BE" sz="2000" dirty="0" err="1">
+                <a:latin typeface="Arial"/>
+                <a:cs typeface="Arial"/>
+              </a:rPr>
+              <a:t>dose</a:t>
+            </a:r>
+            <a:r>
+              <a:rPr lang="nl-BE" sz="2000" dirty="0">
+                <a:latin typeface="Arial"/>
+                <a:cs typeface="Arial"/>
+              </a:rPr>
+              <a:t> </a:t>
+            </a:r>
+            <a:r>
+              <a:rPr lang="nl-BE" sz="2000" dirty="0" err="1">
+                <a:latin typeface="Arial"/>
+                <a:cs typeface="Arial"/>
+              </a:rPr>
+              <a:t>can</a:t>
+            </a:r>
+            <a:r>
+              <a:rPr lang="nl-BE" sz="2000" dirty="0">
+                <a:latin typeface="Arial"/>
+                <a:cs typeface="Arial"/>
+              </a:rPr>
+              <a:t> </a:t>
+            </a:r>
+            <a:r>
+              <a:rPr lang="nl-BE" sz="2000" dirty="0" err="1">
+                <a:latin typeface="Arial"/>
+                <a:cs typeface="Arial"/>
+              </a:rPr>
+              <a:t>be</a:t>
+            </a:r>
+            <a:r>
+              <a:rPr lang="nl-BE" sz="2000" dirty="0">
+                <a:latin typeface="Arial"/>
+                <a:cs typeface="Arial"/>
+              </a:rPr>
+              <a:t> as </a:t>
+            </a:r>
+            <a:r>
+              <a:rPr lang="nl-BE" sz="2000" dirty="0" err="1">
+                <a:latin typeface="Arial"/>
+                <a:cs typeface="Arial"/>
+              </a:rPr>
+              <a:t>toxic</a:t>
+            </a:r>
+            <a:r>
+              <a:rPr lang="nl-BE" sz="2000" dirty="0">
+                <a:latin typeface="Arial"/>
+                <a:cs typeface="Arial"/>
+              </a:rPr>
+              <a:t> al </a:t>
+            </a:r>
+            <a:r>
+              <a:rPr lang="nl-BE" sz="2000" dirty="0" err="1">
+                <a:latin typeface="Arial"/>
+                <a:cs typeface="Arial"/>
+              </a:rPr>
+              <a:t>larger</a:t>
+            </a:r>
+            <a:r>
+              <a:rPr lang="nl-BE" sz="2000" dirty="0">
+                <a:latin typeface="Arial"/>
+                <a:cs typeface="Arial"/>
+              </a:rPr>
+              <a:t> </a:t>
+            </a:r>
+            <a:r>
+              <a:rPr lang="nl-BE" sz="2000" dirty="0" err="1">
+                <a:latin typeface="Arial"/>
+                <a:cs typeface="Arial"/>
+              </a:rPr>
+              <a:t>particles</a:t>
+            </a:r>
+            <a:r>
+              <a:rPr lang="nl-BE" sz="2000" dirty="0">
+                <a:latin typeface="Arial"/>
+                <a:cs typeface="Arial"/>
+              </a:rPr>
+              <a:t> </a:t>
+            </a:r>
+            <a:r>
+              <a:rPr lang="nl-BE" sz="2000" dirty="0" err="1">
+                <a:latin typeface="Arial"/>
+                <a:cs typeface="Arial"/>
+              </a:rPr>
+              <a:t>with</a:t>
+            </a:r>
+            <a:r>
+              <a:rPr lang="nl-BE" sz="2000" dirty="0">
+                <a:latin typeface="Arial"/>
+                <a:cs typeface="Arial"/>
+              </a:rPr>
+              <a:t> a </a:t>
+            </a:r>
+            <a:r>
+              <a:rPr lang="nl-BE" sz="2000" dirty="0" err="1">
+                <a:latin typeface="Arial"/>
+                <a:cs typeface="Arial"/>
+              </a:rPr>
+              <a:t>higer</a:t>
+            </a:r>
+            <a:r>
+              <a:rPr lang="nl-BE" sz="2000" dirty="0">
+                <a:latin typeface="Arial"/>
+                <a:cs typeface="Arial"/>
+              </a:rPr>
+              <a:t> </a:t>
+            </a:r>
+            <a:r>
+              <a:rPr lang="nl-BE" sz="2000" dirty="0" err="1">
+                <a:latin typeface="Arial"/>
+                <a:cs typeface="Arial"/>
+              </a:rPr>
+              <a:t>mass</a:t>
+            </a:r>
+            <a:r>
+              <a:rPr lang="nl-BE" sz="2000" dirty="0">
+                <a:latin typeface="Arial"/>
+                <a:cs typeface="Arial"/>
+              </a:rPr>
+              <a:t> </a:t>
+            </a:r>
+            <a:r>
+              <a:rPr lang="nl-BE" sz="2000" dirty="0" err="1">
+                <a:latin typeface="Arial"/>
+                <a:cs typeface="Arial"/>
+              </a:rPr>
+              <a:t>dose</a:t>
+            </a:r>
+          </a:p>
+          <a:p>
+            <a:r>
+              <a:rPr lang="nl-BE" sz="2000" dirty="0">
+                <a:latin typeface="Arial"/>
+                <a:cs typeface="Arial"/>
+              </a:rPr>
+              <a:t>Surface </a:t>
+            </a:r>
+            <a:r>
+              <a:rPr lang="nl-BE" sz="2000" dirty="0" err="1">
+                <a:latin typeface="Arial"/>
+                <a:cs typeface="Arial"/>
+              </a:rPr>
+              <a:t>dose</a:t>
+            </a:r>
+            <a:r>
+              <a:rPr lang="nl-BE" sz="2000" dirty="0">
+                <a:latin typeface="Arial"/>
+                <a:cs typeface="Arial"/>
+              </a:rPr>
+              <a:t> is </a:t>
+            </a:r>
+            <a:r>
+              <a:rPr lang="nl-BE" sz="2000" dirty="0" err="1">
+                <a:latin typeface="Arial"/>
+                <a:cs typeface="Arial"/>
+              </a:rPr>
+              <a:t>what</a:t>
+            </a:r>
+            <a:r>
+              <a:rPr lang="nl-BE" sz="2000" dirty="0">
+                <a:latin typeface="Arial"/>
+                <a:cs typeface="Arial"/>
+              </a:rPr>
+              <a:t> </a:t>
+            </a:r>
+            <a:r>
+              <a:rPr lang="nl-BE" sz="2000" dirty="0" err="1">
+                <a:latin typeface="Arial"/>
+                <a:cs typeface="Arial"/>
+              </a:rPr>
+              <a:t>makes</a:t>
+            </a:r>
+            <a:r>
+              <a:rPr lang="nl-BE" sz="2000" dirty="0">
+                <a:latin typeface="Arial"/>
+                <a:cs typeface="Arial"/>
+              </a:rPr>
+              <a:t> </a:t>
+            </a:r>
+            <a:r>
+              <a:rPr lang="nl-BE" sz="2000" dirty="0" err="1">
+                <a:latin typeface="Arial"/>
+                <a:cs typeface="Arial"/>
+              </a:rPr>
+              <a:t>influences</a:t>
+            </a:r>
+            <a:r>
+              <a:rPr lang="nl-BE" sz="2000" dirty="0">
+                <a:latin typeface="Arial"/>
+                <a:cs typeface="Arial"/>
+              </a:rPr>
+              <a:t> </a:t>
+            </a:r>
+            <a:r>
+              <a:rPr lang="nl-BE" sz="2000" dirty="0" err="1">
+                <a:latin typeface="Arial"/>
+                <a:cs typeface="Arial"/>
+              </a:rPr>
+              <a:t>the</a:t>
+            </a:r>
+            <a:r>
+              <a:rPr lang="nl-BE" sz="2000" dirty="0">
+                <a:latin typeface="Arial"/>
+                <a:cs typeface="Arial"/>
+              </a:rPr>
+              <a:t> </a:t>
+            </a:r>
+            <a:r>
+              <a:rPr lang="nl-BE" sz="2000" dirty="0" err="1">
+                <a:latin typeface="Arial"/>
+                <a:cs typeface="Arial"/>
+              </a:rPr>
+              <a:t>toxicity</a:t>
+            </a:r>
+          </a:p>
+        </p:txBody>
+      </p:sp>
+      <p:sp>
+        <p:nvSpPr>
+          <p:cNvPr id="10" name="Tekstvak 9">
+            <a:extLst>
+              <a:ext uri="{FF2B5EF4-FFF2-40B4-BE49-F238E27FC236}">
+                <a16:creationId xmlns:a16="http://schemas.microsoft.com/office/drawing/2014/main" id="{F9AF6A87-507F-4E2E-8A2A-840080D13776}"/>
+              </a:ext>
+            </a:extLst>
+          </p:cNvPr>
+          <p:cNvSpPr txBox="1"/>
+          <p:nvPr/>
+        </p:nvSpPr>
+        <p:spPr>
+          <a:xfrm>
+            <a:off x="159798" y="58771"/>
+            <a:ext cx="5832629" cy="276999"/>
+          </a:xfrm>
+          <a:prstGeom prst="rect">
+            <a:avLst/>
+          </a:prstGeom>
+          <a:noFill/>
+        </p:spPr>
+        <p:txBody>
+          <a:bodyPr wrap="square" rtlCol="0">
+            <a:spAutoFit/>
+          </a:bodyPr>
+          <a:lstStyle/>
+          <a:p>
+            <a:r>
+              <a:rPr lang="nl-BE" sz="1200" dirty="0">
+                <a:solidFill>
+                  <a:srgbClr val="1D8DB0"/>
+                </a:solidFill>
+              </a:rPr>
+              <a:t>J. </a:t>
+            </a:r>
+            <a:r>
+              <a:rPr lang="nl-BE" sz="1200" dirty="0" err="1">
+                <a:solidFill>
+                  <a:srgbClr val="1D8DB0"/>
+                </a:solidFill>
+              </a:rPr>
+              <a:t>Neirynck</a:t>
+            </a:r>
+            <a:r>
+              <a:rPr lang="nl-BE" sz="1200" dirty="0">
+                <a:solidFill>
+                  <a:srgbClr val="1D8DB0"/>
+                </a:solidFill>
+              </a:rPr>
+              <a:t>, F. Van </a:t>
+            </a:r>
+            <a:r>
+              <a:rPr lang="nl-BE" sz="1200" dirty="0" err="1">
+                <a:solidFill>
+                  <a:srgbClr val="1D8DB0"/>
+                </a:solidFill>
+              </a:rPr>
+              <a:t>Eecke</a:t>
+            </a:r>
+            <a:r>
+              <a:rPr lang="nl-BE" sz="1200" dirty="0">
+                <a:solidFill>
+                  <a:srgbClr val="1D8DB0"/>
+                </a:solidFill>
+              </a:rPr>
+              <a:t> &amp; R. Vrielynck</a:t>
+            </a:r>
+          </a:p>
+        </p:txBody>
+      </p:sp>
+      <p:sp>
+        <p:nvSpPr>
+          <p:cNvPr id="11" name="Tekstvak 10">
+            <a:extLst>
+              <a:ext uri="{FF2B5EF4-FFF2-40B4-BE49-F238E27FC236}">
+                <a16:creationId xmlns:a16="http://schemas.microsoft.com/office/drawing/2014/main" id="{02C83A39-3DA1-4516-B834-3C3D5F8552F0}"/>
+              </a:ext>
+            </a:extLst>
+          </p:cNvPr>
+          <p:cNvSpPr txBox="1"/>
+          <p:nvPr/>
+        </p:nvSpPr>
+        <p:spPr>
+          <a:xfrm>
+            <a:off x="576000" y="6356412"/>
+            <a:ext cx="10351364" cy="315471"/>
+          </a:xfrm>
+          <a:prstGeom prst="rect">
+            <a:avLst/>
+          </a:prstGeom>
+          <a:noFill/>
+        </p:spPr>
+        <p:txBody>
+          <a:bodyPr wrap="square" rtlCol="0">
+            <a:spAutoFit/>
+          </a:bodyPr>
+          <a:lstStyle/>
+          <a:p>
+            <a:r>
+              <a:rPr lang="nl-BE" sz="1450" dirty="0" err="1">
+                <a:solidFill>
+                  <a:schemeClr val="bg1"/>
+                </a:solidFill>
+              </a:rPr>
+              <a:t>Introduction</a:t>
+            </a:r>
+            <a:r>
+              <a:rPr lang="nl-BE" sz="1450" dirty="0">
+                <a:solidFill>
+                  <a:schemeClr val="bg1"/>
+                </a:solidFill>
+              </a:rPr>
+              <a:t>	</a:t>
+            </a:r>
+            <a:r>
+              <a:rPr lang="nl-BE" sz="1450" b="1" dirty="0">
+                <a:solidFill>
+                  <a:schemeClr val="bg1"/>
+                </a:solidFill>
+              </a:rPr>
+              <a:t>	Framework</a:t>
+            </a:r>
+            <a:r>
+              <a:rPr lang="nl-BE" sz="1450" dirty="0">
+                <a:solidFill>
+                  <a:schemeClr val="bg1"/>
+                </a:solidFill>
+              </a:rPr>
+              <a:t>		</a:t>
+            </a:r>
+            <a:r>
+              <a:rPr lang="nl-BE" sz="1450" dirty="0" err="1">
+                <a:solidFill>
+                  <a:schemeClr val="bg1"/>
+                </a:solidFill>
+              </a:rPr>
+              <a:t>Techniques</a:t>
+            </a:r>
+            <a:r>
+              <a:rPr lang="nl-BE" sz="1450" dirty="0">
+                <a:solidFill>
+                  <a:schemeClr val="bg1"/>
+                </a:solidFill>
+              </a:rPr>
+              <a:t> &amp; </a:t>
+            </a:r>
+            <a:r>
+              <a:rPr lang="nl-BE" sz="1450" dirty="0" err="1">
+                <a:solidFill>
+                  <a:schemeClr val="bg1"/>
+                </a:solidFill>
+              </a:rPr>
+              <a:t>Results</a:t>
+            </a:r>
+            <a:r>
+              <a:rPr lang="nl-BE" sz="1450" dirty="0">
+                <a:solidFill>
+                  <a:schemeClr val="bg1"/>
+                </a:solidFill>
+              </a:rPr>
+              <a:t>			Summary</a:t>
+            </a:r>
+          </a:p>
+        </p:txBody>
+      </p:sp>
+    </p:spTree>
+    <p:extLst>
+      <p:ext uri="{BB962C8B-B14F-4D97-AF65-F5344CB8AC3E}">
+        <p14:creationId xmlns:p14="http://schemas.microsoft.com/office/powerpoint/2010/main" val="4204038074"/>
+      </p:ext>
+    </p:extLst>
+  </p:cSld>
+  <p:clrMapOvr>
+    <a:masterClrMapping/>
+  </p:clrMapOvr>
+</p:sld>
+</file>
+
+<file path=ppt/slides/slide14.xml><?xml version="1.0" encoding="utf-8"?>
+<p:sld xmlns:a="http://schemas.openxmlformats.org/drawingml/2006/main" xmlns:r="http://schemas.openxmlformats.org/officeDocument/2006/relationships" xmlns:p="http://schemas.openxmlformats.org/presentationml/2006/main">
+  <p:cSld>
+    <p:spTree>
+      <p:nvGrpSpPr>
+        <p:cNvPr id="1" name=""/>
+        <p:cNvGrpSpPr/>
+        <p:nvPr/>
+      </p:nvGrpSpPr>
+      <p:grpSpPr>
+        <a:xfrm>
+          <a:off x="0" y="0"/>
+          <a:ext cx="0" cy="0"/>
+          <a:chOff x="0" y="0"/>
+          <a:chExt cx="0" cy="0"/>
+        </a:xfrm>
+      </p:grpSpPr>
+      <p:sp>
+        <p:nvSpPr>
+          <p:cNvPr id="2" name="Tijdelijke aanduiding voor inhoud 1">
+            <a:extLst>
+              <a:ext uri="{FF2B5EF4-FFF2-40B4-BE49-F238E27FC236}">
+                <a16:creationId xmlns:a16="http://schemas.microsoft.com/office/drawing/2014/main" id="{DA23FDA8-8B91-4851-BFB1-DD9B789576B1}"/>
+              </a:ext>
+            </a:extLst>
+          </p:cNvPr>
+          <p:cNvSpPr>
+            <a:spLocks noGrp="1"/>
+          </p:cNvSpPr>
+          <p:nvPr>
+            <p:ph idx="1"/>
+          </p:nvPr>
+        </p:nvSpPr>
+        <p:spPr/>
+        <p:txBody>
+          <a:bodyPr vert="horz" lIns="91440" tIns="45720" rIns="91440" bIns="45720" rtlCol="0" anchor="t">
+            <a:normAutofit/>
+          </a:bodyPr>
+          <a:lstStyle/>
+          <a:p>
+            <a:r>
+              <a:rPr lang="nl-NL" dirty="0">
+                <a:latin typeface="Arial"/>
+                <a:cs typeface="Arial"/>
+              </a:rPr>
+              <a:t>Large </a:t>
+            </a:r>
+            <a:r>
+              <a:rPr lang="nl-NL" dirty="0" err="1">
+                <a:latin typeface="Arial"/>
+                <a:cs typeface="Arial"/>
+              </a:rPr>
+              <a:t>concentration</a:t>
+            </a:r>
+            <a:r>
+              <a:rPr lang="nl-NL" dirty="0">
+                <a:latin typeface="Arial"/>
+                <a:cs typeface="Arial"/>
+              </a:rPr>
+              <a:t> --&gt; </a:t>
+            </a:r>
+            <a:r>
+              <a:rPr lang="nl-NL" dirty="0" err="1">
+                <a:latin typeface="Arial"/>
+                <a:cs typeface="Arial"/>
+              </a:rPr>
+              <a:t>aggregation</a:t>
+            </a:r>
+            <a:r>
+              <a:rPr lang="nl-NL" dirty="0">
+                <a:latin typeface="Arial"/>
+                <a:cs typeface="Arial"/>
+              </a:rPr>
+              <a:t> of </a:t>
+            </a:r>
+            <a:r>
+              <a:rPr lang="nl-NL" dirty="0" err="1">
+                <a:latin typeface="Arial"/>
+                <a:cs typeface="Arial"/>
+              </a:rPr>
+              <a:t>particles</a:t>
+            </a:r>
+          </a:p>
+          <a:p>
+            <a:r>
+              <a:rPr lang="nl-NL" dirty="0" err="1">
+                <a:latin typeface="Arial"/>
+                <a:cs typeface="Arial"/>
+              </a:rPr>
+              <a:t>Larger</a:t>
+            </a:r>
+            <a:r>
+              <a:rPr lang="nl-NL" dirty="0">
+                <a:latin typeface="Arial"/>
+                <a:cs typeface="Arial"/>
+              </a:rPr>
+              <a:t> </a:t>
+            </a:r>
+            <a:r>
+              <a:rPr lang="nl-NL" dirty="0" err="1">
+                <a:latin typeface="Arial"/>
+                <a:cs typeface="Arial"/>
+              </a:rPr>
+              <a:t>particles</a:t>
+            </a:r>
+            <a:r>
+              <a:rPr lang="nl-NL" dirty="0">
+                <a:latin typeface="Arial"/>
+                <a:cs typeface="Arial"/>
+              </a:rPr>
+              <a:t>, </a:t>
+            </a:r>
+            <a:r>
+              <a:rPr lang="nl-NL" dirty="0" err="1">
+                <a:latin typeface="Arial"/>
+                <a:cs typeface="Arial"/>
+              </a:rPr>
+              <a:t>less</a:t>
+            </a:r>
+            <a:r>
+              <a:rPr lang="nl-NL" dirty="0">
+                <a:latin typeface="Arial"/>
+                <a:cs typeface="Arial"/>
+              </a:rPr>
+              <a:t> </a:t>
+            </a:r>
+            <a:r>
+              <a:rPr lang="nl-NL" dirty="0" err="1">
+                <a:latin typeface="Arial"/>
+                <a:cs typeface="Arial"/>
+              </a:rPr>
+              <a:t>surface</a:t>
+            </a:r>
+            <a:r>
+              <a:rPr lang="nl-NL" dirty="0">
+                <a:latin typeface="Arial"/>
+                <a:cs typeface="Arial"/>
+              </a:rPr>
+              <a:t> AND </a:t>
+            </a:r>
+            <a:r>
+              <a:rPr lang="nl-NL" dirty="0" err="1">
+                <a:latin typeface="Arial"/>
+                <a:cs typeface="Arial"/>
+              </a:rPr>
+              <a:t>white</a:t>
+            </a:r>
+            <a:r>
+              <a:rPr lang="nl-NL" dirty="0">
+                <a:latin typeface="Arial"/>
+                <a:cs typeface="Arial"/>
+              </a:rPr>
+              <a:t> </a:t>
+            </a:r>
+            <a:r>
+              <a:rPr lang="nl-NL" dirty="0" err="1">
+                <a:latin typeface="Arial"/>
+                <a:cs typeface="Arial"/>
+              </a:rPr>
+              <a:t>bloodcells</a:t>
+            </a:r>
+            <a:r>
+              <a:rPr lang="nl-NL" dirty="0">
+                <a:latin typeface="Arial"/>
+                <a:cs typeface="Arial"/>
+              </a:rPr>
+              <a:t> </a:t>
+            </a:r>
+            <a:r>
+              <a:rPr lang="nl-NL" dirty="0" err="1">
+                <a:latin typeface="Arial"/>
+                <a:cs typeface="Arial"/>
+              </a:rPr>
+              <a:t>can</a:t>
+            </a:r>
+            <a:r>
+              <a:rPr lang="nl-NL" dirty="0">
+                <a:latin typeface="Arial"/>
+                <a:cs typeface="Arial"/>
+              </a:rPr>
+              <a:t> </a:t>
+            </a:r>
+            <a:r>
+              <a:rPr lang="nl-NL" dirty="0" err="1">
+                <a:latin typeface="Arial"/>
+                <a:cs typeface="Arial"/>
+              </a:rPr>
+              <a:t>macrophage</a:t>
+            </a:r>
+            <a:r>
+              <a:rPr lang="nl-NL" dirty="0">
+                <a:latin typeface="Arial"/>
+                <a:cs typeface="Arial"/>
+              </a:rPr>
+              <a:t> </a:t>
+            </a:r>
+            <a:r>
+              <a:rPr lang="nl-NL" dirty="0" err="1">
+                <a:latin typeface="Arial"/>
+                <a:cs typeface="Arial"/>
+              </a:rPr>
+              <a:t>the</a:t>
+            </a:r>
+            <a:r>
+              <a:rPr lang="nl-NL" dirty="0">
+                <a:latin typeface="Arial"/>
+                <a:cs typeface="Arial"/>
+              </a:rPr>
+              <a:t> </a:t>
+            </a:r>
+            <a:r>
+              <a:rPr lang="nl-NL" dirty="0" err="1">
+                <a:latin typeface="Arial"/>
+                <a:cs typeface="Arial"/>
+              </a:rPr>
+              <a:t>aggregates</a:t>
+            </a:r>
+            <a:endParaRPr lang="nl-NL" dirty="0" err="1">
+              <a:cs typeface="Arial"/>
+            </a:endParaRPr>
+          </a:p>
+          <a:p>
+            <a:r>
+              <a:rPr lang="nl-NL" dirty="0">
+                <a:latin typeface="Arial"/>
+                <a:cs typeface="Arial"/>
+              </a:rPr>
+              <a:t>Large </a:t>
+            </a:r>
+            <a:r>
+              <a:rPr lang="nl-NL" dirty="0" err="1">
+                <a:latin typeface="Arial"/>
+                <a:cs typeface="Arial"/>
+              </a:rPr>
+              <a:t>concentration</a:t>
+            </a:r>
+            <a:r>
+              <a:rPr lang="nl-NL" dirty="0">
+                <a:latin typeface="Arial"/>
+                <a:cs typeface="Arial"/>
+              </a:rPr>
+              <a:t> </a:t>
+            </a:r>
+            <a:r>
+              <a:rPr lang="nl-NL" dirty="0" err="1">
+                <a:latin typeface="Arial"/>
+                <a:cs typeface="Arial"/>
+              </a:rPr>
+              <a:t>results</a:t>
+            </a:r>
+            <a:r>
+              <a:rPr lang="nl-NL" dirty="0">
+                <a:latin typeface="Arial"/>
+                <a:cs typeface="Arial"/>
+              </a:rPr>
+              <a:t> in </a:t>
+            </a:r>
+            <a:r>
+              <a:rPr lang="nl-NL" dirty="0" err="1">
+                <a:latin typeface="Arial"/>
+                <a:cs typeface="Arial"/>
+              </a:rPr>
+              <a:t>less</a:t>
+            </a:r>
+            <a:r>
+              <a:rPr lang="nl-NL" dirty="0">
+                <a:latin typeface="Arial"/>
+                <a:cs typeface="Arial"/>
+              </a:rPr>
+              <a:t> </a:t>
+            </a:r>
+            <a:r>
+              <a:rPr lang="nl-NL" dirty="0" err="1">
+                <a:latin typeface="Arial"/>
+                <a:cs typeface="Arial"/>
+              </a:rPr>
+              <a:t>toxicity</a:t>
+            </a:r>
+            <a:endParaRPr lang="nl-NL" dirty="0" err="1">
+              <a:cs typeface="Arial"/>
+            </a:endParaRPr>
+          </a:p>
+          <a:p>
+            <a:endParaRPr lang="nl-NL" dirty="0">
+              <a:cs typeface="Arial"/>
+            </a:endParaRPr>
+          </a:p>
+        </p:txBody>
+      </p:sp>
+      <p:sp>
+        <p:nvSpPr>
+          <p:cNvPr id="3" name="Tijdelijke aanduiding voor voettekst 2">
+            <a:extLst>
+              <a:ext uri="{FF2B5EF4-FFF2-40B4-BE49-F238E27FC236}">
+                <a16:creationId xmlns:a16="http://schemas.microsoft.com/office/drawing/2014/main" id="{34BF4704-138D-49F1-B37A-017E77BC0845}"/>
+              </a:ext>
+            </a:extLst>
+          </p:cNvPr>
+          <p:cNvSpPr>
+            <a:spLocks noGrp="1"/>
+          </p:cNvSpPr>
+          <p:nvPr>
+            <p:ph type="ftr" sz="quarter" idx="11"/>
+          </p:nvPr>
+        </p:nvSpPr>
+        <p:spPr/>
+        <p:txBody>
+          <a:bodyPr/>
+          <a:lstStyle/>
+          <a:p>
+            <a:r>
+              <a:rPr lang="nl-NL"/>
+              <a:t>Faculteit, departement, dienst …</a:t>
+            </a:r>
+          </a:p>
+        </p:txBody>
+      </p:sp>
+      <p:sp>
+        <p:nvSpPr>
+          <p:cNvPr id="4" name="Tijdelijke aanduiding voor dianummer 3">
+            <a:extLst>
+              <a:ext uri="{FF2B5EF4-FFF2-40B4-BE49-F238E27FC236}">
+                <a16:creationId xmlns:a16="http://schemas.microsoft.com/office/drawing/2014/main" id="{6DC5F5CE-E772-438D-AE6A-86414E0B072A}"/>
+              </a:ext>
+            </a:extLst>
+          </p:cNvPr>
+          <p:cNvSpPr>
+            <a:spLocks noGrp="1"/>
+          </p:cNvSpPr>
+          <p:nvPr>
+            <p:ph type="sldNum" sz="quarter" idx="12"/>
+          </p:nvPr>
+        </p:nvSpPr>
+        <p:spPr/>
+        <p:txBody>
+          <a:bodyPr/>
+          <a:lstStyle/>
+          <a:p>
+            <a:fld id="{0A297500-7527-634B-90F4-69D0994C32B4}" type="slidenum">
+              <a:rPr lang="nl-NL" smtClean="0"/>
+              <a:t>14</a:t>
+            </a:fld>
+            <a:endParaRPr lang="nl-NL"/>
+          </a:p>
+        </p:txBody>
+      </p:sp>
+      <p:sp>
+        <p:nvSpPr>
+          <p:cNvPr id="5" name="Titel 4">
+            <a:extLst>
+              <a:ext uri="{FF2B5EF4-FFF2-40B4-BE49-F238E27FC236}">
+                <a16:creationId xmlns:a16="http://schemas.microsoft.com/office/drawing/2014/main" id="{ABD654FC-0EF3-41CA-AC73-0A81742D970C}"/>
+              </a:ext>
+            </a:extLst>
+          </p:cNvPr>
+          <p:cNvSpPr>
+            <a:spLocks noGrp="1"/>
+          </p:cNvSpPr>
+          <p:nvPr>
+            <p:ph type="title"/>
+          </p:nvPr>
+        </p:nvSpPr>
+        <p:spPr/>
+        <p:txBody>
+          <a:bodyPr/>
+          <a:lstStyle/>
+          <a:p>
+            <a:r>
+              <a:rPr lang="nl-NL" dirty="0" err="1">
+                <a:latin typeface="Arial"/>
+                <a:cs typeface="Arial"/>
+              </a:rPr>
+              <a:t>Concentration</a:t>
+            </a:r>
+            <a:r>
+              <a:rPr lang="nl-NL" dirty="0">
+                <a:latin typeface="Arial"/>
+                <a:cs typeface="Arial"/>
+              </a:rPr>
+              <a:t> </a:t>
+            </a:r>
+            <a:r>
+              <a:rPr lang="nl-NL" dirty="0" err="1">
+                <a:latin typeface="Arial"/>
+                <a:cs typeface="Arial"/>
+              </a:rPr>
+              <a:t>dependence</a:t>
+            </a:r>
+            <a:endParaRPr lang="nl-NL" dirty="0" err="1"/>
+          </a:p>
+        </p:txBody>
+      </p:sp>
+    </p:spTree>
+    <p:extLst>
+      <p:ext uri="{BB962C8B-B14F-4D97-AF65-F5344CB8AC3E}">
+        <p14:creationId xmlns:p14="http://schemas.microsoft.com/office/powerpoint/2010/main" val="623244575"/>
+      </p:ext>
+    </p:extLst>
+  </p:cSld>
+  <p:clrMapOvr>
+    <a:masterClrMapping/>
+  </p:clrMapOvr>
+</p:sld>
+</file>
+
+<file path=ppt/slides/slide15.xml><?xml version="1.0" encoding="utf-8"?>
+<p:sld xmlns:a="http://schemas.openxmlformats.org/drawingml/2006/main" xmlns:r="http://schemas.openxmlformats.org/officeDocument/2006/relationships" xmlns:p="http://schemas.openxmlformats.org/presentationml/2006/main">
+  <p:cSld>
+    <p:spTree>
+      <p:nvGrpSpPr>
+        <p:cNvPr id="1" name=""/>
+        <p:cNvGrpSpPr/>
+        <p:nvPr/>
+      </p:nvGrpSpPr>
+      <p:grpSpPr>
+        <a:xfrm>
+          <a:off x="0" y="0"/>
+          <a:ext cx="0" cy="0"/>
+          <a:chOff x="0" y="0"/>
+          <a:chExt cx="0" cy="0"/>
+        </a:xfrm>
+      </p:grpSpPr>
+      <p:sp>
+        <p:nvSpPr>
           <p:cNvPr id="2" name="Tijdelijke aanduiding voor inhoud 1">
             <a:extLst>
               <a:ext uri="{FF2B5EF4-FFF2-40B4-BE49-F238E27FC236}">
@@ -7645,7 +9212,7 @@
           <a:p>
             <a:fld id="{0A297500-7527-634B-90F4-69D0994C32B4}" type="slidenum">
               <a:rPr lang="nl-NL" smtClean="0"/>
-              <a:t>12</a:t>
+              <a:t>15</a:t>
             </a:fld>
             <a:endParaRPr lang="nl-NL"/>
           </a:p>
@@ -7740,7 +9307,7 @@
 </p:sld>
 </file>
 
-<file path=ppt/slides/slide13.xml><?xml version="1.0" encoding="utf-8"?>
+<file path=ppt/slides/slide16.xml><?xml version="1.0" encoding="utf-8"?>
 <p:sld xmlns:a="http://schemas.openxmlformats.org/drawingml/2006/main" xmlns:r="http://schemas.openxmlformats.org/officeDocument/2006/relationships" xmlns:p="http://schemas.openxmlformats.org/presentationml/2006/main">
   <p:cSld>
     <p:spTree>
@@ -8009,7 +9576,7 @@
           <a:p>
             <a:fld id="{0A297500-7527-634B-90F4-69D0994C32B4}" type="slidenum">
               <a:rPr lang="nl-NL" smtClean="0"/>
-              <a:t>13</a:t>
+              <a:t>16</a:t>
             </a:fld>
             <a:endParaRPr lang="nl-NL"/>
           </a:p>
@@ -8060,7 +9627,7 @@
 </p:sld>
 </file>
 
-<file path=ppt/slides/slide14.xml><?xml version="1.0" encoding="utf-8"?>
+<file path=ppt/slides/slide17.xml><?xml version="1.0" encoding="utf-8"?>
 <p:sld xmlns:a="http://schemas.openxmlformats.org/drawingml/2006/main" xmlns:r="http://schemas.openxmlformats.org/officeDocument/2006/relationships" xmlns:p="http://schemas.openxmlformats.org/presentationml/2006/main">
   <p:cSld>
     <p:spTree>
@@ -8157,7 +9724,7 @@
           <a:p>
             <a:fld id="{0A297500-7527-634B-90F4-69D0994C32B4}" type="slidenum">
               <a:rPr lang="nl-NL" smtClean="0"/>
-              <a:t>14</a:t>
+              <a:t>17</a:t>
             </a:fld>
             <a:endParaRPr lang="nl-NL"/>
           </a:p>
@@ -8215,7 +9782,7 @@
 </p:sld>
 </file>
 
-<file path=ppt/slides/slide15.xml><?xml version="1.0" encoding="utf-8"?>
+<file path=ppt/slides/slide18.xml><?xml version="1.0" encoding="utf-8"?>
 <p:sld xmlns:a="http://schemas.openxmlformats.org/drawingml/2006/main" xmlns:r="http://schemas.openxmlformats.org/officeDocument/2006/relationships" xmlns:p="http://schemas.openxmlformats.org/presentationml/2006/main">
   <p:cSld>
     <p:spTree>
@@ -8621,7 +10188,7 @@
           <a:p>
             <a:fld id="{0A297500-7527-634B-90F4-69D0994C32B4}" type="slidenum">
               <a:rPr lang="nl-NL" smtClean="0"/>
-              <a:t>15</a:t>
+              <a:t>18</a:t>
             </a:fld>
             <a:endParaRPr lang="nl-NL"/>
           </a:p>
@@ -12004,10 +13571,10 @@
       </p:grpSpPr>
       <p:sp>
         <p:nvSpPr>
-          <p:cNvPr id="7" name="Tijdelijke aanduiding voor dianummer 23">
+          <p:cNvPr id="4" name="Titel 3">
             <a:extLst>
               <a:ext uri="{FF2B5EF4-FFF2-40B4-BE49-F238E27FC236}">
-                <a16:creationId xmlns:a16="http://schemas.microsoft.com/office/drawing/2014/main" id="{E7BA9955-551E-4B72-9196-84FDFE87439B}"/>
+                <a16:creationId xmlns:a16="http://schemas.microsoft.com/office/drawing/2014/main" id="{4F8B8895-C953-4044-8BA5-B8599960C7E8}"/>
               </a:ext>
             </a:extLst>
           </p:cNvPr>
@@ -12015,336 +13582,677 @@
             <a:spLocks noGrp="1"/>
           </p:cNvSpPr>
           <p:nvPr>
-            <p:ph type="sldNum" sz="quarter" idx="12"/>
+            <p:ph type="title"/>
           </p:nvPr>
         </p:nvSpPr>
         <p:spPr>
           <a:xfrm>
-            <a:off x="11544000" y="-126730"/>
-            <a:ext cx="648000" cy="648000"/>
+            <a:off x="576000" y="175505"/>
+            <a:ext cx="11041200" cy="1152000"/>
           </a:xfrm>
         </p:spPr>
         <p:txBody>
           <a:bodyPr/>
           <a:lstStyle/>
           <a:p>
-            <a:fld id="{CF179DAE-D0A6-40C3-B8BC-6A97C268D03A}" type="slidenum">
-              <a:rPr lang="nl-NL" sz="1200" smtClean="0">
-                <a:solidFill>
-                  <a:srgbClr val="1D8DB0"/>
-                </a:solidFill>
-              </a:rPr>
-              <a:pPr/>
-              <a:t>8</a:t>
-            </a:fld>
-            <a:r>
-              <a:rPr lang="nl-NL" sz="1200" dirty="0">
-                <a:solidFill>
-                  <a:srgbClr val="1D8DB0"/>
-                </a:solidFill>
-              </a:rPr>
-              <a:t>/31</a:t>
-            </a:r>
-          </a:p>
-        </p:txBody>
-      </p:sp>
-      <p:sp>
-        <p:nvSpPr>
-          <p:cNvPr id="9" name="Titel 4">
+            <a:r>
+              <a:rPr lang="en-US" dirty="0"/>
+              <a:t>Areas studied for nanotoxicity </a:t>
+            </a:r>
+          </a:p>
+        </p:txBody>
+      </p:sp>
+      <p:sp>
+        <p:nvSpPr>
+          <p:cNvPr id="5" name="Rechthoek: afgeronde hoeken 4">
             <a:extLst>
               <a:ext uri="{FF2B5EF4-FFF2-40B4-BE49-F238E27FC236}">
-                <a16:creationId xmlns:a16="http://schemas.microsoft.com/office/drawing/2014/main" id="{32C054A8-9043-41C9-BA29-6C11E3B87A6D}"/>
+                <a16:creationId xmlns:a16="http://schemas.microsoft.com/office/drawing/2014/main" id="{A9E4844C-1727-42EB-985E-8B50A5B591A4}"/>
               </a:ext>
             </a:extLst>
           </p:cNvPr>
-          <p:cNvSpPr>
-            <a:spLocks noGrp="1"/>
-          </p:cNvSpPr>
-          <p:nvPr>
-            <p:ph type="title"/>
-          </p:nvPr>
+          <p:cNvSpPr/>
+          <p:nvPr/>
         </p:nvSpPr>
         <p:spPr>
           <a:xfrm>
-            <a:off x="576263" y="336550"/>
-            <a:ext cx="11041062" cy="1152525"/>
+            <a:off x="725214" y="1786758"/>
+            <a:ext cx="4813738" cy="1642242"/>
           </a:xfrm>
+          <a:prstGeom prst="roundRect">
+            <a:avLst/>
+          </a:prstGeom>
+          <a:solidFill>
+            <a:schemeClr val="bg2"/>
+          </a:solidFill>
+          <a:ln w="28575"/>
         </p:spPr>
-        <p:txBody>
-          <a:bodyPr/>
-          <a:lstStyle/>
-          <a:p>
-            <a:r>
-              <a:rPr lang="nl-BE" dirty="0" err="1"/>
-              <a:t>Genotoxicity</a:t>
-            </a:r>
-            <a:endParaRPr lang="nl-BE" dirty="0"/>
-          </a:p>
-        </p:txBody>
-      </p:sp>
-      <p:sp>
-        <p:nvSpPr>
-          <p:cNvPr id="8" name="Tijdelijke aanduiding voor inhoud 1">
+        <p:style>
+          <a:lnRef idx="2">
+            <a:schemeClr val="accent1">
+              <a:shade val="50000"/>
+            </a:schemeClr>
+          </a:lnRef>
+          <a:fillRef idx="1">
+            <a:schemeClr val="accent1"/>
+          </a:fillRef>
+          <a:effectRef idx="0">
+            <a:schemeClr val="accent1"/>
+          </a:effectRef>
+          <a:fontRef idx="minor">
+            <a:schemeClr val="lt1"/>
+          </a:fontRef>
+        </p:style>
+        <p:txBody>
+          <a:bodyPr rtlCol="0" anchor="ctr"/>
+          <a:lstStyle/>
+          <a:p>
+            <a:pPr algn="ctr"/>
+            <a:r>
+              <a:rPr lang="nl-BE" sz="2000" b="1" dirty="0" err="1">
+                <a:solidFill>
+                  <a:srgbClr val="2F4D5D"/>
+                </a:solidFill>
+              </a:rPr>
+              <a:t>Characterization</a:t>
+            </a:r>
+            <a:endParaRPr lang="nl-BE" sz="2000" b="1" dirty="0">
+              <a:solidFill>
+                <a:srgbClr val="2F4D5D"/>
+              </a:solidFill>
+            </a:endParaRPr>
+          </a:p>
+        </p:txBody>
+      </p:sp>
+      <p:sp>
+        <p:nvSpPr>
+          <p:cNvPr id="6" name="Rechthoek: afgeronde hoeken 5">
             <a:extLst>
               <a:ext uri="{FF2B5EF4-FFF2-40B4-BE49-F238E27FC236}">
-                <a16:creationId xmlns:a16="http://schemas.microsoft.com/office/drawing/2014/main" id="{FD48FE27-13D3-407C-9CF5-D7CAC1400D54}"/>
+                <a16:creationId xmlns:a16="http://schemas.microsoft.com/office/drawing/2014/main" id="{E3E6D789-558F-4908-BD82-4B37B7CCF592}"/>
               </a:ext>
             </a:extLst>
           </p:cNvPr>
-          <p:cNvSpPr>
-            <a:spLocks noGrp="1"/>
-          </p:cNvSpPr>
-          <p:nvPr>
-            <p:ph idx="1"/>
-          </p:nvPr>
+          <p:cNvSpPr/>
+          <p:nvPr/>
         </p:nvSpPr>
         <p:spPr>
           <a:xfrm>
-            <a:off x="576000" y="1656000"/>
-            <a:ext cx="11041200" cy="4043464"/>
+            <a:off x="6096000" y="1786758"/>
+            <a:ext cx="4813738" cy="1642242"/>
           </a:xfrm>
+          <a:prstGeom prst="roundRect">
+            <a:avLst/>
+          </a:prstGeom>
+          <a:solidFill>
+            <a:schemeClr val="bg2"/>
+          </a:solidFill>
+          <a:ln w="28575"/>
         </p:spPr>
-        <p:txBody>
-          <a:bodyPr>
-            <a:normAutofit/>
-          </a:bodyPr>
-          <a:lstStyle/>
-          <a:p>
-            <a:pPr marL="0" indent="0">
-              <a:buNone/>
-            </a:pPr>
-            <a:r>
-              <a:rPr lang="nl-BE" sz="2000" dirty="0" err="1"/>
-              <a:t>Describes</a:t>
-            </a:r>
-            <a:r>
-              <a:rPr lang="nl-BE" sz="2000" dirty="0"/>
-              <a:t> </a:t>
-            </a:r>
-            <a:r>
-              <a:rPr lang="nl-BE" sz="2000" dirty="0" err="1"/>
-              <a:t>the</a:t>
-            </a:r>
-            <a:r>
-              <a:rPr lang="nl-BE" sz="2000" dirty="0"/>
-              <a:t> </a:t>
-            </a:r>
-            <a:r>
-              <a:rPr lang="nl-BE" sz="2000" dirty="0" err="1"/>
-              <a:t>ability</a:t>
-            </a:r>
-            <a:r>
-              <a:rPr lang="nl-BE" sz="2000" dirty="0"/>
-              <a:t> of a </a:t>
-            </a:r>
-            <a:r>
-              <a:rPr lang="nl-BE" sz="2000" dirty="0" err="1"/>
-              <a:t>chemical</a:t>
-            </a:r>
-            <a:r>
-              <a:rPr lang="nl-BE" sz="2000" dirty="0"/>
-              <a:t> test agent </a:t>
-            </a:r>
-            <a:r>
-              <a:rPr lang="nl-BE" sz="2000" dirty="0" err="1"/>
-              <a:t>to</a:t>
-            </a:r>
-            <a:r>
-              <a:rPr lang="nl-BE" sz="2000" dirty="0"/>
-              <a:t> </a:t>
-            </a:r>
-            <a:r>
-              <a:rPr lang="nl-BE" sz="2000" dirty="0" err="1"/>
-              <a:t>induce</a:t>
-            </a:r>
-            <a:r>
-              <a:rPr lang="nl-BE" sz="2000" dirty="0"/>
-              <a:t> DNA </a:t>
-            </a:r>
-            <a:r>
-              <a:rPr lang="nl-BE" sz="2000" dirty="0" err="1"/>
-              <a:t>damage</a:t>
-            </a:r>
-            <a:endParaRPr lang="nl-BE" sz="2000" dirty="0"/>
-          </a:p>
-        </p:txBody>
-      </p:sp>
-      <p:sp>
-        <p:nvSpPr>
-          <p:cNvPr id="10" name="Tekstvak 9">
+        <p:style>
+          <a:lnRef idx="2">
+            <a:schemeClr val="accent1">
+              <a:shade val="50000"/>
+            </a:schemeClr>
+          </a:lnRef>
+          <a:fillRef idx="1">
+            <a:schemeClr val="accent1"/>
+          </a:fillRef>
+          <a:effectRef idx="0">
+            <a:schemeClr val="accent1"/>
+          </a:effectRef>
+          <a:fontRef idx="minor">
+            <a:schemeClr val="lt1"/>
+          </a:fontRef>
+        </p:style>
+        <p:txBody>
+          <a:bodyPr rtlCol="0" anchor="ctr"/>
+          <a:lstStyle/>
+          <a:p>
+            <a:pPr algn="ctr"/>
+            <a:r>
+              <a:rPr lang="nl-BE" sz="2000" b="1" dirty="0">
+                <a:solidFill>
+                  <a:srgbClr val="2F4D5D"/>
+                </a:solidFill>
+              </a:rPr>
+              <a:t>In Vitro </a:t>
+            </a:r>
+            <a:r>
+              <a:rPr lang="nl-BE" sz="2000" b="1" dirty="0" err="1">
+                <a:solidFill>
+                  <a:srgbClr val="2F4D5D"/>
+                </a:solidFill>
+              </a:rPr>
+              <a:t>Toxicity</a:t>
+            </a:r>
+            <a:endParaRPr lang="nl-BE" sz="2000" b="1" dirty="0">
+              <a:solidFill>
+                <a:srgbClr val="2F4D5D"/>
+              </a:solidFill>
+            </a:endParaRPr>
+          </a:p>
+        </p:txBody>
+      </p:sp>
+      <p:sp>
+        <p:nvSpPr>
+          <p:cNvPr id="7" name="Rechthoek: afgeronde hoeken 6">
             <a:extLst>
               <a:ext uri="{FF2B5EF4-FFF2-40B4-BE49-F238E27FC236}">
-                <a16:creationId xmlns:a16="http://schemas.microsoft.com/office/drawing/2014/main" id="{F9AF6A87-507F-4E2E-8A2A-840080D13776}"/>
+                <a16:creationId xmlns:a16="http://schemas.microsoft.com/office/drawing/2014/main" id="{54C879F0-8F9A-46D9-9E6F-CD095C41381B}"/>
               </a:ext>
             </a:extLst>
           </p:cNvPr>
-          <p:cNvSpPr txBox="1"/>
+          <p:cNvSpPr/>
           <p:nvPr/>
         </p:nvSpPr>
         <p:spPr>
           <a:xfrm>
-            <a:off x="159798" y="58771"/>
-            <a:ext cx="5832629" cy="276999"/>
+            <a:off x="725214" y="3919242"/>
+            <a:ext cx="4813738" cy="1642241"/>
           </a:xfrm>
-          <a:prstGeom prst="rect">
+          <a:prstGeom prst="roundRect">
             <a:avLst/>
           </a:prstGeom>
-          <a:noFill/>
+          <a:solidFill>
+            <a:schemeClr val="bg2"/>
+          </a:solidFill>
+          <a:ln w="28575"/>
         </p:spPr>
-        <p:txBody>
-          <a:bodyPr wrap="square" rtlCol="0">
-            <a:spAutoFit/>
-          </a:bodyPr>
-          <a:lstStyle/>
-          <a:p>
-            <a:r>
-              <a:rPr lang="nl-BE" sz="1200" dirty="0">
-                <a:solidFill>
-                  <a:srgbClr val="1D8DB0"/>
-                </a:solidFill>
-              </a:rPr>
-              <a:t>J. </a:t>
-            </a:r>
-            <a:r>
-              <a:rPr lang="nl-BE" sz="1200" dirty="0" err="1">
-                <a:solidFill>
-                  <a:srgbClr val="1D8DB0"/>
-                </a:solidFill>
-              </a:rPr>
-              <a:t>Neirynck</a:t>
-            </a:r>
-            <a:r>
-              <a:rPr lang="nl-BE" sz="1200" dirty="0">
-                <a:solidFill>
-                  <a:srgbClr val="1D8DB0"/>
-                </a:solidFill>
-              </a:rPr>
-              <a:t>, F. Van </a:t>
-            </a:r>
-            <a:r>
-              <a:rPr lang="nl-BE" sz="1200" dirty="0" err="1">
-                <a:solidFill>
-                  <a:srgbClr val="1D8DB0"/>
-                </a:solidFill>
-              </a:rPr>
-              <a:t>Eecke</a:t>
-            </a:r>
-            <a:r>
-              <a:rPr lang="nl-BE" sz="1200" dirty="0">
-                <a:solidFill>
-                  <a:srgbClr val="1D8DB0"/>
-                </a:solidFill>
-              </a:rPr>
-              <a:t> &amp; R. Vrielynck</a:t>
-            </a:r>
-          </a:p>
-        </p:txBody>
-      </p:sp>
-      <p:sp>
-        <p:nvSpPr>
-          <p:cNvPr id="11" name="Tekstvak 10">
+        <p:style>
+          <a:lnRef idx="2">
+            <a:schemeClr val="accent1">
+              <a:shade val="50000"/>
+            </a:schemeClr>
+          </a:lnRef>
+          <a:fillRef idx="1">
+            <a:schemeClr val="accent1"/>
+          </a:fillRef>
+          <a:effectRef idx="0">
+            <a:schemeClr val="accent1"/>
+          </a:effectRef>
+          <a:fontRef idx="minor">
+            <a:schemeClr val="lt1"/>
+          </a:fontRef>
+        </p:style>
+        <p:txBody>
+          <a:bodyPr rtlCol="0" anchor="ctr"/>
+          <a:lstStyle/>
+          <a:p>
+            <a:pPr algn="ctr"/>
+            <a:r>
+              <a:rPr lang="nl-BE" sz="2000" b="1" dirty="0">
+                <a:solidFill>
+                  <a:srgbClr val="2F4D5D"/>
+                </a:solidFill>
+              </a:rPr>
+              <a:t>In Vivo </a:t>
+            </a:r>
+            <a:r>
+              <a:rPr lang="nl-BE" sz="2000" b="1" dirty="0" err="1">
+                <a:solidFill>
+                  <a:srgbClr val="2F4D5D"/>
+                </a:solidFill>
+              </a:rPr>
+              <a:t>Toxicity</a:t>
+            </a:r>
+            <a:endParaRPr lang="nl-BE" sz="2000" b="1" dirty="0">
+              <a:solidFill>
+                <a:srgbClr val="2F4D5D"/>
+              </a:solidFill>
+            </a:endParaRPr>
+          </a:p>
+        </p:txBody>
+      </p:sp>
+      <p:sp>
+        <p:nvSpPr>
+          <p:cNvPr id="8" name="Rechthoek: afgeronde hoeken 7">
             <a:extLst>
               <a:ext uri="{FF2B5EF4-FFF2-40B4-BE49-F238E27FC236}">
-                <a16:creationId xmlns:a16="http://schemas.microsoft.com/office/drawing/2014/main" id="{02C83A39-3DA1-4516-B834-3C3D5F8552F0}"/>
+                <a16:creationId xmlns:a16="http://schemas.microsoft.com/office/drawing/2014/main" id="{CBFFE549-FBBD-4DF7-BD0B-C74E6AC2304F}"/>
               </a:ext>
             </a:extLst>
           </p:cNvPr>
-          <p:cNvSpPr txBox="1"/>
+          <p:cNvSpPr/>
           <p:nvPr/>
         </p:nvSpPr>
         <p:spPr>
           <a:xfrm>
-            <a:off x="576000" y="6356412"/>
-            <a:ext cx="10351364" cy="315471"/>
+            <a:off x="6096000" y="3919241"/>
+            <a:ext cx="4813738" cy="1642241"/>
           </a:xfrm>
-          <a:prstGeom prst="rect">
+          <a:prstGeom prst="roundRect">
             <a:avLst/>
           </a:prstGeom>
-          <a:noFill/>
+          <a:solidFill>
+            <a:schemeClr val="bg2"/>
+          </a:solidFill>
+          <a:ln w="28575"/>
         </p:spPr>
-        <p:txBody>
-          <a:bodyPr wrap="square" rtlCol="0">
-            <a:spAutoFit/>
-          </a:bodyPr>
-          <a:lstStyle/>
-          <a:p>
-            <a:r>
-              <a:rPr lang="nl-BE" sz="1450" dirty="0" err="1">
-                <a:solidFill>
-                  <a:schemeClr val="bg1"/>
-                </a:solidFill>
-              </a:rPr>
-              <a:t>Introduction</a:t>
-            </a:r>
-            <a:r>
-              <a:rPr lang="nl-BE" sz="1450" dirty="0">
-                <a:solidFill>
-                  <a:schemeClr val="bg1"/>
-                </a:solidFill>
-              </a:rPr>
-              <a:t>	</a:t>
-            </a:r>
-            <a:r>
-              <a:rPr lang="nl-BE" sz="1450" b="1" dirty="0">
-                <a:solidFill>
-                  <a:schemeClr val="bg1"/>
-                </a:solidFill>
-              </a:rPr>
-              <a:t>	Framework</a:t>
-            </a:r>
-            <a:r>
-              <a:rPr lang="nl-BE" sz="1450" dirty="0">
-                <a:solidFill>
-                  <a:schemeClr val="bg1"/>
-                </a:solidFill>
-              </a:rPr>
-              <a:t>		</a:t>
-            </a:r>
-            <a:r>
-              <a:rPr lang="nl-BE" sz="1450" dirty="0" err="1">
-                <a:solidFill>
-                  <a:schemeClr val="bg1"/>
-                </a:solidFill>
-              </a:rPr>
-              <a:t>Techniques</a:t>
-            </a:r>
-            <a:r>
-              <a:rPr lang="nl-BE" sz="1450" dirty="0">
-                <a:solidFill>
-                  <a:schemeClr val="bg1"/>
-                </a:solidFill>
-              </a:rPr>
-              <a:t> &amp; </a:t>
-            </a:r>
-            <a:r>
-              <a:rPr lang="nl-BE" sz="1450" dirty="0" err="1">
-                <a:solidFill>
-                  <a:schemeClr val="bg1"/>
-                </a:solidFill>
-              </a:rPr>
-              <a:t>Results</a:t>
-            </a:r>
-            <a:r>
-              <a:rPr lang="nl-BE" sz="1450" dirty="0">
-                <a:solidFill>
-                  <a:schemeClr val="bg1"/>
-                </a:solidFill>
-              </a:rPr>
-              <a:t>			Summary</a:t>
-            </a:r>
+        <p:style>
+          <a:lnRef idx="2">
+            <a:schemeClr val="accent1">
+              <a:shade val="50000"/>
+            </a:schemeClr>
+          </a:lnRef>
+          <a:fillRef idx="1">
+            <a:schemeClr val="accent1"/>
+          </a:fillRef>
+          <a:effectRef idx="0">
+            <a:schemeClr val="accent1"/>
+          </a:effectRef>
+          <a:fontRef idx="minor">
+            <a:schemeClr val="lt1"/>
+          </a:fontRef>
+        </p:style>
+        <p:txBody>
+          <a:bodyPr rtlCol="0" anchor="ctr"/>
+          <a:lstStyle/>
+          <a:p>
+            <a:pPr algn="ctr"/>
+            <a:r>
+              <a:rPr lang="nl-BE" sz="2000" b="1" dirty="0" err="1">
+                <a:solidFill>
+                  <a:srgbClr val="2F4D5D"/>
+                </a:solidFill>
+              </a:rPr>
+              <a:t>Predictive</a:t>
+            </a:r>
+            <a:r>
+              <a:rPr lang="nl-BE" sz="2000" b="1" dirty="0">
+                <a:solidFill>
+                  <a:srgbClr val="2F4D5D"/>
+                </a:solidFill>
+              </a:rPr>
+              <a:t> </a:t>
+            </a:r>
+            <a:r>
+              <a:rPr lang="nl-BE" sz="2000" b="1" dirty="0" err="1">
+                <a:solidFill>
+                  <a:srgbClr val="2F4D5D"/>
+                </a:solidFill>
+              </a:rPr>
+              <a:t>Modeling</a:t>
+            </a:r>
+            <a:endParaRPr lang="nl-BE" sz="2000" b="1" dirty="0">
+              <a:solidFill>
+                <a:srgbClr val="2F4D5D"/>
+              </a:solidFill>
+            </a:endParaRPr>
           </a:p>
         </p:txBody>
       </p:sp>
     </p:spTree>
     <p:extLst>
       <p:ext uri="{BB962C8B-B14F-4D97-AF65-F5344CB8AC3E}">
-        <p14:creationId xmlns:p14="http://schemas.microsoft.com/office/powerpoint/2010/main" val="2708186672"/>
+        <p14:creationId xmlns:p14="http://schemas.microsoft.com/office/powerpoint/2010/main" val="184558603"/>
       </p:ext>
     </p:extLst>
   </p:cSld>
   <p:clrMapOvr>
     <a:masterClrMapping/>
   </p:clrMapOvr>
+  <p:timing>
+    <p:tnLst>
+      <p:par>
+        <p:cTn id="1" dur="indefinite" restart="never" nodeType="tmRoot">
+          <p:childTnLst>
+            <p:seq concurrent="1" nextAc="seek">
+              <p:cTn id="2" dur="indefinite" nodeType="mainSeq">
+                <p:childTnLst>
+                  <p:par>
+                    <p:cTn id="3" fill="hold">
+                      <p:stCondLst>
+                        <p:cond delay="indefinite"/>
+                      </p:stCondLst>
+                      <p:childTnLst>
+                        <p:par>
+                          <p:cTn id="4" fill="hold">
+                            <p:stCondLst>
+                              <p:cond delay="0"/>
+                            </p:stCondLst>
+                            <p:childTnLst>
+                              <p:par>
+                                <p:cTn id="5" presetID="7" presetClass="emph" presetSubtype="2" fill="hold" nodeType="clickEffect">
+                                  <p:stCondLst>
+                                    <p:cond delay="0"/>
+                                  </p:stCondLst>
+                                  <p:childTnLst>
+                                    <p:animClr clrSpc="rgb" dir="cw">
+                                      <p:cBhvr>
+                                        <p:cTn id="6" dur="10" fill="hold"/>
+                                        <p:tgtEl>
+                                          <p:spTgt spid="5"/>
+                                        </p:tgtEl>
+                                        <p:attrNameLst>
+                                          <p:attrName>stroke.color</p:attrName>
+                                        </p:attrNameLst>
+                                      </p:cBhvr>
+                                      <p:to>
+                                        <a:srgbClr val="FF0000"/>
+                                      </p:to>
+                                    </p:animClr>
+                                    <p:set>
+                                      <p:cBhvr>
+                                        <p:cTn id="7" dur="10" fill="hold"/>
+                                        <p:tgtEl>
+                                          <p:spTgt spid="5"/>
+                                        </p:tgtEl>
+                                        <p:attrNameLst>
+                                          <p:attrName>stroke.on</p:attrName>
+                                        </p:attrNameLst>
+                                      </p:cBhvr>
+                                      <p:to>
+                                        <p:strVal val="true"/>
+                                      </p:to>
+                                    </p:set>
+                                  </p:childTnLst>
+                                </p:cTn>
+                              </p:par>
+                            </p:childTnLst>
+                          </p:cTn>
+                        </p:par>
+                      </p:childTnLst>
+                    </p:cTn>
+                  </p:par>
+                  <p:par>
+                    <p:cTn id="8" fill="hold">
+                      <p:stCondLst>
+                        <p:cond delay="indefinite"/>
+                      </p:stCondLst>
+                      <p:childTnLst>
+                        <p:par>
+                          <p:cTn id="9" fill="hold">
+                            <p:stCondLst>
+                              <p:cond delay="0"/>
+                            </p:stCondLst>
+                            <p:childTnLst>
+                              <p:par>
+                                <p:cTn id="10" presetID="7" presetClass="emph" presetSubtype="2" fill="hold" nodeType="clickEffect">
+                                  <p:stCondLst>
+                                    <p:cond delay="0"/>
+                                  </p:stCondLst>
+                                  <p:childTnLst>
+                                    <p:animClr clrSpc="rgb" dir="cw">
+                                      <p:cBhvr>
+                                        <p:cTn id="11" dur="10" fill="hold"/>
+                                        <p:tgtEl>
+                                          <p:spTgt spid="6"/>
+                                        </p:tgtEl>
+                                        <p:attrNameLst>
+                                          <p:attrName>stroke.color</p:attrName>
+                                        </p:attrNameLst>
+                                      </p:cBhvr>
+                                      <p:to>
+                                        <a:srgbClr val="FF0000"/>
+                                      </p:to>
+                                    </p:animClr>
+                                    <p:set>
+                                      <p:cBhvr>
+                                        <p:cTn id="12" dur="10" fill="hold"/>
+                                        <p:tgtEl>
+                                          <p:spTgt spid="6"/>
+                                        </p:tgtEl>
+                                        <p:attrNameLst>
+                                          <p:attrName>stroke.on</p:attrName>
+                                        </p:attrNameLst>
+                                      </p:cBhvr>
+                                      <p:to>
+                                        <p:strVal val="true"/>
+                                      </p:to>
+                                    </p:set>
+                                  </p:childTnLst>
+                                </p:cTn>
+                              </p:par>
+                              <p:par>
+                                <p:cTn id="13" presetID="7" presetClass="emph" presetSubtype="2" fill="hold" nodeType="withEffect">
+                                  <p:stCondLst>
+                                    <p:cond delay="0"/>
+                                  </p:stCondLst>
+                                  <p:childTnLst>
+                                    <p:animClr clrSpc="rgb" dir="cw">
+                                      <p:cBhvr>
+                                        <p:cTn id="14" dur="10" fill="hold"/>
+                                        <p:tgtEl>
+                                          <p:spTgt spid="5"/>
+                                        </p:tgtEl>
+                                        <p:attrNameLst>
+                                          <p:attrName>stroke.color</p:attrName>
+                                        </p:attrNameLst>
+                                      </p:cBhvr>
+                                      <p:to>
+                                        <a:schemeClr val="accent2"/>
+                                      </p:to>
+                                    </p:animClr>
+                                    <p:set>
+                                      <p:cBhvr>
+                                        <p:cTn id="15" dur="10" fill="hold"/>
+                                        <p:tgtEl>
+                                          <p:spTgt spid="5"/>
+                                        </p:tgtEl>
+                                        <p:attrNameLst>
+                                          <p:attrName>stroke.on</p:attrName>
+                                        </p:attrNameLst>
+                                      </p:cBhvr>
+                                      <p:to>
+                                        <p:strVal val="true"/>
+                                      </p:to>
+                                    </p:set>
+                                  </p:childTnLst>
+                                </p:cTn>
+                              </p:par>
+                            </p:childTnLst>
+                          </p:cTn>
+                        </p:par>
+                      </p:childTnLst>
+                    </p:cTn>
+                  </p:par>
+                  <p:par>
+                    <p:cTn id="16" fill="hold">
+                      <p:stCondLst>
+                        <p:cond delay="indefinite"/>
+                      </p:stCondLst>
+                      <p:childTnLst>
+                        <p:par>
+                          <p:cTn id="17" fill="hold">
+                            <p:stCondLst>
+                              <p:cond delay="0"/>
+                            </p:stCondLst>
+                            <p:childTnLst>
+                              <p:par>
+                                <p:cTn id="18" presetID="7" presetClass="emph" presetSubtype="2" fill="hold" nodeType="clickEffect">
+                                  <p:stCondLst>
+                                    <p:cond delay="0"/>
+                                  </p:stCondLst>
+                                  <p:childTnLst>
+                                    <p:animClr clrSpc="rgb" dir="cw">
+                                      <p:cBhvr>
+                                        <p:cTn id="19" dur="10" fill="hold"/>
+                                        <p:tgtEl>
+                                          <p:spTgt spid="7"/>
+                                        </p:tgtEl>
+                                        <p:attrNameLst>
+                                          <p:attrName>stroke.color</p:attrName>
+                                        </p:attrNameLst>
+                                      </p:cBhvr>
+                                      <p:to>
+                                        <a:srgbClr val="FF0000"/>
+                                      </p:to>
+                                    </p:animClr>
+                                    <p:set>
+                                      <p:cBhvr>
+                                        <p:cTn id="20" dur="10" fill="hold"/>
+                                        <p:tgtEl>
+                                          <p:spTgt spid="7"/>
+                                        </p:tgtEl>
+                                        <p:attrNameLst>
+                                          <p:attrName>stroke.on</p:attrName>
+                                        </p:attrNameLst>
+                                      </p:cBhvr>
+                                      <p:to>
+                                        <p:strVal val="true"/>
+                                      </p:to>
+                                    </p:set>
+                                  </p:childTnLst>
+                                </p:cTn>
+                              </p:par>
+                              <p:par>
+                                <p:cTn id="21" presetID="7" presetClass="emph" presetSubtype="2" fill="hold" nodeType="withEffect">
+                                  <p:stCondLst>
+                                    <p:cond delay="0"/>
+                                  </p:stCondLst>
+                                  <p:childTnLst>
+                                    <p:animClr clrSpc="rgb" dir="cw">
+                                      <p:cBhvr>
+                                        <p:cTn id="22" dur="250" fill="hold"/>
+                                        <p:tgtEl>
+                                          <p:spTgt spid="6"/>
+                                        </p:tgtEl>
+                                        <p:attrNameLst>
+                                          <p:attrName>stroke.color</p:attrName>
+                                        </p:attrNameLst>
+                                      </p:cBhvr>
+                                      <p:to>
+                                        <a:schemeClr val="accent2"/>
+                                      </p:to>
+                                    </p:animClr>
+                                    <p:set>
+                                      <p:cBhvr>
+                                        <p:cTn id="23" dur="250" fill="hold"/>
+                                        <p:tgtEl>
+                                          <p:spTgt spid="6"/>
+                                        </p:tgtEl>
+                                        <p:attrNameLst>
+                                          <p:attrName>stroke.on</p:attrName>
+                                        </p:attrNameLst>
+                                      </p:cBhvr>
+                                      <p:to>
+                                        <p:strVal val="true"/>
+                                      </p:to>
+                                    </p:set>
+                                  </p:childTnLst>
+                                </p:cTn>
+                              </p:par>
+                            </p:childTnLst>
+                          </p:cTn>
+                        </p:par>
+                      </p:childTnLst>
+                    </p:cTn>
+                  </p:par>
+                  <p:par>
+                    <p:cTn id="24" fill="hold">
+                      <p:stCondLst>
+                        <p:cond delay="indefinite"/>
+                      </p:stCondLst>
+                      <p:childTnLst>
+                        <p:par>
+                          <p:cTn id="25" fill="hold">
+                            <p:stCondLst>
+                              <p:cond delay="0"/>
+                            </p:stCondLst>
+                            <p:childTnLst>
+                              <p:par>
+                                <p:cTn id="26" presetID="7" presetClass="emph" presetSubtype="2" fill="hold" nodeType="clickEffect">
+                                  <p:stCondLst>
+                                    <p:cond delay="0"/>
+                                  </p:stCondLst>
+                                  <p:childTnLst>
+                                    <p:animClr clrSpc="rgb" dir="cw">
+                                      <p:cBhvr>
+                                        <p:cTn id="27" dur="10" fill="hold"/>
+                                        <p:tgtEl>
+                                          <p:spTgt spid="8"/>
+                                        </p:tgtEl>
+                                        <p:attrNameLst>
+                                          <p:attrName>stroke.color</p:attrName>
+                                        </p:attrNameLst>
+                                      </p:cBhvr>
+                                      <p:to>
+                                        <a:srgbClr val="FF0000"/>
+                                      </p:to>
+                                    </p:animClr>
+                                    <p:set>
+                                      <p:cBhvr>
+                                        <p:cTn id="28" dur="10" fill="hold"/>
+                                        <p:tgtEl>
+                                          <p:spTgt spid="8"/>
+                                        </p:tgtEl>
+                                        <p:attrNameLst>
+                                          <p:attrName>stroke.on</p:attrName>
+                                        </p:attrNameLst>
+                                      </p:cBhvr>
+                                      <p:to>
+                                        <p:strVal val="true"/>
+                                      </p:to>
+                                    </p:set>
+                                  </p:childTnLst>
+                                </p:cTn>
+                              </p:par>
+                              <p:par>
+                                <p:cTn id="29" presetID="7" presetClass="emph" presetSubtype="2" fill="hold" nodeType="withEffect">
+                                  <p:stCondLst>
+                                    <p:cond delay="0"/>
+                                  </p:stCondLst>
+                                  <p:childTnLst>
+                                    <p:animClr clrSpc="rgb" dir="cw">
+                                      <p:cBhvr>
+                                        <p:cTn id="30" dur="10" fill="hold"/>
+                                        <p:tgtEl>
+                                          <p:spTgt spid="7"/>
+                                        </p:tgtEl>
+                                        <p:attrNameLst>
+                                          <p:attrName>stroke.color</p:attrName>
+                                        </p:attrNameLst>
+                                      </p:cBhvr>
+                                      <p:to>
+                                        <a:schemeClr val="accent2"/>
+                                      </p:to>
+                                    </p:animClr>
+                                    <p:set>
+                                      <p:cBhvr>
+                                        <p:cTn id="31" dur="10" fill="hold"/>
+                                        <p:tgtEl>
+                                          <p:spTgt spid="7"/>
+                                        </p:tgtEl>
+                                        <p:attrNameLst>
+                                          <p:attrName>stroke.on</p:attrName>
+                                        </p:attrNameLst>
+                                      </p:cBhvr>
+                                      <p:to>
+                                        <p:strVal val="true"/>
+                                      </p:to>
+                                    </p:set>
+                                  </p:childTnLst>
+                                </p:cTn>
+                              </p:par>
+                            </p:childTnLst>
+                          </p:cTn>
+                        </p:par>
+                      </p:childTnLst>
+                    </p:cTn>
+                  </p:par>
+                </p:childTnLst>
+              </p:cTn>
+              <p:prevCondLst>
+                <p:cond evt="onPrev" delay="0">
+                  <p:tgtEl>
+                    <p:sldTgt/>
+                  </p:tgtEl>
+                </p:cond>
+              </p:prevCondLst>
+              <p:nextCondLst>
+                <p:cond evt="onNext" delay="0">
+                  <p:tgtEl>
+                    <p:sldTgt/>
+                  </p:tgtEl>
+                </p:cond>
+              </p:nextCondLst>
+            </p:seq>
+          </p:childTnLst>
+        </p:cTn>
+      </p:par>
+    </p:tnLst>
+  </p:timing>
 </p:sld>
 </file>
 
@@ -12367,10 +14275,10 @@
       </p:grpSpPr>
       <p:sp>
         <p:nvSpPr>
-          <p:cNvPr id="2" name="Titel 1">
+          <p:cNvPr id="5" name="Titel 4">
             <a:extLst>
               <a:ext uri="{FF2B5EF4-FFF2-40B4-BE49-F238E27FC236}">
-                <a16:creationId xmlns:a16="http://schemas.microsoft.com/office/drawing/2014/main" id="{069A9DF7-0F9D-4549-B4E3-66F98F66FF7B}"/>
+                <a16:creationId xmlns:a16="http://schemas.microsoft.com/office/drawing/2014/main" id="{DDE1DBB6-2726-44FA-9B3C-04EDEA3A64E9}"/>
               </a:ext>
             </a:extLst>
           </p:cNvPr>
@@ -12381,165 +14289,576 @@
             <p:ph type="title"/>
           </p:nvPr>
         </p:nvSpPr>
-        <p:spPr/>
+        <p:spPr>
+          <a:xfrm>
+            <a:off x="576000" y="207036"/>
+            <a:ext cx="11041200" cy="1152000"/>
+          </a:xfrm>
+        </p:spPr>
         <p:txBody>
           <a:bodyPr/>
           <a:lstStyle/>
           <a:p>
             <a:r>
-              <a:rPr lang="nl-NL" dirty="0">
-                <a:latin typeface="Arial"/>
-                <a:cs typeface="Arial"/>
-              </a:rPr>
-              <a:t>Parameters </a:t>
-            </a:r>
-            <a:r>
-              <a:rPr lang="nl-NL" dirty="0" err="1">
-                <a:latin typeface="Arial"/>
-                <a:cs typeface="Arial"/>
-              </a:rPr>
-              <a:t>influcencing</a:t>
-            </a:r>
-            <a:r>
-              <a:rPr lang="nl-NL" dirty="0">
-                <a:latin typeface="Arial"/>
-                <a:cs typeface="Arial"/>
-              </a:rPr>
-              <a:t> </a:t>
-            </a:r>
-            <a:r>
-              <a:rPr lang="nl-NL" dirty="0" err="1">
-                <a:latin typeface="Arial"/>
-                <a:cs typeface="Arial"/>
-              </a:rPr>
-              <a:t>toxicity</a:t>
-            </a:r>
-            <a:endParaRPr lang="nl-NL" dirty="0" err="1"/>
-          </a:p>
-        </p:txBody>
-      </p:sp>
-      <p:sp>
-        <p:nvSpPr>
-          <p:cNvPr id="3" name="Tijdelijke aanduiding voor tekst 2">
+              <a:rPr lang="en-US" dirty="0"/>
+              <a:t>Areas studied for nanotoxicity </a:t>
+            </a:r>
+          </a:p>
+        </p:txBody>
+      </p:sp>
+      <p:sp>
+        <p:nvSpPr>
+          <p:cNvPr id="7" name="Tekstvak 6">
             <a:extLst>
               <a:ext uri="{FF2B5EF4-FFF2-40B4-BE49-F238E27FC236}">
-                <a16:creationId xmlns:a16="http://schemas.microsoft.com/office/drawing/2014/main" id="{0765C0FE-D1DD-43F6-A1E8-FF2D7256F7B0}"/>
+                <a16:creationId xmlns:a16="http://schemas.microsoft.com/office/drawing/2014/main" id="{1F6D9075-A75C-45BC-9D25-79245D97D4C4}"/>
               </a:ext>
             </a:extLst>
           </p:cNvPr>
-          <p:cNvSpPr>
-            <a:spLocks noGrp="1"/>
-          </p:cNvSpPr>
-          <p:nvPr>
-            <p:ph type="body" idx="1"/>
-          </p:nvPr>
-        </p:nvSpPr>
-        <p:spPr/>
-        <p:txBody>
-          <a:bodyPr/>
-          <a:lstStyle/>
-          <a:p>
-            <a:endParaRPr lang="nl-NL"/>
-          </a:p>
-        </p:txBody>
-      </p:sp>
-      <p:sp>
-        <p:nvSpPr>
-          <p:cNvPr id="4" name="Tijdelijke aanduiding voor voettekst 3">
+          <p:cNvSpPr txBox="1"/>
+          <p:nvPr/>
+        </p:nvSpPr>
+        <p:spPr>
+          <a:xfrm>
+            <a:off x="576000" y="6416963"/>
+            <a:ext cx="10351364" cy="315471"/>
+          </a:xfrm>
+          <a:prstGeom prst="rect">
+            <a:avLst/>
+          </a:prstGeom>
+          <a:noFill/>
+        </p:spPr>
+        <p:txBody>
+          <a:bodyPr wrap="square" rtlCol="0">
+            <a:spAutoFit/>
+          </a:bodyPr>
+          <a:lstStyle/>
+          <a:p>
+            <a:r>
+              <a:rPr lang="nl-BE" sz="1450" dirty="0" err="1">
+                <a:solidFill>
+                  <a:schemeClr val="bg1"/>
+                </a:solidFill>
+              </a:rPr>
+              <a:t>Introduction</a:t>
+            </a:r>
+            <a:r>
+              <a:rPr lang="nl-BE" sz="1450" dirty="0">
+                <a:solidFill>
+                  <a:schemeClr val="bg1"/>
+                </a:solidFill>
+              </a:rPr>
+              <a:t>	</a:t>
+            </a:r>
+            <a:r>
+              <a:rPr lang="nl-BE" sz="1450" b="1" dirty="0">
+                <a:solidFill>
+                  <a:schemeClr val="bg1"/>
+                </a:solidFill>
+              </a:rPr>
+              <a:t>	Framework</a:t>
+            </a:r>
+            <a:r>
+              <a:rPr lang="nl-BE" sz="1450" dirty="0">
+                <a:solidFill>
+                  <a:schemeClr val="bg1"/>
+                </a:solidFill>
+              </a:rPr>
+              <a:t>		</a:t>
+            </a:r>
+            <a:r>
+              <a:rPr lang="nl-BE" sz="1450" dirty="0" err="1">
+                <a:solidFill>
+                  <a:schemeClr val="bg1"/>
+                </a:solidFill>
+              </a:rPr>
+              <a:t>Techniques</a:t>
+            </a:r>
+            <a:r>
+              <a:rPr lang="nl-BE" sz="1450" dirty="0">
+                <a:solidFill>
+                  <a:schemeClr val="bg1"/>
+                </a:solidFill>
+              </a:rPr>
+              <a:t> &amp; </a:t>
+            </a:r>
+            <a:r>
+              <a:rPr lang="nl-BE" sz="1450" dirty="0" err="1">
+                <a:solidFill>
+                  <a:schemeClr val="bg1"/>
+                </a:solidFill>
+              </a:rPr>
+              <a:t>Results</a:t>
+            </a:r>
+            <a:r>
+              <a:rPr lang="nl-BE" sz="1450" dirty="0">
+                <a:solidFill>
+                  <a:schemeClr val="bg1"/>
+                </a:solidFill>
+              </a:rPr>
+              <a:t>			Summary</a:t>
+            </a:r>
+          </a:p>
+        </p:txBody>
+      </p:sp>
+      <p:sp>
+        <p:nvSpPr>
+          <p:cNvPr id="10" name="Rechthoek: afgeronde hoeken 9">
             <a:extLst>
               <a:ext uri="{FF2B5EF4-FFF2-40B4-BE49-F238E27FC236}">
-                <a16:creationId xmlns:a16="http://schemas.microsoft.com/office/drawing/2014/main" id="{E63340FA-5B57-4924-A4D1-10B8E5D14A4C}"/>
+                <a16:creationId xmlns:a16="http://schemas.microsoft.com/office/drawing/2014/main" id="{F424C107-5546-421E-B7DF-B47CDCD49B1C}"/>
               </a:ext>
             </a:extLst>
           </p:cNvPr>
-          <p:cNvSpPr>
-            <a:spLocks noGrp="1"/>
-          </p:cNvSpPr>
-          <p:nvPr>
-            <p:ph type="ftr" sz="quarter" idx="11"/>
-          </p:nvPr>
-        </p:nvSpPr>
-        <p:spPr/>
-        <p:txBody>
-          <a:bodyPr/>
-          <a:lstStyle/>
-          <a:p>
-            <a:r>
-              <a:rPr lang="nl-NL"/>
-              <a:t>Faculteit, departement, dienst …</a:t>
-            </a:r>
-          </a:p>
-        </p:txBody>
-      </p:sp>
-      <p:sp>
-        <p:nvSpPr>
-          <p:cNvPr id="5" name="Tijdelijke aanduiding voor dianummer 4">
-            <a:extLst>
-              <a:ext uri="{FF2B5EF4-FFF2-40B4-BE49-F238E27FC236}">
-                <a16:creationId xmlns:a16="http://schemas.microsoft.com/office/drawing/2014/main" id="{74B25947-9FBD-4735-9AE1-ED393740821F}"/>
-              </a:ext>
-            </a:extLst>
-          </p:cNvPr>
-          <p:cNvSpPr>
-            <a:spLocks noGrp="1"/>
-          </p:cNvSpPr>
-          <p:nvPr>
-            <p:ph type="sldNum" sz="quarter" idx="12"/>
-          </p:nvPr>
-        </p:nvSpPr>
-        <p:spPr/>
-        <p:txBody>
-          <a:bodyPr/>
-          <a:lstStyle/>
-          <a:p>
-            <a:fld id="{0A297500-7527-634B-90F4-69D0994C32B4}" type="slidenum">
-              <a:rPr lang="nl-NL" smtClean="0"/>
-              <a:t>9</a:t>
-            </a:fld>
-            <a:endParaRPr lang="nl-NL"/>
-          </a:p>
-        </p:txBody>
-      </p:sp>
-      <p:sp>
-        <p:nvSpPr>
-          <p:cNvPr id="6" name="Tijdelijke aanduiding voor afbeelding 5">
-            <a:extLst>
-              <a:ext uri="{FF2B5EF4-FFF2-40B4-BE49-F238E27FC236}">
-                <a16:creationId xmlns:a16="http://schemas.microsoft.com/office/drawing/2014/main" id="{5275FCF6-597C-42C7-8DFD-B54FDE863E6B}"/>
-              </a:ext>
-            </a:extLst>
-          </p:cNvPr>
-          <p:cNvSpPr>
-            <a:spLocks noGrp="1"/>
-          </p:cNvSpPr>
-          <p:nvPr>
-            <p:ph type="pic" sz="quarter" idx="13"/>
-          </p:nvPr>
-        </p:nvSpPr>
-        <p:spPr/>
-      </p:sp>
-      <p:sp>
-        <p:nvSpPr>
-          <p:cNvPr id="7" name="Tijdelijke aanduiding voor afbeelding 6">
-            <a:extLst>
-              <a:ext uri="{FF2B5EF4-FFF2-40B4-BE49-F238E27FC236}">
-                <a16:creationId xmlns:a16="http://schemas.microsoft.com/office/drawing/2014/main" id="{8EE963F9-2796-4544-B389-0EF584315BE6}"/>
-              </a:ext>
-            </a:extLst>
-          </p:cNvPr>
-          <p:cNvSpPr>
-            <a:spLocks noGrp="1"/>
-          </p:cNvSpPr>
-          <p:nvPr>
-            <p:ph type="pic" sz="quarter" idx="14"/>
-          </p:nvPr>
-        </p:nvSpPr>
-        <p:spPr/>
+          <p:cNvSpPr/>
+          <p:nvPr/>
+        </p:nvSpPr>
+        <p:spPr>
+          <a:xfrm>
+            <a:off x="1219200" y="1439917"/>
+            <a:ext cx="9753600" cy="4151586"/>
+          </a:xfrm>
+          <a:prstGeom prst="roundRect">
+            <a:avLst/>
+          </a:prstGeom>
+          <a:solidFill>
+            <a:schemeClr val="bg2"/>
+          </a:solidFill>
+          <a:ln w="28575"/>
+        </p:spPr>
+        <p:style>
+          <a:lnRef idx="2">
+            <a:schemeClr val="accent1">
+              <a:shade val="50000"/>
+            </a:schemeClr>
+          </a:lnRef>
+          <a:fillRef idx="1">
+            <a:schemeClr val="accent1"/>
+          </a:fillRef>
+          <a:effectRef idx="0">
+            <a:schemeClr val="accent1"/>
+          </a:effectRef>
+          <a:fontRef idx="minor">
+            <a:schemeClr val="lt1"/>
+          </a:fontRef>
+        </p:style>
+        <p:txBody>
+          <a:bodyPr rtlCol="0" anchor="ctr"/>
+          <a:lstStyle/>
+          <a:p>
+            <a:endParaRPr lang="nl-BE" sz="2000" b="1" dirty="0">
+              <a:solidFill>
+                <a:srgbClr val="2F4D5D"/>
+              </a:solidFill>
+            </a:endParaRPr>
+          </a:p>
+          <a:p>
+            <a:endParaRPr lang="nl-BE" sz="2000" b="1" dirty="0">
+              <a:solidFill>
+                <a:srgbClr val="2F4D5D"/>
+              </a:solidFill>
+            </a:endParaRPr>
+          </a:p>
+          <a:p>
+            <a:endParaRPr lang="nl-BE" sz="2000" b="1" dirty="0">
+              <a:solidFill>
+                <a:srgbClr val="2F4D5D"/>
+              </a:solidFill>
+            </a:endParaRPr>
+          </a:p>
+          <a:p>
+            <a:endParaRPr lang="nl-BE" sz="2000" b="1" dirty="0">
+              <a:solidFill>
+                <a:srgbClr val="2F4D5D"/>
+              </a:solidFill>
+            </a:endParaRPr>
+          </a:p>
+          <a:p>
+            <a:endParaRPr lang="nl-BE" sz="2000" b="1" dirty="0">
+              <a:solidFill>
+                <a:srgbClr val="2F4D5D"/>
+              </a:solidFill>
+            </a:endParaRPr>
+          </a:p>
+          <a:p>
+            <a:endParaRPr lang="nl-BE" sz="2000" b="1" dirty="0">
+              <a:solidFill>
+                <a:srgbClr val="2F4D5D"/>
+              </a:solidFill>
+            </a:endParaRPr>
+          </a:p>
+          <a:p>
+            <a:endParaRPr lang="nl-BE" sz="2000" b="1" dirty="0">
+              <a:solidFill>
+                <a:srgbClr val="2F4D5D"/>
+              </a:solidFill>
+            </a:endParaRPr>
+          </a:p>
+          <a:p>
+            <a:endParaRPr lang="nl-BE" sz="2000" b="1" dirty="0">
+              <a:solidFill>
+                <a:srgbClr val="2F4D5D"/>
+              </a:solidFill>
+            </a:endParaRPr>
+          </a:p>
+          <a:p>
+            <a:endParaRPr lang="nl-BE" sz="2000" b="1" dirty="0">
+              <a:solidFill>
+                <a:srgbClr val="2F4D5D"/>
+              </a:solidFill>
+            </a:endParaRPr>
+          </a:p>
+          <a:p>
+            <a:r>
+              <a:rPr lang="nl-BE" sz="2000" b="1" dirty="0">
+                <a:solidFill>
+                  <a:srgbClr val="2F4D5D"/>
+                </a:solidFill>
+              </a:rPr>
+              <a:t>Area 1: </a:t>
+            </a:r>
+            <a:r>
+              <a:rPr lang="nl-BE" sz="2000" b="1" dirty="0" err="1">
+                <a:solidFill>
+                  <a:srgbClr val="2F4D5D"/>
+                </a:solidFill>
+              </a:rPr>
+              <a:t>Nanoparticle</a:t>
+            </a:r>
+            <a:r>
+              <a:rPr lang="nl-BE" sz="2000" b="1" dirty="0">
+                <a:solidFill>
+                  <a:srgbClr val="2F4D5D"/>
+                </a:solidFill>
+              </a:rPr>
+              <a:t> </a:t>
+            </a:r>
+            <a:r>
+              <a:rPr lang="nl-BE" sz="2000" b="1" dirty="0" err="1">
+                <a:solidFill>
+                  <a:srgbClr val="2F4D5D"/>
+                </a:solidFill>
+              </a:rPr>
+              <a:t>characterization</a:t>
+            </a:r>
+            <a:endParaRPr lang="nl-BE" sz="2000" b="1" dirty="0">
+              <a:solidFill>
+                <a:srgbClr val="2F4D5D"/>
+              </a:solidFill>
+            </a:endParaRPr>
+          </a:p>
+          <a:p>
+            <a:r>
+              <a:rPr lang="nl-BE" sz="2000" dirty="0" err="1">
+                <a:solidFill>
+                  <a:srgbClr val="2F4D5D"/>
+                </a:solidFill>
+              </a:rPr>
+              <a:t>Nanoparticles</a:t>
+            </a:r>
+            <a:r>
+              <a:rPr lang="nl-BE" sz="2000" dirty="0">
+                <a:solidFill>
+                  <a:srgbClr val="2F4D5D"/>
+                </a:solidFill>
+              </a:rPr>
+              <a:t> are first </a:t>
+            </a:r>
+            <a:r>
+              <a:rPr lang="nl-BE" sz="2000" dirty="0" err="1">
+                <a:solidFill>
+                  <a:srgbClr val="2F4D5D"/>
+                </a:solidFill>
+              </a:rPr>
+              <a:t>assessed</a:t>
+            </a:r>
+            <a:r>
+              <a:rPr lang="nl-BE" sz="2000" dirty="0">
+                <a:solidFill>
+                  <a:srgbClr val="2F4D5D"/>
+                </a:solidFill>
+              </a:rPr>
+              <a:t> in </a:t>
+            </a:r>
+            <a:r>
+              <a:rPr lang="nl-BE" sz="2000" dirty="0" err="1">
+                <a:solidFill>
+                  <a:srgbClr val="2F4D5D"/>
+                </a:solidFill>
+              </a:rPr>
+              <a:t>the</a:t>
+            </a:r>
+            <a:r>
+              <a:rPr lang="nl-BE" sz="2000" dirty="0">
+                <a:solidFill>
+                  <a:srgbClr val="2F4D5D"/>
+                </a:solidFill>
+              </a:rPr>
+              <a:t> as-</a:t>
+            </a:r>
+            <a:r>
+              <a:rPr lang="nl-BE" sz="2000" dirty="0" err="1">
+                <a:solidFill>
+                  <a:srgbClr val="2F4D5D"/>
+                </a:solidFill>
+              </a:rPr>
+              <a:t>synthesized</a:t>
+            </a:r>
+            <a:r>
+              <a:rPr lang="nl-BE" sz="2000" dirty="0">
+                <a:solidFill>
+                  <a:srgbClr val="2F4D5D"/>
+                </a:solidFill>
+              </a:rPr>
+              <a:t> form </a:t>
+            </a:r>
+            <a:r>
+              <a:rPr lang="en-US" sz="2000" dirty="0">
+                <a:solidFill>
+                  <a:srgbClr val="2F4D5D"/>
+                </a:solidFill>
+              </a:rPr>
+              <a:t>after dispersion in the appropriate aqueous media</a:t>
+            </a:r>
+            <a:r>
+              <a:rPr lang="nl-BE" sz="2000" dirty="0">
+                <a:solidFill>
+                  <a:srgbClr val="2F4D5D"/>
+                </a:solidFill>
+              </a:rPr>
+              <a:t>.</a:t>
+            </a:r>
+          </a:p>
+          <a:p>
+            <a:pPr algn="ctr"/>
+            <a:r>
+              <a:rPr lang="nl-BE" sz="2000" dirty="0">
+                <a:solidFill>
+                  <a:srgbClr val="2F4D5D"/>
+                </a:solidFill>
+              </a:rPr>
+              <a:t> </a:t>
+            </a:r>
+          </a:p>
+          <a:p>
+            <a:r>
+              <a:rPr lang="nl-BE" sz="2000" dirty="0" err="1">
+                <a:solidFill>
+                  <a:srgbClr val="2F4D5D"/>
+                </a:solidFill>
+              </a:rPr>
+              <a:t>Determination</a:t>
+            </a:r>
+            <a:r>
+              <a:rPr lang="nl-BE" sz="2000" dirty="0">
+                <a:solidFill>
+                  <a:srgbClr val="2F4D5D"/>
+                </a:solidFill>
+              </a:rPr>
+              <a:t> of: </a:t>
+            </a:r>
+          </a:p>
+          <a:p>
+            <a:endParaRPr lang="nl-BE" sz="2000" dirty="0">
+              <a:solidFill>
+                <a:srgbClr val="2F4D5D"/>
+              </a:solidFill>
+            </a:endParaRPr>
+          </a:p>
+          <a:p>
+            <a:pPr marL="342900" indent="-342900">
+              <a:buFont typeface="Wingdings" panose="05000000000000000000" pitchFamily="2" charset="2"/>
+              <a:buChar char="Ø"/>
+            </a:pPr>
+            <a:r>
+              <a:rPr lang="nl-BE" sz="2000" dirty="0" err="1">
+                <a:solidFill>
+                  <a:srgbClr val="2F4D5D"/>
+                </a:solidFill>
+              </a:rPr>
+              <a:t>Concentration</a:t>
+            </a:r>
+            <a:endParaRPr lang="nl-BE" sz="2000" dirty="0">
+              <a:solidFill>
+                <a:srgbClr val="2F4D5D"/>
+              </a:solidFill>
+            </a:endParaRPr>
+          </a:p>
+          <a:p>
+            <a:pPr marL="342900" indent="-342900">
+              <a:buFont typeface="Wingdings" panose="05000000000000000000" pitchFamily="2" charset="2"/>
+              <a:buChar char="Ø"/>
+            </a:pPr>
+            <a:r>
+              <a:rPr lang="nl-BE" sz="2000" dirty="0" err="1">
+                <a:solidFill>
+                  <a:srgbClr val="2F4D5D"/>
+                </a:solidFill>
+              </a:rPr>
+              <a:t>Composition</a:t>
+            </a:r>
+            <a:r>
+              <a:rPr lang="nl-BE" sz="2000" dirty="0">
+                <a:solidFill>
+                  <a:srgbClr val="2F4D5D"/>
+                </a:solidFill>
+              </a:rPr>
+              <a:t>  </a:t>
+            </a:r>
+          </a:p>
+          <a:p>
+            <a:pPr marL="342900" indent="-342900">
+              <a:buFont typeface="Wingdings" panose="05000000000000000000" pitchFamily="2" charset="2"/>
+              <a:buChar char="Ø"/>
+            </a:pPr>
+            <a:r>
+              <a:rPr lang="nl-BE" sz="2000" dirty="0" err="1">
+                <a:solidFill>
+                  <a:srgbClr val="2F4D5D"/>
+                </a:solidFill>
+              </a:rPr>
+              <a:t>Size</a:t>
+            </a:r>
+            <a:r>
+              <a:rPr lang="nl-BE" sz="2000" dirty="0">
+                <a:solidFill>
+                  <a:srgbClr val="2F4D5D"/>
+                </a:solidFill>
+              </a:rPr>
+              <a:t> </a:t>
+            </a:r>
+          </a:p>
+          <a:p>
+            <a:pPr marL="342900" indent="-342900">
+              <a:buFont typeface="Wingdings" panose="05000000000000000000" pitchFamily="2" charset="2"/>
+              <a:buChar char="Ø"/>
+            </a:pPr>
+            <a:r>
+              <a:rPr lang="nl-BE" sz="2000" dirty="0">
+                <a:solidFill>
+                  <a:srgbClr val="2F4D5D"/>
+                </a:solidFill>
+              </a:rPr>
+              <a:t>Surface area</a:t>
+            </a:r>
+          </a:p>
+          <a:p>
+            <a:pPr marL="342900" indent="-342900">
+              <a:buFont typeface="Wingdings" panose="05000000000000000000" pitchFamily="2" charset="2"/>
+              <a:buChar char="Ø"/>
+            </a:pPr>
+            <a:r>
+              <a:rPr lang="nl-BE" sz="2000" dirty="0" err="1">
+                <a:solidFill>
+                  <a:srgbClr val="2F4D5D"/>
+                </a:solidFill>
+              </a:rPr>
+              <a:t>Morphology</a:t>
+            </a:r>
+            <a:endParaRPr lang="nl-BE" sz="2000" dirty="0">
+              <a:solidFill>
+                <a:srgbClr val="2F4D5D"/>
+              </a:solidFill>
+            </a:endParaRPr>
+          </a:p>
+          <a:p>
+            <a:pPr marL="342900" indent="-342900">
+              <a:buFont typeface="Wingdings" panose="05000000000000000000" pitchFamily="2" charset="2"/>
+              <a:buChar char="Ø"/>
+            </a:pPr>
+            <a:r>
+              <a:rPr lang="nl-BE" sz="2000" dirty="0">
+                <a:solidFill>
+                  <a:srgbClr val="2F4D5D"/>
+                </a:solidFill>
+              </a:rPr>
+              <a:t>charge</a:t>
+            </a:r>
+          </a:p>
+          <a:p>
+            <a:pPr marL="342900" indent="-342900">
+              <a:buFont typeface="Wingdings" panose="05000000000000000000" pitchFamily="2" charset="2"/>
+              <a:buChar char="Ø"/>
+            </a:pPr>
+            <a:endParaRPr lang="nl-BE" sz="2000" dirty="0">
+              <a:solidFill>
+                <a:srgbClr val="2F4D5D"/>
+              </a:solidFill>
+            </a:endParaRPr>
+          </a:p>
+          <a:p>
+            <a:pPr marL="342900" indent="-342900">
+              <a:buFont typeface="Wingdings" panose="05000000000000000000" pitchFamily="2" charset="2"/>
+              <a:buChar char="Ø"/>
+            </a:pPr>
+            <a:endParaRPr lang="nl-BE" sz="2000" dirty="0">
+              <a:solidFill>
+                <a:srgbClr val="2F4D5D"/>
+              </a:solidFill>
+            </a:endParaRPr>
+          </a:p>
+          <a:p>
+            <a:pPr algn="ctr"/>
+            <a:endParaRPr lang="nl-BE" sz="2000" dirty="0">
+              <a:solidFill>
+                <a:srgbClr val="2F4D5D"/>
+              </a:solidFill>
+            </a:endParaRPr>
+          </a:p>
+          <a:p>
+            <a:pPr algn="ctr"/>
+            <a:endParaRPr lang="nl-BE" sz="2000" dirty="0">
+              <a:solidFill>
+                <a:srgbClr val="2F4D5D"/>
+              </a:solidFill>
+            </a:endParaRPr>
+          </a:p>
+          <a:p>
+            <a:pPr algn="ctr"/>
+            <a:endParaRPr lang="nl-BE" sz="2000" dirty="0">
+              <a:solidFill>
+                <a:srgbClr val="2F4D5D"/>
+              </a:solidFill>
+            </a:endParaRPr>
+          </a:p>
+          <a:p>
+            <a:pPr algn="ctr"/>
+            <a:endParaRPr lang="nl-BE" sz="2000" dirty="0">
+              <a:solidFill>
+                <a:srgbClr val="2F4D5D"/>
+              </a:solidFill>
+            </a:endParaRPr>
+          </a:p>
+          <a:p>
+            <a:pPr algn="ctr"/>
+            <a:endParaRPr lang="nl-BE" sz="2000" dirty="0">
+              <a:solidFill>
+                <a:srgbClr val="2F4D5D"/>
+              </a:solidFill>
+            </a:endParaRPr>
+          </a:p>
+          <a:p>
+            <a:pPr algn="ctr"/>
+            <a:endParaRPr lang="nl-BE" sz="2000" dirty="0">
+              <a:solidFill>
+                <a:srgbClr val="2F4D5D"/>
+              </a:solidFill>
+            </a:endParaRPr>
+          </a:p>
+          <a:p>
+            <a:pPr algn="ctr"/>
+            <a:endParaRPr lang="nl-BE" sz="2000" dirty="0">
+              <a:solidFill>
+                <a:srgbClr val="2F4D5D"/>
+              </a:solidFill>
+            </a:endParaRPr>
+          </a:p>
+        </p:txBody>
       </p:sp>
     </p:spTree>
     <p:extLst>
       <p:ext uri="{BB962C8B-B14F-4D97-AF65-F5344CB8AC3E}">
-        <p14:creationId xmlns:p14="http://schemas.microsoft.com/office/powerpoint/2010/main" val="1103729882"/>
+        <p14:creationId xmlns:p14="http://schemas.microsoft.com/office/powerpoint/2010/main" val="1518312746"/>
       </p:ext>
     </p:extLst>
   </p:cSld>

--- a/NanoparticleToxicity.pptx
+++ b/NanoparticleToxicity.pptx
@@ -6,10 +6,10 @@
     <p:sldMasterId id="2147483694" r:id="rId2"/>
   </p:sldMasterIdLst>
   <p:notesMasterIdLst>
-    <p:notesMasterId r:id="rId21"/>
+    <p:notesMasterId r:id="rId22"/>
   </p:notesMasterIdLst>
   <p:handoutMasterIdLst>
-    <p:handoutMasterId r:id="rId22"/>
+    <p:handoutMasterId r:id="rId23"/>
   </p:handoutMasterIdLst>
   <p:sldIdLst>
     <p:sldId id="270" r:id="rId3"/>
@@ -22,14 +22,15 @@
     <p:sldId id="286" r:id="rId10"/>
     <p:sldId id="284" r:id="rId11"/>
     <p:sldId id="285" r:id="rId12"/>
-    <p:sldId id="276" r:id="rId13"/>
-    <p:sldId id="277" r:id="rId14"/>
-    <p:sldId id="278" r:id="rId15"/>
-    <p:sldId id="279" r:id="rId16"/>
-    <p:sldId id="280" r:id="rId17"/>
-    <p:sldId id="281" r:id="rId18"/>
-    <p:sldId id="282" r:id="rId19"/>
-    <p:sldId id="283" r:id="rId20"/>
+    <p:sldId id="287" r:id="rId13"/>
+    <p:sldId id="276" r:id="rId14"/>
+    <p:sldId id="277" r:id="rId15"/>
+    <p:sldId id="278" r:id="rId16"/>
+    <p:sldId id="279" r:id="rId17"/>
+    <p:sldId id="280" r:id="rId18"/>
+    <p:sldId id="281" r:id="rId19"/>
+    <p:sldId id="282" r:id="rId20"/>
+    <p:sldId id="283" r:id="rId21"/>
   </p:sldIdLst>
   <p:sldSz cx="12192000" cy="6858000"/>
   <p:notesSz cx="6858000" cy="9144000"/>
@@ -1343,7 +1344,7 @@
           <a:p>
             <a:fld id="{8954E32A-327F-AF4B-8E1F-209FBF93D26D}" type="slidenum">
               <a:rPr lang="nl-NL" smtClean="0"/>
-              <a:t>11</a:t>
+              <a:t>12</a:t>
             </a:fld>
             <a:endParaRPr lang="nl-NL"/>
           </a:p>
@@ -1427,7 +1428,7 @@
           <a:p>
             <a:fld id="{8954E32A-327F-AF4B-8E1F-209FBF93D26D}" type="slidenum">
               <a:rPr lang="nl-NL" smtClean="0"/>
-              <a:t>13</a:t>
+              <a:t>14</a:t>
             </a:fld>
             <a:endParaRPr lang="nl-NL"/>
           </a:p>
@@ -7439,10 +7440,10 @@
       </p:grpSpPr>
       <p:sp>
         <p:nvSpPr>
-          <p:cNvPr id="7" name="Tijdelijke aanduiding voor dianummer 23">
+          <p:cNvPr id="4" name="Titel 3">
             <a:extLst>
               <a:ext uri="{FF2B5EF4-FFF2-40B4-BE49-F238E27FC236}">
-                <a16:creationId xmlns:a16="http://schemas.microsoft.com/office/drawing/2014/main" id="{E7BA9955-551E-4B72-9196-84FDFE87439B}"/>
+                <a16:creationId xmlns:a16="http://schemas.microsoft.com/office/drawing/2014/main" id="{98572F6C-8685-4852-8B42-A84170433330}"/>
               </a:ext>
             </a:extLst>
           </p:cNvPr>
@@ -7450,330 +7451,451 @@
             <a:spLocks noGrp="1"/>
           </p:cNvSpPr>
           <p:nvPr>
-            <p:ph type="sldNum" sz="quarter" idx="12"/>
-          </p:nvPr>
-        </p:nvSpPr>
-        <p:spPr>
-          <a:xfrm>
-            <a:off x="11544000" y="-126730"/>
-            <a:ext cx="648000" cy="648000"/>
-          </a:xfrm>
-        </p:spPr>
+            <p:ph type="title"/>
+          </p:nvPr>
+        </p:nvSpPr>
+        <p:spPr/>
         <p:txBody>
           <a:bodyPr/>
           <a:lstStyle/>
           <a:p>
-            <a:fld id="{CF179DAE-D0A6-40C3-B8BC-6A97C268D03A}" type="slidenum">
-              <a:rPr lang="nl-NL" sz="1200" smtClean="0">
-                <a:solidFill>
-                  <a:srgbClr val="1D8DB0"/>
-                </a:solidFill>
-              </a:rPr>
-              <a:pPr/>
-              <a:t>11</a:t>
-            </a:fld>
-            <a:r>
-              <a:rPr lang="nl-NL" sz="1200" dirty="0">
-                <a:solidFill>
-                  <a:srgbClr val="1D8DB0"/>
-                </a:solidFill>
-              </a:rPr>
-              <a:t>/31</a:t>
-            </a:r>
-          </a:p>
-        </p:txBody>
-      </p:sp>
-      <p:sp>
-        <p:nvSpPr>
-          <p:cNvPr id="9" name="Titel 4">
+            <a:r>
+              <a:rPr lang="en-US" dirty="0"/>
+              <a:t>Areas studied for nanotoxicity </a:t>
+            </a:r>
+          </a:p>
+        </p:txBody>
+      </p:sp>
+      <p:sp>
+        <p:nvSpPr>
+          <p:cNvPr id="6" name="Rechthoek: afgeronde hoeken 5">
             <a:extLst>
               <a:ext uri="{FF2B5EF4-FFF2-40B4-BE49-F238E27FC236}">
-                <a16:creationId xmlns:a16="http://schemas.microsoft.com/office/drawing/2014/main" id="{32C054A8-9043-41C9-BA29-6C11E3B87A6D}"/>
+                <a16:creationId xmlns:a16="http://schemas.microsoft.com/office/drawing/2014/main" id="{93482A94-744F-4064-B13B-46ED4396501E}"/>
               </a:ext>
             </a:extLst>
           </p:cNvPr>
-          <p:cNvSpPr>
-            <a:spLocks noGrp="1"/>
-          </p:cNvSpPr>
-          <p:nvPr>
-            <p:ph type="title"/>
-          </p:nvPr>
+          <p:cNvSpPr/>
+          <p:nvPr/>
         </p:nvSpPr>
         <p:spPr>
           <a:xfrm>
-            <a:off x="576263" y="336550"/>
-            <a:ext cx="11041062" cy="1152525"/>
+            <a:off x="1219200" y="1429407"/>
+            <a:ext cx="9753600" cy="4151586"/>
           </a:xfrm>
-        </p:spPr>
-        <p:txBody>
-          <a:bodyPr/>
-          <a:lstStyle/>
-          <a:p>
-            <a:r>
-              <a:rPr lang="nl-BE" dirty="0" err="1"/>
-              <a:t>Genotoxicity</a:t>
-            </a:r>
-            <a:endParaRPr lang="nl-BE" dirty="0"/>
-          </a:p>
-        </p:txBody>
-      </p:sp>
-      <p:sp>
-        <p:nvSpPr>
-          <p:cNvPr id="8" name="Tijdelijke aanduiding voor inhoud 1">
-            <a:extLst>
-              <a:ext uri="{FF2B5EF4-FFF2-40B4-BE49-F238E27FC236}">
-                <a16:creationId xmlns:a16="http://schemas.microsoft.com/office/drawing/2014/main" id="{FD48FE27-13D3-407C-9CF5-D7CAC1400D54}"/>
-              </a:ext>
-            </a:extLst>
-          </p:cNvPr>
-          <p:cNvSpPr>
-            <a:spLocks noGrp="1"/>
-          </p:cNvSpPr>
-          <p:nvPr>
-            <p:ph idx="1"/>
-          </p:nvPr>
-        </p:nvSpPr>
-        <p:spPr>
-          <a:xfrm>
-            <a:off x="576000" y="1656000"/>
-            <a:ext cx="11041200" cy="4043464"/>
-          </a:xfrm>
-        </p:spPr>
-        <p:txBody>
-          <a:bodyPr>
-            <a:normAutofit/>
-          </a:bodyPr>
-          <a:lstStyle/>
-          <a:p>
-            <a:pPr marL="0" indent="0">
-              <a:buNone/>
-            </a:pPr>
-            <a:r>
-              <a:rPr lang="nl-BE" sz="2000" dirty="0" err="1"/>
-              <a:t>Describes</a:t>
-            </a:r>
-            <a:r>
-              <a:rPr lang="nl-BE" sz="2000" dirty="0"/>
-              <a:t> </a:t>
-            </a:r>
-            <a:r>
-              <a:rPr lang="nl-BE" sz="2000" dirty="0" err="1"/>
-              <a:t>the</a:t>
-            </a:r>
-            <a:r>
-              <a:rPr lang="nl-BE" sz="2000" dirty="0"/>
-              <a:t> </a:t>
-            </a:r>
-            <a:r>
-              <a:rPr lang="nl-BE" sz="2000" dirty="0" err="1"/>
-              <a:t>ability</a:t>
-            </a:r>
-            <a:r>
-              <a:rPr lang="nl-BE" sz="2000" dirty="0"/>
-              <a:t> of a </a:t>
-            </a:r>
-            <a:r>
-              <a:rPr lang="nl-BE" sz="2000" dirty="0" err="1"/>
-              <a:t>chemical</a:t>
-            </a:r>
-            <a:r>
-              <a:rPr lang="nl-BE" sz="2000" dirty="0"/>
-              <a:t> test agent </a:t>
-            </a:r>
-            <a:r>
-              <a:rPr lang="nl-BE" sz="2000" dirty="0" err="1"/>
-              <a:t>to</a:t>
-            </a:r>
-            <a:r>
-              <a:rPr lang="nl-BE" sz="2000" dirty="0"/>
-              <a:t> </a:t>
-            </a:r>
-            <a:r>
-              <a:rPr lang="nl-BE" sz="2000" dirty="0" err="1"/>
-              <a:t>induce</a:t>
-            </a:r>
-            <a:r>
-              <a:rPr lang="nl-BE" sz="2000" dirty="0"/>
-              <a:t> DNA </a:t>
-            </a:r>
-            <a:r>
-              <a:rPr lang="nl-BE" sz="2000" dirty="0" err="1"/>
-              <a:t>damage</a:t>
-            </a:r>
-            <a:endParaRPr lang="nl-BE" sz="2000" dirty="0"/>
-          </a:p>
-        </p:txBody>
-      </p:sp>
-      <p:sp>
-        <p:nvSpPr>
-          <p:cNvPr id="10" name="Tekstvak 9">
-            <a:extLst>
-              <a:ext uri="{FF2B5EF4-FFF2-40B4-BE49-F238E27FC236}">
-                <a16:creationId xmlns:a16="http://schemas.microsoft.com/office/drawing/2014/main" id="{F9AF6A87-507F-4E2E-8A2A-840080D13776}"/>
-              </a:ext>
-            </a:extLst>
-          </p:cNvPr>
-          <p:cNvSpPr txBox="1"/>
-          <p:nvPr/>
-        </p:nvSpPr>
-        <p:spPr>
-          <a:xfrm>
-            <a:off x="159798" y="58771"/>
-            <a:ext cx="5832629" cy="276999"/>
-          </a:xfrm>
-          <a:prstGeom prst="rect">
+          <a:prstGeom prst="roundRect">
             <a:avLst/>
           </a:prstGeom>
-          <a:noFill/>
+          <a:solidFill>
+            <a:schemeClr val="bg2"/>
+          </a:solidFill>
+          <a:ln w="28575"/>
         </p:spPr>
-        <p:txBody>
-          <a:bodyPr wrap="square" rtlCol="0">
-            <a:spAutoFit/>
-          </a:bodyPr>
-          <a:lstStyle/>
-          <a:p>
-            <a:r>
-              <a:rPr lang="nl-BE" sz="1200" dirty="0">
-                <a:solidFill>
-                  <a:srgbClr val="1D8DB0"/>
-                </a:solidFill>
-              </a:rPr>
-              <a:t>J. </a:t>
-            </a:r>
-            <a:r>
-              <a:rPr lang="nl-BE" sz="1200" dirty="0" err="1">
-                <a:solidFill>
-                  <a:srgbClr val="1D8DB0"/>
-                </a:solidFill>
-              </a:rPr>
-              <a:t>Neirynck</a:t>
-            </a:r>
-            <a:r>
-              <a:rPr lang="nl-BE" sz="1200" dirty="0">
-                <a:solidFill>
-                  <a:srgbClr val="1D8DB0"/>
-                </a:solidFill>
-              </a:rPr>
-              <a:t>, F. Van </a:t>
-            </a:r>
-            <a:r>
-              <a:rPr lang="nl-BE" sz="1200" dirty="0" err="1">
-                <a:solidFill>
-                  <a:srgbClr val="1D8DB0"/>
-                </a:solidFill>
-              </a:rPr>
-              <a:t>Eecke</a:t>
-            </a:r>
-            <a:r>
-              <a:rPr lang="nl-BE" sz="1200" dirty="0">
-                <a:solidFill>
-                  <a:srgbClr val="1D8DB0"/>
-                </a:solidFill>
-              </a:rPr>
-              <a:t> &amp; R. Vrielynck</a:t>
-            </a:r>
-          </a:p>
-        </p:txBody>
-      </p:sp>
-      <p:sp>
-        <p:nvSpPr>
-          <p:cNvPr id="11" name="Tekstvak 10">
-            <a:extLst>
-              <a:ext uri="{FF2B5EF4-FFF2-40B4-BE49-F238E27FC236}">
-                <a16:creationId xmlns:a16="http://schemas.microsoft.com/office/drawing/2014/main" id="{02C83A39-3DA1-4516-B834-3C3D5F8552F0}"/>
-              </a:ext>
-            </a:extLst>
-          </p:cNvPr>
-          <p:cNvSpPr txBox="1"/>
-          <p:nvPr/>
-        </p:nvSpPr>
-        <p:spPr>
-          <a:xfrm>
-            <a:off x="576000" y="6356412"/>
-            <a:ext cx="10351364" cy="315471"/>
-          </a:xfrm>
-          <a:prstGeom prst="rect">
-            <a:avLst/>
-          </a:prstGeom>
-          <a:noFill/>
-        </p:spPr>
-        <p:txBody>
-          <a:bodyPr wrap="square" rtlCol="0">
-            <a:spAutoFit/>
-          </a:bodyPr>
-          <a:lstStyle/>
-          <a:p>
-            <a:r>
-              <a:rPr lang="nl-BE" sz="1450" dirty="0" err="1">
-                <a:solidFill>
-                  <a:schemeClr val="bg1"/>
-                </a:solidFill>
-              </a:rPr>
-              <a:t>Introduction</a:t>
-            </a:r>
-            <a:r>
-              <a:rPr lang="nl-BE" sz="1450" dirty="0">
-                <a:solidFill>
-                  <a:schemeClr val="bg1"/>
-                </a:solidFill>
-              </a:rPr>
-              <a:t>	</a:t>
-            </a:r>
-            <a:r>
-              <a:rPr lang="nl-BE" sz="1450" b="1" dirty="0">
-                <a:solidFill>
-                  <a:schemeClr val="bg1"/>
-                </a:solidFill>
-              </a:rPr>
-              <a:t>	Framework</a:t>
-            </a:r>
-            <a:r>
-              <a:rPr lang="nl-BE" sz="1450" dirty="0">
-                <a:solidFill>
-                  <a:schemeClr val="bg1"/>
-                </a:solidFill>
-              </a:rPr>
-              <a:t>		</a:t>
-            </a:r>
-            <a:r>
-              <a:rPr lang="nl-BE" sz="1450" dirty="0" err="1">
-                <a:solidFill>
-                  <a:schemeClr val="bg1"/>
-                </a:solidFill>
-              </a:rPr>
-              <a:t>Techniques</a:t>
-            </a:r>
-            <a:r>
-              <a:rPr lang="nl-BE" sz="1450" dirty="0">
-                <a:solidFill>
-                  <a:schemeClr val="bg1"/>
-                </a:solidFill>
-              </a:rPr>
-              <a:t> &amp; </a:t>
-            </a:r>
-            <a:r>
-              <a:rPr lang="nl-BE" sz="1450" dirty="0" err="1">
-                <a:solidFill>
-                  <a:schemeClr val="bg1"/>
-                </a:solidFill>
-              </a:rPr>
-              <a:t>Results</a:t>
-            </a:r>
-            <a:r>
-              <a:rPr lang="nl-BE" sz="1450" dirty="0">
-                <a:solidFill>
-                  <a:schemeClr val="bg1"/>
-                </a:solidFill>
-              </a:rPr>
-              <a:t>			Summary</a:t>
-            </a:r>
+        <p:style>
+          <a:lnRef idx="2">
+            <a:schemeClr val="accent1">
+              <a:shade val="50000"/>
+            </a:schemeClr>
+          </a:lnRef>
+          <a:fillRef idx="1">
+            <a:schemeClr val="accent1"/>
+          </a:fillRef>
+          <a:effectRef idx="0">
+            <a:schemeClr val="accent1"/>
+          </a:effectRef>
+          <a:fontRef idx="minor">
+            <a:schemeClr val="lt1"/>
+          </a:fontRef>
+        </p:style>
+        <p:txBody>
+          <a:bodyPr rtlCol="0" anchor="ctr"/>
+          <a:lstStyle/>
+          <a:p>
+            <a:r>
+              <a:rPr lang="nl-BE" sz="2000" b="1" dirty="0">
+                <a:solidFill>
+                  <a:srgbClr val="2F4D5D"/>
+                </a:solidFill>
+              </a:rPr>
+              <a:t>Area 3: In Vivo</a:t>
+            </a:r>
+          </a:p>
+          <a:p>
+            <a:r>
+              <a:rPr lang="nl-BE" sz="2000" b="1" dirty="0">
+                <a:solidFill>
+                  <a:srgbClr val="2F4D5D"/>
+                </a:solidFill>
+              </a:rPr>
+              <a:t>= </a:t>
+            </a:r>
+            <a:r>
+              <a:rPr lang="nl-BE" sz="2000" dirty="0">
+                <a:solidFill>
+                  <a:srgbClr val="2F4D5D"/>
+                </a:solidFill>
+              </a:rPr>
+              <a:t>Test </a:t>
+            </a:r>
+            <a:r>
+              <a:rPr lang="nl-BE" sz="2000" dirty="0" err="1">
+                <a:solidFill>
+                  <a:srgbClr val="2F4D5D"/>
+                </a:solidFill>
+              </a:rPr>
+              <a:t>results</a:t>
+            </a:r>
+            <a:r>
+              <a:rPr lang="nl-BE" sz="2000" dirty="0">
+                <a:solidFill>
+                  <a:srgbClr val="2F4D5D"/>
+                </a:solidFill>
+              </a:rPr>
+              <a:t> </a:t>
+            </a:r>
+            <a:r>
+              <a:rPr lang="nl-BE" sz="2000" dirty="0" err="1">
+                <a:solidFill>
+                  <a:srgbClr val="2F4D5D"/>
+                </a:solidFill>
+              </a:rPr>
+              <a:t>from</a:t>
+            </a:r>
+            <a:r>
+              <a:rPr lang="nl-BE" sz="2000" dirty="0">
+                <a:solidFill>
+                  <a:srgbClr val="2F4D5D"/>
+                </a:solidFill>
+              </a:rPr>
+              <a:t> In Vitro </a:t>
+            </a:r>
+            <a:r>
+              <a:rPr lang="nl-BE" sz="2000" dirty="0" err="1">
+                <a:solidFill>
+                  <a:srgbClr val="2F4D5D"/>
+                </a:solidFill>
+              </a:rPr>
+              <a:t>experiments</a:t>
+            </a:r>
+            <a:endParaRPr lang="nl-BE" sz="2000" dirty="0">
+              <a:solidFill>
+                <a:srgbClr val="2F4D5D"/>
+              </a:solidFill>
+            </a:endParaRPr>
+          </a:p>
+          <a:p>
+            <a:pPr marL="342900" indent="-342900">
+              <a:buFont typeface="Wingdings" panose="05000000000000000000" pitchFamily="2" charset="2"/>
+              <a:buChar char="Ø"/>
+            </a:pPr>
+            <a:endParaRPr lang="nl-BE" sz="2000" dirty="0">
+              <a:solidFill>
+                <a:srgbClr val="2F4D5D"/>
+              </a:solidFill>
+            </a:endParaRPr>
+          </a:p>
+          <a:p>
+            <a:r>
+              <a:rPr lang="nl-BE" sz="2000" dirty="0">
+                <a:solidFill>
+                  <a:srgbClr val="2F4D5D"/>
+                </a:solidFill>
+              </a:rPr>
+              <a:t>Test </a:t>
+            </a:r>
+            <a:r>
+              <a:rPr lang="nl-BE" sz="2000" dirty="0" err="1">
+                <a:solidFill>
+                  <a:srgbClr val="2F4D5D"/>
+                </a:solidFill>
+              </a:rPr>
+              <a:t>for</a:t>
+            </a:r>
+            <a:r>
+              <a:rPr lang="nl-BE" sz="2000" dirty="0">
+                <a:solidFill>
+                  <a:srgbClr val="2F4D5D"/>
+                </a:solidFill>
+              </a:rPr>
+              <a:t> </a:t>
+            </a:r>
+            <a:r>
+              <a:rPr lang="nl-BE" sz="2000" dirty="0" err="1">
+                <a:solidFill>
+                  <a:srgbClr val="2F4D5D"/>
+                </a:solidFill>
+              </a:rPr>
+              <a:t>effects</a:t>
+            </a:r>
+            <a:r>
+              <a:rPr lang="nl-BE" sz="2000" dirty="0">
+                <a:solidFill>
+                  <a:srgbClr val="2F4D5D"/>
+                </a:solidFill>
+              </a:rPr>
+              <a:t> on: </a:t>
+            </a:r>
+          </a:p>
+          <a:p>
+            <a:pPr marL="800100" lvl="1" indent="-342900">
+              <a:buFont typeface="Wingdings" panose="05000000000000000000" pitchFamily="2" charset="2"/>
+              <a:buChar char="Ø"/>
+            </a:pPr>
+            <a:r>
+              <a:rPr lang="nl-BE" sz="2000" dirty="0">
+                <a:solidFill>
+                  <a:srgbClr val="2F4D5D"/>
+                </a:solidFill>
+              </a:rPr>
+              <a:t> immune system response </a:t>
+            </a:r>
+          </a:p>
+          <a:p>
+            <a:pPr marL="800100" lvl="1" indent="-342900">
+              <a:buFont typeface="Wingdings" panose="05000000000000000000" pitchFamily="2" charset="2"/>
+              <a:buChar char="Ø"/>
+            </a:pPr>
+            <a:r>
+              <a:rPr lang="nl-BE" sz="2000" dirty="0" err="1">
+                <a:solidFill>
+                  <a:srgbClr val="2F4D5D"/>
+                </a:solidFill>
+              </a:rPr>
+              <a:t>Translocation</a:t>
+            </a:r>
+            <a:r>
+              <a:rPr lang="nl-BE" sz="2000" dirty="0">
+                <a:solidFill>
+                  <a:srgbClr val="2F4D5D"/>
+                </a:solidFill>
+              </a:rPr>
+              <a:t> </a:t>
+            </a:r>
+            <a:r>
+              <a:rPr lang="nl-BE" sz="2000" dirty="0" err="1">
+                <a:solidFill>
+                  <a:srgbClr val="2F4D5D"/>
+                </a:solidFill>
+              </a:rPr>
+              <a:t>to</a:t>
+            </a:r>
+            <a:r>
+              <a:rPr lang="nl-BE" sz="2000" dirty="0">
+                <a:solidFill>
+                  <a:srgbClr val="2F4D5D"/>
+                </a:solidFill>
+              </a:rPr>
+              <a:t> </a:t>
+            </a:r>
+            <a:r>
+              <a:rPr lang="nl-BE" sz="2000" dirty="0" err="1">
+                <a:solidFill>
+                  <a:srgbClr val="2F4D5D"/>
+                </a:solidFill>
+              </a:rPr>
+              <a:t>other</a:t>
+            </a:r>
+            <a:r>
+              <a:rPr lang="nl-BE" sz="2000" dirty="0">
+                <a:solidFill>
+                  <a:srgbClr val="2F4D5D"/>
+                </a:solidFill>
+              </a:rPr>
+              <a:t> </a:t>
+            </a:r>
+            <a:r>
+              <a:rPr lang="nl-BE" sz="2000" dirty="0" err="1">
+                <a:solidFill>
+                  <a:srgbClr val="2F4D5D"/>
+                </a:solidFill>
+              </a:rPr>
+              <a:t>areas</a:t>
+            </a:r>
+            <a:r>
+              <a:rPr lang="nl-BE" sz="2000" dirty="0">
+                <a:solidFill>
+                  <a:srgbClr val="2F4D5D"/>
+                </a:solidFill>
+              </a:rPr>
+              <a:t> </a:t>
+            </a:r>
+            <a:r>
+              <a:rPr lang="nl-BE" sz="2000" dirty="0" err="1">
+                <a:solidFill>
+                  <a:srgbClr val="2F4D5D"/>
+                </a:solidFill>
+              </a:rPr>
+              <a:t>after</a:t>
+            </a:r>
+            <a:r>
+              <a:rPr lang="nl-BE" sz="2000" dirty="0">
+                <a:solidFill>
+                  <a:srgbClr val="2F4D5D"/>
+                </a:solidFill>
+              </a:rPr>
+              <a:t> </a:t>
+            </a:r>
+            <a:r>
+              <a:rPr lang="nl-BE" sz="2000" dirty="0" err="1">
+                <a:solidFill>
+                  <a:srgbClr val="2F4D5D"/>
+                </a:solidFill>
+              </a:rPr>
+              <a:t>uptake</a:t>
+            </a:r>
+            <a:endParaRPr lang="nl-BE" sz="2000" dirty="0">
+              <a:solidFill>
+                <a:srgbClr val="2F4D5D"/>
+              </a:solidFill>
+            </a:endParaRPr>
+          </a:p>
+          <a:p>
+            <a:pPr algn="ctr"/>
+            <a:endParaRPr lang="nl-BE" sz="2000" dirty="0">
+              <a:solidFill>
+                <a:srgbClr val="2F4D5D"/>
+              </a:solidFill>
+            </a:endParaRPr>
+          </a:p>
+          <a:p>
+            <a:r>
+              <a:rPr lang="nl-BE" sz="2000" b="1" dirty="0">
+                <a:solidFill>
+                  <a:srgbClr val="2F4D5D"/>
+                </a:solidFill>
+              </a:rPr>
+              <a:t>Area 4: </a:t>
+            </a:r>
+            <a:r>
+              <a:rPr lang="nl-BE" sz="2000" b="1" dirty="0" err="1">
+                <a:solidFill>
+                  <a:srgbClr val="2F4D5D"/>
+                </a:solidFill>
+              </a:rPr>
+              <a:t>Toxicokinetic</a:t>
+            </a:r>
+            <a:r>
+              <a:rPr lang="nl-BE" sz="2000" b="1" dirty="0">
+                <a:solidFill>
+                  <a:srgbClr val="2F4D5D"/>
+                </a:solidFill>
+              </a:rPr>
+              <a:t> </a:t>
+            </a:r>
+            <a:r>
+              <a:rPr lang="nl-BE" sz="2000" b="1" dirty="0" err="1">
+                <a:solidFill>
+                  <a:srgbClr val="2F4D5D"/>
+                </a:solidFill>
+              </a:rPr>
+              <a:t>modeling</a:t>
+            </a:r>
+            <a:endParaRPr lang="nl-BE" sz="2000" b="1" dirty="0">
+              <a:solidFill>
+                <a:srgbClr val="2F4D5D"/>
+              </a:solidFill>
+            </a:endParaRPr>
+          </a:p>
+          <a:p>
+            <a:endParaRPr lang="nl-BE" sz="2000" b="1" dirty="0">
+              <a:solidFill>
+                <a:srgbClr val="2F4D5D"/>
+              </a:solidFill>
+            </a:endParaRPr>
+          </a:p>
+          <a:p>
+            <a:r>
+              <a:rPr lang="en-US" sz="2000" dirty="0">
+                <a:solidFill>
+                  <a:srgbClr val="2F4D5D"/>
+                </a:solidFill>
+              </a:rPr>
+              <a:t>describes the </a:t>
+            </a:r>
+            <a:r>
+              <a:rPr lang="en-US" sz="2000" b="1" dirty="0">
+                <a:solidFill>
+                  <a:srgbClr val="2F4D5D"/>
+                </a:solidFill>
+              </a:rPr>
+              <a:t>absorption</a:t>
+            </a:r>
+            <a:r>
+              <a:rPr lang="en-US" sz="2000" dirty="0">
+                <a:solidFill>
+                  <a:srgbClr val="2F4D5D"/>
+                </a:solidFill>
+              </a:rPr>
+              <a:t>, </a:t>
+            </a:r>
+            <a:r>
+              <a:rPr lang="en-US" sz="2000" b="1" dirty="0">
+                <a:solidFill>
+                  <a:srgbClr val="2F4D5D"/>
+                </a:solidFill>
+              </a:rPr>
+              <a:t>distribution</a:t>
+            </a:r>
+            <a:r>
+              <a:rPr lang="en-US" sz="2000" dirty="0">
+                <a:solidFill>
+                  <a:srgbClr val="2F4D5D"/>
+                </a:solidFill>
+              </a:rPr>
+              <a:t>, </a:t>
+            </a:r>
+            <a:r>
+              <a:rPr lang="en-US" sz="2000" b="1" dirty="0">
+                <a:solidFill>
+                  <a:srgbClr val="2F4D5D"/>
+                </a:solidFill>
+              </a:rPr>
+              <a:t>metabolism</a:t>
+            </a:r>
+            <a:r>
+              <a:rPr lang="en-US" sz="2000" dirty="0">
+                <a:solidFill>
+                  <a:srgbClr val="2F4D5D"/>
+                </a:solidFill>
+              </a:rPr>
+              <a:t> and </a:t>
+            </a:r>
+            <a:r>
+              <a:rPr lang="en-US" sz="2000" b="1" dirty="0">
+                <a:solidFill>
+                  <a:srgbClr val="2F4D5D"/>
+                </a:solidFill>
+              </a:rPr>
+              <a:t>elimination</a:t>
+            </a:r>
+            <a:r>
+              <a:rPr lang="en-US" sz="2000" dirty="0">
+                <a:solidFill>
+                  <a:srgbClr val="2F4D5D"/>
+                </a:solidFill>
+              </a:rPr>
+              <a:t> of xenobiotics (foreign materials) within an organism, as a function of dose and time. </a:t>
+            </a:r>
+            <a:endParaRPr lang="nl-BE" sz="2000" dirty="0">
+              <a:solidFill>
+                <a:srgbClr val="2F4D5D"/>
+              </a:solidFill>
+            </a:endParaRPr>
+          </a:p>
+          <a:p>
+            <a:pPr algn="ctr"/>
+            <a:endParaRPr lang="nl-BE" sz="2000" dirty="0">
+              <a:solidFill>
+                <a:srgbClr val="2F4D5D"/>
+              </a:solidFill>
+            </a:endParaRPr>
           </a:p>
         </p:txBody>
       </p:sp>
     </p:spTree>
     <p:extLst>
       <p:ext uri="{BB962C8B-B14F-4D97-AF65-F5344CB8AC3E}">
-        <p14:creationId xmlns:p14="http://schemas.microsoft.com/office/powerpoint/2010/main" val="2708186672"/>
+        <p14:creationId xmlns:p14="http://schemas.microsoft.com/office/powerpoint/2010/main" val="2813897498"/>
       </p:ext>
     </p:extLst>
   </p:cSld>
@@ -7802,10 +7924,10 @@
       </p:grpSpPr>
       <p:sp>
         <p:nvSpPr>
-          <p:cNvPr id="2" name="Titel 1">
+          <p:cNvPr id="7" name="Tijdelijke aanduiding voor dianummer 23">
             <a:extLst>
               <a:ext uri="{FF2B5EF4-FFF2-40B4-BE49-F238E27FC236}">
-                <a16:creationId xmlns:a16="http://schemas.microsoft.com/office/drawing/2014/main" id="{069A9DF7-0F9D-4549-B4E3-66F98F66FF7B}"/>
+                <a16:creationId xmlns:a16="http://schemas.microsoft.com/office/drawing/2014/main" id="{E7BA9955-551E-4B72-9196-84FDFE87439B}"/>
               </a:ext>
             </a:extLst>
           </p:cNvPr>
@@ -7813,52 +7935,45 @@
             <a:spLocks noGrp="1"/>
           </p:cNvSpPr>
           <p:nvPr>
-            <p:ph type="title"/>
-          </p:nvPr>
-        </p:nvSpPr>
-        <p:spPr/>
+            <p:ph type="sldNum" sz="quarter" idx="12"/>
+          </p:nvPr>
+        </p:nvSpPr>
+        <p:spPr>
+          <a:xfrm>
+            <a:off x="11544000" y="-126730"/>
+            <a:ext cx="648000" cy="648000"/>
+          </a:xfrm>
+        </p:spPr>
         <p:txBody>
           <a:bodyPr/>
           <a:lstStyle/>
           <a:p>
-            <a:r>
-              <a:rPr lang="nl-NL" dirty="0">
-                <a:latin typeface="Arial"/>
-                <a:cs typeface="Arial"/>
-              </a:rPr>
-              <a:t>Parameters </a:t>
-            </a:r>
-            <a:r>
-              <a:rPr lang="nl-NL" dirty="0" err="1">
-                <a:latin typeface="Arial"/>
-                <a:cs typeface="Arial"/>
-              </a:rPr>
-              <a:t>influcencing</a:t>
-            </a:r>
-            <a:r>
-              <a:rPr lang="nl-NL" dirty="0">
-                <a:latin typeface="Arial"/>
-                <a:cs typeface="Arial"/>
-              </a:rPr>
-              <a:t> </a:t>
-            </a:r>
-            <a:r>
-              <a:rPr lang="nl-NL" dirty="0" err="1">
-                <a:latin typeface="Arial"/>
-                <a:cs typeface="Arial"/>
-              </a:rPr>
-              <a:t>toxicity</a:t>
-            </a:r>
-            <a:endParaRPr lang="nl-NL" dirty="0" err="1"/>
-          </a:p>
-        </p:txBody>
-      </p:sp>
-      <p:sp>
-        <p:nvSpPr>
-          <p:cNvPr id="3" name="Tijdelijke aanduiding voor tekst 2">
+            <a:fld id="{CF179DAE-D0A6-40C3-B8BC-6A97C268D03A}" type="slidenum">
+              <a:rPr lang="nl-NL" sz="1200" smtClean="0">
+                <a:solidFill>
+                  <a:srgbClr val="1D8DB0"/>
+                </a:solidFill>
+              </a:rPr>
+              <a:pPr/>
+              <a:t>12</a:t>
+            </a:fld>
+            <a:r>
+              <a:rPr lang="nl-NL" sz="1200" dirty="0">
+                <a:solidFill>
+                  <a:srgbClr val="1D8DB0"/>
+                </a:solidFill>
+              </a:rPr>
+              <a:t>/31</a:t>
+            </a:r>
+          </a:p>
+        </p:txBody>
+      </p:sp>
+      <p:sp>
+        <p:nvSpPr>
+          <p:cNvPr id="9" name="Titel 4">
             <a:extLst>
               <a:ext uri="{FF2B5EF4-FFF2-40B4-BE49-F238E27FC236}">
-                <a16:creationId xmlns:a16="http://schemas.microsoft.com/office/drawing/2014/main" id="{0765C0FE-D1DD-43F6-A1E8-FF2D7256F7B0}"/>
+                <a16:creationId xmlns:a16="http://schemas.microsoft.com/office/drawing/2014/main" id="{32C054A8-9043-41C9-BA29-6C11E3B87A6D}"/>
               </a:ext>
             </a:extLst>
           </p:cNvPr>
@@ -7866,24 +7981,33 @@
             <a:spLocks noGrp="1"/>
           </p:cNvSpPr>
           <p:nvPr>
-            <p:ph type="body" idx="1"/>
-          </p:nvPr>
-        </p:nvSpPr>
-        <p:spPr/>
+            <p:ph type="title"/>
+          </p:nvPr>
+        </p:nvSpPr>
+        <p:spPr>
+          <a:xfrm>
+            <a:off x="576263" y="336550"/>
+            <a:ext cx="11041062" cy="1152525"/>
+          </a:xfrm>
+        </p:spPr>
         <p:txBody>
           <a:bodyPr/>
           <a:lstStyle/>
           <a:p>
-            <a:endParaRPr lang="nl-NL"/>
-          </a:p>
-        </p:txBody>
-      </p:sp>
-      <p:sp>
-        <p:nvSpPr>
-          <p:cNvPr id="4" name="Tijdelijke aanduiding voor voettekst 3">
+            <a:r>
+              <a:rPr lang="nl-BE" dirty="0" err="1"/>
+              <a:t>Genotoxicity</a:t>
+            </a:r>
+            <a:endParaRPr lang="nl-BE" dirty="0"/>
+          </a:p>
+        </p:txBody>
+      </p:sp>
+      <p:sp>
+        <p:nvSpPr>
+          <p:cNvPr id="8" name="Tijdelijke aanduiding voor inhoud 1">
             <a:extLst>
               <a:ext uri="{FF2B5EF4-FFF2-40B4-BE49-F238E27FC236}">
-                <a16:creationId xmlns:a16="http://schemas.microsoft.com/office/drawing/2014/main" id="{E63340FA-5B57-4924-A4D1-10B8E5D14A4C}"/>
+                <a16:creationId xmlns:a16="http://schemas.microsoft.com/office/drawing/2014/main" id="{FD48FE27-13D3-407C-9CF5-D7CAC1400D54}"/>
               </a:ext>
             </a:extLst>
           </p:cNvPr>
@@ -7891,90 +8015,250 @@
             <a:spLocks noGrp="1"/>
           </p:cNvSpPr>
           <p:nvPr>
-            <p:ph type="ftr" sz="quarter" idx="11"/>
-          </p:nvPr>
-        </p:nvSpPr>
-        <p:spPr/>
-        <p:txBody>
-          <a:bodyPr/>
-          <a:lstStyle/>
-          <a:p>
-            <a:r>
-              <a:rPr lang="nl-NL"/>
-              <a:t>Faculteit, departement, dienst …</a:t>
-            </a:r>
-          </a:p>
-        </p:txBody>
-      </p:sp>
-      <p:sp>
-        <p:nvSpPr>
-          <p:cNvPr id="5" name="Tijdelijke aanduiding voor dianummer 4">
+            <p:ph idx="1"/>
+          </p:nvPr>
+        </p:nvSpPr>
+        <p:spPr>
+          <a:xfrm>
+            <a:off x="576000" y="1656000"/>
+            <a:ext cx="11041200" cy="4043464"/>
+          </a:xfrm>
+        </p:spPr>
+        <p:txBody>
+          <a:bodyPr>
+            <a:normAutofit/>
+          </a:bodyPr>
+          <a:lstStyle/>
+          <a:p>
+            <a:pPr marL="0" indent="0">
+              <a:buNone/>
+            </a:pPr>
+            <a:r>
+              <a:rPr lang="nl-BE" sz="2000" dirty="0" err="1"/>
+              <a:t>Describes</a:t>
+            </a:r>
+            <a:r>
+              <a:rPr lang="nl-BE" sz="2000" dirty="0"/>
+              <a:t> </a:t>
+            </a:r>
+            <a:r>
+              <a:rPr lang="nl-BE" sz="2000" dirty="0" err="1"/>
+              <a:t>the</a:t>
+            </a:r>
+            <a:r>
+              <a:rPr lang="nl-BE" sz="2000" dirty="0"/>
+              <a:t> </a:t>
+            </a:r>
+            <a:r>
+              <a:rPr lang="nl-BE" sz="2000" dirty="0" err="1"/>
+              <a:t>ability</a:t>
+            </a:r>
+            <a:r>
+              <a:rPr lang="nl-BE" sz="2000" dirty="0"/>
+              <a:t> of a </a:t>
+            </a:r>
+            <a:r>
+              <a:rPr lang="nl-BE" sz="2000" dirty="0" err="1"/>
+              <a:t>chemical</a:t>
+            </a:r>
+            <a:r>
+              <a:rPr lang="nl-BE" sz="2000" dirty="0"/>
+              <a:t> test agent </a:t>
+            </a:r>
+            <a:r>
+              <a:rPr lang="nl-BE" sz="2000" dirty="0" err="1"/>
+              <a:t>to</a:t>
+            </a:r>
+            <a:r>
+              <a:rPr lang="nl-BE" sz="2000" dirty="0"/>
+              <a:t> </a:t>
+            </a:r>
+            <a:r>
+              <a:rPr lang="nl-BE" sz="2000" dirty="0" err="1"/>
+              <a:t>induce</a:t>
+            </a:r>
+            <a:r>
+              <a:rPr lang="nl-BE" sz="2000" dirty="0"/>
+              <a:t> DNA </a:t>
+            </a:r>
+            <a:r>
+              <a:rPr lang="nl-BE" sz="2000" dirty="0" err="1"/>
+              <a:t>damage</a:t>
+            </a:r>
+            <a:endParaRPr lang="nl-BE" sz="2000" dirty="0"/>
+          </a:p>
+        </p:txBody>
+      </p:sp>
+      <p:sp>
+        <p:nvSpPr>
+          <p:cNvPr id="10" name="Tekstvak 9">
             <a:extLst>
               <a:ext uri="{FF2B5EF4-FFF2-40B4-BE49-F238E27FC236}">
-                <a16:creationId xmlns:a16="http://schemas.microsoft.com/office/drawing/2014/main" id="{74B25947-9FBD-4735-9AE1-ED393740821F}"/>
+                <a16:creationId xmlns:a16="http://schemas.microsoft.com/office/drawing/2014/main" id="{F9AF6A87-507F-4E2E-8A2A-840080D13776}"/>
               </a:ext>
             </a:extLst>
           </p:cNvPr>
-          <p:cNvSpPr>
-            <a:spLocks noGrp="1"/>
-          </p:cNvSpPr>
-          <p:nvPr>
-            <p:ph type="sldNum" sz="quarter" idx="12"/>
-          </p:nvPr>
-        </p:nvSpPr>
-        <p:spPr/>
-        <p:txBody>
-          <a:bodyPr/>
-          <a:lstStyle/>
-          <a:p>
-            <a:fld id="{0A297500-7527-634B-90F4-69D0994C32B4}" type="slidenum">
-              <a:rPr lang="nl-NL" smtClean="0"/>
-              <a:t>12</a:t>
-            </a:fld>
-            <a:endParaRPr lang="nl-NL"/>
-          </a:p>
-        </p:txBody>
-      </p:sp>
-      <p:sp>
-        <p:nvSpPr>
-          <p:cNvPr id="6" name="Tijdelijke aanduiding voor afbeelding 5">
+          <p:cNvSpPr txBox="1"/>
+          <p:nvPr/>
+        </p:nvSpPr>
+        <p:spPr>
+          <a:xfrm>
+            <a:off x="159798" y="58771"/>
+            <a:ext cx="5832629" cy="276999"/>
+          </a:xfrm>
+          <a:prstGeom prst="rect">
+            <a:avLst/>
+          </a:prstGeom>
+          <a:noFill/>
+        </p:spPr>
+        <p:txBody>
+          <a:bodyPr wrap="square" rtlCol="0">
+            <a:spAutoFit/>
+          </a:bodyPr>
+          <a:lstStyle/>
+          <a:p>
+            <a:r>
+              <a:rPr lang="nl-BE" sz="1200" dirty="0">
+                <a:solidFill>
+                  <a:srgbClr val="1D8DB0"/>
+                </a:solidFill>
+              </a:rPr>
+              <a:t>J. </a:t>
+            </a:r>
+            <a:r>
+              <a:rPr lang="nl-BE" sz="1200" dirty="0" err="1">
+                <a:solidFill>
+                  <a:srgbClr val="1D8DB0"/>
+                </a:solidFill>
+              </a:rPr>
+              <a:t>Neirynck</a:t>
+            </a:r>
+            <a:r>
+              <a:rPr lang="nl-BE" sz="1200" dirty="0">
+                <a:solidFill>
+                  <a:srgbClr val="1D8DB0"/>
+                </a:solidFill>
+              </a:rPr>
+              <a:t>, F. Van </a:t>
+            </a:r>
+            <a:r>
+              <a:rPr lang="nl-BE" sz="1200" dirty="0" err="1">
+                <a:solidFill>
+                  <a:srgbClr val="1D8DB0"/>
+                </a:solidFill>
+              </a:rPr>
+              <a:t>Eecke</a:t>
+            </a:r>
+            <a:r>
+              <a:rPr lang="nl-BE" sz="1200" dirty="0">
+                <a:solidFill>
+                  <a:srgbClr val="1D8DB0"/>
+                </a:solidFill>
+              </a:rPr>
+              <a:t> &amp; R. Vrielynck</a:t>
+            </a:r>
+          </a:p>
+        </p:txBody>
+      </p:sp>
+      <p:sp>
+        <p:nvSpPr>
+          <p:cNvPr id="11" name="Tekstvak 10">
             <a:extLst>
               <a:ext uri="{FF2B5EF4-FFF2-40B4-BE49-F238E27FC236}">
-                <a16:creationId xmlns:a16="http://schemas.microsoft.com/office/drawing/2014/main" id="{5275FCF6-597C-42C7-8DFD-B54FDE863E6B}"/>
+                <a16:creationId xmlns:a16="http://schemas.microsoft.com/office/drawing/2014/main" id="{02C83A39-3DA1-4516-B834-3C3D5F8552F0}"/>
               </a:ext>
             </a:extLst>
           </p:cNvPr>
-          <p:cNvSpPr>
-            <a:spLocks noGrp="1"/>
-          </p:cNvSpPr>
-          <p:nvPr>
-            <p:ph type="pic" sz="quarter" idx="13"/>
-          </p:nvPr>
-        </p:nvSpPr>
-        <p:spPr/>
-      </p:sp>
-      <p:sp>
-        <p:nvSpPr>
-          <p:cNvPr id="7" name="Tijdelijke aanduiding voor afbeelding 6">
-            <a:extLst>
-              <a:ext uri="{FF2B5EF4-FFF2-40B4-BE49-F238E27FC236}">
-                <a16:creationId xmlns:a16="http://schemas.microsoft.com/office/drawing/2014/main" id="{8EE963F9-2796-4544-B389-0EF584315BE6}"/>
-              </a:ext>
-            </a:extLst>
-          </p:cNvPr>
-          <p:cNvSpPr>
-            <a:spLocks noGrp="1"/>
-          </p:cNvSpPr>
-          <p:nvPr>
-            <p:ph type="pic" sz="quarter" idx="14"/>
-          </p:nvPr>
-        </p:nvSpPr>
-        <p:spPr/>
+          <p:cNvSpPr txBox="1"/>
+          <p:nvPr/>
+        </p:nvSpPr>
+        <p:spPr>
+          <a:xfrm>
+            <a:off x="576000" y="6356412"/>
+            <a:ext cx="10351364" cy="315471"/>
+          </a:xfrm>
+          <a:prstGeom prst="rect">
+            <a:avLst/>
+          </a:prstGeom>
+          <a:noFill/>
+        </p:spPr>
+        <p:txBody>
+          <a:bodyPr wrap="square" rtlCol="0">
+            <a:spAutoFit/>
+          </a:bodyPr>
+          <a:lstStyle/>
+          <a:p>
+            <a:r>
+              <a:rPr lang="nl-BE" sz="1450" dirty="0" err="1">
+                <a:solidFill>
+                  <a:schemeClr val="bg1"/>
+                </a:solidFill>
+              </a:rPr>
+              <a:t>Introduction</a:t>
+            </a:r>
+            <a:r>
+              <a:rPr lang="nl-BE" sz="1450" dirty="0">
+                <a:solidFill>
+                  <a:schemeClr val="bg1"/>
+                </a:solidFill>
+              </a:rPr>
+              <a:t>	</a:t>
+            </a:r>
+            <a:r>
+              <a:rPr lang="nl-BE" sz="1450" b="1" dirty="0">
+                <a:solidFill>
+                  <a:schemeClr val="bg1"/>
+                </a:solidFill>
+              </a:rPr>
+              <a:t>	Framework</a:t>
+            </a:r>
+            <a:r>
+              <a:rPr lang="nl-BE" sz="1450" dirty="0">
+                <a:solidFill>
+                  <a:schemeClr val="bg1"/>
+                </a:solidFill>
+              </a:rPr>
+              <a:t>		</a:t>
+            </a:r>
+            <a:r>
+              <a:rPr lang="nl-BE" sz="1450" dirty="0" err="1">
+                <a:solidFill>
+                  <a:schemeClr val="bg1"/>
+                </a:solidFill>
+              </a:rPr>
+              <a:t>Techniques</a:t>
+            </a:r>
+            <a:r>
+              <a:rPr lang="nl-BE" sz="1450" dirty="0">
+                <a:solidFill>
+                  <a:schemeClr val="bg1"/>
+                </a:solidFill>
+              </a:rPr>
+              <a:t> &amp; </a:t>
+            </a:r>
+            <a:r>
+              <a:rPr lang="nl-BE" sz="1450" dirty="0" err="1">
+                <a:solidFill>
+                  <a:schemeClr val="bg1"/>
+                </a:solidFill>
+              </a:rPr>
+              <a:t>Results</a:t>
+            </a:r>
+            <a:r>
+              <a:rPr lang="nl-BE" sz="1450" dirty="0">
+                <a:solidFill>
+                  <a:schemeClr val="bg1"/>
+                </a:solidFill>
+              </a:rPr>
+              <a:t>			Summary</a:t>
+            </a:r>
+          </a:p>
+        </p:txBody>
       </p:sp>
     </p:spTree>
     <p:extLst>
       <p:ext uri="{BB962C8B-B14F-4D97-AF65-F5344CB8AC3E}">
-        <p14:creationId xmlns:p14="http://schemas.microsoft.com/office/powerpoint/2010/main" val="1103729882"/>
+        <p14:creationId xmlns:p14="http://schemas.microsoft.com/office/powerpoint/2010/main" val="2708186672"/>
       </p:ext>
     </p:extLst>
   </p:cSld>
@@ -8003,10 +8287,10 @@
       </p:grpSpPr>
       <p:sp>
         <p:nvSpPr>
-          <p:cNvPr id="7" name="Tijdelijke aanduiding voor dianummer 23">
+          <p:cNvPr id="2" name="Titel 1">
             <a:extLst>
               <a:ext uri="{FF2B5EF4-FFF2-40B4-BE49-F238E27FC236}">
-                <a16:creationId xmlns:a16="http://schemas.microsoft.com/office/drawing/2014/main" id="{E7BA9955-551E-4B72-9196-84FDFE87439B}"/>
+                <a16:creationId xmlns:a16="http://schemas.microsoft.com/office/drawing/2014/main" id="{069A9DF7-0F9D-4549-B4E3-66F98F66FF7B}"/>
               </a:ext>
             </a:extLst>
           </p:cNvPr>
@@ -8014,45 +8298,52 @@
             <a:spLocks noGrp="1"/>
           </p:cNvSpPr>
           <p:nvPr>
-            <p:ph type="sldNum" sz="quarter" idx="12"/>
-          </p:nvPr>
-        </p:nvSpPr>
-        <p:spPr>
-          <a:xfrm>
-            <a:off x="11544000" y="-126730"/>
-            <a:ext cx="648000" cy="648000"/>
-          </a:xfrm>
-        </p:spPr>
+            <p:ph type="title"/>
+          </p:nvPr>
+        </p:nvSpPr>
+        <p:spPr/>
         <p:txBody>
           <a:bodyPr/>
           <a:lstStyle/>
           <a:p>
-            <a:fld id="{CF179DAE-D0A6-40C3-B8BC-6A97C268D03A}" type="slidenum">
-              <a:rPr lang="nl-NL" sz="1200" smtClean="0">
-                <a:solidFill>
-                  <a:srgbClr val="1D8DB0"/>
-                </a:solidFill>
-              </a:rPr>
-              <a:pPr/>
-              <a:t>13</a:t>
-            </a:fld>
-            <a:r>
-              <a:rPr lang="nl-NL" sz="1200" dirty="0">
-                <a:solidFill>
-                  <a:srgbClr val="1D8DB0"/>
-                </a:solidFill>
-              </a:rPr>
-              <a:t>/31</a:t>
-            </a:r>
-          </a:p>
-        </p:txBody>
-      </p:sp>
-      <p:sp>
-        <p:nvSpPr>
-          <p:cNvPr id="9" name="Titel 4">
+            <a:r>
+              <a:rPr lang="nl-NL" dirty="0">
+                <a:latin typeface="Arial"/>
+                <a:cs typeface="Arial"/>
+              </a:rPr>
+              <a:t>Parameters </a:t>
+            </a:r>
+            <a:r>
+              <a:rPr lang="nl-NL" dirty="0" err="1">
+                <a:latin typeface="Arial"/>
+                <a:cs typeface="Arial"/>
+              </a:rPr>
+              <a:t>influcencing</a:t>
+            </a:r>
+            <a:r>
+              <a:rPr lang="nl-NL" dirty="0">
+                <a:latin typeface="Arial"/>
+                <a:cs typeface="Arial"/>
+              </a:rPr>
+              <a:t> </a:t>
+            </a:r>
+            <a:r>
+              <a:rPr lang="nl-NL" dirty="0" err="1">
+                <a:latin typeface="Arial"/>
+                <a:cs typeface="Arial"/>
+              </a:rPr>
+              <a:t>toxicity</a:t>
+            </a:r>
+            <a:endParaRPr lang="nl-NL" dirty="0" err="1"/>
+          </a:p>
+        </p:txBody>
+      </p:sp>
+      <p:sp>
+        <p:nvSpPr>
+          <p:cNvPr id="3" name="Tijdelijke aanduiding voor tekst 2">
             <a:extLst>
               <a:ext uri="{FF2B5EF4-FFF2-40B4-BE49-F238E27FC236}">
-                <a16:creationId xmlns:a16="http://schemas.microsoft.com/office/drawing/2014/main" id="{32C054A8-9043-41C9-BA29-6C11E3B87A6D}"/>
+                <a16:creationId xmlns:a16="http://schemas.microsoft.com/office/drawing/2014/main" id="{0765C0FE-D1DD-43F6-A1E8-FF2D7256F7B0}"/>
               </a:ext>
             </a:extLst>
           </p:cNvPr>
@@ -8060,52 +8351,24 @@
             <a:spLocks noGrp="1"/>
           </p:cNvSpPr>
           <p:nvPr>
-            <p:ph type="title"/>
-          </p:nvPr>
-        </p:nvSpPr>
-        <p:spPr>
-          <a:xfrm>
-            <a:off x="576263" y="336550"/>
-            <a:ext cx="11041062" cy="1152525"/>
-          </a:xfrm>
-        </p:spPr>
+            <p:ph type="body" idx="1"/>
+          </p:nvPr>
+        </p:nvSpPr>
+        <p:spPr/>
         <p:txBody>
           <a:bodyPr/>
           <a:lstStyle/>
           <a:p>
-            <a:r>
-              <a:rPr lang="nl-BE" dirty="0" err="1">
-                <a:latin typeface="Arial"/>
-                <a:cs typeface="Arial"/>
-              </a:rPr>
-              <a:t>Dose</a:t>
-            </a:r>
-            <a:r>
-              <a:rPr lang="nl-BE" dirty="0">
-                <a:latin typeface="Arial"/>
-                <a:cs typeface="Arial"/>
-              </a:rPr>
-              <a:t> </a:t>
-            </a:r>
-            <a:r>
-              <a:rPr lang="nl-BE" dirty="0" err="1">
-                <a:latin typeface="Arial"/>
-                <a:cs typeface="Arial"/>
-              </a:rPr>
-              <a:t>dependence</a:t>
-            </a:r>
-            <a:endParaRPr lang="nl-BE" dirty="0" err="1">
-              <a:cs typeface="Arial"/>
-            </a:endParaRPr>
-          </a:p>
-        </p:txBody>
-      </p:sp>
-      <p:sp>
-        <p:nvSpPr>
-          <p:cNvPr id="8" name="Tijdelijke aanduiding voor inhoud 1">
+            <a:endParaRPr lang="nl-NL"/>
+          </a:p>
+        </p:txBody>
+      </p:sp>
+      <p:sp>
+        <p:nvSpPr>
+          <p:cNvPr id="4" name="Tijdelijke aanduiding voor voettekst 3">
             <a:extLst>
               <a:ext uri="{FF2B5EF4-FFF2-40B4-BE49-F238E27FC236}">
-                <a16:creationId xmlns:a16="http://schemas.microsoft.com/office/drawing/2014/main" id="{FD48FE27-13D3-407C-9CF5-D7CAC1400D54}"/>
+                <a16:creationId xmlns:a16="http://schemas.microsoft.com/office/drawing/2014/main" id="{E63340FA-5B57-4924-A4D1-10B8E5D14A4C}"/>
               </a:ext>
             </a:extLst>
           </p:cNvPr>
@@ -8113,530 +8376,90 @@
             <a:spLocks noGrp="1"/>
           </p:cNvSpPr>
           <p:nvPr>
-            <p:ph idx="1"/>
-          </p:nvPr>
-        </p:nvSpPr>
-        <p:spPr>
-          <a:xfrm>
-            <a:off x="576000" y="1656000"/>
-            <a:ext cx="11041200" cy="4043464"/>
-          </a:xfrm>
-        </p:spPr>
-        <p:txBody>
-          <a:bodyPr vert="horz" lIns="91440" tIns="45720" rIns="91440" bIns="45720" rtlCol="0" anchor="t">
-            <a:normAutofit/>
-          </a:bodyPr>
-          <a:lstStyle/>
-          <a:p>
-            <a:r>
-              <a:rPr lang="nl-BE" sz="2000" dirty="0" err="1">
-                <a:latin typeface="Arial"/>
-                <a:cs typeface="Arial"/>
-              </a:rPr>
-              <a:t>Not</a:t>
-            </a:r>
-            <a:r>
-              <a:rPr lang="nl-BE" sz="2000" dirty="0">
-                <a:latin typeface="Arial"/>
-                <a:cs typeface="Arial"/>
-              </a:rPr>
-              <a:t> </a:t>
-            </a:r>
-            <a:r>
-              <a:rPr lang="nl-BE" sz="2000" dirty="0" err="1">
-                <a:latin typeface="Arial"/>
-                <a:cs typeface="Arial"/>
-              </a:rPr>
-              <a:t>dependent</a:t>
-            </a:r>
-            <a:r>
-              <a:rPr lang="nl-BE" sz="2000" dirty="0">
-                <a:latin typeface="Arial"/>
-                <a:cs typeface="Arial"/>
-              </a:rPr>
-              <a:t> on </a:t>
-            </a:r>
-            <a:r>
-              <a:rPr lang="nl-BE" sz="2000" dirty="0" err="1">
-                <a:latin typeface="Arial"/>
-                <a:cs typeface="Arial"/>
-              </a:rPr>
-              <a:t>mass</a:t>
-            </a:r>
-            <a:r>
-              <a:rPr lang="nl-BE" sz="2000" dirty="0">
-                <a:latin typeface="Arial"/>
-                <a:cs typeface="Arial"/>
-              </a:rPr>
-              <a:t> </a:t>
-            </a:r>
-            <a:r>
-              <a:rPr lang="nl-BE" sz="2000" dirty="0" err="1">
-                <a:latin typeface="Arial"/>
-                <a:cs typeface="Arial"/>
-              </a:rPr>
-              <a:t>dose</a:t>
-            </a:r>
-            <a:endParaRPr lang="nl-BE" sz="2000" dirty="0" err="1">
-              <a:cs typeface="Arial"/>
-            </a:endParaRPr>
-          </a:p>
-          <a:p>
-            <a:r>
-              <a:rPr lang="nl-BE" sz="2000" dirty="0">
-                <a:latin typeface="Arial"/>
-                <a:cs typeface="Arial"/>
-              </a:rPr>
-              <a:t>Surface is </a:t>
-            </a:r>
-            <a:r>
-              <a:rPr lang="nl-BE" sz="2000" dirty="0" err="1">
-                <a:latin typeface="Arial"/>
-                <a:cs typeface="Arial"/>
-              </a:rPr>
-              <a:t>reactive</a:t>
-            </a:r>
-            <a:r>
-              <a:rPr lang="nl-BE" sz="2000" dirty="0">
-                <a:latin typeface="Arial"/>
-                <a:cs typeface="Arial"/>
-              </a:rPr>
-              <a:t>, </a:t>
-            </a:r>
-            <a:r>
-              <a:rPr lang="nl-BE" sz="2000" dirty="0" err="1">
-                <a:latin typeface="Arial"/>
-                <a:cs typeface="Arial"/>
-              </a:rPr>
-              <a:t>so</a:t>
-            </a:r>
-            <a:r>
-              <a:rPr lang="nl-BE" sz="2000" dirty="0">
-                <a:latin typeface="Arial"/>
-                <a:cs typeface="Arial"/>
-              </a:rPr>
-              <a:t> small </a:t>
-            </a:r>
-            <a:r>
-              <a:rPr lang="nl-BE" sz="2000" dirty="0" err="1">
-                <a:latin typeface="Arial"/>
-                <a:cs typeface="Arial"/>
-              </a:rPr>
-              <a:t>particles</a:t>
-            </a:r>
-            <a:r>
-              <a:rPr lang="nl-BE" sz="2000" dirty="0">
-                <a:latin typeface="Arial"/>
-                <a:cs typeface="Arial"/>
-              </a:rPr>
-              <a:t> at a low </a:t>
-            </a:r>
-            <a:r>
-              <a:rPr lang="nl-BE" sz="2000" dirty="0" err="1">
-                <a:latin typeface="Arial"/>
-                <a:cs typeface="Arial"/>
-              </a:rPr>
-              <a:t>mass</a:t>
-            </a:r>
-            <a:r>
-              <a:rPr lang="nl-BE" sz="2000" dirty="0">
-                <a:latin typeface="Arial"/>
-                <a:cs typeface="Arial"/>
-              </a:rPr>
-              <a:t> </a:t>
-            </a:r>
-            <a:r>
-              <a:rPr lang="nl-BE" sz="2000" dirty="0" err="1">
-                <a:latin typeface="Arial"/>
-                <a:cs typeface="Arial"/>
-              </a:rPr>
-              <a:t>dose</a:t>
-            </a:r>
-            <a:r>
-              <a:rPr lang="nl-BE" sz="2000" dirty="0">
-                <a:latin typeface="Arial"/>
-                <a:cs typeface="Arial"/>
-              </a:rPr>
-              <a:t> </a:t>
-            </a:r>
-            <a:r>
-              <a:rPr lang="nl-BE" sz="2000" dirty="0" err="1">
-                <a:latin typeface="Arial"/>
-                <a:cs typeface="Arial"/>
-              </a:rPr>
-              <a:t>can</a:t>
-            </a:r>
-            <a:r>
-              <a:rPr lang="nl-BE" sz="2000" dirty="0">
-                <a:latin typeface="Arial"/>
-                <a:cs typeface="Arial"/>
-              </a:rPr>
-              <a:t> </a:t>
-            </a:r>
-            <a:r>
-              <a:rPr lang="nl-BE" sz="2000" dirty="0" err="1">
-                <a:latin typeface="Arial"/>
-                <a:cs typeface="Arial"/>
-              </a:rPr>
-              <a:t>be</a:t>
-            </a:r>
-            <a:r>
-              <a:rPr lang="nl-BE" sz="2000" dirty="0">
-                <a:latin typeface="Arial"/>
-                <a:cs typeface="Arial"/>
-              </a:rPr>
-              <a:t> as </a:t>
-            </a:r>
-            <a:r>
-              <a:rPr lang="nl-BE" sz="2000" dirty="0" err="1">
-                <a:latin typeface="Arial"/>
-                <a:cs typeface="Arial"/>
-              </a:rPr>
-              <a:t>toxic</a:t>
-            </a:r>
-            <a:r>
-              <a:rPr lang="nl-BE" sz="2000" dirty="0">
-                <a:latin typeface="Arial"/>
-                <a:cs typeface="Arial"/>
-              </a:rPr>
-              <a:t> al </a:t>
-            </a:r>
-            <a:r>
-              <a:rPr lang="nl-BE" sz="2000" dirty="0" err="1">
-                <a:latin typeface="Arial"/>
-                <a:cs typeface="Arial"/>
-              </a:rPr>
-              <a:t>larger</a:t>
-            </a:r>
-            <a:r>
-              <a:rPr lang="nl-BE" sz="2000" dirty="0">
-                <a:latin typeface="Arial"/>
-                <a:cs typeface="Arial"/>
-              </a:rPr>
-              <a:t> </a:t>
-            </a:r>
-            <a:r>
-              <a:rPr lang="nl-BE" sz="2000" dirty="0" err="1">
-                <a:latin typeface="Arial"/>
-                <a:cs typeface="Arial"/>
-              </a:rPr>
-              <a:t>particles</a:t>
-            </a:r>
-            <a:r>
-              <a:rPr lang="nl-BE" sz="2000" dirty="0">
-                <a:latin typeface="Arial"/>
-                <a:cs typeface="Arial"/>
-              </a:rPr>
-              <a:t> </a:t>
-            </a:r>
-            <a:r>
-              <a:rPr lang="nl-BE" sz="2000" dirty="0" err="1">
-                <a:latin typeface="Arial"/>
-                <a:cs typeface="Arial"/>
-              </a:rPr>
-              <a:t>with</a:t>
-            </a:r>
-            <a:r>
-              <a:rPr lang="nl-BE" sz="2000" dirty="0">
-                <a:latin typeface="Arial"/>
-                <a:cs typeface="Arial"/>
-              </a:rPr>
-              <a:t> a </a:t>
-            </a:r>
-            <a:r>
-              <a:rPr lang="nl-BE" sz="2000" dirty="0" err="1">
-                <a:latin typeface="Arial"/>
-                <a:cs typeface="Arial"/>
-              </a:rPr>
-              <a:t>higer</a:t>
-            </a:r>
-            <a:r>
-              <a:rPr lang="nl-BE" sz="2000" dirty="0">
-                <a:latin typeface="Arial"/>
-                <a:cs typeface="Arial"/>
-              </a:rPr>
-              <a:t> </a:t>
-            </a:r>
-            <a:r>
-              <a:rPr lang="nl-BE" sz="2000" dirty="0" err="1">
-                <a:latin typeface="Arial"/>
-                <a:cs typeface="Arial"/>
-              </a:rPr>
-              <a:t>mass</a:t>
-            </a:r>
-            <a:r>
-              <a:rPr lang="nl-BE" sz="2000" dirty="0">
-                <a:latin typeface="Arial"/>
-                <a:cs typeface="Arial"/>
-              </a:rPr>
-              <a:t> </a:t>
-            </a:r>
-            <a:r>
-              <a:rPr lang="nl-BE" sz="2000" dirty="0" err="1">
-                <a:latin typeface="Arial"/>
-                <a:cs typeface="Arial"/>
-              </a:rPr>
-              <a:t>dose</a:t>
-            </a:r>
-          </a:p>
-          <a:p>
-            <a:r>
-              <a:rPr lang="nl-BE" sz="2000" dirty="0">
-                <a:latin typeface="Arial"/>
-                <a:cs typeface="Arial"/>
-              </a:rPr>
-              <a:t>Surface </a:t>
-            </a:r>
-            <a:r>
-              <a:rPr lang="nl-BE" sz="2000" dirty="0" err="1">
-                <a:latin typeface="Arial"/>
-                <a:cs typeface="Arial"/>
-              </a:rPr>
-              <a:t>dose</a:t>
-            </a:r>
-            <a:r>
-              <a:rPr lang="nl-BE" sz="2000" dirty="0">
-                <a:latin typeface="Arial"/>
-                <a:cs typeface="Arial"/>
-              </a:rPr>
-              <a:t> is </a:t>
-            </a:r>
-            <a:r>
-              <a:rPr lang="nl-BE" sz="2000" dirty="0" err="1">
-                <a:latin typeface="Arial"/>
-                <a:cs typeface="Arial"/>
-              </a:rPr>
-              <a:t>what</a:t>
-            </a:r>
-            <a:r>
-              <a:rPr lang="nl-BE" sz="2000" dirty="0">
-                <a:latin typeface="Arial"/>
-                <a:cs typeface="Arial"/>
-              </a:rPr>
-              <a:t> </a:t>
-            </a:r>
-            <a:r>
-              <a:rPr lang="nl-BE" sz="2000" dirty="0" err="1">
-                <a:latin typeface="Arial"/>
-                <a:cs typeface="Arial"/>
-              </a:rPr>
-              <a:t>makes</a:t>
-            </a:r>
-            <a:r>
-              <a:rPr lang="nl-BE" sz="2000" dirty="0">
-                <a:latin typeface="Arial"/>
-                <a:cs typeface="Arial"/>
-              </a:rPr>
-              <a:t> </a:t>
-            </a:r>
-            <a:r>
-              <a:rPr lang="nl-BE" sz="2000" dirty="0" err="1">
-                <a:latin typeface="Arial"/>
-                <a:cs typeface="Arial"/>
-              </a:rPr>
-              <a:t>influences</a:t>
-            </a:r>
-            <a:r>
-              <a:rPr lang="nl-BE" sz="2000" dirty="0">
-                <a:latin typeface="Arial"/>
-                <a:cs typeface="Arial"/>
-              </a:rPr>
-              <a:t> </a:t>
-            </a:r>
-            <a:r>
-              <a:rPr lang="nl-BE" sz="2000" dirty="0" err="1">
-                <a:latin typeface="Arial"/>
-                <a:cs typeface="Arial"/>
-              </a:rPr>
-              <a:t>the</a:t>
-            </a:r>
-            <a:r>
-              <a:rPr lang="nl-BE" sz="2000" dirty="0">
-                <a:latin typeface="Arial"/>
-                <a:cs typeface="Arial"/>
-              </a:rPr>
-              <a:t> </a:t>
-            </a:r>
-            <a:r>
-              <a:rPr lang="nl-BE" sz="2000" dirty="0" err="1">
-                <a:latin typeface="Arial"/>
-                <a:cs typeface="Arial"/>
-              </a:rPr>
-              <a:t>toxicity</a:t>
-            </a:r>
-          </a:p>
-        </p:txBody>
-      </p:sp>
-      <p:sp>
-        <p:nvSpPr>
-          <p:cNvPr id="10" name="Tekstvak 9">
+            <p:ph type="ftr" sz="quarter" idx="11"/>
+          </p:nvPr>
+        </p:nvSpPr>
+        <p:spPr/>
+        <p:txBody>
+          <a:bodyPr/>
+          <a:lstStyle/>
+          <a:p>
+            <a:r>
+              <a:rPr lang="nl-NL"/>
+              <a:t>Faculteit, departement, dienst …</a:t>
+            </a:r>
+          </a:p>
+        </p:txBody>
+      </p:sp>
+      <p:sp>
+        <p:nvSpPr>
+          <p:cNvPr id="5" name="Tijdelijke aanduiding voor dianummer 4">
             <a:extLst>
               <a:ext uri="{FF2B5EF4-FFF2-40B4-BE49-F238E27FC236}">
-                <a16:creationId xmlns:a16="http://schemas.microsoft.com/office/drawing/2014/main" id="{F9AF6A87-507F-4E2E-8A2A-840080D13776}"/>
+                <a16:creationId xmlns:a16="http://schemas.microsoft.com/office/drawing/2014/main" id="{74B25947-9FBD-4735-9AE1-ED393740821F}"/>
               </a:ext>
             </a:extLst>
           </p:cNvPr>
-          <p:cNvSpPr txBox="1"/>
-          <p:nvPr/>
-        </p:nvSpPr>
-        <p:spPr>
-          <a:xfrm>
-            <a:off x="159798" y="58771"/>
-            <a:ext cx="5832629" cy="276999"/>
-          </a:xfrm>
-          <a:prstGeom prst="rect">
-            <a:avLst/>
-          </a:prstGeom>
-          <a:noFill/>
-        </p:spPr>
-        <p:txBody>
-          <a:bodyPr wrap="square" rtlCol="0">
-            <a:spAutoFit/>
-          </a:bodyPr>
-          <a:lstStyle/>
-          <a:p>
-            <a:r>
-              <a:rPr lang="nl-BE" sz="1200" dirty="0">
-                <a:solidFill>
-                  <a:srgbClr val="1D8DB0"/>
-                </a:solidFill>
-              </a:rPr>
-              <a:t>J. </a:t>
-            </a:r>
-            <a:r>
-              <a:rPr lang="nl-BE" sz="1200" dirty="0" err="1">
-                <a:solidFill>
-                  <a:srgbClr val="1D8DB0"/>
-                </a:solidFill>
-              </a:rPr>
-              <a:t>Neirynck</a:t>
-            </a:r>
-            <a:r>
-              <a:rPr lang="nl-BE" sz="1200" dirty="0">
-                <a:solidFill>
-                  <a:srgbClr val="1D8DB0"/>
-                </a:solidFill>
-              </a:rPr>
-              <a:t>, F. Van </a:t>
-            </a:r>
-            <a:r>
-              <a:rPr lang="nl-BE" sz="1200" dirty="0" err="1">
-                <a:solidFill>
-                  <a:srgbClr val="1D8DB0"/>
-                </a:solidFill>
-              </a:rPr>
-              <a:t>Eecke</a:t>
-            </a:r>
-            <a:r>
-              <a:rPr lang="nl-BE" sz="1200" dirty="0">
-                <a:solidFill>
-                  <a:srgbClr val="1D8DB0"/>
-                </a:solidFill>
-              </a:rPr>
-              <a:t> &amp; R. Vrielynck</a:t>
-            </a:r>
-          </a:p>
-        </p:txBody>
-      </p:sp>
-      <p:sp>
-        <p:nvSpPr>
-          <p:cNvPr id="11" name="Tekstvak 10">
+          <p:cNvSpPr>
+            <a:spLocks noGrp="1"/>
+          </p:cNvSpPr>
+          <p:nvPr>
+            <p:ph type="sldNum" sz="quarter" idx="12"/>
+          </p:nvPr>
+        </p:nvSpPr>
+        <p:spPr/>
+        <p:txBody>
+          <a:bodyPr/>
+          <a:lstStyle/>
+          <a:p>
+            <a:fld id="{0A297500-7527-634B-90F4-69D0994C32B4}" type="slidenum">
+              <a:rPr lang="nl-NL" smtClean="0"/>
+              <a:t>13</a:t>
+            </a:fld>
+            <a:endParaRPr lang="nl-NL"/>
+          </a:p>
+        </p:txBody>
+      </p:sp>
+      <p:sp>
+        <p:nvSpPr>
+          <p:cNvPr id="6" name="Tijdelijke aanduiding voor afbeelding 5">
             <a:extLst>
               <a:ext uri="{FF2B5EF4-FFF2-40B4-BE49-F238E27FC236}">
-                <a16:creationId xmlns:a16="http://schemas.microsoft.com/office/drawing/2014/main" id="{02C83A39-3DA1-4516-B834-3C3D5F8552F0}"/>
+                <a16:creationId xmlns:a16="http://schemas.microsoft.com/office/drawing/2014/main" id="{5275FCF6-597C-42C7-8DFD-B54FDE863E6B}"/>
               </a:ext>
             </a:extLst>
           </p:cNvPr>
-          <p:cNvSpPr txBox="1"/>
-          <p:nvPr/>
-        </p:nvSpPr>
-        <p:spPr>
-          <a:xfrm>
-            <a:off x="576000" y="6356412"/>
-            <a:ext cx="10351364" cy="315471"/>
-          </a:xfrm>
-          <a:prstGeom prst="rect">
-            <a:avLst/>
-          </a:prstGeom>
-          <a:noFill/>
-        </p:spPr>
-        <p:txBody>
-          <a:bodyPr wrap="square" rtlCol="0">
-            <a:spAutoFit/>
-          </a:bodyPr>
-          <a:lstStyle/>
-          <a:p>
-            <a:r>
-              <a:rPr lang="nl-BE" sz="1450" dirty="0" err="1">
-                <a:solidFill>
-                  <a:schemeClr val="bg1"/>
-                </a:solidFill>
-              </a:rPr>
-              <a:t>Introduction</a:t>
-            </a:r>
-            <a:r>
-              <a:rPr lang="nl-BE" sz="1450" dirty="0">
-                <a:solidFill>
-                  <a:schemeClr val="bg1"/>
-                </a:solidFill>
-              </a:rPr>
-              <a:t>	</a:t>
-            </a:r>
-            <a:r>
-              <a:rPr lang="nl-BE" sz="1450" b="1" dirty="0">
-                <a:solidFill>
-                  <a:schemeClr val="bg1"/>
-                </a:solidFill>
-              </a:rPr>
-              <a:t>	Framework</a:t>
-            </a:r>
-            <a:r>
-              <a:rPr lang="nl-BE" sz="1450" dirty="0">
-                <a:solidFill>
-                  <a:schemeClr val="bg1"/>
-                </a:solidFill>
-              </a:rPr>
-              <a:t>		</a:t>
-            </a:r>
-            <a:r>
-              <a:rPr lang="nl-BE" sz="1450" dirty="0" err="1">
-                <a:solidFill>
-                  <a:schemeClr val="bg1"/>
-                </a:solidFill>
-              </a:rPr>
-              <a:t>Techniques</a:t>
-            </a:r>
-            <a:r>
-              <a:rPr lang="nl-BE" sz="1450" dirty="0">
-                <a:solidFill>
-                  <a:schemeClr val="bg1"/>
-                </a:solidFill>
-              </a:rPr>
-              <a:t> &amp; </a:t>
-            </a:r>
-            <a:r>
-              <a:rPr lang="nl-BE" sz="1450" dirty="0" err="1">
-                <a:solidFill>
-                  <a:schemeClr val="bg1"/>
-                </a:solidFill>
-              </a:rPr>
-              <a:t>Results</a:t>
-            </a:r>
-            <a:r>
-              <a:rPr lang="nl-BE" sz="1450" dirty="0">
-                <a:solidFill>
-                  <a:schemeClr val="bg1"/>
-                </a:solidFill>
-              </a:rPr>
-              <a:t>			Summary</a:t>
-            </a:r>
-          </a:p>
-        </p:txBody>
+          <p:cNvSpPr>
+            <a:spLocks noGrp="1"/>
+          </p:cNvSpPr>
+          <p:nvPr>
+            <p:ph type="pic" sz="quarter" idx="13"/>
+          </p:nvPr>
+        </p:nvSpPr>
+        <p:spPr/>
+      </p:sp>
+      <p:sp>
+        <p:nvSpPr>
+          <p:cNvPr id="7" name="Tijdelijke aanduiding voor afbeelding 6">
+            <a:extLst>
+              <a:ext uri="{FF2B5EF4-FFF2-40B4-BE49-F238E27FC236}">
+                <a16:creationId xmlns:a16="http://schemas.microsoft.com/office/drawing/2014/main" id="{8EE963F9-2796-4544-B389-0EF584315BE6}"/>
+              </a:ext>
+            </a:extLst>
+          </p:cNvPr>
+          <p:cNvSpPr>
+            <a:spLocks noGrp="1"/>
+          </p:cNvSpPr>
+          <p:nvPr>
+            <p:ph type="pic" sz="quarter" idx="14"/>
+          </p:nvPr>
+        </p:nvSpPr>
+        <p:spPr/>
       </p:sp>
     </p:spTree>
     <p:extLst>
       <p:ext uri="{BB962C8B-B14F-4D97-AF65-F5344CB8AC3E}">
-        <p14:creationId xmlns:p14="http://schemas.microsoft.com/office/powerpoint/2010/main" val="4204038074"/>
+        <p14:creationId xmlns:p14="http://schemas.microsoft.com/office/powerpoint/2010/main" val="1103729882"/>
       </p:ext>
     </p:extLst>
   </p:cSld>
@@ -8665,10 +8488,10 @@
       </p:grpSpPr>
       <p:sp>
         <p:nvSpPr>
-          <p:cNvPr id="2" name="Tijdelijke aanduiding voor inhoud 1">
+          <p:cNvPr id="7" name="Tijdelijke aanduiding voor dianummer 23">
             <a:extLst>
               <a:ext uri="{FF2B5EF4-FFF2-40B4-BE49-F238E27FC236}">
-                <a16:creationId xmlns:a16="http://schemas.microsoft.com/office/drawing/2014/main" id="{DA23FDA8-8B91-4851-BFB1-DD9B789576B1}"/>
+                <a16:creationId xmlns:a16="http://schemas.microsoft.com/office/drawing/2014/main" id="{E7BA9955-551E-4B72-9196-84FDFE87439B}"/>
               </a:ext>
             </a:extLst>
           </p:cNvPr>
@@ -8676,10 +8499,114 @@
             <a:spLocks noGrp="1"/>
           </p:cNvSpPr>
           <p:nvPr>
+            <p:ph type="sldNum" sz="quarter" idx="12"/>
+          </p:nvPr>
+        </p:nvSpPr>
+        <p:spPr>
+          <a:xfrm>
+            <a:off x="11544000" y="-126730"/>
+            <a:ext cx="648000" cy="648000"/>
+          </a:xfrm>
+        </p:spPr>
+        <p:txBody>
+          <a:bodyPr/>
+          <a:lstStyle/>
+          <a:p>
+            <a:fld id="{CF179DAE-D0A6-40C3-B8BC-6A97C268D03A}" type="slidenum">
+              <a:rPr lang="nl-NL" sz="1200" smtClean="0">
+                <a:solidFill>
+                  <a:srgbClr val="1D8DB0"/>
+                </a:solidFill>
+              </a:rPr>
+              <a:pPr/>
+              <a:t>14</a:t>
+            </a:fld>
+            <a:r>
+              <a:rPr lang="nl-NL" sz="1200" dirty="0">
+                <a:solidFill>
+                  <a:srgbClr val="1D8DB0"/>
+                </a:solidFill>
+              </a:rPr>
+              <a:t>/31</a:t>
+            </a:r>
+          </a:p>
+        </p:txBody>
+      </p:sp>
+      <p:sp>
+        <p:nvSpPr>
+          <p:cNvPr id="9" name="Titel 4">
+            <a:extLst>
+              <a:ext uri="{FF2B5EF4-FFF2-40B4-BE49-F238E27FC236}">
+                <a16:creationId xmlns:a16="http://schemas.microsoft.com/office/drawing/2014/main" id="{32C054A8-9043-41C9-BA29-6C11E3B87A6D}"/>
+              </a:ext>
+            </a:extLst>
+          </p:cNvPr>
+          <p:cNvSpPr>
+            <a:spLocks noGrp="1"/>
+          </p:cNvSpPr>
+          <p:nvPr>
+            <p:ph type="title"/>
+          </p:nvPr>
+        </p:nvSpPr>
+        <p:spPr>
+          <a:xfrm>
+            <a:off x="576263" y="336550"/>
+            <a:ext cx="11041062" cy="1152525"/>
+          </a:xfrm>
+        </p:spPr>
+        <p:txBody>
+          <a:bodyPr/>
+          <a:lstStyle/>
+          <a:p>
+            <a:r>
+              <a:rPr lang="nl-BE" dirty="0" err="1">
+                <a:latin typeface="Arial"/>
+                <a:cs typeface="Arial"/>
+              </a:rPr>
+              <a:t>Dose</a:t>
+            </a:r>
+            <a:r>
+              <a:rPr lang="nl-BE" dirty="0">
+                <a:latin typeface="Arial"/>
+                <a:cs typeface="Arial"/>
+              </a:rPr>
+              <a:t> </a:t>
+            </a:r>
+            <a:r>
+              <a:rPr lang="nl-BE" dirty="0" err="1">
+                <a:latin typeface="Arial"/>
+                <a:cs typeface="Arial"/>
+              </a:rPr>
+              <a:t>dependence</a:t>
+            </a:r>
+            <a:endParaRPr lang="nl-BE" dirty="0" err="1">
+              <a:cs typeface="Arial"/>
+            </a:endParaRPr>
+          </a:p>
+        </p:txBody>
+      </p:sp>
+      <p:sp>
+        <p:nvSpPr>
+          <p:cNvPr id="8" name="Tijdelijke aanduiding voor inhoud 1">
+            <a:extLst>
+              <a:ext uri="{FF2B5EF4-FFF2-40B4-BE49-F238E27FC236}">
+                <a16:creationId xmlns:a16="http://schemas.microsoft.com/office/drawing/2014/main" id="{FD48FE27-13D3-407C-9CF5-D7CAC1400D54}"/>
+              </a:ext>
+            </a:extLst>
+          </p:cNvPr>
+          <p:cNvSpPr>
+            <a:spLocks noGrp="1"/>
+          </p:cNvSpPr>
+          <p:nvPr>
             <p:ph idx="1"/>
           </p:nvPr>
         </p:nvSpPr>
-        <p:spPr/>
+        <p:spPr>
+          <a:xfrm>
+            <a:off x="576000" y="1656000"/>
+            <a:ext cx="11041200" cy="4043464"/>
+          </a:xfrm>
+        </p:spPr>
         <p:txBody>
           <a:bodyPr vert="horz" lIns="91440" tIns="45720" rIns="91440" bIns="45720" rtlCol="0" anchor="t">
             <a:normAutofit/>
@@ -8687,361 +8614,514 @@
           <a:lstStyle/>
           <a:p>
             <a:r>
-              <a:rPr lang="nl-NL" dirty="0">
-                <a:latin typeface="Arial"/>
-                <a:cs typeface="Arial"/>
-              </a:rPr>
-              <a:t>Large </a:t>
-            </a:r>
-            <a:r>
-              <a:rPr lang="nl-NL" dirty="0" err="1">
-                <a:latin typeface="Arial"/>
-                <a:cs typeface="Arial"/>
-              </a:rPr>
-              <a:t>concentration</a:t>
-            </a:r>
-            <a:r>
-              <a:rPr lang="nl-NL" dirty="0">
-                <a:latin typeface="Arial"/>
-                <a:cs typeface="Arial"/>
-              </a:rPr>
-              <a:t> --&gt; </a:t>
-            </a:r>
-            <a:r>
-              <a:rPr lang="nl-NL" dirty="0" err="1">
-                <a:latin typeface="Arial"/>
-                <a:cs typeface="Arial"/>
-              </a:rPr>
-              <a:t>aggregation</a:t>
-            </a:r>
-            <a:r>
-              <a:rPr lang="nl-NL" dirty="0">
-                <a:latin typeface="Arial"/>
-                <a:cs typeface="Arial"/>
-              </a:rPr>
-              <a:t> of </a:t>
-            </a:r>
-            <a:r>
-              <a:rPr lang="nl-NL" dirty="0" err="1">
-                <a:latin typeface="Arial"/>
-                <a:cs typeface="Arial"/>
-              </a:rPr>
-              <a:t>particles</a:t>
-            </a:r>
-          </a:p>
-          <a:p>
-            <a:r>
-              <a:rPr lang="nl-NL" dirty="0" err="1">
-                <a:latin typeface="Arial"/>
-                <a:cs typeface="Arial"/>
-              </a:rPr>
-              <a:t>Larger</a:t>
-            </a:r>
-            <a:r>
-              <a:rPr lang="nl-NL" dirty="0">
+              <a:rPr lang="nl-BE" sz="2000" dirty="0" err="1">
+                <a:latin typeface="Arial"/>
+                <a:cs typeface="Arial"/>
+              </a:rPr>
+              <a:t>Not</a:t>
+            </a:r>
+            <a:r>
+              <a:rPr lang="nl-BE" sz="2000" dirty="0">
                 <a:latin typeface="Arial"/>
                 <a:cs typeface="Arial"/>
               </a:rPr>
               <a:t> </a:t>
             </a:r>
             <a:r>
-              <a:rPr lang="nl-NL" dirty="0" err="1">
-                <a:latin typeface="Arial"/>
-                <a:cs typeface="Arial"/>
-              </a:rPr>
-              <a:t>particles</a:t>
-            </a:r>
-            <a:r>
-              <a:rPr lang="nl-NL" dirty="0">
-                <a:latin typeface="Arial"/>
-                <a:cs typeface="Arial"/>
-              </a:rPr>
-              <a:t>, </a:t>
-            </a:r>
-            <a:r>
-              <a:rPr lang="nl-NL" dirty="0" err="1">
-                <a:latin typeface="Arial"/>
-                <a:cs typeface="Arial"/>
-              </a:rPr>
-              <a:t>less</a:t>
-            </a:r>
-            <a:r>
-              <a:rPr lang="nl-NL" dirty="0">
+              <a:rPr lang="nl-BE" sz="2000" dirty="0" err="1">
+                <a:latin typeface="Arial"/>
+                <a:cs typeface="Arial"/>
+              </a:rPr>
+              <a:t>dependent</a:t>
+            </a:r>
+            <a:r>
+              <a:rPr lang="nl-BE" sz="2000" dirty="0">
+                <a:latin typeface="Arial"/>
+                <a:cs typeface="Arial"/>
+              </a:rPr>
+              <a:t> on </a:t>
+            </a:r>
+            <a:r>
+              <a:rPr lang="nl-BE" sz="2000" dirty="0" err="1">
+                <a:latin typeface="Arial"/>
+                <a:cs typeface="Arial"/>
+              </a:rPr>
+              <a:t>mass</a:t>
+            </a:r>
+            <a:r>
+              <a:rPr lang="nl-BE" sz="2000" dirty="0">
                 <a:latin typeface="Arial"/>
                 <a:cs typeface="Arial"/>
               </a:rPr>
               <a:t> </a:t>
             </a:r>
             <a:r>
-              <a:rPr lang="nl-NL" dirty="0" err="1">
-                <a:latin typeface="Arial"/>
-                <a:cs typeface="Arial"/>
-              </a:rPr>
-              <a:t>surface</a:t>
-            </a:r>
-            <a:r>
-              <a:rPr lang="nl-NL" dirty="0">
-                <a:latin typeface="Arial"/>
-                <a:cs typeface="Arial"/>
-              </a:rPr>
-              <a:t> AND </a:t>
-            </a:r>
-            <a:r>
-              <a:rPr lang="nl-NL" dirty="0" err="1">
-                <a:latin typeface="Arial"/>
-                <a:cs typeface="Arial"/>
-              </a:rPr>
-              <a:t>white</a:t>
-            </a:r>
-            <a:r>
-              <a:rPr lang="nl-NL" dirty="0">
-                <a:latin typeface="Arial"/>
-                <a:cs typeface="Arial"/>
-              </a:rPr>
-              <a:t> </a:t>
-            </a:r>
-            <a:r>
-              <a:rPr lang="nl-NL" dirty="0" err="1">
-                <a:latin typeface="Arial"/>
-                <a:cs typeface="Arial"/>
-              </a:rPr>
-              <a:t>bloodcells</a:t>
-            </a:r>
-            <a:r>
-              <a:rPr lang="nl-NL" dirty="0">
-                <a:latin typeface="Arial"/>
-                <a:cs typeface="Arial"/>
-              </a:rPr>
-              <a:t> </a:t>
-            </a:r>
-            <a:r>
-              <a:rPr lang="nl-NL" dirty="0" err="1">
-                <a:latin typeface="Arial"/>
-                <a:cs typeface="Arial"/>
-              </a:rPr>
-              <a:t>can</a:t>
-            </a:r>
-            <a:r>
-              <a:rPr lang="nl-NL" dirty="0">
-                <a:latin typeface="Arial"/>
-                <a:cs typeface="Arial"/>
-              </a:rPr>
-              <a:t> </a:t>
-            </a:r>
-            <a:r>
-              <a:rPr lang="nl-NL" dirty="0" err="1">
-                <a:latin typeface="Arial"/>
-                <a:cs typeface="Arial"/>
-              </a:rPr>
-              <a:t>macrophage</a:t>
-            </a:r>
-            <a:r>
-              <a:rPr lang="nl-NL" dirty="0">
-                <a:latin typeface="Arial"/>
-                <a:cs typeface="Arial"/>
-              </a:rPr>
-              <a:t> </a:t>
-            </a:r>
-            <a:r>
-              <a:rPr lang="nl-NL" dirty="0" err="1">
-                <a:latin typeface="Arial"/>
-                <a:cs typeface="Arial"/>
-              </a:rPr>
-              <a:t>the</a:t>
-            </a:r>
-            <a:r>
-              <a:rPr lang="nl-NL" dirty="0">
-                <a:latin typeface="Arial"/>
-                <a:cs typeface="Arial"/>
-              </a:rPr>
-              <a:t> </a:t>
-            </a:r>
-            <a:r>
-              <a:rPr lang="nl-NL" dirty="0" err="1">
-                <a:latin typeface="Arial"/>
-                <a:cs typeface="Arial"/>
-              </a:rPr>
-              <a:t>aggregates</a:t>
-            </a:r>
-            <a:endParaRPr lang="nl-NL" dirty="0" err="1">
+              <a:rPr lang="nl-BE" sz="2000" dirty="0" err="1">
+                <a:latin typeface="Arial"/>
+                <a:cs typeface="Arial"/>
+              </a:rPr>
+              <a:t>dose</a:t>
+            </a:r>
+            <a:endParaRPr lang="nl-BE" sz="2000" dirty="0" err="1">
               <a:cs typeface="Arial"/>
             </a:endParaRPr>
           </a:p>
           <a:p>
             <a:r>
-              <a:rPr lang="nl-NL" dirty="0">
-                <a:latin typeface="Arial"/>
-                <a:cs typeface="Arial"/>
-              </a:rPr>
-              <a:t>Large </a:t>
-            </a:r>
-            <a:r>
-              <a:rPr lang="nl-NL" dirty="0" err="1">
-                <a:latin typeface="Arial"/>
-                <a:cs typeface="Arial"/>
-              </a:rPr>
-              <a:t>concentration</a:t>
-            </a:r>
-            <a:r>
-              <a:rPr lang="nl-NL" dirty="0">
+              <a:rPr lang="nl-BE" sz="2000" dirty="0">
+                <a:latin typeface="Arial"/>
+                <a:cs typeface="Arial"/>
+              </a:rPr>
+              <a:t>Surface is </a:t>
+            </a:r>
+            <a:r>
+              <a:rPr lang="nl-BE" sz="2000" dirty="0" err="1">
+                <a:latin typeface="Arial"/>
+                <a:cs typeface="Arial"/>
+              </a:rPr>
+              <a:t>reactive</a:t>
+            </a:r>
+            <a:r>
+              <a:rPr lang="nl-BE" sz="2000" dirty="0">
+                <a:latin typeface="Arial"/>
+                <a:cs typeface="Arial"/>
+              </a:rPr>
+              <a:t>, </a:t>
+            </a:r>
+            <a:r>
+              <a:rPr lang="nl-BE" sz="2000" dirty="0" err="1">
+                <a:latin typeface="Arial"/>
+                <a:cs typeface="Arial"/>
+              </a:rPr>
+              <a:t>so</a:t>
+            </a:r>
+            <a:r>
+              <a:rPr lang="nl-BE" sz="2000" dirty="0">
+                <a:latin typeface="Arial"/>
+                <a:cs typeface="Arial"/>
+              </a:rPr>
+              <a:t> small </a:t>
+            </a:r>
+            <a:r>
+              <a:rPr lang="nl-BE" sz="2000" dirty="0" err="1">
+                <a:latin typeface="Arial"/>
+                <a:cs typeface="Arial"/>
+              </a:rPr>
+              <a:t>particles</a:t>
+            </a:r>
+            <a:r>
+              <a:rPr lang="nl-BE" sz="2000" dirty="0">
+                <a:latin typeface="Arial"/>
+                <a:cs typeface="Arial"/>
+              </a:rPr>
+              <a:t> at a low </a:t>
+            </a:r>
+            <a:r>
+              <a:rPr lang="nl-BE" sz="2000" dirty="0" err="1">
+                <a:latin typeface="Arial"/>
+                <a:cs typeface="Arial"/>
+              </a:rPr>
+              <a:t>mass</a:t>
+            </a:r>
+            <a:r>
+              <a:rPr lang="nl-BE" sz="2000" dirty="0">
                 <a:latin typeface="Arial"/>
                 <a:cs typeface="Arial"/>
               </a:rPr>
               <a:t> </a:t>
             </a:r>
             <a:r>
-              <a:rPr lang="nl-NL" dirty="0" err="1">
-                <a:latin typeface="Arial"/>
-                <a:cs typeface="Arial"/>
-              </a:rPr>
-              <a:t>results</a:t>
-            </a:r>
-            <a:r>
-              <a:rPr lang="nl-NL" dirty="0">
-                <a:latin typeface="Arial"/>
-                <a:cs typeface="Arial"/>
-              </a:rPr>
-              <a:t> in </a:t>
-            </a:r>
-            <a:r>
-              <a:rPr lang="nl-NL" dirty="0" err="1">
-                <a:latin typeface="Arial"/>
-                <a:cs typeface="Arial"/>
-              </a:rPr>
-              <a:t>less</a:t>
-            </a:r>
-            <a:r>
-              <a:rPr lang="nl-NL" dirty="0">
+              <a:rPr lang="nl-BE" sz="2000" dirty="0" err="1">
+                <a:latin typeface="Arial"/>
+                <a:cs typeface="Arial"/>
+              </a:rPr>
+              <a:t>dose</a:t>
+            </a:r>
+            <a:r>
+              <a:rPr lang="nl-BE" sz="2000" dirty="0">
                 <a:latin typeface="Arial"/>
                 <a:cs typeface="Arial"/>
               </a:rPr>
               <a:t> </a:t>
             </a:r>
             <a:r>
-              <a:rPr lang="nl-NL" dirty="0" err="1">
+              <a:rPr lang="nl-BE" sz="2000" dirty="0" err="1">
+                <a:latin typeface="Arial"/>
+                <a:cs typeface="Arial"/>
+              </a:rPr>
+              <a:t>can</a:t>
+            </a:r>
+            <a:r>
+              <a:rPr lang="nl-BE" sz="2000" dirty="0">
+                <a:latin typeface="Arial"/>
+                <a:cs typeface="Arial"/>
+              </a:rPr>
+              <a:t> </a:t>
+            </a:r>
+            <a:r>
+              <a:rPr lang="nl-BE" sz="2000" dirty="0" err="1">
+                <a:latin typeface="Arial"/>
+                <a:cs typeface="Arial"/>
+              </a:rPr>
+              <a:t>be</a:t>
+            </a:r>
+            <a:r>
+              <a:rPr lang="nl-BE" sz="2000" dirty="0">
+                <a:latin typeface="Arial"/>
+                <a:cs typeface="Arial"/>
+              </a:rPr>
+              <a:t> as </a:t>
+            </a:r>
+            <a:r>
+              <a:rPr lang="nl-BE" sz="2000" dirty="0" err="1">
+                <a:latin typeface="Arial"/>
+                <a:cs typeface="Arial"/>
+              </a:rPr>
+              <a:t>toxic</a:t>
+            </a:r>
+            <a:r>
+              <a:rPr lang="nl-BE" sz="2000" dirty="0">
+                <a:latin typeface="Arial"/>
+                <a:cs typeface="Arial"/>
+              </a:rPr>
+              <a:t> al </a:t>
+            </a:r>
+            <a:r>
+              <a:rPr lang="nl-BE" sz="2000" dirty="0" err="1">
+                <a:latin typeface="Arial"/>
+                <a:cs typeface="Arial"/>
+              </a:rPr>
+              <a:t>larger</a:t>
+            </a:r>
+            <a:r>
+              <a:rPr lang="nl-BE" sz="2000" dirty="0">
+                <a:latin typeface="Arial"/>
+                <a:cs typeface="Arial"/>
+              </a:rPr>
+              <a:t> </a:t>
+            </a:r>
+            <a:r>
+              <a:rPr lang="nl-BE" sz="2000" dirty="0" err="1">
+                <a:latin typeface="Arial"/>
+                <a:cs typeface="Arial"/>
+              </a:rPr>
+              <a:t>particles</a:t>
+            </a:r>
+            <a:r>
+              <a:rPr lang="nl-BE" sz="2000" dirty="0">
+                <a:latin typeface="Arial"/>
+                <a:cs typeface="Arial"/>
+              </a:rPr>
+              <a:t> </a:t>
+            </a:r>
+            <a:r>
+              <a:rPr lang="nl-BE" sz="2000" dirty="0" err="1">
+                <a:latin typeface="Arial"/>
+                <a:cs typeface="Arial"/>
+              </a:rPr>
+              <a:t>with</a:t>
+            </a:r>
+            <a:r>
+              <a:rPr lang="nl-BE" sz="2000" dirty="0">
+                <a:latin typeface="Arial"/>
+                <a:cs typeface="Arial"/>
+              </a:rPr>
+              <a:t> a </a:t>
+            </a:r>
+            <a:r>
+              <a:rPr lang="nl-BE" sz="2000" dirty="0" err="1">
+                <a:latin typeface="Arial"/>
+                <a:cs typeface="Arial"/>
+              </a:rPr>
+              <a:t>higer</a:t>
+            </a:r>
+            <a:r>
+              <a:rPr lang="nl-BE" sz="2000" dirty="0">
+                <a:latin typeface="Arial"/>
+                <a:cs typeface="Arial"/>
+              </a:rPr>
+              <a:t> </a:t>
+            </a:r>
+            <a:r>
+              <a:rPr lang="nl-BE" sz="2000" dirty="0" err="1">
+                <a:latin typeface="Arial"/>
+                <a:cs typeface="Arial"/>
+              </a:rPr>
+              <a:t>mass</a:t>
+            </a:r>
+            <a:r>
+              <a:rPr lang="nl-BE" sz="2000" dirty="0">
+                <a:latin typeface="Arial"/>
+                <a:cs typeface="Arial"/>
+              </a:rPr>
+              <a:t> </a:t>
+            </a:r>
+            <a:r>
+              <a:rPr lang="nl-BE" sz="2000" dirty="0" err="1">
+                <a:latin typeface="Arial"/>
+                <a:cs typeface="Arial"/>
+              </a:rPr>
+              <a:t>dose</a:t>
+            </a:r>
+          </a:p>
+          <a:p>
+            <a:r>
+              <a:rPr lang="nl-BE" sz="2000" dirty="0">
+                <a:latin typeface="Arial"/>
+                <a:cs typeface="Arial"/>
+              </a:rPr>
+              <a:t>Surface </a:t>
+            </a:r>
+            <a:r>
+              <a:rPr lang="nl-BE" sz="2000" dirty="0" err="1">
+                <a:latin typeface="Arial"/>
+                <a:cs typeface="Arial"/>
+              </a:rPr>
+              <a:t>dose</a:t>
+            </a:r>
+            <a:r>
+              <a:rPr lang="nl-BE" sz="2000" dirty="0">
+                <a:latin typeface="Arial"/>
+                <a:cs typeface="Arial"/>
+              </a:rPr>
+              <a:t> is </a:t>
+            </a:r>
+            <a:r>
+              <a:rPr lang="nl-BE" sz="2000" dirty="0" err="1">
+                <a:latin typeface="Arial"/>
+                <a:cs typeface="Arial"/>
+              </a:rPr>
+              <a:t>what</a:t>
+            </a:r>
+            <a:r>
+              <a:rPr lang="nl-BE" sz="2000" dirty="0">
+                <a:latin typeface="Arial"/>
+                <a:cs typeface="Arial"/>
+              </a:rPr>
+              <a:t> </a:t>
+            </a:r>
+            <a:r>
+              <a:rPr lang="nl-BE" sz="2000" dirty="0" err="1">
+                <a:latin typeface="Arial"/>
+                <a:cs typeface="Arial"/>
+              </a:rPr>
+              <a:t>makes</a:t>
+            </a:r>
+            <a:r>
+              <a:rPr lang="nl-BE" sz="2000" dirty="0">
+                <a:latin typeface="Arial"/>
+                <a:cs typeface="Arial"/>
+              </a:rPr>
+              <a:t> </a:t>
+            </a:r>
+            <a:r>
+              <a:rPr lang="nl-BE" sz="2000" dirty="0" err="1">
+                <a:latin typeface="Arial"/>
+                <a:cs typeface="Arial"/>
+              </a:rPr>
+              <a:t>influences</a:t>
+            </a:r>
+            <a:r>
+              <a:rPr lang="nl-BE" sz="2000" dirty="0">
+                <a:latin typeface="Arial"/>
+                <a:cs typeface="Arial"/>
+              </a:rPr>
+              <a:t> </a:t>
+            </a:r>
+            <a:r>
+              <a:rPr lang="nl-BE" sz="2000" dirty="0" err="1">
+                <a:latin typeface="Arial"/>
+                <a:cs typeface="Arial"/>
+              </a:rPr>
+              <a:t>the</a:t>
+            </a:r>
+            <a:r>
+              <a:rPr lang="nl-BE" sz="2000" dirty="0">
+                <a:latin typeface="Arial"/>
+                <a:cs typeface="Arial"/>
+              </a:rPr>
+              <a:t> </a:t>
+            </a:r>
+            <a:r>
+              <a:rPr lang="nl-BE" sz="2000" dirty="0" err="1">
                 <a:latin typeface="Arial"/>
                 <a:cs typeface="Arial"/>
               </a:rPr>
               <a:t>toxicity</a:t>
             </a:r>
-            <a:endParaRPr lang="nl-NL" dirty="0" err="1">
-              <a:cs typeface="Arial"/>
-            </a:endParaRPr>
-          </a:p>
-          <a:p>
-            <a:endParaRPr lang="nl-NL" dirty="0">
-              <a:cs typeface="Arial"/>
-            </a:endParaRPr>
-          </a:p>
-        </p:txBody>
-      </p:sp>
-      <p:sp>
-        <p:nvSpPr>
-          <p:cNvPr id="3" name="Tijdelijke aanduiding voor voettekst 2">
+          </a:p>
+        </p:txBody>
+      </p:sp>
+      <p:sp>
+        <p:nvSpPr>
+          <p:cNvPr id="10" name="Tekstvak 9">
             <a:extLst>
               <a:ext uri="{FF2B5EF4-FFF2-40B4-BE49-F238E27FC236}">
-                <a16:creationId xmlns:a16="http://schemas.microsoft.com/office/drawing/2014/main" id="{34BF4704-138D-49F1-B37A-017E77BC0845}"/>
+                <a16:creationId xmlns:a16="http://schemas.microsoft.com/office/drawing/2014/main" id="{F9AF6A87-507F-4E2E-8A2A-840080D13776}"/>
               </a:ext>
             </a:extLst>
           </p:cNvPr>
-          <p:cNvSpPr>
-            <a:spLocks noGrp="1"/>
-          </p:cNvSpPr>
-          <p:nvPr>
-            <p:ph type="ftr" sz="quarter" idx="11"/>
-          </p:nvPr>
-        </p:nvSpPr>
-        <p:spPr/>
-        <p:txBody>
-          <a:bodyPr/>
-          <a:lstStyle/>
-          <a:p>
-            <a:r>
-              <a:rPr lang="nl-NL"/>
-              <a:t>Faculteit, departement, dienst …</a:t>
-            </a:r>
-          </a:p>
-        </p:txBody>
-      </p:sp>
-      <p:sp>
-        <p:nvSpPr>
-          <p:cNvPr id="4" name="Tijdelijke aanduiding voor dianummer 3">
+          <p:cNvSpPr txBox="1"/>
+          <p:nvPr/>
+        </p:nvSpPr>
+        <p:spPr>
+          <a:xfrm>
+            <a:off x="159798" y="58771"/>
+            <a:ext cx="5832629" cy="276999"/>
+          </a:xfrm>
+          <a:prstGeom prst="rect">
+            <a:avLst/>
+          </a:prstGeom>
+          <a:noFill/>
+        </p:spPr>
+        <p:txBody>
+          <a:bodyPr wrap="square" rtlCol="0">
+            <a:spAutoFit/>
+          </a:bodyPr>
+          <a:lstStyle/>
+          <a:p>
+            <a:r>
+              <a:rPr lang="nl-BE" sz="1200" dirty="0">
+                <a:solidFill>
+                  <a:srgbClr val="1D8DB0"/>
+                </a:solidFill>
+              </a:rPr>
+              <a:t>J. </a:t>
+            </a:r>
+            <a:r>
+              <a:rPr lang="nl-BE" sz="1200" dirty="0" err="1">
+                <a:solidFill>
+                  <a:srgbClr val="1D8DB0"/>
+                </a:solidFill>
+              </a:rPr>
+              <a:t>Neirynck</a:t>
+            </a:r>
+            <a:r>
+              <a:rPr lang="nl-BE" sz="1200" dirty="0">
+                <a:solidFill>
+                  <a:srgbClr val="1D8DB0"/>
+                </a:solidFill>
+              </a:rPr>
+              <a:t>, F. Van </a:t>
+            </a:r>
+            <a:r>
+              <a:rPr lang="nl-BE" sz="1200" dirty="0" err="1">
+                <a:solidFill>
+                  <a:srgbClr val="1D8DB0"/>
+                </a:solidFill>
+              </a:rPr>
+              <a:t>Eecke</a:t>
+            </a:r>
+            <a:r>
+              <a:rPr lang="nl-BE" sz="1200" dirty="0">
+                <a:solidFill>
+                  <a:srgbClr val="1D8DB0"/>
+                </a:solidFill>
+              </a:rPr>
+              <a:t> &amp; R. Vrielynck</a:t>
+            </a:r>
+          </a:p>
+        </p:txBody>
+      </p:sp>
+      <p:sp>
+        <p:nvSpPr>
+          <p:cNvPr id="11" name="Tekstvak 10">
             <a:extLst>
               <a:ext uri="{FF2B5EF4-FFF2-40B4-BE49-F238E27FC236}">
-                <a16:creationId xmlns:a16="http://schemas.microsoft.com/office/drawing/2014/main" id="{6DC5F5CE-E772-438D-AE6A-86414E0B072A}"/>
+                <a16:creationId xmlns:a16="http://schemas.microsoft.com/office/drawing/2014/main" id="{02C83A39-3DA1-4516-B834-3C3D5F8552F0}"/>
               </a:ext>
             </a:extLst>
           </p:cNvPr>
-          <p:cNvSpPr>
-            <a:spLocks noGrp="1"/>
-          </p:cNvSpPr>
-          <p:nvPr>
-            <p:ph type="sldNum" sz="quarter" idx="12"/>
-          </p:nvPr>
-        </p:nvSpPr>
-        <p:spPr/>
-        <p:txBody>
-          <a:bodyPr/>
-          <a:lstStyle/>
-          <a:p>
-            <a:fld id="{0A297500-7527-634B-90F4-69D0994C32B4}" type="slidenum">
-              <a:rPr lang="nl-NL" smtClean="0"/>
-              <a:t>14</a:t>
-            </a:fld>
-            <a:endParaRPr lang="nl-NL"/>
-          </a:p>
-        </p:txBody>
-      </p:sp>
-      <p:sp>
-        <p:nvSpPr>
-          <p:cNvPr id="5" name="Titel 4">
-            <a:extLst>
-              <a:ext uri="{FF2B5EF4-FFF2-40B4-BE49-F238E27FC236}">
-                <a16:creationId xmlns:a16="http://schemas.microsoft.com/office/drawing/2014/main" id="{ABD654FC-0EF3-41CA-AC73-0A81742D970C}"/>
-              </a:ext>
-            </a:extLst>
-          </p:cNvPr>
-          <p:cNvSpPr>
-            <a:spLocks noGrp="1"/>
-          </p:cNvSpPr>
-          <p:nvPr>
-            <p:ph type="title"/>
-          </p:nvPr>
-        </p:nvSpPr>
-        <p:spPr/>
-        <p:txBody>
-          <a:bodyPr/>
-          <a:lstStyle/>
-          <a:p>
-            <a:r>
-              <a:rPr lang="nl-NL" dirty="0" err="1">
-                <a:latin typeface="Arial"/>
-                <a:cs typeface="Arial"/>
-              </a:rPr>
-              <a:t>Concentration</a:t>
-            </a:r>
-            <a:r>
-              <a:rPr lang="nl-NL" dirty="0">
-                <a:latin typeface="Arial"/>
-                <a:cs typeface="Arial"/>
-              </a:rPr>
-              <a:t> </a:t>
-            </a:r>
-            <a:r>
-              <a:rPr lang="nl-NL" dirty="0" err="1">
-                <a:latin typeface="Arial"/>
-                <a:cs typeface="Arial"/>
-              </a:rPr>
-              <a:t>dependence</a:t>
-            </a:r>
-            <a:endParaRPr lang="nl-NL" dirty="0" err="1"/>
+          <p:cNvSpPr txBox="1"/>
+          <p:nvPr/>
+        </p:nvSpPr>
+        <p:spPr>
+          <a:xfrm>
+            <a:off x="576000" y="6356412"/>
+            <a:ext cx="10351364" cy="315471"/>
+          </a:xfrm>
+          <a:prstGeom prst="rect">
+            <a:avLst/>
+          </a:prstGeom>
+          <a:noFill/>
+        </p:spPr>
+        <p:txBody>
+          <a:bodyPr wrap="square" rtlCol="0">
+            <a:spAutoFit/>
+          </a:bodyPr>
+          <a:lstStyle/>
+          <a:p>
+            <a:r>
+              <a:rPr lang="nl-BE" sz="1450" dirty="0" err="1">
+                <a:solidFill>
+                  <a:schemeClr val="bg1"/>
+                </a:solidFill>
+              </a:rPr>
+              <a:t>Introduction</a:t>
+            </a:r>
+            <a:r>
+              <a:rPr lang="nl-BE" sz="1450" dirty="0">
+                <a:solidFill>
+                  <a:schemeClr val="bg1"/>
+                </a:solidFill>
+              </a:rPr>
+              <a:t>	</a:t>
+            </a:r>
+            <a:r>
+              <a:rPr lang="nl-BE" sz="1450" b="1" dirty="0">
+                <a:solidFill>
+                  <a:schemeClr val="bg1"/>
+                </a:solidFill>
+              </a:rPr>
+              <a:t>	Framework</a:t>
+            </a:r>
+            <a:r>
+              <a:rPr lang="nl-BE" sz="1450" dirty="0">
+                <a:solidFill>
+                  <a:schemeClr val="bg1"/>
+                </a:solidFill>
+              </a:rPr>
+              <a:t>		</a:t>
+            </a:r>
+            <a:r>
+              <a:rPr lang="nl-BE" sz="1450" dirty="0" err="1">
+                <a:solidFill>
+                  <a:schemeClr val="bg1"/>
+                </a:solidFill>
+              </a:rPr>
+              <a:t>Techniques</a:t>
+            </a:r>
+            <a:r>
+              <a:rPr lang="nl-BE" sz="1450" dirty="0">
+                <a:solidFill>
+                  <a:schemeClr val="bg1"/>
+                </a:solidFill>
+              </a:rPr>
+              <a:t> &amp; </a:t>
+            </a:r>
+            <a:r>
+              <a:rPr lang="nl-BE" sz="1450" dirty="0" err="1">
+                <a:solidFill>
+                  <a:schemeClr val="bg1"/>
+                </a:solidFill>
+              </a:rPr>
+              <a:t>Results</a:t>
+            </a:r>
+            <a:r>
+              <a:rPr lang="nl-BE" sz="1450" dirty="0">
+                <a:solidFill>
+                  <a:schemeClr val="bg1"/>
+                </a:solidFill>
+              </a:rPr>
+              <a:t>			Summary</a:t>
+            </a:r>
           </a:p>
         </p:txBody>
       </p:sp>
     </p:spTree>
     <p:extLst>
       <p:ext uri="{BB962C8B-B14F-4D97-AF65-F5344CB8AC3E}">
-        <p14:creationId xmlns:p14="http://schemas.microsoft.com/office/powerpoint/2010/main" val="623244575"/>
+        <p14:creationId xmlns:p14="http://schemas.microsoft.com/office/powerpoint/2010/main" val="4204038074"/>
       </p:ext>
     </p:extLst>
   </p:cSld>
@@ -9073,6 +9153,411 @@
           <p:cNvPr id="2" name="Tijdelijke aanduiding voor inhoud 1">
             <a:extLst>
               <a:ext uri="{FF2B5EF4-FFF2-40B4-BE49-F238E27FC236}">
+                <a16:creationId xmlns:a16="http://schemas.microsoft.com/office/drawing/2014/main" id="{DA23FDA8-8B91-4851-BFB1-DD9B789576B1}"/>
+              </a:ext>
+            </a:extLst>
+          </p:cNvPr>
+          <p:cNvSpPr>
+            <a:spLocks noGrp="1"/>
+          </p:cNvSpPr>
+          <p:nvPr>
+            <p:ph idx="1"/>
+          </p:nvPr>
+        </p:nvSpPr>
+        <p:spPr/>
+        <p:txBody>
+          <a:bodyPr vert="horz" lIns="91440" tIns="45720" rIns="91440" bIns="45720" rtlCol="0" anchor="t">
+            <a:normAutofit/>
+          </a:bodyPr>
+          <a:lstStyle/>
+          <a:p>
+            <a:r>
+              <a:rPr lang="nl-NL" dirty="0">
+                <a:latin typeface="Arial"/>
+                <a:cs typeface="Arial"/>
+              </a:rPr>
+              <a:t>Large </a:t>
+            </a:r>
+            <a:r>
+              <a:rPr lang="nl-NL" dirty="0" err="1">
+                <a:latin typeface="Arial"/>
+                <a:cs typeface="Arial"/>
+              </a:rPr>
+              <a:t>concentration</a:t>
+            </a:r>
+            <a:r>
+              <a:rPr lang="nl-NL" dirty="0">
+                <a:latin typeface="Arial"/>
+                <a:cs typeface="Arial"/>
+              </a:rPr>
+              <a:t> --&gt; </a:t>
+            </a:r>
+            <a:r>
+              <a:rPr lang="nl-NL" dirty="0" err="1">
+                <a:latin typeface="Arial"/>
+                <a:cs typeface="Arial"/>
+              </a:rPr>
+              <a:t>aggregation</a:t>
+            </a:r>
+            <a:r>
+              <a:rPr lang="nl-NL" dirty="0">
+                <a:latin typeface="Arial"/>
+                <a:cs typeface="Arial"/>
+              </a:rPr>
+              <a:t> of </a:t>
+            </a:r>
+            <a:r>
+              <a:rPr lang="nl-NL" dirty="0" err="1">
+                <a:latin typeface="Arial"/>
+                <a:cs typeface="Arial"/>
+              </a:rPr>
+              <a:t>particles</a:t>
+            </a:r>
+          </a:p>
+          <a:p>
+            <a:r>
+              <a:rPr lang="nl-NL" dirty="0" err="1">
+                <a:latin typeface="Arial"/>
+                <a:cs typeface="Arial"/>
+              </a:rPr>
+              <a:t>Larger</a:t>
+            </a:r>
+            <a:r>
+              <a:rPr lang="nl-NL" dirty="0">
+                <a:latin typeface="Arial"/>
+                <a:cs typeface="Arial"/>
+              </a:rPr>
+              <a:t> </a:t>
+            </a:r>
+            <a:r>
+              <a:rPr lang="nl-NL" dirty="0" err="1">
+                <a:latin typeface="Arial"/>
+                <a:cs typeface="Arial"/>
+              </a:rPr>
+              <a:t>particles</a:t>
+            </a:r>
+            <a:r>
+              <a:rPr lang="nl-NL" dirty="0">
+                <a:latin typeface="Arial"/>
+                <a:cs typeface="Arial"/>
+              </a:rPr>
+              <a:t>, </a:t>
+            </a:r>
+            <a:r>
+              <a:rPr lang="nl-NL" dirty="0" err="1">
+                <a:latin typeface="Arial"/>
+                <a:cs typeface="Arial"/>
+              </a:rPr>
+              <a:t>less</a:t>
+            </a:r>
+            <a:r>
+              <a:rPr lang="nl-NL" dirty="0">
+                <a:latin typeface="Arial"/>
+                <a:cs typeface="Arial"/>
+              </a:rPr>
+              <a:t> </a:t>
+            </a:r>
+            <a:r>
+              <a:rPr lang="nl-NL" dirty="0" err="1">
+                <a:latin typeface="Arial"/>
+                <a:cs typeface="Arial"/>
+              </a:rPr>
+              <a:t>surface</a:t>
+            </a:r>
+            <a:r>
+              <a:rPr lang="nl-NL" dirty="0">
+                <a:latin typeface="Arial"/>
+                <a:cs typeface="Arial"/>
+              </a:rPr>
+              <a:t> AND </a:t>
+            </a:r>
+            <a:r>
+              <a:rPr lang="nl-NL" dirty="0" err="1">
+                <a:latin typeface="Arial"/>
+                <a:cs typeface="Arial"/>
+              </a:rPr>
+              <a:t>white</a:t>
+            </a:r>
+            <a:r>
+              <a:rPr lang="nl-NL" dirty="0">
+                <a:latin typeface="Arial"/>
+                <a:cs typeface="Arial"/>
+              </a:rPr>
+              <a:t> </a:t>
+            </a:r>
+            <a:r>
+              <a:rPr lang="nl-NL" dirty="0" err="1">
+                <a:latin typeface="Arial"/>
+                <a:cs typeface="Arial"/>
+              </a:rPr>
+              <a:t>bloodcells</a:t>
+            </a:r>
+            <a:r>
+              <a:rPr lang="nl-NL" dirty="0">
+                <a:latin typeface="Arial"/>
+                <a:cs typeface="Arial"/>
+              </a:rPr>
+              <a:t> </a:t>
+            </a:r>
+            <a:r>
+              <a:rPr lang="nl-NL" dirty="0" err="1">
+                <a:latin typeface="Arial"/>
+                <a:cs typeface="Arial"/>
+              </a:rPr>
+              <a:t>can</a:t>
+            </a:r>
+            <a:r>
+              <a:rPr lang="nl-NL" dirty="0">
+                <a:latin typeface="Arial"/>
+                <a:cs typeface="Arial"/>
+              </a:rPr>
+              <a:t> </a:t>
+            </a:r>
+            <a:r>
+              <a:rPr lang="nl-NL" dirty="0" err="1">
+                <a:latin typeface="Arial"/>
+                <a:cs typeface="Arial"/>
+              </a:rPr>
+              <a:t>macrophage</a:t>
+            </a:r>
+            <a:r>
+              <a:rPr lang="nl-NL" dirty="0">
+                <a:latin typeface="Arial"/>
+                <a:cs typeface="Arial"/>
+              </a:rPr>
+              <a:t> </a:t>
+            </a:r>
+            <a:r>
+              <a:rPr lang="nl-NL" dirty="0" err="1">
+                <a:latin typeface="Arial"/>
+                <a:cs typeface="Arial"/>
+              </a:rPr>
+              <a:t>the</a:t>
+            </a:r>
+            <a:r>
+              <a:rPr lang="nl-NL" dirty="0">
+                <a:latin typeface="Arial"/>
+                <a:cs typeface="Arial"/>
+              </a:rPr>
+              <a:t> </a:t>
+            </a:r>
+            <a:r>
+              <a:rPr lang="nl-NL" dirty="0" err="1">
+                <a:latin typeface="Arial"/>
+                <a:cs typeface="Arial"/>
+              </a:rPr>
+              <a:t>aggregates</a:t>
+            </a:r>
+            <a:endParaRPr lang="nl-NL" dirty="0" err="1">
+              <a:cs typeface="Arial"/>
+            </a:endParaRPr>
+          </a:p>
+          <a:p>
+            <a:r>
+              <a:rPr lang="nl-NL" dirty="0">
+                <a:latin typeface="Arial"/>
+                <a:cs typeface="Arial"/>
+              </a:rPr>
+              <a:t>Large </a:t>
+            </a:r>
+            <a:r>
+              <a:rPr lang="nl-NL" dirty="0" err="1">
+                <a:latin typeface="Arial"/>
+                <a:cs typeface="Arial"/>
+              </a:rPr>
+              <a:t>concentration</a:t>
+            </a:r>
+            <a:r>
+              <a:rPr lang="nl-NL" dirty="0">
+                <a:latin typeface="Arial"/>
+                <a:cs typeface="Arial"/>
+              </a:rPr>
+              <a:t> </a:t>
+            </a:r>
+            <a:r>
+              <a:rPr lang="nl-NL" dirty="0" err="1">
+                <a:latin typeface="Arial"/>
+                <a:cs typeface="Arial"/>
+              </a:rPr>
+              <a:t>results</a:t>
+            </a:r>
+            <a:r>
+              <a:rPr lang="nl-NL" dirty="0">
+                <a:latin typeface="Arial"/>
+                <a:cs typeface="Arial"/>
+              </a:rPr>
+              <a:t> in </a:t>
+            </a:r>
+            <a:r>
+              <a:rPr lang="nl-NL" dirty="0" err="1">
+                <a:latin typeface="Arial"/>
+                <a:cs typeface="Arial"/>
+              </a:rPr>
+              <a:t>less</a:t>
+            </a:r>
+            <a:r>
+              <a:rPr lang="nl-NL" dirty="0">
+                <a:latin typeface="Arial"/>
+                <a:cs typeface="Arial"/>
+              </a:rPr>
+              <a:t> </a:t>
+            </a:r>
+            <a:r>
+              <a:rPr lang="nl-NL" dirty="0" err="1">
+                <a:latin typeface="Arial"/>
+                <a:cs typeface="Arial"/>
+              </a:rPr>
+              <a:t>toxicity</a:t>
+            </a:r>
+            <a:endParaRPr lang="nl-NL" dirty="0" err="1">
+              <a:cs typeface="Arial"/>
+            </a:endParaRPr>
+          </a:p>
+          <a:p>
+            <a:endParaRPr lang="nl-NL" dirty="0">
+              <a:cs typeface="Arial"/>
+            </a:endParaRPr>
+          </a:p>
+        </p:txBody>
+      </p:sp>
+      <p:sp>
+        <p:nvSpPr>
+          <p:cNvPr id="3" name="Tijdelijke aanduiding voor voettekst 2">
+            <a:extLst>
+              <a:ext uri="{FF2B5EF4-FFF2-40B4-BE49-F238E27FC236}">
+                <a16:creationId xmlns:a16="http://schemas.microsoft.com/office/drawing/2014/main" id="{34BF4704-138D-49F1-B37A-017E77BC0845}"/>
+              </a:ext>
+            </a:extLst>
+          </p:cNvPr>
+          <p:cNvSpPr>
+            <a:spLocks noGrp="1"/>
+          </p:cNvSpPr>
+          <p:nvPr>
+            <p:ph type="ftr" sz="quarter" idx="11"/>
+          </p:nvPr>
+        </p:nvSpPr>
+        <p:spPr/>
+        <p:txBody>
+          <a:bodyPr/>
+          <a:lstStyle/>
+          <a:p>
+            <a:r>
+              <a:rPr lang="nl-NL"/>
+              <a:t>Faculteit, departement, dienst …</a:t>
+            </a:r>
+          </a:p>
+        </p:txBody>
+      </p:sp>
+      <p:sp>
+        <p:nvSpPr>
+          <p:cNvPr id="4" name="Tijdelijke aanduiding voor dianummer 3">
+            <a:extLst>
+              <a:ext uri="{FF2B5EF4-FFF2-40B4-BE49-F238E27FC236}">
+                <a16:creationId xmlns:a16="http://schemas.microsoft.com/office/drawing/2014/main" id="{6DC5F5CE-E772-438D-AE6A-86414E0B072A}"/>
+              </a:ext>
+            </a:extLst>
+          </p:cNvPr>
+          <p:cNvSpPr>
+            <a:spLocks noGrp="1"/>
+          </p:cNvSpPr>
+          <p:nvPr>
+            <p:ph type="sldNum" sz="quarter" idx="12"/>
+          </p:nvPr>
+        </p:nvSpPr>
+        <p:spPr/>
+        <p:txBody>
+          <a:bodyPr/>
+          <a:lstStyle/>
+          <a:p>
+            <a:fld id="{0A297500-7527-634B-90F4-69D0994C32B4}" type="slidenum">
+              <a:rPr lang="nl-NL" smtClean="0"/>
+              <a:t>15</a:t>
+            </a:fld>
+            <a:endParaRPr lang="nl-NL"/>
+          </a:p>
+        </p:txBody>
+      </p:sp>
+      <p:sp>
+        <p:nvSpPr>
+          <p:cNvPr id="5" name="Titel 4">
+            <a:extLst>
+              <a:ext uri="{FF2B5EF4-FFF2-40B4-BE49-F238E27FC236}">
+                <a16:creationId xmlns:a16="http://schemas.microsoft.com/office/drawing/2014/main" id="{ABD654FC-0EF3-41CA-AC73-0A81742D970C}"/>
+              </a:ext>
+            </a:extLst>
+          </p:cNvPr>
+          <p:cNvSpPr>
+            <a:spLocks noGrp="1"/>
+          </p:cNvSpPr>
+          <p:nvPr>
+            <p:ph type="title"/>
+          </p:nvPr>
+        </p:nvSpPr>
+        <p:spPr/>
+        <p:txBody>
+          <a:bodyPr/>
+          <a:lstStyle/>
+          <a:p>
+            <a:r>
+              <a:rPr lang="nl-NL" dirty="0" err="1">
+                <a:latin typeface="Arial"/>
+                <a:cs typeface="Arial"/>
+              </a:rPr>
+              <a:t>Concentration</a:t>
+            </a:r>
+            <a:r>
+              <a:rPr lang="nl-NL" dirty="0">
+                <a:latin typeface="Arial"/>
+                <a:cs typeface="Arial"/>
+              </a:rPr>
+              <a:t> </a:t>
+            </a:r>
+            <a:r>
+              <a:rPr lang="nl-NL" dirty="0" err="1">
+                <a:latin typeface="Arial"/>
+                <a:cs typeface="Arial"/>
+              </a:rPr>
+              <a:t>dependence</a:t>
+            </a:r>
+            <a:endParaRPr lang="nl-NL" dirty="0" err="1"/>
+          </a:p>
+        </p:txBody>
+      </p:sp>
+    </p:spTree>
+    <p:extLst>
+      <p:ext uri="{BB962C8B-B14F-4D97-AF65-F5344CB8AC3E}">
+        <p14:creationId xmlns:p14="http://schemas.microsoft.com/office/powerpoint/2010/main" val="623244575"/>
+      </p:ext>
+    </p:extLst>
+  </p:cSld>
+  <p:clrMapOvr>
+    <a:masterClrMapping/>
+  </p:clrMapOvr>
+</p:sld>
+</file>
+
+<file path=ppt/slides/slide16.xml><?xml version="1.0" encoding="utf-8"?>
+<p:sld xmlns:a="http://schemas.openxmlformats.org/drawingml/2006/main" xmlns:r="http://schemas.openxmlformats.org/officeDocument/2006/relationships" xmlns:p="http://schemas.openxmlformats.org/presentationml/2006/main">
+  <p:cSld>
+    <p:spTree>
+      <p:nvGrpSpPr>
+        <p:cNvPr id="1" name=""/>
+        <p:cNvGrpSpPr/>
+        <p:nvPr/>
+      </p:nvGrpSpPr>
+      <p:grpSpPr>
+        <a:xfrm>
+          <a:off x="0" y="0"/>
+          <a:ext cx="0" cy="0"/>
+          <a:chOff x="0" y="0"/>
+          <a:chExt cx="0" cy="0"/>
+        </a:xfrm>
+      </p:grpSpPr>
+      <p:sp>
+        <p:nvSpPr>
+          <p:cNvPr id="2" name="Tijdelijke aanduiding voor inhoud 1">
+            <a:extLst>
+              <a:ext uri="{FF2B5EF4-FFF2-40B4-BE49-F238E27FC236}">
                 <a16:creationId xmlns:a16="http://schemas.microsoft.com/office/drawing/2014/main" id="{BFCDAFE0-D654-42D9-8D30-FE908B3DD1D8}"/>
               </a:ext>
             </a:extLst>
@@ -9212,7 +9697,7 @@
           <a:p>
             <a:fld id="{0A297500-7527-634B-90F4-69D0994C32B4}" type="slidenum">
               <a:rPr lang="nl-NL" smtClean="0"/>
-              <a:t>15</a:t>
+              <a:t>16</a:t>
             </a:fld>
             <a:endParaRPr lang="nl-NL"/>
           </a:p>
@@ -9307,326 +9792,6 @@
 </p:sld>
 </file>
 
-<file path=ppt/slides/slide16.xml><?xml version="1.0" encoding="utf-8"?>
-<p:sld xmlns:a="http://schemas.openxmlformats.org/drawingml/2006/main" xmlns:r="http://schemas.openxmlformats.org/officeDocument/2006/relationships" xmlns:p="http://schemas.openxmlformats.org/presentationml/2006/main">
-  <p:cSld>
-    <p:spTree>
-      <p:nvGrpSpPr>
-        <p:cNvPr id="1" name=""/>
-        <p:cNvGrpSpPr/>
-        <p:nvPr/>
-      </p:nvGrpSpPr>
-      <p:grpSpPr>
-        <a:xfrm>
-          <a:off x="0" y="0"/>
-          <a:ext cx="0" cy="0"/>
-          <a:chOff x="0" y="0"/>
-          <a:chExt cx="0" cy="0"/>
-        </a:xfrm>
-      </p:grpSpPr>
-      <p:sp>
-        <p:nvSpPr>
-          <p:cNvPr id="2" name="Tijdelijke aanduiding voor inhoud 1">
-            <a:extLst>
-              <a:ext uri="{FF2B5EF4-FFF2-40B4-BE49-F238E27FC236}">
-                <a16:creationId xmlns:a16="http://schemas.microsoft.com/office/drawing/2014/main" id="{ECD9C7FC-FC06-4374-A1C7-C9C35F1BE892}"/>
-              </a:ext>
-            </a:extLst>
-          </p:cNvPr>
-          <p:cNvSpPr>
-            <a:spLocks noGrp="1"/>
-          </p:cNvSpPr>
-          <p:nvPr>
-            <p:ph idx="1"/>
-          </p:nvPr>
-        </p:nvSpPr>
-        <p:spPr/>
-        <p:txBody>
-          <a:bodyPr vert="horz" lIns="91440" tIns="45720" rIns="91440" bIns="45720" rtlCol="0" anchor="t">
-            <a:normAutofit/>
-          </a:bodyPr>
-          <a:lstStyle/>
-          <a:p>
-            <a:r>
-              <a:rPr lang="nl-NL" dirty="0">
-                <a:latin typeface="Arial"/>
-                <a:cs typeface="Arial"/>
-              </a:rPr>
-              <a:t>Long fibers are more </a:t>
-            </a:r>
-            <a:r>
-              <a:rPr lang="nl-NL" dirty="0" err="1">
-                <a:latin typeface="Arial"/>
-                <a:cs typeface="Arial"/>
-              </a:rPr>
-              <a:t>toxic</a:t>
-            </a:r>
-            <a:r>
-              <a:rPr lang="nl-NL" dirty="0">
-                <a:latin typeface="Arial"/>
-                <a:cs typeface="Arial"/>
-              </a:rPr>
-              <a:t> </a:t>
-            </a:r>
-            <a:r>
-              <a:rPr lang="nl-NL" dirty="0" err="1">
-                <a:latin typeface="Arial"/>
-                <a:cs typeface="Arial"/>
-              </a:rPr>
-              <a:t>than</a:t>
-            </a:r>
-            <a:r>
-              <a:rPr lang="nl-NL" dirty="0">
-                <a:latin typeface="Arial"/>
-                <a:cs typeface="Arial"/>
-              </a:rPr>
-              <a:t> short </a:t>
-            </a:r>
-            <a:r>
-              <a:rPr lang="nl-NL" dirty="0" err="1">
-                <a:latin typeface="Arial"/>
-                <a:cs typeface="Arial"/>
-              </a:rPr>
-              <a:t>ones</a:t>
-            </a:r>
-            <a:endParaRPr lang="nl-NL" dirty="0" err="1">
-              <a:cs typeface="Arial" charset="0"/>
-            </a:endParaRPr>
-          </a:p>
-          <a:p>
-            <a:r>
-              <a:rPr lang="nl-NL" dirty="0" err="1">
-                <a:latin typeface="Arial"/>
-                <a:cs typeface="Arial"/>
-              </a:rPr>
-              <a:t>Stay</a:t>
-            </a:r>
-            <a:r>
-              <a:rPr lang="nl-NL" dirty="0">
-                <a:latin typeface="Arial"/>
-                <a:cs typeface="Arial"/>
-              </a:rPr>
-              <a:t> </a:t>
-            </a:r>
-            <a:r>
-              <a:rPr lang="nl-NL" dirty="0" err="1">
-                <a:latin typeface="Arial"/>
-                <a:cs typeface="Arial"/>
-              </a:rPr>
-              <a:t>longer</a:t>
-            </a:r>
-            <a:r>
-              <a:rPr lang="nl-NL" dirty="0">
-                <a:latin typeface="Arial"/>
-                <a:cs typeface="Arial"/>
-              </a:rPr>
-              <a:t> in </a:t>
-            </a:r>
-            <a:r>
-              <a:rPr lang="nl-NL" dirty="0" err="1">
-                <a:latin typeface="Arial"/>
-                <a:cs typeface="Arial"/>
-              </a:rPr>
-              <a:t>the</a:t>
-            </a:r>
-            <a:r>
-              <a:rPr lang="nl-NL" dirty="0">
-                <a:latin typeface="Arial"/>
-                <a:cs typeface="Arial"/>
-              </a:rPr>
-              <a:t> body (81% </a:t>
-            </a:r>
-            <a:r>
-              <a:rPr lang="nl-NL" dirty="0" err="1">
-                <a:latin typeface="Arial"/>
-                <a:cs typeface="Arial"/>
-              </a:rPr>
-              <a:t>after</a:t>
-            </a:r>
-            <a:r>
-              <a:rPr lang="nl-NL" dirty="0">
-                <a:latin typeface="Arial"/>
-                <a:cs typeface="Arial"/>
-              </a:rPr>
-              <a:t> 60 </a:t>
-            </a:r>
-            <a:r>
-              <a:rPr lang="nl-NL" dirty="0" err="1">
-                <a:latin typeface="Arial"/>
-                <a:cs typeface="Arial"/>
-              </a:rPr>
-              <a:t>days</a:t>
-            </a:r>
-            <a:r>
-              <a:rPr lang="nl-NL" dirty="0">
-                <a:latin typeface="Arial"/>
-                <a:cs typeface="Arial"/>
-              </a:rPr>
-              <a:t>)</a:t>
-            </a:r>
-          </a:p>
-          <a:p>
-            <a:r>
-              <a:rPr lang="nl-NL" dirty="0">
-                <a:latin typeface="Arial"/>
-                <a:cs typeface="Arial"/>
-              </a:rPr>
-              <a:t>Carbon nanotubes </a:t>
-            </a:r>
-            <a:r>
-              <a:rPr lang="nl-NL" dirty="0" err="1">
-                <a:latin typeface="Arial"/>
-                <a:cs typeface="Arial"/>
-              </a:rPr>
-              <a:t>can</a:t>
-            </a:r>
-            <a:r>
-              <a:rPr lang="nl-NL" dirty="0">
-                <a:latin typeface="Arial"/>
-                <a:cs typeface="Arial"/>
-              </a:rPr>
-              <a:t> </a:t>
-            </a:r>
-            <a:r>
-              <a:rPr lang="nl-NL" dirty="0" err="1">
-                <a:latin typeface="Arial"/>
-                <a:cs typeface="Arial"/>
-              </a:rPr>
-              <a:t>be</a:t>
-            </a:r>
-            <a:r>
-              <a:rPr lang="nl-NL" dirty="0">
-                <a:latin typeface="Arial"/>
-                <a:cs typeface="Arial"/>
-              </a:rPr>
-              <a:t> </a:t>
-            </a:r>
-            <a:r>
-              <a:rPr lang="nl-NL" dirty="0" err="1">
-                <a:latin typeface="Arial"/>
-                <a:cs typeface="Arial"/>
-              </a:rPr>
-              <a:t>very</a:t>
-            </a:r>
-            <a:r>
-              <a:rPr lang="nl-NL" dirty="0">
-                <a:latin typeface="Arial"/>
-                <a:cs typeface="Arial"/>
-              </a:rPr>
-              <a:t> </a:t>
-            </a:r>
-            <a:r>
-              <a:rPr lang="nl-NL" dirty="0" err="1">
-                <a:latin typeface="Arial"/>
-                <a:cs typeface="Arial"/>
-              </a:rPr>
-              <a:t>toxic</a:t>
-            </a:r>
-          </a:p>
-        </p:txBody>
-      </p:sp>
-      <p:sp>
-        <p:nvSpPr>
-          <p:cNvPr id="3" name="Tijdelijke aanduiding voor voettekst 2">
-            <a:extLst>
-              <a:ext uri="{FF2B5EF4-FFF2-40B4-BE49-F238E27FC236}">
-                <a16:creationId xmlns:a16="http://schemas.microsoft.com/office/drawing/2014/main" id="{3D0B3870-0B8D-4CA7-860A-9D56EB7AC438}"/>
-              </a:ext>
-            </a:extLst>
-          </p:cNvPr>
-          <p:cNvSpPr>
-            <a:spLocks noGrp="1"/>
-          </p:cNvSpPr>
-          <p:nvPr>
-            <p:ph type="ftr" sz="quarter" idx="11"/>
-          </p:nvPr>
-        </p:nvSpPr>
-        <p:spPr/>
-        <p:txBody>
-          <a:bodyPr/>
-          <a:lstStyle/>
-          <a:p>
-            <a:r>
-              <a:rPr lang="nl-NL"/>
-              <a:t>Faculteit, departement, dienst …</a:t>
-            </a:r>
-          </a:p>
-        </p:txBody>
-      </p:sp>
-      <p:sp>
-        <p:nvSpPr>
-          <p:cNvPr id="4" name="Tijdelijke aanduiding voor dianummer 3">
-            <a:extLst>
-              <a:ext uri="{FF2B5EF4-FFF2-40B4-BE49-F238E27FC236}">
-                <a16:creationId xmlns:a16="http://schemas.microsoft.com/office/drawing/2014/main" id="{4950DF76-99D2-40CB-A88F-ECF57CE1760C}"/>
-              </a:ext>
-            </a:extLst>
-          </p:cNvPr>
-          <p:cNvSpPr>
-            <a:spLocks noGrp="1"/>
-          </p:cNvSpPr>
-          <p:nvPr>
-            <p:ph type="sldNum" sz="quarter" idx="12"/>
-          </p:nvPr>
-        </p:nvSpPr>
-        <p:spPr/>
-        <p:txBody>
-          <a:bodyPr/>
-          <a:lstStyle/>
-          <a:p>
-            <a:fld id="{0A297500-7527-634B-90F4-69D0994C32B4}" type="slidenum">
-              <a:rPr lang="nl-NL" smtClean="0"/>
-              <a:t>16</a:t>
-            </a:fld>
-            <a:endParaRPr lang="nl-NL"/>
-          </a:p>
-        </p:txBody>
-      </p:sp>
-      <p:sp>
-        <p:nvSpPr>
-          <p:cNvPr id="5" name="Titel 4">
-            <a:extLst>
-              <a:ext uri="{FF2B5EF4-FFF2-40B4-BE49-F238E27FC236}">
-                <a16:creationId xmlns:a16="http://schemas.microsoft.com/office/drawing/2014/main" id="{89B92165-5C9D-4BF0-92C6-267065DC29DC}"/>
-              </a:ext>
-            </a:extLst>
-          </p:cNvPr>
-          <p:cNvSpPr>
-            <a:spLocks noGrp="1"/>
-          </p:cNvSpPr>
-          <p:nvPr>
-            <p:ph type="title"/>
-          </p:nvPr>
-        </p:nvSpPr>
-        <p:spPr/>
-        <p:txBody>
-          <a:bodyPr/>
-          <a:lstStyle/>
-          <a:p>
-            <a:r>
-              <a:rPr lang="nl-NL" dirty="0">
-                <a:latin typeface="Arial"/>
-                <a:cs typeface="Arial"/>
-              </a:rPr>
-              <a:t>Aspect ratio</a:t>
-            </a:r>
-            <a:endParaRPr lang="nl-NL" dirty="0"/>
-          </a:p>
-        </p:txBody>
-      </p:sp>
-    </p:spTree>
-    <p:extLst>
-      <p:ext uri="{BB962C8B-B14F-4D97-AF65-F5344CB8AC3E}">
-        <p14:creationId xmlns:p14="http://schemas.microsoft.com/office/powerpoint/2010/main" val="4263617995"/>
-      </p:ext>
-    </p:extLst>
-  </p:cSld>
-  <p:clrMapOvr>
-    <a:masterClrMapping/>
-  </p:clrMapOvr>
-</p:sld>
-</file>
-
 <file path=ppt/slides/slide17.xml><?xml version="1.0" encoding="utf-8"?>
 <p:sld xmlns:a="http://schemas.openxmlformats.org/drawingml/2006/main" xmlns:r="http://schemas.openxmlformats.org/officeDocument/2006/relationships" xmlns:p="http://schemas.openxmlformats.org/presentationml/2006/main">
   <p:cSld>
@@ -9649,7 +9814,7 @@
           <p:cNvPr id="2" name="Tijdelijke aanduiding voor inhoud 1">
             <a:extLst>
               <a:ext uri="{FF2B5EF4-FFF2-40B4-BE49-F238E27FC236}">
-                <a16:creationId xmlns:a16="http://schemas.microsoft.com/office/drawing/2014/main" id="{1D154430-BEF3-4E06-8F0F-0103FC5AE3D5}"/>
+                <a16:creationId xmlns:a16="http://schemas.microsoft.com/office/drawing/2014/main" id="{ECD9C7FC-FC06-4374-A1C7-C9C35F1BE892}"/>
               </a:ext>
             </a:extLst>
           </p:cNvPr>
@@ -9667,9 +9832,181 @@
           </a:bodyPr>
           <a:lstStyle/>
           <a:p>
-            <a:endParaRPr lang="nl-NL" dirty="0">
-              <a:cs typeface="Arial"/>
+            <a:r>
+              <a:rPr lang="nl-NL" dirty="0">
+                <a:latin typeface="Arial"/>
+                <a:cs typeface="Arial"/>
+              </a:rPr>
+              <a:t>Long fibers are more </a:t>
+            </a:r>
+            <a:r>
+              <a:rPr lang="nl-NL" dirty="0" err="1">
+                <a:latin typeface="Arial"/>
+                <a:cs typeface="Arial"/>
+              </a:rPr>
+              <a:t>toxic</a:t>
+            </a:r>
+            <a:r>
+              <a:rPr lang="nl-NL" dirty="0">
+                <a:latin typeface="Arial"/>
+                <a:cs typeface="Arial"/>
+              </a:rPr>
+              <a:t> </a:t>
+            </a:r>
+            <a:r>
+              <a:rPr lang="nl-NL" dirty="0" err="1">
+                <a:latin typeface="Arial"/>
+                <a:cs typeface="Arial"/>
+              </a:rPr>
+              <a:t>than</a:t>
+            </a:r>
+            <a:r>
+              <a:rPr lang="nl-NL" dirty="0">
+                <a:latin typeface="Arial"/>
+                <a:cs typeface="Arial"/>
+              </a:rPr>
+              <a:t> short </a:t>
+            </a:r>
+            <a:r>
+              <a:rPr lang="nl-NL" dirty="0" err="1">
+                <a:latin typeface="Arial"/>
+                <a:cs typeface="Arial"/>
+              </a:rPr>
+              <a:t>ones</a:t>
+            </a:r>
+            <a:endParaRPr lang="nl-NL" dirty="0" err="1">
+              <a:cs typeface="Arial" charset="0"/>
             </a:endParaRPr>
+          </a:p>
+          <a:p>
+            <a:r>
+              <a:rPr lang="nl-NL" dirty="0" err="1">
+                <a:latin typeface="Arial"/>
+                <a:cs typeface="Arial"/>
+              </a:rPr>
+              <a:t>Stay</a:t>
+            </a:r>
+            <a:r>
+              <a:rPr lang="nl-NL" dirty="0">
+                <a:latin typeface="Arial"/>
+                <a:cs typeface="Arial"/>
+              </a:rPr>
+              <a:t> </a:t>
+            </a:r>
+            <a:r>
+              <a:rPr lang="nl-NL" dirty="0" err="1">
+                <a:latin typeface="Arial"/>
+                <a:cs typeface="Arial"/>
+              </a:rPr>
+              <a:t>longer</a:t>
+            </a:r>
+            <a:r>
+              <a:rPr lang="nl-NL" dirty="0">
+                <a:latin typeface="Arial"/>
+                <a:cs typeface="Arial"/>
+              </a:rPr>
+              <a:t> in </a:t>
+            </a:r>
+            <a:r>
+              <a:rPr lang="nl-NL" dirty="0" err="1">
+                <a:latin typeface="Arial"/>
+                <a:cs typeface="Arial"/>
+              </a:rPr>
+              <a:t>the</a:t>
+            </a:r>
+            <a:r>
+              <a:rPr lang="nl-NL" dirty="0">
+                <a:latin typeface="Arial"/>
+                <a:cs typeface="Arial"/>
+              </a:rPr>
+              <a:t> body (81% </a:t>
+            </a:r>
+            <a:r>
+              <a:rPr lang="nl-NL" dirty="0" err="1">
+                <a:latin typeface="Arial"/>
+                <a:cs typeface="Arial"/>
+              </a:rPr>
+              <a:t>after</a:t>
+            </a:r>
+            <a:r>
+              <a:rPr lang="nl-NL" dirty="0">
+                <a:latin typeface="Arial"/>
+                <a:cs typeface="Arial"/>
+              </a:rPr>
+              <a:t> 60 </a:t>
+            </a:r>
+            <a:r>
+              <a:rPr lang="nl-NL" dirty="0" err="1">
+                <a:latin typeface="Arial"/>
+                <a:cs typeface="Arial"/>
+              </a:rPr>
+              <a:t>days</a:t>
+            </a:r>
+            <a:r>
+              <a:rPr lang="nl-NL" dirty="0">
+                <a:latin typeface="Arial"/>
+                <a:cs typeface="Arial"/>
+              </a:rPr>
+              <a:t>)</a:t>
+            </a:r>
+          </a:p>
+          <a:p>
+            <a:r>
+              <a:rPr lang="nl-NL" dirty="0">
+                <a:latin typeface="Arial"/>
+                <a:cs typeface="Arial"/>
+              </a:rPr>
+              <a:t>Carbon nanotubes </a:t>
+            </a:r>
+            <a:r>
+              <a:rPr lang="nl-NL" dirty="0" err="1">
+                <a:latin typeface="Arial"/>
+                <a:cs typeface="Arial"/>
+              </a:rPr>
+              <a:t>can</a:t>
+            </a:r>
+            <a:r>
+              <a:rPr lang="nl-NL" dirty="0">
+                <a:latin typeface="Arial"/>
+                <a:cs typeface="Arial"/>
+              </a:rPr>
+              <a:t> </a:t>
+            </a:r>
+            <a:r>
+              <a:rPr lang="nl-NL" dirty="0" err="1">
+                <a:latin typeface="Arial"/>
+                <a:cs typeface="Arial"/>
+              </a:rPr>
+              <a:t>be</a:t>
+            </a:r>
+            <a:r>
+              <a:rPr lang="nl-NL" dirty="0">
+                <a:latin typeface="Arial"/>
+                <a:cs typeface="Arial"/>
+              </a:rPr>
+              <a:t> </a:t>
+            </a:r>
+            <a:r>
+              <a:rPr lang="nl-NL" dirty="0" err="1">
+                <a:latin typeface="Arial"/>
+                <a:cs typeface="Arial"/>
+              </a:rPr>
+              <a:t>very</a:t>
+            </a:r>
+            <a:r>
+              <a:rPr lang="nl-NL" dirty="0">
+                <a:latin typeface="Arial"/>
+                <a:cs typeface="Arial"/>
+              </a:rPr>
+              <a:t> </a:t>
+            </a:r>
+            <a:r>
+              <a:rPr lang="nl-NL" dirty="0" err="1">
+                <a:latin typeface="Arial"/>
+                <a:cs typeface="Arial"/>
+              </a:rPr>
+              <a:t>toxic</a:t>
+            </a:r>
           </a:p>
         </p:txBody>
       </p:sp>
@@ -9678,7 +10015,7 @@
           <p:cNvPr id="3" name="Tijdelijke aanduiding voor voettekst 2">
             <a:extLst>
               <a:ext uri="{FF2B5EF4-FFF2-40B4-BE49-F238E27FC236}">
-                <a16:creationId xmlns:a16="http://schemas.microsoft.com/office/drawing/2014/main" id="{D675B85F-3EDA-4A13-B39F-123D17144CAB}"/>
+                <a16:creationId xmlns:a16="http://schemas.microsoft.com/office/drawing/2014/main" id="{3D0B3870-0B8D-4CA7-860A-9D56EB7AC438}"/>
               </a:ext>
             </a:extLst>
           </p:cNvPr>
@@ -9706,7 +10043,7 @@
           <p:cNvPr id="4" name="Tijdelijke aanduiding voor dianummer 3">
             <a:extLst>
               <a:ext uri="{FF2B5EF4-FFF2-40B4-BE49-F238E27FC236}">
-                <a16:creationId xmlns:a16="http://schemas.microsoft.com/office/drawing/2014/main" id="{A36FD602-DA2B-4444-9055-A8FA61CA3158}"/>
+                <a16:creationId xmlns:a16="http://schemas.microsoft.com/office/drawing/2014/main" id="{4950DF76-99D2-40CB-A88F-ECF57CE1760C}"/>
               </a:ext>
             </a:extLst>
           </p:cNvPr>
@@ -9735,7 +10072,7 @@
           <p:cNvPr id="5" name="Titel 4">
             <a:extLst>
               <a:ext uri="{FF2B5EF4-FFF2-40B4-BE49-F238E27FC236}">
-                <a16:creationId xmlns:a16="http://schemas.microsoft.com/office/drawing/2014/main" id="{5FC96F9B-0EAB-4D46-8ACB-5E9AB3D673FD}"/>
+                <a16:creationId xmlns:a16="http://schemas.microsoft.com/office/drawing/2014/main" id="{89B92165-5C9D-4BF0-92C6-267065DC29DC}"/>
               </a:ext>
             </a:extLst>
           </p:cNvPr>
@@ -9756,23 +10093,16 @@
                 <a:latin typeface="Arial"/>
                 <a:cs typeface="Arial"/>
               </a:rPr>
-              <a:t>Carbon nanotubes </a:t>
-            </a:r>
-            <a:r>
-              <a:rPr lang="nl-NL" dirty="0" err="1">
-                <a:latin typeface="Arial"/>
-                <a:cs typeface="Arial"/>
-              </a:rPr>
-              <a:t>toxicity</a:t>
-            </a:r>
-            <a:endParaRPr lang="nl-NL" dirty="0" err="1"/>
+              <a:t>Aspect ratio</a:t>
+            </a:r>
+            <a:endParaRPr lang="nl-NL" dirty="0"/>
           </a:p>
         </p:txBody>
       </p:sp>
     </p:spTree>
     <p:extLst>
       <p:ext uri="{BB962C8B-B14F-4D97-AF65-F5344CB8AC3E}">
-        <p14:creationId xmlns:p14="http://schemas.microsoft.com/office/powerpoint/2010/main" val="2378055094"/>
+        <p14:creationId xmlns:p14="http://schemas.microsoft.com/office/powerpoint/2010/main" val="4263617995"/>
       </p:ext>
     </p:extLst>
   </p:cSld>
@@ -9804,6 +10134,161 @@
           <p:cNvPr id="2" name="Tijdelijke aanduiding voor inhoud 1">
             <a:extLst>
               <a:ext uri="{FF2B5EF4-FFF2-40B4-BE49-F238E27FC236}">
+                <a16:creationId xmlns:a16="http://schemas.microsoft.com/office/drawing/2014/main" id="{1D154430-BEF3-4E06-8F0F-0103FC5AE3D5}"/>
+              </a:ext>
+            </a:extLst>
+          </p:cNvPr>
+          <p:cNvSpPr>
+            <a:spLocks noGrp="1"/>
+          </p:cNvSpPr>
+          <p:nvPr>
+            <p:ph idx="1"/>
+          </p:nvPr>
+        </p:nvSpPr>
+        <p:spPr/>
+        <p:txBody>
+          <a:bodyPr vert="horz" lIns="91440" tIns="45720" rIns="91440" bIns="45720" rtlCol="0" anchor="t">
+            <a:normAutofit/>
+          </a:bodyPr>
+          <a:lstStyle/>
+          <a:p>
+            <a:endParaRPr lang="nl-NL" dirty="0">
+              <a:cs typeface="Arial"/>
+            </a:endParaRPr>
+          </a:p>
+        </p:txBody>
+      </p:sp>
+      <p:sp>
+        <p:nvSpPr>
+          <p:cNvPr id="3" name="Tijdelijke aanduiding voor voettekst 2">
+            <a:extLst>
+              <a:ext uri="{FF2B5EF4-FFF2-40B4-BE49-F238E27FC236}">
+                <a16:creationId xmlns:a16="http://schemas.microsoft.com/office/drawing/2014/main" id="{D675B85F-3EDA-4A13-B39F-123D17144CAB}"/>
+              </a:ext>
+            </a:extLst>
+          </p:cNvPr>
+          <p:cNvSpPr>
+            <a:spLocks noGrp="1"/>
+          </p:cNvSpPr>
+          <p:nvPr>
+            <p:ph type="ftr" sz="quarter" idx="11"/>
+          </p:nvPr>
+        </p:nvSpPr>
+        <p:spPr/>
+        <p:txBody>
+          <a:bodyPr/>
+          <a:lstStyle/>
+          <a:p>
+            <a:r>
+              <a:rPr lang="nl-NL"/>
+              <a:t>Faculteit, departement, dienst …</a:t>
+            </a:r>
+          </a:p>
+        </p:txBody>
+      </p:sp>
+      <p:sp>
+        <p:nvSpPr>
+          <p:cNvPr id="4" name="Tijdelijke aanduiding voor dianummer 3">
+            <a:extLst>
+              <a:ext uri="{FF2B5EF4-FFF2-40B4-BE49-F238E27FC236}">
+                <a16:creationId xmlns:a16="http://schemas.microsoft.com/office/drawing/2014/main" id="{A36FD602-DA2B-4444-9055-A8FA61CA3158}"/>
+              </a:ext>
+            </a:extLst>
+          </p:cNvPr>
+          <p:cNvSpPr>
+            <a:spLocks noGrp="1"/>
+          </p:cNvSpPr>
+          <p:nvPr>
+            <p:ph type="sldNum" sz="quarter" idx="12"/>
+          </p:nvPr>
+        </p:nvSpPr>
+        <p:spPr/>
+        <p:txBody>
+          <a:bodyPr/>
+          <a:lstStyle/>
+          <a:p>
+            <a:fld id="{0A297500-7527-634B-90F4-69D0994C32B4}" type="slidenum">
+              <a:rPr lang="nl-NL" smtClean="0"/>
+              <a:t>18</a:t>
+            </a:fld>
+            <a:endParaRPr lang="nl-NL"/>
+          </a:p>
+        </p:txBody>
+      </p:sp>
+      <p:sp>
+        <p:nvSpPr>
+          <p:cNvPr id="5" name="Titel 4">
+            <a:extLst>
+              <a:ext uri="{FF2B5EF4-FFF2-40B4-BE49-F238E27FC236}">
+                <a16:creationId xmlns:a16="http://schemas.microsoft.com/office/drawing/2014/main" id="{5FC96F9B-0EAB-4D46-8ACB-5E9AB3D673FD}"/>
+              </a:ext>
+            </a:extLst>
+          </p:cNvPr>
+          <p:cNvSpPr>
+            <a:spLocks noGrp="1"/>
+          </p:cNvSpPr>
+          <p:nvPr>
+            <p:ph type="title"/>
+          </p:nvPr>
+        </p:nvSpPr>
+        <p:spPr/>
+        <p:txBody>
+          <a:bodyPr/>
+          <a:lstStyle/>
+          <a:p>
+            <a:r>
+              <a:rPr lang="nl-NL" dirty="0">
+                <a:latin typeface="Arial"/>
+                <a:cs typeface="Arial"/>
+              </a:rPr>
+              <a:t>Carbon nanotubes </a:t>
+            </a:r>
+            <a:r>
+              <a:rPr lang="nl-NL" dirty="0" err="1">
+                <a:latin typeface="Arial"/>
+                <a:cs typeface="Arial"/>
+              </a:rPr>
+              <a:t>toxicity</a:t>
+            </a:r>
+            <a:endParaRPr lang="nl-NL" dirty="0" err="1"/>
+          </a:p>
+        </p:txBody>
+      </p:sp>
+    </p:spTree>
+    <p:extLst>
+      <p:ext uri="{BB962C8B-B14F-4D97-AF65-F5344CB8AC3E}">
+        <p14:creationId xmlns:p14="http://schemas.microsoft.com/office/powerpoint/2010/main" val="2378055094"/>
+      </p:ext>
+    </p:extLst>
+  </p:cSld>
+  <p:clrMapOvr>
+    <a:masterClrMapping/>
+  </p:clrMapOvr>
+</p:sld>
+</file>
+
+<file path=ppt/slides/slide19.xml><?xml version="1.0" encoding="utf-8"?>
+<p:sld xmlns:a="http://schemas.openxmlformats.org/drawingml/2006/main" xmlns:r="http://schemas.openxmlformats.org/officeDocument/2006/relationships" xmlns:p="http://schemas.openxmlformats.org/presentationml/2006/main">
+  <p:cSld>
+    <p:spTree>
+      <p:nvGrpSpPr>
+        <p:cNvPr id="1" name=""/>
+        <p:cNvGrpSpPr/>
+        <p:nvPr/>
+      </p:nvGrpSpPr>
+      <p:grpSpPr>
+        <a:xfrm>
+          <a:off x="0" y="0"/>
+          <a:ext cx="0" cy="0"/>
+          <a:chOff x="0" y="0"/>
+          <a:chExt cx="0" cy="0"/>
+        </a:xfrm>
+      </p:grpSpPr>
+      <p:sp>
+        <p:nvSpPr>
+          <p:cNvPr id="2" name="Tijdelijke aanduiding voor inhoud 1">
+            <a:extLst>
+              <a:ext uri="{FF2B5EF4-FFF2-40B4-BE49-F238E27FC236}">
                 <a16:creationId xmlns:a16="http://schemas.microsoft.com/office/drawing/2014/main" id="{721A5729-C616-4F93-8B09-C92FF8EDF40A}"/>
               </a:ext>
             </a:extLst>
@@ -10188,7 +10673,7 @@
           <a:p>
             <a:fld id="{0A297500-7527-634B-90F4-69D0994C32B4}" type="slidenum">
               <a:rPr lang="nl-NL" smtClean="0"/>
-              <a:t>18</a:t>
+              <a:t>19</a:t>
             </a:fld>
             <a:endParaRPr lang="nl-NL"/>
           </a:p>

--- a/NanoparticleToxicity.pptx
+++ b/NanoparticleToxicity.pptx
@@ -6,10 +6,10 @@
     <p:sldMasterId id="2147483694" r:id="rId2"/>
   </p:sldMasterIdLst>
   <p:notesMasterIdLst>
-    <p:notesMasterId r:id="rId18"/>
+    <p:notesMasterId r:id="rId19"/>
   </p:notesMasterIdLst>
   <p:handoutMasterIdLst>
-    <p:handoutMasterId r:id="rId19"/>
+    <p:handoutMasterId r:id="rId20"/>
   </p:handoutMasterIdLst>
   <p:sldIdLst>
     <p:sldId id="270" r:id="rId3"/>
@@ -17,16 +17,17 @@
     <p:sldId id="264" r:id="rId5"/>
     <p:sldId id="272" r:id="rId6"/>
     <p:sldId id="273" r:id="rId7"/>
-    <p:sldId id="274" r:id="rId8"/>
-    <p:sldId id="275" r:id="rId9"/>
-    <p:sldId id="276" r:id="rId10"/>
-    <p:sldId id="277" r:id="rId11"/>
-    <p:sldId id="278" r:id="rId12"/>
-    <p:sldId id="279" r:id="rId13"/>
-    <p:sldId id="280" r:id="rId14"/>
-    <p:sldId id="281" r:id="rId15"/>
-    <p:sldId id="282" r:id="rId16"/>
-    <p:sldId id="283" r:id="rId17"/>
+    <p:sldId id="284" r:id="rId8"/>
+    <p:sldId id="274" r:id="rId9"/>
+    <p:sldId id="275" r:id="rId10"/>
+    <p:sldId id="276" r:id="rId11"/>
+    <p:sldId id="277" r:id="rId12"/>
+    <p:sldId id="278" r:id="rId13"/>
+    <p:sldId id="279" r:id="rId14"/>
+    <p:sldId id="280" r:id="rId15"/>
+    <p:sldId id="281" r:id="rId16"/>
+    <p:sldId id="282" r:id="rId17"/>
+    <p:sldId id="283" r:id="rId18"/>
   </p:sldIdLst>
   <p:sldSz cx="12192000" cy="6858000"/>
   <p:notesSz cx="6858000" cy="9144000"/>
@@ -218,7 +219,7 @@
           <a:p>
             <a:fld id="{8F591CCF-F6FD-734B-854A-5BC033593B1E}" type="datetimeFigureOut">
               <a:rPr lang="nl-NL" smtClean="0"/>
-              <a:t>26-4-2019</a:t>
+              <a:t>1-5-2019</a:t>
             </a:fld>
             <a:endParaRPr lang="nl-NL"/>
           </a:p>
@@ -383,7 +384,7 @@
           <a:p>
             <a:fld id="{23C66214-DB21-4647-B5DA-0D17CA592867}" type="datetimeFigureOut">
               <a:rPr lang="nl-NL" smtClean="0"/>
-              <a:t>26-4-2019</a:t>
+              <a:t>1-5-2019</a:t>
             </a:fld>
             <a:endParaRPr lang="nl-NL"/>
           </a:p>
@@ -976,7 +977,7 @@
     </p:spTree>
     <p:extLst>
       <p:ext uri="{BB962C8B-B14F-4D97-AF65-F5344CB8AC3E}">
-        <p14:creationId xmlns:p14="http://schemas.microsoft.com/office/powerpoint/2010/main" val="2975390113"/>
+        <p14:creationId xmlns:p14="http://schemas.microsoft.com/office/powerpoint/2010/main" val="2132356904"/>
       </p:ext>
     </p:extLst>
   </p:cSld>
@@ -1060,7 +1061,7 @@
     </p:spTree>
     <p:extLst>
       <p:ext uri="{BB962C8B-B14F-4D97-AF65-F5344CB8AC3E}">
-        <p14:creationId xmlns:p14="http://schemas.microsoft.com/office/powerpoint/2010/main" val="817098264"/>
+        <p14:creationId xmlns:p14="http://schemas.microsoft.com/office/powerpoint/2010/main" val="2975390113"/>
       </p:ext>
     </p:extLst>
   </p:cSld>
@@ -1114,12 +1115,6 @@
           <a:bodyPr/>
           <a:lstStyle/>
           <a:p>
-            <a:r>
-              <a:rPr lang="en-US" dirty="0"/>
-              <a:t>In vivo – in vitro – ex vivo</a:t>
-            </a:r>
-          </a:p>
-          <a:p>
             <a:endParaRPr lang="en-US" dirty="0"/>
           </a:p>
         </p:txBody>
@@ -1150,7 +1145,7 @@
     </p:spTree>
     <p:extLst>
       <p:ext uri="{BB962C8B-B14F-4D97-AF65-F5344CB8AC3E}">
-        <p14:creationId xmlns:p14="http://schemas.microsoft.com/office/powerpoint/2010/main" val="325310299"/>
+        <p14:creationId xmlns:p14="http://schemas.microsoft.com/office/powerpoint/2010/main" val="817098264"/>
       </p:ext>
     </p:extLst>
   </p:cSld>
@@ -1204,6 +1199,12 @@
           <a:bodyPr/>
           <a:lstStyle/>
           <a:p>
+            <a:r>
+              <a:rPr lang="en-US" dirty="0"/>
+              <a:t>In vivo – in vitro – ex vivo</a:t>
+            </a:r>
+          </a:p>
+          <a:p>
             <a:endParaRPr lang="en-US" dirty="0"/>
           </a:p>
         </p:txBody>
@@ -1225,7 +1226,91 @@
           <a:p>
             <a:fld id="{8954E32A-327F-AF4B-8E1F-209FBF93D26D}" type="slidenum">
               <a:rPr lang="nl-NL" smtClean="0"/>
-              <a:t>10</a:t>
+              <a:t>9</a:t>
+            </a:fld>
+            <a:endParaRPr lang="nl-NL"/>
+          </a:p>
+        </p:txBody>
+      </p:sp>
+    </p:spTree>
+    <p:extLst>
+      <p:ext uri="{BB962C8B-B14F-4D97-AF65-F5344CB8AC3E}">
+        <p14:creationId xmlns:p14="http://schemas.microsoft.com/office/powerpoint/2010/main" val="325310299"/>
+      </p:ext>
+    </p:extLst>
+  </p:cSld>
+  <p:clrMapOvr>
+    <a:masterClrMapping/>
+  </p:clrMapOvr>
+</p:notes>
+</file>
+
+<file path=ppt/notesSlides/notesSlide8.xml><?xml version="1.0" encoding="utf-8"?>
+<p:notes xmlns:a="http://schemas.openxmlformats.org/drawingml/2006/main" xmlns:r="http://schemas.openxmlformats.org/officeDocument/2006/relationships" xmlns:p="http://schemas.openxmlformats.org/presentationml/2006/main">
+  <p:cSld>
+    <p:spTree>
+      <p:nvGrpSpPr>
+        <p:cNvPr id="1" name=""/>
+        <p:cNvGrpSpPr/>
+        <p:nvPr/>
+      </p:nvGrpSpPr>
+      <p:grpSpPr>
+        <a:xfrm>
+          <a:off x="0" y="0"/>
+          <a:ext cx="0" cy="0"/>
+          <a:chOff x="0" y="0"/>
+          <a:chExt cx="0" cy="0"/>
+        </a:xfrm>
+      </p:grpSpPr>
+      <p:sp>
+        <p:nvSpPr>
+          <p:cNvPr id="2" name="Tijdelijke aanduiding voor dia-afbeelding 1"/>
+          <p:cNvSpPr>
+            <a:spLocks noGrp="1" noRot="1" noChangeAspect="1"/>
+          </p:cNvSpPr>
+          <p:nvPr>
+            <p:ph type="sldImg"/>
+          </p:nvPr>
+        </p:nvSpPr>
+        <p:spPr/>
+      </p:sp>
+      <p:sp>
+        <p:nvSpPr>
+          <p:cNvPr id="3" name="Tijdelijke aanduiding voor notities 2"/>
+          <p:cNvSpPr>
+            <a:spLocks noGrp="1"/>
+          </p:cNvSpPr>
+          <p:nvPr>
+            <p:ph type="body" idx="1"/>
+          </p:nvPr>
+        </p:nvSpPr>
+        <p:spPr/>
+        <p:txBody>
+          <a:bodyPr/>
+          <a:lstStyle/>
+          <a:p>
+            <a:endParaRPr lang="en-US" dirty="0"/>
+          </a:p>
+        </p:txBody>
+      </p:sp>
+      <p:sp>
+        <p:nvSpPr>
+          <p:cNvPr id="4" name="Tijdelijke aanduiding voor dianummer 3"/>
+          <p:cNvSpPr>
+            <a:spLocks noGrp="1"/>
+          </p:cNvSpPr>
+          <p:nvPr>
+            <p:ph type="sldNum" sz="quarter" idx="5"/>
+          </p:nvPr>
+        </p:nvSpPr>
+        <p:spPr/>
+        <p:txBody>
+          <a:bodyPr/>
+          <a:lstStyle/>
+          <a:p>
+            <a:fld id="{8954E32A-327F-AF4B-8E1F-209FBF93D26D}" type="slidenum">
+              <a:rPr lang="nl-NL" smtClean="0"/>
+              <a:t>11</a:t>
             </a:fld>
             <a:endParaRPr lang="nl-NL"/>
           </a:p>
@@ -1966,7 +2051,7 @@
           <a:p>
             <a:fld id="{01D02731-4577-4865-8098-D1E0465717A1}" type="datetime1">
               <a:rPr lang="en-GB" smtClean="0"/>
-              <a:t>26/04/2019</a:t>
+              <a:t>01/05/2019</a:t>
             </a:fld>
             <a:endParaRPr lang="nl-NL"/>
           </a:p>
@@ -2593,7 +2678,7 @@
           <a:p>
             <a:fld id="{EA3A7081-D270-4FBF-AE40-A52D674243CC}" type="datetime1">
               <a:rPr lang="nl-BE" smtClean="0"/>
-              <a:t>26/04/2019</a:t>
+              <a:t>1/05/2019</a:t>
             </a:fld>
             <a:endParaRPr lang="nl-NL"/>
           </a:p>
@@ -2876,7 +2961,7 @@
           <a:p>
             <a:fld id="{5C69415A-EEF6-439C-A913-189A8C067023}" type="datetime1">
               <a:rPr lang="nl-BE" smtClean="0"/>
-              <a:t>26/04/2019</a:t>
+              <a:t>1/05/2019</a:t>
             </a:fld>
             <a:endParaRPr lang="nl-NL"/>
           </a:p>
@@ -3206,7 +3291,7 @@
           <a:p>
             <a:fld id="{AA7DF125-8D2F-407C-A946-0B214A077F46}" type="datetime1">
               <a:rPr lang="nl-BE" smtClean="0"/>
-              <a:t>26/04/2019</a:t>
+              <a:t>1/05/2019</a:t>
             </a:fld>
             <a:endParaRPr lang="nl-NL"/>
           </a:p>
@@ -3525,7 +3610,7 @@
           <a:p>
             <a:fld id="{FE566779-A426-4C6E-B33F-12BA9B572EC4}" type="datetime1">
               <a:rPr lang="nl-BE" smtClean="0"/>
-              <a:t>26/04/2019</a:t>
+              <a:t>1/05/2019</a:t>
             </a:fld>
             <a:endParaRPr lang="nl-NL" dirty="0"/>
           </a:p>
@@ -3846,7 +3931,7 @@
           <a:p>
             <a:fld id="{E40DF61B-1080-4D20-8EAC-F5AC55182461}" type="datetime1">
               <a:rPr lang="nl-BE" smtClean="0"/>
-              <a:t>26/04/2019</a:t>
+              <a:t>1/05/2019</a:t>
             </a:fld>
             <a:endParaRPr lang="nl-NL" dirty="0"/>
           </a:p>
@@ -3988,7 +4073,7 @@
           <a:p>
             <a:fld id="{94A4F625-24B7-4F40-98BC-AFA043082CE9}" type="datetime1">
               <a:rPr lang="nl-BE" smtClean="0"/>
-              <a:t>26/04/2019</a:t>
+              <a:t>1/05/2019</a:t>
             </a:fld>
             <a:endParaRPr lang="nl-NL"/>
           </a:p>
@@ -4472,7 +4557,7 @@
           <a:p>
             <a:fld id="{292342B6-1303-46D4-9581-5E95FC0B22E4}" type="datetime1">
               <a:rPr lang="nl-BE" smtClean="0"/>
-              <a:t>26/04/2019</a:t>
+              <a:t>1/05/2019</a:t>
             </a:fld>
             <a:endParaRPr lang="nl-NL" dirty="0"/>
           </a:p>
@@ -4593,7 +4678,7 @@
           <a:p>
             <a:fld id="{A76F3976-FDFC-4D8C-ACD3-BCE6A597C36A}" type="datetime1">
               <a:rPr lang="nl-BE" smtClean="0"/>
-              <a:t>26/04/2019</a:t>
+              <a:t>1/05/2019</a:t>
             </a:fld>
             <a:endParaRPr lang="nl-NL"/>
           </a:p>
@@ -4714,7 +4799,7 @@
           <a:p>
             <a:fld id="{5ADFEA79-DE61-4EF0-8C65-B83CEE2687EB}" type="datetime1">
               <a:rPr lang="nl-BE" smtClean="0"/>
-              <a:t>26/04/2019</a:t>
+              <a:t>1/05/2019</a:t>
             </a:fld>
             <a:endParaRPr lang="nl-NL"/>
           </a:p>
@@ -4896,7 +4981,7 @@
           <a:p>
             <a:fld id="{FA2EC5B9-2DE2-43DC-AAE2-5679419BAC4A}" type="datetime1">
               <a:rPr lang="nl-BE" smtClean="0"/>
-              <a:t>26/04/2019</a:t>
+              <a:t>1/05/2019</a:t>
             </a:fld>
             <a:endParaRPr lang="nl-NL" dirty="0"/>
           </a:p>
@@ -5180,7 +5265,7 @@
           <a:p>
             <a:fld id="{BB46EC33-4D1A-4426-91DF-270C2E654CCE}" type="datetime1">
               <a:rPr lang="nl-BE" smtClean="0"/>
-              <a:t>26/04/2019</a:t>
+              <a:t>1/05/2019</a:t>
             </a:fld>
             <a:endParaRPr lang="nl-NL" dirty="0"/>
           </a:p>
@@ -5823,7 +5908,7 @@
           <a:p>
             <a:fld id="{48C250A7-EEA6-4BD5-AB95-D7BF57F3506B}" type="datetime1">
               <a:rPr lang="nl-BE" smtClean="0"/>
-              <a:t>26/04/2019</a:t>
+              <a:t>1/05/2019</a:t>
             </a:fld>
             <a:endParaRPr lang="nl-NL" dirty="0"/>
           </a:p>
@@ -6436,10 +6521,10 @@
       </p:grpSpPr>
       <p:sp>
         <p:nvSpPr>
-          <p:cNvPr id="7" name="Tijdelijke aanduiding voor dianummer 23">
+          <p:cNvPr id="2" name="Titel 1">
             <a:extLst>
               <a:ext uri="{FF2B5EF4-FFF2-40B4-BE49-F238E27FC236}">
-                <a16:creationId xmlns:a16="http://schemas.microsoft.com/office/drawing/2014/main" id="{E7BA9955-551E-4B72-9196-84FDFE87439B}"/>
+                <a16:creationId xmlns:a16="http://schemas.microsoft.com/office/drawing/2014/main" id="{069A9DF7-0F9D-4549-B4E3-66F98F66FF7B}"/>
               </a:ext>
             </a:extLst>
           </p:cNvPr>
@@ -6447,45 +6532,52 @@
             <a:spLocks noGrp="1"/>
           </p:cNvSpPr>
           <p:nvPr>
-            <p:ph type="sldNum" sz="quarter" idx="12"/>
-          </p:nvPr>
-        </p:nvSpPr>
-        <p:spPr>
-          <a:xfrm>
-            <a:off x="11544000" y="-126730"/>
-            <a:ext cx="648000" cy="648000"/>
-          </a:xfrm>
-        </p:spPr>
+            <p:ph type="title"/>
+          </p:nvPr>
+        </p:nvSpPr>
+        <p:spPr/>
         <p:txBody>
           <a:bodyPr/>
           <a:lstStyle/>
           <a:p>
-            <a:fld id="{CF179DAE-D0A6-40C3-B8BC-6A97C268D03A}" type="slidenum">
-              <a:rPr lang="nl-NL" sz="1200" smtClean="0">
-                <a:solidFill>
-                  <a:srgbClr val="1D8DB0"/>
-                </a:solidFill>
-              </a:rPr>
-              <a:pPr/>
-              <a:t>10</a:t>
-            </a:fld>
-            <a:r>
-              <a:rPr lang="nl-NL" sz="1200" dirty="0">
-                <a:solidFill>
-                  <a:srgbClr val="1D8DB0"/>
-                </a:solidFill>
-              </a:rPr>
-              <a:t>/31</a:t>
-            </a:r>
-          </a:p>
-        </p:txBody>
-      </p:sp>
-      <p:sp>
-        <p:nvSpPr>
-          <p:cNvPr id="9" name="Titel 4">
+            <a:r>
+              <a:rPr lang="nl-NL" dirty="0">
+                <a:latin typeface="Arial"/>
+                <a:cs typeface="Arial"/>
+              </a:rPr>
+              <a:t>Parameters </a:t>
+            </a:r>
+            <a:r>
+              <a:rPr lang="nl-NL" dirty="0" err="1">
+                <a:latin typeface="Arial"/>
+                <a:cs typeface="Arial"/>
+              </a:rPr>
+              <a:t>influcencing</a:t>
+            </a:r>
+            <a:r>
+              <a:rPr lang="nl-NL" dirty="0">
+                <a:latin typeface="Arial"/>
+                <a:cs typeface="Arial"/>
+              </a:rPr>
+              <a:t> </a:t>
+            </a:r>
+            <a:r>
+              <a:rPr lang="nl-NL" dirty="0" err="1">
+                <a:latin typeface="Arial"/>
+                <a:cs typeface="Arial"/>
+              </a:rPr>
+              <a:t>toxicity</a:t>
+            </a:r>
+            <a:endParaRPr lang="nl-NL" dirty="0" err="1"/>
+          </a:p>
+        </p:txBody>
+      </p:sp>
+      <p:sp>
+        <p:nvSpPr>
+          <p:cNvPr id="3" name="Tijdelijke aanduiding voor tekst 2">
             <a:extLst>
               <a:ext uri="{FF2B5EF4-FFF2-40B4-BE49-F238E27FC236}">
-                <a16:creationId xmlns:a16="http://schemas.microsoft.com/office/drawing/2014/main" id="{32C054A8-9043-41C9-BA29-6C11E3B87A6D}"/>
+                <a16:creationId xmlns:a16="http://schemas.microsoft.com/office/drawing/2014/main" id="{0765C0FE-D1DD-43F6-A1E8-FF2D7256F7B0}"/>
               </a:ext>
             </a:extLst>
           </p:cNvPr>
@@ -6493,52 +6585,24 @@
             <a:spLocks noGrp="1"/>
           </p:cNvSpPr>
           <p:nvPr>
-            <p:ph type="title"/>
-          </p:nvPr>
-        </p:nvSpPr>
-        <p:spPr>
-          <a:xfrm>
-            <a:off x="576263" y="336550"/>
-            <a:ext cx="11041062" cy="1152525"/>
-          </a:xfrm>
-        </p:spPr>
+            <p:ph type="body" idx="1"/>
+          </p:nvPr>
+        </p:nvSpPr>
+        <p:spPr/>
         <p:txBody>
           <a:bodyPr/>
           <a:lstStyle/>
           <a:p>
-            <a:r>
-              <a:rPr lang="nl-BE" dirty="0" err="1">
-                <a:latin typeface="Arial"/>
-                <a:cs typeface="Arial"/>
-              </a:rPr>
-              <a:t>Dose</a:t>
-            </a:r>
-            <a:r>
-              <a:rPr lang="nl-BE" dirty="0">
-                <a:latin typeface="Arial"/>
-                <a:cs typeface="Arial"/>
-              </a:rPr>
-              <a:t> </a:t>
-            </a:r>
-            <a:r>
-              <a:rPr lang="nl-BE" dirty="0" err="1">
-                <a:latin typeface="Arial"/>
-                <a:cs typeface="Arial"/>
-              </a:rPr>
-              <a:t>dependence</a:t>
-            </a:r>
-            <a:endParaRPr lang="nl-BE" dirty="0" err="1">
-              <a:cs typeface="Arial"/>
-            </a:endParaRPr>
-          </a:p>
-        </p:txBody>
-      </p:sp>
-      <p:sp>
-        <p:nvSpPr>
-          <p:cNvPr id="8" name="Tijdelijke aanduiding voor inhoud 1">
+            <a:endParaRPr lang="nl-NL"/>
+          </a:p>
+        </p:txBody>
+      </p:sp>
+      <p:sp>
+        <p:nvSpPr>
+          <p:cNvPr id="4" name="Tijdelijke aanduiding voor voettekst 3">
             <a:extLst>
               <a:ext uri="{FF2B5EF4-FFF2-40B4-BE49-F238E27FC236}">
-                <a16:creationId xmlns:a16="http://schemas.microsoft.com/office/drawing/2014/main" id="{FD48FE27-13D3-407C-9CF5-D7CAC1400D54}"/>
+                <a16:creationId xmlns:a16="http://schemas.microsoft.com/office/drawing/2014/main" id="{E63340FA-5B57-4924-A4D1-10B8E5D14A4C}"/>
               </a:ext>
             </a:extLst>
           </p:cNvPr>
@@ -6546,530 +6610,90 @@
             <a:spLocks noGrp="1"/>
           </p:cNvSpPr>
           <p:nvPr>
-            <p:ph idx="1"/>
-          </p:nvPr>
-        </p:nvSpPr>
-        <p:spPr>
-          <a:xfrm>
-            <a:off x="576000" y="1656000"/>
-            <a:ext cx="11041200" cy="4043464"/>
-          </a:xfrm>
-        </p:spPr>
-        <p:txBody>
-          <a:bodyPr vert="horz" lIns="91440" tIns="45720" rIns="91440" bIns="45720" rtlCol="0" anchor="t">
-            <a:normAutofit/>
-          </a:bodyPr>
-          <a:lstStyle/>
-          <a:p>
-            <a:r>
-              <a:rPr lang="nl-BE" sz="2000" dirty="0" err="1">
-                <a:latin typeface="Arial"/>
-                <a:cs typeface="Arial"/>
-              </a:rPr>
-              <a:t>Not</a:t>
-            </a:r>
-            <a:r>
-              <a:rPr lang="nl-BE" sz="2000" dirty="0">
-                <a:latin typeface="Arial"/>
-                <a:cs typeface="Arial"/>
-              </a:rPr>
-              <a:t> </a:t>
-            </a:r>
-            <a:r>
-              <a:rPr lang="nl-BE" sz="2000" dirty="0" err="1">
-                <a:latin typeface="Arial"/>
-                <a:cs typeface="Arial"/>
-              </a:rPr>
-              <a:t>dependent</a:t>
-            </a:r>
-            <a:r>
-              <a:rPr lang="nl-BE" sz="2000" dirty="0">
-                <a:latin typeface="Arial"/>
-                <a:cs typeface="Arial"/>
-              </a:rPr>
-              <a:t> on </a:t>
-            </a:r>
-            <a:r>
-              <a:rPr lang="nl-BE" sz="2000" dirty="0" err="1">
-                <a:latin typeface="Arial"/>
-                <a:cs typeface="Arial"/>
-              </a:rPr>
-              <a:t>mass</a:t>
-            </a:r>
-            <a:r>
-              <a:rPr lang="nl-BE" sz="2000" dirty="0">
-                <a:latin typeface="Arial"/>
-                <a:cs typeface="Arial"/>
-              </a:rPr>
-              <a:t> </a:t>
-            </a:r>
-            <a:r>
-              <a:rPr lang="nl-BE" sz="2000" dirty="0" err="1">
-                <a:latin typeface="Arial"/>
-                <a:cs typeface="Arial"/>
-              </a:rPr>
-              <a:t>dose</a:t>
-            </a:r>
-            <a:endParaRPr lang="nl-BE" sz="2000" dirty="0" err="1">
-              <a:cs typeface="Arial"/>
-            </a:endParaRPr>
-          </a:p>
-          <a:p>
-            <a:r>
-              <a:rPr lang="nl-BE" sz="2000" dirty="0">
-                <a:latin typeface="Arial"/>
-                <a:cs typeface="Arial"/>
-              </a:rPr>
-              <a:t>Surface is </a:t>
-            </a:r>
-            <a:r>
-              <a:rPr lang="nl-BE" sz="2000" dirty="0" err="1">
-                <a:latin typeface="Arial"/>
-                <a:cs typeface="Arial"/>
-              </a:rPr>
-              <a:t>reactive</a:t>
-            </a:r>
-            <a:r>
-              <a:rPr lang="nl-BE" sz="2000" dirty="0">
-                <a:latin typeface="Arial"/>
-                <a:cs typeface="Arial"/>
-              </a:rPr>
-              <a:t>, </a:t>
-            </a:r>
-            <a:r>
-              <a:rPr lang="nl-BE" sz="2000" dirty="0" err="1">
-                <a:latin typeface="Arial"/>
-                <a:cs typeface="Arial"/>
-              </a:rPr>
-              <a:t>so</a:t>
-            </a:r>
-            <a:r>
-              <a:rPr lang="nl-BE" sz="2000" dirty="0">
-                <a:latin typeface="Arial"/>
-                <a:cs typeface="Arial"/>
-              </a:rPr>
-              <a:t> small </a:t>
-            </a:r>
-            <a:r>
-              <a:rPr lang="nl-BE" sz="2000" dirty="0" err="1">
-                <a:latin typeface="Arial"/>
-                <a:cs typeface="Arial"/>
-              </a:rPr>
-              <a:t>particles</a:t>
-            </a:r>
-            <a:r>
-              <a:rPr lang="nl-BE" sz="2000" dirty="0">
-                <a:latin typeface="Arial"/>
-                <a:cs typeface="Arial"/>
-              </a:rPr>
-              <a:t> at a low </a:t>
-            </a:r>
-            <a:r>
-              <a:rPr lang="nl-BE" sz="2000" dirty="0" err="1">
-                <a:latin typeface="Arial"/>
-                <a:cs typeface="Arial"/>
-              </a:rPr>
-              <a:t>mass</a:t>
-            </a:r>
-            <a:r>
-              <a:rPr lang="nl-BE" sz="2000" dirty="0">
-                <a:latin typeface="Arial"/>
-                <a:cs typeface="Arial"/>
-              </a:rPr>
-              <a:t> </a:t>
-            </a:r>
-            <a:r>
-              <a:rPr lang="nl-BE" sz="2000" dirty="0" err="1">
-                <a:latin typeface="Arial"/>
-                <a:cs typeface="Arial"/>
-              </a:rPr>
-              <a:t>dose</a:t>
-            </a:r>
-            <a:r>
-              <a:rPr lang="nl-BE" sz="2000" dirty="0">
-                <a:latin typeface="Arial"/>
-                <a:cs typeface="Arial"/>
-              </a:rPr>
-              <a:t> </a:t>
-            </a:r>
-            <a:r>
-              <a:rPr lang="nl-BE" sz="2000" dirty="0" err="1">
-                <a:latin typeface="Arial"/>
-                <a:cs typeface="Arial"/>
-              </a:rPr>
-              <a:t>can</a:t>
-            </a:r>
-            <a:r>
-              <a:rPr lang="nl-BE" sz="2000" dirty="0">
-                <a:latin typeface="Arial"/>
-                <a:cs typeface="Arial"/>
-              </a:rPr>
-              <a:t> </a:t>
-            </a:r>
-            <a:r>
-              <a:rPr lang="nl-BE" sz="2000" dirty="0" err="1">
-                <a:latin typeface="Arial"/>
-                <a:cs typeface="Arial"/>
-              </a:rPr>
-              <a:t>be</a:t>
-            </a:r>
-            <a:r>
-              <a:rPr lang="nl-BE" sz="2000" dirty="0">
-                <a:latin typeface="Arial"/>
-                <a:cs typeface="Arial"/>
-              </a:rPr>
-              <a:t> as </a:t>
-            </a:r>
-            <a:r>
-              <a:rPr lang="nl-BE" sz="2000" dirty="0" err="1">
-                <a:latin typeface="Arial"/>
-                <a:cs typeface="Arial"/>
-              </a:rPr>
-              <a:t>toxic</a:t>
-            </a:r>
-            <a:r>
-              <a:rPr lang="nl-BE" sz="2000" dirty="0">
-                <a:latin typeface="Arial"/>
-                <a:cs typeface="Arial"/>
-              </a:rPr>
-              <a:t> al </a:t>
-            </a:r>
-            <a:r>
-              <a:rPr lang="nl-BE" sz="2000" dirty="0" err="1">
-                <a:latin typeface="Arial"/>
-                <a:cs typeface="Arial"/>
-              </a:rPr>
-              <a:t>larger</a:t>
-            </a:r>
-            <a:r>
-              <a:rPr lang="nl-BE" sz="2000" dirty="0">
-                <a:latin typeface="Arial"/>
-                <a:cs typeface="Arial"/>
-              </a:rPr>
-              <a:t> </a:t>
-            </a:r>
-            <a:r>
-              <a:rPr lang="nl-BE" sz="2000" dirty="0" err="1">
-                <a:latin typeface="Arial"/>
-                <a:cs typeface="Arial"/>
-              </a:rPr>
-              <a:t>particles</a:t>
-            </a:r>
-            <a:r>
-              <a:rPr lang="nl-BE" sz="2000" dirty="0">
-                <a:latin typeface="Arial"/>
-                <a:cs typeface="Arial"/>
-              </a:rPr>
-              <a:t> </a:t>
-            </a:r>
-            <a:r>
-              <a:rPr lang="nl-BE" sz="2000" dirty="0" err="1">
-                <a:latin typeface="Arial"/>
-                <a:cs typeface="Arial"/>
-              </a:rPr>
-              <a:t>with</a:t>
-            </a:r>
-            <a:r>
-              <a:rPr lang="nl-BE" sz="2000" dirty="0">
-                <a:latin typeface="Arial"/>
-                <a:cs typeface="Arial"/>
-              </a:rPr>
-              <a:t> a </a:t>
-            </a:r>
-            <a:r>
-              <a:rPr lang="nl-BE" sz="2000" dirty="0" err="1">
-                <a:latin typeface="Arial"/>
-                <a:cs typeface="Arial"/>
-              </a:rPr>
-              <a:t>higer</a:t>
-            </a:r>
-            <a:r>
-              <a:rPr lang="nl-BE" sz="2000" dirty="0">
-                <a:latin typeface="Arial"/>
-                <a:cs typeface="Arial"/>
-              </a:rPr>
-              <a:t> </a:t>
-            </a:r>
-            <a:r>
-              <a:rPr lang="nl-BE" sz="2000" dirty="0" err="1">
-                <a:latin typeface="Arial"/>
-                <a:cs typeface="Arial"/>
-              </a:rPr>
-              <a:t>mass</a:t>
-            </a:r>
-            <a:r>
-              <a:rPr lang="nl-BE" sz="2000" dirty="0">
-                <a:latin typeface="Arial"/>
-                <a:cs typeface="Arial"/>
-              </a:rPr>
-              <a:t> </a:t>
-            </a:r>
-            <a:r>
-              <a:rPr lang="nl-BE" sz="2000" dirty="0" err="1">
-                <a:latin typeface="Arial"/>
-                <a:cs typeface="Arial"/>
-              </a:rPr>
-              <a:t>dose</a:t>
-            </a:r>
-          </a:p>
-          <a:p>
-            <a:r>
-              <a:rPr lang="nl-BE" sz="2000" dirty="0">
-                <a:latin typeface="Arial"/>
-                <a:cs typeface="Arial"/>
-              </a:rPr>
-              <a:t>Surface </a:t>
-            </a:r>
-            <a:r>
-              <a:rPr lang="nl-BE" sz="2000" dirty="0" err="1">
-                <a:latin typeface="Arial"/>
-                <a:cs typeface="Arial"/>
-              </a:rPr>
-              <a:t>dose</a:t>
-            </a:r>
-            <a:r>
-              <a:rPr lang="nl-BE" sz="2000" dirty="0">
-                <a:latin typeface="Arial"/>
-                <a:cs typeface="Arial"/>
-              </a:rPr>
-              <a:t> is </a:t>
-            </a:r>
-            <a:r>
-              <a:rPr lang="nl-BE" sz="2000" dirty="0" err="1">
-                <a:latin typeface="Arial"/>
-                <a:cs typeface="Arial"/>
-              </a:rPr>
-              <a:t>what</a:t>
-            </a:r>
-            <a:r>
-              <a:rPr lang="nl-BE" sz="2000" dirty="0">
-                <a:latin typeface="Arial"/>
-                <a:cs typeface="Arial"/>
-              </a:rPr>
-              <a:t> </a:t>
-            </a:r>
-            <a:r>
-              <a:rPr lang="nl-BE" sz="2000" dirty="0" err="1">
-                <a:latin typeface="Arial"/>
-                <a:cs typeface="Arial"/>
-              </a:rPr>
-              <a:t>makes</a:t>
-            </a:r>
-            <a:r>
-              <a:rPr lang="nl-BE" sz="2000" dirty="0">
-                <a:latin typeface="Arial"/>
-                <a:cs typeface="Arial"/>
-              </a:rPr>
-              <a:t> </a:t>
-            </a:r>
-            <a:r>
-              <a:rPr lang="nl-BE" sz="2000" dirty="0" err="1">
-                <a:latin typeface="Arial"/>
-                <a:cs typeface="Arial"/>
-              </a:rPr>
-              <a:t>influences</a:t>
-            </a:r>
-            <a:r>
-              <a:rPr lang="nl-BE" sz="2000" dirty="0">
-                <a:latin typeface="Arial"/>
-                <a:cs typeface="Arial"/>
-              </a:rPr>
-              <a:t> </a:t>
-            </a:r>
-            <a:r>
-              <a:rPr lang="nl-BE" sz="2000" dirty="0" err="1">
-                <a:latin typeface="Arial"/>
-                <a:cs typeface="Arial"/>
-              </a:rPr>
-              <a:t>the</a:t>
-            </a:r>
-            <a:r>
-              <a:rPr lang="nl-BE" sz="2000" dirty="0">
-                <a:latin typeface="Arial"/>
-                <a:cs typeface="Arial"/>
-              </a:rPr>
-              <a:t> </a:t>
-            </a:r>
-            <a:r>
-              <a:rPr lang="nl-BE" sz="2000" dirty="0" err="1">
-                <a:latin typeface="Arial"/>
-                <a:cs typeface="Arial"/>
-              </a:rPr>
-              <a:t>toxicity</a:t>
-            </a:r>
-          </a:p>
-        </p:txBody>
-      </p:sp>
-      <p:sp>
-        <p:nvSpPr>
-          <p:cNvPr id="10" name="Tekstvak 9">
+            <p:ph type="ftr" sz="quarter" idx="11"/>
+          </p:nvPr>
+        </p:nvSpPr>
+        <p:spPr/>
+        <p:txBody>
+          <a:bodyPr/>
+          <a:lstStyle/>
+          <a:p>
+            <a:r>
+              <a:rPr lang="nl-NL"/>
+              <a:t>Faculteit, departement, dienst …</a:t>
+            </a:r>
+          </a:p>
+        </p:txBody>
+      </p:sp>
+      <p:sp>
+        <p:nvSpPr>
+          <p:cNvPr id="5" name="Tijdelijke aanduiding voor dianummer 4">
             <a:extLst>
               <a:ext uri="{FF2B5EF4-FFF2-40B4-BE49-F238E27FC236}">
-                <a16:creationId xmlns:a16="http://schemas.microsoft.com/office/drawing/2014/main" id="{F9AF6A87-507F-4E2E-8A2A-840080D13776}"/>
+                <a16:creationId xmlns:a16="http://schemas.microsoft.com/office/drawing/2014/main" id="{74B25947-9FBD-4735-9AE1-ED393740821F}"/>
               </a:ext>
             </a:extLst>
           </p:cNvPr>
-          <p:cNvSpPr txBox="1"/>
-          <p:nvPr/>
-        </p:nvSpPr>
-        <p:spPr>
-          <a:xfrm>
-            <a:off x="159798" y="58771"/>
-            <a:ext cx="5832629" cy="276999"/>
-          </a:xfrm>
-          <a:prstGeom prst="rect">
-            <a:avLst/>
-          </a:prstGeom>
-          <a:noFill/>
-        </p:spPr>
-        <p:txBody>
-          <a:bodyPr wrap="square" rtlCol="0">
-            <a:spAutoFit/>
-          </a:bodyPr>
-          <a:lstStyle/>
-          <a:p>
-            <a:r>
-              <a:rPr lang="nl-BE" sz="1200" dirty="0">
-                <a:solidFill>
-                  <a:srgbClr val="1D8DB0"/>
-                </a:solidFill>
-              </a:rPr>
-              <a:t>J. </a:t>
-            </a:r>
-            <a:r>
-              <a:rPr lang="nl-BE" sz="1200" dirty="0" err="1">
-                <a:solidFill>
-                  <a:srgbClr val="1D8DB0"/>
-                </a:solidFill>
-              </a:rPr>
-              <a:t>Neirynck</a:t>
-            </a:r>
-            <a:r>
-              <a:rPr lang="nl-BE" sz="1200" dirty="0">
-                <a:solidFill>
-                  <a:srgbClr val="1D8DB0"/>
-                </a:solidFill>
-              </a:rPr>
-              <a:t>, F. Van </a:t>
-            </a:r>
-            <a:r>
-              <a:rPr lang="nl-BE" sz="1200" dirty="0" err="1">
-                <a:solidFill>
-                  <a:srgbClr val="1D8DB0"/>
-                </a:solidFill>
-              </a:rPr>
-              <a:t>Eecke</a:t>
-            </a:r>
-            <a:r>
-              <a:rPr lang="nl-BE" sz="1200" dirty="0">
-                <a:solidFill>
-                  <a:srgbClr val="1D8DB0"/>
-                </a:solidFill>
-              </a:rPr>
-              <a:t> &amp; R. Vrielynck</a:t>
-            </a:r>
-          </a:p>
-        </p:txBody>
-      </p:sp>
-      <p:sp>
-        <p:nvSpPr>
-          <p:cNvPr id="11" name="Tekstvak 10">
+          <p:cNvSpPr>
+            <a:spLocks noGrp="1"/>
+          </p:cNvSpPr>
+          <p:nvPr>
+            <p:ph type="sldNum" sz="quarter" idx="12"/>
+          </p:nvPr>
+        </p:nvSpPr>
+        <p:spPr/>
+        <p:txBody>
+          <a:bodyPr/>
+          <a:lstStyle/>
+          <a:p>
+            <a:fld id="{0A297500-7527-634B-90F4-69D0994C32B4}" type="slidenum">
+              <a:rPr lang="nl-NL" smtClean="0"/>
+              <a:t>10</a:t>
+            </a:fld>
+            <a:endParaRPr lang="nl-NL"/>
+          </a:p>
+        </p:txBody>
+      </p:sp>
+      <p:sp>
+        <p:nvSpPr>
+          <p:cNvPr id="6" name="Tijdelijke aanduiding voor afbeelding 5">
             <a:extLst>
               <a:ext uri="{FF2B5EF4-FFF2-40B4-BE49-F238E27FC236}">
-                <a16:creationId xmlns:a16="http://schemas.microsoft.com/office/drawing/2014/main" id="{02C83A39-3DA1-4516-B834-3C3D5F8552F0}"/>
+                <a16:creationId xmlns:a16="http://schemas.microsoft.com/office/drawing/2014/main" id="{5275FCF6-597C-42C7-8DFD-B54FDE863E6B}"/>
               </a:ext>
             </a:extLst>
           </p:cNvPr>
-          <p:cNvSpPr txBox="1"/>
-          <p:nvPr/>
-        </p:nvSpPr>
-        <p:spPr>
-          <a:xfrm>
-            <a:off x="576000" y="6356412"/>
-            <a:ext cx="10351364" cy="315471"/>
-          </a:xfrm>
-          <a:prstGeom prst="rect">
-            <a:avLst/>
-          </a:prstGeom>
-          <a:noFill/>
-        </p:spPr>
-        <p:txBody>
-          <a:bodyPr wrap="square" rtlCol="0">
-            <a:spAutoFit/>
-          </a:bodyPr>
-          <a:lstStyle/>
-          <a:p>
-            <a:r>
-              <a:rPr lang="nl-BE" sz="1450" dirty="0" err="1">
-                <a:solidFill>
-                  <a:schemeClr val="bg1"/>
-                </a:solidFill>
-              </a:rPr>
-              <a:t>Introduction</a:t>
-            </a:r>
-            <a:r>
-              <a:rPr lang="nl-BE" sz="1450" dirty="0">
-                <a:solidFill>
-                  <a:schemeClr val="bg1"/>
-                </a:solidFill>
-              </a:rPr>
-              <a:t>	</a:t>
-            </a:r>
-            <a:r>
-              <a:rPr lang="nl-BE" sz="1450" b="1" dirty="0">
-                <a:solidFill>
-                  <a:schemeClr val="bg1"/>
-                </a:solidFill>
-              </a:rPr>
-              <a:t>	Framework</a:t>
-            </a:r>
-            <a:r>
-              <a:rPr lang="nl-BE" sz="1450" dirty="0">
-                <a:solidFill>
-                  <a:schemeClr val="bg1"/>
-                </a:solidFill>
-              </a:rPr>
-              <a:t>		</a:t>
-            </a:r>
-            <a:r>
-              <a:rPr lang="nl-BE" sz="1450" dirty="0" err="1">
-                <a:solidFill>
-                  <a:schemeClr val="bg1"/>
-                </a:solidFill>
-              </a:rPr>
-              <a:t>Techniques</a:t>
-            </a:r>
-            <a:r>
-              <a:rPr lang="nl-BE" sz="1450" dirty="0">
-                <a:solidFill>
-                  <a:schemeClr val="bg1"/>
-                </a:solidFill>
-              </a:rPr>
-              <a:t> &amp; </a:t>
-            </a:r>
-            <a:r>
-              <a:rPr lang="nl-BE" sz="1450" dirty="0" err="1">
-                <a:solidFill>
-                  <a:schemeClr val="bg1"/>
-                </a:solidFill>
-              </a:rPr>
-              <a:t>Results</a:t>
-            </a:r>
-            <a:r>
-              <a:rPr lang="nl-BE" sz="1450" dirty="0">
-                <a:solidFill>
-                  <a:schemeClr val="bg1"/>
-                </a:solidFill>
-              </a:rPr>
-              <a:t>			Summary</a:t>
-            </a:r>
-          </a:p>
-        </p:txBody>
+          <p:cNvSpPr>
+            <a:spLocks noGrp="1"/>
+          </p:cNvSpPr>
+          <p:nvPr>
+            <p:ph type="pic" sz="quarter" idx="13"/>
+          </p:nvPr>
+        </p:nvSpPr>
+        <p:spPr/>
+      </p:sp>
+      <p:sp>
+        <p:nvSpPr>
+          <p:cNvPr id="7" name="Tijdelijke aanduiding voor afbeelding 6">
+            <a:extLst>
+              <a:ext uri="{FF2B5EF4-FFF2-40B4-BE49-F238E27FC236}">
+                <a16:creationId xmlns:a16="http://schemas.microsoft.com/office/drawing/2014/main" id="{8EE963F9-2796-4544-B389-0EF584315BE6}"/>
+              </a:ext>
+            </a:extLst>
+          </p:cNvPr>
+          <p:cNvSpPr>
+            <a:spLocks noGrp="1"/>
+          </p:cNvSpPr>
+          <p:nvPr>
+            <p:ph type="pic" sz="quarter" idx="14"/>
+          </p:nvPr>
+        </p:nvSpPr>
+        <p:spPr/>
       </p:sp>
     </p:spTree>
     <p:extLst>
       <p:ext uri="{BB962C8B-B14F-4D97-AF65-F5344CB8AC3E}">
-        <p14:creationId xmlns:p14="http://schemas.microsoft.com/office/powerpoint/2010/main" val="4204038074"/>
+        <p14:creationId xmlns:p14="http://schemas.microsoft.com/office/powerpoint/2010/main" val="1103729882"/>
       </p:ext>
     </p:extLst>
   </p:cSld>
@@ -7098,10 +6722,10 @@
       </p:grpSpPr>
       <p:sp>
         <p:nvSpPr>
-          <p:cNvPr id="2" name="Tijdelijke aanduiding voor inhoud 1">
+          <p:cNvPr id="7" name="Tijdelijke aanduiding voor dianummer 23">
             <a:extLst>
               <a:ext uri="{FF2B5EF4-FFF2-40B4-BE49-F238E27FC236}">
-                <a16:creationId xmlns:a16="http://schemas.microsoft.com/office/drawing/2014/main" id="{DA23FDA8-8B91-4851-BFB1-DD9B789576B1}"/>
+                <a16:creationId xmlns:a16="http://schemas.microsoft.com/office/drawing/2014/main" id="{E7BA9955-551E-4B72-9196-84FDFE87439B}"/>
               </a:ext>
             </a:extLst>
           </p:cNvPr>
@@ -7109,10 +6733,114 @@
             <a:spLocks noGrp="1"/>
           </p:cNvSpPr>
           <p:nvPr>
+            <p:ph type="sldNum" sz="quarter" idx="12"/>
+          </p:nvPr>
+        </p:nvSpPr>
+        <p:spPr>
+          <a:xfrm>
+            <a:off x="11544000" y="-126730"/>
+            <a:ext cx="648000" cy="648000"/>
+          </a:xfrm>
+        </p:spPr>
+        <p:txBody>
+          <a:bodyPr/>
+          <a:lstStyle/>
+          <a:p>
+            <a:fld id="{CF179DAE-D0A6-40C3-B8BC-6A97C268D03A}" type="slidenum">
+              <a:rPr lang="nl-NL" sz="1200" smtClean="0">
+                <a:solidFill>
+                  <a:srgbClr val="1D8DB0"/>
+                </a:solidFill>
+              </a:rPr>
+              <a:pPr/>
+              <a:t>11</a:t>
+            </a:fld>
+            <a:r>
+              <a:rPr lang="nl-NL" sz="1200" dirty="0">
+                <a:solidFill>
+                  <a:srgbClr val="1D8DB0"/>
+                </a:solidFill>
+              </a:rPr>
+              <a:t>/31</a:t>
+            </a:r>
+          </a:p>
+        </p:txBody>
+      </p:sp>
+      <p:sp>
+        <p:nvSpPr>
+          <p:cNvPr id="9" name="Titel 4">
+            <a:extLst>
+              <a:ext uri="{FF2B5EF4-FFF2-40B4-BE49-F238E27FC236}">
+                <a16:creationId xmlns:a16="http://schemas.microsoft.com/office/drawing/2014/main" id="{32C054A8-9043-41C9-BA29-6C11E3B87A6D}"/>
+              </a:ext>
+            </a:extLst>
+          </p:cNvPr>
+          <p:cNvSpPr>
+            <a:spLocks noGrp="1"/>
+          </p:cNvSpPr>
+          <p:nvPr>
+            <p:ph type="title"/>
+          </p:nvPr>
+        </p:nvSpPr>
+        <p:spPr>
+          <a:xfrm>
+            <a:off x="576263" y="336550"/>
+            <a:ext cx="11041062" cy="1152525"/>
+          </a:xfrm>
+        </p:spPr>
+        <p:txBody>
+          <a:bodyPr/>
+          <a:lstStyle/>
+          <a:p>
+            <a:r>
+              <a:rPr lang="nl-BE" dirty="0" err="1">
+                <a:latin typeface="Arial"/>
+                <a:cs typeface="Arial"/>
+              </a:rPr>
+              <a:t>Dose</a:t>
+            </a:r>
+            <a:r>
+              <a:rPr lang="nl-BE" dirty="0">
+                <a:latin typeface="Arial"/>
+                <a:cs typeface="Arial"/>
+              </a:rPr>
+              <a:t> </a:t>
+            </a:r>
+            <a:r>
+              <a:rPr lang="nl-BE" dirty="0" err="1">
+                <a:latin typeface="Arial"/>
+                <a:cs typeface="Arial"/>
+              </a:rPr>
+              <a:t>dependence</a:t>
+            </a:r>
+            <a:endParaRPr lang="nl-BE" dirty="0" err="1">
+              <a:cs typeface="Arial"/>
+            </a:endParaRPr>
+          </a:p>
+        </p:txBody>
+      </p:sp>
+      <p:sp>
+        <p:nvSpPr>
+          <p:cNvPr id="8" name="Tijdelijke aanduiding voor inhoud 1">
+            <a:extLst>
+              <a:ext uri="{FF2B5EF4-FFF2-40B4-BE49-F238E27FC236}">
+                <a16:creationId xmlns:a16="http://schemas.microsoft.com/office/drawing/2014/main" id="{FD48FE27-13D3-407C-9CF5-D7CAC1400D54}"/>
+              </a:ext>
+            </a:extLst>
+          </p:cNvPr>
+          <p:cNvSpPr>
+            <a:spLocks noGrp="1"/>
+          </p:cNvSpPr>
+          <p:nvPr>
             <p:ph idx="1"/>
           </p:nvPr>
         </p:nvSpPr>
-        <p:spPr/>
+        <p:spPr>
+          <a:xfrm>
+            <a:off x="576000" y="1656000"/>
+            <a:ext cx="11041200" cy="4043464"/>
+          </a:xfrm>
+        </p:spPr>
         <p:txBody>
           <a:bodyPr vert="horz" lIns="91440" tIns="45720" rIns="91440" bIns="45720" rtlCol="0" anchor="t">
             <a:normAutofit/>
@@ -7120,361 +6848,514 @@
           <a:lstStyle/>
           <a:p>
             <a:r>
-              <a:rPr lang="nl-NL" dirty="0">
-                <a:latin typeface="Arial"/>
-                <a:cs typeface="Arial"/>
-              </a:rPr>
-              <a:t>Large </a:t>
-            </a:r>
-            <a:r>
-              <a:rPr lang="nl-NL" dirty="0" err="1">
-                <a:latin typeface="Arial"/>
-                <a:cs typeface="Arial"/>
-              </a:rPr>
-              <a:t>concentration</a:t>
-            </a:r>
-            <a:r>
-              <a:rPr lang="nl-NL" dirty="0">
-                <a:latin typeface="Arial"/>
-                <a:cs typeface="Arial"/>
-              </a:rPr>
-              <a:t> --&gt; </a:t>
-            </a:r>
-            <a:r>
-              <a:rPr lang="nl-NL" dirty="0" err="1">
-                <a:latin typeface="Arial"/>
-                <a:cs typeface="Arial"/>
-              </a:rPr>
-              <a:t>aggregation</a:t>
-            </a:r>
-            <a:r>
-              <a:rPr lang="nl-NL" dirty="0">
-                <a:latin typeface="Arial"/>
-                <a:cs typeface="Arial"/>
-              </a:rPr>
-              <a:t> of </a:t>
-            </a:r>
-            <a:r>
-              <a:rPr lang="nl-NL" dirty="0" err="1">
-                <a:latin typeface="Arial"/>
-                <a:cs typeface="Arial"/>
-              </a:rPr>
-              <a:t>particles</a:t>
-            </a:r>
-          </a:p>
-          <a:p>
-            <a:r>
-              <a:rPr lang="nl-NL" dirty="0" err="1">
-                <a:latin typeface="Arial"/>
-                <a:cs typeface="Arial"/>
-              </a:rPr>
-              <a:t>Larger</a:t>
-            </a:r>
-            <a:r>
-              <a:rPr lang="nl-NL" dirty="0">
+              <a:rPr lang="nl-BE" sz="2000" dirty="0" err="1">
+                <a:latin typeface="Arial"/>
+                <a:cs typeface="Arial"/>
+              </a:rPr>
+              <a:t>Not</a:t>
+            </a:r>
+            <a:r>
+              <a:rPr lang="nl-BE" sz="2000" dirty="0">
                 <a:latin typeface="Arial"/>
                 <a:cs typeface="Arial"/>
               </a:rPr>
               <a:t> </a:t>
             </a:r>
             <a:r>
-              <a:rPr lang="nl-NL" dirty="0" err="1">
-                <a:latin typeface="Arial"/>
-                <a:cs typeface="Arial"/>
-              </a:rPr>
-              <a:t>particles</a:t>
-            </a:r>
-            <a:r>
-              <a:rPr lang="nl-NL" dirty="0">
-                <a:latin typeface="Arial"/>
-                <a:cs typeface="Arial"/>
-              </a:rPr>
-              <a:t>, </a:t>
-            </a:r>
-            <a:r>
-              <a:rPr lang="nl-NL" dirty="0" err="1">
-                <a:latin typeface="Arial"/>
-                <a:cs typeface="Arial"/>
-              </a:rPr>
-              <a:t>less</a:t>
-            </a:r>
-            <a:r>
-              <a:rPr lang="nl-NL" dirty="0">
+              <a:rPr lang="nl-BE" sz="2000" dirty="0" err="1">
+                <a:latin typeface="Arial"/>
+                <a:cs typeface="Arial"/>
+              </a:rPr>
+              <a:t>dependent</a:t>
+            </a:r>
+            <a:r>
+              <a:rPr lang="nl-BE" sz="2000" dirty="0">
+                <a:latin typeface="Arial"/>
+                <a:cs typeface="Arial"/>
+              </a:rPr>
+              <a:t> on </a:t>
+            </a:r>
+            <a:r>
+              <a:rPr lang="nl-BE" sz="2000" dirty="0" err="1">
+                <a:latin typeface="Arial"/>
+                <a:cs typeface="Arial"/>
+              </a:rPr>
+              <a:t>mass</a:t>
+            </a:r>
+            <a:r>
+              <a:rPr lang="nl-BE" sz="2000" dirty="0">
                 <a:latin typeface="Arial"/>
                 <a:cs typeface="Arial"/>
               </a:rPr>
               <a:t> </a:t>
             </a:r>
             <a:r>
-              <a:rPr lang="nl-NL" dirty="0" err="1">
-                <a:latin typeface="Arial"/>
-                <a:cs typeface="Arial"/>
-              </a:rPr>
-              <a:t>surface</a:t>
-            </a:r>
-            <a:r>
-              <a:rPr lang="nl-NL" dirty="0">
-                <a:latin typeface="Arial"/>
-                <a:cs typeface="Arial"/>
-              </a:rPr>
-              <a:t> AND </a:t>
-            </a:r>
-            <a:r>
-              <a:rPr lang="nl-NL" dirty="0" err="1">
-                <a:latin typeface="Arial"/>
-                <a:cs typeface="Arial"/>
-              </a:rPr>
-              <a:t>white</a:t>
-            </a:r>
-            <a:r>
-              <a:rPr lang="nl-NL" dirty="0">
-                <a:latin typeface="Arial"/>
-                <a:cs typeface="Arial"/>
-              </a:rPr>
-              <a:t> </a:t>
-            </a:r>
-            <a:r>
-              <a:rPr lang="nl-NL" dirty="0" err="1">
-                <a:latin typeface="Arial"/>
-                <a:cs typeface="Arial"/>
-              </a:rPr>
-              <a:t>bloodcells</a:t>
-            </a:r>
-            <a:r>
-              <a:rPr lang="nl-NL" dirty="0">
-                <a:latin typeface="Arial"/>
-                <a:cs typeface="Arial"/>
-              </a:rPr>
-              <a:t> </a:t>
-            </a:r>
-            <a:r>
-              <a:rPr lang="nl-NL" dirty="0" err="1">
-                <a:latin typeface="Arial"/>
-                <a:cs typeface="Arial"/>
-              </a:rPr>
-              <a:t>can</a:t>
-            </a:r>
-            <a:r>
-              <a:rPr lang="nl-NL" dirty="0">
-                <a:latin typeface="Arial"/>
-                <a:cs typeface="Arial"/>
-              </a:rPr>
-              <a:t> </a:t>
-            </a:r>
-            <a:r>
-              <a:rPr lang="nl-NL" dirty="0" err="1">
-                <a:latin typeface="Arial"/>
-                <a:cs typeface="Arial"/>
-              </a:rPr>
-              <a:t>macrophage</a:t>
-            </a:r>
-            <a:r>
-              <a:rPr lang="nl-NL" dirty="0">
-                <a:latin typeface="Arial"/>
-                <a:cs typeface="Arial"/>
-              </a:rPr>
-              <a:t> </a:t>
-            </a:r>
-            <a:r>
-              <a:rPr lang="nl-NL" dirty="0" err="1">
-                <a:latin typeface="Arial"/>
-                <a:cs typeface="Arial"/>
-              </a:rPr>
-              <a:t>the</a:t>
-            </a:r>
-            <a:r>
-              <a:rPr lang="nl-NL" dirty="0">
-                <a:latin typeface="Arial"/>
-                <a:cs typeface="Arial"/>
-              </a:rPr>
-              <a:t> </a:t>
-            </a:r>
-            <a:r>
-              <a:rPr lang="nl-NL" dirty="0" err="1">
-                <a:latin typeface="Arial"/>
-                <a:cs typeface="Arial"/>
-              </a:rPr>
-              <a:t>aggregates</a:t>
-            </a:r>
-            <a:endParaRPr lang="nl-NL" dirty="0" err="1">
+              <a:rPr lang="nl-BE" sz="2000" dirty="0" err="1">
+                <a:latin typeface="Arial"/>
+                <a:cs typeface="Arial"/>
+              </a:rPr>
+              <a:t>dose</a:t>
+            </a:r>
+            <a:endParaRPr lang="nl-BE" sz="2000" dirty="0" err="1">
               <a:cs typeface="Arial"/>
             </a:endParaRPr>
           </a:p>
           <a:p>
             <a:r>
-              <a:rPr lang="nl-NL" dirty="0">
-                <a:latin typeface="Arial"/>
-                <a:cs typeface="Arial"/>
-              </a:rPr>
-              <a:t>Large </a:t>
-            </a:r>
-            <a:r>
-              <a:rPr lang="nl-NL" dirty="0" err="1">
-                <a:latin typeface="Arial"/>
-                <a:cs typeface="Arial"/>
-              </a:rPr>
-              <a:t>concentration</a:t>
-            </a:r>
-            <a:r>
-              <a:rPr lang="nl-NL" dirty="0">
+              <a:rPr lang="nl-BE" sz="2000" dirty="0">
+                <a:latin typeface="Arial"/>
+                <a:cs typeface="Arial"/>
+              </a:rPr>
+              <a:t>Surface is </a:t>
+            </a:r>
+            <a:r>
+              <a:rPr lang="nl-BE" sz="2000" dirty="0" err="1">
+                <a:latin typeface="Arial"/>
+                <a:cs typeface="Arial"/>
+              </a:rPr>
+              <a:t>reactive</a:t>
+            </a:r>
+            <a:r>
+              <a:rPr lang="nl-BE" sz="2000" dirty="0">
+                <a:latin typeface="Arial"/>
+                <a:cs typeface="Arial"/>
+              </a:rPr>
+              <a:t>, </a:t>
+            </a:r>
+            <a:r>
+              <a:rPr lang="nl-BE" sz="2000" dirty="0" err="1">
+                <a:latin typeface="Arial"/>
+                <a:cs typeface="Arial"/>
+              </a:rPr>
+              <a:t>so</a:t>
+            </a:r>
+            <a:r>
+              <a:rPr lang="nl-BE" sz="2000" dirty="0">
+                <a:latin typeface="Arial"/>
+                <a:cs typeface="Arial"/>
+              </a:rPr>
+              <a:t> small </a:t>
+            </a:r>
+            <a:r>
+              <a:rPr lang="nl-BE" sz="2000" dirty="0" err="1">
+                <a:latin typeface="Arial"/>
+                <a:cs typeface="Arial"/>
+              </a:rPr>
+              <a:t>particles</a:t>
+            </a:r>
+            <a:r>
+              <a:rPr lang="nl-BE" sz="2000" dirty="0">
+                <a:latin typeface="Arial"/>
+                <a:cs typeface="Arial"/>
+              </a:rPr>
+              <a:t> at a low </a:t>
+            </a:r>
+            <a:r>
+              <a:rPr lang="nl-BE" sz="2000" dirty="0" err="1">
+                <a:latin typeface="Arial"/>
+                <a:cs typeface="Arial"/>
+              </a:rPr>
+              <a:t>mass</a:t>
+            </a:r>
+            <a:r>
+              <a:rPr lang="nl-BE" sz="2000" dirty="0">
                 <a:latin typeface="Arial"/>
                 <a:cs typeface="Arial"/>
               </a:rPr>
               <a:t> </a:t>
             </a:r>
             <a:r>
-              <a:rPr lang="nl-NL" dirty="0" err="1">
-                <a:latin typeface="Arial"/>
-                <a:cs typeface="Arial"/>
-              </a:rPr>
-              <a:t>results</a:t>
-            </a:r>
-            <a:r>
-              <a:rPr lang="nl-NL" dirty="0">
-                <a:latin typeface="Arial"/>
-                <a:cs typeface="Arial"/>
-              </a:rPr>
-              <a:t> in </a:t>
-            </a:r>
-            <a:r>
-              <a:rPr lang="nl-NL" dirty="0" err="1">
-                <a:latin typeface="Arial"/>
-                <a:cs typeface="Arial"/>
-              </a:rPr>
-              <a:t>less</a:t>
-            </a:r>
-            <a:r>
-              <a:rPr lang="nl-NL" dirty="0">
+              <a:rPr lang="nl-BE" sz="2000" dirty="0" err="1">
+                <a:latin typeface="Arial"/>
+                <a:cs typeface="Arial"/>
+              </a:rPr>
+              <a:t>dose</a:t>
+            </a:r>
+            <a:r>
+              <a:rPr lang="nl-BE" sz="2000" dirty="0">
                 <a:latin typeface="Arial"/>
                 <a:cs typeface="Arial"/>
               </a:rPr>
               <a:t> </a:t>
             </a:r>
             <a:r>
-              <a:rPr lang="nl-NL" dirty="0" err="1">
+              <a:rPr lang="nl-BE" sz="2000" dirty="0" err="1">
+                <a:latin typeface="Arial"/>
+                <a:cs typeface="Arial"/>
+              </a:rPr>
+              <a:t>can</a:t>
+            </a:r>
+            <a:r>
+              <a:rPr lang="nl-BE" sz="2000" dirty="0">
+                <a:latin typeface="Arial"/>
+                <a:cs typeface="Arial"/>
+              </a:rPr>
+              <a:t> </a:t>
+            </a:r>
+            <a:r>
+              <a:rPr lang="nl-BE" sz="2000" dirty="0" err="1">
+                <a:latin typeface="Arial"/>
+                <a:cs typeface="Arial"/>
+              </a:rPr>
+              <a:t>be</a:t>
+            </a:r>
+            <a:r>
+              <a:rPr lang="nl-BE" sz="2000" dirty="0">
+                <a:latin typeface="Arial"/>
+                <a:cs typeface="Arial"/>
+              </a:rPr>
+              <a:t> as </a:t>
+            </a:r>
+            <a:r>
+              <a:rPr lang="nl-BE" sz="2000" dirty="0" err="1">
+                <a:latin typeface="Arial"/>
+                <a:cs typeface="Arial"/>
+              </a:rPr>
+              <a:t>toxic</a:t>
+            </a:r>
+            <a:r>
+              <a:rPr lang="nl-BE" sz="2000" dirty="0">
+                <a:latin typeface="Arial"/>
+                <a:cs typeface="Arial"/>
+              </a:rPr>
+              <a:t> al </a:t>
+            </a:r>
+            <a:r>
+              <a:rPr lang="nl-BE" sz="2000" dirty="0" err="1">
+                <a:latin typeface="Arial"/>
+                <a:cs typeface="Arial"/>
+              </a:rPr>
+              <a:t>larger</a:t>
+            </a:r>
+            <a:r>
+              <a:rPr lang="nl-BE" sz="2000" dirty="0">
+                <a:latin typeface="Arial"/>
+                <a:cs typeface="Arial"/>
+              </a:rPr>
+              <a:t> </a:t>
+            </a:r>
+            <a:r>
+              <a:rPr lang="nl-BE" sz="2000" dirty="0" err="1">
+                <a:latin typeface="Arial"/>
+                <a:cs typeface="Arial"/>
+              </a:rPr>
+              <a:t>particles</a:t>
+            </a:r>
+            <a:r>
+              <a:rPr lang="nl-BE" sz="2000" dirty="0">
+                <a:latin typeface="Arial"/>
+                <a:cs typeface="Arial"/>
+              </a:rPr>
+              <a:t> </a:t>
+            </a:r>
+            <a:r>
+              <a:rPr lang="nl-BE" sz="2000" dirty="0" err="1">
+                <a:latin typeface="Arial"/>
+                <a:cs typeface="Arial"/>
+              </a:rPr>
+              <a:t>with</a:t>
+            </a:r>
+            <a:r>
+              <a:rPr lang="nl-BE" sz="2000" dirty="0">
+                <a:latin typeface="Arial"/>
+                <a:cs typeface="Arial"/>
+              </a:rPr>
+              <a:t> a </a:t>
+            </a:r>
+            <a:r>
+              <a:rPr lang="nl-BE" sz="2000" dirty="0" err="1">
+                <a:latin typeface="Arial"/>
+                <a:cs typeface="Arial"/>
+              </a:rPr>
+              <a:t>higer</a:t>
+            </a:r>
+            <a:r>
+              <a:rPr lang="nl-BE" sz="2000" dirty="0">
+                <a:latin typeface="Arial"/>
+                <a:cs typeface="Arial"/>
+              </a:rPr>
+              <a:t> </a:t>
+            </a:r>
+            <a:r>
+              <a:rPr lang="nl-BE" sz="2000" dirty="0" err="1">
+                <a:latin typeface="Arial"/>
+                <a:cs typeface="Arial"/>
+              </a:rPr>
+              <a:t>mass</a:t>
+            </a:r>
+            <a:r>
+              <a:rPr lang="nl-BE" sz="2000" dirty="0">
+                <a:latin typeface="Arial"/>
+                <a:cs typeface="Arial"/>
+              </a:rPr>
+              <a:t> </a:t>
+            </a:r>
+            <a:r>
+              <a:rPr lang="nl-BE" sz="2000" dirty="0" err="1">
+                <a:latin typeface="Arial"/>
+                <a:cs typeface="Arial"/>
+              </a:rPr>
+              <a:t>dose</a:t>
+            </a:r>
+          </a:p>
+          <a:p>
+            <a:r>
+              <a:rPr lang="nl-BE" sz="2000" dirty="0">
+                <a:latin typeface="Arial"/>
+                <a:cs typeface="Arial"/>
+              </a:rPr>
+              <a:t>Surface </a:t>
+            </a:r>
+            <a:r>
+              <a:rPr lang="nl-BE" sz="2000" dirty="0" err="1">
+                <a:latin typeface="Arial"/>
+                <a:cs typeface="Arial"/>
+              </a:rPr>
+              <a:t>dose</a:t>
+            </a:r>
+            <a:r>
+              <a:rPr lang="nl-BE" sz="2000" dirty="0">
+                <a:latin typeface="Arial"/>
+                <a:cs typeface="Arial"/>
+              </a:rPr>
+              <a:t> is </a:t>
+            </a:r>
+            <a:r>
+              <a:rPr lang="nl-BE" sz="2000" dirty="0" err="1">
+                <a:latin typeface="Arial"/>
+                <a:cs typeface="Arial"/>
+              </a:rPr>
+              <a:t>what</a:t>
+            </a:r>
+            <a:r>
+              <a:rPr lang="nl-BE" sz="2000" dirty="0">
+                <a:latin typeface="Arial"/>
+                <a:cs typeface="Arial"/>
+              </a:rPr>
+              <a:t> </a:t>
+            </a:r>
+            <a:r>
+              <a:rPr lang="nl-BE" sz="2000" dirty="0" err="1">
+                <a:latin typeface="Arial"/>
+                <a:cs typeface="Arial"/>
+              </a:rPr>
+              <a:t>makes</a:t>
+            </a:r>
+            <a:r>
+              <a:rPr lang="nl-BE" sz="2000" dirty="0">
+                <a:latin typeface="Arial"/>
+                <a:cs typeface="Arial"/>
+              </a:rPr>
+              <a:t> </a:t>
+            </a:r>
+            <a:r>
+              <a:rPr lang="nl-BE" sz="2000" dirty="0" err="1">
+                <a:latin typeface="Arial"/>
+                <a:cs typeface="Arial"/>
+              </a:rPr>
+              <a:t>influences</a:t>
+            </a:r>
+            <a:r>
+              <a:rPr lang="nl-BE" sz="2000" dirty="0">
+                <a:latin typeface="Arial"/>
+                <a:cs typeface="Arial"/>
+              </a:rPr>
+              <a:t> </a:t>
+            </a:r>
+            <a:r>
+              <a:rPr lang="nl-BE" sz="2000" dirty="0" err="1">
+                <a:latin typeface="Arial"/>
+                <a:cs typeface="Arial"/>
+              </a:rPr>
+              <a:t>the</a:t>
+            </a:r>
+            <a:r>
+              <a:rPr lang="nl-BE" sz="2000" dirty="0">
+                <a:latin typeface="Arial"/>
+                <a:cs typeface="Arial"/>
+              </a:rPr>
+              <a:t> </a:t>
+            </a:r>
+            <a:r>
+              <a:rPr lang="nl-BE" sz="2000" dirty="0" err="1">
                 <a:latin typeface="Arial"/>
                 <a:cs typeface="Arial"/>
               </a:rPr>
               <a:t>toxicity</a:t>
             </a:r>
-            <a:endParaRPr lang="nl-NL" dirty="0" err="1">
-              <a:cs typeface="Arial"/>
-            </a:endParaRPr>
-          </a:p>
-          <a:p>
-            <a:endParaRPr lang="nl-NL" dirty="0">
-              <a:cs typeface="Arial"/>
-            </a:endParaRPr>
-          </a:p>
-        </p:txBody>
-      </p:sp>
-      <p:sp>
-        <p:nvSpPr>
-          <p:cNvPr id="3" name="Tijdelijke aanduiding voor voettekst 2">
+          </a:p>
+        </p:txBody>
+      </p:sp>
+      <p:sp>
+        <p:nvSpPr>
+          <p:cNvPr id="10" name="Tekstvak 9">
             <a:extLst>
               <a:ext uri="{FF2B5EF4-FFF2-40B4-BE49-F238E27FC236}">
-                <a16:creationId xmlns:a16="http://schemas.microsoft.com/office/drawing/2014/main" id="{34BF4704-138D-49F1-B37A-017E77BC0845}"/>
+                <a16:creationId xmlns:a16="http://schemas.microsoft.com/office/drawing/2014/main" id="{F9AF6A87-507F-4E2E-8A2A-840080D13776}"/>
               </a:ext>
             </a:extLst>
           </p:cNvPr>
-          <p:cNvSpPr>
-            <a:spLocks noGrp="1"/>
-          </p:cNvSpPr>
-          <p:nvPr>
-            <p:ph type="ftr" sz="quarter" idx="11"/>
-          </p:nvPr>
-        </p:nvSpPr>
-        <p:spPr/>
-        <p:txBody>
-          <a:bodyPr/>
-          <a:lstStyle/>
-          <a:p>
-            <a:r>
-              <a:rPr lang="nl-NL"/>
-              <a:t>Faculteit, departement, dienst …</a:t>
-            </a:r>
-          </a:p>
-        </p:txBody>
-      </p:sp>
-      <p:sp>
-        <p:nvSpPr>
-          <p:cNvPr id="4" name="Tijdelijke aanduiding voor dianummer 3">
+          <p:cNvSpPr txBox="1"/>
+          <p:nvPr/>
+        </p:nvSpPr>
+        <p:spPr>
+          <a:xfrm>
+            <a:off x="159798" y="58771"/>
+            <a:ext cx="5832629" cy="276999"/>
+          </a:xfrm>
+          <a:prstGeom prst="rect">
+            <a:avLst/>
+          </a:prstGeom>
+          <a:noFill/>
+        </p:spPr>
+        <p:txBody>
+          <a:bodyPr wrap="square" rtlCol="0">
+            <a:spAutoFit/>
+          </a:bodyPr>
+          <a:lstStyle/>
+          <a:p>
+            <a:r>
+              <a:rPr lang="nl-BE" sz="1200" dirty="0">
+                <a:solidFill>
+                  <a:srgbClr val="1D8DB0"/>
+                </a:solidFill>
+              </a:rPr>
+              <a:t>J. </a:t>
+            </a:r>
+            <a:r>
+              <a:rPr lang="nl-BE" sz="1200" dirty="0" err="1">
+                <a:solidFill>
+                  <a:srgbClr val="1D8DB0"/>
+                </a:solidFill>
+              </a:rPr>
+              <a:t>Neirynck</a:t>
+            </a:r>
+            <a:r>
+              <a:rPr lang="nl-BE" sz="1200" dirty="0">
+                <a:solidFill>
+                  <a:srgbClr val="1D8DB0"/>
+                </a:solidFill>
+              </a:rPr>
+              <a:t>, F. Van </a:t>
+            </a:r>
+            <a:r>
+              <a:rPr lang="nl-BE" sz="1200" dirty="0" err="1">
+                <a:solidFill>
+                  <a:srgbClr val="1D8DB0"/>
+                </a:solidFill>
+              </a:rPr>
+              <a:t>Eecke</a:t>
+            </a:r>
+            <a:r>
+              <a:rPr lang="nl-BE" sz="1200" dirty="0">
+                <a:solidFill>
+                  <a:srgbClr val="1D8DB0"/>
+                </a:solidFill>
+              </a:rPr>
+              <a:t> &amp; R. Vrielynck</a:t>
+            </a:r>
+          </a:p>
+        </p:txBody>
+      </p:sp>
+      <p:sp>
+        <p:nvSpPr>
+          <p:cNvPr id="11" name="Tekstvak 10">
             <a:extLst>
               <a:ext uri="{FF2B5EF4-FFF2-40B4-BE49-F238E27FC236}">
-                <a16:creationId xmlns:a16="http://schemas.microsoft.com/office/drawing/2014/main" id="{6DC5F5CE-E772-438D-AE6A-86414E0B072A}"/>
+                <a16:creationId xmlns:a16="http://schemas.microsoft.com/office/drawing/2014/main" id="{02C83A39-3DA1-4516-B834-3C3D5F8552F0}"/>
               </a:ext>
             </a:extLst>
           </p:cNvPr>
-          <p:cNvSpPr>
-            <a:spLocks noGrp="1"/>
-          </p:cNvSpPr>
-          <p:nvPr>
-            <p:ph type="sldNum" sz="quarter" idx="12"/>
-          </p:nvPr>
-        </p:nvSpPr>
-        <p:spPr/>
-        <p:txBody>
-          <a:bodyPr/>
-          <a:lstStyle/>
-          <a:p>
-            <a:fld id="{0A297500-7527-634B-90F4-69D0994C32B4}" type="slidenum">
-              <a:rPr lang="nl-NL" smtClean="0"/>
-              <a:t>11</a:t>
-            </a:fld>
-            <a:endParaRPr lang="nl-NL"/>
-          </a:p>
-        </p:txBody>
-      </p:sp>
-      <p:sp>
-        <p:nvSpPr>
-          <p:cNvPr id="5" name="Titel 4">
-            <a:extLst>
-              <a:ext uri="{FF2B5EF4-FFF2-40B4-BE49-F238E27FC236}">
-                <a16:creationId xmlns:a16="http://schemas.microsoft.com/office/drawing/2014/main" id="{ABD654FC-0EF3-41CA-AC73-0A81742D970C}"/>
-              </a:ext>
-            </a:extLst>
-          </p:cNvPr>
-          <p:cNvSpPr>
-            <a:spLocks noGrp="1"/>
-          </p:cNvSpPr>
-          <p:nvPr>
-            <p:ph type="title"/>
-          </p:nvPr>
-        </p:nvSpPr>
-        <p:spPr/>
-        <p:txBody>
-          <a:bodyPr/>
-          <a:lstStyle/>
-          <a:p>
-            <a:r>
-              <a:rPr lang="nl-NL" dirty="0" err="1">
-                <a:latin typeface="Arial"/>
-                <a:cs typeface="Arial"/>
-              </a:rPr>
-              <a:t>Concentration</a:t>
-            </a:r>
-            <a:r>
-              <a:rPr lang="nl-NL" dirty="0">
-                <a:latin typeface="Arial"/>
-                <a:cs typeface="Arial"/>
-              </a:rPr>
-              <a:t> </a:t>
-            </a:r>
-            <a:r>
-              <a:rPr lang="nl-NL" dirty="0" err="1">
-                <a:latin typeface="Arial"/>
-                <a:cs typeface="Arial"/>
-              </a:rPr>
-              <a:t>dependence</a:t>
-            </a:r>
-            <a:endParaRPr lang="nl-NL" dirty="0" err="1"/>
+          <p:cNvSpPr txBox="1"/>
+          <p:nvPr/>
+        </p:nvSpPr>
+        <p:spPr>
+          <a:xfrm>
+            <a:off x="576000" y="6356412"/>
+            <a:ext cx="10351364" cy="315471"/>
+          </a:xfrm>
+          <a:prstGeom prst="rect">
+            <a:avLst/>
+          </a:prstGeom>
+          <a:noFill/>
+        </p:spPr>
+        <p:txBody>
+          <a:bodyPr wrap="square" rtlCol="0">
+            <a:spAutoFit/>
+          </a:bodyPr>
+          <a:lstStyle/>
+          <a:p>
+            <a:r>
+              <a:rPr lang="nl-BE" sz="1450" dirty="0" err="1">
+                <a:solidFill>
+                  <a:schemeClr val="bg1"/>
+                </a:solidFill>
+              </a:rPr>
+              <a:t>Introduction</a:t>
+            </a:r>
+            <a:r>
+              <a:rPr lang="nl-BE" sz="1450" dirty="0">
+                <a:solidFill>
+                  <a:schemeClr val="bg1"/>
+                </a:solidFill>
+              </a:rPr>
+              <a:t>	</a:t>
+            </a:r>
+            <a:r>
+              <a:rPr lang="nl-BE" sz="1450" b="1" dirty="0">
+                <a:solidFill>
+                  <a:schemeClr val="bg1"/>
+                </a:solidFill>
+              </a:rPr>
+              <a:t>	Framework</a:t>
+            </a:r>
+            <a:r>
+              <a:rPr lang="nl-BE" sz="1450" dirty="0">
+                <a:solidFill>
+                  <a:schemeClr val="bg1"/>
+                </a:solidFill>
+              </a:rPr>
+              <a:t>		</a:t>
+            </a:r>
+            <a:r>
+              <a:rPr lang="nl-BE" sz="1450" dirty="0" err="1">
+                <a:solidFill>
+                  <a:schemeClr val="bg1"/>
+                </a:solidFill>
+              </a:rPr>
+              <a:t>Techniques</a:t>
+            </a:r>
+            <a:r>
+              <a:rPr lang="nl-BE" sz="1450" dirty="0">
+                <a:solidFill>
+                  <a:schemeClr val="bg1"/>
+                </a:solidFill>
+              </a:rPr>
+              <a:t> &amp; </a:t>
+            </a:r>
+            <a:r>
+              <a:rPr lang="nl-BE" sz="1450" dirty="0" err="1">
+                <a:solidFill>
+                  <a:schemeClr val="bg1"/>
+                </a:solidFill>
+              </a:rPr>
+              <a:t>Results</a:t>
+            </a:r>
+            <a:r>
+              <a:rPr lang="nl-BE" sz="1450" dirty="0">
+                <a:solidFill>
+                  <a:schemeClr val="bg1"/>
+                </a:solidFill>
+              </a:rPr>
+              <a:t>			Summary</a:t>
+            </a:r>
           </a:p>
         </p:txBody>
       </p:sp>
     </p:spTree>
     <p:extLst>
       <p:ext uri="{BB962C8B-B14F-4D97-AF65-F5344CB8AC3E}">
-        <p14:creationId xmlns:p14="http://schemas.microsoft.com/office/powerpoint/2010/main" val="623244575"/>
+        <p14:creationId xmlns:p14="http://schemas.microsoft.com/office/powerpoint/2010/main" val="4204038074"/>
       </p:ext>
     </p:extLst>
   </p:cSld>
@@ -7506,6 +7387,411 @@
           <p:cNvPr id="2" name="Tijdelijke aanduiding voor inhoud 1">
             <a:extLst>
               <a:ext uri="{FF2B5EF4-FFF2-40B4-BE49-F238E27FC236}">
+                <a16:creationId xmlns:a16="http://schemas.microsoft.com/office/drawing/2014/main" id="{DA23FDA8-8B91-4851-BFB1-DD9B789576B1}"/>
+              </a:ext>
+            </a:extLst>
+          </p:cNvPr>
+          <p:cNvSpPr>
+            <a:spLocks noGrp="1"/>
+          </p:cNvSpPr>
+          <p:nvPr>
+            <p:ph idx="1"/>
+          </p:nvPr>
+        </p:nvSpPr>
+        <p:spPr/>
+        <p:txBody>
+          <a:bodyPr vert="horz" lIns="91440" tIns="45720" rIns="91440" bIns="45720" rtlCol="0" anchor="t">
+            <a:normAutofit/>
+          </a:bodyPr>
+          <a:lstStyle/>
+          <a:p>
+            <a:r>
+              <a:rPr lang="nl-NL" dirty="0">
+                <a:latin typeface="Arial"/>
+                <a:cs typeface="Arial"/>
+              </a:rPr>
+              <a:t>Large </a:t>
+            </a:r>
+            <a:r>
+              <a:rPr lang="nl-NL" dirty="0" err="1">
+                <a:latin typeface="Arial"/>
+                <a:cs typeface="Arial"/>
+              </a:rPr>
+              <a:t>concentration</a:t>
+            </a:r>
+            <a:r>
+              <a:rPr lang="nl-NL" dirty="0">
+                <a:latin typeface="Arial"/>
+                <a:cs typeface="Arial"/>
+              </a:rPr>
+              <a:t> --&gt; </a:t>
+            </a:r>
+            <a:r>
+              <a:rPr lang="nl-NL" dirty="0" err="1">
+                <a:latin typeface="Arial"/>
+                <a:cs typeface="Arial"/>
+              </a:rPr>
+              <a:t>aggregation</a:t>
+            </a:r>
+            <a:r>
+              <a:rPr lang="nl-NL" dirty="0">
+                <a:latin typeface="Arial"/>
+                <a:cs typeface="Arial"/>
+              </a:rPr>
+              <a:t> of </a:t>
+            </a:r>
+            <a:r>
+              <a:rPr lang="nl-NL" dirty="0" err="1">
+                <a:latin typeface="Arial"/>
+                <a:cs typeface="Arial"/>
+              </a:rPr>
+              <a:t>particles</a:t>
+            </a:r>
+          </a:p>
+          <a:p>
+            <a:r>
+              <a:rPr lang="nl-NL" dirty="0" err="1">
+                <a:latin typeface="Arial"/>
+                <a:cs typeface="Arial"/>
+              </a:rPr>
+              <a:t>Larger</a:t>
+            </a:r>
+            <a:r>
+              <a:rPr lang="nl-NL" dirty="0">
+                <a:latin typeface="Arial"/>
+                <a:cs typeface="Arial"/>
+              </a:rPr>
+              <a:t> </a:t>
+            </a:r>
+            <a:r>
+              <a:rPr lang="nl-NL" dirty="0" err="1">
+                <a:latin typeface="Arial"/>
+                <a:cs typeface="Arial"/>
+              </a:rPr>
+              <a:t>particles</a:t>
+            </a:r>
+            <a:r>
+              <a:rPr lang="nl-NL" dirty="0">
+                <a:latin typeface="Arial"/>
+                <a:cs typeface="Arial"/>
+              </a:rPr>
+              <a:t>, </a:t>
+            </a:r>
+            <a:r>
+              <a:rPr lang="nl-NL" dirty="0" err="1">
+                <a:latin typeface="Arial"/>
+                <a:cs typeface="Arial"/>
+              </a:rPr>
+              <a:t>less</a:t>
+            </a:r>
+            <a:r>
+              <a:rPr lang="nl-NL" dirty="0">
+                <a:latin typeface="Arial"/>
+                <a:cs typeface="Arial"/>
+              </a:rPr>
+              <a:t> </a:t>
+            </a:r>
+            <a:r>
+              <a:rPr lang="nl-NL" dirty="0" err="1">
+                <a:latin typeface="Arial"/>
+                <a:cs typeface="Arial"/>
+              </a:rPr>
+              <a:t>surface</a:t>
+            </a:r>
+            <a:r>
+              <a:rPr lang="nl-NL" dirty="0">
+                <a:latin typeface="Arial"/>
+                <a:cs typeface="Arial"/>
+              </a:rPr>
+              <a:t> AND </a:t>
+            </a:r>
+            <a:r>
+              <a:rPr lang="nl-NL" dirty="0" err="1">
+                <a:latin typeface="Arial"/>
+                <a:cs typeface="Arial"/>
+              </a:rPr>
+              <a:t>white</a:t>
+            </a:r>
+            <a:r>
+              <a:rPr lang="nl-NL" dirty="0">
+                <a:latin typeface="Arial"/>
+                <a:cs typeface="Arial"/>
+              </a:rPr>
+              <a:t> </a:t>
+            </a:r>
+            <a:r>
+              <a:rPr lang="nl-NL" dirty="0" err="1">
+                <a:latin typeface="Arial"/>
+                <a:cs typeface="Arial"/>
+              </a:rPr>
+              <a:t>bloodcells</a:t>
+            </a:r>
+            <a:r>
+              <a:rPr lang="nl-NL" dirty="0">
+                <a:latin typeface="Arial"/>
+                <a:cs typeface="Arial"/>
+              </a:rPr>
+              <a:t> </a:t>
+            </a:r>
+            <a:r>
+              <a:rPr lang="nl-NL" dirty="0" err="1">
+                <a:latin typeface="Arial"/>
+                <a:cs typeface="Arial"/>
+              </a:rPr>
+              <a:t>can</a:t>
+            </a:r>
+            <a:r>
+              <a:rPr lang="nl-NL" dirty="0">
+                <a:latin typeface="Arial"/>
+                <a:cs typeface="Arial"/>
+              </a:rPr>
+              <a:t> </a:t>
+            </a:r>
+            <a:r>
+              <a:rPr lang="nl-NL" dirty="0" err="1">
+                <a:latin typeface="Arial"/>
+                <a:cs typeface="Arial"/>
+              </a:rPr>
+              <a:t>macrophage</a:t>
+            </a:r>
+            <a:r>
+              <a:rPr lang="nl-NL" dirty="0">
+                <a:latin typeface="Arial"/>
+                <a:cs typeface="Arial"/>
+              </a:rPr>
+              <a:t> </a:t>
+            </a:r>
+            <a:r>
+              <a:rPr lang="nl-NL" dirty="0" err="1">
+                <a:latin typeface="Arial"/>
+                <a:cs typeface="Arial"/>
+              </a:rPr>
+              <a:t>the</a:t>
+            </a:r>
+            <a:r>
+              <a:rPr lang="nl-NL" dirty="0">
+                <a:latin typeface="Arial"/>
+                <a:cs typeface="Arial"/>
+              </a:rPr>
+              <a:t> </a:t>
+            </a:r>
+            <a:r>
+              <a:rPr lang="nl-NL" dirty="0" err="1">
+                <a:latin typeface="Arial"/>
+                <a:cs typeface="Arial"/>
+              </a:rPr>
+              <a:t>aggregates</a:t>
+            </a:r>
+            <a:endParaRPr lang="nl-NL" dirty="0" err="1">
+              <a:cs typeface="Arial"/>
+            </a:endParaRPr>
+          </a:p>
+          <a:p>
+            <a:r>
+              <a:rPr lang="nl-NL" dirty="0">
+                <a:latin typeface="Arial"/>
+                <a:cs typeface="Arial"/>
+              </a:rPr>
+              <a:t>Large </a:t>
+            </a:r>
+            <a:r>
+              <a:rPr lang="nl-NL" dirty="0" err="1">
+                <a:latin typeface="Arial"/>
+                <a:cs typeface="Arial"/>
+              </a:rPr>
+              <a:t>concentration</a:t>
+            </a:r>
+            <a:r>
+              <a:rPr lang="nl-NL" dirty="0">
+                <a:latin typeface="Arial"/>
+                <a:cs typeface="Arial"/>
+              </a:rPr>
+              <a:t> </a:t>
+            </a:r>
+            <a:r>
+              <a:rPr lang="nl-NL" dirty="0" err="1">
+                <a:latin typeface="Arial"/>
+                <a:cs typeface="Arial"/>
+              </a:rPr>
+              <a:t>results</a:t>
+            </a:r>
+            <a:r>
+              <a:rPr lang="nl-NL" dirty="0">
+                <a:latin typeface="Arial"/>
+                <a:cs typeface="Arial"/>
+              </a:rPr>
+              <a:t> in </a:t>
+            </a:r>
+            <a:r>
+              <a:rPr lang="nl-NL" dirty="0" err="1">
+                <a:latin typeface="Arial"/>
+                <a:cs typeface="Arial"/>
+              </a:rPr>
+              <a:t>less</a:t>
+            </a:r>
+            <a:r>
+              <a:rPr lang="nl-NL" dirty="0">
+                <a:latin typeface="Arial"/>
+                <a:cs typeface="Arial"/>
+              </a:rPr>
+              <a:t> </a:t>
+            </a:r>
+            <a:r>
+              <a:rPr lang="nl-NL" dirty="0" err="1">
+                <a:latin typeface="Arial"/>
+                <a:cs typeface="Arial"/>
+              </a:rPr>
+              <a:t>toxicity</a:t>
+            </a:r>
+            <a:endParaRPr lang="nl-NL" dirty="0" err="1">
+              <a:cs typeface="Arial"/>
+            </a:endParaRPr>
+          </a:p>
+          <a:p>
+            <a:endParaRPr lang="nl-NL" dirty="0">
+              <a:cs typeface="Arial"/>
+            </a:endParaRPr>
+          </a:p>
+        </p:txBody>
+      </p:sp>
+      <p:sp>
+        <p:nvSpPr>
+          <p:cNvPr id="3" name="Tijdelijke aanduiding voor voettekst 2">
+            <a:extLst>
+              <a:ext uri="{FF2B5EF4-FFF2-40B4-BE49-F238E27FC236}">
+                <a16:creationId xmlns:a16="http://schemas.microsoft.com/office/drawing/2014/main" id="{34BF4704-138D-49F1-B37A-017E77BC0845}"/>
+              </a:ext>
+            </a:extLst>
+          </p:cNvPr>
+          <p:cNvSpPr>
+            <a:spLocks noGrp="1"/>
+          </p:cNvSpPr>
+          <p:nvPr>
+            <p:ph type="ftr" sz="quarter" idx="11"/>
+          </p:nvPr>
+        </p:nvSpPr>
+        <p:spPr/>
+        <p:txBody>
+          <a:bodyPr/>
+          <a:lstStyle/>
+          <a:p>
+            <a:r>
+              <a:rPr lang="nl-NL"/>
+              <a:t>Faculteit, departement, dienst …</a:t>
+            </a:r>
+          </a:p>
+        </p:txBody>
+      </p:sp>
+      <p:sp>
+        <p:nvSpPr>
+          <p:cNvPr id="4" name="Tijdelijke aanduiding voor dianummer 3">
+            <a:extLst>
+              <a:ext uri="{FF2B5EF4-FFF2-40B4-BE49-F238E27FC236}">
+                <a16:creationId xmlns:a16="http://schemas.microsoft.com/office/drawing/2014/main" id="{6DC5F5CE-E772-438D-AE6A-86414E0B072A}"/>
+              </a:ext>
+            </a:extLst>
+          </p:cNvPr>
+          <p:cNvSpPr>
+            <a:spLocks noGrp="1"/>
+          </p:cNvSpPr>
+          <p:nvPr>
+            <p:ph type="sldNum" sz="quarter" idx="12"/>
+          </p:nvPr>
+        </p:nvSpPr>
+        <p:spPr/>
+        <p:txBody>
+          <a:bodyPr/>
+          <a:lstStyle/>
+          <a:p>
+            <a:fld id="{0A297500-7527-634B-90F4-69D0994C32B4}" type="slidenum">
+              <a:rPr lang="nl-NL" smtClean="0"/>
+              <a:t>12</a:t>
+            </a:fld>
+            <a:endParaRPr lang="nl-NL"/>
+          </a:p>
+        </p:txBody>
+      </p:sp>
+      <p:sp>
+        <p:nvSpPr>
+          <p:cNvPr id="5" name="Titel 4">
+            <a:extLst>
+              <a:ext uri="{FF2B5EF4-FFF2-40B4-BE49-F238E27FC236}">
+                <a16:creationId xmlns:a16="http://schemas.microsoft.com/office/drawing/2014/main" id="{ABD654FC-0EF3-41CA-AC73-0A81742D970C}"/>
+              </a:ext>
+            </a:extLst>
+          </p:cNvPr>
+          <p:cNvSpPr>
+            <a:spLocks noGrp="1"/>
+          </p:cNvSpPr>
+          <p:nvPr>
+            <p:ph type="title"/>
+          </p:nvPr>
+        </p:nvSpPr>
+        <p:spPr/>
+        <p:txBody>
+          <a:bodyPr/>
+          <a:lstStyle/>
+          <a:p>
+            <a:r>
+              <a:rPr lang="nl-NL" dirty="0" err="1">
+                <a:latin typeface="Arial"/>
+                <a:cs typeface="Arial"/>
+              </a:rPr>
+              <a:t>Concentration</a:t>
+            </a:r>
+            <a:r>
+              <a:rPr lang="nl-NL" dirty="0">
+                <a:latin typeface="Arial"/>
+                <a:cs typeface="Arial"/>
+              </a:rPr>
+              <a:t> </a:t>
+            </a:r>
+            <a:r>
+              <a:rPr lang="nl-NL" dirty="0" err="1">
+                <a:latin typeface="Arial"/>
+                <a:cs typeface="Arial"/>
+              </a:rPr>
+              <a:t>dependence</a:t>
+            </a:r>
+            <a:endParaRPr lang="nl-NL" dirty="0" err="1"/>
+          </a:p>
+        </p:txBody>
+      </p:sp>
+    </p:spTree>
+    <p:extLst>
+      <p:ext uri="{BB962C8B-B14F-4D97-AF65-F5344CB8AC3E}">
+        <p14:creationId xmlns:p14="http://schemas.microsoft.com/office/powerpoint/2010/main" val="623244575"/>
+      </p:ext>
+    </p:extLst>
+  </p:cSld>
+  <p:clrMapOvr>
+    <a:masterClrMapping/>
+  </p:clrMapOvr>
+</p:sld>
+</file>
+
+<file path=ppt/slides/slide13.xml><?xml version="1.0" encoding="utf-8"?>
+<p:sld xmlns:a="http://schemas.openxmlformats.org/drawingml/2006/main" xmlns:r="http://schemas.openxmlformats.org/officeDocument/2006/relationships" xmlns:p="http://schemas.openxmlformats.org/presentationml/2006/main">
+  <p:cSld>
+    <p:spTree>
+      <p:nvGrpSpPr>
+        <p:cNvPr id="1" name=""/>
+        <p:cNvGrpSpPr/>
+        <p:nvPr/>
+      </p:nvGrpSpPr>
+      <p:grpSpPr>
+        <a:xfrm>
+          <a:off x="0" y="0"/>
+          <a:ext cx="0" cy="0"/>
+          <a:chOff x="0" y="0"/>
+          <a:chExt cx="0" cy="0"/>
+        </a:xfrm>
+      </p:grpSpPr>
+      <p:sp>
+        <p:nvSpPr>
+          <p:cNvPr id="2" name="Tijdelijke aanduiding voor inhoud 1">
+            <a:extLst>
+              <a:ext uri="{FF2B5EF4-FFF2-40B4-BE49-F238E27FC236}">
                 <a16:creationId xmlns:a16="http://schemas.microsoft.com/office/drawing/2014/main" id="{BFCDAFE0-D654-42D9-8D30-FE908B3DD1D8}"/>
               </a:ext>
             </a:extLst>
@@ -7645,7 +7931,7 @@
           <a:p>
             <a:fld id="{0A297500-7527-634B-90F4-69D0994C32B4}" type="slidenum">
               <a:rPr lang="nl-NL" smtClean="0"/>
-              <a:t>12</a:t>
+              <a:t>13</a:t>
             </a:fld>
             <a:endParaRPr lang="nl-NL"/>
           </a:p>
@@ -7740,326 +8026,6 @@
 </p:sld>
 </file>
 
-<file path=ppt/slides/slide13.xml><?xml version="1.0" encoding="utf-8"?>
-<p:sld xmlns:a="http://schemas.openxmlformats.org/drawingml/2006/main" xmlns:r="http://schemas.openxmlformats.org/officeDocument/2006/relationships" xmlns:p="http://schemas.openxmlformats.org/presentationml/2006/main">
-  <p:cSld>
-    <p:spTree>
-      <p:nvGrpSpPr>
-        <p:cNvPr id="1" name=""/>
-        <p:cNvGrpSpPr/>
-        <p:nvPr/>
-      </p:nvGrpSpPr>
-      <p:grpSpPr>
-        <a:xfrm>
-          <a:off x="0" y="0"/>
-          <a:ext cx="0" cy="0"/>
-          <a:chOff x="0" y="0"/>
-          <a:chExt cx="0" cy="0"/>
-        </a:xfrm>
-      </p:grpSpPr>
-      <p:sp>
-        <p:nvSpPr>
-          <p:cNvPr id="2" name="Tijdelijke aanduiding voor inhoud 1">
-            <a:extLst>
-              <a:ext uri="{FF2B5EF4-FFF2-40B4-BE49-F238E27FC236}">
-                <a16:creationId xmlns:a16="http://schemas.microsoft.com/office/drawing/2014/main" id="{ECD9C7FC-FC06-4374-A1C7-C9C35F1BE892}"/>
-              </a:ext>
-            </a:extLst>
-          </p:cNvPr>
-          <p:cNvSpPr>
-            <a:spLocks noGrp="1"/>
-          </p:cNvSpPr>
-          <p:nvPr>
-            <p:ph idx="1"/>
-          </p:nvPr>
-        </p:nvSpPr>
-        <p:spPr/>
-        <p:txBody>
-          <a:bodyPr vert="horz" lIns="91440" tIns="45720" rIns="91440" bIns="45720" rtlCol="0" anchor="t">
-            <a:normAutofit/>
-          </a:bodyPr>
-          <a:lstStyle/>
-          <a:p>
-            <a:r>
-              <a:rPr lang="nl-NL" dirty="0">
-                <a:latin typeface="Arial"/>
-                <a:cs typeface="Arial"/>
-              </a:rPr>
-              <a:t>Long fibers are more </a:t>
-            </a:r>
-            <a:r>
-              <a:rPr lang="nl-NL" dirty="0" err="1">
-                <a:latin typeface="Arial"/>
-                <a:cs typeface="Arial"/>
-              </a:rPr>
-              <a:t>toxic</a:t>
-            </a:r>
-            <a:r>
-              <a:rPr lang="nl-NL" dirty="0">
-                <a:latin typeface="Arial"/>
-                <a:cs typeface="Arial"/>
-              </a:rPr>
-              <a:t> </a:t>
-            </a:r>
-            <a:r>
-              <a:rPr lang="nl-NL" dirty="0" err="1">
-                <a:latin typeface="Arial"/>
-                <a:cs typeface="Arial"/>
-              </a:rPr>
-              <a:t>than</a:t>
-            </a:r>
-            <a:r>
-              <a:rPr lang="nl-NL" dirty="0">
-                <a:latin typeface="Arial"/>
-                <a:cs typeface="Arial"/>
-              </a:rPr>
-              <a:t> short </a:t>
-            </a:r>
-            <a:r>
-              <a:rPr lang="nl-NL" dirty="0" err="1">
-                <a:latin typeface="Arial"/>
-                <a:cs typeface="Arial"/>
-              </a:rPr>
-              <a:t>ones</a:t>
-            </a:r>
-            <a:endParaRPr lang="nl-NL" dirty="0" err="1">
-              <a:cs typeface="Arial" charset="0"/>
-            </a:endParaRPr>
-          </a:p>
-          <a:p>
-            <a:r>
-              <a:rPr lang="nl-NL" dirty="0" err="1">
-                <a:latin typeface="Arial"/>
-                <a:cs typeface="Arial"/>
-              </a:rPr>
-              <a:t>Stay</a:t>
-            </a:r>
-            <a:r>
-              <a:rPr lang="nl-NL" dirty="0">
-                <a:latin typeface="Arial"/>
-                <a:cs typeface="Arial"/>
-              </a:rPr>
-              <a:t> </a:t>
-            </a:r>
-            <a:r>
-              <a:rPr lang="nl-NL" dirty="0" err="1">
-                <a:latin typeface="Arial"/>
-                <a:cs typeface="Arial"/>
-              </a:rPr>
-              <a:t>longer</a:t>
-            </a:r>
-            <a:r>
-              <a:rPr lang="nl-NL" dirty="0">
-                <a:latin typeface="Arial"/>
-                <a:cs typeface="Arial"/>
-              </a:rPr>
-              <a:t> in </a:t>
-            </a:r>
-            <a:r>
-              <a:rPr lang="nl-NL" dirty="0" err="1">
-                <a:latin typeface="Arial"/>
-                <a:cs typeface="Arial"/>
-              </a:rPr>
-              <a:t>the</a:t>
-            </a:r>
-            <a:r>
-              <a:rPr lang="nl-NL" dirty="0">
-                <a:latin typeface="Arial"/>
-                <a:cs typeface="Arial"/>
-              </a:rPr>
-              <a:t> body (81% </a:t>
-            </a:r>
-            <a:r>
-              <a:rPr lang="nl-NL" dirty="0" err="1">
-                <a:latin typeface="Arial"/>
-                <a:cs typeface="Arial"/>
-              </a:rPr>
-              <a:t>after</a:t>
-            </a:r>
-            <a:r>
-              <a:rPr lang="nl-NL" dirty="0">
-                <a:latin typeface="Arial"/>
-                <a:cs typeface="Arial"/>
-              </a:rPr>
-              <a:t> 60 </a:t>
-            </a:r>
-            <a:r>
-              <a:rPr lang="nl-NL" dirty="0" err="1">
-                <a:latin typeface="Arial"/>
-                <a:cs typeface="Arial"/>
-              </a:rPr>
-              <a:t>days</a:t>
-            </a:r>
-            <a:r>
-              <a:rPr lang="nl-NL" dirty="0">
-                <a:latin typeface="Arial"/>
-                <a:cs typeface="Arial"/>
-              </a:rPr>
-              <a:t>)</a:t>
-            </a:r>
-          </a:p>
-          <a:p>
-            <a:r>
-              <a:rPr lang="nl-NL" dirty="0">
-                <a:latin typeface="Arial"/>
-                <a:cs typeface="Arial"/>
-              </a:rPr>
-              <a:t>Carbon nanotubes </a:t>
-            </a:r>
-            <a:r>
-              <a:rPr lang="nl-NL" dirty="0" err="1">
-                <a:latin typeface="Arial"/>
-                <a:cs typeface="Arial"/>
-              </a:rPr>
-              <a:t>can</a:t>
-            </a:r>
-            <a:r>
-              <a:rPr lang="nl-NL" dirty="0">
-                <a:latin typeface="Arial"/>
-                <a:cs typeface="Arial"/>
-              </a:rPr>
-              <a:t> </a:t>
-            </a:r>
-            <a:r>
-              <a:rPr lang="nl-NL" dirty="0" err="1">
-                <a:latin typeface="Arial"/>
-                <a:cs typeface="Arial"/>
-              </a:rPr>
-              <a:t>be</a:t>
-            </a:r>
-            <a:r>
-              <a:rPr lang="nl-NL" dirty="0">
-                <a:latin typeface="Arial"/>
-                <a:cs typeface="Arial"/>
-              </a:rPr>
-              <a:t> </a:t>
-            </a:r>
-            <a:r>
-              <a:rPr lang="nl-NL" dirty="0" err="1">
-                <a:latin typeface="Arial"/>
-                <a:cs typeface="Arial"/>
-              </a:rPr>
-              <a:t>very</a:t>
-            </a:r>
-            <a:r>
-              <a:rPr lang="nl-NL" dirty="0">
-                <a:latin typeface="Arial"/>
-                <a:cs typeface="Arial"/>
-              </a:rPr>
-              <a:t> </a:t>
-            </a:r>
-            <a:r>
-              <a:rPr lang="nl-NL" dirty="0" err="1">
-                <a:latin typeface="Arial"/>
-                <a:cs typeface="Arial"/>
-              </a:rPr>
-              <a:t>toxic</a:t>
-            </a:r>
-          </a:p>
-        </p:txBody>
-      </p:sp>
-      <p:sp>
-        <p:nvSpPr>
-          <p:cNvPr id="3" name="Tijdelijke aanduiding voor voettekst 2">
-            <a:extLst>
-              <a:ext uri="{FF2B5EF4-FFF2-40B4-BE49-F238E27FC236}">
-                <a16:creationId xmlns:a16="http://schemas.microsoft.com/office/drawing/2014/main" id="{3D0B3870-0B8D-4CA7-860A-9D56EB7AC438}"/>
-              </a:ext>
-            </a:extLst>
-          </p:cNvPr>
-          <p:cNvSpPr>
-            <a:spLocks noGrp="1"/>
-          </p:cNvSpPr>
-          <p:nvPr>
-            <p:ph type="ftr" sz="quarter" idx="11"/>
-          </p:nvPr>
-        </p:nvSpPr>
-        <p:spPr/>
-        <p:txBody>
-          <a:bodyPr/>
-          <a:lstStyle/>
-          <a:p>
-            <a:r>
-              <a:rPr lang="nl-NL"/>
-              <a:t>Faculteit, departement, dienst …</a:t>
-            </a:r>
-          </a:p>
-        </p:txBody>
-      </p:sp>
-      <p:sp>
-        <p:nvSpPr>
-          <p:cNvPr id="4" name="Tijdelijke aanduiding voor dianummer 3">
-            <a:extLst>
-              <a:ext uri="{FF2B5EF4-FFF2-40B4-BE49-F238E27FC236}">
-                <a16:creationId xmlns:a16="http://schemas.microsoft.com/office/drawing/2014/main" id="{4950DF76-99D2-40CB-A88F-ECF57CE1760C}"/>
-              </a:ext>
-            </a:extLst>
-          </p:cNvPr>
-          <p:cNvSpPr>
-            <a:spLocks noGrp="1"/>
-          </p:cNvSpPr>
-          <p:nvPr>
-            <p:ph type="sldNum" sz="quarter" idx="12"/>
-          </p:nvPr>
-        </p:nvSpPr>
-        <p:spPr/>
-        <p:txBody>
-          <a:bodyPr/>
-          <a:lstStyle/>
-          <a:p>
-            <a:fld id="{0A297500-7527-634B-90F4-69D0994C32B4}" type="slidenum">
-              <a:rPr lang="nl-NL" smtClean="0"/>
-              <a:t>13</a:t>
-            </a:fld>
-            <a:endParaRPr lang="nl-NL"/>
-          </a:p>
-        </p:txBody>
-      </p:sp>
-      <p:sp>
-        <p:nvSpPr>
-          <p:cNvPr id="5" name="Titel 4">
-            <a:extLst>
-              <a:ext uri="{FF2B5EF4-FFF2-40B4-BE49-F238E27FC236}">
-                <a16:creationId xmlns:a16="http://schemas.microsoft.com/office/drawing/2014/main" id="{89B92165-5C9D-4BF0-92C6-267065DC29DC}"/>
-              </a:ext>
-            </a:extLst>
-          </p:cNvPr>
-          <p:cNvSpPr>
-            <a:spLocks noGrp="1"/>
-          </p:cNvSpPr>
-          <p:nvPr>
-            <p:ph type="title"/>
-          </p:nvPr>
-        </p:nvSpPr>
-        <p:spPr/>
-        <p:txBody>
-          <a:bodyPr/>
-          <a:lstStyle/>
-          <a:p>
-            <a:r>
-              <a:rPr lang="nl-NL" dirty="0">
-                <a:latin typeface="Arial"/>
-                <a:cs typeface="Arial"/>
-              </a:rPr>
-              <a:t>Aspect ratio</a:t>
-            </a:r>
-            <a:endParaRPr lang="nl-NL" dirty="0"/>
-          </a:p>
-        </p:txBody>
-      </p:sp>
-    </p:spTree>
-    <p:extLst>
-      <p:ext uri="{BB962C8B-B14F-4D97-AF65-F5344CB8AC3E}">
-        <p14:creationId xmlns:p14="http://schemas.microsoft.com/office/powerpoint/2010/main" val="4263617995"/>
-      </p:ext>
-    </p:extLst>
-  </p:cSld>
-  <p:clrMapOvr>
-    <a:masterClrMapping/>
-  </p:clrMapOvr>
-</p:sld>
-</file>
-
 <file path=ppt/slides/slide14.xml><?xml version="1.0" encoding="utf-8"?>
 <p:sld xmlns:a="http://schemas.openxmlformats.org/drawingml/2006/main" xmlns:r="http://schemas.openxmlformats.org/officeDocument/2006/relationships" xmlns:p="http://schemas.openxmlformats.org/presentationml/2006/main">
   <p:cSld>
@@ -8082,7 +8048,7 @@
           <p:cNvPr id="2" name="Tijdelijke aanduiding voor inhoud 1">
             <a:extLst>
               <a:ext uri="{FF2B5EF4-FFF2-40B4-BE49-F238E27FC236}">
-                <a16:creationId xmlns:a16="http://schemas.microsoft.com/office/drawing/2014/main" id="{1D154430-BEF3-4E06-8F0F-0103FC5AE3D5}"/>
+                <a16:creationId xmlns:a16="http://schemas.microsoft.com/office/drawing/2014/main" id="{ECD9C7FC-FC06-4374-A1C7-C9C35F1BE892}"/>
               </a:ext>
             </a:extLst>
           </p:cNvPr>
@@ -8100,9 +8066,181 @@
           </a:bodyPr>
           <a:lstStyle/>
           <a:p>
-            <a:endParaRPr lang="nl-NL" dirty="0">
-              <a:cs typeface="Arial"/>
+            <a:r>
+              <a:rPr lang="nl-NL" dirty="0">
+                <a:latin typeface="Arial"/>
+                <a:cs typeface="Arial"/>
+              </a:rPr>
+              <a:t>Long fibers are more </a:t>
+            </a:r>
+            <a:r>
+              <a:rPr lang="nl-NL" dirty="0" err="1">
+                <a:latin typeface="Arial"/>
+                <a:cs typeface="Arial"/>
+              </a:rPr>
+              <a:t>toxic</a:t>
+            </a:r>
+            <a:r>
+              <a:rPr lang="nl-NL" dirty="0">
+                <a:latin typeface="Arial"/>
+                <a:cs typeface="Arial"/>
+              </a:rPr>
+              <a:t> </a:t>
+            </a:r>
+            <a:r>
+              <a:rPr lang="nl-NL" dirty="0" err="1">
+                <a:latin typeface="Arial"/>
+                <a:cs typeface="Arial"/>
+              </a:rPr>
+              <a:t>than</a:t>
+            </a:r>
+            <a:r>
+              <a:rPr lang="nl-NL" dirty="0">
+                <a:latin typeface="Arial"/>
+                <a:cs typeface="Arial"/>
+              </a:rPr>
+              <a:t> short </a:t>
+            </a:r>
+            <a:r>
+              <a:rPr lang="nl-NL" dirty="0" err="1">
+                <a:latin typeface="Arial"/>
+                <a:cs typeface="Arial"/>
+              </a:rPr>
+              <a:t>ones</a:t>
+            </a:r>
+            <a:endParaRPr lang="nl-NL" dirty="0" err="1">
+              <a:cs typeface="Arial" charset="0"/>
             </a:endParaRPr>
+          </a:p>
+          <a:p>
+            <a:r>
+              <a:rPr lang="nl-NL" dirty="0" err="1">
+                <a:latin typeface="Arial"/>
+                <a:cs typeface="Arial"/>
+              </a:rPr>
+              <a:t>Stay</a:t>
+            </a:r>
+            <a:r>
+              <a:rPr lang="nl-NL" dirty="0">
+                <a:latin typeface="Arial"/>
+                <a:cs typeface="Arial"/>
+              </a:rPr>
+              <a:t> </a:t>
+            </a:r>
+            <a:r>
+              <a:rPr lang="nl-NL" dirty="0" err="1">
+                <a:latin typeface="Arial"/>
+                <a:cs typeface="Arial"/>
+              </a:rPr>
+              <a:t>longer</a:t>
+            </a:r>
+            <a:r>
+              <a:rPr lang="nl-NL" dirty="0">
+                <a:latin typeface="Arial"/>
+                <a:cs typeface="Arial"/>
+              </a:rPr>
+              <a:t> in </a:t>
+            </a:r>
+            <a:r>
+              <a:rPr lang="nl-NL" dirty="0" err="1">
+                <a:latin typeface="Arial"/>
+                <a:cs typeface="Arial"/>
+              </a:rPr>
+              <a:t>the</a:t>
+            </a:r>
+            <a:r>
+              <a:rPr lang="nl-NL" dirty="0">
+                <a:latin typeface="Arial"/>
+                <a:cs typeface="Arial"/>
+              </a:rPr>
+              <a:t> body (81% </a:t>
+            </a:r>
+            <a:r>
+              <a:rPr lang="nl-NL" dirty="0" err="1">
+                <a:latin typeface="Arial"/>
+                <a:cs typeface="Arial"/>
+              </a:rPr>
+              <a:t>after</a:t>
+            </a:r>
+            <a:r>
+              <a:rPr lang="nl-NL" dirty="0">
+                <a:latin typeface="Arial"/>
+                <a:cs typeface="Arial"/>
+              </a:rPr>
+              <a:t> 60 </a:t>
+            </a:r>
+            <a:r>
+              <a:rPr lang="nl-NL" dirty="0" err="1">
+                <a:latin typeface="Arial"/>
+                <a:cs typeface="Arial"/>
+              </a:rPr>
+              <a:t>days</a:t>
+            </a:r>
+            <a:r>
+              <a:rPr lang="nl-NL" dirty="0">
+                <a:latin typeface="Arial"/>
+                <a:cs typeface="Arial"/>
+              </a:rPr>
+              <a:t>)</a:t>
+            </a:r>
+          </a:p>
+          <a:p>
+            <a:r>
+              <a:rPr lang="nl-NL" dirty="0">
+                <a:latin typeface="Arial"/>
+                <a:cs typeface="Arial"/>
+              </a:rPr>
+              <a:t>Carbon nanotubes </a:t>
+            </a:r>
+            <a:r>
+              <a:rPr lang="nl-NL" dirty="0" err="1">
+                <a:latin typeface="Arial"/>
+                <a:cs typeface="Arial"/>
+              </a:rPr>
+              <a:t>can</a:t>
+            </a:r>
+            <a:r>
+              <a:rPr lang="nl-NL" dirty="0">
+                <a:latin typeface="Arial"/>
+                <a:cs typeface="Arial"/>
+              </a:rPr>
+              <a:t> </a:t>
+            </a:r>
+            <a:r>
+              <a:rPr lang="nl-NL" dirty="0" err="1">
+                <a:latin typeface="Arial"/>
+                <a:cs typeface="Arial"/>
+              </a:rPr>
+              <a:t>be</a:t>
+            </a:r>
+            <a:r>
+              <a:rPr lang="nl-NL" dirty="0">
+                <a:latin typeface="Arial"/>
+                <a:cs typeface="Arial"/>
+              </a:rPr>
+              <a:t> </a:t>
+            </a:r>
+            <a:r>
+              <a:rPr lang="nl-NL" dirty="0" err="1">
+                <a:latin typeface="Arial"/>
+                <a:cs typeface="Arial"/>
+              </a:rPr>
+              <a:t>very</a:t>
+            </a:r>
+            <a:r>
+              <a:rPr lang="nl-NL" dirty="0">
+                <a:latin typeface="Arial"/>
+                <a:cs typeface="Arial"/>
+              </a:rPr>
+              <a:t> </a:t>
+            </a:r>
+            <a:r>
+              <a:rPr lang="nl-NL" dirty="0" err="1">
+                <a:latin typeface="Arial"/>
+                <a:cs typeface="Arial"/>
+              </a:rPr>
+              <a:t>toxic</a:t>
+            </a:r>
           </a:p>
         </p:txBody>
       </p:sp>
@@ -8111,7 +8249,7 @@
           <p:cNvPr id="3" name="Tijdelijke aanduiding voor voettekst 2">
             <a:extLst>
               <a:ext uri="{FF2B5EF4-FFF2-40B4-BE49-F238E27FC236}">
-                <a16:creationId xmlns:a16="http://schemas.microsoft.com/office/drawing/2014/main" id="{D675B85F-3EDA-4A13-B39F-123D17144CAB}"/>
+                <a16:creationId xmlns:a16="http://schemas.microsoft.com/office/drawing/2014/main" id="{3D0B3870-0B8D-4CA7-860A-9D56EB7AC438}"/>
               </a:ext>
             </a:extLst>
           </p:cNvPr>
@@ -8139,7 +8277,7 @@
           <p:cNvPr id="4" name="Tijdelijke aanduiding voor dianummer 3">
             <a:extLst>
               <a:ext uri="{FF2B5EF4-FFF2-40B4-BE49-F238E27FC236}">
-                <a16:creationId xmlns:a16="http://schemas.microsoft.com/office/drawing/2014/main" id="{A36FD602-DA2B-4444-9055-A8FA61CA3158}"/>
+                <a16:creationId xmlns:a16="http://schemas.microsoft.com/office/drawing/2014/main" id="{4950DF76-99D2-40CB-A88F-ECF57CE1760C}"/>
               </a:ext>
             </a:extLst>
           </p:cNvPr>
@@ -8168,7 +8306,7 @@
           <p:cNvPr id="5" name="Titel 4">
             <a:extLst>
               <a:ext uri="{FF2B5EF4-FFF2-40B4-BE49-F238E27FC236}">
-                <a16:creationId xmlns:a16="http://schemas.microsoft.com/office/drawing/2014/main" id="{5FC96F9B-0EAB-4D46-8ACB-5E9AB3D673FD}"/>
+                <a16:creationId xmlns:a16="http://schemas.microsoft.com/office/drawing/2014/main" id="{89B92165-5C9D-4BF0-92C6-267065DC29DC}"/>
               </a:ext>
             </a:extLst>
           </p:cNvPr>
@@ -8189,23 +8327,16 @@
                 <a:latin typeface="Arial"/>
                 <a:cs typeface="Arial"/>
               </a:rPr>
-              <a:t>Carbon nanotubes </a:t>
-            </a:r>
-            <a:r>
-              <a:rPr lang="nl-NL" dirty="0" err="1">
-                <a:latin typeface="Arial"/>
-                <a:cs typeface="Arial"/>
-              </a:rPr>
-              <a:t>toxicity</a:t>
-            </a:r>
-            <a:endParaRPr lang="nl-NL" dirty="0" err="1"/>
+              <a:t>Aspect ratio</a:t>
+            </a:r>
+            <a:endParaRPr lang="nl-NL" dirty="0"/>
           </a:p>
         </p:txBody>
       </p:sp>
     </p:spTree>
     <p:extLst>
       <p:ext uri="{BB962C8B-B14F-4D97-AF65-F5344CB8AC3E}">
-        <p14:creationId xmlns:p14="http://schemas.microsoft.com/office/powerpoint/2010/main" val="2378055094"/>
+        <p14:creationId xmlns:p14="http://schemas.microsoft.com/office/powerpoint/2010/main" val="4263617995"/>
       </p:ext>
     </p:extLst>
   </p:cSld>
@@ -8237,6 +8368,161 @@
           <p:cNvPr id="2" name="Tijdelijke aanduiding voor inhoud 1">
             <a:extLst>
               <a:ext uri="{FF2B5EF4-FFF2-40B4-BE49-F238E27FC236}">
+                <a16:creationId xmlns:a16="http://schemas.microsoft.com/office/drawing/2014/main" id="{1D154430-BEF3-4E06-8F0F-0103FC5AE3D5}"/>
+              </a:ext>
+            </a:extLst>
+          </p:cNvPr>
+          <p:cNvSpPr>
+            <a:spLocks noGrp="1"/>
+          </p:cNvSpPr>
+          <p:nvPr>
+            <p:ph idx="1"/>
+          </p:nvPr>
+        </p:nvSpPr>
+        <p:spPr/>
+        <p:txBody>
+          <a:bodyPr vert="horz" lIns="91440" tIns="45720" rIns="91440" bIns="45720" rtlCol="0" anchor="t">
+            <a:normAutofit/>
+          </a:bodyPr>
+          <a:lstStyle/>
+          <a:p>
+            <a:endParaRPr lang="nl-NL" dirty="0">
+              <a:cs typeface="Arial"/>
+            </a:endParaRPr>
+          </a:p>
+        </p:txBody>
+      </p:sp>
+      <p:sp>
+        <p:nvSpPr>
+          <p:cNvPr id="3" name="Tijdelijke aanduiding voor voettekst 2">
+            <a:extLst>
+              <a:ext uri="{FF2B5EF4-FFF2-40B4-BE49-F238E27FC236}">
+                <a16:creationId xmlns:a16="http://schemas.microsoft.com/office/drawing/2014/main" id="{D675B85F-3EDA-4A13-B39F-123D17144CAB}"/>
+              </a:ext>
+            </a:extLst>
+          </p:cNvPr>
+          <p:cNvSpPr>
+            <a:spLocks noGrp="1"/>
+          </p:cNvSpPr>
+          <p:nvPr>
+            <p:ph type="ftr" sz="quarter" idx="11"/>
+          </p:nvPr>
+        </p:nvSpPr>
+        <p:spPr/>
+        <p:txBody>
+          <a:bodyPr/>
+          <a:lstStyle/>
+          <a:p>
+            <a:r>
+              <a:rPr lang="nl-NL"/>
+              <a:t>Faculteit, departement, dienst …</a:t>
+            </a:r>
+          </a:p>
+        </p:txBody>
+      </p:sp>
+      <p:sp>
+        <p:nvSpPr>
+          <p:cNvPr id="4" name="Tijdelijke aanduiding voor dianummer 3">
+            <a:extLst>
+              <a:ext uri="{FF2B5EF4-FFF2-40B4-BE49-F238E27FC236}">
+                <a16:creationId xmlns:a16="http://schemas.microsoft.com/office/drawing/2014/main" id="{A36FD602-DA2B-4444-9055-A8FA61CA3158}"/>
+              </a:ext>
+            </a:extLst>
+          </p:cNvPr>
+          <p:cNvSpPr>
+            <a:spLocks noGrp="1"/>
+          </p:cNvSpPr>
+          <p:nvPr>
+            <p:ph type="sldNum" sz="quarter" idx="12"/>
+          </p:nvPr>
+        </p:nvSpPr>
+        <p:spPr/>
+        <p:txBody>
+          <a:bodyPr/>
+          <a:lstStyle/>
+          <a:p>
+            <a:fld id="{0A297500-7527-634B-90F4-69D0994C32B4}" type="slidenum">
+              <a:rPr lang="nl-NL" smtClean="0"/>
+              <a:t>15</a:t>
+            </a:fld>
+            <a:endParaRPr lang="nl-NL"/>
+          </a:p>
+        </p:txBody>
+      </p:sp>
+      <p:sp>
+        <p:nvSpPr>
+          <p:cNvPr id="5" name="Titel 4">
+            <a:extLst>
+              <a:ext uri="{FF2B5EF4-FFF2-40B4-BE49-F238E27FC236}">
+                <a16:creationId xmlns:a16="http://schemas.microsoft.com/office/drawing/2014/main" id="{5FC96F9B-0EAB-4D46-8ACB-5E9AB3D673FD}"/>
+              </a:ext>
+            </a:extLst>
+          </p:cNvPr>
+          <p:cNvSpPr>
+            <a:spLocks noGrp="1"/>
+          </p:cNvSpPr>
+          <p:nvPr>
+            <p:ph type="title"/>
+          </p:nvPr>
+        </p:nvSpPr>
+        <p:spPr/>
+        <p:txBody>
+          <a:bodyPr/>
+          <a:lstStyle/>
+          <a:p>
+            <a:r>
+              <a:rPr lang="nl-NL" dirty="0">
+                <a:latin typeface="Arial"/>
+                <a:cs typeface="Arial"/>
+              </a:rPr>
+              <a:t>Carbon nanotubes </a:t>
+            </a:r>
+            <a:r>
+              <a:rPr lang="nl-NL" dirty="0" err="1">
+                <a:latin typeface="Arial"/>
+                <a:cs typeface="Arial"/>
+              </a:rPr>
+              <a:t>toxicity</a:t>
+            </a:r>
+            <a:endParaRPr lang="nl-NL" dirty="0" err="1"/>
+          </a:p>
+        </p:txBody>
+      </p:sp>
+    </p:spTree>
+    <p:extLst>
+      <p:ext uri="{BB962C8B-B14F-4D97-AF65-F5344CB8AC3E}">
+        <p14:creationId xmlns:p14="http://schemas.microsoft.com/office/powerpoint/2010/main" val="2378055094"/>
+      </p:ext>
+    </p:extLst>
+  </p:cSld>
+  <p:clrMapOvr>
+    <a:masterClrMapping/>
+  </p:clrMapOvr>
+</p:sld>
+</file>
+
+<file path=ppt/slides/slide16.xml><?xml version="1.0" encoding="utf-8"?>
+<p:sld xmlns:a="http://schemas.openxmlformats.org/drawingml/2006/main" xmlns:r="http://schemas.openxmlformats.org/officeDocument/2006/relationships" xmlns:p="http://schemas.openxmlformats.org/presentationml/2006/main">
+  <p:cSld>
+    <p:spTree>
+      <p:nvGrpSpPr>
+        <p:cNvPr id="1" name=""/>
+        <p:cNvGrpSpPr/>
+        <p:nvPr/>
+      </p:nvGrpSpPr>
+      <p:grpSpPr>
+        <a:xfrm>
+          <a:off x="0" y="0"/>
+          <a:ext cx="0" cy="0"/>
+          <a:chOff x="0" y="0"/>
+          <a:chExt cx="0" cy="0"/>
+        </a:xfrm>
+      </p:grpSpPr>
+      <p:sp>
+        <p:nvSpPr>
+          <p:cNvPr id="2" name="Tijdelijke aanduiding voor inhoud 1">
+            <a:extLst>
+              <a:ext uri="{FF2B5EF4-FFF2-40B4-BE49-F238E27FC236}">
                 <a16:creationId xmlns:a16="http://schemas.microsoft.com/office/drawing/2014/main" id="{721A5729-C616-4F93-8B09-C92FF8EDF40A}"/>
               </a:ext>
             </a:extLst>
@@ -8621,7 +8907,7 @@
           <a:p>
             <a:fld id="{0A297500-7527-634B-90F4-69D0994C32B4}" type="slidenum">
               <a:rPr lang="nl-NL" smtClean="0"/>
-              <a:t>15</a:t>
+              <a:t>16</a:t>
             </a:fld>
             <a:endParaRPr lang="nl-NL"/>
           </a:p>
@@ -10295,6 +10581,55 @@
             <a:endParaRPr lang="nl-BE" sz="2000" dirty="0"/>
           </a:p>
           <a:p>
+            <a:endParaRPr lang="nl-BE" sz="2000" dirty="0"/>
+          </a:p>
+          <a:p>
+            <a:pPr marL="0" indent="0">
+              <a:buNone/>
+            </a:pPr>
+            <a:r>
+              <a:rPr lang="nl-BE" sz="2000" dirty="0" err="1"/>
+              <a:t>Properties</a:t>
+            </a:r>
+            <a:r>
+              <a:rPr lang="nl-BE" sz="2000" dirty="0"/>
+              <a:t> of matter </a:t>
+            </a:r>
+            <a:r>
+              <a:rPr lang="nl-BE" sz="2000" b="1" dirty="0"/>
+              <a:t>change</a:t>
+            </a:r>
+            <a:r>
+              <a:rPr lang="nl-BE" sz="2000" dirty="0"/>
+              <a:t> at </a:t>
+            </a:r>
+            <a:r>
+              <a:rPr lang="nl-BE" sz="2000" dirty="0" err="1"/>
+              <a:t>nanosize</a:t>
+            </a:r>
+            <a:r>
+              <a:rPr lang="nl-BE" sz="2000" dirty="0"/>
+              <a:t>:</a:t>
+            </a:r>
+          </a:p>
+          <a:p>
+            <a:r>
+              <a:rPr lang="nl-BE" sz="2000" dirty="0"/>
+              <a:t>Colour</a:t>
+            </a:r>
+          </a:p>
+          <a:p>
+            <a:r>
+              <a:rPr lang="nl-BE" sz="2000" dirty="0"/>
+              <a:t>Chemical </a:t>
+            </a:r>
+            <a:r>
+              <a:rPr lang="nl-BE" sz="2000" dirty="0" err="1"/>
+              <a:t>reactivity</a:t>
+            </a:r>
+            <a:endParaRPr lang="nl-BE" sz="2000" dirty="0"/>
+          </a:p>
+          <a:p>
             <a:pPr marL="0" indent="0">
               <a:buNone/>
             </a:pPr>
@@ -10572,6 +10907,480 @@
           <a:p>
             <a:r>
               <a:rPr lang="nl-BE" dirty="0"/>
+              <a:t>Nanofood</a:t>
+            </a:r>
+          </a:p>
+        </p:txBody>
+      </p:sp>
+      <p:sp>
+        <p:nvSpPr>
+          <p:cNvPr id="8" name="Tijdelijke aanduiding voor inhoud 1">
+            <a:extLst>
+              <a:ext uri="{FF2B5EF4-FFF2-40B4-BE49-F238E27FC236}">
+                <a16:creationId xmlns:a16="http://schemas.microsoft.com/office/drawing/2014/main" id="{FD48FE27-13D3-407C-9CF5-D7CAC1400D54}"/>
+              </a:ext>
+            </a:extLst>
+          </p:cNvPr>
+          <p:cNvSpPr>
+            <a:spLocks noGrp="1"/>
+          </p:cNvSpPr>
+          <p:nvPr>
+            <p:ph idx="1"/>
+          </p:nvPr>
+        </p:nvSpPr>
+        <p:spPr>
+          <a:xfrm>
+            <a:off x="576000" y="1656000"/>
+            <a:ext cx="11041200" cy="4043464"/>
+          </a:xfrm>
+        </p:spPr>
+        <p:txBody>
+          <a:bodyPr>
+            <a:normAutofit/>
+          </a:bodyPr>
+          <a:lstStyle/>
+          <a:p>
+            <a:pPr marL="0" indent="0">
+              <a:buNone/>
+            </a:pPr>
+            <a:r>
+              <a:rPr lang="nl-BE" sz="2000" dirty="0">
+                <a:hlinkClick r:id="rId3"/>
+              </a:rPr>
+              <a:t>https://www.azonano.com/article.aspx?ArticleID=1786</a:t>
+            </a:r>
+            <a:endParaRPr lang="nl-BE" sz="2000" dirty="0"/>
+          </a:p>
+        </p:txBody>
+      </p:sp>
+      <p:sp>
+        <p:nvSpPr>
+          <p:cNvPr id="10" name="Tekstvak 9">
+            <a:extLst>
+              <a:ext uri="{FF2B5EF4-FFF2-40B4-BE49-F238E27FC236}">
+                <a16:creationId xmlns:a16="http://schemas.microsoft.com/office/drawing/2014/main" id="{F9AF6A87-507F-4E2E-8A2A-840080D13776}"/>
+              </a:ext>
+            </a:extLst>
+          </p:cNvPr>
+          <p:cNvSpPr txBox="1"/>
+          <p:nvPr/>
+        </p:nvSpPr>
+        <p:spPr>
+          <a:xfrm>
+            <a:off x="159798" y="58771"/>
+            <a:ext cx="5832629" cy="276999"/>
+          </a:xfrm>
+          <a:prstGeom prst="rect">
+            <a:avLst/>
+          </a:prstGeom>
+          <a:noFill/>
+        </p:spPr>
+        <p:txBody>
+          <a:bodyPr wrap="square" rtlCol="0">
+            <a:spAutoFit/>
+          </a:bodyPr>
+          <a:lstStyle/>
+          <a:p>
+            <a:r>
+              <a:rPr lang="nl-BE" sz="1200" dirty="0">
+                <a:solidFill>
+                  <a:srgbClr val="1D8DB0"/>
+                </a:solidFill>
+              </a:rPr>
+              <a:t>J. </a:t>
+            </a:r>
+            <a:r>
+              <a:rPr lang="nl-BE" sz="1200" dirty="0" err="1">
+                <a:solidFill>
+                  <a:srgbClr val="1D8DB0"/>
+                </a:solidFill>
+              </a:rPr>
+              <a:t>Neirynck</a:t>
+            </a:r>
+            <a:r>
+              <a:rPr lang="nl-BE" sz="1200" dirty="0">
+                <a:solidFill>
+                  <a:srgbClr val="1D8DB0"/>
+                </a:solidFill>
+              </a:rPr>
+              <a:t>, F. Van </a:t>
+            </a:r>
+            <a:r>
+              <a:rPr lang="nl-BE" sz="1200" dirty="0" err="1">
+                <a:solidFill>
+                  <a:srgbClr val="1D8DB0"/>
+                </a:solidFill>
+              </a:rPr>
+              <a:t>Eecke</a:t>
+            </a:r>
+            <a:r>
+              <a:rPr lang="nl-BE" sz="1200" dirty="0">
+                <a:solidFill>
+                  <a:srgbClr val="1D8DB0"/>
+                </a:solidFill>
+              </a:rPr>
+              <a:t> &amp; R. Vrielynck</a:t>
+            </a:r>
+          </a:p>
+        </p:txBody>
+      </p:sp>
+      <p:sp>
+        <p:nvSpPr>
+          <p:cNvPr id="11" name="Tekstvak 10">
+            <a:extLst>
+              <a:ext uri="{FF2B5EF4-FFF2-40B4-BE49-F238E27FC236}">
+                <a16:creationId xmlns:a16="http://schemas.microsoft.com/office/drawing/2014/main" id="{02C83A39-3DA1-4516-B834-3C3D5F8552F0}"/>
+              </a:ext>
+            </a:extLst>
+          </p:cNvPr>
+          <p:cNvSpPr txBox="1"/>
+          <p:nvPr/>
+        </p:nvSpPr>
+        <p:spPr>
+          <a:xfrm>
+            <a:off x="576000" y="6356412"/>
+            <a:ext cx="10351364" cy="315471"/>
+          </a:xfrm>
+          <a:prstGeom prst="rect">
+            <a:avLst/>
+          </a:prstGeom>
+          <a:noFill/>
+        </p:spPr>
+        <p:txBody>
+          <a:bodyPr wrap="square" rtlCol="0">
+            <a:spAutoFit/>
+          </a:bodyPr>
+          <a:lstStyle/>
+          <a:p>
+            <a:r>
+              <a:rPr lang="nl-BE" sz="1450" dirty="0" err="1">
+                <a:solidFill>
+                  <a:schemeClr val="bg1"/>
+                </a:solidFill>
+              </a:rPr>
+              <a:t>Introduction</a:t>
+            </a:r>
+            <a:r>
+              <a:rPr lang="nl-BE" sz="1450" dirty="0">
+                <a:solidFill>
+                  <a:schemeClr val="bg1"/>
+                </a:solidFill>
+              </a:rPr>
+              <a:t>	</a:t>
+            </a:r>
+            <a:r>
+              <a:rPr lang="nl-BE" sz="1450" b="1" dirty="0">
+                <a:solidFill>
+                  <a:schemeClr val="bg1"/>
+                </a:solidFill>
+              </a:rPr>
+              <a:t>	Framework</a:t>
+            </a:r>
+            <a:r>
+              <a:rPr lang="nl-BE" sz="1450" dirty="0">
+                <a:solidFill>
+                  <a:schemeClr val="bg1"/>
+                </a:solidFill>
+              </a:rPr>
+              <a:t>		</a:t>
+            </a:r>
+            <a:r>
+              <a:rPr lang="nl-BE" sz="1450" dirty="0" err="1">
+                <a:solidFill>
+                  <a:schemeClr val="bg1"/>
+                </a:solidFill>
+              </a:rPr>
+              <a:t>Techniques</a:t>
+            </a:r>
+            <a:r>
+              <a:rPr lang="nl-BE" sz="1450" dirty="0">
+                <a:solidFill>
+                  <a:schemeClr val="bg1"/>
+                </a:solidFill>
+              </a:rPr>
+              <a:t> &amp; </a:t>
+            </a:r>
+            <a:r>
+              <a:rPr lang="nl-BE" sz="1450" dirty="0" err="1">
+                <a:solidFill>
+                  <a:schemeClr val="bg1"/>
+                </a:solidFill>
+              </a:rPr>
+              <a:t>Results</a:t>
+            </a:r>
+            <a:r>
+              <a:rPr lang="nl-BE" sz="1450" dirty="0">
+                <a:solidFill>
+                  <a:schemeClr val="bg1"/>
+                </a:solidFill>
+              </a:rPr>
+              <a:t>			Summary</a:t>
+            </a:r>
+          </a:p>
+        </p:txBody>
+      </p:sp>
+      <p:sp>
+        <p:nvSpPr>
+          <p:cNvPr id="2" name="Rechthoek 1">
+            <a:extLst>
+              <a:ext uri="{FF2B5EF4-FFF2-40B4-BE49-F238E27FC236}">
+                <a16:creationId xmlns:a16="http://schemas.microsoft.com/office/drawing/2014/main" id="{2880D00B-FBB4-4410-8B15-775F42E006A8}"/>
+              </a:ext>
+            </a:extLst>
+          </p:cNvPr>
+          <p:cNvSpPr/>
+          <p:nvPr/>
+        </p:nvSpPr>
+        <p:spPr>
+          <a:xfrm>
+            <a:off x="576263" y="1656000"/>
+            <a:ext cx="3668359" cy="680800"/>
+          </a:xfrm>
+          <a:prstGeom prst="rect">
+            <a:avLst/>
+          </a:prstGeom>
+        </p:spPr>
+        <p:style>
+          <a:lnRef idx="2">
+            <a:schemeClr val="dk1">
+              <a:shade val="50000"/>
+            </a:schemeClr>
+          </a:lnRef>
+          <a:fillRef idx="1">
+            <a:schemeClr val="dk1"/>
+          </a:fillRef>
+          <a:effectRef idx="0">
+            <a:schemeClr val="dk1"/>
+          </a:effectRef>
+          <a:fontRef idx="minor">
+            <a:schemeClr val="lt1"/>
+          </a:fontRef>
+        </p:style>
+        <p:txBody>
+          <a:bodyPr rtlCol="0" anchor="ctr"/>
+          <a:lstStyle/>
+          <a:p>
+            <a:pPr algn="ctr"/>
+            <a:r>
+              <a:rPr lang="nl-BE" b="1" dirty="0"/>
+              <a:t>PACKING</a:t>
+            </a:r>
+          </a:p>
+        </p:txBody>
+      </p:sp>
+      <p:sp>
+        <p:nvSpPr>
+          <p:cNvPr id="3" name="Rechthoek 2">
+            <a:extLst>
+              <a:ext uri="{FF2B5EF4-FFF2-40B4-BE49-F238E27FC236}">
+                <a16:creationId xmlns:a16="http://schemas.microsoft.com/office/drawing/2014/main" id="{FCF2EDAF-CA9D-4BCA-8C21-F7575BFD9118}"/>
+              </a:ext>
+            </a:extLst>
+          </p:cNvPr>
+          <p:cNvSpPr/>
+          <p:nvPr/>
+        </p:nvSpPr>
+        <p:spPr>
+          <a:xfrm>
+            <a:off x="576000" y="2438400"/>
+            <a:ext cx="3668359" cy="3261064"/>
+          </a:xfrm>
+          <a:prstGeom prst="rect">
+            <a:avLst/>
+          </a:prstGeom>
+          <a:solidFill>
+            <a:srgbClr val="DCE7F0"/>
+          </a:solidFill>
+          <a:ln>
+            <a:solidFill>
+              <a:srgbClr val="DCE7F0"/>
+            </a:solidFill>
+          </a:ln>
+        </p:spPr>
+        <p:style>
+          <a:lnRef idx="2">
+            <a:schemeClr val="accent1">
+              <a:shade val="50000"/>
+            </a:schemeClr>
+          </a:lnRef>
+          <a:fillRef idx="1">
+            <a:schemeClr val="accent1"/>
+          </a:fillRef>
+          <a:effectRef idx="0">
+            <a:schemeClr val="accent1"/>
+          </a:effectRef>
+          <a:fontRef idx="minor">
+            <a:schemeClr val="lt1"/>
+          </a:fontRef>
+        </p:style>
+        <p:txBody>
+          <a:bodyPr rtlCol="0" anchor="ctr"/>
+          <a:lstStyle/>
+          <a:p>
+            <a:pPr algn="ctr"/>
+            <a:r>
+              <a:rPr lang="nl-BE" dirty="0"/>
+              <a:t>Active </a:t>
+            </a:r>
+            <a:r>
+              <a:rPr lang="nl-BE" dirty="0" err="1"/>
+              <a:t>packing</a:t>
+            </a:r>
+            <a:endParaRPr lang="nl-BE" dirty="0"/>
+          </a:p>
+          <a:p>
+            <a:pPr algn="ctr"/>
+            <a:r>
+              <a:rPr lang="nl-BE" dirty="0" err="1"/>
+              <a:t>Provide</a:t>
+            </a:r>
+            <a:r>
+              <a:rPr lang="nl-BE" dirty="0"/>
+              <a:t> </a:t>
+            </a:r>
+            <a:r>
+              <a:rPr lang="nl-BE" dirty="0" err="1"/>
+              <a:t>certain</a:t>
+            </a:r>
+            <a:r>
+              <a:rPr lang="nl-BE" dirty="0"/>
+              <a:t> feature</a:t>
+            </a:r>
+          </a:p>
+          <a:p>
+            <a:pPr algn="ctr"/>
+            <a:r>
+              <a:rPr lang="nl-BE" dirty="0"/>
+              <a:t>e.g. stop </a:t>
+            </a:r>
+            <a:r>
+              <a:rPr lang="nl-BE" dirty="0" err="1"/>
+              <a:t>oxygen</a:t>
+            </a:r>
+            <a:endParaRPr lang="nl-BE" dirty="0"/>
+          </a:p>
+          <a:p>
+            <a:pPr algn="ctr"/>
+            <a:endParaRPr lang="nl-BE" dirty="0"/>
+          </a:p>
+          <a:p>
+            <a:pPr algn="ctr"/>
+            <a:r>
+              <a:rPr lang="nl-BE" dirty="0"/>
+              <a:t>Smart </a:t>
+            </a:r>
+            <a:r>
+              <a:rPr lang="nl-BE" dirty="0" err="1"/>
+              <a:t>packing</a:t>
+            </a:r>
+            <a:endParaRPr lang="nl-BE" dirty="0"/>
+          </a:p>
+        </p:txBody>
+      </p:sp>
+    </p:spTree>
+    <p:extLst>
+      <p:ext uri="{BB962C8B-B14F-4D97-AF65-F5344CB8AC3E}">
+        <p14:creationId xmlns:p14="http://schemas.microsoft.com/office/powerpoint/2010/main" val="1759063316"/>
+      </p:ext>
+    </p:extLst>
+  </p:cSld>
+  <p:clrMapOvr>
+    <a:masterClrMapping/>
+  </p:clrMapOvr>
+</p:sld>
+</file>
+
+<file path=ppt/slides/slide7.xml><?xml version="1.0" encoding="utf-8"?>
+<p:sld xmlns:a="http://schemas.openxmlformats.org/drawingml/2006/main" xmlns:r="http://schemas.openxmlformats.org/officeDocument/2006/relationships" xmlns:p="http://schemas.openxmlformats.org/presentationml/2006/main">
+  <p:cSld>
+    <p:spTree>
+      <p:nvGrpSpPr>
+        <p:cNvPr id="1" name=""/>
+        <p:cNvGrpSpPr/>
+        <p:nvPr/>
+      </p:nvGrpSpPr>
+      <p:grpSpPr>
+        <a:xfrm>
+          <a:off x="0" y="0"/>
+          <a:ext cx="0" cy="0"/>
+          <a:chOff x="0" y="0"/>
+          <a:chExt cx="0" cy="0"/>
+        </a:xfrm>
+      </p:grpSpPr>
+      <p:sp>
+        <p:nvSpPr>
+          <p:cNvPr id="7" name="Tijdelijke aanduiding voor dianummer 23">
+            <a:extLst>
+              <a:ext uri="{FF2B5EF4-FFF2-40B4-BE49-F238E27FC236}">
+                <a16:creationId xmlns:a16="http://schemas.microsoft.com/office/drawing/2014/main" id="{E7BA9955-551E-4B72-9196-84FDFE87439B}"/>
+              </a:ext>
+            </a:extLst>
+          </p:cNvPr>
+          <p:cNvSpPr>
+            <a:spLocks noGrp="1"/>
+          </p:cNvSpPr>
+          <p:nvPr>
+            <p:ph type="sldNum" sz="quarter" idx="12"/>
+          </p:nvPr>
+        </p:nvSpPr>
+        <p:spPr>
+          <a:xfrm>
+            <a:off x="11544000" y="-126730"/>
+            <a:ext cx="648000" cy="648000"/>
+          </a:xfrm>
+        </p:spPr>
+        <p:txBody>
+          <a:bodyPr/>
+          <a:lstStyle/>
+          <a:p>
+            <a:fld id="{CF179DAE-D0A6-40C3-B8BC-6A97C268D03A}" type="slidenum">
+              <a:rPr lang="nl-NL" sz="1200" smtClean="0">
+                <a:solidFill>
+                  <a:srgbClr val="1D8DB0"/>
+                </a:solidFill>
+              </a:rPr>
+              <a:pPr/>
+              <a:t>7</a:t>
+            </a:fld>
+            <a:r>
+              <a:rPr lang="nl-NL" sz="1200" dirty="0">
+                <a:solidFill>
+                  <a:srgbClr val="1D8DB0"/>
+                </a:solidFill>
+              </a:rPr>
+              <a:t>/31</a:t>
+            </a:r>
+          </a:p>
+        </p:txBody>
+      </p:sp>
+      <p:sp>
+        <p:nvSpPr>
+          <p:cNvPr id="9" name="Titel 4">
+            <a:extLst>
+              <a:ext uri="{FF2B5EF4-FFF2-40B4-BE49-F238E27FC236}">
+                <a16:creationId xmlns:a16="http://schemas.microsoft.com/office/drawing/2014/main" id="{32C054A8-9043-41C9-BA29-6C11E3B87A6D}"/>
+              </a:ext>
+            </a:extLst>
+          </p:cNvPr>
+          <p:cNvSpPr>
+            <a:spLocks noGrp="1"/>
+          </p:cNvSpPr>
+          <p:nvPr>
+            <p:ph type="title"/>
+          </p:nvPr>
+        </p:nvSpPr>
+        <p:spPr>
+          <a:xfrm>
+            <a:off x="576263" y="336550"/>
+            <a:ext cx="11041062" cy="1152525"/>
+          </a:xfrm>
+        </p:spPr>
+        <p:txBody>
+          <a:bodyPr/>
+          <a:lstStyle/>
+          <a:p>
+            <a:r>
+              <a:rPr lang="nl-BE" dirty="0"/>
               <a:t>Exposure </a:t>
             </a:r>
             <a:r>
@@ -10844,55 +11653,6 @@
             <a:r>
               <a:rPr lang="nl-BE" sz="2400" b="1" dirty="0"/>
               <a:t>SHORT-TERM ROUTES</a:t>
-            </a:r>
-          </a:p>
-        </p:txBody>
-      </p:sp>
-      <p:sp>
-        <p:nvSpPr>
-          <p:cNvPr id="12" name="Rechthoek 11">
-            <a:extLst>
-              <a:ext uri="{FF2B5EF4-FFF2-40B4-BE49-F238E27FC236}">
-                <a16:creationId xmlns:a16="http://schemas.microsoft.com/office/drawing/2014/main" id="{EC0FAB35-27EA-428A-AC16-AF6E5498359F}"/>
-              </a:ext>
-            </a:extLst>
-          </p:cNvPr>
-          <p:cNvSpPr/>
-          <p:nvPr/>
-        </p:nvSpPr>
-        <p:spPr>
-          <a:xfrm>
-            <a:off x="6199575" y="1772356"/>
-            <a:ext cx="5292516" cy="620888"/>
-          </a:xfrm>
-          <a:prstGeom prst="rect">
-            <a:avLst/>
-          </a:prstGeom>
-        </p:spPr>
-        <p:style>
-          <a:lnRef idx="2">
-            <a:schemeClr val="dk1">
-              <a:shade val="50000"/>
-            </a:schemeClr>
-          </a:lnRef>
-          <a:fillRef idx="1">
-            <a:schemeClr val="dk1"/>
-          </a:fillRef>
-          <a:effectRef idx="0">
-            <a:schemeClr val="dk1"/>
-          </a:effectRef>
-          <a:fontRef idx="minor">
-            <a:schemeClr val="lt1"/>
-          </a:fontRef>
-        </p:style>
-        <p:txBody>
-          <a:bodyPr rtlCol="0" anchor="ctr"/>
-          <a:lstStyle/>
-          <a:p>
-            <a:pPr algn="ctr"/>
-            <a:r>
-              <a:rPr lang="nl-BE" sz="2400" b="1" dirty="0"/>
-              <a:t>LONG-TERM ROUTES</a:t>
             </a:r>
           </a:p>
         </p:txBody>
@@ -11096,7 +11856,7 @@
 </p:sld>
 </file>
 
-<file path=ppt/slides/slide7.xml><?xml version="1.0" encoding="utf-8"?>
+<file path=ppt/slides/slide8.xml><?xml version="1.0" encoding="utf-8"?>
 <p:sld xmlns:a="http://schemas.openxmlformats.org/drawingml/2006/main" xmlns:r="http://schemas.openxmlformats.org/officeDocument/2006/relationships" xmlns:p="http://schemas.openxmlformats.org/presentationml/2006/main">
   <p:cSld>
     <p:spTree>
@@ -11146,7 +11906,7 @@
                 </a:solidFill>
               </a:rPr>
               <a:pPr/>
-              <a:t>7</a:t>
+              <a:t>8</a:t>
             </a:fld>
             <a:r>
               <a:rPr lang="nl-NL" sz="1200" dirty="0">
@@ -11985,369 +12745,6 @@
 </p:sld>
 </file>
 
-<file path=ppt/slides/slide8.xml><?xml version="1.0" encoding="utf-8"?>
-<p:sld xmlns:a="http://schemas.openxmlformats.org/drawingml/2006/main" xmlns:r="http://schemas.openxmlformats.org/officeDocument/2006/relationships" xmlns:p="http://schemas.openxmlformats.org/presentationml/2006/main">
-  <p:cSld>
-    <p:spTree>
-      <p:nvGrpSpPr>
-        <p:cNvPr id="1" name=""/>
-        <p:cNvGrpSpPr/>
-        <p:nvPr/>
-      </p:nvGrpSpPr>
-      <p:grpSpPr>
-        <a:xfrm>
-          <a:off x="0" y="0"/>
-          <a:ext cx="0" cy="0"/>
-          <a:chOff x="0" y="0"/>
-          <a:chExt cx="0" cy="0"/>
-        </a:xfrm>
-      </p:grpSpPr>
-      <p:sp>
-        <p:nvSpPr>
-          <p:cNvPr id="7" name="Tijdelijke aanduiding voor dianummer 23">
-            <a:extLst>
-              <a:ext uri="{FF2B5EF4-FFF2-40B4-BE49-F238E27FC236}">
-                <a16:creationId xmlns:a16="http://schemas.microsoft.com/office/drawing/2014/main" id="{E7BA9955-551E-4B72-9196-84FDFE87439B}"/>
-              </a:ext>
-            </a:extLst>
-          </p:cNvPr>
-          <p:cNvSpPr>
-            <a:spLocks noGrp="1"/>
-          </p:cNvSpPr>
-          <p:nvPr>
-            <p:ph type="sldNum" sz="quarter" idx="12"/>
-          </p:nvPr>
-        </p:nvSpPr>
-        <p:spPr>
-          <a:xfrm>
-            <a:off x="11544000" y="-126730"/>
-            <a:ext cx="648000" cy="648000"/>
-          </a:xfrm>
-        </p:spPr>
-        <p:txBody>
-          <a:bodyPr/>
-          <a:lstStyle/>
-          <a:p>
-            <a:fld id="{CF179DAE-D0A6-40C3-B8BC-6A97C268D03A}" type="slidenum">
-              <a:rPr lang="nl-NL" sz="1200" smtClean="0">
-                <a:solidFill>
-                  <a:srgbClr val="1D8DB0"/>
-                </a:solidFill>
-              </a:rPr>
-              <a:pPr/>
-              <a:t>8</a:t>
-            </a:fld>
-            <a:r>
-              <a:rPr lang="nl-NL" sz="1200" dirty="0">
-                <a:solidFill>
-                  <a:srgbClr val="1D8DB0"/>
-                </a:solidFill>
-              </a:rPr>
-              <a:t>/31</a:t>
-            </a:r>
-          </a:p>
-        </p:txBody>
-      </p:sp>
-      <p:sp>
-        <p:nvSpPr>
-          <p:cNvPr id="9" name="Titel 4">
-            <a:extLst>
-              <a:ext uri="{FF2B5EF4-FFF2-40B4-BE49-F238E27FC236}">
-                <a16:creationId xmlns:a16="http://schemas.microsoft.com/office/drawing/2014/main" id="{32C054A8-9043-41C9-BA29-6C11E3B87A6D}"/>
-              </a:ext>
-            </a:extLst>
-          </p:cNvPr>
-          <p:cNvSpPr>
-            <a:spLocks noGrp="1"/>
-          </p:cNvSpPr>
-          <p:nvPr>
-            <p:ph type="title"/>
-          </p:nvPr>
-        </p:nvSpPr>
-        <p:spPr>
-          <a:xfrm>
-            <a:off x="576263" y="336550"/>
-            <a:ext cx="11041062" cy="1152525"/>
-          </a:xfrm>
-        </p:spPr>
-        <p:txBody>
-          <a:bodyPr/>
-          <a:lstStyle/>
-          <a:p>
-            <a:r>
-              <a:rPr lang="nl-BE" dirty="0" err="1"/>
-              <a:t>Genotoxicity</a:t>
-            </a:r>
-            <a:endParaRPr lang="nl-BE" dirty="0"/>
-          </a:p>
-        </p:txBody>
-      </p:sp>
-      <p:sp>
-        <p:nvSpPr>
-          <p:cNvPr id="8" name="Tijdelijke aanduiding voor inhoud 1">
-            <a:extLst>
-              <a:ext uri="{FF2B5EF4-FFF2-40B4-BE49-F238E27FC236}">
-                <a16:creationId xmlns:a16="http://schemas.microsoft.com/office/drawing/2014/main" id="{FD48FE27-13D3-407C-9CF5-D7CAC1400D54}"/>
-              </a:ext>
-            </a:extLst>
-          </p:cNvPr>
-          <p:cNvSpPr>
-            <a:spLocks noGrp="1"/>
-          </p:cNvSpPr>
-          <p:nvPr>
-            <p:ph idx="1"/>
-          </p:nvPr>
-        </p:nvSpPr>
-        <p:spPr>
-          <a:xfrm>
-            <a:off x="576000" y="1656000"/>
-            <a:ext cx="11041200" cy="4043464"/>
-          </a:xfrm>
-        </p:spPr>
-        <p:txBody>
-          <a:bodyPr>
-            <a:normAutofit/>
-          </a:bodyPr>
-          <a:lstStyle/>
-          <a:p>
-            <a:pPr marL="0" indent="0">
-              <a:buNone/>
-            </a:pPr>
-            <a:r>
-              <a:rPr lang="nl-BE" sz="2000" dirty="0" err="1"/>
-              <a:t>Describes</a:t>
-            </a:r>
-            <a:r>
-              <a:rPr lang="nl-BE" sz="2000" dirty="0"/>
-              <a:t> </a:t>
-            </a:r>
-            <a:r>
-              <a:rPr lang="nl-BE" sz="2000" dirty="0" err="1"/>
-              <a:t>the</a:t>
-            </a:r>
-            <a:r>
-              <a:rPr lang="nl-BE" sz="2000" dirty="0"/>
-              <a:t> </a:t>
-            </a:r>
-            <a:r>
-              <a:rPr lang="nl-BE" sz="2000" dirty="0" err="1"/>
-              <a:t>ability</a:t>
-            </a:r>
-            <a:r>
-              <a:rPr lang="nl-BE" sz="2000" dirty="0"/>
-              <a:t> of a </a:t>
-            </a:r>
-            <a:r>
-              <a:rPr lang="nl-BE" sz="2000" dirty="0" err="1"/>
-              <a:t>chemical</a:t>
-            </a:r>
-            <a:r>
-              <a:rPr lang="nl-BE" sz="2000" dirty="0"/>
-              <a:t> test agent </a:t>
-            </a:r>
-            <a:r>
-              <a:rPr lang="nl-BE" sz="2000" dirty="0" err="1"/>
-              <a:t>to</a:t>
-            </a:r>
-            <a:r>
-              <a:rPr lang="nl-BE" sz="2000" dirty="0"/>
-              <a:t> </a:t>
-            </a:r>
-            <a:r>
-              <a:rPr lang="nl-BE" sz="2000" dirty="0" err="1"/>
-              <a:t>induce</a:t>
-            </a:r>
-            <a:r>
-              <a:rPr lang="nl-BE" sz="2000" dirty="0"/>
-              <a:t> DNA </a:t>
-            </a:r>
-            <a:r>
-              <a:rPr lang="nl-BE" sz="2000" dirty="0" err="1"/>
-              <a:t>damage</a:t>
-            </a:r>
-            <a:endParaRPr lang="nl-BE" sz="2000" dirty="0"/>
-          </a:p>
-        </p:txBody>
-      </p:sp>
-      <p:sp>
-        <p:nvSpPr>
-          <p:cNvPr id="10" name="Tekstvak 9">
-            <a:extLst>
-              <a:ext uri="{FF2B5EF4-FFF2-40B4-BE49-F238E27FC236}">
-                <a16:creationId xmlns:a16="http://schemas.microsoft.com/office/drawing/2014/main" id="{F9AF6A87-507F-4E2E-8A2A-840080D13776}"/>
-              </a:ext>
-            </a:extLst>
-          </p:cNvPr>
-          <p:cNvSpPr txBox="1"/>
-          <p:nvPr/>
-        </p:nvSpPr>
-        <p:spPr>
-          <a:xfrm>
-            <a:off x="159798" y="58771"/>
-            <a:ext cx="5832629" cy="276999"/>
-          </a:xfrm>
-          <a:prstGeom prst="rect">
-            <a:avLst/>
-          </a:prstGeom>
-          <a:noFill/>
-        </p:spPr>
-        <p:txBody>
-          <a:bodyPr wrap="square" rtlCol="0">
-            <a:spAutoFit/>
-          </a:bodyPr>
-          <a:lstStyle/>
-          <a:p>
-            <a:r>
-              <a:rPr lang="nl-BE" sz="1200" dirty="0">
-                <a:solidFill>
-                  <a:srgbClr val="1D8DB0"/>
-                </a:solidFill>
-              </a:rPr>
-              <a:t>J. </a:t>
-            </a:r>
-            <a:r>
-              <a:rPr lang="nl-BE" sz="1200" dirty="0" err="1">
-                <a:solidFill>
-                  <a:srgbClr val="1D8DB0"/>
-                </a:solidFill>
-              </a:rPr>
-              <a:t>Neirynck</a:t>
-            </a:r>
-            <a:r>
-              <a:rPr lang="nl-BE" sz="1200" dirty="0">
-                <a:solidFill>
-                  <a:srgbClr val="1D8DB0"/>
-                </a:solidFill>
-              </a:rPr>
-              <a:t>, F. Van </a:t>
-            </a:r>
-            <a:r>
-              <a:rPr lang="nl-BE" sz="1200" dirty="0" err="1">
-                <a:solidFill>
-                  <a:srgbClr val="1D8DB0"/>
-                </a:solidFill>
-              </a:rPr>
-              <a:t>Eecke</a:t>
-            </a:r>
-            <a:r>
-              <a:rPr lang="nl-BE" sz="1200" dirty="0">
-                <a:solidFill>
-                  <a:srgbClr val="1D8DB0"/>
-                </a:solidFill>
-              </a:rPr>
-              <a:t> &amp; R. Vrielynck</a:t>
-            </a:r>
-          </a:p>
-        </p:txBody>
-      </p:sp>
-      <p:sp>
-        <p:nvSpPr>
-          <p:cNvPr id="11" name="Tekstvak 10">
-            <a:extLst>
-              <a:ext uri="{FF2B5EF4-FFF2-40B4-BE49-F238E27FC236}">
-                <a16:creationId xmlns:a16="http://schemas.microsoft.com/office/drawing/2014/main" id="{02C83A39-3DA1-4516-B834-3C3D5F8552F0}"/>
-              </a:ext>
-            </a:extLst>
-          </p:cNvPr>
-          <p:cNvSpPr txBox="1"/>
-          <p:nvPr/>
-        </p:nvSpPr>
-        <p:spPr>
-          <a:xfrm>
-            <a:off x="576000" y="6356412"/>
-            <a:ext cx="10351364" cy="315471"/>
-          </a:xfrm>
-          <a:prstGeom prst="rect">
-            <a:avLst/>
-          </a:prstGeom>
-          <a:noFill/>
-        </p:spPr>
-        <p:txBody>
-          <a:bodyPr wrap="square" rtlCol="0">
-            <a:spAutoFit/>
-          </a:bodyPr>
-          <a:lstStyle/>
-          <a:p>
-            <a:r>
-              <a:rPr lang="nl-BE" sz="1450" dirty="0" err="1">
-                <a:solidFill>
-                  <a:schemeClr val="bg1"/>
-                </a:solidFill>
-              </a:rPr>
-              <a:t>Introduction</a:t>
-            </a:r>
-            <a:r>
-              <a:rPr lang="nl-BE" sz="1450" dirty="0">
-                <a:solidFill>
-                  <a:schemeClr val="bg1"/>
-                </a:solidFill>
-              </a:rPr>
-              <a:t>	</a:t>
-            </a:r>
-            <a:r>
-              <a:rPr lang="nl-BE" sz="1450" b="1" dirty="0">
-                <a:solidFill>
-                  <a:schemeClr val="bg1"/>
-                </a:solidFill>
-              </a:rPr>
-              <a:t>	Framework</a:t>
-            </a:r>
-            <a:r>
-              <a:rPr lang="nl-BE" sz="1450" dirty="0">
-                <a:solidFill>
-                  <a:schemeClr val="bg1"/>
-                </a:solidFill>
-              </a:rPr>
-              <a:t>		</a:t>
-            </a:r>
-            <a:r>
-              <a:rPr lang="nl-BE" sz="1450" dirty="0" err="1">
-                <a:solidFill>
-                  <a:schemeClr val="bg1"/>
-                </a:solidFill>
-              </a:rPr>
-              <a:t>Techniques</a:t>
-            </a:r>
-            <a:r>
-              <a:rPr lang="nl-BE" sz="1450" dirty="0">
-                <a:solidFill>
-                  <a:schemeClr val="bg1"/>
-                </a:solidFill>
-              </a:rPr>
-              <a:t> &amp; </a:t>
-            </a:r>
-            <a:r>
-              <a:rPr lang="nl-BE" sz="1450" dirty="0" err="1">
-                <a:solidFill>
-                  <a:schemeClr val="bg1"/>
-                </a:solidFill>
-              </a:rPr>
-              <a:t>Results</a:t>
-            </a:r>
-            <a:r>
-              <a:rPr lang="nl-BE" sz="1450" dirty="0">
-                <a:solidFill>
-                  <a:schemeClr val="bg1"/>
-                </a:solidFill>
-              </a:rPr>
-              <a:t>			Summary</a:t>
-            </a:r>
-          </a:p>
-        </p:txBody>
-      </p:sp>
-    </p:spTree>
-    <p:extLst>
-      <p:ext uri="{BB962C8B-B14F-4D97-AF65-F5344CB8AC3E}">
-        <p14:creationId xmlns:p14="http://schemas.microsoft.com/office/powerpoint/2010/main" val="2708186672"/>
-      </p:ext>
-    </p:extLst>
-  </p:cSld>
-  <p:clrMapOvr>
-    <a:masterClrMapping/>
-  </p:clrMapOvr>
-</p:sld>
-</file>
-
 <file path=ppt/slides/slide9.xml><?xml version="1.0" encoding="utf-8"?>
 <p:sld xmlns:a="http://schemas.openxmlformats.org/drawingml/2006/main" xmlns:r="http://schemas.openxmlformats.org/officeDocument/2006/relationships" xmlns:p="http://schemas.openxmlformats.org/presentationml/2006/main">
   <p:cSld>
@@ -12367,10 +12764,10 @@
       </p:grpSpPr>
       <p:sp>
         <p:nvSpPr>
-          <p:cNvPr id="2" name="Titel 1">
+          <p:cNvPr id="7" name="Tijdelijke aanduiding voor dianummer 23">
             <a:extLst>
               <a:ext uri="{FF2B5EF4-FFF2-40B4-BE49-F238E27FC236}">
-                <a16:creationId xmlns:a16="http://schemas.microsoft.com/office/drawing/2014/main" id="{069A9DF7-0F9D-4549-B4E3-66F98F66FF7B}"/>
+                <a16:creationId xmlns:a16="http://schemas.microsoft.com/office/drawing/2014/main" id="{E7BA9955-551E-4B72-9196-84FDFE87439B}"/>
               </a:ext>
             </a:extLst>
           </p:cNvPr>
@@ -12378,52 +12775,45 @@
             <a:spLocks noGrp="1"/>
           </p:cNvSpPr>
           <p:nvPr>
-            <p:ph type="title"/>
-          </p:nvPr>
-        </p:nvSpPr>
-        <p:spPr/>
+            <p:ph type="sldNum" sz="quarter" idx="12"/>
+          </p:nvPr>
+        </p:nvSpPr>
+        <p:spPr>
+          <a:xfrm>
+            <a:off x="11544000" y="-126730"/>
+            <a:ext cx="648000" cy="648000"/>
+          </a:xfrm>
+        </p:spPr>
         <p:txBody>
           <a:bodyPr/>
           <a:lstStyle/>
           <a:p>
-            <a:r>
-              <a:rPr lang="nl-NL" dirty="0">
-                <a:latin typeface="Arial"/>
-                <a:cs typeface="Arial"/>
-              </a:rPr>
-              <a:t>Parameters </a:t>
-            </a:r>
-            <a:r>
-              <a:rPr lang="nl-NL" dirty="0" err="1">
-                <a:latin typeface="Arial"/>
-                <a:cs typeface="Arial"/>
-              </a:rPr>
-              <a:t>influcencing</a:t>
-            </a:r>
-            <a:r>
-              <a:rPr lang="nl-NL" dirty="0">
-                <a:latin typeface="Arial"/>
-                <a:cs typeface="Arial"/>
-              </a:rPr>
-              <a:t> </a:t>
-            </a:r>
-            <a:r>
-              <a:rPr lang="nl-NL" dirty="0" err="1">
-                <a:latin typeface="Arial"/>
-                <a:cs typeface="Arial"/>
-              </a:rPr>
-              <a:t>toxicity</a:t>
-            </a:r>
-            <a:endParaRPr lang="nl-NL" dirty="0" err="1"/>
-          </a:p>
-        </p:txBody>
-      </p:sp>
-      <p:sp>
-        <p:nvSpPr>
-          <p:cNvPr id="3" name="Tijdelijke aanduiding voor tekst 2">
+            <a:fld id="{CF179DAE-D0A6-40C3-B8BC-6A97C268D03A}" type="slidenum">
+              <a:rPr lang="nl-NL" sz="1200" smtClean="0">
+                <a:solidFill>
+                  <a:srgbClr val="1D8DB0"/>
+                </a:solidFill>
+              </a:rPr>
+              <a:pPr/>
+              <a:t>9</a:t>
+            </a:fld>
+            <a:r>
+              <a:rPr lang="nl-NL" sz="1200" dirty="0">
+                <a:solidFill>
+                  <a:srgbClr val="1D8DB0"/>
+                </a:solidFill>
+              </a:rPr>
+              <a:t>/31</a:t>
+            </a:r>
+          </a:p>
+        </p:txBody>
+      </p:sp>
+      <p:sp>
+        <p:nvSpPr>
+          <p:cNvPr id="9" name="Titel 4">
             <a:extLst>
               <a:ext uri="{FF2B5EF4-FFF2-40B4-BE49-F238E27FC236}">
-                <a16:creationId xmlns:a16="http://schemas.microsoft.com/office/drawing/2014/main" id="{0765C0FE-D1DD-43F6-A1E8-FF2D7256F7B0}"/>
+                <a16:creationId xmlns:a16="http://schemas.microsoft.com/office/drawing/2014/main" id="{32C054A8-9043-41C9-BA29-6C11E3B87A6D}"/>
               </a:ext>
             </a:extLst>
           </p:cNvPr>
@@ -12431,24 +12821,33 @@
             <a:spLocks noGrp="1"/>
           </p:cNvSpPr>
           <p:nvPr>
-            <p:ph type="body" idx="1"/>
-          </p:nvPr>
-        </p:nvSpPr>
-        <p:spPr/>
+            <p:ph type="title"/>
+          </p:nvPr>
+        </p:nvSpPr>
+        <p:spPr>
+          <a:xfrm>
+            <a:off x="576263" y="336550"/>
+            <a:ext cx="11041062" cy="1152525"/>
+          </a:xfrm>
+        </p:spPr>
         <p:txBody>
           <a:bodyPr/>
           <a:lstStyle/>
           <a:p>
-            <a:endParaRPr lang="nl-NL"/>
-          </a:p>
-        </p:txBody>
-      </p:sp>
-      <p:sp>
-        <p:nvSpPr>
-          <p:cNvPr id="4" name="Tijdelijke aanduiding voor voettekst 3">
+            <a:r>
+              <a:rPr lang="nl-BE" dirty="0" err="1"/>
+              <a:t>Genotoxicity</a:t>
+            </a:r>
+            <a:endParaRPr lang="nl-BE" dirty="0"/>
+          </a:p>
+        </p:txBody>
+      </p:sp>
+      <p:sp>
+        <p:nvSpPr>
+          <p:cNvPr id="8" name="Tijdelijke aanduiding voor inhoud 1">
             <a:extLst>
               <a:ext uri="{FF2B5EF4-FFF2-40B4-BE49-F238E27FC236}">
-                <a16:creationId xmlns:a16="http://schemas.microsoft.com/office/drawing/2014/main" id="{E63340FA-5B57-4924-A4D1-10B8E5D14A4C}"/>
+                <a16:creationId xmlns:a16="http://schemas.microsoft.com/office/drawing/2014/main" id="{FD48FE27-13D3-407C-9CF5-D7CAC1400D54}"/>
               </a:ext>
             </a:extLst>
           </p:cNvPr>
@@ -12456,90 +12855,250 @@
             <a:spLocks noGrp="1"/>
           </p:cNvSpPr>
           <p:nvPr>
-            <p:ph type="ftr" sz="quarter" idx="11"/>
-          </p:nvPr>
-        </p:nvSpPr>
-        <p:spPr/>
-        <p:txBody>
-          <a:bodyPr/>
-          <a:lstStyle/>
-          <a:p>
-            <a:r>
-              <a:rPr lang="nl-NL"/>
-              <a:t>Faculteit, departement, dienst …</a:t>
-            </a:r>
-          </a:p>
-        </p:txBody>
-      </p:sp>
-      <p:sp>
-        <p:nvSpPr>
-          <p:cNvPr id="5" name="Tijdelijke aanduiding voor dianummer 4">
+            <p:ph idx="1"/>
+          </p:nvPr>
+        </p:nvSpPr>
+        <p:spPr>
+          <a:xfrm>
+            <a:off x="576000" y="1656000"/>
+            <a:ext cx="11041200" cy="4043464"/>
+          </a:xfrm>
+        </p:spPr>
+        <p:txBody>
+          <a:bodyPr>
+            <a:normAutofit/>
+          </a:bodyPr>
+          <a:lstStyle/>
+          <a:p>
+            <a:pPr marL="0" indent="0">
+              <a:buNone/>
+            </a:pPr>
+            <a:r>
+              <a:rPr lang="nl-BE" sz="2000" dirty="0" err="1"/>
+              <a:t>Describes</a:t>
+            </a:r>
+            <a:r>
+              <a:rPr lang="nl-BE" sz="2000" dirty="0"/>
+              <a:t> </a:t>
+            </a:r>
+            <a:r>
+              <a:rPr lang="nl-BE" sz="2000" dirty="0" err="1"/>
+              <a:t>the</a:t>
+            </a:r>
+            <a:r>
+              <a:rPr lang="nl-BE" sz="2000" dirty="0"/>
+              <a:t> </a:t>
+            </a:r>
+            <a:r>
+              <a:rPr lang="nl-BE" sz="2000" dirty="0" err="1"/>
+              <a:t>ability</a:t>
+            </a:r>
+            <a:r>
+              <a:rPr lang="nl-BE" sz="2000" dirty="0"/>
+              <a:t> of a </a:t>
+            </a:r>
+            <a:r>
+              <a:rPr lang="nl-BE" sz="2000" dirty="0" err="1"/>
+              <a:t>chemical</a:t>
+            </a:r>
+            <a:r>
+              <a:rPr lang="nl-BE" sz="2000" dirty="0"/>
+              <a:t> test agent </a:t>
+            </a:r>
+            <a:r>
+              <a:rPr lang="nl-BE" sz="2000" dirty="0" err="1"/>
+              <a:t>to</a:t>
+            </a:r>
+            <a:r>
+              <a:rPr lang="nl-BE" sz="2000" dirty="0"/>
+              <a:t> </a:t>
+            </a:r>
+            <a:r>
+              <a:rPr lang="nl-BE" sz="2000" dirty="0" err="1"/>
+              <a:t>induce</a:t>
+            </a:r>
+            <a:r>
+              <a:rPr lang="nl-BE" sz="2000" dirty="0"/>
+              <a:t> DNA </a:t>
+            </a:r>
+            <a:r>
+              <a:rPr lang="nl-BE" sz="2000" dirty="0" err="1"/>
+              <a:t>damage</a:t>
+            </a:r>
+            <a:endParaRPr lang="nl-BE" sz="2000" dirty="0"/>
+          </a:p>
+        </p:txBody>
+      </p:sp>
+      <p:sp>
+        <p:nvSpPr>
+          <p:cNvPr id="10" name="Tekstvak 9">
             <a:extLst>
               <a:ext uri="{FF2B5EF4-FFF2-40B4-BE49-F238E27FC236}">
-                <a16:creationId xmlns:a16="http://schemas.microsoft.com/office/drawing/2014/main" id="{74B25947-9FBD-4735-9AE1-ED393740821F}"/>
+                <a16:creationId xmlns:a16="http://schemas.microsoft.com/office/drawing/2014/main" id="{F9AF6A87-507F-4E2E-8A2A-840080D13776}"/>
               </a:ext>
             </a:extLst>
           </p:cNvPr>
-          <p:cNvSpPr>
-            <a:spLocks noGrp="1"/>
-          </p:cNvSpPr>
-          <p:nvPr>
-            <p:ph type="sldNum" sz="quarter" idx="12"/>
-          </p:nvPr>
-        </p:nvSpPr>
-        <p:spPr/>
-        <p:txBody>
-          <a:bodyPr/>
-          <a:lstStyle/>
-          <a:p>
-            <a:fld id="{0A297500-7527-634B-90F4-69D0994C32B4}" type="slidenum">
-              <a:rPr lang="nl-NL" smtClean="0"/>
-              <a:t>9</a:t>
-            </a:fld>
-            <a:endParaRPr lang="nl-NL"/>
-          </a:p>
-        </p:txBody>
-      </p:sp>
-      <p:sp>
-        <p:nvSpPr>
-          <p:cNvPr id="6" name="Tijdelijke aanduiding voor afbeelding 5">
+          <p:cNvSpPr txBox="1"/>
+          <p:nvPr/>
+        </p:nvSpPr>
+        <p:spPr>
+          <a:xfrm>
+            <a:off x="159798" y="58771"/>
+            <a:ext cx="5832629" cy="276999"/>
+          </a:xfrm>
+          <a:prstGeom prst="rect">
+            <a:avLst/>
+          </a:prstGeom>
+          <a:noFill/>
+        </p:spPr>
+        <p:txBody>
+          <a:bodyPr wrap="square" rtlCol="0">
+            <a:spAutoFit/>
+          </a:bodyPr>
+          <a:lstStyle/>
+          <a:p>
+            <a:r>
+              <a:rPr lang="nl-BE" sz="1200" dirty="0">
+                <a:solidFill>
+                  <a:srgbClr val="1D8DB0"/>
+                </a:solidFill>
+              </a:rPr>
+              <a:t>J. </a:t>
+            </a:r>
+            <a:r>
+              <a:rPr lang="nl-BE" sz="1200" dirty="0" err="1">
+                <a:solidFill>
+                  <a:srgbClr val="1D8DB0"/>
+                </a:solidFill>
+              </a:rPr>
+              <a:t>Neirynck</a:t>
+            </a:r>
+            <a:r>
+              <a:rPr lang="nl-BE" sz="1200" dirty="0">
+                <a:solidFill>
+                  <a:srgbClr val="1D8DB0"/>
+                </a:solidFill>
+              </a:rPr>
+              <a:t>, F. Van </a:t>
+            </a:r>
+            <a:r>
+              <a:rPr lang="nl-BE" sz="1200" dirty="0" err="1">
+                <a:solidFill>
+                  <a:srgbClr val="1D8DB0"/>
+                </a:solidFill>
+              </a:rPr>
+              <a:t>Eecke</a:t>
+            </a:r>
+            <a:r>
+              <a:rPr lang="nl-BE" sz="1200" dirty="0">
+                <a:solidFill>
+                  <a:srgbClr val="1D8DB0"/>
+                </a:solidFill>
+              </a:rPr>
+              <a:t> &amp; R. Vrielynck</a:t>
+            </a:r>
+          </a:p>
+        </p:txBody>
+      </p:sp>
+      <p:sp>
+        <p:nvSpPr>
+          <p:cNvPr id="11" name="Tekstvak 10">
             <a:extLst>
               <a:ext uri="{FF2B5EF4-FFF2-40B4-BE49-F238E27FC236}">
-                <a16:creationId xmlns:a16="http://schemas.microsoft.com/office/drawing/2014/main" id="{5275FCF6-597C-42C7-8DFD-B54FDE863E6B}"/>
+                <a16:creationId xmlns:a16="http://schemas.microsoft.com/office/drawing/2014/main" id="{02C83A39-3DA1-4516-B834-3C3D5F8552F0}"/>
               </a:ext>
             </a:extLst>
           </p:cNvPr>
-          <p:cNvSpPr>
-            <a:spLocks noGrp="1"/>
-          </p:cNvSpPr>
-          <p:nvPr>
-            <p:ph type="pic" sz="quarter" idx="13"/>
-          </p:nvPr>
-        </p:nvSpPr>
-        <p:spPr/>
-      </p:sp>
-      <p:sp>
-        <p:nvSpPr>
-          <p:cNvPr id="7" name="Tijdelijke aanduiding voor afbeelding 6">
-            <a:extLst>
-              <a:ext uri="{FF2B5EF4-FFF2-40B4-BE49-F238E27FC236}">
-                <a16:creationId xmlns:a16="http://schemas.microsoft.com/office/drawing/2014/main" id="{8EE963F9-2796-4544-B389-0EF584315BE6}"/>
-              </a:ext>
-            </a:extLst>
-          </p:cNvPr>
-          <p:cNvSpPr>
-            <a:spLocks noGrp="1"/>
-          </p:cNvSpPr>
-          <p:nvPr>
-            <p:ph type="pic" sz="quarter" idx="14"/>
-          </p:nvPr>
-        </p:nvSpPr>
-        <p:spPr/>
+          <p:cNvSpPr txBox="1"/>
+          <p:nvPr/>
+        </p:nvSpPr>
+        <p:spPr>
+          <a:xfrm>
+            <a:off x="576000" y="6356412"/>
+            <a:ext cx="10351364" cy="315471"/>
+          </a:xfrm>
+          <a:prstGeom prst="rect">
+            <a:avLst/>
+          </a:prstGeom>
+          <a:noFill/>
+        </p:spPr>
+        <p:txBody>
+          <a:bodyPr wrap="square" rtlCol="0">
+            <a:spAutoFit/>
+          </a:bodyPr>
+          <a:lstStyle/>
+          <a:p>
+            <a:r>
+              <a:rPr lang="nl-BE" sz="1450" dirty="0" err="1">
+                <a:solidFill>
+                  <a:schemeClr val="bg1"/>
+                </a:solidFill>
+              </a:rPr>
+              <a:t>Introduction</a:t>
+            </a:r>
+            <a:r>
+              <a:rPr lang="nl-BE" sz="1450" dirty="0">
+                <a:solidFill>
+                  <a:schemeClr val="bg1"/>
+                </a:solidFill>
+              </a:rPr>
+              <a:t>	</a:t>
+            </a:r>
+            <a:r>
+              <a:rPr lang="nl-BE" sz="1450" b="1" dirty="0">
+                <a:solidFill>
+                  <a:schemeClr val="bg1"/>
+                </a:solidFill>
+              </a:rPr>
+              <a:t>	Framework</a:t>
+            </a:r>
+            <a:r>
+              <a:rPr lang="nl-BE" sz="1450" dirty="0">
+                <a:solidFill>
+                  <a:schemeClr val="bg1"/>
+                </a:solidFill>
+              </a:rPr>
+              <a:t>		</a:t>
+            </a:r>
+            <a:r>
+              <a:rPr lang="nl-BE" sz="1450" dirty="0" err="1">
+                <a:solidFill>
+                  <a:schemeClr val="bg1"/>
+                </a:solidFill>
+              </a:rPr>
+              <a:t>Techniques</a:t>
+            </a:r>
+            <a:r>
+              <a:rPr lang="nl-BE" sz="1450" dirty="0">
+                <a:solidFill>
+                  <a:schemeClr val="bg1"/>
+                </a:solidFill>
+              </a:rPr>
+              <a:t> &amp; </a:t>
+            </a:r>
+            <a:r>
+              <a:rPr lang="nl-BE" sz="1450" dirty="0" err="1">
+                <a:solidFill>
+                  <a:schemeClr val="bg1"/>
+                </a:solidFill>
+              </a:rPr>
+              <a:t>Results</a:t>
+            </a:r>
+            <a:r>
+              <a:rPr lang="nl-BE" sz="1450" dirty="0">
+                <a:solidFill>
+                  <a:schemeClr val="bg1"/>
+                </a:solidFill>
+              </a:rPr>
+              <a:t>			Summary</a:t>
+            </a:r>
+          </a:p>
+        </p:txBody>
       </p:sp>
     </p:spTree>
     <p:extLst>
       <p:ext uri="{BB962C8B-B14F-4D97-AF65-F5344CB8AC3E}">
-        <p14:creationId xmlns:p14="http://schemas.microsoft.com/office/powerpoint/2010/main" val="1103729882"/>
+        <p14:creationId xmlns:p14="http://schemas.microsoft.com/office/powerpoint/2010/main" val="2708186672"/>
       </p:ext>
     </p:extLst>
   </p:cSld>

--- a/NanoparticleToxicity.pptx
+++ b/NanoparticleToxicity.pptx
@@ -6,10 +6,10 @@
     <p:sldMasterId id="2147483694" r:id="rId2"/>
   </p:sldMasterIdLst>
   <p:notesMasterIdLst>
-    <p:notesMasterId r:id="rId22"/>
+    <p:notesMasterId r:id="rId21"/>
   </p:notesMasterIdLst>
   <p:handoutMasterIdLst>
-    <p:handoutMasterId r:id="rId23"/>
+    <p:handoutMasterId r:id="rId22"/>
   </p:handoutMasterIdLst>
   <p:sldIdLst>
     <p:sldId id="270" r:id="rId3"/>
@@ -18,19 +18,18 @@
     <p:sldId id="272" r:id="rId6"/>
     <p:sldId id="273" r:id="rId7"/>
     <p:sldId id="274" r:id="rId8"/>
-    <p:sldId id="275" r:id="rId9"/>
-    <p:sldId id="286" r:id="rId10"/>
-    <p:sldId id="284" r:id="rId11"/>
-    <p:sldId id="285" r:id="rId12"/>
-    <p:sldId id="287" r:id="rId13"/>
-    <p:sldId id="276" r:id="rId14"/>
-    <p:sldId id="277" r:id="rId15"/>
-    <p:sldId id="278" r:id="rId16"/>
-    <p:sldId id="279" r:id="rId17"/>
-    <p:sldId id="280" r:id="rId18"/>
-    <p:sldId id="281" r:id="rId19"/>
-    <p:sldId id="282" r:id="rId20"/>
-    <p:sldId id="283" r:id="rId21"/>
+    <p:sldId id="286" r:id="rId9"/>
+    <p:sldId id="284" r:id="rId10"/>
+    <p:sldId id="285" r:id="rId11"/>
+    <p:sldId id="287" r:id="rId12"/>
+    <p:sldId id="276" r:id="rId13"/>
+    <p:sldId id="277" r:id="rId14"/>
+    <p:sldId id="278" r:id="rId15"/>
+    <p:sldId id="279" r:id="rId16"/>
+    <p:sldId id="280" r:id="rId17"/>
+    <p:sldId id="281" r:id="rId18"/>
+    <p:sldId id="282" r:id="rId19"/>
+    <p:sldId id="283" r:id="rId20"/>
   </p:sldIdLst>
   <p:sldSz cx="12192000" cy="6858000"/>
   <p:notesSz cx="6858000" cy="9144000"/>
@@ -222,7 +221,7 @@
           <a:p>
             <a:fld id="{8F591CCF-F6FD-734B-854A-5BC033593B1E}" type="datetimeFigureOut">
               <a:rPr lang="nl-NL" smtClean="0"/>
-              <a:t>1-5-2019</a:t>
+              <a:t>2-5-2019</a:t>
             </a:fld>
             <a:endParaRPr lang="nl-NL"/>
           </a:p>
@@ -387,7 +386,7 @@
           <a:p>
             <a:fld id="{23C66214-DB21-4647-B5DA-0D17CA592867}" type="datetimeFigureOut">
               <a:rPr lang="nl-NL" smtClean="0"/>
-              <a:t>1-5-2019</a:t>
+              <a:t>2-5-2019</a:t>
             </a:fld>
             <a:endParaRPr lang="nl-NL"/>
           </a:p>
@@ -1034,7 +1033,38 @@
           <a:bodyPr/>
           <a:lstStyle/>
           <a:p>
-            <a:endParaRPr lang="en-US" dirty="0"/>
+            <a:r>
+              <a:rPr lang="en-US" dirty="0"/>
+              <a:t>FOR COMPOSITION AND CONCENTRATION: </a:t>
+            </a:r>
+            <a:r>
+              <a:rPr lang="en-US" dirty="0" err="1"/>
+              <a:t>dispersice</a:t>
+            </a:r>
+            <a:r>
+              <a:rPr lang="en-US" dirty="0"/>
+              <a:t> X-ray analysis (EDS), atomic absorption spectroscopy (AAS)</a:t>
+            </a:r>
+          </a:p>
+          <a:p>
+            <a:r>
+              <a:rPr lang="en-US" dirty="0"/>
+              <a:t>FOR SIZE AND SURFACE AREA: </a:t>
+            </a:r>
+          </a:p>
+          <a:p>
+            <a:r>
+              <a:rPr lang="en-US" dirty="0"/>
+              <a:t>SIZE AND </a:t>
+            </a:r>
+            <a:r>
+              <a:rPr lang="en-US" dirty="0" err="1"/>
+              <a:t>MORPHOLOGYl</a:t>
+            </a:r>
+            <a:r>
+              <a:rPr lang="en-US" dirty="0"/>
+              <a:t>:  AFM , SEM and TEM.</a:t>
+            </a:r>
           </a:p>
         </p:txBody>
       </p:sp>
@@ -1055,7 +1085,7 @@
           <a:p>
             <a:fld id="{8954E32A-327F-AF4B-8E1F-209FBF93D26D}" type="slidenum">
               <a:rPr lang="nl-NL" smtClean="0"/>
-              <a:t>7</a:t>
+              <a:t>8</a:t>
             </a:fld>
             <a:endParaRPr lang="nl-NL"/>
           </a:p>
@@ -1064,7 +1094,7 @@
     </p:spTree>
     <p:extLst>
       <p:ext uri="{BB962C8B-B14F-4D97-AF65-F5344CB8AC3E}">
-        <p14:creationId xmlns:p14="http://schemas.microsoft.com/office/powerpoint/2010/main" val="817098264"/>
+        <p14:creationId xmlns:p14="http://schemas.microsoft.com/office/powerpoint/2010/main" val="418003723"/>
       </p:ext>
     </p:extLst>
   </p:cSld>
@@ -1118,38 +1148,7 @@
           <a:bodyPr/>
           <a:lstStyle/>
           <a:p>
-            <a:r>
-              <a:rPr lang="en-US" dirty="0"/>
-              <a:t>FOR COMPOSITION AND CONCENTRATION: </a:t>
-            </a:r>
-            <a:r>
-              <a:rPr lang="en-US" dirty="0" err="1"/>
-              <a:t>dispersice</a:t>
-            </a:r>
-            <a:r>
-              <a:rPr lang="en-US" dirty="0"/>
-              <a:t> X-ray analysis (EDS), atomic absorption spectroscopy (AAS)</a:t>
-            </a:r>
-          </a:p>
-          <a:p>
-            <a:r>
-              <a:rPr lang="en-US" dirty="0"/>
-              <a:t>FOR SIZE AND SURFACE AREA: </a:t>
-            </a:r>
-          </a:p>
-          <a:p>
-            <a:r>
-              <a:rPr lang="en-US" dirty="0"/>
-              <a:t>SIZE AND </a:t>
-            </a:r>
-            <a:r>
-              <a:rPr lang="en-US" dirty="0" err="1"/>
-              <a:t>MORPHOLOGYl</a:t>
-            </a:r>
-            <a:r>
-              <a:rPr lang="en-US" dirty="0"/>
-              <a:t>:  AFM , SEM and TEM.</a:t>
-            </a:r>
+            <a:endParaRPr lang="en-US" dirty="0"/>
           </a:p>
         </p:txBody>
       </p:sp>
@@ -1179,7 +1178,7 @@
     </p:spTree>
     <p:extLst>
       <p:ext uri="{BB962C8B-B14F-4D97-AF65-F5344CB8AC3E}">
-        <p14:creationId xmlns:p14="http://schemas.microsoft.com/office/powerpoint/2010/main" val="418003723"/>
+        <p14:creationId xmlns:p14="http://schemas.microsoft.com/office/powerpoint/2010/main" val="1210985977"/>
       </p:ext>
     </p:extLst>
   </p:cSld>
@@ -1233,6 +1232,12 @@
           <a:bodyPr/>
           <a:lstStyle/>
           <a:p>
+            <a:r>
+              <a:rPr lang="en-US" dirty="0"/>
+              <a:t>In vivo – in vitro – ex vivo</a:t>
+            </a:r>
+          </a:p>
+          <a:p>
             <a:endParaRPr lang="en-US" dirty="0"/>
           </a:p>
         </p:txBody>
@@ -1254,7 +1259,7 @@
           <a:p>
             <a:fld id="{8954E32A-327F-AF4B-8E1F-209FBF93D26D}" type="slidenum">
               <a:rPr lang="nl-NL" smtClean="0"/>
-              <a:t>10</a:t>
+              <a:t>11</a:t>
             </a:fld>
             <a:endParaRPr lang="nl-NL"/>
           </a:p>
@@ -1263,7 +1268,7 @@
     </p:spTree>
     <p:extLst>
       <p:ext uri="{BB962C8B-B14F-4D97-AF65-F5344CB8AC3E}">
-        <p14:creationId xmlns:p14="http://schemas.microsoft.com/office/powerpoint/2010/main" val="1210985977"/>
+        <p14:creationId xmlns:p14="http://schemas.microsoft.com/office/powerpoint/2010/main" val="325310299"/>
       </p:ext>
     </p:extLst>
   </p:cSld>
@@ -1317,12 +1322,6 @@
           <a:bodyPr/>
           <a:lstStyle/>
           <a:p>
-            <a:r>
-              <a:rPr lang="en-US" dirty="0"/>
-              <a:t>In vivo – in vitro – ex vivo</a:t>
-            </a:r>
-          </a:p>
-          <a:p>
             <a:endParaRPr lang="en-US" dirty="0"/>
           </a:p>
         </p:txBody>
@@ -1344,91 +1343,7 @@
           <a:p>
             <a:fld id="{8954E32A-327F-AF4B-8E1F-209FBF93D26D}" type="slidenum">
               <a:rPr lang="nl-NL" smtClean="0"/>
-              <a:t>12</a:t>
-            </a:fld>
-            <a:endParaRPr lang="nl-NL"/>
-          </a:p>
-        </p:txBody>
-      </p:sp>
-    </p:spTree>
-    <p:extLst>
-      <p:ext uri="{BB962C8B-B14F-4D97-AF65-F5344CB8AC3E}">
-        <p14:creationId xmlns:p14="http://schemas.microsoft.com/office/powerpoint/2010/main" val="325310299"/>
-      </p:ext>
-    </p:extLst>
-  </p:cSld>
-  <p:clrMapOvr>
-    <a:masterClrMapping/>
-  </p:clrMapOvr>
-</p:notes>
-</file>
-
-<file path=ppt/notesSlides/notesSlide9.xml><?xml version="1.0" encoding="utf-8"?>
-<p:notes xmlns:a="http://schemas.openxmlformats.org/drawingml/2006/main" xmlns:r="http://schemas.openxmlformats.org/officeDocument/2006/relationships" xmlns:p="http://schemas.openxmlformats.org/presentationml/2006/main">
-  <p:cSld>
-    <p:spTree>
-      <p:nvGrpSpPr>
-        <p:cNvPr id="1" name=""/>
-        <p:cNvGrpSpPr/>
-        <p:nvPr/>
-      </p:nvGrpSpPr>
-      <p:grpSpPr>
-        <a:xfrm>
-          <a:off x="0" y="0"/>
-          <a:ext cx="0" cy="0"/>
-          <a:chOff x="0" y="0"/>
-          <a:chExt cx="0" cy="0"/>
-        </a:xfrm>
-      </p:grpSpPr>
-      <p:sp>
-        <p:nvSpPr>
-          <p:cNvPr id="2" name="Tijdelijke aanduiding voor dia-afbeelding 1"/>
-          <p:cNvSpPr>
-            <a:spLocks noGrp="1" noRot="1" noChangeAspect="1"/>
-          </p:cNvSpPr>
-          <p:nvPr>
-            <p:ph type="sldImg"/>
-          </p:nvPr>
-        </p:nvSpPr>
-        <p:spPr/>
-      </p:sp>
-      <p:sp>
-        <p:nvSpPr>
-          <p:cNvPr id="3" name="Tijdelijke aanduiding voor notities 2"/>
-          <p:cNvSpPr>
-            <a:spLocks noGrp="1"/>
-          </p:cNvSpPr>
-          <p:nvPr>
-            <p:ph type="body" idx="1"/>
-          </p:nvPr>
-        </p:nvSpPr>
-        <p:spPr/>
-        <p:txBody>
-          <a:bodyPr/>
-          <a:lstStyle/>
-          <a:p>
-            <a:endParaRPr lang="en-US" dirty="0"/>
-          </a:p>
-        </p:txBody>
-      </p:sp>
-      <p:sp>
-        <p:nvSpPr>
-          <p:cNvPr id="4" name="Tijdelijke aanduiding voor dianummer 3"/>
-          <p:cNvSpPr>
-            <a:spLocks noGrp="1"/>
-          </p:cNvSpPr>
-          <p:nvPr>
-            <p:ph type="sldNum" sz="quarter" idx="5"/>
-          </p:nvPr>
-        </p:nvSpPr>
-        <p:spPr/>
-        <p:txBody>
-          <a:bodyPr/>
-          <a:lstStyle/>
-          <a:p>
-            <a:fld id="{8954E32A-327F-AF4B-8E1F-209FBF93D26D}" type="slidenum">
-              <a:rPr lang="nl-NL" smtClean="0"/>
-              <a:t>14</a:t>
+              <a:t>13</a:t>
             </a:fld>
             <a:endParaRPr lang="nl-NL"/>
           </a:p>
@@ -2169,7 +2084,7 @@
           <a:p>
             <a:fld id="{01D02731-4577-4865-8098-D1E0465717A1}" type="datetime1">
               <a:rPr lang="en-GB" smtClean="0"/>
-              <a:t>01/05/2019</a:t>
+              <a:t>02/05/2019</a:t>
             </a:fld>
             <a:endParaRPr lang="nl-NL"/>
           </a:p>
@@ -2796,7 +2711,7 @@
           <a:p>
             <a:fld id="{EA3A7081-D270-4FBF-AE40-A52D674243CC}" type="datetime1">
               <a:rPr lang="nl-BE" smtClean="0"/>
-              <a:t>1/05/2019</a:t>
+              <a:t>2/05/2019</a:t>
             </a:fld>
             <a:endParaRPr lang="nl-NL"/>
           </a:p>
@@ -3079,7 +2994,7 @@
           <a:p>
             <a:fld id="{5C69415A-EEF6-439C-A913-189A8C067023}" type="datetime1">
               <a:rPr lang="nl-BE" smtClean="0"/>
-              <a:t>1/05/2019</a:t>
+              <a:t>2/05/2019</a:t>
             </a:fld>
             <a:endParaRPr lang="nl-NL"/>
           </a:p>
@@ -3409,7 +3324,7 @@
           <a:p>
             <a:fld id="{AA7DF125-8D2F-407C-A946-0B214A077F46}" type="datetime1">
               <a:rPr lang="nl-BE" smtClean="0"/>
-              <a:t>1/05/2019</a:t>
+              <a:t>2/05/2019</a:t>
             </a:fld>
             <a:endParaRPr lang="nl-NL"/>
           </a:p>
@@ -3728,7 +3643,7 @@
           <a:p>
             <a:fld id="{FE566779-A426-4C6E-B33F-12BA9B572EC4}" type="datetime1">
               <a:rPr lang="nl-BE" smtClean="0"/>
-              <a:t>1/05/2019</a:t>
+              <a:t>2/05/2019</a:t>
             </a:fld>
             <a:endParaRPr lang="nl-NL" dirty="0"/>
           </a:p>
@@ -4049,7 +3964,7 @@
           <a:p>
             <a:fld id="{E40DF61B-1080-4D20-8EAC-F5AC55182461}" type="datetime1">
               <a:rPr lang="nl-BE" smtClean="0"/>
-              <a:t>1/05/2019</a:t>
+              <a:t>2/05/2019</a:t>
             </a:fld>
             <a:endParaRPr lang="nl-NL" dirty="0"/>
           </a:p>
@@ -4191,7 +4106,7 @@
           <a:p>
             <a:fld id="{94A4F625-24B7-4F40-98BC-AFA043082CE9}" type="datetime1">
               <a:rPr lang="nl-BE" smtClean="0"/>
-              <a:t>1/05/2019</a:t>
+              <a:t>2/05/2019</a:t>
             </a:fld>
             <a:endParaRPr lang="nl-NL"/>
           </a:p>
@@ -4675,7 +4590,7 @@
           <a:p>
             <a:fld id="{292342B6-1303-46D4-9581-5E95FC0B22E4}" type="datetime1">
               <a:rPr lang="nl-BE" smtClean="0"/>
-              <a:t>1/05/2019</a:t>
+              <a:t>2/05/2019</a:t>
             </a:fld>
             <a:endParaRPr lang="nl-NL" dirty="0"/>
           </a:p>
@@ -4796,7 +4711,7 @@
           <a:p>
             <a:fld id="{A76F3976-FDFC-4D8C-ACD3-BCE6A597C36A}" type="datetime1">
               <a:rPr lang="nl-BE" smtClean="0"/>
-              <a:t>1/05/2019</a:t>
+              <a:t>2/05/2019</a:t>
             </a:fld>
             <a:endParaRPr lang="nl-NL"/>
           </a:p>
@@ -4917,7 +4832,7 @@
           <a:p>
             <a:fld id="{5ADFEA79-DE61-4EF0-8C65-B83CEE2687EB}" type="datetime1">
               <a:rPr lang="nl-BE" smtClean="0"/>
-              <a:t>1/05/2019</a:t>
+              <a:t>2/05/2019</a:t>
             </a:fld>
             <a:endParaRPr lang="nl-NL"/>
           </a:p>
@@ -5099,7 +5014,7 @@
           <a:p>
             <a:fld id="{FA2EC5B9-2DE2-43DC-AAE2-5679419BAC4A}" type="datetime1">
               <a:rPr lang="nl-BE" smtClean="0"/>
-              <a:t>1/05/2019</a:t>
+              <a:t>2/05/2019</a:t>
             </a:fld>
             <a:endParaRPr lang="nl-NL" dirty="0"/>
           </a:p>
@@ -5383,7 +5298,7 @@
           <a:p>
             <a:fld id="{BB46EC33-4D1A-4426-91DF-270C2E654CCE}" type="datetime1">
               <a:rPr lang="nl-BE" smtClean="0"/>
-              <a:t>1/05/2019</a:t>
+              <a:t>2/05/2019</a:t>
             </a:fld>
             <a:endParaRPr lang="nl-NL" dirty="0"/>
           </a:p>
@@ -6026,7 +5941,7 @@
           <a:p>
             <a:fld id="{48C250A7-EEA6-4BD5-AB95-D7BF57F3506B}" type="datetime1">
               <a:rPr lang="nl-BE" smtClean="0"/>
-              <a:t>1/05/2019</a:t>
+              <a:t>2/05/2019</a:t>
             </a:fld>
             <a:endParaRPr lang="nl-NL" dirty="0"/>
           </a:p>
@@ -6642,807 +6557,6 @@
           <p:cNvPr id="4" name="Titel 3">
             <a:extLst>
               <a:ext uri="{FF2B5EF4-FFF2-40B4-BE49-F238E27FC236}">
-                <a16:creationId xmlns:a16="http://schemas.microsoft.com/office/drawing/2014/main" id="{B5FBEFEE-FB6C-4481-9947-96EA662C6CC0}"/>
-              </a:ext>
-            </a:extLst>
-          </p:cNvPr>
-          <p:cNvSpPr>
-            <a:spLocks noGrp="1"/>
-          </p:cNvSpPr>
-          <p:nvPr>
-            <p:ph type="title"/>
-          </p:nvPr>
-        </p:nvSpPr>
-        <p:spPr/>
-        <p:txBody>
-          <a:bodyPr/>
-          <a:lstStyle/>
-          <a:p>
-            <a:r>
-              <a:rPr lang="en-US" dirty="0"/>
-              <a:t>Areas studied for nanotoxicity </a:t>
-            </a:r>
-          </a:p>
-        </p:txBody>
-      </p:sp>
-      <p:sp>
-        <p:nvSpPr>
-          <p:cNvPr id="5" name="Rechthoek: afgeronde hoeken 4">
-            <a:extLst>
-              <a:ext uri="{FF2B5EF4-FFF2-40B4-BE49-F238E27FC236}">
-                <a16:creationId xmlns:a16="http://schemas.microsoft.com/office/drawing/2014/main" id="{1E7B1E3E-52F7-4627-83E0-96D12C5F6630}"/>
-              </a:ext>
-            </a:extLst>
-          </p:cNvPr>
-          <p:cNvSpPr/>
-          <p:nvPr/>
-        </p:nvSpPr>
-        <p:spPr>
-          <a:xfrm>
-            <a:off x="945932" y="1618593"/>
-            <a:ext cx="10047890" cy="4382814"/>
-          </a:xfrm>
-          <a:prstGeom prst="roundRect">
-            <a:avLst/>
-          </a:prstGeom>
-          <a:solidFill>
-            <a:schemeClr val="bg2"/>
-          </a:solidFill>
-          <a:ln w="28575"/>
-        </p:spPr>
-        <p:style>
-          <a:lnRef idx="2">
-            <a:schemeClr val="accent1">
-              <a:shade val="50000"/>
-            </a:schemeClr>
-          </a:lnRef>
-          <a:fillRef idx="1">
-            <a:schemeClr val="accent1"/>
-          </a:fillRef>
-          <a:effectRef idx="0">
-            <a:schemeClr val="accent1"/>
-          </a:effectRef>
-          <a:fontRef idx="minor">
-            <a:schemeClr val="lt1"/>
-          </a:fontRef>
-        </p:style>
-        <p:txBody>
-          <a:bodyPr rtlCol="0" anchor="ctr"/>
-          <a:lstStyle/>
-          <a:p>
-            <a:endParaRPr lang="nl-BE" sz="2000" b="1" dirty="0">
-              <a:solidFill>
-                <a:srgbClr val="2F4D5D"/>
-              </a:solidFill>
-            </a:endParaRPr>
-          </a:p>
-          <a:p>
-            <a:endParaRPr lang="nl-BE" sz="2000" b="1" dirty="0">
-              <a:solidFill>
-                <a:srgbClr val="2F4D5D"/>
-              </a:solidFill>
-            </a:endParaRPr>
-          </a:p>
-          <a:p>
-            <a:endParaRPr lang="nl-BE" sz="2000" b="1" dirty="0">
-              <a:solidFill>
-                <a:srgbClr val="2F4D5D"/>
-              </a:solidFill>
-            </a:endParaRPr>
-          </a:p>
-          <a:p>
-            <a:endParaRPr lang="nl-BE" sz="2000" b="1" dirty="0">
-              <a:solidFill>
-                <a:srgbClr val="2F4D5D"/>
-              </a:solidFill>
-            </a:endParaRPr>
-          </a:p>
-          <a:p>
-            <a:endParaRPr lang="nl-BE" sz="2000" b="1" dirty="0">
-              <a:solidFill>
-                <a:srgbClr val="2F4D5D"/>
-              </a:solidFill>
-            </a:endParaRPr>
-          </a:p>
-          <a:p>
-            <a:endParaRPr lang="nl-BE" sz="2000" b="1" dirty="0">
-              <a:solidFill>
-                <a:srgbClr val="2F4D5D"/>
-              </a:solidFill>
-            </a:endParaRPr>
-          </a:p>
-          <a:p>
-            <a:r>
-              <a:rPr lang="nl-BE" sz="2000" b="1" dirty="0">
-                <a:solidFill>
-                  <a:srgbClr val="2F4D5D"/>
-                </a:solidFill>
-              </a:rPr>
-              <a:t>Area 2: In Vitro </a:t>
-            </a:r>
-            <a:r>
-              <a:rPr lang="nl-BE" sz="2000" b="1" dirty="0" err="1">
-                <a:solidFill>
-                  <a:srgbClr val="2F4D5D"/>
-                </a:solidFill>
-              </a:rPr>
-              <a:t>toxicity</a:t>
-            </a:r>
-            <a:endParaRPr lang="nl-BE" sz="2000" b="1" dirty="0">
-              <a:solidFill>
-                <a:srgbClr val="2F4D5D"/>
-              </a:solidFill>
-            </a:endParaRPr>
-          </a:p>
-          <a:p>
-            <a:r>
-              <a:rPr lang="nl-BE" sz="2000" dirty="0" err="1">
-                <a:solidFill>
-                  <a:srgbClr val="2F4D5D"/>
-                </a:solidFill>
-              </a:rPr>
-              <a:t>Study</a:t>
-            </a:r>
-            <a:r>
-              <a:rPr lang="nl-BE" sz="2000" dirty="0">
-                <a:solidFill>
-                  <a:srgbClr val="2F4D5D"/>
-                </a:solidFill>
-              </a:rPr>
-              <a:t> </a:t>
-            </a:r>
-            <a:r>
-              <a:rPr lang="nl-BE" sz="2000" dirty="0" err="1">
-                <a:solidFill>
-                  <a:srgbClr val="2F4D5D"/>
-                </a:solidFill>
-              </a:rPr>
-              <a:t>influence</a:t>
-            </a:r>
-            <a:r>
-              <a:rPr lang="nl-BE" sz="2000" dirty="0">
-                <a:solidFill>
-                  <a:srgbClr val="2F4D5D"/>
-                </a:solidFill>
-              </a:rPr>
-              <a:t> on </a:t>
-            </a:r>
-            <a:r>
-              <a:rPr lang="nl-BE" sz="2000" dirty="0" err="1">
-                <a:solidFill>
-                  <a:srgbClr val="2F4D5D"/>
-                </a:solidFill>
-              </a:rPr>
-              <a:t>subcellular</a:t>
-            </a:r>
-            <a:r>
-              <a:rPr lang="nl-BE" sz="2000" dirty="0">
-                <a:solidFill>
-                  <a:srgbClr val="2F4D5D"/>
-                </a:solidFill>
-              </a:rPr>
-              <a:t>, </a:t>
-            </a:r>
-            <a:r>
-              <a:rPr lang="nl-BE" sz="2000" dirty="0" err="1">
-                <a:solidFill>
-                  <a:srgbClr val="2F4D5D"/>
-                </a:solidFill>
-              </a:rPr>
-              <a:t>cellular</a:t>
-            </a:r>
-            <a:r>
-              <a:rPr lang="nl-BE" sz="2000" dirty="0">
-                <a:solidFill>
-                  <a:srgbClr val="2F4D5D"/>
-                </a:solidFill>
-              </a:rPr>
-              <a:t> </a:t>
-            </a:r>
-            <a:r>
-              <a:rPr lang="nl-BE" sz="2000" dirty="0" err="1">
-                <a:solidFill>
-                  <a:srgbClr val="2F4D5D"/>
-                </a:solidFill>
-              </a:rPr>
-              <a:t>and</a:t>
-            </a:r>
-            <a:r>
-              <a:rPr lang="nl-BE" sz="2000" dirty="0">
-                <a:solidFill>
-                  <a:srgbClr val="2F4D5D"/>
-                </a:solidFill>
-              </a:rPr>
-              <a:t> </a:t>
-            </a:r>
-            <a:r>
-              <a:rPr lang="nl-BE" sz="2000" dirty="0" err="1">
-                <a:solidFill>
-                  <a:srgbClr val="2F4D5D"/>
-                </a:solidFill>
-              </a:rPr>
-              <a:t>whole</a:t>
-            </a:r>
-            <a:r>
-              <a:rPr lang="nl-BE" sz="2000" dirty="0">
-                <a:solidFill>
-                  <a:srgbClr val="2F4D5D"/>
-                </a:solidFill>
-              </a:rPr>
-              <a:t> tissue. </a:t>
-            </a:r>
-          </a:p>
-          <a:p>
-            <a:r>
-              <a:rPr lang="nl-BE" sz="2000" dirty="0" err="1">
-                <a:solidFill>
-                  <a:srgbClr val="2F4D5D"/>
-                </a:solidFill>
-              </a:rPr>
-              <a:t>Determination</a:t>
-            </a:r>
-            <a:r>
-              <a:rPr lang="nl-BE" sz="2000" dirty="0">
-                <a:solidFill>
-                  <a:srgbClr val="2F4D5D"/>
-                </a:solidFill>
-              </a:rPr>
-              <a:t> of: </a:t>
-            </a:r>
-          </a:p>
-          <a:p>
-            <a:endParaRPr lang="nl-BE" sz="2000" dirty="0">
-              <a:solidFill>
-                <a:srgbClr val="2F4D5D"/>
-              </a:solidFill>
-            </a:endParaRPr>
-          </a:p>
-          <a:p>
-            <a:pPr marL="342900" indent="-342900">
-              <a:buFont typeface="Wingdings" panose="05000000000000000000" pitchFamily="2" charset="2"/>
-              <a:buChar char="Ø"/>
-            </a:pPr>
-            <a:r>
-              <a:rPr lang="nl-BE" sz="2000" dirty="0">
-                <a:solidFill>
-                  <a:srgbClr val="2F4D5D"/>
-                </a:solidFill>
-              </a:rPr>
-              <a:t>A </a:t>
-            </a:r>
-            <a:r>
-              <a:rPr lang="nl-BE" sz="2000" dirty="0" err="1">
-                <a:solidFill>
-                  <a:srgbClr val="2F4D5D"/>
-                </a:solidFill>
-              </a:rPr>
-              <a:t>relatively</a:t>
-            </a:r>
-            <a:r>
-              <a:rPr lang="nl-BE" sz="2000" dirty="0">
-                <a:solidFill>
-                  <a:srgbClr val="2F4D5D"/>
-                </a:solidFill>
-              </a:rPr>
-              <a:t> </a:t>
-            </a:r>
-            <a:r>
-              <a:rPr lang="nl-BE" sz="2000" b="1" dirty="0" err="1">
-                <a:solidFill>
-                  <a:srgbClr val="2F4D5D"/>
-                </a:solidFill>
-              </a:rPr>
-              <a:t>simple</a:t>
-            </a:r>
-            <a:r>
-              <a:rPr lang="nl-BE" sz="2000" b="1" dirty="0">
-                <a:solidFill>
-                  <a:srgbClr val="2F4D5D"/>
-                </a:solidFill>
-              </a:rPr>
-              <a:t> model </a:t>
-            </a:r>
-            <a:r>
-              <a:rPr lang="nl-BE" sz="2000" dirty="0" err="1">
-                <a:solidFill>
-                  <a:srgbClr val="2F4D5D"/>
-                </a:solidFill>
-              </a:rPr>
-              <a:t>that</a:t>
-            </a:r>
-            <a:r>
-              <a:rPr lang="nl-BE" sz="2000" dirty="0">
-                <a:solidFill>
-                  <a:srgbClr val="2F4D5D"/>
-                </a:solidFill>
-              </a:rPr>
-              <a:t> </a:t>
-            </a:r>
-            <a:r>
-              <a:rPr lang="nl-BE" sz="2000" dirty="0" err="1">
-                <a:solidFill>
-                  <a:srgbClr val="2F4D5D"/>
-                </a:solidFill>
-              </a:rPr>
-              <a:t>reveals</a:t>
-            </a:r>
-            <a:r>
-              <a:rPr lang="nl-BE" sz="2000" dirty="0">
-                <a:solidFill>
-                  <a:srgbClr val="2F4D5D"/>
-                </a:solidFill>
-              </a:rPr>
-              <a:t> a </a:t>
-            </a:r>
-            <a:r>
-              <a:rPr lang="nl-BE" sz="2000" dirty="0" err="1">
-                <a:solidFill>
-                  <a:srgbClr val="2F4D5D"/>
-                </a:solidFill>
-              </a:rPr>
-              <a:t>general</a:t>
-            </a:r>
-            <a:r>
-              <a:rPr lang="nl-BE" sz="2000" dirty="0">
-                <a:solidFill>
-                  <a:srgbClr val="2F4D5D"/>
-                </a:solidFill>
-              </a:rPr>
-              <a:t> </a:t>
-            </a:r>
-            <a:r>
-              <a:rPr lang="nl-BE" sz="2000" dirty="0" err="1">
-                <a:solidFill>
-                  <a:srgbClr val="2F4D5D"/>
-                </a:solidFill>
-              </a:rPr>
-              <a:t>mechanism</a:t>
-            </a:r>
-            <a:r>
-              <a:rPr lang="nl-BE" sz="2000" dirty="0">
-                <a:solidFill>
-                  <a:srgbClr val="2F4D5D"/>
-                </a:solidFill>
-              </a:rPr>
-              <a:t> of </a:t>
-            </a:r>
-            <a:r>
-              <a:rPr lang="nl-BE" sz="2000" dirty="0" err="1">
-                <a:solidFill>
-                  <a:srgbClr val="2F4D5D"/>
-                </a:solidFill>
-              </a:rPr>
-              <a:t>toxicity</a:t>
-            </a:r>
-            <a:r>
-              <a:rPr lang="nl-BE" sz="2000" dirty="0">
-                <a:solidFill>
-                  <a:srgbClr val="2F4D5D"/>
-                </a:solidFill>
-              </a:rPr>
-              <a:t> </a:t>
-            </a:r>
-            <a:r>
-              <a:rPr lang="nl-BE" sz="2000" dirty="0" err="1">
-                <a:solidFill>
-                  <a:srgbClr val="2F4D5D"/>
-                </a:solidFill>
-              </a:rPr>
-              <a:t>can</a:t>
-            </a:r>
-            <a:r>
-              <a:rPr lang="nl-BE" sz="2000" dirty="0">
-                <a:solidFill>
-                  <a:srgbClr val="2F4D5D"/>
-                </a:solidFill>
-              </a:rPr>
-              <a:t> </a:t>
-            </a:r>
-            <a:r>
-              <a:rPr lang="nl-BE" sz="2000" dirty="0" err="1">
-                <a:solidFill>
-                  <a:srgbClr val="2F4D5D"/>
-                </a:solidFill>
-              </a:rPr>
-              <a:t>be</a:t>
-            </a:r>
-            <a:r>
-              <a:rPr lang="nl-BE" sz="2000" dirty="0">
-                <a:solidFill>
-                  <a:srgbClr val="2F4D5D"/>
-                </a:solidFill>
-              </a:rPr>
-              <a:t> a basis </a:t>
-            </a:r>
-            <a:r>
-              <a:rPr lang="nl-BE" sz="2000" dirty="0" err="1">
-                <a:solidFill>
-                  <a:srgbClr val="2F4D5D"/>
-                </a:solidFill>
-              </a:rPr>
-              <a:t>for</a:t>
-            </a:r>
-            <a:r>
-              <a:rPr lang="nl-BE" sz="2000" dirty="0">
-                <a:solidFill>
-                  <a:srgbClr val="2F4D5D"/>
-                </a:solidFill>
-              </a:rPr>
-              <a:t> </a:t>
-            </a:r>
-            <a:r>
-              <a:rPr lang="nl-BE" sz="2000" dirty="0" err="1">
-                <a:solidFill>
-                  <a:srgbClr val="2F4D5D"/>
-                </a:solidFill>
-              </a:rPr>
-              <a:t>further</a:t>
-            </a:r>
-            <a:r>
-              <a:rPr lang="nl-BE" sz="2000" dirty="0">
-                <a:solidFill>
-                  <a:srgbClr val="2F4D5D"/>
-                </a:solidFill>
-              </a:rPr>
-              <a:t> assessment.</a:t>
-            </a:r>
-          </a:p>
-          <a:p>
-            <a:endParaRPr lang="nl-BE" sz="2000" dirty="0">
-              <a:solidFill>
-                <a:srgbClr val="2F4D5D"/>
-              </a:solidFill>
-            </a:endParaRPr>
-          </a:p>
-          <a:p>
-            <a:pPr marL="342900" indent="-342900">
-              <a:buFont typeface="Wingdings" panose="05000000000000000000" pitchFamily="2" charset="2"/>
-              <a:buChar char="Ø"/>
-            </a:pPr>
-            <a:r>
-              <a:rPr lang="nl-BE" sz="2000" dirty="0">
-                <a:solidFill>
-                  <a:srgbClr val="2F4D5D"/>
-                </a:solidFill>
-              </a:rPr>
-              <a:t>“</a:t>
-            </a:r>
-            <a:r>
-              <a:rPr lang="nl-BE" sz="2000" b="1" dirty="0" err="1">
-                <a:solidFill>
-                  <a:srgbClr val="2F4D5D"/>
-                </a:solidFill>
-              </a:rPr>
-              <a:t>elementary</a:t>
-            </a:r>
-            <a:r>
-              <a:rPr lang="nl-BE" sz="2000" b="1" dirty="0">
-                <a:solidFill>
-                  <a:srgbClr val="2F4D5D"/>
-                </a:solidFill>
-              </a:rPr>
-              <a:t> </a:t>
-            </a:r>
-            <a:r>
-              <a:rPr lang="nl-BE" sz="2000" b="1" dirty="0" err="1">
-                <a:solidFill>
-                  <a:srgbClr val="2F4D5D"/>
-                </a:solidFill>
-              </a:rPr>
-              <a:t>toxicity</a:t>
-            </a:r>
-            <a:r>
-              <a:rPr lang="nl-BE" sz="2000" dirty="0">
-                <a:solidFill>
-                  <a:srgbClr val="2F4D5D"/>
-                </a:solidFill>
-              </a:rPr>
-              <a:t>”: </a:t>
-            </a:r>
-            <a:r>
-              <a:rPr lang="nl-BE" sz="2000" dirty="0" err="1">
-                <a:solidFill>
-                  <a:srgbClr val="2F4D5D"/>
-                </a:solidFill>
-              </a:rPr>
-              <a:t>the</a:t>
-            </a:r>
-            <a:r>
-              <a:rPr lang="nl-BE" sz="2000" dirty="0">
-                <a:solidFill>
-                  <a:srgbClr val="2F4D5D"/>
-                </a:solidFill>
-              </a:rPr>
-              <a:t> </a:t>
-            </a:r>
-            <a:r>
-              <a:rPr lang="nl-BE" sz="2000" dirty="0" err="1">
-                <a:solidFill>
-                  <a:srgbClr val="2F4D5D"/>
-                </a:solidFill>
-              </a:rPr>
-              <a:t>ability</a:t>
-            </a:r>
-            <a:r>
-              <a:rPr lang="nl-BE" sz="2000" dirty="0">
-                <a:solidFill>
-                  <a:srgbClr val="2F4D5D"/>
-                </a:solidFill>
-              </a:rPr>
-              <a:t> of a compound </a:t>
-            </a:r>
-            <a:r>
-              <a:rPr lang="nl-BE" sz="2000" dirty="0" err="1">
-                <a:solidFill>
-                  <a:srgbClr val="2F4D5D"/>
-                </a:solidFill>
-              </a:rPr>
-              <a:t>to</a:t>
-            </a:r>
-            <a:r>
-              <a:rPr lang="nl-BE" sz="2000" dirty="0">
-                <a:solidFill>
-                  <a:srgbClr val="2F4D5D"/>
-                </a:solidFill>
-              </a:rPr>
-              <a:t> </a:t>
-            </a:r>
-            <a:r>
-              <a:rPr lang="nl-BE" sz="2000" dirty="0" err="1">
-                <a:solidFill>
-                  <a:srgbClr val="2F4D5D"/>
-                </a:solidFill>
-              </a:rPr>
-              <a:t>cause</a:t>
-            </a:r>
-            <a:r>
-              <a:rPr lang="nl-BE" sz="2000" dirty="0">
-                <a:solidFill>
-                  <a:srgbClr val="2F4D5D"/>
-                </a:solidFill>
-              </a:rPr>
-              <a:t> </a:t>
-            </a:r>
-            <a:r>
-              <a:rPr lang="nl-BE" sz="2000" dirty="0" err="1">
-                <a:solidFill>
-                  <a:srgbClr val="2F4D5D"/>
-                </a:solidFill>
-              </a:rPr>
-              <a:t>death</a:t>
-            </a:r>
-            <a:r>
-              <a:rPr lang="nl-BE" sz="2000" dirty="0">
-                <a:solidFill>
-                  <a:srgbClr val="2F4D5D"/>
-                </a:solidFill>
-              </a:rPr>
-              <a:t> as a </a:t>
-            </a:r>
-            <a:r>
-              <a:rPr lang="nl-BE" sz="2000" dirty="0" err="1">
-                <a:solidFill>
-                  <a:srgbClr val="2F4D5D"/>
-                </a:solidFill>
-              </a:rPr>
-              <a:t>consequence</a:t>
-            </a:r>
-            <a:r>
-              <a:rPr lang="nl-BE" sz="2000" dirty="0">
-                <a:solidFill>
-                  <a:srgbClr val="2F4D5D"/>
-                </a:solidFill>
-              </a:rPr>
-              <a:t> of </a:t>
-            </a:r>
-            <a:r>
-              <a:rPr lang="nl-BE" sz="2000" dirty="0" err="1">
-                <a:solidFill>
-                  <a:srgbClr val="2F4D5D"/>
-                </a:solidFill>
-              </a:rPr>
-              <a:t>damage</a:t>
-            </a:r>
-            <a:r>
-              <a:rPr lang="nl-BE" sz="2000" dirty="0">
-                <a:solidFill>
-                  <a:srgbClr val="2F4D5D"/>
-                </a:solidFill>
-              </a:rPr>
-              <a:t> </a:t>
-            </a:r>
-            <a:r>
-              <a:rPr lang="nl-BE" sz="2000" dirty="0" err="1">
-                <a:solidFill>
-                  <a:srgbClr val="2F4D5D"/>
-                </a:solidFill>
-              </a:rPr>
-              <a:t>to</a:t>
-            </a:r>
-            <a:r>
-              <a:rPr lang="nl-BE" sz="2000" dirty="0">
-                <a:solidFill>
-                  <a:srgbClr val="2F4D5D"/>
-                </a:solidFill>
-              </a:rPr>
-              <a:t> basic </a:t>
-            </a:r>
-            <a:r>
-              <a:rPr lang="nl-BE" sz="2000" dirty="0" err="1">
-                <a:solidFill>
-                  <a:srgbClr val="2F4D5D"/>
-                </a:solidFill>
-              </a:rPr>
-              <a:t>cellular</a:t>
-            </a:r>
-            <a:r>
-              <a:rPr lang="nl-BE" sz="2000" dirty="0">
-                <a:solidFill>
-                  <a:srgbClr val="2F4D5D"/>
-                </a:solidFill>
-              </a:rPr>
-              <a:t> </a:t>
-            </a:r>
-            <a:r>
-              <a:rPr lang="nl-BE" sz="2000" dirty="0" err="1">
-                <a:solidFill>
-                  <a:srgbClr val="2F4D5D"/>
-                </a:solidFill>
-              </a:rPr>
-              <a:t>functions</a:t>
-            </a:r>
-            <a:r>
-              <a:rPr lang="nl-BE" sz="2000" dirty="0">
-                <a:solidFill>
-                  <a:srgbClr val="2F4D5D"/>
-                </a:solidFill>
-              </a:rPr>
-              <a:t>. </a:t>
-            </a:r>
-          </a:p>
-          <a:p>
-            <a:endParaRPr lang="nl-BE" sz="2000" dirty="0">
-              <a:solidFill>
-                <a:srgbClr val="2F4D5D"/>
-              </a:solidFill>
-            </a:endParaRPr>
-          </a:p>
-          <a:p>
-            <a:pPr algn="ctr"/>
-            <a:r>
-              <a:rPr lang="nl-BE" sz="2000" b="1" dirty="0" err="1">
-                <a:solidFill>
-                  <a:srgbClr val="2F4D5D"/>
-                </a:solidFill>
-              </a:rPr>
-              <a:t>Experimental</a:t>
-            </a:r>
-            <a:r>
-              <a:rPr lang="nl-BE" sz="2000" b="1" dirty="0">
-                <a:solidFill>
-                  <a:srgbClr val="2F4D5D"/>
-                </a:solidFill>
-              </a:rPr>
-              <a:t> </a:t>
-            </a:r>
-            <a:r>
-              <a:rPr lang="nl-BE" sz="2000" b="1" dirty="0" err="1">
-                <a:solidFill>
-                  <a:srgbClr val="2F4D5D"/>
-                </a:solidFill>
-              </a:rPr>
-              <a:t>observation</a:t>
-            </a:r>
-            <a:r>
-              <a:rPr lang="nl-BE" sz="2000" b="1" dirty="0">
-                <a:solidFill>
-                  <a:srgbClr val="2F4D5D"/>
-                </a:solidFill>
-              </a:rPr>
-              <a:t>: </a:t>
-            </a:r>
-          </a:p>
-          <a:p>
-            <a:pPr algn="ctr"/>
-            <a:r>
-              <a:rPr lang="en-US" sz="2000" dirty="0">
-                <a:solidFill>
-                  <a:srgbClr val="2F4D5D"/>
-                </a:solidFill>
-              </a:rPr>
-              <a:t>“The data obtained from basal toxicity studies have been found to be in good correlation with acute toxicity in animals and humans”</a:t>
-            </a:r>
-            <a:endParaRPr lang="nl-BE" sz="2000" dirty="0">
-              <a:solidFill>
-                <a:srgbClr val="2F4D5D"/>
-              </a:solidFill>
-            </a:endParaRPr>
-          </a:p>
-          <a:p>
-            <a:pPr algn="ctr"/>
-            <a:endParaRPr lang="nl-BE" sz="2000" dirty="0">
-              <a:solidFill>
-                <a:srgbClr val="2F4D5D"/>
-              </a:solidFill>
-            </a:endParaRPr>
-          </a:p>
-          <a:p>
-            <a:pPr algn="ctr"/>
-            <a:endParaRPr lang="nl-BE" sz="2000" dirty="0">
-              <a:solidFill>
-                <a:srgbClr val="2F4D5D"/>
-              </a:solidFill>
-            </a:endParaRPr>
-          </a:p>
-          <a:p>
-            <a:pPr algn="ctr"/>
-            <a:endParaRPr lang="nl-BE" sz="2000" dirty="0">
-              <a:solidFill>
-                <a:srgbClr val="2F4D5D"/>
-              </a:solidFill>
-            </a:endParaRPr>
-          </a:p>
-          <a:p>
-            <a:pPr algn="ctr"/>
-            <a:endParaRPr lang="nl-BE" sz="2000" dirty="0">
-              <a:solidFill>
-                <a:srgbClr val="2F4D5D"/>
-              </a:solidFill>
-            </a:endParaRPr>
-          </a:p>
-          <a:p>
-            <a:pPr algn="ctr"/>
-            <a:endParaRPr lang="nl-BE" sz="2000" dirty="0">
-              <a:solidFill>
-                <a:srgbClr val="2F4D5D"/>
-              </a:solidFill>
-            </a:endParaRPr>
-          </a:p>
-          <a:p>
-            <a:pPr algn="ctr"/>
-            <a:endParaRPr lang="nl-BE" sz="2000" dirty="0">
-              <a:solidFill>
-                <a:srgbClr val="2F4D5D"/>
-              </a:solidFill>
-            </a:endParaRPr>
-          </a:p>
-        </p:txBody>
-      </p:sp>
-    </p:spTree>
-    <p:extLst>
-      <p:ext uri="{BB962C8B-B14F-4D97-AF65-F5344CB8AC3E}">
-        <p14:creationId xmlns:p14="http://schemas.microsoft.com/office/powerpoint/2010/main" val="1019489789"/>
-      </p:ext>
-    </p:extLst>
-  </p:cSld>
-  <p:clrMapOvr>
-    <a:masterClrMapping/>
-  </p:clrMapOvr>
-</p:sld>
-</file>
-
-<file path=ppt/slides/slide11.xml><?xml version="1.0" encoding="utf-8"?>
-<p:sld xmlns:a="http://schemas.openxmlformats.org/drawingml/2006/main" xmlns:r="http://schemas.openxmlformats.org/officeDocument/2006/relationships" xmlns:p="http://schemas.openxmlformats.org/presentationml/2006/main">
-  <p:cSld>
-    <p:spTree>
-      <p:nvGrpSpPr>
-        <p:cNvPr id="1" name=""/>
-        <p:cNvGrpSpPr/>
-        <p:nvPr/>
-      </p:nvGrpSpPr>
-      <p:grpSpPr>
-        <a:xfrm>
-          <a:off x="0" y="0"/>
-          <a:ext cx="0" cy="0"/>
-          <a:chOff x="0" y="0"/>
-          <a:chExt cx="0" cy="0"/>
-        </a:xfrm>
-      </p:grpSpPr>
-      <p:sp>
-        <p:nvSpPr>
-          <p:cNvPr id="4" name="Titel 3">
-            <a:extLst>
-              <a:ext uri="{FF2B5EF4-FFF2-40B4-BE49-F238E27FC236}">
                 <a16:creationId xmlns:a16="http://schemas.microsoft.com/office/drawing/2014/main" id="{98572F6C-8685-4852-8B42-A84170433330}"/>
               </a:ext>
             </a:extLst>
@@ -7905,6 +7019,369 @@
 </p:sld>
 </file>
 
+<file path=ppt/slides/slide11.xml><?xml version="1.0" encoding="utf-8"?>
+<p:sld xmlns:a="http://schemas.openxmlformats.org/drawingml/2006/main" xmlns:r="http://schemas.openxmlformats.org/officeDocument/2006/relationships" xmlns:p="http://schemas.openxmlformats.org/presentationml/2006/main">
+  <p:cSld>
+    <p:spTree>
+      <p:nvGrpSpPr>
+        <p:cNvPr id="1" name=""/>
+        <p:cNvGrpSpPr/>
+        <p:nvPr/>
+      </p:nvGrpSpPr>
+      <p:grpSpPr>
+        <a:xfrm>
+          <a:off x="0" y="0"/>
+          <a:ext cx="0" cy="0"/>
+          <a:chOff x="0" y="0"/>
+          <a:chExt cx="0" cy="0"/>
+        </a:xfrm>
+      </p:grpSpPr>
+      <p:sp>
+        <p:nvSpPr>
+          <p:cNvPr id="7" name="Tijdelijke aanduiding voor dianummer 23">
+            <a:extLst>
+              <a:ext uri="{FF2B5EF4-FFF2-40B4-BE49-F238E27FC236}">
+                <a16:creationId xmlns:a16="http://schemas.microsoft.com/office/drawing/2014/main" id="{E7BA9955-551E-4B72-9196-84FDFE87439B}"/>
+              </a:ext>
+            </a:extLst>
+          </p:cNvPr>
+          <p:cNvSpPr>
+            <a:spLocks noGrp="1"/>
+          </p:cNvSpPr>
+          <p:nvPr>
+            <p:ph type="sldNum" sz="quarter" idx="12"/>
+          </p:nvPr>
+        </p:nvSpPr>
+        <p:spPr>
+          <a:xfrm>
+            <a:off x="11544000" y="-126730"/>
+            <a:ext cx="648000" cy="648000"/>
+          </a:xfrm>
+        </p:spPr>
+        <p:txBody>
+          <a:bodyPr/>
+          <a:lstStyle/>
+          <a:p>
+            <a:fld id="{CF179DAE-D0A6-40C3-B8BC-6A97C268D03A}" type="slidenum">
+              <a:rPr lang="nl-NL" sz="1200" smtClean="0">
+                <a:solidFill>
+                  <a:srgbClr val="1D8DB0"/>
+                </a:solidFill>
+              </a:rPr>
+              <a:pPr/>
+              <a:t>11</a:t>
+            </a:fld>
+            <a:r>
+              <a:rPr lang="nl-NL" sz="1200" dirty="0">
+                <a:solidFill>
+                  <a:srgbClr val="1D8DB0"/>
+                </a:solidFill>
+              </a:rPr>
+              <a:t>/31</a:t>
+            </a:r>
+          </a:p>
+        </p:txBody>
+      </p:sp>
+      <p:sp>
+        <p:nvSpPr>
+          <p:cNvPr id="9" name="Titel 4">
+            <a:extLst>
+              <a:ext uri="{FF2B5EF4-FFF2-40B4-BE49-F238E27FC236}">
+                <a16:creationId xmlns:a16="http://schemas.microsoft.com/office/drawing/2014/main" id="{32C054A8-9043-41C9-BA29-6C11E3B87A6D}"/>
+              </a:ext>
+            </a:extLst>
+          </p:cNvPr>
+          <p:cNvSpPr>
+            <a:spLocks noGrp="1"/>
+          </p:cNvSpPr>
+          <p:nvPr>
+            <p:ph type="title"/>
+          </p:nvPr>
+        </p:nvSpPr>
+        <p:spPr>
+          <a:xfrm>
+            <a:off x="576263" y="336550"/>
+            <a:ext cx="11041062" cy="1152525"/>
+          </a:xfrm>
+        </p:spPr>
+        <p:txBody>
+          <a:bodyPr/>
+          <a:lstStyle/>
+          <a:p>
+            <a:r>
+              <a:rPr lang="nl-BE" dirty="0" err="1"/>
+              <a:t>Genotoxicity</a:t>
+            </a:r>
+            <a:endParaRPr lang="nl-BE" dirty="0"/>
+          </a:p>
+        </p:txBody>
+      </p:sp>
+      <p:sp>
+        <p:nvSpPr>
+          <p:cNvPr id="8" name="Tijdelijke aanduiding voor inhoud 1">
+            <a:extLst>
+              <a:ext uri="{FF2B5EF4-FFF2-40B4-BE49-F238E27FC236}">
+                <a16:creationId xmlns:a16="http://schemas.microsoft.com/office/drawing/2014/main" id="{FD48FE27-13D3-407C-9CF5-D7CAC1400D54}"/>
+              </a:ext>
+            </a:extLst>
+          </p:cNvPr>
+          <p:cNvSpPr>
+            <a:spLocks noGrp="1"/>
+          </p:cNvSpPr>
+          <p:nvPr>
+            <p:ph idx="1"/>
+          </p:nvPr>
+        </p:nvSpPr>
+        <p:spPr>
+          <a:xfrm>
+            <a:off x="576000" y="1656000"/>
+            <a:ext cx="11041200" cy="4043464"/>
+          </a:xfrm>
+        </p:spPr>
+        <p:txBody>
+          <a:bodyPr>
+            <a:normAutofit/>
+          </a:bodyPr>
+          <a:lstStyle/>
+          <a:p>
+            <a:pPr marL="0" indent="0">
+              <a:buNone/>
+            </a:pPr>
+            <a:r>
+              <a:rPr lang="nl-BE" sz="2000" dirty="0" err="1"/>
+              <a:t>Describes</a:t>
+            </a:r>
+            <a:r>
+              <a:rPr lang="nl-BE" sz="2000" dirty="0"/>
+              <a:t> </a:t>
+            </a:r>
+            <a:r>
+              <a:rPr lang="nl-BE" sz="2000" dirty="0" err="1"/>
+              <a:t>the</a:t>
+            </a:r>
+            <a:r>
+              <a:rPr lang="nl-BE" sz="2000" dirty="0"/>
+              <a:t> </a:t>
+            </a:r>
+            <a:r>
+              <a:rPr lang="nl-BE" sz="2000" dirty="0" err="1"/>
+              <a:t>ability</a:t>
+            </a:r>
+            <a:r>
+              <a:rPr lang="nl-BE" sz="2000" dirty="0"/>
+              <a:t> of a </a:t>
+            </a:r>
+            <a:r>
+              <a:rPr lang="nl-BE" sz="2000" dirty="0" err="1"/>
+              <a:t>chemical</a:t>
+            </a:r>
+            <a:r>
+              <a:rPr lang="nl-BE" sz="2000" dirty="0"/>
+              <a:t> test agent </a:t>
+            </a:r>
+            <a:r>
+              <a:rPr lang="nl-BE" sz="2000" dirty="0" err="1"/>
+              <a:t>to</a:t>
+            </a:r>
+            <a:r>
+              <a:rPr lang="nl-BE" sz="2000" dirty="0"/>
+              <a:t> </a:t>
+            </a:r>
+            <a:r>
+              <a:rPr lang="nl-BE" sz="2000" dirty="0" err="1"/>
+              <a:t>induce</a:t>
+            </a:r>
+            <a:r>
+              <a:rPr lang="nl-BE" sz="2000" dirty="0"/>
+              <a:t> DNA </a:t>
+            </a:r>
+            <a:r>
+              <a:rPr lang="nl-BE" sz="2000" dirty="0" err="1"/>
+              <a:t>damage</a:t>
+            </a:r>
+            <a:endParaRPr lang="nl-BE" sz="2000" dirty="0"/>
+          </a:p>
+        </p:txBody>
+      </p:sp>
+      <p:sp>
+        <p:nvSpPr>
+          <p:cNvPr id="10" name="Tekstvak 9">
+            <a:extLst>
+              <a:ext uri="{FF2B5EF4-FFF2-40B4-BE49-F238E27FC236}">
+                <a16:creationId xmlns:a16="http://schemas.microsoft.com/office/drawing/2014/main" id="{F9AF6A87-507F-4E2E-8A2A-840080D13776}"/>
+              </a:ext>
+            </a:extLst>
+          </p:cNvPr>
+          <p:cNvSpPr txBox="1"/>
+          <p:nvPr/>
+        </p:nvSpPr>
+        <p:spPr>
+          <a:xfrm>
+            <a:off x="159798" y="58771"/>
+            <a:ext cx="5832629" cy="276999"/>
+          </a:xfrm>
+          <a:prstGeom prst="rect">
+            <a:avLst/>
+          </a:prstGeom>
+          <a:noFill/>
+        </p:spPr>
+        <p:txBody>
+          <a:bodyPr wrap="square" rtlCol="0">
+            <a:spAutoFit/>
+          </a:bodyPr>
+          <a:lstStyle/>
+          <a:p>
+            <a:r>
+              <a:rPr lang="nl-BE" sz="1200" dirty="0">
+                <a:solidFill>
+                  <a:srgbClr val="1D8DB0"/>
+                </a:solidFill>
+              </a:rPr>
+              <a:t>J. </a:t>
+            </a:r>
+            <a:r>
+              <a:rPr lang="nl-BE" sz="1200" dirty="0" err="1">
+                <a:solidFill>
+                  <a:srgbClr val="1D8DB0"/>
+                </a:solidFill>
+              </a:rPr>
+              <a:t>Neirynck</a:t>
+            </a:r>
+            <a:r>
+              <a:rPr lang="nl-BE" sz="1200" dirty="0">
+                <a:solidFill>
+                  <a:srgbClr val="1D8DB0"/>
+                </a:solidFill>
+              </a:rPr>
+              <a:t>, F. Van </a:t>
+            </a:r>
+            <a:r>
+              <a:rPr lang="nl-BE" sz="1200" dirty="0" err="1">
+                <a:solidFill>
+                  <a:srgbClr val="1D8DB0"/>
+                </a:solidFill>
+              </a:rPr>
+              <a:t>Eecke</a:t>
+            </a:r>
+            <a:r>
+              <a:rPr lang="nl-BE" sz="1200" dirty="0">
+                <a:solidFill>
+                  <a:srgbClr val="1D8DB0"/>
+                </a:solidFill>
+              </a:rPr>
+              <a:t> &amp; R. Vrielynck</a:t>
+            </a:r>
+          </a:p>
+        </p:txBody>
+      </p:sp>
+      <p:sp>
+        <p:nvSpPr>
+          <p:cNvPr id="11" name="Tekstvak 10">
+            <a:extLst>
+              <a:ext uri="{FF2B5EF4-FFF2-40B4-BE49-F238E27FC236}">
+                <a16:creationId xmlns:a16="http://schemas.microsoft.com/office/drawing/2014/main" id="{02C83A39-3DA1-4516-B834-3C3D5F8552F0}"/>
+              </a:ext>
+            </a:extLst>
+          </p:cNvPr>
+          <p:cNvSpPr txBox="1"/>
+          <p:nvPr/>
+        </p:nvSpPr>
+        <p:spPr>
+          <a:xfrm>
+            <a:off x="576000" y="6356412"/>
+            <a:ext cx="10351364" cy="315471"/>
+          </a:xfrm>
+          <a:prstGeom prst="rect">
+            <a:avLst/>
+          </a:prstGeom>
+          <a:noFill/>
+        </p:spPr>
+        <p:txBody>
+          <a:bodyPr wrap="square" rtlCol="0">
+            <a:spAutoFit/>
+          </a:bodyPr>
+          <a:lstStyle/>
+          <a:p>
+            <a:r>
+              <a:rPr lang="nl-BE" sz="1450" dirty="0" err="1">
+                <a:solidFill>
+                  <a:schemeClr val="bg1"/>
+                </a:solidFill>
+              </a:rPr>
+              <a:t>Introduction</a:t>
+            </a:r>
+            <a:r>
+              <a:rPr lang="nl-BE" sz="1450" dirty="0">
+                <a:solidFill>
+                  <a:schemeClr val="bg1"/>
+                </a:solidFill>
+              </a:rPr>
+              <a:t>	</a:t>
+            </a:r>
+            <a:r>
+              <a:rPr lang="nl-BE" sz="1450" b="1" dirty="0">
+                <a:solidFill>
+                  <a:schemeClr val="bg1"/>
+                </a:solidFill>
+              </a:rPr>
+              <a:t>	Framework</a:t>
+            </a:r>
+            <a:r>
+              <a:rPr lang="nl-BE" sz="1450" dirty="0">
+                <a:solidFill>
+                  <a:schemeClr val="bg1"/>
+                </a:solidFill>
+              </a:rPr>
+              <a:t>		</a:t>
+            </a:r>
+            <a:r>
+              <a:rPr lang="nl-BE" sz="1450" dirty="0" err="1">
+                <a:solidFill>
+                  <a:schemeClr val="bg1"/>
+                </a:solidFill>
+              </a:rPr>
+              <a:t>Techniques</a:t>
+            </a:r>
+            <a:r>
+              <a:rPr lang="nl-BE" sz="1450" dirty="0">
+                <a:solidFill>
+                  <a:schemeClr val="bg1"/>
+                </a:solidFill>
+              </a:rPr>
+              <a:t> &amp; </a:t>
+            </a:r>
+            <a:r>
+              <a:rPr lang="nl-BE" sz="1450" dirty="0" err="1">
+                <a:solidFill>
+                  <a:schemeClr val="bg1"/>
+                </a:solidFill>
+              </a:rPr>
+              <a:t>Results</a:t>
+            </a:r>
+            <a:r>
+              <a:rPr lang="nl-BE" sz="1450" dirty="0">
+                <a:solidFill>
+                  <a:schemeClr val="bg1"/>
+                </a:solidFill>
+              </a:rPr>
+              <a:t>			Summary</a:t>
+            </a:r>
+          </a:p>
+        </p:txBody>
+      </p:sp>
+    </p:spTree>
+    <p:extLst>
+      <p:ext uri="{BB962C8B-B14F-4D97-AF65-F5344CB8AC3E}">
+        <p14:creationId xmlns:p14="http://schemas.microsoft.com/office/powerpoint/2010/main" val="2708186672"/>
+      </p:ext>
+    </p:extLst>
+  </p:cSld>
+  <p:clrMapOvr>
+    <a:masterClrMapping/>
+  </p:clrMapOvr>
+</p:sld>
+</file>
+
 <file path=ppt/slides/slide12.xml><?xml version="1.0" encoding="utf-8"?>
 <p:sld xmlns:a="http://schemas.openxmlformats.org/drawingml/2006/main" xmlns:r="http://schemas.openxmlformats.org/officeDocument/2006/relationships" xmlns:p="http://schemas.openxmlformats.org/presentationml/2006/main">
   <p:cSld>
@@ -7924,10 +7401,10 @@
       </p:grpSpPr>
       <p:sp>
         <p:nvSpPr>
-          <p:cNvPr id="7" name="Tijdelijke aanduiding voor dianummer 23">
+          <p:cNvPr id="2" name="Titel 1">
             <a:extLst>
               <a:ext uri="{FF2B5EF4-FFF2-40B4-BE49-F238E27FC236}">
-                <a16:creationId xmlns:a16="http://schemas.microsoft.com/office/drawing/2014/main" id="{E7BA9955-551E-4B72-9196-84FDFE87439B}"/>
+                <a16:creationId xmlns:a16="http://schemas.microsoft.com/office/drawing/2014/main" id="{069A9DF7-0F9D-4549-B4E3-66F98F66FF7B}"/>
               </a:ext>
             </a:extLst>
           </p:cNvPr>
@@ -7935,45 +7412,52 @@
             <a:spLocks noGrp="1"/>
           </p:cNvSpPr>
           <p:nvPr>
-            <p:ph type="sldNum" sz="quarter" idx="12"/>
-          </p:nvPr>
-        </p:nvSpPr>
-        <p:spPr>
-          <a:xfrm>
-            <a:off x="11544000" y="-126730"/>
-            <a:ext cx="648000" cy="648000"/>
-          </a:xfrm>
-        </p:spPr>
+            <p:ph type="title"/>
+          </p:nvPr>
+        </p:nvSpPr>
+        <p:spPr/>
         <p:txBody>
           <a:bodyPr/>
           <a:lstStyle/>
           <a:p>
-            <a:fld id="{CF179DAE-D0A6-40C3-B8BC-6A97C268D03A}" type="slidenum">
-              <a:rPr lang="nl-NL" sz="1200" smtClean="0">
-                <a:solidFill>
-                  <a:srgbClr val="1D8DB0"/>
-                </a:solidFill>
-              </a:rPr>
-              <a:pPr/>
-              <a:t>12</a:t>
-            </a:fld>
-            <a:r>
-              <a:rPr lang="nl-NL" sz="1200" dirty="0">
-                <a:solidFill>
-                  <a:srgbClr val="1D8DB0"/>
-                </a:solidFill>
-              </a:rPr>
-              <a:t>/31</a:t>
-            </a:r>
-          </a:p>
-        </p:txBody>
-      </p:sp>
-      <p:sp>
-        <p:nvSpPr>
-          <p:cNvPr id="9" name="Titel 4">
+            <a:r>
+              <a:rPr lang="nl-NL" dirty="0">
+                <a:latin typeface="Arial"/>
+                <a:cs typeface="Arial"/>
+              </a:rPr>
+              <a:t>Parameters </a:t>
+            </a:r>
+            <a:r>
+              <a:rPr lang="nl-NL" dirty="0" err="1">
+                <a:latin typeface="Arial"/>
+                <a:cs typeface="Arial"/>
+              </a:rPr>
+              <a:t>influcencing</a:t>
+            </a:r>
+            <a:r>
+              <a:rPr lang="nl-NL" dirty="0">
+                <a:latin typeface="Arial"/>
+                <a:cs typeface="Arial"/>
+              </a:rPr>
+              <a:t> </a:t>
+            </a:r>
+            <a:r>
+              <a:rPr lang="nl-NL" dirty="0" err="1">
+                <a:latin typeface="Arial"/>
+                <a:cs typeface="Arial"/>
+              </a:rPr>
+              <a:t>toxicity</a:t>
+            </a:r>
+            <a:endParaRPr lang="nl-NL" dirty="0" err="1"/>
+          </a:p>
+        </p:txBody>
+      </p:sp>
+      <p:sp>
+        <p:nvSpPr>
+          <p:cNvPr id="3" name="Tijdelijke aanduiding voor tekst 2">
             <a:extLst>
               <a:ext uri="{FF2B5EF4-FFF2-40B4-BE49-F238E27FC236}">
-                <a16:creationId xmlns:a16="http://schemas.microsoft.com/office/drawing/2014/main" id="{32C054A8-9043-41C9-BA29-6C11E3B87A6D}"/>
+                <a16:creationId xmlns:a16="http://schemas.microsoft.com/office/drawing/2014/main" id="{0765C0FE-D1DD-43F6-A1E8-FF2D7256F7B0}"/>
               </a:ext>
             </a:extLst>
           </p:cNvPr>
@@ -7981,33 +7465,24 @@
             <a:spLocks noGrp="1"/>
           </p:cNvSpPr>
           <p:nvPr>
-            <p:ph type="title"/>
-          </p:nvPr>
-        </p:nvSpPr>
-        <p:spPr>
-          <a:xfrm>
-            <a:off x="576263" y="336550"/>
-            <a:ext cx="11041062" cy="1152525"/>
-          </a:xfrm>
-        </p:spPr>
+            <p:ph type="body" idx="1"/>
+          </p:nvPr>
+        </p:nvSpPr>
+        <p:spPr/>
         <p:txBody>
           <a:bodyPr/>
           <a:lstStyle/>
           <a:p>
-            <a:r>
-              <a:rPr lang="nl-BE" dirty="0" err="1"/>
-              <a:t>Genotoxicity</a:t>
-            </a:r>
-            <a:endParaRPr lang="nl-BE" dirty="0"/>
-          </a:p>
-        </p:txBody>
-      </p:sp>
-      <p:sp>
-        <p:nvSpPr>
-          <p:cNvPr id="8" name="Tijdelijke aanduiding voor inhoud 1">
+            <a:endParaRPr lang="nl-NL"/>
+          </a:p>
+        </p:txBody>
+      </p:sp>
+      <p:sp>
+        <p:nvSpPr>
+          <p:cNvPr id="4" name="Tijdelijke aanduiding voor voettekst 3">
             <a:extLst>
               <a:ext uri="{FF2B5EF4-FFF2-40B4-BE49-F238E27FC236}">
-                <a16:creationId xmlns:a16="http://schemas.microsoft.com/office/drawing/2014/main" id="{FD48FE27-13D3-407C-9CF5-D7CAC1400D54}"/>
+                <a16:creationId xmlns:a16="http://schemas.microsoft.com/office/drawing/2014/main" id="{E63340FA-5B57-4924-A4D1-10B8E5D14A4C}"/>
               </a:ext>
             </a:extLst>
           </p:cNvPr>
@@ -8015,250 +7490,90 @@
             <a:spLocks noGrp="1"/>
           </p:cNvSpPr>
           <p:nvPr>
-            <p:ph idx="1"/>
-          </p:nvPr>
-        </p:nvSpPr>
-        <p:spPr>
-          <a:xfrm>
-            <a:off x="576000" y="1656000"/>
-            <a:ext cx="11041200" cy="4043464"/>
-          </a:xfrm>
-        </p:spPr>
-        <p:txBody>
-          <a:bodyPr>
-            <a:normAutofit/>
-          </a:bodyPr>
-          <a:lstStyle/>
-          <a:p>
-            <a:pPr marL="0" indent="0">
-              <a:buNone/>
-            </a:pPr>
-            <a:r>
-              <a:rPr lang="nl-BE" sz="2000" dirty="0" err="1"/>
-              <a:t>Describes</a:t>
-            </a:r>
-            <a:r>
-              <a:rPr lang="nl-BE" sz="2000" dirty="0"/>
-              <a:t> </a:t>
-            </a:r>
-            <a:r>
-              <a:rPr lang="nl-BE" sz="2000" dirty="0" err="1"/>
-              <a:t>the</a:t>
-            </a:r>
-            <a:r>
-              <a:rPr lang="nl-BE" sz="2000" dirty="0"/>
-              <a:t> </a:t>
-            </a:r>
-            <a:r>
-              <a:rPr lang="nl-BE" sz="2000" dirty="0" err="1"/>
-              <a:t>ability</a:t>
-            </a:r>
-            <a:r>
-              <a:rPr lang="nl-BE" sz="2000" dirty="0"/>
-              <a:t> of a </a:t>
-            </a:r>
-            <a:r>
-              <a:rPr lang="nl-BE" sz="2000" dirty="0" err="1"/>
-              <a:t>chemical</a:t>
-            </a:r>
-            <a:r>
-              <a:rPr lang="nl-BE" sz="2000" dirty="0"/>
-              <a:t> test agent </a:t>
-            </a:r>
-            <a:r>
-              <a:rPr lang="nl-BE" sz="2000" dirty="0" err="1"/>
-              <a:t>to</a:t>
-            </a:r>
-            <a:r>
-              <a:rPr lang="nl-BE" sz="2000" dirty="0"/>
-              <a:t> </a:t>
-            </a:r>
-            <a:r>
-              <a:rPr lang="nl-BE" sz="2000" dirty="0" err="1"/>
-              <a:t>induce</a:t>
-            </a:r>
-            <a:r>
-              <a:rPr lang="nl-BE" sz="2000" dirty="0"/>
-              <a:t> DNA </a:t>
-            </a:r>
-            <a:r>
-              <a:rPr lang="nl-BE" sz="2000" dirty="0" err="1"/>
-              <a:t>damage</a:t>
-            </a:r>
-            <a:endParaRPr lang="nl-BE" sz="2000" dirty="0"/>
-          </a:p>
-        </p:txBody>
-      </p:sp>
-      <p:sp>
-        <p:nvSpPr>
-          <p:cNvPr id="10" name="Tekstvak 9">
+            <p:ph type="ftr" sz="quarter" idx="11"/>
+          </p:nvPr>
+        </p:nvSpPr>
+        <p:spPr/>
+        <p:txBody>
+          <a:bodyPr/>
+          <a:lstStyle/>
+          <a:p>
+            <a:r>
+              <a:rPr lang="nl-NL"/>
+              <a:t>Faculteit, departement, dienst …</a:t>
+            </a:r>
+          </a:p>
+        </p:txBody>
+      </p:sp>
+      <p:sp>
+        <p:nvSpPr>
+          <p:cNvPr id="5" name="Tijdelijke aanduiding voor dianummer 4">
             <a:extLst>
               <a:ext uri="{FF2B5EF4-FFF2-40B4-BE49-F238E27FC236}">
-                <a16:creationId xmlns:a16="http://schemas.microsoft.com/office/drawing/2014/main" id="{F9AF6A87-507F-4E2E-8A2A-840080D13776}"/>
+                <a16:creationId xmlns:a16="http://schemas.microsoft.com/office/drawing/2014/main" id="{74B25947-9FBD-4735-9AE1-ED393740821F}"/>
               </a:ext>
             </a:extLst>
           </p:cNvPr>
-          <p:cNvSpPr txBox="1"/>
-          <p:nvPr/>
-        </p:nvSpPr>
-        <p:spPr>
-          <a:xfrm>
-            <a:off x="159798" y="58771"/>
-            <a:ext cx="5832629" cy="276999"/>
-          </a:xfrm>
-          <a:prstGeom prst="rect">
-            <a:avLst/>
-          </a:prstGeom>
-          <a:noFill/>
-        </p:spPr>
-        <p:txBody>
-          <a:bodyPr wrap="square" rtlCol="0">
-            <a:spAutoFit/>
-          </a:bodyPr>
-          <a:lstStyle/>
-          <a:p>
-            <a:r>
-              <a:rPr lang="nl-BE" sz="1200" dirty="0">
-                <a:solidFill>
-                  <a:srgbClr val="1D8DB0"/>
-                </a:solidFill>
-              </a:rPr>
-              <a:t>J. </a:t>
-            </a:r>
-            <a:r>
-              <a:rPr lang="nl-BE" sz="1200" dirty="0" err="1">
-                <a:solidFill>
-                  <a:srgbClr val="1D8DB0"/>
-                </a:solidFill>
-              </a:rPr>
-              <a:t>Neirynck</a:t>
-            </a:r>
-            <a:r>
-              <a:rPr lang="nl-BE" sz="1200" dirty="0">
-                <a:solidFill>
-                  <a:srgbClr val="1D8DB0"/>
-                </a:solidFill>
-              </a:rPr>
-              <a:t>, F. Van </a:t>
-            </a:r>
-            <a:r>
-              <a:rPr lang="nl-BE" sz="1200" dirty="0" err="1">
-                <a:solidFill>
-                  <a:srgbClr val="1D8DB0"/>
-                </a:solidFill>
-              </a:rPr>
-              <a:t>Eecke</a:t>
-            </a:r>
-            <a:r>
-              <a:rPr lang="nl-BE" sz="1200" dirty="0">
-                <a:solidFill>
-                  <a:srgbClr val="1D8DB0"/>
-                </a:solidFill>
-              </a:rPr>
-              <a:t> &amp; R. Vrielynck</a:t>
-            </a:r>
-          </a:p>
-        </p:txBody>
-      </p:sp>
-      <p:sp>
-        <p:nvSpPr>
-          <p:cNvPr id="11" name="Tekstvak 10">
+          <p:cNvSpPr>
+            <a:spLocks noGrp="1"/>
+          </p:cNvSpPr>
+          <p:nvPr>
+            <p:ph type="sldNum" sz="quarter" idx="12"/>
+          </p:nvPr>
+        </p:nvSpPr>
+        <p:spPr/>
+        <p:txBody>
+          <a:bodyPr/>
+          <a:lstStyle/>
+          <a:p>
+            <a:fld id="{0A297500-7527-634B-90F4-69D0994C32B4}" type="slidenum">
+              <a:rPr lang="nl-NL" smtClean="0"/>
+              <a:t>12</a:t>
+            </a:fld>
+            <a:endParaRPr lang="nl-NL"/>
+          </a:p>
+        </p:txBody>
+      </p:sp>
+      <p:sp>
+        <p:nvSpPr>
+          <p:cNvPr id="6" name="Tijdelijke aanduiding voor afbeelding 5">
             <a:extLst>
               <a:ext uri="{FF2B5EF4-FFF2-40B4-BE49-F238E27FC236}">
-                <a16:creationId xmlns:a16="http://schemas.microsoft.com/office/drawing/2014/main" id="{02C83A39-3DA1-4516-B834-3C3D5F8552F0}"/>
+                <a16:creationId xmlns:a16="http://schemas.microsoft.com/office/drawing/2014/main" id="{5275FCF6-597C-42C7-8DFD-B54FDE863E6B}"/>
               </a:ext>
             </a:extLst>
           </p:cNvPr>
-          <p:cNvSpPr txBox="1"/>
-          <p:nvPr/>
-        </p:nvSpPr>
-        <p:spPr>
-          <a:xfrm>
-            <a:off x="576000" y="6356412"/>
-            <a:ext cx="10351364" cy="315471"/>
-          </a:xfrm>
-          <a:prstGeom prst="rect">
-            <a:avLst/>
-          </a:prstGeom>
-          <a:noFill/>
-        </p:spPr>
-        <p:txBody>
-          <a:bodyPr wrap="square" rtlCol="0">
-            <a:spAutoFit/>
-          </a:bodyPr>
-          <a:lstStyle/>
-          <a:p>
-            <a:r>
-              <a:rPr lang="nl-BE" sz="1450" dirty="0" err="1">
-                <a:solidFill>
-                  <a:schemeClr val="bg1"/>
-                </a:solidFill>
-              </a:rPr>
-              <a:t>Introduction</a:t>
-            </a:r>
-            <a:r>
-              <a:rPr lang="nl-BE" sz="1450" dirty="0">
-                <a:solidFill>
-                  <a:schemeClr val="bg1"/>
-                </a:solidFill>
-              </a:rPr>
-              <a:t>	</a:t>
-            </a:r>
-            <a:r>
-              <a:rPr lang="nl-BE" sz="1450" b="1" dirty="0">
-                <a:solidFill>
-                  <a:schemeClr val="bg1"/>
-                </a:solidFill>
-              </a:rPr>
-              <a:t>	Framework</a:t>
-            </a:r>
-            <a:r>
-              <a:rPr lang="nl-BE" sz="1450" dirty="0">
-                <a:solidFill>
-                  <a:schemeClr val="bg1"/>
-                </a:solidFill>
-              </a:rPr>
-              <a:t>		</a:t>
-            </a:r>
-            <a:r>
-              <a:rPr lang="nl-BE" sz="1450" dirty="0" err="1">
-                <a:solidFill>
-                  <a:schemeClr val="bg1"/>
-                </a:solidFill>
-              </a:rPr>
-              <a:t>Techniques</a:t>
-            </a:r>
-            <a:r>
-              <a:rPr lang="nl-BE" sz="1450" dirty="0">
-                <a:solidFill>
-                  <a:schemeClr val="bg1"/>
-                </a:solidFill>
-              </a:rPr>
-              <a:t> &amp; </a:t>
-            </a:r>
-            <a:r>
-              <a:rPr lang="nl-BE" sz="1450" dirty="0" err="1">
-                <a:solidFill>
-                  <a:schemeClr val="bg1"/>
-                </a:solidFill>
-              </a:rPr>
-              <a:t>Results</a:t>
-            </a:r>
-            <a:r>
-              <a:rPr lang="nl-BE" sz="1450" dirty="0">
-                <a:solidFill>
-                  <a:schemeClr val="bg1"/>
-                </a:solidFill>
-              </a:rPr>
-              <a:t>			Summary</a:t>
-            </a:r>
-          </a:p>
-        </p:txBody>
+          <p:cNvSpPr>
+            <a:spLocks noGrp="1"/>
+          </p:cNvSpPr>
+          <p:nvPr>
+            <p:ph type="pic" sz="quarter" idx="13"/>
+          </p:nvPr>
+        </p:nvSpPr>
+        <p:spPr/>
+      </p:sp>
+      <p:sp>
+        <p:nvSpPr>
+          <p:cNvPr id="7" name="Tijdelijke aanduiding voor afbeelding 6">
+            <a:extLst>
+              <a:ext uri="{FF2B5EF4-FFF2-40B4-BE49-F238E27FC236}">
+                <a16:creationId xmlns:a16="http://schemas.microsoft.com/office/drawing/2014/main" id="{8EE963F9-2796-4544-B389-0EF584315BE6}"/>
+              </a:ext>
+            </a:extLst>
+          </p:cNvPr>
+          <p:cNvSpPr>
+            <a:spLocks noGrp="1"/>
+          </p:cNvSpPr>
+          <p:nvPr>
+            <p:ph type="pic" sz="quarter" idx="14"/>
+          </p:nvPr>
+        </p:nvSpPr>
+        <p:spPr/>
       </p:sp>
     </p:spTree>
     <p:extLst>
       <p:ext uri="{BB962C8B-B14F-4D97-AF65-F5344CB8AC3E}">
-        <p14:creationId xmlns:p14="http://schemas.microsoft.com/office/powerpoint/2010/main" val="2708186672"/>
+        <p14:creationId xmlns:p14="http://schemas.microsoft.com/office/powerpoint/2010/main" val="1103729882"/>
       </p:ext>
     </p:extLst>
   </p:cSld>
@@ -8287,10 +7602,10 @@
       </p:grpSpPr>
       <p:sp>
         <p:nvSpPr>
-          <p:cNvPr id="2" name="Titel 1">
+          <p:cNvPr id="7" name="Tijdelijke aanduiding voor dianummer 23">
             <a:extLst>
               <a:ext uri="{FF2B5EF4-FFF2-40B4-BE49-F238E27FC236}">
-                <a16:creationId xmlns:a16="http://schemas.microsoft.com/office/drawing/2014/main" id="{069A9DF7-0F9D-4549-B4E3-66F98F66FF7B}"/>
+                <a16:creationId xmlns:a16="http://schemas.microsoft.com/office/drawing/2014/main" id="{E7BA9955-551E-4B72-9196-84FDFE87439B}"/>
               </a:ext>
             </a:extLst>
           </p:cNvPr>
@@ -8298,52 +7613,45 @@
             <a:spLocks noGrp="1"/>
           </p:cNvSpPr>
           <p:nvPr>
-            <p:ph type="title"/>
-          </p:nvPr>
-        </p:nvSpPr>
-        <p:spPr/>
+            <p:ph type="sldNum" sz="quarter" idx="12"/>
+          </p:nvPr>
+        </p:nvSpPr>
+        <p:spPr>
+          <a:xfrm>
+            <a:off x="11544000" y="-126730"/>
+            <a:ext cx="648000" cy="648000"/>
+          </a:xfrm>
+        </p:spPr>
         <p:txBody>
           <a:bodyPr/>
           <a:lstStyle/>
           <a:p>
-            <a:r>
-              <a:rPr lang="nl-NL" dirty="0">
-                <a:latin typeface="Arial"/>
-                <a:cs typeface="Arial"/>
-              </a:rPr>
-              <a:t>Parameters </a:t>
-            </a:r>
-            <a:r>
-              <a:rPr lang="nl-NL" dirty="0" err="1">
-                <a:latin typeface="Arial"/>
-                <a:cs typeface="Arial"/>
-              </a:rPr>
-              <a:t>influcencing</a:t>
-            </a:r>
-            <a:r>
-              <a:rPr lang="nl-NL" dirty="0">
-                <a:latin typeface="Arial"/>
-                <a:cs typeface="Arial"/>
-              </a:rPr>
-              <a:t> </a:t>
-            </a:r>
-            <a:r>
-              <a:rPr lang="nl-NL" dirty="0" err="1">
-                <a:latin typeface="Arial"/>
-                <a:cs typeface="Arial"/>
-              </a:rPr>
-              <a:t>toxicity</a:t>
-            </a:r>
-            <a:endParaRPr lang="nl-NL" dirty="0" err="1"/>
-          </a:p>
-        </p:txBody>
-      </p:sp>
-      <p:sp>
-        <p:nvSpPr>
-          <p:cNvPr id="3" name="Tijdelijke aanduiding voor tekst 2">
+            <a:fld id="{CF179DAE-D0A6-40C3-B8BC-6A97C268D03A}" type="slidenum">
+              <a:rPr lang="nl-NL" sz="1200" smtClean="0">
+                <a:solidFill>
+                  <a:srgbClr val="1D8DB0"/>
+                </a:solidFill>
+              </a:rPr>
+              <a:pPr/>
+              <a:t>13</a:t>
+            </a:fld>
+            <a:r>
+              <a:rPr lang="nl-NL" sz="1200" dirty="0">
+                <a:solidFill>
+                  <a:srgbClr val="1D8DB0"/>
+                </a:solidFill>
+              </a:rPr>
+              <a:t>/31</a:t>
+            </a:r>
+          </a:p>
+        </p:txBody>
+      </p:sp>
+      <p:sp>
+        <p:nvSpPr>
+          <p:cNvPr id="9" name="Titel 4">
             <a:extLst>
               <a:ext uri="{FF2B5EF4-FFF2-40B4-BE49-F238E27FC236}">
-                <a16:creationId xmlns:a16="http://schemas.microsoft.com/office/drawing/2014/main" id="{0765C0FE-D1DD-43F6-A1E8-FF2D7256F7B0}"/>
+                <a16:creationId xmlns:a16="http://schemas.microsoft.com/office/drawing/2014/main" id="{32C054A8-9043-41C9-BA29-6C11E3B87A6D}"/>
               </a:ext>
             </a:extLst>
           </p:cNvPr>
@@ -8351,24 +7659,52 @@
             <a:spLocks noGrp="1"/>
           </p:cNvSpPr>
           <p:nvPr>
-            <p:ph type="body" idx="1"/>
-          </p:nvPr>
-        </p:nvSpPr>
-        <p:spPr/>
+            <p:ph type="title"/>
+          </p:nvPr>
+        </p:nvSpPr>
+        <p:spPr>
+          <a:xfrm>
+            <a:off x="576263" y="336550"/>
+            <a:ext cx="11041062" cy="1152525"/>
+          </a:xfrm>
+        </p:spPr>
         <p:txBody>
           <a:bodyPr/>
           <a:lstStyle/>
           <a:p>
-            <a:endParaRPr lang="nl-NL"/>
-          </a:p>
-        </p:txBody>
-      </p:sp>
-      <p:sp>
-        <p:nvSpPr>
-          <p:cNvPr id="4" name="Tijdelijke aanduiding voor voettekst 3">
+            <a:r>
+              <a:rPr lang="nl-BE" dirty="0" err="1">
+                <a:latin typeface="Arial"/>
+                <a:cs typeface="Arial"/>
+              </a:rPr>
+              <a:t>Dose</a:t>
+            </a:r>
+            <a:r>
+              <a:rPr lang="nl-BE" dirty="0">
+                <a:latin typeface="Arial"/>
+                <a:cs typeface="Arial"/>
+              </a:rPr>
+              <a:t> </a:t>
+            </a:r>
+            <a:r>
+              <a:rPr lang="nl-BE" dirty="0" err="1">
+                <a:latin typeface="Arial"/>
+                <a:cs typeface="Arial"/>
+              </a:rPr>
+              <a:t>dependence</a:t>
+            </a:r>
+            <a:endParaRPr lang="nl-BE" dirty="0" err="1">
+              <a:cs typeface="Arial"/>
+            </a:endParaRPr>
+          </a:p>
+        </p:txBody>
+      </p:sp>
+      <p:sp>
+        <p:nvSpPr>
+          <p:cNvPr id="8" name="Tijdelijke aanduiding voor inhoud 1">
             <a:extLst>
               <a:ext uri="{FF2B5EF4-FFF2-40B4-BE49-F238E27FC236}">
-                <a16:creationId xmlns:a16="http://schemas.microsoft.com/office/drawing/2014/main" id="{E63340FA-5B57-4924-A4D1-10B8E5D14A4C}"/>
+                <a16:creationId xmlns:a16="http://schemas.microsoft.com/office/drawing/2014/main" id="{FD48FE27-13D3-407C-9CF5-D7CAC1400D54}"/>
               </a:ext>
             </a:extLst>
           </p:cNvPr>
@@ -8376,90 +7712,530 @@
             <a:spLocks noGrp="1"/>
           </p:cNvSpPr>
           <p:nvPr>
-            <p:ph type="ftr" sz="quarter" idx="11"/>
-          </p:nvPr>
-        </p:nvSpPr>
-        <p:spPr/>
-        <p:txBody>
-          <a:bodyPr/>
-          <a:lstStyle/>
-          <a:p>
-            <a:r>
-              <a:rPr lang="nl-NL"/>
-              <a:t>Faculteit, departement, dienst …</a:t>
-            </a:r>
-          </a:p>
-        </p:txBody>
-      </p:sp>
-      <p:sp>
-        <p:nvSpPr>
-          <p:cNvPr id="5" name="Tijdelijke aanduiding voor dianummer 4">
+            <p:ph idx="1"/>
+          </p:nvPr>
+        </p:nvSpPr>
+        <p:spPr>
+          <a:xfrm>
+            <a:off x="576000" y="1656000"/>
+            <a:ext cx="11041200" cy="4043464"/>
+          </a:xfrm>
+        </p:spPr>
+        <p:txBody>
+          <a:bodyPr vert="horz" lIns="91440" tIns="45720" rIns="91440" bIns="45720" rtlCol="0" anchor="t">
+            <a:normAutofit/>
+          </a:bodyPr>
+          <a:lstStyle/>
+          <a:p>
+            <a:r>
+              <a:rPr lang="nl-BE" sz="2000" dirty="0" err="1">
+                <a:latin typeface="Arial"/>
+                <a:cs typeface="Arial"/>
+              </a:rPr>
+              <a:t>Not</a:t>
+            </a:r>
+            <a:r>
+              <a:rPr lang="nl-BE" sz="2000" dirty="0">
+                <a:latin typeface="Arial"/>
+                <a:cs typeface="Arial"/>
+              </a:rPr>
+              <a:t> </a:t>
+            </a:r>
+            <a:r>
+              <a:rPr lang="nl-BE" sz="2000" dirty="0" err="1">
+                <a:latin typeface="Arial"/>
+                <a:cs typeface="Arial"/>
+              </a:rPr>
+              <a:t>dependent</a:t>
+            </a:r>
+            <a:r>
+              <a:rPr lang="nl-BE" sz="2000" dirty="0">
+                <a:latin typeface="Arial"/>
+                <a:cs typeface="Arial"/>
+              </a:rPr>
+              <a:t> on </a:t>
+            </a:r>
+            <a:r>
+              <a:rPr lang="nl-BE" sz="2000" dirty="0" err="1">
+                <a:latin typeface="Arial"/>
+                <a:cs typeface="Arial"/>
+              </a:rPr>
+              <a:t>mass</a:t>
+            </a:r>
+            <a:r>
+              <a:rPr lang="nl-BE" sz="2000" dirty="0">
+                <a:latin typeface="Arial"/>
+                <a:cs typeface="Arial"/>
+              </a:rPr>
+              <a:t> </a:t>
+            </a:r>
+            <a:r>
+              <a:rPr lang="nl-BE" sz="2000" dirty="0" err="1">
+                <a:latin typeface="Arial"/>
+                <a:cs typeface="Arial"/>
+              </a:rPr>
+              <a:t>dose</a:t>
+            </a:r>
+            <a:endParaRPr lang="nl-BE" sz="2000" dirty="0" err="1">
+              <a:cs typeface="Arial"/>
+            </a:endParaRPr>
+          </a:p>
+          <a:p>
+            <a:r>
+              <a:rPr lang="nl-BE" sz="2000" dirty="0">
+                <a:latin typeface="Arial"/>
+                <a:cs typeface="Arial"/>
+              </a:rPr>
+              <a:t>Surface is </a:t>
+            </a:r>
+            <a:r>
+              <a:rPr lang="nl-BE" sz="2000" dirty="0" err="1">
+                <a:latin typeface="Arial"/>
+                <a:cs typeface="Arial"/>
+              </a:rPr>
+              <a:t>reactive</a:t>
+            </a:r>
+            <a:r>
+              <a:rPr lang="nl-BE" sz="2000" dirty="0">
+                <a:latin typeface="Arial"/>
+                <a:cs typeface="Arial"/>
+              </a:rPr>
+              <a:t>, </a:t>
+            </a:r>
+            <a:r>
+              <a:rPr lang="nl-BE" sz="2000" dirty="0" err="1">
+                <a:latin typeface="Arial"/>
+                <a:cs typeface="Arial"/>
+              </a:rPr>
+              <a:t>so</a:t>
+            </a:r>
+            <a:r>
+              <a:rPr lang="nl-BE" sz="2000" dirty="0">
+                <a:latin typeface="Arial"/>
+                <a:cs typeface="Arial"/>
+              </a:rPr>
+              <a:t> small </a:t>
+            </a:r>
+            <a:r>
+              <a:rPr lang="nl-BE" sz="2000" dirty="0" err="1">
+                <a:latin typeface="Arial"/>
+                <a:cs typeface="Arial"/>
+              </a:rPr>
+              <a:t>particles</a:t>
+            </a:r>
+            <a:r>
+              <a:rPr lang="nl-BE" sz="2000" dirty="0">
+                <a:latin typeface="Arial"/>
+                <a:cs typeface="Arial"/>
+              </a:rPr>
+              <a:t> at a low </a:t>
+            </a:r>
+            <a:r>
+              <a:rPr lang="nl-BE" sz="2000" dirty="0" err="1">
+                <a:latin typeface="Arial"/>
+                <a:cs typeface="Arial"/>
+              </a:rPr>
+              <a:t>mass</a:t>
+            </a:r>
+            <a:r>
+              <a:rPr lang="nl-BE" sz="2000" dirty="0">
+                <a:latin typeface="Arial"/>
+                <a:cs typeface="Arial"/>
+              </a:rPr>
+              <a:t> </a:t>
+            </a:r>
+            <a:r>
+              <a:rPr lang="nl-BE" sz="2000" dirty="0" err="1">
+                <a:latin typeface="Arial"/>
+                <a:cs typeface="Arial"/>
+              </a:rPr>
+              <a:t>dose</a:t>
+            </a:r>
+            <a:r>
+              <a:rPr lang="nl-BE" sz="2000" dirty="0">
+                <a:latin typeface="Arial"/>
+                <a:cs typeface="Arial"/>
+              </a:rPr>
+              <a:t> </a:t>
+            </a:r>
+            <a:r>
+              <a:rPr lang="nl-BE" sz="2000" dirty="0" err="1">
+                <a:latin typeface="Arial"/>
+                <a:cs typeface="Arial"/>
+              </a:rPr>
+              <a:t>can</a:t>
+            </a:r>
+            <a:r>
+              <a:rPr lang="nl-BE" sz="2000" dirty="0">
+                <a:latin typeface="Arial"/>
+                <a:cs typeface="Arial"/>
+              </a:rPr>
+              <a:t> </a:t>
+            </a:r>
+            <a:r>
+              <a:rPr lang="nl-BE" sz="2000" dirty="0" err="1">
+                <a:latin typeface="Arial"/>
+                <a:cs typeface="Arial"/>
+              </a:rPr>
+              <a:t>be</a:t>
+            </a:r>
+            <a:r>
+              <a:rPr lang="nl-BE" sz="2000" dirty="0">
+                <a:latin typeface="Arial"/>
+                <a:cs typeface="Arial"/>
+              </a:rPr>
+              <a:t> as </a:t>
+            </a:r>
+            <a:r>
+              <a:rPr lang="nl-BE" sz="2000" dirty="0" err="1">
+                <a:latin typeface="Arial"/>
+                <a:cs typeface="Arial"/>
+              </a:rPr>
+              <a:t>toxic</a:t>
+            </a:r>
+            <a:r>
+              <a:rPr lang="nl-BE" sz="2000" dirty="0">
+                <a:latin typeface="Arial"/>
+                <a:cs typeface="Arial"/>
+              </a:rPr>
+              <a:t> al </a:t>
+            </a:r>
+            <a:r>
+              <a:rPr lang="nl-BE" sz="2000" dirty="0" err="1">
+                <a:latin typeface="Arial"/>
+                <a:cs typeface="Arial"/>
+              </a:rPr>
+              <a:t>larger</a:t>
+            </a:r>
+            <a:r>
+              <a:rPr lang="nl-BE" sz="2000" dirty="0">
+                <a:latin typeface="Arial"/>
+                <a:cs typeface="Arial"/>
+              </a:rPr>
+              <a:t> </a:t>
+            </a:r>
+            <a:r>
+              <a:rPr lang="nl-BE" sz="2000" dirty="0" err="1">
+                <a:latin typeface="Arial"/>
+                <a:cs typeface="Arial"/>
+              </a:rPr>
+              <a:t>particles</a:t>
+            </a:r>
+            <a:r>
+              <a:rPr lang="nl-BE" sz="2000" dirty="0">
+                <a:latin typeface="Arial"/>
+                <a:cs typeface="Arial"/>
+              </a:rPr>
+              <a:t> </a:t>
+            </a:r>
+            <a:r>
+              <a:rPr lang="nl-BE" sz="2000" dirty="0" err="1">
+                <a:latin typeface="Arial"/>
+                <a:cs typeface="Arial"/>
+              </a:rPr>
+              <a:t>with</a:t>
+            </a:r>
+            <a:r>
+              <a:rPr lang="nl-BE" sz="2000" dirty="0">
+                <a:latin typeface="Arial"/>
+                <a:cs typeface="Arial"/>
+              </a:rPr>
+              <a:t> a </a:t>
+            </a:r>
+            <a:r>
+              <a:rPr lang="nl-BE" sz="2000" dirty="0" err="1">
+                <a:latin typeface="Arial"/>
+                <a:cs typeface="Arial"/>
+              </a:rPr>
+              <a:t>higer</a:t>
+            </a:r>
+            <a:r>
+              <a:rPr lang="nl-BE" sz="2000" dirty="0">
+                <a:latin typeface="Arial"/>
+                <a:cs typeface="Arial"/>
+              </a:rPr>
+              <a:t> </a:t>
+            </a:r>
+            <a:r>
+              <a:rPr lang="nl-BE" sz="2000" dirty="0" err="1">
+                <a:latin typeface="Arial"/>
+                <a:cs typeface="Arial"/>
+              </a:rPr>
+              <a:t>mass</a:t>
+            </a:r>
+            <a:r>
+              <a:rPr lang="nl-BE" sz="2000" dirty="0">
+                <a:latin typeface="Arial"/>
+                <a:cs typeface="Arial"/>
+              </a:rPr>
+              <a:t> </a:t>
+            </a:r>
+            <a:r>
+              <a:rPr lang="nl-BE" sz="2000" dirty="0" err="1">
+                <a:latin typeface="Arial"/>
+                <a:cs typeface="Arial"/>
+              </a:rPr>
+              <a:t>dose</a:t>
+            </a:r>
+          </a:p>
+          <a:p>
+            <a:r>
+              <a:rPr lang="nl-BE" sz="2000" dirty="0">
+                <a:latin typeface="Arial"/>
+                <a:cs typeface="Arial"/>
+              </a:rPr>
+              <a:t>Surface </a:t>
+            </a:r>
+            <a:r>
+              <a:rPr lang="nl-BE" sz="2000" dirty="0" err="1">
+                <a:latin typeface="Arial"/>
+                <a:cs typeface="Arial"/>
+              </a:rPr>
+              <a:t>dose</a:t>
+            </a:r>
+            <a:r>
+              <a:rPr lang="nl-BE" sz="2000" dirty="0">
+                <a:latin typeface="Arial"/>
+                <a:cs typeface="Arial"/>
+              </a:rPr>
+              <a:t> is </a:t>
+            </a:r>
+            <a:r>
+              <a:rPr lang="nl-BE" sz="2000" dirty="0" err="1">
+                <a:latin typeface="Arial"/>
+                <a:cs typeface="Arial"/>
+              </a:rPr>
+              <a:t>what</a:t>
+            </a:r>
+            <a:r>
+              <a:rPr lang="nl-BE" sz="2000" dirty="0">
+                <a:latin typeface="Arial"/>
+                <a:cs typeface="Arial"/>
+              </a:rPr>
+              <a:t> </a:t>
+            </a:r>
+            <a:r>
+              <a:rPr lang="nl-BE" sz="2000" dirty="0" err="1">
+                <a:latin typeface="Arial"/>
+                <a:cs typeface="Arial"/>
+              </a:rPr>
+              <a:t>makes</a:t>
+            </a:r>
+            <a:r>
+              <a:rPr lang="nl-BE" sz="2000" dirty="0">
+                <a:latin typeface="Arial"/>
+                <a:cs typeface="Arial"/>
+              </a:rPr>
+              <a:t> </a:t>
+            </a:r>
+            <a:r>
+              <a:rPr lang="nl-BE" sz="2000" dirty="0" err="1">
+                <a:latin typeface="Arial"/>
+                <a:cs typeface="Arial"/>
+              </a:rPr>
+              <a:t>influences</a:t>
+            </a:r>
+            <a:r>
+              <a:rPr lang="nl-BE" sz="2000" dirty="0">
+                <a:latin typeface="Arial"/>
+                <a:cs typeface="Arial"/>
+              </a:rPr>
+              <a:t> </a:t>
+            </a:r>
+            <a:r>
+              <a:rPr lang="nl-BE" sz="2000" dirty="0" err="1">
+                <a:latin typeface="Arial"/>
+                <a:cs typeface="Arial"/>
+              </a:rPr>
+              <a:t>the</a:t>
+            </a:r>
+            <a:r>
+              <a:rPr lang="nl-BE" sz="2000" dirty="0">
+                <a:latin typeface="Arial"/>
+                <a:cs typeface="Arial"/>
+              </a:rPr>
+              <a:t> </a:t>
+            </a:r>
+            <a:r>
+              <a:rPr lang="nl-BE" sz="2000" dirty="0" err="1">
+                <a:latin typeface="Arial"/>
+                <a:cs typeface="Arial"/>
+              </a:rPr>
+              <a:t>toxicity</a:t>
+            </a:r>
+          </a:p>
+        </p:txBody>
+      </p:sp>
+      <p:sp>
+        <p:nvSpPr>
+          <p:cNvPr id="10" name="Tekstvak 9">
             <a:extLst>
               <a:ext uri="{FF2B5EF4-FFF2-40B4-BE49-F238E27FC236}">
-                <a16:creationId xmlns:a16="http://schemas.microsoft.com/office/drawing/2014/main" id="{74B25947-9FBD-4735-9AE1-ED393740821F}"/>
+                <a16:creationId xmlns:a16="http://schemas.microsoft.com/office/drawing/2014/main" id="{F9AF6A87-507F-4E2E-8A2A-840080D13776}"/>
               </a:ext>
             </a:extLst>
           </p:cNvPr>
-          <p:cNvSpPr>
-            <a:spLocks noGrp="1"/>
-          </p:cNvSpPr>
-          <p:nvPr>
-            <p:ph type="sldNum" sz="quarter" idx="12"/>
-          </p:nvPr>
-        </p:nvSpPr>
-        <p:spPr/>
-        <p:txBody>
-          <a:bodyPr/>
-          <a:lstStyle/>
-          <a:p>
-            <a:fld id="{0A297500-7527-634B-90F4-69D0994C32B4}" type="slidenum">
-              <a:rPr lang="nl-NL" smtClean="0"/>
-              <a:t>13</a:t>
-            </a:fld>
-            <a:endParaRPr lang="nl-NL"/>
-          </a:p>
-        </p:txBody>
-      </p:sp>
-      <p:sp>
-        <p:nvSpPr>
-          <p:cNvPr id="6" name="Tijdelijke aanduiding voor afbeelding 5">
+          <p:cNvSpPr txBox="1"/>
+          <p:nvPr/>
+        </p:nvSpPr>
+        <p:spPr>
+          <a:xfrm>
+            <a:off x="159798" y="58771"/>
+            <a:ext cx="5832629" cy="276999"/>
+          </a:xfrm>
+          <a:prstGeom prst="rect">
+            <a:avLst/>
+          </a:prstGeom>
+          <a:noFill/>
+        </p:spPr>
+        <p:txBody>
+          <a:bodyPr wrap="square" rtlCol="0">
+            <a:spAutoFit/>
+          </a:bodyPr>
+          <a:lstStyle/>
+          <a:p>
+            <a:r>
+              <a:rPr lang="nl-BE" sz="1200" dirty="0">
+                <a:solidFill>
+                  <a:srgbClr val="1D8DB0"/>
+                </a:solidFill>
+              </a:rPr>
+              <a:t>J. </a:t>
+            </a:r>
+            <a:r>
+              <a:rPr lang="nl-BE" sz="1200" dirty="0" err="1">
+                <a:solidFill>
+                  <a:srgbClr val="1D8DB0"/>
+                </a:solidFill>
+              </a:rPr>
+              <a:t>Neirynck</a:t>
+            </a:r>
+            <a:r>
+              <a:rPr lang="nl-BE" sz="1200" dirty="0">
+                <a:solidFill>
+                  <a:srgbClr val="1D8DB0"/>
+                </a:solidFill>
+              </a:rPr>
+              <a:t>, F. Van </a:t>
+            </a:r>
+            <a:r>
+              <a:rPr lang="nl-BE" sz="1200" dirty="0" err="1">
+                <a:solidFill>
+                  <a:srgbClr val="1D8DB0"/>
+                </a:solidFill>
+              </a:rPr>
+              <a:t>Eecke</a:t>
+            </a:r>
+            <a:r>
+              <a:rPr lang="nl-BE" sz="1200" dirty="0">
+                <a:solidFill>
+                  <a:srgbClr val="1D8DB0"/>
+                </a:solidFill>
+              </a:rPr>
+              <a:t> &amp; R. Vrielynck</a:t>
+            </a:r>
+          </a:p>
+        </p:txBody>
+      </p:sp>
+      <p:sp>
+        <p:nvSpPr>
+          <p:cNvPr id="11" name="Tekstvak 10">
             <a:extLst>
               <a:ext uri="{FF2B5EF4-FFF2-40B4-BE49-F238E27FC236}">
-                <a16:creationId xmlns:a16="http://schemas.microsoft.com/office/drawing/2014/main" id="{5275FCF6-597C-42C7-8DFD-B54FDE863E6B}"/>
+                <a16:creationId xmlns:a16="http://schemas.microsoft.com/office/drawing/2014/main" id="{02C83A39-3DA1-4516-B834-3C3D5F8552F0}"/>
               </a:ext>
             </a:extLst>
           </p:cNvPr>
-          <p:cNvSpPr>
-            <a:spLocks noGrp="1"/>
-          </p:cNvSpPr>
-          <p:nvPr>
-            <p:ph type="pic" sz="quarter" idx="13"/>
-          </p:nvPr>
-        </p:nvSpPr>
-        <p:spPr/>
-      </p:sp>
-      <p:sp>
-        <p:nvSpPr>
-          <p:cNvPr id="7" name="Tijdelijke aanduiding voor afbeelding 6">
-            <a:extLst>
-              <a:ext uri="{FF2B5EF4-FFF2-40B4-BE49-F238E27FC236}">
-                <a16:creationId xmlns:a16="http://schemas.microsoft.com/office/drawing/2014/main" id="{8EE963F9-2796-4544-B389-0EF584315BE6}"/>
-              </a:ext>
-            </a:extLst>
-          </p:cNvPr>
-          <p:cNvSpPr>
-            <a:spLocks noGrp="1"/>
-          </p:cNvSpPr>
-          <p:nvPr>
-            <p:ph type="pic" sz="quarter" idx="14"/>
-          </p:nvPr>
-        </p:nvSpPr>
-        <p:spPr/>
+          <p:cNvSpPr txBox="1"/>
+          <p:nvPr/>
+        </p:nvSpPr>
+        <p:spPr>
+          <a:xfrm>
+            <a:off x="576000" y="6356412"/>
+            <a:ext cx="10351364" cy="315471"/>
+          </a:xfrm>
+          <a:prstGeom prst="rect">
+            <a:avLst/>
+          </a:prstGeom>
+          <a:noFill/>
+        </p:spPr>
+        <p:txBody>
+          <a:bodyPr wrap="square" rtlCol="0">
+            <a:spAutoFit/>
+          </a:bodyPr>
+          <a:lstStyle/>
+          <a:p>
+            <a:r>
+              <a:rPr lang="nl-BE" sz="1450" dirty="0" err="1">
+                <a:solidFill>
+                  <a:schemeClr val="bg1"/>
+                </a:solidFill>
+              </a:rPr>
+              <a:t>Introduction</a:t>
+            </a:r>
+            <a:r>
+              <a:rPr lang="nl-BE" sz="1450" dirty="0">
+                <a:solidFill>
+                  <a:schemeClr val="bg1"/>
+                </a:solidFill>
+              </a:rPr>
+              <a:t>	</a:t>
+            </a:r>
+            <a:r>
+              <a:rPr lang="nl-BE" sz="1450" b="1" dirty="0">
+                <a:solidFill>
+                  <a:schemeClr val="bg1"/>
+                </a:solidFill>
+              </a:rPr>
+              <a:t>	Framework</a:t>
+            </a:r>
+            <a:r>
+              <a:rPr lang="nl-BE" sz="1450" dirty="0">
+                <a:solidFill>
+                  <a:schemeClr val="bg1"/>
+                </a:solidFill>
+              </a:rPr>
+              <a:t>		</a:t>
+            </a:r>
+            <a:r>
+              <a:rPr lang="nl-BE" sz="1450" dirty="0" err="1">
+                <a:solidFill>
+                  <a:schemeClr val="bg1"/>
+                </a:solidFill>
+              </a:rPr>
+              <a:t>Techniques</a:t>
+            </a:r>
+            <a:r>
+              <a:rPr lang="nl-BE" sz="1450" dirty="0">
+                <a:solidFill>
+                  <a:schemeClr val="bg1"/>
+                </a:solidFill>
+              </a:rPr>
+              <a:t> &amp; </a:t>
+            </a:r>
+            <a:r>
+              <a:rPr lang="nl-BE" sz="1450" dirty="0" err="1">
+                <a:solidFill>
+                  <a:schemeClr val="bg1"/>
+                </a:solidFill>
+              </a:rPr>
+              <a:t>Results</a:t>
+            </a:r>
+            <a:r>
+              <a:rPr lang="nl-BE" sz="1450" dirty="0">
+                <a:solidFill>
+                  <a:schemeClr val="bg1"/>
+                </a:solidFill>
+              </a:rPr>
+              <a:t>			Summary</a:t>
+            </a:r>
+          </a:p>
+        </p:txBody>
       </p:sp>
     </p:spTree>
     <p:extLst>
       <p:ext uri="{BB962C8B-B14F-4D97-AF65-F5344CB8AC3E}">
-        <p14:creationId xmlns:p14="http://schemas.microsoft.com/office/powerpoint/2010/main" val="1103729882"/>
+        <p14:creationId xmlns:p14="http://schemas.microsoft.com/office/powerpoint/2010/main" val="4204038074"/>
       </p:ext>
     </p:extLst>
   </p:cSld>
@@ -8488,10 +8264,10 @@
       </p:grpSpPr>
       <p:sp>
         <p:nvSpPr>
-          <p:cNvPr id="7" name="Tijdelijke aanduiding voor dianummer 23">
+          <p:cNvPr id="2" name="Tijdelijke aanduiding voor inhoud 1">
             <a:extLst>
               <a:ext uri="{FF2B5EF4-FFF2-40B4-BE49-F238E27FC236}">
-                <a16:creationId xmlns:a16="http://schemas.microsoft.com/office/drawing/2014/main" id="{E7BA9955-551E-4B72-9196-84FDFE87439B}"/>
+                <a16:creationId xmlns:a16="http://schemas.microsoft.com/office/drawing/2014/main" id="{DA23FDA8-8B91-4851-BFB1-DD9B789576B1}"/>
               </a:ext>
             </a:extLst>
           </p:cNvPr>
@@ -8499,45 +8275,271 @@
             <a:spLocks noGrp="1"/>
           </p:cNvSpPr>
           <p:nvPr>
-            <p:ph type="sldNum" sz="quarter" idx="12"/>
-          </p:nvPr>
-        </p:nvSpPr>
-        <p:spPr>
-          <a:xfrm>
-            <a:off x="11544000" y="-126730"/>
-            <a:ext cx="648000" cy="648000"/>
-          </a:xfrm>
-        </p:spPr>
-        <p:txBody>
-          <a:bodyPr/>
-          <a:lstStyle/>
-          <a:p>
-            <a:fld id="{CF179DAE-D0A6-40C3-B8BC-6A97C268D03A}" type="slidenum">
-              <a:rPr lang="nl-NL" sz="1200" smtClean="0">
-                <a:solidFill>
-                  <a:srgbClr val="1D8DB0"/>
-                </a:solidFill>
-              </a:rPr>
-              <a:pPr/>
-              <a:t>14</a:t>
-            </a:fld>
-            <a:r>
-              <a:rPr lang="nl-NL" sz="1200" dirty="0">
-                <a:solidFill>
-                  <a:srgbClr val="1D8DB0"/>
-                </a:solidFill>
-              </a:rPr>
-              <a:t>/31</a:t>
-            </a:r>
-          </a:p>
-        </p:txBody>
-      </p:sp>
-      <p:sp>
-        <p:nvSpPr>
-          <p:cNvPr id="9" name="Titel 4">
+            <p:ph idx="1"/>
+          </p:nvPr>
+        </p:nvSpPr>
+        <p:spPr/>
+        <p:txBody>
+          <a:bodyPr vert="horz" lIns="91440" tIns="45720" rIns="91440" bIns="45720" rtlCol="0" anchor="t">
+            <a:normAutofit/>
+          </a:bodyPr>
+          <a:lstStyle/>
+          <a:p>
+            <a:r>
+              <a:rPr lang="nl-NL" dirty="0">
+                <a:latin typeface="Arial"/>
+                <a:cs typeface="Arial"/>
+              </a:rPr>
+              <a:t>Large </a:t>
+            </a:r>
+            <a:r>
+              <a:rPr lang="nl-NL" dirty="0" err="1">
+                <a:latin typeface="Arial"/>
+                <a:cs typeface="Arial"/>
+              </a:rPr>
+              <a:t>concentration</a:t>
+            </a:r>
+            <a:r>
+              <a:rPr lang="nl-NL" dirty="0">
+                <a:latin typeface="Arial"/>
+                <a:cs typeface="Arial"/>
+              </a:rPr>
+              <a:t> --&gt; </a:t>
+            </a:r>
+            <a:r>
+              <a:rPr lang="nl-NL" dirty="0" err="1">
+                <a:latin typeface="Arial"/>
+                <a:cs typeface="Arial"/>
+              </a:rPr>
+              <a:t>aggregation</a:t>
+            </a:r>
+            <a:r>
+              <a:rPr lang="nl-NL" dirty="0">
+                <a:latin typeface="Arial"/>
+                <a:cs typeface="Arial"/>
+              </a:rPr>
+              <a:t> of </a:t>
+            </a:r>
+            <a:r>
+              <a:rPr lang="nl-NL" dirty="0" err="1">
+                <a:latin typeface="Arial"/>
+                <a:cs typeface="Arial"/>
+              </a:rPr>
+              <a:t>particles</a:t>
+            </a:r>
+          </a:p>
+          <a:p>
+            <a:r>
+              <a:rPr lang="nl-NL" dirty="0" err="1">
+                <a:latin typeface="Arial"/>
+                <a:cs typeface="Arial"/>
+              </a:rPr>
+              <a:t>Larger</a:t>
+            </a:r>
+            <a:r>
+              <a:rPr lang="nl-NL" dirty="0">
+                <a:latin typeface="Arial"/>
+                <a:cs typeface="Arial"/>
+              </a:rPr>
+              <a:t> </a:t>
+            </a:r>
+            <a:r>
+              <a:rPr lang="nl-NL" dirty="0" err="1">
+                <a:latin typeface="Arial"/>
+                <a:cs typeface="Arial"/>
+              </a:rPr>
+              <a:t>particles</a:t>
+            </a:r>
+            <a:r>
+              <a:rPr lang="nl-NL" dirty="0">
+                <a:latin typeface="Arial"/>
+                <a:cs typeface="Arial"/>
+              </a:rPr>
+              <a:t>, </a:t>
+            </a:r>
+            <a:r>
+              <a:rPr lang="nl-NL" dirty="0" err="1">
+                <a:latin typeface="Arial"/>
+                <a:cs typeface="Arial"/>
+              </a:rPr>
+              <a:t>less</a:t>
+            </a:r>
+            <a:r>
+              <a:rPr lang="nl-NL" dirty="0">
+                <a:latin typeface="Arial"/>
+                <a:cs typeface="Arial"/>
+              </a:rPr>
+              <a:t> </a:t>
+            </a:r>
+            <a:r>
+              <a:rPr lang="nl-NL" dirty="0" err="1">
+                <a:latin typeface="Arial"/>
+                <a:cs typeface="Arial"/>
+              </a:rPr>
+              <a:t>surface</a:t>
+            </a:r>
+            <a:r>
+              <a:rPr lang="nl-NL" dirty="0">
+                <a:latin typeface="Arial"/>
+                <a:cs typeface="Arial"/>
+              </a:rPr>
+              <a:t> AND </a:t>
+            </a:r>
+            <a:r>
+              <a:rPr lang="nl-NL" dirty="0" err="1">
+                <a:latin typeface="Arial"/>
+                <a:cs typeface="Arial"/>
+              </a:rPr>
+              <a:t>white</a:t>
+            </a:r>
+            <a:r>
+              <a:rPr lang="nl-NL" dirty="0">
+                <a:latin typeface="Arial"/>
+                <a:cs typeface="Arial"/>
+              </a:rPr>
+              <a:t> </a:t>
+            </a:r>
+            <a:r>
+              <a:rPr lang="nl-NL" dirty="0" err="1">
+                <a:latin typeface="Arial"/>
+                <a:cs typeface="Arial"/>
+              </a:rPr>
+              <a:t>bloodcells</a:t>
+            </a:r>
+            <a:r>
+              <a:rPr lang="nl-NL" dirty="0">
+                <a:latin typeface="Arial"/>
+                <a:cs typeface="Arial"/>
+              </a:rPr>
+              <a:t> </a:t>
+            </a:r>
+            <a:r>
+              <a:rPr lang="nl-NL" dirty="0" err="1">
+                <a:latin typeface="Arial"/>
+                <a:cs typeface="Arial"/>
+              </a:rPr>
+              <a:t>can</a:t>
+            </a:r>
+            <a:r>
+              <a:rPr lang="nl-NL" dirty="0">
+                <a:latin typeface="Arial"/>
+                <a:cs typeface="Arial"/>
+              </a:rPr>
+              <a:t> </a:t>
+            </a:r>
+            <a:r>
+              <a:rPr lang="nl-NL" dirty="0" err="1">
+                <a:latin typeface="Arial"/>
+                <a:cs typeface="Arial"/>
+              </a:rPr>
+              <a:t>macrophage</a:t>
+            </a:r>
+            <a:r>
+              <a:rPr lang="nl-NL" dirty="0">
+                <a:latin typeface="Arial"/>
+                <a:cs typeface="Arial"/>
+              </a:rPr>
+              <a:t> </a:t>
+            </a:r>
+            <a:r>
+              <a:rPr lang="nl-NL" dirty="0" err="1">
+                <a:latin typeface="Arial"/>
+                <a:cs typeface="Arial"/>
+              </a:rPr>
+              <a:t>the</a:t>
+            </a:r>
+            <a:r>
+              <a:rPr lang="nl-NL" dirty="0">
+                <a:latin typeface="Arial"/>
+                <a:cs typeface="Arial"/>
+              </a:rPr>
+              <a:t> </a:t>
+            </a:r>
+            <a:r>
+              <a:rPr lang="nl-NL" dirty="0" err="1">
+                <a:latin typeface="Arial"/>
+                <a:cs typeface="Arial"/>
+              </a:rPr>
+              <a:t>aggregates</a:t>
+            </a:r>
+            <a:endParaRPr lang="nl-NL" dirty="0" err="1">
+              <a:cs typeface="Arial"/>
+            </a:endParaRPr>
+          </a:p>
+          <a:p>
+            <a:r>
+              <a:rPr lang="nl-NL" dirty="0">
+                <a:latin typeface="Arial"/>
+                <a:cs typeface="Arial"/>
+              </a:rPr>
+              <a:t>Large </a:t>
+            </a:r>
+            <a:r>
+              <a:rPr lang="nl-NL" dirty="0" err="1">
+                <a:latin typeface="Arial"/>
+                <a:cs typeface="Arial"/>
+              </a:rPr>
+              <a:t>concentration</a:t>
+            </a:r>
+            <a:r>
+              <a:rPr lang="nl-NL" dirty="0">
+                <a:latin typeface="Arial"/>
+                <a:cs typeface="Arial"/>
+              </a:rPr>
+              <a:t> </a:t>
+            </a:r>
+            <a:r>
+              <a:rPr lang="nl-NL" dirty="0" err="1">
+                <a:latin typeface="Arial"/>
+                <a:cs typeface="Arial"/>
+              </a:rPr>
+              <a:t>results</a:t>
+            </a:r>
+            <a:r>
+              <a:rPr lang="nl-NL" dirty="0">
+                <a:latin typeface="Arial"/>
+                <a:cs typeface="Arial"/>
+              </a:rPr>
+              <a:t> in </a:t>
+            </a:r>
+            <a:r>
+              <a:rPr lang="nl-NL" dirty="0" err="1">
+                <a:latin typeface="Arial"/>
+                <a:cs typeface="Arial"/>
+              </a:rPr>
+              <a:t>less</a:t>
+            </a:r>
+            <a:r>
+              <a:rPr lang="nl-NL" dirty="0">
+                <a:latin typeface="Arial"/>
+                <a:cs typeface="Arial"/>
+              </a:rPr>
+              <a:t> </a:t>
+            </a:r>
+            <a:r>
+              <a:rPr lang="nl-NL" dirty="0" err="1">
+                <a:latin typeface="Arial"/>
+                <a:cs typeface="Arial"/>
+              </a:rPr>
+              <a:t>toxicity</a:t>
+            </a:r>
+            <a:endParaRPr lang="nl-NL" dirty="0" err="1">
+              <a:cs typeface="Arial"/>
+            </a:endParaRPr>
+          </a:p>
+          <a:p>
+            <a:endParaRPr lang="nl-NL" dirty="0">
+              <a:cs typeface="Arial"/>
+            </a:endParaRPr>
+          </a:p>
+        </p:txBody>
+      </p:sp>
+      <p:sp>
+        <p:nvSpPr>
+          <p:cNvPr id="3" name="Tijdelijke aanduiding voor voettekst 2">
             <a:extLst>
               <a:ext uri="{FF2B5EF4-FFF2-40B4-BE49-F238E27FC236}">
-                <a16:creationId xmlns:a16="http://schemas.microsoft.com/office/drawing/2014/main" id="{32C054A8-9043-41C9-BA29-6C11E3B87A6D}"/>
+                <a16:creationId xmlns:a16="http://schemas.microsoft.com/office/drawing/2014/main" id="{34BF4704-138D-49F1-B37A-017E77BC0845}"/>
               </a:ext>
             </a:extLst>
           </p:cNvPr>
@@ -8545,52 +8547,27 @@
             <a:spLocks noGrp="1"/>
           </p:cNvSpPr>
           <p:nvPr>
-            <p:ph type="title"/>
-          </p:nvPr>
-        </p:nvSpPr>
-        <p:spPr>
-          <a:xfrm>
-            <a:off x="576263" y="336550"/>
-            <a:ext cx="11041062" cy="1152525"/>
-          </a:xfrm>
-        </p:spPr>
+            <p:ph type="ftr" sz="quarter" idx="11"/>
+          </p:nvPr>
+        </p:nvSpPr>
+        <p:spPr/>
         <p:txBody>
           <a:bodyPr/>
           <a:lstStyle/>
           <a:p>
             <a:r>
-              <a:rPr lang="nl-BE" dirty="0" err="1">
-                <a:latin typeface="Arial"/>
-                <a:cs typeface="Arial"/>
-              </a:rPr>
-              <a:t>Dose</a:t>
-            </a:r>
-            <a:r>
-              <a:rPr lang="nl-BE" dirty="0">
-                <a:latin typeface="Arial"/>
-                <a:cs typeface="Arial"/>
-              </a:rPr>
-              <a:t> </a:t>
-            </a:r>
-            <a:r>
-              <a:rPr lang="nl-BE" dirty="0" err="1">
-                <a:latin typeface="Arial"/>
-                <a:cs typeface="Arial"/>
-              </a:rPr>
-              <a:t>dependence</a:t>
-            </a:r>
-            <a:endParaRPr lang="nl-BE" dirty="0" err="1">
-              <a:cs typeface="Arial"/>
-            </a:endParaRPr>
-          </a:p>
-        </p:txBody>
-      </p:sp>
-      <p:sp>
-        <p:nvSpPr>
-          <p:cNvPr id="8" name="Tijdelijke aanduiding voor inhoud 1">
+              <a:rPr lang="nl-NL"/>
+              <a:t>Faculteit, departement, dienst …</a:t>
+            </a:r>
+          </a:p>
+        </p:txBody>
+      </p:sp>
+      <p:sp>
+        <p:nvSpPr>
+          <p:cNvPr id="4" name="Tijdelijke aanduiding voor dianummer 3">
             <a:extLst>
               <a:ext uri="{FF2B5EF4-FFF2-40B4-BE49-F238E27FC236}">
-                <a16:creationId xmlns:a16="http://schemas.microsoft.com/office/drawing/2014/main" id="{FD48FE27-13D3-407C-9CF5-D7CAC1400D54}"/>
+                <a16:creationId xmlns:a16="http://schemas.microsoft.com/office/drawing/2014/main" id="{6DC5F5CE-E772-438D-AE6A-86414E0B072A}"/>
               </a:ext>
             </a:extLst>
           </p:cNvPr>
@@ -8598,530 +8575,72 @@
             <a:spLocks noGrp="1"/>
           </p:cNvSpPr>
           <p:nvPr>
-            <p:ph idx="1"/>
-          </p:nvPr>
-        </p:nvSpPr>
-        <p:spPr>
-          <a:xfrm>
-            <a:off x="576000" y="1656000"/>
-            <a:ext cx="11041200" cy="4043464"/>
-          </a:xfrm>
-        </p:spPr>
-        <p:txBody>
-          <a:bodyPr vert="horz" lIns="91440" tIns="45720" rIns="91440" bIns="45720" rtlCol="0" anchor="t">
-            <a:normAutofit/>
-          </a:bodyPr>
-          <a:lstStyle/>
-          <a:p>
-            <a:r>
-              <a:rPr lang="nl-BE" sz="2000" dirty="0" err="1">
-                <a:latin typeface="Arial"/>
-                <a:cs typeface="Arial"/>
-              </a:rPr>
-              <a:t>Not</a:t>
-            </a:r>
-            <a:r>
-              <a:rPr lang="nl-BE" sz="2000" dirty="0">
-                <a:latin typeface="Arial"/>
-                <a:cs typeface="Arial"/>
-              </a:rPr>
-              <a:t> </a:t>
-            </a:r>
-            <a:r>
-              <a:rPr lang="nl-BE" sz="2000" dirty="0" err="1">
-                <a:latin typeface="Arial"/>
-                <a:cs typeface="Arial"/>
-              </a:rPr>
-              <a:t>dependent</a:t>
-            </a:r>
-            <a:r>
-              <a:rPr lang="nl-BE" sz="2000" dirty="0">
-                <a:latin typeface="Arial"/>
-                <a:cs typeface="Arial"/>
-              </a:rPr>
-              <a:t> on </a:t>
-            </a:r>
-            <a:r>
-              <a:rPr lang="nl-BE" sz="2000" dirty="0" err="1">
-                <a:latin typeface="Arial"/>
-                <a:cs typeface="Arial"/>
-              </a:rPr>
-              <a:t>mass</a:t>
-            </a:r>
-            <a:r>
-              <a:rPr lang="nl-BE" sz="2000" dirty="0">
-                <a:latin typeface="Arial"/>
-                <a:cs typeface="Arial"/>
-              </a:rPr>
-              <a:t> </a:t>
-            </a:r>
-            <a:r>
-              <a:rPr lang="nl-BE" sz="2000" dirty="0" err="1">
-                <a:latin typeface="Arial"/>
-                <a:cs typeface="Arial"/>
-              </a:rPr>
-              <a:t>dose</a:t>
-            </a:r>
-            <a:endParaRPr lang="nl-BE" sz="2000" dirty="0" err="1">
-              <a:cs typeface="Arial"/>
-            </a:endParaRPr>
-          </a:p>
-          <a:p>
-            <a:r>
-              <a:rPr lang="nl-BE" sz="2000" dirty="0">
-                <a:latin typeface="Arial"/>
-                <a:cs typeface="Arial"/>
-              </a:rPr>
-              <a:t>Surface is </a:t>
-            </a:r>
-            <a:r>
-              <a:rPr lang="nl-BE" sz="2000" dirty="0" err="1">
-                <a:latin typeface="Arial"/>
-                <a:cs typeface="Arial"/>
-              </a:rPr>
-              <a:t>reactive</a:t>
-            </a:r>
-            <a:r>
-              <a:rPr lang="nl-BE" sz="2000" dirty="0">
-                <a:latin typeface="Arial"/>
-                <a:cs typeface="Arial"/>
-              </a:rPr>
-              <a:t>, </a:t>
-            </a:r>
-            <a:r>
-              <a:rPr lang="nl-BE" sz="2000" dirty="0" err="1">
-                <a:latin typeface="Arial"/>
-                <a:cs typeface="Arial"/>
-              </a:rPr>
-              <a:t>so</a:t>
-            </a:r>
-            <a:r>
-              <a:rPr lang="nl-BE" sz="2000" dirty="0">
-                <a:latin typeface="Arial"/>
-                <a:cs typeface="Arial"/>
-              </a:rPr>
-              <a:t> small </a:t>
-            </a:r>
-            <a:r>
-              <a:rPr lang="nl-BE" sz="2000" dirty="0" err="1">
-                <a:latin typeface="Arial"/>
-                <a:cs typeface="Arial"/>
-              </a:rPr>
-              <a:t>particles</a:t>
-            </a:r>
-            <a:r>
-              <a:rPr lang="nl-BE" sz="2000" dirty="0">
-                <a:latin typeface="Arial"/>
-                <a:cs typeface="Arial"/>
-              </a:rPr>
-              <a:t> at a low </a:t>
-            </a:r>
-            <a:r>
-              <a:rPr lang="nl-BE" sz="2000" dirty="0" err="1">
-                <a:latin typeface="Arial"/>
-                <a:cs typeface="Arial"/>
-              </a:rPr>
-              <a:t>mass</a:t>
-            </a:r>
-            <a:r>
-              <a:rPr lang="nl-BE" sz="2000" dirty="0">
-                <a:latin typeface="Arial"/>
-                <a:cs typeface="Arial"/>
-              </a:rPr>
-              <a:t> </a:t>
-            </a:r>
-            <a:r>
-              <a:rPr lang="nl-BE" sz="2000" dirty="0" err="1">
-                <a:latin typeface="Arial"/>
-                <a:cs typeface="Arial"/>
-              </a:rPr>
-              <a:t>dose</a:t>
-            </a:r>
-            <a:r>
-              <a:rPr lang="nl-BE" sz="2000" dirty="0">
-                <a:latin typeface="Arial"/>
-                <a:cs typeface="Arial"/>
-              </a:rPr>
-              <a:t> </a:t>
-            </a:r>
-            <a:r>
-              <a:rPr lang="nl-BE" sz="2000" dirty="0" err="1">
-                <a:latin typeface="Arial"/>
-                <a:cs typeface="Arial"/>
-              </a:rPr>
-              <a:t>can</a:t>
-            </a:r>
-            <a:r>
-              <a:rPr lang="nl-BE" sz="2000" dirty="0">
-                <a:latin typeface="Arial"/>
-                <a:cs typeface="Arial"/>
-              </a:rPr>
-              <a:t> </a:t>
-            </a:r>
-            <a:r>
-              <a:rPr lang="nl-BE" sz="2000" dirty="0" err="1">
-                <a:latin typeface="Arial"/>
-                <a:cs typeface="Arial"/>
-              </a:rPr>
-              <a:t>be</a:t>
-            </a:r>
-            <a:r>
-              <a:rPr lang="nl-BE" sz="2000" dirty="0">
-                <a:latin typeface="Arial"/>
-                <a:cs typeface="Arial"/>
-              </a:rPr>
-              <a:t> as </a:t>
-            </a:r>
-            <a:r>
-              <a:rPr lang="nl-BE" sz="2000" dirty="0" err="1">
-                <a:latin typeface="Arial"/>
-                <a:cs typeface="Arial"/>
-              </a:rPr>
-              <a:t>toxic</a:t>
-            </a:r>
-            <a:r>
-              <a:rPr lang="nl-BE" sz="2000" dirty="0">
-                <a:latin typeface="Arial"/>
-                <a:cs typeface="Arial"/>
-              </a:rPr>
-              <a:t> al </a:t>
-            </a:r>
-            <a:r>
-              <a:rPr lang="nl-BE" sz="2000" dirty="0" err="1">
-                <a:latin typeface="Arial"/>
-                <a:cs typeface="Arial"/>
-              </a:rPr>
-              <a:t>larger</a:t>
-            </a:r>
-            <a:r>
-              <a:rPr lang="nl-BE" sz="2000" dirty="0">
-                <a:latin typeface="Arial"/>
-                <a:cs typeface="Arial"/>
-              </a:rPr>
-              <a:t> </a:t>
-            </a:r>
-            <a:r>
-              <a:rPr lang="nl-BE" sz="2000" dirty="0" err="1">
-                <a:latin typeface="Arial"/>
-                <a:cs typeface="Arial"/>
-              </a:rPr>
-              <a:t>particles</a:t>
-            </a:r>
-            <a:r>
-              <a:rPr lang="nl-BE" sz="2000" dirty="0">
-                <a:latin typeface="Arial"/>
-                <a:cs typeface="Arial"/>
-              </a:rPr>
-              <a:t> </a:t>
-            </a:r>
-            <a:r>
-              <a:rPr lang="nl-BE" sz="2000" dirty="0" err="1">
-                <a:latin typeface="Arial"/>
-                <a:cs typeface="Arial"/>
-              </a:rPr>
-              <a:t>with</a:t>
-            </a:r>
-            <a:r>
-              <a:rPr lang="nl-BE" sz="2000" dirty="0">
-                <a:latin typeface="Arial"/>
-                <a:cs typeface="Arial"/>
-              </a:rPr>
-              <a:t> a </a:t>
-            </a:r>
-            <a:r>
-              <a:rPr lang="nl-BE" sz="2000" dirty="0" err="1">
-                <a:latin typeface="Arial"/>
-                <a:cs typeface="Arial"/>
-              </a:rPr>
-              <a:t>higer</a:t>
-            </a:r>
-            <a:r>
-              <a:rPr lang="nl-BE" sz="2000" dirty="0">
-                <a:latin typeface="Arial"/>
-                <a:cs typeface="Arial"/>
-              </a:rPr>
-              <a:t> </a:t>
-            </a:r>
-            <a:r>
-              <a:rPr lang="nl-BE" sz="2000" dirty="0" err="1">
-                <a:latin typeface="Arial"/>
-                <a:cs typeface="Arial"/>
-              </a:rPr>
-              <a:t>mass</a:t>
-            </a:r>
-            <a:r>
-              <a:rPr lang="nl-BE" sz="2000" dirty="0">
-                <a:latin typeface="Arial"/>
-                <a:cs typeface="Arial"/>
-              </a:rPr>
-              <a:t> </a:t>
-            </a:r>
-            <a:r>
-              <a:rPr lang="nl-BE" sz="2000" dirty="0" err="1">
-                <a:latin typeface="Arial"/>
-                <a:cs typeface="Arial"/>
-              </a:rPr>
-              <a:t>dose</a:t>
-            </a:r>
-          </a:p>
-          <a:p>
-            <a:r>
-              <a:rPr lang="nl-BE" sz="2000" dirty="0">
-                <a:latin typeface="Arial"/>
-                <a:cs typeface="Arial"/>
-              </a:rPr>
-              <a:t>Surface </a:t>
-            </a:r>
-            <a:r>
-              <a:rPr lang="nl-BE" sz="2000" dirty="0" err="1">
-                <a:latin typeface="Arial"/>
-                <a:cs typeface="Arial"/>
-              </a:rPr>
-              <a:t>dose</a:t>
-            </a:r>
-            <a:r>
-              <a:rPr lang="nl-BE" sz="2000" dirty="0">
-                <a:latin typeface="Arial"/>
-                <a:cs typeface="Arial"/>
-              </a:rPr>
-              <a:t> is </a:t>
-            </a:r>
-            <a:r>
-              <a:rPr lang="nl-BE" sz="2000" dirty="0" err="1">
-                <a:latin typeface="Arial"/>
-                <a:cs typeface="Arial"/>
-              </a:rPr>
-              <a:t>what</a:t>
-            </a:r>
-            <a:r>
-              <a:rPr lang="nl-BE" sz="2000" dirty="0">
-                <a:latin typeface="Arial"/>
-                <a:cs typeface="Arial"/>
-              </a:rPr>
-              <a:t> </a:t>
-            </a:r>
-            <a:r>
-              <a:rPr lang="nl-BE" sz="2000" dirty="0" err="1">
-                <a:latin typeface="Arial"/>
-                <a:cs typeface="Arial"/>
-              </a:rPr>
-              <a:t>makes</a:t>
-            </a:r>
-            <a:r>
-              <a:rPr lang="nl-BE" sz="2000" dirty="0">
-                <a:latin typeface="Arial"/>
-                <a:cs typeface="Arial"/>
-              </a:rPr>
-              <a:t> </a:t>
-            </a:r>
-            <a:r>
-              <a:rPr lang="nl-BE" sz="2000" dirty="0" err="1">
-                <a:latin typeface="Arial"/>
-                <a:cs typeface="Arial"/>
-              </a:rPr>
-              <a:t>influences</a:t>
-            </a:r>
-            <a:r>
-              <a:rPr lang="nl-BE" sz="2000" dirty="0">
-                <a:latin typeface="Arial"/>
-                <a:cs typeface="Arial"/>
-              </a:rPr>
-              <a:t> </a:t>
-            </a:r>
-            <a:r>
-              <a:rPr lang="nl-BE" sz="2000" dirty="0" err="1">
-                <a:latin typeface="Arial"/>
-                <a:cs typeface="Arial"/>
-              </a:rPr>
-              <a:t>the</a:t>
-            </a:r>
-            <a:r>
-              <a:rPr lang="nl-BE" sz="2000" dirty="0">
-                <a:latin typeface="Arial"/>
-                <a:cs typeface="Arial"/>
-              </a:rPr>
-              <a:t> </a:t>
-            </a:r>
-            <a:r>
-              <a:rPr lang="nl-BE" sz="2000" dirty="0" err="1">
-                <a:latin typeface="Arial"/>
-                <a:cs typeface="Arial"/>
-              </a:rPr>
-              <a:t>toxicity</a:t>
-            </a:r>
-          </a:p>
-        </p:txBody>
-      </p:sp>
-      <p:sp>
-        <p:nvSpPr>
-          <p:cNvPr id="10" name="Tekstvak 9">
+            <p:ph type="sldNum" sz="quarter" idx="12"/>
+          </p:nvPr>
+        </p:nvSpPr>
+        <p:spPr/>
+        <p:txBody>
+          <a:bodyPr/>
+          <a:lstStyle/>
+          <a:p>
+            <a:fld id="{0A297500-7527-634B-90F4-69D0994C32B4}" type="slidenum">
+              <a:rPr lang="nl-NL" smtClean="0"/>
+              <a:t>14</a:t>
+            </a:fld>
+            <a:endParaRPr lang="nl-NL"/>
+          </a:p>
+        </p:txBody>
+      </p:sp>
+      <p:sp>
+        <p:nvSpPr>
+          <p:cNvPr id="5" name="Titel 4">
             <a:extLst>
               <a:ext uri="{FF2B5EF4-FFF2-40B4-BE49-F238E27FC236}">
-                <a16:creationId xmlns:a16="http://schemas.microsoft.com/office/drawing/2014/main" id="{F9AF6A87-507F-4E2E-8A2A-840080D13776}"/>
+                <a16:creationId xmlns:a16="http://schemas.microsoft.com/office/drawing/2014/main" id="{ABD654FC-0EF3-41CA-AC73-0A81742D970C}"/>
               </a:ext>
             </a:extLst>
           </p:cNvPr>
-          <p:cNvSpPr txBox="1"/>
-          <p:nvPr/>
-        </p:nvSpPr>
-        <p:spPr>
-          <a:xfrm>
-            <a:off x="159798" y="58771"/>
-            <a:ext cx="5832629" cy="276999"/>
-          </a:xfrm>
-          <a:prstGeom prst="rect">
-            <a:avLst/>
-          </a:prstGeom>
-          <a:noFill/>
-        </p:spPr>
-        <p:txBody>
-          <a:bodyPr wrap="square" rtlCol="0">
-            <a:spAutoFit/>
-          </a:bodyPr>
-          <a:lstStyle/>
-          <a:p>
-            <a:r>
-              <a:rPr lang="nl-BE" sz="1200" dirty="0">
-                <a:solidFill>
-                  <a:srgbClr val="1D8DB0"/>
-                </a:solidFill>
-              </a:rPr>
-              <a:t>J. </a:t>
-            </a:r>
-            <a:r>
-              <a:rPr lang="nl-BE" sz="1200" dirty="0" err="1">
-                <a:solidFill>
-                  <a:srgbClr val="1D8DB0"/>
-                </a:solidFill>
-              </a:rPr>
-              <a:t>Neirynck</a:t>
-            </a:r>
-            <a:r>
-              <a:rPr lang="nl-BE" sz="1200" dirty="0">
-                <a:solidFill>
-                  <a:srgbClr val="1D8DB0"/>
-                </a:solidFill>
-              </a:rPr>
-              <a:t>, F. Van </a:t>
-            </a:r>
-            <a:r>
-              <a:rPr lang="nl-BE" sz="1200" dirty="0" err="1">
-                <a:solidFill>
-                  <a:srgbClr val="1D8DB0"/>
-                </a:solidFill>
-              </a:rPr>
-              <a:t>Eecke</a:t>
-            </a:r>
-            <a:r>
-              <a:rPr lang="nl-BE" sz="1200" dirty="0">
-                <a:solidFill>
-                  <a:srgbClr val="1D8DB0"/>
-                </a:solidFill>
-              </a:rPr>
-              <a:t> &amp; R. Vrielynck</a:t>
-            </a:r>
-          </a:p>
-        </p:txBody>
-      </p:sp>
-      <p:sp>
-        <p:nvSpPr>
-          <p:cNvPr id="11" name="Tekstvak 10">
-            <a:extLst>
-              <a:ext uri="{FF2B5EF4-FFF2-40B4-BE49-F238E27FC236}">
-                <a16:creationId xmlns:a16="http://schemas.microsoft.com/office/drawing/2014/main" id="{02C83A39-3DA1-4516-B834-3C3D5F8552F0}"/>
-              </a:ext>
-            </a:extLst>
-          </p:cNvPr>
-          <p:cNvSpPr txBox="1"/>
-          <p:nvPr/>
-        </p:nvSpPr>
-        <p:spPr>
-          <a:xfrm>
-            <a:off x="576000" y="6356412"/>
-            <a:ext cx="10351364" cy="315471"/>
-          </a:xfrm>
-          <a:prstGeom prst="rect">
-            <a:avLst/>
-          </a:prstGeom>
-          <a:noFill/>
-        </p:spPr>
-        <p:txBody>
-          <a:bodyPr wrap="square" rtlCol="0">
-            <a:spAutoFit/>
-          </a:bodyPr>
-          <a:lstStyle/>
-          <a:p>
-            <a:r>
-              <a:rPr lang="nl-BE" sz="1450" dirty="0" err="1">
-                <a:solidFill>
-                  <a:schemeClr val="bg1"/>
-                </a:solidFill>
-              </a:rPr>
-              <a:t>Introduction</a:t>
-            </a:r>
-            <a:r>
-              <a:rPr lang="nl-BE" sz="1450" dirty="0">
-                <a:solidFill>
-                  <a:schemeClr val="bg1"/>
-                </a:solidFill>
-              </a:rPr>
-              <a:t>	</a:t>
-            </a:r>
-            <a:r>
-              <a:rPr lang="nl-BE" sz="1450" b="1" dirty="0">
-                <a:solidFill>
-                  <a:schemeClr val="bg1"/>
-                </a:solidFill>
-              </a:rPr>
-              <a:t>	Framework</a:t>
-            </a:r>
-            <a:r>
-              <a:rPr lang="nl-BE" sz="1450" dirty="0">
-                <a:solidFill>
-                  <a:schemeClr val="bg1"/>
-                </a:solidFill>
-              </a:rPr>
-              <a:t>		</a:t>
-            </a:r>
-            <a:r>
-              <a:rPr lang="nl-BE" sz="1450" dirty="0" err="1">
-                <a:solidFill>
-                  <a:schemeClr val="bg1"/>
-                </a:solidFill>
-              </a:rPr>
-              <a:t>Techniques</a:t>
-            </a:r>
-            <a:r>
-              <a:rPr lang="nl-BE" sz="1450" dirty="0">
-                <a:solidFill>
-                  <a:schemeClr val="bg1"/>
-                </a:solidFill>
-              </a:rPr>
-              <a:t> &amp; </a:t>
-            </a:r>
-            <a:r>
-              <a:rPr lang="nl-BE" sz="1450" dirty="0" err="1">
-                <a:solidFill>
-                  <a:schemeClr val="bg1"/>
-                </a:solidFill>
-              </a:rPr>
-              <a:t>Results</a:t>
-            </a:r>
-            <a:r>
-              <a:rPr lang="nl-BE" sz="1450" dirty="0">
-                <a:solidFill>
-                  <a:schemeClr val="bg1"/>
-                </a:solidFill>
-              </a:rPr>
-              <a:t>			Summary</a:t>
-            </a:r>
+          <p:cNvSpPr>
+            <a:spLocks noGrp="1"/>
+          </p:cNvSpPr>
+          <p:nvPr>
+            <p:ph type="title"/>
+          </p:nvPr>
+        </p:nvSpPr>
+        <p:spPr/>
+        <p:txBody>
+          <a:bodyPr/>
+          <a:lstStyle/>
+          <a:p>
+            <a:r>
+              <a:rPr lang="nl-NL" dirty="0" err="1">
+                <a:latin typeface="Arial"/>
+                <a:cs typeface="Arial"/>
+              </a:rPr>
+              <a:t>Concentration</a:t>
+            </a:r>
+            <a:r>
+              <a:rPr lang="nl-NL" dirty="0">
+                <a:latin typeface="Arial"/>
+                <a:cs typeface="Arial"/>
+              </a:rPr>
+              <a:t> </a:t>
+            </a:r>
+            <a:r>
+              <a:rPr lang="nl-NL" dirty="0" err="1">
+                <a:latin typeface="Arial"/>
+                <a:cs typeface="Arial"/>
+              </a:rPr>
+              <a:t>dependence</a:t>
+            </a:r>
+            <a:endParaRPr lang="nl-NL" dirty="0" err="1"/>
           </a:p>
         </p:txBody>
       </p:sp>
     </p:spTree>
     <p:extLst>
       <p:ext uri="{BB962C8B-B14F-4D97-AF65-F5344CB8AC3E}">
-        <p14:creationId xmlns:p14="http://schemas.microsoft.com/office/powerpoint/2010/main" val="4204038074"/>
+        <p14:creationId xmlns:p14="http://schemas.microsoft.com/office/powerpoint/2010/main" val="623244575"/>
       </p:ext>
     </p:extLst>
   </p:cSld>
@@ -9153,411 +8672,6 @@
           <p:cNvPr id="2" name="Tijdelijke aanduiding voor inhoud 1">
             <a:extLst>
               <a:ext uri="{FF2B5EF4-FFF2-40B4-BE49-F238E27FC236}">
-                <a16:creationId xmlns:a16="http://schemas.microsoft.com/office/drawing/2014/main" id="{DA23FDA8-8B91-4851-BFB1-DD9B789576B1}"/>
-              </a:ext>
-            </a:extLst>
-          </p:cNvPr>
-          <p:cNvSpPr>
-            <a:spLocks noGrp="1"/>
-          </p:cNvSpPr>
-          <p:nvPr>
-            <p:ph idx="1"/>
-          </p:nvPr>
-        </p:nvSpPr>
-        <p:spPr/>
-        <p:txBody>
-          <a:bodyPr vert="horz" lIns="91440" tIns="45720" rIns="91440" bIns="45720" rtlCol="0" anchor="t">
-            <a:normAutofit/>
-          </a:bodyPr>
-          <a:lstStyle/>
-          <a:p>
-            <a:r>
-              <a:rPr lang="nl-NL" dirty="0">
-                <a:latin typeface="Arial"/>
-                <a:cs typeface="Arial"/>
-              </a:rPr>
-              <a:t>Large </a:t>
-            </a:r>
-            <a:r>
-              <a:rPr lang="nl-NL" dirty="0" err="1">
-                <a:latin typeface="Arial"/>
-                <a:cs typeface="Arial"/>
-              </a:rPr>
-              <a:t>concentration</a:t>
-            </a:r>
-            <a:r>
-              <a:rPr lang="nl-NL" dirty="0">
-                <a:latin typeface="Arial"/>
-                <a:cs typeface="Arial"/>
-              </a:rPr>
-              <a:t> --&gt; </a:t>
-            </a:r>
-            <a:r>
-              <a:rPr lang="nl-NL" dirty="0" err="1">
-                <a:latin typeface="Arial"/>
-                <a:cs typeface="Arial"/>
-              </a:rPr>
-              <a:t>aggregation</a:t>
-            </a:r>
-            <a:r>
-              <a:rPr lang="nl-NL" dirty="0">
-                <a:latin typeface="Arial"/>
-                <a:cs typeface="Arial"/>
-              </a:rPr>
-              <a:t> of </a:t>
-            </a:r>
-            <a:r>
-              <a:rPr lang="nl-NL" dirty="0" err="1">
-                <a:latin typeface="Arial"/>
-                <a:cs typeface="Arial"/>
-              </a:rPr>
-              <a:t>particles</a:t>
-            </a:r>
-          </a:p>
-          <a:p>
-            <a:r>
-              <a:rPr lang="nl-NL" dirty="0" err="1">
-                <a:latin typeface="Arial"/>
-                <a:cs typeface="Arial"/>
-              </a:rPr>
-              <a:t>Larger</a:t>
-            </a:r>
-            <a:r>
-              <a:rPr lang="nl-NL" dirty="0">
-                <a:latin typeface="Arial"/>
-                <a:cs typeface="Arial"/>
-              </a:rPr>
-              <a:t> </a:t>
-            </a:r>
-            <a:r>
-              <a:rPr lang="nl-NL" dirty="0" err="1">
-                <a:latin typeface="Arial"/>
-                <a:cs typeface="Arial"/>
-              </a:rPr>
-              <a:t>particles</a:t>
-            </a:r>
-            <a:r>
-              <a:rPr lang="nl-NL" dirty="0">
-                <a:latin typeface="Arial"/>
-                <a:cs typeface="Arial"/>
-              </a:rPr>
-              <a:t>, </a:t>
-            </a:r>
-            <a:r>
-              <a:rPr lang="nl-NL" dirty="0" err="1">
-                <a:latin typeface="Arial"/>
-                <a:cs typeface="Arial"/>
-              </a:rPr>
-              <a:t>less</a:t>
-            </a:r>
-            <a:r>
-              <a:rPr lang="nl-NL" dirty="0">
-                <a:latin typeface="Arial"/>
-                <a:cs typeface="Arial"/>
-              </a:rPr>
-              <a:t> </a:t>
-            </a:r>
-            <a:r>
-              <a:rPr lang="nl-NL" dirty="0" err="1">
-                <a:latin typeface="Arial"/>
-                <a:cs typeface="Arial"/>
-              </a:rPr>
-              <a:t>surface</a:t>
-            </a:r>
-            <a:r>
-              <a:rPr lang="nl-NL" dirty="0">
-                <a:latin typeface="Arial"/>
-                <a:cs typeface="Arial"/>
-              </a:rPr>
-              <a:t> AND </a:t>
-            </a:r>
-            <a:r>
-              <a:rPr lang="nl-NL" dirty="0" err="1">
-                <a:latin typeface="Arial"/>
-                <a:cs typeface="Arial"/>
-              </a:rPr>
-              <a:t>white</a:t>
-            </a:r>
-            <a:r>
-              <a:rPr lang="nl-NL" dirty="0">
-                <a:latin typeface="Arial"/>
-                <a:cs typeface="Arial"/>
-              </a:rPr>
-              <a:t> </a:t>
-            </a:r>
-            <a:r>
-              <a:rPr lang="nl-NL" dirty="0" err="1">
-                <a:latin typeface="Arial"/>
-                <a:cs typeface="Arial"/>
-              </a:rPr>
-              <a:t>bloodcells</a:t>
-            </a:r>
-            <a:r>
-              <a:rPr lang="nl-NL" dirty="0">
-                <a:latin typeface="Arial"/>
-                <a:cs typeface="Arial"/>
-              </a:rPr>
-              <a:t> </a:t>
-            </a:r>
-            <a:r>
-              <a:rPr lang="nl-NL" dirty="0" err="1">
-                <a:latin typeface="Arial"/>
-                <a:cs typeface="Arial"/>
-              </a:rPr>
-              <a:t>can</a:t>
-            </a:r>
-            <a:r>
-              <a:rPr lang="nl-NL" dirty="0">
-                <a:latin typeface="Arial"/>
-                <a:cs typeface="Arial"/>
-              </a:rPr>
-              <a:t> </a:t>
-            </a:r>
-            <a:r>
-              <a:rPr lang="nl-NL" dirty="0" err="1">
-                <a:latin typeface="Arial"/>
-                <a:cs typeface="Arial"/>
-              </a:rPr>
-              <a:t>macrophage</a:t>
-            </a:r>
-            <a:r>
-              <a:rPr lang="nl-NL" dirty="0">
-                <a:latin typeface="Arial"/>
-                <a:cs typeface="Arial"/>
-              </a:rPr>
-              <a:t> </a:t>
-            </a:r>
-            <a:r>
-              <a:rPr lang="nl-NL" dirty="0" err="1">
-                <a:latin typeface="Arial"/>
-                <a:cs typeface="Arial"/>
-              </a:rPr>
-              <a:t>the</a:t>
-            </a:r>
-            <a:r>
-              <a:rPr lang="nl-NL" dirty="0">
-                <a:latin typeface="Arial"/>
-                <a:cs typeface="Arial"/>
-              </a:rPr>
-              <a:t> </a:t>
-            </a:r>
-            <a:r>
-              <a:rPr lang="nl-NL" dirty="0" err="1">
-                <a:latin typeface="Arial"/>
-                <a:cs typeface="Arial"/>
-              </a:rPr>
-              <a:t>aggregates</a:t>
-            </a:r>
-            <a:endParaRPr lang="nl-NL" dirty="0" err="1">
-              <a:cs typeface="Arial"/>
-            </a:endParaRPr>
-          </a:p>
-          <a:p>
-            <a:r>
-              <a:rPr lang="nl-NL" dirty="0">
-                <a:latin typeface="Arial"/>
-                <a:cs typeface="Arial"/>
-              </a:rPr>
-              <a:t>Large </a:t>
-            </a:r>
-            <a:r>
-              <a:rPr lang="nl-NL" dirty="0" err="1">
-                <a:latin typeface="Arial"/>
-                <a:cs typeface="Arial"/>
-              </a:rPr>
-              <a:t>concentration</a:t>
-            </a:r>
-            <a:r>
-              <a:rPr lang="nl-NL" dirty="0">
-                <a:latin typeface="Arial"/>
-                <a:cs typeface="Arial"/>
-              </a:rPr>
-              <a:t> </a:t>
-            </a:r>
-            <a:r>
-              <a:rPr lang="nl-NL" dirty="0" err="1">
-                <a:latin typeface="Arial"/>
-                <a:cs typeface="Arial"/>
-              </a:rPr>
-              <a:t>results</a:t>
-            </a:r>
-            <a:r>
-              <a:rPr lang="nl-NL" dirty="0">
-                <a:latin typeface="Arial"/>
-                <a:cs typeface="Arial"/>
-              </a:rPr>
-              <a:t> in </a:t>
-            </a:r>
-            <a:r>
-              <a:rPr lang="nl-NL" dirty="0" err="1">
-                <a:latin typeface="Arial"/>
-                <a:cs typeface="Arial"/>
-              </a:rPr>
-              <a:t>less</a:t>
-            </a:r>
-            <a:r>
-              <a:rPr lang="nl-NL" dirty="0">
-                <a:latin typeface="Arial"/>
-                <a:cs typeface="Arial"/>
-              </a:rPr>
-              <a:t> </a:t>
-            </a:r>
-            <a:r>
-              <a:rPr lang="nl-NL" dirty="0" err="1">
-                <a:latin typeface="Arial"/>
-                <a:cs typeface="Arial"/>
-              </a:rPr>
-              <a:t>toxicity</a:t>
-            </a:r>
-            <a:endParaRPr lang="nl-NL" dirty="0" err="1">
-              <a:cs typeface="Arial"/>
-            </a:endParaRPr>
-          </a:p>
-          <a:p>
-            <a:endParaRPr lang="nl-NL" dirty="0">
-              <a:cs typeface="Arial"/>
-            </a:endParaRPr>
-          </a:p>
-        </p:txBody>
-      </p:sp>
-      <p:sp>
-        <p:nvSpPr>
-          <p:cNvPr id="3" name="Tijdelijke aanduiding voor voettekst 2">
-            <a:extLst>
-              <a:ext uri="{FF2B5EF4-FFF2-40B4-BE49-F238E27FC236}">
-                <a16:creationId xmlns:a16="http://schemas.microsoft.com/office/drawing/2014/main" id="{34BF4704-138D-49F1-B37A-017E77BC0845}"/>
-              </a:ext>
-            </a:extLst>
-          </p:cNvPr>
-          <p:cNvSpPr>
-            <a:spLocks noGrp="1"/>
-          </p:cNvSpPr>
-          <p:nvPr>
-            <p:ph type="ftr" sz="quarter" idx="11"/>
-          </p:nvPr>
-        </p:nvSpPr>
-        <p:spPr/>
-        <p:txBody>
-          <a:bodyPr/>
-          <a:lstStyle/>
-          <a:p>
-            <a:r>
-              <a:rPr lang="nl-NL"/>
-              <a:t>Faculteit, departement, dienst …</a:t>
-            </a:r>
-          </a:p>
-        </p:txBody>
-      </p:sp>
-      <p:sp>
-        <p:nvSpPr>
-          <p:cNvPr id="4" name="Tijdelijke aanduiding voor dianummer 3">
-            <a:extLst>
-              <a:ext uri="{FF2B5EF4-FFF2-40B4-BE49-F238E27FC236}">
-                <a16:creationId xmlns:a16="http://schemas.microsoft.com/office/drawing/2014/main" id="{6DC5F5CE-E772-438D-AE6A-86414E0B072A}"/>
-              </a:ext>
-            </a:extLst>
-          </p:cNvPr>
-          <p:cNvSpPr>
-            <a:spLocks noGrp="1"/>
-          </p:cNvSpPr>
-          <p:nvPr>
-            <p:ph type="sldNum" sz="quarter" idx="12"/>
-          </p:nvPr>
-        </p:nvSpPr>
-        <p:spPr/>
-        <p:txBody>
-          <a:bodyPr/>
-          <a:lstStyle/>
-          <a:p>
-            <a:fld id="{0A297500-7527-634B-90F4-69D0994C32B4}" type="slidenum">
-              <a:rPr lang="nl-NL" smtClean="0"/>
-              <a:t>15</a:t>
-            </a:fld>
-            <a:endParaRPr lang="nl-NL"/>
-          </a:p>
-        </p:txBody>
-      </p:sp>
-      <p:sp>
-        <p:nvSpPr>
-          <p:cNvPr id="5" name="Titel 4">
-            <a:extLst>
-              <a:ext uri="{FF2B5EF4-FFF2-40B4-BE49-F238E27FC236}">
-                <a16:creationId xmlns:a16="http://schemas.microsoft.com/office/drawing/2014/main" id="{ABD654FC-0EF3-41CA-AC73-0A81742D970C}"/>
-              </a:ext>
-            </a:extLst>
-          </p:cNvPr>
-          <p:cNvSpPr>
-            <a:spLocks noGrp="1"/>
-          </p:cNvSpPr>
-          <p:nvPr>
-            <p:ph type="title"/>
-          </p:nvPr>
-        </p:nvSpPr>
-        <p:spPr/>
-        <p:txBody>
-          <a:bodyPr/>
-          <a:lstStyle/>
-          <a:p>
-            <a:r>
-              <a:rPr lang="nl-NL" dirty="0" err="1">
-                <a:latin typeface="Arial"/>
-                <a:cs typeface="Arial"/>
-              </a:rPr>
-              <a:t>Concentration</a:t>
-            </a:r>
-            <a:r>
-              <a:rPr lang="nl-NL" dirty="0">
-                <a:latin typeface="Arial"/>
-                <a:cs typeface="Arial"/>
-              </a:rPr>
-              <a:t> </a:t>
-            </a:r>
-            <a:r>
-              <a:rPr lang="nl-NL" dirty="0" err="1">
-                <a:latin typeface="Arial"/>
-                <a:cs typeface="Arial"/>
-              </a:rPr>
-              <a:t>dependence</a:t>
-            </a:r>
-            <a:endParaRPr lang="nl-NL" dirty="0" err="1"/>
-          </a:p>
-        </p:txBody>
-      </p:sp>
-    </p:spTree>
-    <p:extLst>
-      <p:ext uri="{BB962C8B-B14F-4D97-AF65-F5344CB8AC3E}">
-        <p14:creationId xmlns:p14="http://schemas.microsoft.com/office/powerpoint/2010/main" val="623244575"/>
-      </p:ext>
-    </p:extLst>
-  </p:cSld>
-  <p:clrMapOvr>
-    <a:masterClrMapping/>
-  </p:clrMapOvr>
-</p:sld>
-</file>
-
-<file path=ppt/slides/slide16.xml><?xml version="1.0" encoding="utf-8"?>
-<p:sld xmlns:a="http://schemas.openxmlformats.org/drawingml/2006/main" xmlns:r="http://schemas.openxmlformats.org/officeDocument/2006/relationships" xmlns:p="http://schemas.openxmlformats.org/presentationml/2006/main">
-  <p:cSld>
-    <p:spTree>
-      <p:nvGrpSpPr>
-        <p:cNvPr id="1" name=""/>
-        <p:cNvGrpSpPr/>
-        <p:nvPr/>
-      </p:nvGrpSpPr>
-      <p:grpSpPr>
-        <a:xfrm>
-          <a:off x="0" y="0"/>
-          <a:ext cx="0" cy="0"/>
-          <a:chOff x="0" y="0"/>
-          <a:chExt cx="0" cy="0"/>
-        </a:xfrm>
-      </p:grpSpPr>
-      <p:sp>
-        <p:nvSpPr>
-          <p:cNvPr id="2" name="Tijdelijke aanduiding voor inhoud 1">
-            <a:extLst>
-              <a:ext uri="{FF2B5EF4-FFF2-40B4-BE49-F238E27FC236}">
                 <a16:creationId xmlns:a16="http://schemas.microsoft.com/office/drawing/2014/main" id="{BFCDAFE0-D654-42D9-8D30-FE908B3DD1D8}"/>
               </a:ext>
             </a:extLst>
@@ -9697,7 +8811,7 @@
           <a:p>
             <a:fld id="{0A297500-7527-634B-90F4-69D0994C32B4}" type="slidenum">
               <a:rPr lang="nl-NL" smtClean="0"/>
-              <a:t>16</a:t>
+              <a:t>15</a:t>
             </a:fld>
             <a:endParaRPr lang="nl-NL"/>
           </a:p>
@@ -9792,6 +8906,326 @@
 </p:sld>
 </file>
 
+<file path=ppt/slides/slide16.xml><?xml version="1.0" encoding="utf-8"?>
+<p:sld xmlns:a="http://schemas.openxmlformats.org/drawingml/2006/main" xmlns:r="http://schemas.openxmlformats.org/officeDocument/2006/relationships" xmlns:p="http://schemas.openxmlformats.org/presentationml/2006/main">
+  <p:cSld>
+    <p:spTree>
+      <p:nvGrpSpPr>
+        <p:cNvPr id="1" name=""/>
+        <p:cNvGrpSpPr/>
+        <p:nvPr/>
+      </p:nvGrpSpPr>
+      <p:grpSpPr>
+        <a:xfrm>
+          <a:off x="0" y="0"/>
+          <a:ext cx="0" cy="0"/>
+          <a:chOff x="0" y="0"/>
+          <a:chExt cx="0" cy="0"/>
+        </a:xfrm>
+      </p:grpSpPr>
+      <p:sp>
+        <p:nvSpPr>
+          <p:cNvPr id="2" name="Tijdelijke aanduiding voor inhoud 1">
+            <a:extLst>
+              <a:ext uri="{FF2B5EF4-FFF2-40B4-BE49-F238E27FC236}">
+                <a16:creationId xmlns:a16="http://schemas.microsoft.com/office/drawing/2014/main" id="{ECD9C7FC-FC06-4374-A1C7-C9C35F1BE892}"/>
+              </a:ext>
+            </a:extLst>
+          </p:cNvPr>
+          <p:cNvSpPr>
+            <a:spLocks noGrp="1"/>
+          </p:cNvSpPr>
+          <p:nvPr>
+            <p:ph idx="1"/>
+          </p:nvPr>
+        </p:nvSpPr>
+        <p:spPr/>
+        <p:txBody>
+          <a:bodyPr vert="horz" lIns="91440" tIns="45720" rIns="91440" bIns="45720" rtlCol="0" anchor="t">
+            <a:normAutofit/>
+          </a:bodyPr>
+          <a:lstStyle/>
+          <a:p>
+            <a:r>
+              <a:rPr lang="nl-NL" dirty="0">
+                <a:latin typeface="Arial"/>
+                <a:cs typeface="Arial"/>
+              </a:rPr>
+              <a:t>Long fibers are more </a:t>
+            </a:r>
+            <a:r>
+              <a:rPr lang="nl-NL" dirty="0" err="1">
+                <a:latin typeface="Arial"/>
+                <a:cs typeface="Arial"/>
+              </a:rPr>
+              <a:t>toxic</a:t>
+            </a:r>
+            <a:r>
+              <a:rPr lang="nl-NL" dirty="0">
+                <a:latin typeface="Arial"/>
+                <a:cs typeface="Arial"/>
+              </a:rPr>
+              <a:t> </a:t>
+            </a:r>
+            <a:r>
+              <a:rPr lang="nl-NL" dirty="0" err="1">
+                <a:latin typeface="Arial"/>
+                <a:cs typeface="Arial"/>
+              </a:rPr>
+              <a:t>than</a:t>
+            </a:r>
+            <a:r>
+              <a:rPr lang="nl-NL" dirty="0">
+                <a:latin typeface="Arial"/>
+                <a:cs typeface="Arial"/>
+              </a:rPr>
+              <a:t> short </a:t>
+            </a:r>
+            <a:r>
+              <a:rPr lang="nl-NL" dirty="0" err="1">
+                <a:latin typeface="Arial"/>
+                <a:cs typeface="Arial"/>
+              </a:rPr>
+              <a:t>ones</a:t>
+            </a:r>
+            <a:endParaRPr lang="nl-NL" dirty="0" err="1">
+              <a:cs typeface="Arial" charset="0"/>
+            </a:endParaRPr>
+          </a:p>
+          <a:p>
+            <a:r>
+              <a:rPr lang="nl-NL" dirty="0" err="1">
+                <a:latin typeface="Arial"/>
+                <a:cs typeface="Arial"/>
+              </a:rPr>
+              <a:t>Stay</a:t>
+            </a:r>
+            <a:r>
+              <a:rPr lang="nl-NL" dirty="0">
+                <a:latin typeface="Arial"/>
+                <a:cs typeface="Arial"/>
+              </a:rPr>
+              <a:t> </a:t>
+            </a:r>
+            <a:r>
+              <a:rPr lang="nl-NL" dirty="0" err="1">
+                <a:latin typeface="Arial"/>
+                <a:cs typeface="Arial"/>
+              </a:rPr>
+              <a:t>longer</a:t>
+            </a:r>
+            <a:r>
+              <a:rPr lang="nl-NL" dirty="0">
+                <a:latin typeface="Arial"/>
+                <a:cs typeface="Arial"/>
+              </a:rPr>
+              <a:t> in </a:t>
+            </a:r>
+            <a:r>
+              <a:rPr lang="nl-NL" dirty="0" err="1">
+                <a:latin typeface="Arial"/>
+                <a:cs typeface="Arial"/>
+              </a:rPr>
+              <a:t>the</a:t>
+            </a:r>
+            <a:r>
+              <a:rPr lang="nl-NL" dirty="0">
+                <a:latin typeface="Arial"/>
+                <a:cs typeface="Arial"/>
+              </a:rPr>
+              <a:t> body (81% </a:t>
+            </a:r>
+            <a:r>
+              <a:rPr lang="nl-NL" dirty="0" err="1">
+                <a:latin typeface="Arial"/>
+                <a:cs typeface="Arial"/>
+              </a:rPr>
+              <a:t>after</a:t>
+            </a:r>
+            <a:r>
+              <a:rPr lang="nl-NL" dirty="0">
+                <a:latin typeface="Arial"/>
+                <a:cs typeface="Arial"/>
+              </a:rPr>
+              <a:t> 60 </a:t>
+            </a:r>
+            <a:r>
+              <a:rPr lang="nl-NL" dirty="0" err="1">
+                <a:latin typeface="Arial"/>
+                <a:cs typeface="Arial"/>
+              </a:rPr>
+              <a:t>days</a:t>
+            </a:r>
+            <a:r>
+              <a:rPr lang="nl-NL" dirty="0">
+                <a:latin typeface="Arial"/>
+                <a:cs typeface="Arial"/>
+              </a:rPr>
+              <a:t>)</a:t>
+            </a:r>
+          </a:p>
+          <a:p>
+            <a:r>
+              <a:rPr lang="nl-NL" dirty="0">
+                <a:latin typeface="Arial"/>
+                <a:cs typeface="Arial"/>
+              </a:rPr>
+              <a:t>Carbon nanotubes </a:t>
+            </a:r>
+            <a:r>
+              <a:rPr lang="nl-NL" dirty="0" err="1">
+                <a:latin typeface="Arial"/>
+                <a:cs typeface="Arial"/>
+              </a:rPr>
+              <a:t>can</a:t>
+            </a:r>
+            <a:r>
+              <a:rPr lang="nl-NL" dirty="0">
+                <a:latin typeface="Arial"/>
+                <a:cs typeface="Arial"/>
+              </a:rPr>
+              <a:t> </a:t>
+            </a:r>
+            <a:r>
+              <a:rPr lang="nl-NL" dirty="0" err="1">
+                <a:latin typeface="Arial"/>
+                <a:cs typeface="Arial"/>
+              </a:rPr>
+              <a:t>be</a:t>
+            </a:r>
+            <a:r>
+              <a:rPr lang="nl-NL" dirty="0">
+                <a:latin typeface="Arial"/>
+                <a:cs typeface="Arial"/>
+              </a:rPr>
+              <a:t> </a:t>
+            </a:r>
+            <a:r>
+              <a:rPr lang="nl-NL" dirty="0" err="1">
+                <a:latin typeface="Arial"/>
+                <a:cs typeface="Arial"/>
+              </a:rPr>
+              <a:t>very</a:t>
+            </a:r>
+            <a:r>
+              <a:rPr lang="nl-NL" dirty="0">
+                <a:latin typeface="Arial"/>
+                <a:cs typeface="Arial"/>
+              </a:rPr>
+              <a:t> </a:t>
+            </a:r>
+            <a:r>
+              <a:rPr lang="nl-NL" dirty="0" err="1">
+                <a:latin typeface="Arial"/>
+                <a:cs typeface="Arial"/>
+              </a:rPr>
+              <a:t>toxic</a:t>
+            </a:r>
+          </a:p>
+        </p:txBody>
+      </p:sp>
+      <p:sp>
+        <p:nvSpPr>
+          <p:cNvPr id="3" name="Tijdelijke aanduiding voor voettekst 2">
+            <a:extLst>
+              <a:ext uri="{FF2B5EF4-FFF2-40B4-BE49-F238E27FC236}">
+                <a16:creationId xmlns:a16="http://schemas.microsoft.com/office/drawing/2014/main" id="{3D0B3870-0B8D-4CA7-860A-9D56EB7AC438}"/>
+              </a:ext>
+            </a:extLst>
+          </p:cNvPr>
+          <p:cNvSpPr>
+            <a:spLocks noGrp="1"/>
+          </p:cNvSpPr>
+          <p:nvPr>
+            <p:ph type="ftr" sz="quarter" idx="11"/>
+          </p:nvPr>
+        </p:nvSpPr>
+        <p:spPr/>
+        <p:txBody>
+          <a:bodyPr/>
+          <a:lstStyle/>
+          <a:p>
+            <a:r>
+              <a:rPr lang="nl-NL"/>
+              <a:t>Faculteit, departement, dienst …</a:t>
+            </a:r>
+          </a:p>
+        </p:txBody>
+      </p:sp>
+      <p:sp>
+        <p:nvSpPr>
+          <p:cNvPr id="4" name="Tijdelijke aanduiding voor dianummer 3">
+            <a:extLst>
+              <a:ext uri="{FF2B5EF4-FFF2-40B4-BE49-F238E27FC236}">
+                <a16:creationId xmlns:a16="http://schemas.microsoft.com/office/drawing/2014/main" id="{4950DF76-99D2-40CB-A88F-ECF57CE1760C}"/>
+              </a:ext>
+            </a:extLst>
+          </p:cNvPr>
+          <p:cNvSpPr>
+            <a:spLocks noGrp="1"/>
+          </p:cNvSpPr>
+          <p:nvPr>
+            <p:ph type="sldNum" sz="quarter" idx="12"/>
+          </p:nvPr>
+        </p:nvSpPr>
+        <p:spPr/>
+        <p:txBody>
+          <a:bodyPr/>
+          <a:lstStyle/>
+          <a:p>
+            <a:fld id="{0A297500-7527-634B-90F4-69D0994C32B4}" type="slidenum">
+              <a:rPr lang="nl-NL" smtClean="0"/>
+              <a:t>16</a:t>
+            </a:fld>
+            <a:endParaRPr lang="nl-NL"/>
+          </a:p>
+        </p:txBody>
+      </p:sp>
+      <p:sp>
+        <p:nvSpPr>
+          <p:cNvPr id="5" name="Titel 4">
+            <a:extLst>
+              <a:ext uri="{FF2B5EF4-FFF2-40B4-BE49-F238E27FC236}">
+                <a16:creationId xmlns:a16="http://schemas.microsoft.com/office/drawing/2014/main" id="{89B92165-5C9D-4BF0-92C6-267065DC29DC}"/>
+              </a:ext>
+            </a:extLst>
+          </p:cNvPr>
+          <p:cNvSpPr>
+            <a:spLocks noGrp="1"/>
+          </p:cNvSpPr>
+          <p:nvPr>
+            <p:ph type="title"/>
+          </p:nvPr>
+        </p:nvSpPr>
+        <p:spPr/>
+        <p:txBody>
+          <a:bodyPr/>
+          <a:lstStyle/>
+          <a:p>
+            <a:r>
+              <a:rPr lang="nl-NL" dirty="0">
+                <a:latin typeface="Arial"/>
+                <a:cs typeface="Arial"/>
+              </a:rPr>
+              <a:t>Aspect ratio</a:t>
+            </a:r>
+            <a:endParaRPr lang="nl-NL" dirty="0"/>
+          </a:p>
+        </p:txBody>
+      </p:sp>
+    </p:spTree>
+    <p:extLst>
+      <p:ext uri="{BB962C8B-B14F-4D97-AF65-F5344CB8AC3E}">
+        <p14:creationId xmlns:p14="http://schemas.microsoft.com/office/powerpoint/2010/main" val="4263617995"/>
+      </p:ext>
+    </p:extLst>
+  </p:cSld>
+  <p:clrMapOvr>
+    <a:masterClrMapping/>
+  </p:clrMapOvr>
+</p:sld>
+</file>
+
 <file path=ppt/slides/slide17.xml><?xml version="1.0" encoding="utf-8"?>
 <p:sld xmlns:a="http://schemas.openxmlformats.org/drawingml/2006/main" xmlns:r="http://schemas.openxmlformats.org/officeDocument/2006/relationships" xmlns:p="http://schemas.openxmlformats.org/presentationml/2006/main">
   <p:cSld>
@@ -9814,7 +9248,7 @@
           <p:cNvPr id="2" name="Tijdelijke aanduiding voor inhoud 1">
             <a:extLst>
               <a:ext uri="{FF2B5EF4-FFF2-40B4-BE49-F238E27FC236}">
-                <a16:creationId xmlns:a16="http://schemas.microsoft.com/office/drawing/2014/main" id="{ECD9C7FC-FC06-4374-A1C7-C9C35F1BE892}"/>
+                <a16:creationId xmlns:a16="http://schemas.microsoft.com/office/drawing/2014/main" id="{1D154430-BEF3-4E06-8F0F-0103FC5AE3D5}"/>
               </a:ext>
             </a:extLst>
           </p:cNvPr>
@@ -9832,181 +9266,9 @@
           </a:bodyPr>
           <a:lstStyle/>
           <a:p>
-            <a:r>
-              <a:rPr lang="nl-NL" dirty="0">
-                <a:latin typeface="Arial"/>
-                <a:cs typeface="Arial"/>
-              </a:rPr>
-              <a:t>Long fibers are more </a:t>
-            </a:r>
-            <a:r>
-              <a:rPr lang="nl-NL" dirty="0" err="1">
-                <a:latin typeface="Arial"/>
-                <a:cs typeface="Arial"/>
-              </a:rPr>
-              <a:t>toxic</a:t>
-            </a:r>
-            <a:r>
-              <a:rPr lang="nl-NL" dirty="0">
-                <a:latin typeface="Arial"/>
-                <a:cs typeface="Arial"/>
-              </a:rPr>
-              <a:t> </a:t>
-            </a:r>
-            <a:r>
-              <a:rPr lang="nl-NL" dirty="0" err="1">
-                <a:latin typeface="Arial"/>
-                <a:cs typeface="Arial"/>
-              </a:rPr>
-              <a:t>than</a:t>
-            </a:r>
-            <a:r>
-              <a:rPr lang="nl-NL" dirty="0">
-                <a:latin typeface="Arial"/>
-                <a:cs typeface="Arial"/>
-              </a:rPr>
-              <a:t> short </a:t>
-            </a:r>
-            <a:r>
-              <a:rPr lang="nl-NL" dirty="0" err="1">
-                <a:latin typeface="Arial"/>
-                <a:cs typeface="Arial"/>
-              </a:rPr>
-              <a:t>ones</a:t>
-            </a:r>
-            <a:endParaRPr lang="nl-NL" dirty="0" err="1">
-              <a:cs typeface="Arial" charset="0"/>
+            <a:endParaRPr lang="nl-NL" dirty="0">
+              <a:cs typeface="Arial"/>
             </a:endParaRPr>
-          </a:p>
-          <a:p>
-            <a:r>
-              <a:rPr lang="nl-NL" dirty="0" err="1">
-                <a:latin typeface="Arial"/>
-                <a:cs typeface="Arial"/>
-              </a:rPr>
-              <a:t>Stay</a:t>
-            </a:r>
-            <a:r>
-              <a:rPr lang="nl-NL" dirty="0">
-                <a:latin typeface="Arial"/>
-                <a:cs typeface="Arial"/>
-              </a:rPr>
-              <a:t> </a:t>
-            </a:r>
-            <a:r>
-              <a:rPr lang="nl-NL" dirty="0" err="1">
-                <a:latin typeface="Arial"/>
-                <a:cs typeface="Arial"/>
-              </a:rPr>
-              <a:t>longer</a:t>
-            </a:r>
-            <a:r>
-              <a:rPr lang="nl-NL" dirty="0">
-                <a:latin typeface="Arial"/>
-                <a:cs typeface="Arial"/>
-              </a:rPr>
-              <a:t> in </a:t>
-            </a:r>
-            <a:r>
-              <a:rPr lang="nl-NL" dirty="0" err="1">
-                <a:latin typeface="Arial"/>
-                <a:cs typeface="Arial"/>
-              </a:rPr>
-              <a:t>the</a:t>
-            </a:r>
-            <a:r>
-              <a:rPr lang="nl-NL" dirty="0">
-                <a:latin typeface="Arial"/>
-                <a:cs typeface="Arial"/>
-              </a:rPr>
-              <a:t> body (81% </a:t>
-            </a:r>
-            <a:r>
-              <a:rPr lang="nl-NL" dirty="0" err="1">
-                <a:latin typeface="Arial"/>
-                <a:cs typeface="Arial"/>
-              </a:rPr>
-              <a:t>after</a:t>
-            </a:r>
-            <a:r>
-              <a:rPr lang="nl-NL" dirty="0">
-                <a:latin typeface="Arial"/>
-                <a:cs typeface="Arial"/>
-              </a:rPr>
-              <a:t> 60 </a:t>
-            </a:r>
-            <a:r>
-              <a:rPr lang="nl-NL" dirty="0" err="1">
-                <a:latin typeface="Arial"/>
-                <a:cs typeface="Arial"/>
-              </a:rPr>
-              <a:t>days</a:t>
-            </a:r>
-            <a:r>
-              <a:rPr lang="nl-NL" dirty="0">
-                <a:latin typeface="Arial"/>
-                <a:cs typeface="Arial"/>
-              </a:rPr>
-              <a:t>)</a:t>
-            </a:r>
-          </a:p>
-          <a:p>
-            <a:r>
-              <a:rPr lang="nl-NL" dirty="0">
-                <a:latin typeface="Arial"/>
-                <a:cs typeface="Arial"/>
-              </a:rPr>
-              <a:t>Carbon nanotubes </a:t>
-            </a:r>
-            <a:r>
-              <a:rPr lang="nl-NL" dirty="0" err="1">
-                <a:latin typeface="Arial"/>
-                <a:cs typeface="Arial"/>
-              </a:rPr>
-              <a:t>can</a:t>
-            </a:r>
-            <a:r>
-              <a:rPr lang="nl-NL" dirty="0">
-                <a:latin typeface="Arial"/>
-                <a:cs typeface="Arial"/>
-              </a:rPr>
-              <a:t> </a:t>
-            </a:r>
-            <a:r>
-              <a:rPr lang="nl-NL" dirty="0" err="1">
-                <a:latin typeface="Arial"/>
-                <a:cs typeface="Arial"/>
-              </a:rPr>
-              <a:t>be</a:t>
-            </a:r>
-            <a:r>
-              <a:rPr lang="nl-NL" dirty="0">
-                <a:latin typeface="Arial"/>
-                <a:cs typeface="Arial"/>
-              </a:rPr>
-              <a:t> </a:t>
-            </a:r>
-            <a:r>
-              <a:rPr lang="nl-NL" dirty="0" err="1">
-                <a:latin typeface="Arial"/>
-                <a:cs typeface="Arial"/>
-              </a:rPr>
-              <a:t>very</a:t>
-            </a:r>
-            <a:r>
-              <a:rPr lang="nl-NL" dirty="0">
-                <a:latin typeface="Arial"/>
-                <a:cs typeface="Arial"/>
-              </a:rPr>
-              <a:t> </a:t>
-            </a:r>
-            <a:r>
-              <a:rPr lang="nl-NL" dirty="0" err="1">
-                <a:latin typeface="Arial"/>
-                <a:cs typeface="Arial"/>
-              </a:rPr>
-              <a:t>toxic</a:t>
-            </a:r>
           </a:p>
         </p:txBody>
       </p:sp>
@@ -10015,7 +9277,7 @@
           <p:cNvPr id="3" name="Tijdelijke aanduiding voor voettekst 2">
             <a:extLst>
               <a:ext uri="{FF2B5EF4-FFF2-40B4-BE49-F238E27FC236}">
-                <a16:creationId xmlns:a16="http://schemas.microsoft.com/office/drawing/2014/main" id="{3D0B3870-0B8D-4CA7-860A-9D56EB7AC438}"/>
+                <a16:creationId xmlns:a16="http://schemas.microsoft.com/office/drawing/2014/main" id="{D675B85F-3EDA-4A13-B39F-123D17144CAB}"/>
               </a:ext>
             </a:extLst>
           </p:cNvPr>
@@ -10043,7 +9305,7 @@
           <p:cNvPr id="4" name="Tijdelijke aanduiding voor dianummer 3">
             <a:extLst>
               <a:ext uri="{FF2B5EF4-FFF2-40B4-BE49-F238E27FC236}">
-                <a16:creationId xmlns:a16="http://schemas.microsoft.com/office/drawing/2014/main" id="{4950DF76-99D2-40CB-A88F-ECF57CE1760C}"/>
+                <a16:creationId xmlns:a16="http://schemas.microsoft.com/office/drawing/2014/main" id="{A36FD602-DA2B-4444-9055-A8FA61CA3158}"/>
               </a:ext>
             </a:extLst>
           </p:cNvPr>
@@ -10072,7 +9334,7 @@
           <p:cNvPr id="5" name="Titel 4">
             <a:extLst>
               <a:ext uri="{FF2B5EF4-FFF2-40B4-BE49-F238E27FC236}">
-                <a16:creationId xmlns:a16="http://schemas.microsoft.com/office/drawing/2014/main" id="{89B92165-5C9D-4BF0-92C6-267065DC29DC}"/>
+                <a16:creationId xmlns:a16="http://schemas.microsoft.com/office/drawing/2014/main" id="{5FC96F9B-0EAB-4D46-8ACB-5E9AB3D673FD}"/>
               </a:ext>
             </a:extLst>
           </p:cNvPr>
@@ -10093,16 +9355,23 @@
                 <a:latin typeface="Arial"/>
                 <a:cs typeface="Arial"/>
               </a:rPr>
-              <a:t>Aspect ratio</a:t>
-            </a:r>
-            <a:endParaRPr lang="nl-NL" dirty="0"/>
+              <a:t>Carbon nanotubes </a:t>
+            </a:r>
+            <a:r>
+              <a:rPr lang="nl-NL" dirty="0" err="1">
+                <a:latin typeface="Arial"/>
+                <a:cs typeface="Arial"/>
+              </a:rPr>
+              <a:t>toxicity</a:t>
+            </a:r>
+            <a:endParaRPr lang="nl-NL" dirty="0" err="1"/>
           </a:p>
         </p:txBody>
       </p:sp>
     </p:spTree>
     <p:extLst>
       <p:ext uri="{BB962C8B-B14F-4D97-AF65-F5344CB8AC3E}">
-        <p14:creationId xmlns:p14="http://schemas.microsoft.com/office/powerpoint/2010/main" val="4263617995"/>
+        <p14:creationId xmlns:p14="http://schemas.microsoft.com/office/powerpoint/2010/main" val="2378055094"/>
       </p:ext>
     </p:extLst>
   </p:cSld>
@@ -10134,161 +9403,6 @@
           <p:cNvPr id="2" name="Tijdelijke aanduiding voor inhoud 1">
             <a:extLst>
               <a:ext uri="{FF2B5EF4-FFF2-40B4-BE49-F238E27FC236}">
-                <a16:creationId xmlns:a16="http://schemas.microsoft.com/office/drawing/2014/main" id="{1D154430-BEF3-4E06-8F0F-0103FC5AE3D5}"/>
-              </a:ext>
-            </a:extLst>
-          </p:cNvPr>
-          <p:cNvSpPr>
-            <a:spLocks noGrp="1"/>
-          </p:cNvSpPr>
-          <p:nvPr>
-            <p:ph idx="1"/>
-          </p:nvPr>
-        </p:nvSpPr>
-        <p:spPr/>
-        <p:txBody>
-          <a:bodyPr vert="horz" lIns="91440" tIns="45720" rIns="91440" bIns="45720" rtlCol="0" anchor="t">
-            <a:normAutofit/>
-          </a:bodyPr>
-          <a:lstStyle/>
-          <a:p>
-            <a:endParaRPr lang="nl-NL" dirty="0">
-              <a:cs typeface="Arial"/>
-            </a:endParaRPr>
-          </a:p>
-        </p:txBody>
-      </p:sp>
-      <p:sp>
-        <p:nvSpPr>
-          <p:cNvPr id="3" name="Tijdelijke aanduiding voor voettekst 2">
-            <a:extLst>
-              <a:ext uri="{FF2B5EF4-FFF2-40B4-BE49-F238E27FC236}">
-                <a16:creationId xmlns:a16="http://schemas.microsoft.com/office/drawing/2014/main" id="{D675B85F-3EDA-4A13-B39F-123D17144CAB}"/>
-              </a:ext>
-            </a:extLst>
-          </p:cNvPr>
-          <p:cNvSpPr>
-            <a:spLocks noGrp="1"/>
-          </p:cNvSpPr>
-          <p:nvPr>
-            <p:ph type="ftr" sz="quarter" idx="11"/>
-          </p:nvPr>
-        </p:nvSpPr>
-        <p:spPr/>
-        <p:txBody>
-          <a:bodyPr/>
-          <a:lstStyle/>
-          <a:p>
-            <a:r>
-              <a:rPr lang="nl-NL"/>
-              <a:t>Faculteit, departement, dienst …</a:t>
-            </a:r>
-          </a:p>
-        </p:txBody>
-      </p:sp>
-      <p:sp>
-        <p:nvSpPr>
-          <p:cNvPr id="4" name="Tijdelijke aanduiding voor dianummer 3">
-            <a:extLst>
-              <a:ext uri="{FF2B5EF4-FFF2-40B4-BE49-F238E27FC236}">
-                <a16:creationId xmlns:a16="http://schemas.microsoft.com/office/drawing/2014/main" id="{A36FD602-DA2B-4444-9055-A8FA61CA3158}"/>
-              </a:ext>
-            </a:extLst>
-          </p:cNvPr>
-          <p:cNvSpPr>
-            <a:spLocks noGrp="1"/>
-          </p:cNvSpPr>
-          <p:nvPr>
-            <p:ph type="sldNum" sz="quarter" idx="12"/>
-          </p:nvPr>
-        </p:nvSpPr>
-        <p:spPr/>
-        <p:txBody>
-          <a:bodyPr/>
-          <a:lstStyle/>
-          <a:p>
-            <a:fld id="{0A297500-7527-634B-90F4-69D0994C32B4}" type="slidenum">
-              <a:rPr lang="nl-NL" smtClean="0"/>
-              <a:t>18</a:t>
-            </a:fld>
-            <a:endParaRPr lang="nl-NL"/>
-          </a:p>
-        </p:txBody>
-      </p:sp>
-      <p:sp>
-        <p:nvSpPr>
-          <p:cNvPr id="5" name="Titel 4">
-            <a:extLst>
-              <a:ext uri="{FF2B5EF4-FFF2-40B4-BE49-F238E27FC236}">
-                <a16:creationId xmlns:a16="http://schemas.microsoft.com/office/drawing/2014/main" id="{5FC96F9B-0EAB-4D46-8ACB-5E9AB3D673FD}"/>
-              </a:ext>
-            </a:extLst>
-          </p:cNvPr>
-          <p:cNvSpPr>
-            <a:spLocks noGrp="1"/>
-          </p:cNvSpPr>
-          <p:nvPr>
-            <p:ph type="title"/>
-          </p:nvPr>
-        </p:nvSpPr>
-        <p:spPr/>
-        <p:txBody>
-          <a:bodyPr/>
-          <a:lstStyle/>
-          <a:p>
-            <a:r>
-              <a:rPr lang="nl-NL" dirty="0">
-                <a:latin typeface="Arial"/>
-                <a:cs typeface="Arial"/>
-              </a:rPr>
-              <a:t>Carbon nanotubes </a:t>
-            </a:r>
-            <a:r>
-              <a:rPr lang="nl-NL" dirty="0" err="1">
-                <a:latin typeface="Arial"/>
-                <a:cs typeface="Arial"/>
-              </a:rPr>
-              <a:t>toxicity</a:t>
-            </a:r>
-            <a:endParaRPr lang="nl-NL" dirty="0" err="1"/>
-          </a:p>
-        </p:txBody>
-      </p:sp>
-    </p:spTree>
-    <p:extLst>
-      <p:ext uri="{BB962C8B-B14F-4D97-AF65-F5344CB8AC3E}">
-        <p14:creationId xmlns:p14="http://schemas.microsoft.com/office/powerpoint/2010/main" val="2378055094"/>
-      </p:ext>
-    </p:extLst>
-  </p:cSld>
-  <p:clrMapOvr>
-    <a:masterClrMapping/>
-  </p:clrMapOvr>
-</p:sld>
-</file>
-
-<file path=ppt/slides/slide19.xml><?xml version="1.0" encoding="utf-8"?>
-<p:sld xmlns:a="http://schemas.openxmlformats.org/drawingml/2006/main" xmlns:r="http://schemas.openxmlformats.org/officeDocument/2006/relationships" xmlns:p="http://schemas.openxmlformats.org/presentationml/2006/main">
-  <p:cSld>
-    <p:spTree>
-      <p:nvGrpSpPr>
-        <p:cNvPr id="1" name=""/>
-        <p:cNvGrpSpPr/>
-        <p:nvPr/>
-      </p:nvGrpSpPr>
-      <p:grpSpPr>
-        <a:xfrm>
-          <a:off x="0" y="0"/>
-          <a:ext cx="0" cy="0"/>
-          <a:chOff x="0" y="0"/>
-          <a:chExt cx="0" cy="0"/>
-        </a:xfrm>
-      </p:grpSpPr>
-      <p:sp>
-        <p:nvSpPr>
-          <p:cNvPr id="2" name="Tijdelijke aanduiding voor inhoud 1">
-            <a:extLst>
-              <a:ext uri="{FF2B5EF4-FFF2-40B4-BE49-F238E27FC236}">
                 <a16:creationId xmlns:a16="http://schemas.microsoft.com/office/drawing/2014/main" id="{721A5729-C616-4F93-8B09-C92FF8EDF40A}"/>
               </a:ext>
             </a:extLst>
@@ -10673,7 +9787,7 @@
           <a:p>
             <a:fld id="{0A297500-7527-634B-90F4-69D0994C32B4}" type="slidenum">
               <a:rPr lang="nl-NL" smtClean="0"/>
-              <a:t>19</a:t>
+              <a:t>18</a:t>
             </a:fld>
             <a:endParaRPr lang="nl-NL"/>
           </a:p>
@@ -13149,895 +12263,6 @@
 </file>
 
 <file path=ppt/slides/slide7.xml><?xml version="1.0" encoding="utf-8"?>
-<p:sld xmlns:a="http://schemas.openxmlformats.org/drawingml/2006/main" xmlns:r="http://schemas.openxmlformats.org/officeDocument/2006/relationships" xmlns:p="http://schemas.openxmlformats.org/presentationml/2006/main">
-  <p:cSld>
-    <p:spTree>
-      <p:nvGrpSpPr>
-        <p:cNvPr id="1" name=""/>
-        <p:cNvGrpSpPr/>
-        <p:nvPr/>
-      </p:nvGrpSpPr>
-      <p:grpSpPr>
-        <a:xfrm>
-          <a:off x="0" y="0"/>
-          <a:ext cx="0" cy="0"/>
-          <a:chOff x="0" y="0"/>
-          <a:chExt cx="0" cy="0"/>
-        </a:xfrm>
-      </p:grpSpPr>
-      <p:sp>
-        <p:nvSpPr>
-          <p:cNvPr id="7" name="Tijdelijke aanduiding voor dianummer 23">
-            <a:extLst>
-              <a:ext uri="{FF2B5EF4-FFF2-40B4-BE49-F238E27FC236}">
-                <a16:creationId xmlns:a16="http://schemas.microsoft.com/office/drawing/2014/main" id="{E7BA9955-551E-4B72-9196-84FDFE87439B}"/>
-              </a:ext>
-            </a:extLst>
-          </p:cNvPr>
-          <p:cNvSpPr>
-            <a:spLocks noGrp="1"/>
-          </p:cNvSpPr>
-          <p:nvPr>
-            <p:ph type="sldNum" sz="quarter" idx="12"/>
-          </p:nvPr>
-        </p:nvSpPr>
-        <p:spPr>
-          <a:xfrm>
-            <a:off x="11544000" y="-126730"/>
-            <a:ext cx="648000" cy="648000"/>
-          </a:xfrm>
-        </p:spPr>
-        <p:txBody>
-          <a:bodyPr/>
-          <a:lstStyle/>
-          <a:p>
-            <a:fld id="{CF179DAE-D0A6-40C3-B8BC-6A97C268D03A}" type="slidenum">
-              <a:rPr lang="nl-NL" sz="1200" smtClean="0">
-                <a:solidFill>
-                  <a:srgbClr val="1D8DB0"/>
-                </a:solidFill>
-              </a:rPr>
-              <a:pPr/>
-              <a:t>7</a:t>
-            </a:fld>
-            <a:r>
-              <a:rPr lang="nl-NL" sz="1200" dirty="0">
-                <a:solidFill>
-                  <a:srgbClr val="1D8DB0"/>
-                </a:solidFill>
-              </a:rPr>
-              <a:t>/31</a:t>
-            </a:r>
-          </a:p>
-        </p:txBody>
-      </p:sp>
-      <p:sp>
-        <p:nvSpPr>
-          <p:cNvPr id="9" name="Titel 4">
-            <a:extLst>
-              <a:ext uri="{FF2B5EF4-FFF2-40B4-BE49-F238E27FC236}">
-                <a16:creationId xmlns:a16="http://schemas.microsoft.com/office/drawing/2014/main" id="{32C054A8-9043-41C9-BA29-6C11E3B87A6D}"/>
-              </a:ext>
-            </a:extLst>
-          </p:cNvPr>
-          <p:cNvSpPr>
-            <a:spLocks noGrp="1"/>
-          </p:cNvSpPr>
-          <p:nvPr>
-            <p:ph type="title"/>
-          </p:nvPr>
-        </p:nvSpPr>
-        <p:spPr>
-          <a:xfrm>
-            <a:off x="576263" y="336550"/>
-            <a:ext cx="11041062" cy="1152525"/>
-          </a:xfrm>
-        </p:spPr>
-        <p:txBody>
-          <a:bodyPr/>
-          <a:lstStyle/>
-          <a:p>
-            <a:r>
-              <a:rPr lang="nl-BE" dirty="0"/>
-              <a:t>Tests </a:t>
-            </a:r>
-            <a:r>
-              <a:rPr lang="nl-BE" dirty="0" err="1"/>
-              <a:t>for</a:t>
-            </a:r>
-            <a:r>
-              <a:rPr lang="nl-BE" dirty="0"/>
-              <a:t> </a:t>
-            </a:r>
-            <a:r>
-              <a:rPr lang="nl-BE" dirty="0" err="1"/>
-              <a:t>toxicity</a:t>
-            </a:r>
-            <a:endParaRPr lang="nl-BE" dirty="0"/>
-          </a:p>
-        </p:txBody>
-      </p:sp>
-      <p:sp>
-        <p:nvSpPr>
-          <p:cNvPr id="8" name="Tijdelijke aanduiding voor inhoud 1">
-            <a:extLst>
-              <a:ext uri="{FF2B5EF4-FFF2-40B4-BE49-F238E27FC236}">
-                <a16:creationId xmlns:a16="http://schemas.microsoft.com/office/drawing/2014/main" id="{FD48FE27-13D3-407C-9CF5-D7CAC1400D54}"/>
-              </a:ext>
-            </a:extLst>
-          </p:cNvPr>
-          <p:cNvSpPr>
-            <a:spLocks noGrp="1"/>
-          </p:cNvSpPr>
-          <p:nvPr>
-            <p:ph idx="1"/>
-          </p:nvPr>
-        </p:nvSpPr>
-        <p:spPr>
-          <a:xfrm>
-            <a:off x="576000" y="1656000"/>
-            <a:ext cx="11041200" cy="4043464"/>
-          </a:xfrm>
-        </p:spPr>
-        <p:txBody>
-          <a:bodyPr>
-            <a:normAutofit/>
-          </a:bodyPr>
-          <a:lstStyle/>
-          <a:p>
-            <a:pPr marL="0" indent="0">
-              <a:buNone/>
-            </a:pPr>
-            <a:r>
-              <a:rPr lang="nl-BE" sz="2000" b="1" dirty="0" err="1"/>
-              <a:t>Measurement</a:t>
-            </a:r>
-            <a:r>
-              <a:rPr lang="nl-BE" sz="2000" b="1" dirty="0"/>
-              <a:t> parameters:</a:t>
-            </a:r>
-          </a:p>
-          <a:p>
-            <a:pPr marL="0" indent="0">
-              <a:buNone/>
-            </a:pPr>
-            <a:endParaRPr lang="nl-BE" sz="2000" dirty="0"/>
-          </a:p>
-        </p:txBody>
-      </p:sp>
-      <p:sp>
-        <p:nvSpPr>
-          <p:cNvPr id="10" name="Tekstvak 9">
-            <a:extLst>
-              <a:ext uri="{FF2B5EF4-FFF2-40B4-BE49-F238E27FC236}">
-                <a16:creationId xmlns:a16="http://schemas.microsoft.com/office/drawing/2014/main" id="{F9AF6A87-507F-4E2E-8A2A-840080D13776}"/>
-              </a:ext>
-            </a:extLst>
-          </p:cNvPr>
-          <p:cNvSpPr txBox="1"/>
-          <p:nvPr/>
-        </p:nvSpPr>
-        <p:spPr>
-          <a:xfrm>
-            <a:off x="159798" y="58771"/>
-            <a:ext cx="5832629" cy="276999"/>
-          </a:xfrm>
-          <a:prstGeom prst="rect">
-            <a:avLst/>
-          </a:prstGeom>
-          <a:noFill/>
-        </p:spPr>
-        <p:txBody>
-          <a:bodyPr wrap="square" rtlCol="0">
-            <a:spAutoFit/>
-          </a:bodyPr>
-          <a:lstStyle/>
-          <a:p>
-            <a:r>
-              <a:rPr lang="nl-BE" sz="1200" dirty="0">
-                <a:solidFill>
-                  <a:srgbClr val="1D8DB0"/>
-                </a:solidFill>
-              </a:rPr>
-              <a:t>J. </a:t>
-            </a:r>
-            <a:r>
-              <a:rPr lang="nl-BE" sz="1200" dirty="0" err="1">
-                <a:solidFill>
-                  <a:srgbClr val="1D8DB0"/>
-                </a:solidFill>
-              </a:rPr>
-              <a:t>Neirynck</a:t>
-            </a:r>
-            <a:r>
-              <a:rPr lang="nl-BE" sz="1200" dirty="0">
-                <a:solidFill>
-                  <a:srgbClr val="1D8DB0"/>
-                </a:solidFill>
-              </a:rPr>
-              <a:t>, F. Van </a:t>
-            </a:r>
-            <a:r>
-              <a:rPr lang="nl-BE" sz="1200" dirty="0" err="1">
-                <a:solidFill>
-                  <a:srgbClr val="1D8DB0"/>
-                </a:solidFill>
-              </a:rPr>
-              <a:t>Eecke</a:t>
-            </a:r>
-            <a:r>
-              <a:rPr lang="nl-BE" sz="1200" dirty="0">
-                <a:solidFill>
-                  <a:srgbClr val="1D8DB0"/>
-                </a:solidFill>
-              </a:rPr>
-              <a:t> &amp; R. Vrielynck</a:t>
-            </a:r>
-          </a:p>
-        </p:txBody>
-      </p:sp>
-      <p:sp>
-        <p:nvSpPr>
-          <p:cNvPr id="11" name="Tekstvak 10">
-            <a:extLst>
-              <a:ext uri="{FF2B5EF4-FFF2-40B4-BE49-F238E27FC236}">
-                <a16:creationId xmlns:a16="http://schemas.microsoft.com/office/drawing/2014/main" id="{02C83A39-3DA1-4516-B834-3C3D5F8552F0}"/>
-              </a:ext>
-            </a:extLst>
-          </p:cNvPr>
-          <p:cNvSpPr txBox="1"/>
-          <p:nvPr/>
-        </p:nvSpPr>
-        <p:spPr>
-          <a:xfrm>
-            <a:off x="576000" y="6356412"/>
-            <a:ext cx="10351364" cy="315471"/>
-          </a:xfrm>
-          <a:prstGeom prst="rect">
-            <a:avLst/>
-          </a:prstGeom>
-          <a:noFill/>
-        </p:spPr>
-        <p:txBody>
-          <a:bodyPr wrap="square" rtlCol="0">
-            <a:spAutoFit/>
-          </a:bodyPr>
-          <a:lstStyle/>
-          <a:p>
-            <a:r>
-              <a:rPr lang="nl-BE" sz="1450" dirty="0" err="1">
-                <a:solidFill>
-                  <a:schemeClr val="bg1"/>
-                </a:solidFill>
-              </a:rPr>
-              <a:t>Introduction</a:t>
-            </a:r>
-            <a:r>
-              <a:rPr lang="nl-BE" sz="1450" dirty="0">
-                <a:solidFill>
-                  <a:schemeClr val="bg1"/>
-                </a:solidFill>
-              </a:rPr>
-              <a:t>	</a:t>
-            </a:r>
-            <a:r>
-              <a:rPr lang="nl-BE" sz="1450" b="1" dirty="0">
-                <a:solidFill>
-                  <a:schemeClr val="bg1"/>
-                </a:solidFill>
-              </a:rPr>
-              <a:t>	Framework</a:t>
-            </a:r>
-            <a:r>
-              <a:rPr lang="nl-BE" sz="1450" dirty="0">
-                <a:solidFill>
-                  <a:schemeClr val="bg1"/>
-                </a:solidFill>
-              </a:rPr>
-              <a:t>		</a:t>
-            </a:r>
-            <a:r>
-              <a:rPr lang="nl-BE" sz="1450" dirty="0" err="1">
-                <a:solidFill>
-                  <a:schemeClr val="bg1"/>
-                </a:solidFill>
-              </a:rPr>
-              <a:t>Techniques</a:t>
-            </a:r>
-            <a:r>
-              <a:rPr lang="nl-BE" sz="1450" dirty="0">
-                <a:solidFill>
-                  <a:schemeClr val="bg1"/>
-                </a:solidFill>
-              </a:rPr>
-              <a:t> &amp; </a:t>
-            </a:r>
-            <a:r>
-              <a:rPr lang="nl-BE" sz="1450" dirty="0" err="1">
-                <a:solidFill>
-                  <a:schemeClr val="bg1"/>
-                </a:solidFill>
-              </a:rPr>
-              <a:t>Results</a:t>
-            </a:r>
-            <a:r>
-              <a:rPr lang="nl-BE" sz="1450" dirty="0">
-                <a:solidFill>
-                  <a:schemeClr val="bg1"/>
-                </a:solidFill>
-              </a:rPr>
-              <a:t>			Summary</a:t>
-            </a:r>
-          </a:p>
-        </p:txBody>
-      </p:sp>
-      <p:sp>
-        <p:nvSpPr>
-          <p:cNvPr id="2" name="Rechthoek: afgeronde hoeken 1">
-            <a:extLst>
-              <a:ext uri="{FF2B5EF4-FFF2-40B4-BE49-F238E27FC236}">
-                <a16:creationId xmlns:a16="http://schemas.microsoft.com/office/drawing/2014/main" id="{BE28EEE1-DA8B-4BAC-BFA8-2E6178196BDE}"/>
-              </a:ext>
-            </a:extLst>
-          </p:cNvPr>
-          <p:cNvSpPr/>
-          <p:nvPr/>
-        </p:nvSpPr>
-        <p:spPr>
-          <a:xfrm>
-            <a:off x="1004711" y="2246489"/>
-            <a:ext cx="4730045" cy="1478844"/>
-          </a:xfrm>
-          <a:prstGeom prst="roundRect">
-            <a:avLst/>
-          </a:prstGeom>
-          <a:solidFill>
-            <a:schemeClr val="bg2"/>
-          </a:solidFill>
-          <a:ln w="28575"/>
-        </p:spPr>
-        <p:style>
-          <a:lnRef idx="2">
-            <a:schemeClr val="accent1">
-              <a:shade val="50000"/>
-            </a:schemeClr>
-          </a:lnRef>
-          <a:fillRef idx="1">
-            <a:schemeClr val="accent1"/>
-          </a:fillRef>
-          <a:effectRef idx="0">
-            <a:schemeClr val="accent1"/>
-          </a:effectRef>
-          <a:fontRef idx="minor">
-            <a:schemeClr val="lt1"/>
-          </a:fontRef>
-        </p:style>
-        <p:txBody>
-          <a:bodyPr rtlCol="0" anchor="ctr"/>
-          <a:lstStyle/>
-          <a:p>
-            <a:pPr algn="ctr"/>
-            <a:r>
-              <a:rPr lang="nl-BE" sz="2000" b="1" dirty="0" err="1">
-                <a:solidFill>
-                  <a:srgbClr val="2F4D5D"/>
-                </a:solidFill>
-              </a:rPr>
-              <a:t>duration</a:t>
-            </a:r>
-            <a:r>
-              <a:rPr lang="nl-BE" sz="2000" b="1" dirty="0">
-                <a:solidFill>
-                  <a:srgbClr val="2F4D5D"/>
-                </a:solidFill>
-              </a:rPr>
-              <a:t> &amp; route</a:t>
-            </a:r>
-          </a:p>
-          <a:p>
-            <a:pPr algn="ctr"/>
-            <a:r>
-              <a:rPr lang="nl-BE" sz="2000" dirty="0">
-                <a:solidFill>
-                  <a:srgbClr val="2F4D5D"/>
-                </a:solidFill>
-              </a:rPr>
-              <a:t>of exposure</a:t>
-            </a:r>
-          </a:p>
-        </p:txBody>
-      </p:sp>
-      <p:sp>
-        <p:nvSpPr>
-          <p:cNvPr id="12" name="Rechthoek: afgeronde hoeken 11">
-            <a:extLst>
-              <a:ext uri="{FF2B5EF4-FFF2-40B4-BE49-F238E27FC236}">
-                <a16:creationId xmlns:a16="http://schemas.microsoft.com/office/drawing/2014/main" id="{31731E15-2006-410A-A829-55CCA84D8285}"/>
-              </a:ext>
-            </a:extLst>
-          </p:cNvPr>
-          <p:cNvSpPr/>
-          <p:nvPr/>
-        </p:nvSpPr>
-        <p:spPr>
-          <a:xfrm>
-            <a:off x="6457244" y="2246489"/>
-            <a:ext cx="4730045" cy="1478844"/>
-          </a:xfrm>
-          <a:prstGeom prst="roundRect">
-            <a:avLst/>
-          </a:prstGeom>
-          <a:solidFill>
-            <a:schemeClr val="bg2"/>
-          </a:solidFill>
-          <a:ln w="28575"/>
-        </p:spPr>
-        <p:style>
-          <a:lnRef idx="2">
-            <a:schemeClr val="accent1">
-              <a:shade val="50000"/>
-            </a:schemeClr>
-          </a:lnRef>
-          <a:fillRef idx="1">
-            <a:schemeClr val="accent1"/>
-          </a:fillRef>
-          <a:effectRef idx="0">
-            <a:schemeClr val="accent1"/>
-          </a:effectRef>
-          <a:fontRef idx="minor">
-            <a:schemeClr val="lt1"/>
-          </a:fontRef>
-        </p:style>
-        <p:txBody>
-          <a:bodyPr rtlCol="0" anchor="ctr"/>
-          <a:lstStyle/>
-          <a:p>
-            <a:pPr algn="ctr"/>
-            <a:r>
-              <a:rPr lang="nl-BE" sz="2000" b="1" dirty="0" err="1">
-                <a:solidFill>
-                  <a:srgbClr val="2F4D5D"/>
-                </a:solidFill>
-              </a:rPr>
-              <a:t>dosage</a:t>
-            </a:r>
-            <a:r>
-              <a:rPr lang="nl-BE" sz="2000" b="1" dirty="0">
-                <a:solidFill>
-                  <a:srgbClr val="2F4D5D"/>
-                </a:solidFill>
-              </a:rPr>
-              <a:t> &amp; </a:t>
-            </a:r>
-            <a:r>
-              <a:rPr lang="nl-BE" sz="2000" b="1" dirty="0" err="1">
-                <a:solidFill>
-                  <a:srgbClr val="2F4D5D"/>
-                </a:solidFill>
-              </a:rPr>
-              <a:t>composition</a:t>
-            </a:r>
-            <a:endParaRPr lang="nl-BE" sz="2000" b="1" dirty="0">
-              <a:solidFill>
-                <a:srgbClr val="2F4D5D"/>
-              </a:solidFill>
-            </a:endParaRPr>
-          </a:p>
-          <a:p>
-            <a:pPr algn="ctr"/>
-            <a:r>
-              <a:rPr lang="nl-BE" sz="2000" dirty="0">
-                <a:solidFill>
-                  <a:srgbClr val="2F4D5D"/>
-                </a:solidFill>
-              </a:rPr>
-              <a:t>of test </a:t>
-            </a:r>
-            <a:r>
-              <a:rPr lang="nl-BE" sz="2000" dirty="0" err="1">
-                <a:solidFill>
-                  <a:srgbClr val="2F4D5D"/>
-                </a:solidFill>
-              </a:rPr>
-              <a:t>material</a:t>
-            </a:r>
-            <a:endParaRPr lang="nl-BE" sz="2000" dirty="0">
-              <a:solidFill>
-                <a:srgbClr val="2F4D5D"/>
-              </a:solidFill>
-            </a:endParaRPr>
-          </a:p>
-        </p:txBody>
-      </p:sp>
-      <p:sp>
-        <p:nvSpPr>
-          <p:cNvPr id="13" name="Rechthoek: afgeronde hoeken 12">
-            <a:extLst>
-              <a:ext uri="{FF2B5EF4-FFF2-40B4-BE49-F238E27FC236}">
-                <a16:creationId xmlns:a16="http://schemas.microsoft.com/office/drawing/2014/main" id="{8D70946D-FAC8-48F3-B7F3-98B3A3E66912}"/>
-              </a:ext>
-            </a:extLst>
-          </p:cNvPr>
-          <p:cNvSpPr/>
-          <p:nvPr/>
-        </p:nvSpPr>
-        <p:spPr>
-          <a:xfrm>
-            <a:off x="1004710" y="3825505"/>
-            <a:ext cx="4730045" cy="1478844"/>
-          </a:xfrm>
-          <a:prstGeom prst="roundRect">
-            <a:avLst/>
-          </a:prstGeom>
-          <a:solidFill>
-            <a:schemeClr val="bg2"/>
-          </a:solidFill>
-          <a:ln w="28575"/>
-        </p:spPr>
-        <p:style>
-          <a:lnRef idx="2">
-            <a:schemeClr val="accent1">
-              <a:shade val="50000"/>
-            </a:schemeClr>
-          </a:lnRef>
-          <a:fillRef idx="1">
-            <a:schemeClr val="accent1"/>
-          </a:fillRef>
-          <a:effectRef idx="0">
-            <a:schemeClr val="accent1"/>
-          </a:effectRef>
-          <a:fontRef idx="minor">
-            <a:schemeClr val="lt1"/>
-          </a:fontRef>
-        </p:style>
-        <p:txBody>
-          <a:bodyPr rtlCol="0" anchor="ctr"/>
-          <a:lstStyle/>
-          <a:p>
-            <a:pPr algn="ctr"/>
-            <a:r>
-              <a:rPr lang="nl-BE" sz="2000" b="1" dirty="0" err="1">
-                <a:solidFill>
-                  <a:srgbClr val="2F4D5D"/>
-                </a:solidFill>
-              </a:rPr>
-              <a:t>reference</a:t>
-            </a:r>
-            <a:r>
-              <a:rPr lang="nl-BE" sz="2000" b="1" dirty="0">
-                <a:solidFill>
-                  <a:srgbClr val="2F4D5D"/>
-                </a:solidFill>
-              </a:rPr>
-              <a:t> </a:t>
-            </a:r>
-            <a:r>
-              <a:rPr lang="nl-BE" sz="2000" b="1" dirty="0" err="1">
-                <a:solidFill>
-                  <a:srgbClr val="2F4D5D"/>
-                </a:solidFill>
-              </a:rPr>
-              <a:t>material</a:t>
-            </a:r>
-            <a:r>
-              <a:rPr lang="nl-BE" sz="2000" b="1" dirty="0">
-                <a:solidFill>
-                  <a:srgbClr val="2F4D5D"/>
-                </a:solidFill>
-              </a:rPr>
-              <a:t> </a:t>
-            </a:r>
-            <a:r>
-              <a:rPr lang="nl-BE" sz="2000" dirty="0" err="1">
-                <a:solidFill>
-                  <a:srgbClr val="2F4D5D"/>
-                </a:solidFill>
-              </a:rPr>
-              <a:t>need</a:t>
-            </a:r>
-            <a:r>
-              <a:rPr lang="nl-BE" sz="2000" dirty="0">
-                <a:solidFill>
-                  <a:srgbClr val="2F4D5D"/>
-                </a:solidFill>
-              </a:rPr>
-              <a:t> </a:t>
-            </a:r>
-            <a:r>
-              <a:rPr lang="nl-BE" sz="2000" dirty="0" err="1">
-                <a:solidFill>
-                  <a:srgbClr val="2F4D5D"/>
-                </a:solidFill>
-              </a:rPr>
-              <a:t>to</a:t>
-            </a:r>
-            <a:r>
-              <a:rPr lang="nl-BE" sz="2000" dirty="0">
-                <a:solidFill>
-                  <a:srgbClr val="2F4D5D"/>
-                </a:solidFill>
-              </a:rPr>
-              <a:t> </a:t>
-            </a:r>
-            <a:r>
-              <a:rPr lang="nl-BE" sz="2000" dirty="0" err="1">
-                <a:solidFill>
-                  <a:srgbClr val="2F4D5D"/>
-                </a:solidFill>
-              </a:rPr>
-              <a:t>be</a:t>
-            </a:r>
-            <a:r>
-              <a:rPr lang="nl-BE" sz="2000" dirty="0">
-                <a:solidFill>
-                  <a:srgbClr val="2F4D5D"/>
-                </a:solidFill>
-              </a:rPr>
-              <a:t> </a:t>
-            </a:r>
-            <a:r>
-              <a:rPr lang="nl-BE" sz="2000" dirty="0" err="1">
-                <a:solidFill>
-                  <a:srgbClr val="2F4D5D"/>
-                </a:solidFill>
-              </a:rPr>
-              <a:t>provided</a:t>
-            </a:r>
-            <a:r>
-              <a:rPr lang="nl-BE" sz="2000" dirty="0">
-                <a:solidFill>
-                  <a:srgbClr val="2F4D5D"/>
-                </a:solidFill>
-              </a:rPr>
-              <a:t> </a:t>
-            </a:r>
-            <a:r>
-              <a:rPr lang="nl-BE" sz="2000" dirty="0" err="1">
-                <a:solidFill>
-                  <a:srgbClr val="2F4D5D"/>
-                </a:solidFill>
-              </a:rPr>
-              <a:t>to</a:t>
-            </a:r>
-            <a:r>
-              <a:rPr lang="nl-BE" sz="2000" dirty="0">
-                <a:solidFill>
-                  <a:srgbClr val="2F4D5D"/>
-                </a:solidFill>
-              </a:rPr>
-              <a:t> </a:t>
-            </a:r>
-            <a:r>
-              <a:rPr lang="nl-BE" sz="2000" dirty="0" err="1">
-                <a:solidFill>
-                  <a:srgbClr val="2F4D5D"/>
-                </a:solidFill>
-              </a:rPr>
-              <a:t>compare</a:t>
-            </a:r>
-            <a:endParaRPr lang="nl-BE" sz="2000" dirty="0">
-              <a:solidFill>
-                <a:srgbClr val="2F4D5D"/>
-              </a:solidFill>
-            </a:endParaRPr>
-          </a:p>
-        </p:txBody>
-      </p:sp>
-      <p:sp>
-        <p:nvSpPr>
-          <p:cNvPr id="14" name="Rechthoek: afgeronde hoeken 13">
-            <a:extLst>
-              <a:ext uri="{FF2B5EF4-FFF2-40B4-BE49-F238E27FC236}">
-                <a16:creationId xmlns:a16="http://schemas.microsoft.com/office/drawing/2014/main" id="{0C83F8E2-488F-4448-BF98-0713B990EEC8}"/>
-              </a:ext>
-            </a:extLst>
-          </p:cNvPr>
-          <p:cNvSpPr/>
-          <p:nvPr/>
-        </p:nvSpPr>
-        <p:spPr>
-          <a:xfrm>
-            <a:off x="6457243" y="3825505"/>
-            <a:ext cx="4730045" cy="1478844"/>
-          </a:xfrm>
-          <a:prstGeom prst="roundRect">
-            <a:avLst/>
-          </a:prstGeom>
-          <a:solidFill>
-            <a:schemeClr val="bg2"/>
-          </a:solidFill>
-          <a:ln w="28575"/>
-        </p:spPr>
-        <p:style>
-          <a:lnRef idx="2">
-            <a:schemeClr val="accent1">
-              <a:shade val="50000"/>
-            </a:schemeClr>
-          </a:lnRef>
-          <a:fillRef idx="1">
-            <a:schemeClr val="accent1"/>
-          </a:fillRef>
-          <a:effectRef idx="0">
-            <a:schemeClr val="accent1"/>
-          </a:effectRef>
-          <a:fontRef idx="minor">
-            <a:schemeClr val="lt1"/>
-          </a:fontRef>
-        </p:style>
-        <p:txBody>
-          <a:bodyPr rtlCol="0" anchor="ctr"/>
-          <a:lstStyle/>
-          <a:p>
-            <a:pPr algn="ctr"/>
-            <a:r>
-              <a:rPr lang="nl-BE" sz="2000" dirty="0" err="1">
-                <a:solidFill>
-                  <a:srgbClr val="2F4D5D"/>
-                </a:solidFill>
-              </a:rPr>
-              <a:t>what</a:t>
-            </a:r>
-            <a:r>
-              <a:rPr lang="nl-BE" sz="2000" dirty="0">
-                <a:solidFill>
-                  <a:srgbClr val="2F4D5D"/>
-                </a:solidFill>
-              </a:rPr>
-              <a:t> </a:t>
-            </a:r>
-            <a:r>
-              <a:rPr lang="nl-BE" sz="2000" b="1" dirty="0" err="1">
-                <a:solidFill>
-                  <a:srgbClr val="2F4D5D"/>
-                </a:solidFill>
-              </a:rPr>
-              <a:t>biological</a:t>
-            </a:r>
-            <a:r>
-              <a:rPr lang="nl-BE" sz="2000" b="1" dirty="0">
-                <a:solidFill>
-                  <a:srgbClr val="2F4D5D"/>
-                </a:solidFill>
-              </a:rPr>
-              <a:t> environment </a:t>
-            </a:r>
-            <a:r>
-              <a:rPr lang="nl-BE" sz="2000" dirty="0">
-                <a:solidFill>
-                  <a:srgbClr val="2F4D5D"/>
-                </a:solidFill>
-              </a:rPr>
-              <a:t>is </a:t>
-            </a:r>
-            <a:r>
-              <a:rPr lang="nl-BE" sz="2000" dirty="0" err="1">
-                <a:solidFill>
-                  <a:srgbClr val="2F4D5D"/>
-                </a:solidFill>
-              </a:rPr>
-              <a:t>used</a:t>
-            </a:r>
-            <a:r>
-              <a:rPr lang="nl-BE" sz="2000" dirty="0">
-                <a:solidFill>
-                  <a:srgbClr val="2F4D5D"/>
-                </a:solidFill>
-              </a:rPr>
-              <a:t>?</a:t>
-            </a:r>
-          </a:p>
-        </p:txBody>
-      </p:sp>
-      <p:sp>
-        <p:nvSpPr>
-          <p:cNvPr id="3" name="Tekstvak 2">
-            <a:extLst>
-              <a:ext uri="{FF2B5EF4-FFF2-40B4-BE49-F238E27FC236}">
-                <a16:creationId xmlns:a16="http://schemas.microsoft.com/office/drawing/2014/main" id="{51A0F02A-E4D8-4D27-8CB4-A35CC4FC93AF}"/>
-              </a:ext>
-            </a:extLst>
-          </p:cNvPr>
-          <p:cNvSpPr txBox="1"/>
-          <p:nvPr/>
-        </p:nvSpPr>
-        <p:spPr>
-          <a:xfrm>
-            <a:off x="1004710" y="5452533"/>
-            <a:ext cx="10182579" cy="400110"/>
-          </a:xfrm>
-          <a:prstGeom prst="rect">
-            <a:avLst/>
-          </a:prstGeom>
-          <a:noFill/>
-        </p:spPr>
-        <p:txBody>
-          <a:bodyPr wrap="square" rtlCol="0">
-            <a:spAutoFit/>
-          </a:bodyPr>
-          <a:lstStyle/>
-          <a:p>
-            <a:pPr algn="ctr"/>
-            <a:r>
-              <a:rPr lang="nl-BE" sz="2000" b="1" dirty="0"/>
-              <a:t>Response</a:t>
-            </a:r>
-            <a:r>
-              <a:rPr lang="nl-BE" sz="2000" dirty="0"/>
-              <a:t> of </a:t>
-            </a:r>
-            <a:r>
-              <a:rPr lang="nl-BE" sz="2000" dirty="0" err="1"/>
-              <a:t>biological</a:t>
-            </a:r>
-            <a:r>
-              <a:rPr lang="nl-BE" sz="2000" dirty="0"/>
-              <a:t> environment </a:t>
-            </a:r>
-            <a:r>
-              <a:rPr lang="nl-BE" sz="2000" dirty="0" err="1"/>
-              <a:t>to</a:t>
-            </a:r>
-            <a:r>
-              <a:rPr lang="nl-BE" sz="2000" dirty="0"/>
-              <a:t> </a:t>
-            </a:r>
-            <a:r>
-              <a:rPr lang="nl-BE" sz="2000" dirty="0" err="1"/>
-              <a:t>the</a:t>
-            </a:r>
-            <a:r>
-              <a:rPr lang="nl-BE" sz="2000" dirty="0"/>
-              <a:t> </a:t>
-            </a:r>
-            <a:r>
-              <a:rPr lang="nl-BE" sz="2000" dirty="0" err="1"/>
-              <a:t>nanoparticles</a:t>
-            </a:r>
-            <a:r>
-              <a:rPr lang="nl-BE" sz="2000" dirty="0"/>
-              <a:t> </a:t>
-            </a:r>
-            <a:r>
-              <a:rPr lang="nl-BE" sz="2000" dirty="0" err="1"/>
-              <a:t>can</a:t>
-            </a:r>
-            <a:r>
-              <a:rPr lang="nl-BE" sz="2000" dirty="0"/>
-              <a:t> </a:t>
-            </a:r>
-            <a:r>
-              <a:rPr lang="nl-BE" sz="2000" b="1" dirty="0" err="1"/>
-              <a:t>extremely</a:t>
-            </a:r>
-            <a:r>
-              <a:rPr lang="nl-BE" sz="2000" b="1" dirty="0"/>
-              <a:t> </a:t>
-            </a:r>
-            <a:r>
-              <a:rPr lang="nl-BE" sz="2000" b="1" dirty="0" err="1"/>
-              <a:t>vary</a:t>
-            </a:r>
-            <a:r>
-              <a:rPr lang="nl-BE" sz="2000" dirty="0"/>
-              <a:t>!</a:t>
-            </a:r>
-          </a:p>
-        </p:txBody>
-      </p:sp>
-    </p:spTree>
-    <p:extLst>
-      <p:ext uri="{BB962C8B-B14F-4D97-AF65-F5344CB8AC3E}">
-        <p14:creationId xmlns:p14="http://schemas.microsoft.com/office/powerpoint/2010/main" val="1604054730"/>
-      </p:ext>
-    </p:extLst>
-  </p:cSld>
-  <p:clrMapOvr>
-    <a:masterClrMapping/>
-  </p:clrMapOvr>
-</p:sld>
-</file>
-
-<file path=ppt/slides/slide8.xml><?xml version="1.0" encoding="utf-8"?>
 <p:sld xmlns:a="http://schemas.openxmlformats.org/drawingml/2006/main" xmlns:r="http://schemas.openxmlformats.org/officeDocument/2006/relationships" xmlns:p="http://schemas.openxmlformats.org/presentationml/2006/main">
   <p:cSld>
     <p:spTree>
@@ -14741,7 +12966,7 @@
 </p:sld>
 </file>
 
-<file path=ppt/slides/slide9.xml><?xml version="1.0" encoding="utf-8"?>
+<file path=ppt/slides/slide8.xml><?xml version="1.0" encoding="utf-8"?>
 <p:sld xmlns:a="http://schemas.openxmlformats.org/drawingml/2006/main" xmlns:r="http://schemas.openxmlformats.org/officeDocument/2006/relationships" xmlns:p="http://schemas.openxmlformats.org/presentationml/2006/main">
   <p:cSld>
     <p:spTree>
@@ -15344,6 +13569,807 @@
     <p:extLst>
       <p:ext uri="{BB962C8B-B14F-4D97-AF65-F5344CB8AC3E}">
         <p14:creationId xmlns:p14="http://schemas.microsoft.com/office/powerpoint/2010/main" val="1518312746"/>
+      </p:ext>
+    </p:extLst>
+  </p:cSld>
+  <p:clrMapOvr>
+    <a:masterClrMapping/>
+  </p:clrMapOvr>
+</p:sld>
+</file>
+
+<file path=ppt/slides/slide9.xml><?xml version="1.0" encoding="utf-8"?>
+<p:sld xmlns:a="http://schemas.openxmlformats.org/drawingml/2006/main" xmlns:r="http://schemas.openxmlformats.org/officeDocument/2006/relationships" xmlns:p="http://schemas.openxmlformats.org/presentationml/2006/main">
+  <p:cSld>
+    <p:spTree>
+      <p:nvGrpSpPr>
+        <p:cNvPr id="1" name=""/>
+        <p:cNvGrpSpPr/>
+        <p:nvPr/>
+      </p:nvGrpSpPr>
+      <p:grpSpPr>
+        <a:xfrm>
+          <a:off x="0" y="0"/>
+          <a:ext cx="0" cy="0"/>
+          <a:chOff x="0" y="0"/>
+          <a:chExt cx="0" cy="0"/>
+        </a:xfrm>
+      </p:grpSpPr>
+      <p:sp>
+        <p:nvSpPr>
+          <p:cNvPr id="4" name="Titel 3">
+            <a:extLst>
+              <a:ext uri="{FF2B5EF4-FFF2-40B4-BE49-F238E27FC236}">
+                <a16:creationId xmlns:a16="http://schemas.microsoft.com/office/drawing/2014/main" id="{B5FBEFEE-FB6C-4481-9947-96EA662C6CC0}"/>
+              </a:ext>
+            </a:extLst>
+          </p:cNvPr>
+          <p:cNvSpPr>
+            <a:spLocks noGrp="1"/>
+          </p:cNvSpPr>
+          <p:nvPr>
+            <p:ph type="title"/>
+          </p:nvPr>
+        </p:nvSpPr>
+        <p:spPr/>
+        <p:txBody>
+          <a:bodyPr/>
+          <a:lstStyle/>
+          <a:p>
+            <a:r>
+              <a:rPr lang="en-US" dirty="0"/>
+              <a:t>Areas studied for nanotoxicity </a:t>
+            </a:r>
+          </a:p>
+        </p:txBody>
+      </p:sp>
+      <p:sp>
+        <p:nvSpPr>
+          <p:cNvPr id="5" name="Rechthoek: afgeronde hoeken 4">
+            <a:extLst>
+              <a:ext uri="{FF2B5EF4-FFF2-40B4-BE49-F238E27FC236}">
+                <a16:creationId xmlns:a16="http://schemas.microsoft.com/office/drawing/2014/main" id="{1E7B1E3E-52F7-4627-83E0-96D12C5F6630}"/>
+              </a:ext>
+            </a:extLst>
+          </p:cNvPr>
+          <p:cNvSpPr/>
+          <p:nvPr/>
+        </p:nvSpPr>
+        <p:spPr>
+          <a:xfrm>
+            <a:off x="945932" y="1618593"/>
+            <a:ext cx="10047890" cy="4382814"/>
+          </a:xfrm>
+          <a:prstGeom prst="roundRect">
+            <a:avLst/>
+          </a:prstGeom>
+          <a:solidFill>
+            <a:schemeClr val="bg2"/>
+          </a:solidFill>
+          <a:ln w="28575"/>
+        </p:spPr>
+        <p:style>
+          <a:lnRef idx="2">
+            <a:schemeClr val="accent1">
+              <a:shade val="50000"/>
+            </a:schemeClr>
+          </a:lnRef>
+          <a:fillRef idx="1">
+            <a:schemeClr val="accent1"/>
+          </a:fillRef>
+          <a:effectRef idx="0">
+            <a:schemeClr val="accent1"/>
+          </a:effectRef>
+          <a:fontRef idx="minor">
+            <a:schemeClr val="lt1"/>
+          </a:fontRef>
+        </p:style>
+        <p:txBody>
+          <a:bodyPr rtlCol="0" anchor="ctr"/>
+          <a:lstStyle/>
+          <a:p>
+            <a:endParaRPr lang="nl-BE" sz="2000" b="1" dirty="0">
+              <a:solidFill>
+                <a:srgbClr val="2F4D5D"/>
+              </a:solidFill>
+            </a:endParaRPr>
+          </a:p>
+          <a:p>
+            <a:endParaRPr lang="nl-BE" sz="2000" b="1" dirty="0">
+              <a:solidFill>
+                <a:srgbClr val="2F4D5D"/>
+              </a:solidFill>
+            </a:endParaRPr>
+          </a:p>
+          <a:p>
+            <a:endParaRPr lang="nl-BE" sz="2000" b="1" dirty="0">
+              <a:solidFill>
+                <a:srgbClr val="2F4D5D"/>
+              </a:solidFill>
+            </a:endParaRPr>
+          </a:p>
+          <a:p>
+            <a:endParaRPr lang="nl-BE" sz="2000" b="1" dirty="0">
+              <a:solidFill>
+                <a:srgbClr val="2F4D5D"/>
+              </a:solidFill>
+            </a:endParaRPr>
+          </a:p>
+          <a:p>
+            <a:endParaRPr lang="nl-BE" sz="2000" b="1" dirty="0">
+              <a:solidFill>
+                <a:srgbClr val="2F4D5D"/>
+              </a:solidFill>
+            </a:endParaRPr>
+          </a:p>
+          <a:p>
+            <a:endParaRPr lang="nl-BE" sz="2000" b="1" dirty="0">
+              <a:solidFill>
+                <a:srgbClr val="2F4D5D"/>
+              </a:solidFill>
+            </a:endParaRPr>
+          </a:p>
+          <a:p>
+            <a:r>
+              <a:rPr lang="nl-BE" sz="2000" b="1" dirty="0">
+                <a:solidFill>
+                  <a:srgbClr val="2F4D5D"/>
+                </a:solidFill>
+              </a:rPr>
+              <a:t>Area 2: In Vitro </a:t>
+            </a:r>
+            <a:r>
+              <a:rPr lang="nl-BE" sz="2000" b="1" dirty="0" err="1">
+                <a:solidFill>
+                  <a:srgbClr val="2F4D5D"/>
+                </a:solidFill>
+              </a:rPr>
+              <a:t>toxicity</a:t>
+            </a:r>
+            <a:endParaRPr lang="nl-BE" sz="2000" b="1" dirty="0">
+              <a:solidFill>
+                <a:srgbClr val="2F4D5D"/>
+              </a:solidFill>
+            </a:endParaRPr>
+          </a:p>
+          <a:p>
+            <a:r>
+              <a:rPr lang="nl-BE" sz="2000" dirty="0" err="1">
+                <a:solidFill>
+                  <a:srgbClr val="2F4D5D"/>
+                </a:solidFill>
+              </a:rPr>
+              <a:t>Study</a:t>
+            </a:r>
+            <a:r>
+              <a:rPr lang="nl-BE" sz="2000" dirty="0">
+                <a:solidFill>
+                  <a:srgbClr val="2F4D5D"/>
+                </a:solidFill>
+              </a:rPr>
+              <a:t> </a:t>
+            </a:r>
+            <a:r>
+              <a:rPr lang="nl-BE" sz="2000" dirty="0" err="1">
+                <a:solidFill>
+                  <a:srgbClr val="2F4D5D"/>
+                </a:solidFill>
+              </a:rPr>
+              <a:t>influence</a:t>
+            </a:r>
+            <a:r>
+              <a:rPr lang="nl-BE" sz="2000" dirty="0">
+                <a:solidFill>
+                  <a:srgbClr val="2F4D5D"/>
+                </a:solidFill>
+              </a:rPr>
+              <a:t> on </a:t>
+            </a:r>
+            <a:r>
+              <a:rPr lang="nl-BE" sz="2000" dirty="0" err="1">
+                <a:solidFill>
+                  <a:srgbClr val="2F4D5D"/>
+                </a:solidFill>
+              </a:rPr>
+              <a:t>subcellular</a:t>
+            </a:r>
+            <a:r>
+              <a:rPr lang="nl-BE" sz="2000" dirty="0">
+                <a:solidFill>
+                  <a:srgbClr val="2F4D5D"/>
+                </a:solidFill>
+              </a:rPr>
+              <a:t>, </a:t>
+            </a:r>
+            <a:r>
+              <a:rPr lang="nl-BE" sz="2000" dirty="0" err="1">
+                <a:solidFill>
+                  <a:srgbClr val="2F4D5D"/>
+                </a:solidFill>
+              </a:rPr>
+              <a:t>cellular</a:t>
+            </a:r>
+            <a:r>
+              <a:rPr lang="nl-BE" sz="2000" dirty="0">
+                <a:solidFill>
+                  <a:srgbClr val="2F4D5D"/>
+                </a:solidFill>
+              </a:rPr>
+              <a:t> </a:t>
+            </a:r>
+            <a:r>
+              <a:rPr lang="nl-BE" sz="2000" dirty="0" err="1">
+                <a:solidFill>
+                  <a:srgbClr val="2F4D5D"/>
+                </a:solidFill>
+              </a:rPr>
+              <a:t>and</a:t>
+            </a:r>
+            <a:r>
+              <a:rPr lang="nl-BE" sz="2000" dirty="0">
+                <a:solidFill>
+                  <a:srgbClr val="2F4D5D"/>
+                </a:solidFill>
+              </a:rPr>
+              <a:t> </a:t>
+            </a:r>
+            <a:r>
+              <a:rPr lang="nl-BE" sz="2000" dirty="0" err="1">
+                <a:solidFill>
+                  <a:srgbClr val="2F4D5D"/>
+                </a:solidFill>
+              </a:rPr>
+              <a:t>whole</a:t>
+            </a:r>
+            <a:r>
+              <a:rPr lang="nl-BE" sz="2000" dirty="0">
+                <a:solidFill>
+                  <a:srgbClr val="2F4D5D"/>
+                </a:solidFill>
+              </a:rPr>
+              <a:t> tissue. </a:t>
+            </a:r>
+          </a:p>
+          <a:p>
+            <a:r>
+              <a:rPr lang="nl-BE" sz="2000" dirty="0" err="1">
+                <a:solidFill>
+                  <a:srgbClr val="2F4D5D"/>
+                </a:solidFill>
+              </a:rPr>
+              <a:t>Determination</a:t>
+            </a:r>
+            <a:r>
+              <a:rPr lang="nl-BE" sz="2000" dirty="0">
+                <a:solidFill>
+                  <a:srgbClr val="2F4D5D"/>
+                </a:solidFill>
+              </a:rPr>
+              <a:t> of: </a:t>
+            </a:r>
+          </a:p>
+          <a:p>
+            <a:endParaRPr lang="nl-BE" sz="2000" dirty="0">
+              <a:solidFill>
+                <a:srgbClr val="2F4D5D"/>
+              </a:solidFill>
+            </a:endParaRPr>
+          </a:p>
+          <a:p>
+            <a:pPr marL="342900" indent="-342900">
+              <a:buFont typeface="Wingdings" panose="05000000000000000000" pitchFamily="2" charset="2"/>
+              <a:buChar char="Ø"/>
+            </a:pPr>
+            <a:r>
+              <a:rPr lang="nl-BE" sz="2000" dirty="0">
+                <a:solidFill>
+                  <a:srgbClr val="2F4D5D"/>
+                </a:solidFill>
+              </a:rPr>
+              <a:t>A </a:t>
+            </a:r>
+            <a:r>
+              <a:rPr lang="nl-BE" sz="2000" dirty="0" err="1">
+                <a:solidFill>
+                  <a:srgbClr val="2F4D5D"/>
+                </a:solidFill>
+              </a:rPr>
+              <a:t>relatively</a:t>
+            </a:r>
+            <a:r>
+              <a:rPr lang="nl-BE" sz="2000" dirty="0">
+                <a:solidFill>
+                  <a:srgbClr val="2F4D5D"/>
+                </a:solidFill>
+              </a:rPr>
+              <a:t> </a:t>
+            </a:r>
+            <a:r>
+              <a:rPr lang="nl-BE" sz="2000" b="1" dirty="0" err="1">
+                <a:solidFill>
+                  <a:srgbClr val="2F4D5D"/>
+                </a:solidFill>
+              </a:rPr>
+              <a:t>simple</a:t>
+            </a:r>
+            <a:r>
+              <a:rPr lang="nl-BE" sz="2000" b="1" dirty="0">
+                <a:solidFill>
+                  <a:srgbClr val="2F4D5D"/>
+                </a:solidFill>
+              </a:rPr>
+              <a:t> model </a:t>
+            </a:r>
+            <a:r>
+              <a:rPr lang="nl-BE" sz="2000" dirty="0" err="1">
+                <a:solidFill>
+                  <a:srgbClr val="2F4D5D"/>
+                </a:solidFill>
+              </a:rPr>
+              <a:t>that</a:t>
+            </a:r>
+            <a:r>
+              <a:rPr lang="nl-BE" sz="2000" dirty="0">
+                <a:solidFill>
+                  <a:srgbClr val="2F4D5D"/>
+                </a:solidFill>
+              </a:rPr>
+              <a:t> </a:t>
+            </a:r>
+            <a:r>
+              <a:rPr lang="nl-BE" sz="2000" dirty="0" err="1">
+                <a:solidFill>
+                  <a:srgbClr val="2F4D5D"/>
+                </a:solidFill>
+              </a:rPr>
+              <a:t>reveals</a:t>
+            </a:r>
+            <a:r>
+              <a:rPr lang="nl-BE" sz="2000" dirty="0">
+                <a:solidFill>
+                  <a:srgbClr val="2F4D5D"/>
+                </a:solidFill>
+              </a:rPr>
+              <a:t> a </a:t>
+            </a:r>
+            <a:r>
+              <a:rPr lang="nl-BE" sz="2000" dirty="0" err="1">
+                <a:solidFill>
+                  <a:srgbClr val="2F4D5D"/>
+                </a:solidFill>
+              </a:rPr>
+              <a:t>general</a:t>
+            </a:r>
+            <a:r>
+              <a:rPr lang="nl-BE" sz="2000" dirty="0">
+                <a:solidFill>
+                  <a:srgbClr val="2F4D5D"/>
+                </a:solidFill>
+              </a:rPr>
+              <a:t> </a:t>
+            </a:r>
+            <a:r>
+              <a:rPr lang="nl-BE" sz="2000" dirty="0" err="1">
+                <a:solidFill>
+                  <a:srgbClr val="2F4D5D"/>
+                </a:solidFill>
+              </a:rPr>
+              <a:t>mechanism</a:t>
+            </a:r>
+            <a:r>
+              <a:rPr lang="nl-BE" sz="2000" dirty="0">
+                <a:solidFill>
+                  <a:srgbClr val="2F4D5D"/>
+                </a:solidFill>
+              </a:rPr>
+              <a:t> of </a:t>
+            </a:r>
+            <a:r>
+              <a:rPr lang="nl-BE" sz="2000" dirty="0" err="1">
+                <a:solidFill>
+                  <a:srgbClr val="2F4D5D"/>
+                </a:solidFill>
+              </a:rPr>
+              <a:t>toxicity</a:t>
+            </a:r>
+            <a:r>
+              <a:rPr lang="nl-BE" sz="2000" dirty="0">
+                <a:solidFill>
+                  <a:srgbClr val="2F4D5D"/>
+                </a:solidFill>
+              </a:rPr>
+              <a:t> </a:t>
+            </a:r>
+            <a:r>
+              <a:rPr lang="nl-BE" sz="2000" dirty="0" err="1">
+                <a:solidFill>
+                  <a:srgbClr val="2F4D5D"/>
+                </a:solidFill>
+              </a:rPr>
+              <a:t>can</a:t>
+            </a:r>
+            <a:r>
+              <a:rPr lang="nl-BE" sz="2000" dirty="0">
+                <a:solidFill>
+                  <a:srgbClr val="2F4D5D"/>
+                </a:solidFill>
+              </a:rPr>
+              <a:t> </a:t>
+            </a:r>
+            <a:r>
+              <a:rPr lang="nl-BE" sz="2000" dirty="0" err="1">
+                <a:solidFill>
+                  <a:srgbClr val="2F4D5D"/>
+                </a:solidFill>
+              </a:rPr>
+              <a:t>be</a:t>
+            </a:r>
+            <a:r>
+              <a:rPr lang="nl-BE" sz="2000" dirty="0">
+                <a:solidFill>
+                  <a:srgbClr val="2F4D5D"/>
+                </a:solidFill>
+              </a:rPr>
+              <a:t> a basis </a:t>
+            </a:r>
+            <a:r>
+              <a:rPr lang="nl-BE" sz="2000" dirty="0" err="1">
+                <a:solidFill>
+                  <a:srgbClr val="2F4D5D"/>
+                </a:solidFill>
+              </a:rPr>
+              <a:t>for</a:t>
+            </a:r>
+            <a:r>
+              <a:rPr lang="nl-BE" sz="2000" dirty="0">
+                <a:solidFill>
+                  <a:srgbClr val="2F4D5D"/>
+                </a:solidFill>
+              </a:rPr>
+              <a:t> </a:t>
+            </a:r>
+            <a:r>
+              <a:rPr lang="nl-BE" sz="2000" dirty="0" err="1">
+                <a:solidFill>
+                  <a:srgbClr val="2F4D5D"/>
+                </a:solidFill>
+              </a:rPr>
+              <a:t>further</a:t>
+            </a:r>
+            <a:r>
+              <a:rPr lang="nl-BE" sz="2000" dirty="0">
+                <a:solidFill>
+                  <a:srgbClr val="2F4D5D"/>
+                </a:solidFill>
+              </a:rPr>
+              <a:t> assessment.</a:t>
+            </a:r>
+          </a:p>
+          <a:p>
+            <a:endParaRPr lang="nl-BE" sz="2000" dirty="0">
+              <a:solidFill>
+                <a:srgbClr val="2F4D5D"/>
+              </a:solidFill>
+            </a:endParaRPr>
+          </a:p>
+          <a:p>
+            <a:pPr marL="342900" indent="-342900">
+              <a:buFont typeface="Wingdings" panose="05000000000000000000" pitchFamily="2" charset="2"/>
+              <a:buChar char="Ø"/>
+            </a:pPr>
+            <a:r>
+              <a:rPr lang="nl-BE" sz="2000" dirty="0">
+                <a:solidFill>
+                  <a:srgbClr val="2F4D5D"/>
+                </a:solidFill>
+              </a:rPr>
+              <a:t>“</a:t>
+            </a:r>
+            <a:r>
+              <a:rPr lang="nl-BE" sz="2000" b="1" dirty="0" err="1">
+                <a:solidFill>
+                  <a:srgbClr val="2F4D5D"/>
+                </a:solidFill>
+              </a:rPr>
+              <a:t>elementary</a:t>
+            </a:r>
+            <a:r>
+              <a:rPr lang="nl-BE" sz="2000" b="1" dirty="0">
+                <a:solidFill>
+                  <a:srgbClr val="2F4D5D"/>
+                </a:solidFill>
+              </a:rPr>
+              <a:t> </a:t>
+            </a:r>
+            <a:r>
+              <a:rPr lang="nl-BE" sz="2000" b="1" dirty="0" err="1">
+                <a:solidFill>
+                  <a:srgbClr val="2F4D5D"/>
+                </a:solidFill>
+              </a:rPr>
+              <a:t>toxicity</a:t>
+            </a:r>
+            <a:r>
+              <a:rPr lang="nl-BE" sz="2000" dirty="0">
+                <a:solidFill>
+                  <a:srgbClr val="2F4D5D"/>
+                </a:solidFill>
+              </a:rPr>
+              <a:t>”: </a:t>
+            </a:r>
+            <a:r>
+              <a:rPr lang="nl-BE" sz="2000" dirty="0" err="1">
+                <a:solidFill>
+                  <a:srgbClr val="2F4D5D"/>
+                </a:solidFill>
+              </a:rPr>
+              <a:t>the</a:t>
+            </a:r>
+            <a:r>
+              <a:rPr lang="nl-BE" sz="2000" dirty="0">
+                <a:solidFill>
+                  <a:srgbClr val="2F4D5D"/>
+                </a:solidFill>
+              </a:rPr>
+              <a:t> </a:t>
+            </a:r>
+            <a:r>
+              <a:rPr lang="nl-BE" sz="2000" dirty="0" err="1">
+                <a:solidFill>
+                  <a:srgbClr val="2F4D5D"/>
+                </a:solidFill>
+              </a:rPr>
+              <a:t>ability</a:t>
+            </a:r>
+            <a:r>
+              <a:rPr lang="nl-BE" sz="2000" dirty="0">
+                <a:solidFill>
+                  <a:srgbClr val="2F4D5D"/>
+                </a:solidFill>
+              </a:rPr>
+              <a:t> of a compound </a:t>
+            </a:r>
+            <a:r>
+              <a:rPr lang="nl-BE" sz="2000" dirty="0" err="1">
+                <a:solidFill>
+                  <a:srgbClr val="2F4D5D"/>
+                </a:solidFill>
+              </a:rPr>
+              <a:t>to</a:t>
+            </a:r>
+            <a:r>
+              <a:rPr lang="nl-BE" sz="2000" dirty="0">
+                <a:solidFill>
+                  <a:srgbClr val="2F4D5D"/>
+                </a:solidFill>
+              </a:rPr>
+              <a:t> </a:t>
+            </a:r>
+            <a:r>
+              <a:rPr lang="nl-BE" sz="2000" dirty="0" err="1">
+                <a:solidFill>
+                  <a:srgbClr val="2F4D5D"/>
+                </a:solidFill>
+              </a:rPr>
+              <a:t>cause</a:t>
+            </a:r>
+            <a:r>
+              <a:rPr lang="nl-BE" sz="2000" dirty="0">
+                <a:solidFill>
+                  <a:srgbClr val="2F4D5D"/>
+                </a:solidFill>
+              </a:rPr>
+              <a:t> </a:t>
+            </a:r>
+            <a:r>
+              <a:rPr lang="nl-BE" sz="2000" dirty="0" err="1">
+                <a:solidFill>
+                  <a:srgbClr val="2F4D5D"/>
+                </a:solidFill>
+              </a:rPr>
+              <a:t>death</a:t>
+            </a:r>
+            <a:r>
+              <a:rPr lang="nl-BE" sz="2000" dirty="0">
+                <a:solidFill>
+                  <a:srgbClr val="2F4D5D"/>
+                </a:solidFill>
+              </a:rPr>
+              <a:t> as a </a:t>
+            </a:r>
+            <a:r>
+              <a:rPr lang="nl-BE" sz="2000" dirty="0" err="1">
+                <a:solidFill>
+                  <a:srgbClr val="2F4D5D"/>
+                </a:solidFill>
+              </a:rPr>
+              <a:t>consequence</a:t>
+            </a:r>
+            <a:r>
+              <a:rPr lang="nl-BE" sz="2000" dirty="0">
+                <a:solidFill>
+                  <a:srgbClr val="2F4D5D"/>
+                </a:solidFill>
+              </a:rPr>
+              <a:t> of </a:t>
+            </a:r>
+            <a:r>
+              <a:rPr lang="nl-BE" sz="2000" dirty="0" err="1">
+                <a:solidFill>
+                  <a:srgbClr val="2F4D5D"/>
+                </a:solidFill>
+              </a:rPr>
+              <a:t>damage</a:t>
+            </a:r>
+            <a:r>
+              <a:rPr lang="nl-BE" sz="2000" dirty="0">
+                <a:solidFill>
+                  <a:srgbClr val="2F4D5D"/>
+                </a:solidFill>
+              </a:rPr>
+              <a:t> </a:t>
+            </a:r>
+            <a:r>
+              <a:rPr lang="nl-BE" sz="2000" dirty="0" err="1">
+                <a:solidFill>
+                  <a:srgbClr val="2F4D5D"/>
+                </a:solidFill>
+              </a:rPr>
+              <a:t>to</a:t>
+            </a:r>
+            <a:r>
+              <a:rPr lang="nl-BE" sz="2000" dirty="0">
+                <a:solidFill>
+                  <a:srgbClr val="2F4D5D"/>
+                </a:solidFill>
+              </a:rPr>
+              <a:t> basic </a:t>
+            </a:r>
+            <a:r>
+              <a:rPr lang="nl-BE" sz="2000" dirty="0" err="1">
+                <a:solidFill>
+                  <a:srgbClr val="2F4D5D"/>
+                </a:solidFill>
+              </a:rPr>
+              <a:t>cellular</a:t>
+            </a:r>
+            <a:r>
+              <a:rPr lang="nl-BE" sz="2000" dirty="0">
+                <a:solidFill>
+                  <a:srgbClr val="2F4D5D"/>
+                </a:solidFill>
+              </a:rPr>
+              <a:t> </a:t>
+            </a:r>
+            <a:r>
+              <a:rPr lang="nl-BE" sz="2000" dirty="0" err="1">
+                <a:solidFill>
+                  <a:srgbClr val="2F4D5D"/>
+                </a:solidFill>
+              </a:rPr>
+              <a:t>functions</a:t>
+            </a:r>
+            <a:r>
+              <a:rPr lang="nl-BE" sz="2000" dirty="0">
+                <a:solidFill>
+                  <a:srgbClr val="2F4D5D"/>
+                </a:solidFill>
+              </a:rPr>
+              <a:t>. </a:t>
+            </a:r>
+          </a:p>
+          <a:p>
+            <a:endParaRPr lang="nl-BE" sz="2000" dirty="0">
+              <a:solidFill>
+                <a:srgbClr val="2F4D5D"/>
+              </a:solidFill>
+            </a:endParaRPr>
+          </a:p>
+          <a:p>
+            <a:pPr algn="ctr"/>
+            <a:r>
+              <a:rPr lang="nl-BE" sz="2000" b="1" dirty="0" err="1">
+                <a:solidFill>
+                  <a:srgbClr val="2F4D5D"/>
+                </a:solidFill>
+              </a:rPr>
+              <a:t>Experimental</a:t>
+            </a:r>
+            <a:r>
+              <a:rPr lang="nl-BE" sz="2000" b="1" dirty="0">
+                <a:solidFill>
+                  <a:srgbClr val="2F4D5D"/>
+                </a:solidFill>
+              </a:rPr>
+              <a:t> </a:t>
+            </a:r>
+            <a:r>
+              <a:rPr lang="nl-BE" sz="2000" b="1" dirty="0" err="1">
+                <a:solidFill>
+                  <a:srgbClr val="2F4D5D"/>
+                </a:solidFill>
+              </a:rPr>
+              <a:t>observation</a:t>
+            </a:r>
+            <a:r>
+              <a:rPr lang="nl-BE" sz="2000" b="1" dirty="0">
+                <a:solidFill>
+                  <a:srgbClr val="2F4D5D"/>
+                </a:solidFill>
+              </a:rPr>
+              <a:t>: </a:t>
+            </a:r>
+          </a:p>
+          <a:p>
+            <a:pPr algn="ctr"/>
+            <a:r>
+              <a:rPr lang="en-US" sz="2000" dirty="0">
+                <a:solidFill>
+                  <a:srgbClr val="2F4D5D"/>
+                </a:solidFill>
+              </a:rPr>
+              <a:t>“The data obtained from basal toxicity studies have been found to be in good correlation with acute toxicity in animals and humans”</a:t>
+            </a:r>
+            <a:endParaRPr lang="nl-BE" sz="2000" dirty="0">
+              <a:solidFill>
+                <a:srgbClr val="2F4D5D"/>
+              </a:solidFill>
+            </a:endParaRPr>
+          </a:p>
+          <a:p>
+            <a:pPr algn="ctr"/>
+            <a:endParaRPr lang="nl-BE" sz="2000" dirty="0">
+              <a:solidFill>
+                <a:srgbClr val="2F4D5D"/>
+              </a:solidFill>
+            </a:endParaRPr>
+          </a:p>
+          <a:p>
+            <a:pPr algn="ctr"/>
+            <a:endParaRPr lang="nl-BE" sz="2000" dirty="0">
+              <a:solidFill>
+                <a:srgbClr val="2F4D5D"/>
+              </a:solidFill>
+            </a:endParaRPr>
+          </a:p>
+          <a:p>
+            <a:pPr algn="ctr"/>
+            <a:endParaRPr lang="nl-BE" sz="2000" dirty="0">
+              <a:solidFill>
+                <a:srgbClr val="2F4D5D"/>
+              </a:solidFill>
+            </a:endParaRPr>
+          </a:p>
+          <a:p>
+            <a:pPr algn="ctr"/>
+            <a:endParaRPr lang="nl-BE" sz="2000" dirty="0">
+              <a:solidFill>
+                <a:srgbClr val="2F4D5D"/>
+              </a:solidFill>
+            </a:endParaRPr>
+          </a:p>
+          <a:p>
+            <a:pPr algn="ctr"/>
+            <a:endParaRPr lang="nl-BE" sz="2000" dirty="0">
+              <a:solidFill>
+                <a:srgbClr val="2F4D5D"/>
+              </a:solidFill>
+            </a:endParaRPr>
+          </a:p>
+          <a:p>
+            <a:pPr algn="ctr"/>
+            <a:endParaRPr lang="nl-BE" sz="2000" dirty="0">
+              <a:solidFill>
+                <a:srgbClr val="2F4D5D"/>
+              </a:solidFill>
+            </a:endParaRPr>
+          </a:p>
+        </p:txBody>
+      </p:sp>
+    </p:spTree>
+    <p:extLst>
+      <p:ext uri="{BB962C8B-B14F-4D97-AF65-F5344CB8AC3E}">
+        <p14:creationId xmlns:p14="http://schemas.microsoft.com/office/powerpoint/2010/main" val="1019489789"/>
       </p:ext>
     </p:extLst>
   </p:cSld>

--- a/NanoparticleToxicity.pptx
+++ b/NanoparticleToxicity.pptx
@@ -6,10 +6,10 @@
     <p:sldMasterId id="2147483694" r:id="rId2"/>
   </p:sldMasterIdLst>
   <p:notesMasterIdLst>
-    <p:notesMasterId r:id="rId21"/>
+    <p:notesMasterId r:id="rId23"/>
   </p:notesMasterIdLst>
   <p:handoutMasterIdLst>
-    <p:handoutMasterId r:id="rId22"/>
+    <p:handoutMasterId r:id="rId24"/>
   </p:handoutMasterIdLst>
   <p:sldIdLst>
     <p:sldId id="270" r:id="rId3"/>
@@ -30,6 +30,8 @@
     <p:sldId id="281" r:id="rId18"/>
     <p:sldId id="282" r:id="rId19"/>
     <p:sldId id="283" r:id="rId20"/>
+    <p:sldId id="288" r:id="rId21"/>
+    <p:sldId id="289" r:id="rId22"/>
   </p:sldIdLst>
   <p:sldSz cx="12192000" cy="6858000"/>
   <p:notesSz cx="6858000" cy="9144000"/>
@@ -737,6 +739,90 @@
 </p:notes>
 </file>
 
+<file path=ppt/notesSlides/notesSlide10.xml><?xml version="1.0" encoding="utf-8"?>
+<p:notes xmlns:a="http://schemas.openxmlformats.org/drawingml/2006/main" xmlns:r="http://schemas.openxmlformats.org/officeDocument/2006/relationships" xmlns:p="http://schemas.openxmlformats.org/presentationml/2006/main">
+  <p:cSld>
+    <p:spTree>
+      <p:nvGrpSpPr>
+        <p:cNvPr id="1" name=""/>
+        <p:cNvGrpSpPr/>
+        <p:nvPr/>
+      </p:nvGrpSpPr>
+      <p:grpSpPr>
+        <a:xfrm>
+          <a:off x="0" y="0"/>
+          <a:ext cx="0" cy="0"/>
+          <a:chOff x="0" y="0"/>
+          <a:chExt cx="0" cy="0"/>
+        </a:xfrm>
+      </p:grpSpPr>
+      <p:sp>
+        <p:nvSpPr>
+          <p:cNvPr id="2" name="Tijdelijke aanduiding voor dia-afbeelding 1"/>
+          <p:cNvSpPr>
+            <a:spLocks noGrp="1" noRot="1" noChangeAspect="1"/>
+          </p:cNvSpPr>
+          <p:nvPr>
+            <p:ph type="sldImg"/>
+          </p:nvPr>
+        </p:nvSpPr>
+        <p:spPr/>
+      </p:sp>
+      <p:sp>
+        <p:nvSpPr>
+          <p:cNvPr id="3" name="Tijdelijke aanduiding voor notities 2"/>
+          <p:cNvSpPr>
+            <a:spLocks noGrp="1"/>
+          </p:cNvSpPr>
+          <p:nvPr>
+            <p:ph type="body" idx="1"/>
+          </p:nvPr>
+        </p:nvSpPr>
+        <p:spPr/>
+        <p:txBody>
+          <a:bodyPr/>
+          <a:lstStyle/>
+          <a:p>
+            <a:endParaRPr lang="en-US" dirty="0"/>
+          </a:p>
+        </p:txBody>
+      </p:sp>
+      <p:sp>
+        <p:nvSpPr>
+          <p:cNvPr id="4" name="Tijdelijke aanduiding voor dianummer 3"/>
+          <p:cNvSpPr>
+            <a:spLocks noGrp="1"/>
+          </p:cNvSpPr>
+          <p:nvPr>
+            <p:ph type="sldNum" sz="quarter" idx="5"/>
+          </p:nvPr>
+        </p:nvSpPr>
+        <p:spPr/>
+        <p:txBody>
+          <a:bodyPr/>
+          <a:lstStyle/>
+          <a:p>
+            <a:fld id="{8954E32A-327F-AF4B-8E1F-209FBF93D26D}" type="slidenum">
+              <a:rPr lang="nl-NL" smtClean="0"/>
+              <a:t>20</a:t>
+            </a:fld>
+            <a:endParaRPr lang="nl-NL"/>
+          </a:p>
+        </p:txBody>
+      </p:sp>
+    </p:spTree>
+    <p:extLst>
+      <p:ext uri="{BB962C8B-B14F-4D97-AF65-F5344CB8AC3E}">
+        <p14:creationId xmlns:p14="http://schemas.microsoft.com/office/powerpoint/2010/main" val="3128339130"/>
+      </p:ext>
+    </p:extLst>
+  </p:cSld>
+  <p:clrMapOvr>
+    <a:masterClrMapping/>
+  </p:clrMapOvr>
+</p:notes>
+</file>
+
 <file path=ppt/notesSlides/notesSlide2.xml><?xml version="1.0" encoding="utf-8"?>
 <p:notes xmlns:a="http://schemas.openxmlformats.org/drawingml/2006/main" xmlns:r="http://schemas.openxmlformats.org/officeDocument/2006/relationships" xmlns:p="http://schemas.openxmlformats.org/presentationml/2006/main">
   <p:cSld>
@@ -1353,6 +1439,90 @@
     <p:extLst>
       <p:ext uri="{BB962C8B-B14F-4D97-AF65-F5344CB8AC3E}">
         <p14:creationId xmlns:p14="http://schemas.microsoft.com/office/powerpoint/2010/main" val="1701070104"/>
+      </p:ext>
+    </p:extLst>
+  </p:cSld>
+  <p:clrMapOvr>
+    <a:masterClrMapping/>
+  </p:clrMapOvr>
+</p:notes>
+</file>
+
+<file path=ppt/notesSlides/notesSlide9.xml><?xml version="1.0" encoding="utf-8"?>
+<p:notes xmlns:a="http://schemas.openxmlformats.org/drawingml/2006/main" xmlns:r="http://schemas.openxmlformats.org/officeDocument/2006/relationships" xmlns:p="http://schemas.openxmlformats.org/presentationml/2006/main">
+  <p:cSld>
+    <p:spTree>
+      <p:nvGrpSpPr>
+        <p:cNvPr id="1" name=""/>
+        <p:cNvGrpSpPr/>
+        <p:nvPr/>
+      </p:nvGrpSpPr>
+      <p:grpSpPr>
+        <a:xfrm>
+          <a:off x="0" y="0"/>
+          <a:ext cx="0" cy="0"/>
+          <a:chOff x="0" y="0"/>
+          <a:chExt cx="0" cy="0"/>
+        </a:xfrm>
+      </p:grpSpPr>
+      <p:sp>
+        <p:nvSpPr>
+          <p:cNvPr id="2" name="Tijdelijke aanduiding voor dia-afbeelding 1"/>
+          <p:cNvSpPr>
+            <a:spLocks noGrp="1" noRot="1" noChangeAspect="1"/>
+          </p:cNvSpPr>
+          <p:nvPr>
+            <p:ph type="sldImg"/>
+          </p:nvPr>
+        </p:nvSpPr>
+        <p:spPr/>
+      </p:sp>
+      <p:sp>
+        <p:nvSpPr>
+          <p:cNvPr id="3" name="Tijdelijke aanduiding voor notities 2"/>
+          <p:cNvSpPr>
+            <a:spLocks noGrp="1"/>
+          </p:cNvSpPr>
+          <p:nvPr>
+            <p:ph type="body" idx="1"/>
+          </p:nvPr>
+        </p:nvSpPr>
+        <p:spPr/>
+        <p:txBody>
+          <a:bodyPr/>
+          <a:lstStyle/>
+          <a:p>
+            <a:endParaRPr lang="en-US" dirty="0"/>
+          </a:p>
+        </p:txBody>
+      </p:sp>
+      <p:sp>
+        <p:nvSpPr>
+          <p:cNvPr id="4" name="Tijdelijke aanduiding voor dianummer 3"/>
+          <p:cNvSpPr>
+            <a:spLocks noGrp="1"/>
+          </p:cNvSpPr>
+          <p:nvPr>
+            <p:ph type="sldNum" sz="quarter" idx="5"/>
+          </p:nvPr>
+        </p:nvSpPr>
+        <p:spPr/>
+        <p:txBody>
+          <a:bodyPr/>
+          <a:lstStyle/>
+          <a:p>
+            <a:fld id="{8954E32A-327F-AF4B-8E1F-209FBF93D26D}" type="slidenum">
+              <a:rPr lang="nl-NL" smtClean="0"/>
+              <a:t>19</a:t>
+            </a:fld>
+            <a:endParaRPr lang="nl-NL"/>
+          </a:p>
+        </p:txBody>
+      </p:sp>
+    </p:spTree>
+    <p:extLst>
+      <p:ext uri="{BB962C8B-B14F-4D97-AF65-F5344CB8AC3E}">
+        <p14:creationId xmlns:p14="http://schemas.microsoft.com/office/powerpoint/2010/main" val="2132356904"/>
       </p:ext>
     </p:extLst>
   </p:cSld>
@@ -9855,6 +10025,999 @@
 </p:sld>
 </file>
 
+<file path=ppt/slides/slide19.xml><?xml version="1.0" encoding="utf-8"?>
+<p:sld xmlns:a="http://schemas.openxmlformats.org/drawingml/2006/main" xmlns:r="http://schemas.openxmlformats.org/officeDocument/2006/relationships" xmlns:p="http://schemas.openxmlformats.org/presentationml/2006/main">
+  <p:cSld>
+    <p:spTree>
+      <p:nvGrpSpPr>
+        <p:cNvPr id="1" name=""/>
+        <p:cNvGrpSpPr/>
+        <p:nvPr/>
+      </p:nvGrpSpPr>
+      <p:grpSpPr>
+        <a:xfrm>
+          <a:off x="0" y="0"/>
+          <a:ext cx="0" cy="0"/>
+          <a:chOff x="0" y="0"/>
+          <a:chExt cx="0" cy="0"/>
+        </a:xfrm>
+      </p:grpSpPr>
+      <p:sp>
+        <p:nvSpPr>
+          <p:cNvPr id="7" name="Tijdelijke aanduiding voor dianummer 23">
+            <a:extLst>
+              <a:ext uri="{FF2B5EF4-FFF2-40B4-BE49-F238E27FC236}">
+                <a16:creationId xmlns:a16="http://schemas.microsoft.com/office/drawing/2014/main" id="{E7BA9955-551E-4B72-9196-84FDFE87439B}"/>
+              </a:ext>
+            </a:extLst>
+          </p:cNvPr>
+          <p:cNvSpPr>
+            <a:spLocks noGrp="1"/>
+          </p:cNvSpPr>
+          <p:nvPr>
+            <p:ph type="sldNum" sz="quarter" idx="12"/>
+          </p:nvPr>
+        </p:nvSpPr>
+        <p:spPr>
+          <a:xfrm>
+            <a:off x="11544000" y="-126730"/>
+            <a:ext cx="648000" cy="648000"/>
+          </a:xfrm>
+        </p:spPr>
+        <p:txBody>
+          <a:bodyPr/>
+          <a:lstStyle/>
+          <a:p>
+            <a:fld id="{CF179DAE-D0A6-40C3-B8BC-6A97C268D03A}" type="slidenum">
+              <a:rPr lang="nl-NL" sz="1200" smtClean="0">
+                <a:solidFill>
+                  <a:srgbClr val="1D8DB0"/>
+                </a:solidFill>
+              </a:rPr>
+              <a:pPr/>
+              <a:t>19</a:t>
+            </a:fld>
+            <a:r>
+              <a:rPr lang="nl-NL" sz="1200" dirty="0">
+                <a:solidFill>
+                  <a:srgbClr val="1D8DB0"/>
+                </a:solidFill>
+              </a:rPr>
+              <a:t>/31</a:t>
+            </a:r>
+          </a:p>
+        </p:txBody>
+      </p:sp>
+      <p:sp>
+        <p:nvSpPr>
+          <p:cNvPr id="9" name="Titel 4">
+            <a:extLst>
+              <a:ext uri="{FF2B5EF4-FFF2-40B4-BE49-F238E27FC236}">
+                <a16:creationId xmlns:a16="http://schemas.microsoft.com/office/drawing/2014/main" id="{32C054A8-9043-41C9-BA29-6C11E3B87A6D}"/>
+              </a:ext>
+            </a:extLst>
+          </p:cNvPr>
+          <p:cNvSpPr>
+            <a:spLocks noGrp="1"/>
+          </p:cNvSpPr>
+          <p:nvPr>
+            <p:ph type="title"/>
+          </p:nvPr>
+        </p:nvSpPr>
+        <p:spPr>
+          <a:xfrm>
+            <a:off x="576263" y="336550"/>
+            <a:ext cx="11041062" cy="1152525"/>
+          </a:xfrm>
+        </p:spPr>
+        <p:txBody>
+          <a:bodyPr/>
+          <a:lstStyle/>
+          <a:p>
+            <a:r>
+              <a:rPr lang="nl-BE" dirty="0"/>
+              <a:t>Nanofood</a:t>
+            </a:r>
+          </a:p>
+        </p:txBody>
+      </p:sp>
+      <p:sp>
+        <p:nvSpPr>
+          <p:cNvPr id="10" name="Tekstvak 9">
+            <a:extLst>
+              <a:ext uri="{FF2B5EF4-FFF2-40B4-BE49-F238E27FC236}">
+                <a16:creationId xmlns:a16="http://schemas.microsoft.com/office/drawing/2014/main" id="{F9AF6A87-507F-4E2E-8A2A-840080D13776}"/>
+              </a:ext>
+            </a:extLst>
+          </p:cNvPr>
+          <p:cNvSpPr txBox="1"/>
+          <p:nvPr/>
+        </p:nvSpPr>
+        <p:spPr>
+          <a:xfrm>
+            <a:off x="159798" y="58771"/>
+            <a:ext cx="5832629" cy="276999"/>
+          </a:xfrm>
+          <a:prstGeom prst="rect">
+            <a:avLst/>
+          </a:prstGeom>
+          <a:noFill/>
+        </p:spPr>
+        <p:txBody>
+          <a:bodyPr wrap="square" rtlCol="0">
+            <a:spAutoFit/>
+          </a:bodyPr>
+          <a:lstStyle/>
+          <a:p>
+            <a:r>
+              <a:rPr lang="nl-BE" sz="1200" dirty="0">
+                <a:solidFill>
+                  <a:srgbClr val="1D8DB0"/>
+                </a:solidFill>
+              </a:rPr>
+              <a:t>J. </a:t>
+            </a:r>
+            <a:r>
+              <a:rPr lang="nl-BE" sz="1200" dirty="0" err="1">
+                <a:solidFill>
+                  <a:srgbClr val="1D8DB0"/>
+                </a:solidFill>
+              </a:rPr>
+              <a:t>Neirynck</a:t>
+            </a:r>
+            <a:r>
+              <a:rPr lang="nl-BE" sz="1200" dirty="0">
+                <a:solidFill>
+                  <a:srgbClr val="1D8DB0"/>
+                </a:solidFill>
+              </a:rPr>
+              <a:t>, F. Van </a:t>
+            </a:r>
+            <a:r>
+              <a:rPr lang="nl-BE" sz="1200" dirty="0" err="1">
+                <a:solidFill>
+                  <a:srgbClr val="1D8DB0"/>
+                </a:solidFill>
+              </a:rPr>
+              <a:t>Eecke</a:t>
+            </a:r>
+            <a:r>
+              <a:rPr lang="nl-BE" sz="1200" dirty="0">
+                <a:solidFill>
+                  <a:srgbClr val="1D8DB0"/>
+                </a:solidFill>
+              </a:rPr>
+              <a:t> &amp; R. Vrielynck</a:t>
+            </a:r>
+          </a:p>
+        </p:txBody>
+      </p:sp>
+      <p:sp>
+        <p:nvSpPr>
+          <p:cNvPr id="11" name="Tekstvak 10">
+            <a:extLst>
+              <a:ext uri="{FF2B5EF4-FFF2-40B4-BE49-F238E27FC236}">
+                <a16:creationId xmlns:a16="http://schemas.microsoft.com/office/drawing/2014/main" id="{02C83A39-3DA1-4516-B834-3C3D5F8552F0}"/>
+              </a:ext>
+            </a:extLst>
+          </p:cNvPr>
+          <p:cNvSpPr txBox="1"/>
+          <p:nvPr/>
+        </p:nvSpPr>
+        <p:spPr>
+          <a:xfrm>
+            <a:off x="576000" y="6356412"/>
+            <a:ext cx="10351364" cy="315471"/>
+          </a:xfrm>
+          <a:prstGeom prst="rect">
+            <a:avLst/>
+          </a:prstGeom>
+          <a:noFill/>
+        </p:spPr>
+        <p:txBody>
+          <a:bodyPr wrap="square" rtlCol="0">
+            <a:spAutoFit/>
+          </a:bodyPr>
+          <a:lstStyle/>
+          <a:p>
+            <a:r>
+              <a:rPr lang="nl-BE" sz="1450" dirty="0" err="1">
+                <a:solidFill>
+                  <a:schemeClr val="bg1"/>
+                </a:solidFill>
+              </a:rPr>
+              <a:t>Introduction</a:t>
+            </a:r>
+            <a:r>
+              <a:rPr lang="nl-BE" sz="1450" dirty="0">
+                <a:solidFill>
+                  <a:schemeClr val="bg1"/>
+                </a:solidFill>
+              </a:rPr>
+              <a:t>	</a:t>
+            </a:r>
+            <a:r>
+              <a:rPr lang="nl-BE" sz="1450" b="1" dirty="0">
+                <a:solidFill>
+                  <a:schemeClr val="bg1"/>
+                </a:solidFill>
+              </a:rPr>
+              <a:t>	Framework</a:t>
+            </a:r>
+            <a:r>
+              <a:rPr lang="nl-BE" sz="1450" dirty="0">
+                <a:solidFill>
+                  <a:schemeClr val="bg1"/>
+                </a:solidFill>
+              </a:rPr>
+              <a:t>		</a:t>
+            </a:r>
+            <a:r>
+              <a:rPr lang="nl-BE" sz="1450" dirty="0" err="1">
+                <a:solidFill>
+                  <a:schemeClr val="bg1"/>
+                </a:solidFill>
+              </a:rPr>
+              <a:t>Techniques</a:t>
+            </a:r>
+            <a:r>
+              <a:rPr lang="nl-BE" sz="1450" dirty="0">
+                <a:solidFill>
+                  <a:schemeClr val="bg1"/>
+                </a:solidFill>
+              </a:rPr>
+              <a:t> &amp; </a:t>
+            </a:r>
+            <a:r>
+              <a:rPr lang="nl-BE" sz="1450" dirty="0" err="1">
+                <a:solidFill>
+                  <a:schemeClr val="bg1"/>
+                </a:solidFill>
+              </a:rPr>
+              <a:t>Results</a:t>
+            </a:r>
+            <a:r>
+              <a:rPr lang="nl-BE" sz="1450" dirty="0">
+                <a:solidFill>
+                  <a:schemeClr val="bg1"/>
+                </a:solidFill>
+              </a:rPr>
+              <a:t>			Summary</a:t>
+            </a:r>
+          </a:p>
+        </p:txBody>
+      </p:sp>
+      <p:sp>
+        <p:nvSpPr>
+          <p:cNvPr id="2" name="Rechthoek 1">
+            <a:extLst>
+              <a:ext uri="{FF2B5EF4-FFF2-40B4-BE49-F238E27FC236}">
+                <a16:creationId xmlns:a16="http://schemas.microsoft.com/office/drawing/2014/main" id="{2880D00B-FBB4-4410-8B15-775F42E006A8}"/>
+              </a:ext>
+            </a:extLst>
+          </p:cNvPr>
+          <p:cNvSpPr/>
+          <p:nvPr/>
+        </p:nvSpPr>
+        <p:spPr>
+          <a:xfrm>
+            <a:off x="576263" y="1362486"/>
+            <a:ext cx="5169781" cy="500181"/>
+          </a:xfrm>
+          <a:prstGeom prst="rect">
+            <a:avLst/>
+          </a:prstGeom>
+        </p:spPr>
+        <p:style>
+          <a:lnRef idx="2">
+            <a:schemeClr val="dk1">
+              <a:shade val="50000"/>
+            </a:schemeClr>
+          </a:lnRef>
+          <a:fillRef idx="1">
+            <a:schemeClr val="dk1"/>
+          </a:fillRef>
+          <a:effectRef idx="0">
+            <a:schemeClr val="dk1"/>
+          </a:effectRef>
+          <a:fontRef idx="minor">
+            <a:schemeClr val="lt1"/>
+          </a:fontRef>
+        </p:style>
+        <p:txBody>
+          <a:bodyPr rtlCol="0" anchor="ctr"/>
+          <a:lstStyle/>
+          <a:p>
+            <a:pPr algn="ctr"/>
+            <a:r>
+              <a:rPr lang="nl-BE" b="1" dirty="0"/>
+              <a:t>PACKING</a:t>
+            </a:r>
+          </a:p>
+        </p:txBody>
+      </p:sp>
+      <p:sp>
+        <p:nvSpPr>
+          <p:cNvPr id="3" name="Rechthoek 2">
+            <a:extLst>
+              <a:ext uri="{FF2B5EF4-FFF2-40B4-BE49-F238E27FC236}">
+                <a16:creationId xmlns:a16="http://schemas.microsoft.com/office/drawing/2014/main" id="{FCF2EDAF-CA9D-4BCA-8C21-F7575BFD9118}"/>
+              </a:ext>
+            </a:extLst>
+          </p:cNvPr>
+          <p:cNvSpPr/>
+          <p:nvPr/>
+        </p:nvSpPr>
+        <p:spPr>
+          <a:xfrm>
+            <a:off x="576000" y="2044423"/>
+            <a:ext cx="5169781" cy="3655041"/>
+          </a:xfrm>
+          <a:prstGeom prst="rect">
+            <a:avLst/>
+          </a:prstGeom>
+          <a:solidFill>
+            <a:srgbClr val="DCE7F0"/>
+          </a:solidFill>
+          <a:ln>
+            <a:solidFill>
+              <a:srgbClr val="DCE7F0"/>
+            </a:solidFill>
+          </a:ln>
+        </p:spPr>
+        <p:style>
+          <a:lnRef idx="2">
+            <a:schemeClr val="accent1">
+              <a:shade val="50000"/>
+            </a:schemeClr>
+          </a:lnRef>
+          <a:fillRef idx="1">
+            <a:schemeClr val="accent1"/>
+          </a:fillRef>
+          <a:effectRef idx="0">
+            <a:schemeClr val="accent1"/>
+          </a:effectRef>
+          <a:fontRef idx="minor">
+            <a:schemeClr val="lt1"/>
+          </a:fontRef>
+        </p:style>
+        <p:txBody>
+          <a:bodyPr rtlCol="0" anchor="ctr"/>
+          <a:lstStyle/>
+          <a:p>
+            <a:pPr algn="ctr"/>
+            <a:r>
+              <a:rPr lang="nl-BE" b="1" dirty="0">
+                <a:solidFill>
+                  <a:srgbClr val="2F4D5D"/>
+                </a:solidFill>
+              </a:rPr>
+              <a:t>Active </a:t>
+            </a:r>
+            <a:r>
+              <a:rPr lang="nl-BE" b="1" dirty="0" err="1">
+                <a:solidFill>
+                  <a:srgbClr val="2F4D5D"/>
+                </a:solidFill>
+              </a:rPr>
+              <a:t>packing</a:t>
+            </a:r>
+            <a:endParaRPr lang="nl-BE" b="1" dirty="0">
+              <a:solidFill>
+                <a:srgbClr val="2F4D5D"/>
+              </a:solidFill>
+            </a:endParaRPr>
+          </a:p>
+          <a:p>
+            <a:pPr algn="ctr"/>
+            <a:r>
+              <a:rPr lang="nl-BE" dirty="0" err="1">
+                <a:solidFill>
+                  <a:srgbClr val="2F4D5D"/>
+                </a:solidFill>
+              </a:rPr>
+              <a:t>constantly</a:t>
+            </a:r>
+            <a:r>
+              <a:rPr lang="nl-BE" dirty="0">
+                <a:solidFill>
+                  <a:srgbClr val="2F4D5D"/>
+                </a:solidFill>
+              </a:rPr>
+              <a:t> </a:t>
+            </a:r>
+            <a:r>
+              <a:rPr lang="nl-BE" dirty="0" err="1">
+                <a:solidFill>
+                  <a:srgbClr val="2F4D5D"/>
+                </a:solidFill>
+              </a:rPr>
+              <a:t>provides</a:t>
+            </a:r>
+            <a:r>
+              <a:rPr lang="nl-BE" dirty="0">
+                <a:solidFill>
+                  <a:srgbClr val="2F4D5D"/>
+                </a:solidFill>
+              </a:rPr>
+              <a:t> </a:t>
+            </a:r>
+            <a:r>
+              <a:rPr lang="nl-BE" dirty="0" err="1">
+                <a:solidFill>
+                  <a:srgbClr val="2F4D5D"/>
+                </a:solidFill>
+              </a:rPr>
+              <a:t>certain</a:t>
+            </a:r>
+            <a:r>
+              <a:rPr lang="nl-BE" dirty="0">
+                <a:solidFill>
+                  <a:srgbClr val="2F4D5D"/>
+                </a:solidFill>
+              </a:rPr>
+              <a:t> feature</a:t>
+            </a:r>
+          </a:p>
+          <a:p>
+            <a:pPr algn="ctr"/>
+            <a:r>
+              <a:rPr lang="nl-BE" sz="1400" dirty="0">
+                <a:solidFill>
+                  <a:srgbClr val="2F4D5D"/>
+                </a:solidFill>
+              </a:rPr>
+              <a:t>e.g. stop </a:t>
+            </a:r>
+            <a:r>
+              <a:rPr lang="nl-BE" sz="1400" dirty="0" err="1">
+                <a:solidFill>
+                  <a:srgbClr val="2F4D5D"/>
+                </a:solidFill>
+              </a:rPr>
+              <a:t>oxygen</a:t>
+            </a:r>
+            <a:r>
+              <a:rPr lang="nl-BE" sz="1400" dirty="0">
+                <a:solidFill>
+                  <a:srgbClr val="2F4D5D"/>
+                </a:solidFill>
+              </a:rPr>
+              <a:t> </a:t>
+            </a:r>
+            <a:r>
+              <a:rPr lang="nl-BE" sz="1400" dirty="0" err="1">
+                <a:solidFill>
+                  <a:srgbClr val="2F4D5D"/>
+                </a:solidFill>
+              </a:rPr>
+              <a:t>from</a:t>
+            </a:r>
+            <a:r>
+              <a:rPr lang="nl-BE" sz="1400" dirty="0">
+                <a:solidFill>
+                  <a:srgbClr val="2F4D5D"/>
+                </a:solidFill>
+              </a:rPr>
+              <a:t> </a:t>
+            </a:r>
+            <a:r>
+              <a:rPr lang="nl-BE" sz="1400" dirty="0" err="1">
+                <a:solidFill>
+                  <a:srgbClr val="2F4D5D"/>
+                </a:solidFill>
+              </a:rPr>
+              <a:t>spoiling</a:t>
+            </a:r>
+            <a:r>
+              <a:rPr lang="nl-BE" sz="1400" dirty="0">
+                <a:solidFill>
+                  <a:srgbClr val="2F4D5D"/>
+                </a:solidFill>
+              </a:rPr>
+              <a:t> food</a:t>
+            </a:r>
+          </a:p>
+          <a:p>
+            <a:pPr algn="ctr"/>
+            <a:r>
+              <a:rPr lang="nl-BE" sz="1400" dirty="0" err="1">
+                <a:solidFill>
+                  <a:srgbClr val="2F4D5D"/>
+                </a:solidFill>
+              </a:rPr>
+              <a:t>antimicrobial</a:t>
+            </a:r>
+            <a:r>
+              <a:rPr lang="nl-BE" sz="1400" dirty="0">
+                <a:solidFill>
+                  <a:srgbClr val="2F4D5D"/>
+                </a:solidFill>
+              </a:rPr>
+              <a:t> films in beer </a:t>
+            </a:r>
+            <a:r>
+              <a:rPr lang="nl-BE" sz="1400" dirty="0" err="1">
+                <a:solidFill>
+                  <a:srgbClr val="2F4D5D"/>
+                </a:solidFill>
+              </a:rPr>
+              <a:t>bottles</a:t>
+            </a:r>
+            <a:endParaRPr lang="nl-BE" sz="1400" dirty="0">
+              <a:solidFill>
+                <a:srgbClr val="2F4D5D"/>
+              </a:solidFill>
+            </a:endParaRPr>
+          </a:p>
+          <a:p>
+            <a:pPr algn="ctr"/>
+            <a:endParaRPr lang="nl-BE" dirty="0">
+              <a:solidFill>
+                <a:srgbClr val="2F4D5D"/>
+              </a:solidFill>
+            </a:endParaRPr>
+          </a:p>
+          <a:p>
+            <a:pPr algn="ctr"/>
+            <a:r>
+              <a:rPr lang="nl-BE" b="1" dirty="0">
+                <a:solidFill>
+                  <a:srgbClr val="2F4D5D"/>
+                </a:solidFill>
+              </a:rPr>
+              <a:t>Smart </a:t>
+            </a:r>
+            <a:r>
+              <a:rPr lang="nl-BE" b="1" dirty="0" err="1">
+                <a:solidFill>
+                  <a:srgbClr val="2F4D5D"/>
+                </a:solidFill>
+              </a:rPr>
+              <a:t>packing</a:t>
+            </a:r>
+            <a:endParaRPr lang="nl-BE" b="1" dirty="0">
+              <a:solidFill>
+                <a:srgbClr val="2F4D5D"/>
+              </a:solidFill>
+            </a:endParaRPr>
+          </a:p>
+          <a:p>
+            <a:pPr algn="ctr"/>
+            <a:r>
+              <a:rPr lang="nl-BE" dirty="0" err="1">
+                <a:solidFill>
+                  <a:srgbClr val="2F4D5D"/>
+                </a:solidFill>
+              </a:rPr>
+              <a:t>reacts</a:t>
+            </a:r>
+            <a:r>
+              <a:rPr lang="nl-BE" dirty="0">
+                <a:solidFill>
+                  <a:srgbClr val="2F4D5D"/>
+                </a:solidFill>
+              </a:rPr>
+              <a:t> </a:t>
+            </a:r>
+            <a:r>
+              <a:rPr lang="nl-BE" dirty="0" err="1">
+                <a:solidFill>
+                  <a:srgbClr val="2F4D5D"/>
+                </a:solidFill>
+              </a:rPr>
+              <a:t>to</a:t>
+            </a:r>
+            <a:r>
+              <a:rPr lang="nl-BE" dirty="0">
+                <a:solidFill>
+                  <a:srgbClr val="2F4D5D"/>
+                </a:solidFill>
+              </a:rPr>
+              <a:t> changes in environment</a:t>
+            </a:r>
+          </a:p>
+          <a:p>
+            <a:pPr algn="ctr"/>
+            <a:r>
+              <a:rPr lang="nl-BE" sz="1400" dirty="0">
+                <a:solidFill>
+                  <a:srgbClr val="2F4D5D"/>
+                </a:solidFill>
+              </a:rPr>
+              <a:t>e.g. </a:t>
+            </a:r>
+            <a:r>
+              <a:rPr lang="nl-BE" sz="1400" dirty="0" err="1">
+                <a:solidFill>
+                  <a:srgbClr val="2F4D5D"/>
+                </a:solidFill>
+              </a:rPr>
+              <a:t>presence</a:t>
+            </a:r>
+            <a:r>
+              <a:rPr lang="nl-BE" sz="1400" dirty="0">
+                <a:solidFill>
+                  <a:srgbClr val="2F4D5D"/>
+                </a:solidFill>
+              </a:rPr>
+              <a:t> of </a:t>
+            </a:r>
+            <a:r>
+              <a:rPr lang="nl-BE" sz="1400" dirty="0" err="1">
+                <a:solidFill>
+                  <a:srgbClr val="2F4D5D"/>
+                </a:solidFill>
+              </a:rPr>
+              <a:t>pathogens</a:t>
+            </a:r>
+            <a:r>
+              <a:rPr lang="nl-BE" sz="1400" dirty="0">
+                <a:solidFill>
+                  <a:srgbClr val="2F4D5D"/>
+                </a:solidFill>
+              </a:rPr>
+              <a:t> </a:t>
+            </a:r>
+            <a:r>
+              <a:rPr lang="nl-BE" sz="1400" dirty="0" err="1">
+                <a:solidFill>
+                  <a:srgbClr val="2F4D5D"/>
+                </a:solidFill>
+              </a:rPr>
+              <a:t>that</a:t>
+            </a:r>
+            <a:r>
+              <a:rPr lang="nl-BE" sz="1400" dirty="0">
+                <a:solidFill>
+                  <a:srgbClr val="2F4D5D"/>
+                </a:solidFill>
+              </a:rPr>
+              <a:t> </a:t>
+            </a:r>
+            <a:r>
+              <a:rPr lang="nl-BE" sz="1400" dirty="0" err="1">
+                <a:solidFill>
+                  <a:srgbClr val="2F4D5D"/>
+                </a:solidFill>
+              </a:rPr>
+              <a:t>can</a:t>
+            </a:r>
+            <a:r>
+              <a:rPr lang="nl-BE" sz="1400" dirty="0">
+                <a:solidFill>
+                  <a:srgbClr val="2F4D5D"/>
+                </a:solidFill>
+              </a:rPr>
+              <a:t> produce </a:t>
+            </a:r>
+            <a:r>
+              <a:rPr lang="nl-BE" sz="1400" dirty="0" err="1">
+                <a:solidFill>
+                  <a:srgbClr val="2F4D5D"/>
+                </a:solidFill>
+              </a:rPr>
+              <a:t>diseases</a:t>
+            </a:r>
+            <a:endParaRPr lang="nl-BE" dirty="0">
+              <a:solidFill>
+                <a:srgbClr val="2F4D5D"/>
+              </a:solidFill>
+            </a:endParaRPr>
+          </a:p>
+        </p:txBody>
+      </p:sp>
+      <p:sp>
+        <p:nvSpPr>
+          <p:cNvPr id="4" name="Tekstvak 3">
+            <a:extLst>
+              <a:ext uri="{FF2B5EF4-FFF2-40B4-BE49-F238E27FC236}">
+                <a16:creationId xmlns:a16="http://schemas.microsoft.com/office/drawing/2014/main" id="{FC20B627-D357-43F5-928D-3646074BFE73}"/>
+              </a:ext>
+            </a:extLst>
+          </p:cNvPr>
+          <p:cNvSpPr txBox="1"/>
+          <p:nvPr/>
+        </p:nvSpPr>
+        <p:spPr>
+          <a:xfrm>
+            <a:off x="530711" y="5801064"/>
+            <a:ext cx="11130578" cy="707886"/>
+          </a:xfrm>
+          <a:prstGeom prst="rect">
+            <a:avLst/>
+          </a:prstGeom>
+          <a:noFill/>
+        </p:spPr>
+        <p:txBody>
+          <a:bodyPr wrap="square" rtlCol="0">
+            <a:spAutoFit/>
+          </a:bodyPr>
+          <a:lstStyle/>
+          <a:p>
+            <a:r>
+              <a:rPr lang="nl-BE" sz="1100" b="1" dirty="0"/>
+              <a:t>Source</a:t>
+            </a:r>
+            <a:r>
+              <a:rPr lang="nl-BE" sz="1100" dirty="0"/>
+              <a:t>: </a:t>
+            </a:r>
+            <a:r>
+              <a:rPr lang="nl-BE" sz="1100" dirty="0" err="1"/>
+              <a:t>AZoNano</a:t>
+            </a:r>
+            <a:r>
+              <a:rPr lang="nl-BE" sz="1100" dirty="0"/>
+              <a:t>. (2006). </a:t>
+            </a:r>
+            <a:r>
+              <a:rPr lang="en-US" sz="1100" dirty="0"/>
+              <a:t>Nanofood Defined and The Use Of Nanotechnology In Packaging, Producing and Growing Foods Now and Into The Future, </a:t>
+            </a:r>
+            <a:r>
+              <a:rPr lang="nl-BE" sz="1100" dirty="0">
+                <a:hlinkClick r:id="rId3"/>
+              </a:rPr>
+              <a:t>https://www.azonano.com/article.aspx?ArticleID=1786</a:t>
+            </a:r>
+            <a:endParaRPr lang="nl-BE" sz="1100" dirty="0"/>
+          </a:p>
+          <a:p>
+            <a:endParaRPr lang="nl-BE" dirty="0"/>
+          </a:p>
+        </p:txBody>
+      </p:sp>
+      <p:sp>
+        <p:nvSpPr>
+          <p:cNvPr id="15" name="Rechthoek 14">
+            <a:extLst>
+              <a:ext uri="{FF2B5EF4-FFF2-40B4-BE49-F238E27FC236}">
+                <a16:creationId xmlns:a16="http://schemas.microsoft.com/office/drawing/2014/main" id="{6E156BC2-0139-4763-9240-F65D2180D426}"/>
+              </a:ext>
+            </a:extLst>
+          </p:cNvPr>
+          <p:cNvSpPr/>
+          <p:nvPr/>
+        </p:nvSpPr>
+        <p:spPr>
+          <a:xfrm>
+            <a:off x="6447544" y="2044423"/>
+            <a:ext cx="5169781" cy="3655041"/>
+          </a:xfrm>
+          <a:prstGeom prst="rect">
+            <a:avLst/>
+          </a:prstGeom>
+          <a:solidFill>
+            <a:srgbClr val="DCE7F0"/>
+          </a:solidFill>
+          <a:ln>
+            <a:solidFill>
+              <a:srgbClr val="DCE7F0"/>
+            </a:solidFill>
+          </a:ln>
+        </p:spPr>
+        <p:style>
+          <a:lnRef idx="2">
+            <a:schemeClr val="accent1">
+              <a:shade val="50000"/>
+            </a:schemeClr>
+          </a:lnRef>
+          <a:fillRef idx="1">
+            <a:schemeClr val="accent1"/>
+          </a:fillRef>
+          <a:effectRef idx="0">
+            <a:schemeClr val="accent1"/>
+          </a:effectRef>
+          <a:fontRef idx="minor">
+            <a:schemeClr val="lt1"/>
+          </a:fontRef>
+        </p:style>
+        <p:txBody>
+          <a:bodyPr rtlCol="0" anchor="ctr"/>
+          <a:lstStyle/>
+          <a:p>
+            <a:pPr algn="ctr"/>
+            <a:r>
+              <a:rPr lang="nl-BE" b="1" dirty="0" err="1">
+                <a:solidFill>
+                  <a:srgbClr val="2F4D5D"/>
+                </a:solidFill>
+              </a:rPr>
+              <a:t>Future</a:t>
+            </a:r>
+            <a:r>
+              <a:rPr lang="nl-BE" b="1" dirty="0">
+                <a:solidFill>
+                  <a:srgbClr val="2F4D5D"/>
+                </a:solidFill>
+              </a:rPr>
+              <a:t> of </a:t>
+            </a:r>
+            <a:r>
+              <a:rPr lang="nl-BE" b="1" dirty="0" err="1">
+                <a:solidFill>
+                  <a:srgbClr val="2F4D5D"/>
+                </a:solidFill>
+              </a:rPr>
+              <a:t>packing</a:t>
+            </a:r>
+            <a:endParaRPr lang="nl-BE" b="1" dirty="0">
+              <a:solidFill>
+                <a:srgbClr val="2F4D5D"/>
+              </a:solidFill>
+            </a:endParaRPr>
+          </a:p>
+          <a:p>
+            <a:pPr algn="ctr"/>
+            <a:endParaRPr lang="nl-BE" dirty="0">
+              <a:solidFill>
+                <a:srgbClr val="2F4D5D"/>
+              </a:solidFill>
+            </a:endParaRPr>
+          </a:p>
+          <a:p>
+            <a:pPr algn="ctr"/>
+            <a:r>
+              <a:rPr lang="nl-BE" dirty="0" err="1">
+                <a:solidFill>
+                  <a:srgbClr val="2F4D5D"/>
+                </a:solidFill>
+              </a:rPr>
+              <a:t>reflecting</a:t>
+            </a:r>
+            <a:r>
+              <a:rPr lang="nl-BE" dirty="0">
+                <a:solidFill>
+                  <a:srgbClr val="2F4D5D"/>
+                </a:solidFill>
+              </a:rPr>
+              <a:t> heat </a:t>
+            </a:r>
+            <a:r>
+              <a:rPr lang="nl-BE" dirty="0" err="1">
+                <a:solidFill>
+                  <a:srgbClr val="2F4D5D"/>
+                </a:solidFill>
+              </a:rPr>
+              <a:t>ox</a:t>
+            </a:r>
+            <a:r>
+              <a:rPr lang="nl-BE" dirty="0">
+                <a:solidFill>
+                  <a:srgbClr val="2F4D5D"/>
+                </a:solidFill>
+              </a:rPr>
+              <a:t> ice cream </a:t>
+            </a:r>
+            <a:r>
+              <a:rPr lang="nl-BE" dirty="0" err="1">
+                <a:solidFill>
+                  <a:srgbClr val="2F4D5D"/>
+                </a:solidFill>
+              </a:rPr>
+              <a:t>boxes</a:t>
+            </a:r>
+            <a:endParaRPr lang="nl-BE" dirty="0">
+              <a:solidFill>
+                <a:srgbClr val="2F4D5D"/>
+              </a:solidFill>
+            </a:endParaRPr>
+          </a:p>
+          <a:p>
+            <a:pPr algn="ctr"/>
+            <a:r>
+              <a:rPr lang="nl-BE" dirty="0" err="1">
+                <a:solidFill>
+                  <a:srgbClr val="2F4D5D"/>
+                </a:solidFill>
+              </a:rPr>
+              <a:t>self</a:t>
+            </a:r>
+            <a:r>
+              <a:rPr lang="nl-BE" dirty="0">
+                <a:solidFill>
+                  <a:srgbClr val="2F4D5D"/>
+                </a:solidFill>
+              </a:rPr>
+              <a:t> </a:t>
+            </a:r>
+            <a:r>
+              <a:rPr lang="nl-BE" dirty="0" err="1">
+                <a:solidFill>
+                  <a:srgbClr val="2F4D5D"/>
+                </a:solidFill>
+              </a:rPr>
+              <a:t>healing</a:t>
+            </a:r>
+            <a:r>
+              <a:rPr lang="nl-BE" dirty="0">
+                <a:solidFill>
+                  <a:srgbClr val="2F4D5D"/>
+                </a:solidFill>
+              </a:rPr>
+              <a:t> </a:t>
+            </a:r>
+            <a:r>
+              <a:rPr lang="nl-BE" dirty="0" err="1">
+                <a:solidFill>
+                  <a:srgbClr val="2F4D5D"/>
+                </a:solidFill>
+              </a:rPr>
+              <a:t>packing</a:t>
+            </a:r>
+            <a:endParaRPr lang="nl-BE" dirty="0">
+              <a:solidFill>
+                <a:srgbClr val="2F4D5D"/>
+              </a:solidFill>
+            </a:endParaRPr>
+          </a:p>
+          <a:p>
+            <a:pPr algn="ctr"/>
+            <a:r>
+              <a:rPr lang="nl-BE" dirty="0" err="1">
+                <a:solidFill>
+                  <a:srgbClr val="2F4D5D"/>
+                </a:solidFill>
+              </a:rPr>
+              <a:t>milk</a:t>
+            </a:r>
+            <a:r>
+              <a:rPr lang="nl-BE" dirty="0">
+                <a:solidFill>
+                  <a:srgbClr val="2F4D5D"/>
+                </a:solidFill>
+              </a:rPr>
+              <a:t> </a:t>
+            </a:r>
+            <a:r>
+              <a:rPr lang="nl-BE" dirty="0" err="1">
+                <a:solidFill>
+                  <a:srgbClr val="2F4D5D"/>
+                </a:solidFill>
+              </a:rPr>
+              <a:t>carton</a:t>
+            </a:r>
+            <a:r>
+              <a:rPr lang="nl-BE" dirty="0">
+                <a:solidFill>
+                  <a:srgbClr val="2F4D5D"/>
+                </a:solidFill>
+              </a:rPr>
+              <a:t> </a:t>
+            </a:r>
+            <a:r>
+              <a:rPr lang="nl-BE" dirty="0" err="1">
+                <a:solidFill>
+                  <a:srgbClr val="2F4D5D"/>
+                </a:solidFill>
+              </a:rPr>
+              <a:t>that</a:t>
+            </a:r>
+            <a:r>
+              <a:rPr lang="nl-BE" dirty="0">
+                <a:solidFill>
+                  <a:srgbClr val="2F4D5D"/>
+                </a:solidFill>
+              </a:rPr>
+              <a:t> changes colour</a:t>
+            </a:r>
+          </a:p>
+        </p:txBody>
+      </p:sp>
+    </p:spTree>
+    <p:extLst>
+      <p:ext uri="{BB962C8B-B14F-4D97-AF65-F5344CB8AC3E}">
+        <p14:creationId xmlns:p14="http://schemas.microsoft.com/office/powerpoint/2010/main" val="1759063316"/>
+      </p:ext>
+    </p:extLst>
+  </p:cSld>
+  <p:clrMapOvr>
+    <a:masterClrMapping/>
+  </p:clrMapOvr>
+</p:sld>
+</file>
+
 <file path=ppt/slides/slide2.xml><?xml version="1.0" encoding="utf-8"?>
 <p:sld xmlns:a="http://schemas.openxmlformats.org/drawingml/2006/main" xmlns:r="http://schemas.openxmlformats.org/officeDocument/2006/relationships" xmlns:p="http://schemas.openxmlformats.org/presentationml/2006/main">
   <p:cSld>
@@ -10140,6 +11303,990 @@
     <p:extLst>
       <p:ext uri="{BB962C8B-B14F-4D97-AF65-F5344CB8AC3E}">
         <p14:creationId xmlns:p14="http://schemas.microsoft.com/office/powerpoint/2010/main" val="3072033686"/>
+      </p:ext>
+    </p:extLst>
+  </p:cSld>
+  <p:clrMapOvr>
+    <a:masterClrMapping/>
+  </p:clrMapOvr>
+</p:sld>
+</file>
+
+<file path=ppt/slides/slide20.xml><?xml version="1.0" encoding="utf-8"?>
+<p:sld xmlns:a="http://schemas.openxmlformats.org/drawingml/2006/main" xmlns:r="http://schemas.openxmlformats.org/officeDocument/2006/relationships" xmlns:p="http://schemas.openxmlformats.org/presentationml/2006/main">
+  <p:cSld>
+    <p:spTree>
+      <p:nvGrpSpPr>
+        <p:cNvPr id="1" name=""/>
+        <p:cNvGrpSpPr/>
+        <p:nvPr/>
+      </p:nvGrpSpPr>
+      <p:grpSpPr>
+        <a:xfrm>
+          <a:off x="0" y="0"/>
+          <a:ext cx="0" cy="0"/>
+          <a:chOff x="0" y="0"/>
+          <a:chExt cx="0" cy="0"/>
+        </a:xfrm>
+      </p:grpSpPr>
+      <p:sp>
+        <p:nvSpPr>
+          <p:cNvPr id="7" name="Tijdelijke aanduiding voor dianummer 23">
+            <a:extLst>
+              <a:ext uri="{FF2B5EF4-FFF2-40B4-BE49-F238E27FC236}">
+                <a16:creationId xmlns:a16="http://schemas.microsoft.com/office/drawing/2014/main" id="{E7BA9955-551E-4B72-9196-84FDFE87439B}"/>
+              </a:ext>
+            </a:extLst>
+          </p:cNvPr>
+          <p:cNvSpPr>
+            <a:spLocks noGrp="1"/>
+          </p:cNvSpPr>
+          <p:nvPr>
+            <p:ph type="sldNum" sz="quarter" idx="12"/>
+          </p:nvPr>
+        </p:nvSpPr>
+        <p:spPr>
+          <a:xfrm>
+            <a:off x="11544000" y="-126730"/>
+            <a:ext cx="648000" cy="648000"/>
+          </a:xfrm>
+        </p:spPr>
+        <p:txBody>
+          <a:bodyPr/>
+          <a:lstStyle/>
+          <a:p>
+            <a:fld id="{CF179DAE-D0A6-40C3-B8BC-6A97C268D03A}" type="slidenum">
+              <a:rPr lang="nl-NL" sz="1200" smtClean="0">
+                <a:solidFill>
+                  <a:srgbClr val="1D8DB0"/>
+                </a:solidFill>
+              </a:rPr>
+              <a:pPr/>
+              <a:t>20</a:t>
+            </a:fld>
+            <a:r>
+              <a:rPr lang="nl-NL" sz="1200" dirty="0">
+                <a:solidFill>
+                  <a:srgbClr val="1D8DB0"/>
+                </a:solidFill>
+              </a:rPr>
+              <a:t>/31</a:t>
+            </a:r>
+          </a:p>
+        </p:txBody>
+      </p:sp>
+      <p:sp>
+        <p:nvSpPr>
+          <p:cNvPr id="9" name="Titel 4">
+            <a:extLst>
+              <a:ext uri="{FF2B5EF4-FFF2-40B4-BE49-F238E27FC236}">
+                <a16:creationId xmlns:a16="http://schemas.microsoft.com/office/drawing/2014/main" id="{32C054A8-9043-41C9-BA29-6C11E3B87A6D}"/>
+              </a:ext>
+            </a:extLst>
+          </p:cNvPr>
+          <p:cNvSpPr>
+            <a:spLocks noGrp="1"/>
+          </p:cNvSpPr>
+          <p:nvPr>
+            <p:ph type="title"/>
+          </p:nvPr>
+        </p:nvSpPr>
+        <p:spPr>
+          <a:xfrm>
+            <a:off x="576263" y="336550"/>
+            <a:ext cx="11041062" cy="1152525"/>
+          </a:xfrm>
+        </p:spPr>
+        <p:txBody>
+          <a:bodyPr/>
+          <a:lstStyle/>
+          <a:p>
+            <a:r>
+              <a:rPr lang="nl-BE" dirty="0"/>
+              <a:t>Nanofood</a:t>
+            </a:r>
+          </a:p>
+        </p:txBody>
+      </p:sp>
+      <p:sp>
+        <p:nvSpPr>
+          <p:cNvPr id="10" name="Tekstvak 9">
+            <a:extLst>
+              <a:ext uri="{FF2B5EF4-FFF2-40B4-BE49-F238E27FC236}">
+                <a16:creationId xmlns:a16="http://schemas.microsoft.com/office/drawing/2014/main" id="{F9AF6A87-507F-4E2E-8A2A-840080D13776}"/>
+              </a:ext>
+            </a:extLst>
+          </p:cNvPr>
+          <p:cNvSpPr txBox="1"/>
+          <p:nvPr/>
+        </p:nvSpPr>
+        <p:spPr>
+          <a:xfrm>
+            <a:off x="159798" y="58771"/>
+            <a:ext cx="5832629" cy="276999"/>
+          </a:xfrm>
+          <a:prstGeom prst="rect">
+            <a:avLst/>
+          </a:prstGeom>
+          <a:noFill/>
+        </p:spPr>
+        <p:txBody>
+          <a:bodyPr wrap="square" rtlCol="0">
+            <a:spAutoFit/>
+          </a:bodyPr>
+          <a:lstStyle/>
+          <a:p>
+            <a:r>
+              <a:rPr lang="nl-BE" sz="1200" dirty="0">
+                <a:solidFill>
+                  <a:srgbClr val="1D8DB0"/>
+                </a:solidFill>
+              </a:rPr>
+              <a:t>J. </a:t>
+            </a:r>
+            <a:r>
+              <a:rPr lang="nl-BE" sz="1200" dirty="0" err="1">
+                <a:solidFill>
+                  <a:srgbClr val="1D8DB0"/>
+                </a:solidFill>
+              </a:rPr>
+              <a:t>Neirynck</a:t>
+            </a:r>
+            <a:r>
+              <a:rPr lang="nl-BE" sz="1200" dirty="0">
+                <a:solidFill>
+                  <a:srgbClr val="1D8DB0"/>
+                </a:solidFill>
+              </a:rPr>
+              <a:t>, F. Van </a:t>
+            </a:r>
+            <a:r>
+              <a:rPr lang="nl-BE" sz="1200" dirty="0" err="1">
+                <a:solidFill>
+                  <a:srgbClr val="1D8DB0"/>
+                </a:solidFill>
+              </a:rPr>
+              <a:t>Eecke</a:t>
+            </a:r>
+            <a:r>
+              <a:rPr lang="nl-BE" sz="1200" dirty="0">
+                <a:solidFill>
+                  <a:srgbClr val="1D8DB0"/>
+                </a:solidFill>
+              </a:rPr>
+              <a:t> &amp; R. Vrielynck</a:t>
+            </a:r>
+          </a:p>
+        </p:txBody>
+      </p:sp>
+      <p:sp>
+        <p:nvSpPr>
+          <p:cNvPr id="11" name="Tekstvak 10">
+            <a:extLst>
+              <a:ext uri="{FF2B5EF4-FFF2-40B4-BE49-F238E27FC236}">
+                <a16:creationId xmlns:a16="http://schemas.microsoft.com/office/drawing/2014/main" id="{02C83A39-3DA1-4516-B834-3C3D5F8552F0}"/>
+              </a:ext>
+            </a:extLst>
+          </p:cNvPr>
+          <p:cNvSpPr txBox="1"/>
+          <p:nvPr/>
+        </p:nvSpPr>
+        <p:spPr>
+          <a:xfrm>
+            <a:off x="576000" y="6356412"/>
+            <a:ext cx="10351364" cy="315471"/>
+          </a:xfrm>
+          <a:prstGeom prst="rect">
+            <a:avLst/>
+          </a:prstGeom>
+          <a:noFill/>
+        </p:spPr>
+        <p:txBody>
+          <a:bodyPr wrap="square" rtlCol="0">
+            <a:spAutoFit/>
+          </a:bodyPr>
+          <a:lstStyle/>
+          <a:p>
+            <a:r>
+              <a:rPr lang="nl-BE" sz="1450" dirty="0" err="1">
+                <a:solidFill>
+                  <a:schemeClr val="bg1"/>
+                </a:solidFill>
+              </a:rPr>
+              <a:t>Introduction</a:t>
+            </a:r>
+            <a:r>
+              <a:rPr lang="nl-BE" sz="1450" dirty="0">
+                <a:solidFill>
+                  <a:schemeClr val="bg1"/>
+                </a:solidFill>
+              </a:rPr>
+              <a:t>	</a:t>
+            </a:r>
+            <a:r>
+              <a:rPr lang="nl-BE" sz="1450" b="1" dirty="0">
+                <a:solidFill>
+                  <a:schemeClr val="bg1"/>
+                </a:solidFill>
+              </a:rPr>
+              <a:t>	Framework</a:t>
+            </a:r>
+            <a:r>
+              <a:rPr lang="nl-BE" sz="1450" dirty="0">
+                <a:solidFill>
+                  <a:schemeClr val="bg1"/>
+                </a:solidFill>
+              </a:rPr>
+              <a:t>		</a:t>
+            </a:r>
+            <a:r>
+              <a:rPr lang="nl-BE" sz="1450" dirty="0" err="1">
+                <a:solidFill>
+                  <a:schemeClr val="bg1"/>
+                </a:solidFill>
+              </a:rPr>
+              <a:t>Techniques</a:t>
+            </a:r>
+            <a:r>
+              <a:rPr lang="nl-BE" sz="1450" dirty="0">
+                <a:solidFill>
+                  <a:schemeClr val="bg1"/>
+                </a:solidFill>
+              </a:rPr>
+              <a:t> &amp; </a:t>
+            </a:r>
+            <a:r>
+              <a:rPr lang="nl-BE" sz="1450" dirty="0" err="1">
+                <a:solidFill>
+                  <a:schemeClr val="bg1"/>
+                </a:solidFill>
+              </a:rPr>
+              <a:t>Results</a:t>
+            </a:r>
+            <a:r>
+              <a:rPr lang="nl-BE" sz="1450" dirty="0">
+                <a:solidFill>
+                  <a:schemeClr val="bg1"/>
+                </a:solidFill>
+              </a:rPr>
+              <a:t>			Summary</a:t>
+            </a:r>
+          </a:p>
+        </p:txBody>
+      </p:sp>
+      <p:sp>
+        <p:nvSpPr>
+          <p:cNvPr id="2" name="Rechthoek 1">
+            <a:extLst>
+              <a:ext uri="{FF2B5EF4-FFF2-40B4-BE49-F238E27FC236}">
+                <a16:creationId xmlns:a16="http://schemas.microsoft.com/office/drawing/2014/main" id="{2880D00B-FBB4-4410-8B15-775F42E006A8}"/>
+              </a:ext>
+            </a:extLst>
+          </p:cNvPr>
+          <p:cNvSpPr/>
+          <p:nvPr/>
+        </p:nvSpPr>
+        <p:spPr>
+          <a:xfrm>
+            <a:off x="576263" y="1362486"/>
+            <a:ext cx="5169781" cy="500181"/>
+          </a:xfrm>
+          <a:prstGeom prst="rect">
+            <a:avLst/>
+          </a:prstGeom>
+        </p:spPr>
+        <p:style>
+          <a:lnRef idx="2">
+            <a:schemeClr val="dk1">
+              <a:shade val="50000"/>
+            </a:schemeClr>
+          </a:lnRef>
+          <a:fillRef idx="1">
+            <a:schemeClr val="dk1"/>
+          </a:fillRef>
+          <a:effectRef idx="0">
+            <a:schemeClr val="dk1"/>
+          </a:effectRef>
+          <a:fontRef idx="minor">
+            <a:schemeClr val="lt1"/>
+          </a:fontRef>
+        </p:style>
+        <p:txBody>
+          <a:bodyPr rtlCol="0" anchor="ctr"/>
+          <a:lstStyle/>
+          <a:p>
+            <a:pPr algn="ctr"/>
+            <a:r>
+              <a:rPr lang="nl-BE" b="1" dirty="0"/>
+              <a:t>FOOD PROCESSING</a:t>
+            </a:r>
+          </a:p>
+        </p:txBody>
+      </p:sp>
+      <p:sp>
+        <p:nvSpPr>
+          <p:cNvPr id="3" name="Rechthoek 2">
+            <a:extLst>
+              <a:ext uri="{FF2B5EF4-FFF2-40B4-BE49-F238E27FC236}">
+                <a16:creationId xmlns:a16="http://schemas.microsoft.com/office/drawing/2014/main" id="{FCF2EDAF-CA9D-4BCA-8C21-F7575BFD9118}"/>
+              </a:ext>
+            </a:extLst>
+          </p:cNvPr>
+          <p:cNvSpPr/>
+          <p:nvPr/>
+        </p:nvSpPr>
+        <p:spPr>
+          <a:xfrm>
+            <a:off x="576000" y="2044423"/>
+            <a:ext cx="5169781" cy="3655041"/>
+          </a:xfrm>
+          <a:prstGeom prst="rect">
+            <a:avLst/>
+          </a:prstGeom>
+          <a:solidFill>
+            <a:srgbClr val="DCE7F0"/>
+          </a:solidFill>
+          <a:ln>
+            <a:solidFill>
+              <a:srgbClr val="DCE7F0"/>
+            </a:solidFill>
+          </a:ln>
+        </p:spPr>
+        <p:style>
+          <a:lnRef idx="2">
+            <a:schemeClr val="accent1">
+              <a:shade val="50000"/>
+            </a:schemeClr>
+          </a:lnRef>
+          <a:fillRef idx="1">
+            <a:schemeClr val="accent1"/>
+          </a:fillRef>
+          <a:effectRef idx="0">
+            <a:schemeClr val="accent1"/>
+          </a:effectRef>
+          <a:fontRef idx="minor">
+            <a:schemeClr val="lt1"/>
+          </a:fontRef>
+        </p:style>
+        <p:txBody>
+          <a:bodyPr rtlCol="0" anchor="ctr"/>
+          <a:lstStyle/>
+          <a:p>
+            <a:pPr algn="ctr"/>
+            <a:r>
+              <a:rPr lang="nl-BE" b="1" dirty="0" err="1">
+                <a:solidFill>
+                  <a:srgbClr val="2F4D5D"/>
+                </a:solidFill>
+              </a:rPr>
+              <a:t>Nanoparticles</a:t>
+            </a:r>
+            <a:r>
+              <a:rPr lang="nl-BE" b="1" dirty="0">
+                <a:solidFill>
+                  <a:srgbClr val="2F4D5D"/>
+                </a:solidFill>
+              </a:rPr>
+              <a:t> &amp; </a:t>
+            </a:r>
+            <a:r>
+              <a:rPr lang="nl-BE" b="1" dirty="0" err="1">
+                <a:solidFill>
+                  <a:srgbClr val="2F4D5D"/>
+                </a:solidFill>
+              </a:rPr>
+              <a:t>nanocapsules</a:t>
+            </a:r>
+            <a:endParaRPr lang="nl-BE" b="1" dirty="0">
+              <a:solidFill>
+                <a:srgbClr val="2F4D5D"/>
+              </a:solidFill>
+            </a:endParaRPr>
+          </a:p>
+          <a:p>
+            <a:pPr algn="ctr"/>
+            <a:r>
+              <a:rPr lang="nl-BE" dirty="0">
+                <a:solidFill>
+                  <a:srgbClr val="2F4D5D"/>
+                </a:solidFill>
+              </a:rPr>
+              <a:t>change taste, alter </a:t>
+            </a:r>
+            <a:r>
+              <a:rPr lang="nl-BE" dirty="0" err="1">
+                <a:solidFill>
+                  <a:srgbClr val="2F4D5D"/>
+                </a:solidFill>
+              </a:rPr>
+              <a:t>properties</a:t>
+            </a:r>
+            <a:endParaRPr lang="nl-BE" dirty="0">
+              <a:solidFill>
+                <a:srgbClr val="2F4D5D"/>
+              </a:solidFill>
+            </a:endParaRPr>
+          </a:p>
+          <a:p>
+            <a:pPr algn="ctr"/>
+            <a:endParaRPr lang="nl-BE" dirty="0">
+              <a:solidFill>
+                <a:srgbClr val="2F4D5D"/>
+              </a:solidFill>
+            </a:endParaRPr>
+          </a:p>
+          <a:p>
+            <a:pPr algn="ctr"/>
+            <a:r>
+              <a:rPr lang="nl-BE" sz="1400" dirty="0">
+                <a:solidFill>
+                  <a:srgbClr val="2F4D5D"/>
+                </a:solidFill>
+              </a:rPr>
+              <a:t>e.g. </a:t>
+            </a:r>
+            <a:r>
+              <a:rPr lang="nl-BE" sz="1400" dirty="0" err="1">
+                <a:solidFill>
+                  <a:srgbClr val="2F4D5D"/>
+                </a:solidFill>
+              </a:rPr>
+              <a:t>tuna</a:t>
+            </a:r>
+            <a:r>
+              <a:rPr lang="nl-BE" sz="1400" dirty="0">
+                <a:solidFill>
+                  <a:srgbClr val="2F4D5D"/>
+                </a:solidFill>
+              </a:rPr>
+              <a:t> </a:t>
+            </a:r>
+            <a:r>
+              <a:rPr lang="nl-BE" sz="1400" dirty="0" err="1">
+                <a:solidFill>
+                  <a:srgbClr val="2F4D5D"/>
+                </a:solidFill>
+              </a:rPr>
+              <a:t>oil</a:t>
+            </a:r>
+            <a:r>
+              <a:rPr lang="nl-BE" sz="1400" dirty="0">
+                <a:solidFill>
+                  <a:srgbClr val="2F4D5D"/>
+                </a:solidFill>
+              </a:rPr>
+              <a:t> (omega 3) in </a:t>
+            </a:r>
+            <a:r>
+              <a:rPr lang="nl-BE" sz="1400" dirty="0" err="1">
+                <a:solidFill>
+                  <a:srgbClr val="2F4D5D"/>
+                </a:solidFill>
+              </a:rPr>
+              <a:t>bread</a:t>
+            </a:r>
+            <a:endParaRPr lang="nl-BE" sz="1400" dirty="0">
+              <a:solidFill>
+                <a:srgbClr val="2F4D5D"/>
+              </a:solidFill>
+            </a:endParaRPr>
+          </a:p>
+          <a:p>
+            <a:pPr algn="ctr"/>
+            <a:r>
+              <a:rPr lang="nl-BE" sz="1400" dirty="0" err="1">
+                <a:solidFill>
+                  <a:srgbClr val="2F4D5D"/>
+                </a:solidFill>
+              </a:rPr>
+              <a:t>avoid</a:t>
+            </a:r>
+            <a:r>
+              <a:rPr lang="nl-BE" sz="1400" dirty="0">
+                <a:solidFill>
+                  <a:srgbClr val="2F4D5D"/>
+                </a:solidFill>
+              </a:rPr>
+              <a:t> </a:t>
+            </a:r>
+            <a:r>
+              <a:rPr lang="nl-BE" sz="1400" dirty="0" err="1">
+                <a:solidFill>
+                  <a:srgbClr val="2F4D5D"/>
+                </a:solidFill>
+              </a:rPr>
+              <a:t>unpleasant</a:t>
+            </a:r>
+            <a:r>
+              <a:rPr lang="nl-BE" sz="1400" dirty="0">
+                <a:solidFill>
+                  <a:srgbClr val="2F4D5D"/>
+                </a:solidFill>
+              </a:rPr>
+              <a:t> taste</a:t>
+            </a:r>
+          </a:p>
+        </p:txBody>
+      </p:sp>
+      <p:sp>
+        <p:nvSpPr>
+          <p:cNvPr id="4" name="Tekstvak 3">
+            <a:extLst>
+              <a:ext uri="{FF2B5EF4-FFF2-40B4-BE49-F238E27FC236}">
+                <a16:creationId xmlns:a16="http://schemas.microsoft.com/office/drawing/2014/main" id="{FC20B627-D357-43F5-928D-3646074BFE73}"/>
+              </a:ext>
+            </a:extLst>
+          </p:cNvPr>
+          <p:cNvSpPr txBox="1"/>
+          <p:nvPr/>
+        </p:nvSpPr>
+        <p:spPr>
+          <a:xfrm>
+            <a:off x="530711" y="5801064"/>
+            <a:ext cx="11130578" cy="707886"/>
+          </a:xfrm>
+          <a:prstGeom prst="rect">
+            <a:avLst/>
+          </a:prstGeom>
+          <a:noFill/>
+        </p:spPr>
+        <p:txBody>
+          <a:bodyPr wrap="square" rtlCol="0">
+            <a:spAutoFit/>
+          </a:bodyPr>
+          <a:lstStyle/>
+          <a:p>
+            <a:r>
+              <a:rPr lang="nl-BE" sz="1100" b="1" dirty="0"/>
+              <a:t>Source</a:t>
+            </a:r>
+            <a:r>
+              <a:rPr lang="nl-BE" sz="1100" dirty="0"/>
+              <a:t>: </a:t>
+            </a:r>
+            <a:r>
+              <a:rPr lang="nl-BE" sz="1100" dirty="0" err="1"/>
+              <a:t>AZoNano</a:t>
+            </a:r>
+            <a:r>
+              <a:rPr lang="nl-BE" sz="1100" dirty="0"/>
+              <a:t>. (2006). </a:t>
+            </a:r>
+            <a:r>
+              <a:rPr lang="en-US" sz="1100" dirty="0"/>
+              <a:t>Nanofood Defined and The Use Of Nanotechnology In Packaging, Producing and Growing Foods Now and Into The Future, </a:t>
+            </a:r>
+            <a:r>
+              <a:rPr lang="nl-BE" sz="1100" dirty="0">
+                <a:hlinkClick r:id="rId3"/>
+              </a:rPr>
+              <a:t>https://www.azonano.com/article.aspx?ArticleID=1786</a:t>
+            </a:r>
+            <a:endParaRPr lang="nl-BE" sz="1100" dirty="0"/>
+          </a:p>
+          <a:p>
+            <a:endParaRPr lang="nl-BE" dirty="0"/>
+          </a:p>
+        </p:txBody>
+      </p:sp>
+      <p:sp>
+        <p:nvSpPr>
+          <p:cNvPr id="12" name="Rechthoek 11">
+            <a:extLst>
+              <a:ext uri="{FF2B5EF4-FFF2-40B4-BE49-F238E27FC236}">
+                <a16:creationId xmlns:a16="http://schemas.microsoft.com/office/drawing/2014/main" id="{CF13591E-3EB0-4448-A482-6854943AC782}"/>
+              </a:ext>
+            </a:extLst>
+          </p:cNvPr>
+          <p:cNvSpPr/>
+          <p:nvPr/>
+        </p:nvSpPr>
+        <p:spPr>
+          <a:xfrm>
+            <a:off x="6096000" y="1362486"/>
+            <a:ext cx="5169781" cy="500181"/>
+          </a:xfrm>
+          <a:prstGeom prst="rect">
+            <a:avLst/>
+          </a:prstGeom>
+        </p:spPr>
+        <p:style>
+          <a:lnRef idx="2">
+            <a:schemeClr val="dk1">
+              <a:shade val="50000"/>
+            </a:schemeClr>
+          </a:lnRef>
+          <a:fillRef idx="1">
+            <a:schemeClr val="dk1"/>
+          </a:fillRef>
+          <a:effectRef idx="0">
+            <a:schemeClr val="dk1"/>
+          </a:effectRef>
+          <a:fontRef idx="minor">
+            <a:schemeClr val="lt1"/>
+          </a:fontRef>
+        </p:style>
+        <p:txBody>
+          <a:bodyPr rtlCol="0" anchor="ctr"/>
+          <a:lstStyle/>
+          <a:p>
+            <a:pPr algn="ctr"/>
+            <a:r>
+              <a:rPr lang="nl-BE" b="1" dirty="0"/>
+              <a:t>FARMING</a:t>
+            </a:r>
+          </a:p>
+        </p:txBody>
+      </p:sp>
+      <p:sp>
+        <p:nvSpPr>
+          <p:cNvPr id="13" name="Rechthoek 12">
+            <a:extLst>
+              <a:ext uri="{FF2B5EF4-FFF2-40B4-BE49-F238E27FC236}">
+                <a16:creationId xmlns:a16="http://schemas.microsoft.com/office/drawing/2014/main" id="{64511A8C-85DE-44F5-930F-AFC5E6790856}"/>
+              </a:ext>
+            </a:extLst>
+          </p:cNvPr>
+          <p:cNvSpPr/>
+          <p:nvPr/>
+        </p:nvSpPr>
+        <p:spPr>
+          <a:xfrm>
+            <a:off x="6095997" y="2044423"/>
+            <a:ext cx="5169781" cy="1737355"/>
+          </a:xfrm>
+          <a:prstGeom prst="rect">
+            <a:avLst/>
+          </a:prstGeom>
+          <a:solidFill>
+            <a:srgbClr val="DCE7F0"/>
+          </a:solidFill>
+          <a:ln>
+            <a:solidFill>
+              <a:srgbClr val="DCE7F0"/>
+            </a:solidFill>
+          </a:ln>
+        </p:spPr>
+        <p:style>
+          <a:lnRef idx="2">
+            <a:schemeClr val="accent1">
+              <a:shade val="50000"/>
+            </a:schemeClr>
+          </a:lnRef>
+          <a:fillRef idx="1">
+            <a:schemeClr val="accent1"/>
+          </a:fillRef>
+          <a:effectRef idx="0">
+            <a:schemeClr val="accent1"/>
+          </a:effectRef>
+          <a:fontRef idx="minor">
+            <a:schemeClr val="lt1"/>
+          </a:fontRef>
+        </p:style>
+        <p:txBody>
+          <a:bodyPr rtlCol="0" anchor="ctr"/>
+          <a:lstStyle/>
+          <a:p>
+            <a:pPr algn="ctr"/>
+            <a:endParaRPr lang="nl-BE" b="1" dirty="0">
+              <a:solidFill>
+                <a:srgbClr val="2F4D5D"/>
+              </a:solidFill>
+            </a:endParaRPr>
+          </a:p>
+          <a:p>
+            <a:pPr algn="ctr"/>
+            <a:r>
+              <a:rPr lang="nl-BE" b="1" dirty="0">
+                <a:solidFill>
+                  <a:srgbClr val="2F4D5D"/>
+                </a:solidFill>
+              </a:rPr>
+              <a:t>Nanosensors</a:t>
+            </a:r>
+          </a:p>
+          <a:p>
+            <a:pPr algn="ctr"/>
+            <a:r>
+              <a:rPr lang="nl-BE" dirty="0" err="1">
+                <a:solidFill>
+                  <a:srgbClr val="2F4D5D"/>
+                </a:solidFill>
+              </a:rPr>
+              <a:t>nutrient</a:t>
+            </a:r>
+            <a:r>
+              <a:rPr lang="nl-BE" dirty="0">
+                <a:solidFill>
+                  <a:srgbClr val="2F4D5D"/>
+                </a:solidFill>
+              </a:rPr>
+              <a:t> levels, water </a:t>
+            </a:r>
+            <a:r>
+              <a:rPr lang="nl-BE" dirty="0" err="1">
+                <a:solidFill>
+                  <a:srgbClr val="2F4D5D"/>
+                </a:solidFill>
+              </a:rPr>
+              <a:t>concentration</a:t>
+            </a:r>
+            <a:r>
+              <a:rPr lang="nl-BE" dirty="0">
+                <a:solidFill>
+                  <a:srgbClr val="2F4D5D"/>
+                </a:solidFill>
+              </a:rPr>
+              <a:t>, </a:t>
+            </a:r>
+            <a:r>
+              <a:rPr lang="nl-BE" dirty="0" err="1">
+                <a:solidFill>
+                  <a:srgbClr val="2F4D5D"/>
+                </a:solidFill>
+              </a:rPr>
+              <a:t>pests</a:t>
+            </a:r>
+            <a:r>
+              <a:rPr lang="nl-BE" dirty="0">
+                <a:solidFill>
+                  <a:srgbClr val="2F4D5D"/>
+                </a:solidFill>
+              </a:rPr>
+              <a:t>,…</a:t>
+            </a:r>
+          </a:p>
+          <a:p>
+            <a:pPr algn="ctr"/>
+            <a:endParaRPr lang="nl-BE" dirty="0">
+              <a:solidFill>
+                <a:srgbClr val="2F4D5D"/>
+              </a:solidFill>
+            </a:endParaRPr>
+          </a:p>
+        </p:txBody>
+      </p:sp>
+      <p:sp>
+        <p:nvSpPr>
+          <p:cNvPr id="14" name="Rechthoek 13">
+            <a:extLst>
+              <a:ext uri="{FF2B5EF4-FFF2-40B4-BE49-F238E27FC236}">
+                <a16:creationId xmlns:a16="http://schemas.microsoft.com/office/drawing/2014/main" id="{5CA5A585-2A17-490C-9BE7-6F44FC953E43}"/>
+              </a:ext>
+            </a:extLst>
+          </p:cNvPr>
+          <p:cNvSpPr/>
+          <p:nvPr/>
+        </p:nvSpPr>
+        <p:spPr>
+          <a:xfrm>
+            <a:off x="6095998" y="3881953"/>
+            <a:ext cx="5169781" cy="1817511"/>
+          </a:xfrm>
+          <a:prstGeom prst="rect">
+            <a:avLst/>
+          </a:prstGeom>
+          <a:solidFill>
+            <a:srgbClr val="DCE7F0"/>
+          </a:solidFill>
+          <a:ln>
+            <a:solidFill>
+              <a:srgbClr val="DCE7F0"/>
+            </a:solidFill>
+          </a:ln>
+        </p:spPr>
+        <p:style>
+          <a:lnRef idx="2">
+            <a:schemeClr val="accent1">
+              <a:shade val="50000"/>
+            </a:schemeClr>
+          </a:lnRef>
+          <a:fillRef idx="1">
+            <a:schemeClr val="accent1"/>
+          </a:fillRef>
+          <a:effectRef idx="0">
+            <a:schemeClr val="accent1"/>
+          </a:effectRef>
+          <a:fontRef idx="minor">
+            <a:schemeClr val="lt1"/>
+          </a:fontRef>
+        </p:style>
+        <p:txBody>
+          <a:bodyPr rtlCol="0" anchor="ctr"/>
+          <a:lstStyle/>
+          <a:p>
+            <a:pPr algn="ctr"/>
+            <a:endParaRPr lang="nl-BE" b="1" dirty="0">
+              <a:solidFill>
+                <a:srgbClr val="2F4D5D"/>
+              </a:solidFill>
+            </a:endParaRPr>
+          </a:p>
+          <a:p>
+            <a:pPr algn="ctr"/>
+            <a:r>
+              <a:rPr lang="nl-BE" b="1" dirty="0">
+                <a:solidFill>
+                  <a:srgbClr val="2F4D5D"/>
+                </a:solidFill>
+              </a:rPr>
+              <a:t>Nanochips</a:t>
+            </a:r>
+            <a:endParaRPr lang="nl-BE" dirty="0">
+              <a:solidFill>
+                <a:srgbClr val="2F4D5D"/>
+              </a:solidFill>
+            </a:endParaRPr>
+          </a:p>
+          <a:p>
+            <a:pPr algn="ctr"/>
+            <a:r>
+              <a:rPr lang="nl-BE" dirty="0">
+                <a:solidFill>
+                  <a:srgbClr val="2F4D5D"/>
+                </a:solidFill>
+              </a:rPr>
+              <a:t>tracking, information </a:t>
+            </a:r>
+            <a:r>
+              <a:rPr lang="nl-BE" dirty="0" err="1">
+                <a:solidFill>
+                  <a:srgbClr val="2F4D5D"/>
+                </a:solidFill>
+              </a:rPr>
+              <a:t>about</a:t>
+            </a:r>
+            <a:r>
+              <a:rPr lang="nl-BE" dirty="0">
+                <a:solidFill>
+                  <a:srgbClr val="2F4D5D"/>
+                </a:solidFill>
+              </a:rPr>
+              <a:t> vaccines</a:t>
+            </a:r>
+          </a:p>
+          <a:p>
+            <a:pPr algn="ctr"/>
+            <a:endParaRPr lang="nl-BE" dirty="0">
+              <a:solidFill>
+                <a:srgbClr val="2F4D5D"/>
+              </a:solidFill>
+            </a:endParaRPr>
+          </a:p>
+        </p:txBody>
+      </p:sp>
+      <p:sp>
+        <p:nvSpPr>
+          <p:cNvPr id="5" name="Rechthoek 4">
+            <a:extLst>
+              <a:ext uri="{FF2B5EF4-FFF2-40B4-BE49-F238E27FC236}">
+                <a16:creationId xmlns:a16="http://schemas.microsoft.com/office/drawing/2014/main" id="{1C9B0858-AB64-45A1-AD81-60CB549090BD}"/>
+              </a:ext>
+            </a:extLst>
+          </p:cNvPr>
+          <p:cNvSpPr/>
+          <p:nvPr/>
+        </p:nvSpPr>
+        <p:spPr>
+          <a:xfrm>
+            <a:off x="6208889" y="2167467"/>
+            <a:ext cx="4967111" cy="347544"/>
+          </a:xfrm>
+          <a:prstGeom prst="rect">
+            <a:avLst/>
+          </a:prstGeom>
+          <a:ln>
+            <a:solidFill>
+              <a:srgbClr val="1D8DB0"/>
+            </a:solidFill>
+          </a:ln>
+        </p:spPr>
+        <p:style>
+          <a:lnRef idx="2">
+            <a:schemeClr val="accent1">
+              <a:shade val="50000"/>
+            </a:schemeClr>
+          </a:lnRef>
+          <a:fillRef idx="1">
+            <a:schemeClr val="accent1"/>
+          </a:fillRef>
+          <a:effectRef idx="0">
+            <a:schemeClr val="accent1"/>
+          </a:effectRef>
+          <a:fontRef idx="minor">
+            <a:schemeClr val="lt1"/>
+          </a:fontRef>
+        </p:style>
+        <p:txBody>
+          <a:bodyPr rtlCol="0" anchor="ctr"/>
+          <a:lstStyle/>
+          <a:p>
+            <a:pPr algn="ctr"/>
+            <a:r>
+              <a:rPr lang="nl-BE" b="1" dirty="0"/>
+              <a:t>AGRICULTURE</a:t>
+            </a:r>
+          </a:p>
+        </p:txBody>
+      </p:sp>
+      <p:sp>
+        <p:nvSpPr>
+          <p:cNvPr id="15" name="Rechthoek 14">
+            <a:extLst>
+              <a:ext uri="{FF2B5EF4-FFF2-40B4-BE49-F238E27FC236}">
+                <a16:creationId xmlns:a16="http://schemas.microsoft.com/office/drawing/2014/main" id="{F5DB1A31-E799-4C7B-A07E-C77DCF780EDF}"/>
+              </a:ext>
+            </a:extLst>
+          </p:cNvPr>
+          <p:cNvSpPr/>
+          <p:nvPr/>
+        </p:nvSpPr>
+        <p:spPr>
+          <a:xfrm>
+            <a:off x="6197331" y="4014259"/>
+            <a:ext cx="4967111" cy="347544"/>
+          </a:xfrm>
+          <a:prstGeom prst="rect">
+            <a:avLst/>
+          </a:prstGeom>
+          <a:ln>
+            <a:solidFill>
+              <a:srgbClr val="1D8DB0"/>
+            </a:solidFill>
+          </a:ln>
+        </p:spPr>
+        <p:style>
+          <a:lnRef idx="2">
+            <a:schemeClr val="accent1">
+              <a:shade val="50000"/>
+            </a:schemeClr>
+          </a:lnRef>
+          <a:fillRef idx="1">
+            <a:schemeClr val="accent1"/>
+          </a:fillRef>
+          <a:effectRef idx="0">
+            <a:schemeClr val="accent1"/>
+          </a:effectRef>
+          <a:fontRef idx="minor">
+            <a:schemeClr val="lt1"/>
+          </a:fontRef>
+        </p:style>
+        <p:txBody>
+          <a:bodyPr rtlCol="0" anchor="ctr"/>
+          <a:lstStyle/>
+          <a:p>
+            <a:pPr algn="ctr"/>
+            <a:r>
+              <a:rPr lang="nl-BE" b="1" dirty="0"/>
+              <a:t>ANIMALS</a:t>
+            </a:r>
+          </a:p>
+        </p:txBody>
+      </p:sp>
+    </p:spTree>
+    <p:extLst>
+      <p:ext uri="{BB962C8B-B14F-4D97-AF65-F5344CB8AC3E}">
+        <p14:creationId xmlns:p14="http://schemas.microsoft.com/office/powerpoint/2010/main" val="186193373"/>
       </p:ext>
     </p:extLst>
   </p:cSld>
@@ -11458,6 +13605,61 @@
               <a:rPr lang="nl-BE" sz="2000" dirty="0" err="1"/>
               <a:t>permeation</a:t>
             </a:r>
+            <a:endParaRPr lang="nl-BE" sz="2000" dirty="0"/>
+          </a:p>
+          <a:p>
+            <a:endParaRPr lang="nl-BE" sz="2000" dirty="0"/>
+          </a:p>
+          <a:p>
+            <a:pPr marL="0" indent="0">
+              <a:buNone/>
+            </a:pPr>
+            <a:r>
+              <a:rPr lang="nl-BE" sz="2000" dirty="0" err="1"/>
+              <a:t>Properties</a:t>
+            </a:r>
+            <a:r>
+              <a:rPr lang="nl-BE" sz="2000" dirty="0"/>
+              <a:t> of matter </a:t>
+            </a:r>
+            <a:r>
+              <a:rPr lang="nl-BE" sz="2000" b="1" dirty="0"/>
+              <a:t>change</a:t>
+            </a:r>
+            <a:r>
+              <a:rPr lang="nl-BE" sz="2000" dirty="0"/>
+              <a:t> at </a:t>
+            </a:r>
+            <a:r>
+              <a:rPr lang="nl-BE" sz="2000" dirty="0" err="1"/>
+              <a:t>nanosize</a:t>
+            </a:r>
+            <a:r>
+              <a:rPr lang="nl-BE" sz="2000" dirty="0"/>
+              <a:t>:</a:t>
+            </a:r>
+          </a:p>
+          <a:p>
+            <a:r>
+              <a:rPr lang="nl-BE" sz="2000" dirty="0"/>
+              <a:t>Colour</a:t>
+            </a:r>
+          </a:p>
+          <a:p>
+            <a:r>
+              <a:rPr lang="nl-BE" sz="2000" dirty="0"/>
+              <a:t>Chemical </a:t>
+            </a:r>
+            <a:r>
+              <a:rPr lang="nl-BE" sz="2000" dirty="0" err="1"/>
+              <a:t>reactivity</a:t>
+            </a:r>
+            <a:endParaRPr lang="nl-BE" sz="2000" dirty="0"/>
+          </a:p>
+          <a:p>
+            <a:pPr marL="0" indent="0">
+              <a:buNone/>
+            </a:pPr>
             <a:endParaRPr lang="nl-BE" sz="2000" dirty="0"/>
           </a:p>
           <a:p>

--- a/NanoparticleToxicity.pptx
+++ b/NanoparticleToxicity.pptx
@@ -6,10 +6,10 @@
     <p:sldMasterId id="2147483694" r:id="rId2"/>
   </p:sldMasterIdLst>
   <p:notesMasterIdLst>
-    <p:notesMasterId r:id="rId23"/>
+    <p:notesMasterId r:id="rId28"/>
   </p:notesMasterIdLst>
   <p:handoutMasterIdLst>
-    <p:handoutMasterId r:id="rId24"/>
+    <p:handoutMasterId r:id="rId29"/>
   </p:handoutMasterIdLst>
   <p:sldIdLst>
     <p:sldId id="270" r:id="rId3"/>
@@ -18,20 +18,25 @@
     <p:sldId id="272" r:id="rId6"/>
     <p:sldId id="273" r:id="rId7"/>
     <p:sldId id="274" r:id="rId8"/>
-    <p:sldId id="286" r:id="rId9"/>
-    <p:sldId id="284" r:id="rId10"/>
-    <p:sldId id="285" r:id="rId11"/>
-    <p:sldId id="287" r:id="rId12"/>
-    <p:sldId id="276" r:id="rId13"/>
-    <p:sldId id="277" r:id="rId14"/>
-    <p:sldId id="278" r:id="rId15"/>
-    <p:sldId id="279" r:id="rId16"/>
-    <p:sldId id="280" r:id="rId17"/>
-    <p:sldId id="281" r:id="rId18"/>
-    <p:sldId id="282" r:id="rId19"/>
-    <p:sldId id="283" r:id="rId20"/>
-    <p:sldId id="288" r:id="rId21"/>
-    <p:sldId id="289" r:id="rId22"/>
+    <p:sldId id="275" r:id="rId9"/>
+    <p:sldId id="286" r:id="rId10"/>
+    <p:sldId id="284" r:id="rId11"/>
+    <p:sldId id="285" r:id="rId12"/>
+    <p:sldId id="287" r:id="rId13"/>
+    <p:sldId id="276" r:id="rId14"/>
+    <p:sldId id="290" r:id="rId15"/>
+    <p:sldId id="292" r:id="rId16"/>
+    <p:sldId id="294" r:id="rId17"/>
+    <p:sldId id="295" r:id="rId18"/>
+    <p:sldId id="277" r:id="rId19"/>
+    <p:sldId id="278" r:id="rId20"/>
+    <p:sldId id="279" r:id="rId21"/>
+    <p:sldId id="280" r:id="rId22"/>
+    <p:sldId id="281" r:id="rId23"/>
+    <p:sldId id="282" r:id="rId24"/>
+    <p:sldId id="283" r:id="rId25"/>
+    <p:sldId id="288" r:id="rId26"/>
+    <p:sldId id="289" r:id="rId27"/>
   </p:sldIdLst>
   <p:sldSz cx="12192000" cy="6858000"/>
   <p:notesSz cx="6858000" cy="9144000"/>
@@ -783,6 +788,12 @@
           <a:bodyPr/>
           <a:lstStyle/>
           <a:p>
+            <a:r>
+              <a:rPr lang="en-US" dirty="0"/>
+              <a:t>In vivo – in vitro – ex vivo</a:t>
+            </a:r>
+          </a:p>
+          <a:p>
             <a:endParaRPr lang="en-US" dirty="0"/>
           </a:p>
         </p:txBody>
@@ -804,7 +815,439 @@
           <a:p>
             <a:fld id="{8954E32A-327F-AF4B-8E1F-209FBF93D26D}" type="slidenum">
               <a:rPr lang="nl-NL" smtClean="0"/>
-              <a:t>20</a:t>
+              <a:t>14</a:t>
+            </a:fld>
+            <a:endParaRPr lang="nl-NL"/>
+          </a:p>
+        </p:txBody>
+      </p:sp>
+    </p:spTree>
+    <p:extLst>
+      <p:ext uri="{BB962C8B-B14F-4D97-AF65-F5344CB8AC3E}">
+        <p14:creationId xmlns:p14="http://schemas.microsoft.com/office/powerpoint/2010/main" val="55934677"/>
+      </p:ext>
+    </p:extLst>
+  </p:cSld>
+  <p:clrMapOvr>
+    <a:masterClrMapping/>
+  </p:clrMapOvr>
+</p:notes>
+</file>
+
+<file path=ppt/notesSlides/notesSlide11.xml><?xml version="1.0" encoding="utf-8"?>
+<p:notes xmlns:a="http://schemas.openxmlformats.org/drawingml/2006/main" xmlns:r="http://schemas.openxmlformats.org/officeDocument/2006/relationships" xmlns:p="http://schemas.openxmlformats.org/presentationml/2006/main">
+  <p:cSld>
+    <p:spTree>
+      <p:nvGrpSpPr>
+        <p:cNvPr id="1" name=""/>
+        <p:cNvGrpSpPr/>
+        <p:nvPr/>
+      </p:nvGrpSpPr>
+      <p:grpSpPr>
+        <a:xfrm>
+          <a:off x="0" y="0"/>
+          <a:ext cx="0" cy="0"/>
+          <a:chOff x="0" y="0"/>
+          <a:chExt cx="0" cy="0"/>
+        </a:xfrm>
+      </p:grpSpPr>
+      <p:sp>
+        <p:nvSpPr>
+          <p:cNvPr id="2" name="Tijdelijke aanduiding voor dia-afbeelding 1"/>
+          <p:cNvSpPr>
+            <a:spLocks noGrp="1" noRot="1" noChangeAspect="1"/>
+          </p:cNvSpPr>
+          <p:nvPr>
+            <p:ph type="sldImg"/>
+          </p:nvPr>
+        </p:nvSpPr>
+        <p:spPr/>
+      </p:sp>
+      <p:sp>
+        <p:nvSpPr>
+          <p:cNvPr id="3" name="Tijdelijke aanduiding voor notities 2"/>
+          <p:cNvSpPr>
+            <a:spLocks noGrp="1"/>
+          </p:cNvSpPr>
+          <p:nvPr>
+            <p:ph type="body" idx="1"/>
+          </p:nvPr>
+        </p:nvSpPr>
+        <p:spPr/>
+        <p:txBody>
+          <a:bodyPr/>
+          <a:lstStyle/>
+          <a:p>
+            <a:r>
+              <a:rPr lang="en-US" dirty="0"/>
+              <a:t>In vivo – in vitro – ex vivo</a:t>
+            </a:r>
+          </a:p>
+          <a:p>
+            <a:endParaRPr lang="en-US" dirty="0"/>
+          </a:p>
+        </p:txBody>
+      </p:sp>
+      <p:sp>
+        <p:nvSpPr>
+          <p:cNvPr id="4" name="Tijdelijke aanduiding voor dianummer 3"/>
+          <p:cNvSpPr>
+            <a:spLocks noGrp="1"/>
+          </p:cNvSpPr>
+          <p:nvPr>
+            <p:ph type="sldNum" sz="quarter" idx="5"/>
+          </p:nvPr>
+        </p:nvSpPr>
+        <p:spPr/>
+        <p:txBody>
+          <a:bodyPr/>
+          <a:lstStyle/>
+          <a:p>
+            <a:fld id="{8954E32A-327F-AF4B-8E1F-209FBF93D26D}" type="slidenum">
+              <a:rPr lang="nl-NL" smtClean="0"/>
+              <a:t>15</a:t>
+            </a:fld>
+            <a:endParaRPr lang="nl-NL"/>
+          </a:p>
+        </p:txBody>
+      </p:sp>
+    </p:spTree>
+    <p:extLst>
+      <p:ext uri="{BB962C8B-B14F-4D97-AF65-F5344CB8AC3E}">
+        <p14:creationId xmlns:p14="http://schemas.microsoft.com/office/powerpoint/2010/main" val="3620413499"/>
+      </p:ext>
+    </p:extLst>
+  </p:cSld>
+  <p:clrMapOvr>
+    <a:masterClrMapping/>
+  </p:clrMapOvr>
+</p:notes>
+</file>
+
+<file path=ppt/notesSlides/notesSlide12.xml><?xml version="1.0" encoding="utf-8"?>
+<p:notes xmlns:a="http://schemas.openxmlformats.org/drawingml/2006/main" xmlns:r="http://schemas.openxmlformats.org/officeDocument/2006/relationships" xmlns:p="http://schemas.openxmlformats.org/presentationml/2006/main">
+  <p:cSld>
+    <p:spTree>
+      <p:nvGrpSpPr>
+        <p:cNvPr id="1" name=""/>
+        <p:cNvGrpSpPr/>
+        <p:nvPr/>
+      </p:nvGrpSpPr>
+      <p:grpSpPr>
+        <a:xfrm>
+          <a:off x="0" y="0"/>
+          <a:ext cx="0" cy="0"/>
+          <a:chOff x="0" y="0"/>
+          <a:chExt cx="0" cy="0"/>
+        </a:xfrm>
+      </p:grpSpPr>
+      <p:sp>
+        <p:nvSpPr>
+          <p:cNvPr id="2" name="Tijdelijke aanduiding voor dia-afbeelding 1"/>
+          <p:cNvSpPr>
+            <a:spLocks noGrp="1" noRot="1" noChangeAspect="1"/>
+          </p:cNvSpPr>
+          <p:nvPr>
+            <p:ph type="sldImg"/>
+          </p:nvPr>
+        </p:nvSpPr>
+        <p:spPr/>
+      </p:sp>
+      <p:sp>
+        <p:nvSpPr>
+          <p:cNvPr id="3" name="Tijdelijke aanduiding voor notities 2"/>
+          <p:cNvSpPr>
+            <a:spLocks noGrp="1"/>
+          </p:cNvSpPr>
+          <p:nvPr>
+            <p:ph type="body" idx="1"/>
+          </p:nvPr>
+        </p:nvSpPr>
+        <p:spPr/>
+        <p:txBody>
+          <a:bodyPr/>
+          <a:lstStyle/>
+          <a:p>
+            <a:r>
+              <a:rPr lang="en-US" dirty="0"/>
+              <a:t>In vivo – in vitro – ex vivo</a:t>
+            </a:r>
+          </a:p>
+          <a:p>
+            <a:endParaRPr lang="en-US" dirty="0"/>
+          </a:p>
+        </p:txBody>
+      </p:sp>
+      <p:sp>
+        <p:nvSpPr>
+          <p:cNvPr id="4" name="Tijdelijke aanduiding voor dianummer 3"/>
+          <p:cNvSpPr>
+            <a:spLocks noGrp="1"/>
+          </p:cNvSpPr>
+          <p:nvPr>
+            <p:ph type="sldNum" sz="quarter" idx="5"/>
+          </p:nvPr>
+        </p:nvSpPr>
+        <p:spPr/>
+        <p:txBody>
+          <a:bodyPr/>
+          <a:lstStyle/>
+          <a:p>
+            <a:fld id="{8954E32A-327F-AF4B-8E1F-209FBF93D26D}" type="slidenum">
+              <a:rPr lang="nl-NL" smtClean="0"/>
+              <a:t>16</a:t>
+            </a:fld>
+            <a:endParaRPr lang="nl-NL"/>
+          </a:p>
+        </p:txBody>
+      </p:sp>
+    </p:spTree>
+    <p:extLst>
+      <p:ext uri="{BB962C8B-B14F-4D97-AF65-F5344CB8AC3E}">
+        <p14:creationId xmlns:p14="http://schemas.microsoft.com/office/powerpoint/2010/main" val="2774736038"/>
+      </p:ext>
+    </p:extLst>
+  </p:cSld>
+  <p:clrMapOvr>
+    <a:masterClrMapping/>
+  </p:clrMapOvr>
+</p:notes>
+</file>
+
+<file path=ppt/notesSlides/notesSlide13.xml><?xml version="1.0" encoding="utf-8"?>
+<p:notes xmlns:a="http://schemas.openxmlformats.org/drawingml/2006/main" xmlns:r="http://schemas.openxmlformats.org/officeDocument/2006/relationships" xmlns:p="http://schemas.openxmlformats.org/presentationml/2006/main">
+  <p:cSld>
+    <p:spTree>
+      <p:nvGrpSpPr>
+        <p:cNvPr id="1" name=""/>
+        <p:cNvGrpSpPr/>
+        <p:nvPr/>
+      </p:nvGrpSpPr>
+      <p:grpSpPr>
+        <a:xfrm>
+          <a:off x="0" y="0"/>
+          <a:ext cx="0" cy="0"/>
+          <a:chOff x="0" y="0"/>
+          <a:chExt cx="0" cy="0"/>
+        </a:xfrm>
+      </p:grpSpPr>
+      <p:sp>
+        <p:nvSpPr>
+          <p:cNvPr id="2" name="Tijdelijke aanduiding voor dia-afbeelding 1"/>
+          <p:cNvSpPr>
+            <a:spLocks noGrp="1" noRot="1" noChangeAspect="1"/>
+          </p:cNvSpPr>
+          <p:nvPr>
+            <p:ph type="sldImg"/>
+          </p:nvPr>
+        </p:nvSpPr>
+        <p:spPr/>
+      </p:sp>
+      <p:sp>
+        <p:nvSpPr>
+          <p:cNvPr id="3" name="Tijdelijke aanduiding voor notities 2"/>
+          <p:cNvSpPr>
+            <a:spLocks noGrp="1"/>
+          </p:cNvSpPr>
+          <p:nvPr>
+            <p:ph type="body" idx="1"/>
+          </p:nvPr>
+        </p:nvSpPr>
+        <p:spPr/>
+        <p:txBody>
+          <a:bodyPr/>
+          <a:lstStyle/>
+          <a:p>
+            <a:endParaRPr lang="en-US" dirty="0"/>
+          </a:p>
+        </p:txBody>
+      </p:sp>
+      <p:sp>
+        <p:nvSpPr>
+          <p:cNvPr id="4" name="Tijdelijke aanduiding voor dianummer 3"/>
+          <p:cNvSpPr>
+            <a:spLocks noGrp="1"/>
+          </p:cNvSpPr>
+          <p:nvPr>
+            <p:ph type="sldNum" sz="quarter" idx="5"/>
+          </p:nvPr>
+        </p:nvSpPr>
+        <p:spPr/>
+        <p:txBody>
+          <a:bodyPr/>
+          <a:lstStyle/>
+          <a:p>
+            <a:fld id="{8954E32A-327F-AF4B-8E1F-209FBF93D26D}" type="slidenum">
+              <a:rPr lang="nl-NL" smtClean="0"/>
+              <a:t>18</a:t>
+            </a:fld>
+            <a:endParaRPr lang="nl-NL"/>
+          </a:p>
+        </p:txBody>
+      </p:sp>
+    </p:spTree>
+    <p:extLst>
+      <p:ext uri="{BB962C8B-B14F-4D97-AF65-F5344CB8AC3E}">
+        <p14:creationId xmlns:p14="http://schemas.microsoft.com/office/powerpoint/2010/main" val="1701070104"/>
+      </p:ext>
+    </p:extLst>
+  </p:cSld>
+  <p:clrMapOvr>
+    <a:masterClrMapping/>
+  </p:clrMapOvr>
+</p:notes>
+</file>
+
+<file path=ppt/notesSlides/notesSlide14.xml><?xml version="1.0" encoding="utf-8"?>
+<p:notes xmlns:a="http://schemas.openxmlformats.org/drawingml/2006/main" xmlns:r="http://schemas.openxmlformats.org/officeDocument/2006/relationships" xmlns:p="http://schemas.openxmlformats.org/presentationml/2006/main">
+  <p:cSld>
+    <p:spTree>
+      <p:nvGrpSpPr>
+        <p:cNvPr id="1" name=""/>
+        <p:cNvGrpSpPr/>
+        <p:nvPr/>
+      </p:nvGrpSpPr>
+      <p:grpSpPr>
+        <a:xfrm>
+          <a:off x="0" y="0"/>
+          <a:ext cx="0" cy="0"/>
+          <a:chOff x="0" y="0"/>
+          <a:chExt cx="0" cy="0"/>
+        </a:xfrm>
+      </p:grpSpPr>
+      <p:sp>
+        <p:nvSpPr>
+          <p:cNvPr id="2" name="Tijdelijke aanduiding voor dia-afbeelding 1"/>
+          <p:cNvSpPr>
+            <a:spLocks noGrp="1" noRot="1" noChangeAspect="1"/>
+          </p:cNvSpPr>
+          <p:nvPr>
+            <p:ph type="sldImg"/>
+          </p:nvPr>
+        </p:nvSpPr>
+        <p:spPr/>
+      </p:sp>
+      <p:sp>
+        <p:nvSpPr>
+          <p:cNvPr id="3" name="Tijdelijke aanduiding voor notities 2"/>
+          <p:cNvSpPr>
+            <a:spLocks noGrp="1"/>
+          </p:cNvSpPr>
+          <p:nvPr>
+            <p:ph type="body" idx="1"/>
+          </p:nvPr>
+        </p:nvSpPr>
+        <p:spPr/>
+        <p:txBody>
+          <a:bodyPr/>
+          <a:lstStyle/>
+          <a:p>
+            <a:endParaRPr lang="en-US" dirty="0"/>
+          </a:p>
+        </p:txBody>
+      </p:sp>
+      <p:sp>
+        <p:nvSpPr>
+          <p:cNvPr id="4" name="Tijdelijke aanduiding voor dianummer 3"/>
+          <p:cNvSpPr>
+            <a:spLocks noGrp="1"/>
+          </p:cNvSpPr>
+          <p:nvPr>
+            <p:ph type="sldNum" sz="quarter" idx="5"/>
+          </p:nvPr>
+        </p:nvSpPr>
+        <p:spPr/>
+        <p:txBody>
+          <a:bodyPr/>
+          <a:lstStyle/>
+          <a:p>
+            <a:fld id="{8954E32A-327F-AF4B-8E1F-209FBF93D26D}" type="slidenum">
+              <a:rPr lang="nl-NL" smtClean="0"/>
+              <a:t>24</a:t>
+            </a:fld>
+            <a:endParaRPr lang="nl-NL"/>
+          </a:p>
+        </p:txBody>
+      </p:sp>
+    </p:spTree>
+    <p:extLst>
+      <p:ext uri="{BB962C8B-B14F-4D97-AF65-F5344CB8AC3E}">
+        <p14:creationId xmlns:p14="http://schemas.microsoft.com/office/powerpoint/2010/main" val="2132356904"/>
+      </p:ext>
+    </p:extLst>
+  </p:cSld>
+  <p:clrMapOvr>
+    <a:masterClrMapping/>
+  </p:clrMapOvr>
+</p:notes>
+</file>
+
+<file path=ppt/notesSlides/notesSlide15.xml><?xml version="1.0" encoding="utf-8"?>
+<p:notes xmlns:a="http://schemas.openxmlformats.org/drawingml/2006/main" xmlns:r="http://schemas.openxmlformats.org/officeDocument/2006/relationships" xmlns:p="http://schemas.openxmlformats.org/presentationml/2006/main">
+  <p:cSld>
+    <p:spTree>
+      <p:nvGrpSpPr>
+        <p:cNvPr id="1" name=""/>
+        <p:cNvGrpSpPr/>
+        <p:nvPr/>
+      </p:nvGrpSpPr>
+      <p:grpSpPr>
+        <a:xfrm>
+          <a:off x="0" y="0"/>
+          <a:ext cx="0" cy="0"/>
+          <a:chOff x="0" y="0"/>
+          <a:chExt cx="0" cy="0"/>
+        </a:xfrm>
+      </p:grpSpPr>
+      <p:sp>
+        <p:nvSpPr>
+          <p:cNvPr id="2" name="Tijdelijke aanduiding voor dia-afbeelding 1"/>
+          <p:cNvSpPr>
+            <a:spLocks noGrp="1" noRot="1" noChangeAspect="1"/>
+          </p:cNvSpPr>
+          <p:nvPr>
+            <p:ph type="sldImg"/>
+          </p:nvPr>
+        </p:nvSpPr>
+        <p:spPr/>
+      </p:sp>
+      <p:sp>
+        <p:nvSpPr>
+          <p:cNvPr id="3" name="Tijdelijke aanduiding voor notities 2"/>
+          <p:cNvSpPr>
+            <a:spLocks noGrp="1"/>
+          </p:cNvSpPr>
+          <p:nvPr>
+            <p:ph type="body" idx="1"/>
+          </p:nvPr>
+        </p:nvSpPr>
+        <p:spPr/>
+        <p:txBody>
+          <a:bodyPr/>
+          <a:lstStyle/>
+          <a:p>
+            <a:endParaRPr lang="en-US" dirty="0"/>
+          </a:p>
+        </p:txBody>
+      </p:sp>
+      <p:sp>
+        <p:nvSpPr>
+          <p:cNvPr id="4" name="Tijdelijke aanduiding voor dianummer 3"/>
+          <p:cNvSpPr>
+            <a:spLocks noGrp="1"/>
+          </p:cNvSpPr>
+          <p:nvPr>
+            <p:ph type="sldNum" sz="quarter" idx="5"/>
+          </p:nvPr>
+        </p:nvSpPr>
+        <p:spPr/>
+        <p:txBody>
+          <a:bodyPr/>
+          <a:lstStyle/>
+          <a:p>
+            <a:fld id="{8954E32A-327F-AF4B-8E1F-209FBF93D26D}" type="slidenum">
+              <a:rPr lang="nl-NL" smtClean="0"/>
+              <a:t>25</a:t>
             </a:fld>
             <a:endParaRPr lang="nl-NL"/>
           </a:p>
@@ -1119,38 +1562,7 @@
           <a:bodyPr/>
           <a:lstStyle/>
           <a:p>
-            <a:r>
-              <a:rPr lang="en-US" dirty="0"/>
-              <a:t>FOR COMPOSITION AND CONCENTRATION: </a:t>
-            </a:r>
-            <a:r>
-              <a:rPr lang="en-US" dirty="0" err="1"/>
-              <a:t>dispersice</a:t>
-            </a:r>
-            <a:r>
-              <a:rPr lang="en-US" dirty="0"/>
-              <a:t> X-ray analysis (EDS), atomic absorption spectroscopy (AAS)</a:t>
-            </a:r>
-          </a:p>
-          <a:p>
-            <a:r>
-              <a:rPr lang="en-US" dirty="0"/>
-              <a:t>FOR SIZE AND SURFACE AREA: </a:t>
-            </a:r>
-          </a:p>
-          <a:p>
-            <a:r>
-              <a:rPr lang="en-US" dirty="0"/>
-              <a:t>SIZE AND </a:t>
-            </a:r>
-            <a:r>
-              <a:rPr lang="en-US" dirty="0" err="1"/>
-              <a:t>MORPHOLOGYl</a:t>
-            </a:r>
-            <a:r>
-              <a:rPr lang="en-US" dirty="0"/>
-              <a:t>:  AFM , SEM and TEM.</a:t>
-            </a:r>
+            <a:endParaRPr lang="en-US" dirty="0"/>
           </a:p>
         </p:txBody>
       </p:sp>
@@ -1171,7 +1583,7 @@
           <a:p>
             <a:fld id="{8954E32A-327F-AF4B-8E1F-209FBF93D26D}" type="slidenum">
               <a:rPr lang="nl-NL" smtClean="0"/>
-              <a:t>8</a:t>
+              <a:t>7</a:t>
             </a:fld>
             <a:endParaRPr lang="nl-NL"/>
           </a:p>
@@ -1180,7 +1592,7 @@
     </p:spTree>
     <p:extLst>
       <p:ext uri="{BB962C8B-B14F-4D97-AF65-F5344CB8AC3E}">
-        <p14:creationId xmlns:p14="http://schemas.microsoft.com/office/powerpoint/2010/main" val="418003723"/>
+        <p14:creationId xmlns:p14="http://schemas.microsoft.com/office/powerpoint/2010/main" val="817098264"/>
       </p:ext>
     </p:extLst>
   </p:cSld>
@@ -1234,7 +1646,38 @@
           <a:bodyPr/>
           <a:lstStyle/>
           <a:p>
-            <a:endParaRPr lang="en-US" dirty="0"/>
+            <a:r>
+              <a:rPr lang="en-US" dirty="0"/>
+              <a:t>FOR COMPOSITION AND CONCENTRATION: </a:t>
+            </a:r>
+            <a:r>
+              <a:rPr lang="en-US" dirty="0" err="1"/>
+              <a:t>dispersice</a:t>
+            </a:r>
+            <a:r>
+              <a:rPr lang="en-US" dirty="0"/>
+              <a:t> X-ray analysis (EDS), atomic absorption spectroscopy (AAS)</a:t>
+            </a:r>
+          </a:p>
+          <a:p>
+            <a:r>
+              <a:rPr lang="en-US" dirty="0"/>
+              <a:t>FOR SIZE AND SURFACE AREA: </a:t>
+            </a:r>
+          </a:p>
+          <a:p>
+            <a:r>
+              <a:rPr lang="en-US" dirty="0"/>
+              <a:t>SIZE AND </a:t>
+            </a:r>
+            <a:r>
+              <a:rPr lang="en-US" dirty="0" err="1"/>
+              <a:t>MORPHOLOGYl</a:t>
+            </a:r>
+            <a:r>
+              <a:rPr lang="en-US" dirty="0"/>
+              <a:t>:  AFM , SEM and TEM.</a:t>
+            </a:r>
           </a:p>
         </p:txBody>
       </p:sp>
@@ -1264,7 +1707,7 @@
     </p:spTree>
     <p:extLst>
       <p:ext uri="{BB962C8B-B14F-4D97-AF65-F5344CB8AC3E}">
-        <p14:creationId xmlns:p14="http://schemas.microsoft.com/office/powerpoint/2010/main" val="1210985977"/>
+        <p14:creationId xmlns:p14="http://schemas.microsoft.com/office/powerpoint/2010/main" val="418003723"/>
       </p:ext>
     </p:extLst>
   </p:cSld>
@@ -1318,12 +1761,6 @@
           <a:bodyPr/>
           <a:lstStyle/>
           <a:p>
-            <a:r>
-              <a:rPr lang="en-US" dirty="0"/>
-              <a:t>In vivo – in vitro – ex vivo</a:t>
-            </a:r>
-          </a:p>
-          <a:p>
             <a:endParaRPr lang="en-US" dirty="0"/>
           </a:p>
         </p:txBody>
@@ -1345,7 +1782,7 @@
           <a:p>
             <a:fld id="{8954E32A-327F-AF4B-8E1F-209FBF93D26D}" type="slidenum">
               <a:rPr lang="nl-NL" smtClean="0"/>
-              <a:t>11</a:t>
+              <a:t>10</a:t>
             </a:fld>
             <a:endParaRPr lang="nl-NL"/>
           </a:p>
@@ -1354,7 +1791,7 @@
     </p:spTree>
     <p:extLst>
       <p:ext uri="{BB962C8B-B14F-4D97-AF65-F5344CB8AC3E}">
-        <p14:creationId xmlns:p14="http://schemas.microsoft.com/office/powerpoint/2010/main" val="325310299"/>
+        <p14:creationId xmlns:p14="http://schemas.microsoft.com/office/powerpoint/2010/main" val="1210985977"/>
       </p:ext>
     </p:extLst>
   </p:cSld>
@@ -1408,6 +1845,12 @@
           <a:bodyPr/>
           <a:lstStyle/>
           <a:p>
+            <a:r>
+              <a:rPr lang="en-US" dirty="0"/>
+              <a:t>In vivo – in vitro – ex vivo</a:t>
+            </a:r>
+          </a:p>
+          <a:p>
             <a:endParaRPr lang="en-US" dirty="0"/>
           </a:p>
         </p:txBody>
@@ -1429,7 +1872,7 @@
           <a:p>
             <a:fld id="{8954E32A-327F-AF4B-8E1F-209FBF93D26D}" type="slidenum">
               <a:rPr lang="nl-NL" smtClean="0"/>
-              <a:t>13</a:t>
+              <a:t>12</a:t>
             </a:fld>
             <a:endParaRPr lang="nl-NL"/>
           </a:p>
@@ -1438,7 +1881,7 @@
     </p:spTree>
     <p:extLst>
       <p:ext uri="{BB962C8B-B14F-4D97-AF65-F5344CB8AC3E}">
-        <p14:creationId xmlns:p14="http://schemas.microsoft.com/office/powerpoint/2010/main" val="1701070104"/>
+        <p14:creationId xmlns:p14="http://schemas.microsoft.com/office/powerpoint/2010/main" val="325310299"/>
       </p:ext>
     </p:extLst>
   </p:cSld>
@@ -1492,6 +1935,12 @@
           <a:bodyPr/>
           <a:lstStyle/>
           <a:p>
+            <a:r>
+              <a:rPr lang="en-US" dirty="0"/>
+              <a:t>In vivo – in vitro – ex vivo</a:t>
+            </a:r>
+          </a:p>
+          <a:p>
             <a:endParaRPr lang="en-US" dirty="0"/>
           </a:p>
         </p:txBody>
@@ -1513,7 +1962,7 @@
           <a:p>
             <a:fld id="{8954E32A-327F-AF4B-8E1F-209FBF93D26D}" type="slidenum">
               <a:rPr lang="nl-NL" smtClean="0"/>
-              <a:t>19</a:t>
+              <a:t>13</a:t>
             </a:fld>
             <a:endParaRPr lang="nl-NL"/>
           </a:p>
@@ -1522,7 +1971,7 @@
     </p:spTree>
     <p:extLst>
       <p:ext uri="{BB962C8B-B14F-4D97-AF65-F5344CB8AC3E}">
-        <p14:creationId xmlns:p14="http://schemas.microsoft.com/office/powerpoint/2010/main" val="2132356904"/>
+        <p14:creationId xmlns:p14="http://schemas.microsoft.com/office/powerpoint/2010/main" val="1136379491"/>
       </p:ext>
     </p:extLst>
   </p:cSld>
@@ -6727,6 +7176,807 @@
           <p:cNvPr id="4" name="Titel 3">
             <a:extLst>
               <a:ext uri="{FF2B5EF4-FFF2-40B4-BE49-F238E27FC236}">
+                <a16:creationId xmlns:a16="http://schemas.microsoft.com/office/drawing/2014/main" id="{B5FBEFEE-FB6C-4481-9947-96EA662C6CC0}"/>
+              </a:ext>
+            </a:extLst>
+          </p:cNvPr>
+          <p:cNvSpPr>
+            <a:spLocks noGrp="1"/>
+          </p:cNvSpPr>
+          <p:nvPr>
+            <p:ph type="title"/>
+          </p:nvPr>
+        </p:nvSpPr>
+        <p:spPr/>
+        <p:txBody>
+          <a:bodyPr/>
+          <a:lstStyle/>
+          <a:p>
+            <a:r>
+              <a:rPr lang="en-US" dirty="0"/>
+              <a:t>Areas studied for nanotoxicity </a:t>
+            </a:r>
+          </a:p>
+        </p:txBody>
+      </p:sp>
+      <p:sp>
+        <p:nvSpPr>
+          <p:cNvPr id="5" name="Rechthoek: afgeronde hoeken 4">
+            <a:extLst>
+              <a:ext uri="{FF2B5EF4-FFF2-40B4-BE49-F238E27FC236}">
+                <a16:creationId xmlns:a16="http://schemas.microsoft.com/office/drawing/2014/main" id="{1E7B1E3E-52F7-4627-83E0-96D12C5F6630}"/>
+              </a:ext>
+            </a:extLst>
+          </p:cNvPr>
+          <p:cNvSpPr/>
+          <p:nvPr/>
+        </p:nvSpPr>
+        <p:spPr>
+          <a:xfrm>
+            <a:off x="945932" y="1618593"/>
+            <a:ext cx="10047890" cy="4382814"/>
+          </a:xfrm>
+          <a:prstGeom prst="roundRect">
+            <a:avLst/>
+          </a:prstGeom>
+          <a:solidFill>
+            <a:schemeClr val="bg2"/>
+          </a:solidFill>
+          <a:ln w="28575"/>
+        </p:spPr>
+        <p:style>
+          <a:lnRef idx="2">
+            <a:schemeClr val="accent1">
+              <a:shade val="50000"/>
+            </a:schemeClr>
+          </a:lnRef>
+          <a:fillRef idx="1">
+            <a:schemeClr val="accent1"/>
+          </a:fillRef>
+          <a:effectRef idx="0">
+            <a:schemeClr val="accent1"/>
+          </a:effectRef>
+          <a:fontRef idx="minor">
+            <a:schemeClr val="lt1"/>
+          </a:fontRef>
+        </p:style>
+        <p:txBody>
+          <a:bodyPr rtlCol="0" anchor="ctr"/>
+          <a:lstStyle/>
+          <a:p>
+            <a:endParaRPr lang="nl-BE" sz="2000" b="1" dirty="0">
+              <a:solidFill>
+                <a:srgbClr val="2F4D5D"/>
+              </a:solidFill>
+            </a:endParaRPr>
+          </a:p>
+          <a:p>
+            <a:endParaRPr lang="nl-BE" sz="2000" b="1" dirty="0">
+              <a:solidFill>
+                <a:srgbClr val="2F4D5D"/>
+              </a:solidFill>
+            </a:endParaRPr>
+          </a:p>
+          <a:p>
+            <a:endParaRPr lang="nl-BE" sz="2000" b="1" dirty="0">
+              <a:solidFill>
+                <a:srgbClr val="2F4D5D"/>
+              </a:solidFill>
+            </a:endParaRPr>
+          </a:p>
+          <a:p>
+            <a:endParaRPr lang="nl-BE" sz="2000" b="1" dirty="0">
+              <a:solidFill>
+                <a:srgbClr val="2F4D5D"/>
+              </a:solidFill>
+            </a:endParaRPr>
+          </a:p>
+          <a:p>
+            <a:endParaRPr lang="nl-BE" sz="2000" b="1" dirty="0">
+              <a:solidFill>
+                <a:srgbClr val="2F4D5D"/>
+              </a:solidFill>
+            </a:endParaRPr>
+          </a:p>
+          <a:p>
+            <a:endParaRPr lang="nl-BE" sz="2000" b="1" dirty="0">
+              <a:solidFill>
+                <a:srgbClr val="2F4D5D"/>
+              </a:solidFill>
+            </a:endParaRPr>
+          </a:p>
+          <a:p>
+            <a:r>
+              <a:rPr lang="nl-BE" sz="2000" b="1" dirty="0">
+                <a:solidFill>
+                  <a:srgbClr val="2F4D5D"/>
+                </a:solidFill>
+              </a:rPr>
+              <a:t>Area 2: In Vitro </a:t>
+            </a:r>
+            <a:r>
+              <a:rPr lang="nl-BE" sz="2000" b="1" dirty="0" err="1">
+                <a:solidFill>
+                  <a:srgbClr val="2F4D5D"/>
+                </a:solidFill>
+              </a:rPr>
+              <a:t>toxicity</a:t>
+            </a:r>
+            <a:endParaRPr lang="nl-BE" sz="2000" b="1" dirty="0">
+              <a:solidFill>
+                <a:srgbClr val="2F4D5D"/>
+              </a:solidFill>
+            </a:endParaRPr>
+          </a:p>
+          <a:p>
+            <a:r>
+              <a:rPr lang="nl-BE" sz="2000" dirty="0" err="1">
+                <a:solidFill>
+                  <a:srgbClr val="2F4D5D"/>
+                </a:solidFill>
+              </a:rPr>
+              <a:t>Study</a:t>
+            </a:r>
+            <a:r>
+              <a:rPr lang="nl-BE" sz="2000" dirty="0">
+                <a:solidFill>
+                  <a:srgbClr val="2F4D5D"/>
+                </a:solidFill>
+              </a:rPr>
+              <a:t> </a:t>
+            </a:r>
+            <a:r>
+              <a:rPr lang="nl-BE" sz="2000" dirty="0" err="1">
+                <a:solidFill>
+                  <a:srgbClr val="2F4D5D"/>
+                </a:solidFill>
+              </a:rPr>
+              <a:t>influence</a:t>
+            </a:r>
+            <a:r>
+              <a:rPr lang="nl-BE" sz="2000" dirty="0">
+                <a:solidFill>
+                  <a:srgbClr val="2F4D5D"/>
+                </a:solidFill>
+              </a:rPr>
+              <a:t> on </a:t>
+            </a:r>
+            <a:r>
+              <a:rPr lang="nl-BE" sz="2000" dirty="0" err="1">
+                <a:solidFill>
+                  <a:srgbClr val="2F4D5D"/>
+                </a:solidFill>
+              </a:rPr>
+              <a:t>subcellular</a:t>
+            </a:r>
+            <a:r>
+              <a:rPr lang="nl-BE" sz="2000" dirty="0">
+                <a:solidFill>
+                  <a:srgbClr val="2F4D5D"/>
+                </a:solidFill>
+              </a:rPr>
+              <a:t>, </a:t>
+            </a:r>
+            <a:r>
+              <a:rPr lang="nl-BE" sz="2000" dirty="0" err="1">
+                <a:solidFill>
+                  <a:srgbClr val="2F4D5D"/>
+                </a:solidFill>
+              </a:rPr>
+              <a:t>cellular</a:t>
+            </a:r>
+            <a:r>
+              <a:rPr lang="nl-BE" sz="2000" dirty="0">
+                <a:solidFill>
+                  <a:srgbClr val="2F4D5D"/>
+                </a:solidFill>
+              </a:rPr>
+              <a:t> </a:t>
+            </a:r>
+            <a:r>
+              <a:rPr lang="nl-BE" sz="2000" dirty="0" err="1">
+                <a:solidFill>
+                  <a:srgbClr val="2F4D5D"/>
+                </a:solidFill>
+              </a:rPr>
+              <a:t>and</a:t>
+            </a:r>
+            <a:r>
+              <a:rPr lang="nl-BE" sz="2000" dirty="0">
+                <a:solidFill>
+                  <a:srgbClr val="2F4D5D"/>
+                </a:solidFill>
+              </a:rPr>
+              <a:t> </a:t>
+            </a:r>
+            <a:r>
+              <a:rPr lang="nl-BE" sz="2000" dirty="0" err="1">
+                <a:solidFill>
+                  <a:srgbClr val="2F4D5D"/>
+                </a:solidFill>
+              </a:rPr>
+              <a:t>whole</a:t>
+            </a:r>
+            <a:r>
+              <a:rPr lang="nl-BE" sz="2000" dirty="0">
+                <a:solidFill>
+                  <a:srgbClr val="2F4D5D"/>
+                </a:solidFill>
+              </a:rPr>
+              <a:t> tissue. </a:t>
+            </a:r>
+          </a:p>
+          <a:p>
+            <a:r>
+              <a:rPr lang="nl-BE" sz="2000" dirty="0" err="1">
+                <a:solidFill>
+                  <a:srgbClr val="2F4D5D"/>
+                </a:solidFill>
+              </a:rPr>
+              <a:t>Determination</a:t>
+            </a:r>
+            <a:r>
+              <a:rPr lang="nl-BE" sz="2000" dirty="0">
+                <a:solidFill>
+                  <a:srgbClr val="2F4D5D"/>
+                </a:solidFill>
+              </a:rPr>
+              <a:t> of: </a:t>
+            </a:r>
+          </a:p>
+          <a:p>
+            <a:endParaRPr lang="nl-BE" sz="2000" dirty="0">
+              <a:solidFill>
+                <a:srgbClr val="2F4D5D"/>
+              </a:solidFill>
+            </a:endParaRPr>
+          </a:p>
+          <a:p>
+            <a:pPr marL="342900" indent="-342900">
+              <a:buFont typeface="Wingdings" panose="05000000000000000000" pitchFamily="2" charset="2"/>
+              <a:buChar char="Ø"/>
+            </a:pPr>
+            <a:r>
+              <a:rPr lang="nl-BE" sz="2000" dirty="0">
+                <a:solidFill>
+                  <a:srgbClr val="2F4D5D"/>
+                </a:solidFill>
+              </a:rPr>
+              <a:t>A </a:t>
+            </a:r>
+            <a:r>
+              <a:rPr lang="nl-BE" sz="2000" dirty="0" err="1">
+                <a:solidFill>
+                  <a:srgbClr val="2F4D5D"/>
+                </a:solidFill>
+              </a:rPr>
+              <a:t>relatively</a:t>
+            </a:r>
+            <a:r>
+              <a:rPr lang="nl-BE" sz="2000" dirty="0">
+                <a:solidFill>
+                  <a:srgbClr val="2F4D5D"/>
+                </a:solidFill>
+              </a:rPr>
+              <a:t> </a:t>
+            </a:r>
+            <a:r>
+              <a:rPr lang="nl-BE" sz="2000" b="1" dirty="0" err="1">
+                <a:solidFill>
+                  <a:srgbClr val="2F4D5D"/>
+                </a:solidFill>
+              </a:rPr>
+              <a:t>simple</a:t>
+            </a:r>
+            <a:r>
+              <a:rPr lang="nl-BE" sz="2000" b="1" dirty="0">
+                <a:solidFill>
+                  <a:srgbClr val="2F4D5D"/>
+                </a:solidFill>
+              </a:rPr>
+              <a:t> model </a:t>
+            </a:r>
+            <a:r>
+              <a:rPr lang="nl-BE" sz="2000" dirty="0" err="1">
+                <a:solidFill>
+                  <a:srgbClr val="2F4D5D"/>
+                </a:solidFill>
+              </a:rPr>
+              <a:t>that</a:t>
+            </a:r>
+            <a:r>
+              <a:rPr lang="nl-BE" sz="2000" dirty="0">
+                <a:solidFill>
+                  <a:srgbClr val="2F4D5D"/>
+                </a:solidFill>
+              </a:rPr>
+              <a:t> </a:t>
+            </a:r>
+            <a:r>
+              <a:rPr lang="nl-BE" sz="2000" dirty="0" err="1">
+                <a:solidFill>
+                  <a:srgbClr val="2F4D5D"/>
+                </a:solidFill>
+              </a:rPr>
+              <a:t>reveals</a:t>
+            </a:r>
+            <a:r>
+              <a:rPr lang="nl-BE" sz="2000" dirty="0">
+                <a:solidFill>
+                  <a:srgbClr val="2F4D5D"/>
+                </a:solidFill>
+              </a:rPr>
+              <a:t> a </a:t>
+            </a:r>
+            <a:r>
+              <a:rPr lang="nl-BE" sz="2000" dirty="0" err="1">
+                <a:solidFill>
+                  <a:srgbClr val="2F4D5D"/>
+                </a:solidFill>
+              </a:rPr>
+              <a:t>general</a:t>
+            </a:r>
+            <a:r>
+              <a:rPr lang="nl-BE" sz="2000" dirty="0">
+                <a:solidFill>
+                  <a:srgbClr val="2F4D5D"/>
+                </a:solidFill>
+              </a:rPr>
+              <a:t> </a:t>
+            </a:r>
+            <a:r>
+              <a:rPr lang="nl-BE" sz="2000" dirty="0" err="1">
+                <a:solidFill>
+                  <a:srgbClr val="2F4D5D"/>
+                </a:solidFill>
+              </a:rPr>
+              <a:t>mechanism</a:t>
+            </a:r>
+            <a:r>
+              <a:rPr lang="nl-BE" sz="2000" dirty="0">
+                <a:solidFill>
+                  <a:srgbClr val="2F4D5D"/>
+                </a:solidFill>
+              </a:rPr>
+              <a:t> of </a:t>
+            </a:r>
+            <a:r>
+              <a:rPr lang="nl-BE" sz="2000" dirty="0" err="1">
+                <a:solidFill>
+                  <a:srgbClr val="2F4D5D"/>
+                </a:solidFill>
+              </a:rPr>
+              <a:t>toxicity</a:t>
+            </a:r>
+            <a:r>
+              <a:rPr lang="nl-BE" sz="2000" dirty="0">
+                <a:solidFill>
+                  <a:srgbClr val="2F4D5D"/>
+                </a:solidFill>
+              </a:rPr>
+              <a:t> </a:t>
+            </a:r>
+            <a:r>
+              <a:rPr lang="nl-BE" sz="2000" dirty="0" err="1">
+                <a:solidFill>
+                  <a:srgbClr val="2F4D5D"/>
+                </a:solidFill>
+              </a:rPr>
+              <a:t>can</a:t>
+            </a:r>
+            <a:r>
+              <a:rPr lang="nl-BE" sz="2000" dirty="0">
+                <a:solidFill>
+                  <a:srgbClr val="2F4D5D"/>
+                </a:solidFill>
+              </a:rPr>
+              <a:t> </a:t>
+            </a:r>
+            <a:r>
+              <a:rPr lang="nl-BE" sz="2000" dirty="0" err="1">
+                <a:solidFill>
+                  <a:srgbClr val="2F4D5D"/>
+                </a:solidFill>
+              </a:rPr>
+              <a:t>be</a:t>
+            </a:r>
+            <a:r>
+              <a:rPr lang="nl-BE" sz="2000" dirty="0">
+                <a:solidFill>
+                  <a:srgbClr val="2F4D5D"/>
+                </a:solidFill>
+              </a:rPr>
+              <a:t> a basis </a:t>
+            </a:r>
+            <a:r>
+              <a:rPr lang="nl-BE" sz="2000" dirty="0" err="1">
+                <a:solidFill>
+                  <a:srgbClr val="2F4D5D"/>
+                </a:solidFill>
+              </a:rPr>
+              <a:t>for</a:t>
+            </a:r>
+            <a:r>
+              <a:rPr lang="nl-BE" sz="2000" dirty="0">
+                <a:solidFill>
+                  <a:srgbClr val="2F4D5D"/>
+                </a:solidFill>
+              </a:rPr>
+              <a:t> </a:t>
+            </a:r>
+            <a:r>
+              <a:rPr lang="nl-BE" sz="2000" dirty="0" err="1">
+                <a:solidFill>
+                  <a:srgbClr val="2F4D5D"/>
+                </a:solidFill>
+              </a:rPr>
+              <a:t>further</a:t>
+            </a:r>
+            <a:r>
+              <a:rPr lang="nl-BE" sz="2000" dirty="0">
+                <a:solidFill>
+                  <a:srgbClr val="2F4D5D"/>
+                </a:solidFill>
+              </a:rPr>
+              <a:t> assessment.</a:t>
+            </a:r>
+          </a:p>
+          <a:p>
+            <a:endParaRPr lang="nl-BE" sz="2000" dirty="0">
+              <a:solidFill>
+                <a:srgbClr val="2F4D5D"/>
+              </a:solidFill>
+            </a:endParaRPr>
+          </a:p>
+          <a:p>
+            <a:pPr marL="342900" indent="-342900">
+              <a:buFont typeface="Wingdings" panose="05000000000000000000" pitchFamily="2" charset="2"/>
+              <a:buChar char="Ø"/>
+            </a:pPr>
+            <a:r>
+              <a:rPr lang="nl-BE" sz="2000" dirty="0">
+                <a:solidFill>
+                  <a:srgbClr val="2F4D5D"/>
+                </a:solidFill>
+              </a:rPr>
+              <a:t>“</a:t>
+            </a:r>
+            <a:r>
+              <a:rPr lang="nl-BE" sz="2000" b="1" dirty="0" err="1">
+                <a:solidFill>
+                  <a:srgbClr val="2F4D5D"/>
+                </a:solidFill>
+              </a:rPr>
+              <a:t>elementary</a:t>
+            </a:r>
+            <a:r>
+              <a:rPr lang="nl-BE" sz="2000" b="1" dirty="0">
+                <a:solidFill>
+                  <a:srgbClr val="2F4D5D"/>
+                </a:solidFill>
+              </a:rPr>
+              <a:t> </a:t>
+            </a:r>
+            <a:r>
+              <a:rPr lang="nl-BE" sz="2000" b="1" dirty="0" err="1">
+                <a:solidFill>
+                  <a:srgbClr val="2F4D5D"/>
+                </a:solidFill>
+              </a:rPr>
+              <a:t>toxicity</a:t>
+            </a:r>
+            <a:r>
+              <a:rPr lang="nl-BE" sz="2000" dirty="0">
+                <a:solidFill>
+                  <a:srgbClr val="2F4D5D"/>
+                </a:solidFill>
+              </a:rPr>
+              <a:t>”: </a:t>
+            </a:r>
+            <a:r>
+              <a:rPr lang="nl-BE" sz="2000" dirty="0" err="1">
+                <a:solidFill>
+                  <a:srgbClr val="2F4D5D"/>
+                </a:solidFill>
+              </a:rPr>
+              <a:t>the</a:t>
+            </a:r>
+            <a:r>
+              <a:rPr lang="nl-BE" sz="2000" dirty="0">
+                <a:solidFill>
+                  <a:srgbClr val="2F4D5D"/>
+                </a:solidFill>
+              </a:rPr>
+              <a:t> </a:t>
+            </a:r>
+            <a:r>
+              <a:rPr lang="nl-BE" sz="2000" dirty="0" err="1">
+                <a:solidFill>
+                  <a:srgbClr val="2F4D5D"/>
+                </a:solidFill>
+              </a:rPr>
+              <a:t>ability</a:t>
+            </a:r>
+            <a:r>
+              <a:rPr lang="nl-BE" sz="2000" dirty="0">
+                <a:solidFill>
+                  <a:srgbClr val="2F4D5D"/>
+                </a:solidFill>
+              </a:rPr>
+              <a:t> of a compound </a:t>
+            </a:r>
+            <a:r>
+              <a:rPr lang="nl-BE" sz="2000" dirty="0" err="1">
+                <a:solidFill>
+                  <a:srgbClr val="2F4D5D"/>
+                </a:solidFill>
+              </a:rPr>
+              <a:t>to</a:t>
+            </a:r>
+            <a:r>
+              <a:rPr lang="nl-BE" sz="2000" dirty="0">
+                <a:solidFill>
+                  <a:srgbClr val="2F4D5D"/>
+                </a:solidFill>
+              </a:rPr>
+              <a:t> </a:t>
+            </a:r>
+            <a:r>
+              <a:rPr lang="nl-BE" sz="2000" dirty="0" err="1">
+                <a:solidFill>
+                  <a:srgbClr val="2F4D5D"/>
+                </a:solidFill>
+              </a:rPr>
+              <a:t>cause</a:t>
+            </a:r>
+            <a:r>
+              <a:rPr lang="nl-BE" sz="2000" dirty="0">
+                <a:solidFill>
+                  <a:srgbClr val="2F4D5D"/>
+                </a:solidFill>
+              </a:rPr>
+              <a:t> </a:t>
+            </a:r>
+            <a:r>
+              <a:rPr lang="nl-BE" sz="2000" dirty="0" err="1">
+                <a:solidFill>
+                  <a:srgbClr val="2F4D5D"/>
+                </a:solidFill>
+              </a:rPr>
+              <a:t>death</a:t>
+            </a:r>
+            <a:r>
+              <a:rPr lang="nl-BE" sz="2000" dirty="0">
+                <a:solidFill>
+                  <a:srgbClr val="2F4D5D"/>
+                </a:solidFill>
+              </a:rPr>
+              <a:t> as a </a:t>
+            </a:r>
+            <a:r>
+              <a:rPr lang="nl-BE" sz="2000" dirty="0" err="1">
+                <a:solidFill>
+                  <a:srgbClr val="2F4D5D"/>
+                </a:solidFill>
+              </a:rPr>
+              <a:t>consequence</a:t>
+            </a:r>
+            <a:r>
+              <a:rPr lang="nl-BE" sz="2000" dirty="0">
+                <a:solidFill>
+                  <a:srgbClr val="2F4D5D"/>
+                </a:solidFill>
+              </a:rPr>
+              <a:t> of </a:t>
+            </a:r>
+            <a:r>
+              <a:rPr lang="nl-BE" sz="2000" dirty="0" err="1">
+                <a:solidFill>
+                  <a:srgbClr val="2F4D5D"/>
+                </a:solidFill>
+              </a:rPr>
+              <a:t>damage</a:t>
+            </a:r>
+            <a:r>
+              <a:rPr lang="nl-BE" sz="2000" dirty="0">
+                <a:solidFill>
+                  <a:srgbClr val="2F4D5D"/>
+                </a:solidFill>
+              </a:rPr>
+              <a:t> </a:t>
+            </a:r>
+            <a:r>
+              <a:rPr lang="nl-BE" sz="2000" dirty="0" err="1">
+                <a:solidFill>
+                  <a:srgbClr val="2F4D5D"/>
+                </a:solidFill>
+              </a:rPr>
+              <a:t>to</a:t>
+            </a:r>
+            <a:r>
+              <a:rPr lang="nl-BE" sz="2000" dirty="0">
+                <a:solidFill>
+                  <a:srgbClr val="2F4D5D"/>
+                </a:solidFill>
+              </a:rPr>
+              <a:t> basic </a:t>
+            </a:r>
+            <a:r>
+              <a:rPr lang="nl-BE" sz="2000" dirty="0" err="1">
+                <a:solidFill>
+                  <a:srgbClr val="2F4D5D"/>
+                </a:solidFill>
+              </a:rPr>
+              <a:t>cellular</a:t>
+            </a:r>
+            <a:r>
+              <a:rPr lang="nl-BE" sz="2000" dirty="0">
+                <a:solidFill>
+                  <a:srgbClr val="2F4D5D"/>
+                </a:solidFill>
+              </a:rPr>
+              <a:t> </a:t>
+            </a:r>
+            <a:r>
+              <a:rPr lang="nl-BE" sz="2000" dirty="0" err="1">
+                <a:solidFill>
+                  <a:srgbClr val="2F4D5D"/>
+                </a:solidFill>
+              </a:rPr>
+              <a:t>functions</a:t>
+            </a:r>
+            <a:r>
+              <a:rPr lang="nl-BE" sz="2000" dirty="0">
+                <a:solidFill>
+                  <a:srgbClr val="2F4D5D"/>
+                </a:solidFill>
+              </a:rPr>
+              <a:t>. </a:t>
+            </a:r>
+          </a:p>
+          <a:p>
+            <a:endParaRPr lang="nl-BE" sz="2000" dirty="0">
+              <a:solidFill>
+                <a:srgbClr val="2F4D5D"/>
+              </a:solidFill>
+            </a:endParaRPr>
+          </a:p>
+          <a:p>
+            <a:pPr algn="ctr"/>
+            <a:r>
+              <a:rPr lang="nl-BE" sz="2000" b="1" dirty="0" err="1">
+                <a:solidFill>
+                  <a:srgbClr val="2F4D5D"/>
+                </a:solidFill>
+              </a:rPr>
+              <a:t>Experimental</a:t>
+            </a:r>
+            <a:r>
+              <a:rPr lang="nl-BE" sz="2000" b="1" dirty="0">
+                <a:solidFill>
+                  <a:srgbClr val="2F4D5D"/>
+                </a:solidFill>
+              </a:rPr>
+              <a:t> </a:t>
+            </a:r>
+            <a:r>
+              <a:rPr lang="nl-BE" sz="2000" b="1" dirty="0" err="1">
+                <a:solidFill>
+                  <a:srgbClr val="2F4D5D"/>
+                </a:solidFill>
+              </a:rPr>
+              <a:t>observation</a:t>
+            </a:r>
+            <a:r>
+              <a:rPr lang="nl-BE" sz="2000" b="1" dirty="0">
+                <a:solidFill>
+                  <a:srgbClr val="2F4D5D"/>
+                </a:solidFill>
+              </a:rPr>
+              <a:t>: </a:t>
+            </a:r>
+          </a:p>
+          <a:p>
+            <a:pPr algn="ctr"/>
+            <a:r>
+              <a:rPr lang="en-US" sz="2000" dirty="0">
+                <a:solidFill>
+                  <a:srgbClr val="2F4D5D"/>
+                </a:solidFill>
+              </a:rPr>
+              <a:t>“The data obtained from basal toxicity studies have been found to be in good correlation with acute toxicity in animals and humans”</a:t>
+            </a:r>
+            <a:endParaRPr lang="nl-BE" sz="2000" dirty="0">
+              <a:solidFill>
+                <a:srgbClr val="2F4D5D"/>
+              </a:solidFill>
+            </a:endParaRPr>
+          </a:p>
+          <a:p>
+            <a:pPr algn="ctr"/>
+            <a:endParaRPr lang="nl-BE" sz="2000" dirty="0">
+              <a:solidFill>
+                <a:srgbClr val="2F4D5D"/>
+              </a:solidFill>
+            </a:endParaRPr>
+          </a:p>
+          <a:p>
+            <a:pPr algn="ctr"/>
+            <a:endParaRPr lang="nl-BE" sz="2000" dirty="0">
+              <a:solidFill>
+                <a:srgbClr val="2F4D5D"/>
+              </a:solidFill>
+            </a:endParaRPr>
+          </a:p>
+          <a:p>
+            <a:pPr algn="ctr"/>
+            <a:endParaRPr lang="nl-BE" sz="2000" dirty="0">
+              <a:solidFill>
+                <a:srgbClr val="2F4D5D"/>
+              </a:solidFill>
+            </a:endParaRPr>
+          </a:p>
+          <a:p>
+            <a:pPr algn="ctr"/>
+            <a:endParaRPr lang="nl-BE" sz="2000" dirty="0">
+              <a:solidFill>
+                <a:srgbClr val="2F4D5D"/>
+              </a:solidFill>
+            </a:endParaRPr>
+          </a:p>
+          <a:p>
+            <a:pPr algn="ctr"/>
+            <a:endParaRPr lang="nl-BE" sz="2000" dirty="0">
+              <a:solidFill>
+                <a:srgbClr val="2F4D5D"/>
+              </a:solidFill>
+            </a:endParaRPr>
+          </a:p>
+          <a:p>
+            <a:pPr algn="ctr"/>
+            <a:endParaRPr lang="nl-BE" sz="2000" dirty="0">
+              <a:solidFill>
+                <a:srgbClr val="2F4D5D"/>
+              </a:solidFill>
+            </a:endParaRPr>
+          </a:p>
+        </p:txBody>
+      </p:sp>
+    </p:spTree>
+    <p:extLst>
+      <p:ext uri="{BB962C8B-B14F-4D97-AF65-F5344CB8AC3E}">
+        <p14:creationId xmlns:p14="http://schemas.microsoft.com/office/powerpoint/2010/main" val="1019489789"/>
+      </p:ext>
+    </p:extLst>
+  </p:cSld>
+  <p:clrMapOvr>
+    <a:masterClrMapping/>
+  </p:clrMapOvr>
+</p:sld>
+</file>
+
+<file path=ppt/slides/slide11.xml><?xml version="1.0" encoding="utf-8"?>
+<p:sld xmlns:a="http://schemas.openxmlformats.org/drawingml/2006/main" xmlns:r="http://schemas.openxmlformats.org/officeDocument/2006/relationships" xmlns:p="http://schemas.openxmlformats.org/presentationml/2006/main">
+  <p:cSld>
+    <p:spTree>
+      <p:nvGrpSpPr>
+        <p:cNvPr id="1" name=""/>
+        <p:cNvGrpSpPr/>
+        <p:nvPr/>
+      </p:nvGrpSpPr>
+      <p:grpSpPr>
+        <a:xfrm>
+          <a:off x="0" y="0"/>
+          <a:ext cx="0" cy="0"/>
+          <a:chOff x="0" y="0"/>
+          <a:chExt cx="0" cy="0"/>
+        </a:xfrm>
+      </p:grpSpPr>
+      <p:sp>
+        <p:nvSpPr>
+          <p:cNvPr id="4" name="Titel 3">
+            <a:extLst>
+              <a:ext uri="{FF2B5EF4-FFF2-40B4-BE49-F238E27FC236}">
                 <a16:creationId xmlns:a16="http://schemas.microsoft.com/office/drawing/2014/main" id="{98572F6C-8685-4852-8B42-A84170433330}"/>
               </a:ext>
             </a:extLst>
@@ -7189,369 +8439,6 @@
 </p:sld>
 </file>
 
-<file path=ppt/slides/slide11.xml><?xml version="1.0" encoding="utf-8"?>
-<p:sld xmlns:a="http://schemas.openxmlformats.org/drawingml/2006/main" xmlns:r="http://schemas.openxmlformats.org/officeDocument/2006/relationships" xmlns:p="http://schemas.openxmlformats.org/presentationml/2006/main">
-  <p:cSld>
-    <p:spTree>
-      <p:nvGrpSpPr>
-        <p:cNvPr id="1" name=""/>
-        <p:cNvGrpSpPr/>
-        <p:nvPr/>
-      </p:nvGrpSpPr>
-      <p:grpSpPr>
-        <a:xfrm>
-          <a:off x="0" y="0"/>
-          <a:ext cx="0" cy="0"/>
-          <a:chOff x="0" y="0"/>
-          <a:chExt cx="0" cy="0"/>
-        </a:xfrm>
-      </p:grpSpPr>
-      <p:sp>
-        <p:nvSpPr>
-          <p:cNvPr id="7" name="Tijdelijke aanduiding voor dianummer 23">
-            <a:extLst>
-              <a:ext uri="{FF2B5EF4-FFF2-40B4-BE49-F238E27FC236}">
-                <a16:creationId xmlns:a16="http://schemas.microsoft.com/office/drawing/2014/main" id="{E7BA9955-551E-4B72-9196-84FDFE87439B}"/>
-              </a:ext>
-            </a:extLst>
-          </p:cNvPr>
-          <p:cNvSpPr>
-            <a:spLocks noGrp="1"/>
-          </p:cNvSpPr>
-          <p:nvPr>
-            <p:ph type="sldNum" sz="quarter" idx="12"/>
-          </p:nvPr>
-        </p:nvSpPr>
-        <p:spPr>
-          <a:xfrm>
-            <a:off x="11544000" y="-126730"/>
-            <a:ext cx="648000" cy="648000"/>
-          </a:xfrm>
-        </p:spPr>
-        <p:txBody>
-          <a:bodyPr/>
-          <a:lstStyle/>
-          <a:p>
-            <a:fld id="{CF179DAE-D0A6-40C3-B8BC-6A97C268D03A}" type="slidenum">
-              <a:rPr lang="nl-NL" sz="1200" smtClean="0">
-                <a:solidFill>
-                  <a:srgbClr val="1D8DB0"/>
-                </a:solidFill>
-              </a:rPr>
-              <a:pPr/>
-              <a:t>11</a:t>
-            </a:fld>
-            <a:r>
-              <a:rPr lang="nl-NL" sz="1200" dirty="0">
-                <a:solidFill>
-                  <a:srgbClr val="1D8DB0"/>
-                </a:solidFill>
-              </a:rPr>
-              <a:t>/31</a:t>
-            </a:r>
-          </a:p>
-        </p:txBody>
-      </p:sp>
-      <p:sp>
-        <p:nvSpPr>
-          <p:cNvPr id="9" name="Titel 4">
-            <a:extLst>
-              <a:ext uri="{FF2B5EF4-FFF2-40B4-BE49-F238E27FC236}">
-                <a16:creationId xmlns:a16="http://schemas.microsoft.com/office/drawing/2014/main" id="{32C054A8-9043-41C9-BA29-6C11E3B87A6D}"/>
-              </a:ext>
-            </a:extLst>
-          </p:cNvPr>
-          <p:cNvSpPr>
-            <a:spLocks noGrp="1"/>
-          </p:cNvSpPr>
-          <p:nvPr>
-            <p:ph type="title"/>
-          </p:nvPr>
-        </p:nvSpPr>
-        <p:spPr>
-          <a:xfrm>
-            <a:off x="576263" y="336550"/>
-            <a:ext cx="11041062" cy="1152525"/>
-          </a:xfrm>
-        </p:spPr>
-        <p:txBody>
-          <a:bodyPr/>
-          <a:lstStyle/>
-          <a:p>
-            <a:r>
-              <a:rPr lang="nl-BE" dirty="0" err="1"/>
-              <a:t>Genotoxicity</a:t>
-            </a:r>
-            <a:endParaRPr lang="nl-BE" dirty="0"/>
-          </a:p>
-        </p:txBody>
-      </p:sp>
-      <p:sp>
-        <p:nvSpPr>
-          <p:cNvPr id="8" name="Tijdelijke aanduiding voor inhoud 1">
-            <a:extLst>
-              <a:ext uri="{FF2B5EF4-FFF2-40B4-BE49-F238E27FC236}">
-                <a16:creationId xmlns:a16="http://schemas.microsoft.com/office/drawing/2014/main" id="{FD48FE27-13D3-407C-9CF5-D7CAC1400D54}"/>
-              </a:ext>
-            </a:extLst>
-          </p:cNvPr>
-          <p:cNvSpPr>
-            <a:spLocks noGrp="1"/>
-          </p:cNvSpPr>
-          <p:nvPr>
-            <p:ph idx="1"/>
-          </p:nvPr>
-        </p:nvSpPr>
-        <p:spPr>
-          <a:xfrm>
-            <a:off x="576000" y="1656000"/>
-            <a:ext cx="11041200" cy="4043464"/>
-          </a:xfrm>
-        </p:spPr>
-        <p:txBody>
-          <a:bodyPr>
-            <a:normAutofit/>
-          </a:bodyPr>
-          <a:lstStyle/>
-          <a:p>
-            <a:pPr marL="0" indent="0">
-              <a:buNone/>
-            </a:pPr>
-            <a:r>
-              <a:rPr lang="nl-BE" sz="2000" dirty="0" err="1"/>
-              <a:t>Describes</a:t>
-            </a:r>
-            <a:r>
-              <a:rPr lang="nl-BE" sz="2000" dirty="0"/>
-              <a:t> </a:t>
-            </a:r>
-            <a:r>
-              <a:rPr lang="nl-BE" sz="2000" dirty="0" err="1"/>
-              <a:t>the</a:t>
-            </a:r>
-            <a:r>
-              <a:rPr lang="nl-BE" sz="2000" dirty="0"/>
-              <a:t> </a:t>
-            </a:r>
-            <a:r>
-              <a:rPr lang="nl-BE" sz="2000" dirty="0" err="1"/>
-              <a:t>ability</a:t>
-            </a:r>
-            <a:r>
-              <a:rPr lang="nl-BE" sz="2000" dirty="0"/>
-              <a:t> of a </a:t>
-            </a:r>
-            <a:r>
-              <a:rPr lang="nl-BE" sz="2000" dirty="0" err="1"/>
-              <a:t>chemical</a:t>
-            </a:r>
-            <a:r>
-              <a:rPr lang="nl-BE" sz="2000" dirty="0"/>
-              <a:t> test agent </a:t>
-            </a:r>
-            <a:r>
-              <a:rPr lang="nl-BE" sz="2000" dirty="0" err="1"/>
-              <a:t>to</a:t>
-            </a:r>
-            <a:r>
-              <a:rPr lang="nl-BE" sz="2000" dirty="0"/>
-              <a:t> </a:t>
-            </a:r>
-            <a:r>
-              <a:rPr lang="nl-BE" sz="2000" dirty="0" err="1"/>
-              <a:t>induce</a:t>
-            </a:r>
-            <a:r>
-              <a:rPr lang="nl-BE" sz="2000" dirty="0"/>
-              <a:t> DNA </a:t>
-            </a:r>
-            <a:r>
-              <a:rPr lang="nl-BE" sz="2000" dirty="0" err="1"/>
-              <a:t>damage</a:t>
-            </a:r>
-            <a:endParaRPr lang="nl-BE" sz="2000" dirty="0"/>
-          </a:p>
-        </p:txBody>
-      </p:sp>
-      <p:sp>
-        <p:nvSpPr>
-          <p:cNvPr id="10" name="Tekstvak 9">
-            <a:extLst>
-              <a:ext uri="{FF2B5EF4-FFF2-40B4-BE49-F238E27FC236}">
-                <a16:creationId xmlns:a16="http://schemas.microsoft.com/office/drawing/2014/main" id="{F9AF6A87-507F-4E2E-8A2A-840080D13776}"/>
-              </a:ext>
-            </a:extLst>
-          </p:cNvPr>
-          <p:cNvSpPr txBox="1"/>
-          <p:nvPr/>
-        </p:nvSpPr>
-        <p:spPr>
-          <a:xfrm>
-            <a:off x="159798" y="58771"/>
-            <a:ext cx="5832629" cy="276999"/>
-          </a:xfrm>
-          <a:prstGeom prst="rect">
-            <a:avLst/>
-          </a:prstGeom>
-          <a:noFill/>
-        </p:spPr>
-        <p:txBody>
-          <a:bodyPr wrap="square" rtlCol="0">
-            <a:spAutoFit/>
-          </a:bodyPr>
-          <a:lstStyle/>
-          <a:p>
-            <a:r>
-              <a:rPr lang="nl-BE" sz="1200" dirty="0">
-                <a:solidFill>
-                  <a:srgbClr val="1D8DB0"/>
-                </a:solidFill>
-              </a:rPr>
-              <a:t>J. </a:t>
-            </a:r>
-            <a:r>
-              <a:rPr lang="nl-BE" sz="1200" dirty="0" err="1">
-                <a:solidFill>
-                  <a:srgbClr val="1D8DB0"/>
-                </a:solidFill>
-              </a:rPr>
-              <a:t>Neirynck</a:t>
-            </a:r>
-            <a:r>
-              <a:rPr lang="nl-BE" sz="1200" dirty="0">
-                <a:solidFill>
-                  <a:srgbClr val="1D8DB0"/>
-                </a:solidFill>
-              </a:rPr>
-              <a:t>, F. Van </a:t>
-            </a:r>
-            <a:r>
-              <a:rPr lang="nl-BE" sz="1200" dirty="0" err="1">
-                <a:solidFill>
-                  <a:srgbClr val="1D8DB0"/>
-                </a:solidFill>
-              </a:rPr>
-              <a:t>Eecke</a:t>
-            </a:r>
-            <a:r>
-              <a:rPr lang="nl-BE" sz="1200" dirty="0">
-                <a:solidFill>
-                  <a:srgbClr val="1D8DB0"/>
-                </a:solidFill>
-              </a:rPr>
-              <a:t> &amp; R. Vrielynck</a:t>
-            </a:r>
-          </a:p>
-        </p:txBody>
-      </p:sp>
-      <p:sp>
-        <p:nvSpPr>
-          <p:cNvPr id="11" name="Tekstvak 10">
-            <a:extLst>
-              <a:ext uri="{FF2B5EF4-FFF2-40B4-BE49-F238E27FC236}">
-                <a16:creationId xmlns:a16="http://schemas.microsoft.com/office/drawing/2014/main" id="{02C83A39-3DA1-4516-B834-3C3D5F8552F0}"/>
-              </a:ext>
-            </a:extLst>
-          </p:cNvPr>
-          <p:cNvSpPr txBox="1"/>
-          <p:nvPr/>
-        </p:nvSpPr>
-        <p:spPr>
-          <a:xfrm>
-            <a:off x="576000" y="6356412"/>
-            <a:ext cx="10351364" cy="315471"/>
-          </a:xfrm>
-          <a:prstGeom prst="rect">
-            <a:avLst/>
-          </a:prstGeom>
-          <a:noFill/>
-        </p:spPr>
-        <p:txBody>
-          <a:bodyPr wrap="square" rtlCol="0">
-            <a:spAutoFit/>
-          </a:bodyPr>
-          <a:lstStyle/>
-          <a:p>
-            <a:r>
-              <a:rPr lang="nl-BE" sz="1450" dirty="0" err="1">
-                <a:solidFill>
-                  <a:schemeClr val="bg1"/>
-                </a:solidFill>
-              </a:rPr>
-              <a:t>Introduction</a:t>
-            </a:r>
-            <a:r>
-              <a:rPr lang="nl-BE" sz="1450" dirty="0">
-                <a:solidFill>
-                  <a:schemeClr val="bg1"/>
-                </a:solidFill>
-              </a:rPr>
-              <a:t>	</a:t>
-            </a:r>
-            <a:r>
-              <a:rPr lang="nl-BE" sz="1450" b="1" dirty="0">
-                <a:solidFill>
-                  <a:schemeClr val="bg1"/>
-                </a:solidFill>
-              </a:rPr>
-              <a:t>	Framework</a:t>
-            </a:r>
-            <a:r>
-              <a:rPr lang="nl-BE" sz="1450" dirty="0">
-                <a:solidFill>
-                  <a:schemeClr val="bg1"/>
-                </a:solidFill>
-              </a:rPr>
-              <a:t>		</a:t>
-            </a:r>
-            <a:r>
-              <a:rPr lang="nl-BE" sz="1450" dirty="0" err="1">
-                <a:solidFill>
-                  <a:schemeClr val="bg1"/>
-                </a:solidFill>
-              </a:rPr>
-              <a:t>Techniques</a:t>
-            </a:r>
-            <a:r>
-              <a:rPr lang="nl-BE" sz="1450" dirty="0">
-                <a:solidFill>
-                  <a:schemeClr val="bg1"/>
-                </a:solidFill>
-              </a:rPr>
-              <a:t> &amp; </a:t>
-            </a:r>
-            <a:r>
-              <a:rPr lang="nl-BE" sz="1450" dirty="0" err="1">
-                <a:solidFill>
-                  <a:schemeClr val="bg1"/>
-                </a:solidFill>
-              </a:rPr>
-              <a:t>Results</a:t>
-            </a:r>
-            <a:r>
-              <a:rPr lang="nl-BE" sz="1450" dirty="0">
-                <a:solidFill>
-                  <a:schemeClr val="bg1"/>
-                </a:solidFill>
-              </a:rPr>
-              <a:t>			Summary</a:t>
-            </a:r>
-          </a:p>
-        </p:txBody>
-      </p:sp>
-    </p:spTree>
-    <p:extLst>
-      <p:ext uri="{BB962C8B-B14F-4D97-AF65-F5344CB8AC3E}">
-        <p14:creationId xmlns:p14="http://schemas.microsoft.com/office/powerpoint/2010/main" val="2708186672"/>
-      </p:ext>
-    </p:extLst>
-  </p:cSld>
-  <p:clrMapOvr>
-    <a:masterClrMapping/>
-  </p:clrMapOvr>
-</p:sld>
-</file>
-
 <file path=ppt/slides/slide12.xml><?xml version="1.0" encoding="utf-8"?>
 <p:sld xmlns:a="http://schemas.openxmlformats.org/drawingml/2006/main" xmlns:r="http://schemas.openxmlformats.org/officeDocument/2006/relationships" xmlns:p="http://schemas.openxmlformats.org/presentationml/2006/main">
   <p:cSld>
@@ -7571,10 +8458,56 @@
       </p:grpSpPr>
       <p:sp>
         <p:nvSpPr>
-          <p:cNvPr id="2" name="Titel 1">
+          <p:cNvPr id="7" name="Tijdelijke aanduiding voor dianummer 23">
             <a:extLst>
               <a:ext uri="{FF2B5EF4-FFF2-40B4-BE49-F238E27FC236}">
-                <a16:creationId xmlns:a16="http://schemas.microsoft.com/office/drawing/2014/main" id="{069A9DF7-0F9D-4549-B4E3-66F98F66FF7B}"/>
+                <a16:creationId xmlns:a16="http://schemas.microsoft.com/office/drawing/2014/main" id="{E7BA9955-551E-4B72-9196-84FDFE87439B}"/>
+              </a:ext>
+            </a:extLst>
+          </p:cNvPr>
+          <p:cNvSpPr>
+            <a:spLocks noGrp="1"/>
+          </p:cNvSpPr>
+          <p:nvPr>
+            <p:ph type="sldNum" sz="quarter" idx="12"/>
+          </p:nvPr>
+        </p:nvSpPr>
+        <p:spPr>
+          <a:xfrm>
+            <a:off x="11544000" y="-126730"/>
+            <a:ext cx="648000" cy="648000"/>
+          </a:xfrm>
+        </p:spPr>
+        <p:txBody>
+          <a:bodyPr/>
+          <a:lstStyle/>
+          <a:p>
+            <a:fld id="{CF179DAE-D0A6-40C3-B8BC-6A97C268D03A}" type="slidenum">
+              <a:rPr lang="nl-NL" sz="1200" smtClean="0">
+                <a:solidFill>
+                  <a:srgbClr val="1D8DB0"/>
+                </a:solidFill>
+              </a:rPr>
+              <a:pPr/>
+              <a:t>12</a:t>
+            </a:fld>
+            <a:r>
+              <a:rPr lang="nl-NL" sz="1200" dirty="0">
+                <a:solidFill>
+                  <a:srgbClr val="1D8DB0"/>
+                </a:solidFill>
+              </a:rPr>
+              <a:t>/31</a:t>
+            </a:r>
+          </a:p>
+        </p:txBody>
+      </p:sp>
+      <p:sp>
+        <p:nvSpPr>
+          <p:cNvPr id="9" name="Titel 4">
+            <a:extLst>
+              <a:ext uri="{FF2B5EF4-FFF2-40B4-BE49-F238E27FC236}">
+                <a16:creationId xmlns:a16="http://schemas.microsoft.com/office/drawing/2014/main" id="{32C054A8-9043-41C9-BA29-6C11E3B87A6D}"/>
               </a:ext>
             </a:extLst>
           </p:cNvPr>
@@ -7585,49 +8518,30 @@
             <p:ph type="title"/>
           </p:nvPr>
         </p:nvSpPr>
-        <p:spPr/>
+        <p:spPr>
+          <a:xfrm>
+            <a:off x="576263" y="336550"/>
+            <a:ext cx="11041062" cy="1152525"/>
+          </a:xfrm>
+        </p:spPr>
         <p:txBody>
           <a:bodyPr/>
           <a:lstStyle/>
           <a:p>
             <a:r>
-              <a:rPr lang="nl-NL" dirty="0">
-                <a:latin typeface="Arial"/>
-                <a:cs typeface="Arial"/>
-              </a:rPr>
-              <a:t>Parameters </a:t>
-            </a:r>
-            <a:r>
-              <a:rPr lang="nl-NL" dirty="0" err="1">
-                <a:latin typeface="Arial"/>
-                <a:cs typeface="Arial"/>
-              </a:rPr>
-              <a:t>influcencing</a:t>
-            </a:r>
-            <a:r>
-              <a:rPr lang="nl-NL" dirty="0">
-                <a:latin typeface="Arial"/>
-                <a:cs typeface="Arial"/>
-              </a:rPr>
-              <a:t> </a:t>
-            </a:r>
-            <a:r>
-              <a:rPr lang="nl-NL" dirty="0" err="1">
-                <a:latin typeface="Arial"/>
-                <a:cs typeface="Arial"/>
-              </a:rPr>
-              <a:t>toxicity</a:t>
-            </a:r>
-            <a:endParaRPr lang="nl-NL" dirty="0" err="1"/>
-          </a:p>
-        </p:txBody>
-      </p:sp>
-      <p:sp>
-        <p:nvSpPr>
-          <p:cNvPr id="3" name="Tijdelijke aanduiding voor tekst 2">
+              <a:rPr lang="nl-BE" dirty="0" err="1"/>
+              <a:t>Genotoxicity</a:t>
+            </a:r>
+            <a:endParaRPr lang="nl-BE" dirty="0"/>
+          </a:p>
+        </p:txBody>
+      </p:sp>
+      <p:sp>
+        <p:nvSpPr>
+          <p:cNvPr id="8" name="Tijdelijke aanduiding voor inhoud 1">
             <a:extLst>
               <a:ext uri="{FF2B5EF4-FFF2-40B4-BE49-F238E27FC236}">
-                <a16:creationId xmlns:a16="http://schemas.microsoft.com/office/drawing/2014/main" id="{0765C0FE-D1DD-43F6-A1E8-FF2D7256F7B0}"/>
+                <a16:creationId xmlns:a16="http://schemas.microsoft.com/office/drawing/2014/main" id="{FD48FE27-13D3-407C-9CF5-D7CAC1400D54}"/>
               </a:ext>
             </a:extLst>
           </p:cNvPr>
@@ -7635,115 +8549,391 @@
             <a:spLocks noGrp="1"/>
           </p:cNvSpPr>
           <p:nvPr>
-            <p:ph type="body" idx="1"/>
+            <p:ph idx="1"/>
           </p:nvPr>
         </p:nvSpPr>
-        <p:spPr/>
-        <p:txBody>
-          <a:bodyPr/>
-          <a:lstStyle/>
-          <a:p>
-            <a:endParaRPr lang="nl-NL"/>
-          </a:p>
-        </p:txBody>
-      </p:sp>
-      <p:sp>
-        <p:nvSpPr>
-          <p:cNvPr id="4" name="Tijdelijke aanduiding voor voettekst 3">
+        <p:spPr>
+          <a:xfrm>
+            <a:off x="576000" y="1656000"/>
+            <a:ext cx="11041200" cy="4043464"/>
+          </a:xfrm>
+        </p:spPr>
+        <p:txBody>
+          <a:bodyPr>
+            <a:normAutofit/>
+          </a:bodyPr>
+          <a:lstStyle/>
+          <a:p>
+            <a:pPr marL="0" indent="0">
+              <a:buNone/>
+            </a:pPr>
+            <a:endParaRPr lang="nl-BE" sz="2000" dirty="0"/>
+          </a:p>
+          <a:p>
+            <a:pPr marL="0" indent="0">
+              <a:buNone/>
+            </a:pPr>
+            <a:r>
+              <a:rPr lang="nl-BE" sz="2000" dirty="0" err="1"/>
+              <a:t>Study</a:t>
+            </a:r>
+            <a:r>
+              <a:rPr lang="nl-BE" sz="2000" dirty="0"/>
+              <a:t> of </a:t>
+            </a:r>
+            <a:r>
+              <a:rPr lang="nl-BE" sz="2000" dirty="0" err="1"/>
+              <a:t>physical</a:t>
+            </a:r>
+            <a:r>
+              <a:rPr lang="nl-BE" sz="2000" dirty="0"/>
+              <a:t> </a:t>
+            </a:r>
+            <a:r>
+              <a:rPr lang="nl-BE" sz="2000" dirty="0" err="1"/>
+              <a:t>and</a:t>
+            </a:r>
+            <a:r>
+              <a:rPr lang="nl-BE" sz="2000" dirty="0"/>
+              <a:t> </a:t>
+            </a:r>
+            <a:r>
+              <a:rPr lang="nl-BE" sz="2000" dirty="0" err="1"/>
+              <a:t>chemical</a:t>
+            </a:r>
+            <a:r>
+              <a:rPr lang="nl-BE" sz="2000" dirty="0"/>
+              <a:t> </a:t>
+            </a:r>
+            <a:r>
+              <a:rPr lang="nl-BE" sz="2000" dirty="0" err="1"/>
+              <a:t>agents</a:t>
+            </a:r>
+            <a:r>
+              <a:rPr lang="nl-BE" sz="2000" dirty="0"/>
+              <a:t> </a:t>
+            </a:r>
+            <a:r>
+              <a:rPr lang="nl-BE" sz="2000" dirty="0" err="1"/>
+              <a:t>that</a:t>
+            </a:r>
+            <a:r>
+              <a:rPr lang="nl-BE" sz="2000" dirty="0"/>
+              <a:t> </a:t>
+            </a:r>
+            <a:r>
+              <a:rPr lang="nl-BE" sz="2000" dirty="0" err="1"/>
+              <a:t>can</a:t>
+            </a:r>
+            <a:r>
+              <a:rPr lang="nl-BE" sz="2000" dirty="0"/>
+              <a:t> </a:t>
+            </a:r>
+            <a:r>
+              <a:rPr lang="nl-BE" sz="2000" b="1" dirty="0" err="1"/>
+              <a:t>damage</a:t>
+            </a:r>
+            <a:r>
+              <a:rPr lang="nl-BE" sz="2000" b="1" dirty="0"/>
+              <a:t> </a:t>
+            </a:r>
+            <a:r>
+              <a:rPr lang="nl-BE" sz="2000" b="1" dirty="0" err="1"/>
+              <a:t>the</a:t>
+            </a:r>
+            <a:r>
+              <a:rPr lang="nl-BE" sz="2000" b="1" dirty="0"/>
+              <a:t> </a:t>
+            </a:r>
+            <a:r>
+              <a:rPr lang="nl-BE" sz="2000" b="1" dirty="0" err="1"/>
+              <a:t>genetic</a:t>
+            </a:r>
+            <a:r>
+              <a:rPr lang="nl-BE" sz="2000" b="1" dirty="0"/>
+              <a:t> </a:t>
+            </a:r>
+            <a:r>
+              <a:rPr lang="nl-BE" sz="2000" b="1" dirty="0" err="1"/>
+              <a:t>materials</a:t>
+            </a:r>
+            <a:r>
+              <a:rPr lang="nl-BE" sz="2000" b="1" dirty="0"/>
+              <a:t> </a:t>
+            </a:r>
+            <a:r>
+              <a:rPr lang="nl-BE" sz="2000" dirty="0"/>
+              <a:t>of </a:t>
+            </a:r>
+            <a:r>
+              <a:rPr lang="nl-BE" sz="2000" dirty="0" err="1"/>
+              <a:t>cells</a:t>
+            </a:r>
+            <a:endParaRPr lang="nl-BE" sz="2000" dirty="0"/>
+          </a:p>
+          <a:p>
+            <a:endParaRPr lang="nl-BE" sz="2000" b="1" dirty="0"/>
+          </a:p>
+          <a:p>
+            <a:r>
+              <a:rPr lang="nl-BE" sz="2000" b="1" dirty="0"/>
+              <a:t>DNA </a:t>
+            </a:r>
+            <a:r>
+              <a:rPr lang="nl-BE" sz="2000" b="1" dirty="0" err="1"/>
+              <a:t>damage</a:t>
+            </a:r>
+            <a:r>
+              <a:rPr lang="nl-BE" sz="2000" dirty="0"/>
+              <a:t>, </a:t>
+            </a:r>
+            <a:r>
+              <a:rPr lang="nl-BE" sz="2000" dirty="0" err="1"/>
+              <a:t>which</a:t>
+            </a:r>
+            <a:r>
+              <a:rPr lang="nl-BE" sz="2000" dirty="0"/>
+              <a:t> </a:t>
+            </a:r>
+            <a:r>
+              <a:rPr lang="nl-BE" sz="2000" dirty="0" err="1"/>
+              <a:t>can</a:t>
+            </a:r>
+            <a:r>
+              <a:rPr lang="nl-BE" sz="2000" dirty="0"/>
+              <a:t> lead </a:t>
+            </a:r>
+            <a:r>
+              <a:rPr lang="nl-BE" sz="2000" dirty="0" err="1"/>
+              <a:t>to</a:t>
+            </a:r>
+            <a:r>
+              <a:rPr lang="nl-BE" sz="2000" dirty="0"/>
+              <a:t> </a:t>
+            </a:r>
+            <a:r>
+              <a:rPr lang="nl-BE" sz="2000" b="1" dirty="0" err="1"/>
+              <a:t>cancer</a:t>
+            </a:r>
+            <a:endParaRPr lang="nl-BE" sz="2000" b="1" dirty="0"/>
+          </a:p>
+          <a:p>
+            <a:endParaRPr lang="nl-BE" sz="2000" b="1" dirty="0"/>
+          </a:p>
+          <a:p>
+            <a:r>
+              <a:rPr lang="nl-BE" sz="2000" b="1" dirty="0" err="1"/>
+              <a:t>Inherting</a:t>
+            </a:r>
+            <a:r>
+              <a:rPr lang="nl-BE" sz="2000" b="1" dirty="0"/>
+              <a:t> changes in DNA </a:t>
+            </a:r>
+            <a:r>
+              <a:rPr lang="nl-BE" sz="2000" dirty="0" err="1"/>
+              <a:t>from</a:t>
+            </a:r>
+            <a:r>
+              <a:rPr lang="nl-BE" sz="2000" dirty="0"/>
+              <a:t> </a:t>
+            </a:r>
+            <a:r>
+              <a:rPr lang="nl-BE" sz="2000" dirty="0" err="1"/>
+              <a:t>one</a:t>
+            </a:r>
+            <a:r>
+              <a:rPr lang="nl-BE" sz="2000" dirty="0"/>
+              <a:t> </a:t>
+            </a:r>
+            <a:r>
+              <a:rPr lang="nl-BE" sz="2000" dirty="0" err="1"/>
+              <a:t>generation</a:t>
+            </a:r>
+            <a:r>
+              <a:rPr lang="nl-BE" sz="2000" dirty="0"/>
+              <a:t> </a:t>
+            </a:r>
+            <a:r>
+              <a:rPr lang="nl-BE" sz="2000" dirty="0" err="1"/>
+              <a:t>to</a:t>
+            </a:r>
+            <a:r>
+              <a:rPr lang="nl-BE" sz="2000" dirty="0"/>
+              <a:t> next</a:t>
+            </a:r>
+          </a:p>
+        </p:txBody>
+      </p:sp>
+      <p:sp>
+        <p:nvSpPr>
+          <p:cNvPr id="10" name="Tekstvak 9">
             <a:extLst>
               <a:ext uri="{FF2B5EF4-FFF2-40B4-BE49-F238E27FC236}">
-                <a16:creationId xmlns:a16="http://schemas.microsoft.com/office/drawing/2014/main" id="{E63340FA-5B57-4924-A4D1-10B8E5D14A4C}"/>
+                <a16:creationId xmlns:a16="http://schemas.microsoft.com/office/drawing/2014/main" id="{F9AF6A87-507F-4E2E-8A2A-840080D13776}"/>
               </a:ext>
             </a:extLst>
           </p:cNvPr>
-          <p:cNvSpPr>
-            <a:spLocks noGrp="1"/>
-          </p:cNvSpPr>
-          <p:nvPr>
-            <p:ph type="ftr" sz="quarter" idx="11"/>
-          </p:nvPr>
-        </p:nvSpPr>
-        <p:spPr/>
-        <p:txBody>
-          <a:bodyPr/>
-          <a:lstStyle/>
-          <a:p>
-            <a:r>
-              <a:rPr lang="nl-NL"/>
-              <a:t>Faculteit, departement, dienst …</a:t>
-            </a:r>
-          </a:p>
-        </p:txBody>
-      </p:sp>
-      <p:sp>
-        <p:nvSpPr>
-          <p:cNvPr id="5" name="Tijdelijke aanduiding voor dianummer 4">
+          <p:cNvSpPr txBox="1"/>
+          <p:nvPr/>
+        </p:nvSpPr>
+        <p:spPr>
+          <a:xfrm>
+            <a:off x="159798" y="58771"/>
+            <a:ext cx="5832629" cy="276999"/>
+          </a:xfrm>
+          <a:prstGeom prst="rect">
+            <a:avLst/>
+          </a:prstGeom>
+          <a:noFill/>
+        </p:spPr>
+        <p:txBody>
+          <a:bodyPr wrap="square" rtlCol="0">
+            <a:spAutoFit/>
+          </a:bodyPr>
+          <a:lstStyle/>
+          <a:p>
+            <a:r>
+              <a:rPr lang="nl-BE" sz="1200" dirty="0">
+                <a:solidFill>
+                  <a:srgbClr val="1D8DB0"/>
+                </a:solidFill>
+              </a:rPr>
+              <a:t>J. </a:t>
+            </a:r>
+            <a:r>
+              <a:rPr lang="nl-BE" sz="1200" dirty="0" err="1">
+                <a:solidFill>
+                  <a:srgbClr val="1D8DB0"/>
+                </a:solidFill>
+              </a:rPr>
+              <a:t>Neirynck</a:t>
+            </a:r>
+            <a:r>
+              <a:rPr lang="nl-BE" sz="1200" dirty="0">
+                <a:solidFill>
+                  <a:srgbClr val="1D8DB0"/>
+                </a:solidFill>
+              </a:rPr>
+              <a:t>, F. Van </a:t>
+            </a:r>
+            <a:r>
+              <a:rPr lang="nl-BE" sz="1200" dirty="0" err="1">
+                <a:solidFill>
+                  <a:srgbClr val="1D8DB0"/>
+                </a:solidFill>
+              </a:rPr>
+              <a:t>Eecke</a:t>
+            </a:r>
+            <a:r>
+              <a:rPr lang="nl-BE" sz="1200" dirty="0">
+                <a:solidFill>
+                  <a:srgbClr val="1D8DB0"/>
+                </a:solidFill>
+              </a:rPr>
+              <a:t> &amp; R. Vrielynck</a:t>
+            </a:r>
+          </a:p>
+        </p:txBody>
+      </p:sp>
+      <p:sp>
+        <p:nvSpPr>
+          <p:cNvPr id="11" name="Tekstvak 10">
             <a:extLst>
               <a:ext uri="{FF2B5EF4-FFF2-40B4-BE49-F238E27FC236}">
-                <a16:creationId xmlns:a16="http://schemas.microsoft.com/office/drawing/2014/main" id="{74B25947-9FBD-4735-9AE1-ED393740821F}"/>
+                <a16:creationId xmlns:a16="http://schemas.microsoft.com/office/drawing/2014/main" id="{02C83A39-3DA1-4516-B834-3C3D5F8552F0}"/>
               </a:ext>
             </a:extLst>
           </p:cNvPr>
-          <p:cNvSpPr>
-            <a:spLocks noGrp="1"/>
-          </p:cNvSpPr>
-          <p:nvPr>
-            <p:ph type="sldNum" sz="quarter" idx="12"/>
-          </p:nvPr>
-        </p:nvSpPr>
-        <p:spPr/>
-        <p:txBody>
-          <a:bodyPr/>
-          <a:lstStyle/>
-          <a:p>
-            <a:fld id="{0A297500-7527-634B-90F4-69D0994C32B4}" type="slidenum">
-              <a:rPr lang="nl-NL" smtClean="0"/>
-              <a:t>12</a:t>
-            </a:fld>
-            <a:endParaRPr lang="nl-NL"/>
-          </a:p>
-        </p:txBody>
-      </p:sp>
-      <p:sp>
-        <p:nvSpPr>
-          <p:cNvPr id="6" name="Tijdelijke aanduiding voor afbeelding 5">
-            <a:extLst>
-              <a:ext uri="{FF2B5EF4-FFF2-40B4-BE49-F238E27FC236}">
-                <a16:creationId xmlns:a16="http://schemas.microsoft.com/office/drawing/2014/main" id="{5275FCF6-597C-42C7-8DFD-B54FDE863E6B}"/>
-              </a:ext>
-            </a:extLst>
-          </p:cNvPr>
-          <p:cNvSpPr>
-            <a:spLocks noGrp="1"/>
-          </p:cNvSpPr>
-          <p:nvPr>
-            <p:ph type="pic" sz="quarter" idx="13"/>
-          </p:nvPr>
-        </p:nvSpPr>
-        <p:spPr/>
-      </p:sp>
-      <p:sp>
-        <p:nvSpPr>
-          <p:cNvPr id="7" name="Tijdelijke aanduiding voor afbeelding 6">
-            <a:extLst>
-              <a:ext uri="{FF2B5EF4-FFF2-40B4-BE49-F238E27FC236}">
-                <a16:creationId xmlns:a16="http://schemas.microsoft.com/office/drawing/2014/main" id="{8EE963F9-2796-4544-B389-0EF584315BE6}"/>
-              </a:ext>
-            </a:extLst>
-          </p:cNvPr>
-          <p:cNvSpPr>
-            <a:spLocks noGrp="1"/>
-          </p:cNvSpPr>
-          <p:nvPr>
-            <p:ph type="pic" sz="quarter" idx="14"/>
-          </p:nvPr>
-        </p:nvSpPr>
-        <p:spPr/>
+          <p:cNvSpPr txBox="1"/>
+          <p:nvPr/>
+        </p:nvSpPr>
+        <p:spPr>
+          <a:xfrm>
+            <a:off x="576000" y="6356412"/>
+            <a:ext cx="10351364" cy="315471"/>
+          </a:xfrm>
+          <a:prstGeom prst="rect">
+            <a:avLst/>
+          </a:prstGeom>
+          <a:noFill/>
+        </p:spPr>
+        <p:txBody>
+          <a:bodyPr wrap="square" rtlCol="0">
+            <a:spAutoFit/>
+          </a:bodyPr>
+          <a:lstStyle/>
+          <a:p>
+            <a:r>
+              <a:rPr lang="nl-BE" sz="1450" dirty="0" err="1">
+                <a:solidFill>
+                  <a:schemeClr val="bg1"/>
+                </a:solidFill>
+              </a:rPr>
+              <a:t>Introduction</a:t>
+            </a:r>
+            <a:r>
+              <a:rPr lang="nl-BE" sz="1450" dirty="0">
+                <a:solidFill>
+                  <a:schemeClr val="bg1"/>
+                </a:solidFill>
+              </a:rPr>
+              <a:t>	</a:t>
+            </a:r>
+            <a:r>
+              <a:rPr lang="nl-BE" sz="1450" b="1" dirty="0">
+                <a:solidFill>
+                  <a:schemeClr val="bg1"/>
+                </a:solidFill>
+              </a:rPr>
+              <a:t>	Framework</a:t>
+            </a:r>
+            <a:r>
+              <a:rPr lang="nl-BE" sz="1450" dirty="0">
+                <a:solidFill>
+                  <a:schemeClr val="bg1"/>
+                </a:solidFill>
+              </a:rPr>
+              <a:t>		</a:t>
+            </a:r>
+            <a:r>
+              <a:rPr lang="nl-BE" sz="1450" dirty="0" err="1">
+                <a:solidFill>
+                  <a:schemeClr val="bg1"/>
+                </a:solidFill>
+              </a:rPr>
+              <a:t>Techniques</a:t>
+            </a:r>
+            <a:r>
+              <a:rPr lang="nl-BE" sz="1450" dirty="0">
+                <a:solidFill>
+                  <a:schemeClr val="bg1"/>
+                </a:solidFill>
+              </a:rPr>
+              <a:t> &amp; </a:t>
+            </a:r>
+            <a:r>
+              <a:rPr lang="nl-BE" sz="1450" dirty="0" err="1">
+                <a:solidFill>
+                  <a:schemeClr val="bg1"/>
+                </a:solidFill>
+              </a:rPr>
+              <a:t>Results</a:t>
+            </a:r>
+            <a:r>
+              <a:rPr lang="nl-BE" sz="1450" dirty="0">
+                <a:solidFill>
+                  <a:schemeClr val="bg1"/>
+                </a:solidFill>
+              </a:rPr>
+              <a:t>			Summary</a:t>
+            </a:r>
+          </a:p>
+        </p:txBody>
       </p:sp>
     </p:spTree>
     <p:extLst>
       <p:ext uri="{BB962C8B-B14F-4D97-AF65-F5344CB8AC3E}">
-        <p14:creationId xmlns:p14="http://schemas.microsoft.com/office/powerpoint/2010/main" val="1103729882"/>
+        <p14:creationId xmlns:p14="http://schemas.microsoft.com/office/powerpoint/2010/main" val="2708186672"/>
       </p:ext>
     </p:extLst>
   </p:cSld>
@@ -7843,29 +9033,14 @@
           <a:lstStyle/>
           <a:p>
             <a:r>
-              <a:rPr lang="nl-BE" dirty="0" err="1">
-                <a:latin typeface="Arial"/>
-                <a:cs typeface="Arial"/>
-              </a:rPr>
-              <a:t>Dose</a:t>
-            </a:r>
-            <a:r>
-              <a:rPr lang="nl-BE" dirty="0">
-                <a:latin typeface="Arial"/>
-                <a:cs typeface="Arial"/>
-              </a:rPr>
-              <a:t> </a:t>
-            </a:r>
-            <a:r>
-              <a:rPr lang="nl-BE" dirty="0" err="1">
-                <a:latin typeface="Arial"/>
-                <a:cs typeface="Arial"/>
-              </a:rPr>
-              <a:t>dependence</a:t>
-            </a:r>
-            <a:endParaRPr lang="nl-BE" dirty="0" err="1">
-              <a:cs typeface="Arial"/>
-            </a:endParaRPr>
+              <a:rPr lang="nl-BE" dirty="0"/>
+              <a:t>DNA </a:t>
+            </a:r>
+            <a:r>
+              <a:rPr lang="nl-BE" dirty="0" err="1"/>
+              <a:t>mutations</a:t>
+            </a:r>
+            <a:endParaRPr lang="nl-BE" dirty="0"/>
           </a:p>
         </p:txBody>
       </p:sp>
@@ -7892,347 +9067,217 @@
           </a:xfrm>
         </p:spPr>
         <p:txBody>
-          <a:bodyPr vert="horz" lIns="91440" tIns="45720" rIns="91440" bIns="45720" rtlCol="0" anchor="t">
+          <a:bodyPr>
             <a:normAutofit/>
           </a:bodyPr>
           <a:lstStyle/>
           <a:p>
-            <a:r>
-              <a:rPr lang="nl-BE" sz="2000" dirty="0" err="1">
-                <a:latin typeface="Arial"/>
-                <a:cs typeface="Arial"/>
-              </a:rPr>
-              <a:t>Not</a:t>
-            </a:r>
-            <a:r>
-              <a:rPr lang="nl-BE" sz="2000" dirty="0">
-                <a:latin typeface="Arial"/>
-                <a:cs typeface="Arial"/>
-              </a:rPr>
+            <a:pPr marL="0" indent="0">
+              <a:buNone/>
+            </a:pPr>
+            <a:r>
+              <a:rPr lang="nl-BE" sz="2000" b="1" dirty="0" err="1"/>
+              <a:t>Ideal</a:t>
+            </a:r>
+            <a:r>
+              <a:rPr lang="nl-BE" sz="2000" b="1" dirty="0"/>
+              <a:t>:</a:t>
+            </a:r>
+            <a:r>
+              <a:rPr lang="nl-BE" sz="2000" dirty="0"/>
+              <a:t>		DNA </a:t>
+            </a:r>
+            <a:r>
+              <a:rPr lang="nl-BE" sz="2000" dirty="0" err="1"/>
+              <a:t>sequence</a:t>
+            </a:r>
+            <a:r>
+              <a:rPr lang="nl-BE" sz="2000" dirty="0"/>
+              <a:t> do </a:t>
+            </a:r>
+            <a:r>
+              <a:rPr lang="nl-BE" sz="2000" dirty="0" err="1"/>
+              <a:t>not</a:t>
+            </a:r>
+            <a:r>
+              <a:rPr lang="nl-BE" sz="2000" dirty="0"/>
+              <a:t> change, </a:t>
+            </a:r>
+            <a:r>
+              <a:rPr lang="nl-BE" sz="2000" dirty="0" err="1"/>
+              <a:t>except</a:t>
+            </a:r>
+            <a:r>
+              <a:rPr lang="nl-BE" sz="2000" dirty="0"/>
               <a:t> </a:t>
             </a:r>
             <a:r>
-              <a:rPr lang="nl-BE" sz="2000" dirty="0" err="1">
-                <a:latin typeface="Arial"/>
-                <a:cs typeface="Arial"/>
-              </a:rPr>
-              <a:t>dependent</a:t>
-            </a:r>
-            <a:r>
-              <a:rPr lang="nl-BE" sz="2000" dirty="0">
-                <a:latin typeface="Arial"/>
-                <a:cs typeface="Arial"/>
-              </a:rPr>
-              <a:t> on </a:t>
-            </a:r>
-            <a:r>
-              <a:rPr lang="nl-BE" sz="2000" dirty="0" err="1">
-                <a:latin typeface="Arial"/>
-                <a:cs typeface="Arial"/>
-              </a:rPr>
-              <a:t>mass</a:t>
-            </a:r>
-            <a:r>
-              <a:rPr lang="nl-BE" sz="2000" dirty="0">
-                <a:latin typeface="Arial"/>
-                <a:cs typeface="Arial"/>
-              </a:rPr>
+              <a:rPr lang="nl-BE" sz="2000" dirty="0" err="1"/>
+              <a:t>during</a:t>
+            </a:r>
+            <a:r>
+              <a:rPr lang="nl-BE" sz="2000" dirty="0"/>
               <a:t> </a:t>
             </a:r>
             <a:r>
-              <a:rPr lang="nl-BE" sz="2000" dirty="0" err="1">
-                <a:latin typeface="Arial"/>
-                <a:cs typeface="Arial"/>
-              </a:rPr>
-              <a:t>dose</a:t>
-            </a:r>
-            <a:endParaRPr lang="nl-BE" sz="2000" dirty="0" err="1">
-              <a:cs typeface="Arial"/>
-            </a:endParaRPr>
-          </a:p>
-          <a:p>
-            <a:r>
-              <a:rPr lang="nl-BE" sz="2000" dirty="0">
-                <a:latin typeface="Arial"/>
-                <a:cs typeface="Arial"/>
-              </a:rPr>
-              <a:t>Surface is </a:t>
-            </a:r>
-            <a:r>
-              <a:rPr lang="nl-BE" sz="2000" dirty="0" err="1">
-                <a:latin typeface="Arial"/>
-                <a:cs typeface="Arial"/>
-              </a:rPr>
-              <a:t>reactive</a:t>
-            </a:r>
-            <a:r>
-              <a:rPr lang="nl-BE" sz="2000" dirty="0">
-                <a:latin typeface="Arial"/>
-                <a:cs typeface="Arial"/>
-              </a:rPr>
-              <a:t>, </a:t>
-            </a:r>
-            <a:r>
-              <a:rPr lang="nl-BE" sz="2000" dirty="0" err="1">
-                <a:latin typeface="Arial"/>
-                <a:cs typeface="Arial"/>
-              </a:rPr>
-              <a:t>so</a:t>
-            </a:r>
-            <a:r>
-              <a:rPr lang="nl-BE" sz="2000" dirty="0">
-                <a:latin typeface="Arial"/>
-                <a:cs typeface="Arial"/>
-              </a:rPr>
-              <a:t> small </a:t>
-            </a:r>
-            <a:r>
-              <a:rPr lang="nl-BE" sz="2000" dirty="0" err="1">
-                <a:latin typeface="Arial"/>
-                <a:cs typeface="Arial"/>
-              </a:rPr>
-              <a:t>particles</a:t>
-            </a:r>
-            <a:r>
-              <a:rPr lang="nl-BE" sz="2000" dirty="0">
-                <a:latin typeface="Arial"/>
-                <a:cs typeface="Arial"/>
-              </a:rPr>
-              <a:t> at a low </a:t>
-            </a:r>
-            <a:r>
-              <a:rPr lang="nl-BE" sz="2000" dirty="0" err="1">
-                <a:latin typeface="Arial"/>
-                <a:cs typeface="Arial"/>
-              </a:rPr>
-              <a:t>mass</a:t>
-            </a:r>
-            <a:r>
-              <a:rPr lang="nl-BE" sz="2000" dirty="0">
-                <a:latin typeface="Arial"/>
-                <a:cs typeface="Arial"/>
-              </a:rPr>
+              <a:rPr lang="nl-BE" sz="2000" dirty="0" err="1"/>
+              <a:t>reproduction</a:t>
+            </a:r>
+            <a:endParaRPr lang="nl-BE" sz="2000" dirty="0"/>
+          </a:p>
+          <a:p>
+            <a:pPr marL="0" indent="0">
+              <a:buNone/>
+            </a:pPr>
+            <a:r>
+              <a:rPr lang="nl-BE" sz="2000" b="1" dirty="0" err="1"/>
+              <a:t>Reality</a:t>
+            </a:r>
+            <a:r>
+              <a:rPr lang="nl-BE" sz="2000" b="1" dirty="0"/>
+              <a:t>:	</a:t>
+            </a:r>
+            <a:r>
+              <a:rPr lang="nl-BE" sz="2000" dirty="0"/>
+              <a:t>DNA </a:t>
+            </a:r>
+            <a:r>
+              <a:rPr lang="nl-BE" sz="2000" dirty="0" err="1"/>
+              <a:t>damage</a:t>
+            </a:r>
+            <a:r>
+              <a:rPr lang="nl-BE" sz="2000" dirty="0"/>
               <a:t> </a:t>
             </a:r>
             <a:r>
-              <a:rPr lang="nl-BE" sz="2000" dirty="0" err="1">
-                <a:latin typeface="Arial"/>
-                <a:cs typeface="Arial"/>
-              </a:rPr>
-              <a:t>dose</a:t>
-            </a:r>
-            <a:r>
-              <a:rPr lang="nl-BE" sz="2000" dirty="0">
-                <a:latin typeface="Arial"/>
-                <a:cs typeface="Arial"/>
-              </a:rPr>
+              <a:rPr lang="nl-BE" sz="2000" dirty="0" err="1"/>
+              <a:t>due</a:t>
+            </a:r>
+            <a:r>
+              <a:rPr lang="nl-BE" sz="2000" dirty="0"/>
               <a:t> </a:t>
             </a:r>
             <a:r>
-              <a:rPr lang="nl-BE" sz="2000" dirty="0" err="1">
-                <a:latin typeface="Arial"/>
-                <a:cs typeface="Arial"/>
-              </a:rPr>
-              <a:t>can</a:t>
-            </a:r>
-            <a:r>
-              <a:rPr lang="nl-BE" sz="2000" dirty="0">
-                <a:latin typeface="Arial"/>
-                <a:cs typeface="Arial"/>
-              </a:rPr>
+              <a:rPr lang="nl-BE" sz="2000" dirty="0" err="1"/>
+              <a:t>to</a:t>
+            </a:r>
+            <a:r>
+              <a:rPr lang="nl-BE" sz="2000" dirty="0"/>
               <a:t> </a:t>
             </a:r>
             <a:r>
-              <a:rPr lang="nl-BE" sz="2000" dirty="0" err="1">
-                <a:latin typeface="Arial"/>
-                <a:cs typeface="Arial"/>
-              </a:rPr>
-              <a:t>be</a:t>
-            </a:r>
-            <a:r>
-              <a:rPr lang="nl-BE" sz="2000" dirty="0">
-                <a:latin typeface="Arial"/>
-                <a:cs typeface="Arial"/>
-              </a:rPr>
-              <a:t> as </a:t>
-            </a:r>
-            <a:r>
-              <a:rPr lang="nl-BE" sz="2000" dirty="0" err="1">
-                <a:latin typeface="Arial"/>
-                <a:cs typeface="Arial"/>
-              </a:rPr>
+              <a:rPr lang="nl-BE" sz="2000" dirty="0" err="1"/>
+              <a:t>cell</a:t>
+            </a:r>
+            <a:r>
+              <a:rPr lang="nl-BE" sz="2000" dirty="0"/>
+              <a:t> </a:t>
+            </a:r>
+            <a:r>
+              <a:rPr lang="nl-BE" sz="2000" dirty="0" err="1"/>
+              <a:t>process</a:t>
+            </a:r>
+            <a:r>
+              <a:rPr lang="nl-BE" sz="2000" dirty="0"/>
+              <a:t> &amp; </a:t>
+            </a:r>
+            <a:r>
+              <a:rPr lang="nl-BE" sz="2000" dirty="0" err="1"/>
               <a:t>toxic</a:t>
             </a:r>
             <a:r>
-              <a:rPr lang="nl-BE" sz="2000" dirty="0">
-                <a:latin typeface="Arial"/>
-                <a:cs typeface="Arial"/>
-              </a:rPr>
-              <a:t> al </a:t>
-            </a:r>
-            <a:r>
-              <a:rPr lang="nl-BE" sz="2000" dirty="0" err="1">
-                <a:latin typeface="Arial"/>
-                <a:cs typeface="Arial"/>
-              </a:rPr>
-              <a:t>larger</a:t>
-            </a:r>
-            <a:r>
-              <a:rPr lang="nl-BE" sz="2000" dirty="0">
-                <a:latin typeface="Arial"/>
-                <a:cs typeface="Arial"/>
-              </a:rPr>
+              <a:rPr lang="nl-BE" sz="2000" dirty="0"/>
               <a:t> </a:t>
             </a:r>
             <a:r>
-              <a:rPr lang="nl-BE" sz="2000" dirty="0" err="1">
-                <a:latin typeface="Arial"/>
-                <a:cs typeface="Arial"/>
-              </a:rPr>
-              <a:t>particles</a:t>
-            </a:r>
-            <a:r>
-              <a:rPr lang="nl-BE" sz="2000" dirty="0">
-                <a:latin typeface="Arial"/>
-                <a:cs typeface="Arial"/>
-              </a:rPr>
+              <a:rPr lang="nl-BE" sz="2000" dirty="0" err="1"/>
+              <a:t>chemicals</a:t>
+            </a:r>
+            <a:endParaRPr lang="nl-BE" sz="2000" dirty="0"/>
+          </a:p>
+          <a:p>
+            <a:pPr marL="0" indent="0">
+              <a:buNone/>
+            </a:pPr>
+            <a:endParaRPr lang="nl-BE" sz="2000" dirty="0"/>
+          </a:p>
+          <a:p>
+            <a:pPr marL="0" indent="0">
+              <a:buNone/>
+            </a:pPr>
+            <a:r>
+              <a:rPr lang="nl-BE" sz="2000" dirty="0"/>
+              <a:t>				</a:t>
+            </a:r>
+            <a:r>
+              <a:rPr lang="nl-BE" sz="2000" dirty="0" err="1"/>
+              <a:t>robust</a:t>
+            </a:r>
+            <a:r>
+              <a:rPr lang="nl-BE" sz="2000" dirty="0"/>
               <a:t> </a:t>
             </a:r>
             <a:r>
-              <a:rPr lang="nl-BE" sz="2000" dirty="0" err="1">
-                <a:latin typeface="Arial"/>
-                <a:cs typeface="Arial"/>
-              </a:rPr>
-              <a:t>with</a:t>
-            </a:r>
-            <a:r>
-              <a:rPr lang="nl-BE" sz="2000" dirty="0">
-                <a:latin typeface="Arial"/>
-                <a:cs typeface="Arial"/>
-              </a:rPr>
-              <a:t> a </a:t>
-            </a:r>
-            <a:r>
-              <a:rPr lang="nl-BE" sz="2000" dirty="0" err="1">
-                <a:latin typeface="Arial"/>
-                <a:cs typeface="Arial"/>
-              </a:rPr>
-              <a:t>higer</a:t>
-            </a:r>
-            <a:r>
-              <a:rPr lang="nl-BE" sz="2000" dirty="0">
-                <a:latin typeface="Arial"/>
-                <a:cs typeface="Arial"/>
-              </a:rPr>
+              <a:rPr lang="nl-BE" sz="2000" dirty="0" err="1"/>
+              <a:t>repair</a:t>
+            </a:r>
+            <a:r>
+              <a:rPr lang="nl-BE" sz="2000" dirty="0"/>
               <a:t> </a:t>
             </a:r>
             <a:r>
-              <a:rPr lang="nl-BE" sz="2000" dirty="0" err="1">
-                <a:latin typeface="Arial"/>
-                <a:cs typeface="Arial"/>
-              </a:rPr>
-              <a:t>mass</a:t>
-            </a:r>
-            <a:r>
-              <a:rPr lang="nl-BE" sz="2000" dirty="0">
-                <a:latin typeface="Arial"/>
-                <a:cs typeface="Arial"/>
-              </a:rPr>
+              <a:rPr lang="nl-BE" sz="2000" dirty="0" err="1"/>
+              <a:t>mechanism</a:t>
+            </a:r>
+            <a:endParaRPr lang="nl-BE" sz="2000" dirty="0"/>
+          </a:p>
+          <a:p>
+            <a:pPr marL="0" indent="0">
+              <a:buNone/>
+            </a:pPr>
+            <a:endParaRPr lang="nl-BE" sz="2000" dirty="0"/>
+          </a:p>
+          <a:p>
+            <a:pPr marL="0" indent="0">
+              <a:buNone/>
+            </a:pPr>
+            <a:r>
+              <a:rPr lang="nl-BE" sz="2000" dirty="0"/>
+              <a:t>			             DNA is </a:t>
+            </a:r>
+            <a:r>
+              <a:rPr lang="nl-BE" sz="2000" dirty="0" err="1"/>
+              <a:t>repaired</a:t>
+            </a:r>
+            <a:r>
+              <a:rPr lang="nl-BE" sz="2000" dirty="0"/>
               <a:t> </a:t>
             </a:r>
             <a:r>
-              <a:rPr lang="nl-BE" sz="2000" dirty="0" err="1">
-                <a:latin typeface="Arial"/>
-                <a:cs typeface="Arial"/>
-              </a:rPr>
-              <a:t>dose</a:t>
-            </a:r>
-          </a:p>
-          <a:p>
-            <a:r>
-              <a:rPr lang="nl-BE" sz="2000" dirty="0">
-                <a:latin typeface="Arial"/>
-                <a:cs typeface="Arial"/>
-              </a:rPr>
-              <a:t>Surface </a:t>
-            </a:r>
-            <a:r>
-              <a:rPr lang="nl-BE" sz="2000" dirty="0" err="1">
-                <a:latin typeface="Arial"/>
-                <a:cs typeface="Arial"/>
-              </a:rPr>
-              <a:t>dose</a:t>
-            </a:r>
-            <a:r>
-              <a:rPr lang="nl-BE" sz="2000" dirty="0">
-                <a:latin typeface="Arial"/>
-                <a:cs typeface="Arial"/>
-              </a:rPr>
-              <a:t> is </a:t>
-            </a:r>
-            <a:r>
-              <a:rPr lang="nl-BE" sz="2000" dirty="0" err="1">
-                <a:latin typeface="Arial"/>
-                <a:cs typeface="Arial"/>
-              </a:rPr>
-              <a:t>what</a:t>
-            </a:r>
-            <a:r>
-              <a:rPr lang="nl-BE" sz="2000" dirty="0">
-                <a:latin typeface="Arial"/>
-                <a:cs typeface="Arial"/>
-              </a:rPr>
-              <a:t> </a:t>
-            </a:r>
-            <a:r>
-              <a:rPr lang="nl-BE" sz="2000" dirty="0" err="1">
-                <a:latin typeface="Arial"/>
-                <a:cs typeface="Arial"/>
-              </a:rPr>
-              <a:t>makes</a:t>
-            </a:r>
-            <a:r>
-              <a:rPr lang="nl-BE" sz="2000" dirty="0">
-                <a:latin typeface="Arial"/>
-                <a:cs typeface="Arial"/>
-              </a:rPr>
-              <a:t> </a:t>
-            </a:r>
-            <a:r>
-              <a:rPr lang="nl-BE" sz="2000" dirty="0" err="1">
-                <a:latin typeface="Arial"/>
-                <a:cs typeface="Arial"/>
-              </a:rPr>
-              <a:t>influences</a:t>
-            </a:r>
-            <a:r>
-              <a:rPr lang="nl-BE" sz="2000" dirty="0">
-                <a:latin typeface="Arial"/>
-                <a:cs typeface="Arial"/>
-              </a:rPr>
-              <a:t> </a:t>
-            </a:r>
-            <a:r>
-              <a:rPr lang="nl-BE" sz="2000" dirty="0" err="1">
-                <a:latin typeface="Arial"/>
-                <a:cs typeface="Arial"/>
-              </a:rPr>
-              <a:t>the</a:t>
-            </a:r>
-            <a:r>
-              <a:rPr lang="nl-BE" sz="2000" dirty="0">
-                <a:latin typeface="Arial"/>
-                <a:cs typeface="Arial"/>
-              </a:rPr>
-              <a:t> </a:t>
-            </a:r>
-            <a:r>
-              <a:rPr lang="nl-BE" sz="2000" dirty="0" err="1">
-                <a:latin typeface="Arial"/>
-                <a:cs typeface="Arial"/>
-              </a:rPr>
-              <a:t>toxicity</a:t>
-            </a:r>
+              <a:rPr lang="nl-BE" sz="2000" dirty="0" err="1"/>
+              <a:t>incorrectly</a:t>
+            </a:r>
+            <a:endParaRPr lang="nl-BE" sz="2000" dirty="0"/>
+          </a:p>
+          <a:p>
+            <a:pPr marL="0" indent="0">
+              <a:buNone/>
+            </a:pPr>
+            <a:endParaRPr lang="nl-BE" sz="2000" dirty="0"/>
+          </a:p>
+          <a:p>
+            <a:pPr marL="0" indent="0">
+              <a:buNone/>
+            </a:pPr>
+            <a:r>
+              <a:rPr lang="nl-BE" sz="2000" dirty="0"/>
+              <a:t>					</a:t>
+            </a:r>
+            <a:r>
+              <a:rPr lang="nl-BE" sz="2000" dirty="0" err="1"/>
+              <a:t>mutations</a:t>
+            </a:r>
+            <a:endParaRPr lang="nl-BE" sz="2000" dirty="0"/>
           </a:p>
         </p:txBody>
       </p:sp>
@@ -8402,10 +9447,323 @@
           </a:p>
         </p:txBody>
       </p:sp>
+      <p:sp>
+        <p:nvSpPr>
+          <p:cNvPr id="2" name="Tekstvak 1">
+            <a:extLst>
+              <a:ext uri="{FF2B5EF4-FFF2-40B4-BE49-F238E27FC236}">
+                <a16:creationId xmlns:a16="http://schemas.microsoft.com/office/drawing/2014/main" id="{D23B4A80-E44A-4A5E-95E5-E441E1910926}"/>
+              </a:ext>
+            </a:extLst>
+          </p:cNvPr>
+          <p:cNvSpPr txBox="1"/>
+          <p:nvPr/>
+        </p:nvSpPr>
+        <p:spPr>
+          <a:xfrm>
+            <a:off x="2935111" y="5499409"/>
+            <a:ext cx="2506133" cy="400110"/>
+          </a:xfrm>
+          <a:prstGeom prst="rect">
+            <a:avLst/>
+          </a:prstGeom>
+          <a:noFill/>
+        </p:spPr>
+        <p:txBody>
+          <a:bodyPr wrap="square" rtlCol="0">
+            <a:spAutoFit/>
+          </a:bodyPr>
+          <a:lstStyle/>
+          <a:p>
+            <a:pPr algn="ctr"/>
+            <a:r>
+              <a:rPr lang="nl-BE" sz="2000" dirty="0"/>
+              <a:t>no or minor effect</a:t>
+            </a:r>
+          </a:p>
+        </p:txBody>
+      </p:sp>
+      <p:sp>
+        <p:nvSpPr>
+          <p:cNvPr id="12" name="Tekstvak 11">
+            <a:extLst>
+              <a:ext uri="{FF2B5EF4-FFF2-40B4-BE49-F238E27FC236}">
+                <a16:creationId xmlns:a16="http://schemas.microsoft.com/office/drawing/2014/main" id="{300A6B97-18E7-4404-8F7D-686019CE4372}"/>
+              </a:ext>
+            </a:extLst>
+          </p:cNvPr>
+          <p:cNvSpPr txBox="1"/>
+          <p:nvPr/>
+        </p:nvSpPr>
+        <p:spPr>
+          <a:xfrm>
+            <a:off x="6096000" y="5420080"/>
+            <a:ext cx="3719690" cy="707886"/>
+          </a:xfrm>
+          <a:prstGeom prst="rect">
+            <a:avLst/>
+          </a:prstGeom>
+          <a:noFill/>
+        </p:spPr>
+        <p:txBody>
+          <a:bodyPr wrap="square" rtlCol="0">
+            <a:spAutoFit/>
+          </a:bodyPr>
+          <a:lstStyle/>
+          <a:p>
+            <a:pPr algn="ctr"/>
+            <a:r>
+              <a:rPr lang="nl-BE" sz="2000" dirty="0"/>
+              <a:t>life-</a:t>
+            </a:r>
+            <a:r>
+              <a:rPr lang="nl-BE" sz="2000" dirty="0" err="1"/>
+              <a:t>threatening</a:t>
+            </a:r>
+            <a:r>
+              <a:rPr lang="nl-BE" sz="2000" dirty="0"/>
+              <a:t> </a:t>
+            </a:r>
+            <a:r>
+              <a:rPr lang="nl-BE" sz="2000" dirty="0" err="1"/>
+              <a:t>effects</a:t>
+            </a:r>
+            <a:endParaRPr lang="nl-BE" sz="2000" dirty="0"/>
+          </a:p>
+          <a:p>
+            <a:pPr algn="ctr"/>
+            <a:r>
+              <a:rPr lang="nl-BE" sz="2000" dirty="0" err="1"/>
+              <a:t>when</a:t>
+            </a:r>
+            <a:r>
+              <a:rPr lang="nl-BE" sz="2000" dirty="0"/>
+              <a:t> </a:t>
+            </a:r>
+            <a:r>
+              <a:rPr lang="nl-BE" sz="2000" dirty="0" err="1"/>
+              <a:t>occured</a:t>
+            </a:r>
+            <a:r>
+              <a:rPr lang="nl-BE" sz="2000" dirty="0"/>
+              <a:t> in wrong </a:t>
+            </a:r>
+            <a:r>
+              <a:rPr lang="nl-BE" sz="2000" dirty="0" err="1"/>
+              <a:t>place</a:t>
+            </a:r>
+            <a:endParaRPr lang="nl-BE" sz="2000" dirty="0"/>
+          </a:p>
+        </p:txBody>
+      </p:sp>
+      <p:cxnSp>
+        <p:nvCxnSpPr>
+          <p:cNvPr id="4" name="Rechte verbindingslijn met pijl 3">
+            <a:extLst>
+              <a:ext uri="{FF2B5EF4-FFF2-40B4-BE49-F238E27FC236}">
+                <a16:creationId xmlns:a16="http://schemas.microsoft.com/office/drawing/2014/main" id="{81D54CF9-AB68-4274-844A-966DCABE2B00}"/>
+              </a:ext>
+            </a:extLst>
+          </p:cNvPr>
+          <p:cNvCxnSpPr/>
+          <p:nvPr/>
+        </p:nvCxnSpPr>
+        <p:spPr>
+          <a:xfrm>
+            <a:off x="5751682" y="2506133"/>
+            <a:ext cx="0" cy="440267"/>
+          </a:xfrm>
+          <a:prstGeom prst="straightConnector1">
+            <a:avLst/>
+          </a:prstGeom>
+          <a:ln w="57150">
+            <a:headEnd type="none" w="med" len="med"/>
+            <a:tailEnd type="arrow" w="med" len="med"/>
+          </a:ln>
+        </p:spPr>
+        <p:style>
+          <a:lnRef idx="1">
+            <a:schemeClr val="accent1"/>
+          </a:lnRef>
+          <a:fillRef idx="0">
+            <a:schemeClr val="accent1"/>
+          </a:fillRef>
+          <a:effectRef idx="0">
+            <a:schemeClr val="accent1"/>
+          </a:effectRef>
+          <a:fontRef idx="minor">
+            <a:schemeClr val="tx1"/>
+          </a:fontRef>
+        </p:style>
+      </p:cxnSp>
+      <p:cxnSp>
+        <p:nvCxnSpPr>
+          <p:cNvPr id="13" name="Rechte verbindingslijn met pijl 12">
+            <a:extLst>
+              <a:ext uri="{FF2B5EF4-FFF2-40B4-BE49-F238E27FC236}">
+                <a16:creationId xmlns:a16="http://schemas.microsoft.com/office/drawing/2014/main" id="{3E9E10C6-A9DF-4A46-86F9-AFD24EA8E7BE}"/>
+              </a:ext>
+            </a:extLst>
+          </p:cNvPr>
+          <p:cNvCxnSpPr/>
+          <p:nvPr/>
+        </p:nvCxnSpPr>
+        <p:spPr>
+          <a:xfrm>
+            <a:off x="5751682" y="3429000"/>
+            <a:ext cx="0" cy="440267"/>
+          </a:xfrm>
+          <a:prstGeom prst="straightConnector1">
+            <a:avLst/>
+          </a:prstGeom>
+          <a:ln w="57150">
+            <a:headEnd type="none" w="med" len="med"/>
+            <a:tailEnd type="arrow" w="med" len="med"/>
+          </a:ln>
+        </p:spPr>
+        <p:style>
+          <a:lnRef idx="1">
+            <a:schemeClr val="accent1"/>
+          </a:lnRef>
+          <a:fillRef idx="0">
+            <a:schemeClr val="accent1"/>
+          </a:fillRef>
+          <a:effectRef idx="0">
+            <a:schemeClr val="accent1"/>
+          </a:effectRef>
+          <a:fontRef idx="minor">
+            <a:schemeClr val="tx1"/>
+          </a:fontRef>
+        </p:style>
+      </p:cxnSp>
+      <p:cxnSp>
+        <p:nvCxnSpPr>
+          <p:cNvPr id="14" name="Rechte verbindingslijn met pijl 13">
+            <a:extLst>
+              <a:ext uri="{FF2B5EF4-FFF2-40B4-BE49-F238E27FC236}">
+                <a16:creationId xmlns:a16="http://schemas.microsoft.com/office/drawing/2014/main" id="{CF2E00E2-D0D0-471C-9B56-D1737DEFFA4C}"/>
+              </a:ext>
+            </a:extLst>
+          </p:cNvPr>
+          <p:cNvCxnSpPr/>
+          <p:nvPr/>
+        </p:nvCxnSpPr>
+        <p:spPr>
+          <a:xfrm>
+            <a:off x="5751682" y="4236155"/>
+            <a:ext cx="0" cy="440267"/>
+          </a:xfrm>
+          <a:prstGeom prst="straightConnector1">
+            <a:avLst/>
+          </a:prstGeom>
+          <a:ln w="57150">
+            <a:headEnd type="none" w="med" len="med"/>
+            <a:tailEnd type="arrow" w="med" len="med"/>
+          </a:ln>
+        </p:spPr>
+        <p:style>
+          <a:lnRef idx="1">
+            <a:schemeClr val="accent1"/>
+          </a:lnRef>
+          <a:fillRef idx="0">
+            <a:schemeClr val="accent1"/>
+          </a:fillRef>
+          <a:effectRef idx="0">
+            <a:schemeClr val="accent1"/>
+          </a:effectRef>
+          <a:fontRef idx="minor">
+            <a:schemeClr val="tx1"/>
+          </a:fontRef>
+        </p:style>
+      </p:cxnSp>
+      <p:cxnSp>
+        <p:nvCxnSpPr>
+          <p:cNvPr id="15" name="Rechte verbindingslijn met pijl 14">
+            <a:extLst>
+              <a:ext uri="{FF2B5EF4-FFF2-40B4-BE49-F238E27FC236}">
+                <a16:creationId xmlns:a16="http://schemas.microsoft.com/office/drawing/2014/main" id="{8C2B2A61-B09C-449E-B2DE-755F3A8489B8}"/>
+              </a:ext>
+            </a:extLst>
+          </p:cNvPr>
+          <p:cNvCxnSpPr>
+            <a:cxnSpLocks/>
+          </p:cNvCxnSpPr>
+          <p:nvPr/>
+        </p:nvCxnSpPr>
+        <p:spPr>
+          <a:xfrm>
+            <a:off x="5992427" y="5133315"/>
+            <a:ext cx="848640" cy="286765"/>
+          </a:xfrm>
+          <a:prstGeom prst="straightConnector1">
+            <a:avLst/>
+          </a:prstGeom>
+          <a:ln w="57150">
+            <a:headEnd type="none" w="med" len="med"/>
+            <a:tailEnd type="arrow" w="med" len="med"/>
+          </a:ln>
+        </p:spPr>
+        <p:style>
+          <a:lnRef idx="1">
+            <a:schemeClr val="accent1"/>
+          </a:lnRef>
+          <a:fillRef idx="0">
+            <a:schemeClr val="accent1"/>
+          </a:fillRef>
+          <a:effectRef idx="0">
+            <a:schemeClr val="accent1"/>
+          </a:effectRef>
+          <a:fontRef idx="minor">
+            <a:schemeClr val="tx1"/>
+          </a:fontRef>
+        </p:style>
+      </p:cxnSp>
+      <p:cxnSp>
+        <p:nvCxnSpPr>
+          <p:cNvPr id="16" name="Rechte verbindingslijn met pijl 15">
+            <a:extLst>
+              <a:ext uri="{FF2B5EF4-FFF2-40B4-BE49-F238E27FC236}">
+                <a16:creationId xmlns:a16="http://schemas.microsoft.com/office/drawing/2014/main" id="{B26D17F0-D080-4395-8A78-E4B5C2D1A074}"/>
+              </a:ext>
+            </a:extLst>
+          </p:cNvPr>
+          <p:cNvCxnSpPr>
+            <a:cxnSpLocks/>
+          </p:cNvCxnSpPr>
+          <p:nvPr/>
+        </p:nvCxnSpPr>
+        <p:spPr>
+          <a:xfrm flipH="1">
+            <a:off x="4662311" y="5142332"/>
+            <a:ext cx="780768" cy="286765"/>
+          </a:xfrm>
+          <a:prstGeom prst="straightConnector1">
+            <a:avLst/>
+          </a:prstGeom>
+          <a:ln w="57150">
+            <a:headEnd type="none" w="med" len="med"/>
+            <a:tailEnd type="arrow" w="med" len="med"/>
+          </a:ln>
+        </p:spPr>
+        <p:style>
+          <a:lnRef idx="1">
+            <a:schemeClr val="accent1"/>
+          </a:lnRef>
+          <a:fillRef idx="0">
+            <a:schemeClr val="accent1"/>
+          </a:fillRef>
+          <a:effectRef idx="0">
+            <a:schemeClr val="accent1"/>
+          </a:effectRef>
+          <a:fontRef idx="minor">
+            <a:schemeClr val="tx1"/>
+          </a:fontRef>
+        </p:style>
+      </p:cxnSp>
     </p:spTree>
     <p:extLst>
       <p:ext uri="{BB962C8B-B14F-4D97-AF65-F5344CB8AC3E}">
-        <p14:creationId xmlns:p14="http://schemas.microsoft.com/office/powerpoint/2010/main" val="4204038074"/>
+        <p14:creationId xmlns:p14="http://schemas.microsoft.com/office/powerpoint/2010/main" val="122746868"/>
       </p:ext>
     </p:extLst>
   </p:cSld>
@@ -8434,10 +9792,290 @@
       </p:grpSpPr>
       <p:sp>
         <p:nvSpPr>
-          <p:cNvPr id="2" name="Tijdelijke aanduiding voor inhoud 1">
+          <p:cNvPr id="7" name="Tijdelijke aanduiding voor dianummer 23">
             <a:extLst>
               <a:ext uri="{FF2B5EF4-FFF2-40B4-BE49-F238E27FC236}">
-                <a16:creationId xmlns:a16="http://schemas.microsoft.com/office/drawing/2014/main" id="{DA23FDA8-8B91-4851-BFB1-DD9B789576B1}"/>
+                <a16:creationId xmlns:a16="http://schemas.microsoft.com/office/drawing/2014/main" id="{E7BA9955-551E-4B72-9196-84FDFE87439B}"/>
+              </a:ext>
+            </a:extLst>
+          </p:cNvPr>
+          <p:cNvSpPr>
+            <a:spLocks noGrp="1"/>
+          </p:cNvSpPr>
+          <p:nvPr>
+            <p:ph type="sldNum" sz="quarter" idx="12"/>
+          </p:nvPr>
+        </p:nvSpPr>
+        <p:spPr>
+          <a:xfrm>
+            <a:off x="11544000" y="-126730"/>
+            <a:ext cx="648000" cy="648000"/>
+          </a:xfrm>
+        </p:spPr>
+        <p:txBody>
+          <a:bodyPr/>
+          <a:lstStyle/>
+          <a:p>
+            <a:fld id="{CF179DAE-D0A6-40C3-B8BC-6A97C268D03A}" type="slidenum">
+              <a:rPr lang="nl-NL" sz="1200" smtClean="0">
+                <a:solidFill>
+                  <a:srgbClr val="1D8DB0"/>
+                </a:solidFill>
+              </a:rPr>
+              <a:pPr/>
+              <a:t>14</a:t>
+            </a:fld>
+            <a:r>
+              <a:rPr lang="nl-NL" sz="1200" dirty="0">
+                <a:solidFill>
+                  <a:srgbClr val="1D8DB0"/>
+                </a:solidFill>
+              </a:rPr>
+              <a:t>/31</a:t>
+            </a:r>
+          </a:p>
+        </p:txBody>
+      </p:sp>
+      <p:sp>
+        <p:nvSpPr>
+          <p:cNvPr id="9" name="Titel 4">
+            <a:extLst>
+              <a:ext uri="{FF2B5EF4-FFF2-40B4-BE49-F238E27FC236}">
+                <a16:creationId xmlns:a16="http://schemas.microsoft.com/office/drawing/2014/main" id="{32C054A8-9043-41C9-BA29-6C11E3B87A6D}"/>
+              </a:ext>
+            </a:extLst>
+          </p:cNvPr>
+          <p:cNvSpPr>
+            <a:spLocks noGrp="1"/>
+          </p:cNvSpPr>
+          <p:nvPr>
+            <p:ph type="title"/>
+          </p:nvPr>
+        </p:nvSpPr>
+        <p:spPr>
+          <a:xfrm>
+            <a:off x="576263" y="336550"/>
+            <a:ext cx="11041062" cy="1152525"/>
+          </a:xfrm>
+        </p:spPr>
+        <p:txBody>
+          <a:bodyPr/>
+          <a:lstStyle/>
+          <a:p>
+            <a:r>
+              <a:rPr lang="nl-BE" dirty="0"/>
+              <a:t>DNA </a:t>
+            </a:r>
+            <a:r>
+              <a:rPr lang="nl-BE" dirty="0" err="1"/>
+              <a:t>mutations</a:t>
+            </a:r>
+            <a:endParaRPr lang="nl-BE" dirty="0"/>
+          </a:p>
+        </p:txBody>
+      </p:sp>
+      <p:sp>
+        <p:nvSpPr>
+          <p:cNvPr id="10" name="Tekstvak 9">
+            <a:extLst>
+              <a:ext uri="{FF2B5EF4-FFF2-40B4-BE49-F238E27FC236}">
+                <a16:creationId xmlns:a16="http://schemas.microsoft.com/office/drawing/2014/main" id="{F9AF6A87-507F-4E2E-8A2A-840080D13776}"/>
+              </a:ext>
+            </a:extLst>
+          </p:cNvPr>
+          <p:cNvSpPr txBox="1"/>
+          <p:nvPr/>
+        </p:nvSpPr>
+        <p:spPr>
+          <a:xfrm>
+            <a:off x="159798" y="58771"/>
+            <a:ext cx="5832629" cy="276999"/>
+          </a:xfrm>
+          <a:prstGeom prst="rect">
+            <a:avLst/>
+          </a:prstGeom>
+          <a:noFill/>
+        </p:spPr>
+        <p:txBody>
+          <a:bodyPr wrap="square" rtlCol="0">
+            <a:spAutoFit/>
+          </a:bodyPr>
+          <a:lstStyle/>
+          <a:p>
+            <a:r>
+              <a:rPr lang="nl-BE" sz="1200" dirty="0">
+                <a:solidFill>
+                  <a:srgbClr val="1D8DB0"/>
+                </a:solidFill>
+              </a:rPr>
+              <a:t>J. </a:t>
+            </a:r>
+            <a:r>
+              <a:rPr lang="nl-BE" sz="1200" dirty="0" err="1">
+                <a:solidFill>
+                  <a:srgbClr val="1D8DB0"/>
+                </a:solidFill>
+              </a:rPr>
+              <a:t>Neirynck</a:t>
+            </a:r>
+            <a:r>
+              <a:rPr lang="nl-BE" sz="1200" dirty="0">
+                <a:solidFill>
+                  <a:srgbClr val="1D8DB0"/>
+                </a:solidFill>
+              </a:rPr>
+              <a:t>, F. Van </a:t>
+            </a:r>
+            <a:r>
+              <a:rPr lang="nl-BE" sz="1200" dirty="0" err="1">
+                <a:solidFill>
+                  <a:srgbClr val="1D8DB0"/>
+                </a:solidFill>
+              </a:rPr>
+              <a:t>Eecke</a:t>
+            </a:r>
+            <a:r>
+              <a:rPr lang="nl-BE" sz="1200" dirty="0">
+                <a:solidFill>
+                  <a:srgbClr val="1D8DB0"/>
+                </a:solidFill>
+              </a:rPr>
+              <a:t> &amp; R. Vrielynck</a:t>
+            </a:r>
+          </a:p>
+        </p:txBody>
+      </p:sp>
+      <p:sp>
+        <p:nvSpPr>
+          <p:cNvPr id="11" name="Tekstvak 10">
+            <a:extLst>
+              <a:ext uri="{FF2B5EF4-FFF2-40B4-BE49-F238E27FC236}">
+                <a16:creationId xmlns:a16="http://schemas.microsoft.com/office/drawing/2014/main" id="{02C83A39-3DA1-4516-B834-3C3D5F8552F0}"/>
+              </a:ext>
+            </a:extLst>
+          </p:cNvPr>
+          <p:cNvSpPr txBox="1"/>
+          <p:nvPr/>
+        </p:nvSpPr>
+        <p:spPr>
+          <a:xfrm>
+            <a:off x="576000" y="6356412"/>
+            <a:ext cx="10351364" cy="315471"/>
+          </a:xfrm>
+          <a:prstGeom prst="rect">
+            <a:avLst/>
+          </a:prstGeom>
+          <a:noFill/>
+        </p:spPr>
+        <p:txBody>
+          <a:bodyPr wrap="square" rtlCol="0">
+            <a:spAutoFit/>
+          </a:bodyPr>
+          <a:lstStyle/>
+          <a:p>
+            <a:r>
+              <a:rPr lang="nl-BE" sz="1450" dirty="0" err="1">
+                <a:solidFill>
+                  <a:schemeClr val="bg1"/>
+                </a:solidFill>
+              </a:rPr>
+              <a:t>Introduction</a:t>
+            </a:r>
+            <a:r>
+              <a:rPr lang="nl-BE" sz="1450" dirty="0">
+                <a:solidFill>
+                  <a:schemeClr val="bg1"/>
+                </a:solidFill>
+              </a:rPr>
+              <a:t>	</a:t>
+            </a:r>
+            <a:r>
+              <a:rPr lang="nl-BE" sz="1450" b="1" dirty="0">
+                <a:solidFill>
+                  <a:schemeClr val="bg1"/>
+                </a:solidFill>
+              </a:rPr>
+              <a:t>	Framework</a:t>
+            </a:r>
+            <a:r>
+              <a:rPr lang="nl-BE" sz="1450" dirty="0">
+                <a:solidFill>
+                  <a:schemeClr val="bg1"/>
+                </a:solidFill>
+              </a:rPr>
+              <a:t>		</a:t>
+            </a:r>
+            <a:r>
+              <a:rPr lang="nl-BE" sz="1450" dirty="0" err="1">
+                <a:solidFill>
+                  <a:schemeClr val="bg1"/>
+                </a:solidFill>
+              </a:rPr>
+              <a:t>Techniques</a:t>
+            </a:r>
+            <a:r>
+              <a:rPr lang="nl-BE" sz="1450" dirty="0">
+                <a:solidFill>
+                  <a:schemeClr val="bg1"/>
+                </a:solidFill>
+              </a:rPr>
+              <a:t> &amp; </a:t>
+            </a:r>
+            <a:r>
+              <a:rPr lang="nl-BE" sz="1450" dirty="0" err="1">
+                <a:solidFill>
+                  <a:schemeClr val="bg1"/>
+                </a:solidFill>
+              </a:rPr>
+              <a:t>Results</a:t>
+            </a:r>
+            <a:r>
+              <a:rPr lang="nl-BE" sz="1450" dirty="0">
+                <a:solidFill>
+                  <a:schemeClr val="bg1"/>
+                </a:solidFill>
+              </a:rPr>
+              <a:t>			Summary</a:t>
+            </a:r>
+          </a:p>
+        </p:txBody>
+      </p:sp>
+      <p:pic>
+        <p:nvPicPr>
+          <p:cNvPr id="3" name="Afbeelding 2">
+            <a:extLst>
+              <a:ext uri="{FF2B5EF4-FFF2-40B4-BE49-F238E27FC236}">
+                <a16:creationId xmlns:a16="http://schemas.microsoft.com/office/drawing/2014/main" id="{6EAAB5D9-2096-4416-8D04-3007E1C369BB}"/>
+              </a:ext>
+            </a:extLst>
+          </p:cNvPr>
+          <p:cNvPicPr>
+            <a:picLocks noChangeAspect="1"/>
+          </p:cNvPicPr>
+          <p:nvPr/>
+        </p:nvPicPr>
+        <p:blipFill>
+          <a:blip r:embed="rId3"/>
+          <a:stretch>
+            <a:fillRect/>
+          </a:stretch>
+        </p:blipFill>
+        <p:spPr>
+          <a:xfrm>
+            <a:off x="5379127" y="1219312"/>
+            <a:ext cx="6807263" cy="4916839"/>
+          </a:xfrm>
+          <a:prstGeom prst="rect">
+            <a:avLst/>
+          </a:prstGeom>
+        </p:spPr>
+      </p:pic>
+      <p:sp>
+        <p:nvSpPr>
+          <p:cNvPr id="17" name="Tijdelijke aanduiding voor inhoud 1">
+            <a:extLst>
+              <a:ext uri="{FF2B5EF4-FFF2-40B4-BE49-F238E27FC236}">
+                <a16:creationId xmlns:a16="http://schemas.microsoft.com/office/drawing/2014/main" id="{4DCF8A7B-2B26-4E33-876E-860E9855D4F2}"/>
               </a:ext>
             </a:extLst>
           </p:cNvPr>
@@ -8448,369 +10086,85 @@
             <p:ph idx="1"/>
           </p:nvPr>
         </p:nvSpPr>
-        <p:spPr/>
-        <p:txBody>
-          <a:bodyPr vert="horz" lIns="91440" tIns="45720" rIns="91440" bIns="45720" rtlCol="0" anchor="t">
+        <p:spPr>
+          <a:xfrm>
+            <a:off x="576000" y="1656000"/>
+            <a:ext cx="11041200" cy="4043464"/>
+          </a:xfrm>
+        </p:spPr>
+        <p:txBody>
+          <a:bodyPr>
             <a:normAutofit/>
           </a:bodyPr>
           <a:lstStyle/>
           <a:p>
-            <a:r>
-              <a:rPr lang="nl-NL" dirty="0">
-                <a:latin typeface="Arial"/>
-                <a:cs typeface="Arial"/>
-              </a:rPr>
-              <a:t>Large </a:t>
-            </a:r>
-            <a:r>
-              <a:rPr lang="nl-NL" dirty="0" err="1">
-                <a:latin typeface="Arial"/>
-                <a:cs typeface="Arial"/>
-              </a:rPr>
-              <a:t>concentration</a:t>
-            </a:r>
-            <a:r>
-              <a:rPr lang="nl-NL" dirty="0">
-                <a:latin typeface="Arial"/>
-                <a:cs typeface="Arial"/>
-              </a:rPr>
-              <a:t> --&gt; </a:t>
-            </a:r>
-            <a:r>
-              <a:rPr lang="nl-NL" dirty="0" err="1">
-                <a:latin typeface="Arial"/>
-                <a:cs typeface="Arial"/>
-              </a:rPr>
-              <a:t>aggregation</a:t>
-            </a:r>
-            <a:r>
-              <a:rPr lang="nl-NL" dirty="0">
-                <a:latin typeface="Arial"/>
-                <a:cs typeface="Arial"/>
-              </a:rPr>
-              <a:t> of </a:t>
-            </a:r>
-            <a:r>
-              <a:rPr lang="nl-NL" dirty="0" err="1">
-                <a:latin typeface="Arial"/>
-                <a:cs typeface="Arial"/>
-              </a:rPr>
-              <a:t>particles</a:t>
-            </a:r>
-          </a:p>
-          <a:p>
-            <a:r>
-              <a:rPr lang="nl-NL" dirty="0" err="1">
-                <a:latin typeface="Arial"/>
-                <a:cs typeface="Arial"/>
-              </a:rPr>
-              <a:t>Larger</a:t>
-            </a:r>
-            <a:r>
-              <a:rPr lang="nl-NL" dirty="0">
-                <a:latin typeface="Arial"/>
-                <a:cs typeface="Arial"/>
-              </a:rPr>
+            <a:endParaRPr lang="nl-BE" sz="2000" dirty="0"/>
+          </a:p>
+          <a:p>
+            <a:endParaRPr lang="nl-BE" sz="2000" dirty="0"/>
+          </a:p>
+          <a:p>
+            <a:r>
+              <a:rPr lang="nl-BE" sz="2000" dirty="0" err="1"/>
+              <a:t>Compounds</a:t>
+            </a:r>
+            <a:r>
+              <a:rPr lang="nl-BE" sz="2000" dirty="0"/>
+              <a:t> do </a:t>
+            </a:r>
+            <a:r>
+              <a:rPr lang="nl-BE" sz="2000" dirty="0" err="1"/>
+              <a:t>not</a:t>
+            </a:r>
+            <a:r>
+              <a:rPr lang="nl-BE" sz="2000" dirty="0"/>
               <a:t> </a:t>
             </a:r>
             <a:r>
-              <a:rPr lang="nl-NL" dirty="0" err="1">
-                <a:latin typeface="Arial"/>
-                <a:cs typeface="Arial"/>
-              </a:rPr>
-              <a:t>particles</a:t>
-            </a:r>
-            <a:r>
-              <a:rPr lang="nl-NL" dirty="0">
-                <a:latin typeface="Arial"/>
-                <a:cs typeface="Arial"/>
-              </a:rPr>
-              <a:t>, </a:t>
-            </a:r>
-            <a:r>
-              <a:rPr lang="nl-NL" dirty="0" err="1">
-                <a:latin typeface="Arial"/>
-                <a:cs typeface="Arial"/>
-              </a:rPr>
-              <a:t>less</a:t>
-            </a:r>
-            <a:r>
-              <a:rPr lang="nl-NL" dirty="0">
-                <a:latin typeface="Arial"/>
-                <a:cs typeface="Arial"/>
-              </a:rPr>
-              <a:t> </a:t>
-            </a:r>
-            <a:r>
-              <a:rPr lang="nl-NL" dirty="0" err="1">
-                <a:latin typeface="Arial"/>
-                <a:cs typeface="Arial"/>
-              </a:rPr>
-              <a:t>surface</a:t>
-            </a:r>
-            <a:r>
-              <a:rPr lang="nl-NL" dirty="0">
-                <a:latin typeface="Arial"/>
-                <a:cs typeface="Arial"/>
-              </a:rPr>
-              <a:t> AND </a:t>
-            </a:r>
-            <a:r>
-              <a:rPr lang="nl-NL" dirty="0" err="1">
-                <a:latin typeface="Arial"/>
-                <a:cs typeface="Arial"/>
-              </a:rPr>
-              <a:t>white</a:t>
-            </a:r>
-            <a:r>
-              <a:rPr lang="nl-NL" dirty="0">
-                <a:latin typeface="Arial"/>
-                <a:cs typeface="Arial"/>
-              </a:rPr>
-              <a:t> </a:t>
-            </a:r>
-            <a:r>
-              <a:rPr lang="nl-NL" dirty="0" err="1">
-                <a:latin typeface="Arial"/>
-                <a:cs typeface="Arial"/>
-              </a:rPr>
-              <a:t>bloodcells</a:t>
-            </a:r>
-            <a:r>
-              <a:rPr lang="nl-NL" dirty="0">
-                <a:latin typeface="Arial"/>
-                <a:cs typeface="Arial"/>
-              </a:rPr>
-              <a:t> </a:t>
-            </a:r>
-            <a:r>
-              <a:rPr lang="nl-NL" dirty="0" err="1">
-                <a:latin typeface="Arial"/>
-                <a:cs typeface="Arial"/>
-              </a:rPr>
-              <a:t>can</a:t>
-            </a:r>
-            <a:r>
-              <a:rPr lang="nl-NL" dirty="0">
-                <a:latin typeface="Arial"/>
-                <a:cs typeface="Arial"/>
-              </a:rPr>
-              <a:t> </a:t>
-            </a:r>
-            <a:r>
-              <a:rPr lang="nl-NL" dirty="0" err="1">
-                <a:latin typeface="Arial"/>
-                <a:cs typeface="Arial"/>
-              </a:rPr>
-              <a:t>macrophage</a:t>
-            </a:r>
-            <a:r>
-              <a:rPr lang="nl-NL" dirty="0">
-                <a:latin typeface="Arial"/>
-                <a:cs typeface="Arial"/>
-              </a:rPr>
-              <a:t> </a:t>
-            </a:r>
-            <a:r>
-              <a:rPr lang="nl-NL" dirty="0" err="1">
-                <a:latin typeface="Arial"/>
-                <a:cs typeface="Arial"/>
-              </a:rPr>
-              <a:t>the</a:t>
-            </a:r>
-            <a:r>
-              <a:rPr lang="nl-NL" dirty="0">
-                <a:latin typeface="Arial"/>
-                <a:cs typeface="Arial"/>
-              </a:rPr>
-              <a:t> </a:t>
-            </a:r>
-            <a:r>
-              <a:rPr lang="nl-NL" dirty="0" err="1">
-                <a:latin typeface="Arial"/>
-                <a:cs typeface="Arial"/>
-              </a:rPr>
-              <a:t>aggregates</a:t>
-            </a:r>
-            <a:endParaRPr lang="nl-NL" dirty="0" err="1">
-              <a:cs typeface="Arial"/>
-            </a:endParaRPr>
-          </a:p>
-          <a:p>
-            <a:r>
-              <a:rPr lang="nl-NL" dirty="0">
-                <a:latin typeface="Arial"/>
-                <a:cs typeface="Arial"/>
-              </a:rPr>
-              <a:t>Large </a:t>
-            </a:r>
-            <a:r>
-              <a:rPr lang="nl-NL" dirty="0" err="1">
-                <a:latin typeface="Arial"/>
-                <a:cs typeface="Arial"/>
-              </a:rPr>
-              <a:t>concentration</a:t>
-            </a:r>
-            <a:r>
-              <a:rPr lang="nl-NL" dirty="0">
-                <a:latin typeface="Arial"/>
-                <a:cs typeface="Arial"/>
-              </a:rPr>
-              <a:t> </a:t>
-            </a:r>
-            <a:r>
-              <a:rPr lang="nl-NL" dirty="0" err="1">
-                <a:latin typeface="Arial"/>
-                <a:cs typeface="Arial"/>
-              </a:rPr>
-              <a:t>results</a:t>
-            </a:r>
-            <a:r>
-              <a:rPr lang="nl-NL" dirty="0">
-                <a:latin typeface="Arial"/>
-                <a:cs typeface="Arial"/>
-              </a:rPr>
-              <a:t> in </a:t>
-            </a:r>
-            <a:r>
-              <a:rPr lang="nl-NL" dirty="0" err="1">
-                <a:latin typeface="Arial"/>
-                <a:cs typeface="Arial"/>
-              </a:rPr>
-              <a:t>less</a:t>
-            </a:r>
-            <a:r>
-              <a:rPr lang="nl-NL" dirty="0">
-                <a:latin typeface="Arial"/>
-                <a:cs typeface="Arial"/>
-              </a:rPr>
-              <a:t> </a:t>
-            </a:r>
-            <a:r>
-              <a:rPr lang="nl-NL" dirty="0" err="1">
-                <a:latin typeface="Arial"/>
-                <a:cs typeface="Arial"/>
-              </a:rPr>
-              <a:t>toxicity</a:t>
-            </a:r>
-            <a:endParaRPr lang="nl-NL" dirty="0" err="1">
-              <a:cs typeface="Arial"/>
-            </a:endParaRPr>
-          </a:p>
-          <a:p>
-            <a:endParaRPr lang="nl-NL" dirty="0">
-              <a:cs typeface="Arial"/>
-            </a:endParaRPr>
-          </a:p>
-        </p:txBody>
-      </p:sp>
-      <p:sp>
-        <p:nvSpPr>
-          <p:cNvPr id="3" name="Tijdelijke aanduiding voor voettekst 2">
-            <a:extLst>
-              <a:ext uri="{FF2B5EF4-FFF2-40B4-BE49-F238E27FC236}">
-                <a16:creationId xmlns:a16="http://schemas.microsoft.com/office/drawing/2014/main" id="{34BF4704-138D-49F1-B37A-017E77BC0845}"/>
-              </a:ext>
-            </a:extLst>
-          </p:cNvPr>
-          <p:cNvSpPr>
-            <a:spLocks noGrp="1"/>
-          </p:cNvSpPr>
-          <p:nvPr>
-            <p:ph type="ftr" sz="quarter" idx="11"/>
-          </p:nvPr>
-        </p:nvSpPr>
-        <p:spPr/>
-        <p:txBody>
-          <a:bodyPr/>
-          <a:lstStyle/>
-          <a:p>
-            <a:r>
-              <a:rPr lang="nl-NL"/>
-              <a:t>Faculteit, departement, dienst …</a:t>
-            </a:r>
-          </a:p>
-        </p:txBody>
-      </p:sp>
-      <p:sp>
-        <p:nvSpPr>
-          <p:cNvPr id="4" name="Tijdelijke aanduiding voor dianummer 3">
-            <a:extLst>
-              <a:ext uri="{FF2B5EF4-FFF2-40B4-BE49-F238E27FC236}">
-                <a16:creationId xmlns:a16="http://schemas.microsoft.com/office/drawing/2014/main" id="{6DC5F5CE-E772-438D-AE6A-86414E0B072A}"/>
-              </a:ext>
-            </a:extLst>
-          </p:cNvPr>
-          <p:cNvSpPr>
-            <a:spLocks noGrp="1"/>
-          </p:cNvSpPr>
-          <p:nvPr>
-            <p:ph type="sldNum" sz="quarter" idx="12"/>
-          </p:nvPr>
-        </p:nvSpPr>
-        <p:spPr/>
-        <p:txBody>
-          <a:bodyPr/>
-          <a:lstStyle/>
-          <a:p>
-            <a:fld id="{0A297500-7527-634B-90F4-69D0994C32B4}" type="slidenum">
-              <a:rPr lang="nl-NL" smtClean="0"/>
-              <a:t>14</a:t>
-            </a:fld>
-            <a:endParaRPr lang="nl-NL"/>
-          </a:p>
-        </p:txBody>
-      </p:sp>
-      <p:sp>
-        <p:nvSpPr>
-          <p:cNvPr id="5" name="Titel 4">
-            <a:extLst>
-              <a:ext uri="{FF2B5EF4-FFF2-40B4-BE49-F238E27FC236}">
-                <a16:creationId xmlns:a16="http://schemas.microsoft.com/office/drawing/2014/main" id="{ABD654FC-0EF3-41CA-AC73-0A81742D970C}"/>
-              </a:ext>
-            </a:extLst>
-          </p:cNvPr>
-          <p:cNvSpPr>
-            <a:spLocks noGrp="1"/>
-          </p:cNvSpPr>
-          <p:nvPr>
-            <p:ph type="title"/>
-          </p:nvPr>
-        </p:nvSpPr>
-        <p:spPr/>
-        <p:txBody>
-          <a:bodyPr/>
-          <a:lstStyle/>
-          <a:p>
-            <a:r>
-              <a:rPr lang="nl-NL" dirty="0" err="1">
-                <a:latin typeface="Arial"/>
-                <a:cs typeface="Arial"/>
-              </a:rPr>
-              <a:t>Concentration</a:t>
-            </a:r>
-            <a:r>
-              <a:rPr lang="nl-NL" dirty="0">
-                <a:latin typeface="Arial"/>
-                <a:cs typeface="Arial"/>
-              </a:rPr>
-              <a:t> </a:t>
-            </a:r>
-            <a:r>
-              <a:rPr lang="nl-NL" dirty="0" err="1">
-                <a:latin typeface="Arial"/>
-                <a:cs typeface="Arial"/>
-              </a:rPr>
-              <a:t>dependence</a:t>
-            </a:r>
-            <a:endParaRPr lang="nl-NL" dirty="0" err="1"/>
+              <a:rPr lang="nl-BE" sz="2000" dirty="0" err="1"/>
+              <a:t>correspond</a:t>
+            </a:r>
+            <a:r>
+              <a:rPr lang="nl-BE" sz="1200" dirty="0"/>
+              <a:t> (4)</a:t>
+            </a:r>
+          </a:p>
+          <a:p>
+            <a:pPr marL="0" indent="0">
+              <a:buNone/>
+            </a:pPr>
+            <a:endParaRPr lang="nl-BE" sz="2000" dirty="0"/>
+          </a:p>
+          <a:p>
+            <a:r>
+              <a:rPr lang="nl-BE" sz="2000" dirty="0" err="1"/>
+              <a:t>Structure</a:t>
+            </a:r>
+            <a:r>
+              <a:rPr lang="nl-BE" sz="2000" dirty="0"/>
+              <a:t> of DNA string is </a:t>
+            </a:r>
+            <a:r>
+              <a:rPr lang="nl-BE" sz="2000" dirty="0" err="1"/>
+              <a:t>broken</a:t>
+            </a:r>
+            <a:r>
+              <a:rPr lang="nl-BE" sz="1200" dirty="0"/>
+              <a:t> (2)</a:t>
+            </a:r>
+          </a:p>
+          <a:p>
+            <a:pPr marL="0" indent="0">
+              <a:buNone/>
+            </a:pPr>
+            <a:endParaRPr lang="nl-BE" sz="1200" dirty="0"/>
           </a:p>
         </p:txBody>
       </p:sp>
     </p:spTree>
     <p:extLst>
       <p:ext uri="{BB962C8B-B14F-4D97-AF65-F5344CB8AC3E}">
-        <p14:creationId xmlns:p14="http://schemas.microsoft.com/office/powerpoint/2010/main" val="623244575"/>
+        <p14:creationId xmlns:p14="http://schemas.microsoft.com/office/powerpoint/2010/main" val="474074421"/>
       </p:ext>
     </p:extLst>
   </p:cSld>
@@ -8839,6 +10193,2639 @@
       </p:grpSpPr>
       <p:sp>
         <p:nvSpPr>
+          <p:cNvPr id="7" name="Tijdelijke aanduiding voor dianummer 23">
+            <a:extLst>
+              <a:ext uri="{FF2B5EF4-FFF2-40B4-BE49-F238E27FC236}">
+                <a16:creationId xmlns:a16="http://schemas.microsoft.com/office/drawing/2014/main" id="{E7BA9955-551E-4B72-9196-84FDFE87439B}"/>
+              </a:ext>
+            </a:extLst>
+          </p:cNvPr>
+          <p:cNvSpPr>
+            <a:spLocks noGrp="1"/>
+          </p:cNvSpPr>
+          <p:nvPr>
+            <p:ph type="sldNum" sz="quarter" idx="12"/>
+          </p:nvPr>
+        </p:nvSpPr>
+        <p:spPr>
+          <a:xfrm>
+            <a:off x="11544000" y="-126730"/>
+            <a:ext cx="648000" cy="648000"/>
+          </a:xfrm>
+        </p:spPr>
+        <p:txBody>
+          <a:bodyPr/>
+          <a:lstStyle/>
+          <a:p>
+            <a:fld id="{CF179DAE-D0A6-40C3-B8BC-6A97C268D03A}" type="slidenum">
+              <a:rPr lang="nl-NL" sz="1200" smtClean="0">
+                <a:solidFill>
+                  <a:srgbClr val="1D8DB0"/>
+                </a:solidFill>
+              </a:rPr>
+              <a:pPr/>
+              <a:t>15</a:t>
+            </a:fld>
+            <a:r>
+              <a:rPr lang="nl-NL" sz="1200" dirty="0">
+                <a:solidFill>
+                  <a:srgbClr val="1D8DB0"/>
+                </a:solidFill>
+              </a:rPr>
+              <a:t>/31</a:t>
+            </a:r>
+          </a:p>
+        </p:txBody>
+      </p:sp>
+      <p:sp>
+        <p:nvSpPr>
+          <p:cNvPr id="9" name="Titel 4">
+            <a:extLst>
+              <a:ext uri="{FF2B5EF4-FFF2-40B4-BE49-F238E27FC236}">
+                <a16:creationId xmlns:a16="http://schemas.microsoft.com/office/drawing/2014/main" id="{32C054A8-9043-41C9-BA29-6C11E3B87A6D}"/>
+              </a:ext>
+            </a:extLst>
+          </p:cNvPr>
+          <p:cNvSpPr>
+            <a:spLocks noGrp="1"/>
+          </p:cNvSpPr>
+          <p:nvPr>
+            <p:ph type="title"/>
+          </p:nvPr>
+        </p:nvSpPr>
+        <p:spPr>
+          <a:xfrm>
+            <a:off x="576263" y="336550"/>
+            <a:ext cx="11041062" cy="1152525"/>
+          </a:xfrm>
+        </p:spPr>
+        <p:txBody>
+          <a:bodyPr/>
+          <a:lstStyle/>
+          <a:p>
+            <a:r>
+              <a:rPr lang="nl-BE" dirty="0"/>
+              <a:t>DNA </a:t>
+            </a:r>
+            <a:r>
+              <a:rPr lang="nl-BE" dirty="0" err="1"/>
+              <a:t>mutations</a:t>
+            </a:r>
+            <a:endParaRPr lang="nl-BE" dirty="0"/>
+          </a:p>
+        </p:txBody>
+      </p:sp>
+      <p:sp>
+        <p:nvSpPr>
+          <p:cNvPr id="10" name="Tekstvak 9">
+            <a:extLst>
+              <a:ext uri="{FF2B5EF4-FFF2-40B4-BE49-F238E27FC236}">
+                <a16:creationId xmlns:a16="http://schemas.microsoft.com/office/drawing/2014/main" id="{F9AF6A87-507F-4E2E-8A2A-840080D13776}"/>
+              </a:ext>
+            </a:extLst>
+          </p:cNvPr>
+          <p:cNvSpPr txBox="1"/>
+          <p:nvPr/>
+        </p:nvSpPr>
+        <p:spPr>
+          <a:xfrm>
+            <a:off x="159798" y="58771"/>
+            <a:ext cx="5832629" cy="276999"/>
+          </a:xfrm>
+          <a:prstGeom prst="rect">
+            <a:avLst/>
+          </a:prstGeom>
+          <a:noFill/>
+        </p:spPr>
+        <p:txBody>
+          <a:bodyPr wrap="square" rtlCol="0">
+            <a:spAutoFit/>
+          </a:bodyPr>
+          <a:lstStyle/>
+          <a:p>
+            <a:r>
+              <a:rPr lang="nl-BE" sz="1200" dirty="0">
+                <a:solidFill>
+                  <a:srgbClr val="1D8DB0"/>
+                </a:solidFill>
+              </a:rPr>
+              <a:t>J. </a:t>
+            </a:r>
+            <a:r>
+              <a:rPr lang="nl-BE" sz="1200" dirty="0" err="1">
+                <a:solidFill>
+                  <a:srgbClr val="1D8DB0"/>
+                </a:solidFill>
+              </a:rPr>
+              <a:t>Neirynck</a:t>
+            </a:r>
+            <a:r>
+              <a:rPr lang="nl-BE" sz="1200" dirty="0">
+                <a:solidFill>
+                  <a:srgbClr val="1D8DB0"/>
+                </a:solidFill>
+              </a:rPr>
+              <a:t>, F. Van </a:t>
+            </a:r>
+            <a:r>
+              <a:rPr lang="nl-BE" sz="1200" dirty="0" err="1">
+                <a:solidFill>
+                  <a:srgbClr val="1D8DB0"/>
+                </a:solidFill>
+              </a:rPr>
+              <a:t>Eecke</a:t>
+            </a:r>
+            <a:r>
+              <a:rPr lang="nl-BE" sz="1200" dirty="0">
+                <a:solidFill>
+                  <a:srgbClr val="1D8DB0"/>
+                </a:solidFill>
+              </a:rPr>
+              <a:t> &amp; R. Vrielynck</a:t>
+            </a:r>
+          </a:p>
+        </p:txBody>
+      </p:sp>
+      <p:sp>
+        <p:nvSpPr>
+          <p:cNvPr id="11" name="Tekstvak 10">
+            <a:extLst>
+              <a:ext uri="{FF2B5EF4-FFF2-40B4-BE49-F238E27FC236}">
+                <a16:creationId xmlns:a16="http://schemas.microsoft.com/office/drawing/2014/main" id="{02C83A39-3DA1-4516-B834-3C3D5F8552F0}"/>
+              </a:ext>
+            </a:extLst>
+          </p:cNvPr>
+          <p:cNvSpPr txBox="1"/>
+          <p:nvPr/>
+        </p:nvSpPr>
+        <p:spPr>
+          <a:xfrm>
+            <a:off x="576000" y="6356412"/>
+            <a:ext cx="10351364" cy="315471"/>
+          </a:xfrm>
+          <a:prstGeom prst="rect">
+            <a:avLst/>
+          </a:prstGeom>
+          <a:noFill/>
+        </p:spPr>
+        <p:txBody>
+          <a:bodyPr wrap="square" rtlCol="0">
+            <a:spAutoFit/>
+          </a:bodyPr>
+          <a:lstStyle/>
+          <a:p>
+            <a:r>
+              <a:rPr lang="nl-BE" sz="1450" dirty="0" err="1">
+                <a:solidFill>
+                  <a:schemeClr val="bg1"/>
+                </a:solidFill>
+              </a:rPr>
+              <a:t>Introduction</a:t>
+            </a:r>
+            <a:r>
+              <a:rPr lang="nl-BE" sz="1450" dirty="0">
+                <a:solidFill>
+                  <a:schemeClr val="bg1"/>
+                </a:solidFill>
+              </a:rPr>
+              <a:t>	</a:t>
+            </a:r>
+            <a:r>
+              <a:rPr lang="nl-BE" sz="1450" b="1" dirty="0">
+                <a:solidFill>
+                  <a:schemeClr val="bg1"/>
+                </a:solidFill>
+              </a:rPr>
+              <a:t>	Framework</a:t>
+            </a:r>
+            <a:r>
+              <a:rPr lang="nl-BE" sz="1450" dirty="0">
+                <a:solidFill>
+                  <a:schemeClr val="bg1"/>
+                </a:solidFill>
+              </a:rPr>
+              <a:t>		</a:t>
+            </a:r>
+            <a:r>
+              <a:rPr lang="nl-BE" sz="1450" dirty="0" err="1">
+                <a:solidFill>
+                  <a:schemeClr val="bg1"/>
+                </a:solidFill>
+              </a:rPr>
+              <a:t>Techniques</a:t>
+            </a:r>
+            <a:r>
+              <a:rPr lang="nl-BE" sz="1450" dirty="0">
+                <a:solidFill>
+                  <a:schemeClr val="bg1"/>
+                </a:solidFill>
+              </a:rPr>
+              <a:t> &amp; </a:t>
+            </a:r>
+            <a:r>
+              <a:rPr lang="nl-BE" sz="1450" dirty="0" err="1">
+                <a:solidFill>
+                  <a:schemeClr val="bg1"/>
+                </a:solidFill>
+              </a:rPr>
+              <a:t>Results</a:t>
+            </a:r>
+            <a:r>
+              <a:rPr lang="nl-BE" sz="1450" dirty="0">
+                <a:solidFill>
+                  <a:schemeClr val="bg1"/>
+                </a:solidFill>
+              </a:rPr>
+              <a:t>			Summary</a:t>
+            </a:r>
+          </a:p>
+        </p:txBody>
+      </p:sp>
+      <p:pic>
+        <p:nvPicPr>
+          <p:cNvPr id="3" name="Afbeelding 2">
+            <a:extLst>
+              <a:ext uri="{FF2B5EF4-FFF2-40B4-BE49-F238E27FC236}">
+                <a16:creationId xmlns:a16="http://schemas.microsoft.com/office/drawing/2014/main" id="{6EAAB5D9-2096-4416-8D04-3007E1C369BB}"/>
+              </a:ext>
+            </a:extLst>
+          </p:cNvPr>
+          <p:cNvPicPr>
+            <a:picLocks noChangeAspect="1"/>
+          </p:cNvPicPr>
+          <p:nvPr/>
+        </p:nvPicPr>
+        <p:blipFill>
+          <a:blip r:embed="rId3"/>
+          <a:stretch>
+            <a:fillRect/>
+          </a:stretch>
+        </p:blipFill>
+        <p:spPr>
+          <a:xfrm>
+            <a:off x="5379127" y="1219312"/>
+            <a:ext cx="6807263" cy="4916839"/>
+          </a:xfrm>
+          <a:prstGeom prst="rect">
+            <a:avLst/>
+          </a:prstGeom>
+        </p:spPr>
+      </p:pic>
+      <p:sp>
+        <p:nvSpPr>
+          <p:cNvPr id="17" name="Tijdelijke aanduiding voor inhoud 1">
+            <a:extLst>
+              <a:ext uri="{FF2B5EF4-FFF2-40B4-BE49-F238E27FC236}">
+                <a16:creationId xmlns:a16="http://schemas.microsoft.com/office/drawing/2014/main" id="{4DCF8A7B-2B26-4E33-876E-860E9855D4F2}"/>
+              </a:ext>
+            </a:extLst>
+          </p:cNvPr>
+          <p:cNvSpPr>
+            <a:spLocks noGrp="1"/>
+          </p:cNvSpPr>
+          <p:nvPr>
+            <p:ph idx="1"/>
+          </p:nvPr>
+        </p:nvSpPr>
+        <p:spPr>
+          <a:xfrm>
+            <a:off x="576000" y="1656000"/>
+            <a:ext cx="11041200" cy="4043464"/>
+          </a:xfrm>
+        </p:spPr>
+        <p:txBody>
+          <a:bodyPr>
+            <a:normAutofit/>
+          </a:bodyPr>
+          <a:lstStyle/>
+          <a:p>
+            <a:pPr marL="0" indent="0">
+              <a:buNone/>
+            </a:pPr>
+            <a:r>
+              <a:rPr lang="nl-BE" sz="2000" b="1" dirty="0" err="1"/>
+              <a:t>Origin</a:t>
+            </a:r>
+            <a:r>
+              <a:rPr lang="nl-BE" sz="2000" b="1" dirty="0"/>
+              <a:t> of DNA </a:t>
+            </a:r>
+            <a:r>
+              <a:rPr lang="nl-BE" sz="2000" b="1" dirty="0" err="1"/>
+              <a:t>damage</a:t>
+            </a:r>
+            <a:r>
+              <a:rPr lang="nl-BE" sz="2000" b="1" dirty="0"/>
+              <a:t>:</a:t>
+            </a:r>
+          </a:p>
+          <a:p>
+            <a:pPr marL="0" indent="0">
+              <a:buNone/>
+            </a:pPr>
+            <a:endParaRPr lang="nl-BE" sz="2000" dirty="0"/>
+          </a:p>
+          <a:p>
+            <a:pPr>
+              <a:buClr>
+                <a:srgbClr val="00B050"/>
+              </a:buClr>
+            </a:pPr>
+            <a:r>
+              <a:rPr lang="nl-BE" sz="2000" dirty="0" err="1"/>
+              <a:t>Ionizing</a:t>
+            </a:r>
+            <a:r>
+              <a:rPr lang="nl-BE" sz="2000" dirty="0"/>
+              <a:t> </a:t>
+            </a:r>
+            <a:r>
+              <a:rPr lang="nl-BE" sz="2000" dirty="0" err="1"/>
+              <a:t>radiation</a:t>
+            </a:r>
+            <a:endParaRPr lang="nl-BE" sz="2000" dirty="0"/>
+          </a:p>
+          <a:p>
+            <a:pPr>
+              <a:buClr>
+                <a:srgbClr val="FF0000"/>
+              </a:buClr>
+            </a:pPr>
+            <a:r>
+              <a:rPr lang="nl-BE" sz="2000" dirty="0" err="1"/>
+              <a:t>Chemicals</a:t>
+            </a:r>
+            <a:r>
+              <a:rPr lang="nl-BE" sz="2000" dirty="0"/>
+              <a:t> </a:t>
+            </a:r>
+          </a:p>
+          <a:p>
+            <a:pPr>
+              <a:buClr>
+                <a:srgbClr val="FFC000"/>
+              </a:buClr>
+            </a:pPr>
+            <a:r>
+              <a:rPr lang="nl-BE" sz="2000" dirty="0" err="1"/>
+              <a:t>Formation</a:t>
+            </a:r>
+            <a:r>
+              <a:rPr lang="nl-BE" sz="2000" dirty="0"/>
+              <a:t> of </a:t>
+            </a:r>
+            <a:r>
+              <a:rPr lang="nl-BE" sz="2000" dirty="0" err="1"/>
+              <a:t>reactive</a:t>
+            </a:r>
+            <a:r>
+              <a:rPr lang="nl-BE" sz="2000" dirty="0"/>
+              <a:t> </a:t>
+            </a:r>
+            <a:r>
+              <a:rPr lang="nl-BE" sz="2000" dirty="0" err="1"/>
+              <a:t>oxygen</a:t>
+            </a:r>
+            <a:r>
+              <a:rPr lang="nl-BE" sz="2000" dirty="0"/>
+              <a:t> species</a:t>
+            </a:r>
+          </a:p>
+        </p:txBody>
+      </p:sp>
+      <p:sp>
+        <p:nvSpPr>
+          <p:cNvPr id="2" name="Rechthoek 1">
+            <a:extLst>
+              <a:ext uri="{FF2B5EF4-FFF2-40B4-BE49-F238E27FC236}">
+                <a16:creationId xmlns:a16="http://schemas.microsoft.com/office/drawing/2014/main" id="{9348CC4A-FEE5-43EE-90AA-A9517941DFBE}"/>
+              </a:ext>
+            </a:extLst>
+          </p:cNvPr>
+          <p:cNvSpPr/>
+          <p:nvPr/>
+        </p:nvSpPr>
+        <p:spPr>
+          <a:xfrm>
+            <a:off x="9782289" y="1561010"/>
+            <a:ext cx="1896533" cy="648000"/>
+          </a:xfrm>
+          <a:prstGeom prst="rect">
+            <a:avLst/>
+          </a:prstGeom>
+          <a:noFill/>
+          <a:ln w="28575">
+            <a:solidFill>
+              <a:srgbClr val="00B050"/>
+            </a:solidFill>
+          </a:ln>
+        </p:spPr>
+        <p:style>
+          <a:lnRef idx="2">
+            <a:schemeClr val="accent1">
+              <a:shade val="50000"/>
+            </a:schemeClr>
+          </a:lnRef>
+          <a:fillRef idx="1">
+            <a:schemeClr val="accent1"/>
+          </a:fillRef>
+          <a:effectRef idx="0">
+            <a:schemeClr val="accent1"/>
+          </a:effectRef>
+          <a:fontRef idx="minor">
+            <a:schemeClr val="lt1"/>
+          </a:fontRef>
+        </p:style>
+        <p:txBody>
+          <a:bodyPr rtlCol="0" anchor="ctr"/>
+          <a:lstStyle/>
+          <a:p>
+            <a:pPr algn="ctr"/>
+            <a:endParaRPr lang="nl-BE"/>
+          </a:p>
+        </p:txBody>
+      </p:sp>
+      <p:sp>
+        <p:nvSpPr>
+          <p:cNvPr id="12" name="Rechthoek 11">
+            <a:extLst>
+              <a:ext uri="{FF2B5EF4-FFF2-40B4-BE49-F238E27FC236}">
+                <a16:creationId xmlns:a16="http://schemas.microsoft.com/office/drawing/2014/main" id="{7DDCAE5E-D48C-4AB0-A694-AD4282AFF102}"/>
+              </a:ext>
+            </a:extLst>
+          </p:cNvPr>
+          <p:cNvSpPr/>
+          <p:nvPr/>
+        </p:nvSpPr>
+        <p:spPr>
+          <a:xfrm>
+            <a:off x="6073422" y="3105000"/>
+            <a:ext cx="1896533" cy="648000"/>
+          </a:xfrm>
+          <a:prstGeom prst="rect">
+            <a:avLst/>
+          </a:prstGeom>
+          <a:noFill/>
+          <a:ln w="28575">
+            <a:solidFill>
+              <a:srgbClr val="00B050"/>
+            </a:solidFill>
+          </a:ln>
+        </p:spPr>
+        <p:style>
+          <a:lnRef idx="2">
+            <a:schemeClr val="accent1">
+              <a:shade val="50000"/>
+            </a:schemeClr>
+          </a:lnRef>
+          <a:fillRef idx="1">
+            <a:schemeClr val="accent1"/>
+          </a:fillRef>
+          <a:effectRef idx="0">
+            <a:schemeClr val="accent1"/>
+          </a:effectRef>
+          <a:fontRef idx="minor">
+            <a:schemeClr val="lt1"/>
+          </a:fontRef>
+        </p:style>
+        <p:txBody>
+          <a:bodyPr rtlCol="0" anchor="ctr"/>
+          <a:lstStyle/>
+          <a:p>
+            <a:pPr algn="ctr"/>
+            <a:endParaRPr lang="nl-BE"/>
+          </a:p>
+        </p:txBody>
+      </p:sp>
+      <p:sp>
+        <p:nvSpPr>
+          <p:cNvPr id="13" name="Rechthoek 12">
+            <a:extLst>
+              <a:ext uri="{FF2B5EF4-FFF2-40B4-BE49-F238E27FC236}">
+                <a16:creationId xmlns:a16="http://schemas.microsoft.com/office/drawing/2014/main" id="{E71C14E8-0B32-4139-ACA3-CC2299A0426B}"/>
+              </a:ext>
+            </a:extLst>
+          </p:cNvPr>
+          <p:cNvSpPr/>
+          <p:nvPr/>
+        </p:nvSpPr>
+        <p:spPr>
+          <a:xfrm>
+            <a:off x="10061707" y="4837595"/>
+            <a:ext cx="1723893" cy="648000"/>
+          </a:xfrm>
+          <a:prstGeom prst="rect">
+            <a:avLst/>
+          </a:prstGeom>
+          <a:noFill/>
+          <a:ln w="28575">
+            <a:solidFill>
+              <a:srgbClr val="FFC000"/>
+            </a:solidFill>
+          </a:ln>
+        </p:spPr>
+        <p:style>
+          <a:lnRef idx="2">
+            <a:schemeClr val="accent1">
+              <a:shade val="50000"/>
+            </a:schemeClr>
+          </a:lnRef>
+          <a:fillRef idx="1">
+            <a:schemeClr val="accent1"/>
+          </a:fillRef>
+          <a:effectRef idx="0">
+            <a:schemeClr val="accent1"/>
+          </a:effectRef>
+          <a:fontRef idx="minor">
+            <a:schemeClr val="lt1"/>
+          </a:fontRef>
+        </p:style>
+        <p:txBody>
+          <a:bodyPr rtlCol="0" anchor="ctr"/>
+          <a:lstStyle/>
+          <a:p>
+            <a:pPr algn="ctr"/>
+            <a:endParaRPr lang="nl-BE"/>
+          </a:p>
+        </p:txBody>
+      </p:sp>
+      <p:sp>
+        <p:nvSpPr>
+          <p:cNvPr id="14" name="Rechthoek 13">
+            <a:extLst>
+              <a:ext uri="{FF2B5EF4-FFF2-40B4-BE49-F238E27FC236}">
+                <a16:creationId xmlns:a16="http://schemas.microsoft.com/office/drawing/2014/main" id="{BBD56E47-F5C6-49ED-A738-173578BA2F8C}"/>
+              </a:ext>
+            </a:extLst>
+          </p:cNvPr>
+          <p:cNvSpPr/>
+          <p:nvPr/>
+        </p:nvSpPr>
+        <p:spPr>
+          <a:xfrm>
+            <a:off x="6186311" y="1846054"/>
+            <a:ext cx="1586088" cy="648000"/>
+          </a:xfrm>
+          <a:prstGeom prst="rect">
+            <a:avLst/>
+          </a:prstGeom>
+          <a:noFill/>
+          <a:ln w="28575">
+            <a:solidFill>
+              <a:srgbClr val="FF0000"/>
+            </a:solidFill>
+          </a:ln>
+        </p:spPr>
+        <p:style>
+          <a:lnRef idx="2">
+            <a:schemeClr val="accent1">
+              <a:shade val="50000"/>
+            </a:schemeClr>
+          </a:lnRef>
+          <a:fillRef idx="1">
+            <a:schemeClr val="accent1"/>
+          </a:fillRef>
+          <a:effectRef idx="0">
+            <a:schemeClr val="accent1"/>
+          </a:effectRef>
+          <a:fontRef idx="minor">
+            <a:schemeClr val="lt1"/>
+          </a:fontRef>
+        </p:style>
+        <p:txBody>
+          <a:bodyPr rtlCol="0" anchor="ctr"/>
+          <a:lstStyle/>
+          <a:p>
+            <a:pPr algn="ctr"/>
+            <a:endParaRPr lang="nl-BE"/>
+          </a:p>
+        </p:txBody>
+      </p:sp>
+      <p:sp>
+        <p:nvSpPr>
+          <p:cNvPr id="15" name="Rechthoek 14">
+            <a:extLst>
+              <a:ext uri="{FF2B5EF4-FFF2-40B4-BE49-F238E27FC236}">
+                <a16:creationId xmlns:a16="http://schemas.microsoft.com/office/drawing/2014/main" id="{0FFB2599-B42A-4296-A995-9E8BAB7A22FD}"/>
+              </a:ext>
+            </a:extLst>
+          </p:cNvPr>
+          <p:cNvSpPr/>
+          <p:nvPr/>
+        </p:nvSpPr>
+        <p:spPr>
+          <a:xfrm>
+            <a:off x="10018623" y="2993526"/>
+            <a:ext cx="1896532" cy="648000"/>
+          </a:xfrm>
+          <a:prstGeom prst="rect">
+            <a:avLst/>
+          </a:prstGeom>
+          <a:noFill/>
+          <a:ln w="28575">
+            <a:solidFill>
+              <a:srgbClr val="FF0000"/>
+            </a:solidFill>
+          </a:ln>
+        </p:spPr>
+        <p:style>
+          <a:lnRef idx="2">
+            <a:schemeClr val="accent1">
+              <a:shade val="50000"/>
+            </a:schemeClr>
+          </a:lnRef>
+          <a:fillRef idx="1">
+            <a:schemeClr val="accent1"/>
+          </a:fillRef>
+          <a:effectRef idx="0">
+            <a:schemeClr val="accent1"/>
+          </a:effectRef>
+          <a:fontRef idx="minor">
+            <a:schemeClr val="lt1"/>
+          </a:fontRef>
+        </p:style>
+        <p:txBody>
+          <a:bodyPr rtlCol="0" anchor="ctr"/>
+          <a:lstStyle/>
+          <a:p>
+            <a:pPr algn="ctr"/>
+            <a:endParaRPr lang="nl-BE"/>
+          </a:p>
+        </p:txBody>
+      </p:sp>
+      <p:sp>
+        <p:nvSpPr>
+          <p:cNvPr id="16" name="Rechthoek 15">
+            <a:extLst>
+              <a:ext uri="{FF2B5EF4-FFF2-40B4-BE49-F238E27FC236}">
+                <a16:creationId xmlns:a16="http://schemas.microsoft.com/office/drawing/2014/main" id="{FB005719-296D-41E8-8CC2-A5BD14B7AF89}"/>
+              </a:ext>
+            </a:extLst>
+          </p:cNvPr>
+          <p:cNvSpPr/>
+          <p:nvPr/>
+        </p:nvSpPr>
+        <p:spPr>
+          <a:xfrm>
+            <a:off x="5751681" y="5269808"/>
+            <a:ext cx="2218273" cy="648000"/>
+          </a:xfrm>
+          <a:prstGeom prst="rect">
+            <a:avLst/>
+          </a:prstGeom>
+          <a:noFill/>
+          <a:ln w="28575">
+            <a:solidFill>
+              <a:srgbClr val="FF0000"/>
+            </a:solidFill>
+          </a:ln>
+        </p:spPr>
+        <p:style>
+          <a:lnRef idx="2">
+            <a:schemeClr val="accent1">
+              <a:shade val="50000"/>
+            </a:schemeClr>
+          </a:lnRef>
+          <a:fillRef idx="1">
+            <a:schemeClr val="accent1"/>
+          </a:fillRef>
+          <a:effectRef idx="0">
+            <a:schemeClr val="accent1"/>
+          </a:effectRef>
+          <a:fontRef idx="minor">
+            <a:schemeClr val="lt1"/>
+          </a:fontRef>
+        </p:style>
+        <p:txBody>
+          <a:bodyPr rtlCol="0" anchor="ctr"/>
+          <a:lstStyle/>
+          <a:p>
+            <a:pPr algn="ctr"/>
+            <a:endParaRPr lang="nl-BE"/>
+          </a:p>
+        </p:txBody>
+      </p:sp>
+    </p:spTree>
+    <p:extLst>
+      <p:ext uri="{BB962C8B-B14F-4D97-AF65-F5344CB8AC3E}">
+        <p14:creationId xmlns:p14="http://schemas.microsoft.com/office/powerpoint/2010/main" val="2192277799"/>
+      </p:ext>
+    </p:extLst>
+  </p:cSld>
+  <p:clrMapOvr>
+    <a:masterClrMapping/>
+  </p:clrMapOvr>
+</p:sld>
+</file>
+
+<file path=ppt/slides/slide16.xml><?xml version="1.0" encoding="utf-8"?>
+<p:sld xmlns:a="http://schemas.openxmlformats.org/drawingml/2006/main" xmlns:r="http://schemas.openxmlformats.org/officeDocument/2006/relationships" xmlns:p="http://schemas.openxmlformats.org/presentationml/2006/main">
+  <p:cSld>
+    <p:spTree>
+      <p:nvGrpSpPr>
+        <p:cNvPr id="1" name=""/>
+        <p:cNvGrpSpPr/>
+        <p:nvPr/>
+      </p:nvGrpSpPr>
+      <p:grpSpPr>
+        <a:xfrm>
+          <a:off x="0" y="0"/>
+          <a:ext cx="0" cy="0"/>
+          <a:chOff x="0" y="0"/>
+          <a:chExt cx="0" cy="0"/>
+        </a:xfrm>
+      </p:grpSpPr>
+      <p:sp>
+        <p:nvSpPr>
+          <p:cNvPr id="7" name="Tijdelijke aanduiding voor dianummer 23">
+            <a:extLst>
+              <a:ext uri="{FF2B5EF4-FFF2-40B4-BE49-F238E27FC236}">
+                <a16:creationId xmlns:a16="http://schemas.microsoft.com/office/drawing/2014/main" id="{E7BA9955-551E-4B72-9196-84FDFE87439B}"/>
+              </a:ext>
+            </a:extLst>
+          </p:cNvPr>
+          <p:cNvSpPr>
+            <a:spLocks noGrp="1"/>
+          </p:cNvSpPr>
+          <p:nvPr>
+            <p:ph type="sldNum" sz="quarter" idx="12"/>
+          </p:nvPr>
+        </p:nvSpPr>
+        <p:spPr>
+          <a:xfrm>
+            <a:off x="11544000" y="-126730"/>
+            <a:ext cx="648000" cy="648000"/>
+          </a:xfrm>
+        </p:spPr>
+        <p:txBody>
+          <a:bodyPr/>
+          <a:lstStyle/>
+          <a:p>
+            <a:fld id="{CF179DAE-D0A6-40C3-B8BC-6A97C268D03A}" type="slidenum">
+              <a:rPr lang="nl-NL" sz="1200" smtClean="0">
+                <a:solidFill>
+                  <a:srgbClr val="1D8DB0"/>
+                </a:solidFill>
+              </a:rPr>
+              <a:pPr/>
+              <a:t>16</a:t>
+            </a:fld>
+            <a:r>
+              <a:rPr lang="nl-NL" sz="1200" dirty="0">
+                <a:solidFill>
+                  <a:srgbClr val="1D8DB0"/>
+                </a:solidFill>
+              </a:rPr>
+              <a:t>/31</a:t>
+            </a:r>
+          </a:p>
+        </p:txBody>
+      </p:sp>
+      <p:sp>
+        <p:nvSpPr>
+          <p:cNvPr id="9" name="Titel 4">
+            <a:extLst>
+              <a:ext uri="{FF2B5EF4-FFF2-40B4-BE49-F238E27FC236}">
+                <a16:creationId xmlns:a16="http://schemas.microsoft.com/office/drawing/2014/main" id="{32C054A8-9043-41C9-BA29-6C11E3B87A6D}"/>
+              </a:ext>
+            </a:extLst>
+          </p:cNvPr>
+          <p:cNvSpPr>
+            <a:spLocks noGrp="1"/>
+          </p:cNvSpPr>
+          <p:nvPr>
+            <p:ph type="title"/>
+          </p:nvPr>
+        </p:nvSpPr>
+        <p:spPr>
+          <a:xfrm>
+            <a:off x="576263" y="336550"/>
+            <a:ext cx="11041062" cy="1152525"/>
+          </a:xfrm>
+        </p:spPr>
+        <p:txBody>
+          <a:bodyPr/>
+          <a:lstStyle/>
+          <a:p>
+            <a:r>
+              <a:rPr lang="nl-BE" dirty="0" err="1"/>
+              <a:t>Detection</a:t>
+            </a:r>
+            <a:r>
+              <a:rPr lang="nl-BE" dirty="0"/>
+              <a:t> of </a:t>
+            </a:r>
+            <a:r>
+              <a:rPr lang="nl-BE" dirty="0" err="1"/>
+              <a:t>genetic</a:t>
+            </a:r>
+            <a:r>
+              <a:rPr lang="nl-BE" dirty="0"/>
+              <a:t> </a:t>
+            </a:r>
+            <a:r>
+              <a:rPr lang="nl-BE" dirty="0" err="1"/>
+              <a:t>alterations</a:t>
+            </a:r>
+            <a:endParaRPr lang="nl-BE" dirty="0"/>
+          </a:p>
+        </p:txBody>
+      </p:sp>
+      <p:sp>
+        <p:nvSpPr>
+          <p:cNvPr id="10" name="Tekstvak 9">
+            <a:extLst>
+              <a:ext uri="{FF2B5EF4-FFF2-40B4-BE49-F238E27FC236}">
+                <a16:creationId xmlns:a16="http://schemas.microsoft.com/office/drawing/2014/main" id="{F9AF6A87-507F-4E2E-8A2A-840080D13776}"/>
+              </a:ext>
+            </a:extLst>
+          </p:cNvPr>
+          <p:cNvSpPr txBox="1"/>
+          <p:nvPr/>
+        </p:nvSpPr>
+        <p:spPr>
+          <a:xfrm>
+            <a:off x="159798" y="58771"/>
+            <a:ext cx="5832629" cy="276999"/>
+          </a:xfrm>
+          <a:prstGeom prst="rect">
+            <a:avLst/>
+          </a:prstGeom>
+          <a:noFill/>
+        </p:spPr>
+        <p:txBody>
+          <a:bodyPr wrap="square" rtlCol="0">
+            <a:spAutoFit/>
+          </a:bodyPr>
+          <a:lstStyle/>
+          <a:p>
+            <a:r>
+              <a:rPr lang="nl-BE" sz="1200" dirty="0">
+                <a:solidFill>
+                  <a:srgbClr val="1D8DB0"/>
+                </a:solidFill>
+              </a:rPr>
+              <a:t>J. </a:t>
+            </a:r>
+            <a:r>
+              <a:rPr lang="nl-BE" sz="1200" dirty="0" err="1">
+                <a:solidFill>
+                  <a:srgbClr val="1D8DB0"/>
+                </a:solidFill>
+              </a:rPr>
+              <a:t>Neirynck</a:t>
+            </a:r>
+            <a:r>
+              <a:rPr lang="nl-BE" sz="1200" dirty="0">
+                <a:solidFill>
+                  <a:srgbClr val="1D8DB0"/>
+                </a:solidFill>
+              </a:rPr>
+              <a:t>, F. Van </a:t>
+            </a:r>
+            <a:r>
+              <a:rPr lang="nl-BE" sz="1200" dirty="0" err="1">
+                <a:solidFill>
+                  <a:srgbClr val="1D8DB0"/>
+                </a:solidFill>
+              </a:rPr>
+              <a:t>Eecke</a:t>
+            </a:r>
+            <a:r>
+              <a:rPr lang="nl-BE" sz="1200" dirty="0">
+                <a:solidFill>
+                  <a:srgbClr val="1D8DB0"/>
+                </a:solidFill>
+              </a:rPr>
+              <a:t> &amp; R. Vrielynck</a:t>
+            </a:r>
+          </a:p>
+        </p:txBody>
+      </p:sp>
+      <p:sp>
+        <p:nvSpPr>
+          <p:cNvPr id="11" name="Tekstvak 10">
+            <a:extLst>
+              <a:ext uri="{FF2B5EF4-FFF2-40B4-BE49-F238E27FC236}">
+                <a16:creationId xmlns:a16="http://schemas.microsoft.com/office/drawing/2014/main" id="{02C83A39-3DA1-4516-B834-3C3D5F8552F0}"/>
+              </a:ext>
+            </a:extLst>
+          </p:cNvPr>
+          <p:cNvSpPr txBox="1"/>
+          <p:nvPr/>
+        </p:nvSpPr>
+        <p:spPr>
+          <a:xfrm>
+            <a:off x="576000" y="6356412"/>
+            <a:ext cx="10351364" cy="315471"/>
+          </a:xfrm>
+          <a:prstGeom prst="rect">
+            <a:avLst/>
+          </a:prstGeom>
+          <a:noFill/>
+        </p:spPr>
+        <p:txBody>
+          <a:bodyPr wrap="square" rtlCol="0">
+            <a:spAutoFit/>
+          </a:bodyPr>
+          <a:lstStyle/>
+          <a:p>
+            <a:r>
+              <a:rPr lang="nl-BE" sz="1450" dirty="0" err="1">
+                <a:solidFill>
+                  <a:schemeClr val="bg1"/>
+                </a:solidFill>
+              </a:rPr>
+              <a:t>Introduction</a:t>
+            </a:r>
+            <a:r>
+              <a:rPr lang="nl-BE" sz="1450" dirty="0">
+                <a:solidFill>
+                  <a:schemeClr val="bg1"/>
+                </a:solidFill>
+              </a:rPr>
+              <a:t>	</a:t>
+            </a:r>
+            <a:r>
+              <a:rPr lang="nl-BE" sz="1450" b="1" dirty="0">
+                <a:solidFill>
+                  <a:schemeClr val="bg1"/>
+                </a:solidFill>
+              </a:rPr>
+              <a:t>	Framework</a:t>
+            </a:r>
+            <a:r>
+              <a:rPr lang="nl-BE" sz="1450" dirty="0">
+                <a:solidFill>
+                  <a:schemeClr val="bg1"/>
+                </a:solidFill>
+              </a:rPr>
+              <a:t>		</a:t>
+            </a:r>
+            <a:r>
+              <a:rPr lang="nl-BE" sz="1450" dirty="0" err="1">
+                <a:solidFill>
+                  <a:schemeClr val="bg1"/>
+                </a:solidFill>
+              </a:rPr>
+              <a:t>Techniques</a:t>
+            </a:r>
+            <a:r>
+              <a:rPr lang="nl-BE" sz="1450" dirty="0">
+                <a:solidFill>
+                  <a:schemeClr val="bg1"/>
+                </a:solidFill>
+              </a:rPr>
+              <a:t> &amp; </a:t>
+            </a:r>
+            <a:r>
+              <a:rPr lang="nl-BE" sz="1450" dirty="0" err="1">
+                <a:solidFill>
+                  <a:schemeClr val="bg1"/>
+                </a:solidFill>
+              </a:rPr>
+              <a:t>Results</a:t>
+            </a:r>
+            <a:r>
+              <a:rPr lang="nl-BE" sz="1450" dirty="0">
+                <a:solidFill>
+                  <a:schemeClr val="bg1"/>
+                </a:solidFill>
+              </a:rPr>
+              <a:t>			Summary</a:t>
+            </a:r>
+          </a:p>
+        </p:txBody>
+      </p:sp>
+      <p:sp>
+        <p:nvSpPr>
+          <p:cNvPr id="18" name="Tijdelijke aanduiding voor inhoud 1">
+            <a:extLst>
+              <a:ext uri="{FF2B5EF4-FFF2-40B4-BE49-F238E27FC236}">
+                <a16:creationId xmlns:a16="http://schemas.microsoft.com/office/drawing/2014/main" id="{FF3773E6-8024-46DE-BEAB-29A30729A178}"/>
+              </a:ext>
+            </a:extLst>
+          </p:cNvPr>
+          <p:cNvSpPr>
+            <a:spLocks noGrp="1"/>
+          </p:cNvSpPr>
+          <p:nvPr>
+            <p:ph idx="1"/>
+          </p:nvPr>
+        </p:nvSpPr>
+        <p:spPr>
+          <a:xfrm>
+            <a:off x="576000" y="1656000"/>
+            <a:ext cx="11041200" cy="4043464"/>
+          </a:xfrm>
+        </p:spPr>
+        <p:txBody>
+          <a:bodyPr>
+            <a:normAutofit/>
+          </a:bodyPr>
+          <a:lstStyle/>
+          <a:p>
+            <a:pPr marL="0" indent="0">
+              <a:buNone/>
+            </a:pPr>
+            <a:endParaRPr lang="nl-BE" sz="2000" dirty="0"/>
+          </a:p>
+        </p:txBody>
+      </p:sp>
+    </p:spTree>
+    <p:extLst>
+      <p:ext uri="{BB962C8B-B14F-4D97-AF65-F5344CB8AC3E}">
+        <p14:creationId xmlns:p14="http://schemas.microsoft.com/office/powerpoint/2010/main" val="1862732166"/>
+      </p:ext>
+    </p:extLst>
+  </p:cSld>
+  <p:clrMapOvr>
+    <a:masterClrMapping/>
+  </p:clrMapOvr>
+</p:sld>
+</file>
+
+<file path=ppt/slides/slide17.xml><?xml version="1.0" encoding="utf-8"?>
+<p:sld xmlns:a="http://schemas.openxmlformats.org/drawingml/2006/main" xmlns:r="http://schemas.openxmlformats.org/officeDocument/2006/relationships" xmlns:p="http://schemas.openxmlformats.org/presentationml/2006/main">
+  <p:cSld>
+    <p:spTree>
+      <p:nvGrpSpPr>
+        <p:cNvPr id="1" name=""/>
+        <p:cNvGrpSpPr/>
+        <p:nvPr/>
+      </p:nvGrpSpPr>
+      <p:grpSpPr>
+        <a:xfrm>
+          <a:off x="0" y="0"/>
+          <a:ext cx="0" cy="0"/>
+          <a:chOff x="0" y="0"/>
+          <a:chExt cx="0" cy="0"/>
+        </a:xfrm>
+      </p:grpSpPr>
+      <p:sp>
+        <p:nvSpPr>
+          <p:cNvPr id="2" name="Titel 1">
+            <a:extLst>
+              <a:ext uri="{FF2B5EF4-FFF2-40B4-BE49-F238E27FC236}">
+                <a16:creationId xmlns:a16="http://schemas.microsoft.com/office/drawing/2014/main" id="{069A9DF7-0F9D-4549-B4E3-66F98F66FF7B}"/>
+              </a:ext>
+            </a:extLst>
+          </p:cNvPr>
+          <p:cNvSpPr>
+            <a:spLocks noGrp="1"/>
+          </p:cNvSpPr>
+          <p:nvPr>
+            <p:ph type="title"/>
+          </p:nvPr>
+        </p:nvSpPr>
+        <p:spPr/>
+        <p:txBody>
+          <a:bodyPr/>
+          <a:lstStyle/>
+          <a:p>
+            <a:r>
+              <a:rPr lang="nl-NL" dirty="0">
+                <a:latin typeface="Arial"/>
+                <a:cs typeface="Arial"/>
+              </a:rPr>
+              <a:t>Parameters </a:t>
+            </a:r>
+            <a:r>
+              <a:rPr lang="nl-NL" dirty="0" err="1">
+                <a:latin typeface="Arial"/>
+                <a:cs typeface="Arial"/>
+              </a:rPr>
+              <a:t>influcencing</a:t>
+            </a:r>
+            <a:r>
+              <a:rPr lang="nl-NL" dirty="0">
+                <a:latin typeface="Arial"/>
+                <a:cs typeface="Arial"/>
+              </a:rPr>
+              <a:t> </a:t>
+            </a:r>
+            <a:r>
+              <a:rPr lang="nl-NL" dirty="0" err="1">
+                <a:latin typeface="Arial"/>
+                <a:cs typeface="Arial"/>
+              </a:rPr>
+              <a:t>toxicity</a:t>
+            </a:r>
+            <a:endParaRPr lang="nl-NL" dirty="0" err="1"/>
+          </a:p>
+        </p:txBody>
+      </p:sp>
+      <p:sp>
+        <p:nvSpPr>
+          <p:cNvPr id="3" name="Tijdelijke aanduiding voor tekst 2">
+            <a:extLst>
+              <a:ext uri="{FF2B5EF4-FFF2-40B4-BE49-F238E27FC236}">
+                <a16:creationId xmlns:a16="http://schemas.microsoft.com/office/drawing/2014/main" id="{0765C0FE-D1DD-43F6-A1E8-FF2D7256F7B0}"/>
+              </a:ext>
+            </a:extLst>
+          </p:cNvPr>
+          <p:cNvSpPr>
+            <a:spLocks noGrp="1"/>
+          </p:cNvSpPr>
+          <p:nvPr>
+            <p:ph type="body" idx="1"/>
+          </p:nvPr>
+        </p:nvSpPr>
+        <p:spPr/>
+        <p:txBody>
+          <a:bodyPr/>
+          <a:lstStyle/>
+          <a:p>
+            <a:endParaRPr lang="nl-NL"/>
+          </a:p>
+        </p:txBody>
+      </p:sp>
+      <p:sp>
+        <p:nvSpPr>
+          <p:cNvPr id="4" name="Tijdelijke aanduiding voor voettekst 3">
+            <a:extLst>
+              <a:ext uri="{FF2B5EF4-FFF2-40B4-BE49-F238E27FC236}">
+                <a16:creationId xmlns:a16="http://schemas.microsoft.com/office/drawing/2014/main" id="{E63340FA-5B57-4924-A4D1-10B8E5D14A4C}"/>
+              </a:ext>
+            </a:extLst>
+          </p:cNvPr>
+          <p:cNvSpPr>
+            <a:spLocks noGrp="1"/>
+          </p:cNvSpPr>
+          <p:nvPr>
+            <p:ph type="ftr" sz="quarter" idx="11"/>
+          </p:nvPr>
+        </p:nvSpPr>
+        <p:spPr/>
+        <p:txBody>
+          <a:bodyPr/>
+          <a:lstStyle/>
+          <a:p>
+            <a:r>
+              <a:rPr lang="nl-NL"/>
+              <a:t>Faculteit, departement, dienst …</a:t>
+            </a:r>
+          </a:p>
+        </p:txBody>
+      </p:sp>
+      <p:sp>
+        <p:nvSpPr>
+          <p:cNvPr id="5" name="Tijdelijke aanduiding voor dianummer 4">
+            <a:extLst>
+              <a:ext uri="{FF2B5EF4-FFF2-40B4-BE49-F238E27FC236}">
+                <a16:creationId xmlns:a16="http://schemas.microsoft.com/office/drawing/2014/main" id="{74B25947-9FBD-4735-9AE1-ED393740821F}"/>
+              </a:ext>
+            </a:extLst>
+          </p:cNvPr>
+          <p:cNvSpPr>
+            <a:spLocks noGrp="1"/>
+          </p:cNvSpPr>
+          <p:nvPr>
+            <p:ph type="sldNum" sz="quarter" idx="12"/>
+          </p:nvPr>
+        </p:nvSpPr>
+        <p:spPr/>
+        <p:txBody>
+          <a:bodyPr/>
+          <a:lstStyle/>
+          <a:p>
+            <a:fld id="{0A297500-7527-634B-90F4-69D0994C32B4}" type="slidenum">
+              <a:rPr lang="nl-NL" smtClean="0"/>
+              <a:t>17</a:t>
+            </a:fld>
+            <a:endParaRPr lang="nl-NL"/>
+          </a:p>
+        </p:txBody>
+      </p:sp>
+      <p:sp>
+        <p:nvSpPr>
+          <p:cNvPr id="6" name="Tijdelijke aanduiding voor afbeelding 5">
+            <a:extLst>
+              <a:ext uri="{FF2B5EF4-FFF2-40B4-BE49-F238E27FC236}">
+                <a16:creationId xmlns:a16="http://schemas.microsoft.com/office/drawing/2014/main" id="{5275FCF6-597C-42C7-8DFD-B54FDE863E6B}"/>
+              </a:ext>
+            </a:extLst>
+          </p:cNvPr>
+          <p:cNvSpPr>
+            <a:spLocks noGrp="1"/>
+          </p:cNvSpPr>
+          <p:nvPr>
+            <p:ph type="pic" sz="quarter" idx="13"/>
+          </p:nvPr>
+        </p:nvSpPr>
+        <p:spPr/>
+      </p:sp>
+      <p:sp>
+        <p:nvSpPr>
+          <p:cNvPr id="7" name="Tijdelijke aanduiding voor afbeelding 6">
+            <a:extLst>
+              <a:ext uri="{FF2B5EF4-FFF2-40B4-BE49-F238E27FC236}">
+                <a16:creationId xmlns:a16="http://schemas.microsoft.com/office/drawing/2014/main" id="{8EE963F9-2796-4544-B389-0EF584315BE6}"/>
+              </a:ext>
+            </a:extLst>
+          </p:cNvPr>
+          <p:cNvSpPr>
+            <a:spLocks noGrp="1"/>
+          </p:cNvSpPr>
+          <p:nvPr>
+            <p:ph type="pic" sz="quarter" idx="14"/>
+          </p:nvPr>
+        </p:nvSpPr>
+        <p:spPr/>
+      </p:sp>
+    </p:spTree>
+    <p:extLst>
+      <p:ext uri="{BB962C8B-B14F-4D97-AF65-F5344CB8AC3E}">
+        <p14:creationId xmlns:p14="http://schemas.microsoft.com/office/powerpoint/2010/main" val="1103729882"/>
+      </p:ext>
+    </p:extLst>
+  </p:cSld>
+  <p:clrMapOvr>
+    <a:masterClrMapping/>
+  </p:clrMapOvr>
+</p:sld>
+</file>
+
+<file path=ppt/slides/slide18.xml><?xml version="1.0" encoding="utf-8"?>
+<p:sld xmlns:a="http://schemas.openxmlformats.org/drawingml/2006/main" xmlns:r="http://schemas.openxmlformats.org/officeDocument/2006/relationships" xmlns:p="http://schemas.openxmlformats.org/presentationml/2006/main">
+  <p:cSld>
+    <p:spTree>
+      <p:nvGrpSpPr>
+        <p:cNvPr id="1" name=""/>
+        <p:cNvGrpSpPr/>
+        <p:nvPr/>
+      </p:nvGrpSpPr>
+      <p:grpSpPr>
+        <a:xfrm>
+          <a:off x="0" y="0"/>
+          <a:ext cx="0" cy="0"/>
+          <a:chOff x="0" y="0"/>
+          <a:chExt cx="0" cy="0"/>
+        </a:xfrm>
+      </p:grpSpPr>
+      <p:sp>
+        <p:nvSpPr>
+          <p:cNvPr id="7" name="Tijdelijke aanduiding voor dianummer 23">
+            <a:extLst>
+              <a:ext uri="{FF2B5EF4-FFF2-40B4-BE49-F238E27FC236}">
+                <a16:creationId xmlns:a16="http://schemas.microsoft.com/office/drawing/2014/main" id="{E7BA9955-551E-4B72-9196-84FDFE87439B}"/>
+              </a:ext>
+            </a:extLst>
+          </p:cNvPr>
+          <p:cNvSpPr>
+            <a:spLocks noGrp="1"/>
+          </p:cNvSpPr>
+          <p:nvPr>
+            <p:ph type="sldNum" sz="quarter" idx="12"/>
+          </p:nvPr>
+        </p:nvSpPr>
+        <p:spPr>
+          <a:xfrm>
+            <a:off x="11544000" y="-126730"/>
+            <a:ext cx="648000" cy="648000"/>
+          </a:xfrm>
+        </p:spPr>
+        <p:txBody>
+          <a:bodyPr/>
+          <a:lstStyle/>
+          <a:p>
+            <a:fld id="{CF179DAE-D0A6-40C3-B8BC-6A97C268D03A}" type="slidenum">
+              <a:rPr lang="nl-NL" sz="1200" smtClean="0">
+                <a:solidFill>
+                  <a:srgbClr val="1D8DB0"/>
+                </a:solidFill>
+              </a:rPr>
+              <a:pPr/>
+              <a:t>18</a:t>
+            </a:fld>
+            <a:r>
+              <a:rPr lang="nl-NL" sz="1200" dirty="0">
+                <a:solidFill>
+                  <a:srgbClr val="1D8DB0"/>
+                </a:solidFill>
+              </a:rPr>
+              <a:t>/31</a:t>
+            </a:r>
+          </a:p>
+        </p:txBody>
+      </p:sp>
+      <p:sp>
+        <p:nvSpPr>
+          <p:cNvPr id="9" name="Titel 4">
+            <a:extLst>
+              <a:ext uri="{FF2B5EF4-FFF2-40B4-BE49-F238E27FC236}">
+                <a16:creationId xmlns:a16="http://schemas.microsoft.com/office/drawing/2014/main" id="{32C054A8-9043-41C9-BA29-6C11E3B87A6D}"/>
+              </a:ext>
+            </a:extLst>
+          </p:cNvPr>
+          <p:cNvSpPr>
+            <a:spLocks noGrp="1"/>
+          </p:cNvSpPr>
+          <p:nvPr>
+            <p:ph type="title"/>
+          </p:nvPr>
+        </p:nvSpPr>
+        <p:spPr>
+          <a:xfrm>
+            <a:off x="576263" y="336550"/>
+            <a:ext cx="11041062" cy="1152525"/>
+          </a:xfrm>
+        </p:spPr>
+        <p:txBody>
+          <a:bodyPr/>
+          <a:lstStyle/>
+          <a:p>
+            <a:r>
+              <a:rPr lang="nl-BE" dirty="0" err="1">
+                <a:latin typeface="Arial"/>
+                <a:cs typeface="Arial"/>
+              </a:rPr>
+              <a:t>Dose</a:t>
+            </a:r>
+            <a:r>
+              <a:rPr lang="nl-BE" dirty="0">
+                <a:latin typeface="Arial"/>
+                <a:cs typeface="Arial"/>
+              </a:rPr>
+              <a:t> </a:t>
+            </a:r>
+            <a:r>
+              <a:rPr lang="nl-BE" dirty="0" err="1">
+                <a:latin typeface="Arial"/>
+                <a:cs typeface="Arial"/>
+              </a:rPr>
+              <a:t>dependence</a:t>
+            </a:r>
+            <a:endParaRPr lang="nl-BE" dirty="0" err="1">
+              <a:cs typeface="Arial"/>
+            </a:endParaRPr>
+          </a:p>
+        </p:txBody>
+      </p:sp>
+      <p:sp>
+        <p:nvSpPr>
+          <p:cNvPr id="8" name="Tijdelijke aanduiding voor inhoud 1">
+            <a:extLst>
+              <a:ext uri="{FF2B5EF4-FFF2-40B4-BE49-F238E27FC236}">
+                <a16:creationId xmlns:a16="http://schemas.microsoft.com/office/drawing/2014/main" id="{FD48FE27-13D3-407C-9CF5-D7CAC1400D54}"/>
+              </a:ext>
+            </a:extLst>
+          </p:cNvPr>
+          <p:cNvSpPr>
+            <a:spLocks noGrp="1"/>
+          </p:cNvSpPr>
+          <p:nvPr>
+            <p:ph idx="1"/>
+          </p:nvPr>
+        </p:nvSpPr>
+        <p:spPr>
+          <a:xfrm>
+            <a:off x="576000" y="1656000"/>
+            <a:ext cx="11041200" cy="4043464"/>
+          </a:xfrm>
+        </p:spPr>
+        <p:txBody>
+          <a:bodyPr vert="horz" lIns="91440" tIns="45720" rIns="91440" bIns="45720" rtlCol="0" anchor="t">
+            <a:normAutofit/>
+          </a:bodyPr>
+          <a:lstStyle/>
+          <a:p>
+            <a:r>
+              <a:rPr lang="nl-BE" sz="2000" dirty="0" err="1">
+                <a:latin typeface="Arial"/>
+                <a:cs typeface="Arial"/>
+              </a:rPr>
+              <a:t>Not</a:t>
+            </a:r>
+            <a:r>
+              <a:rPr lang="nl-BE" sz="2000" dirty="0">
+                <a:latin typeface="Arial"/>
+                <a:cs typeface="Arial"/>
+              </a:rPr>
+              <a:t> </a:t>
+            </a:r>
+            <a:r>
+              <a:rPr lang="nl-BE" sz="2000" dirty="0" err="1">
+                <a:latin typeface="Arial"/>
+                <a:cs typeface="Arial"/>
+              </a:rPr>
+              <a:t>dependent</a:t>
+            </a:r>
+            <a:r>
+              <a:rPr lang="nl-BE" sz="2000" dirty="0">
+                <a:latin typeface="Arial"/>
+                <a:cs typeface="Arial"/>
+              </a:rPr>
+              <a:t> on </a:t>
+            </a:r>
+            <a:r>
+              <a:rPr lang="nl-BE" sz="2000" dirty="0" err="1">
+                <a:latin typeface="Arial"/>
+                <a:cs typeface="Arial"/>
+              </a:rPr>
+              <a:t>mass</a:t>
+            </a:r>
+            <a:r>
+              <a:rPr lang="nl-BE" sz="2000" dirty="0">
+                <a:latin typeface="Arial"/>
+                <a:cs typeface="Arial"/>
+              </a:rPr>
+              <a:t> </a:t>
+            </a:r>
+            <a:r>
+              <a:rPr lang="nl-BE" sz="2000" dirty="0" err="1">
+                <a:latin typeface="Arial"/>
+                <a:cs typeface="Arial"/>
+              </a:rPr>
+              <a:t>dose</a:t>
+            </a:r>
+            <a:endParaRPr lang="nl-BE" sz="2000" dirty="0" err="1">
+              <a:cs typeface="Arial"/>
+            </a:endParaRPr>
+          </a:p>
+          <a:p>
+            <a:r>
+              <a:rPr lang="nl-BE" sz="2000" dirty="0">
+                <a:latin typeface="Arial"/>
+                <a:cs typeface="Arial"/>
+              </a:rPr>
+              <a:t>Surface is </a:t>
+            </a:r>
+            <a:r>
+              <a:rPr lang="nl-BE" sz="2000" dirty="0" err="1">
+                <a:latin typeface="Arial"/>
+                <a:cs typeface="Arial"/>
+              </a:rPr>
+              <a:t>reactive</a:t>
+            </a:r>
+            <a:r>
+              <a:rPr lang="nl-BE" sz="2000" dirty="0">
+                <a:latin typeface="Arial"/>
+                <a:cs typeface="Arial"/>
+              </a:rPr>
+              <a:t>, </a:t>
+            </a:r>
+            <a:r>
+              <a:rPr lang="nl-BE" sz="2000" dirty="0" err="1">
+                <a:latin typeface="Arial"/>
+                <a:cs typeface="Arial"/>
+              </a:rPr>
+              <a:t>so</a:t>
+            </a:r>
+            <a:r>
+              <a:rPr lang="nl-BE" sz="2000" dirty="0">
+                <a:latin typeface="Arial"/>
+                <a:cs typeface="Arial"/>
+              </a:rPr>
+              <a:t> small </a:t>
+            </a:r>
+            <a:r>
+              <a:rPr lang="nl-BE" sz="2000" dirty="0" err="1">
+                <a:latin typeface="Arial"/>
+                <a:cs typeface="Arial"/>
+              </a:rPr>
+              <a:t>particles</a:t>
+            </a:r>
+            <a:r>
+              <a:rPr lang="nl-BE" sz="2000" dirty="0">
+                <a:latin typeface="Arial"/>
+                <a:cs typeface="Arial"/>
+              </a:rPr>
+              <a:t> at a low </a:t>
+            </a:r>
+            <a:r>
+              <a:rPr lang="nl-BE" sz="2000" dirty="0" err="1">
+                <a:latin typeface="Arial"/>
+                <a:cs typeface="Arial"/>
+              </a:rPr>
+              <a:t>mass</a:t>
+            </a:r>
+            <a:r>
+              <a:rPr lang="nl-BE" sz="2000" dirty="0">
+                <a:latin typeface="Arial"/>
+                <a:cs typeface="Arial"/>
+              </a:rPr>
+              <a:t> </a:t>
+            </a:r>
+            <a:r>
+              <a:rPr lang="nl-BE" sz="2000" dirty="0" err="1">
+                <a:latin typeface="Arial"/>
+                <a:cs typeface="Arial"/>
+              </a:rPr>
+              <a:t>dose</a:t>
+            </a:r>
+            <a:r>
+              <a:rPr lang="nl-BE" sz="2000" dirty="0">
+                <a:latin typeface="Arial"/>
+                <a:cs typeface="Arial"/>
+              </a:rPr>
+              <a:t> </a:t>
+            </a:r>
+            <a:r>
+              <a:rPr lang="nl-BE" sz="2000" dirty="0" err="1">
+                <a:latin typeface="Arial"/>
+                <a:cs typeface="Arial"/>
+              </a:rPr>
+              <a:t>can</a:t>
+            </a:r>
+            <a:r>
+              <a:rPr lang="nl-BE" sz="2000" dirty="0">
+                <a:latin typeface="Arial"/>
+                <a:cs typeface="Arial"/>
+              </a:rPr>
+              <a:t> </a:t>
+            </a:r>
+            <a:r>
+              <a:rPr lang="nl-BE" sz="2000" dirty="0" err="1">
+                <a:latin typeface="Arial"/>
+                <a:cs typeface="Arial"/>
+              </a:rPr>
+              <a:t>be</a:t>
+            </a:r>
+            <a:r>
+              <a:rPr lang="nl-BE" sz="2000" dirty="0">
+                <a:latin typeface="Arial"/>
+                <a:cs typeface="Arial"/>
+              </a:rPr>
+              <a:t> as </a:t>
+            </a:r>
+            <a:r>
+              <a:rPr lang="nl-BE" sz="2000" dirty="0" err="1">
+                <a:latin typeface="Arial"/>
+                <a:cs typeface="Arial"/>
+              </a:rPr>
+              <a:t>toxic</a:t>
+            </a:r>
+            <a:r>
+              <a:rPr lang="nl-BE" sz="2000" dirty="0">
+                <a:latin typeface="Arial"/>
+                <a:cs typeface="Arial"/>
+              </a:rPr>
+              <a:t> al </a:t>
+            </a:r>
+            <a:r>
+              <a:rPr lang="nl-BE" sz="2000" dirty="0" err="1">
+                <a:latin typeface="Arial"/>
+                <a:cs typeface="Arial"/>
+              </a:rPr>
+              <a:t>larger</a:t>
+            </a:r>
+            <a:r>
+              <a:rPr lang="nl-BE" sz="2000" dirty="0">
+                <a:latin typeface="Arial"/>
+                <a:cs typeface="Arial"/>
+              </a:rPr>
+              <a:t> </a:t>
+            </a:r>
+            <a:r>
+              <a:rPr lang="nl-BE" sz="2000" dirty="0" err="1">
+                <a:latin typeface="Arial"/>
+                <a:cs typeface="Arial"/>
+              </a:rPr>
+              <a:t>particles</a:t>
+            </a:r>
+            <a:r>
+              <a:rPr lang="nl-BE" sz="2000" dirty="0">
+                <a:latin typeface="Arial"/>
+                <a:cs typeface="Arial"/>
+              </a:rPr>
+              <a:t> </a:t>
+            </a:r>
+            <a:r>
+              <a:rPr lang="nl-BE" sz="2000" dirty="0" err="1">
+                <a:latin typeface="Arial"/>
+                <a:cs typeface="Arial"/>
+              </a:rPr>
+              <a:t>with</a:t>
+            </a:r>
+            <a:r>
+              <a:rPr lang="nl-BE" sz="2000" dirty="0">
+                <a:latin typeface="Arial"/>
+                <a:cs typeface="Arial"/>
+              </a:rPr>
+              <a:t> a </a:t>
+            </a:r>
+            <a:r>
+              <a:rPr lang="nl-BE" sz="2000" dirty="0" err="1">
+                <a:latin typeface="Arial"/>
+                <a:cs typeface="Arial"/>
+              </a:rPr>
+              <a:t>higer</a:t>
+            </a:r>
+            <a:r>
+              <a:rPr lang="nl-BE" sz="2000" dirty="0">
+                <a:latin typeface="Arial"/>
+                <a:cs typeface="Arial"/>
+              </a:rPr>
+              <a:t> </a:t>
+            </a:r>
+            <a:r>
+              <a:rPr lang="nl-BE" sz="2000" dirty="0" err="1">
+                <a:latin typeface="Arial"/>
+                <a:cs typeface="Arial"/>
+              </a:rPr>
+              <a:t>mass</a:t>
+            </a:r>
+            <a:r>
+              <a:rPr lang="nl-BE" sz="2000" dirty="0">
+                <a:latin typeface="Arial"/>
+                <a:cs typeface="Arial"/>
+              </a:rPr>
+              <a:t> </a:t>
+            </a:r>
+            <a:r>
+              <a:rPr lang="nl-BE" sz="2000" dirty="0" err="1">
+                <a:latin typeface="Arial"/>
+                <a:cs typeface="Arial"/>
+              </a:rPr>
+              <a:t>dose</a:t>
+            </a:r>
+          </a:p>
+          <a:p>
+            <a:r>
+              <a:rPr lang="nl-BE" sz="2000" dirty="0">
+                <a:latin typeface="Arial"/>
+                <a:cs typeface="Arial"/>
+              </a:rPr>
+              <a:t>Surface </a:t>
+            </a:r>
+            <a:r>
+              <a:rPr lang="nl-BE" sz="2000" dirty="0" err="1">
+                <a:latin typeface="Arial"/>
+                <a:cs typeface="Arial"/>
+              </a:rPr>
+              <a:t>dose</a:t>
+            </a:r>
+            <a:r>
+              <a:rPr lang="nl-BE" sz="2000" dirty="0">
+                <a:latin typeface="Arial"/>
+                <a:cs typeface="Arial"/>
+              </a:rPr>
+              <a:t> is </a:t>
+            </a:r>
+            <a:r>
+              <a:rPr lang="nl-BE" sz="2000" dirty="0" err="1">
+                <a:latin typeface="Arial"/>
+                <a:cs typeface="Arial"/>
+              </a:rPr>
+              <a:t>what</a:t>
+            </a:r>
+            <a:r>
+              <a:rPr lang="nl-BE" sz="2000" dirty="0">
+                <a:latin typeface="Arial"/>
+                <a:cs typeface="Arial"/>
+              </a:rPr>
+              <a:t> </a:t>
+            </a:r>
+            <a:r>
+              <a:rPr lang="nl-BE" sz="2000" dirty="0" err="1">
+                <a:latin typeface="Arial"/>
+                <a:cs typeface="Arial"/>
+              </a:rPr>
+              <a:t>makes</a:t>
+            </a:r>
+            <a:r>
+              <a:rPr lang="nl-BE" sz="2000" dirty="0">
+                <a:latin typeface="Arial"/>
+                <a:cs typeface="Arial"/>
+              </a:rPr>
+              <a:t> </a:t>
+            </a:r>
+            <a:r>
+              <a:rPr lang="nl-BE" sz="2000" dirty="0" err="1">
+                <a:latin typeface="Arial"/>
+                <a:cs typeface="Arial"/>
+              </a:rPr>
+              <a:t>influences</a:t>
+            </a:r>
+            <a:r>
+              <a:rPr lang="nl-BE" sz="2000" dirty="0">
+                <a:latin typeface="Arial"/>
+                <a:cs typeface="Arial"/>
+              </a:rPr>
+              <a:t> </a:t>
+            </a:r>
+            <a:r>
+              <a:rPr lang="nl-BE" sz="2000" dirty="0" err="1">
+                <a:latin typeface="Arial"/>
+                <a:cs typeface="Arial"/>
+              </a:rPr>
+              <a:t>the</a:t>
+            </a:r>
+            <a:r>
+              <a:rPr lang="nl-BE" sz="2000" dirty="0">
+                <a:latin typeface="Arial"/>
+                <a:cs typeface="Arial"/>
+              </a:rPr>
+              <a:t> </a:t>
+            </a:r>
+            <a:r>
+              <a:rPr lang="nl-BE" sz="2000" dirty="0" err="1">
+                <a:latin typeface="Arial"/>
+                <a:cs typeface="Arial"/>
+              </a:rPr>
+              <a:t>toxicity</a:t>
+            </a:r>
+          </a:p>
+        </p:txBody>
+      </p:sp>
+      <p:sp>
+        <p:nvSpPr>
+          <p:cNvPr id="10" name="Tekstvak 9">
+            <a:extLst>
+              <a:ext uri="{FF2B5EF4-FFF2-40B4-BE49-F238E27FC236}">
+                <a16:creationId xmlns:a16="http://schemas.microsoft.com/office/drawing/2014/main" id="{F9AF6A87-507F-4E2E-8A2A-840080D13776}"/>
+              </a:ext>
+            </a:extLst>
+          </p:cNvPr>
+          <p:cNvSpPr txBox="1"/>
+          <p:nvPr/>
+        </p:nvSpPr>
+        <p:spPr>
+          <a:xfrm>
+            <a:off x="159798" y="58771"/>
+            <a:ext cx="5832629" cy="276999"/>
+          </a:xfrm>
+          <a:prstGeom prst="rect">
+            <a:avLst/>
+          </a:prstGeom>
+          <a:noFill/>
+        </p:spPr>
+        <p:txBody>
+          <a:bodyPr wrap="square" rtlCol="0">
+            <a:spAutoFit/>
+          </a:bodyPr>
+          <a:lstStyle/>
+          <a:p>
+            <a:r>
+              <a:rPr lang="nl-BE" sz="1200" dirty="0">
+                <a:solidFill>
+                  <a:srgbClr val="1D8DB0"/>
+                </a:solidFill>
+              </a:rPr>
+              <a:t>J. </a:t>
+            </a:r>
+            <a:r>
+              <a:rPr lang="nl-BE" sz="1200" dirty="0" err="1">
+                <a:solidFill>
+                  <a:srgbClr val="1D8DB0"/>
+                </a:solidFill>
+              </a:rPr>
+              <a:t>Neirynck</a:t>
+            </a:r>
+            <a:r>
+              <a:rPr lang="nl-BE" sz="1200" dirty="0">
+                <a:solidFill>
+                  <a:srgbClr val="1D8DB0"/>
+                </a:solidFill>
+              </a:rPr>
+              <a:t>, F. Van </a:t>
+            </a:r>
+            <a:r>
+              <a:rPr lang="nl-BE" sz="1200" dirty="0" err="1">
+                <a:solidFill>
+                  <a:srgbClr val="1D8DB0"/>
+                </a:solidFill>
+              </a:rPr>
+              <a:t>Eecke</a:t>
+            </a:r>
+            <a:r>
+              <a:rPr lang="nl-BE" sz="1200" dirty="0">
+                <a:solidFill>
+                  <a:srgbClr val="1D8DB0"/>
+                </a:solidFill>
+              </a:rPr>
+              <a:t> &amp; R. Vrielynck</a:t>
+            </a:r>
+          </a:p>
+        </p:txBody>
+      </p:sp>
+      <p:sp>
+        <p:nvSpPr>
+          <p:cNvPr id="11" name="Tekstvak 10">
+            <a:extLst>
+              <a:ext uri="{FF2B5EF4-FFF2-40B4-BE49-F238E27FC236}">
+                <a16:creationId xmlns:a16="http://schemas.microsoft.com/office/drawing/2014/main" id="{02C83A39-3DA1-4516-B834-3C3D5F8552F0}"/>
+              </a:ext>
+            </a:extLst>
+          </p:cNvPr>
+          <p:cNvSpPr txBox="1"/>
+          <p:nvPr/>
+        </p:nvSpPr>
+        <p:spPr>
+          <a:xfrm>
+            <a:off x="576000" y="6356412"/>
+            <a:ext cx="10351364" cy="315471"/>
+          </a:xfrm>
+          <a:prstGeom prst="rect">
+            <a:avLst/>
+          </a:prstGeom>
+          <a:noFill/>
+        </p:spPr>
+        <p:txBody>
+          <a:bodyPr wrap="square" rtlCol="0">
+            <a:spAutoFit/>
+          </a:bodyPr>
+          <a:lstStyle/>
+          <a:p>
+            <a:r>
+              <a:rPr lang="nl-BE" sz="1450" dirty="0" err="1">
+                <a:solidFill>
+                  <a:schemeClr val="bg1"/>
+                </a:solidFill>
+              </a:rPr>
+              <a:t>Introduction</a:t>
+            </a:r>
+            <a:r>
+              <a:rPr lang="nl-BE" sz="1450" dirty="0">
+                <a:solidFill>
+                  <a:schemeClr val="bg1"/>
+                </a:solidFill>
+              </a:rPr>
+              <a:t>	</a:t>
+            </a:r>
+            <a:r>
+              <a:rPr lang="nl-BE" sz="1450" b="1" dirty="0">
+                <a:solidFill>
+                  <a:schemeClr val="bg1"/>
+                </a:solidFill>
+              </a:rPr>
+              <a:t>	Framework</a:t>
+            </a:r>
+            <a:r>
+              <a:rPr lang="nl-BE" sz="1450" dirty="0">
+                <a:solidFill>
+                  <a:schemeClr val="bg1"/>
+                </a:solidFill>
+              </a:rPr>
+              <a:t>		</a:t>
+            </a:r>
+            <a:r>
+              <a:rPr lang="nl-BE" sz="1450" dirty="0" err="1">
+                <a:solidFill>
+                  <a:schemeClr val="bg1"/>
+                </a:solidFill>
+              </a:rPr>
+              <a:t>Techniques</a:t>
+            </a:r>
+            <a:r>
+              <a:rPr lang="nl-BE" sz="1450" dirty="0">
+                <a:solidFill>
+                  <a:schemeClr val="bg1"/>
+                </a:solidFill>
+              </a:rPr>
+              <a:t> &amp; </a:t>
+            </a:r>
+            <a:r>
+              <a:rPr lang="nl-BE" sz="1450" dirty="0" err="1">
+                <a:solidFill>
+                  <a:schemeClr val="bg1"/>
+                </a:solidFill>
+              </a:rPr>
+              <a:t>Results</a:t>
+            </a:r>
+            <a:r>
+              <a:rPr lang="nl-BE" sz="1450" dirty="0">
+                <a:solidFill>
+                  <a:schemeClr val="bg1"/>
+                </a:solidFill>
+              </a:rPr>
+              <a:t>			Summary</a:t>
+            </a:r>
+          </a:p>
+        </p:txBody>
+      </p:sp>
+    </p:spTree>
+    <p:extLst>
+      <p:ext uri="{BB962C8B-B14F-4D97-AF65-F5344CB8AC3E}">
+        <p14:creationId xmlns:p14="http://schemas.microsoft.com/office/powerpoint/2010/main" val="4204038074"/>
+      </p:ext>
+    </p:extLst>
+  </p:cSld>
+  <p:clrMapOvr>
+    <a:masterClrMapping/>
+  </p:clrMapOvr>
+</p:sld>
+</file>
+
+<file path=ppt/slides/slide19.xml><?xml version="1.0" encoding="utf-8"?>
+<p:sld xmlns:a="http://schemas.openxmlformats.org/drawingml/2006/main" xmlns:r="http://schemas.openxmlformats.org/officeDocument/2006/relationships" xmlns:p="http://schemas.openxmlformats.org/presentationml/2006/main">
+  <p:cSld>
+    <p:spTree>
+      <p:nvGrpSpPr>
+        <p:cNvPr id="1" name=""/>
+        <p:cNvGrpSpPr/>
+        <p:nvPr/>
+      </p:nvGrpSpPr>
+      <p:grpSpPr>
+        <a:xfrm>
+          <a:off x="0" y="0"/>
+          <a:ext cx="0" cy="0"/>
+          <a:chOff x="0" y="0"/>
+          <a:chExt cx="0" cy="0"/>
+        </a:xfrm>
+      </p:grpSpPr>
+      <p:sp>
+        <p:nvSpPr>
+          <p:cNvPr id="2" name="Tijdelijke aanduiding voor inhoud 1">
+            <a:extLst>
+              <a:ext uri="{FF2B5EF4-FFF2-40B4-BE49-F238E27FC236}">
+                <a16:creationId xmlns:a16="http://schemas.microsoft.com/office/drawing/2014/main" id="{DA23FDA8-8B91-4851-BFB1-DD9B789576B1}"/>
+              </a:ext>
+            </a:extLst>
+          </p:cNvPr>
+          <p:cNvSpPr>
+            <a:spLocks noGrp="1"/>
+          </p:cNvSpPr>
+          <p:nvPr>
+            <p:ph idx="1"/>
+          </p:nvPr>
+        </p:nvSpPr>
+        <p:spPr/>
+        <p:txBody>
+          <a:bodyPr vert="horz" lIns="91440" tIns="45720" rIns="91440" bIns="45720" rtlCol="0" anchor="t">
+            <a:normAutofit/>
+          </a:bodyPr>
+          <a:lstStyle/>
+          <a:p>
+            <a:r>
+              <a:rPr lang="nl-NL" dirty="0">
+                <a:latin typeface="Arial"/>
+                <a:cs typeface="Arial"/>
+              </a:rPr>
+              <a:t>Large </a:t>
+            </a:r>
+            <a:r>
+              <a:rPr lang="nl-NL" dirty="0" err="1">
+                <a:latin typeface="Arial"/>
+                <a:cs typeface="Arial"/>
+              </a:rPr>
+              <a:t>concentration</a:t>
+            </a:r>
+            <a:r>
+              <a:rPr lang="nl-NL" dirty="0">
+                <a:latin typeface="Arial"/>
+                <a:cs typeface="Arial"/>
+              </a:rPr>
+              <a:t> --&gt; </a:t>
+            </a:r>
+            <a:r>
+              <a:rPr lang="nl-NL" dirty="0" err="1">
+                <a:latin typeface="Arial"/>
+                <a:cs typeface="Arial"/>
+              </a:rPr>
+              <a:t>aggregation</a:t>
+            </a:r>
+            <a:r>
+              <a:rPr lang="nl-NL" dirty="0">
+                <a:latin typeface="Arial"/>
+                <a:cs typeface="Arial"/>
+              </a:rPr>
+              <a:t> of </a:t>
+            </a:r>
+            <a:r>
+              <a:rPr lang="nl-NL" dirty="0" err="1">
+                <a:latin typeface="Arial"/>
+                <a:cs typeface="Arial"/>
+              </a:rPr>
+              <a:t>particles</a:t>
+            </a:r>
+          </a:p>
+          <a:p>
+            <a:r>
+              <a:rPr lang="nl-NL" dirty="0" err="1">
+                <a:latin typeface="Arial"/>
+                <a:cs typeface="Arial"/>
+              </a:rPr>
+              <a:t>Larger</a:t>
+            </a:r>
+            <a:r>
+              <a:rPr lang="nl-NL" dirty="0">
+                <a:latin typeface="Arial"/>
+                <a:cs typeface="Arial"/>
+              </a:rPr>
+              <a:t> </a:t>
+            </a:r>
+            <a:r>
+              <a:rPr lang="nl-NL" dirty="0" err="1">
+                <a:latin typeface="Arial"/>
+                <a:cs typeface="Arial"/>
+              </a:rPr>
+              <a:t>particles</a:t>
+            </a:r>
+            <a:r>
+              <a:rPr lang="nl-NL" dirty="0">
+                <a:latin typeface="Arial"/>
+                <a:cs typeface="Arial"/>
+              </a:rPr>
+              <a:t>, </a:t>
+            </a:r>
+            <a:r>
+              <a:rPr lang="nl-NL" dirty="0" err="1">
+                <a:latin typeface="Arial"/>
+                <a:cs typeface="Arial"/>
+              </a:rPr>
+              <a:t>less</a:t>
+            </a:r>
+            <a:r>
+              <a:rPr lang="nl-NL" dirty="0">
+                <a:latin typeface="Arial"/>
+                <a:cs typeface="Arial"/>
+              </a:rPr>
+              <a:t> </a:t>
+            </a:r>
+            <a:r>
+              <a:rPr lang="nl-NL" dirty="0" err="1">
+                <a:latin typeface="Arial"/>
+                <a:cs typeface="Arial"/>
+              </a:rPr>
+              <a:t>surface</a:t>
+            </a:r>
+            <a:r>
+              <a:rPr lang="nl-NL" dirty="0">
+                <a:latin typeface="Arial"/>
+                <a:cs typeface="Arial"/>
+              </a:rPr>
+              <a:t> AND </a:t>
+            </a:r>
+            <a:r>
+              <a:rPr lang="nl-NL" dirty="0" err="1">
+                <a:latin typeface="Arial"/>
+                <a:cs typeface="Arial"/>
+              </a:rPr>
+              <a:t>white</a:t>
+            </a:r>
+            <a:r>
+              <a:rPr lang="nl-NL" dirty="0">
+                <a:latin typeface="Arial"/>
+                <a:cs typeface="Arial"/>
+              </a:rPr>
+              <a:t> </a:t>
+            </a:r>
+            <a:r>
+              <a:rPr lang="nl-NL" dirty="0" err="1">
+                <a:latin typeface="Arial"/>
+                <a:cs typeface="Arial"/>
+              </a:rPr>
+              <a:t>bloodcells</a:t>
+            </a:r>
+            <a:r>
+              <a:rPr lang="nl-NL" dirty="0">
+                <a:latin typeface="Arial"/>
+                <a:cs typeface="Arial"/>
+              </a:rPr>
+              <a:t> </a:t>
+            </a:r>
+            <a:r>
+              <a:rPr lang="nl-NL" dirty="0" err="1">
+                <a:latin typeface="Arial"/>
+                <a:cs typeface="Arial"/>
+              </a:rPr>
+              <a:t>can</a:t>
+            </a:r>
+            <a:r>
+              <a:rPr lang="nl-NL" dirty="0">
+                <a:latin typeface="Arial"/>
+                <a:cs typeface="Arial"/>
+              </a:rPr>
+              <a:t> </a:t>
+            </a:r>
+            <a:r>
+              <a:rPr lang="nl-NL" dirty="0" err="1">
+                <a:latin typeface="Arial"/>
+                <a:cs typeface="Arial"/>
+              </a:rPr>
+              <a:t>macrophage</a:t>
+            </a:r>
+            <a:r>
+              <a:rPr lang="nl-NL" dirty="0">
+                <a:latin typeface="Arial"/>
+                <a:cs typeface="Arial"/>
+              </a:rPr>
+              <a:t> </a:t>
+            </a:r>
+            <a:r>
+              <a:rPr lang="nl-NL" dirty="0" err="1">
+                <a:latin typeface="Arial"/>
+                <a:cs typeface="Arial"/>
+              </a:rPr>
+              <a:t>the</a:t>
+            </a:r>
+            <a:r>
+              <a:rPr lang="nl-NL" dirty="0">
+                <a:latin typeface="Arial"/>
+                <a:cs typeface="Arial"/>
+              </a:rPr>
+              <a:t> </a:t>
+            </a:r>
+            <a:r>
+              <a:rPr lang="nl-NL" dirty="0" err="1">
+                <a:latin typeface="Arial"/>
+                <a:cs typeface="Arial"/>
+              </a:rPr>
+              <a:t>aggregates</a:t>
+            </a:r>
+            <a:endParaRPr lang="nl-NL" dirty="0" err="1">
+              <a:cs typeface="Arial"/>
+            </a:endParaRPr>
+          </a:p>
+          <a:p>
+            <a:r>
+              <a:rPr lang="nl-NL" dirty="0">
+                <a:latin typeface="Arial"/>
+                <a:cs typeface="Arial"/>
+              </a:rPr>
+              <a:t>Large </a:t>
+            </a:r>
+            <a:r>
+              <a:rPr lang="nl-NL" dirty="0" err="1">
+                <a:latin typeface="Arial"/>
+                <a:cs typeface="Arial"/>
+              </a:rPr>
+              <a:t>concentration</a:t>
+            </a:r>
+            <a:r>
+              <a:rPr lang="nl-NL" dirty="0">
+                <a:latin typeface="Arial"/>
+                <a:cs typeface="Arial"/>
+              </a:rPr>
+              <a:t> </a:t>
+            </a:r>
+            <a:r>
+              <a:rPr lang="nl-NL" dirty="0" err="1">
+                <a:latin typeface="Arial"/>
+                <a:cs typeface="Arial"/>
+              </a:rPr>
+              <a:t>results</a:t>
+            </a:r>
+            <a:r>
+              <a:rPr lang="nl-NL" dirty="0">
+                <a:latin typeface="Arial"/>
+                <a:cs typeface="Arial"/>
+              </a:rPr>
+              <a:t> in </a:t>
+            </a:r>
+            <a:r>
+              <a:rPr lang="nl-NL" dirty="0" err="1">
+                <a:latin typeface="Arial"/>
+                <a:cs typeface="Arial"/>
+              </a:rPr>
+              <a:t>less</a:t>
+            </a:r>
+            <a:r>
+              <a:rPr lang="nl-NL" dirty="0">
+                <a:latin typeface="Arial"/>
+                <a:cs typeface="Arial"/>
+              </a:rPr>
+              <a:t> </a:t>
+            </a:r>
+            <a:r>
+              <a:rPr lang="nl-NL" dirty="0" err="1">
+                <a:latin typeface="Arial"/>
+                <a:cs typeface="Arial"/>
+              </a:rPr>
+              <a:t>toxicity</a:t>
+            </a:r>
+            <a:endParaRPr lang="nl-NL" dirty="0" err="1">
+              <a:cs typeface="Arial"/>
+            </a:endParaRPr>
+          </a:p>
+          <a:p>
+            <a:endParaRPr lang="nl-NL" dirty="0">
+              <a:cs typeface="Arial"/>
+            </a:endParaRPr>
+          </a:p>
+        </p:txBody>
+      </p:sp>
+      <p:sp>
+        <p:nvSpPr>
+          <p:cNvPr id="3" name="Tijdelijke aanduiding voor voettekst 2">
+            <a:extLst>
+              <a:ext uri="{FF2B5EF4-FFF2-40B4-BE49-F238E27FC236}">
+                <a16:creationId xmlns:a16="http://schemas.microsoft.com/office/drawing/2014/main" id="{34BF4704-138D-49F1-B37A-017E77BC0845}"/>
+              </a:ext>
+            </a:extLst>
+          </p:cNvPr>
+          <p:cNvSpPr>
+            <a:spLocks noGrp="1"/>
+          </p:cNvSpPr>
+          <p:nvPr>
+            <p:ph type="ftr" sz="quarter" idx="11"/>
+          </p:nvPr>
+        </p:nvSpPr>
+        <p:spPr/>
+        <p:txBody>
+          <a:bodyPr/>
+          <a:lstStyle/>
+          <a:p>
+            <a:r>
+              <a:rPr lang="nl-NL"/>
+              <a:t>Faculteit, departement, dienst …</a:t>
+            </a:r>
+          </a:p>
+        </p:txBody>
+      </p:sp>
+      <p:sp>
+        <p:nvSpPr>
+          <p:cNvPr id="4" name="Tijdelijke aanduiding voor dianummer 3">
+            <a:extLst>
+              <a:ext uri="{FF2B5EF4-FFF2-40B4-BE49-F238E27FC236}">
+                <a16:creationId xmlns:a16="http://schemas.microsoft.com/office/drawing/2014/main" id="{6DC5F5CE-E772-438D-AE6A-86414E0B072A}"/>
+              </a:ext>
+            </a:extLst>
+          </p:cNvPr>
+          <p:cNvSpPr>
+            <a:spLocks noGrp="1"/>
+          </p:cNvSpPr>
+          <p:nvPr>
+            <p:ph type="sldNum" sz="quarter" idx="12"/>
+          </p:nvPr>
+        </p:nvSpPr>
+        <p:spPr/>
+        <p:txBody>
+          <a:bodyPr/>
+          <a:lstStyle/>
+          <a:p>
+            <a:fld id="{0A297500-7527-634B-90F4-69D0994C32B4}" type="slidenum">
+              <a:rPr lang="nl-NL" smtClean="0"/>
+              <a:t>19</a:t>
+            </a:fld>
+            <a:endParaRPr lang="nl-NL"/>
+          </a:p>
+        </p:txBody>
+      </p:sp>
+      <p:sp>
+        <p:nvSpPr>
+          <p:cNvPr id="5" name="Titel 4">
+            <a:extLst>
+              <a:ext uri="{FF2B5EF4-FFF2-40B4-BE49-F238E27FC236}">
+                <a16:creationId xmlns:a16="http://schemas.microsoft.com/office/drawing/2014/main" id="{ABD654FC-0EF3-41CA-AC73-0A81742D970C}"/>
+              </a:ext>
+            </a:extLst>
+          </p:cNvPr>
+          <p:cNvSpPr>
+            <a:spLocks noGrp="1"/>
+          </p:cNvSpPr>
+          <p:nvPr>
+            <p:ph type="title"/>
+          </p:nvPr>
+        </p:nvSpPr>
+        <p:spPr/>
+        <p:txBody>
+          <a:bodyPr/>
+          <a:lstStyle/>
+          <a:p>
+            <a:r>
+              <a:rPr lang="nl-NL" dirty="0" err="1">
+                <a:latin typeface="Arial"/>
+                <a:cs typeface="Arial"/>
+              </a:rPr>
+              <a:t>Concentration</a:t>
+            </a:r>
+            <a:r>
+              <a:rPr lang="nl-NL" dirty="0">
+                <a:latin typeface="Arial"/>
+                <a:cs typeface="Arial"/>
+              </a:rPr>
+              <a:t> </a:t>
+            </a:r>
+            <a:r>
+              <a:rPr lang="nl-NL" dirty="0" err="1">
+                <a:latin typeface="Arial"/>
+                <a:cs typeface="Arial"/>
+              </a:rPr>
+              <a:t>dependence</a:t>
+            </a:r>
+            <a:endParaRPr lang="nl-NL" dirty="0" err="1"/>
+          </a:p>
+        </p:txBody>
+      </p:sp>
+    </p:spTree>
+    <p:extLst>
+      <p:ext uri="{BB962C8B-B14F-4D97-AF65-F5344CB8AC3E}">
+        <p14:creationId xmlns:p14="http://schemas.microsoft.com/office/powerpoint/2010/main" val="623244575"/>
+      </p:ext>
+    </p:extLst>
+  </p:cSld>
+  <p:clrMapOvr>
+    <a:masterClrMapping/>
+  </p:clrMapOvr>
+</p:sld>
+</file>
+
+<file path=ppt/slides/slide2.xml><?xml version="1.0" encoding="utf-8"?>
+<p:sld xmlns:a="http://schemas.openxmlformats.org/drawingml/2006/main" xmlns:r="http://schemas.openxmlformats.org/officeDocument/2006/relationships" xmlns:p="http://schemas.openxmlformats.org/presentationml/2006/main">
+  <p:cSld>
+    <p:spTree>
+      <p:nvGrpSpPr>
+        <p:cNvPr id="1" name=""/>
+        <p:cNvGrpSpPr/>
+        <p:nvPr/>
+      </p:nvGrpSpPr>
+      <p:grpSpPr>
+        <a:xfrm>
+          <a:off x="0" y="0"/>
+          <a:ext cx="0" cy="0"/>
+          <a:chOff x="0" y="0"/>
+          <a:chExt cx="0" cy="0"/>
+        </a:xfrm>
+      </p:grpSpPr>
+      <p:sp>
+        <p:nvSpPr>
+          <p:cNvPr id="5" name="Titel 4">
+            <a:extLst>
+              <a:ext uri="{FF2B5EF4-FFF2-40B4-BE49-F238E27FC236}">
+                <a16:creationId xmlns:a16="http://schemas.microsoft.com/office/drawing/2014/main" id="{D63153C1-6CC0-48A1-8AE3-C32D7E9766D2}"/>
+              </a:ext>
+            </a:extLst>
+          </p:cNvPr>
+          <p:cNvSpPr>
+            <a:spLocks noGrp="1"/>
+          </p:cNvSpPr>
+          <p:nvPr>
+            <p:ph type="title"/>
+          </p:nvPr>
+        </p:nvSpPr>
+        <p:spPr>
+          <a:xfrm>
+            <a:off x="576003" y="410596"/>
+            <a:ext cx="8333999" cy="757800"/>
+          </a:xfrm>
+        </p:spPr>
+        <p:txBody>
+          <a:bodyPr/>
+          <a:lstStyle/>
+          <a:p>
+            <a:r>
+              <a:rPr lang="nl-BE" dirty="0" err="1"/>
+              <a:t>Outline</a:t>
+            </a:r>
+            <a:endParaRPr lang="nl-BE" dirty="0"/>
+          </a:p>
+        </p:txBody>
+      </p:sp>
+      <p:sp>
+        <p:nvSpPr>
+          <p:cNvPr id="6" name="Tijdelijke aanduiding voor tekst 5">
+            <a:extLst>
+              <a:ext uri="{FF2B5EF4-FFF2-40B4-BE49-F238E27FC236}">
+                <a16:creationId xmlns:a16="http://schemas.microsoft.com/office/drawing/2014/main" id="{79DB00FA-ACEC-471C-A04F-F78D53111CE0}"/>
+              </a:ext>
+            </a:extLst>
+          </p:cNvPr>
+          <p:cNvSpPr>
+            <a:spLocks noGrp="1"/>
+          </p:cNvSpPr>
+          <p:nvPr>
+            <p:ph type="body" idx="1"/>
+          </p:nvPr>
+        </p:nvSpPr>
+        <p:spPr>
+          <a:xfrm>
+            <a:off x="576002" y="1243222"/>
+            <a:ext cx="8333999" cy="4971147"/>
+          </a:xfrm>
+        </p:spPr>
+        <p:txBody>
+          <a:bodyPr>
+            <a:normAutofit/>
+          </a:bodyPr>
+          <a:lstStyle/>
+          <a:p>
+            <a:endParaRPr lang="nl-BE" dirty="0"/>
+          </a:p>
+          <a:p>
+            <a:r>
+              <a:rPr lang="nl-BE" dirty="0" err="1"/>
+              <a:t>Introduction</a:t>
+            </a:r>
+            <a:r>
+              <a:rPr lang="nl-BE" dirty="0"/>
+              <a:t>: </a:t>
+            </a:r>
+            <a:r>
+              <a:rPr lang="nl-BE" dirty="0" err="1"/>
+              <a:t>What</a:t>
+            </a:r>
+            <a:r>
+              <a:rPr lang="nl-BE" dirty="0"/>
+              <a:t> is </a:t>
+            </a:r>
+            <a:r>
+              <a:rPr lang="nl-BE" dirty="0" err="1"/>
+              <a:t>toxicity</a:t>
+            </a:r>
+            <a:r>
+              <a:rPr lang="nl-BE" dirty="0"/>
+              <a:t>?</a:t>
+            </a:r>
+          </a:p>
+          <a:p>
+            <a:endParaRPr lang="nl-BE" dirty="0"/>
+          </a:p>
+          <a:p>
+            <a:r>
+              <a:rPr lang="nl-BE" dirty="0"/>
+              <a:t>Parameters </a:t>
+            </a:r>
+            <a:r>
+              <a:rPr lang="nl-BE" dirty="0" err="1"/>
+              <a:t>influencing</a:t>
+            </a:r>
+            <a:r>
+              <a:rPr lang="nl-BE" dirty="0"/>
+              <a:t> </a:t>
+            </a:r>
+            <a:r>
+              <a:rPr lang="nl-BE" dirty="0" err="1"/>
+              <a:t>toxicity</a:t>
+            </a:r>
+            <a:endParaRPr lang="nl-BE" dirty="0"/>
+          </a:p>
+          <a:p>
+            <a:endParaRPr lang="nl-BE" dirty="0"/>
+          </a:p>
+          <a:p>
+            <a:r>
+              <a:rPr lang="nl-BE" dirty="0" err="1"/>
+              <a:t>Ways</a:t>
+            </a:r>
+            <a:r>
+              <a:rPr lang="nl-BE" dirty="0"/>
+              <a:t> of entry &amp; </a:t>
+            </a:r>
+            <a:r>
+              <a:rPr lang="nl-BE" dirty="0" err="1"/>
+              <a:t>translocation</a:t>
+            </a:r>
+            <a:endParaRPr lang="nl-BE" dirty="0"/>
+          </a:p>
+          <a:p>
+            <a:endParaRPr lang="nl-BE" dirty="0"/>
+          </a:p>
+          <a:p>
+            <a:endParaRPr lang="nl-BE" dirty="0"/>
+          </a:p>
+          <a:p>
+            <a:endParaRPr lang="nl-BE" dirty="0"/>
+          </a:p>
+          <a:p>
+            <a:endParaRPr lang="nl-BE" dirty="0"/>
+          </a:p>
+          <a:p>
+            <a:endParaRPr lang="nl-BE" dirty="0"/>
+          </a:p>
+        </p:txBody>
+      </p:sp>
+      <p:sp>
+        <p:nvSpPr>
+          <p:cNvPr id="24" name="Tijdelijke aanduiding voor dianummer 23">
+            <a:extLst>
+              <a:ext uri="{FF2B5EF4-FFF2-40B4-BE49-F238E27FC236}">
+                <a16:creationId xmlns:a16="http://schemas.microsoft.com/office/drawing/2014/main" id="{03BF1E8A-EE8F-482B-8B9B-1F699BC78618}"/>
+              </a:ext>
+            </a:extLst>
+          </p:cNvPr>
+          <p:cNvSpPr>
+            <a:spLocks noGrp="1"/>
+          </p:cNvSpPr>
+          <p:nvPr>
+            <p:ph type="sldNum" sz="quarter" idx="12"/>
+          </p:nvPr>
+        </p:nvSpPr>
+        <p:spPr>
+          <a:xfrm>
+            <a:off x="11544000" y="-126730"/>
+            <a:ext cx="648000" cy="648000"/>
+          </a:xfrm>
+        </p:spPr>
+        <p:txBody>
+          <a:bodyPr/>
+          <a:lstStyle/>
+          <a:p>
+            <a:fld id="{CF179DAE-D0A6-40C3-B8BC-6A97C268D03A}" type="slidenum">
+              <a:rPr lang="nl-NL" sz="1200" smtClean="0">
+                <a:solidFill>
+                  <a:srgbClr val="1D8DB0"/>
+                </a:solidFill>
+              </a:rPr>
+              <a:pPr/>
+              <a:t>2</a:t>
+            </a:fld>
+            <a:r>
+              <a:rPr lang="nl-NL" sz="1200" dirty="0">
+                <a:solidFill>
+                  <a:srgbClr val="1D8DB0"/>
+                </a:solidFill>
+              </a:rPr>
+              <a:t>/31</a:t>
+            </a:r>
+          </a:p>
+        </p:txBody>
+      </p:sp>
+      <p:sp>
+        <p:nvSpPr>
+          <p:cNvPr id="28" name="Tekstvak 27">
+            <a:extLst>
+              <a:ext uri="{FF2B5EF4-FFF2-40B4-BE49-F238E27FC236}">
+                <a16:creationId xmlns:a16="http://schemas.microsoft.com/office/drawing/2014/main" id="{737CD768-E77B-41B3-B812-6842D629316A}"/>
+              </a:ext>
+            </a:extLst>
+          </p:cNvPr>
+          <p:cNvSpPr txBox="1"/>
+          <p:nvPr/>
+        </p:nvSpPr>
+        <p:spPr>
+          <a:xfrm>
+            <a:off x="159798" y="58771"/>
+            <a:ext cx="5832629" cy="276999"/>
+          </a:xfrm>
+          <a:prstGeom prst="rect">
+            <a:avLst/>
+          </a:prstGeom>
+          <a:noFill/>
+        </p:spPr>
+        <p:txBody>
+          <a:bodyPr wrap="square" rtlCol="0">
+            <a:spAutoFit/>
+          </a:bodyPr>
+          <a:lstStyle/>
+          <a:p>
+            <a:r>
+              <a:rPr lang="nl-BE" sz="1200" dirty="0">
+                <a:solidFill>
+                  <a:srgbClr val="1D8DB0"/>
+                </a:solidFill>
+              </a:rPr>
+              <a:t>J. </a:t>
+            </a:r>
+            <a:r>
+              <a:rPr lang="nl-BE" sz="1200" dirty="0" err="1">
+                <a:solidFill>
+                  <a:srgbClr val="1D8DB0"/>
+                </a:solidFill>
+              </a:rPr>
+              <a:t>Neirynck</a:t>
+            </a:r>
+            <a:r>
+              <a:rPr lang="nl-BE" sz="1200" dirty="0">
+                <a:solidFill>
+                  <a:srgbClr val="1D8DB0"/>
+                </a:solidFill>
+              </a:rPr>
+              <a:t>, F. Van </a:t>
+            </a:r>
+            <a:r>
+              <a:rPr lang="nl-BE" sz="1200" dirty="0" err="1">
+                <a:solidFill>
+                  <a:srgbClr val="1D8DB0"/>
+                </a:solidFill>
+              </a:rPr>
+              <a:t>Eecke</a:t>
+            </a:r>
+            <a:r>
+              <a:rPr lang="nl-BE" sz="1200" dirty="0">
+                <a:solidFill>
+                  <a:srgbClr val="1D8DB0"/>
+                </a:solidFill>
+              </a:rPr>
+              <a:t> &amp; R. Vrielynck</a:t>
+            </a:r>
+          </a:p>
+        </p:txBody>
+      </p:sp>
+    </p:spTree>
+    <p:extLst>
+      <p:ext uri="{BB962C8B-B14F-4D97-AF65-F5344CB8AC3E}">
+        <p14:creationId xmlns:p14="http://schemas.microsoft.com/office/powerpoint/2010/main" val="3072033686"/>
+      </p:ext>
+    </p:extLst>
+  </p:cSld>
+  <p:clrMapOvr>
+    <a:masterClrMapping/>
+  </p:clrMapOvr>
+</p:sld>
+</file>
+
+<file path=ppt/slides/slide20.xml><?xml version="1.0" encoding="utf-8"?>
+<p:sld xmlns:a="http://schemas.openxmlformats.org/drawingml/2006/main" xmlns:r="http://schemas.openxmlformats.org/officeDocument/2006/relationships" xmlns:p="http://schemas.openxmlformats.org/presentationml/2006/main">
+  <p:cSld>
+    <p:spTree>
+      <p:nvGrpSpPr>
+        <p:cNvPr id="1" name=""/>
+        <p:cNvGrpSpPr/>
+        <p:nvPr/>
+      </p:nvGrpSpPr>
+      <p:grpSpPr>
+        <a:xfrm>
+          <a:off x="0" y="0"/>
+          <a:ext cx="0" cy="0"/>
+          <a:chOff x="0" y="0"/>
+          <a:chExt cx="0" cy="0"/>
+        </a:xfrm>
+      </p:grpSpPr>
+      <p:sp>
+        <p:nvSpPr>
           <p:cNvPr id="2" name="Tijdelijke aanduiding voor inhoud 1">
             <a:extLst>
               <a:ext uri="{FF2B5EF4-FFF2-40B4-BE49-F238E27FC236}">
@@ -8981,7 +12968,7 @@
           <a:p>
             <a:fld id="{0A297500-7527-634B-90F4-69D0994C32B4}" type="slidenum">
               <a:rPr lang="nl-NL" smtClean="0"/>
-              <a:t>15</a:t>
+              <a:t>20</a:t>
             </a:fld>
             <a:endParaRPr lang="nl-NL"/>
           </a:p>
@@ -9076,7 +13063,7 @@
 </p:sld>
 </file>
 
-<file path=ppt/slides/slide16.xml><?xml version="1.0" encoding="utf-8"?>
+<file path=ppt/slides/slide21.xml><?xml version="1.0" encoding="utf-8"?>
 <p:sld xmlns:a="http://schemas.openxmlformats.org/drawingml/2006/main" xmlns:r="http://schemas.openxmlformats.org/officeDocument/2006/relationships" xmlns:p="http://schemas.openxmlformats.org/presentationml/2006/main">
   <p:cSld>
     <p:spTree>
@@ -9345,7 +13332,7 @@
           <a:p>
             <a:fld id="{0A297500-7527-634B-90F4-69D0994C32B4}" type="slidenum">
               <a:rPr lang="nl-NL" smtClean="0"/>
-              <a:t>16</a:t>
+              <a:t>21</a:t>
             </a:fld>
             <a:endParaRPr lang="nl-NL"/>
           </a:p>
@@ -9396,7 +13383,7 @@
 </p:sld>
 </file>
 
-<file path=ppt/slides/slide17.xml><?xml version="1.0" encoding="utf-8"?>
+<file path=ppt/slides/slide22.xml><?xml version="1.0" encoding="utf-8"?>
 <p:sld xmlns:a="http://schemas.openxmlformats.org/drawingml/2006/main" xmlns:r="http://schemas.openxmlformats.org/officeDocument/2006/relationships" xmlns:p="http://schemas.openxmlformats.org/presentationml/2006/main">
   <p:cSld>
     <p:spTree>
@@ -9493,7 +13480,7 @@
           <a:p>
             <a:fld id="{0A297500-7527-634B-90F4-69D0994C32B4}" type="slidenum">
               <a:rPr lang="nl-NL" smtClean="0"/>
-              <a:t>17</a:t>
+              <a:t>22</a:t>
             </a:fld>
             <a:endParaRPr lang="nl-NL"/>
           </a:p>
@@ -9551,7 +13538,7 @@
 </p:sld>
 </file>
 
-<file path=ppt/slides/slide18.xml><?xml version="1.0" encoding="utf-8"?>
+<file path=ppt/slides/slide23.xml><?xml version="1.0" encoding="utf-8"?>
 <p:sld xmlns:a="http://schemas.openxmlformats.org/drawingml/2006/main" xmlns:r="http://schemas.openxmlformats.org/officeDocument/2006/relationships" xmlns:p="http://schemas.openxmlformats.org/presentationml/2006/main">
   <p:cSld>
     <p:spTree>
@@ -9957,7 +13944,7 @@
           <a:p>
             <a:fld id="{0A297500-7527-634B-90F4-69D0994C32B4}" type="slidenum">
               <a:rPr lang="nl-NL" smtClean="0"/>
-              <a:t>18</a:t>
+              <a:t>23</a:t>
             </a:fld>
             <a:endParaRPr lang="nl-NL"/>
           </a:p>
@@ -10025,7 +14012,7 @@
 </p:sld>
 </file>
 
-<file path=ppt/slides/slide19.xml><?xml version="1.0" encoding="utf-8"?>
+<file path=ppt/slides/slide24.xml><?xml version="1.0" encoding="utf-8"?>
 <p:sld xmlns:a="http://schemas.openxmlformats.org/drawingml/2006/main" xmlns:r="http://schemas.openxmlformats.org/officeDocument/2006/relationships" xmlns:p="http://schemas.openxmlformats.org/presentationml/2006/main">
   <p:cSld>
     <p:spTree>
@@ -10075,7 +14062,7 @@
                 </a:solidFill>
               </a:rPr>
               <a:pPr/>
-              <a:t>19</a:t>
+              <a:t>24</a:t>
             </a:fld>
             <a:r>
               <a:rPr lang="nl-NL" sz="1200" dirty="0">
@@ -11018,7 +15005,7 @@
 </p:sld>
 </file>
 
-<file path=ppt/slides/slide2.xml><?xml version="1.0" encoding="utf-8"?>
+<file path=ppt/slides/slide25.xml><?xml version="1.0" encoding="utf-8"?>
 <p:sld xmlns:a="http://schemas.openxmlformats.org/drawingml/2006/main" xmlns:r="http://schemas.openxmlformats.org/officeDocument/2006/relationships" xmlns:p="http://schemas.openxmlformats.org/presentationml/2006/main">
   <p:cSld>
     <p:spTree>
@@ -11037,300 +15024,6 @@
       </p:grpSpPr>
       <p:sp>
         <p:nvSpPr>
-          <p:cNvPr id="5" name="Titel 4">
-            <a:extLst>
-              <a:ext uri="{FF2B5EF4-FFF2-40B4-BE49-F238E27FC236}">
-                <a16:creationId xmlns:a16="http://schemas.microsoft.com/office/drawing/2014/main" id="{D63153C1-6CC0-48A1-8AE3-C32D7E9766D2}"/>
-              </a:ext>
-            </a:extLst>
-          </p:cNvPr>
-          <p:cNvSpPr>
-            <a:spLocks noGrp="1"/>
-          </p:cNvSpPr>
-          <p:nvPr>
-            <p:ph type="title"/>
-          </p:nvPr>
-        </p:nvSpPr>
-        <p:spPr>
-          <a:xfrm>
-            <a:off x="576003" y="410596"/>
-            <a:ext cx="8333999" cy="757800"/>
-          </a:xfrm>
-        </p:spPr>
-        <p:txBody>
-          <a:bodyPr/>
-          <a:lstStyle/>
-          <a:p>
-            <a:r>
-              <a:rPr lang="nl-BE" dirty="0" err="1"/>
-              <a:t>Outline</a:t>
-            </a:r>
-            <a:endParaRPr lang="nl-BE" dirty="0"/>
-          </a:p>
-        </p:txBody>
-      </p:sp>
-      <p:sp>
-        <p:nvSpPr>
-          <p:cNvPr id="6" name="Tijdelijke aanduiding voor tekst 5">
-            <a:extLst>
-              <a:ext uri="{FF2B5EF4-FFF2-40B4-BE49-F238E27FC236}">
-                <a16:creationId xmlns:a16="http://schemas.microsoft.com/office/drawing/2014/main" id="{79DB00FA-ACEC-471C-A04F-F78D53111CE0}"/>
-              </a:ext>
-            </a:extLst>
-          </p:cNvPr>
-          <p:cNvSpPr>
-            <a:spLocks noGrp="1"/>
-          </p:cNvSpPr>
-          <p:nvPr>
-            <p:ph type="body" idx="1"/>
-          </p:nvPr>
-        </p:nvSpPr>
-        <p:spPr>
-          <a:xfrm>
-            <a:off x="576002" y="1243222"/>
-            <a:ext cx="8333999" cy="4971147"/>
-          </a:xfrm>
-        </p:spPr>
-        <p:txBody>
-          <a:bodyPr>
-            <a:normAutofit/>
-          </a:bodyPr>
-          <a:lstStyle/>
-          <a:p>
-            <a:endParaRPr lang="nl-BE" dirty="0"/>
-          </a:p>
-          <a:p>
-            <a:r>
-              <a:rPr lang="nl-BE" dirty="0" err="1"/>
-              <a:t>Introduction</a:t>
-            </a:r>
-            <a:r>
-              <a:rPr lang="nl-BE" dirty="0"/>
-              <a:t>: </a:t>
-            </a:r>
-            <a:r>
-              <a:rPr lang="nl-BE" dirty="0" err="1"/>
-              <a:t>What</a:t>
-            </a:r>
-            <a:r>
-              <a:rPr lang="nl-BE" dirty="0"/>
-              <a:t> is </a:t>
-            </a:r>
-            <a:r>
-              <a:rPr lang="nl-BE" dirty="0" err="1"/>
-              <a:t>toxicity</a:t>
-            </a:r>
-            <a:r>
-              <a:rPr lang="nl-BE" dirty="0"/>
-              <a:t>?</a:t>
-            </a:r>
-          </a:p>
-          <a:p>
-            <a:endParaRPr lang="nl-BE" dirty="0"/>
-          </a:p>
-          <a:p>
-            <a:r>
-              <a:rPr lang="nl-BE" dirty="0"/>
-              <a:t>Parameters </a:t>
-            </a:r>
-            <a:r>
-              <a:rPr lang="nl-BE" dirty="0" err="1"/>
-              <a:t>influencing</a:t>
-            </a:r>
-            <a:r>
-              <a:rPr lang="nl-BE" dirty="0"/>
-              <a:t> </a:t>
-            </a:r>
-            <a:r>
-              <a:rPr lang="nl-BE" dirty="0" err="1"/>
-              <a:t>toxicity</a:t>
-            </a:r>
-            <a:endParaRPr lang="nl-BE" dirty="0"/>
-          </a:p>
-          <a:p>
-            <a:endParaRPr lang="nl-BE" dirty="0"/>
-          </a:p>
-          <a:p>
-            <a:r>
-              <a:rPr lang="nl-BE" dirty="0" err="1"/>
-              <a:t>Ways</a:t>
-            </a:r>
-            <a:r>
-              <a:rPr lang="nl-BE" dirty="0"/>
-              <a:t> of entry &amp; </a:t>
-            </a:r>
-            <a:r>
-              <a:rPr lang="nl-BE" dirty="0" err="1"/>
-              <a:t>translocation</a:t>
-            </a:r>
-            <a:endParaRPr lang="nl-BE" dirty="0"/>
-          </a:p>
-          <a:p>
-            <a:endParaRPr lang="nl-BE" dirty="0"/>
-          </a:p>
-          <a:p>
-            <a:endParaRPr lang="nl-BE" dirty="0"/>
-          </a:p>
-          <a:p>
-            <a:endParaRPr lang="nl-BE" dirty="0"/>
-          </a:p>
-          <a:p>
-            <a:endParaRPr lang="nl-BE" dirty="0"/>
-          </a:p>
-          <a:p>
-            <a:endParaRPr lang="nl-BE" dirty="0"/>
-          </a:p>
-        </p:txBody>
-      </p:sp>
-      <p:sp>
-        <p:nvSpPr>
-          <p:cNvPr id="24" name="Tijdelijke aanduiding voor dianummer 23">
-            <a:extLst>
-              <a:ext uri="{FF2B5EF4-FFF2-40B4-BE49-F238E27FC236}">
-                <a16:creationId xmlns:a16="http://schemas.microsoft.com/office/drawing/2014/main" id="{03BF1E8A-EE8F-482B-8B9B-1F699BC78618}"/>
-              </a:ext>
-            </a:extLst>
-          </p:cNvPr>
-          <p:cNvSpPr>
-            <a:spLocks noGrp="1"/>
-          </p:cNvSpPr>
-          <p:nvPr>
-            <p:ph type="sldNum" sz="quarter" idx="12"/>
-          </p:nvPr>
-        </p:nvSpPr>
-        <p:spPr>
-          <a:xfrm>
-            <a:off x="11544000" y="-126730"/>
-            <a:ext cx="648000" cy="648000"/>
-          </a:xfrm>
-        </p:spPr>
-        <p:txBody>
-          <a:bodyPr/>
-          <a:lstStyle/>
-          <a:p>
-            <a:fld id="{CF179DAE-D0A6-40C3-B8BC-6A97C268D03A}" type="slidenum">
-              <a:rPr lang="nl-NL" sz="1200" smtClean="0">
-                <a:solidFill>
-                  <a:srgbClr val="1D8DB0"/>
-                </a:solidFill>
-              </a:rPr>
-              <a:pPr/>
-              <a:t>2</a:t>
-            </a:fld>
-            <a:r>
-              <a:rPr lang="nl-NL" sz="1200" dirty="0">
-                <a:solidFill>
-                  <a:srgbClr val="1D8DB0"/>
-                </a:solidFill>
-              </a:rPr>
-              <a:t>/31</a:t>
-            </a:r>
-          </a:p>
-        </p:txBody>
-      </p:sp>
-      <p:sp>
-        <p:nvSpPr>
-          <p:cNvPr id="28" name="Tekstvak 27">
-            <a:extLst>
-              <a:ext uri="{FF2B5EF4-FFF2-40B4-BE49-F238E27FC236}">
-                <a16:creationId xmlns:a16="http://schemas.microsoft.com/office/drawing/2014/main" id="{737CD768-E77B-41B3-B812-6842D629316A}"/>
-              </a:ext>
-            </a:extLst>
-          </p:cNvPr>
-          <p:cNvSpPr txBox="1"/>
-          <p:nvPr/>
-        </p:nvSpPr>
-        <p:spPr>
-          <a:xfrm>
-            <a:off x="159798" y="58771"/>
-            <a:ext cx="5832629" cy="276999"/>
-          </a:xfrm>
-          <a:prstGeom prst="rect">
-            <a:avLst/>
-          </a:prstGeom>
-          <a:noFill/>
-        </p:spPr>
-        <p:txBody>
-          <a:bodyPr wrap="square" rtlCol="0">
-            <a:spAutoFit/>
-          </a:bodyPr>
-          <a:lstStyle/>
-          <a:p>
-            <a:r>
-              <a:rPr lang="nl-BE" sz="1200" dirty="0">
-                <a:solidFill>
-                  <a:srgbClr val="1D8DB0"/>
-                </a:solidFill>
-              </a:rPr>
-              <a:t>J. </a:t>
-            </a:r>
-            <a:r>
-              <a:rPr lang="nl-BE" sz="1200" dirty="0" err="1">
-                <a:solidFill>
-                  <a:srgbClr val="1D8DB0"/>
-                </a:solidFill>
-              </a:rPr>
-              <a:t>Neirynck</a:t>
-            </a:r>
-            <a:r>
-              <a:rPr lang="nl-BE" sz="1200" dirty="0">
-                <a:solidFill>
-                  <a:srgbClr val="1D8DB0"/>
-                </a:solidFill>
-              </a:rPr>
-              <a:t>, F. Van </a:t>
-            </a:r>
-            <a:r>
-              <a:rPr lang="nl-BE" sz="1200" dirty="0" err="1">
-                <a:solidFill>
-                  <a:srgbClr val="1D8DB0"/>
-                </a:solidFill>
-              </a:rPr>
-              <a:t>Eecke</a:t>
-            </a:r>
-            <a:r>
-              <a:rPr lang="nl-BE" sz="1200" dirty="0">
-                <a:solidFill>
-                  <a:srgbClr val="1D8DB0"/>
-                </a:solidFill>
-              </a:rPr>
-              <a:t> &amp; R. Vrielynck</a:t>
-            </a:r>
-          </a:p>
-        </p:txBody>
-      </p:sp>
-    </p:spTree>
-    <p:extLst>
-      <p:ext uri="{BB962C8B-B14F-4D97-AF65-F5344CB8AC3E}">
-        <p14:creationId xmlns:p14="http://schemas.microsoft.com/office/powerpoint/2010/main" val="3072033686"/>
-      </p:ext>
-    </p:extLst>
-  </p:cSld>
-  <p:clrMapOvr>
-    <a:masterClrMapping/>
-  </p:clrMapOvr>
-</p:sld>
-</file>
-
-<file path=ppt/slides/slide20.xml><?xml version="1.0" encoding="utf-8"?>
-<p:sld xmlns:a="http://schemas.openxmlformats.org/drawingml/2006/main" xmlns:r="http://schemas.openxmlformats.org/officeDocument/2006/relationships" xmlns:p="http://schemas.openxmlformats.org/presentationml/2006/main">
-  <p:cSld>
-    <p:spTree>
-      <p:nvGrpSpPr>
-        <p:cNvPr id="1" name=""/>
-        <p:cNvGrpSpPr/>
-        <p:nvPr/>
-      </p:nvGrpSpPr>
-      <p:grpSpPr>
-        <a:xfrm>
-          <a:off x="0" y="0"/>
-          <a:ext cx="0" cy="0"/>
-          <a:chOff x="0" y="0"/>
-          <a:chExt cx="0" cy="0"/>
-        </a:xfrm>
-      </p:grpSpPr>
-      <p:sp>
-        <p:nvSpPr>
           <p:cNvPr id="7" name="Tijdelijke aanduiding voor dianummer 23">
             <a:extLst>
               <a:ext uri="{FF2B5EF4-FFF2-40B4-BE49-F238E27FC236}">
@@ -11362,7 +15055,7 @@
                 </a:solidFill>
               </a:rPr>
               <a:pPr/>
-              <a:t>20</a:t>
+              <a:t>25</a:t>
             </a:fld>
             <a:r>
               <a:rPr lang="nl-NL" sz="1200" dirty="0">
@@ -13968,41 +17661,6 @@
       </p:sp>
       <p:sp>
         <p:nvSpPr>
-          <p:cNvPr id="8" name="Tijdelijke aanduiding voor inhoud 1">
-            <a:extLst>
-              <a:ext uri="{FF2B5EF4-FFF2-40B4-BE49-F238E27FC236}">
-                <a16:creationId xmlns:a16="http://schemas.microsoft.com/office/drawing/2014/main" id="{FD48FE27-13D3-407C-9CF5-D7CAC1400D54}"/>
-              </a:ext>
-            </a:extLst>
-          </p:cNvPr>
-          <p:cNvSpPr>
-            <a:spLocks noGrp="1"/>
-          </p:cNvSpPr>
-          <p:nvPr>
-            <p:ph idx="1"/>
-          </p:nvPr>
-        </p:nvSpPr>
-        <p:spPr>
-          <a:xfrm>
-            <a:off x="576000" y="1656000"/>
-            <a:ext cx="11041200" cy="4043464"/>
-          </a:xfrm>
-        </p:spPr>
-        <p:txBody>
-          <a:bodyPr>
-            <a:normAutofit/>
-          </a:bodyPr>
-          <a:lstStyle/>
-          <a:p>
-            <a:pPr marL="0" indent="0">
-              <a:buNone/>
-            </a:pPr>
-            <a:endParaRPr lang="nl-BE" sz="2000" dirty="0"/>
-          </a:p>
-        </p:txBody>
-      </p:sp>
-      <p:sp>
-        <p:nvSpPr>
           <p:cNvPr id="10" name="Tekstvak 9">
             <a:extLst>
               <a:ext uri="{FF2B5EF4-FFF2-40B4-BE49-F238E27FC236}">
@@ -14169,104 +17827,6 @@
       </p:sp>
       <p:sp>
         <p:nvSpPr>
-          <p:cNvPr id="2" name="Rechthoek 1">
-            <a:extLst>
-              <a:ext uri="{FF2B5EF4-FFF2-40B4-BE49-F238E27FC236}">
-                <a16:creationId xmlns:a16="http://schemas.microsoft.com/office/drawing/2014/main" id="{F6652C73-BF51-4D91-98AD-EC4DC42C6201}"/>
-              </a:ext>
-            </a:extLst>
-          </p:cNvPr>
-          <p:cNvSpPr/>
-          <p:nvPr/>
-        </p:nvSpPr>
-        <p:spPr>
-          <a:xfrm>
-            <a:off x="699911" y="1772356"/>
-            <a:ext cx="5292516" cy="620888"/>
-          </a:xfrm>
-          <a:prstGeom prst="rect">
-            <a:avLst/>
-          </a:prstGeom>
-        </p:spPr>
-        <p:style>
-          <a:lnRef idx="2">
-            <a:schemeClr val="dk1">
-              <a:shade val="50000"/>
-            </a:schemeClr>
-          </a:lnRef>
-          <a:fillRef idx="1">
-            <a:schemeClr val="dk1"/>
-          </a:fillRef>
-          <a:effectRef idx="0">
-            <a:schemeClr val="dk1"/>
-          </a:effectRef>
-          <a:fontRef idx="minor">
-            <a:schemeClr val="lt1"/>
-          </a:fontRef>
-        </p:style>
-        <p:txBody>
-          <a:bodyPr rtlCol="0" anchor="ctr"/>
-          <a:lstStyle/>
-          <a:p>
-            <a:pPr algn="ctr"/>
-            <a:r>
-              <a:rPr lang="nl-BE" sz="2400" b="1" dirty="0"/>
-              <a:t>SHORT-TERM ROUTES</a:t>
-            </a:r>
-          </a:p>
-        </p:txBody>
-      </p:sp>
-      <p:sp>
-        <p:nvSpPr>
-          <p:cNvPr id="12" name="Rechthoek 11">
-            <a:extLst>
-              <a:ext uri="{FF2B5EF4-FFF2-40B4-BE49-F238E27FC236}">
-                <a16:creationId xmlns:a16="http://schemas.microsoft.com/office/drawing/2014/main" id="{EC0FAB35-27EA-428A-AC16-AF6E5498359F}"/>
-              </a:ext>
-            </a:extLst>
-          </p:cNvPr>
-          <p:cNvSpPr/>
-          <p:nvPr/>
-        </p:nvSpPr>
-        <p:spPr>
-          <a:xfrm>
-            <a:off x="6199575" y="1772356"/>
-            <a:ext cx="5292516" cy="620888"/>
-          </a:xfrm>
-          <a:prstGeom prst="rect">
-            <a:avLst/>
-          </a:prstGeom>
-        </p:spPr>
-        <p:style>
-          <a:lnRef idx="2">
-            <a:schemeClr val="dk1">
-              <a:shade val="50000"/>
-            </a:schemeClr>
-          </a:lnRef>
-          <a:fillRef idx="1">
-            <a:schemeClr val="dk1"/>
-          </a:fillRef>
-          <a:effectRef idx="0">
-            <a:schemeClr val="dk1"/>
-          </a:effectRef>
-          <a:fontRef idx="minor">
-            <a:schemeClr val="lt1"/>
-          </a:fontRef>
-        </p:style>
-        <p:txBody>
-          <a:bodyPr rtlCol="0" anchor="ctr"/>
-          <a:lstStyle/>
-          <a:p>
-            <a:pPr algn="ctr"/>
-            <a:r>
-              <a:rPr lang="nl-BE" sz="2400" b="1" dirty="0"/>
-              <a:t>LONG-TERM ROUTES</a:t>
-            </a:r>
-          </a:p>
-        </p:txBody>
-      </p:sp>
-      <p:sp>
-        <p:nvSpPr>
           <p:cNvPr id="3" name="Rechthoek 2">
             <a:extLst>
               <a:ext uri="{FF2B5EF4-FFF2-40B4-BE49-F238E27FC236}">
@@ -14279,8 +17839,8 @@
         </p:nvSpPr>
         <p:spPr>
           <a:xfrm>
-            <a:off x="699911" y="2517422"/>
-            <a:ext cx="5292516" cy="2684578"/>
+            <a:off x="1162756" y="2283699"/>
+            <a:ext cx="4007336" cy="2290601"/>
           </a:xfrm>
           <a:prstGeom prst="rect">
             <a:avLst/>
@@ -14345,8 +17905,21 @@
                   <a:srgbClr val="2F4D5D"/>
                 </a:solidFill>
               </a:rPr>
-              <a:t>Skin contact</a:t>
-            </a:r>
+              <a:t>Oral </a:t>
+            </a:r>
+            <a:r>
+              <a:rPr lang="nl-BE" sz="2000" dirty="0" err="1">
+                <a:solidFill>
+                  <a:srgbClr val="2F4D5D"/>
+                </a:solidFill>
+              </a:rPr>
+              <a:t>ingestion</a:t>
+            </a:r>
+            <a:endParaRPr lang="nl-BE" sz="2000" dirty="0">
+              <a:solidFill>
+                <a:srgbClr val="2F4D5D"/>
+              </a:solidFill>
+            </a:endParaRPr>
           </a:p>
           <a:p>
             <a:pPr algn="ctr"/>
@@ -14364,15 +17937,7 @@
                   <a:srgbClr val="2F4D5D"/>
                 </a:solidFill>
               </a:rPr>
-              <a:t>Oral </a:t>
-            </a:r>
-            <a:r>
-              <a:rPr lang="nl-BE" sz="2000" dirty="0" err="1">
-                <a:solidFill>
-                  <a:srgbClr val="2F4D5D"/>
-                </a:solidFill>
-              </a:rPr>
-              <a:t>ingestion</a:t>
+              <a:t>Skin contact</a:t>
             </a:r>
             <a:endParaRPr lang="nl-BE" sz="2400" dirty="0">
               <a:solidFill>
@@ -14382,12 +17947,503 @@
           </a:p>
         </p:txBody>
       </p:sp>
-      <p:sp>
-        <p:nvSpPr>
-          <p:cNvPr id="13" name="Rechthoek 12">
+      <p:pic>
+        <p:nvPicPr>
+          <p:cNvPr id="1026" name="Picture 2" descr="Afbeeldingsresultaat voor human body">
             <a:extLst>
               <a:ext uri="{FF2B5EF4-FFF2-40B4-BE49-F238E27FC236}">
-                <a16:creationId xmlns:a16="http://schemas.microsoft.com/office/drawing/2014/main" id="{A7E5FAFD-813C-4E68-8239-075464870DF7}"/>
+                <a16:creationId xmlns:a16="http://schemas.microsoft.com/office/drawing/2014/main" id="{772AA3BB-EB46-4719-9719-E8FDB5E2839A}"/>
+              </a:ext>
+            </a:extLst>
+          </p:cNvPr>
+          <p:cNvPicPr>
+            <a:picLocks noChangeAspect="1" noChangeArrowheads="1"/>
+          </p:cNvPicPr>
+          <p:nvPr/>
+        </p:nvPicPr>
+        <p:blipFill rotWithShape="1">
+          <a:blip r:embed="rId3">
+            <a:extLst>
+              <a:ext uri="{28A0092B-C50C-407E-A947-70E740481C1C}">
+                <a14:useLocalDpi xmlns:a14="http://schemas.microsoft.com/office/drawing/2010/main" val="0"/>
+              </a:ext>
+            </a:extLst>
+          </a:blip>
+          <a:srcRect t="3691" b="1801"/>
+          <a:stretch/>
+        </p:blipFill>
+        <p:spPr bwMode="auto">
+          <a:xfrm>
+            <a:off x="5482639" y="1268192"/>
+            <a:ext cx="6709361" cy="4929409"/>
+          </a:xfrm>
+          <a:prstGeom prst="rect">
+            <a:avLst/>
+          </a:prstGeom>
+          <a:noFill/>
+          <a:extLst>
+            <a:ext uri="{909E8E84-426E-40DD-AFC4-6F175D3DCCD1}">
+              <a14:hiddenFill xmlns:a14="http://schemas.microsoft.com/office/drawing/2010/main">
+                <a:solidFill>
+                  <a:srgbClr val="FFFFFF"/>
+                </a:solidFill>
+              </a14:hiddenFill>
+            </a:ext>
+          </a:extLst>
+        </p:spPr>
+      </p:pic>
+      <p:cxnSp>
+        <p:nvCxnSpPr>
+          <p:cNvPr id="14" name="Rechte verbindingslijn 13">
+            <a:extLst>
+              <a:ext uri="{FF2B5EF4-FFF2-40B4-BE49-F238E27FC236}">
+                <a16:creationId xmlns:a16="http://schemas.microsoft.com/office/drawing/2014/main" id="{0800D068-F31C-4F44-BA2F-B4ECC6E66916}"/>
+              </a:ext>
+            </a:extLst>
+          </p:cNvPr>
+          <p:cNvCxnSpPr/>
+          <p:nvPr/>
+        </p:nvCxnSpPr>
+        <p:spPr>
+          <a:xfrm flipV="1">
+            <a:off x="5170092" y="2146023"/>
+            <a:ext cx="3667227" cy="663282"/>
+          </a:xfrm>
+          <a:prstGeom prst="line">
+            <a:avLst/>
+          </a:prstGeom>
+        </p:spPr>
+        <p:style>
+          <a:lnRef idx="1">
+            <a:schemeClr val="dk1"/>
+          </a:lnRef>
+          <a:fillRef idx="0">
+            <a:schemeClr val="dk1"/>
+          </a:fillRef>
+          <a:effectRef idx="0">
+            <a:schemeClr val="dk1"/>
+          </a:effectRef>
+          <a:fontRef idx="minor">
+            <a:schemeClr val="tx1"/>
+          </a:fontRef>
+        </p:style>
+      </p:cxnSp>
+      <p:cxnSp>
+        <p:nvCxnSpPr>
+          <p:cNvPr id="18" name="Rechte verbindingslijn 17">
+            <a:extLst>
+              <a:ext uri="{FF2B5EF4-FFF2-40B4-BE49-F238E27FC236}">
+                <a16:creationId xmlns:a16="http://schemas.microsoft.com/office/drawing/2014/main" id="{AE8A43CC-E1AB-4B3C-8473-6BEEAE8F7343}"/>
+              </a:ext>
+            </a:extLst>
+          </p:cNvPr>
+          <p:cNvCxnSpPr>
+            <a:cxnSpLocks/>
+          </p:cNvCxnSpPr>
+          <p:nvPr/>
+        </p:nvCxnSpPr>
+        <p:spPr>
+          <a:xfrm flipV="1">
+            <a:off x="5170092" y="2235998"/>
+            <a:ext cx="3793286" cy="1203156"/>
+          </a:xfrm>
+          <a:prstGeom prst="line">
+            <a:avLst/>
+          </a:prstGeom>
+        </p:spPr>
+        <p:style>
+          <a:lnRef idx="1">
+            <a:schemeClr val="dk1"/>
+          </a:lnRef>
+          <a:fillRef idx="0">
+            <a:schemeClr val="dk1"/>
+          </a:fillRef>
+          <a:effectRef idx="0">
+            <a:schemeClr val="dk1"/>
+          </a:effectRef>
+          <a:fontRef idx="minor">
+            <a:schemeClr val="tx1"/>
+          </a:fontRef>
+        </p:style>
+      </p:cxnSp>
+      <p:cxnSp>
+        <p:nvCxnSpPr>
+          <p:cNvPr id="22" name="Rechte verbindingslijn 21">
+            <a:extLst>
+              <a:ext uri="{FF2B5EF4-FFF2-40B4-BE49-F238E27FC236}">
+                <a16:creationId xmlns:a16="http://schemas.microsoft.com/office/drawing/2014/main" id="{3FF3BD87-0130-4FDC-A74A-23DEA394C2E4}"/>
+              </a:ext>
+            </a:extLst>
+          </p:cNvPr>
+          <p:cNvCxnSpPr/>
+          <p:nvPr/>
+        </p:nvCxnSpPr>
+        <p:spPr>
+          <a:xfrm flipV="1">
+            <a:off x="5170092" y="3680178"/>
+            <a:ext cx="2664397" cy="368518"/>
+          </a:xfrm>
+          <a:prstGeom prst="line">
+            <a:avLst/>
+          </a:prstGeom>
+        </p:spPr>
+        <p:style>
+          <a:lnRef idx="1">
+            <a:schemeClr val="dk1"/>
+          </a:lnRef>
+          <a:fillRef idx="0">
+            <a:schemeClr val="dk1"/>
+          </a:fillRef>
+          <a:effectRef idx="0">
+            <a:schemeClr val="dk1"/>
+          </a:effectRef>
+          <a:fontRef idx="minor">
+            <a:schemeClr val="tx1"/>
+          </a:fontRef>
+        </p:style>
+      </p:cxnSp>
+    </p:spTree>
+    <p:extLst>
+      <p:ext uri="{BB962C8B-B14F-4D97-AF65-F5344CB8AC3E}">
+        <p14:creationId xmlns:p14="http://schemas.microsoft.com/office/powerpoint/2010/main" val="2287604197"/>
+      </p:ext>
+    </p:extLst>
+  </p:cSld>
+  <p:clrMapOvr>
+    <a:masterClrMapping/>
+  </p:clrMapOvr>
+</p:sld>
+</file>
+
+<file path=ppt/slides/slide7.xml><?xml version="1.0" encoding="utf-8"?>
+<p:sld xmlns:a="http://schemas.openxmlformats.org/drawingml/2006/main" xmlns:r="http://schemas.openxmlformats.org/officeDocument/2006/relationships" xmlns:p="http://schemas.openxmlformats.org/presentationml/2006/main">
+  <p:cSld>
+    <p:spTree>
+      <p:nvGrpSpPr>
+        <p:cNvPr id="1" name=""/>
+        <p:cNvGrpSpPr/>
+        <p:nvPr/>
+      </p:nvGrpSpPr>
+      <p:grpSpPr>
+        <a:xfrm>
+          <a:off x="0" y="0"/>
+          <a:ext cx="0" cy="0"/>
+          <a:chOff x="0" y="0"/>
+          <a:chExt cx="0" cy="0"/>
+        </a:xfrm>
+      </p:grpSpPr>
+      <p:sp>
+        <p:nvSpPr>
+          <p:cNvPr id="7" name="Tijdelijke aanduiding voor dianummer 23">
+            <a:extLst>
+              <a:ext uri="{FF2B5EF4-FFF2-40B4-BE49-F238E27FC236}">
+                <a16:creationId xmlns:a16="http://schemas.microsoft.com/office/drawing/2014/main" id="{E7BA9955-551E-4B72-9196-84FDFE87439B}"/>
+              </a:ext>
+            </a:extLst>
+          </p:cNvPr>
+          <p:cNvSpPr>
+            <a:spLocks noGrp="1"/>
+          </p:cNvSpPr>
+          <p:nvPr>
+            <p:ph type="sldNum" sz="quarter" idx="12"/>
+          </p:nvPr>
+        </p:nvSpPr>
+        <p:spPr>
+          <a:xfrm>
+            <a:off x="11544000" y="-126730"/>
+            <a:ext cx="648000" cy="648000"/>
+          </a:xfrm>
+        </p:spPr>
+        <p:txBody>
+          <a:bodyPr/>
+          <a:lstStyle/>
+          <a:p>
+            <a:fld id="{CF179DAE-D0A6-40C3-B8BC-6A97C268D03A}" type="slidenum">
+              <a:rPr lang="nl-NL" sz="1200" smtClean="0">
+                <a:solidFill>
+                  <a:srgbClr val="1D8DB0"/>
+                </a:solidFill>
+              </a:rPr>
+              <a:pPr/>
+              <a:t>7</a:t>
+            </a:fld>
+            <a:r>
+              <a:rPr lang="nl-NL" sz="1200" dirty="0">
+                <a:solidFill>
+                  <a:srgbClr val="1D8DB0"/>
+                </a:solidFill>
+              </a:rPr>
+              <a:t>/31</a:t>
+            </a:r>
+          </a:p>
+        </p:txBody>
+      </p:sp>
+      <p:sp>
+        <p:nvSpPr>
+          <p:cNvPr id="9" name="Titel 4">
+            <a:extLst>
+              <a:ext uri="{FF2B5EF4-FFF2-40B4-BE49-F238E27FC236}">
+                <a16:creationId xmlns:a16="http://schemas.microsoft.com/office/drawing/2014/main" id="{32C054A8-9043-41C9-BA29-6C11E3B87A6D}"/>
+              </a:ext>
+            </a:extLst>
+          </p:cNvPr>
+          <p:cNvSpPr>
+            <a:spLocks noGrp="1"/>
+          </p:cNvSpPr>
+          <p:nvPr>
+            <p:ph type="title"/>
+          </p:nvPr>
+        </p:nvSpPr>
+        <p:spPr>
+          <a:xfrm>
+            <a:off x="576263" y="336550"/>
+            <a:ext cx="11041062" cy="1152525"/>
+          </a:xfrm>
+        </p:spPr>
+        <p:txBody>
+          <a:bodyPr/>
+          <a:lstStyle/>
+          <a:p>
+            <a:r>
+              <a:rPr lang="nl-BE" dirty="0"/>
+              <a:t>Tests </a:t>
+            </a:r>
+            <a:r>
+              <a:rPr lang="nl-BE" dirty="0" err="1"/>
+              <a:t>for</a:t>
+            </a:r>
+            <a:r>
+              <a:rPr lang="nl-BE" dirty="0"/>
+              <a:t> </a:t>
+            </a:r>
+            <a:r>
+              <a:rPr lang="nl-BE" dirty="0" err="1"/>
+              <a:t>toxicity</a:t>
+            </a:r>
+            <a:endParaRPr lang="nl-BE" dirty="0"/>
+          </a:p>
+        </p:txBody>
+      </p:sp>
+      <p:sp>
+        <p:nvSpPr>
+          <p:cNvPr id="8" name="Tijdelijke aanduiding voor inhoud 1">
+            <a:extLst>
+              <a:ext uri="{FF2B5EF4-FFF2-40B4-BE49-F238E27FC236}">
+                <a16:creationId xmlns:a16="http://schemas.microsoft.com/office/drawing/2014/main" id="{FD48FE27-13D3-407C-9CF5-D7CAC1400D54}"/>
+              </a:ext>
+            </a:extLst>
+          </p:cNvPr>
+          <p:cNvSpPr>
+            <a:spLocks noGrp="1"/>
+          </p:cNvSpPr>
+          <p:nvPr>
+            <p:ph idx="1"/>
+          </p:nvPr>
+        </p:nvSpPr>
+        <p:spPr>
+          <a:xfrm>
+            <a:off x="576000" y="1656000"/>
+            <a:ext cx="11041200" cy="4043464"/>
+          </a:xfrm>
+        </p:spPr>
+        <p:txBody>
+          <a:bodyPr>
+            <a:normAutofit/>
+          </a:bodyPr>
+          <a:lstStyle/>
+          <a:p>
+            <a:pPr marL="0" indent="0">
+              <a:buNone/>
+            </a:pPr>
+            <a:r>
+              <a:rPr lang="nl-BE" sz="2000" b="1" dirty="0" err="1"/>
+              <a:t>Measurement</a:t>
+            </a:r>
+            <a:r>
+              <a:rPr lang="nl-BE" sz="2000" b="1" dirty="0"/>
+              <a:t> parameters:</a:t>
+            </a:r>
+          </a:p>
+          <a:p>
+            <a:pPr marL="0" indent="0">
+              <a:buNone/>
+            </a:pPr>
+            <a:endParaRPr lang="nl-BE" sz="2000" dirty="0"/>
+          </a:p>
+        </p:txBody>
+      </p:sp>
+      <p:sp>
+        <p:nvSpPr>
+          <p:cNvPr id="10" name="Tekstvak 9">
+            <a:extLst>
+              <a:ext uri="{FF2B5EF4-FFF2-40B4-BE49-F238E27FC236}">
+                <a16:creationId xmlns:a16="http://schemas.microsoft.com/office/drawing/2014/main" id="{F9AF6A87-507F-4E2E-8A2A-840080D13776}"/>
+              </a:ext>
+            </a:extLst>
+          </p:cNvPr>
+          <p:cNvSpPr txBox="1"/>
+          <p:nvPr/>
+        </p:nvSpPr>
+        <p:spPr>
+          <a:xfrm>
+            <a:off x="159798" y="58771"/>
+            <a:ext cx="5832629" cy="276999"/>
+          </a:xfrm>
+          <a:prstGeom prst="rect">
+            <a:avLst/>
+          </a:prstGeom>
+          <a:noFill/>
+        </p:spPr>
+        <p:txBody>
+          <a:bodyPr wrap="square" rtlCol="0">
+            <a:spAutoFit/>
+          </a:bodyPr>
+          <a:lstStyle/>
+          <a:p>
+            <a:r>
+              <a:rPr lang="nl-BE" sz="1200" dirty="0">
+                <a:solidFill>
+                  <a:srgbClr val="1D8DB0"/>
+                </a:solidFill>
+              </a:rPr>
+              <a:t>J. </a:t>
+            </a:r>
+            <a:r>
+              <a:rPr lang="nl-BE" sz="1200" dirty="0" err="1">
+                <a:solidFill>
+                  <a:srgbClr val="1D8DB0"/>
+                </a:solidFill>
+              </a:rPr>
+              <a:t>Neirynck</a:t>
+            </a:r>
+            <a:r>
+              <a:rPr lang="nl-BE" sz="1200" dirty="0">
+                <a:solidFill>
+                  <a:srgbClr val="1D8DB0"/>
+                </a:solidFill>
+              </a:rPr>
+              <a:t>, F. Van </a:t>
+            </a:r>
+            <a:r>
+              <a:rPr lang="nl-BE" sz="1200" dirty="0" err="1">
+                <a:solidFill>
+                  <a:srgbClr val="1D8DB0"/>
+                </a:solidFill>
+              </a:rPr>
+              <a:t>Eecke</a:t>
+            </a:r>
+            <a:r>
+              <a:rPr lang="nl-BE" sz="1200" dirty="0">
+                <a:solidFill>
+                  <a:srgbClr val="1D8DB0"/>
+                </a:solidFill>
+              </a:rPr>
+              <a:t> &amp; R. Vrielynck</a:t>
+            </a:r>
+          </a:p>
+        </p:txBody>
+      </p:sp>
+      <p:sp>
+        <p:nvSpPr>
+          <p:cNvPr id="11" name="Tekstvak 10">
+            <a:extLst>
+              <a:ext uri="{FF2B5EF4-FFF2-40B4-BE49-F238E27FC236}">
+                <a16:creationId xmlns:a16="http://schemas.microsoft.com/office/drawing/2014/main" id="{02C83A39-3DA1-4516-B834-3C3D5F8552F0}"/>
+              </a:ext>
+            </a:extLst>
+          </p:cNvPr>
+          <p:cNvSpPr txBox="1"/>
+          <p:nvPr/>
+        </p:nvSpPr>
+        <p:spPr>
+          <a:xfrm>
+            <a:off x="576000" y="6356412"/>
+            <a:ext cx="10351364" cy="315471"/>
+          </a:xfrm>
+          <a:prstGeom prst="rect">
+            <a:avLst/>
+          </a:prstGeom>
+          <a:noFill/>
+        </p:spPr>
+        <p:txBody>
+          <a:bodyPr wrap="square" rtlCol="0">
+            <a:spAutoFit/>
+          </a:bodyPr>
+          <a:lstStyle/>
+          <a:p>
+            <a:r>
+              <a:rPr lang="nl-BE" sz="1450" dirty="0" err="1">
+                <a:solidFill>
+                  <a:schemeClr val="bg1"/>
+                </a:solidFill>
+              </a:rPr>
+              <a:t>Introduction</a:t>
+            </a:r>
+            <a:r>
+              <a:rPr lang="nl-BE" sz="1450" dirty="0">
+                <a:solidFill>
+                  <a:schemeClr val="bg1"/>
+                </a:solidFill>
+              </a:rPr>
+              <a:t>	</a:t>
+            </a:r>
+            <a:r>
+              <a:rPr lang="nl-BE" sz="1450" b="1" dirty="0">
+                <a:solidFill>
+                  <a:schemeClr val="bg1"/>
+                </a:solidFill>
+              </a:rPr>
+              <a:t>	Framework</a:t>
+            </a:r>
+            <a:r>
+              <a:rPr lang="nl-BE" sz="1450" dirty="0">
+                <a:solidFill>
+                  <a:schemeClr val="bg1"/>
+                </a:solidFill>
+              </a:rPr>
+              <a:t>		</a:t>
+            </a:r>
+            <a:r>
+              <a:rPr lang="nl-BE" sz="1450" dirty="0" err="1">
+                <a:solidFill>
+                  <a:schemeClr val="bg1"/>
+                </a:solidFill>
+              </a:rPr>
+              <a:t>Techniques</a:t>
+            </a:r>
+            <a:r>
+              <a:rPr lang="nl-BE" sz="1450" dirty="0">
+                <a:solidFill>
+                  <a:schemeClr val="bg1"/>
+                </a:solidFill>
+              </a:rPr>
+              <a:t> &amp; </a:t>
+            </a:r>
+            <a:r>
+              <a:rPr lang="nl-BE" sz="1450" dirty="0" err="1">
+                <a:solidFill>
+                  <a:schemeClr val="bg1"/>
+                </a:solidFill>
+              </a:rPr>
+              <a:t>Results</a:t>
+            </a:r>
+            <a:r>
+              <a:rPr lang="nl-BE" sz="1450" dirty="0">
+                <a:solidFill>
+                  <a:schemeClr val="bg1"/>
+                </a:solidFill>
+              </a:rPr>
+              <a:t>			Summary</a:t>
+            </a:r>
+          </a:p>
+        </p:txBody>
+      </p:sp>
+      <p:sp>
+        <p:nvSpPr>
+          <p:cNvPr id="2" name="Rechthoek: afgeronde hoeken 1">
+            <a:extLst>
+              <a:ext uri="{FF2B5EF4-FFF2-40B4-BE49-F238E27FC236}">
+                <a16:creationId xmlns:a16="http://schemas.microsoft.com/office/drawing/2014/main" id="{BE28EEE1-DA8B-4BAC-BFA8-2E6178196BDE}"/>
               </a:ext>
             </a:extLst>
           </p:cNvPr>
@@ -14396,20 +18452,16 @@
         </p:nvSpPr>
         <p:spPr>
           <a:xfrm>
-            <a:off x="6199573" y="2517422"/>
-            <a:ext cx="5292516" cy="2684578"/>
+            <a:off x="1004711" y="2246489"/>
+            <a:ext cx="4730045" cy="1478844"/>
           </a:xfrm>
-          <a:prstGeom prst="rect">
+          <a:prstGeom prst="roundRect">
             <a:avLst/>
           </a:prstGeom>
           <a:solidFill>
             <a:schemeClr val="bg2"/>
           </a:solidFill>
-          <a:ln>
-            <a:solidFill>
-              <a:schemeClr val="bg2"/>
-            </a:solidFill>
-          </a:ln>
+          <a:ln w="28575"/>
         </p:spPr>
         <p:style>
           <a:lnRef idx="2">
@@ -14433,12 +18485,222 @@
           <a:p>
             <a:pPr algn="ctr"/>
             <a:r>
+              <a:rPr lang="nl-BE" sz="2000" b="1" dirty="0" err="1">
+                <a:solidFill>
+                  <a:srgbClr val="2F4D5D"/>
+                </a:solidFill>
+              </a:rPr>
+              <a:t>duration</a:t>
+            </a:r>
+            <a:r>
+              <a:rPr lang="nl-BE" sz="2000" b="1" dirty="0">
+                <a:solidFill>
+                  <a:srgbClr val="2F4D5D"/>
+                </a:solidFill>
+              </a:rPr>
+              <a:t> &amp; route</a:t>
+            </a:r>
+          </a:p>
+          <a:p>
+            <a:pPr algn="ctr"/>
+            <a:r>
+              <a:rPr lang="nl-BE" sz="2000" dirty="0">
+                <a:solidFill>
+                  <a:srgbClr val="2F4D5D"/>
+                </a:solidFill>
+              </a:rPr>
+              <a:t>of exposure</a:t>
+            </a:r>
+          </a:p>
+        </p:txBody>
+      </p:sp>
+      <p:sp>
+        <p:nvSpPr>
+          <p:cNvPr id="12" name="Rechthoek: afgeronde hoeken 11">
+            <a:extLst>
+              <a:ext uri="{FF2B5EF4-FFF2-40B4-BE49-F238E27FC236}">
+                <a16:creationId xmlns:a16="http://schemas.microsoft.com/office/drawing/2014/main" id="{31731E15-2006-410A-A829-55CCA84D8285}"/>
+              </a:ext>
+            </a:extLst>
+          </p:cNvPr>
+          <p:cNvSpPr/>
+          <p:nvPr/>
+        </p:nvSpPr>
+        <p:spPr>
+          <a:xfrm>
+            <a:off x="6457244" y="2246489"/>
+            <a:ext cx="4730045" cy="1478844"/>
+          </a:xfrm>
+          <a:prstGeom prst="roundRect">
+            <a:avLst/>
+          </a:prstGeom>
+          <a:solidFill>
+            <a:schemeClr val="bg2"/>
+          </a:solidFill>
+          <a:ln w="28575"/>
+        </p:spPr>
+        <p:style>
+          <a:lnRef idx="2">
+            <a:schemeClr val="accent1">
+              <a:shade val="50000"/>
+            </a:schemeClr>
+          </a:lnRef>
+          <a:fillRef idx="1">
+            <a:schemeClr val="accent1"/>
+          </a:fillRef>
+          <a:effectRef idx="0">
+            <a:schemeClr val="accent1"/>
+          </a:effectRef>
+          <a:fontRef idx="minor">
+            <a:schemeClr val="lt1"/>
+          </a:fontRef>
+        </p:style>
+        <p:txBody>
+          <a:bodyPr rtlCol="0" anchor="ctr"/>
+          <a:lstStyle/>
+          <a:p>
+            <a:pPr algn="ctr"/>
+            <a:r>
+              <a:rPr lang="nl-BE" sz="2000" b="1" dirty="0" err="1">
+                <a:solidFill>
+                  <a:srgbClr val="2F4D5D"/>
+                </a:solidFill>
+              </a:rPr>
+              <a:t>dosage</a:t>
+            </a:r>
+            <a:r>
+              <a:rPr lang="nl-BE" sz="2000" b="1" dirty="0">
+                <a:solidFill>
+                  <a:srgbClr val="2F4D5D"/>
+                </a:solidFill>
+              </a:rPr>
+              <a:t> &amp; </a:t>
+            </a:r>
+            <a:r>
+              <a:rPr lang="nl-BE" sz="2000" b="1" dirty="0" err="1">
+                <a:solidFill>
+                  <a:srgbClr val="2F4D5D"/>
+                </a:solidFill>
+              </a:rPr>
+              <a:t>composition</a:t>
+            </a:r>
+            <a:endParaRPr lang="nl-BE" sz="2000" b="1" dirty="0">
+              <a:solidFill>
+                <a:srgbClr val="2F4D5D"/>
+              </a:solidFill>
+            </a:endParaRPr>
+          </a:p>
+          <a:p>
+            <a:pPr algn="ctr"/>
+            <a:r>
+              <a:rPr lang="nl-BE" sz="2000" dirty="0">
+                <a:solidFill>
+                  <a:srgbClr val="2F4D5D"/>
+                </a:solidFill>
+              </a:rPr>
+              <a:t>of test </a:t>
+            </a:r>
+            <a:r>
               <a:rPr lang="nl-BE" sz="2000" dirty="0" err="1">
                 <a:solidFill>
                   <a:srgbClr val="2F4D5D"/>
                 </a:solidFill>
               </a:rPr>
-              <a:t>Biodegradation</a:t>
+              <a:t>material</a:t>
+            </a:r>
+            <a:endParaRPr lang="nl-BE" sz="2000" dirty="0">
+              <a:solidFill>
+                <a:srgbClr val="2F4D5D"/>
+              </a:solidFill>
+            </a:endParaRPr>
+          </a:p>
+        </p:txBody>
+      </p:sp>
+      <p:sp>
+        <p:nvSpPr>
+          <p:cNvPr id="13" name="Rechthoek: afgeronde hoeken 12">
+            <a:extLst>
+              <a:ext uri="{FF2B5EF4-FFF2-40B4-BE49-F238E27FC236}">
+                <a16:creationId xmlns:a16="http://schemas.microsoft.com/office/drawing/2014/main" id="{8D70946D-FAC8-48F3-B7F3-98B3A3E66912}"/>
+              </a:ext>
+            </a:extLst>
+          </p:cNvPr>
+          <p:cNvSpPr/>
+          <p:nvPr/>
+        </p:nvSpPr>
+        <p:spPr>
+          <a:xfrm>
+            <a:off x="1004710" y="3825505"/>
+            <a:ext cx="4730045" cy="1478844"/>
+          </a:xfrm>
+          <a:prstGeom prst="roundRect">
+            <a:avLst/>
+          </a:prstGeom>
+          <a:solidFill>
+            <a:schemeClr val="bg2"/>
+          </a:solidFill>
+          <a:ln w="28575"/>
+        </p:spPr>
+        <p:style>
+          <a:lnRef idx="2">
+            <a:schemeClr val="accent1">
+              <a:shade val="50000"/>
+            </a:schemeClr>
+          </a:lnRef>
+          <a:fillRef idx="1">
+            <a:schemeClr val="accent1"/>
+          </a:fillRef>
+          <a:effectRef idx="0">
+            <a:schemeClr val="accent1"/>
+          </a:effectRef>
+          <a:fontRef idx="minor">
+            <a:schemeClr val="lt1"/>
+          </a:fontRef>
+        </p:style>
+        <p:txBody>
+          <a:bodyPr rtlCol="0" anchor="ctr"/>
+          <a:lstStyle/>
+          <a:p>
+            <a:pPr algn="ctr"/>
+            <a:r>
+              <a:rPr lang="nl-BE" sz="2000" b="1" dirty="0" err="1">
+                <a:solidFill>
+                  <a:srgbClr val="2F4D5D"/>
+                </a:solidFill>
+              </a:rPr>
+              <a:t>reference</a:t>
+            </a:r>
+            <a:r>
+              <a:rPr lang="nl-BE" sz="2000" b="1" dirty="0">
+                <a:solidFill>
+                  <a:srgbClr val="2F4D5D"/>
+                </a:solidFill>
+              </a:rPr>
+              <a:t> </a:t>
+            </a:r>
+            <a:r>
+              <a:rPr lang="nl-BE" sz="2000" b="1" dirty="0" err="1">
+                <a:solidFill>
+                  <a:srgbClr val="2F4D5D"/>
+                </a:solidFill>
+              </a:rPr>
+              <a:t>material</a:t>
+            </a:r>
+            <a:r>
+              <a:rPr lang="nl-BE" sz="2000" b="1" dirty="0">
+                <a:solidFill>
+                  <a:srgbClr val="2F4D5D"/>
+                </a:solidFill>
+              </a:rPr>
+              <a:t> </a:t>
+            </a:r>
+            <a:r>
+              <a:rPr lang="nl-BE" sz="2000" dirty="0" err="1">
+                <a:solidFill>
+                  <a:srgbClr val="2F4D5D"/>
+                </a:solidFill>
+              </a:rPr>
+              <a:t>need</a:t>
             </a:r>
             <a:r>
               <a:rPr lang="nl-BE" sz="2000" dirty="0">
@@ -14446,7 +18708,285 @@
                   <a:srgbClr val="2F4D5D"/>
                 </a:solidFill>
               </a:rPr>
-              <a:t> issues</a:t>
+              <a:t> </a:t>
+            </a:r>
+            <a:r>
+              <a:rPr lang="nl-BE" sz="2000" dirty="0" err="1">
+                <a:solidFill>
+                  <a:srgbClr val="2F4D5D"/>
+                </a:solidFill>
+              </a:rPr>
+              <a:t>to</a:t>
+            </a:r>
+            <a:r>
+              <a:rPr lang="nl-BE" sz="2000" dirty="0">
+                <a:solidFill>
+                  <a:srgbClr val="2F4D5D"/>
+                </a:solidFill>
+              </a:rPr>
+              <a:t> </a:t>
+            </a:r>
+            <a:r>
+              <a:rPr lang="nl-BE" sz="2000" dirty="0" err="1">
+                <a:solidFill>
+                  <a:srgbClr val="2F4D5D"/>
+                </a:solidFill>
+              </a:rPr>
+              <a:t>be</a:t>
+            </a:r>
+            <a:r>
+              <a:rPr lang="nl-BE" sz="2000" dirty="0">
+                <a:solidFill>
+                  <a:srgbClr val="2F4D5D"/>
+                </a:solidFill>
+              </a:rPr>
+              <a:t> </a:t>
+            </a:r>
+            <a:r>
+              <a:rPr lang="nl-BE" sz="2000" dirty="0" err="1">
+                <a:solidFill>
+                  <a:srgbClr val="2F4D5D"/>
+                </a:solidFill>
+              </a:rPr>
+              <a:t>provided</a:t>
+            </a:r>
+            <a:r>
+              <a:rPr lang="nl-BE" sz="2000" dirty="0">
+                <a:solidFill>
+                  <a:srgbClr val="2F4D5D"/>
+                </a:solidFill>
+              </a:rPr>
+              <a:t> </a:t>
+            </a:r>
+            <a:r>
+              <a:rPr lang="nl-BE" sz="2000" dirty="0" err="1">
+                <a:solidFill>
+                  <a:srgbClr val="2F4D5D"/>
+                </a:solidFill>
+              </a:rPr>
+              <a:t>to</a:t>
+            </a:r>
+            <a:r>
+              <a:rPr lang="nl-BE" sz="2000" dirty="0">
+                <a:solidFill>
+                  <a:srgbClr val="2F4D5D"/>
+                </a:solidFill>
+              </a:rPr>
+              <a:t> </a:t>
+            </a:r>
+            <a:r>
+              <a:rPr lang="nl-BE" sz="2000" dirty="0" err="1">
+                <a:solidFill>
+                  <a:srgbClr val="2F4D5D"/>
+                </a:solidFill>
+              </a:rPr>
+              <a:t>compare</a:t>
+            </a:r>
+            <a:endParaRPr lang="nl-BE" sz="2000" dirty="0">
+              <a:solidFill>
+                <a:srgbClr val="2F4D5D"/>
+              </a:solidFill>
+            </a:endParaRPr>
+          </a:p>
+        </p:txBody>
+      </p:sp>
+      <p:sp>
+        <p:nvSpPr>
+          <p:cNvPr id="14" name="Rechthoek: afgeronde hoeken 13">
+            <a:extLst>
+              <a:ext uri="{FF2B5EF4-FFF2-40B4-BE49-F238E27FC236}">
+                <a16:creationId xmlns:a16="http://schemas.microsoft.com/office/drawing/2014/main" id="{0C83F8E2-488F-4448-BF98-0713B990EEC8}"/>
+              </a:ext>
+            </a:extLst>
+          </p:cNvPr>
+          <p:cNvSpPr/>
+          <p:nvPr/>
+        </p:nvSpPr>
+        <p:spPr>
+          <a:xfrm>
+            <a:off x="6457243" y="3825505"/>
+            <a:ext cx="4730045" cy="1478844"/>
+          </a:xfrm>
+          <a:prstGeom prst="roundRect">
+            <a:avLst/>
+          </a:prstGeom>
+          <a:solidFill>
+            <a:schemeClr val="bg2"/>
+          </a:solidFill>
+          <a:ln w="28575"/>
+        </p:spPr>
+        <p:style>
+          <a:lnRef idx="2">
+            <a:schemeClr val="accent1">
+              <a:shade val="50000"/>
+            </a:schemeClr>
+          </a:lnRef>
+          <a:fillRef idx="1">
+            <a:schemeClr val="accent1"/>
+          </a:fillRef>
+          <a:effectRef idx="0">
+            <a:schemeClr val="accent1"/>
+          </a:effectRef>
+          <a:fontRef idx="minor">
+            <a:schemeClr val="lt1"/>
+          </a:fontRef>
+        </p:style>
+        <p:txBody>
+          <a:bodyPr rtlCol="0" anchor="ctr"/>
+          <a:lstStyle/>
+          <a:p>
+            <a:pPr algn="ctr"/>
+            <a:r>
+              <a:rPr lang="nl-BE" sz="2000" dirty="0" err="1">
+                <a:solidFill>
+                  <a:srgbClr val="2F4D5D"/>
+                </a:solidFill>
+              </a:rPr>
+              <a:t>what</a:t>
+            </a:r>
+            <a:r>
+              <a:rPr lang="nl-BE" sz="2000" dirty="0">
+                <a:solidFill>
+                  <a:srgbClr val="2F4D5D"/>
+                </a:solidFill>
+              </a:rPr>
+              <a:t> </a:t>
+            </a:r>
+            <a:r>
+              <a:rPr lang="nl-BE" sz="2000" b="1" dirty="0" err="1">
+                <a:solidFill>
+                  <a:srgbClr val="2F4D5D"/>
+                </a:solidFill>
+              </a:rPr>
+              <a:t>biological</a:t>
+            </a:r>
+            <a:r>
+              <a:rPr lang="nl-BE" sz="2000" b="1" dirty="0">
+                <a:solidFill>
+                  <a:srgbClr val="2F4D5D"/>
+                </a:solidFill>
+              </a:rPr>
+              <a:t> environment </a:t>
+            </a:r>
+            <a:r>
+              <a:rPr lang="nl-BE" sz="2000" dirty="0">
+                <a:solidFill>
+                  <a:srgbClr val="2F4D5D"/>
+                </a:solidFill>
+              </a:rPr>
+              <a:t>is </a:t>
+            </a:r>
+            <a:r>
+              <a:rPr lang="nl-BE" sz="2000" dirty="0" err="1">
+                <a:solidFill>
+                  <a:srgbClr val="2F4D5D"/>
+                </a:solidFill>
+              </a:rPr>
+              <a:t>used</a:t>
+            </a:r>
+            <a:r>
+              <a:rPr lang="nl-BE" sz="2000" dirty="0">
+                <a:solidFill>
+                  <a:srgbClr val="2F4D5D"/>
+                </a:solidFill>
+              </a:rPr>
+              <a:t>?</a:t>
+            </a:r>
+          </a:p>
+        </p:txBody>
+      </p:sp>
+      <p:sp>
+        <p:nvSpPr>
+          <p:cNvPr id="3" name="Tekstvak 2">
+            <a:extLst>
+              <a:ext uri="{FF2B5EF4-FFF2-40B4-BE49-F238E27FC236}">
+                <a16:creationId xmlns:a16="http://schemas.microsoft.com/office/drawing/2014/main" id="{51A0F02A-E4D8-4D27-8CB4-A35CC4FC93AF}"/>
+              </a:ext>
+            </a:extLst>
+          </p:cNvPr>
+          <p:cNvSpPr txBox="1"/>
+          <p:nvPr/>
+        </p:nvSpPr>
+        <p:spPr>
+          <a:xfrm>
+            <a:off x="1004710" y="5452533"/>
+            <a:ext cx="10182579" cy="400110"/>
+          </a:xfrm>
+          <a:prstGeom prst="rect">
+            <a:avLst/>
+          </a:prstGeom>
+          <a:noFill/>
+        </p:spPr>
+        <p:txBody>
+          <a:bodyPr wrap="square" rtlCol="0">
+            <a:spAutoFit/>
+          </a:bodyPr>
+          <a:lstStyle/>
+          <a:p>
+            <a:pPr algn="ctr"/>
+            <a:r>
+              <a:rPr lang="nl-BE" sz="2000" b="1" dirty="0"/>
+              <a:t>Response</a:t>
+            </a:r>
+            <a:r>
+              <a:rPr lang="nl-BE" sz="2000" dirty="0"/>
+              <a:t> of </a:t>
+            </a:r>
+            <a:r>
+              <a:rPr lang="nl-BE" sz="2000" dirty="0" err="1"/>
+              <a:t>biological</a:t>
+            </a:r>
+            <a:r>
+              <a:rPr lang="nl-BE" sz="2000" dirty="0"/>
+              <a:t> environment </a:t>
+            </a:r>
+            <a:r>
+              <a:rPr lang="nl-BE" sz="2000" dirty="0" err="1"/>
+              <a:t>to</a:t>
+            </a:r>
+            <a:r>
+              <a:rPr lang="nl-BE" sz="2000" dirty="0"/>
+              <a:t> </a:t>
+            </a:r>
+            <a:r>
+              <a:rPr lang="nl-BE" sz="2000" dirty="0" err="1"/>
+              <a:t>the</a:t>
+            </a:r>
+            <a:r>
+              <a:rPr lang="nl-BE" sz="2000" dirty="0"/>
+              <a:t> </a:t>
+            </a:r>
+            <a:r>
+              <a:rPr lang="nl-BE" sz="2000" dirty="0" err="1"/>
+              <a:t>nanoparticles</a:t>
+            </a:r>
+            <a:r>
+              <a:rPr lang="nl-BE" sz="2000" dirty="0"/>
+              <a:t> </a:t>
+            </a:r>
+            <a:r>
+              <a:rPr lang="nl-BE" sz="2000" dirty="0" err="1"/>
+              <a:t>can</a:t>
+            </a:r>
+            <a:r>
+              <a:rPr lang="nl-BE" sz="2000" dirty="0"/>
+              <a:t> </a:t>
+            </a:r>
+            <a:r>
+              <a:rPr lang="nl-BE" sz="2000" b="1" dirty="0" err="1"/>
+              <a:t>extremely</a:t>
+            </a:r>
+            <a:r>
+              <a:rPr lang="nl-BE" sz="2000" b="1" dirty="0"/>
+              <a:t> </a:t>
+            </a:r>
+            <a:r>
+              <a:rPr lang="nl-BE" sz="2000" b="1" dirty="0" err="1"/>
+              <a:t>vary</a:t>
+            </a:r>
+            <a:r>
+              <a:rPr lang="nl-BE" sz="2000" dirty="0"/>
+              <a:t>!</a:t>
             </a:r>
           </a:p>
         </p:txBody>
@@ -14454,7 +18994,7 @@
     </p:spTree>
     <p:extLst>
       <p:ext uri="{BB962C8B-B14F-4D97-AF65-F5344CB8AC3E}">
-        <p14:creationId xmlns:p14="http://schemas.microsoft.com/office/powerpoint/2010/main" val="2287604197"/>
+        <p14:creationId xmlns:p14="http://schemas.microsoft.com/office/powerpoint/2010/main" val="1604054730"/>
       </p:ext>
     </p:extLst>
   </p:cSld>
@@ -14464,7 +19004,7 @@
 </p:sld>
 </file>
 
-<file path=ppt/slides/slide7.xml><?xml version="1.0" encoding="utf-8"?>
+<file path=ppt/slides/slide8.xml><?xml version="1.0" encoding="utf-8"?>
 <p:sld xmlns:a="http://schemas.openxmlformats.org/drawingml/2006/main" xmlns:r="http://schemas.openxmlformats.org/officeDocument/2006/relationships" xmlns:p="http://schemas.openxmlformats.org/presentationml/2006/main">
   <p:cSld>
     <p:spTree>
@@ -15168,7 +19708,7 @@
 </p:sld>
 </file>
 
-<file path=ppt/slides/slide8.xml><?xml version="1.0" encoding="utf-8"?>
+<file path=ppt/slides/slide9.xml><?xml version="1.0" encoding="utf-8"?>
 <p:sld xmlns:a="http://schemas.openxmlformats.org/drawingml/2006/main" xmlns:r="http://schemas.openxmlformats.org/officeDocument/2006/relationships" xmlns:p="http://schemas.openxmlformats.org/presentationml/2006/main">
   <p:cSld>
     <p:spTree>
@@ -15771,807 +20311,6 @@
     <p:extLst>
       <p:ext uri="{BB962C8B-B14F-4D97-AF65-F5344CB8AC3E}">
         <p14:creationId xmlns:p14="http://schemas.microsoft.com/office/powerpoint/2010/main" val="1518312746"/>
-      </p:ext>
-    </p:extLst>
-  </p:cSld>
-  <p:clrMapOvr>
-    <a:masterClrMapping/>
-  </p:clrMapOvr>
-</p:sld>
-</file>
-
-<file path=ppt/slides/slide9.xml><?xml version="1.0" encoding="utf-8"?>
-<p:sld xmlns:a="http://schemas.openxmlformats.org/drawingml/2006/main" xmlns:r="http://schemas.openxmlformats.org/officeDocument/2006/relationships" xmlns:p="http://schemas.openxmlformats.org/presentationml/2006/main">
-  <p:cSld>
-    <p:spTree>
-      <p:nvGrpSpPr>
-        <p:cNvPr id="1" name=""/>
-        <p:cNvGrpSpPr/>
-        <p:nvPr/>
-      </p:nvGrpSpPr>
-      <p:grpSpPr>
-        <a:xfrm>
-          <a:off x="0" y="0"/>
-          <a:ext cx="0" cy="0"/>
-          <a:chOff x="0" y="0"/>
-          <a:chExt cx="0" cy="0"/>
-        </a:xfrm>
-      </p:grpSpPr>
-      <p:sp>
-        <p:nvSpPr>
-          <p:cNvPr id="4" name="Titel 3">
-            <a:extLst>
-              <a:ext uri="{FF2B5EF4-FFF2-40B4-BE49-F238E27FC236}">
-                <a16:creationId xmlns:a16="http://schemas.microsoft.com/office/drawing/2014/main" id="{B5FBEFEE-FB6C-4481-9947-96EA662C6CC0}"/>
-              </a:ext>
-            </a:extLst>
-          </p:cNvPr>
-          <p:cNvSpPr>
-            <a:spLocks noGrp="1"/>
-          </p:cNvSpPr>
-          <p:nvPr>
-            <p:ph type="title"/>
-          </p:nvPr>
-        </p:nvSpPr>
-        <p:spPr/>
-        <p:txBody>
-          <a:bodyPr/>
-          <a:lstStyle/>
-          <a:p>
-            <a:r>
-              <a:rPr lang="en-US" dirty="0"/>
-              <a:t>Areas studied for nanotoxicity </a:t>
-            </a:r>
-          </a:p>
-        </p:txBody>
-      </p:sp>
-      <p:sp>
-        <p:nvSpPr>
-          <p:cNvPr id="5" name="Rechthoek: afgeronde hoeken 4">
-            <a:extLst>
-              <a:ext uri="{FF2B5EF4-FFF2-40B4-BE49-F238E27FC236}">
-                <a16:creationId xmlns:a16="http://schemas.microsoft.com/office/drawing/2014/main" id="{1E7B1E3E-52F7-4627-83E0-96D12C5F6630}"/>
-              </a:ext>
-            </a:extLst>
-          </p:cNvPr>
-          <p:cNvSpPr/>
-          <p:nvPr/>
-        </p:nvSpPr>
-        <p:spPr>
-          <a:xfrm>
-            <a:off x="945932" y="1618593"/>
-            <a:ext cx="10047890" cy="4382814"/>
-          </a:xfrm>
-          <a:prstGeom prst="roundRect">
-            <a:avLst/>
-          </a:prstGeom>
-          <a:solidFill>
-            <a:schemeClr val="bg2"/>
-          </a:solidFill>
-          <a:ln w="28575"/>
-        </p:spPr>
-        <p:style>
-          <a:lnRef idx="2">
-            <a:schemeClr val="accent1">
-              <a:shade val="50000"/>
-            </a:schemeClr>
-          </a:lnRef>
-          <a:fillRef idx="1">
-            <a:schemeClr val="accent1"/>
-          </a:fillRef>
-          <a:effectRef idx="0">
-            <a:schemeClr val="accent1"/>
-          </a:effectRef>
-          <a:fontRef idx="minor">
-            <a:schemeClr val="lt1"/>
-          </a:fontRef>
-        </p:style>
-        <p:txBody>
-          <a:bodyPr rtlCol="0" anchor="ctr"/>
-          <a:lstStyle/>
-          <a:p>
-            <a:endParaRPr lang="nl-BE" sz="2000" b="1" dirty="0">
-              <a:solidFill>
-                <a:srgbClr val="2F4D5D"/>
-              </a:solidFill>
-            </a:endParaRPr>
-          </a:p>
-          <a:p>
-            <a:endParaRPr lang="nl-BE" sz="2000" b="1" dirty="0">
-              <a:solidFill>
-                <a:srgbClr val="2F4D5D"/>
-              </a:solidFill>
-            </a:endParaRPr>
-          </a:p>
-          <a:p>
-            <a:endParaRPr lang="nl-BE" sz="2000" b="1" dirty="0">
-              <a:solidFill>
-                <a:srgbClr val="2F4D5D"/>
-              </a:solidFill>
-            </a:endParaRPr>
-          </a:p>
-          <a:p>
-            <a:endParaRPr lang="nl-BE" sz="2000" b="1" dirty="0">
-              <a:solidFill>
-                <a:srgbClr val="2F4D5D"/>
-              </a:solidFill>
-            </a:endParaRPr>
-          </a:p>
-          <a:p>
-            <a:endParaRPr lang="nl-BE" sz="2000" b="1" dirty="0">
-              <a:solidFill>
-                <a:srgbClr val="2F4D5D"/>
-              </a:solidFill>
-            </a:endParaRPr>
-          </a:p>
-          <a:p>
-            <a:endParaRPr lang="nl-BE" sz="2000" b="1" dirty="0">
-              <a:solidFill>
-                <a:srgbClr val="2F4D5D"/>
-              </a:solidFill>
-            </a:endParaRPr>
-          </a:p>
-          <a:p>
-            <a:r>
-              <a:rPr lang="nl-BE" sz="2000" b="1" dirty="0">
-                <a:solidFill>
-                  <a:srgbClr val="2F4D5D"/>
-                </a:solidFill>
-              </a:rPr>
-              <a:t>Area 2: In Vitro </a:t>
-            </a:r>
-            <a:r>
-              <a:rPr lang="nl-BE" sz="2000" b="1" dirty="0" err="1">
-                <a:solidFill>
-                  <a:srgbClr val="2F4D5D"/>
-                </a:solidFill>
-              </a:rPr>
-              <a:t>toxicity</a:t>
-            </a:r>
-            <a:endParaRPr lang="nl-BE" sz="2000" b="1" dirty="0">
-              <a:solidFill>
-                <a:srgbClr val="2F4D5D"/>
-              </a:solidFill>
-            </a:endParaRPr>
-          </a:p>
-          <a:p>
-            <a:r>
-              <a:rPr lang="nl-BE" sz="2000" dirty="0" err="1">
-                <a:solidFill>
-                  <a:srgbClr val="2F4D5D"/>
-                </a:solidFill>
-              </a:rPr>
-              <a:t>Study</a:t>
-            </a:r>
-            <a:r>
-              <a:rPr lang="nl-BE" sz="2000" dirty="0">
-                <a:solidFill>
-                  <a:srgbClr val="2F4D5D"/>
-                </a:solidFill>
-              </a:rPr>
-              <a:t> </a:t>
-            </a:r>
-            <a:r>
-              <a:rPr lang="nl-BE" sz="2000" dirty="0" err="1">
-                <a:solidFill>
-                  <a:srgbClr val="2F4D5D"/>
-                </a:solidFill>
-              </a:rPr>
-              <a:t>influence</a:t>
-            </a:r>
-            <a:r>
-              <a:rPr lang="nl-BE" sz="2000" dirty="0">
-                <a:solidFill>
-                  <a:srgbClr val="2F4D5D"/>
-                </a:solidFill>
-              </a:rPr>
-              <a:t> on </a:t>
-            </a:r>
-            <a:r>
-              <a:rPr lang="nl-BE" sz="2000" dirty="0" err="1">
-                <a:solidFill>
-                  <a:srgbClr val="2F4D5D"/>
-                </a:solidFill>
-              </a:rPr>
-              <a:t>subcellular</a:t>
-            </a:r>
-            <a:r>
-              <a:rPr lang="nl-BE" sz="2000" dirty="0">
-                <a:solidFill>
-                  <a:srgbClr val="2F4D5D"/>
-                </a:solidFill>
-              </a:rPr>
-              <a:t>, </a:t>
-            </a:r>
-            <a:r>
-              <a:rPr lang="nl-BE" sz="2000" dirty="0" err="1">
-                <a:solidFill>
-                  <a:srgbClr val="2F4D5D"/>
-                </a:solidFill>
-              </a:rPr>
-              <a:t>cellular</a:t>
-            </a:r>
-            <a:r>
-              <a:rPr lang="nl-BE" sz="2000" dirty="0">
-                <a:solidFill>
-                  <a:srgbClr val="2F4D5D"/>
-                </a:solidFill>
-              </a:rPr>
-              <a:t> </a:t>
-            </a:r>
-            <a:r>
-              <a:rPr lang="nl-BE" sz="2000" dirty="0" err="1">
-                <a:solidFill>
-                  <a:srgbClr val="2F4D5D"/>
-                </a:solidFill>
-              </a:rPr>
-              <a:t>and</a:t>
-            </a:r>
-            <a:r>
-              <a:rPr lang="nl-BE" sz="2000" dirty="0">
-                <a:solidFill>
-                  <a:srgbClr val="2F4D5D"/>
-                </a:solidFill>
-              </a:rPr>
-              <a:t> </a:t>
-            </a:r>
-            <a:r>
-              <a:rPr lang="nl-BE" sz="2000" dirty="0" err="1">
-                <a:solidFill>
-                  <a:srgbClr val="2F4D5D"/>
-                </a:solidFill>
-              </a:rPr>
-              <a:t>whole</a:t>
-            </a:r>
-            <a:r>
-              <a:rPr lang="nl-BE" sz="2000" dirty="0">
-                <a:solidFill>
-                  <a:srgbClr val="2F4D5D"/>
-                </a:solidFill>
-              </a:rPr>
-              <a:t> tissue. </a:t>
-            </a:r>
-          </a:p>
-          <a:p>
-            <a:r>
-              <a:rPr lang="nl-BE" sz="2000" dirty="0" err="1">
-                <a:solidFill>
-                  <a:srgbClr val="2F4D5D"/>
-                </a:solidFill>
-              </a:rPr>
-              <a:t>Determination</a:t>
-            </a:r>
-            <a:r>
-              <a:rPr lang="nl-BE" sz="2000" dirty="0">
-                <a:solidFill>
-                  <a:srgbClr val="2F4D5D"/>
-                </a:solidFill>
-              </a:rPr>
-              <a:t> of: </a:t>
-            </a:r>
-          </a:p>
-          <a:p>
-            <a:endParaRPr lang="nl-BE" sz="2000" dirty="0">
-              <a:solidFill>
-                <a:srgbClr val="2F4D5D"/>
-              </a:solidFill>
-            </a:endParaRPr>
-          </a:p>
-          <a:p>
-            <a:pPr marL="342900" indent="-342900">
-              <a:buFont typeface="Wingdings" panose="05000000000000000000" pitchFamily="2" charset="2"/>
-              <a:buChar char="Ø"/>
-            </a:pPr>
-            <a:r>
-              <a:rPr lang="nl-BE" sz="2000" dirty="0">
-                <a:solidFill>
-                  <a:srgbClr val="2F4D5D"/>
-                </a:solidFill>
-              </a:rPr>
-              <a:t>A </a:t>
-            </a:r>
-            <a:r>
-              <a:rPr lang="nl-BE" sz="2000" dirty="0" err="1">
-                <a:solidFill>
-                  <a:srgbClr val="2F4D5D"/>
-                </a:solidFill>
-              </a:rPr>
-              <a:t>relatively</a:t>
-            </a:r>
-            <a:r>
-              <a:rPr lang="nl-BE" sz="2000" dirty="0">
-                <a:solidFill>
-                  <a:srgbClr val="2F4D5D"/>
-                </a:solidFill>
-              </a:rPr>
-              <a:t> </a:t>
-            </a:r>
-            <a:r>
-              <a:rPr lang="nl-BE" sz="2000" b="1" dirty="0" err="1">
-                <a:solidFill>
-                  <a:srgbClr val="2F4D5D"/>
-                </a:solidFill>
-              </a:rPr>
-              <a:t>simple</a:t>
-            </a:r>
-            <a:r>
-              <a:rPr lang="nl-BE" sz="2000" b="1" dirty="0">
-                <a:solidFill>
-                  <a:srgbClr val="2F4D5D"/>
-                </a:solidFill>
-              </a:rPr>
-              <a:t> model </a:t>
-            </a:r>
-            <a:r>
-              <a:rPr lang="nl-BE" sz="2000" dirty="0" err="1">
-                <a:solidFill>
-                  <a:srgbClr val="2F4D5D"/>
-                </a:solidFill>
-              </a:rPr>
-              <a:t>that</a:t>
-            </a:r>
-            <a:r>
-              <a:rPr lang="nl-BE" sz="2000" dirty="0">
-                <a:solidFill>
-                  <a:srgbClr val="2F4D5D"/>
-                </a:solidFill>
-              </a:rPr>
-              <a:t> </a:t>
-            </a:r>
-            <a:r>
-              <a:rPr lang="nl-BE" sz="2000" dirty="0" err="1">
-                <a:solidFill>
-                  <a:srgbClr val="2F4D5D"/>
-                </a:solidFill>
-              </a:rPr>
-              <a:t>reveals</a:t>
-            </a:r>
-            <a:r>
-              <a:rPr lang="nl-BE" sz="2000" dirty="0">
-                <a:solidFill>
-                  <a:srgbClr val="2F4D5D"/>
-                </a:solidFill>
-              </a:rPr>
-              <a:t> a </a:t>
-            </a:r>
-            <a:r>
-              <a:rPr lang="nl-BE" sz="2000" dirty="0" err="1">
-                <a:solidFill>
-                  <a:srgbClr val="2F4D5D"/>
-                </a:solidFill>
-              </a:rPr>
-              <a:t>general</a:t>
-            </a:r>
-            <a:r>
-              <a:rPr lang="nl-BE" sz="2000" dirty="0">
-                <a:solidFill>
-                  <a:srgbClr val="2F4D5D"/>
-                </a:solidFill>
-              </a:rPr>
-              <a:t> </a:t>
-            </a:r>
-            <a:r>
-              <a:rPr lang="nl-BE" sz="2000" dirty="0" err="1">
-                <a:solidFill>
-                  <a:srgbClr val="2F4D5D"/>
-                </a:solidFill>
-              </a:rPr>
-              <a:t>mechanism</a:t>
-            </a:r>
-            <a:r>
-              <a:rPr lang="nl-BE" sz="2000" dirty="0">
-                <a:solidFill>
-                  <a:srgbClr val="2F4D5D"/>
-                </a:solidFill>
-              </a:rPr>
-              <a:t> of </a:t>
-            </a:r>
-            <a:r>
-              <a:rPr lang="nl-BE" sz="2000" dirty="0" err="1">
-                <a:solidFill>
-                  <a:srgbClr val="2F4D5D"/>
-                </a:solidFill>
-              </a:rPr>
-              <a:t>toxicity</a:t>
-            </a:r>
-            <a:r>
-              <a:rPr lang="nl-BE" sz="2000" dirty="0">
-                <a:solidFill>
-                  <a:srgbClr val="2F4D5D"/>
-                </a:solidFill>
-              </a:rPr>
-              <a:t> </a:t>
-            </a:r>
-            <a:r>
-              <a:rPr lang="nl-BE" sz="2000" dirty="0" err="1">
-                <a:solidFill>
-                  <a:srgbClr val="2F4D5D"/>
-                </a:solidFill>
-              </a:rPr>
-              <a:t>can</a:t>
-            </a:r>
-            <a:r>
-              <a:rPr lang="nl-BE" sz="2000" dirty="0">
-                <a:solidFill>
-                  <a:srgbClr val="2F4D5D"/>
-                </a:solidFill>
-              </a:rPr>
-              <a:t> </a:t>
-            </a:r>
-            <a:r>
-              <a:rPr lang="nl-BE" sz="2000" dirty="0" err="1">
-                <a:solidFill>
-                  <a:srgbClr val="2F4D5D"/>
-                </a:solidFill>
-              </a:rPr>
-              <a:t>be</a:t>
-            </a:r>
-            <a:r>
-              <a:rPr lang="nl-BE" sz="2000" dirty="0">
-                <a:solidFill>
-                  <a:srgbClr val="2F4D5D"/>
-                </a:solidFill>
-              </a:rPr>
-              <a:t> a basis </a:t>
-            </a:r>
-            <a:r>
-              <a:rPr lang="nl-BE" sz="2000" dirty="0" err="1">
-                <a:solidFill>
-                  <a:srgbClr val="2F4D5D"/>
-                </a:solidFill>
-              </a:rPr>
-              <a:t>for</a:t>
-            </a:r>
-            <a:r>
-              <a:rPr lang="nl-BE" sz="2000" dirty="0">
-                <a:solidFill>
-                  <a:srgbClr val="2F4D5D"/>
-                </a:solidFill>
-              </a:rPr>
-              <a:t> </a:t>
-            </a:r>
-            <a:r>
-              <a:rPr lang="nl-BE" sz="2000" dirty="0" err="1">
-                <a:solidFill>
-                  <a:srgbClr val="2F4D5D"/>
-                </a:solidFill>
-              </a:rPr>
-              <a:t>further</a:t>
-            </a:r>
-            <a:r>
-              <a:rPr lang="nl-BE" sz="2000" dirty="0">
-                <a:solidFill>
-                  <a:srgbClr val="2F4D5D"/>
-                </a:solidFill>
-              </a:rPr>
-              <a:t> assessment.</a:t>
-            </a:r>
-          </a:p>
-          <a:p>
-            <a:endParaRPr lang="nl-BE" sz="2000" dirty="0">
-              <a:solidFill>
-                <a:srgbClr val="2F4D5D"/>
-              </a:solidFill>
-            </a:endParaRPr>
-          </a:p>
-          <a:p>
-            <a:pPr marL="342900" indent="-342900">
-              <a:buFont typeface="Wingdings" panose="05000000000000000000" pitchFamily="2" charset="2"/>
-              <a:buChar char="Ø"/>
-            </a:pPr>
-            <a:r>
-              <a:rPr lang="nl-BE" sz="2000" dirty="0">
-                <a:solidFill>
-                  <a:srgbClr val="2F4D5D"/>
-                </a:solidFill>
-              </a:rPr>
-              <a:t>“</a:t>
-            </a:r>
-            <a:r>
-              <a:rPr lang="nl-BE" sz="2000" b="1" dirty="0" err="1">
-                <a:solidFill>
-                  <a:srgbClr val="2F4D5D"/>
-                </a:solidFill>
-              </a:rPr>
-              <a:t>elementary</a:t>
-            </a:r>
-            <a:r>
-              <a:rPr lang="nl-BE" sz="2000" b="1" dirty="0">
-                <a:solidFill>
-                  <a:srgbClr val="2F4D5D"/>
-                </a:solidFill>
-              </a:rPr>
-              <a:t> </a:t>
-            </a:r>
-            <a:r>
-              <a:rPr lang="nl-BE" sz="2000" b="1" dirty="0" err="1">
-                <a:solidFill>
-                  <a:srgbClr val="2F4D5D"/>
-                </a:solidFill>
-              </a:rPr>
-              <a:t>toxicity</a:t>
-            </a:r>
-            <a:r>
-              <a:rPr lang="nl-BE" sz="2000" dirty="0">
-                <a:solidFill>
-                  <a:srgbClr val="2F4D5D"/>
-                </a:solidFill>
-              </a:rPr>
-              <a:t>”: </a:t>
-            </a:r>
-            <a:r>
-              <a:rPr lang="nl-BE" sz="2000" dirty="0" err="1">
-                <a:solidFill>
-                  <a:srgbClr val="2F4D5D"/>
-                </a:solidFill>
-              </a:rPr>
-              <a:t>the</a:t>
-            </a:r>
-            <a:r>
-              <a:rPr lang="nl-BE" sz="2000" dirty="0">
-                <a:solidFill>
-                  <a:srgbClr val="2F4D5D"/>
-                </a:solidFill>
-              </a:rPr>
-              <a:t> </a:t>
-            </a:r>
-            <a:r>
-              <a:rPr lang="nl-BE" sz="2000" dirty="0" err="1">
-                <a:solidFill>
-                  <a:srgbClr val="2F4D5D"/>
-                </a:solidFill>
-              </a:rPr>
-              <a:t>ability</a:t>
-            </a:r>
-            <a:r>
-              <a:rPr lang="nl-BE" sz="2000" dirty="0">
-                <a:solidFill>
-                  <a:srgbClr val="2F4D5D"/>
-                </a:solidFill>
-              </a:rPr>
-              <a:t> of a compound </a:t>
-            </a:r>
-            <a:r>
-              <a:rPr lang="nl-BE" sz="2000" dirty="0" err="1">
-                <a:solidFill>
-                  <a:srgbClr val="2F4D5D"/>
-                </a:solidFill>
-              </a:rPr>
-              <a:t>to</a:t>
-            </a:r>
-            <a:r>
-              <a:rPr lang="nl-BE" sz="2000" dirty="0">
-                <a:solidFill>
-                  <a:srgbClr val="2F4D5D"/>
-                </a:solidFill>
-              </a:rPr>
-              <a:t> </a:t>
-            </a:r>
-            <a:r>
-              <a:rPr lang="nl-BE" sz="2000" dirty="0" err="1">
-                <a:solidFill>
-                  <a:srgbClr val="2F4D5D"/>
-                </a:solidFill>
-              </a:rPr>
-              <a:t>cause</a:t>
-            </a:r>
-            <a:r>
-              <a:rPr lang="nl-BE" sz="2000" dirty="0">
-                <a:solidFill>
-                  <a:srgbClr val="2F4D5D"/>
-                </a:solidFill>
-              </a:rPr>
-              <a:t> </a:t>
-            </a:r>
-            <a:r>
-              <a:rPr lang="nl-BE" sz="2000" dirty="0" err="1">
-                <a:solidFill>
-                  <a:srgbClr val="2F4D5D"/>
-                </a:solidFill>
-              </a:rPr>
-              <a:t>death</a:t>
-            </a:r>
-            <a:r>
-              <a:rPr lang="nl-BE" sz="2000" dirty="0">
-                <a:solidFill>
-                  <a:srgbClr val="2F4D5D"/>
-                </a:solidFill>
-              </a:rPr>
-              <a:t> as a </a:t>
-            </a:r>
-            <a:r>
-              <a:rPr lang="nl-BE" sz="2000" dirty="0" err="1">
-                <a:solidFill>
-                  <a:srgbClr val="2F4D5D"/>
-                </a:solidFill>
-              </a:rPr>
-              <a:t>consequence</a:t>
-            </a:r>
-            <a:r>
-              <a:rPr lang="nl-BE" sz="2000" dirty="0">
-                <a:solidFill>
-                  <a:srgbClr val="2F4D5D"/>
-                </a:solidFill>
-              </a:rPr>
-              <a:t> of </a:t>
-            </a:r>
-            <a:r>
-              <a:rPr lang="nl-BE" sz="2000" dirty="0" err="1">
-                <a:solidFill>
-                  <a:srgbClr val="2F4D5D"/>
-                </a:solidFill>
-              </a:rPr>
-              <a:t>damage</a:t>
-            </a:r>
-            <a:r>
-              <a:rPr lang="nl-BE" sz="2000" dirty="0">
-                <a:solidFill>
-                  <a:srgbClr val="2F4D5D"/>
-                </a:solidFill>
-              </a:rPr>
-              <a:t> </a:t>
-            </a:r>
-            <a:r>
-              <a:rPr lang="nl-BE" sz="2000" dirty="0" err="1">
-                <a:solidFill>
-                  <a:srgbClr val="2F4D5D"/>
-                </a:solidFill>
-              </a:rPr>
-              <a:t>to</a:t>
-            </a:r>
-            <a:r>
-              <a:rPr lang="nl-BE" sz="2000" dirty="0">
-                <a:solidFill>
-                  <a:srgbClr val="2F4D5D"/>
-                </a:solidFill>
-              </a:rPr>
-              <a:t> basic </a:t>
-            </a:r>
-            <a:r>
-              <a:rPr lang="nl-BE" sz="2000" dirty="0" err="1">
-                <a:solidFill>
-                  <a:srgbClr val="2F4D5D"/>
-                </a:solidFill>
-              </a:rPr>
-              <a:t>cellular</a:t>
-            </a:r>
-            <a:r>
-              <a:rPr lang="nl-BE" sz="2000" dirty="0">
-                <a:solidFill>
-                  <a:srgbClr val="2F4D5D"/>
-                </a:solidFill>
-              </a:rPr>
-              <a:t> </a:t>
-            </a:r>
-            <a:r>
-              <a:rPr lang="nl-BE" sz="2000" dirty="0" err="1">
-                <a:solidFill>
-                  <a:srgbClr val="2F4D5D"/>
-                </a:solidFill>
-              </a:rPr>
-              <a:t>functions</a:t>
-            </a:r>
-            <a:r>
-              <a:rPr lang="nl-BE" sz="2000" dirty="0">
-                <a:solidFill>
-                  <a:srgbClr val="2F4D5D"/>
-                </a:solidFill>
-              </a:rPr>
-              <a:t>. </a:t>
-            </a:r>
-          </a:p>
-          <a:p>
-            <a:endParaRPr lang="nl-BE" sz="2000" dirty="0">
-              <a:solidFill>
-                <a:srgbClr val="2F4D5D"/>
-              </a:solidFill>
-            </a:endParaRPr>
-          </a:p>
-          <a:p>
-            <a:pPr algn="ctr"/>
-            <a:r>
-              <a:rPr lang="nl-BE" sz="2000" b="1" dirty="0" err="1">
-                <a:solidFill>
-                  <a:srgbClr val="2F4D5D"/>
-                </a:solidFill>
-              </a:rPr>
-              <a:t>Experimental</a:t>
-            </a:r>
-            <a:r>
-              <a:rPr lang="nl-BE" sz="2000" b="1" dirty="0">
-                <a:solidFill>
-                  <a:srgbClr val="2F4D5D"/>
-                </a:solidFill>
-              </a:rPr>
-              <a:t> </a:t>
-            </a:r>
-            <a:r>
-              <a:rPr lang="nl-BE" sz="2000" b="1" dirty="0" err="1">
-                <a:solidFill>
-                  <a:srgbClr val="2F4D5D"/>
-                </a:solidFill>
-              </a:rPr>
-              <a:t>observation</a:t>
-            </a:r>
-            <a:r>
-              <a:rPr lang="nl-BE" sz="2000" b="1" dirty="0">
-                <a:solidFill>
-                  <a:srgbClr val="2F4D5D"/>
-                </a:solidFill>
-              </a:rPr>
-              <a:t>: </a:t>
-            </a:r>
-          </a:p>
-          <a:p>
-            <a:pPr algn="ctr"/>
-            <a:r>
-              <a:rPr lang="en-US" sz="2000" dirty="0">
-                <a:solidFill>
-                  <a:srgbClr val="2F4D5D"/>
-                </a:solidFill>
-              </a:rPr>
-              <a:t>“The data obtained from basal toxicity studies have been found to be in good correlation with acute toxicity in animals and humans”</a:t>
-            </a:r>
-            <a:endParaRPr lang="nl-BE" sz="2000" dirty="0">
-              <a:solidFill>
-                <a:srgbClr val="2F4D5D"/>
-              </a:solidFill>
-            </a:endParaRPr>
-          </a:p>
-          <a:p>
-            <a:pPr algn="ctr"/>
-            <a:endParaRPr lang="nl-BE" sz="2000" dirty="0">
-              <a:solidFill>
-                <a:srgbClr val="2F4D5D"/>
-              </a:solidFill>
-            </a:endParaRPr>
-          </a:p>
-          <a:p>
-            <a:pPr algn="ctr"/>
-            <a:endParaRPr lang="nl-BE" sz="2000" dirty="0">
-              <a:solidFill>
-                <a:srgbClr val="2F4D5D"/>
-              </a:solidFill>
-            </a:endParaRPr>
-          </a:p>
-          <a:p>
-            <a:pPr algn="ctr"/>
-            <a:endParaRPr lang="nl-BE" sz="2000" dirty="0">
-              <a:solidFill>
-                <a:srgbClr val="2F4D5D"/>
-              </a:solidFill>
-            </a:endParaRPr>
-          </a:p>
-          <a:p>
-            <a:pPr algn="ctr"/>
-            <a:endParaRPr lang="nl-BE" sz="2000" dirty="0">
-              <a:solidFill>
-                <a:srgbClr val="2F4D5D"/>
-              </a:solidFill>
-            </a:endParaRPr>
-          </a:p>
-          <a:p>
-            <a:pPr algn="ctr"/>
-            <a:endParaRPr lang="nl-BE" sz="2000" dirty="0">
-              <a:solidFill>
-                <a:srgbClr val="2F4D5D"/>
-              </a:solidFill>
-            </a:endParaRPr>
-          </a:p>
-          <a:p>
-            <a:pPr algn="ctr"/>
-            <a:endParaRPr lang="nl-BE" sz="2000" dirty="0">
-              <a:solidFill>
-                <a:srgbClr val="2F4D5D"/>
-              </a:solidFill>
-            </a:endParaRPr>
-          </a:p>
-        </p:txBody>
-      </p:sp>
-    </p:spTree>
-    <p:extLst>
-      <p:ext uri="{BB962C8B-B14F-4D97-AF65-F5344CB8AC3E}">
-        <p14:creationId xmlns:p14="http://schemas.microsoft.com/office/powerpoint/2010/main" val="1019489789"/>
       </p:ext>
     </p:extLst>
   </p:cSld>
